--- a/Presentation/Boosting.pptx
+++ b/Presentation/Boosting.pptx
@@ -5,10 +5,10 @@
     <p:sldMasterId id="2147483671" r:id="rId4"/>
   </p:sldMasterIdLst>
   <p:notesMasterIdLst>
-    <p:notesMasterId r:id="rId21"/>
+    <p:notesMasterId r:id="rId22"/>
   </p:notesMasterIdLst>
   <p:handoutMasterIdLst>
-    <p:handoutMasterId r:id="rId22"/>
+    <p:handoutMasterId r:id="rId23"/>
   </p:handoutMasterIdLst>
   <p:sldIdLst>
     <p:sldId id="288" r:id="rId5"/>
@@ -20,13 +20,14 @@
     <p:sldId id="322" r:id="rId11"/>
     <p:sldId id="318" r:id="rId12"/>
     <p:sldId id="320" r:id="rId13"/>
-    <p:sldId id="313" r:id="rId14"/>
-    <p:sldId id="312" r:id="rId15"/>
-    <p:sldId id="317" r:id="rId16"/>
-    <p:sldId id="321" r:id="rId17"/>
-    <p:sldId id="324" r:id="rId18"/>
-    <p:sldId id="323" r:id="rId19"/>
-    <p:sldId id="316" r:id="rId20"/>
+    <p:sldId id="327" r:id="rId14"/>
+    <p:sldId id="313" r:id="rId15"/>
+    <p:sldId id="312" r:id="rId16"/>
+    <p:sldId id="317" r:id="rId17"/>
+    <p:sldId id="321" r:id="rId18"/>
+    <p:sldId id="324" r:id="rId19"/>
+    <p:sldId id="323" r:id="rId20"/>
+    <p:sldId id="316" r:id="rId21"/>
   </p:sldIdLst>
   <p:sldSz cx="9144000" cy="6858000" type="screen4x3"/>
   <p:notesSz cx="6858000" cy="9144000"/>
@@ -127,7 +128,7 @@
   </p:defaultTextStyle>
   <p:extLst>
     <p:ext uri="{EFAFB233-063F-42B5-8137-9DF3F51BA10A}">
-      <p15:sldGuideLst xmlns="" xmlns:p15="http://schemas.microsoft.com/office/powerpoint/2012/main">
+      <p15:sldGuideLst xmlns:p15="http://schemas.microsoft.com/office/powerpoint/2012/main" xmlns="">
         <p15:guide id="1" orient="horz" pos="3868">
           <p15:clr>
             <a:srgbClr val="A4A3A4"/>
@@ -348,7 +349,7 @@
     </p:spTree>
     <p:extLst>
       <p:ext uri="{BB962C8B-B14F-4D97-AF65-F5344CB8AC3E}">
-        <p14:creationId xmlns="" xmlns:p14="http://schemas.microsoft.com/office/powerpoint/2010/main" val="1411092301"/>
+        <p14:creationId xmlns:p14="http://schemas.microsoft.com/office/powerpoint/2010/main" xmlns="" val="1411092301"/>
       </p:ext>
     </p:extLst>
   </p:cSld>
@@ -609,7 +610,7 @@
     </p:spTree>
     <p:extLst>
       <p:ext uri="{BB962C8B-B14F-4D97-AF65-F5344CB8AC3E}">
-        <p14:creationId xmlns="" xmlns:p14="http://schemas.microsoft.com/office/powerpoint/2010/main" val="160240899"/>
+        <p14:creationId xmlns:p14="http://schemas.microsoft.com/office/powerpoint/2010/main" xmlns="" val="160240899"/>
       </p:ext>
     </p:extLst>
   </p:cSld>
@@ -739,7 +740,7 @@
           <a:blip r:embed="rId2">
             <a:extLst>
               <a:ext uri="{28A0092B-C50C-407E-A947-70E740481C1C}">
-                <a14:useLocalDpi xmlns="" xmlns:a14="http://schemas.microsoft.com/office/drawing/2010/main" val="0"/>
+                <a14:useLocalDpi xmlns:a14="http://schemas.microsoft.com/office/drawing/2010/main" xmlns="" val="0"/>
               </a:ext>
             </a:extLst>
           </a:blip>
@@ -760,7 +761,7 @@
     </p:spTree>
     <p:extLst>
       <p:ext uri="{BB962C8B-B14F-4D97-AF65-F5344CB8AC3E}">
-        <p14:creationId xmlns="" xmlns:p14="http://schemas.microsoft.com/office/powerpoint/2010/main" val="921680772"/>
+        <p14:creationId xmlns:p14="http://schemas.microsoft.com/office/powerpoint/2010/main" xmlns="" val="921680772"/>
       </p:ext>
     </p:extLst>
   </p:cSld>
@@ -790,7 +791,7 @@
     </p:spTree>
     <p:extLst>
       <p:ext uri="{BB962C8B-B14F-4D97-AF65-F5344CB8AC3E}">
-        <p14:creationId xmlns="" xmlns:p14="http://schemas.microsoft.com/office/powerpoint/2010/main" val="1551424100"/>
+        <p14:creationId xmlns:p14="http://schemas.microsoft.com/office/powerpoint/2010/main" xmlns="" val="1551424100"/>
       </p:ext>
     </p:extLst>
   </p:cSld>
@@ -920,7 +921,7 @@
     </p:spTree>
     <p:extLst>
       <p:ext uri="{BB962C8B-B14F-4D97-AF65-F5344CB8AC3E}">
-        <p14:creationId xmlns="" xmlns:p14="http://schemas.microsoft.com/office/powerpoint/2010/main" val="2725598606"/>
+        <p14:creationId xmlns:p14="http://schemas.microsoft.com/office/powerpoint/2010/main" xmlns="" val="2725598606"/>
       </p:ext>
     </p:extLst>
   </p:cSld>
@@ -1070,7 +1071,7 @@
     </p:spTree>
     <p:extLst>
       <p:ext uri="{BB962C8B-B14F-4D97-AF65-F5344CB8AC3E}">
-        <p14:creationId xmlns="" xmlns:p14="http://schemas.microsoft.com/office/powerpoint/2010/main" val="3479517975"/>
+        <p14:creationId xmlns:p14="http://schemas.microsoft.com/office/powerpoint/2010/main" xmlns="" val="3479517975"/>
       </p:ext>
     </p:extLst>
   </p:cSld>
@@ -1220,7 +1221,7 @@
     </p:spTree>
     <p:extLst>
       <p:ext uri="{BB962C8B-B14F-4D97-AF65-F5344CB8AC3E}">
-        <p14:creationId xmlns="" xmlns:p14="http://schemas.microsoft.com/office/powerpoint/2010/main" val="3246921271"/>
+        <p14:creationId xmlns:p14="http://schemas.microsoft.com/office/powerpoint/2010/main" xmlns="" val="3246921271"/>
       </p:ext>
     </p:extLst>
   </p:cSld>
@@ -1378,7 +1379,7 @@
     </p:spTree>
     <p:extLst>
       <p:ext uri="{BB962C8B-B14F-4D97-AF65-F5344CB8AC3E}">
-        <p14:creationId xmlns="" xmlns:p14="http://schemas.microsoft.com/office/powerpoint/2010/main" val="3015080783"/>
+        <p14:creationId xmlns:p14="http://schemas.microsoft.com/office/powerpoint/2010/main" xmlns="" val="3015080783"/>
       </p:ext>
     </p:extLst>
   </p:cSld>
@@ -1495,7 +1496,7 @@
     </p:spTree>
     <p:extLst>
       <p:ext uri="{BB962C8B-B14F-4D97-AF65-F5344CB8AC3E}">
-        <p14:creationId xmlns="" xmlns:p14="http://schemas.microsoft.com/office/powerpoint/2010/main" val="2098243185"/>
+        <p14:creationId xmlns:p14="http://schemas.microsoft.com/office/powerpoint/2010/main" xmlns="" val="2098243185"/>
       </p:ext>
     </p:extLst>
   </p:cSld>
@@ -1561,7 +1562,7 @@
     </p:spTree>
     <p:extLst>
       <p:ext uri="{BB962C8B-B14F-4D97-AF65-F5344CB8AC3E}">
-        <p14:creationId xmlns="" xmlns:p14="http://schemas.microsoft.com/office/powerpoint/2010/main" val="4200364697"/>
+        <p14:creationId xmlns:p14="http://schemas.microsoft.com/office/powerpoint/2010/main" xmlns="" val="4200364697"/>
       </p:ext>
     </p:extLst>
   </p:cSld>
@@ -1627,7 +1628,7 @@
     </p:spTree>
     <p:extLst>
       <p:ext uri="{BB962C8B-B14F-4D97-AF65-F5344CB8AC3E}">
-        <p14:creationId xmlns="" xmlns:p14="http://schemas.microsoft.com/office/powerpoint/2010/main" val="930438236"/>
+        <p14:creationId xmlns:p14="http://schemas.microsoft.com/office/powerpoint/2010/main" xmlns="" val="930438236"/>
       </p:ext>
     </p:extLst>
   </p:cSld>
@@ -1693,7 +1694,7 @@
     </p:spTree>
     <p:extLst>
       <p:ext uri="{BB962C8B-B14F-4D97-AF65-F5344CB8AC3E}">
-        <p14:creationId xmlns="" xmlns:p14="http://schemas.microsoft.com/office/powerpoint/2010/main" val="726771096"/>
+        <p14:creationId xmlns:p14="http://schemas.microsoft.com/office/powerpoint/2010/main" xmlns="" val="726771096"/>
       </p:ext>
     </p:extLst>
   </p:cSld>
@@ -1754,7 +1755,7 @@
             <a:blip r:embed="rId12">
               <a:extLst>
                 <a:ext uri="{28A0092B-C50C-407E-A947-70E740481C1C}">
-                  <a14:useLocalDpi xmlns="" xmlns:a14="http://schemas.microsoft.com/office/drawing/2010/main" val="0"/>
+                  <a14:useLocalDpi xmlns:a14="http://schemas.microsoft.com/office/drawing/2010/main" xmlns="" val="0"/>
                 </a:ext>
               </a:extLst>
             </a:blip>
@@ -1784,7 +1785,7 @@
             <a:blip r:embed="rId13">
               <a:extLst>
                 <a:ext uri="{28A0092B-C50C-407E-A947-70E740481C1C}">
-                  <a14:useLocalDpi xmlns="" xmlns:a14="http://schemas.microsoft.com/office/drawing/2010/main" val="0"/>
+                  <a14:useLocalDpi xmlns:a14="http://schemas.microsoft.com/office/drawing/2010/main" xmlns="" val="0"/>
                 </a:ext>
               </a:extLst>
             </a:blip>
@@ -1908,7 +1909,7 @@
     </p:spTree>
     <p:extLst>
       <p:ext uri="{BB962C8B-B14F-4D97-AF65-F5344CB8AC3E}">
-        <p14:creationId xmlns="" xmlns:p14="http://schemas.microsoft.com/office/powerpoint/2010/main" val="950083170"/>
+        <p14:creationId xmlns:p14="http://schemas.microsoft.com/office/powerpoint/2010/main" xmlns="" val="950083170"/>
       </p:ext>
     </p:extLst>
   </p:cSld>
@@ -2300,7 +2301,7 @@
     </p:spTree>
     <p:extLst>
       <p:ext uri="{BB962C8B-B14F-4D97-AF65-F5344CB8AC3E}">
-        <p14:creationId xmlns="" xmlns:p14="http://schemas.microsoft.com/office/powerpoint/2010/main" val="3730043343"/>
+        <p14:creationId xmlns:p14="http://schemas.microsoft.com/office/powerpoint/2010/main" xmlns="" val="3730043343"/>
       </p:ext>
     </p:extLst>
   </p:cSld>
@@ -2336,38 +2337,299 @@
       </p:grpSpPr>
       <p:sp>
         <p:nvSpPr>
-          <p:cNvPr id="32" name="文字方塊 31"/>
-          <p:cNvSpPr txBox="1"/>
+          <p:cNvPr id="4" name="Title 3"/>
+          <p:cNvSpPr>
+            <a:spLocks noGrp="1"/>
+          </p:cNvSpPr>
+          <p:nvPr>
+            <p:ph type="title"/>
+          </p:nvPr>
+        </p:nvSpPr>
+        <p:spPr>
+          <a:xfrm>
+            <a:off x="228600" y="228600"/>
+            <a:ext cx="7378623" cy="492443"/>
+          </a:xfrm>
+        </p:spPr>
+        <p:txBody>
+          <a:bodyPr/>
+          <a:lstStyle/>
+          <a:p>
+            <a:pPr marL="342900" indent="-342900"/>
+            <a:r>
+              <a:rPr lang="en-US" altLang="zh-TW" sz="3200" dirty="0" smtClean="0">
+                <a:solidFill>
+                  <a:schemeClr val="tx1"/>
+                </a:solidFill>
+                <a:latin typeface="+mj-lt"/>
+              </a:rPr>
+              <a:t>Can weak classifier combine to do better</a:t>
+            </a:r>
+            <a:endParaRPr lang="en-US" altLang="zh-TW" sz="3200" dirty="0">
+              <a:solidFill>
+                <a:schemeClr val="tx1"/>
+              </a:solidFill>
+              <a:latin typeface="+mj-lt"/>
+            </a:endParaRPr>
+          </a:p>
+        </p:txBody>
+      </p:sp>
+      <p:pic>
+        <p:nvPicPr>
+          <p:cNvPr id="11" name="圖片 10"/>
+          <p:cNvPicPr>
+            <a:picLocks noChangeAspect="1"/>
+          </p:cNvPicPr>
           <p:nvPr/>
-        </p:nvSpPr>
-        <p:spPr>
-          <a:xfrm>
-            <a:off x="1168399" y="2853266"/>
-            <a:ext cx="7179733" cy="646331"/>
+        </p:nvPicPr>
+        <p:blipFill>
+          <a:blip r:embed="rId2">
+            <a:extLst>
+              <a:ext uri="{28A0092B-C50C-407E-A947-70E740481C1C}">
+                <a14:useLocalDpi xmlns:a14="http://schemas.microsoft.com/office/drawing/2010/main" xmlns="" val="0"/>
+              </a:ext>
+            </a:extLst>
+          </a:blip>
+          <a:stretch>
+            <a:fillRect/>
+          </a:stretch>
+        </p:blipFill>
+        <p:spPr>
+          <a:xfrm>
+            <a:off x="640938" y="894490"/>
+            <a:ext cx="7710304" cy="5760000"/>
           </a:xfrm>
           <a:prstGeom prst="rect">
             <a:avLst/>
           </a:prstGeom>
-          <a:noFill/>
-        </p:spPr>
-        <p:txBody>
-          <a:bodyPr wrap="square" rtlCol="0">
-            <a:spAutoFit/>
-          </a:bodyPr>
-          <a:lstStyle/>
-          <a:p>
-            <a:r>
-              <a:rPr lang="en-US" altLang="zh-TW" sz="3600" dirty="0" smtClean="0"/>
-              <a:t>Two heads are better than one</a:t>
-            </a:r>
-            <a:endParaRPr lang="zh-TW" altLang="en-US" sz="3600" dirty="0"/>
-          </a:p>
-        </p:txBody>
-      </p:sp>
+        </p:spPr>
+      </p:pic>
+      <p:cxnSp>
+        <p:nvCxnSpPr>
+          <p:cNvPr id="13" name="直線接點 12"/>
+          <p:cNvCxnSpPr/>
+          <p:nvPr/>
+        </p:nvCxnSpPr>
+        <p:spPr>
+          <a:xfrm flipV="1">
+            <a:off x="5012267" y="2912533"/>
+            <a:ext cx="42333" cy="3564467"/>
+          </a:xfrm>
+          <a:prstGeom prst="line">
+            <a:avLst/>
+          </a:prstGeom>
+          <a:ln>
+            <a:solidFill>
+              <a:schemeClr val="tx1"/>
+            </a:solidFill>
+          </a:ln>
+          <a:effectLst/>
+        </p:spPr>
+        <p:style>
+          <a:lnRef idx="2">
+            <a:schemeClr val="accent1"/>
+          </a:lnRef>
+          <a:fillRef idx="0">
+            <a:schemeClr val="accent1"/>
+          </a:fillRef>
+          <a:effectRef idx="1">
+            <a:schemeClr val="accent1"/>
+          </a:effectRef>
+          <a:fontRef idx="minor">
+            <a:schemeClr val="tx1"/>
+          </a:fontRef>
+        </p:style>
+      </p:cxnSp>
+      <p:cxnSp>
+        <p:nvCxnSpPr>
+          <p:cNvPr id="37" name="直線接點 36"/>
+          <p:cNvCxnSpPr/>
+          <p:nvPr/>
+        </p:nvCxnSpPr>
+        <p:spPr>
+          <a:xfrm flipV="1">
+            <a:off x="5054600" y="894491"/>
+            <a:ext cx="8468" cy="2018042"/>
+          </a:xfrm>
+          <a:prstGeom prst="line">
+            <a:avLst/>
+          </a:prstGeom>
+          <a:ln>
+            <a:solidFill>
+              <a:schemeClr val="bg1">
+                <a:lumMod val="85000"/>
+              </a:schemeClr>
+            </a:solidFill>
+          </a:ln>
+          <a:effectLst/>
+        </p:spPr>
+        <p:style>
+          <a:lnRef idx="2">
+            <a:schemeClr val="accent1"/>
+          </a:lnRef>
+          <a:fillRef idx="0">
+            <a:schemeClr val="accent1"/>
+          </a:fillRef>
+          <a:effectRef idx="1">
+            <a:schemeClr val="accent1"/>
+          </a:effectRef>
+          <a:fontRef idx="minor">
+            <a:schemeClr val="tx1"/>
+          </a:fontRef>
+        </p:style>
+      </p:cxnSp>
+      <p:cxnSp>
+        <p:nvCxnSpPr>
+          <p:cNvPr id="31" name="直線接點 30"/>
+          <p:cNvCxnSpPr/>
+          <p:nvPr/>
+        </p:nvCxnSpPr>
+        <p:spPr>
+          <a:xfrm flipH="1">
+            <a:off x="939802" y="2912533"/>
+            <a:ext cx="7411440" cy="0"/>
+          </a:xfrm>
+          <a:prstGeom prst="line">
+            <a:avLst/>
+          </a:prstGeom>
+          <a:ln>
+            <a:solidFill>
+              <a:schemeClr val="bg1">
+                <a:lumMod val="85000"/>
+              </a:schemeClr>
+            </a:solidFill>
+          </a:ln>
+          <a:effectLst/>
+        </p:spPr>
+        <p:style>
+          <a:lnRef idx="2">
+            <a:schemeClr val="accent1"/>
+          </a:lnRef>
+          <a:fillRef idx="0">
+            <a:schemeClr val="accent1"/>
+          </a:fillRef>
+          <a:effectRef idx="1">
+            <a:schemeClr val="accent1"/>
+          </a:effectRef>
+          <a:fontRef idx="minor">
+            <a:schemeClr val="tx1"/>
+          </a:fontRef>
+        </p:style>
+      </p:cxnSp>
+      <p:cxnSp>
+        <p:nvCxnSpPr>
+          <p:cNvPr id="14" name="直線接點 13"/>
+          <p:cNvCxnSpPr/>
+          <p:nvPr/>
+        </p:nvCxnSpPr>
+        <p:spPr>
+          <a:xfrm flipH="1">
+            <a:off x="5063068" y="2912533"/>
+            <a:ext cx="2192865" cy="0"/>
+          </a:xfrm>
+          <a:prstGeom prst="line">
+            <a:avLst/>
+          </a:prstGeom>
+          <a:ln>
+            <a:solidFill>
+              <a:schemeClr val="tx1"/>
+            </a:solidFill>
+          </a:ln>
+          <a:effectLst/>
+        </p:spPr>
+        <p:style>
+          <a:lnRef idx="2">
+            <a:schemeClr val="accent1"/>
+          </a:lnRef>
+          <a:fillRef idx="0">
+            <a:schemeClr val="accent1"/>
+          </a:fillRef>
+          <a:effectRef idx="1">
+            <a:schemeClr val="accent1"/>
+          </a:effectRef>
+          <a:fontRef idx="minor">
+            <a:schemeClr val="tx1"/>
+          </a:fontRef>
+        </p:style>
+      </p:cxnSp>
+      <p:cxnSp>
+        <p:nvCxnSpPr>
+          <p:cNvPr id="17" name="直線接點 16"/>
+          <p:cNvCxnSpPr/>
+          <p:nvPr/>
+        </p:nvCxnSpPr>
+        <p:spPr>
+          <a:xfrm>
+            <a:off x="7255933" y="894490"/>
+            <a:ext cx="0" cy="2018043"/>
+          </a:xfrm>
+          <a:prstGeom prst="line">
+            <a:avLst/>
+          </a:prstGeom>
+          <a:ln>
+            <a:solidFill>
+              <a:schemeClr val="tx1"/>
+            </a:solidFill>
+          </a:ln>
+          <a:effectLst/>
+        </p:spPr>
+        <p:style>
+          <a:lnRef idx="2">
+            <a:schemeClr val="accent1"/>
+          </a:lnRef>
+          <a:fillRef idx="0">
+            <a:schemeClr val="accent1"/>
+          </a:fillRef>
+          <a:effectRef idx="1">
+            <a:schemeClr val="accent1"/>
+          </a:effectRef>
+          <a:fontRef idx="minor">
+            <a:schemeClr val="tx1"/>
+          </a:fontRef>
+        </p:style>
+      </p:cxnSp>
+      <p:cxnSp>
+        <p:nvCxnSpPr>
+          <p:cNvPr id="42" name="直線接點 41"/>
+          <p:cNvCxnSpPr/>
+          <p:nvPr/>
+        </p:nvCxnSpPr>
+        <p:spPr>
+          <a:xfrm flipV="1">
+            <a:off x="7255933" y="2912533"/>
+            <a:ext cx="0" cy="3564467"/>
+          </a:xfrm>
+          <a:prstGeom prst="line">
+            <a:avLst/>
+          </a:prstGeom>
+          <a:ln>
+            <a:solidFill>
+              <a:schemeClr val="bg1">
+                <a:lumMod val="85000"/>
+              </a:schemeClr>
+            </a:solidFill>
+          </a:ln>
+          <a:effectLst/>
+        </p:spPr>
+        <p:style>
+          <a:lnRef idx="2">
+            <a:schemeClr val="accent1"/>
+          </a:lnRef>
+          <a:fillRef idx="0">
+            <a:schemeClr val="accent1"/>
+          </a:fillRef>
+          <a:effectRef idx="1">
+            <a:schemeClr val="accent1"/>
+          </a:effectRef>
+          <a:fontRef idx="minor">
+            <a:schemeClr val="tx1"/>
+          </a:fontRef>
+        </p:style>
+      </p:cxnSp>
     </p:spTree>
     <p:extLst>
       <p:ext uri="{BB962C8B-B14F-4D97-AF65-F5344CB8AC3E}">
-        <p14:creationId xmlns="" xmlns:p14="http://schemas.microsoft.com/office/powerpoint/2010/main" val="3792208418"/>
+        <p14:creationId xmlns:p14="http://schemas.microsoft.com/office/powerpoint/2010/main" xmlns="" val="3040030372"/>
       </p:ext>
     </p:extLst>
   </p:cSld>
@@ -2403,358 +2665,38 @@
       </p:grpSpPr>
       <p:sp>
         <p:nvSpPr>
-          <p:cNvPr id="2" name="Slide Number Placeholder 1"/>
-          <p:cNvSpPr>
-            <a:spLocks noGrp="1"/>
-          </p:cNvSpPr>
-          <p:nvPr>
-            <p:ph type="sldNum" sz="quarter" idx="10"/>
-          </p:nvPr>
-        </p:nvSpPr>
-        <p:spPr/>
-        <p:txBody>
-          <a:bodyPr/>
-          <a:lstStyle/>
-          <a:p>
-            <a:fld id="{F52E3F39-0206-E343-A815-B0E9B8087364}" type="slidenum">
-              <a:rPr lang="en-US" smtClean="0">
-                <a:latin typeface="+mj-lt"/>
-              </a:rPr>
-              <a:pPr/>
-              <a:t>11</a:t>
-            </a:fld>
-            <a:endParaRPr lang="en-US" dirty="0">
-              <a:latin typeface="+mj-lt"/>
-            </a:endParaRPr>
-          </a:p>
-        </p:txBody>
-      </p:sp>
-      <p:sp>
-        <p:nvSpPr>
-          <p:cNvPr id="8" name="橢圓 7"/>
-          <p:cNvSpPr/>
+          <p:cNvPr id="32" name="文字方塊 31"/>
+          <p:cNvSpPr txBox="1"/>
           <p:nvPr/>
         </p:nvSpPr>
         <p:spPr>
           <a:xfrm>
-            <a:off x="514905" y="1524000"/>
-            <a:ext cx="3657600" cy="3395133"/>
-          </a:xfrm>
-          <a:prstGeom prst="ellipse">
+            <a:off x="1168399" y="2853266"/>
+            <a:ext cx="7179733" cy="646331"/>
+          </a:xfrm>
+          <a:prstGeom prst="rect">
             <a:avLst/>
           </a:prstGeom>
           <a:noFill/>
-          <a:ln w="22225">
-            <a:solidFill>
-              <a:schemeClr val="tx2"/>
-            </a:solidFill>
-          </a:ln>
-          <a:effectLst/>
-        </p:spPr>
-        <p:style>
-          <a:lnRef idx="1">
-            <a:schemeClr val="accent1"/>
-          </a:lnRef>
-          <a:fillRef idx="3">
-            <a:schemeClr val="accent1"/>
-          </a:fillRef>
-          <a:effectRef idx="2">
-            <a:schemeClr val="accent1"/>
-          </a:effectRef>
-          <a:fontRef idx="minor">
-            <a:schemeClr val="lt1"/>
-          </a:fontRef>
-        </p:style>
+        </p:spPr>
         <p:txBody>
-          <a:bodyPr rtlCol="0" anchor="ctr"/>
+          <a:bodyPr wrap="square" rtlCol="0">
+            <a:spAutoFit/>
+          </a:bodyPr>
           <a:lstStyle/>
           <a:p>
-            <a:pPr algn="ctr"/>
-            <a:endParaRPr lang="zh-TW" altLang="en-US"/>
+            <a:r>
+              <a:rPr lang="en-US" altLang="zh-TW" sz="3600" dirty="0" smtClean="0"/>
+              <a:t>Two heads are better than one</a:t>
+            </a:r>
+            <a:endParaRPr lang="zh-TW" altLang="en-US" sz="3600" dirty="0"/>
           </a:p>
         </p:txBody>
       </p:sp>
-      <p:sp>
-        <p:nvSpPr>
-          <p:cNvPr id="9" name="橢圓 8"/>
-          <p:cNvSpPr/>
-          <p:nvPr/>
-        </p:nvSpPr>
-        <p:spPr>
-          <a:xfrm>
-            <a:off x="4936110" y="1524000"/>
-            <a:ext cx="3657600" cy="3395133"/>
-          </a:xfrm>
-          <a:prstGeom prst="ellipse">
-            <a:avLst/>
-          </a:prstGeom>
-          <a:noFill/>
-          <a:ln w="22225">
-            <a:solidFill>
-              <a:schemeClr val="tx2"/>
-            </a:solidFill>
-          </a:ln>
-          <a:effectLst/>
-        </p:spPr>
-        <p:style>
-          <a:lnRef idx="1">
-            <a:schemeClr val="accent1"/>
-          </a:lnRef>
-          <a:fillRef idx="3">
-            <a:schemeClr val="accent1"/>
-          </a:fillRef>
-          <a:effectRef idx="2">
-            <a:schemeClr val="accent1"/>
-          </a:effectRef>
-          <a:fontRef idx="minor">
-            <a:schemeClr val="lt1"/>
-          </a:fontRef>
-        </p:style>
-        <p:txBody>
-          <a:bodyPr rtlCol="0" anchor="ctr"/>
-          <a:lstStyle/>
-          <a:p>
-            <a:pPr algn="ctr"/>
-            <a:endParaRPr lang="zh-TW" altLang="en-US"/>
-          </a:p>
-        </p:txBody>
-      </p:sp>
-      <p:sp>
-        <p:nvSpPr>
-          <p:cNvPr id="10" name="橢圓 9"/>
-          <p:cNvSpPr/>
-          <p:nvPr/>
-        </p:nvSpPr>
-        <p:spPr>
-          <a:xfrm>
-            <a:off x="1600199" y="2328333"/>
-            <a:ext cx="270193" cy="270934"/>
-          </a:xfrm>
-          <a:prstGeom prst="ellipse">
-            <a:avLst/>
-          </a:prstGeom>
-          <a:solidFill>
-            <a:srgbClr val="FF0000"/>
-          </a:solidFill>
-          <a:ln w="12700"/>
-        </p:spPr>
-        <p:style>
-          <a:lnRef idx="1">
-            <a:schemeClr val="accent1"/>
-          </a:lnRef>
-          <a:fillRef idx="3">
-            <a:schemeClr val="accent1"/>
-          </a:fillRef>
-          <a:effectRef idx="2">
-            <a:schemeClr val="accent1"/>
-          </a:effectRef>
-          <a:fontRef idx="minor">
-            <a:schemeClr val="lt1"/>
-          </a:fontRef>
-        </p:style>
-        <p:txBody>
-          <a:bodyPr rtlCol="0" anchor="ctr"/>
-          <a:lstStyle/>
-          <a:p>
-            <a:pPr algn="ctr"/>
-            <a:endParaRPr lang="zh-TW" altLang="en-US" dirty="0">
-              <a:solidFill>
-                <a:srgbClr val="FF0000"/>
-              </a:solidFill>
-            </a:endParaRPr>
-          </a:p>
-        </p:txBody>
-      </p:sp>
-      <p:sp>
-        <p:nvSpPr>
-          <p:cNvPr id="11" name="橢圓 10"/>
-          <p:cNvSpPr/>
-          <p:nvPr/>
-        </p:nvSpPr>
-        <p:spPr>
-          <a:xfrm>
-            <a:off x="6206066" y="2125133"/>
-            <a:ext cx="795867" cy="575734"/>
-          </a:xfrm>
-          <a:prstGeom prst="ellipse">
-            <a:avLst/>
-          </a:prstGeom>
-          <a:solidFill>
-            <a:srgbClr val="FFFF00"/>
-          </a:solidFill>
-          <a:ln w="12700"/>
-        </p:spPr>
-        <p:style>
-          <a:lnRef idx="1">
-            <a:schemeClr val="accent1"/>
-          </a:lnRef>
-          <a:fillRef idx="3">
-            <a:schemeClr val="accent1"/>
-          </a:fillRef>
-          <a:effectRef idx="2">
-            <a:schemeClr val="accent1"/>
-          </a:effectRef>
-          <a:fontRef idx="minor">
-            <a:schemeClr val="lt1"/>
-          </a:fontRef>
-        </p:style>
-        <p:txBody>
-          <a:bodyPr rtlCol="0" anchor="ctr"/>
-          <a:lstStyle/>
-          <a:p>
-            <a:pPr algn="ctr"/>
-            <a:endParaRPr lang="zh-TW" altLang="en-US"/>
-          </a:p>
-        </p:txBody>
-      </p:sp>
-      <p:sp>
-        <p:nvSpPr>
-          <p:cNvPr id="12" name="橢圓 11"/>
-          <p:cNvSpPr/>
-          <p:nvPr/>
-        </p:nvSpPr>
-        <p:spPr>
-          <a:xfrm>
-            <a:off x="7188200" y="3234265"/>
-            <a:ext cx="897467" cy="694267"/>
-          </a:xfrm>
-          <a:prstGeom prst="ellipse">
-            <a:avLst/>
-          </a:prstGeom>
-          <a:solidFill>
-            <a:srgbClr val="FFFF00"/>
-          </a:solidFill>
-          <a:ln w="12700"/>
-        </p:spPr>
-        <p:style>
-          <a:lnRef idx="1">
-            <a:schemeClr val="accent1"/>
-          </a:lnRef>
-          <a:fillRef idx="3">
-            <a:schemeClr val="accent1"/>
-          </a:fillRef>
-          <a:effectRef idx="2">
-            <a:schemeClr val="accent1"/>
-          </a:effectRef>
-          <a:fontRef idx="minor">
-            <a:schemeClr val="lt1"/>
-          </a:fontRef>
-        </p:style>
-        <p:txBody>
-          <a:bodyPr rtlCol="0" anchor="ctr"/>
-          <a:lstStyle/>
-          <a:p>
-            <a:pPr algn="ctr"/>
-            <a:endParaRPr lang="zh-TW" altLang="en-US"/>
-          </a:p>
-        </p:txBody>
-      </p:sp>
-      <p:sp>
-        <p:nvSpPr>
-          <p:cNvPr id="13" name="橢圓 12"/>
-          <p:cNvSpPr/>
-          <p:nvPr/>
-        </p:nvSpPr>
-        <p:spPr>
-          <a:xfrm>
-            <a:off x="5715000" y="3234266"/>
-            <a:ext cx="643466" cy="567267"/>
-          </a:xfrm>
-          <a:prstGeom prst="ellipse">
-            <a:avLst/>
-          </a:prstGeom>
-          <a:solidFill>
-            <a:srgbClr val="FFFF00"/>
-          </a:solidFill>
-          <a:ln w="12700"/>
-        </p:spPr>
-        <p:style>
-          <a:lnRef idx="1">
-            <a:schemeClr val="accent1"/>
-          </a:lnRef>
-          <a:fillRef idx="3">
-            <a:schemeClr val="accent1"/>
-          </a:fillRef>
-          <a:effectRef idx="2">
-            <a:schemeClr val="accent1"/>
-          </a:effectRef>
-          <a:fontRef idx="minor">
-            <a:schemeClr val="lt1"/>
-          </a:fontRef>
-        </p:style>
-        <p:txBody>
-          <a:bodyPr rtlCol="0" anchor="ctr"/>
-          <a:lstStyle/>
-          <a:p>
-            <a:pPr algn="ctr"/>
-            <a:endParaRPr lang="zh-TW" altLang="en-US"/>
-          </a:p>
-        </p:txBody>
-      </p:sp>
-      <p:graphicFrame>
-        <p:nvGraphicFramePr>
-          <p:cNvPr id="14" name="物件 13"/>
-          <p:cNvGraphicFramePr>
-            <a:graphicFrameLocks noChangeAspect="1"/>
-          </p:cNvGraphicFramePr>
-          <p:nvPr/>
-        </p:nvGraphicFramePr>
-        <p:xfrm>
-          <a:off x="1843617" y="5359400"/>
-          <a:ext cx="814388" cy="482600"/>
-        </p:xfrm>
-        <a:graphic>
-          <a:graphicData uri="http://schemas.openxmlformats.org/presentationml/2006/ole">
-            <p:oleObj spid="_x0000_s2101" name="方程式" r:id="rId3" imgW="342751" imgH="203112" progId="Equation.3">
-              <p:embed/>
-            </p:oleObj>
-          </a:graphicData>
-        </a:graphic>
-      </p:graphicFrame>
-      <p:graphicFrame>
-        <p:nvGraphicFramePr>
-          <p:cNvPr id="2051" name="Object 3"/>
-          <p:cNvGraphicFramePr>
-            <a:graphicFrameLocks noChangeAspect="1"/>
-          </p:cNvGraphicFramePr>
-          <p:nvPr/>
-        </p:nvGraphicFramePr>
-        <p:xfrm>
-          <a:off x="4929188" y="5405438"/>
-          <a:ext cx="4002087" cy="419100"/>
-        </p:xfrm>
-        <a:graphic>
-          <a:graphicData uri="http://schemas.openxmlformats.org/presentationml/2006/ole">
-            <p:oleObj spid="_x0000_s2102" name="方程式" r:id="rId4" imgW="2298700" imgH="228600" progId="Equation.3">
-              <p:embed/>
-            </p:oleObj>
-          </a:graphicData>
-        </a:graphic>
-      </p:graphicFrame>
-      <p:graphicFrame>
-        <p:nvGraphicFramePr>
-          <p:cNvPr id="16" name="物件 15"/>
-          <p:cNvGraphicFramePr>
-            <a:graphicFrameLocks noChangeAspect="1"/>
-          </p:cNvGraphicFramePr>
-          <p:nvPr/>
-        </p:nvGraphicFramePr>
-        <p:xfrm>
-          <a:off x="3959225" y="5353050"/>
-          <a:ext cx="641068" cy="488950"/>
-        </p:xfrm>
-        <a:graphic>
-          <a:graphicData uri="http://schemas.openxmlformats.org/presentationml/2006/ole">
-            <p:oleObj spid="_x0000_s2103" name="方程式" r:id="rId5" imgW="126725" imgH="126725" progId="Equation.3">
-              <p:embed/>
-            </p:oleObj>
-          </a:graphicData>
-        </a:graphic>
-      </p:graphicFrame>
     </p:spTree>
     <p:extLst>
       <p:ext uri="{BB962C8B-B14F-4D97-AF65-F5344CB8AC3E}">
-        <p14:creationId xmlns="" xmlns:p14="http://schemas.microsoft.com/office/powerpoint/2010/main" val="3427152478"/>
+        <p14:creationId xmlns:p14="http://schemas.microsoft.com/office/powerpoint/2010/main" xmlns="" val="3792208418"/>
       </p:ext>
     </p:extLst>
   </p:cSld>
@@ -2818,69 +2760,26 @@
       </p:sp>
       <p:sp>
         <p:nvSpPr>
-          <p:cNvPr id="5" name="標題 4"/>
-          <p:cNvSpPr>
-            <a:spLocks noGrp="1"/>
-          </p:cNvSpPr>
-          <p:nvPr>
-            <p:ph type="title"/>
-          </p:nvPr>
-        </p:nvSpPr>
-        <p:spPr>
-          <a:xfrm>
-            <a:off x="228600" y="228600"/>
-            <a:ext cx="4918013" cy="492443"/>
-          </a:xfrm>
-        </p:spPr>
-        <p:txBody>
-          <a:bodyPr/>
-          <a:lstStyle/>
-          <a:p>
-            <a:r>
-              <a:rPr lang="en-US" altLang="zh-TW" sz="3200" smtClean="0">
-                <a:solidFill>
-                  <a:schemeClr val="tx1"/>
-                </a:solidFill>
-                <a:latin typeface="+mj-lt"/>
-              </a:rPr>
-              <a:t>The importance </a:t>
-            </a:r>
-            <a:r>
-              <a:rPr lang="en-US" altLang="zh-TW" sz="3200" dirty="0" smtClean="0">
-                <a:solidFill>
-                  <a:schemeClr val="tx1"/>
-                </a:solidFill>
-                <a:latin typeface="+mj-lt"/>
-              </a:rPr>
-              <a:t>of diversity</a:t>
-            </a:r>
-            <a:endParaRPr lang="zh-TW" altLang="en-US" sz="3200" dirty="0" smtClean="0">
-              <a:solidFill>
-                <a:schemeClr val="tx1"/>
-              </a:solidFill>
-              <a:latin typeface="+mj-lt"/>
-            </a:endParaRPr>
-          </a:p>
-        </p:txBody>
-      </p:sp>
-      <p:sp>
-        <p:nvSpPr>
           <p:cNvPr id="8" name="橢圓 7"/>
           <p:cNvSpPr/>
           <p:nvPr/>
         </p:nvSpPr>
         <p:spPr>
           <a:xfrm>
-            <a:off x="514905" y="1524000"/>
-            <a:ext cx="3657600" cy="3395133"/>
+            <a:off x="514905" y="872041"/>
+            <a:ext cx="3657600" cy="2074333"/>
           </a:xfrm>
           <a:prstGeom prst="ellipse">
             <a:avLst/>
           </a:prstGeom>
-          <a:noFill/>
-          <a:ln w="22225">
+          <a:solidFill>
+            <a:schemeClr val="bg1">
+              <a:lumMod val="95000"/>
+            </a:schemeClr>
+          </a:solidFill>
+          <a:ln w="25400">
             <a:solidFill>
-              <a:schemeClr val="tx2"/>
+              <a:schemeClr val="tx1"/>
             </a:solidFill>
           </a:ln>
           <a:effectLst/>
@@ -2916,16 +2815,20 @@
         </p:nvSpPr>
         <p:spPr>
           <a:xfrm>
-            <a:off x="4936110" y="1524000"/>
-            <a:ext cx="3657600" cy="3395133"/>
+            <a:off x="4929188" y="872041"/>
+            <a:ext cx="3657600" cy="2074333"/>
           </a:xfrm>
           <a:prstGeom prst="ellipse">
             <a:avLst/>
           </a:prstGeom>
-          <a:noFill/>
-          <a:ln w="22225">
+          <a:solidFill>
+            <a:schemeClr val="bg1">
+              <a:lumMod val="95000"/>
+            </a:schemeClr>
+          </a:solidFill>
+          <a:ln w="25400">
             <a:solidFill>
-              <a:schemeClr val="tx2"/>
+              <a:schemeClr val="tx1"/>
             </a:solidFill>
           </a:ln>
           <a:effectLst/>
@@ -2955,20 +2858,27 @@
       </p:sp>
       <p:sp>
         <p:nvSpPr>
-          <p:cNvPr id="12" name="橢圓 11"/>
+          <p:cNvPr id="10" name="橢圓 9"/>
           <p:cNvSpPr/>
           <p:nvPr/>
         </p:nvSpPr>
         <p:spPr>
           <a:xfrm>
-            <a:off x="6426200" y="2353733"/>
-            <a:ext cx="897467" cy="694267"/>
+            <a:off x="1600199" y="1473174"/>
+            <a:ext cx="381001" cy="270934"/>
           </a:xfrm>
           <a:prstGeom prst="ellipse">
             <a:avLst/>
           </a:prstGeom>
-          <a:noFill/>
-          <a:ln w="12700"/>
+          <a:solidFill>
+            <a:srgbClr val="FF0000"/>
+          </a:solidFill>
+          <a:ln w="25400">
+            <a:solidFill>
+              <a:schemeClr val="tx1"/>
+            </a:solidFill>
+          </a:ln>
+          <a:effectLst/>
         </p:spPr>
         <p:style>
           <a:lnRef idx="1">
@@ -2989,6 +2899,104 @@
           <a:lstStyle/>
           <a:p>
             <a:pPr algn="ctr"/>
+            <a:endParaRPr lang="zh-TW" altLang="en-US" dirty="0">
+              <a:solidFill>
+                <a:srgbClr val="FF0000"/>
+              </a:solidFill>
+            </a:endParaRPr>
+          </a:p>
+        </p:txBody>
+      </p:sp>
+      <p:sp>
+        <p:nvSpPr>
+          <p:cNvPr id="11" name="橢圓 10"/>
+          <p:cNvSpPr/>
+          <p:nvPr/>
+        </p:nvSpPr>
+        <p:spPr>
+          <a:xfrm>
+            <a:off x="6206066" y="999066"/>
+            <a:ext cx="982134" cy="575734"/>
+          </a:xfrm>
+          <a:prstGeom prst="ellipse">
+            <a:avLst/>
+          </a:prstGeom>
+          <a:solidFill>
+            <a:srgbClr val="FFFF00"/>
+          </a:solidFill>
+          <a:ln w="25400">
+            <a:solidFill>
+              <a:schemeClr val="tx1"/>
+            </a:solidFill>
+          </a:ln>
+          <a:effectLst/>
+        </p:spPr>
+        <p:style>
+          <a:lnRef idx="1">
+            <a:schemeClr val="accent1"/>
+          </a:lnRef>
+          <a:fillRef idx="3">
+            <a:schemeClr val="accent1"/>
+          </a:fillRef>
+          <a:effectRef idx="2">
+            <a:schemeClr val="accent1"/>
+          </a:effectRef>
+          <a:fontRef idx="minor">
+            <a:schemeClr val="lt1"/>
+          </a:fontRef>
+        </p:style>
+        <p:txBody>
+          <a:bodyPr rtlCol="0" anchor="ctr"/>
+          <a:lstStyle/>
+          <a:p>
+            <a:pPr algn="ctr"/>
+            <a:endParaRPr lang="zh-TW" altLang="en-US"/>
+          </a:p>
+        </p:txBody>
+      </p:sp>
+      <p:sp>
+        <p:nvSpPr>
+          <p:cNvPr id="12" name="橢圓 11"/>
+          <p:cNvSpPr/>
+          <p:nvPr/>
+        </p:nvSpPr>
+        <p:spPr>
+          <a:xfrm>
+            <a:off x="7027333" y="1744108"/>
+            <a:ext cx="1134533" cy="567267"/>
+          </a:xfrm>
+          <a:prstGeom prst="ellipse">
+            <a:avLst/>
+          </a:prstGeom>
+          <a:solidFill>
+            <a:srgbClr val="FFFF00"/>
+          </a:solidFill>
+          <a:ln w="25400">
+            <a:solidFill>
+              <a:schemeClr val="tx1"/>
+            </a:solidFill>
+          </a:ln>
+          <a:effectLst/>
+        </p:spPr>
+        <p:style>
+          <a:lnRef idx="1">
+            <a:schemeClr val="accent1"/>
+          </a:lnRef>
+          <a:fillRef idx="3">
+            <a:schemeClr val="accent1"/>
+          </a:fillRef>
+          <a:effectRef idx="2">
+            <a:schemeClr val="accent1"/>
+          </a:effectRef>
+          <a:fontRef idx="minor">
+            <a:schemeClr val="lt1"/>
+          </a:fontRef>
+        </p:style>
+        <p:txBody>
+          <a:bodyPr rtlCol="0" anchor="ctr"/>
+          <a:lstStyle/>
+          <a:p>
+            <a:pPr algn="ctr"/>
             <a:endParaRPr lang="zh-TW" altLang="en-US"/>
           </a:p>
         </p:txBody>
@@ -3001,22 +3009,21 @@
         </p:nvSpPr>
         <p:spPr>
           <a:xfrm>
-            <a:off x="6036733" y="2417233"/>
-            <a:ext cx="643466" cy="567267"/>
+            <a:off x="5672666" y="2027741"/>
+            <a:ext cx="1066799" cy="567267"/>
           </a:xfrm>
           <a:prstGeom prst="ellipse">
             <a:avLst/>
           </a:prstGeom>
-          <a:noFill/>
-          <a:ln w="12700">
+          <a:solidFill>
+            <a:srgbClr val="FFFF00"/>
+          </a:solidFill>
+          <a:ln w="25400">
             <a:solidFill>
-              <a:schemeClr val="accent1">
-                <a:shade val="95000"/>
-                <a:satMod val="105000"/>
-                <a:alpha val="82000"/>
-              </a:schemeClr>
+              <a:schemeClr val="tx1"/>
             </a:solidFill>
           </a:ln>
+          <a:effectLst/>
         </p:spPr>
         <p:style>
           <a:lnRef idx="1">
@@ -3050,12 +3057,12 @@
           <p:nvPr/>
         </p:nvGraphicFramePr>
         <p:xfrm>
-          <a:off x="1843617" y="5359400"/>
+          <a:off x="1657343" y="3826873"/>
           <a:ext cx="814388" cy="482600"/>
         </p:xfrm>
         <a:graphic>
           <a:graphicData uri="http://schemas.openxmlformats.org/presentationml/2006/ole">
-            <p:oleObj spid="_x0000_s3125" name="方程式" r:id="rId3" imgW="342751" imgH="203112" progId="Equation.3">
+            <p:oleObj spid="_x0000_s2101" name="方程式" r:id="rId3" imgW="342751" imgH="203112" progId="Equation.3">
               <p:embed/>
             </p:oleObj>
           </a:graphicData>
@@ -3067,21 +3074,15 @@
           <p:cNvGraphicFramePr>
             <a:graphicFrameLocks noChangeAspect="1"/>
           </p:cNvGraphicFramePr>
-          <p:nvPr>
-            <p:extLst>
-              <p:ext uri="{D42A27DB-BD31-4B8C-83A1-F6EECF244321}">
-                <p14:modId xmlns="" xmlns:p14="http://schemas.microsoft.com/office/powerpoint/2010/main" val="34200235"/>
-              </p:ext>
-            </p:extLst>
-          </p:nvPr>
+          <p:nvPr/>
         </p:nvGraphicFramePr>
         <p:xfrm>
-          <a:off x="4929188" y="5405438"/>
-          <a:ext cx="4002087" cy="419100"/>
+          <a:off x="5204336" y="3809413"/>
+          <a:ext cx="1698625" cy="550862"/>
         </p:xfrm>
         <a:graphic>
           <a:graphicData uri="http://schemas.openxmlformats.org/presentationml/2006/ole">
-            <p:oleObj spid="_x0000_s3126" name="方程式" r:id="rId4" imgW="2298600" imgH="228600" progId="Equation.3">
+            <p:oleObj spid="_x0000_s2102" name="方程式" r:id="rId4" imgW="850680" imgH="215640" progId="Equation.3">
               <p:embed/>
             </p:oleObj>
           </a:graphicData>
@@ -3096,12 +3097,52 @@
           <p:nvPr/>
         </p:nvGraphicFramePr>
         <p:xfrm>
-          <a:off x="3959225" y="5353050"/>
-          <a:ext cx="641068" cy="488950"/>
+          <a:off x="3896897" y="3606860"/>
+          <a:ext cx="1032291" cy="787340"/>
         </p:xfrm>
         <a:graphic>
           <a:graphicData uri="http://schemas.openxmlformats.org/presentationml/2006/ole">
-            <p:oleObj spid="_x0000_s3127" name="方程式" r:id="rId5" imgW="126725" imgH="126725" progId="Equation.3">
+            <p:oleObj spid="_x0000_s2103" name="方程式" r:id="rId5" imgW="126725" imgH="126725" progId="Equation.3">
+              <p:embed/>
+            </p:oleObj>
+          </a:graphicData>
+        </a:graphic>
+      </p:graphicFrame>
+      <p:graphicFrame>
+        <p:nvGraphicFramePr>
+          <p:cNvPr id="2104" name="Object 56"/>
+          <p:cNvGraphicFramePr>
+            <a:graphicFrameLocks noChangeAspect="1"/>
+          </p:cNvGraphicFramePr>
+          <p:nvPr/>
+        </p:nvGraphicFramePr>
+        <p:xfrm>
+          <a:off x="6902450" y="3810000"/>
+          <a:ext cx="989013" cy="552450"/>
+        </p:xfrm>
+        <a:graphic>
+          <a:graphicData uri="http://schemas.openxmlformats.org/presentationml/2006/ole">
+            <p:oleObj spid="_x0000_s2104" name="方程式" r:id="rId6" imgW="495000" imgH="215640" progId="Equation.3">
+              <p:embed/>
+            </p:oleObj>
+          </a:graphicData>
+        </a:graphic>
+      </p:graphicFrame>
+      <p:graphicFrame>
+        <p:nvGraphicFramePr>
+          <p:cNvPr id="2105" name="Object 57"/>
+          <p:cNvGraphicFramePr>
+            <a:graphicFrameLocks noChangeAspect="1"/>
+          </p:cNvGraphicFramePr>
+          <p:nvPr/>
+        </p:nvGraphicFramePr>
+        <p:xfrm>
+          <a:off x="7891463" y="3810000"/>
+          <a:ext cx="989012" cy="584200"/>
+        </p:xfrm>
+        <a:graphic>
+          <a:graphicData uri="http://schemas.openxmlformats.org/presentationml/2006/ole">
+            <p:oleObj spid="_x0000_s2105" name="方程式" r:id="rId7" imgW="495000" imgH="228600" progId="Equation.3">
               <p:embed/>
             </p:oleObj>
           </a:graphicData>
@@ -3109,20 +3150,30 @@
       </p:graphicFrame>
       <p:sp>
         <p:nvSpPr>
-          <p:cNvPr id="11" name="橢圓 10"/>
+          <p:cNvPr id="18" name="直線圖說文字 1 (無框線) 17"/>
           <p:cNvSpPr/>
           <p:nvPr/>
         </p:nvSpPr>
         <p:spPr>
           <a:xfrm>
-            <a:off x="6206066" y="2125133"/>
-            <a:ext cx="795867" cy="575734"/>
-          </a:xfrm>
-          <a:prstGeom prst="ellipse">
-            <a:avLst/>
+            <a:off x="2307071" y="1405492"/>
+            <a:ext cx="1589826" cy="338616"/>
+          </a:xfrm>
+          <a:prstGeom prst="callout1">
+            <a:avLst>
+              <a:gd name="adj1" fmla="val 48754"/>
+              <a:gd name="adj2" fmla="val 188"/>
+              <a:gd name="adj3" fmla="val 52491"/>
+              <a:gd name="adj4" fmla="val -16499"/>
+            </a:avLst>
           </a:prstGeom>
           <a:noFill/>
-          <a:ln w="12700"/>
+          <a:ln w="25400">
+            <a:solidFill>
+              <a:schemeClr val="tx1"/>
+            </a:solidFill>
+          </a:ln>
+          <a:effectLst/>
         </p:spPr>
         <p:style>
           <a:lnRef idx="1">
@@ -3143,30 +3194,48 @@
           <a:lstStyle/>
           <a:p>
             <a:pPr algn="ctr"/>
-            <a:endParaRPr lang="zh-TW" altLang="en-US"/>
+            <a:r>
+              <a:rPr lang="en-US" altLang="zh-TW" dirty="0" smtClean="0">
+                <a:solidFill>
+                  <a:schemeClr val="tx1"/>
+                </a:solidFill>
+              </a:rPr>
+              <a:t>Error of G(x)</a:t>
+            </a:r>
+            <a:endParaRPr lang="zh-TW" altLang="en-US" dirty="0">
+              <a:solidFill>
+                <a:schemeClr val="tx1"/>
+              </a:solidFill>
+            </a:endParaRPr>
           </a:p>
         </p:txBody>
       </p:sp>
       <p:sp>
         <p:nvSpPr>
-          <p:cNvPr id="15" name="橢圓 14"/>
+          <p:cNvPr id="19" name="直線圖說文字 1 (無框線) 18"/>
           <p:cNvSpPr/>
           <p:nvPr/>
         </p:nvSpPr>
         <p:spPr>
-          <a:xfrm rot="1413013">
-            <a:off x="6168394" y="2444422"/>
-            <a:ext cx="549888" cy="223518"/>
-          </a:xfrm>
-          <a:prstGeom prst="ellipse">
-            <a:avLst/>
+          <a:xfrm>
+            <a:off x="6902450" y="355600"/>
+            <a:ext cx="1589826" cy="338616"/>
+          </a:xfrm>
+          <a:prstGeom prst="callout1">
+            <a:avLst>
+              <a:gd name="adj1" fmla="val 48754"/>
+              <a:gd name="adj2" fmla="val 188"/>
+              <a:gd name="adj3" fmla="val 185011"/>
+              <a:gd name="adj4" fmla="val -8510"/>
+            </a:avLst>
           </a:prstGeom>
-          <a:solidFill>
-            <a:srgbClr val="FF0000"/>
-          </a:solidFill>
-          <a:ln w="12700">
-            <a:noFill/>
+          <a:noFill/>
+          <a:ln w="25400">
+            <a:solidFill>
+              <a:schemeClr val="tx1"/>
+            </a:solidFill>
           </a:ln>
+          <a:effectLst/>
         </p:spPr>
         <p:style>
           <a:lnRef idx="1">
@@ -3187,30 +3256,56 @@
           <a:lstStyle/>
           <a:p>
             <a:pPr algn="ctr"/>
-            <a:endParaRPr lang="zh-TW" altLang="en-US"/>
+            <a:r>
+              <a:rPr lang="en-US" altLang="zh-TW" dirty="0" smtClean="0">
+                <a:solidFill>
+                  <a:schemeClr val="tx1"/>
+                </a:solidFill>
+              </a:rPr>
+              <a:t>Error of </a:t>
+            </a:r>
+            <a:r>
+              <a:rPr lang="en-US" altLang="zh-TW" dirty="0" smtClean="0">
+                <a:solidFill>
+                  <a:schemeClr val="tx1"/>
+                </a:solidFill>
+              </a:rPr>
+              <a:t>g1</a:t>
+            </a:r>
+            <a:endParaRPr lang="zh-TW" altLang="en-US" dirty="0">
+              <a:solidFill>
+                <a:schemeClr val="tx1"/>
+              </a:solidFill>
+            </a:endParaRPr>
           </a:p>
         </p:txBody>
       </p:sp>
       <p:sp>
         <p:nvSpPr>
-          <p:cNvPr id="19" name="橢圓 18"/>
+          <p:cNvPr id="20" name="直線圖說文字 1 (無框線) 19"/>
           <p:cNvSpPr/>
           <p:nvPr/>
         </p:nvSpPr>
         <p:spPr>
-          <a:xfrm rot="9177320">
-            <a:off x="6399911" y="2387475"/>
-            <a:ext cx="639196" cy="304949"/>
-          </a:xfrm>
-          <a:prstGeom prst="ellipse">
-            <a:avLst/>
+          <a:xfrm>
+            <a:off x="5672666" y="3073400"/>
+            <a:ext cx="1589826" cy="338616"/>
+          </a:xfrm>
+          <a:prstGeom prst="callout1">
+            <a:avLst>
+              <a:gd name="adj1" fmla="val 48754"/>
+              <a:gd name="adj2" fmla="val 188"/>
+              <a:gd name="adj3" fmla="val -155040"/>
+              <a:gd name="adj4" fmla="val 17053"/>
+            </a:avLst>
           </a:prstGeom>
-          <a:solidFill>
-            <a:srgbClr val="FF0000"/>
-          </a:solidFill>
-          <a:ln w="12700">
-            <a:noFill/>
+          <a:noFill/>
+          <a:ln w="25400">
+            <a:solidFill>
+              <a:schemeClr val="tx1"/>
+            </a:solidFill>
           </a:ln>
+          <a:effectLst/>
         </p:spPr>
         <p:style>
           <a:lnRef idx="1">
@@ -3231,30 +3326,56 @@
           <a:lstStyle/>
           <a:p>
             <a:pPr algn="ctr"/>
-            <a:endParaRPr lang="zh-TW" altLang="en-US"/>
+            <a:r>
+              <a:rPr lang="en-US" altLang="zh-TW" dirty="0" smtClean="0">
+                <a:solidFill>
+                  <a:schemeClr val="tx1"/>
+                </a:solidFill>
+              </a:rPr>
+              <a:t>Error of </a:t>
+            </a:r>
+            <a:r>
+              <a:rPr lang="en-US" altLang="zh-TW" dirty="0" smtClean="0">
+                <a:solidFill>
+                  <a:schemeClr val="tx1"/>
+                </a:solidFill>
+              </a:rPr>
+              <a:t>g2</a:t>
+            </a:r>
+            <a:endParaRPr lang="zh-TW" altLang="en-US" dirty="0">
+              <a:solidFill>
+                <a:schemeClr val="tx1"/>
+              </a:solidFill>
+            </a:endParaRPr>
           </a:p>
         </p:txBody>
       </p:sp>
       <p:sp>
         <p:nvSpPr>
-          <p:cNvPr id="20" name="橢圓 19"/>
+          <p:cNvPr id="21" name="直線圖說文字 1 (無框線) 20"/>
           <p:cNvSpPr/>
           <p:nvPr/>
         </p:nvSpPr>
         <p:spPr>
-          <a:xfrm rot="5180568">
-            <a:off x="6333374" y="2586389"/>
-            <a:ext cx="452956" cy="240969"/>
-          </a:xfrm>
-          <a:prstGeom prst="ellipse">
-            <a:avLst/>
+          <a:xfrm>
+            <a:off x="7554174" y="3115682"/>
+            <a:ext cx="1589826" cy="338616"/>
+          </a:xfrm>
+          <a:prstGeom prst="callout1">
+            <a:avLst>
+              <a:gd name="adj1" fmla="val 48754"/>
+              <a:gd name="adj2" fmla="val 188"/>
+              <a:gd name="adj3" fmla="val -242553"/>
+              <a:gd name="adj4" fmla="val 5870"/>
+            </a:avLst>
           </a:prstGeom>
-          <a:solidFill>
-            <a:srgbClr val="FF0000"/>
-          </a:solidFill>
-          <a:ln w="12700">
-            <a:noFill/>
+          <a:noFill/>
+          <a:ln w="25400">
+            <a:solidFill>
+              <a:schemeClr val="tx1"/>
+            </a:solidFill>
           </a:ln>
+          <a:effectLst/>
         </p:spPr>
         <p:style>
           <a:lnRef idx="1">
@@ -3275,51 +3396,25 @@
           <a:lstStyle/>
           <a:p>
             <a:pPr algn="ctr"/>
-            <a:endParaRPr lang="zh-TW" altLang="en-US"/>
-          </a:p>
-        </p:txBody>
-      </p:sp>
-      <p:sp>
-        <p:nvSpPr>
-          <p:cNvPr id="21" name="橢圓 20"/>
-          <p:cNvSpPr/>
-          <p:nvPr/>
-        </p:nvSpPr>
-        <p:spPr>
-          <a:xfrm>
-            <a:off x="1600199" y="2328333"/>
-            <a:ext cx="270193" cy="270934"/>
-          </a:xfrm>
-          <a:prstGeom prst="ellipse">
-            <a:avLst/>
-          </a:prstGeom>
-          <a:solidFill>
-            <a:srgbClr val="FF0000"/>
-          </a:solidFill>
-          <a:ln w="12700"/>
-        </p:spPr>
-        <p:style>
-          <a:lnRef idx="1">
-            <a:schemeClr val="accent1"/>
-          </a:lnRef>
-          <a:fillRef idx="3">
-            <a:schemeClr val="accent1"/>
-          </a:fillRef>
-          <a:effectRef idx="2">
-            <a:schemeClr val="accent1"/>
-          </a:effectRef>
-          <a:fontRef idx="minor">
-            <a:schemeClr val="lt1"/>
-          </a:fontRef>
-        </p:style>
-        <p:txBody>
-          <a:bodyPr rtlCol="0" anchor="ctr"/>
-          <a:lstStyle/>
-          <a:p>
-            <a:pPr algn="ctr"/>
+            <a:r>
+              <a:rPr lang="en-US" altLang="zh-TW" dirty="0" smtClean="0">
+                <a:solidFill>
+                  <a:schemeClr val="tx1"/>
+                </a:solidFill>
+              </a:rPr>
+              <a:t>Error of </a:t>
+            </a:r>
+            <a:r>
+              <a:rPr lang="en-US" altLang="zh-TW" dirty="0" smtClean="0">
+                <a:solidFill>
+                  <a:schemeClr val="tx1"/>
+                </a:solidFill>
+              </a:rPr>
+              <a:t>g3</a:t>
+            </a:r>
             <a:endParaRPr lang="zh-TW" altLang="en-US" dirty="0">
               <a:solidFill>
-                <a:srgbClr val="FF0000"/>
+                <a:schemeClr val="tx1"/>
               </a:solidFill>
             </a:endParaRPr>
           </a:p>
@@ -3328,7 +3423,7 @@
     </p:spTree>
     <p:extLst>
       <p:ext uri="{BB962C8B-B14F-4D97-AF65-F5344CB8AC3E}">
-        <p14:creationId xmlns="" xmlns:p14="http://schemas.microsoft.com/office/powerpoint/2010/main" val="3427152478"/>
+        <p14:creationId xmlns:p14="http://schemas.microsoft.com/office/powerpoint/2010/main" xmlns="" val="3427152478"/>
       </p:ext>
     </p:extLst>
   </p:cSld>
@@ -3338,14 +3433,943 @@
   <p:timing>
     <p:tnLst>
       <p:par>
-        <p:cTn id="1" dur="indefinite" restart="never" nodeType="tmRoot"/>
+        <p:cTn id="1" dur="indefinite" restart="never" nodeType="tmRoot">
+          <p:childTnLst>
+            <p:seq concurrent="1" nextAc="seek">
+              <p:cTn id="2" dur="indefinite" nodeType="mainSeq">
+                <p:childTnLst>
+                  <p:par>
+                    <p:cTn id="3" fill="hold">
+                      <p:stCondLst>
+                        <p:cond delay="indefinite"/>
+                      </p:stCondLst>
+                      <p:childTnLst>
+                        <p:par>
+                          <p:cTn id="4" fill="hold">
+                            <p:stCondLst>
+                              <p:cond delay="0"/>
+                            </p:stCondLst>
+                            <p:childTnLst>
+                              <p:par>
+                                <p:cTn id="5" presetID="1" presetClass="entr" presetSubtype="0" fill="hold" grpId="0" nodeType="clickEffect">
+                                  <p:stCondLst>
+                                    <p:cond delay="0"/>
+                                  </p:stCondLst>
+                                  <p:childTnLst>
+                                    <p:set>
+                                      <p:cBhvr>
+                                        <p:cTn id="6" dur="1" fill="hold">
+                                          <p:stCondLst>
+                                            <p:cond delay="0"/>
+                                          </p:stCondLst>
+                                        </p:cTn>
+                                        <p:tgtEl>
+                                          <p:spTgt spid="10"/>
+                                        </p:tgtEl>
+                                        <p:attrNameLst>
+                                          <p:attrName>style.visibility</p:attrName>
+                                        </p:attrNameLst>
+                                      </p:cBhvr>
+                                      <p:to>
+                                        <p:strVal val="visible"/>
+                                      </p:to>
+                                    </p:set>
+                                  </p:childTnLst>
+                                </p:cTn>
+                              </p:par>
+                              <p:par>
+                                <p:cTn id="7" presetID="1" presetClass="entr" presetSubtype="0" fill="hold" nodeType="withEffect">
+                                  <p:stCondLst>
+                                    <p:cond delay="0"/>
+                                  </p:stCondLst>
+                                  <p:childTnLst>
+                                    <p:set>
+                                      <p:cBhvr>
+                                        <p:cTn id="8" dur="1" fill="hold">
+                                          <p:stCondLst>
+                                            <p:cond delay="0"/>
+                                          </p:stCondLst>
+                                        </p:cTn>
+                                        <p:tgtEl>
+                                          <p:spTgt spid="14"/>
+                                        </p:tgtEl>
+                                        <p:attrNameLst>
+                                          <p:attrName>style.visibility</p:attrName>
+                                        </p:attrNameLst>
+                                      </p:cBhvr>
+                                      <p:to>
+                                        <p:strVal val="visible"/>
+                                      </p:to>
+                                    </p:set>
+                                  </p:childTnLst>
+                                </p:cTn>
+                              </p:par>
+                              <p:par>
+                                <p:cTn id="9" presetID="1" presetClass="entr" presetSubtype="0" fill="hold" grpId="0" nodeType="withEffect">
+                                  <p:stCondLst>
+                                    <p:cond delay="0"/>
+                                  </p:stCondLst>
+                                  <p:childTnLst>
+                                    <p:set>
+                                      <p:cBhvr>
+                                        <p:cTn id="10" dur="1" fill="hold">
+                                          <p:stCondLst>
+                                            <p:cond delay="0"/>
+                                          </p:stCondLst>
+                                        </p:cTn>
+                                        <p:tgtEl>
+                                          <p:spTgt spid="18"/>
+                                        </p:tgtEl>
+                                        <p:attrNameLst>
+                                          <p:attrName>style.visibility</p:attrName>
+                                        </p:attrNameLst>
+                                      </p:cBhvr>
+                                      <p:to>
+                                        <p:strVal val="visible"/>
+                                      </p:to>
+                                    </p:set>
+                                  </p:childTnLst>
+                                </p:cTn>
+                              </p:par>
+                            </p:childTnLst>
+                          </p:cTn>
+                        </p:par>
+                      </p:childTnLst>
+                    </p:cTn>
+                  </p:par>
+                  <p:par>
+                    <p:cTn id="11" fill="hold">
+                      <p:stCondLst>
+                        <p:cond delay="indefinite"/>
+                      </p:stCondLst>
+                      <p:childTnLst>
+                        <p:par>
+                          <p:cTn id="12" fill="hold">
+                            <p:stCondLst>
+                              <p:cond delay="0"/>
+                            </p:stCondLst>
+                            <p:childTnLst>
+                              <p:par>
+                                <p:cTn id="13" presetID="1" presetClass="entr" presetSubtype="0" fill="hold" grpId="0" nodeType="clickEffect">
+                                  <p:stCondLst>
+                                    <p:cond delay="0"/>
+                                  </p:stCondLst>
+                                  <p:childTnLst>
+                                    <p:set>
+                                      <p:cBhvr>
+                                        <p:cTn id="14" dur="1" fill="hold">
+                                          <p:stCondLst>
+                                            <p:cond delay="0"/>
+                                          </p:stCondLst>
+                                        </p:cTn>
+                                        <p:tgtEl>
+                                          <p:spTgt spid="11"/>
+                                        </p:tgtEl>
+                                        <p:attrNameLst>
+                                          <p:attrName>style.visibility</p:attrName>
+                                        </p:attrNameLst>
+                                      </p:cBhvr>
+                                      <p:to>
+                                        <p:strVal val="visible"/>
+                                      </p:to>
+                                    </p:set>
+                                  </p:childTnLst>
+                                </p:cTn>
+                              </p:par>
+                              <p:par>
+                                <p:cTn id="15" presetID="1" presetClass="entr" presetSubtype="0" fill="hold" grpId="0" nodeType="withEffect">
+                                  <p:stCondLst>
+                                    <p:cond delay="0"/>
+                                  </p:stCondLst>
+                                  <p:childTnLst>
+                                    <p:set>
+                                      <p:cBhvr>
+                                        <p:cTn id="16" dur="1" fill="hold">
+                                          <p:stCondLst>
+                                            <p:cond delay="0"/>
+                                          </p:stCondLst>
+                                        </p:cTn>
+                                        <p:tgtEl>
+                                          <p:spTgt spid="19"/>
+                                        </p:tgtEl>
+                                        <p:attrNameLst>
+                                          <p:attrName>style.visibility</p:attrName>
+                                        </p:attrNameLst>
+                                      </p:cBhvr>
+                                      <p:to>
+                                        <p:strVal val="visible"/>
+                                      </p:to>
+                                    </p:set>
+                                  </p:childTnLst>
+                                </p:cTn>
+                              </p:par>
+                              <p:par>
+                                <p:cTn id="17" presetID="1" presetClass="entr" presetSubtype="0" fill="hold" nodeType="withEffect">
+                                  <p:stCondLst>
+                                    <p:cond delay="0"/>
+                                  </p:stCondLst>
+                                  <p:childTnLst>
+                                    <p:set>
+                                      <p:cBhvr>
+                                        <p:cTn id="18" dur="1" fill="hold">
+                                          <p:stCondLst>
+                                            <p:cond delay="0"/>
+                                          </p:stCondLst>
+                                        </p:cTn>
+                                        <p:tgtEl>
+                                          <p:spTgt spid="2051"/>
+                                        </p:tgtEl>
+                                        <p:attrNameLst>
+                                          <p:attrName>style.visibility</p:attrName>
+                                        </p:attrNameLst>
+                                      </p:cBhvr>
+                                      <p:to>
+                                        <p:strVal val="visible"/>
+                                      </p:to>
+                                    </p:set>
+                                  </p:childTnLst>
+                                </p:cTn>
+                              </p:par>
+                            </p:childTnLst>
+                          </p:cTn>
+                        </p:par>
+                      </p:childTnLst>
+                    </p:cTn>
+                  </p:par>
+                  <p:par>
+                    <p:cTn id="19" fill="hold">
+                      <p:stCondLst>
+                        <p:cond delay="indefinite"/>
+                      </p:stCondLst>
+                      <p:childTnLst>
+                        <p:par>
+                          <p:cTn id="20" fill="hold">
+                            <p:stCondLst>
+                              <p:cond delay="0"/>
+                            </p:stCondLst>
+                            <p:childTnLst>
+                              <p:par>
+                                <p:cTn id="21" presetID="1" presetClass="entr" presetSubtype="0" fill="hold" nodeType="clickEffect">
+                                  <p:stCondLst>
+                                    <p:cond delay="0"/>
+                                  </p:stCondLst>
+                                  <p:childTnLst>
+                                    <p:set>
+                                      <p:cBhvr>
+                                        <p:cTn id="22" dur="1" fill="hold">
+                                          <p:stCondLst>
+                                            <p:cond delay="0"/>
+                                          </p:stCondLst>
+                                        </p:cTn>
+                                        <p:tgtEl>
+                                          <p:spTgt spid="2104"/>
+                                        </p:tgtEl>
+                                        <p:attrNameLst>
+                                          <p:attrName>style.visibility</p:attrName>
+                                        </p:attrNameLst>
+                                      </p:cBhvr>
+                                      <p:to>
+                                        <p:strVal val="visible"/>
+                                      </p:to>
+                                    </p:set>
+                                  </p:childTnLst>
+                                </p:cTn>
+                              </p:par>
+                              <p:par>
+                                <p:cTn id="23" presetID="1" presetClass="entr" presetSubtype="0" fill="hold" grpId="0" nodeType="withEffect">
+                                  <p:stCondLst>
+                                    <p:cond delay="0"/>
+                                  </p:stCondLst>
+                                  <p:childTnLst>
+                                    <p:set>
+                                      <p:cBhvr>
+                                        <p:cTn id="24" dur="1" fill="hold">
+                                          <p:stCondLst>
+                                            <p:cond delay="0"/>
+                                          </p:stCondLst>
+                                        </p:cTn>
+                                        <p:tgtEl>
+                                          <p:spTgt spid="13"/>
+                                        </p:tgtEl>
+                                        <p:attrNameLst>
+                                          <p:attrName>style.visibility</p:attrName>
+                                        </p:attrNameLst>
+                                      </p:cBhvr>
+                                      <p:to>
+                                        <p:strVal val="visible"/>
+                                      </p:to>
+                                    </p:set>
+                                  </p:childTnLst>
+                                </p:cTn>
+                              </p:par>
+                              <p:par>
+                                <p:cTn id="25" presetID="1" presetClass="entr" presetSubtype="0" fill="hold" grpId="0" nodeType="withEffect">
+                                  <p:stCondLst>
+                                    <p:cond delay="0"/>
+                                  </p:stCondLst>
+                                  <p:childTnLst>
+                                    <p:set>
+                                      <p:cBhvr>
+                                        <p:cTn id="26" dur="1" fill="hold">
+                                          <p:stCondLst>
+                                            <p:cond delay="0"/>
+                                          </p:stCondLst>
+                                        </p:cTn>
+                                        <p:tgtEl>
+                                          <p:spTgt spid="20"/>
+                                        </p:tgtEl>
+                                        <p:attrNameLst>
+                                          <p:attrName>style.visibility</p:attrName>
+                                        </p:attrNameLst>
+                                      </p:cBhvr>
+                                      <p:to>
+                                        <p:strVal val="visible"/>
+                                      </p:to>
+                                    </p:set>
+                                  </p:childTnLst>
+                                </p:cTn>
+                              </p:par>
+                            </p:childTnLst>
+                          </p:cTn>
+                        </p:par>
+                      </p:childTnLst>
+                    </p:cTn>
+                  </p:par>
+                  <p:par>
+                    <p:cTn id="27" fill="hold">
+                      <p:stCondLst>
+                        <p:cond delay="indefinite"/>
+                      </p:stCondLst>
+                      <p:childTnLst>
+                        <p:par>
+                          <p:cTn id="28" fill="hold">
+                            <p:stCondLst>
+                              <p:cond delay="0"/>
+                            </p:stCondLst>
+                            <p:childTnLst>
+                              <p:par>
+                                <p:cTn id="29" presetID="1" presetClass="entr" presetSubtype="0" fill="hold" grpId="0" nodeType="clickEffect">
+                                  <p:stCondLst>
+                                    <p:cond delay="0"/>
+                                  </p:stCondLst>
+                                  <p:childTnLst>
+                                    <p:set>
+                                      <p:cBhvr>
+                                        <p:cTn id="30" dur="1" fill="hold">
+                                          <p:stCondLst>
+                                            <p:cond delay="0"/>
+                                          </p:stCondLst>
+                                        </p:cTn>
+                                        <p:tgtEl>
+                                          <p:spTgt spid="21"/>
+                                        </p:tgtEl>
+                                        <p:attrNameLst>
+                                          <p:attrName>style.visibility</p:attrName>
+                                        </p:attrNameLst>
+                                      </p:cBhvr>
+                                      <p:to>
+                                        <p:strVal val="visible"/>
+                                      </p:to>
+                                    </p:set>
+                                  </p:childTnLst>
+                                </p:cTn>
+                              </p:par>
+                              <p:par>
+                                <p:cTn id="31" presetID="1" presetClass="entr" presetSubtype="0" fill="hold" grpId="0" nodeType="withEffect">
+                                  <p:stCondLst>
+                                    <p:cond delay="0"/>
+                                  </p:stCondLst>
+                                  <p:childTnLst>
+                                    <p:set>
+                                      <p:cBhvr>
+                                        <p:cTn id="32" dur="1" fill="hold">
+                                          <p:stCondLst>
+                                            <p:cond delay="0"/>
+                                          </p:stCondLst>
+                                        </p:cTn>
+                                        <p:tgtEl>
+                                          <p:spTgt spid="12"/>
+                                        </p:tgtEl>
+                                        <p:attrNameLst>
+                                          <p:attrName>style.visibility</p:attrName>
+                                        </p:attrNameLst>
+                                      </p:cBhvr>
+                                      <p:to>
+                                        <p:strVal val="visible"/>
+                                      </p:to>
+                                    </p:set>
+                                  </p:childTnLst>
+                                </p:cTn>
+                              </p:par>
+                              <p:par>
+                                <p:cTn id="33" presetID="1" presetClass="entr" presetSubtype="0" fill="hold" nodeType="withEffect">
+                                  <p:stCondLst>
+                                    <p:cond delay="0"/>
+                                  </p:stCondLst>
+                                  <p:childTnLst>
+                                    <p:set>
+                                      <p:cBhvr>
+                                        <p:cTn id="34" dur="1" fill="hold">
+                                          <p:stCondLst>
+                                            <p:cond delay="0"/>
+                                          </p:stCondLst>
+                                        </p:cTn>
+                                        <p:tgtEl>
+                                          <p:spTgt spid="2105"/>
+                                        </p:tgtEl>
+                                        <p:attrNameLst>
+                                          <p:attrName>style.visibility</p:attrName>
+                                        </p:attrNameLst>
+                                      </p:cBhvr>
+                                      <p:to>
+                                        <p:strVal val="visible"/>
+                                      </p:to>
+                                    </p:set>
+                                  </p:childTnLst>
+                                </p:cTn>
+                              </p:par>
+                            </p:childTnLst>
+                          </p:cTn>
+                        </p:par>
+                      </p:childTnLst>
+                    </p:cTn>
+                  </p:par>
+                  <p:par>
+                    <p:cTn id="35" fill="hold">
+                      <p:stCondLst>
+                        <p:cond delay="indefinite"/>
+                      </p:stCondLst>
+                      <p:childTnLst>
+                        <p:par>
+                          <p:cTn id="36" fill="hold">
+                            <p:stCondLst>
+                              <p:cond delay="0"/>
+                            </p:stCondLst>
+                            <p:childTnLst>
+                              <p:par>
+                                <p:cTn id="37" presetID="1" presetClass="entr" presetSubtype="0" fill="hold" nodeType="clickEffect">
+                                  <p:stCondLst>
+                                    <p:cond delay="0"/>
+                                  </p:stCondLst>
+                                  <p:childTnLst>
+                                    <p:set>
+                                      <p:cBhvr>
+                                        <p:cTn id="38" dur="1" fill="hold">
+                                          <p:stCondLst>
+                                            <p:cond delay="0"/>
+                                          </p:stCondLst>
+                                        </p:cTn>
+                                        <p:tgtEl>
+                                          <p:spTgt spid="16"/>
+                                        </p:tgtEl>
+                                        <p:attrNameLst>
+                                          <p:attrName>style.visibility</p:attrName>
+                                        </p:attrNameLst>
+                                      </p:cBhvr>
+                                      <p:to>
+                                        <p:strVal val="visible"/>
+                                      </p:to>
+                                    </p:set>
+                                  </p:childTnLst>
+                                </p:cTn>
+                              </p:par>
+                            </p:childTnLst>
+                          </p:cTn>
+                        </p:par>
+                      </p:childTnLst>
+                    </p:cTn>
+                  </p:par>
+                </p:childTnLst>
+              </p:cTn>
+              <p:prevCondLst>
+                <p:cond evt="onPrev" delay="0">
+                  <p:tgtEl>
+                    <p:sldTgt/>
+                  </p:tgtEl>
+                </p:cond>
+              </p:prevCondLst>
+              <p:nextCondLst>
+                <p:cond evt="onNext" delay="0">
+                  <p:tgtEl>
+                    <p:sldTgt/>
+                  </p:tgtEl>
+                </p:cond>
+              </p:nextCondLst>
+            </p:seq>
+          </p:childTnLst>
+        </p:cTn>
       </p:par>
     </p:tnLst>
+    <p:bldLst>
+      <p:bldP spid="10" grpId="0" animBg="1"/>
+      <p:bldP spid="11" grpId="0" animBg="1"/>
+      <p:bldP spid="12" grpId="0" animBg="1"/>
+      <p:bldP spid="13" grpId="0" animBg="1"/>
+      <p:bldP spid="18" grpId="0" animBg="1"/>
+      <p:bldP spid="19" grpId="0" animBg="1"/>
+      <p:bldP spid="20" grpId="0" animBg="1"/>
+      <p:bldP spid="21" grpId="0" animBg="1"/>
+    </p:bldLst>
   </p:timing>
 </p:sld>
 </file>
 
 <file path=ppt/slides/slide13.xml><?xml version="1.0" encoding="utf-8"?>
+<p:sld xmlns:a="http://schemas.openxmlformats.org/drawingml/2006/main" xmlns:r="http://schemas.openxmlformats.org/officeDocument/2006/relationships" xmlns:p="http://schemas.openxmlformats.org/presentationml/2006/main">
+  <p:cSld>
+    <p:spTree>
+      <p:nvGrpSpPr>
+        <p:cNvPr id="1" name=""/>
+        <p:cNvGrpSpPr/>
+        <p:nvPr/>
+      </p:nvGrpSpPr>
+      <p:grpSpPr>
+        <a:xfrm>
+          <a:off x="0" y="0"/>
+          <a:ext cx="0" cy="0"/>
+          <a:chOff x="0" y="0"/>
+          <a:chExt cx="0" cy="0"/>
+        </a:xfrm>
+      </p:grpSpPr>
+      <p:sp>
+        <p:nvSpPr>
+          <p:cNvPr id="2" name="Slide Number Placeholder 1"/>
+          <p:cNvSpPr>
+            <a:spLocks noGrp="1"/>
+          </p:cNvSpPr>
+          <p:nvPr>
+            <p:ph type="sldNum" sz="quarter" idx="10"/>
+          </p:nvPr>
+        </p:nvSpPr>
+        <p:spPr/>
+        <p:txBody>
+          <a:bodyPr/>
+          <a:lstStyle/>
+          <a:p>
+            <a:fld id="{F52E3F39-0206-E343-A815-B0E9B8087364}" type="slidenum">
+              <a:rPr lang="en-US" smtClean="0">
+                <a:latin typeface="+mj-lt"/>
+              </a:rPr>
+              <a:pPr/>
+              <a:t>13</a:t>
+            </a:fld>
+            <a:endParaRPr lang="en-US" dirty="0">
+              <a:latin typeface="+mj-lt"/>
+            </a:endParaRPr>
+          </a:p>
+        </p:txBody>
+      </p:sp>
+      <p:graphicFrame>
+        <p:nvGraphicFramePr>
+          <p:cNvPr id="14" name="物件 13"/>
+          <p:cNvGraphicFramePr>
+            <a:graphicFrameLocks noChangeAspect="1"/>
+          </p:cNvGraphicFramePr>
+          <p:nvPr/>
+        </p:nvGraphicFramePr>
+        <p:xfrm>
+          <a:off x="1677860" y="3230032"/>
+          <a:ext cx="814388" cy="482600"/>
+        </p:xfrm>
+        <a:graphic>
+          <a:graphicData uri="http://schemas.openxmlformats.org/presentationml/2006/ole">
+            <p:oleObj spid="_x0000_s3125" name="方程式" r:id="rId3" imgW="342751" imgH="203112" progId="Equation.3">
+              <p:embed/>
+            </p:oleObj>
+          </a:graphicData>
+        </a:graphic>
+      </p:graphicFrame>
+      <p:graphicFrame>
+        <p:nvGraphicFramePr>
+          <p:cNvPr id="16" name="物件 15"/>
+          <p:cNvGraphicFramePr>
+            <a:graphicFrameLocks noChangeAspect="1"/>
+          </p:cNvGraphicFramePr>
+          <p:nvPr/>
+        </p:nvGraphicFramePr>
+        <p:xfrm>
+          <a:off x="3910013" y="3039529"/>
+          <a:ext cx="1019175" cy="776287"/>
+        </p:xfrm>
+        <a:graphic>
+          <a:graphicData uri="http://schemas.openxmlformats.org/presentationml/2006/ole">
+            <p:oleObj spid="_x0000_s3127" name="方程式" r:id="rId4" imgW="126725" imgH="126725" progId="Equation.3">
+              <p:embed/>
+            </p:oleObj>
+          </a:graphicData>
+        </a:graphic>
+      </p:graphicFrame>
+      <p:sp>
+        <p:nvSpPr>
+          <p:cNvPr id="17" name="橢圓 16"/>
+          <p:cNvSpPr/>
+          <p:nvPr/>
+        </p:nvSpPr>
+        <p:spPr>
+          <a:xfrm>
+            <a:off x="514905" y="872041"/>
+            <a:ext cx="3657600" cy="2074333"/>
+          </a:xfrm>
+          <a:prstGeom prst="ellipse">
+            <a:avLst/>
+          </a:prstGeom>
+          <a:solidFill>
+            <a:schemeClr val="bg1">
+              <a:lumMod val="95000"/>
+            </a:schemeClr>
+          </a:solidFill>
+          <a:ln w="25400">
+            <a:solidFill>
+              <a:schemeClr val="tx1"/>
+            </a:solidFill>
+          </a:ln>
+          <a:effectLst/>
+        </p:spPr>
+        <p:style>
+          <a:lnRef idx="1">
+            <a:schemeClr val="accent1"/>
+          </a:lnRef>
+          <a:fillRef idx="3">
+            <a:schemeClr val="accent1"/>
+          </a:fillRef>
+          <a:effectRef idx="2">
+            <a:schemeClr val="accent1"/>
+          </a:effectRef>
+          <a:fontRef idx="minor">
+            <a:schemeClr val="lt1"/>
+          </a:fontRef>
+        </p:style>
+        <p:txBody>
+          <a:bodyPr rtlCol="0" anchor="ctr"/>
+          <a:lstStyle/>
+          <a:p>
+            <a:pPr algn="ctr"/>
+            <a:endParaRPr lang="zh-TW" altLang="en-US"/>
+          </a:p>
+        </p:txBody>
+      </p:sp>
+      <p:sp>
+        <p:nvSpPr>
+          <p:cNvPr id="18" name="橢圓 17"/>
+          <p:cNvSpPr/>
+          <p:nvPr/>
+        </p:nvSpPr>
+        <p:spPr>
+          <a:xfrm>
+            <a:off x="4929188" y="872041"/>
+            <a:ext cx="3657600" cy="2074333"/>
+          </a:xfrm>
+          <a:prstGeom prst="ellipse">
+            <a:avLst/>
+          </a:prstGeom>
+          <a:solidFill>
+            <a:schemeClr val="bg1">
+              <a:lumMod val="95000"/>
+            </a:schemeClr>
+          </a:solidFill>
+          <a:ln w="25400">
+            <a:solidFill>
+              <a:schemeClr val="tx1"/>
+            </a:solidFill>
+          </a:ln>
+          <a:effectLst/>
+        </p:spPr>
+        <p:style>
+          <a:lnRef idx="1">
+            <a:schemeClr val="accent1"/>
+          </a:lnRef>
+          <a:fillRef idx="3">
+            <a:schemeClr val="accent1"/>
+          </a:fillRef>
+          <a:effectRef idx="2">
+            <a:schemeClr val="accent1"/>
+          </a:effectRef>
+          <a:fontRef idx="minor">
+            <a:schemeClr val="lt1"/>
+          </a:fontRef>
+        </p:style>
+        <p:txBody>
+          <a:bodyPr rtlCol="0" anchor="ctr"/>
+          <a:lstStyle/>
+          <a:p>
+            <a:pPr algn="ctr"/>
+            <a:endParaRPr lang="zh-TW" altLang="en-US"/>
+          </a:p>
+        </p:txBody>
+      </p:sp>
+      <p:sp>
+        <p:nvSpPr>
+          <p:cNvPr id="22" name="橢圓 21"/>
+          <p:cNvSpPr/>
+          <p:nvPr/>
+        </p:nvSpPr>
+        <p:spPr>
+          <a:xfrm>
+            <a:off x="1600199" y="1473174"/>
+            <a:ext cx="381001" cy="270934"/>
+          </a:xfrm>
+          <a:prstGeom prst="ellipse">
+            <a:avLst/>
+          </a:prstGeom>
+          <a:solidFill>
+            <a:srgbClr val="FF0000"/>
+          </a:solidFill>
+          <a:ln w="25400">
+            <a:solidFill>
+              <a:schemeClr val="tx1"/>
+            </a:solidFill>
+          </a:ln>
+          <a:effectLst/>
+        </p:spPr>
+        <p:style>
+          <a:lnRef idx="1">
+            <a:schemeClr val="accent1"/>
+          </a:lnRef>
+          <a:fillRef idx="3">
+            <a:schemeClr val="accent1"/>
+          </a:fillRef>
+          <a:effectRef idx="2">
+            <a:schemeClr val="accent1"/>
+          </a:effectRef>
+          <a:fontRef idx="minor">
+            <a:schemeClr val="lt1"/>
+          </a:fontRef>
+        </p:style>
+        <p:txBody>
+          <a:bodyPr rtlCol="0" anchor="ctr"/>
+          <a:lstStyle/>
+          <a:p>
+            <a:pPr algn="ctr"/>
+            <a:endParaRPr lang="zh-TW" altLang="en-US" dirty="0">
+              <a:solidFill>
+                <a:srgbClr val="FF0000"/>
+              </a:solidFill>
+            </a:endParaRPr>
+          </a:p>
+        </p:txBody>
+      </p:sp>
+      <p:sp>
+        <p:nvSpPr>
+          <p:cNvPr id="31" name="矩形 30"/>
+          <p:cNvSpPr/>
+          <p:nvPr/>
+        </p:nvSpPr>
+        <p:spPr>
+          <a:xfrm>
+            <a:off x="2658005" y="4718278"/>
+            <a:ext cx="4182555" cy="523220"/>
+          </a:xfrm>
+          <a:prstGeom prst="rect">
+            <a:avLst/>
+          </a:prstGeom>
+        </p:spPr>
+        <p:txBody>
+          <a:bodyPr wrap="none">
+            <a:spAutoFit/>
+          </a:bodyPr>
+          <a:lstStyle/>
+          <a:p>
+            <a:r>
+              <a:rPr lang="en-US" altLang="zh-TW" sz="2800" dirty="0" smtClean="0"/>
+              <a:t>The </a:t>
+            </a:r>
+            <a:r>
+              <a:rPr lang="en-US" altLang="zh-TW" sz="2800" dirty="0" smtClean="0"/>
+              <a:t>diversity is important</a:t>
+            </a:r>
+            <a:endParaRPr lang="zh-TW" altLang="en-US" sz="2800" dirty="0"/>
+          </a:p>
+        </p:txBody>
+      </p:sp>
+      <p:pic>
+        <p:nvPicPr>
+          <p:cNvPr id="3133" name="Picture 61"/>
+          <p:cNvPicPr>
+            <a:picLocks noChangeAspect="1" noChangeArrowheads="1"/>
+          </p:cNvPicPr>
+          <p:nvPr/>
+        </p:nvPicPr>
+        <p:blipFill>
+          <a:blip r:embed="rId5"/>
+          <a:srcRect/>
+          <a:stretch>
+            <a:fillRect/>
+          </a:stretch>
+        </p:blipFill>
+        <p:spPr bwMode="auto">
+          <a:xfrm>
+            <a:off x="5911872" y="1098525"/>
+            <a:ext cx="1857375" cy="952500"/>
+          </a:xfrm>
+          <a:prstGeom prst="rect">
+            <a:avLst/>
+          </a:prstGeom>
+          <a:noFill/>
+          <a:ln w="9525">
+            <a:noFill/>
+            <a:miter lim="800000"/>
+            <a:headEnd/>
+            <a:tailEnd/>
+          </a:ln>
+        </p:spPr>
+      </p:pic>
+      <p:graphicFrame>
+        <p:nvGraphicFramePr>
+          <p:cNvPr id="3134" name="Object 62"/>
+          <p:cNvGraphicFramePr>
+            <a:graphicFrameLocks noChangeAspect="1"/>
+          </p:cNvGraphicFramePr>
+          <p:nvPr/>
+        </p:nvGraphicFramePr>
+        <p:xfrm>
+          <a:off x="5112835" y="3196166"/>
+          <a:ext cx="3692525" cy="533400"/>
+        </p:xfrm>
+        <a:graphic>
+          <a:graphicData uri="http://schemas.openxmlformats.org/presentationml/2006/ole">
+            <p:oleObj spid="_x0000_s3134" name="方程式" r:id="rId6" imgW="1803240" imgH="228600" progId="Equation.3">
+              <p:embed/>
+            </p:oleObj>
+          </a:graphicData>
+        </a:graphic>
+      </p:graphicFrame>
+    </p:spTree>
+    <p:extLst>
+      <p:ext uri="{BB962C8B-B14F-4D97-AF65-F5344CB8AC3E}">
+        <p14:creationId xmlns:p14="http://schemas.microsoft.com/office/powerpoint/2010/main" xmlns="" val="3427152478"/>
+      </p:ext>
+    </p:extLst>
+  </p:cSld>
+  <p:clrMapOvr>
+    <a:masterClrMapping/>
+  </p:clrMapOvr>
+  <p:timing>
+    <p:tnLst>
+      <p:par>
+        <p:cTn id="1" dur="indefinite" restart="never" nodeType="tmRoot">
+          <p:childTnLst>
+            <p:seq concurrent="1" nextAc="seek">
+              <p:cTn id="2" dur="indefinite" nodeType="mainSeq">
+                <p:childTnLst>
+                  <p:par>
+                    <p:cTn id="3" fill="hold">
+                      <p:stCondLst>
+                        <p:cond delay="indefinite"/>
+                      </p:stCondLst>
+                      <p:childTnLst>
+                        <p:par>
+                          <p:cTn id="4" fill="hold">
+                            <p:stCondLst>
+                              <p:cond delay="0"/>
+                            </p:stCondLst>
+                            <p:childTnLst>
+                              <p:par>
+                                <p:cTn id="5" presetID="1" presetClass="entr" presetSubtype="0" fill="hold" nodeType="clickEffect">
+                                  <p:stCondLst>
+                                    <p:cond delay="0"/>
+                                  </p:stCondLst>
+                                  <p:childTnLst>
+                                    <p:set>
+                                      <p:cBhvr>
+                                        <p:cTn id="6" dur="1" fill="hold">
+                                          <p:stCondLst>
+                                            <p:cond delay="0"/>
+                                          </p:stCondLst>
+                                        </p:cTn>
+                                        <p:tgtEl>
+                                          <p:spTgt spid="16"/>
+                                        </p:tgtEl>
+                                        <p:attrNameLst>
+                                          <p:attrName>style.visibility</p:attrName>
+                                        </p:attrNameLst>
+                                      </p:cBhvr>
+                                      <p:to>
+                                        <p:strVal val="visible"/>
+                                      </p:to>
+                                    </p:set>
+                                  </p:childTnLst>
+                                </p:cTn>
+                              </p:par>
+                            </p:childTnLst>
+                          </p:cTn>
+                        </p:par>
+                      </p:childTnLst>
+                    </p:cTn>
+                  </p:par>
+                  <p:par>
+                    <p:cTn id="7" fill="hold">
+                      <p:stCondLst>
+                        <p:cond delay="indefinite"/>
+                      </p:stCondLst>
+                      <p:childTnLst>
+                        <p:par>
+                          <p:cTn id="8" fill="hold">
+                            <p:stCondLst>
+                              <p:cond delay="0"/>
+                            </p:stCondLst>
+                            <p:childTnLst>
+                              <p:par>
+                                <p:cTn id="9" presetID="1" presetClass="entr" presetSubtype="0" fill="hold" grpId="0" nodeType="clickEffect">
+                                  <p:stCondLst>
+                                    <p:cond delay="0"/>
+                                  </p:stCondLst>
+                                  <p:childTnLst>
+                                    <p:set>
+                                      <p:cBhvr>
+                                        <p:cTn id="10" dur="1" fill="hold">
+                                          <p:stCondLst>
+                                            <p:cond delay="0"/>
+                                          </p:stCondLst>
+                                        </p:cTn>
+                                        <p:tgtEl>
+                                          <p:spTgt spid="31"/>
+                                        </p:tgtEl>
+                                        <p:attrNameLst>
+                                          <p:attrName>style.visibility</p:attrName>
+                                        </p:attrNameLst>
+                                      </p:cBhvr>
+                                      <p:to>
+                                        <p:strVal val="visible"/>
+                                      </p:to>
+                                    </p:set>
+                                  </p:childTnLst>
+                                </p:cTn>
+                              </p:par>
+                            </p:childTnLst>
+                          </p:cTn>
+                        </p:par>
+                      </p:childTnLst>
+                    </p:cTn>
+                  </p:par>
+                </p:childTnLst>
+              </p:cTn>
+              <p:prevCondLst>
+                <p:cond evt="onPrev" delay="0">
+                  <p:tgtEl>
+                    <p:sldTgt/>
+                  </p:tgtEl>
+                </p:cond>
+              </p:prevCondLst>
+              <p:nextCondLst>
+                <p:cond evt="onNext" delay="0">
+                  <p:tgtEl>
+                    <p:sldTgt/>
+                  </p:tgtEl>
+                </p:cond>
+              </p:nextCondLst>
+            </p:seq>
+          </p:childTnLst>
+        </p:cTn>
+      </p:par>
+    </p:tnLst>
+    <p:bldLst>
+      <p:bldP spid="31" grpId="0"/>
+    </p:bldLst>
+  </p:timing>
+</p:sld>
+</file>
+
+<file path=ppt/slides/slide14.xml><?xml version="1.0" encoding="utf-8"?>
 <p:sld xmlns:a="http://schemas.openxmlformats.org/drawingml/2006/main" xmlns:r="http://schemas.openxmlformats.org/officeDocument/2006/relationships" xmlns:p="http://schemas.openxmlformats.org/presentationml/2006/main">
   <p:cSld>
     <p:spTree>
@@ -3413,7 +4437,7 @@
           <a:blip r:embed="rId2">
             <a:extLst>
               <a:ext uri="{28A0092B-C50C-407E-A947-70E740481C1C}">
-                <a14:useLocalDpi xmlns="" xmlns:a14="http://schemas.microsoft.com/office/drawing/2010/main" val="0"/>
+                <a14:useLocalDpi xmlns:a14="http://schemas.microsoft.com/office/drawing/2010/main" xmlns="" val="0"/>
               </a:ext>
             </a:extLst>
           </a:blip>
@@ -3443,7 +4467,7 @@
           <a:blip r:embed="rId3">
             <a:extLst>
               <a:ext uri="{28A0092B-C50C-407E-A947-70E740481C1C}">
-                <a14:useLocalDpi xmlns="" xmlns:a14="http://schemas.microsoft.com/office/drawing/2010/main" val="0"/>
+                <a14:useLocalDpi xmlns:a14="http://schemas.microsoft.com/office/drawing/2010/main" xmlns="" val="0"/>
               </a:ext>
             </a:extLst>
           </a:blip>
@@ -3464,7 +4488,7 @@
     </p:spTree>
     <p:extLst>
       <p:ext uri="{BB962C8B-B14F-4D97-AF65-F5344CB8AC3E}">
-        <p14:creationId xmlns="" xmlns:p14="http://schemas.microsoft.com/office/powerpoint/2010/main" val="2123413861"/>
+        <p14:creationId xmlns:p14="http://schemas.microsoft.com/office/powerpoint/2010/main" xmlns="" val="2123413861"/>
       </p:ext>
     </p:extLst>
   </p:cSld>
@@ -3549,7 +4573,7 @@
 </p:sld>
 </file>
 
-<file path=ppt/slides/slide14.xml><?xml version="1.0" encoding="utf-8"?>
+<file path=ppt/slides/slide15.xml><?xml version="1.0" encoding="utf-8"?>
 <p:sld xmlns:a="http://schemas.openxmlformats.org/drawingml/2006/main" xmlns:r="http://schemas.openxmlformats.org/officeDocument/2006/relationships" xmlns:p="http://schemas.openxmlformats.org/presentationml/2006/main">
   <p:cSld>
     <p:spTree>
@@ -3617,7 +4641,7 @@
           <a:blip r:embed="rId2">
             <a:extLst>
               <a:ext uri="{28A0092B-C50C-407E-A947-70E740481C1C}">
-                <a14:useLocalDpi xmlns="" xmlns:a14="http://schemas.microsoft.com/office/drawing/2010/main" val="0"/>
+                <a14:useLocalDpi xmlns:a14="http://schemas.microsoft.com/office/drawing/2010/main" xmlns="" val="0"/>
               </a:ext>
             </a:extLst>
           </a:blip>
@@ -3647,7 +4671,7 @@
           <a:blip r:embed="rId3">
             <a:extLst>
               <a:ext uri="{28A0092B-C50C-407E-A947-70E740481C1C}">
-                <a14:useLocalDpi xmlns="" xmlns:a14="http://schemas.microsoft.com/office/drawing/2010/main" val="0"/>
+                <a14:useLocalDpi xmlns:a14="http://schemas.microsoft.com/office/drawing/2010/main" xmlns="" val="0"/>
               </a:ext>
             </a:extLst>
           </a:blip>
@@ -3677,7 +4701,7 @@
           <a:blip r:embed="rId4">
             <a:extLst>
               <a:ext uri="{28A0092B-C50C-407E-A947-70E740481C1C}">
-                <a14:useLocalDpi xmlns="" xmlns:a14="http://schemas.microsoft.com/office/drawing/2010/main" val="0"/>
+                <a14:useLocalDpi xmlns:a14="http://schemas.microsoft.com/office/drawing/2010/main" xmlns="" val="0"/>
               </a:ext>
             </a:extLst>
           </a:blip>
@@ -3707,7 +4731,7 @@
           <a:blip r:embed="rId5">
             <a:extLst>
               <a:ext uri="{28A0092B-C50C-407E-A947-70E740481C1C}">
-                <a14:useLocalDpi xmlns="" xmlns:a14="http://schemas.microsoft.com/office/drawing/2010/main" val="0"/>
+                <a14:useLocalDpi xmlns:a14="http://schemas.microsoft.com/office/drawing/2010/main" xmlns="" val="0"/>
               </a:ext>
             </a:extLst>
           </a:blip>
@@ -3737,7 +4761,7 @@
           <a:blip r:embed="rId6">
             <a:extLst>
               <a:ext uri="{28A0092B-C50C-407E-A947-70E740481C1C}">
-                <a14:useLocalDpi xmlns="" xmlns:a14="http://schemas.microsoft.com/office/drawing/2010/main" val="0"/>
+                <a14:useLocalDpi xmlns:a14="http://schemas.microsoft.com/office/drawing/2010/main" xmlns="" val="0"/>
               </a:ext>
             </a:extLst>
           </a:blip>
@@ -3758,7 +4782,7 @@
     </p:spTree>
     <p:extLst>
       <p:ext uri="{BB962C8B-B14F-4D97-AF65-F5344CB8AC3E}">
-        <p14:creationId xmlns="" xmlns:p14="http://schemas.microsoft.com/office/powerpoint/2010/main" val="496767900"/>
+        <p14:creationId xmlns:p14="http://schemas.microsoft.com/office/powerpoint/2010/main" xmlns="" val="496767900"/>
       </p:ext>
     </p:extLst>
   </p:cSld>
@@ -3766,7 +4790,7 @@
     <a:masterClrMapping/>
   </p:clrMapOvr>
   <mc:AlternateContent xmlns:mc="http://schemas.openxmlformats.org/markup-compatibility/2006">
-    <mc:Choice xmlns="" xmlns:p14="http://schemas.microsoft.com/office/powerpoint/2010/main" Requires="p14">
+    <mc:Choice xmlns:p14="http://schemas.microsoft.com/office/powerpoint/2010/main" xmlns="" Requires="p14">
       <p:transition spd="slow" p14:dur="2000"/>
     </mc:Choice>
     <mc:Fallback>
@@ -3986,7 +5010,7 @@
 </p:sld>
 </file>
 
-<file path=ppt/slides/slide15.xml><?xml version="1.0" encoding="utf-8"?>
+<file path=ppt/slides/slide16.xml><?xml version="1.0" encoding="utf-8"?>
 <p:sld xmlns:a="http://schemas.openxmlformats.org/drawingml/2006/main" xmlns:r="http://schemas.openxmlformats.org/officeDocument/2006/relationships" xmlns:p="http://schemas.openxmlformats.org/presentationml/2006/main">
   <p:cSld>
     <p:spTree>
@@ -4054,7 +5078,7 @@
           <a:blip r:embed="rId2">
             <a:extLst>
               <a:ext uri="{28A0092B-C50C-407E-A947-70E740481C1C}">
-                <a14:useLocalDpi xmlns="" xmlns:a14="http://schemas.microsoft.com/office/drawing/2010/main" val="0"/>
+                <a14:useLocalDpi xmlns:a14="http://schemas.microsoft.com/office/drawing/2010/main" xmlns="" val="0"/>
               </a:ext>
             </a:extLst>
           </a:blip>
@@ -4084,7 +5108,7 @@
           <a:blip r:embed="rId3">
             <a:extLst>
               <a:ext uri="{28A0092B-C50C-407E-A947-70E740481C1C}">
-                <a14:useLocalDpi xmlns="" xmlns:a14="http://schemas.microsoft.com/office/drawing/2010/main" val="0"/>
+                <a14:useLocalDpi xmlns:a14="http://schemas.microsoft.com/office/drawing/2010/main" xmlns="" val="0"/>
               </a:ext>
             </a:extLst>
           </a:blip>
@@ -4114,7 +5138,7 @@
           <a:blip r:embed="rId4">
             <a:extLst>
               <a:ext uri="{28A0092B-C50C-407E-A947-70E740481C1C}">
-                <a14:useLocalDpi xmlns="" xmlns:a14="http://schemas.microsoft.com/office/drawing/2010/main" val="0"/>
+                <a14:useLocalDpi xmlns:a14="http://schemas.microsoft.com/office/drawing/2010/main" xmlns="" val="0"/>
               </a:ext>
             </a:extLst>
           </a:blip>
@@ -4144,7 +5168,7 @@
           <a:blip r:embed="rId5">
             <a:extLst>
               <a:ext uri="{28A0092B-C50C-407E-A947-70E740481C1C}">
-                <a14:useLocalDpi xmlns="" xmlns:a14="http://schemas.microsoft.com/office/drawing/2010/main" val="0"/>
+                <a14:useLocalDpi xmlns:a14="http://schemas.microsoft.com/office/drawing/2010/main" xmlns="" val="0"/>
               </a:ext>
             </a:extLst>
           </a:blip>
@@ -4174,7 +5198,7 @@
           <a:blip r:embed="rId6">
             <a:extLst>
               <a:ext uri="{28A0092B-C50C-407E-A947-70E740481C1C}">
-                <a14:useLocalDpi xmlns="" xmlns:a14="http://schemas.microsoft.com/office/drawing/2010/main" val="0"/>
+                <a14:useLocalDpi xmlns:a14="http://schemas.microsoft.com/office/drawing/2010/main" xmlns="" val="0"/>
               </a:ext>
             </a:extLst>
           </a:blip>
@@ -4302,7 +5326,7 @@
     </p:spTree>
     <p:extLst>
       <p:ext uri="{BB962C8B-B14F-4D97-AF65-F5344CB8AC3E}">
-        <p14:creationId xmlns="" xmlns:p14="http://schemas.microsoft.com/office/powerpoint/2010/main" val="2631485282"/>
+        <p14:creationId xmlns:p14="http://schemas.microsoft.com/office/powerpoint/2010/main" xmlns="" val="2631485282"/>
       </p:ext>
     </p:extLst>
   </p:cSld>
@@ -4621,7 +5645,7 @@
 </p:sld>
 </file>
 
-<file path=ppt/slides/slide16.xml><?xml version="1.0" encoding="utf-8"?>
+<file path=ppt/slides/slide17.xml><?xml version="1.0" encoding="utf-8"?>
 <p:sld xmlns:a="http://schemas.openxmlformats.org/drawingml/2006/main" xmlns:r="http://schemas.openxmlformats.org/officeDocument/2006/relationships" xmlns:p="http://schemas.openxmlformats.org/presentationml/2006/main">
   <p:cSld>
     <p:spTree>
@@ -4658,7 +5682,7 @@
                 <a:latin typeface="+mj-lt"/>
               </a:rPr>
               <a:pPr/>
-              <a:t>16</a:t>
+              <a:t>17</a:t>
             </a:fld>
             <a:endParaRPr lang="en-US" dirty="0">
               <a:latin typeface="+mj-lt"/>
@@ -4723,7 +5747,7 @@
     </p:spTree>
     <p:extLst>
       <p:ext uri="{BB962C8B-B14F-4D97-AF65-F5344CB8AC3E}">
-        <p14:creationId xmlns="" xmlns:p14="http://schemas.microsoft.com/office/powerpoint/2010/main" val="3598067464"/>
+        <p14:creationId xmlns:p14="http://schemas.microsoft.com/office/powerpoint/2010/main" xmlns="" val="3598067464"/>
       </p:ext>
     </p:extLst>
   </p:cSld>
@@ -5037,7 +6061,7 @@
     </p:spTree>
     <p:extLst>
       <p:ext uri="{BB962C8B-B14F-4D97-AF65-F5344CB8AC3E}">
-        <p14:creationId xmlns="" xmlns:p14="http://schemas.microsoft.com/office/powerpoint/2010/main" val="2707758325"/>
+        <p14:creationId xmlns:p14="http://schemas.microsoft.com/office/powerpoint/2010/main" xmlns="" val="2707758325"/>
       </p:ext>
     </p:extLst>
   </p:cSld>
@@ -5394,7 +6418,7 @@
     </p:spTree>
     <p:extLst>
       <p:ext uri="{BB962C8B-B14F-4D97-AF65-F5344CB8AC3E}">
-        <p14:creationId xmlns="" xmlns:p14="http://schemas.microsoft.com/office/powerpoint/2010/main" val="4019875659"/>
+        <p14:creationId xmlns:p14="http://schemas.microsoft.com/office/powerpoint/2010/main" xmlns="" val="4019875659"/>
       </p:ext>
     </p:extLst>
   </p:cSld>
@@ -5458,7 +6482,13 @@
               <a:buChar char="l"/>
             </a:pPr>
             <a:r>
-              <a:rPr lang="en-US" altLang="zh-TW" sz="3200" dirty="0" smtClean="0"/>
+              <a:rPr lang="en-US" altLang="zh-TW" sz="3200" dirty="0" smtClean="0">
+                <a:solidFill>
+                  <a:schemeClr val="bg1">
+                    <a:lumMod val="75000"/>
+                  </a:schemeClr>
+                </a:solidFill>
+              </a:rPr>
               <a:t>Rectangle shape</a:t>
             </a:r>
           </a:p>
@@ -5468,7 +6498,13 @@
               <a:buChar char="l"/>
             </a:pPr>
             <a:r>
-              <a:rPr lang="en-US" altLang="zh-TW" sz="3200" dirty="0" smtClean="0"/>
+              <a:rPr lang="en-US" altLang="zh-TW" sz="3200" dirty="0" smtClean="0">
+                <a:solidFill>
+                  <a:schemeClr val="bg1">
+                    <a:lumMod val="75000"/>
+                  </a:schemeClr>
+                </a:solidFill>
+              </a:rPr>
               <a:t>Symmetry</a:t>
             </a:r>
           </a:p>
@@ -5478,7 +6514,13 @@
               <a:buChar char="l"/>
             </a:pPr>
             <a:r>
-              <a:rPr lang="en-US" altLang="zh-TW" sz="3200" dirty="0" smtClean="0"/>
+              <a:rPr lang="en-US" altLang="zh-TW" sz="3200" dirty="0" smtClean="0">
+                <a:solidFill>
+                  <a:schemeClr val="bg1">
+                    <a:lumMod val="75000"/>
+                  </a:schemeClr>
+                </a:solidFill>
+              </a:rPr>
               <a:t>Entropy</a:t>
             </a:r>
           </a:p>
@@ -5488,7 +6530,13 @@
               <a:buChar char="l"/>
             </a:pPr>
             <a:r>
-              <a:rPr lang="en-US" altLang="zh-TW" sz="3200" dirty="0" smtClean="0"/>
+              <a:rPr lang="en-US" altLang="zh-TW" sz="3200" dirty="0" smtClean="0">
+                <a:solidFill>
+                  <a:schemeClr val="bg1">
+                    <a:lumMod val="75000"/>
+                  </a:schemeClr>
+                </a:solidFill>
+              </a:rPr>
               <a:t>Contrast</a:t>
             </a:r>
           </a:p>
@@ -5529,66 +6577,6 @@
               </a:solidFill>
               <a:latin typeface="+mj-lt"/>
             </a:endParaRPr>
-          </a:p>
-        </p:txBody>
-      </p:sp>
-      <p:sp>
-        <p:nvSpPr>
-          <p:cNvPr id="11" name="文字方塊 10"/>
-          <p:cNvSpPr txBox="1"/>
-          <p:nvPr/>
-        </p:nvSpPr>
-        <p:spPr>
-          <a:xfrm>
-            <a:off x="2201413" y="5329726"/>
-            <a:ext cx="984233" cy="523220"/>
-          </a:xfrm>
-          <a:prstGeom prst="rect">
-            <a:avLst/>
-          </a:prstGeom>
-          <a:noFill/>
-        </p:spPr>
-        <p:txBody>
-          <a:bodyPr wrap="square" rtlCol="0">
-            <a:spAutoFit/>
-          </a:bodyPr>
-          <a:lstStyle/>
-          <a:p>
-            <a:r>
-              <a:rPr lang="en-US" altLang="zh-TW" sz="2800" dirty="0" smtClean="0"/>
-              <a:t>Man</a:t>
-            </a:r>
-            <a:endParaRPr lang="zh-TW" altLang="en-US" sz="2800" dirty="0"/>
-          </a:p>
-        </p:txBody>
-      </p:sp>
-      <p:sp>
-        <p:nvSpPr>
-          <p:cNvPr id="12" name="文字方塊 11"/>
-          <p:cNvSpPr txBox="1"/>
-          <p:nvPr/>
-        </p:nvSpPr>
-        <p:spPr>
-          <a:xfrm>
-            <a:off x="6242979" y="5329726"/>
-            <a:ext cx="2003713" cy="523220"/>
-          </a:xfrm>
-          <a:prstGeom prst="rect">
-            <a:avLst/>
-          </a:prstGeom>
-          <a:noFill/>
-        </p:spPr>
-        <p:txBody>
-          <a:bodyPr wrap="square" rtlCol="0">
-            <a:spAutoFit/>
-          </a:bodyPr>
-          <a:lstStyle/>
-          <a:p>
-            <a:r>
-              <a:rPr lang="en-US" altLang="zh-TW" sz="2800" dirty="0" smtClean="0"/>
-              <a:t>Computer</a:t>
-            </a:r>
-            <a:endParaRPr lang="zh-TW" altLang="en-US" sz="2800" dirty="0"/>
           </a:p>
         </p:txBody>
       </p:sp>
@@ -5609,8 +6597,8 @@
         </p:blipFill>
         <p:spPr bwMode="auto">
           <a:xfrm>
-            <a:off x="4879193" y="1915531"/>
-            <a:ext cx="3975425" cy="3270490"/>
+            <a:off x="4819525" y="1913381"/>
+            <a:ext cx="3975424" cy="3270489"/>
           </a:xfrm>
           <a:prstGeom prst="rect">
             <a:avLst/>
@@ -5907,10 +6895,158 @@
           </a:p>
         </p:txBody>
       </p:sp>
+      <p:sp>
+        <p:nvSpPr>
+          <p:cNvPr id="15" name="矩形 14"/>
+          <p:cNvSpPr/>
+          <p:nvPr/>
+        </p:nvSpPr>
+        <p:spPr>
+          <a:xfrm>
+            <a:off x="2930532" y="3682914"/>
+            <a:ext cx="205415" cy="152400"/>
+          </a:xfrm>
+          <a:prstGeom prst="rect">
+            <a:avLst/>
+          </a:prstGeom>
+          <a:noFill/>
+          <a:ln w="19050">
+            <a:solidFill>
+              <a:srgbClr val="FFFF00"/>
+            </a:solidFill>
+          </a:ln>
+        </p:spPr>
+        <p:style>
+          <a:lnRef idx="1">
+            <a:schemeClr val="accent1"/>
+          </a:lnRef>
+          <a:fillRef idx="3">
+            <a:schemeClr val="accent1"/>
+          </a:fillRef>
+          <a:effectRef idx="2">
+            <a:schemeClr val="accent1"/>
+          </a:effectRef>
+          <a:fontRef idx="minor">
+            <a:schemeClr val="lt1"/>
+          </a:fontRef>
+        </p:style>
+        <p:txBody>
+          <a:bodyPr rtlCol="0" anchor="ctr"/>
+          <a:lstStyle/>
+          <a:p>
+            <a:pPr algn="ctr"/>
+            <a:endParaRPr lang="zh-TW" altLang="en-US"/>
+          </a:p>
+        </p:txBody>
+      </p:sp>
+      <p:cxnSp>
+        <p:nvCxnSpPr>
+          <p:cNvPr id="17" name="直線接點 16"/>
+          <p:cNvCxnSpPr>
+            <a:stCxn id="15" idx="0"/>
+          </p:cNvCxnSpPr>
+          <p:nvPr/>
+        </p:nvCxnSpPr>
+        <p:spPr>
+          <a:xfrm flipV="1">
+            <a:off x="3033240" y="1913381"/>
+            <a:ext cx="1786285" cy="1769533"/>
+          </a:xfrm>
+          <a:prstGeom prst="line">
+            <a:avLst/>
+          </a:prstGeom>
+          <a:ln>
+            <a:solidFill>
+              <a:srgbClr val="FFFF00"/>
+            </a:solidFill>
+          </a:ln>
+        </p:spPr>
+        <p:style>
+          <a:lnRef idx="2">
+            <a:schemeClr val="accent1"/>
+          </a:lnRef>
+          <a:fillRef idx="0">
+            <a:schemeClr val="accent1"/>
+          </a:fillRef>
+          <a:effectRef idx="1">
+            <a:schemeClr val="accent1"/>
+          </a:effectRef>
+          <a:fontRef idx="minor">
+            <a:schemeClr val="tx1"/>
+          </a:fontRef>
+        </p:style>
+      </p:cxnSp>
+      <p:cxnSp>
+        <p:nvCxnSpPr>
+          <p:cNvPr id="19" name="直線接點 18"/>
+          <p:cNvCxnSpPr>
+            <a:stCxn id="15" idx="2"/>
+          </p:cNvCxnSpPr>
+          <p:nvPr/>
+        </p:nvCxnSpPr>
+        <p:spPr>
+          <a:xfrm>
+            <a:off x="3033240" y="3835314"/>
+            <a:ext cx="1786285" cy="1348556"/>
+          </a:xfrm>
+          <a:prstGeom prst="line">
+            <a:avLst/>
+          </a:prstGeom>
+          <a:ln>
+            <a:solidFill>
+              <a:srgbClr val="FFFF00"/>
+            </a:solidFill>
+          </a:ln>
+        </p:spPr>
+        <p:style>
+          <a:lnRef idx="2">
+            <a:schemeClr val="accent1"/>
+          </a:lnRef>
+          <a:fillRef idx="0">
+            <a:schemeClr val="accent1"/>
+          </a:fillRef>
+          <a:effectRef idx="1">
+            <a:schemeClr val="accent1"/>
+          </a:effectRef>
+          <a:fontRef idx="minor">
+            <a:schemeClr val="tx1"/>
+          </a:fontRef>
+        </p:style>
+      </p:cxnSp>
+      <p:sp>
+        <p:nvSpPr>
+          <p:cNvPr id="21" name="文字方塊 20"/>
+          <p:cNvSpPr txBox="1"/>
+          <p:nvPr/>
+        </p:nvSpPr>
+        <p:spPr>
+          <a:xfrm>
+            <a:off x="5931779" y="5291667"/>
+            <a:ext cx="1749197" cy="369332"/>
+          </a:xfrm>
+          <a:prstGeom prst="rect">
+            <a:avLst/>
+          </a:prstGeom>
+          <a:noFill/>
+        </p:spPr>
+        <p:txBody>
+          <a:bodyPr wrap="none" rtlCol="0">
+            <a:spAutoFit/>
+          </a:bodyPr>
+          <a:lstStyle/>
+          <a:p>
+            <a:r>
+              <a:rPr lang="en-US" altLang="zh-TW" dirty="0" smtClean="0"/>
+              <a:t>Computer sees</a:t>
+            </a:r>
+            <a:endParaRPr lang="zh-TW" altLang="en-US" dirty="0"/>
+          </a:p>
+        </p:txBody>
+      </p:sp>
     </p:spTree>
     <p:extLst>
       <p:ext uri="{BB962C8B-B14F-4D97-AF65-F5344CB8AC3E}">
-        <p14:creationId xmlns="" xmlns:p14="http://schemas.microsoft.com/office/powerpoint/2010/main" val="1692470345"/>
+        <p14:creationId xmlns:p14="http://schemas.microsoft.com/office/powerpoint/2010/main" xmlns="" val="1692470345"/>
       </p:ext>
     </p:extLst>
   </p:cSld>
@@ -5938,7 +7074,7 @@
                             </p:stCondLst>
                             <p:childTnLst>
                               <p:par>
-                                <p:cTn id="5" presetID="1" presetClass="exit" presetSubtype="0" fill="hold" nodeType="clickEffect">
+                                <p:cTn id="5" presetID="1" presetClass="entr" presetSubtype="0" fill="hold" nodeType="clickEffect">
                                   <p:stCondLst>
                                     <p:cond delay="0"/>
                                   </p:stCondLst>
@@ -5946,6 +7082,240 @@
                                     <p:set>
                                       <p:cBhvr>
                                         <p:cTn id="6" dur="1" fill="hold">
+                                          <p:stCondLst>
+                                            <p:cond delay="0"/>
+                                          </p:stCondLst>
+                                        </p:cTn>
+                                        <p:tgtEl>
+                                          <p:spTgt spid="17"/>
+                                        </p:tgtEl>
+                                        <p:attrNameLst>
+                                          <p:attrName>style.visibility</p:attrName>
+                                        </p:attrNameLst>
+                                      </p:cBhvr>
+                                      <p:to>
+                                        <p:strVal val="visible"/>
+                                      </p:to>
+                                    </p:set>
+                                  </p:childTnLst>
+                                </p:cTn>
+                              </p:par>
+                              <p:par>
+                                <p:cTn id="7" presetID="1" presetClass="entr" presetSubtype="0" fill="hold" grpId="0" nodeType="withEffect">
+                                  <p:stCondLst>
+                                    <p:cond delay="0"/>
+                                  </p:stCondLst>
+                                  <p:childTnLst>
+                                    <p:set>
+                                      <p:cBhvr>
+                                        <p:cTn id="8" dur="1" fill="hold">
+                                          <p:stCondLst>
+                                            <p:cond delay="0"/>
+                                          </p:stCondLst>
+                                        </p:cTn>
+                                        <p:tgtEl>
+                                          <p:spTgt spid="15"/>
+                                        </p:tgtEl>
+                                        <p:attrNameLst>
+                                          <p:attrName>style.visibility</p:attrName>
+                                        </p:attrNameLst>
+                                      </p:cBhvr>
+                                      <p:to>
+                                        <p:strVal val="visible"/>
+                                      </p:to>
+                                    </p:set>
+                                  </p:childTnLst>
+                                </p:cTn>
+                              </p:par>
+                              <p:par>
+                                <p:cTn id="9" presetID="1" presetClass="entr" presetSubtype="0" fill="hold" nodeType="withEffect">
+                                  <p:stCondLst>
+                                    <p:cond delay="0"/>
+                                  </p:stCondLst>
+                                  <p:childTnLst>
+                                    <p:set>
+                                      <p:cBhvr>
+                                        <p:cTn id="10" dur="1" fill="hold">
+                                          <p:stCondLst>
+                                            <p:cond delay="0"/>
+                                          </p:stCondLst>
+                                        </p:cTn>
+                                        <p:tgtEl>
+                                          <p:spTgt spid="19"/>
+                                        </p:tgtEl>
+                                        <p:attrNameLst>
+                                          <p:attrName>style.visibility</p:attrName>
+                                        </p:attrNameLst>
+                                      </p:cBhvr>
+                                      <p:to>
+                                        <p:strVal val="visible"/>
+                                      </p:to>
+                                    </p:set>
+                                  </p:childTnLst>
+                                </p:cTn>
+                              </p:par>
+                              <p:par>
+                                <p:cTn id="11" presetID="1" presetClass="entr" presetSubtype="0" fill="hold" nodeType="withEffect">
+                                  <p:stCondLst>
+                                    <p:cond delay="0"/>
+                                  </p:stCondLst>
+                                  <p:childTnLst>
+                                    <p:set>
+                                      <p:cBhvr>
+                                        <p:cTn id="12" dur="1" fill="hold">
+                                          <p:stCondLst>
+                                            <p:cond delay="0"/>
+                                          </p:stCondLst>
+                                        </p:cTn>
+                                        <p:tgtEl>
+                                          <p:spTgt spid="3"/>
+                                        </p:tgtEl>
+                                        <p:attrNameLst>
+                                          <p:attrName>style.visibility</p:attrName>
+                                        </p:attrNameLst>
+                                      </p:cBhvr>
+                                      <p:to>
+                                        <p:strVal val="visible"/>
+                                      </p:to>
+                                    </p:set>
+                                  </p:childTnLst>
+                                </p:cTn>
+                              </p:par>
+                              <p:par>
+                                <p:cTn id="13" presetID="1" presetClass="entr" presetSubtype="0" fill="hold" grpId="0" nodeType="withEffect">
+                                  <p:stCondLst>
+                                    <p:cond delay="0"/>
+                                  </p:stCondLst>
+                                  <p:childTnLst>
+                                    <p:set>
+                                      <p:cBhvr>
+                                        <p:cTn id="14" dur="1" fill="hold">
+                                          <p:stCondLst>
+                                            <p:cond delay="0"/>
+                                          </p:stCondLst>
+                                        </p:cTn>
+                                        <p:tgtEl>
+                                          <p:spTgt spid="21"/>
+                                        </p:tgtEl>
+                                        <p:attrNameLst>
+                                          <p:attrName>style.visibility</p:attrName>
+                                        </p:attrNameLst>
+                                      </p:cBhvr>
+                                      <p:to>
+                                        <p:strVal val="visible"/>
+                                      </p:to>
+                                    </p:set>
+                                  </p:childTnLst>
+                                </p:cTn>
+                              </p:par>
+                            </p:childTnLst>
+                          </p:cTn>
+                        </p:par>
+                      </p:childTnLst>
+                    </p:cTn>
+                  </p:par>
+                  <p:par>
+                    <p:cTn id="15" fill="hold">
+                      <p:stCondLst>
+                        <p:cond delay="indefinite"/>
+                      </p:stCondLst>
+                      <p:childTnLst>
+                        <p:par>
+                          <p:cTn id="16" fill="hold">
+                            <p:stCondLst>
+                              <p:cond delay="0"/>
+                            </p:stCondLst>
+                            <p:childTnLst>
+                              <p:par>
+                                <p:cTn id="17" presetID="1" presetClass="exit" presetSubtype="0" fill="hold" nodeType="clickEffect">
+                                  <p:stCondLst>
+                                    <p:cond delay="0"/>
+                                  </p:stCondLst>
+                                  <p:childTnLst>
+                                    <p:set>
+                                      <p:cBhvr>
+                                        <p:cTn id="18" dur="1" fill="hold">
+                                          <p:stCondLst>
+                                            <p:cond delay="0"/>
+                                          </p:stCondLst>
+                                        </p:cTn>
+                                        <p:tgtEl>
+                                          <p:spTgt spid="19"/>
+                                        </p:tgtEl>
+                                        <p:attrNameLst>
+                                          <p:attrName>style.visibility</p:attrName>
+                                        </p:attrNameLst>
+                                      </p:cBhvr>
+                                      <p:to>
+                                        <p:strVal val="hidden"/>
+                                      </p:to>
+                                    </p:set>
+                                  </p:childTnLst>
+                                </p:cTn>
+                              </p:par>
+                              <p:par>
+                                <p:cTn id="19" presetID="1" presetClass="exit" presetSubtype="0" fill="hold" grpId="1" nodeType="withEffect">
+                                  <p:stCondLst>
+                                    <p:cond delay="0"/>
+                                  </p:stCondLst>
+                                  <p:childTnLst>
+                                    <p:set>
+                                      <p:cBhvr>
+                                        <p:cTn id="20" dur="1" fill="hold">
+                                          <p:stCondLst>
+                                            <p:cond delay="0"/>
+                                          </p:stCondLst>
+                                        </p:cTn>
+                                        <p:tgtEl>
+                                          <p:spTgt spid="15"/>
+                                        </p:tgtEl>
+                                        <p:attrNameLst>
+                                          <p:attrName>style.visibility</p:attrName>
+                                        </p:attrNameLst>
+                                      </p:cBhvr>
+                                      <p:to>
+                                        <p:strVal val="hidden"/>
+                                      </p:to>
+                                    </p:set>
+                                  </p:childTnLst>
+                                </p:cTn>
+                              </p:par>
+                              <p:par>
+                                <p:cTn id="21" presetID="1" presetClass="exit" presetSubtype="0" fill="hold" nodeType="withEffect">
+                                  <p:stCondLst>
+                                    <p:cond delay="0"/>
+                                  </p:stCondLst>
+                                  <p:childTnLst>
+                                    <p:set>
+                                      <p:cBhvr>
+                                        <p:cTn id="22" dur="1" fill="hold">
+                                          <p:stCondLst>
+                                            <p:cond delay="0"/>
+                                          </p:stCondLst>
+                                        </p:cTn>
+                                        <p:tgtEl>
+                                          <p:spTgt spid="17"/>
+                                        </p:tgtEl>
+                                        <p:attrNameLst>
+                                          <p:attrName>style.visibility</p:attrName>
+                                        </p:attrNameLst>
+                                      </p:cBhvr>
+                                      <p:to>
+                                        <p:strVal val="hidden"/>
+                                      </p:to>
+                                    </p:set>
+                                  </p:childTnLst>
+                                </p:cTn>
+                              </p:par>
+                              <p:par>
+                                <p:cTn id="23" presetID="1" presetClass="exit" presetSubtype="0" fill="hold" nodeType="withEffect">
+                                  <p:stCondLst>
+                                    <p:cond delay="0"/>
+                                  </p:stCondLst>
+                                  <p:childTnLst>
+                                    <p:set>
+                                      <p:cBhvr>
+                                        <p:cTn id="24" dur="1" fill="hold">
                                           <p:stCondLst>
                                             <p:cond delay="0"/>
                                           </p:stCondLst>
@@ -5965,20 +7335,20 @@
                                 </p:cTn>
                               </p:par>
                               <p:par>
-                                <p:cTn id="7" presetID="1" presetClass="exit" presetSubtype="0" fill="hold" grpId="0" nodeType="withEffect">
+                                <p:cTn id="25" presetID="1" presetClass="exit" presetSubtype="0" fill="hold" grpId="1" nodeType="withEffect">
                                   <p:stCondLst>
                                     <p:cond delay="0"/>
                                   </p:stCondLst>
                                   <p:childTnLst>
                                     <p:set>
                                       <p:cBhvr>
-                                        <p:cTn id="8" dur="1" fill="hold">
+                                        <p:cTn id="26" dur="1" fill="hold">
                                           <p:stCondLst>
                                             <p:cond delay="0"/>
                                           </p:stCondLst>
                                         </p:cTn>
                                         <p:tgtEl>
-                                          <p:spTgt spid="11"/>
+                                          <p:spTgt spid="21"/>
                                         </p:tgtEl>
                                         <p:attrNameLst>
                                           <p:attrName>style.visibility</p:attrName>
@@ -5992,41 +7362,156 @@
                                 </p:cTn>
                               </p:par>
                               <p:par>
-                                <p:cTn id="9" presetID="1" presetClass="exit" presetSubtype="0" fill="hold" grpId="0" nodeType="withEffect">
+                                <p:cTn id="27" presetID="1" presetClass="entr" presetSubtype="0" fill="hold" grpId="0" nodeType="withEffect">
                                   <p:stCondLst>
                                     <p:cond delay="0"/>
                                   </p:stCondLst>
                                   <p:childTnLst>
                                     <p:set>
                                       <p:cBhvr>
-                                        <p:cTn id="10" dur="1" fill="hold">
+                                        <p:cTn id="28" dur="1" fill="hold">
                                           <p:stCondLst>
                                             <p:cond delay="0"/>
                                           </p:stCondLst>
                                         </p:cTn>
                                         <p:tgtEl>
-                                          <p:spTgt spid="12"/>
+                                          <p:spTgt spid="8">
+                                            <p:txEl>
+                                              <p:pRg st="0" end="0"/>
+                                            </p:txEl>
+                                          </p:spTgt>
                                         </p:tgtEl>
                                         <p:attrNameLst>
                                           <p:attrName>style.visibility</p:attrName>
                                         </p:attrNameLst>
                                       </p:cBhvr>
                                       <p:to>
-                                        <p:strVal val="hidden"/>
+                                        <p:strVal val="visible"/>
                                       </p:to>
                                     </p:set>
                                   </p:childTnLst>
                                 </p:cTn>
                               </p:par>
                               <p:par>
-                                <p:cTn id="11" presetID="3" presetClass="emph" presetSubtype="2" fill="hold" nodeType="withEffect">
+                                <p:cTn id="29" presetID="1" presetClass="entr" presetSubtype="0" fill="hold" grpId="0" nodeType="withEffect">
+                                  <p:stCondLst>
+                                    <p:cond delay="0"/>
+                                  </p:stCondLst>
+                                  <p:childTnLst>
+                                    <p:set>
+                                      <p:cBhvr>
+                                        <p:cTn id="30" dur="1" fill="hold">
+                                          <p:stCondLst>
+                                            <p:cond delay="0"/>
+                                          </p:stCondLst>
+                                        </p:cTn>
+                                        <p:tgtEl>
+                                          <p:spTgt spid="8">
+                                            <p:txEl>
+                                              <p:pRg st="1" end="1"/>
+                                            </p:txEl>
+                                          </p:spTgt>
+                                        </p:tgtEl>
+                                        <p:attrNameLst>
+                                          <p:attrName>style.visibility</p:attrName>
+                                        </p:attrNameLst>
+                                      </p:cBhvr>
+                                      <p:to>
+                                        <p:strVal val="visible"/>
+                                      </p:to>
+                                    </p:set>
+                                  </p:childTnLst>
+                                </p:cTn>
+                              </p:par>
+                              <p:par>
+                                <p:cTn id="31" presetID="1" presetClass="entr" presetSubtype="0" fill="hold" grpId="0" nodeType="withEffect">
+                                  <p:stCondLst>
+                                    <p:cond delay="0"/>
+                                  </p:stCondLst>
+                                  <p:childTnLst>
+                                    <p:set>
+                                      <p:cBhvr>
+                                        <p:cTn id="32" dur="1" fill="hold">
+                                          <p:stCondLst>
+                                            <p:cond delay="0"/>
+                                          </p:stCondLst>
+                                        </p:cTn>
+                                        <p:tgtEl>
+                                          <p:spTgt spid="8">
+                                            <p:txEl>
+                                              <p:pRg st="2" end="2"/>
+                                            </p:txEl>
+                                          </p:spTgt>
+                                        </p:tgtEl>
+                                        <p:attrNameLst>
+                                          <p:attrName>style.visibility</p:attrName>
+                                        </p:attrNameLst>
+                                      </p:cBhvr>
+                                      <p:to>
+                                        <p:strVal val="visible"/>
+                                      </p:to>
+                                    </p:set>
+                                  </p:childTnLst>
+                                </p:cTn>
+                              </p:par>
+                              <p:par>
+                                <p:cTn id="33" presetID="1" presetClass="entr" presetSubtype="0" fill="hold" grpId="0" nodeType="withEffect">
+                                  <p:stCondLst>
+                                    <p:cond delay="0"/>
+                                  </p:stCondLst>
+                                  <p:childTnLst>
+                                    <p:set>
+                                      <p:cBhvr>
+                                        <p:cTn id="34" dur="1" fill="hold">
+                                          <p:stCondLst>
+                                            <p:cond delay="0"/>
+                                          </p:stCondLst>
+                                        </p:cTn>
+                                        <p:tgtEl>
+                                          <p:spTgt spid="8">
+                                            <p:txEl>
+                                              <p:pRg st="3" end="3"/>
+                                            </p:txEl>
+                                          </p:spTgt>
+                                        </p:tgtEl>
+                                        <p:attrNameLst>
+                                          <p:attrName>style.visibility</p:attrName>
+                                        </p:attrNameLst>
+                                      </p:cBhvr>
+                                      <p:to>
+                                        <p:strVal val="visible"/>
+                                      </p:to>
+                                    </p:set>
+                                  </p:childTnLst>
+                                </p:cTn>
+                              </p:par>
+                            </p:childTnLst>
+                          </p:cTn>
+                        </p:par>
+                      </p:childTnLst>
+                    </p:cTn>
+                  </p:par>
+                  <p:par>
+                    <p:cTn id="35" fill="hold">
+                      <p:stCondLst>
+                        <p:cond delay="indefinite"/>
+                      </p:stCondLst>
+                      <p:childTnLst>
+                        <p:par>
+                          <p:cTn id="36" fill="hold">
+                            <p:stCondLst>
+                              <p:cond delay="0"/>
+                            </p:stCondLst>
+                            <p:childTnLst>
+                              <p:par>
+                                <p:cTn id="37" presetID="3" presetClass="emph" presetSubtype="2" fill="hold" nodeType="clickEffect">
                                   <p:stCondLst>
                                     <p:cond delay="0"/>
                                   </p:stCondLst>
                                   <p:childTnLst>
                                     <p:animClr clrSpc="rgb" dir="cw">
                                       <p:cBhvr override="childStyle">
-                                        <p:cTn id="12" dur="10" fill="hold"/>
+                                        <p:cTn id="38" dur="10" fill="hold"/>
                                         <p:tgtEl>
                                           <p:spTgt spid="8">
                                             <p:txEl>
@@ -6046,14 +7531,14 @@
                                 </p:cTn>
                               </p:par>
                               <p:par>
-                                <p:cTn id="13" presetID="3" presetClass="emph" presetSubtype="2" fill="hold" nodeType="withEffect">
+                                <p:cTn id="39" presetID="3" presetClass="emph" presetSubtype="2" fill="hold" nodeType="withEffect">
                                   <p:stCondLst>
                                     <p:cond delay="0"/>
                                   </p:stCondLst>
                                   <p:childTnLst>
                                     <p:animClr clrSpc="rgb" dir="cw">
                                       <p:cBhvr override="childStyle">
-                                        <p:cTn id="14" dur="10" fill="hold"/>
+                                        <p:cTn id="40" dur="10" fill="hold"/>
                                         <p:tgtEl>
                                           <p:spTgt spid="8">
                                             <p:txEl>
@@ -6073,339 +7558,6 @@
                                 </p:cTn>
                               </p:par>
                               <p:par>
-                                <p:cTn id="15" presetID="3" presetClass="emph" presetSubtype="2" fill="hold" nodeType="withEffect">
-                                  <p:stCondLst>
-                                    <p:cond delay="0"/>
-                                  </p:stCondLst>
-                                  <p:childTnLst>
-                                    <p:animClr clrSpc="rgb" dir="cw">
-                                      <p:cBhvr override="childStyle">
-                                        <p:cTn id="16" dur="10" fill="hold"/>
-                                        <p:tgtEl>
-                                          <p:spTgt spid="8">
-                                            <p:txEl>
-                                              <p:pRg st="2" end="2"/>
-                                            </p:txEl>
-                                          </p:spTgt>
-                                        </p:tgtEl>
-                                        <p:attrNameLst>
-                                          <p:attrName>style.color</p:attrName>
-                                        </p:attrNameLst>
-                                      </p:cBhvr>
-                                      <p:to>
-                                        <a:srgbClr val="D8D8D8"/>
-                                      </p:to>
-                                    </p:animClr>
-                                  </p:childTnLst>
-                                </p:cTn>
-                              </p:par>
-                              <p:par>
-                                <p:cTn id="17" presetID="3" presetClass="emph" presetSubtype="2" fill="hold" nodeType="withEffect">
-                                  <p:stCondLst>
-                                    <p:cond delay="0"/>
-                                  </p:stCondLst>
-                                  <p:childTnLst>
-                                    <p:animClr clrSpc="rgb" dir="cw">
-                                      <p:cBhvr override="childStyle">
-                                        <p:cTn id="18" dur="10" fill="hold"/>
-                                        <p:tgtEl>
-                                          <p:spTgt spid="8">
-                                            <p:txEl>
-                                              <p:pRg st="3" end="3"/>
-                                            </p:txEl>
-                                          </p:spTgt>
-                                        </p:tgtEl>
-                                        <p:attrNameLst>
-                                          <p:attrName>style.color</p:attrName>
-                                        </p:attrNameLst>
-                                      </p:cBhvr>
-                                      <p:to>
-                                        <a:srgbClr val="D8D8D8"/>
-                                      </p:to>
-                                    </p:animClr>
-                                  </p:childTnLst>
-                                </p:cTn>
-                              </p:par>
-                              <p:par>
-                                <p:cTn id="19" presetID="3" presetClass="emph" presetSubtype="2" fill="hold" nodeType="withEffect">
-                                  <p:stCondLst>
-                                    <p:cond delay="0"/>
-                                  </p:stCondLst>
-                                  <p:childTnLst>
-                                    <p:animClr clrSpc="rgb" dir="cw">
-                                      <p:cBhvr override="childStyle">
-                                        <p:cTn id="20" dur="10" fill="hold"/>
-                                        <p:tgtEl>
-                                          <p:spTgt spid="8">
-                                            <p:txEl>
-                                              <p:pRg st="0" end="0"/>
-                                            </p:txEl>
-                                          </p:spTgt>
-                                        </p:tgtEl>
-                                        <p:attrNameLst>
-                                          <p:attrName>style.color</p:attrName>
-                                        </p:attrNameLst>
-                                      </p:cBhvr>
-                                      <p:to>
-                                        <a:srgbClr val="000000"/>
-                                      </p:to>
-                                    </p:animClr>
-                                  </p:childTnLst>
-                                </p:cTn>
-                              </p:par>
-                              <p:par>
-                                <p:cTn id="21" presetID="1" presetClass="entr" presetSubtype="0" fill="hold" grpId="0" nodeType="withEffect">
-                                  <p:stCondLst>
-                                    <p:cond delay="0"/>
-                                  </p:stCondLst>
-                                  <p:childTnLst>
-                                    <p:set>
-                                      <p:cBhvr>
-                                        <p:cTn id="22" dur="1" fill="hold">
-                                          <p:stCondLst>
-                                            <p:cond delay="0"/>
-                                          </p:stCondLst>
-                                        </p:cTn>
-                                        <p:tgtEl>
-                                          <p:spTgt spid="2"/>
-                                        </p:tgtEl>
-                                        <p:attrNameLst>
-                                          <p:attrName>style.visibility</p:attrName>
-                                        </p:attrNameLst>
-                                      </p:cBhvr>
-                                      <p:to>
-                                        <p:strVal val="visible"/>
-                                      </p:to>
-                                    </p:set>
-                                  </p:childTnLst>
-                                </p:cTn>
-                              </p:par>
-                            </p:childTnLst>
-                          </p:cTn>
-                        </p:par>
-                      </p:childTnLst>
-                    </p:cTn>
-                  </p:par>
-                  <p:par>
-                    <p:cTn id="23" fill="hold">
-                      <p:stCondLst>
-                        <p:cond delay="indefinite"/>
-                      </p:stCondLst>
-                      <p:childTnLst>
-                        <p:par>
-                          <p:cTn id="24" fill="hold">
-                            <p:stCondLst>
-                              <p:cond delay="0"/>
-                            </p:stCondLst>
-                            <p:childTnLst>
-                              <p:par>
-                                <p:cTn id="25" presetID="3" presetClass="emph" presetSubtype="2" fill="hold" nodeType="clickEffect">
-                                  <p:stCondLst>
-                                    <p:cond delay="0"/>
-                                  </p:stCondLst>
-                                  <p:childTnLst>
-                                    <p:animClr clrSpc="rgb" dir="cw">
-                                      <p:cBhvr override="childStyle">
-                                        <p:cTn id="26" dur="10" fill="hold"/>
-                                        <p:tgtEl>
-                                          <p:spTgt spid="8">
-                                            <p:txEl>
-                                              <p:pRg st="0" end="0"/>
-                                            </p:txEl>
-                                          </p:spTgt>
-                                        </p:tgtEl>
-                                        <p:attrNameLst>
-                                          <p:attrName>style.color</p:attrName>
-                                        </p:attrNameLst>
-                                      </p:cBhvr>
-                                      <p:to>
-                                        <a:srgbClr val="D8D8D8"/>
-                                      </p:to>
-                                    </p:animClr>
-                                  </p:childTnLst>
-                                </p:cTn>
-                              </p:par>
-                              <p:par>
-                                <p:cTn id="27" presetID="3" presetClass="emph" presetSubtype="2" fill="hold" nodeType="withEffect">
-                                  <p:stCondLst>
-                                    <p:cond delay="0"/>
-                                  </p:stCondLst>
-                                  <p:childTnLst>
-                                    <p:animClr clrSpc="rgb" dir="cw">
-                                      <p:cBhvr override="childStyle">
-                                        <p:cTn id="28" dur="10" fill="hold"/>
-                                        <p:tgtEl>
-                                          <p:spTgt spid="8">
-                                            <p:txEl>
-                                              <p:pRg st="1" end="1"/>
-                                            </p:txEl>
-                                          </p:spTgt>
-                                        </p:tgtEl>
-                                        <p:attrNameLst>
-                                          <p:attrName>style.color</p:attrName>
-                                        </p:attrNameLst>
-                                      </p:cBhvr>
-                                      <p:to>
-                                        <a:srgbClr val="000000"/>
-                                      </p:to>
-                                    </p:animClr>
-                                  </p:childTnLst>
-                                </p:cTn>
-                              </p:par>
-                              <p:par>
-                                <p:cTn id="29" presetID="1" presetClass="entr" presetSubtype="0" fill="hold" nodeType="withEffect">
-                                  <p:stCondLst>
-                                    <p:cond delay="0"/>
-                                  </p:stCondLst>
-                                  <p:childTnLst>
-                                    <p:set>
-                                      <p:cBhvr>
-                                        <p:cTn id="30" dur="1" fill="hold">
-                                          <p:stCondLst>
-                                            <p:cond delay="0"/>
-                                          </p:stCondLst>
-                                        </p:cTn>
-                                        <p:tgtEl>
-                                          <p:spTgt spid="6"/>
-                                        </p:tgtEl>
-                                        <p:attrNameLst>
-                                          <p:attrName>style.visibility</p:attrName>
-                                        </p:attrNameLst>
-                                      </p:cBhvr>
-                                      <p:to>
-                                        <p:strVal val="visible"/>
-                                      </p:to>
-                                    </p:set>
-                                  </p:childTnLst>
-                                </p:cTn>
-                              </p:par>
-                            </p:childTnLst>
-                          </p:cTn>
-                        </p:par>
-                      </p:childTnLst>
-                    </p:cTn>
-                  </p:par>
-                  <p:par>
-                    <p:cTn id="31" fill="hold">
-                      <p:stCondLst>
-                        <p:cond delay="indefinite"/>
-                      </p:stCondLst>
-                      <p:childTnLst>
-                        <p:par>
-                          <p:cTn id="32" fill="hold">
-                            <p:stCondLst>
-                              <p:cond delay="0"/>
-                            </p:stCondLst>
-                            <p:childTnLst>
-                              <p:par>
-                                <p:cTn id="33" presetID="1" presetClass="exit" presetSubtype="0" fill="hold" grpId="1" nodeType="clickEffect">
-                                  <p:stCondLst>
-                                    <p:cond delay="0"/>
-                                  </p:stCondLst>
-                                  <p:childTnLst>
-                                    <p:set>
-                                      <p:cBhvr>
-                                        <p:cTn id="34" dur="1" fill="hold">
-                                          <p:stCondLst>
-                                            <p:cond delay="0"/>
-                                          </p:stCondLst>
-                                        </p:cTn>
-                                        <p:tgtEl>
-                                          <p:spTgt spid="2"/>
-                                        </p:tgtEl>
-                                        <p:attrNameLst>
-                                          <p:attrName>style.visibility</p:attrName>
-                                        </p:attrNameLst>
-                                      </p:cBhvr>
-                                      <p:to>
-                                        <p:strVal val="hidden"/>
-                                      </p:to>
-                                    </p:set>
-                                  </p:childTnLst>
-                                </p:cTn>
-                              </p:par>
-                              <p:par>
-                                <p:cTn id="35" presetID="1" presetClass="exit" presetSubtype="0" fill="hold" nodeType="withEffect">
-                                  <p:stCondLst>
-                                    <p:cond delay="0"/>
-                                  </p:stCondLst>
-                                  <p:childTnLst>
-                                    <p:set>
-                                      <p:cBhvr>
-                                        <p:cTn id="36" dur="1" fill="hold">
-                                          <p:stCondLst>
-                                            <p:cond delay="0"/>
-                                          </p:stCondLst>
-                                        </p:cTn>
-                                        <p:tgtEl>
-                                          <p:spTgt spid="6"/>
-                                        </p:tgtEl>
-                                        <p:attrNameLst>
-                                          <p:attrName>style.visibility</p:attrName>
-                                        </p:attrNameLst>
-                                      </p:cBhvr>
-                                      <p:to>
-                                        <p:strVal val="hidden"/>
-                                      </p:to>
-                                    </p:set>
-                                  </p:childTnLst>
-                                </p:cTn>
-                              </p:par>
-                              <p:par>
-                                <p:cTn id="37" presetID="3" presetClass="emph" presetSubtype="2" fill="hold" nodeType="withEffect">
-                                  <p:stCondLst>
-                                    <p:cond delay="0"/>
-                                  </p:stCondLst>
-                                  <p:childTnLst>
-                                    <p:animClr clrSpc="rgb" dir="cw">
-                                      <p:cBhvr override="childStyle">
-                                        <p:cTn id="38" dur="10" fill="hold"/>
-                                        <p:tgtEl>
-                                          <p:spTgt spid="8">
-                                            <p:txEl>
-                                              <p:pRg st="2" end="2"/>
-                                            </p:txEl>
-                                          </p:spTgt>
-                                        </p:tgtEl>
-                                        <p:attrNameLst>
-                                          <p:attrName>style.color</p:attrName>
-                                        </p:attrNameLst>
-                                      </p:cBhvr>
-                                      <p:to>
-                                        <a:schemeClr val="tx1"/>
-                                      </p:to>
-                                    </p:animClr>
-                                  </p:childTnLst>
-                                </p:cTn>
-                              </p:par>
-                              <p:par>
-                                <p:cTn id="39" presetID="1" presetClass="entr" presetSubtype="0" fill="hold" grpId="0" nodeType="withEffect">
-                                  <p:stCondLst>
-                                    <p:cond delay="0"/>
-                                  </p:stCondLst>
-                                  <p:childTnLst>
-                                    <p:set>
-                                      <p:cBhvr>
-                                        <p:cTn id="40" dur="1" fill="hold">
-                                          <p:stCondLst>
-                                            <p:cond delay="0"/>
-                                          </p:stCondLst>
-                                        </p:cTn>
-                                        <p:tgtEl>
-                                          <p:spTgt spid="13"/>
-                                        </p:tgtEl>
-                                        <p:attrNameLst>
-                                          <p:attrName>style.visibility</p:attrName>
-                                        </p:attrNameLst>
-                                      </p:cBhvr>
-                                      <p:to>
-                                        <p:strVal val="visible"/>
-                                      </p:to>
-                                    </p:set>
-                                  </p:childTnLst>
-                                </p:cTn>
-                              </p:par>
-                              <p:par>
                                 <p:cTn id="41" presetID="3" presetClass="emph" presetSubtype="2" fill="hold" nodeType="withEffect">
                                   <p:stCondLst>
                                     <p:cond delay="0"/>
@@ -6417,7 +7569,7 @@
                                         <p:tgtEl>
                                           <p:spTgt spid="8">
                                             <p:txEl>
-                                              <p:pRg st="0" end="0"/>
+                                              <p:pRg st="2" end="2"/>
                                             </p:txEl>
                                           </p:spTgt>
                                         </p:tgtEl>
@@ -6444,7 +7596,7 @@
                                         <p:tgtEl>
                                           <p:spTgt spid="8">
                                             <p:txEl>
-                                              <p:pRg st="1" end="1"/>
+                                              <p:pRg st="3" end="3"/>
                                             </p:txEl>
                                           </p:spTgt>
                                         </p:tgtEl>
@@ -6459,37 +7611,19 @@
                                   </p:childTnLst>
                                 </p:cTn>
                               </p:par>
-                            </p:childTnLst>
-                          </p:cTn>
-                        </p:par>
-                      </p:childTnLst>
-                    </p:cTn>
-                  </p:par>
-                  <p:par>
-                    <p:cTn id="45" fill="hold">
-                      <p:stCondLst>
-                        <p:cond delay="indefinite"/>
-                      </p:stCondLst>
-                      <p:childTnLst>
-                        <p:par>
-                          <p:cTn id="46" fill="hold">
-                            <p:stCondLst>
-                              <p:cond delay="0"/>
-                            </p:stCondLst>
-                            <p:childTnLst>
                               <p:par>
-                                <p:cTn id="47" presetID="3" presetClass="emph" presetSubtype="2" fill="hold" nodeType="clickEffect">
+                                <p:cTn id="45" presetID="3" presetClass="emph" presetSubtype="2" fill="hold" nodeType="withEffect">
                                   <p:stCondLst>
                                     <p:cond delay="0"/>
                                   </p:stCondLst>
                                   <p:childTnLst>
                                     <p:animClr clrSpc="rgb" dir="cw">
                                       <p:cBhvr override="childStyle">
-                                        <p:cTn id="48" dur="10" fill="hold"/>
+                                        <p:cTn id="46" dur="10" fill="hold"/>
                                         <p:tgtEl>
                                           <p:spTgt spid="8">
                                             <p:txEl>
-                                              <p:pRg st="3" end="3"/>
+                                              <p:pRg st="0" end="0"/>
                                             </p:txEl>
                                           </p:spTgt>
                                         </p:tgtEl>
@@ -6505,34 +7639,52 @@
                                 </p:cTn>
                               </p:par>
                               <p:par>
-                                <p:cTn id="49" presetID="3" presetClass="emph" presetSubtype="2" fill="hold" nodeType="withEffect">
+                                <p:cTn id="47" presetID="1" presetClass="entr" presetSubtype="0" fill="hold" grpId="0" nodeType="withEffect">
                                   <p:stCondLst>
                                     <p:cond delay="0"/>
                                   </p:stCondLst>
                                   <p:childTnLst>
-                                    <p:animClr clrSpc="rgb" dir="cw">
-                                      <p:cBhvr override="childStyle">
-                                        <p:cTn id="50" dur="10" fill="hold"/>
+                                    <p:set>
+                                      <p:cBhvr>
+                                        <p:cTn id="48" dur="1" fill="hold">
+                                          <p:stCondLst>
+                                            <p:cond delay="0"/>
+                                          </p:stCondLst>
+                                        </p:cTn>
                                         <p:tgtEl>
-                                          <p:spTgt spid="8">
-                                            <p:txEl>
-                                              <p:pRg st="0" end="0"/>
-                                            </p:txEl>
-                                          </p:spTgt>
+                                          <p:spTgt spid="2"/>
                                         </p:tgtEl>
                                         <p:attrNameLst>
-                                          <p:attrName>style.color</p:attrName>
+                                          <p:attrName>style.visibility</p:attrName>
                                         </p:attrNameLst>
                                       </p:cBhvr>
                                       <p:to>
-                                        <a:srgbClr val="D8D8D8"/>
+                                        <p:strVal val="visible"/>
                                       </p:to>
-                                    </p:animClr>
+                                    </p:set>
                                   </p:childTnLst>
                                 </p:cTn>
                               </p:par>
+                            </p:childTnLst>
+                          </p:cTn>
+                        </p:par>
+                      </p:childTnLst>
+                    </p:cTn>
+                  </p:par>
+                  <p:par>
+                    <p:cTn id="49" fill="hold">
+                      <p:stCondLst>
+                        <p:cond delay="indefinite"/>
+                      </p:stCondLst>
+                      <p:childTnLst>
+                        <p:par>
+                          <p:cTn id="50" fill="hold">
+                            <p:stCondLst>
+                              <p:cond delay="0"/>
+                            </p:stCondLst>
+                            <p:childTnLst>
                               <p:par>
-                                <p:cTn id="51" presetID="3" presetClass="emph" presetSubtype="2" fill="hold" nodeType="withEffect">
+                                <p:cTn id="51" presetID="3" presetClass="emph" presetSubtype="2" fill="hold" nodeType="clickEffect">
                                   <p:stCondLst>
                                     <p:cond delay="0"/>
                                   </p:stCondLst>
@@ -6543,7 +7695,7 @@
                                         <p:tgtEl>
                                           <p:spTgt spid="8">
                                             <p:txEl>
-                                              <p:pRg st="1" end="1"/>
+                                              <p:pRg st="0" end="0"/>
                                             </p:txEl>
                                           </p:spTgt>
                                         </p:tgtEl>
@@ -6570,6 +7722,339 @@
                                         <p:tgtEl>
                                           <p:spTgt spid="8">
                                             <p:txEl>
+                                              <p:pRg st="1" end="1"/>
+                                            </p:txEl>
+                                          </p:spTgt>
+                                        </p:tgtEl>
+                                        <p:attrNameLst>
+                                          <p:attrName>style.color</p:attrName>
+                                        </p:attrNameLst>
+                                      </p:cBhvr>
+                                      <p:to>
+                                        <a:srgbClr val="000000"/>
+                                      </p:to>
+                                    </p:animClr>
+                                  </p:childTnLst>
+                                </p:cTn>
+                              </p:par>
+                              <p:par>
+                                <p:cTn id="55" presetID="1" presetClass="entr" presetSubtype="0" fill="hold" nodeType="withEffect">
+                                  <p:stCondLst>
+                                    <p:cond delay="0"/>
+                                  </p:stCondLst>
+                                  <p:childTnLst>
+                                    <p:set>
+                                      <p:cBhvr>
+                                        <p:cTn id="56" dur="1" fill="hold">
+                                          <p:stCondLst>
+                                            <p:cond delay="0"/>
+                                          </p:stCondLst>
+                                        </p:cTn>
+                                        <p:tgtEl>
+                                          <p:spTgt spid="6"/>
+                                        </p:tgtEl>
+                                        <p:attrNameLst>
+                                          <p:attrName>style.visibility</p:attrName>
+                                        </p:attrNameLst>
+                                      </p:cBhvr>
+                                      <p:to>
+                                        <p:strVal val="visible"/>
+                                      </p:to>
+                                    </p:set>
+                                  </p:childTnLst>
+                                </p:cTn>
+                              </p:par>
+                            </p:childTnLst>
+                          </p:cTn>
+                        </p:par>
+                      </p:childTnLst>
+                    </p:cTn>
+                  </p:par>
+                  <p:par>
+                    <p:cTn id="57" fill="hold">
+                      <p:stCondLst>
+                        <p:cond delay="indefinite"/>
+                      </p:stCondLst>
+                      <p:childTnLst>
+                        <p:par>
+                          <p:cTn id="58" fill="hold">
+                            <p:stCondLst>
+                              <p:cond delay="0"/>
+                            </p:stCondLst>
+                            <p:childTnLst>
+                              <p:par>
+                                <p:cTn id="59" presetID="1" presetClass="exit" presetSubtype="0" fill="hold" grpId="1" nodeType="clickEffect">
+                                  <p:stCondLst>
+                                    <p:cond delay="0"/>
+                                  </p:stCondLst>
+                                  <p:childTnLst>
+                                    <p:set>
+                                      <p:cBhvr>
+                                        <p:cTn id="60" dur="1" fill="hold">
+                                          <p:stCondLst>
+                                            <p:cond delay="0"/>
+                                          </p:stCondLst>
+                                        </p:cTn>
+                                        <p:tgtEl>
+                                          <p:spTgt spid="2"/>
+                                        </p:tgtEl>
+                                        <p:attrNameLst>
+                                          <p:attrName>style.visibility</p:attrName>
+                                        </p:attrNameLst>
+                                      </p:cBhvr>
+                                      <p:to>
+                                        <p:strVal val="hidden"/>
+                                      </p:to>
+                                    </p:set>
+                                  </p:childTnLst>
+                                </p:cTn>
+                              </p:par>
+                              <p:par>
+                                <p:cTn id="61" presetID="1" presetClass="exit" presetSubtype="0" fill="hold" nodeType="withEffect">
+                                  <p:stCondLst>
+                                    <p:cond delay="0"/>
+                                  </p:stCondLst>
+                                  <p:childTnLst>
+                                    <p:set>
+                                      <p:cBhvr>
+                                        <p:cTn id="62" dur="1" fill="hold">
+                                          <p:stCondLst>
+                                            <p:cond delay="0"/>
+                                          </p:stCondLst>
+                                        </p:cTn>
+                                        <p:tgtEl>
+                                          <p:spTgt spid="6"/>
+                                        </p:tgtEl>
+                                        <p:attrNameLst>
+                                          <p:attrName>style.visibility</p:attrName>
+                                        </p:attrNameLst>
+                                      </p:cBhvr>
+                                      <p:to>
+                                        <p:strVal val="hidden"/>
+                                      </p:to>
+                                    </p:set>
+                                  </p:childTnLst>
+                                </p:cTn>
+                              </p:par>
+                              <p:par>
+                                <p:cTn id="63" presetID="3" presetClass="emph" presetSubtype="2" fill="hold" nodeType="withEffect">
+                                  <p:stCondLst>
+                                    <p:cond delay="0"/>
+                                  </p:stCondLst>
+                                  <p:childTnLst>
+                                    <p:animClr clrSpc="rgb" dir="cw">
+                                      <p:cBhvr override="childStyle">
+                                        <p:cTn id="64" dur="10" fill="hold"/>
+                                        <p:tgtEl>
+                                          <p:spTgt spid="8">
+                                            <p:txEl>
+                                              <p:pRg st="2" end="2"/>
+                                            </p:txEl>
+                                          </p:spTgt>
+                                        </p:tgtEl>
+                                        <p:attrNameLst>
+                                          <p:attrName>style.color</p:attrName>
+                                        </p:attrNameLst>
+                                      </p:cBhvr>
+                                      <p:to>
+                                        <a:schemeClr val="tx1"/>
+                                      </p:to>
+                                    </p:animClr>
+                                  </p:childTnLst>
+                                </p:cTn>
+                              </p:par>
+                              <p:par>
+                                <p:cTn id="65" presetID="1" presetClass="entr" presetSubtype="0" fill="hold" grpId="0" nodeType="withEffect">
+                                  <p:stCondLst>
+                                    <p:cond delay="0"/>
+                                  </p:stCondLst>
+                                  <p:childTnLst>
+                                    <p:set>
+                                      <p:cBhvr>
+                                        <p:cTn id="66" dur="1" fill="hold">
+                                          <p:stCondLst>
+                                            <p:cond delay="0"/>
+                                          </p:stCondLst>
+                                        </p:cTn>
+                                        <p:tgtEl>
+                                          <p:spTgt spid="13"/>
+                                        </p:tgtEl>
+                                        <p:attrNameLst>
+                                          <p:attrName>style.visibility</p:attrName>
+                                        </p:attrNameLst>
+                                      </p:cBhvr>
+                                      <p:to>
+                                        <p:strVal val="visible"/>
+                                      </p:to>
+                                    </p:set>
+                                  </p:childTnLst>
+                                </p:cTn>
+                              </p:par>
+                              <p:par>
+                                <p:cTn id="67" presetID="3" presetClass="emph" presetSubtype="2" fill="hold" nodeType="withEffect">
+                                  <p:stCondLst>
+                                    <p:cond delay="0"/>
+                                  </p:stCondLst>
+                                  <p:childTnLst>
+                                    <p:animClr clrSpc="rgb" dir="cw">
+                                      <p:cBhvr override="childStyle">
+                                        <p:cTn id="68" dur="10" fill="hold"/>
+                                        <p:tgtEl>
+                                          <p:spTgt spid="8">
+                                            <p:txEl>
+                                              <p:pRg st="0" end="0"/>
+                                            </p:txEl>
+                                          </p:spTgt>
+                                        </p:tgtEl>
+                                        <p:attrNameLst>
+                                          <p:attrName>style.color</p:attrName>
+                                        </p:attrNameLst>
+                                      </p:cBhvr>
+                                      <p:to>
+                                        <a:srgbClr val="D8D8D8"/>
+                                      </p:to>
+                                    </p:animClr>
+                                  </p:childTnLst>
+                                </p:cTn>
+                              </p:par>
+                              <p:par>
+                                <p:cTn id="69" presetID="3" presetClass="emph" presetSubtype="2" fill="hold" nodeType="withEffect">
+                                  <p:stCondLst>
+                                    <p:cond delay="0"/>
+                                  </p:stCondLst>
+                                  <p:childTnLst>
+                                    <p:animClr clrSpc="rgb" dir="cw">
+                                      <p:cBhvr override="childStyle">
+                                        <p:cTn id="70" dur="10" fill="hold"/>
+                                        <p:tgtEl>
+                                          <p:spTgt spid="8">
+                                            <p:txEl>
+                                              <p:pRg st="1" end="1"/>
+                                            </p:txEl>
+                                          </p:spTgt>
+                                        </p:tgtEl>
+                                        <p:attrNameLst>
+                                          <p:attrName>style.color</p:attrName>
+                                        </p:attrNameLst>
+                                      </p:cBhvr>
+                                      <p:to>
+                                        <a:srgbClr val="D8D8D8"/>
+                                      </p:to>
+                                    </p:animClr>
+                                  </p:childTnLst>
+                                </p:cTn>
+                              </p:par>
+                            </p:childTnLst>
+                          </p:cTn>
+                        </p:par>
+                      </p:childTnLst>
+                    </p:cTn>
+                  </p:par>
+                  <p:par>
+                    <p:cTn id="71" fill="hold">
+                      <p:stCondLst>
+                        <p:cond delay="indefinite"/>
+                      </p:stCondLst>
+                      <p:childTnLst>
+                        <p:par>
+                          <p:cTn id="72" fill="hold">
+                            <p:stCondLst>
+                              <p:cond delay="0"/>
+                            </p:stCondLst>
+                            <p:childTnLst>
+                              <p:par>
+                                <p:cTn id="73" presetID="3" presetClass="emph" presetSubtype="2" fill="hold" nodeType="clickEffect">
+                                  <p:stCondLst>
+                                    <p:cond delay="0"/>
+                                  </p:stCondLst>
+                                  <p:childTnLst>
+                                    <p:animClr clrSpc="rgb" dir="cw">
+                                      <p:cBhvr override="childStyle">
+                                        <p:cTn id="74" dur="10" fill="hold"/>
+                                        <p:tgtEl>
+                                          <p:spTgt spid="8">
+                                            <p:txEl>
+                                              <p:pRg st="3" end="3"/>
+                                            </p:txEl>
+                                          </p:spTgt>
+                                        </p:tgtEl>
+                                        <p:attrNameLst>
+                                          <p:attrName>style.color</p:attrName>
+                                        </p:attrNameLst>
+                                      </p:cBhvr>
+                                      <p:to>
+                                        <a:srgbClr val="000000"/>
+                                      </p:to>
+                                    </p:animClr>
+                                  </p:childTnLst>
+                                </p:cTn>
+                              </p:par>
+                              <p:par>
+                                <p:cTn id="75" presetID="3" presetClass="emph" presetSubtype="2" fill="hold" nodeType="withEffect">
+                                  <p:stCondLst>
+                                    <p:cond delay="0"/>
+                                  </p:stCondLst>
+                                  <p:childTnLst>
+                                    <p:animClr clrSpc="rgb" dir="cw">
+                                      <p:cBhvr override="childStyle">
+                                        <p:cTn id="76" dur="10" fill="hold"/>
+                                        <p:tgtEl>
+                                          <p:spTgt spid="8">
+                                            <p:txEl>
+                                              <p:pRg st="0" end="0"/>
+                                            </p:txEl>
+                                          </p:spTgt>
+                                        </p:tgtEl>
+                                        <p:attrNameLst>
+                                          <p:attrName>style.color</p:attrName>
+                                        </p:attrNameLst>
+                                      </p:cBhvr>
+                                      <p:to>
+                                        <a:srgbClr val="D8D8D8"/>
+                                      </p:to>
+                                    </p:animClr>
+                                  </p:childTnLst>
+                                </p:cTn>
+                              </p:par>
+                              <p:par>
+                                <p:cTn id="77" presetID="3" presetClass="emph" presetSubtype="2" fill="hold" nodeType="withEffect">
+                                  <p:stCondLst>
+                                    <p:cond delay="0"/>
+                                  </p:stCondLst>
+                                  <p:childTnLst>
+                                    <p:animClr clrSpc="rgb" dir="cw">
+                                      <p:cBhvr override="childStyle">
+                                        <p:cTn id="78" dur="10" fill="hold"/>
+                                        <p:tgtEl>
+                                          <p:spTgt spid="8">
+                                            <p:txEl>
+                                              <p:pRg st="1" end="1"/>
+                                            </p:txEl>
+                                          </p:spTgt>
+                                        </p:tgtEl>
+                                        <p:attrNameLst>
+                                          <p:attrName>style.color</p:attrName>
+                                        </p:attrNameLst>
+                                      </p:cBhvr>
+                                      <p:to>
+                                        <a:srgbClr val="D8D8D8"/>
+                                      </p:to>
+                                    </p:animClr>
+                                  </p:childTnLst>
+                                </p:cTn>
+                              </p:par>
+                              <p:par>
+                                <p:cTn id="79" presetID="3" presetClass="emph" presetSubtype="2" fill="hold" nodeType="withEffect">
+                                  <p:stCondLst>
+                                    <p:cond delay="0"/>
+                                  </p:stCondLst>
+                                  <p:childTnLst>
+                                    <p:animClr clrSpc="rgb" dir="cw">
+                                      <p:cBhvr override="childStyle">
+                                        <p:cTn id="80" dur="10" fill="hold"/>
+                                        <p:tgtEl>
+                                          <p:spTgt spid="8">
+                                            <p:txEl>
                                               <p:pRg st="2" end="2"/>
                                             </p:txEl>
                                           </p:spTgt>
@@ -6586,14 +8071,14 @@
                                 </p:cTn>
                               </p:par>
                               <p:par>
-                                <p:cTn id="55" presetID="1" presetClass="entr" presetSubtype="0" fill="hold" grpId="0" nodeType="withEffect">
+                                <p:cTn id="81" presetID="1" presetClass="entr" presetSubtype="0" fill="hold" grpId="0" nodeType="withEffect">
                                   <p:stCondLst>
                                     <p:cond delay="0"/>
                                   </p:stCondLst>
                                   <p:childTnLst>
                                     <p:set>
                                       <p:cBhvr>
-                                        <p:cTn id="56" dur="1" fill="hold">
+                                        <p:cTn id="82" dur="1" fill="hold">
                                           <p:stCondLst>
                                             <p:cond delay="0"/>
                                           </p:stCondLst>
@@ -6613,14 +8098,14 @@
                                 </p:cTn>
                               </p:par>
                               <p:par>
-                                <p:cTn id="57" presetID="1" presetClass="entr" presetSubtype="0" fill="hold" nodeType="withEffect">
+                                <p:cTn id="83" presetID="1" presetClass="entr" presetSubtype="0" fill="hold" nodeType="withEffect">
                                   <p:stCondLst>
                                     <p:cond delay="0"/>
                                   </p:stCondLst>
                                   <p:childTnLst>
                                     <p:set>
                                       <p:cBhvr>
-                                        <p:cTn id="58" dur="1" fill="hold">
+                                        <p:cTn id="84" dur="1" fill="hold">
                                           <p:stCondLst>
                                             <p:cond delay="0"/>
                                           </p:stCondLst>
@@ -6640,14 +8125,14 @@
                                 </p:cTn>
                               </p:par>
                               <p:par>
-                                <p:cTn id="59" presetID="1" presetClass="exit" presetSubtype="0" fill="hold" grpId="1" nodeType="withEffect">
+                                <p:cTn id="85" presetID="1" presetClass="exit" presetSubtype="0" fill="hold" grpId="1" nodeType="withEffect">
                                   <p:stCondLst>
                                     <p:cond delay="0"/>
                                   </p:stCondLst>
                                   <p:childTnLst>
                                     <p:set>
                                       <p:cBhvr>
-                                        <p:cTn id="60" dur="1" fill="hold">
+                                        <p:cTn id="86" dur="1" fill="hold">
                                           <p:stCondLst>
                                             <p:cond delay="0"/>
                                           </p:stCondLst>
@@ -6667,14 +8152,14 @@
                                 </p:cTn>
                               </p:par>
                               <p:par>
-                                <p:cTn id="61" presetID="1" presetClass="entr" presetSubtype="0" fill="hold" grpId="0" nodeType="withEffect">
+                                <p:cTn id="87" presetID="1" presetClass="entr" presetSubtype="0" fill="hold" grpId="0" nodeType="withEffect">
                                   <p:stCondLst>
                                     <p:cond delay="0"/>
                                   </p:stCondLst>
                                   <p:childTnLst>
                                     <p:set>
                                       <p:cBhvr>
-                                        <p:cTn id="62" dur="1" fill="hold">
+                                        <p:cTn id="88" dur="1" fill="hold">
                                           <p:stCondLst>
                                             <p:cond delay="0"/>
                                           </p:stCondLst>
@@ -6721,14 +8206,17 @@
       </p:par>
     </p:tnLst>
     <p:bldLst>
-      <p:bldP spid="11" grpId="0"/>
-      <p:bldP spid="12" grpId="0"/>
+      <p:bldP spid="8" grpId="0" build="allAtOnce"/>
       <p:bldP spid="2" grpId="0" animBg="1"/>
       <p:bldP spid="2" grpId="1" animBg="1"/>
       <p:bldP spid="13" grpId="0" animBg="1"/>
       <p:bldP spid="13" grpId="1" animBg="1"/>
       <p:bldP spid="7" grpId="0" animBg="1"/>
       <p:bldP spid="14" grpId="0" animBg="1"/>
+      <p:bldP spid="15" grpId="0" animBg="1"/>
+      <p:bldP spid="15" grpId="1" animBg="1"/>
+      <p:bldP spid="21" grpId="0"/>
+      <p:bldP spid="21" grpId="1"/>
     </p:bldLst>
   </p:timing>
 </p:sld>
@@ -6816,7 +8304,7 @@
         <p:spPr>
           <a:xfrm>
             <a:off x="228600" y="228600"/>
-            <a:ext cx="3757439" cy="492443"/>
+            <a:ext cx="6214843" cy="492443"/>
           </a:xfrm>
         </p:spPr>
         <p:txBody>
@@ -6831,7 +8319,7 @@
                 </a:solidFill>
                 <a:latin typeface="+mj-lt"/>
               </a:rPr>
-              <a:t>Supervised Learning</a:t>
+              <a:t>Learn from label data(supervised)</a:t>
             </a:r>
             <a:endParaRPr lang="en-US" altLang="zh-TW" sz="3200" dirty="0">
               <a:solidFill>
@@ -7019,7 +8507,7 @@
     </p:spTree>
     <p:extLst>
       <p:ext uri="{BB962C8B-B14F-4D97-AF65-F5344CB8AC3E}">
-        <p14:creationId xmlns="" xmlns:p14="http://schemas.microsoft.com/office/powerpoint/2010/main" val="1692470345"/>
+        <p14:creationId xmlns:p14="http://schemas.microsoft.com/office/powerpoint/2010/main" xmlns="" val="1692470345"/>
       </p:ext>
     </p:extLst>
   </p:cSld>
@@ -7452,7 +8940,7 @@
           <p:nvPr>
             <p:extLst>
               <p:ext uri="{D42A27DB-BD31-4B8C-83A1-F6EECF244321}">
-                <p14:modId xmlns="" xmlns:p14="http://schemas.microsoft.com/office/powerpoint/2010/main" val="696194085"/>
+                <p14:modId xmlns:p14="http://schemas.microsoft.com/office/powerpoint/2010/main" xmlns="" val="696194085"/>
               </p:ext>
             </p:extLst>
           </p:nvPr>
@@ -7653,7 +9141,7 @@
     </p:spTree>
     <p:extLst>
       <p:ext uri="{BB962C8B-B14F-4D97-AF65-F5344CB8AC3E}">
-        <p14:creationId xmlns="" xmlns:p14="http://schemas.microsoft.com/office/powerpoint/2010/main" val="3040030372"/>
+        <p14:creationId xmlns:p14="http://schemas.microsoft.com/office/powerpoint/2010/main" xmlns="" val="3040030372"/>
       </p:ext>
     </p:extLst>
   </p:cSld>
@@ -8314,7 +9802,7 @@
     </p:spTree>
     <p:extLst>
       <p:ext uri="{BB962C8B-B14F-4D97-AF65-F5344CB8AC3E}">
-        <p14:creationId xmlns="" xmlns:p14="http://schemas.microsoft.com/office/powerpoint/2010/main" val="3040030372"/>
+        <p14:creationId xmlns:p14="http://schemas.microsoft.com/office/powerpoint/2010/main" xmlns="" val="3040030372"/>
       </p:ext>
     </p:extLst>
   </p:cSld>
@@ -8646,7 +10134,7 @@
           <a:blip r:embed="rId2">
             <a:extLst>
               <a:ext uri="{28A0092B-C50C-407E-A947-70E740481C1C}">
-                <a14:useLocalDpi xmlns="" xmlns:a14="http://schemas.microsoft.com/office/drawing/2010/main" val="0"/>
+                <a14:useLocalDpi xmlns:a14="http://schemas.microsoft.com/office/drawing/2010/main" xmlns="" val="0"/>
               </a:ext>
             </a:extLst>
           </a:blip>
@@ -8749,7 +10237,7 @@
         <p:spPr>
           <a:xfrm flipV="1">
             <a:off x="914400" y="5084746"/>
-            <a:ext cx="7436842" cy="1"/>
+            <a:ext cx="7436842" cy="2"/>
           </a:xfrm>
           <a:prstGeom prst="line">
             <a:avLst/>
@@ -9003,7 +10491,7 @@
     </p:spTree>
     <p:extLst>
       <p:ext uri="{BB962C8B-B14F-4D97-AF65-F5344CB8AC3E}">
-        <p14:creationId xmlns="" xmlns:p14="http://schemas.microsoft.com/office/powerpoint/2010/main" val="3040030372"/>
+        <p14:creationId xmlns:p14="http://schemas.microsoft.com/office/powerpoint/2010/main" xmlns="" val="3040030372"/>
       </p:ext>
     </p:extLst>
   </p:cSld>
@@ -10045,7 +11533,7 @@
     </p:spTree>
     <p:extLst>
       <p:ext uri="{BB962C8B-B14F-4D97-AF65-F5344CB8AC3E}">
-        <p14:creationId xmlns="" xmlns:p14="http://schemas.microsoft.com/office/powerpoint/2010/main" val="3040030372"/>
+        <p14:creationId xmlns:p14="http://schemas.microsoft.com/office/powerpoint/2010/main" xmlns="" val="3040030372"/>
       </p:ext>
     </p:extLst>
   </p:cSld>
@@ -11021,6 +12509,23 @@
 </file>
 
 <file path=customXml/item1.xml><?xml version="1.0" encoding="utf-8"?>
+<p:properties xmlns:p="http://schemas.microsoft.com/office/2006/metadata/properties" xmlns:xsi="http://www.w3.org/2001/XMLSchema-instance" xmlns:pc="http://schemas.microsoft.com/office/infopath/2007/PartnerControls">
+  <documentManagement>
+    <Year xmlns="24ac9ee2-1f69-49ec-81c1-d01c86227436">2015</Year>
+  </documentManagement>
+</p:properties>
+</file>
+
+<file path=customXml/item2.xml><?xml version="1.0" encoding="utf-8"?>
+<?mso-contentType ?>
+<FormTemplates xmlns="http://schemas.microsoft.com/sharepoint/v3/contenttype/forms">
+  <Display>DocumentLibraryForm</Display>
+  <Edit>DocumentLibraryForm</Edit>
+  <New>DocumentLibraryForm</New>
+</FormTemplates>
+</file>
+
+<file path=customXml/item3.xml><?xml version="1.0" encoding="utf-8"?>
 <ct:contentTypeSchema xmlns:ct="http://schemas.microsoft.com/office/2006/metadata/contentType" xmlns:ma="http://schemas.microsoft.com/office/2006/metadata/properties/metaAttributes" ct:_="" ma:_="" ma:contentTypeName="文件" ma:contentTypeID="0x0101000CB458D5399432479E0BB962A3AC807C" ma:contentTypeVersion="1" ma:contentTypeDescription="建立新的文件。" ma:contentTypeScope="" ma:versionID="2090fcdc2e9aae8469eabc8d31b189fb">
   <xsd:schema xmlns:xsd="http://www.w3.org/2001/XMLSchema" xmlns:xs="http://www.w3.org/2001/XMLSchema" xmlns:p="http://schemas.microsoft.com/office/2006/metadata/properties" xmlns:ns2="24ac9ee2-1f69-49ec-81c1-d01c86227436" targetNamespace="http://schemas.microsoft.com/office/2006/metadata/properties" ma:root="true" ma:fieldsID="3ada4ee18b918396c161ab8726fa03da" ns2:_="">
     <xsd:import namespace="24ac9ee2-1f69-49ec-81c1-d01c86227436"/>
@@ -11151,24 +12656,31 @@
 </ct:contentTypeSchema>
 </file>
 
-<file path=customXml/item2.xml><?xml version="1.0" encoding="utf-8"?>
-<?mso-contentType ?>
-<FormTemplates xmlns="http://schemas.microsoft.com/sharepoint/v3/contenttype/forms">
-  <Display>DocumentLibraryForm</Display>
-  <Edit>DocumentLibraryForm</Edit>
-  <New>DocumentLibraryForm</New>
-</FormTemplates>
+<file path=customXml/itemProps1.xml><?xml version="1.0" encoding="utf-8"?>
+<ds:datastoreItem xmlns:ds="http://schemas.openxmlformats.org/officeDocument/2006/customXml" ds:itemID="{327D2673-F33E-4BA5-8F43-8D9B5FEBC44E}">
+  <ds:schemaRefs>
+    <ds:schemaRef ds:uri="http://schemas.microsoft.com/office/2006/documentManagement/types"/>
+    <ds:schemaRef ds:uri="http://schemas.microsoft.com/office/2006/metadata/properties"/>
+    <ds:schemaRef ds:uri="http://purl.org/dc/dcmitype/"/>
+    <ds:schemaRef ds:uri="http://purl.org/dc/terms/"/>
+    <ds:schemaRef ds:uri="http://schemas.microsoft.com/office/infopath/2007/PartnerControls"/>
+    <ds:schemaRef ds:uri="http://purl.org/dc/elements/1.1/"/>
+    <ds:schemaRef ds:uri="http://www.w3.org/XML/1998/namespace"/>
+    <ds:schemaRef ds:uri="http://schemas.openxmlformats.org/package/2006/metadata/core-properties"/>
+    <ds:schemaRef ds:uri="24ac9ee2-1f69-49ec-81c1-d01c86227436"/>
+  </ds:schemaRefs>
+</ds:datastoreItem>
 </file>
 
-<file path=customXml/item3.xml><?xml version="1.0" encoding="utf-8"?>
-<p:properties xmlns:p="http://schemas.microsoft.com/office/2006/metadata/properties" xmlns:xsi="http://www.w3.org/2001/XMLSchema-instance" xmlns:pc="http://schemas.microsoft.com/office/infopath/2007/PartnerControls">
-  <documentManagement>
-    <Year xmlns="24ac9ee2-1f69-49ec-81c1-d01c86227436">2015</Year>
-  </documentManagement>
-</p:properties>
+<file path=customXml/itemProps2.xml><?xml version="1.0" encoding="utf-8"?>
+<ds:datastoreItem xmlns:ds="http://schemas.openxmlformats.org/officeDocument/2006/customXml" ds:itemID="{75703042-9C6F-440D-9A8D-0836740E8EC4}">
+  <ds:schemaRefs>
+    <ds:schemaRef ds:uri="http://schemas.microsoft.com/sharepoint/v3/contenttype/forms"/>
+  </ds:schemaRefs>
+</ds:datastoreItem>
 </file>
 
-<file path=customXml/itemProps1.xml><?xml version="1.0" encoding="utf-8"?>
+<file path=customXml/itemProps3.xml><?xml version="1.0" encoding="utf-8"?>
 <ds:datastoreItem xmlns:ds="http://schemas.openxmlformats.org/officeDocument/2006/customXml" ds:itemID="{4C9F39EC-CE5D-4921-B7BB-5650597DBD03}">
   <ds:schemaRefs>
     <ds:schemaRef ds:uri="http://schemas.microsoft.com/office/2006/metadata/contentType"/>
@@ -11184,28 +12696,4 @@
     <ds:schemaRef ds:uri="http://schemas.microsoft.com/internal/obd"/>
   </ds:schemaRefs>
 </ds:datastoreItem>
-</file>
-
-<file path=customXml/itemProps2.xml><?xml version="1.0" encoding="utf-8"?>
-<ds:datastoreItem xmlns:ds="http://schemas.openxmlformats.org/officeDocument/2006/customXml" ds:itemID="{75703042-9C6F-440D-9A8D-0836740E8EC4}">
-  <ds:schemaRefs>
-    <ds:schemaRef ds:uri="http://schemas.microsoft.com/sharepoint/v3/contenttype/forms"/>
-  </ds:schemaRefs>
-</ds:datastoreItem>
-</file>
-
-<file path=customXml/itemProps3.xml><?xml version="1.0" encoding="utf-8"?>
-<ds:datastoreItem xmlns:ds="http://schemas.openxmlformats.org/officeDocument/2006/customXml" ds:itemID="{327D2673-F33E-4BA5-8F43-8D9B5FEBC44E}">
-  <ds:schemaRefs>
-    <ds:schemaRef ds:uri="http://schemas.microsoft.com/office/2006/documentManagement/types"/>
-    <ds:schemaRef ds:uri="http://schemas.microsoft.com/office/2006/metadata/properties"/>
-    <ds:schemaRef ds:uri="http://purl.org/dc/dcmitype/"/>
-    <ds:schemaRef ds:uri="http://purl.org/dc/terms/"/>
-    <ds:schemaRef ds:uri="http://schemas.microsoft.com/office/infopath/2007/PartnerControls"/>
-    <ds:schemaRef ds:uri="http://purl.org/dc/elements/1.1/"/>
-    <ds:schemaRef ds:uri="http://www.w3.org/XML/1998/namespace"/>
-    <ds:schemaRef ds:uri="http://schemas.openxmlformats.org/package/2006/metadata/core-properties"/>
-    <ds:schemaRef ds:uri="24ac9ee2-1f69-49ec-81c1-d01c86227436"/>
-  </ds:schemaRefs>
-</ds:datastoreItem>
 </file>
--- a/Presentation/Boosting.pptx
+++ b/Presentation/Boosting.pptx
@@ -5,29 +5,27 @@
     <p:sldMasterId id="2147483671" r:id="rId4"/>
   </p:sldMasterIdLst>
   <p:notesMasterIdLst>
-    <p:notesMasterId r:id="rId22"/>
+    <p:notesMasterId r:id="rId20"/>
   </p:notesMasterIdLst>
   <p:handoutMasterIdLst>
-    <p:handoutMasterId r:id="rId23"/>
+    <p:handoutMasterId r:id="rId21"/>
   </p:handoutMasterIdLst>
   <p:sldIdLst>
     <p:sldId id="288" r:id="rId5"/>
-    <p:sldId id="285" r:id="rId6"/>
-    <p:sldId id="296" r:id="rId7"/>
-    <p:sldId id="325" r:id="rId8"/>
-    <p:sldId id="326" r:id="rId9"/>
-    <p:sldId id="319" r:id="rId10"/>
-    <p:sldId id="322" r:id="rId11"/>
-    <p:sldId id="318" r:id="rId12"/>
-    <p:sldId id="320" r:id="rId13"/>
-    <p:sldId id="327" r:id="rId14"/>
-    <p:sldId id="313" r:id="rId15"/>
-    <p:sldId id="312" r:id="rId16"/>
-    <p:sldId id="317" r:id="rId17"/>
-    <p:sldId id="321" r:id="rId18"/>
-    <p:sldId id="324" r:id="rId19"/>
-    <p:sldId id="323" r:id="rId20"/>
-    <p:sldId id="316" r:id="rId21"/>
+    <p:sldId id="325" r:id="rId6"/>
+    <p:sldId id="326" r:id="rId7"/>
+    <p:sldId id="319" r:id="rId8"/>
+    <p:sldId id="322" r:id="rId9"/>
+    <p:sldId id="320" r:id="rId10"/>
+    <p:sldId id="318" r:id="rId11"/>
+    <p:sldId id="327" r:id="rId12"/>
+    <p:sldId id="313" r:id="rId13"/>
+    <p:sldId id="312" r:id="rId14"/>
+    <p:sldId id="317" r:id="rId15"/>
+    <p:sldId id="321" r:id="rId16"/>
+    <p:sldId id="324" r:id="rId17"/>
+    <p:sldId id="323" r:id="rId18"/>
+    <p:sldId id="316" r:id="rId19"/>
   </p:sldIdLst>
   <p:sldSz cx="9144000" cy="6858000" type="screen4x3"/>
   <p:notesSz cx="6858000" cy="9144000"/>
@@ -128,7 +126,7 @@
   </p:defaultTextStyle>
   <p:extLst>
     <p:ext uri="{EFAFB233-063F-42B5-8137-9DF3F51BA10A}">
-      <p15:sldGuideLst xmlns:p15="http://schemas.microsoft.com/office/powerpoint/2012/main" xmlns="">
+      <p15:sldGuideLst xmlns:p15="http://schemas.microsoft.com/office/powerpoint/2012/main">
         <p15:guide id="1" orient="horz" pos="3868">
           <p15:clr>
             <a:srgbClr val="A4A3A4"/>
@@ -349,7 +347,7 @@
     </p:spTree>
     <p:extLst>
       <p:ext uri="{BB962C8B-B14F-4D97-AF65-F5344CB8AC3E}">
-        <p14:creationId xmlns:p14="http://schemas.microsoft.com/office/powerpoint/2010/main" xmlns="" val="1411092301"/>
+        <p14:creationId xmlns:p14="http://schemas.microsoft.com/office/powerpoint/2010/main" val="1411092301"/>
       </p:ext>
     </p:extLst>
   </p:cSld>
@@ -610,7 +608,7 @@
     </p:spTree>
     <p:extLst>
       <p:ext uri="{BB962C8B-B14F-4D97-AF65-F5344CB8AC3E}">
-        <p14:creationId xmlns:p14="http://schemas.microsoft.com/office/powerpoint/2010/main" xmlns="" val="160240899"/>
+        <p14:creationId xmlns:p14="http://schemas.microsoft.com/office/powerpoint/2010/main" val="160240899"/>
       </p:ext>
     </p:extLst>
   </p:cSld>
@@ -740,7 +738,7 @@
           <a:blip r:embed="rId2">
             <a:extLst>
               <a:ext uri="{28A0092B-C50C-407E-A947-70E740481C1C}">
-                <a14:useLocalDpi xmlns:a14="http://schemas.microsoft.com/office/drawing/2010/main" xmlns="" val="0"/>
+                <a14:useLocalDpi xmlns:a14="http://schemas.microsoft.com/office/drawing/2010/main" val="0"/>
               </a:ext>
             </a:extLst>
           </a:blip>
@@ -761,7 +759,7 @@
     </p:spTree>
     <p:extLst>
       <p:ext uri="{BB962C8B-B14F-4D97-AF65-F5344CB8AC3E}">
-        <p14:creationId xmlns:p14="http://schemas.microsoft.com/office/powerpoint/2010/main" xmlns="" val="921680772"/>
+        <p14:creationId xmlns:p14="http://schemas.microsoft.com/office/powerpoint/2010/main" val="921680772"/>
       </p:ext>
     </p:extLst>
   </p:cSld>
@@ -791,7 +789,7 @@
     </p:spTree>
     <p:extLst>
       <p:ext uri="{BB962C8B-B14F-4D97-AF65-F5344CB8AC3E}">
-        <p14:creationId xmlns:p14="http://schemas.microsoft.com/office/powerpoint/2010/main" xmlns="" val="1551424100"/>
+        <p14:creationId xmlns:p14="http://schemas.microsoft.com/office/powerpoint/2010/main" val="1551424100"/>
       </p:ext>
     </p:extLst>
   </p:cSld>
@@ -921,7 +919,7 @@
     </p:spTree>
     <p:extLst>
       <p:ext uri="{BB962C8B-B14F-4D97-AF65-F5344CB8AC3E}">
-        <p14:creationId xmlns:p14="http://schemas.microsoft.com/office/powerpoint/2010/main" xmlns="" val="2725598606"/>
+        <p14:creationId xmlns:p14="http://schemas.microsoft.com/office/powerpoint/2010/main" val="2725598606"/>
       </p:ext>
     </p:extLst>
   </p:cSld>
@@ -1071,7 +1069,7 @@
     </p:spTree>
     <p:extLst>
       <p:ext uri="{BB962C8B-B14F-4D97-AF65-F5344CB8AC3E}">
-        <p14:creationId xmlns:p14="http://schemas.microsoft.com/office/powerpoint/2010/main" xmlns="" val="3479517975"/>
+        <p14:creationId xmlns:p14="http://schemas.microsoft.com/office/powerpoint/2010/main" val="3479517975"/>
       </p:ext>
     </p:extLst>
   </p:cSld>
@@ -1221,7 +1219,7 @@
     </p:spTree>
     <p:extLst>
       <p:ext uri="{BB962C8B-B14F-4D97-AF65-F5344CB8AC3E}">
-        <p14:creationId xmlns:p14="http://schemas.microsoft.com/office/powerpoint/2010/main" xmlns="" val="3246921271"/>
+        <p14:creationId xmlns:p14="http://schemas.microsoft.com/office/powerpoint/2010/main" val="3246921271"/>
       </p:ext>
     </p:extLst>
   </p:cSld>
@@ -1379,7 +1377,7 @@
     </p:spTree>
     <p:extLst>
       <p:ext uri="{BB962C8B-B14F-4D97-AF65-F5344CB8AC3E}">
-        <p14:creationId xmlns:p14="http://schemas.microsoft.com/office/powerpoint/2010/main" xmlns="" val="3015080783"/>
+        <p14:creationId xmlns:p14="http://schemas.microsoft.com/office/powerpoint/2010/main" val="3015080783"/>
       </p:ext>
     </p:extLst>
   </p:cSld>
@@ -1496,7 +1494,7 @@
     </p:spTree>
     <p:extLst>
       <p:ext uri="{BB962C8B-B14F-4D97-AF65-F5344CB8AC3E}">
-        <p14:creationId xmlns:p14="http://schemas.microsoft.com/office/powerpoint/2010/main" xmlns="" val="2098243185"/>
+        <p14:creationId xmlns:p14="http://schemas.microsoft.com/office/powerpoint/2010/main" val="2098243185"/>
       </p:ext>
     </p:extLst>
   </p:cSld>
@@ -1562,7 +1560,7 @@
     </p:spTree>
     <p:extLst>
       <p:ext uri="{BB962C8B-B14F-4D97-AF65-F5344CB8AC3E}">
-        <p14:creationId xmlns:p14="http://schemas.microsoft.com/office/powerpoint/2010/main" xmlns="" val="4200364697"/>
+        <p14:creationId xmlns:p14="http://schemas.microsoft.com/office/powerpoint/2010/main" val="4200364697"/>
       </p:ext>
     </p:extLst>
   </p:cSld>
@@ -1628,7 +1626,7 @@
     </p:spTree>
     <p:extLst>
       <p:ext uri="{BB962C8B-B14F-4D97-AF65-F5344CB8AC3E}">
-        <p14:creationId xmlns:p14="http://schemas.microsoft.com/office/powerpoint/2010/main" xmlns="" val="930438236"/>
+        <p14:creationId xmlns:p14="http://schemas.microsoft.com/office/powerpoint/2010/main" val="930438236"/>
       </p:ext>
     </p:extLst>
   </p:cSld>
@@ -1694,7 +1692,7 @@
     </p:spTree>
     <p:extLst>
       <p:ext uri="{BB962C8B-B14F-4D97-AF65-F5344CB8AC3E}">
-        <p14:creationId xmlns:p14="http://schemas.microsoft.com/office/powerpoint/2010/main" xmlns="" val="726771096"/>
+        <p14:creationId xmlns:p14="http://schemas.microsoft.com/office/powerpoint/2010/main" val="726771096"/>
       </p:ext>
     </p:extLst>
   </p:cSld>
@@ -1755,7 +1753,7 @@
             <a:blip r:embed="rId12">
               <a:extLst>
                 <a:ext uri="{28A0092B-C50C-407E-A947-70E740481C1C}">
-                  <a14:useLocalDpi xmlns:a14="http://schemas.microsoft.com/office/drawing/2010/main" xmlns="" val="0"/>
+                  <a14:useLocalDpi xmlns:a14="http://schemas.microsoft.com/office/drawing/2010/main" val="0"/>
                 </a:ext>
               </a:extLst>
             </a:blip>
@@ -1785,7 +1783,7 @@
             <a:blip r:embed="rId13">
               <a:extLst>
                 <a:ext uri="{28A0092B-C50C-407E-A947-70E740481C1C}">
-                  <a14:useLocalDpi xmlns:a14="http://schemas.microsoft.com/office/drawing/2010/main" xmlns="" val="0"/>
+                  <a14:useLocalDpi xmlns:a14="http://schemas.microsoft.com/office/drawing/2010/main" val="0"/>
                 </a:ext>
               </a:extLst>
             </a:blip>
@@ -1909,7 +1907,7 @@
     </p:spTree>
     <p:extLst>
       <p:ext uri="{BB962C8B-B14F-4D97-AF65-F5344CB8AC3E}">
-        <p14:creationId xmlns:p14="http://schemas.microsoft.com/office/powerpoint/2010/main" xmlns="" val="950083170"/>
+        <p14:creationId xmlns:p14="http://schemas.microsoft.com/office/powerpoint/2010/main" val="950083170"/>
       </p:ext>
     </p:extLst>
   </p:cSld>
@@ -2241,11 +2239,35 @@
                 </a:solidFill>
                 <a:latin typeface="+mj-lt"/>
               </a:rPr>
-              <a:t>Development flow</a:t>
+              <a:t>Vehicle Detection by using </a:t>
             </a:r>
-          </a:p>
-          <a:p>
-            <a:pPr algn="ctr"/>
+            <a:r>
+              <a:rPr lang="en-US" altLang="zh-TW" dirty="0" err="1">
+                <a:solidFill>
+                  <a:schemeClr val="tx1"/>
+                </a:solidFill>
+                <a:latin typeface="+mj-lt"/>
+              </a:rPr>
+              <a:t>A</a:t>
+            </a:r>
+            <a:r>
+              <a:rPr lang="en-US" altLang="zh-TW" dirty="0" err="1" smtClean="0">
+                <a:solidFill>
+                  <a:schemeClr val="tx1"/>
+                </a:solidFill>
+                <a:latin typeface="+mj-lt"/>
+              </a:rPr>
+              <a:t>daboost</a:t>
+            </a:r>
+            <a:r>
+              <a:rPr lang="en-US" altLang="zh-TW" dirty="0" smtClean="0">
+                <a:solidFill>
+                  <a:schemeClr val="tx1"/>
+                </a:solidFill>
+                <a:latin typeface="+mj-lt"/>
+              </a:rPr>
+              <a:t> Algorithm</a:t>
+            </a:r>
             <a:r>
               <a:rPr lang="en-US" altLang="zh-TW" dirty="0" smtClean="0">
                 <a:solidFill>
@@ -2270,7 +2292,16 @@
                 </a:solidFill>
                 <a:latin typeface="+mj-lt"/>
               </a:rPr>
-              <a:t>Armstrong  03-31-2015</a:t>
+              <a:t>Leon</a:t>
+            </a:r>
+            <a:r>
+              <a:rPr lang="en-US" altLang="zh-TW" sz="2000" dirty="0" smtClean="0">
+                <a:solidFill>
+                  <a:schemeClr val="tx1"/>
+                </a:solidFill>
+                <a:latin typeface="+mj-lt"/>
+              </a:rPr>
+              <a:t>  07-14-2015</a:t>
             </a:r>
             <a:r>
               <a:rPr lang="zh-TW" altLang="en-US" sz="2000" dirty="0" smtClean="0">
@@ -2301,7 +2332,7 @@
     </p:spTree>
     <p:extLst>
       <p:ext uri="{BB962C8B-B14F-4D97-AF65-F5344CB8AC3E}">
-        <p14:creationId xmlns:p14="http://schemas.microsoft.com/office/powerpoint/2010/main" xmlns="" val="3730043343"/>
+        <p14:creationId xmlns:p14="http://schemas.microsoft.com/office/powerpoint/2010/main" val="3730043343"/>
       </p:ext>
     </p:extLst>
   </p:cSld>
@@ -2319,401 +2350,6 @@
 </file>
 
 <file path=ppt/slides/slide10.xml><?xml version="1.0" encoding="utf-8"?>
-<p:sld xmlns:a="http://schemas.openxmlformats.org/drawingml/2006/main" xmlns:r="http://schemas.openxmlformats.org/officeDocument/2006/relationships" xmlns:p="http://schemas.openxmlformats.org/presentationml/2006/main">
-  <p:cSld>
-    <p:spTree>
-      <p:nvGrpSpPr>
-        <p:cNvPr id="1" name=""/>
-        <p:cNvGrpSpPr/>
-        <p:nvPr/>
-      </p:nvGrpSpPr>
-      <p:grpSpPr>
-        <a:xfrm>
-          <a:off x="0" y="0"/>
-          <a:ext cx="0" cy="0"/>
-          <a:chOff x="0" y="0"/>
-          <a:chExt cx="0" cy="0"/>
-        </a:xfrm>
-      </p:grpSpPr>
-      <p:sp>
-        <p:nvSpPr>
-          <p:cNvPr id="4" name="Title 3"/>
-          <p:cNvSpPr>
-            <a:spLocks noGrp="1"/>
-          </p:cNvSpPr>
-          <p:nvPr>
-            <p:ph type="title"/>
-          </p:nvPr>
-        </p:nvSpPr>
-        <p:spPr>
-          <a:xfrm>
-            <a:off x="228600" y="228600"/>
-            <a:ext cx="7378623" cy="492443"/>
-          </a:xfrm>
-        </p:spPr>
-        <p:txBody>
-          <a:bodyPr/>
-          <a:lstStyle/>
-          <a:p>
-            <a:pPr marL="342900" indent="-342900"/>
-            <a:r>
-              <a:rPr lang="en-US" altLang="zh-TW" sz="3200" dirty="0" smtClean="0">
-                <a:solidFill>
-                  <a:schemeClr val="tx1"/>
-                </a:solidFill>
-                <a:latin typeface="+mj-lt"/>
-              </a:rPr>
-              <a:t>Can weak classifier combine to do better</a:t>
-            </a:r>
-            <a:endParaRPr lang="en-US" altLang="zh-TW" sz="3200" dirty="0">
-              <a:solidFill>
-                <a:schemeClr val="tx1"/>
-              </a:solidFill>
-              <a:latin typeface="+mj-lt"/>
-            </a:endParaRPr>
-          </a:p>
-        </p:txBody>
-      </p:sp>
-      <p:pic>
-        <p:nvPicPr>
-          <p:cNvPr id="11" name="圖片 10"/>
-          <p:cNvPicPr>
-            <a:picLocks noChangeAspect="1"/>
-          </p:cNvPicPr>
-          <p:nvPr/>
-        </p:nvPicPr>
-        <p:blipFill>
-          <a:blip r:embed="rId2">
-            <a:extLst>
-              <a:ext uri="{28A0092B-C50C-407E-A947-70E740481C1C}">
-                <a14:useLocalDpi xmlns:a14="http://schemas.microsoft.com/office/drawing/2010/main" xmlns="" val="0"/>
-              </a:ext>
-            </a:extLst>
-          </a:blip>
-          <a:stretch>
-            <a:fillRect/>
-          </a:stretch>
-        </p:blipFill>
-        <p:spPr>
-          <a:xfrm>
-            <a:off x="640938" y="894490"/>
-            <a:ext cx="7710304" cy="5760000"/>
-          </a:xfrm>
-          <a:prstGeom prst="rect">
-            <a:avLst/>
-          </a:prstGeom>
-        </p:spPr>
-      </p:pic>
-      <p:cxnSp>
-        <p:nvCxnSpPr>
-          <p:cNvPr id="13" name="直線接點 12"/>
-          <p:cNvCxnSpPr/>
-          <p:nvPr/>
-        </p:nvCxnSpPr>
-        <p:spPr>
-          <a:xfrm flipV="1">
-            <a:off x="5012267" y="2912533"/>
-            <a:ext cx="42333" cy="3564467"/>
-          </a:xfrm>
-          <a:prstGeom prst="line">
-            <a:avLst/>
-          </a:prstGeom>
-          <a:ln>
-            <a:solidFill>
-              <a:schemeClr val="tx1"/>
-            </a:solidFill>
-          </a:ln>
-          <a:effectLst/>
-        </p:spPr>
-        <p:style>
-          <a:lnRef idx="2">
-            <a:schemeClr val="accent1"/>
-          </a:lnRef>
-          <a:fillRef idx="0">
-            <a:schemeClr val="accent1"/>
-          </a:fillRef>
-          <a:effectRef idx="1">
-            <a:schemeClr val="accent1"/>
-          </a:effectRef>
-          <a:fontRef idx="minor">
-            <a:schemeClr val="tx1"/>
-          </a:fontRef>
-        </p:style>
-      </p:cxnSp>
-      <p:cxnSp>
-        <p:nvCxnSpPr>
-          <p:cNvPr id="37" name="直線接點 36"/>
-          <p:cNvCxnSpPr/>
-          <p:nvPr/>
-        </p:nvCxnSpPr>
-        <p:spPr>
-          <a:xfrm flipV="1">
-            <a:off x="5054600" y="894491"/>
-            <a:ext cx="8468" cy="2018042"/>
-          </a:xfrm>
-          <a:prstGeom prst="line">
-            <a:avLst/>
-          </a:prstGeom>
-          <a:ln>
-            <a:solidFill>
-              <a:schemeClr val="bg1">
-                <a:lumMod val="85000"/>
-              </a:schemeClr>
-            </a:solidFill>
-          </a:ln>
-          <a:effectLst/>
-        </p:spPr>
-        <p:style>
-          <a:lnRef idx="2">
-            <a:schemeClr val="accent1"/>
-          </a:lnRef>
-          <a:fillRef idx="0">
-            <a:schemeClr val="accent1"/>
-          </a:fillRef>
-          <a:effectRef idx="1">
-            <a:schemeClr val="accent1"/>
-          </a:effectRef>
-          <a:fontRef idx="minor">
-            <a:schemeClr val="tx1"/>
-          </a:fontRef>
-        </p:style>
-      </p:cxnSp>
-      <p:cxnSp>
-        <p:nvCxnSpPr>
-          <p:cNvPr id="31" name="直線接點 30"/>
-          <p:cNvCxnSpPr/>
-          <p:nvPr/>
-        </p:nvCxnSpPr>
-        <p:spPr>
-          <a:xfrm flipH="1">
-            <a:off x="939802" y="2912533"/>
-            <a:ext cx="7411440" cy="0"/>
-          </a:xfrm>
-          <a:prstGeom prst="line">
-            <a:avLst/>
-          </a:prstGeom>
-          <a:ln>
-            <a:solidFill>
-              <a:schemeClr val="bg1">
-                <a:lumMod val="85000"/>
-              </a:schemeClr>
-            </a:solidFill>
-          </a:ln>
-          <a:effectLst/>
-        </p:spPr>
-        <p:style>
-          <a:lnRef idx="2">
-            <a:schemeClr val="accent1"/>
-          </a:lnRef>
-          <a:fillRef idx="0">
-            <a:schemeClr val="accent1"/>
-          </a:fillRef>
-          <a:effectRef idx="1">
-            <a:schemeClr val="accent1"/>
-          </a:effectRef>
-          <a:fontRef idx="minor">
-            <a:schemeClr val="tx1"/>
-          </a:fontRef>
-        </p:style>
-      </p:cxnSp>
-      <p:cxnSp>
-        <p:nvCxnSpPr>
-          <p:cNvPr id="14" name="直線接點 13"/>
-          <p:cNvCxnSpPr/>
-          <p:nvPr/>
-        </p:nvCxnSpPr>
-        <p:spPr>
-          <a:xfrm flipH="1">
-            <a:off x="5063068" y="2912533"/>
-            <a:ext cx="2192865" cy="0"/>
-          </a:xfrm>
-          <a:prstGeom prst="line">
-            <a:avLst/>
-          </a:prstGeom>
-          <a:ln>
-            <a:solidFill>
-              <a:schemeClr val="tx1"/>
-            </a:solidFill>
-          </a:ln>
-          <a:effectLst/>
-        </p:spPr>
-        <p:style>
-          <a:lnRef idx="2">
-            <a:schemeClr val="accent1"/>
-          </a:lnRef>
-          <a:fillRef idx="0">
-            <a:schemeClr val="accent1"/>
-          </a:fillRef>
-          <a:effectRef idx="1">
-            <a:schemeClr val="accent1"/>
-          </a:effectRef>
-          <a:fontRef idx="minor">
-            <a:schemeClr val="tx1"/>
-          </a:fontRef>
-        </p:style>
-      </p:cxnSp>
-      <p:cxnSp>
-        <p:nvCxnSpPr>
-          <p:cNvPr id="17" name="直線接點 16"/>
-          <p:cNvCxnSpPr/>
-          <p:nvPr/>
-        </p:nvCxnSpPr>
-        <p:spPr>
-          <a:xfrm>
-            <a:off x="7255933" y="894490"/>
-            <a:ext cx="0" cy="2018043"/>
-          </a:xfrm>
-          <a:prstGeom prst="line">
-            <a:avLst/>
-          </a:prstGeom>
-          <a:ln>
-            <a:solidFill>
-              <a:schemeClr val="tx1"/>
-            </a:solidFill>
-          </a:ln>
-          <a:effectLst/>
-        </p:spPr>
-        <p:style>
-          <a:lnRef idx="2">
-            <a:schemeClr val="accent1"/>
-          </a:lnRef>
-          <a:fillRef idx="0">
-            <a:schemeClr val="accent1"/>
-          </a:fillRef>
-          <a:effectRef idx="1">
-            <a:schemeClr val="accent1"/>
-          </a:effectRef>
-          <a:fontRef idx="minor">
-            <a:schemeClr val="tx1"/>
-          </a:fontRef>
-        </p:style>
-      </p:cxnSp>
-      <p:cxnSp>
-        <p:nvCxnSpPr>
-          <p:cNvPr id="42" name="直線接點 41"/>
-          <p:cNvCxnSpPr/>
-          <p:nvPr/>
-        </p:nvCxnSpPr>
-        <p:spPr>
-          <a:xfrm flipV="1">
-            <a:off x="7255933" y="2912533"/>
-            <a:ext cx="0" cy="3564467"/>
-          </a:xfrm>
-          <a:prstGeom prst="line">
-            <a:avLst/>
-          </a:prstGeom>
-          <a:ln>
-            <a:solidFill>
-              <a:schemeClr val="bg1">
-                <a:lumMod val="85000"/>
-              </a:schemeClr>
-            </a:solidFill>
-          </a:ln>
-          <a:effectLst/>
-        </p:spPr>
-        <p:style>
-          <a:lnRef idx="2">
-            <a:schemeClr val="accent1"/>
-          </a:lnRef>
-          <a:fillRef idx="0">
-            <a:schemeClr val="accent1"/>
-          </a:fillRef>
-          <a:effectRef idx="1">
-            <a:schemeClr val="accent1"/>
-          </a:effectRef>
-          <a:fontRef idx="minor">
-            <a:schemeClr val="tx1"/>
-          </a:fontRef>
-        </p:style>
-      </p:cxnSp>
-    </p:spTree>
-    <p:extLst>
-      <p:ext uri="{BB962C8B-B14F-4D97-AF65-F5344CB8AC3E}">
-        <p14:creationId xmlns:p14="http://schemas.microsoft.com/office/powerpoint/2010/main" xmlns="" val="3040030372"/>
-      </p:ext>
-    </p:extLst>
-  </p:cSld>
-  <p:clrMapOvr>
-    <a:masterClrMapping/>
-  </p:clrMapOvr>
-  <p:timing>
-    <p:tnLst>
-      <p:par>
-        <p:cTn id="1" dur="indefinite" restart="never" nodeType="tmRoot"/>
-      </p:par>
-    </p:tnLst>
-  </p:timing>
-</p:sld>
-</file>
-
-<file path=ppt/slides/slide11.xml><?xml version="1.0" encoding="utf-8"?>
-<p:sld xmlns:a="http://schemas.openxmlformats.org/drawingml/2006/main" xmlns:r="http://schemas.openxmlformats.org/officeDocument/2006/relationships" xmlns:p="http://schemas.openxmlformats.org/presentationml/2006/main">
-  <p:cSld>
-    <p:spTree>
-      <p:nvGrpSpPr>
-        <p:cNvPr id="1" name=""/>
-        <p:cNvGrpSpPr/>
-        <p:nvPr/>
-      </p:nvGrpSpPr>
-      <p:grpSpPr>
-        <a:xfrm>
-          <a:off x="0" y="0"/>
-          <a:ext cx="0" cy="0"/>
-          <a:chOff x="0" y="0"/>
-          <a:chExt cx="0" cy="0"/>
-        </a:xfrm>
-      </p:grpSpPr>
-      <p:sp>
-        <p:nvSpPr>
-          <p:cNvPr id="32" name="文字方塊 31"/>
-          <p:cNvSpPr txBox="1"/>
-          <p:nvPr/>
-        </p:nvSpPr>
-        <p:spPr>
-          <a:xfrm>
-            <a:off x="1168399" y="2853266"/>
-            <a:ext cx="7179733" cy="646331"/>
-          </a:xfrm>
-          <a:prstGeom prst="rect">
-            <a:avLst/>
-          </a:prstGeom>
-          <a:noFill/>
-        </p:spPr>
-        <p:txBody>
-          <a:bodyPr wrap="square" rtlCol="0">
-            <a:spAutoFit/>
-          </a:bodyPr>
-          <a:lstStyle/>
-          <a:p>
-            <a:r>
-              <a:rPr lang="en-US" altLang="zh-TW" sz="3600" dirty="0" smtClean="0"/>
-              <a:t>Two heads are better than one</a:t>
-            </a:r>
-            <a:endParaRPr lang="zh-TW" altLang="en-US" sz="3600" dirty="0"/>
-          </a:p>
-        </p:txBody>
-      </p:sp>
-    </p:spTree>
-    <p:extLst>
-      <p:ext uri="{BB962C8B-B14F-4D97-AF65-F5344CB8AC3E}">
-        <p14:creationId xmlns:p14="http://schemas.microsoft.com/office/powerpoint/2010/main" xmlns="" val="3792208418"/>
-      </p:ext>
-    </p:extLst>
-  </p:cSld>
-  <p:clrMapOvr>
-    <a:masterClrMapping/>
-  </p:clrMapOvr>
-  <p:timing>
-    <p:tnLst>
-      <p:par>
-        <p:cTn id="1" dur="indefinite" restart="never" nodeType="tmRoot"/>
-      </p:par>
-    </p:tnLst>
-  </p:timing>
-</p:sld>
-</file>
-
-<file path=ppt/slides/slide12.xml><?xml version="1.0" encoding="utf-8"?>
 <p:sld xmlns:a="http://schemas.openxmlformats.org/drawingml/2006/main" xmlns:r="http://schemas.openxmlformats.org/officeDocument/2006/relationships" xmlns:p="http://schemas.openxmlformats.org/presentationml/2006/main">
   <p:cSld>
     <p:spTree>
@@ -2750,7 +2386,7 @@
                 <a:latin typeface="+mj-lt"/>
               </a:rPr>
               <a:pPr/>
-              <a:t>12</a:t>
+              <a:t>10</a:t>
             </a:fld>
             <a:endParaRPr lang="en-US" dirty="0">
               <a:latin typeface="+mj-lt"/>
@@ -2803,7 +2439,11 @@
           <a:lstStyle/>
           <a:p>
             <a:pPr algn="ctr"/>
-            <a:endParaRPr lang="zh-TW" altLang="en-US"/>
+            <a:endParaRPr lang="zh-TW" altLang="en-US" dirty="0">
+              <a:solidFill>
+                <a:schemeClr val="tx1"/>
+              </a:solidFill>
+            </a:endParaRPr>
           </a:p>
         </p:txBody>
       </p:sp>
@@ -3062,9 +2702,59 @@
         </p:xfrm>
         <a:graphic>
           <a:graphicData uri="http://schemas.openxmlformats.org/presentationml/2006/ole">
-            <p:oleObj spid="_x0000_s2101" name="方程式" r:id="rId3" imgW="342751" imgH="203112" progId="Equation.3">
-              <p:embed/>
-            </p:oleObj>
+            <mc:AlternateContent xmlns:mc="http://schemas.openxmlformats.org/markup-compatibility/2006">
+              <mc:Choice xmlns:v="urn:schemas-microsoft-com:vml" Requires="v">
+                <p:oleObj spid="_x0000_s2214" name="方程式" r:id="rId3" imgW="342751" imgH="203112" progId="Equation.3">
+                  <p:embed/>
+                </p:oleObj>
+              </mc:Choice>
+              <mc:Fallback>
+                <p:oleObj name="方程式" r:id="rId3" imgW="342751" imgH="203112" progId="Equation.3">
+                  <p:embed/>
+                  <p:pic>
+                    <p:nvPicPr>
+                      <p:cNvPr id="0" name="Picture 53"/>
+                      <p:cNvPicPr>
+                        <a:picLocks noChangeAspect="1" noChangeArrowheads="1"/>
+                      </p:cNvPicPr>
+                      <p:nvPr/>
+                    </p:nvPicPr>
+                    <p:blipFill>
+                      <a:blip r:embed="rId4">
+                        <a:extLst>
+                          <a:ext uri="{28A0092B-C50C-407E-A947-70E740481C1C}">
+                            <a14:useLocalDpi xmlns:a14="http://schemas.microsoft.com/office/drawing/2010/main" val="0"/>
+                          </a:ext>
+                        </a:extLst>
+                      </a:blip>
+                      <a:srcRect/>
+                      <a:stretch>
+                        <a:fillRect/>
+                      </a:stretch>
+                    </p:blipFill>
+                    <p:spPr bwMode="auto">
+                      <a:xfrm>
+                        <a:off x="1657343" y="3826873"/>
+                        <a:ext cx="814388" cy="482600"/>
+                      </a:xfrm>
+                      <a:prstGeom prst="rect">
+                        <a:avLst/>
+                      </a:prstGeom>
+                      <a:noFill/>
+                      <a:extLst>
+                        <a:ext uri="{909E8E84-426E-40DD-AFC4-6F175D3DCCD1}">
+                          <a14:hiddenFill xmlns:a14="http://schemas.microsoft.com/office/drawing/2010/main">
+                            <a:solidFill>
+                              <a:srgbClr val="FFFFFF"/>
+                            </a:solidFill>
+                          </a14:hiddenFill>
+                        </a:ext>
+                      </a:extLst>
+                    </p:spPr>
+                  </p:pic>
+                </p:oleObj>
+              </mc:Fallback>
+            </mc:AlternateContent>
           </a:graphicData>
         </a:graphic>
       </p:graphicFrame>
@@ -3074,17 +2764,67 @@
           <p:cNvGraphicFramePr>
             <a:graphicFrameLocks noChangeAspect="1"/>
           </p:cNvGraphicFramePr>
-          <p:nvPr/>
+          <p:nvPr>
+            <p:extLst>
+              <p:ext uri="{D42A27DB-BD31-4B8C-83A1-F6EECF244321}">
+                <p14:modId xmlns:p14="http://schemas.microsoft.com/office/powerpoint/2010/main" val="3135229844"/>
+              </p:ext>
+            </p:extLst>
+          </p:nvPr>
         </p:nvGraphicFramePr>
         <p:xfrm>
-          <a:off x="5204336" y="3809413"/>
-          <a:ext cx="1698625" cy="550862"/>
+          <a:off x="5227108" y="3770678"/>
+          <a:ext cx="3600450" cy="584200"/>
         </p:xfrm>
         <a:graphic>
           <a:graphicData uri="http://schemas.openxmlformats.org/presentationml/2006/ole">
-            <p:oleObj spid="_x0000_s2102" name="方程式" r:id="rId4" imgW="850680" imgH="215640" progId="Equation.3">
-              <p:embed/>
-            </p:oleObj>
+            <mc:AlternateContent xmlns:mc="http://schemas.openxmlformats.org/markup-compatibility/2006">
+              <mc:Choice xmlns:v="urn:schemas-microsoft-com:vml" Requires="v">
+                <p:oleObj spid="_x0000_s2215" name="方程式" r:id="rId5" imgW="1803240" imgH="228600" progId="Equation.3">
+                  <p:embed/>
+                </p:oleObj>
+              </mc:Choice>
+              <mc:Fallback>
+                <p:oleObj name="方程式" r:id="rId5" imgW="1803240" imgH="228600" progId="Equation.3">
+                  <p:embed/>
+                  <p:pic>
+                    <p:nvPicPr>
+                      <p:cNvPr id="0" name="Picture 54"/>
+                      <p:cNvPicPr>
+                        <a:picLocks noChangeAspect="1" noChangeArrowheads="1"/>
+                      </p:cNvPicPr>
+                      <p:nvPr/>
+                    </p:nvPicPr>
+                    <p:blipFill>
+                      <a:blip r:embed="rId6"/>
+                      <a:srcRect/>
+                      <a:stretch>
+                        <a:fillRect/>
+                      </a:stretch>
+                    </p:blipFill>
+                    <p:spPr bwMode="auto">
+                      <a:xfrm>
+                        <a:off x="5227108" y="3770678"/>
+                        <a:ext cx="3600450" cy="584200"/>
+                      </a:xfrm>
+                      <a:prstGeom prst="rect">
+                        <a:avLst/>
+                      </a:prstGeom>
+                      <a:noFill/>
+                      <a:extLst>
+                        <a:ext uri="{909E8E84-426E-40DD-AFC4-6F175D3DCCD1}">
+                          <a14:hiddenFill xmlns:a14="http://schemas.microsoft.com/office/drawing/2010/main">
+                            <a:solidFill>
+                              <a:srgbClr val="FFFFFF"/>
+                            </a:solidFill>
+                          </a14:hiddenFill>
+                        </a:ext>
+                      </a:extLst>
+                    </p:spPr>
+                  </p:pic>
+                </p:oleObj>
+              </mc:Fallback>
+            </mc:AlternateContent>
           </a:graphicData>
         </a:graphic>
       </p:graphicFrame>
@@ -3102,328 +2842,381 @@
         </p:xfrm>
         <a:graphic>
           <a:graphicData uri="http://schemas.openxmlformats.org/presentationml/2006/ole">
-            <p:oleObj spid="_x0000_s2103" name="方程式" r:id="rId5" imgW="126725" imgH="126725" progId="Equation.3">
-              <p:embed/>
-            </p:oleObj>
-          </a:graphicData>
-        </a:graphic>
-      </p:graphicFrame>
-      <p:graphicFrame>
-        <p:nvGraphicFramePr>
-          <p:cNvPr id="2104" name="Object 56"/>
-          <p:cNvGraphicFramePr>
-            <a:graphicFrameLocks noChangeAspect="1"/>
-          </p:cNvGraphicFramePr>
-          <p:nvPr/>
-        </p:nvGraphicFramePr>
-        <p:xfrm>
-          <a:off x="6902450" y="3810000"/>
-          <a:ext cx="989013" cy="552450"/>
-        </p:xfrm>
-        <a:graphic>
-          <a:graphicData uri="http://schemas.openxmlformats.org/presentationml/2006/ole">
-            <p:oleObj spid="_x0000_s2104" name="方程式" r:id="rId6" imgW="495000" imgH="215640" progId="Equation.3">
-              <p:embed/>
-            </p:oleObj>
-          </a:graphicData>
-        </a:graphic>
-      </p:graphicFrame>
-      <p:graphicFrame>
-        <p:nvGraphicFramePr>
-          <p:cNvPr id="2105" name="Object 57"/>
-          <p:cNvGraphicFramePr>
-            <a:graphicFrameLocks noChangeAspect="1"/>
-          </p:cNvGraphicFramePr>
-          <p:nvPr/>
-        </p:nvGraphicFramePr>
-        <p:xfrm>
-          <a:off x="7891463" y="3810000"/>
-          <a:ext cx="989012" cy="584200"/>
-        </p:xfrm>
-        <a:graphic>
-          <a:graphicData uri="http://schemas.openxmlformats.org/presentationml/2006/ole">
-            <p:oleObj spid="_x0000_s2105" name="方程式" r:id="rId7" imgW="495000" imgH="228600" progId="Equation.3">
-              <p:embed/>
-            </p:oleObj>
+            <mc:AlternateContent xmlns:mc="http://schemas.openxmlformats.org/markup-compatibility/2006">
+              <mc:Choice xmlns:v="urn:schemas-microsoft-com:vml" Requires="v">
+                <p:oleObj spid="_x0000_s2216" name="方程式" r:id="rId7" imgW="126725" imgH="126725" progId="Equation.3">
+                  <p:embed/>
+                </p:oleObj>
+              </mc:Choice>
+              <mc:Fallback>
+                <p:oleObj name="方程式" r:id="rId7" imgW="126725" imgH="126725" progId="Equation.3">
+                  <p:embed/>
+                  <p:pic>
+                    <p:nvPicPr>
+                      <p:cNvPr id="0" name="Picture 55"/>
+                      <p:cNvPicPr>
+                        <a:picLocks noChangeAspect="1" noChangeArrowheads="1"/>
+                      </p:cNvPicPr>
+                      <p:nvPr/>
+                    </p:nvPicPr>
+                    <p:blipFill>
+                      <a:blip r:embed="rId8">
+                        <a:extLst>
+                          <a:ext uri="{28A0092B-C50C-407E-A947-70E740481C1C}">
+                            <a14:useLocalDpi xmlns:a14="http://schemas.microsoft.com/office/drawing/2010/main" val="0"/>
+                          </a:ext>
+                        </a:extLst>
+                      </a:blip>
+                      <a:srcRect/>
+                      <a:stretch>
+                        <a:fillRect/>
+                      </a:stretch>
+                    </p:blipFill>
+                    <p:spPr bwMode="auto">
+                      <a:xfrm>
+                        <a:off x="3896897" y="3606860"/>
+                        <a:ext cx="1032291" cy="787340"/>
+                      </a:xfrm>
+                      <a:prstGeom prst="rect">
+                        <a:avLst/>
+                      </a:prstGeom>
+                      <a:noFill/>
+                      <a:extLst>
+                        <a:ext uri="{909E8E84-426E-40DD-AFC4-6F175D3DCCD1}">
+                          <a14:hiddenFill xmlns:a14="http://schemas.microsoft.com/office/drawing/2010/main">
+                            <a:solidFill>
+                              <a:srgbClr val="FFFFFF"/>
+                            </a:solidFill>
+                          </a14:hiddenFill>
+                        </a:ext>
+                      </a:extLst>
+                    </p:spPr>
+                  </p:pic>
+                </p:oleObj>
+              </mc:Fallback>
+            </mc:AlternateContent>
           </a:graphicData>
         </a:graphic>
       </p:graphicFrame>
       <p:sp>
         <p:nvSpPr>
-          <p:cNvPr id="18" name="直線圖說文字 1 (無框線) 17"/>
+          <p:cNvPr id="3" name="矩形 2"/>
           <p:cNvSpPr/>
           <p:nvPr/>
         </p:nvSpPr>
         <p:spPr>
           <a:xfrm>
-            <a:off x="2307071" y="1405492"/>
-            <a:ext cx="1589826" cy="338616"/>
-          </a:xfrm>
-          <a:prstGeom prst="callout1">
-            <a:avLst>
-              <a:gd name="adj1" fmla="val 48754"/>
-              <a:gd name="adj2" fmla="val 188"/>
-              <a:gd name="adj3" fmla="val 52491"/>
-              <a:gd name="adj4" fmla="val -16499"/>
-            </a:avLst>
-          </a:prstGeom>
-          <a:noFill/>
-          <a:ln w="25400">
-            <a:solidFill>
-              <a:schemeClr val="tx1"/>
-            </a:solidFill>
-          </a:ln>
-          <a:effectLst/>
-        </p:spPr>
-        <p:style>
-          <a:lnRef idx="1">
-            <a:schemeClr val="accent1"/>
-          </a:lnRef>
-          <a:fillRef idx="3">
-            <a:schemeClr val="accent1"/>
-          </a:fillRef>
-          <a:effectRef idx="2">
-            <a:schemeClr val="accent1"/>
-          </a:effectRef>
-          <a:fontRef idx="minor">
-            <a:schemeClr val="lt1"/>
-          </a:fontRef>
-        </p:style>
+            <a:off x="2371398" y="1815025"/>
+            <a:ext cx="1467068" cy="369332"/>
+          </a:xfrm>
+          <a:prstGeom prst="rect">
+            <a:avLst/>
+          </a:prstGeom>
+        </p:spPr>
         <p:txBody>
-          <a:bodyPr rtlCol="0" anchor="ctr"/>
+          <a:bodyPr wrap="none">
+            <a:spAutoFit/>
+          </a:bodyPr>
           <a:lstStyle/>
           <a:p>
             <a:pPr algn="ctr"/>
             <a:r>
-              <a:rPr lang="en-US" altLang="zh-TW" dirty="0" smtClean="0">
-                <a:solidFill>
-                  <a:schemeClr val="tx1"/>
-                </a:solidFill>
-              </a:rPr>
+              <a:rPr lang="en-US" altLang="zh-TW" dirty="0"/>
               <a:t>Error of G(x)</a:t>
             </a:r>
-            <a:endParaRPr lang="zh-TW" altLang="en-US" dirty="0">
-              <a:solidFill>
-                <a:schemeClr val="tx1"/>
-              </a:solidFill>
-            </a:endParaRPr>
+            <a:endParaRPr lang="zh-TW" altLang="en-US" dirty="0"/>
           </a:p>
         </p:txBody>
       </p:sp>
+      <p:cxnSp>
+        <p:nvCxnSpPr>
+          <p:cNvPr id="5" name="直線單箭頭接點 4"/>
+          <p:cNvCxnSpPr>
+            <a:stCxn id="3" idx="1"/>
+            <a:endCxn id="10" idx="5"/>
+          </p:cNvCxnSpPr>
+          <p:nvPr/>
+        </p:nvCxnSpPr>
+        <p:spPr>
+          <a:xfrm flipH="1" flipV="1">
+            <a:off x="1925404" y="1704431"/>
+            <a:ext cx="445994" cy="295260"/>
+          </a:xfrm>
+          <a:prstGeom prst="straightConnector1">
+            <a:avLst/>
+          </a:prstGeom>
+          <a:ln>
+            <a:solidFill>
+              <a:schemeClr val="tx1"/>
+            </a:solidFill>
+            <a:tailEnd type="arrow" w="lg" len="lg"/>
+          </a:ln>
+          <a:effectLst/>
+        </p:spPr>
+        <p:style>
+          <a:lnRef idx="2">
+            <a:schemeClr val="accent1"/>
+          </a:lnRef>
+          <a:fillRef idx="0">
+            <a:schemeClr val="accent1"/>
+          </a:fillRef>
+          <a:effectRef idx="1">
+            <a:schemeClr val="accent1"/>
+          </a:effectRef>
+          <a:fontRef idx="minor">
+            <a:schemeClr val="tx1"/>
+          </a:fontRef>
+        </p:style>
+      </p:cxnSp>
       <p:sp>
         <p:nvSpPr>
-          <p:cNvPr id="19" name="直線圖說文字 1 (無框線) 18"/>
+          <p:cNvPr id="23" name="矩形 22"/>
           <p:cNvSpPr/>
           <p:nvPr/>
         </p:nvSpPr>
         <p:spPr>
           <a:xfrm>
-            <a:off x="6902450" y="355600"/>
-            <a:ext cx="1589826" cy="338616"/>
-          </a:xfrm>
-          <a:prstGeom prst="callout1">
-            <a:avLst>
-              <a:gd name="adj1" fmla="val 48754"/>
-              <a:gd name="adj2" fmla="val 188"/>
-              <a:gd name="adj3" fmla="val 185011"/>
-              <a:gd name="adj4" fmla="val -8510"/>
-            </a:avLst>
-          </a:prstGeom>
-          <a:noFill/>
-          <a:ln w="25400">
-            <a:solidFill>
-              <a:schemeClr val="tx1"/>
-            </a:solidFill>
-          </a:ln>
-          <a:effectLst/>
-        </p:spPr>
-        <p:style>
-          <a:lnRef idx="1">
-            <a:schemeClr val="accent1"/>
-          </a:lnRef>
-          <a:fillRef idx="3">
-            <a:schemeClr val="accent1"/>
-          </a:fillRef>
-          <a:effectRef idx="2">
-            <a:schemeClr val="accent1"/>
-          </a:effectRef>
-          <a:fontRef idx="minor">
-            <a:schemeClr val="lt1"/>
-          </a:fontRef>
-        </p:style>
+            <a:off x="4755121" y="3026896"/>
+            <a:ext cx="1274709" cy="369332"/>
+          </a:xfrm>
+          <a:prstGeom prst="rect">
+            <a:avLst/>
+          </a:prstGeom>
+        </p:spPr>
         <p:txBody>
-          <a:bodyPr rtlCol="0" anchor="ctr"/>
+          <a:bodyPr wrap="none">
+            <a:spAutoFit/>
+          </a:bodyPr>
           <a:lstStyle/>
           <a:p>
             <a:pPr algn="ctr"/>
             <a:r>
-              <a:rPr lang="en-US" altLang="zh-TW" dirty="0" smtClean="0">
-                <a:solidFill>
-                  <a:schemeClr val="tx1"/>
-                </a:solidFill>
-              </a:rPr>
+              <a:rPr lang="en-US" altLang="zh-TW" dirty="0"/>
               <a:t>Error of </a:t>
             </a:r>
             <a:r>
-              <a:rPr lang="en-US" altLang="zh-TW" dirty="0" smtClean="0">
-                <a:solidFill>
-                  <a:schemeClr val="tx1"/>
-                </a:solidFill>
-              </a:rPr>
-              <a:t>g1</a:t>
+              <a:rPr lang="en-US" altLang="zh-TW" dirty="0" smtClean="0"/>
+              <a:t>g2</a:t>
             </a:r>
-            <a:endParaRPr lang="zh-TW" altLang="en-US" dirty="0">
-              <a:solidFill>
-                <a:schemeClr val="tx1"/>
-              </a:solidFill>
-            </a:endParaRPr>
+            <a:endParaRPr lang="zh-TW" altLang="en-US" dirty="0"/>
           </a:p>
         </p:txBody>
       </p:sp>
+      <p:cxnSp>
+        <p:nvCxnSpPr>
+          <p:cNvPr id="24" name="直線單箭頭接點 23"/>
+          <p:cNvCxnSpPr>
+            <a:stCxn id="23" idx="0"/>
+          </p:cNvCxnSpPr>
+          <p:nvPr/>
+        </p:nvCxnSpPr>
+        <p:spPr>
+          <a:xfrm flipV="1">
+            <a:off x="5392476" y="2595008"/>
+            <a:ext cx="555397" cy="431888"/>
+          </a:xfrm>
+          <a:prstGeom prst="straightConnector1">
+            <a:avLst/>
+          </a:prstGeom>
+          <a:ln>
+            <a:solidFill>
+              <a:schemeClr val="tx1"/>
+            </a:solidFill>
+            <a:tailEnd type="arrow" w="lg" len="lg"/>
+          </a:ln>
+          <a:effectLst/>
+        </p:spPr>
+        <p:style>
+          <a:lnRef idx="2">
+            <a:schemeClr val="accent1"/>
+          </a:lnRef>
+          <a:fillRef idx="0">
+            <a:schemeClr val="accent1"/>
+          </a:fillRef>
+          <a:effectRef idx="1">
+            <a:schemeClr val="accent1"/>
+          </a:effectRef>
+          <a:fontRef idx="minor">
+            <a:schemeClr val="tx1"/>
+          </a:fontRef>
+        </p:style>
+      </p:cxnSp>
       <p:sp>
         <p:nvSpPr>
-          <p:cNvPr id="20" name="直線圖說文字 1 (無框線) 19"/>
+          <p:cNvPr id="27" name="矩形 26"/>
           <p:cNvSpPr/>
           <p:nvPr/>
         </p:nvSpPr>
         <p:spPr>
           <a:xfrm>
-            <a:off x="5672666" y="3073400"/>
-            <a:ext cx="1589826" cy="338616"/>
-          </a:xfrm>
-          <a:prstGeom prst="callout1">
-            <a:avLst>
-              <a:gd name="adj1" fmla="val 48754"/>
-              <a:gd name="adj2" fmla="val 188"/>
-              <a:gd name="adj3" fmla="val -155040"/>
-              <a:gd name="adj4" fmla="val 17053"/>
-            </a:avLst>
-          </a:prstGeom>
-          <a:noFill/>
-          <a:ln w="25400">
-            <a:solidFill>
-              <a:schemeClr val="tx1"/>
-            </a:solidFill>
-          </a:ln>
-          <a:effectLst/>
-        </p:spPr>
-        <p:style>
-          <a:lnRef idx="1">
-            <a:schemeClr val="accent1"/>
-          </a:lnRef>
-          <a:fillRef idx="3">
-            <a:schemeClr val="accent1"/>
-          </a:fillRef>
-          <a:effectRef idx="2">
-            <a:schemeClr val="accent1"/>
-          </a:effectRef>
-          <a:fontRef idx="minor">
-            <a:schemeClr val="lt1"/>
-          </a:fontRef>
-        </p:style>
+            <a:off x="7859874" y="564255"/>
+            <a:ext cx="1274709" cy="369332"/>
+          </a:xfrm>
+          <a:prstGeom prst="rect">
+            <a:avLst/>
+          </a:prstGeom>
+        </p:spPr>
         <p:txBody>
-          <a:bodyPr rtlCol="0" anchor="ctr"/>
+          <a:bodyPr wrap="none">
+            <a:spAutoFit/>
+          </a:bodyPr>
           <a:lstStyle/>
           <a:p>
             <a:pPr algn="ctr"/>
             <a:r>
-              <a:rPr lang="en-US" altLang="zh-TW" dirty="0" smtClean="0">
-                <a:solidFill>
-                  <a:schemeClr val="tx1"/>
-                </a:solidFill>
-              </a:rPr>
+              <a:rPr lang="en-US" altLang="zh-TW" dirty="0"/>
               <a:t>Error of </a:t>
             </a:r>
             <a:r>
-              <a:rPr lang="en-US" altLang="zh-TW" dirty="0" smtClean="0">
-                <a:solidFill>
-                  <a:schemeClr val="tx1"/>
-                </a:solidFill>
-              </a:rPr>
-              <a:t>g2</a:t>
+              <a:rPr lang="en-US" altLang="zh-TW" dirty="0" smtClean="0"/>
+              <a:t>g1</a:t>
             </a:r>
-            <a:endParaRPr lang="zh-TW" altLang="en-US" dirty="0">
-              <a:solidFill>
-                <a:schemeClr val="tx1"/>
-              </a:solidFill>
-            </a:endParaRPr>
+            <a:endParaRPr lang="zh-TW" altLang="en-US" dirty="0"/>
           </a:p>
         </p:txBody>
       </p:sp>
+      <p:cxnSp>
+        <p:nvCxnSpPr>
+          <p:cNvPr id="28" name="直線單箭頭接點 27"/>
+          <p:cNvCxnSpPr/>
+          <p:nvPr/>
+        </p:nvCxnSpPr>
+        <p:spPr>
+          <a:xfrm flipH="1">
+            <a:off x="7188200" y="770185"/>
+            <a:ext cx="703264" cy="341227"/>
+          </a:xfrm>
+          <a:prstGeom prst="straightConnector1">
+            <a:avLst/>
+          </a:prstGeom>
+          <a:ln>
+            <a:solidFill>
+              <a:schemeClr val="tx1"/>
+            </a:solidFill>
+            <a:tailEnd type="arrow" w="lg" len="lg"/>
+          </a:ln>
+          <a:effectLst/>
+        </p:spPr>
+        <p:style>
+          <a:lnRef idx="2">
+            <a:schemeClr val="accent1"/>
+          </a:lnRef>
+          <a:fillRef idx="0">
+            <a:schemeClr val="accent1"/>
+          </a:fillRef>
+          <a:effectRef idx="1">
+            <a:schemeClr val="accent1"/>
+          </a:effectRef>
+          <a:fontRef idx="minor">
+            <a:schemeClr val="tx1"/>
+          </a:fontRef>
+        </p:style>
+      </p:cxnSp>
       <p:sp>
         <p:nvSpPr>
-          <p:cNvPr id="21" name="直線圖說文字 1 (無框線) 20"/>
+          <p:cNvPr id="32" name="矩形 31"/>
           <p:cNvSpPr/>
           <p:nvPr/>
         </p:nvSpPr>
         <p:spPr>
           <a:xfrm>
-            <a:off x="7554174" y="3115682"/>
-            <a:ext cx="1589826" cy="338616"/>
-          </a:xfrm>
-          <a:prstGeom prst="callout1">
-            <a:avLst>
-              <a:gd name="adj1" fmla="val 48754"/>
-              <a:gd name="adj2" fmla="val 188"/>
-              <a:gd name="adj3" fmla="val -242553"/>
-              <a:gd name="adj4" fmla="val 5870"/>
-            </a:avLst>
-          </a:prstGeom>
-          <a:noFill/>
-          <a:ln w="25400">
-            <a:solidFill>
-              <a:schemeClr val="tx1"/>
-            </a:solidFill>
-          </a:ln>
-          <a:effectLst/>
-        </p:spPr>
-        <p:style>
-          <a:lnRef idx="1">
-            <a:schemeClr val="accent1"/>
-          </a:lnRef>
-          <a:fillRef idx="3">
-            <a:schemeClr val="accent1"/>
-          </a:fillRef>
-          <a:effectRef idx="2">
-            <a:schemeClr val="accent1"/>
-          </a:effectRef>
-          <a:fontRef idx="minor">
-            <a:schemeClr val="lt1"/>
-          </a:fontRef>
-        </p:style>
+            <a:off x="7727944" y="3174345"/>
+            <a:ext cx="1274709" cy="369332"/>
+          </a:xfrm>
+          <a:prstGeom prst="rect">
+            <a:avLst/>
+          </a:prstGeom>
+        </p:spPr>
         <p:txBody>
-          <a:bodyPr rtlCol="0" anchor="ctr"/>
+          <a:bodyPr wrap="none">
+            <a:spAutoFit/>
+          </a:bodyPr>
           <a:lstStyle/>
           <a:p>
             <a:pPr algn="ctr"/>
             <a:r>
-              <a:rPr lang="en-US" altLang="zh-TW" dirty="0" smtClean="0">
-                <a:solidFill>
-                  <a:schemeClr val="tx1"/>
-                </a:solidFill>
-              </a:rPr>
+              <a:rPr lang="en-US" altLang="zh-TW" dirty="0"/>
               <a:t>Error of </a:t>
             </a:r>
             <a:r>
-              <a:rPr lang="en-US" altLang="zh-TW" dirty="0" smtClean="0">
-                <a:solidFill>
-                  <a:schemeClr val="tx1"/>
-                </a:solidFill>
-              </a:rPr>
+              <a:rPr lang="en-US" altLang="zh-TW" dirty="0" smtClean="0"/>
               <a:t>g3</a:t>
             </a:r>
-            <a:endParaRPr lang="zh-TW" altLang="en-US" dirty="0">
-              <a:solidFill>
-                <a:schemeClr val="tx1"/>
-              </a:solidFill>
-            </a:endParaRPr>
+            <a:endParaRPr lang="zh-TW" altLang="en-US" dirty="0"/>
+          </a:p>
+        </p:txBody>
+      </p:sp>
+      <p:cxnSp>
+        <p:nvCxnSpPr>
+          <p:cNvPr id="33" name="直線單箭頭接點 32"/>
+          <p:cNvCxnSpPr/>
+          <p:nvPr/>
+        </p:nvCxnSpPr>
+        <p:spPr>
+          <a:xfrm flipH="1" flipV="1">
+            <a:off x="7859874" y="2318843"/>
+            <a:ext cx="301992" cy="796839"/>
+          </a:xfrm>
+          <a:prstGeom prst="straightConnector1">
+            <a:avLst/>
+          </a:prstGeom>
+          <a:ln>
+            <a:solidFill>
+              <a:schemeClr val="tx1"/>
+            </a:solidFill>
+            <a:tailEnd type="arrow" w="lg" len="lg"/>
+          </a:ln>
+          <a:effectLst/>
+        </p:spPr>
+        <p:style>
+          <a:lnRef idx="2">
+            <a:schemeClr val="accent1"/>
+          </a:lnRef>
+          <a:fillRef idx="0">
+            <a:schemeClr val="accent1"/>
+          </a:fillRef>
+          <a:effectRef idx="1">
+            <a:schemeClr val="accent1"/>
+          </a:effectRef>
+          <a:fontRef idx="minor">
+            <a:schemeClr val="tx1"/>
+          </a:fontRef>
+        </p:style>
+      </p:cxnSp>
+      <p:sp>
+        <p:nvSpPr>
+          <p:cNvPr id="31" name="文字方塊 30"/>
+          <p:cNvSpPr txBox="1"/>
+          <p:nvPr/>
+        </p:nvSpPr>
+        <p:spPr>
+          <a:xfrm>
+            <a:off x="1307505" y="409631"/>
+            <a:ext cx="1608133" cy="369332"/>
+          </a:xfrm>
+          <a:prstGeom prst="rect">
+            <a:avLst/>
+          </a:prstGeom>
+          <a:noFill/>
+        </p:spPr>
+        <p:txBody>
+          <a:bodyPr wrap="none" rtlCol="0">
+            <a:spAutoFit/>
+          </a:bodyPr>
+          <a:lstStyle/>
+          <a:p>
+            <a:r>
+              <a:rPr lang="en-US" altLang="zh-TW" dirty="0" smtClean="0"/>
+              <a:t>Space of data</a:t>
+            </a:r>
+            <a:endParaRPr lang="zh-TW" altLang="en-US" dirty="0"/>
           </a:p>
         </p:txBody>
       </p:sp>
     </p:spTree>
     <p:extLst>
       <p:ext uri="{BB962C8B-B14F-4D97-AF65-F5344CB8AC3E}">
-        <p14:creationId xmlns:p14="http://schemas.microsoft.com/office/powerpoint/2010/main" xmlns="" val="3427152478"/>
+        <p14:creationId xmlns:p14="http://schemas.microsoft.com/office/powerpoint/2010/main" val="3427152478"/>
       </p:ext>
     </p:extLst>
   </p:cSld>
@@ -3505,7 +3298,7 @@
                                 </p:cTn>
                               </p:par>
                               <p:par>
-                                <p:cTn id="9" presetID="1" presetClass="entr" presetSubtype="0" fill="hold" grpId="0" nodeType="withEffect">
+                                <p:cTn id="9" presetID="1" presetClass="entr" presetSubtype="0" fill="hold" nodeType="withEffect">
                                   <p:stCondLst>
                                     <p:cond delay="0"/>
                                   </p:stCondLst>
@@ -3518,7 +3311,34 @@
                                           </p:stCondLst>
                                         </p:cTn>
                                         <p:tgtEl>
-                                          <p:spTgt spid="18"/>
+                                          <p:spTgt spid="5"/>
+                                        </p:tgtEl>
+                                        <p:attrNameLst>
+                                          <p:attrName>style.visibility</p:attrName>
+                                        </p:attrNameLst>
+                                      </p:cBhvr>
+                                      <p:to>
+                                        <p:strVal val="visible"/>
+                                      </p:to>
+                                    </p:set>
+                                  </p:childTnLst>
+                                </p:cTn>
+                              </p:par>
+                              <p:par>
+                                <p:cTn id="11" presetID="1" presetClass="entr" presetSubtype="0" fill="hold" grpId="0" nodeType="withEffect">
+                                  <p:stCondLst>
+                                    <p:cond delay="0"/>
+                                  </p:stCondLst>
+                                  <p:childTnLst>
+                                    <p:set>
+                                      <p:cBhvr>
+                                        <p:cTn id="12" dur="1" fill="hold">
+                                          <p:stCondLst>
+                                            <p:cond delay="0"/>
+                                          </p:stCondLst>
+                                        </p:cTn>
+                                        <p:tgtEl>
+                                          <p:spTgt spid="3"/>
                                         </p:tgtEl>
                                         <p:attrNameLst>
                                           <p:attrName>style.visibility</p:attrName>
@@ -3538,32 +3358,32 @@
                     </p:cTn>
                   </p:par>
                   <p:par>
-                    <p:cTn id="11" fill="hold">
+                    <p:cTn id="13" fill="hold">
                       <p:stCondLst>
                         <p:cond delay="indefinite"/>
                       </p:stCondLst>
                       <p:childTnLst>
                         <p:par>
-                          <p:cTn id="12" fill="hold">
+                          <p:cTn id="14" fill="hold">
                             <p:stCondLst>
                               <p:cond delay="0"/>
                             </p:stCondLst>
                             <p:childTnLst>
                               <p:par>
-                                <p:cTn id="13" presetID="1" presetClass="entr" presetSubtype="0" fill="hold" grpId="0" nodeType="clickEffect">
+                                <p:cTn id="15" presetID="1" presetClass="entr" presetSubtype="0" fill="hold" nodeType="clickEffect">
                                   <p:stCondLst>
                                     <p:cond delay="0"/>
                                   </p:stCondLst>
                                   <p:childTnLst>
                                     <p:set>
                                       <p:cBhvr>
-                                        <p:cTn id="14" dur="1" fill="hold">
+                                        <p:cTn id="16" dur="1" fill="hold">
                                           <p:stCondLst>
                                             <p:cond delay="0"/>
                                           </p:stCondLst>
                                         </p:cTn>
                                         <p:tgtEl>
-                                          <p:spTgt spid="11"/>
+                                          <p:spTgt spid="2051"/>
                                         </p:tgtEl>
                                         <p:attrNameLst>
                                           <p:attrName>style.visibility</p:attrName>
@@ -3577,34 +3397,7 @@
                                 </p:cTn>
                               </p:par>
                               <p:par>
-                                <p:cTn id="15" presetID="1" presetClass="entr" presetSubtype="0" fill="hold" grpId="0" nodeType="withEffect">
-                                  <p:stCondLst>
-                                    <p:cond delay="0"/>
-                                  </p:stCondLst>
-                                  <p:childTnLst>
-                                    <p:set>
-                                      <p:cBhvr>
-                                        <p:cTn id="16" dur="1" fill="hold">
-                                          <p:stCondLst>
-                                            <p:cond delay="0"/>
-                                          </p:stCondLst>
-                                        </p:cTn>
-                                        <p:tgtEl>
-                                          <p:spTgt spid="19"/>
-                                        </p:tgtEl>
-                                        <p:attrNameLst>
-                                          <p:attrName>style.visibility</p:attrName>
-                                        </p:attrNameLst>
-                                      </p:cBhvr>
-                                      <p:to>
-                                        <p:strVal val="visible"/>
-                                      </p:to>
-                                    </p:set>
-                                  </p:childTnLst>
-                                </p:cTn>
-                              </p:par>
-                              <p:par>
-                                <p:cTn id="17" presetID="1" presetClass="entr" presetSubtype="0" fill="hold" nodeType="withEffect">
+                                <p:cTn id="17" presetID="1" presetClass="entr" presetSubtype="0" fill="hold" grpId="0" nodeType="withEffect">
                                   <p:stCondLst>
                                     <p:cond delay="0"/>
                                   </p:stCondLst>
@@ -3617,7 +3410,7 @@
                                           </p:stCondLst>
                                         </p:cTn>
                                         <p:tgtEl>
-                                          <p:spTgt spid="2051"/>
+                                          <p:spTgt spid="9"/>
                                         </p:tgtEl>
                                         <p:attrNameLst>
                                           <p:attrName>style.visibility</p:attrName>
@@ -3649,7 +3442,7 @@
                             </p:stCondLst>
                             <p:childTnLst>
                               <p:par>
-                                <p:cTn id="21" presetID="1" presetClass="entr" presetSubtype="0" fill="hold" nodeType="clickEffect">
+                                <p:cTn id="21" presetID="1" presetClass="entr" presetSubtype="0" fill="hold" grpId="0" nodeType="clickEffect">
                                   <p:stCondLst>
                                     <p:cond delay="0"/>
                                   </p:stCondLst>
@@ -3662,7 +3455,7 @@
                                           </p:stCondLst>
                                         </p:cTn>
                                         <p:tgtEl>
-                                          <p:spTgt spid="2104"/>
+                                          <p:spTgt spid="11"/>
                                         </p:tgtEl>
                                         <p:attrNameLst>
                                           <p:attrName>style.visibility</p:attrName>
@@ -3676,7 +3469,7 @@
                                 </p:cTn>
                               </p:par>
                               <p:par>
-                                <p:cTn id="23" presetID="1" presetClass="entr" presetSubtype="0" fill="hold" grpId="0" nodeType="withEffect">
+                                <p:cTn id="23" presetID="1" presetClass="entr" presetSubtype="0" fill="hold" nodeType="withEffect">
                                   <p:stCondLst>
                                     <p:cond delay="0"/>
                                   </p:stCondLst>
@@ -3689,7 +3482,7 @@
                                           </p:stCondLst>
                                         </p:cTn>
                                         <p:tgtEl>
-                                          <p:spTgt spid="13"/>
+                                          <p:spTgt spid="28"/>
                                         </p:tgtEl>
                                         <p:attrNameLst>
                                           <p:attrName>style.visibility</p:attrName>
@@ -3716,7 +3509,7 @@
                                           </p:stCondLst>
                                         </p:cTn>
                                         <p:tgtEl>
-                                          <p:spTgt spid="20"/>
+                                          <p:spTgt spid="27"/>
                                         </p:tgtEl>
                                         <p:attrNameLst>
                                           <p:attrName>style.visibility</p:attrName>
@@ -3761,7 +3554,7 @@
                                           </p:stCondLst>
                                         </p:cTn>
                                         <p:tgtEl>
-                                          <p:spTgt spid="21"/>
+                                          <p:spTgt spid="13"/>
                                         </p:tgtEl>
                                         <p:attrNameLst>
                                           <p:attrName>style.visibility</p:attrName>
@@ -3775,7 +3568,7 @@
                                 </p:cTn>
                               </p:par>
                               <p:par>
-                                <p:cTn id="31" presetID="1" presetClass="entr" presetSubtype="0" fill="hold" grpId="0" nodeType="withEffect">
+                                <p:cTn id="31" presetID="1" presetClass="entr" presetSubtype="0" fill="hold" nodeType="withEffect">
                                   <p:stCondLst>
                                     <p:cond delay="0"/>
                                   </p:stCondLst>
@@ -3788,7 +3581,7 @@
                                           </p:stCondLst>
                                         </p:cTn>
                                         <p:tgtEl>
-                                          <p:spTgt spid="12"/>
+                                          <p:spTgt spid="24"/>
                                         </p:tgtEl>
                                         <p:attrNameLst>
                                           <p:attrName>style.visibility</p:attrName>
@@ -3802,7 +3595,7 @@
                                 </p:cTn>
                               </p:par>
                               <p:par>
-                                <p:cTn id="33" presetID="1" presetClass="entr" presetSubtype="0" fill="hold" nodeType="withEffect">
+                                <p:cTn id="33" presetID="1" presetClass="entr" presetSubtype="0" fill="hold" grpId="0" nodeType="withEffect">
                                   <p:stCondLst>
                                     <p:cond delay="0"/>
                                   </p:stCondLst>
@@ -3815,7 +3608,7 @@
                                           </p:stCondLst>
                                         </p:cTn>
                                         <p:tgtEl>
-                                          <p:spTgt spid="2105"/>
+                                          <p:spTgt spid="23"/>
                                         </p:tgtEl>
                                         <p:attrNameLst>
                                           <p:attrName>style.visibility</p:attrName>
@@ -3855,6 +3648,105 @@
                                     <p:set>
                                       <p:cBhvr>
                                         <p:cTn id="38" dur="1" fill="hold">
+                                          <p:stCondLst>
+                                            <p:cond delay="0"/>
+                                          </p:stCondLst>
+                                        </p:cTn>
+                                        <p:tgtEl>
+                                          <p:spTgt spid="33"/>
+                                        </p:tgtEl>
+                                        <p:attrNameLst>
+                                          <p:attrName>style.visibility</p:attrName>
+                                        </p:attrNameLst>
+                                      </p:cBhvr>
+                                      <p:to>
+                                        <p:strVal val="visible"/>
+                                      </p:to>
+                                    </p:set>
+                                  </p:childTnLst>
+                                </p:cTn>
+                              </p:par>
+                              <p:par>
+                                <p:cTn id="39" presetID="1" presetClass="entr" presetSubtype="0" fill="hold" grpId="0" nodeType="withEffect">
+                                  <p:stCondLst>
+                                    <p:cond delay="0"/>
+                                  </p:stCondLst>
+                                  <p:childTnLst>
+                                    <p:set>
+                                      <p:cBhvr>
+                                        <p:cTn id="40" dur="1" fill="hold">
+                                          <p:stCondLst>
+                                            <p:cond delay="0"/>
+                                          </p:stCondLst>
+                                        </p:cTn>
+                                        <p:tgtEl>
+                                          <p:spTgt spid="12"/>
+                                        </p:tgtEl>
+                                        <p:attrNameLst>
+                                          <p:attrName>style.visibility</p:attrName>
+                                        </p:attrNameLst>
+                                      </p:cBhvr>
+                                      <p:to>
+                                        <p:strVal val="visible"/>
+                                      </p:to>
+                                    </p:set>
+                                  </p:childTnLst>
+                                </p:cTn>
+                              </p:par>
+                              <p:par>
+                                <p:cTn id="41" presetID="1" presetClass="entr" presetSubtype="0" fill="hold" grpId="0" nodeType="withEffect">
+                                  <p:stCondLst>
+                                    <p:cond delay="0"/>
+                                  </p:stCondLst>
+                                  <p:childTnLst>
+                                    <p:set>
+                                      <p:cBhvr>
+                                        <p:cTn id="42" dur="1" fill="hold">
+                                          <p:stCondLst>
+                                            <p:cond delay="0"/>
+                                          </p:stCondLst>
+                                        </p:cTn>
+                                        <p:tgtEl>
+                                          <p:spTgt spid="32"/>
+                                        </p:tgtEl>
+                                        <p:attrNameLst>
+                                          <p:attrName>style.visibility</p:attrName>
+                                        </p:attrNameLst>
+                                      </p:cBhvr>
+                                      <p:to>
+                                        <p:strVal val="visible"/>
+                                      </p:to>
+                                    </p:set>
+                                  </p:childTnLst>
+                                </p:cTn>
+                              </p:par>
+                            </p:childTnLst>
+                          </p:cTn>
+                        </p:par>
+                      </p:childTnLst>
+                    </p:cTn>
+                  </p:par>
+                  <p:par>
+                    <p:cTn id="43" fill="hold">
+                      <p:stCondLst>
+                        <p:cond delay="indefinite"/>
+                      </p:stCondLst>
+                      <p:childTnLst>
+                        <p:par>
+                          <p:cTn id="44" fill="hold">
+                            <p:stCondLst>
+                              <p:cond delay="0"/>
+                            </p:stCondLst>
+                            <p:childTnLst>
+                              <p:par>
+                                <p:cTn id="45" presetID="1" presetClass="entr" presetSubtype="0" fill="hold" nodeType="clickEffect">
+                                  <p:stCondLst>
+                                    <p:cond delay="0"/>
+                                  </p:stCondLst>
+                                  <p:childTnLst>
+                                    <p:set>
+                                      <p:cBhvr>
+                                        <p:cTn id="46" dur="1" fill="hold">
                                           <p:stCondLst>
                                             <p:cond delay="0"/>
                                           </p:stCondLst>
@@ -3901,20 +3793,21 @@
       </p:par>
     </p:tnLst>
     <p:bldLst>
+      <p:bldP spid="9" grpId="0" animBg="1"/>
       <p:bldP spid="10" grpId="0" animBg="1"/>
       <p:bldP spid="11" grpId="0" animBg="1"/>
       <p:bldP spid="12" grpId="0" animBg="1"/>
       <p:bldP spid="13" grpId="0" animBg="1"/>
-      <p:bldP spid="18" grpId="0" animBg="1"/>
-      <p:bldP spid="19" grpId="0" animBg="1"/>
-      <p:bldP spid="20" grpId="0" animBg="1"/>
-      <p:bldP spid="21" grpId="0" animBg="1"/>
+      <p:bldP spid="3" grpId="0"/>
+      <p:bldP spid="23" grpId="0"/>
+      <p:bldP spid="27" grpId="0"/>
+      <p:bldP spid="32" grpId="0"/>
     </p:bldLst>
   </p:timing>
 </p:sld>
 </file>
 
-<file path=ppt/slides/slide13.xml><?xml version="1.0" encoding="utf-8"?>
+<file path=ppt/slides/slide11.xml><?xml version="1.0" encoding="utf-8"?>
 <p:sld xmlns:a="http://schemas.openxmlformats.org/drawingml/2006/main" xmlns:r="http://schemas.openxmlformats.org/officeDocument/2006/relationships" xmlns:p="http://schemas.openxmlformats.org/presentationml/2006/main">
   <p:cSld>
     <p:spTree>
@@ -3951,7 +3844,7 @@
                 <a:latin typeface="+mj-lt"/>
               </a:rPr>
               <a:pPr/>
-              <a:t>13</a:t>
+              <a:t>11</a:t>
             </a:fld>
             <a:endParaRPr lang="en-US" dirty="0">
               <a:latin typeface="+mj-lt"/>
@@ -3973,9 +3866,59 @@
         </p:xfrm>
         <a:graphic>
           <a:graphicData uri="http://schemas.openxmlformats.org/presentationml/2006/ole">
-            <p:oleObj spid="_x0000_s3125" name="方程式" r:id="rId3" imgW="342751" imgH="203112" progId="Equation.3">
-              <p:embed/>
-            </p:oleObj>
+            <mc:AlternateContent xmlns:mc="http://schemas.openxmlformats.org/markup-compatibility/2006">
+              <mc:Choice xmlns:v="urn:schemas-microsoft-com:vml" Requires="v">
+                <p:oleObj spid="_x0000_s3198" name="方程式" r:id="rId3" imgW="342751" imgH="203112" progId="Equation.3">
+                  <p:embed/>
+                </p:oleObj>
+              </mc:Choice>
+              <mc:Fallback>
+                <p:oleObj name="方程式" r:id="rId3" imgW="342751" imgH="203112" progId="Equation.3">
+                  <p:embed/>
+                  <p:pic>
+                    <p:nvPicPr>
+                      <p:cNvPr id="0" name="Picture 53"/>
+                      <p:cNvPicPr>
+                        <a:picLocks noChangeAspect="1" noChangeArrowheads="1"/>
+                      </p:cNvPicPr>
+                      <p:nvPr/>
+                    </p:nvPicPr>
+                    <p:blipFill>
+                      <a:blip r:embed="rId4">
+                        <a:extLst>
+                          <a:ext uri="{28A0092B-C50C-407E-A947-70E740481C1C}">
+                            <a14:useLocalDpi xmlns:a14="http://schemas.microsoft.com/office/drawing/2010/main" val="0"/>
+                          </a:ext>
+                        </a:extLst>
+                      </a:blip>
+                      <a:srcRect/>
+                      <a:stretch>
+                        <a:fillRect/>
+                      </a:stretch>
+                    </p:blipFill>
+                    <p:spPr bwMode="auto">
+                      <a:xfrm>
+                        <a:off x="1677860" y="3230032"/>
+                        <a:ext cx="814388" cy="482600"/>
+                      </a:xfrm>
+                      <a:prstGeom prst="rect">
+                        <a:avLst/>
+                      </a:prstGeom>
+                      <a:noFill/>
+                      <a:extLst>
+                        <a:ext uri="{909E8E84-426E-40DD-AFC4-6F175D3DCCD1}">
+                          <a14:hiddenFill xmlns:a14="http://schemas.microsoft.com/office/drawing/2010/main">
+                            <a:solidFill>
+                              <a:srgbClr val="FFFFFF"/>
+                            </a:solidFill>
+                          </a14:hiddenFill>
+                        </a:ext>
+                      </a:extLst>
+                    </p:spPr>
+                  </p:pic>
+                </p:oleObj>
+              </mc:Fallback>
+            </mc:AlternateContent>
           </a:graphicData>
         </a:graphic>
       </p:graphicFrame>
@@ -3993,9 +3936,59 @@
         </p:xfrm>
         <a:graphic>
           <a:graphicData uri="http://schemas.openxmlformats.org/presentationml/2006/ole">
-            <p:oleObj spid="_x0000_s3127" name="方程式" r:id="rId4" imgW="126725" imgH="126725" progId="Equation.3">
-              <p:embed/>
-            </p:oleObj>
+            <mc:AlternateContent xmlns:mc="http://schemas.openxmlformats.org/markup-compatibility/2006">
+              <mc:Choice xmlns:v="urn:schemas-microsoft-com:vml" Requires="v">
+                <p:oleObj spid="_x0000_s3199" name="方程式" r:id="rId5" imgW="126725" imgH="126725" progId="Equation.3">
+                  <p:embed/>
+                </p:oleObj>
+              </mc:Choice>
+              <mc:Fallback>
+                <p:oleObj name="方程式" r:id="rId5" imgW="126725" imgH="126725" progId="Equation.3">
+                  <p:embed/>
+                  <p:pic>
+                    <p:nvPicPr>
+                      <p:cNvPr id="0" name="Picture 55"/>
+                      <p:cNvPicPr>
+                        <a:picLocks noChangeAspect="1" noChangeArrowheads="1"/>
+                      </p:cNvPicPr>
+                      <p:nvPr/>
+                    </p:nvPicPr>
+                    <p:blipFill>
+                      <a:blip r:embed="rId6">
+                        <a:extLst>
+                          <a:ext uri="{28A0092B-C50C-407E-A947-70E740481C1C}">
+                            <a14:useLocalDpi xmlns:a14="http://schemas.microsoft.com/office/drawing/2010/main" val="0"/>
+                          </a:ext>
+                        </a:extLst>
+                      </a:blip>
+                      <a:srcRect/>
+                      <a:stretch>
+                        <a:fillRect/>
+                      </a:stretch>
+                    </p:blipFill>
+                    <p:spPr bwMode="auto">
+                      <a:xfrm>
+                        <a:off x="3910013" y="3039529"/>
+                        <a:ext cx="1019175" cy="776287"/>
+                      </a:xfrm>
+                      <a:prstGeom prst="rect">
+                        <a:avLst/>
+                      </a:prstGeom>
+                      <a:noFill/>
+                      <a:extLst>
+                        <a:ext uri="{909E8E84-426E-40DD-AFC4-6F175D3DCCD1}">
+                          <a14:hiddenFill xmlns:a14="http://schemas.microsoft.com/office/drawing/2010/main">
+                            <a:solidFill>
+                              <a:srgbClr val="FFFFFF"/>
+                            </a:solidFill>
+                          </a14:hiddenFill>
+                        </a:ext>
+                      </a:extLst>
+                    </p:spPr>
+                  </p:pic>
+                </p:oleObj>
+              </mc:Fallback>
+            </mc:AlternateContent>
           </a:graphicData>
         </a:graphic>
       </p:graphicFrame>
@@ -4171,11 +4164,7 @@
           <a:p>
             <a:r>
               <a:rPr lang="en-US" altLang="zh-TW" sz="2800" dirty="0" smtClean="0"/>
-              <a:t>The </a:t>
-            </a:r>
-            <a:r>
-              <a:rPr lang="en-US" altLang="zh-TW" sz="2800" dirty="0" smtClean="0"/>
-              <a:t>diversity is important</a:t>
+              <a:t>The diversity is important</a:t>
             </a:r>
             <a:endParaRPr lang="zh-TW" altLang="en-US" sz="2800" dirty="0"/>
           </a:p>
@@ -4190,7 +4179,7 @@
           <p:nvPr/>
         </p:nvPicPr>
         <p:blipFill>
-          <a:blip r:embed="rId5"/>
+          <a:blip r:embed="rId7"/>
           <a:srcRect/>
           <a:stretch>
             <a:fillRect/>
@@ -4227,16 +4216,66 @@
         </p:xfrm>
         <a:graphic>
           <a:graphicData uri="http://schemas.openxmlformats.org/presentationml/2006/ole">
-            <p:oleObj spid="_x0000_s3134" name="方程式" r:id="rId6" imgW="1803240" imgH="228600" progId="Equation.3">
-              <p:embed/>
-            </p:oleObj>
+            <mc:AlternateContent xmlns:mc="http://schemas.openxmlformats.org/markup-compatibility/2006">
+              <mc:Choice xmlns:v="urn:schemas-microsoft-com:vml" Requires="v">
+                <p:oleObj spid="_x0000_s3200" name="方程式" r:id="rId8" imgW="1803240" imgH="228600" progId="Equation.3">
+                  <p:embed/>
+                </p:oleObj>
+              </mc:Choice>
+              <mc:Fallback>
+                <p:oleObj name="方程式" r:id="rId8" imgW="1803240" imgH="228600" progId="Equation.3">
+                  <p:embed/>
+                  <p:pic>
+                    <p:nvPicPr>
+                      <p:cNvPr id="0" name="Picture 62"/>
+                      <p:cNvPicPr>
+                        <a:picLocks noChangeAspect="1" noChangeArrowheads="1"/>
+                      </p:cNvPicPr>
+                      <p:nvPr/>
+                    </p:nvPicPr>
+                    <p:blipFill>
+                      <a:blip r:embed="rId9">
+                        <a:extLst>
+                          <a:ext uri="{28A0092B-C50C-407E-A947-70E740481C1C}">
+                            <a14:useLocalDpi xmlns:a14="http://schemas.microsoft.com/office/drawing/2010/main" val="0"/>
+                          </a:ext>
+                        </a:extLst>
+                      </a:blip>
+                      <a:srcRect/>
+                      <a:stretch>
+                        <a:fillRect/>
+                      </a:stretch>
+                    </p:blipFill>
+                    <p:spPr bwMode="auto">
+                      <a:xfrm>
+                        <a:off x="5112835" y="3196166"/>
+                        <a:ext cx="3692525" cy="533400"/>
+                      </a:xfrm>
+                      <a:prstGeom prst="rect">
+                        <a:avLst/>
+                      </a:prstGeom>
+                      <a:noFill/>
+                      <a:extLst>
+                        <a:ext uri="{909E8E84-426E-40DD-AFC4-6F175D3DCCD1}">
+                          <a14:hiddenFill xmlns:a14="http://schemas.microsoft.com/office/drawing/2010/main">
+                            <a:solidFill>
+                              <a:srgbClr val="FFFFFF"/>
+                            </a:solidFill>
+                          </a14:hiddenFill>
+                        </a:ext>
+                      </a:extLst>
+                    </p:spPr>
+                  </p:pic>
+                </p:oleObj>
+              </mc:Fallback>
+            </mc:AlternateContent>
           </a:graphicData>
         </a:graphic>
       </p:graphicFrame>
     </p:spTree>
     <p:extLst>
       <p:ext uri="{BB962C8B-B14F-4D97-AF65-F5344CB8AC3E}">
-        <p14:creationId xmlns:p14="http://schemas.microsoft.com/office/powerpoint/2010/main" xmlns="" val="3427152478"/>
+        <p14:creationId xmlns:p14="http://schemas.microsoft.com/office/powerpoint/2010/main" val="3427152478"/>
       </p:ext>
     </p:extLst>
   </p:cSld>
@@ -4369,7 +4408,7 @@
 </p:sld>
 </file>
 
-<file path=ppt/slides/slide14.xml><?xml version="1.0" encoding="utf-8"?>
+<file path=ppt/slides/slide12.xml><?xml version="1.0" encoding="utf-8"?>
 <p:sld xmlns:a="http://schemas.openxmlformats.org/drawingml/2006/main" xmlns:r="http://schemas.openxmlformats.org/officeDocument/2006/relationships" xmlns:p="http://schemas.openxmlformats.org/presentationml/2006/main">
   <p:cSld>
     <p:spTree>
@@ -4437,7 +4476,7 @@
           <a:blip r:embed="rId2">
             <a:extLst>
               <a:ext uri="{28A0092B-C50C-407E-A947-70E740481C1C}">
-                <a14:useLocalDpi xmlns:a14="http://schemas.microsoft.com/office/drawing/2010/main" xmlns="" val="0"/>
+                <a14:useLocalDpi xmlns:a14="http://schemas.microsoft.com/office/drawing/2010/main" val="0"/>
               </a:ext>
             </a:extLst>
           </a:blip>
@@ -4467,7 +4506,7 @@
           <a:blip r:embed="rId3">
             <a:extLst>
               <a:ext uri="{28A0092B-C50C-407E-A947-70E740481C1C}">
-                <a14:useLocalDpi xmlns:a14="http://schemas.microsoft.com/office/drawing/2010/main" xmlns="" val="0"/>
+                <a14:useLocalDpi xmlns:a14="http://schemas.microsoft.com/office/drawing/2010/main" val="0"/>
               </a:ext>
             </a:extLst>
           </a:blip>
@@ -4488,7 +4527,7 @@
     </p:spTree>
     <p:extLst>
       <p:ext uri="{BB962C8B-B14F-4D97-AF65-F5344CB8AC3E}">
-        <p14:creationId xmlns:p14="http://schemas.microsoft.com/office/powerpoint/2010/main" xmlns="" val="2123413861"/>
+        <p14:creationId xmlns:p14="http://schemas.microsoft.com/office/powerpoint/2010/main" val="2123413861"/>
       </p:ext>
     </p:extLst>
   </p:cSld>
@@ -4573,7 +4612,7 @@
 </p:sld>
 </file>
 
-<file path=ppt/slides/slide15.xml><?xml version="1.0" encoding="utf-8"?>
+<file path=ppt/slides/slide13.xml><?xml version="1.0" encoding="utf-8"?>
 <p:sld xmlns:a="http://schemas.openxmlformats.org/drawingml/2006/main" xmlns:r="http://schemas.openxmlformats.org/officeDocument/2006/relationships" xmlns:p="http://schemas.openxmlformats.org/presentationml/2006/main">
   <p:cSld>
     <p:spTree>
@@ -4641,7 +4680,7 @@
           <a:blip r:embed="rId2">
             <a:extLst>
               <a:ext uri="{28A0092B-C50C-407E-A947-70E740481C1C}">
-                <a14:useLocalDpi xmlns:a14="http://schemas.microsoft.com/office/drawing/2010/main" xmlns="" val="0"/>
+                <a14:useLocalDpi xmlns:a14="http://schemas.microsoft.com/office/drawing/2010/main" val="0"/>
               </a:ext>
             </a:extLst>
           </a:blip>
@@ -4671,7 +4710,7 @@
           <a:blip r:embed="rId3">
             <a:extLst>
               <a:ext uri="{28A0092B-C50C-407E-A947-70E740481C1C}">
-                <a14:useLocalDpi xmlns:a14="http://schemas.microsoft.com/office/drawing/2010/main" xmlns="" val="0"/>
+                <a14:useLocalDpi xmlns:a14="http://schemas.microsoft.com/office/drawing/2010/main" val="0"/>
               </a:ext>
             </a:extLst>
           </a:blip>
@@ -4701,7 +4740,7 @@
           <a:blip r:embed="rId4">
             <a:extLst>
               <a:ext uri="{28A0092B-C50C-407E-A947-70E740481C1C}">
-                <a14:useLocalDpi xmlns:a14="http://schemas.microsoft.com/office/drawing/2010/main" xmlns="" val="0"/>
+                <a14:useLocalDpi xmlns:a14="http://schemas.microsoft.com/office/drawing/2010/main" val="0"/>
               </a:ext>
             </a:extLst>
           </a:blip>
@@ -4731,7 +4770,7 @@
           <a:blip r:embed="rId5">
             <a:extLst>
               <a:ext uri="{28A0092B-C50C-407E-A947-70E740481C1C}">
-                <a14:useLocalDpi xmlns:a14="http://schemas.microsoft.com/office/drawing/2010/main" xmlns="" val="0"/>
+                <a14:useLocalDpi xmlns:a14="http://schemas.microsoft.com/office/drawing/2010/main" val="0"/>
               </a:ext>
             </a:extLst>
           </a:blip>
@@ -4761,7 +4800,7 @@
           <a:blip r:embed="rId6">
             <a:extLst>
               <a:ext uri="{28A0092B-C50C-407E-A947-70E740481C1C}">
-                <a14:useLocalDpi xmlns:a14="http://schemas.microsoft.com/office/drawing/2010/main" xmlns="" val="0"/>
+                <a14:useLocalDpi xmlns:a14="http://schemas.microsoft.com/office/drawing/2010/main" val="0"/>
               </a:ext>
             </a:extLst>
           </a:blip>
@@ -4782,18 +4821,18 @@
     </p:spTree>
     <p:extLst>
       <p:ext uri="{BB962C8B-B14F-4D97-AF65-F5344CB8AC3E}">
-        <p14:creationId xmlns:p14="http://schemas.microsoft.com/office/powerpoint/2010/main" xmlns="" val="496767900"/>
+        <p14:creationId xmlns:p14="http://schemas.microsoft.com/office/powerpoint/2010/main" val="496767900"/>
       </p:ext>
     </p:extLst>
   </p:cSld>
   <p:clrMapOvr>
     <a:masterClrMapping/>
   </p:clrMapOvr>
-  <mc:AlternateContent xmlns:mc="http://schemas.openxmlformats.org/markup-compatibility/2006">
-    <mc:Choice xmlns:p14="http://schemas.microsoft.com/office/powerpoint/2010/main" xmlns="" Requires="p14">
+  <mc:AlternateContent xmlns:mc="http://schemas.openxmlformats.org/markup-compatibility/2006" xmlns:p14="http://schemas.microsoft.com/office/powerpoint/2010/main">
+    <mc:Choice Requires="p14">
       <p:transition spd="slow" p14:dur="2000"/>
     </mc:Choice>
-    <mc:Fallback>
+    <mc:Fallback xmlns="">
       <p:transition spd="slow"/>
     </mc:Fallback>
   </mc:AlternateContent>
@@ -5010,7 +5049,7 @@
 </p:sld>
 </file>
 
-<file path=ppt/slides/slide16.xml><?xml version="1.0" encoding="utf-8"?>
+<file path=ppt/slides/slide14.xml><?xml version="1.0" encoding="utf-8"?>
 <p:sld xmlns:a="http://schemas.openxmlformats.org/drawingml/2006/main" xmlns:r="http://schemas.openxmlformats.org/officeDocument/2006/relationships" xmlns:p="http://schemas.openxmlformats.org/presentationml/2006/main">
   <p:cSld>
     <p:spTree>
@@ -5078,7 +5117,7 @@
           <a:blip r:embed="rId2">
             <a:extLst>
               <a:ext uri="{28A0092B-C50C-407E-A947-70E740481C1C}">
-                <a14:useLocalDpi xmlns:a14="http://schemas.microsoft.com/office/drawing/2010/main" xmlns="" val="0"/>
+                <a14:useLocalDpi xmlns:a14="http://schemas.microsoft.com/office/drawing/2010/main" val="0"/>
               </a:ext>
             </a:extLst>
           </a:blip>
@@ -5108,7 +5147,7 @@
           <a:blip r:embed="rId3">
             <a:extLst>
               <a:ext uri="{28A0092B-C50C-407E-A947-70E740481C1C}">
-                <a14:useLocalDpi xmlns:a14="http://schemas.microsoft.com/office/drawing/2010/main" xmlns="" val="0"/>
+                <a14:useLocalDpi xmlns:a14="http://schemas.microsoft.com/office/drawing/2010/main" val="0"/>
               </a:ext>
             </a:extLst>
           </a:blip>
@@ -5138,7 +5177,7 @@
           <a:blip r:embed="rId4">
             <a:extLst>
               <a:ext uri="{28A0092B-C50C-407E-A947-70E740481C1C}">
-                <a14:useLocalDpi xmlns:a14="http://schemas.microsoft.com/office/drawing/2010/main" xmlns="" val="0"/>
+                <a14:useLocalDpi xmlns:a14="http://schemas.microsoft.com/office/drawing/2010/main" val="0"/>
               </a:ext>
             </a:extLst>
           </a:blip>
@@ -5168,7 +5207,7 @@
           <a:blip r:embed="rId5">
             <a:extLst>
               <a:ext uri="{28A0092B-C50C-407E-A947-70E740481C1C}">
-                <a14:useLocalDpi xmlns:a14="http://schemas.microsoft.com/office/drawing/2010/main" xmlns="" val="0"/>
+                <a14:useLocalDpi xmlns:a14="http://schemas.microsoft.com/office/drawing/2010/main" val="0"/>
               </a:ext>
             </a:extLst>
           </a:blip>
@@ -5198,7 +5237,7 @@
           <a:blip r:embed="rId6">
             <a:extLst>
               <a:ext uri="{28A0092B-C50C-407E-A947-70E740481C1C}">
-                <a14:useLocalDpi xmlns:a14="http://schemas.microsoft.com/office/drawing/2010/main" xmlns="" val="0"/>
+                <a14:useLocalDpi xmlns:a14="http://schemas.microsoft.com/office/drawing/2010/main" val="0"/>
               </a:ext>
             </a:extLst>
           </a:blip>
@@ -5326,7 +5365,7 @@
     </p:spTree>
     <p:extLst>
       <p:ext uri="{BB962C8B-B14F-4D97-AF65-F5344CB8AC3E}">
-        <p14:creationId xmlns:p14="http://schemas.microsoft.com/office/powerpoint/2010/main" xmlns="" val="2631485282"/>
+        <p14:creationId xmlns:p14="http://schemas.microsoft.com/office/powerpoint/2010/main" val="2631485282"/>
       </p:ext>
     </p:extLst>
   </p:cSld>
@@ -5645,7 +5684,7 @@
 </p:sld>
 </file>
 
-<file path=ppt/slides/slide17.xml><?xml version="1.0" encoding="utf-8"?>
+<file path=ppt/slides/slide15.xml><?xml version="1.0" encoding="utf-8"?>
 <p:sld xmlns:a="http://schemas.openxmlformats.org/drawingml/2006/main" xmlns:r="http://schemas.openxmlformats.org/officeDocument/2006/relationships" xmlns:p="http://schemas.openxmlformats.org/presentationml/2006/main">
   <p:cSld>
     <p:spTree>
@@ -5682,7 +5721,7 @@
                 <a:latin typeface="+mj-lt"/>
               </a:rPr>
               <a:pPr/>
-              <a:t>17</a:t>
+              <a:t>15</a:t>
             </a:fld>
             <a:endParaRPr lang="en-US" dirty="0">
               <a:latin typeface="+mj-lt"/>
@@ -5747,7 +5786,7 @@
     </p:spTree>
     <p:extLst>
       <p:ext uri="{BB962C8B-B14F-4D97-AF65-F5344CB8AC3E}">
-        <p14:creationId xmlns:p14="http://schemas.microsoft.com/office/powerpoint/2010/main" xmlns="" val="3598067464"/>
+        <p14:creationId xmlns:p14="http://schemas.microsoft.com/office/powerpoint/2010/main" val="3598067464"/>
       </p:ext>
     </p:extLst>
   </p:cSld>
@@ -5765,677 +5804,6 @@
 </file>
 
 <file path=ppt/slides/slide2.xml><?xml version="1.0" encoding="utf-8"?>
-<p:sld xmlns:a="http://schemas.openxmlformats.org/drawingml/2006/main" xmlns:r="http://schemas.openxmlformats.org/officeDocument/2006/relationships" xmlns:p="http://schemas.openxmlformats.org/presentationml/2006/main">
-  <p:cSld>
-    <p:spTree>
-      <p:nvGrpSpPr>
-        <p:cNvPr id="1" name=""/>
-        <p:cNvGrpSpPr/>
-        <p:nvPr/>
-      </p:nvGrpSpPr>
-      <p:grpSpPr>
-        <a:xfrm>
-          <a:off x="0" y="0"/>
-          <a:ext cx="0" cy="0"/>
-          <a:chOff x="0" y="0"/>
-          <a:chExt cx="0" cy="0"/>
-        </a:xfrm>
-      </p:grpSpPr>
-      <p:sp>
-        <p:nvSpPr>
-          <p:cNvPr id="3" name="Content Placeholder 2"/>
-          <p:cNvSpPr>
-            <a:spLocks noGrp="1"/>
-          </p:cNvSpPr>
-          <p:nvPr>
-            <p:ph idx="1"/>
-          </p:nvPr>
-        </p:nvSpPr>
-        <p:spPr>
-          <a:xfrm>
-            <a:off x="228600" y="986319"/>
-            <a:ext cx="8689622" cy="5355312"/>
-          </a:xfrm>
-        </p:spPr>
-        <p:txBody>
-          <a:bodyPr/>
-          <a:lstStyle/>
-          <a:p>
-            <a:pPr marL="342900" indent="-342900">
-              <a:buFont typeface="Arial"/>
-              <a:buChar char="•"/>
-            </a:pPr>
-            <a:r>
-              <a:rPr lang="en-US" sz="2400" dirty="0" smtClean="0">
-                <a:latin typeface="+mj-lt"/>
-              </a:rPr>
-              <a:t>Development evolution</a:t>
-            </a:r>
-          </a:p>
-          <a:p>
-            <a:pPr marL="342900" indent="-342900">
-              <a:buFont typeface="Arial"/>
-              <a:buChar char="•"/>
-            </a:pPr>
-            <a:r>
-              <a:rPr lang="en-US" altLang="zh-TW" sz="2400" dirty="0">
-                <a:latin typeface="+mj-lt"/>
-                <a:sym typeface="Gill Sans Light"/>
-              </a:rPr>
-              <a:t>Software Configuration </a:t>
-            </a:r>
-            <a:r>
-              <a:rPr lang="en-US" altLang="zh-TW" sz="2400" dirty="0" smtClean="0">
-                <a:latin typeface="+mj-lt"/>
-                <a:sym typeface="Gill Sans Light"/>
-              </a:rPr>
-              <a:t>Management</a:t>
-            </a:r>
-            <a:endParaRPr lang="en-US" sz="2400" dirty="0" smtClean="0">
-              <a:latin typeface="+mj-lt"/>
-            </a:endParaRPr>
-          </a:p>
-          <a:p>
-            <a:pPr marL="342900" indent="-342900">
-              <a:buFont typeface="Arial"/>
-              <a:buChar char="•"/>
-            </a:pPr>
-            <a:r>
-              <a:rPr lang="en-US" altLang="zh-TW" sz="2400" dirty="0">
-                <a:latin typeface="+mj-lt"/>
-              </a:rPr>
-              <a:t>Current </a:t>
-            </a:r>
-            <a:r>
-              <a:rPr lang="en-US" altLang="zh-TW" sz="2400" dirty="0" smtClean="0">
-                <a:latin typeface="+mj-lt"/>
-              </a:rPr>
-              <a:t>process</a:t>
-            </a:r>
-            <a:endParaRPr lang="en-US" sz="2400" dirty="0" smtClean="0">
-              <a:latin typeface="+mj-lt"/>
-            </a:endParaRPr>
-          </a:p>
-          <a:p>
-            <a:pPr marL="342900" indent="-342900">
-              <a:buFont typeface="Arial"/>
-              <a:buChar char="•"/>
-            </a:pPr>
-            <a:r>
-              <a:rPr lang="en-US" sz="2400" dirty="0" smtClean="0">
-                <a:latin typeface="+mj-lt"/>
-              </a:rPr>
-              <a:t>V model</a:t>
-            </a:r>
-          </a:p>
-          <a:p>
-            <a:pPr marL="342900" indent="-342900">
-              <a:buFont typeface="Arial"/>
-              <a:buChar char="•"/>
-            </a:pPr>
-            <a:r>
-              <a:rPr lang="en-US" sz="2400" dirty="0" smtClean="0">
-                <a:latin typeface="+mj-lt"/>
-              </a:rPr>
-              <a:t>ENG-100 </a:t>
-            </a:r>
-            <a:r>
-              <a:rPr lang="en-US" altLang="zh-TW" sz="2400" dirty="0" smtClean="0">
-                <a:latin typeface="+mj-lt"/>
-              </a:rPr>
-              <a:t>Consumer </a:t>
-            </a:r>
-            <a:r>
-              <a:rPr lang="en-US" altLang="zh-TW" sz="2400" dirty="0">
-                <a:latin typeface="+mj-lt"/>
-              </a:rPr>
-              <a:t>Product Development and </a:t>
-            </a:r>
-            <a:r>
-              <a:rPr lang="en-US" altLang="zh-TW" sz="2400" dirty="0" smtClean="0">
-                <a:latin typeface="+mj-lt"/>
-              </a:rPr>
-              <a:t>Release</a:t>
-            </a:r>
-          </a:p>
-          <a:p>
-            <a:pPr marL="342900" indent="-342900">
-              <a:buFont typeface="Arial"/>
-              <a:buChar char="•"/>
-            </a:pPr>
-            <a:r>
-              <a:rPr lang="en-US" altLang="zh-TW" sz="2400" dirty="0">
-                <a:latin typeface="+mj-lt"/>
-              </a:rPr>
-              <a:t>ENG-112 Consumer Software Design </a:t>
-            </a:r>
-            <a:r>
-              <a:rPr lang="en-US" altLang="zh-TW" sz="2400" dirty="0" smtClean="0">
-                <a:latin typeface="+mj-lt"/>
-              </a:rPr>
-              <a:t>Method</a:t>
-            </a:r>
-          </a:p>
-          <a:p>
-            <a:pPr marL="342900" indent="-342900">
-              <a:buFont typeface="Arial"/>
-              <a:buChar char="•"/>
-            </a:pPr>
-            <a:r>
-              <a:rPr lang="en-US" altLang="zh-TW" sz="2400" dirty="0">
-                <a:latin typeface="+mj-lt"/>
-              </a:rPr>
-              <a:t>ENG-116 Consumer Engineering Design Review </a:t>
-            </a:r>
-            <a:r>
-              <a:rPr lang="en-US" altLang="zh-TW" sz="2400" dirty="0" smtClean="0">
-                <a:latin typeface="+mj-lt"/>
-              </a:rPr>
-              <a:t>Procedure</a:t>
-            </a:r>
-          </a:p>
-          <a:p>
-            <a:pPr marL="342900" indent="-342900">
-              <a:buFont typeface="Arial"/>
-              <a:buChar char="•"/>
-            </a:pPr>
-            <a:r>
-              <a:rPr lang="en-US" altLang="zh-TW" sz="2400" dirty="0"/>
-              <a:t>Garmin product development </a:t>
-            </a:r>
-            <a:r>
-              <a:rPr lang="en-US" altLang="zh-TW" sz="2400" dirty="0" smtClean="0"/>
-              <a:t>process</a:t>
-            </a:r>
-          </a:p>
-          <a:p>
-            <a:pPr marL="342900" indent="-342900">
-              <a:buFont typeface="Arial"/>
-              <a:buChar char="•"/>
-            </a:pPr>
-            <a:r>
-              <a:rPr lang="en-US" altLang="zh-TW" sz="2400" dirty="0">
-                <a:latin typeface="+mj-lt"/>
-              </a:rPr>
-              <a:t>APAC derivative product develop flow overview</a:t>
-            </a:r>
-            <a:endParaRPr lang="zh-TW" altLang="zh-TW" sz="2400" dirty="0">
-              <a:latin typeface="+mj-lt"/>
-            </a:endParaRPr>
-          </a:p>
-          <a:p>
-            <a:pPr marL="342900" indent="-342900">
-              <a:buFont typeface="Arial"/>
-              <a:buChar char="•"/>
-            </a:pPr>
-            <a:endParaRPr lang="en-US" altLang="zh-TW" sz="2400" dirty="0">
-              <a:latin typeface="+mj-lt"/>
-            </a:endParaRPr>
-          </a:p>
-          <a:p>
-            <a:pPr marL="342900" indent="-342900">
-              <a:buFont typeface="Arial"/>
-              <a:buChar char="•"/>
-            </a:pPr>
-            <a:endParaRPr lang="en-US" sz="2400" dirty="0" smtClean="0">
-              <a:latin typeface="+mj-lt"/>
-            </a:endParaRPr>
-          </a:p>
-          <a:p>
-            <a:pPr marL="1085850" lvl="1" indent="-342900">
-              <a:buFont typeface="Arial"/>
-              <a:buChar char="•"/>
-            </a:pPr>
-            <a:endParaRPr lang="en-US" sz="3000" dirty="0">
-              <a:latin typeface="+mj-lt"/>
-            </a:endParaRPr>
-          </a:p>
-        </p:txBody>
-      </p:sp>
-      <p:sp>
-        <p:nvSpPr>
-          <p:cNvPr id="4" name="Title 3"/>
-          <p:cNvSpPr>
-            <a:spLocks noGrp="1"/>
-          </p:cNvSpPr>
-          <p:nvPr>
-            <p:ph type="title"/>
-          </p:nvPr>
-        </p:nvSpPr>
-        <p:spPr>
-          <a:xfrm>
-            <a:off x="228600" y="228600"/>
-            <a:ext cx="1590179" cy="553998"/>
-          </a:xfrm>
-        </p:spPr>
-        <p:txBody>
-          <a:bodyPr/>
-          <a:lstStyle/>
-          <a:p>
-            <a:r>
-              <a:rPr lang="en-US" b="0" dirty="0" smtClean="0">
-                <a:solidFill>
-                  <a:schemeClr val="tx1"/>
-                </a:solidFill>
-                <a:latin typeface="+mj-lt"/>
-              </a:rPr>
-              <a:t>Agenda</a:t>
-            </a:r>
-            <a:endParaRPr lang="en-US" b="0" dirty="0">
-              <a:solidFill>
-                <a:schemeClr val="tx1"/>
-              </a:solidFill>
-              <a:latin typeface="+mj-lt"/>
-            </a:endParaRPr>
-          </a:p>
-        </p:txBody>
-      </p:sp>
-      <p:sp>
-        <p:nvSpPr>
-          <p:cNvPr id="2" name="Slide Number Placeholder 1"/>
-          <p:cNvSpPr>
-            <a:spLocks noGrp="1"/>
-          </p:cNvSpPr>
-          <p:nvPr>
-            <p:ph type="sldNum" sz="quarter" idx="10"/>
-          </p:nvPr>
-        </p:nvSpPr>
-        <p:spPr/>
-        <p:txBody>
-          <a:bodyPr/>
-          <a:lstStyle/>
-          <a:p>
-            <a:fld id="{F52E3F39-0206-E343-A815-B0E9B8087364}" type="slidenum">
-              <a:rPr lang="en-US" smtClean="0">
-                <a:latin typeface="+mj-lt"/>
-              </a:rPr>
-              <a:pPr/>
-              <a:t>2</a:t>
-            </a:fld>
-            <a:endParaRPr lang="en-US" dirty="0">
-              <a:latin typeface="+mj-lt"/>
-            </a:endParaRPr>
-          </a:p>
-        </p:txBody>
-      </p:sp>
-    </p:spTree>
-    <p:extLst>
-      <p:ext uri="{BB962C8B-B14F-4D97-AF65-F5344CB8AC3E}">
-        <p14:creationId xmlns:p14="http://schemas.microsoft.com/office/powerpoint/2010/main" xmlns="" val="2707758325"/>
-      </p:ext>
-    </p:extLst>
-  </p:cSld>
-  <p:clrMapOvr>
-    <a:masterClrMapping/>
-  </p:clrMapOvr>
-  <p:timing>
-    <p:tnLst>
-      <p:par>
-        <p:cTn id="1" dur="indefinite" restart="never" nodeType="tmRoot"/>
-      </p:par>
-    </p:tnLst>
-  </p:timing>
-</p:sld>
-</file>
-
-<file path=ppt/slides/slide3.xml><?xml version="1.0" encoding="utf-8"?>
-<p:sld xmlns:a="http://schemas.openxmlformats.org/drawingml/2006/main" xmlns:r="http://schemas.openxmlformats.org/officeDocument/2006/relationships" xmlns:p="http://schemas.openxmlformats.org/presentationml/2006/main">
-  <p:cSld>
-    <p:spTree>
-      <p:nvGrpSpPr>
-        <p:cNvPr id="1" name=""/>
-        <p:cNvGrpSpPr/>
-        <p:nvPr/>
-      </p:nvGrpSpPr>
-      <p:grpSpPr>
-        <a:xfrm>
-          <a:off x="0" y="0"/>
-          <a:ext cx="0" cy="0"/>
-          <a:chOff x="0" y="0"/>
-          <a:chExt cx="0" cy="0"/>
-        </a:xfrm>
-      </p:grpSpPr>
-      <p:sp>
-        <p:nvSpPr>
-          <p:cNvPr id="3" name="Content Placeholder 2"/>
-          <p:cNvSpPr>
-            <a:spLocks noGrp="1"/>
-          </p:cNvSpPr>
-          <p:nvPr>
-            <p:ph idx="1"/>
-          </p:nvPr>
-        </p:nvSpPr>
-        <p:spPr>
-          <a:xfrm>
-            <a:off x="228600" y="986319"/>
-            <a:ext cx="8689622" cy="4210383"/>
-          </a:xfrm>
-        </p:spPr>
-        <p:txBody>
-          <a:bodyPr/>
-          <a:lstStyle/>
-          <a:p>
-            <a:pPr marL="342900" indent="-342900">
-              <a:buFont typeface="Arial"/>
-              <a:buChar char="•"/>
-            </a:pPr>
-            <a:r>
-              <a:rPr lang="en-US" altLang="zh-TW" sz="2400" dirty="0" smtClean="0"/>
-              <a:t>Purpose</a:t>
-            </a:r>
-          </a:p>
-          <a:p>
-            <a:pPr marL="1085850" lvl="1" indent="-342900">
-              <a:buFont typeface="Wingdings" panose="05000000000000000000" pitchFamily="2" charset="2"/>
-              <a:buChar char="Ø"/>
-            </a:pPr>
-            <a:r>
-              <a:rPr lang="en-US" altLang="zh-TW" sz="2000" dirty="0"/>
-              <a:t>Define procedures for design </a:t>
-            </a:r>
-            <a:r>
-              <a:rPr lang="en-US" altLang="zh-TW" sz="2000" dirty="0" smtClean="0"/>
-              <a:t>review</a:t>
-            </a:r>
-          </a:p>
-          <a:p>
-            <a:pPr marL="342900" indent="-342900">
-              <a:buFont typeface="Arial" panose="020B0604020202020204" pitchFamily="34" charset="0"/>
-              <a:buChar char="•"/>
-            </a:pPr>
-            <a:r>
-              <a:rPr lang="en-US" altLang="zh-TW" sz="2400" dirty="0" smtClean="0"/>
-              <a:t>Scope</a:t>
-            </a:r>
-          </a:p>
-          <a:p>
-            <a:pPr marL="1085850" lvl="1" indent="-342900">
-              <a:buFont typeface="Wingdings" panose="05000000000000000000" pitchFamily="2" charset="2"/>
-              <a:buChar char="Ø"/>
-            </a:pPr>
-            <a:r>
-              <a:rPr lang="en-US" altLang="zh-TW" sz="2000" dirty="0">
-                <a:solidFill>
-                  <a:srgbClr val="C00000"/>
-                </a:solidFill>
-              </a:rPr>
-              <a:t>Primary</a:t>
-            </a:r>
-            <a:r>
-              <a:rPr lang="en-US" altLang="zh-TW" sz="2000" dirty="0"/>
-              <a:t> design reviews</a:t>
-            </a:r>
-            <a:endParaRPr lang="zh-TW" altLang="zh-TW" sz="2000" dirty="0"/>
-          </a:p>
-          <a:p>
-            <a:pPr marL="1085850" lvl="1" indent="-342900">
-              <a:buFont typeface="Wingdings" panose="05000000000000000000" pitchFamily="2" charset="2"/>
-              <a:buChar char="Ø"/>
-            </a:pPr>
-            <a:r>
-              <a:rPr lang="en-US" altLang="zh-TW" sz="2000" dirty="0">
-                <a:solidFill>
-                  <a:srgbClr val="C00000"/>
-                </a:solidFill>
-              </a:rPr>
-              <a:t>Secondary</a:t>
-            </a:r>
-            <a:r>
-              <a:rPr lang="en-US" altLang="zh-TW" sz="2000" dirty="0"/>
-              <a:t> design reviews</a:t>
-            </a:r>
-            <a:endParaRPr lang="en-US" altLang="zh-TW" sz="2000" dirty="0" smtClean="0"/>
-          </a:p>
-          <a:p>
-            <a:pPr marL="342900" indent="-342900">
-              <a:buFont typeface="Arial"/>
-              <a:buChar char="•"/>
-            </a:pPr>
-            <a:r>
-              <a:rPr lang="en-US" altLang="zh-TW" sz="2400" dirty="0" smtClean="0"/>
-              <a:t>Decision</a:t>
-            </a:r>
-          </a:p>
-          <a:p>
-            <a:pPr marL="1085850" lvl="1" indent="-342900">
-              <a:buFont typeface="Wingdings" panose="05000000000000000000" pitchFamily="2" charset="2"/>
-              <a:buChar char="Ø"/>
-            </a:pPr>
-            <a:r>
-              <a:rPr lang="en-US" sz="2000" dirty="0"/>
-              <a:t>Review goal </a:t>
-            </a:r>
-            <a:r>
-              <a:rPr lang="en-US" sz="2000" dirty="0" smtClean="0"/>
-              <a:t>met</a:t>
-            </a:r>
-          </a:p>
-          <a:p>
-            <a:pPr marL="1085850" lvl="1" indent="-342900">
-              <a:buFont typeface="Wingdings" panose="05000000000000000000" pitchFamily="2" charset="2"/>
-              <a:buChar char="Ø"/>
-            </a:pPr>
-            <a:endParaRPr lang="en-US" sz="2000" dirty="0" smtClean="0"/>
-          </a:p>
-          <a:p>
-            <a:pPr marL="1085850" lvl="1" indent="-342900">
-              <a:buFont typeface="Wingdings" panose="05000000000000000000" pitchFamily="2" charset="2"/>
-              <a:buChar char="Ø"/>
-            </a:pPr>
-            <a:r>
-              <a:rPr lang="en-US" sz="2000" dirty="0"/>
-              <a:t>Review goal not met / Mitigation plan </a:t>
-            </a:r>
-            <a:r>
-              <a:rPr lang="en-US" sz="2000" dirty="0" smtClean="0"/>
-              <a:t>defined</a:t>
-            </a:r>
-          </a:p>
-          <a:p>
-            <a:pPr marL="1085850" lvl="1" indent="-342900">
-              <a:buFont typeface="Wingdings" panose="05000000000000000000" pitchFamily="2" charset="2"/>
-              <a:buChar char="Ø"/>
-            </a:pPr>
-            <a:endParaRPr lang="en-US" sz="2000" dirty="0" smtClean="0"/>
-          </a:p>
-          <a:p>
-            <a:pPr marL="1085850" lvl="1" indent="-342900">
-              <a:buFont typeface="Wingdings" panose="05000000000000000000" pitchFamily="2" charset="2"/>
-              <a:buChar char="Ø"/>
-            </a:pPr>
-            <a:r>
-              <a:rPr lang="en-US" sz="2000" dirty="0"/>
-              <a:t>Review goal not met / No mitigation plan</a:t>
-            </a:r>
-          </a:p>
-        </p:txBody>
-      </p:sp>
-      <p:sp>
-        <p:nvSpPr>
-          <p:cNvPr id="4" name="Title 3"/>
-          <p:cNvSpPr>
-            <a:spLocks noGrp="1"/>
-          </p:cNvSpPr>
-          <p:nvPr>
-            <p:ph type="title"/>
-          </p:nvPr>
-        </p:nvSpPr>
-        <p:spPr>
-          <a:xfrm>
-            <a:off x="228600" y="228600"/>
-            <a:ext cx="8819146" cy="553998"/>
-          </a:xfrm>
-        </p:spPr>
-        <p:txBody>
-          <a:bodyPr/>
-          <a:lstStyle/>
-          <a:p>
-            <a:r>
-              <a:rPr lang="en-US" altLang="zh-TW" dirty="0">
-                <a:solidFill>
-                  <a:schemeClr val="tx1"/>
-                </a:solidFill>
-              </a:rPr>
-              <a:t>ENG-116 </a:t>
-            </a:r>
-            <a:r>
-              <a:rPr lang="en-US" altLang="zh-TW" sz="2400" dirty="0">
-                <a:solidFill>
-                  <a:schemeClr val="tx1"/>
-                </a:solidFill>
-              </a:rPr>
-              <a:t>Consumer Engineering Design Review Procedure</a:t>
-            </a:r>
-            <a:endParaRPr lang="en-US" sz="2400" b="0" dirty="0">
-              <a:solidFill>
-                <a:schemeClr val="tx1"/>
-              </a:solidFill>
-              <a:latin typeface="+mj-lt"/>
-            </a:endParaRPr>
-          </a:p>
-        </p:txBody>
-      </p:sp>
-      <p:sp>
-        <p:nvSpPr>
-          <p:cNvPr id="2" name="Slide Number Placeholder 1"/>
-          <p:cNvSpPr>
-            <a:spLocks noGrp="1"/>
-          </p:cNvSpPr>
-          <p:nvPr>
-            <p:ph type="sldNum" sz="quarter" idx="10"/>
-          </p:nvPr>
-        </p:nvSpPr>
-        <p:spPr/>
-        <p:txBody>
-          <a:bodyPr/>
-          <a:lstStyle/>
-          <a:p>
-            <a:fld id="{F52E3F39-0206-E343-A815-B0E9B8087364}" type="slidenum">
-              <a:rPr lang="en-US" smtClean="0"/>
-              <a:pPr/>
-              <a:t>3</a:t>
-            </a:fld>
-            <a:endParaRPr lang="en-US" dirty="0"/>
-          </a:p>
-        </p:txBody>
-      </p:sp>
-      <p:pic>
-        <p:nvPicPr>
-          <p:cNvPr id="5" name="Picture 2"/>
-          <p:cNvPicPr>
-            <a:picLocks noChangeAspect="1" noChangeArrowheads="1"/>
-          </p:cNvPicPr>
-          <p:nvPr/>
-        </p:nvPicPr>
-        <p:blipFill>
-          <a:blip r:embed="rId2" cstate="print"/>
-          <a:srcRect/>
-          <a:stretch>
-            <a:fillRect/>
-          </a:stretch>
-        </p:blipFill>
-        <p:spPr bwMode="auto">
-          <a:xfrm>
-            <a:off x="4640829" y="2779222"/>
-            <a:ext cx="742950" cy="762000"/>
-          </a:xfrm>
-          <a:prstGeom prst="rect">
-            <a:avLst/>
-          </a:prstGeom>
-          <a:noFill/>
-          <a:ln w="9525">
-            <a:noFill/>
-            <a:miter lim="800000"/>
-            <a:headEnd/>
-            <a:tailEnd/>
-          </a:ln>
-        </p:spPr>
-      </p:pic>
-      <p:pic>
-        <p:nvPicPr>
-          <p:cNvPr id="6" name="Picture 3"/>
-          <p:cNvPicPr>
-            <a:picLocks noChangeAspect="1" noChangeArrowheads="1"/>
-          </p:cNvPicPr>
-          <p:nvPr/>
-        </p:nvPicPr>
-        <p:blipFill>
-          <a:blip r:embed="rId3" cstate="print"/>
-          <a:srcRect/>
-          <a:stretch>
-            <a:fillRect/>
-          </a:stretch>
-        </p:blipFill>
-        <p:spPr bwMode="auto">
-          <a:xfrm>
-            <a:off x="6781886" y="4305053"/>
-            <a:ext cx="1281231" cy="1188612"/>
-          </a:xfrm>
-          <a:prstGeom prst="rect">
-            <a:avLst/>
-          </a:prstGeom>
-          <a:noFill/>
-          <a:ln w="9525">
-            <a:noFill/>
-            <a:miter lim="800000"/>
-            <a:headEnd/>
-            <a:tailEnd/>
-          </a:ln>
-        </p:spPr>
-      </p:pic>
-      <p:pic>
-        <p:nvPicPr>
-          <p:cNvPr id="7" name="Picture 4"/>
-          <p:cNvPicPr>
-            <a:picLocks noChangeAspect="1" noChangeArrowheads="1"/>
-          </p:cNvPicPr>
-          <p:nvPr/>
-        </p:nvPicPr>
-        <p:blipFill>
-          <a:blip r:embed="rId4" cstate="print"/>
-          <a:srcRect/>
-          <a:stretch>
-            <a:fillRect/>
-          </a:stretch>
-        </p:blipFill>
-        <p:spPr bwMode="auto">
-          <a:xfrm>
-            <a:off x="4635916" y="1860729"/>
-            <a:ext cx="747863" cy="627844"/>
-          </a:xfrm>
-          <a:prstGeom prst="rect">
-            <a:avLst/>
-          </a:prstGeom>
-          <a:noFill/>
-          <a:ln w="9525">
-            <a:noFill/>
-            <a:miter lim="800000"/>
-            <a:headEnd/>
-            <a:tailEnd/>
-          </a:ln>
-        </p:spPr>
-      </p:pic>
-    </p:spTree>
-    <p:extLst>
-      <p:ext uri="{BB962C8B-B14F-4D97-AF65-F5344CB8AC3E}">
-        <p14:creationId xmlns:p14="http://schemas.microsoft.com/office/powerpoint/2010/main" xmlns="" val="4019875659"/>
-      </p:ext>
-    </p:extLst>
-  </p:cSld>
-  <p:clrMapOvr>
-    <a:masterClrMapping/>
-  </p:clrMapOvr>
-  <p:timing>
-    <p:tnLst>
-      <p:par>
-        <p:cTn id="1" dur="indefinite" restart="never" nodeType="tmRoot"/>
-      </p:par>
-    </p:tnLst>
-  </p:timing>
-</p:sld>
-</file>
-
-<file path=ppt/slides/slide4.xml><?xml version="1.0" encoding="utf-8"?>
 <p:sld xmlns:a="http://schemas.openxmlformats.org/drawingml/2006/main" xmlns:r="http://schemas.openxmlformats.org/officeDocument/2006/relationships" xmlns:p="http://schemas.openxmlformats.org/presentationml/2006/main">
   <p:cSld>
     <p:spTree>
@@ -7046,7 +6414,7 @@
     </p:spTree>
     <p:extLst>
       <p:ext uri="{BB962C8B-B14F-4D97-AF65-F5344CB8AC3E}">
-        <p14:creationId xmlns:p14="http://schemas.microsoft.com/office/powerpoint/2010/main" xmlns="" val="1692470345"/>
+        <p14:creationId xmlns:p14="http://schemas.microsoft.com/office/powerpoint/2010/main" val="1692470345"/>
       </p:ext>
     </p:extLst>
   </p:cSld>
@@ -8222,7 +7590,7 @@
 </p:sld>
 </file>
 
-<file path=ppt/slides/slide5.xml><?xml version="1.0" encoding="utf-8"?>
+<file path=ppt/slides/slide3.xml><?xml version="1.0" encoding="utf-8"?>
 <p:sld xmlns:a="http://schemas.openxmlformats.org/drawingml/2006/main" xmlns:r="http://schemas.openxmlformats.org/officeDocument/2006/relationships" xmlns:p="http://schemas.openxmlformats.org/presentationml/2006/main">
   <p:cSld>
     <p:spTree>
@@ -8507,7 +7875,7 @@
     </p:spTree>
     <p:extLst>
       <p:ext uri="{BB962C8B-B14F-4D97-AF65-F5344CB8AC3E}">
-        <p14:creationId xmlns:p14="http://schemas.microsoft.com/office/powerpoint/2010/main" xmlns="" val="1692470345"/>
+        <p14:creationId xmlns:p14="http://schemas.microsoft.com/office/powerpoint/2010/main" val="1692470345"/>
       </p:ext>
     </p:extLst>
   </p:cSld>
@@ -8524,7 +7892,7 @@
 </p:sld>
 </file>
 
-<file path=ppt/slides/slide6.xml><?xml version="1.0" encoding="utf-8"?>
+<file path=ppt/slides/slide4.xml><?xml version="1.0" encoding="utf-8"?>
 <p:sld xmlns:a="http://schemas.openxmlformats.org/drawingml/2006/main" xmlns:r="http://schemas.openxmlformats.org/officeDocument/2006/relationships" xmlns:p="http://schemas.openxmlformats.org/presentationml/2006/main">
   <p:cSld>
     <p:spTree>
@@ -8940,7 +8308,7 @@
           <p:nvPr>
             <p:extLst>
               <p:ext uri="{D42A27DB-BD31-4B8C-83A1-F6EECF244321}">
-                <p14:modId xmlns:p14="http://schemas.microsoft.com/office/powerpoint/2010/main" xmlns="" val="696194085"/>
+                <p14:modId xmlns:p14="http://schemas.microsoft.com/office/powerpoint/2010/main" val="696194085"/>
               </p:ext>
             </p:extLst>
           </p:nvPr>
@@ -8951,9 +8319,59 @@
         </p:xfrm>
         <a:graphic>
           <a:graphicData uri="http://schemas.openxmlformats.org/presentationml/2006/ole">
-            <p:oleObj spid="_x0000_s4113" name="方程式" r:id="rId3" imgW="1256755" imgH="203112" progId="Equation.3">
-              <p:embed/>
-            </p:oleObj>
+            <mc:AlternateContent xmlns:mc="http://schemas.openxmlformats.org/markup-compatibility/2006">
+              <mc:Choice xmlns:v="urn:schemas-microsoft-com:vml" Requires="v">
+                <p:oleObj spid="_x0000_s4135" name="方程式" r:id="rId3" imgW="1256755" imgH="203112" progId="Equation.3">
+                  <p:embed/>
+                </p:oleObj>
+              </mc:Choice>
+              <mc:Fallback>
+                <p:oleObj name="方程式" r:id="rId3" imgW="1256755" imgH="203112" progId="Equation.3">
+                  <p:embed/>
+                  <p:pic>
+                    <p:nvPicPr>
+                      <p:cNvPr id="0" name="Picture 17"/>
+                      <p:cNvPicPr>
+                        <a:picLocks noChangeAspect="1" noChangeArrowheads="1"/>
+                      </p:cNvPicPr>
+                      <p:nvPr/>
+                    </p:nvPicPr>
+                    <p:blipFill>
+                      <a:blip r:embed="rId4">
+                        <a:extLst>
+                          <a:ext uri="{28A0092B-C50C-407E-A947-70E740481C1C}">
+                            <a14:useLocalDpi xmlns:a14="http://schemas.microsoft.com/office/drawing/2010/main" val="0"/>
+                          </a:ext>
+                        </a:extLst>
+                      </a:blip>
+                      <a:srcRect/>
+                      <a:stretch>
+                        <a:fillRect/>
+                      </a:stretch>
+                    </p:blipFill>
+                    <p:spPr bwMode="auto">
+                      <a:xfrm>
+                        <a:off x="2530284" y="2515923"/>
+                        <a:ext cx="3379787" cy="568325"/>
+                      </a:xfrm>
+                      <a:prstGeom prst="rect">
+                        <a:avLst/>
+                      </a:prstGeom>
+                      <a:noFill/>
+                      <a:extLst>
+                        <a:ext uri="{909E8E84-426E-40DD-AFC4-6F175D3DCCD1}">
+                          <a14:hiddenFill xmlns:a14="http://schemas.microsoft.com/office/drawing/2010/main">
+                            <a:solidFill>
+                              <a:srgbClr val="FFFFFF"/>
+                            </a:solidFill>
+                          </a14:hiddenFill>
+                        </a:ext>
+                      </a:extLst>
+                    </p:spPr>
+                  </p:pic>
+                </p:oleObj>
+              </mc:Fallback>
+            </mc:AlternateContent>
           </a:graphicData>
         </a:graphic>
       </p:graphicFrame>
@@ -8966,7 +8384,7 @@
           <p:nvPr/>
         </p:nvPicPr>
         <p:blipFill>
-          <a:blip r:embed="rId4"/>
+          <a:blip r:embed="rId5"/>
           <a:srcRect/>
           <a:stretch>
             <a:fillRect/>
@@ -9023,7 +8441,7 @@
           <p:nvPr/>
         </p:nvPicPr>
         <p:blipFill>
-          <a:blip r:embed="rId5"/>
+          <a:blip r:embed="rId6"/>
           <a:srcRect/>
           <a:stretch>
             <a:fillRect/>
@@ -9055,7 +8473,7 @@
           <p:nvPr/>
         </p:nvPicPr>
         <p:blipFill>
-          <a:blip r:embed="rId6"/>
+          <a:blip r:embed="rId7"/>
           <a:srcRect/>
           <a:stretch>
             <a:fillRect/>
@@ -9141,7 +8559,7 @@
     </p:spTree>
     <p:extLst>
       <p:ext uri="{BB962C8B-B14F-4D97-AF65-F5344CB8AC3E}">
-        <p14:creationId xmlns:p14="http://schemas.microsoft.com/office/powerpoint/2010/main" xmlns="" val="3040030372"/>
+        <p14:creationId xmlns:p14="http://schemas.microsoft.com/office/powerpoint/2010/main" val="3040030372"/>
       </p:ext>
     </p:extLst>
   </p:cSld>
@@ -9158,7 +8576,7 @@
 </p:sld>
 </file>
 
-<file path=ppt/slides/slide7.xml><?xml version="1.0" encoding="utf-8"?>
+<file path=ppt/slides/slide5.xml><?xml version="1.0" encoding="utf-8"?>
 <p:sld xmlns:a="http://schemas.openxmlformats.org/drawingml/2006/main" xmlns:r="http://schemas.openxmlformats.org/officeDocument/2006/relationships" xmlns:p="http://schemas.openxmlformats.org/presentationml/2006/main">
   <p:cSld>
     <p:spTree>
@@ -9203,7 +8621,13 @@
               <a:rPr lang="en-US" altLang="zh-TW" sz="2400" dirty="0" smtClean="0">
                 <a:latin typeface="Arial"/>
               </a:rPr>
-              <a:t>Error rate is better than random guessing</a:t>
+              <a:t>Performance is slightly better </a:t>
+            </a:r>
+            <a:r>
+              <a:rPr lang="en-US" altLang="zh-TW" sz="2400" dirty="0" smtClean="0">
+                <a:latin typeface="Arial"/>
+              </a:rPr>
+              <a:t>than random guessing</a:t>
             </a:r>
           </a:p>
         </p:txBody>
@@ -9287,8 +8711,8 @@
         </p:nvCxnSpPr>
         <p:spPr>
           <a:xfrm flipV="1">
-            <a:off x="2353176" y="3312686"/>
-            <a:ext cx="0" cy="287867"/>
+            <a:off x="2327866" y="3345678"/>
+            <a:ext cx="0" cy="512671"/>
           </a:xfrm>
           <a:prstGeom prst="line">
             <a:avLst/>
@@ -9319,8 +8743,8 @@
         </p:nvCxnSpPr>
         <p:spPr>
           <a:xfrm flipV="1">
-            <a:off x="8254449" y="3304218"/>
-            <a:ext cx="0" cy="287867"/>
+            <a:off x="8254449" y="3304219"/>
+            <a:ext cx="0" cy="490114"/>
           </a:xfrm>
           <a:prstGeom prst="line">
             <a:avLst/>
@@ -9350,9 +8774,9 @@
           <p:nvPr/>
         </p:nvCxnSpPr>
         <p:spPr>
-          <a:xfrm flipV="1">
-            <a:off x="5223381" y="3295751"/>
-            <a:ext cx="0" cy="287867"/>
+          <a:xfrm flipH="1" flipV="1">
+            <a:off x="5223381" y="3295752"/>
+            <a:ext cx="11510" cy="498581"/>
           </a:xfrm>
           <a:prstGeom prst="line">
             <a:avLst/>
@@ -9383,7 +8807,7 @@
         </p:nvSpPr>
         <p:spPr>
           <a:xfrm>
-            <a:off x="2196723" y="3610625"/>
+            <a:off x="2154157" y="4114828"/>
             <a:ext cx="312906" cy="369332"/>
           </a:xfrm>
           <a:prstGeom prst="rect">
@@ -9413,7 +8837,7 @@
         </p:nvSpPr>
         <p:spPr>
           <a:xfrm>
-            <a:off x="8072595" y="3610625"/>
+            <a:off x="8072595" y="4114800"/>
             <a:ext cx="312906" cy="369332"/>
           </a:xfrm>
           <a:prstGeom prst="rect">
@@ -9443,7 +8867,7 @@
         </p:nvSpPr>
         <p:spPr>
           <a:xfrm>
-            <a:off x="4982258" y="3610625"/>
+            <a:off x="4982258" y="4114800"/>
             <a:ext cx="505267" cy="369332"/>
           </a:xfrm>
           <a:prstGeom prst="rect">
@@ -9503,8 +8927,8 @@
         </p:nvSpPr>
         <p:spPr>
           <a:xfrm rot="5400000">
-            <a:off x="4450508" y="2432967"/>
-            <a:ext cx="435023" cy="1110717"/>
+            <a:off x="4527588" y="2533336"/>
+            <a:ext cx="466737" cy="924847"/>
           </a:xfrm>
           <a:prstGeom prst="leftBrace">
             <a:avLst>
@@ -9735,7 +9159,7 @@
         </p:nvSpPr>
         <p:spPr>
           <a:xfrm rot="16200000">
-            <a:off x="6415569" y="2817786"/>
+            <a:off x="6415569" y="3373264"/>
             <a:ext cx="621292" cy="3005667"/>
           </a:xfrm>
           <a:prstGeom prst="leftBrace">
@@ -9777,7 +9201,7 @@
         </p:nvSpPr>
         <p:spPr>
           <a:xfrm>
-            <a:off x="6502400" y="4817533"/>
+            <a:off x="6468216" y="5253370"/>
             <a:ext cx="312906" cy="369332"/>
           </a:xfrm>
           <a:prstGeom prst="rect">
@@ -9802,7 +9226,7 @@
     </p:spTree>
     <p:extLst>
       <p:ext uri="{BB962C8B-B14F-4D97-AF65-F5344CB8AC3E}">
-        <p14:creationId xmlns:p14="http://schemas.microsoft.com/office/powerpoint/2010/main" xmlns="" val="3040030372"/>
+        <p14:creationId xmlns:p14="http://schemas.microsoft.com/office/powerpoint/2010/main" val="3040030372"/>
       </p:ext>
     </p:extLst>
   </p:cSld>
@@ -10066,7 +9490,441 @@
 </p:sld>
 </file>
 
-<file path=ppt/slides/slide8.xml><?xml version="1.0" encoding="utf-8"?>
+<file path=ppt/slides/slide6.xml><?xml version="1.0" encoding="utf-8"?>
+<p:sld xmlns:a="http://schemas.openxmlformats.org/drawingml/2006/main" xmlns:r="http://schemas.openxmlformats.org/officeDocument/2006/relationships" xmlns:p="http://schemas.openxmlformats.org/presentationml/2006/main">
+  <p:cSld>
+    <p:spTree>
+      <p:nvGrpSpPr>
+        <p:cNvPr id="1" name=""/>
+        <p:cNvGrpSpPr/>
+        <p:nvPr/>
+      </p:nvGrpSpPr>
+      <p:grpSpPr>
+        <a:xfrm>
+          <a:off x="0" y="0"/>
+          <a:ext cx="0" cy="0"/>
+          <a:chOff x="0" y="0"/>
+          <a:chExt cx="0" cy="0"/>
+        </a:xfrm>
+      </p:grpSpPr>
+      <p:sp>
+        <p:nvSpPr>
+          <p:cNvPr id="3" name="Content Placeholder 2"/>
+          <p:cNvSpPr>
+            <a:spLocks noGrp="1"/>
+          </p:cNvSpPr>
+          <p:nvPr>
+            <p:ph idx="1"/>
+          </p:nvPr>
+        </p:nvSpPr>
+        <p:spPr>
+          <a:xfrm>
+            <a:off x="228600" y="986319"/>
+            <a:ext cx="8689622" cy="3914918"/>
+          </a:xfrm>
+        </p:spPr>
+        <p:txBody>
+          <a:bodyPr/>
+          <a:lstStyle/>
+          <a:p>
+            <a:pPr marL="1200150" lvl="1" indent="-457200">
+              <a:buFont typeface="Wingdings" pitchFamily="2" charset="2"/>
+              <a:buChar char="l"/>
+            </a:pPr>
+            <a:r>
+              <a:rPr lang="en-US" altLang="zh-TW" sz="2400" dirty="0" smtClean="0">
+                <a:latin typeface="Arial"/>
+              </a:rPr>
+              <a:t>Find the weak classifier with minimum </a:t>
+            </a:r>
+            <a:r>
+              <a:rPr lang="en-US" altLang="zh-TW" sz="2400" dirty="0" smtClean="0">
+                <a:latin typeface="Arial"/>
+              </a:rPr>
+              <a:t>error</a:t>
+            </a:r>
+          </a:p>
+          <a:p>
+            <a:pPr marL="1200150" lvl="1" indent="-457200">
+              <a:buFont typeface="Wingdings" pitchFamily="2" charset="2"/>
+              <a:buChar char="l"/>
+            </a:pPr>
+            <a:endParaRPr lang="en-US" altLang="zh-TW" sz="2400" dirty="0">
+              <a:latin typeface="Arial"/>
+            </a:endParaRPr>
+          </a:p>
+          <a:p>
+            <a:pPr marL="1200150" lvl="1" indent="-457200">
+              <a:buFont typeface="Wingdings" pitchFamily="2" charset="2"/>
+              <a:buChar char="l"/>
+            </a:pPr>
+            <a:endParaRPr lang="en-US" altLang="zh-TW" sz="2400" dirty="0" smtClean="0">
+              <a:latin typeface="Arial"/>
+            </a:endParaRPr>
+          </a:p>
+          <a:p>
+            <a:pPr marL="1200150" lvl="1" indent="-457200">
+              <a:buFont typeface="Wingdings" pitchFamily="2" charset="2"/>
+              <a:buChar char="l"/>
+            </a:pPr>
+            <a:endParaRPr lang="en-US" altLang="zh-TW" sz="2400" dirty="0">
+              <a:latin typeface="Arial"/>
+            </a:endParaRPr>
+          </a:p>
+          <a:p>
+            <a:pPr marL="1200150" lvl="1" indent="-457200">
+              <a:buFont typeface="Wingdings" pitchFamily="2" charset="2"/>
+              <a:buChar char="l"/>
+            </a:pPr>
+            <a:endParaRPr lang="en-US" altLang="zh-TW" sz="2400" dirty="0" smtClean="0">
+              <a:latin typeface="Arial"/>
+            </a:endParaRPr>
+          </a:p>
+          <a:p>
+            <a:pPr marL="1200150" lvl="1" indent="-457200">
+              <a:buFont typeface="Wingdings" pitchFamily="2" charset="2"/>
+              <a:buChar char="l"/>
+            </a:pPr>
+            <a:endParaRPr lang="en-US" altLang="zh-TW" sz="2400" dirty="0">
+              <a:latin typeface="Arial"/>
+            </a:endParaRPr>
+          </a:p>
+          <a:p>
+            <a:pPr marL="1200150" lvl="1" indent="-457200">
+              <a:buFont typeface="Wingdings" pitchFamily="2" charset="2"/>
+              <a:buChar char="l"/>
+            </a:pPr>
+            <a:endParaRPr lang="en-US" altLang="zh-TW" sz="2400" dirty="0" smtClean="0">
+              <a:latin typeface="Arial"/>
+            </a:endParaRPr>
+          </a:p>
+          <a:p>
+            <a:pPr marL="1200150" lvl="1" indent="-457200">
+              <a:buFont typeface="Wingdings" pitchFamily="2" charset="2"/>
+              <a:buChar char="l"/>
+            </a:pPr>
+            <a:r>
+              <a:rPr lang="en-US" altLang="zh-TW" sz="2400" dirty="0" smtClean="0">
+                <a:latin typeface="Arial"/>
+              </a:rPr>
+              <a:t>A based learner in </a:t>
+            </a:r>
+            <a:r>
+              <a:rPr lang="en-US" altLang="zh-TW" sz="2400" dirty="0" err="1" smtClean="0">
+                <a:latin typeface="Arial"/>
+              </a:rPr>
+              <a:t>adaboost</a:t>
+            </a:r>
+            <a:endParaRPr lang="en-US" altLang="zh-TW" sz="2400" dirty="0" smtClean="0">
+              <a:latin typeface="Arial"/>
+            </a:endParaRPr>
+          </a:p>
+          <a:p>
+            <a:pPr marL="1200150" lvl="1" indent="-457200">
+              <a:buFont typeface="Wingdings" pitchFamily="2" charset="2"/>
+              <a:buChar char="l"/>
+            </a:pPr>
+            <a:r>
+              <a:rPr lang="en-US" altLang="zh-TW" sz="2400" dirty="0">
+                <a:latin typeface="Arial"/>
+              </a:rPr>
+              <a:t>D</a:t>
+            </a:r>
+            <a:r>
+              <a:rPr lang="en-US" altLang="zh-TW" sz="2400" dirty="0" smtClean="0">
+                <a:latin typeface="Arial"/>
+              </a:rPr>
+              <a:t>ecision stump is a weak classifier example</a:t>
+            </a:r>
+            <a:endParaRPr lang="en-US" altLang="zh-TW" sz="2400" dirty="0" smtClean="0">
+              <a:latin typeface="Arial"/>
+            </a:endParaRPr>
+          </a:p>
+        </p:txBody>
+      </p:sp>
+      <p:sp>
+        <p:nvSpPr>
+          <p:cNvPr id="4" name="Title 3"/>
+          <p:cNvSpPr>
+            <a:spLocks noGrp="1"/>
+          </p:cNvSpPr>
+          <p:nvPr>
+            <p:ph type="title"/>
+          </p:nvPr>
+        </p:nvSpPr>
+        <p:spPr>
+          <a:xfrm>
+            <a:off x="228600" y="228600"/>
+            <a:ext cx="4137928" cy="492443"/>
+          </a:xfrm>
+        </p:spPr>
+        <p:txBody>
+          <a:bodyPr/>
+          <a:lstStyle/>
+          <a:p>
+            <a:pPr marL="342900" indent="-342900"/>
+            <a:r>
+              <a:rPr lang="en-US" altLang="zh-TW" sz="3200" dirty="0" smtClean="0">
+                <a:solidFill>
+                  <a:schemeClr val="tx1"/>
+                </a:solidFill>
+                <a:latin typeface="+mj-lt"/>
+              </a:rPr>
+              <a:t>Weak classifier learner</a:t>
+            </a:r>
+            <a:endParaRPr lang="en-US" altLang="zh-TW" sz="3200" dirty="0">
+              <a:solidFill>
+                <a:schemeClr val="tx1"/>
+              </a:solidFill>
+              <a:latin typeface="+mj-lt"/>
+            </a:endParaRPr>
+          </a:p>
+        </p:txBody>
+      </p:sp>
+      <p:sp>
+        <p:nvSpPr>
+          <p:cNvPr id="21" name="圓角矩形 20"/>
+          <p:cNvSpPr/>
+          <p:nvPr/>
+        </p:nvSpPr>
+        <p:spPr>
+          <a:xfrm>
+            <a:off x="569227" y="2099733"/>
+            <a:ext cx="1674439" cy="1159934"/>
+          </a:xfrm>
+          <a:prstGeom prst="roundRect">
+            <a:avLst/>
+          </a:prstGeom>
+          <a:noFill/>
+          <a:ln w="12700" cmpd="sng"/>
+          <a:effectLst/>
+        </p:spPr>
+        <p:style>
+          <a:lnRef idx="1">
+            <a:schemeClr val="accent1"/>
+          </a:lnRef>
+          <a:fillRef idx="3">
+            <a:schemeClr val="accent1"/>
+          </a:fillRef>
+          <a:effectRef idx="2">
+            <a:schemeClr val="accent1"/>
+          </a:effectRef>
+          <a:fontRef idx="minor">
+            <a:schemeClr val="lt1"/>
+          </a:fontRef>
+        </p:style>
+        <p:txBody>
+          <a:bodyPr rtlCol="0" anchor="ctr"/>
+          <a:lstStyle/>
+          <a:p>
+            <a:pPr algn="ctr"/>
+            <a:r>
+              <a:rPr lang="en-US" altLang="zh-TW" dirty="0" smtClean="0">
+                <a:solidFill>
+                  <a:schemeClr val="tx1"/>
+                </a:solidFill>
+              </a:rPr>
+              <a:t>Data</a:t>
+            </a:r>
+            <a:endParaRPr lang="zh-TW" altLang="en-US" dirty="0">
+              <a:solidFill>
+                <a:schemeClr val="tx1"/>
+              </a:solidFill>
+            </a:endParaRPr>
+          </a:p>
+        </p:txBody>
+      </p:sp>
+      <p:sp>
+        <p:nvSpPr>
+          <p:cNvPr id="22" name="矩形 21"/>
+          <p:cNvSpPr/>
+          <p:nvPr/>
+        </p:nvSpPr>
+        <p:spPr>
+          <a:xfrm>
+            <a:off x="3316661" y="2235205"/>
+            <a:ext cx="2099734" cy="931332"/>
+          </a:xfrm>
+          <a:prstGeom prst="rect">
+            <a:avLst/>
+          </a:prstGeom>
+          <a:noFill/>
+          <a:ln w="12700"/>
+          <a:effectLst/>
+        </p:spPr>
+        <p:style>
+          <a:lnRef idx="1">
+            <a:schemeClr val="accent1"/>
+          </a:lnRef>
+          <a:fillRef idx="3">
+            <a:schemeClr val="accent1"/>
+          </a:fillRef>
+          <a:effectRef idx="2">
+            <a:schemeClr val="accent1"/>
+          </a:effectRef>
+          <a:fontRef idx="minor">
+            <a:schemeClr val="lt1"/>
+          </a:fontRef>
+        </p:style>
+        <p:txBody>
+          <a:bodyPr rtlCol="0" anchor="ctr"/>
+          <a:lstStyle/>
+          <a:p>
+            <a:pPr algn="ctr"/>
+            <a:r>
+              <a:rPr lang="en-US" altLang="zh-TW" dirty="0" smtClean="0">
+                <a:solidFill>
+                  <a:schemeClr val="tx1"/>
+                </a:solidFill>
+              </a:rPr>
+              <a:t>Weak classifier learner</a:t>
+            </a:r>
+            <a:endParaRPr lang="zh-TW" altLang="en-US" dirty="0">
+              <a:solidFill>
+                <a:schemeClr val="tx1"/>
+              </a:solidFill>
+            </a:endParaRPr>
+          </a:p>
+        </p:txBody>
+      </p:sp>
+      <p:sp>
+        <p:nvSpPr>
+          <p:cNvPr id="23" name="向右箭號 22"/>
+          <p:cNvSpPr/>
+          <p:nvPr/>
+        </p:nvSpPr>
+        <p:spPr>
+          <a:xfrm>
+            <a:off x="2429938" y="2599267"/>
+            <a:ext cx="491067" cy="262466"/>
+          </a:xfrm>
+          <a:prstGeom prst="rightArrow">
+            <a:avLst/>
+          </a:prstGeom>
+          <a:solidFill>
+            <a:srgbClr val="002060"/>
+          </a:solidFill>
+          <a:effectLst/>
+        </p:spPr>
+        <p:style>
+          <a:lnRef idx="1">
+            <a:schemeClr val="accent1"/>
+          </a:lnRef>
+          <a:fillRef idx="3">
+            <a:schemeClr val="accent1"/>
+          </a:fillRef>
+          <a:effectRef idx="2">
+            <a:schemeClr val="accent1"/>
+          </a:effectRef>
+          <a:fontRef idx="minor">
+            <a:schemeClr val="lt1"/>
+          </a:fontRef>
+        </p:style>
+        <p:txBody>
+          <a:bodyPr rtlCol="0" anchor="ctr"/>
+          <a:lstStyle/>
+          <a:p>
+            <a:pPr algn="ctr"/>
+            <a:endParaRPr lang="zh-TW" altLang="en-US"/>
+          </a:p>
+        </p:txBody>
+      </p:sp>
+      <p:sp>
+        <p:nvSpPr>
+          <p:cNvPr id="24" name="向右箭號 23"/>
+          <p:cNvSpPr/>
+          <p:nvPr/>
+        </p:nvSpPr>
+        <p:spPr>
+          <a:xfrm>
+            <a:off x="5638805" y="2599267"/>
+            <a:ext cx="491067" cy="262466"/>
+          </a:xfrm>
+          <a:prstGeom prst="rightArrow">
+            <a:avLst/>
+          </a:prstGeom>
+          <a:solidFill>
+            <a:srgbClr val="002060"/>
+          </a:solidFill>
+          <a:effectLst/>
+        </p:spPr>
+        <p:style>
+          <a:lnRef idx="1">
+            <a:schemeClr val="accent1"/>
+          </a:lnRef>
+          <a:fillRef idx="3">
+            <a:schemeClr val="accent1"/>
+          </a:fillRef>
+          <a:effectRef idx="2">
+            <a:schemeClr val="accent1"/>
+          </a:effectRef>
+          <a:fontRef idx="minor">
+            <a:schemeClr val="lt1"/>
+          </a:fontRef>
+        </p:style>
+        <p:txBody>
+          <a:bodyPr rtlCol="0" anchor="ctr"/>
+          <a:lstStyle/>
+          <a:p>
+            <a:pPr algn="ctr"/>
+            <a:endParaRPr lang="zh-TW" altLang="en-US"/>
+          </a:p>
+        </p:txBody>
+      </p:sp>
+      <p:sp>
+        <p:nvSpPr>
+          <p:cNvPr id="25" name="矩形 24"/>
+          <p:cNvSpPr/>
+          <p:nvPr/>
+        </p:nvSpPr>
+        <p:spPr>
+          <a:xfrm>
+            <a:off x="6332370" y="2599267"/>
+            <a:ext cx="2257990" cy="369332"/>
+          </a:xfrm>
+          <a:prstGeom prst="rect">
+            <a:avLst/>
+          </a:prstGeom>
+        </p:spPr>
+        <p:txBody>
+          <a:bodyPr wrap="none">
+            <a:spAutoFit/>
+          </a:bodyPr>
+          <a:lstStyle/>
+          <a:p>
+            <a:r>
+              <a:rPr lang="en-US" altLang="zh-TW" dirty="0" smtClean="0"/>
+              <a:t>Weak </a:t>
+            </a:r>
+            <a:r>
+              <a:rPr lang="en-US" altLang="zh-TW" dirty="0" smtClean="0"/>
+              <a:t>classifier g(x) </a:t>
+            </a:r>
+            <a:endParaRPr lang="zh-TW" altLang="en-US" dirty="0"/>
+          </a:p>
+        </p:txBody>
+      </p:sp>
+    </p:spTree>
+    <p:extLst>
+      <p:ext uri="{BB962C8B-B14F-4D97-AF65-F5344CB8AC3E}">
+        <p14:creationId xmlns:p14="http://schemas.microsoft.com/office/powerpoint/2010/main" val="3040030372"/>
+      </p:ext>
+    </p:extLst>
+  </p:cSld>
+  <p:clrMapOvr>
+    <a:masterClrMapping/>
+  </p:clrMapOvr>
+  <p:timing>
+    <p:tnLst>
+      <p:par>
+        <p:cTn id="1" dur="indefinite" restart="never" nodeType="tmRoot"/>
+      </p:par>
+    </p:tnLst>
+  </p:timing>
+</p:sld>
+</file>
+
+<file path=ppt/slides/slide7.xml><?xml version="1.0" encoding="utf-8"?>
 <p:sld xmlns:a="http://schemas.openxmlformats.org/drawingml/2006/main" xmlns:r="http://schemas.openxmlformats.org/officeDocument/2006/relationships" xmlns:p="http://schemas.openxmlformats.org/presentationml/2006/main">
   <p:cSld>
     <p:spTree>
@@ -10096,7 +9954,7 @@
         <p:spPr>
           <a:xfrm>
             <a:off x="228600" y="228600"/>
-            <a:ext cx="4412042" cy="492443"/>
+            <a:ext cx="2802049" cy="492443"/>
           </a:xfrm>
         </p:spPr>
         <p:txBody>
@@ -10111,7 +9969,7 @@
                 </a:solidFill>
                 <a:latin typeface="+mj-lt"/>
               </a:rPr>
-              <a:t>Weak classifier example</a:t>
+              <a:t>Decision stump</a:t>
             </a:r>
             <a:endParaRPr lang="en-US" altLang="zh-TW" sz="3200" dirty="0">
               <a:solidFill>
@@ -10134,7 +9992,7 @@
           <a:blip r:embed="rId2">
             <a:extLst>
               <a:ext uri="{28A0092B-C50C-407E-A947-70E740481C1C}">
-                <a14:useLocalDpi xmlns:a14="http://schemas.microsoft.com/office/drawing/2010/main" xmlns="" val="0"/>
+                <a14:useLocalDpi xmlns:a14="http://schemas.microsoft.com/office/drawing/2010/main" val="0"/>
               </a:ext>
             </a:extLst>
           </a:blip>
@@ -10230,139 +10088,13 @@
       </p:sp>
       <p:cxnSp>
         <p:nvCxnSpPr>
-          <p:cNvPr id="9" name="直線接點 8"/>
-          <p:cNvCxnSpPr/>
-          <p:nvPr/>
-        </p:nvCxnSpPr>
-        <p:spPr>
-          <a:xfrm flipV="1">
-            <a:off x="914400" y="5084746"/>
-            <a:ext cx="7436842" cy="2"/>
-          </a:xfrm>
-          <a:prstGeom prst="line">
-            <a:avLst/>
-          </a:prstGeom>
-          <a:ln w="38100">
-            <a:solidFill>
-              <a:schemeClr val="tx1"/>
-            </a:solidFill>
-          </a:ln>
-          <a:effectLst/>
-        </p:spPr>
-        <p:style>
-          <a:lnRef idx="2">
-            <a:schemeClr val="accent1"/>
-          </a:lnRef>
-          <a:fillRef idx="0">
-            <a:schemeClr val="accent1"/>
-          </a:fillRef>
-          <a:effectRef idx="1">
-            <a:schemeClr val="accent1"/>
-          </a:effectRef>
-          <a:fontRef idx="minor">
-            <a:schemeClr val="tx1"/>
-          </a:fontRef>
-        </p:style>
-      </p:cxnSp>
-      <p:sp>
-        <p:nvSpPr>
-          <p:cNvPr id="18" name="矩形 17"/>
-          <p:cNvSpPr/>
-          <p:nvPr/>
-        </p:nvSpPr>
-        <p:spPr>
-          <a:xfrm>
-            <a:off x="5758441" y="3079167"/>
-            <a:ext cx="410198" cy="410198"/>
-          </a:xfrm>
-          <a:prstGeom prst="rect">
-            <a:avLst/>
-          </a:prstGeom>
-          <a:noFill/>
-          <a:ln w="31750">
-            <a:solidFill>
-              <a:schemeClr val="tx1"/>
-            </a:solidFill>
-          </a:ln>
-          <a:effectLst/>
-        </p:spPr>
-        <p:style>
-          <a:lnRef idx="1">
-            <a:schemeClr val="accent1"/>
-          </a:lnRef>
-          <a:fillRef idx="3">
-            <a:schemeClr val="accent1"/>
-          </a:fillRef>
-          <a:effectRef idx="2">
-            <a:schemeClr val="accent1"/>
-          </a:effectRef>
-          <a:fontRef idx="minor">
-            <a:schemeClr val="lt1"/>
-          </a:fontRef>
-        </p:style>
-        <p:txBody>
-          <a:bodyPr rtlCol="0" anchor="ctr"/>
-          <a:lstStyle/>
-          <a:p>
-            <a:pPr algn="ctr"/>
-            <a:endParaRPr lang="zh-TW" altLang="en-US" dirty="0"/>
-          </a:p>
-        </p:txBody>
-      </p:sp>
-      <p:sp>
-        <p:nvSpPr>
-          <p:cNvPr id="19" name="矩形 18"/>
-          <p:cNvSpPr/>
-          <p:nvPr/>
-        </p:nvSpPr>
-        <p:spPr>
-          <a:xfrm>
-            <a:off x="7637092" y="1060935"/>
-            <a:ext cx="410198" cy="410198"/>
-          </a:xfrm>
-          <a:prstGeom prst="rect">
-            <a:avLst/>
-          </a:prstGeom>
-          <a:noFill/>
-          <a:ln w="31750">
-            <a:solidFill>
-              <a:schemeClr val="tx1"/>
-            </a:solidFill>
-          </a:ln>
-          <a:effectLst/>
-        </p:spPr>
-        <p:style>
-          <a:lnRef idx="1">
-            <a:schemeClr val="accent1"/>
-          </a:lnRef>
-          <a:fillRef idx="3">
-            <a:schemeClr val="accent1"/>
-          </a:fillRef>
-          <a:effectRef idx="2">
-            <a:schemeClr val="accent1"/>
-          </a:effectRef>
-          <a:fontRef idx="minor">
-            <a:schemeClr val="lt1"/>
-          </a:fontRef>
-        </p:style>
-        <p:txBody>
-          <a:bodyPr rtlCol="0" anchor="ctr"/>
-          <a:lstStyle/>
-          <a:p>
-            <a:pPr algn="ctr"/>
-            <a:endParaRPr lang="zh-TW" altLang="en-US"/>
-          </a:p>
-        </p:txBody>
-      </p:sp>
-      <p:cxnSp>
-        <p:nvCxnSpPr>
           <p:cNvPr id="11" name="直線單箭頭接點 10"/>
           <p:cNvCxnSpPr/>
           <p:nvPr/>
         </p:nvCxnSpPr>
         <p:spPr>
           <a:xfrm>
-            <a:off x="5085245" y="3922643"/>
+            <a:off x="5093795" y="3922643"/>
             <a:ext cx="805716" cy="0"/>
           </a:xfrm>
           <a:prstGeom prst="straightConnector1">
@@ -10399,7 +10131,7 @@
         </p:nvSpPr>
         <p:spPr>
           <a:xfrm>
-            <a:off x="5864457" y="3564836"/>
+            <a:off x="5864457" y="3600000"/>
             <a:ext cx="769763" cy="707886"/>
           </a:xfrm>
           <a:prstGeom prst="rect">
@@ -10429,8 +10161,8 @@
         </p:nvCxnSpPr>
         <p:spPr>
           <a:xfrm flipH="1">
-            <a:off x="3882885" y="3922643"/>
-            <a:ext cx="781877" cy="0"/>
+            <a:off x="3882886" y="3922643"/>
+            <a:ext cx="842938" cy="0"/>
           </a:xfrm>
           <a:prstGeom prst="straightConnector1">
             <a:avLst/>
@@ -10466,8 +10198,8 @@
         </p:nvSpPr>
         <p:spPr>
           <a:xfrm>
-            <a:off x="2987248" y="3578088"/>
-            <a:ext cx="769763" cy="707886"/>
+            <a:off x="2987248" y="3600000"/>
+            <a:ext cx="641522" cy="707886"/>
           </a:xfrm>
           <a:prstGeom prst="rect">
             <a:avLst/>
@@ -10481,8 +10213,12 @@
           <a:lstStyle/>
           <a:p>
             <a:r>
+              <a:rPr lang="en-US" altLang="zh-TW" sz="4000" dirty="0"/>
+              <a:t>-</a:t>
+            </a:r>
+            <a:r>
               <a:rPr lang="en-US" altLang="zh-TW" sz="4000" dirty="0" smtClean="0"/>
-              <a:t>+1</a:t>
+              <a:t>1</a:t>
             </a:r>
             <a:endParaRPr lang="zh-TW" altLang="en-US" sz="4000" dirty="0"/>
           </a:p>
@@ -10491,7 +10227,7 @@
     </p:spTree>
     <p:extLst>
       <p:ext uri="{BB962C8B-B14F-4D97-AF65-F5344CB8AC3E}">
-        <p14:creationId xmlns:p14="http://schemas.microsoft.com/office/powerpoint/2010/main" xmlns="" val="3040030372"/>
+        <p14:creationId xmlns:p14="http://schemas.microsoft.com/office/powerpoint/2010/main" val="3040030372"/>
       </p:ext>
     </p:extLst>
   </p:cSld>
@@ -10830,267 +10566,6 @@
                       </p:childTnLst>
                     </p:cTn>
                   </p:par>
-                  <p:par>
-                    <p:cTn id="29" fill="hold">
-                      <p:stCondLst>
-                        <p:cond delay="indefinite"/>
-                      </p:stCondLst>
-                      <p:childTnLst>
-                        <p:par>
-                          <p:cTn id="30" fill="hold">
-                            <p:stCondLst>
-                              <p:cond delay="0"/>
-                            </p:stCondLst>
-                            <p:childTnLst>
-                              <p:par>
-                                <p:cTn id="31" presetID="1" presetClass="exit" presetSubtype="0" fill="hold" nodeType="clickEffect">
-                                  <p:stCondLst>
-                                    <p:cond delay="0"/>
-                                  </p:stCondLst>
-                                  <p:childTnLst>
-                                    <p:set>
-                                      <p:cBhvr>
-                                        <p:cTn id="32" dur="1" fill="hold">
-                                          <p:stCondLst>
-                                            <p:cond delay="0"/>
-                                          </p:stCondLst>
-                                        </p:cTn>
-                                        <p:tgtEl>
-                                          <p:spTgt spid="5"/>
-                                        </p:tgtEl>
-                                        <p:attrNameLst>
-                                          <p:attrName>style.visibility</p:attrName>
-                                        </p:attrNameLst>
-                                      </p:cBhvr>
-                                      <p:to>
-                                        <p:strVal val="hidden"/>
-                                      </p:to>
-                                    </p:set>
-                                  </p:childTnLst>
-                                </p:cTn>
-                              </p:par>
-                              <p:par>
-                                <p:cTn id="33" presetID="1" presetClass="exit" presetSubtype="0" fill="hold" grpId="1" nodeType="withEffect">
-                                  <p:stCondLst>
-                                    <p:cond delay="0"/>
-                                  </p:stCondLst>
-                                  <p:childTnLst>
-                                    <p:set>
-                                      <p:cBhvr>
-                                        <p:cTn id="34" dur="1" fill="hold">
-                                          <p:stCondLst>
-                                            <p:cond delay="0"/>
-                                          </p:stCondLst>
-                                        </p:cTn>
-                                        <p:tgtEl>
-                                          <p:spTgt spid="7"/>
-                                        </p:tgtEl>
-                                        <p:attrNameLst>
-                                          <p:attrName>style.visibility</p:attrName>
-                                        </p:attrNameLst>
-                                      </p:cBhvr>
-                                      <p:to>
-                                        <p:strVal val="hidden"/>
-                                      </p:to>
-                                    </p:set>
-                                  </p:childTnLst>
-                                </p:cTn>
-                              </p:par>
-                              <p:par>
-                                <p:cTn id="35" presetID="1" presetClass="entr" presetSubtype="0" fill="hold" grpId="0" nodeType="withEffect">
-                                  <p:stCondLst>
-                                    <p:cond delay="0"/>
-                                  </p:stCondLst>
-                                  <p:childTnLst>
-                                    <p:set>
-                                      <p:cBhvr>
-                                        <p:cTn id="36" dur="1" fill="hold">
-                                          <p:stCondLst>
-                                            <p:cond delay="0"/>
-                                          </p:stCondLst>
-                                        </p:cTn>
-                                        <p:tgtEl>
-                                          <p:spTgt spid="18"/>
-                                        </p:tgtEl>
-                                        <p:attrNameLst>
-                                          <p:attrName>style.visibility</p:attrName>
-                                        </p:attrNameLst>
-                                      </p:cBhvr>
-                                      <p:to>
-                                        <p:strVal val="visible"/>
-                                      </p:to>
-                                    </p:set>
-                                  </p:childTnLst>
-                                </p:cTn>
-                              </p:par>
-                              <p:par>
-                                <p:cTn id="37" presetID="1" presetClass="exit" presetSubtype="0" fill="hold" grpId="1" nodeType="withEffect">
-                                  <p:stCondLst>
-                                    <p:cond delay="0"/>
-                                  </p:stCondLst>
-                                  <p:childTnLst>
-                                    <p:set>
-                                      <p:cBhvr>
-                                        <p:cTn id="38" dur="1" fill="hold">
-                                          <p:stCondLst>
-                                            <p:cond delay="0"/>
-                                          </p:stCondLst>
-                                        </p:cTn>
-                                        <p:tgtEl>
-                                          <p:spTgt spid="18"/>
-                                        </p:tgtEl>
-                                        <p:attrNameLst>
-                                          <p:attrName>style.visibility</p:attrName>
-                                        </p:attrNameLst>
-                                      </p:cBhvr>
-                                      <p:to>
-                                        <p:strVal val="hidden"/>
-                                      </p:to>
-                                    </p:set>
-                                  </p:childTnLst>
-                                </p:cTn>
-                              </p:par>
-                              <p:par>
-                                <p:cTn id="39" presetID="1" presetClass="entr" presetSubtype="0" fill="hold" grpId="0" nodeType="withEffect">
-                                  <p:stCondLst>
-                                    <p:cond delay="0"/>
-                                  </p:stCondLst>
-                                  <p:childTnLst>
-                                    <p:set>
-                                      <p:cBhvr>
-                                        <p:cTn id="40" dur="1" fill="hold">
-                                          <p:stCondLst>
-                                            <p:cond delay="0"/>
-                                          </p:stCondLst>
-                                        </p:cTn>
-                                        <p:tgtEl>
-                                          <p:spTgt spid="19"/>
-                                        </p:tgtEl>
-                                        <p:attrNameLst>
-                                          <p:attrName>style.visibility</p:attrName>
-                                        </p:attrNameLst>
-                                      </p:cBhvr>
-                                      <p:to>
-                                        <p:strVal val="visible"/>
-                                      </p:to>
-                                    </p:set>
-                                  </p:childTnLst>
-                                </p:cTn>
-                              </p:par>
-                              <p:par>
-                                <p:cTn id="41" presetID="1" presetClass="exit" presetSubtype="0" fill="hold" grpId="1" nodeType="withEffect">
-                                  <p:stCondLst>
-                                    <p:cond delay="0"/>
-                                  </p:stCondLst>
-                                  <p:childTnLst>
-                                    <p:set>
-                                      <p:cBhvr>
-                                        <p:cTn id="42" dur="1" fill="hold">
-                                          <p:stCondLst>
-                                            <p:cond delay="0"/>
-                                          </p:stCondLst>
-                                        </p:cTn>
-                                        <p:tgtEl>
-                                          <p:spTgt spid="19"/>
-                                        </p:tgtEl>
-                                        <p:attrNameLst>
-                                          <p:attrName>style.visibility</p:attrName>
-                                        </p:attrNameLst>
-                                      </p:cBhvr>
-                                      <p:to>
-                                        <p:strVal val="hidden"/>
-                                      </p:to>
-                                    </p:set>
-                                  </p:childTnLst>
-                                </p:cTn>
-                              </p:par>
-                              <p:par>
-                                <p:cTn id="43" presetID="1" presetClass="entr" presetSubtype="0" fill="hold" grpId="2" nodeType="withEffect">
-                                  <p:stCondLst>
-                                    <p:cond delay="0"/>
-                                  </p:stCondLst>
-                                  <p:childTnLst>
-                                    <p:set>
-                                      <p:cBhvr>
-                                        <p:cTn id="44" dur="1" fill="hold">
-                                          <p:stCondLst>
-                                            <p:cond delay="0"/>
-                                          </p:stCondLst>
-                                        </p:cTn>
-                                        <p:tgtEl>
-                                          <p:spTgt spid="18"/>
-                                        </p:tgtEl>
-                                        <p:attrNameLst>
-                                          <p:attrName>style.visibility</p:attrName>
-                                        </p:attrNameLst>
-                                      </p:cBhvr>
-                                      <p:to>
-                                        <p:strVal val="visible"/>
-                                      </p:to>
-                                    </p:set>
-                                  </p:childTnLst>
-                                </p:cTn>
-                              </p:par>
-                              <p:par>
-                                <p:cTn id="45" presetID="1" presetClass="entr" presetSubtype="0" fill="hold" grpId="2" nodeType="withEffect">
-                                  <p:stCondLst>
-                                    <p:cond delay="0"/>
-                                  </p:stCondLst>
-                                  <p:childTnLst>
-                                    <p:set>
-                                      <p:cBhvr>
-                                        <p:cTn id="46" dur="1" fill="hold">
-                                          <p:stCondLst>
-                                            <p:cond delay="0"/>
-                                          </p:stCondLst>
-                                        </p:cTn>
-                                        <p:tgtEl>
-                                          <p:spTgt spid="19"/>
-                                        </p:tgtEl>
-                                        <p:attrNameLst>
-                                          <p:attrName>style.visibility</p:attrName>
-                                        </p:attrNameLst>
-                                      </p:cBhvr>
-                                      <p:to>
-                                        <p:strVal val="visible"/>
-                                      </p:to>
-                                    </p:set>
-                                  </p:childTnLst>
-                                </p:cTn>
-                              </p:par>
-                              <p:par>
-                                <p:cTn id="47" presetID="1" presetClass="entr" presetSubtype="0" fill="hold" nodeType="withEffect">
-                                  <p:stCondLst>
-                                    <p:cond delay="0"/>
-                                  </p:stCondLst>
-                                  <p:childTnLst>
-                                    <p:set>
-                                      <p:cBhvr>
-                                        <p:cTn id="48" dur="1" fill="hold">
-                                          <p:stCondLst>
-                                            <p:cond delay="0"/>
-                                          </p:stCondLst>
-                                        </p:cTn>
-                                        <p:tgtEl>
-                                          <p:spTgt spid="9"/>
-                                        </p:tgtEl>
-                                        <p:attrNameLst>
-                                          <p:attrName>style.visibility</p:attrName>
-                                        </p:attrNameLst>
-                                      </p:cBhvr>
-                                      <p:to>
-                                        <p:strVal val="visible"/>
-                                      </p:to>
-                                    </p:set>
-                                  </p:childTnLst>
-                                </p:cTn>
-                              </p:par>
-                            </p:childTnLst>
-                          </p:cTn>
-                        </p:par>
-                      </p:childTnLst>
-                    </p:cTn>
-                  </p:par>
                 </p:childTnLst>
               </p:cTn>
               <p:prevCondLst>
@@ -11114,18 +10589,339 @@
     </p:tnLst>
     <p:bldLst>
       <p:bldP spid="7" grpId="0" animBg="1"/>
-      <p:bldP spid="7" grpId="1" animBg="1"/>
-      <p:bldP spid="18" grpId="0" animBg="1"/>
-      <p:bldP spid="18" grpId="1" animBg="1"/>
-      <p:bldP spid="18" grpId="2" animBg="1"/>
-      <p:bldP spid="19" grpId="0" animBg="1"/>
-      <p:bldP spid="19" grpId="1" animBg="1"/>
-      <p:bldP spid="19" grpId="2" animBg="1"/>
       <p:bldP spid="14" grpId="0"/>
       <p:bldP spid="14" grpId="1"/>
       <p:bldP spid="16" grpId="0"/>
       <p:bldP spid="16" grpId="1"/>
     </p:bldLst>
+  </p:timing>
+</p:sld>
+</file>
+
+<file path=ppt/slides/slide8.xml><?xml version="1.0" encoding="utf-8"?>
+<p:sld xmlns:a="http://schemas.openxmlformats.org/drawingml/2006/main" xmlns:r="http://schemas.openxmlformats.org/officeDocument/2006/relationships" xmlns:p="http://schemas.openxmlformats.org/presentationml/2006/main">
+  <p:cSld>
+    <p:spTree>
+      <p:nvGrpSpPr>
+        <p:cNvPr id="1" name=""/>
+        <p:cNvGrpSpPr/>
+        <p:nvPr/>
+      </p:nvGrpSpPr>
+      <p:grpSpPr>
+        <a:xfrm>
+          <a:off x="0" y="0"/>
+          <a:ext cx="0" cy="0"/>
+          <a:chOff x="0" y="0"/>
+          <a:chExt cx="0" cy="0"/>
+        </a:xfrm>
+      </p:grpSpPr>
+      <p:sp>
+        <p:nvSpPr>
+          <p:cNvPr id="4" name="Title 3"/>
+          <p:cNvSpPr>
+            <a:spLocks noGrp="1"/>
+          </p:cNvSpPr>
+          <p:nvPr>
+            <p:ph type="title"/>
+          </p:nvPr>
+        </p:nvSpPr>
+        <p:spPr>
+          <a:xfrm>
+            <a:off x="228600" y="228600"/>
+            <a:ext cx="7378623" cy="492443"/>
+          </a:xfrm>
+        </p:spPr>
+        <p:txBody>
+          <a:bodyPr/>
+          <a:lstStyle/>
+          <a:p>
+            <a:pPr marL="342900" indent="-342900"/>
+            <a:r>
+              <a:rPr lang="en-US" altLang="zh-TW" sz="3200" dirty="0" smtClean="0">
+                <a:solidFill>
+                  <a:schemeClr val="tx1"/>
+                </a:solidFill>
+                <a:latin typeface="+mj-lt"/>
+              </a:rPr>
+              <a:t>Can weak classifier combine to do better</a:t>
+            </a:r>
+            <a:endParaRPr lang="en-US" altLang="zh-TW" sz="3200" dirty="0">
+              <a:solidFill>
+                <a:schemeClr val="tx1"/>
+              </a:solidFill>
+              <a:latin typeface="+mj-lt"/>
+            </a:endParaRPr>
+          </a:p>
+        </p:txBody>
+      </p:sp>
+      <p:pic>
+        <p:nvPicPr>
+          <p:cNvPr id="11" name="圖片 10"/>
+          <p:cNvPicPr>
+            <a:picLocks noChangeAspect="1"/>
+          </p:cNvPicPr>
+          <p:nvPr/>
+        </p:nvPicPr>
+        <p:blipFill>
+          <a:blip r:embed="rId2">
+            <a:extLst>
+              <a:ext uri="{28A0092B-C50C-407E-A947-70E740481C1C}">
+                <a14:useLocalDpi xmlns:a14="http://schemas.microsoft.com/office/drawing/2010/main" val="0"/>
+              </a:ext>
+            </a:extLst>
+          </a:blip>
+          <a:stretch>
+            <a:fillRect/>
+          </a:stretch>
+        </p:blipFill>
+        <p:spPr>
+          <a:xfrm>
+            <a:off x="640938" y="894490"/>
+            <a:ext cx="7710304" cy="5760000"/>
+          </a:xfrm>
+          <a:prstGeom prst="rect">
+            <a:avLst/>
+          </a:prstGeom>
+        </p:spPr>
+      </p:pic>
+      <p:cxnSp>
+        <p:nvCxnSpPr>
+          <p:cNvPr id="13" name="直線接點 12"/>
+          <p:cNvCxnSpPr/>
+          <p:nvPr/>
+        </p:nvCxnSpPr>
+        <p:spPr>
+          <a:xfrm flipV="1">
+            <a:off x="5012267" y="2912533"/>
+            <a:ext cx="42333" cy="3564467"/>
+          </a:xfrm>
+          <a:prstGeom prst="line">
+            <a:avLst/>
+          </a:prstGeom>
+          <a:ln>
+            <a:solidFill>
+              <a:schemeClr val="tx1"/>
+            </a:solidFill>
+          </a:ln>
+          <a:effectLst/>
+        </p:spPr>
+        <p:style>
+          <a:lnRef idx="2">
+            <a:schemeClr val="accent1"/>
+          </a:lnRef>
+          <a:fillRef idx="0">
+            <a:schemeClr val="accent1"/>
+          </a:fillRef>
+          <a:effectRef idx="1">
+            <a:schemeClr val="accent1"/>
+          </a:effectRef>
+          <a:fontRef idx="minor">
+            <a:schemeClr val="tx1"/>
+          </a:fontRef>
+        </p:style>
+      </p:cxnSp>
+      <p:cxnSp>
+        <p:nvCxnSpPr>
+          <p:cNvPr id="37" name="直線接點 36"/>
+          <p:cNvCxnSpPr/>
+          <p:nvPr/>
+        </p:nvCxnSpPr>
+        <p:spPr>
+          <a:xfrm flipV="1">
+            <a:off x="5054600" y="894491"/>
+            <a:ext cx="8468" cy="2018042"/>
+          </a:xfrm>
+          <a:prstGeom prst="line">
+            <a:avLst/>
+          </a:prstGeom>
+          <a:ln>
+            <a:solidFill>
+              <a:schemeClr val="bg1">
+                <a:lumMod val="85000"/>
+              </a:schemeClr>
+            </a:solidFill>
+          </a:ln>
+          <a:effectLst/>
+        </p:spPr>
+        <p:style>
+          <a:lnRef idx="2">
+            <a:schemeClr val="accent1"/>
+          </a:lnRef>
+          <a:fillRef idx="0">
+            <a:schemeClr val="accent1"/>
+          </a:fillRef>
+          <a:effectRef idx="1">
+            <a:schemeClr val="accent1"/>
+          </a:effectRef>
+          <a:fontRef idx="minor">
+            <a:schemeClr val="tx1"/>
+          </a:fontRef>
+        </p:style>
+      </p:cxnSp>
+      <p:cxnSp>
+        <p:nvCxnSpPr>
+          <p:cNvPr id="31" name="直線接點 30"/>
+          <p:cNvCxnSpPr/>
+          <p:nvPr/>
+        </p:nvCxnSpPr>
+        <p:spPr>
+          <a:xfrm flipH="1">
+            <a:off x="939802" y="2912533"/>
+            <a:ext cx="7411440" cy="0"/>
+          </a:xfrm>
+          <a:prstGeom prst="line">
+            <a:avLst/>
+          </a:prstGeom>
+          <a:ln>
+            <a:solidFill>
+              <a:schemeClr val="bg1">
+                <a:lumMod val="85000"/>
+              </a:schemeClr>
+            </a:solidFill>
+          </a:ln>
+          <a:effectLst/>
+        </p:spPr>
+        <p:style>
+          <a:lnRef idx="2">
+            <a:schemeClr val="accent1"/>
+          </a:lnRef>
+          <a:fillRef idx="0">
+            <a:schemeClr val="accent1"/>
+          </a:fillRef>
+          <a:effectRef idx="1">
+            <a:schemeClr val="accent1"/>
+          </a:effectRef>
+          <a:fontRef idx="minor">
+            <a:schemeClr val="tx1"/>
+          </a:fontRef>
+        </p:style>
+      </p:cxnSp>
+      <p:cxnSp>
+        <p:nvCxnSpPr>
+          <p:cNvPr id="14" name="直線接點 13"/>
+          <p:cNvCxnSpPr/>
+          <p:nvPr/>
+        </p:nvCxnSpPr>
+        <p:spPr>
+          <a:xfrm flipH="1">
+            <a:off x="5063068" y="2912533"/>
+            <a:ext cx="2192865" cy="0"/>
+          </a:xfrm>
+          <a:prstGeom prst="line">
+            <a:avLst/>
+          </a:prstGeom>
+          <a:ln>
+            <a:solidFill>
+              <a:schemeClr val="tx1"/>
+            </a:solidFill>
+          </a:ln>
+          <a:effectLst/>
+        </p:spPr>
+        <p:style>
+          <a:lnRef idx="2">
+            <a:schemeClr val="accent1"/>
+          </a:lnRef>
+          <a:fillRef idx="0">
+            <a:schemeClr val="accent1"/>
+          </a:fillRef>
+          <a:effectRef idx="1">
+            <a:schemeClr val="accent1"/>
+          </a:effectRef>
+          <a:fontRef idx="minor">
+            <a:schemeClr val="tx1"/>
+          </a:fontRef>
+        </p:style>
+      </p:cxnSp>
+      <p:cxnSp>
+        <p:nvCxnSpPr>
+          <p:cNvPr id="17" name="直線接點 16"/>
+          <p:cNvCxnSpPr/>
+          <p:nvPr/>
+        </p:nvCxnSpPr>
+        <p:spPr>
+          <a:xfrm>
+            <a:off x="7255933" y="937220"/>
+            <a:ext cx="0" cy="2018043"/>
+          </a:xfrm>
+          <a:prstGeom prst="line">
+            <a:avLst/>
+          </a:prstGeom>
+          <a:ln>
+            <a:solidFill>
+              <a:schemeClr val="tx1"/>
+            </a:solidFill>
+          </a:ln>
+          <a:effectLst/>
+        </p:spPr>
+        <p:style>
+          <a:lnRef idx="2">
+            <a:schemeClr val="accent1"/>
+          </a:lnRef>
+          <a:fillRef idx="0">
+            <a:schemeClr val="accent1"/>
+          </a:fillRef>
+          <a:effectRef idx="1">
+            <a:schemeClr val="accent1"/>
+          </a:effectRef>
+          <a:fontRef idx="minor">
+            <a:schemeClr val="tx1"/>
+          </a:fontRef>
+        </p:style>
+      </p:cxnSp>
+      <p:cxnSp>
+        <p:nvCxnSpPr>
+          <p:cNvPr id="42" name="直線接點 41"/>
+          <p:cNvCxnSpPr/>
+          <p:nvPr/>
+        </p:nvCxnSpPr>
+        <p:spPr>
+          <a:xfrm flipV="1">
+            <a:off x="7255933" y="2912533"/>
+            <a:ext cx="0" cy="3564467"/>
+          </a:xfrm>
+          <a:prstGeom prst="line">
+            <a:avLst/>
+          </a:prstGeom>
+          <a:ln>
+            <a:solidFill>
+              <a:schemeClr val="bg1">
+                <a:lumMod val="85000"/>
+              </a:schemeClr>
+            </a:solidFill>
+          </a:ln>
+          <a:effectLst/>
+        </p:spPr>
+        <p:style>
+          <a:lnRef idx="2">
+            <a:schemeClr val="accent1"/>
+          </a:lnRef>
+          <a:fillRef idx="0">
+            <a:schemeClr val="accent1"/>
+          </a:fillRef>
+          <a:effectRef idx="1">
+            <a:schemeClr val="accent1"/>
+          </a:effectRef>
+          <a:fontRef idx="minor">
+            <a:schemeClr val="tx1"/>
+          </a:fontRef>
+        </p:style>
+      </p:cxnSp>
+    </p:spTree>
+    <p:extLst>
+      <p:ext uri="{BB962C8B-B14F-4D97-AF65-F5344CB8AC3E}">
+        <p14:creationId xmlns:p14="http://schemas.microsoft.com/office/powerpoint/2010/main" val="3040030372"/>
+      </p:ext>
+    </p:extLst>
+  </p:cSld>
+  <p:clrMapOvr>
+    <a:masterClrMapping/>
+  </p:clrMapOvr>
+  <p:timing>
+    <p:tnLst>
+      <p:par>
+        <p:cTn id="1" dur="indefinite" restart="never" nodeType="tmRoot"/>
+      </p:par>
+    </p:tnLst>
   </p:timing>
 </p:sld>
 </file>
@@ -11149,391 +10945,38 @@
       </p:grpSpPr>
       <p:sp>
         <p:nvSpPr>
-          <p:cNvPr id="3" name="Content Placeholder 2"/>
-          <p:cNvSpPr>
-            <a:spLocks noGrp="1"/>
-          </p:cNvSpPr>
-          <p:nvPr>
-            <p:ph idx="1"/>
-          </p:nvPr>
-        </p:nvSpPr>
-        <p:spPr>
-          <a:xfrm>
-            <a:off x="228600" y="986319"/>
-            <a:ext cx="8689622" cy="369332"/>
-          </a:xfrm>
-        </p:spPr>
-        <p:txBody>
-          <a:bodyPr/>
-          <a:lstStyle/>
-          <a:p>
-            <a:pPr marL="1200150" lvl="1" indent="-457200">
-              <a:buFont typeface="Wingdings" pitchFamily="2" charset="2"/>
-              <a:buChar char="l"/>
-            </a:pPr>
-            <a:r>
-              <a:rPr lang="en-US" altLang="zh-TW" sz="2400" dirty="0" smtClean="0">
-                <a:latin typeface="Arial"/>
-              </a:rPr>
-              <a:t>Find the weak classifier with minimum error</a:t>
-            </a:r>
-          </a:p>
-        </p:txBody>
-      </p:sp>
-      <p:sp>
-        <p:nvSpPr>
-          <p:cNvPr id="4" name="Title 3"/>
-          <p:cNvSpPr>
-            <a:spLocks noGrp="1"/>
-          </p:cNvSpPr>
-          <p:nvPr>
-            <p:ph type="title"/>
-          </p:nvPr>
-        </p:nvSpPr>
-        <p:spPr>
-          <a:xfrm>
-            <a:off x="228600" y="228600"/>
-            <a:ext cx="4137928" cy="492443"/>
-          </a:xfrm>
-        </p:spPr>
-        <p:txBody>
-          <a:bodyPr/>
-          <a:lstStyle/>
-          <a:p>
-            <a:pPr marL="342900" indent="-342900"/>
-            <a:r>
-              <a:rPr lang="en-US" altLang="zh-TW" sz="3200" dirty="0" smtClean="0">
-                <a:solidFill>
-                  <a:schemeClr val="tx1"/>
-                </a:solidFill>
-                <a:latin typeface="+mj-lt"/>
-              </a:rPr>
-              <a:t>Weak classifier learner</a:t>
-            </a:r>
-            <a:endParaRPr lang="en-US" altLang="zh-TW" sz="3200" dirty="0">
-              <a:solidFill>
-                <a:schemeClr val="tx1"/>
-              </a:solidFill>
-              <a:latin typeface="+mj-lt"/>
-            </a:endParaRPr>
-          </a:p>
-        </p:txBody>
-      </p:sp>
-      <p:sp>
-        <p:nvSpPr>
-          <p:cNvPr id="21" name="圓角矩形 20"/>
-          <p:cNvSpPr/>
+          <p:cNvPr id="32" name="文字方塊 31"/>
+          <p:cNvSpPr txBox="1"/>
           <p:nvPr/>
         </p:nvSpPr>
         <p:spPr>
           <a:xfrm>
-            <a:off x="569227" y="2099733"/>
-            <a:ext cx="1674439" cy="1159934"/>
-          </a:xfrm>
-          <a:prstGeom prst="roundRect">
-            <a:avLst/>
-          </a:prstGeom>
-          <a:noFill/>
-          <a:ln w="12700" cmpd="sng"/>
-          <a:effectLst/>
-        </p:spPr>
-        <p:style>
-          <a:lnRef idx="1">
-            <a:schemeClr val="accent1"/>
-          </a:lnRef>
-          <a:fillRef idx="3">
-            <a:schemeClr val="accent1"/>
-          </a:fillRef>
-          <a:effectRef idx="2">
-            <a:schemeClr val="accent1"/>
-          </a:effectRef>
-          <a:fontRef idx="minor">
-            <a:schemeClr val="lt1"/>
-          </a:fontRef>
-        </p:style>
-        <p:txBody>
-          <a:bodyPr rtlCol="0" anchor="ctr"/>
-          <a:lstStyle/>
-          <a:p>
-            <a:pPr algn="ctr"/>
-            <a:r>
-              <a:rPr lang="en-US" altLang="zh-TW" dirty="0" smtClean="0">
-                <a:solidFill>
-                  <a:schemeClr val="tx1"/>
-                </a:solidFill>
-              </a:rPr>
-              <a:t>Data</a:t>
-            </a:r>
-            <a:endParaRPr lang="zh-TW" altLang="en-US" dirty="0">
-              <a:solidFill>
-                <a:schemeClr val="tx1"/>
-              </a:solidFill>
-            </a:endParaRPr>
-          </a:p>
-        </p:txBody>
-      </p:sp>
-      <p:sp>
-        <p:nvSpPr>
-          <p:cNvPr id="22" name="矩形 21"/>
-          <p:cNvSpPr/>
-          <p:nvPr/>
-        </p:nvSpPr>
-        <p:spPr>
-          <a:xfrm>
-            <a:off x="3316661" y="2235205"/>
-            <a:ext cx="2099734" cy="931332"/>
+            <a:off x="1168399" y="2853266"/>
+            <a:ext cx="7179733" cy="646331"/>
           </a:xfrm>
           <a:prstGeom prst="rect">
             <a:avLst/>
           </a:prstGeom>
           <a:noFill/>
-          <a:ln w="12700"/>
-          <a:effectLst/>
-        </p:spPr>
-        <p:style>
-          <a:lnRef idx="1">
-            <a:schemeClr val="accent1"/>
-          </a:lnRef>
-          <a:fillRef idx="3">
-            <a:schemeClr val="accent1"/>
-          </a:fillRef>
-          <a:effectRef idx="2">
-            <a:schemeClr val="accent1"/>
-          </a:effectRef>
-          <a:fontRef idx="minor">
-            <a:schemeClr val="lt1"/>
-          </a:fontRef>
-        </p:style>
+        </p:spPr>
         <p:txBody>
-          <a:bodyPr rtlCol="0" anchor="ctr"/>
-          <a:lstStyle/>
-          <a:p>
-            <a:pPr algn="ctr"/>
-            <a:r>
-              <a:rPr lang="en-US" altLang="zh-TW" dirty="0" smtClean="0">
-                <a:solidFill>
-                  <a:schemeClr val="tx1"/>
-                </a:solidFill>
-              </a:rPr>
-              <a:t>Weak classifier learner</a:t>
-            </a:r>
-            <a:endParaRPr lang="zh-TW" altLang="en-US" dirty="0">
-              <a:solidFill>
-                <a:schemeClr val="tx1"/>
-              </a:solidFill>
-            </a:endParaRPr>
-          </a:p>
-        </p:txBody>
-      </p:sp>
-      <p:sp>
-        <p:nvSpPr>
-          <p:cNvPr id="23" name="向右箭號 22"/>
-          <p:cNvSpPr/>
-          <p:nvPr/>
-        </p:nvSpPr>
-        <p:spPr>
-          <a:xfrm>
-            <a:off x="2429938" y="2599267"/>
-            <a:ext cx="491067" cy="262466"/>
-          </a:xfrm>
-          <a:prstGeom prst="rightArrow">
-            <a:avLst/>
-          </a:prstGeom>
-          <a:solidFill>
-            <a:srgbClr val="002060"/>
-          </a:solidFill>
-          <a:effectLst/>
-        </p:spPr>
-        <p:style>
-          <a:lnRef idx="1">
-            <a:schemeClr val="accent1"/>
-          </a:lnRef>
-          <a:fillRef idx="3">
-            <a:schemeClr val="accent1"/>
-          </a:fillRef>
-          <a:effectRef idx="2">
-            <a:schemeClr val="accent1"/>
-          </a:effectRef>
-          <a:fontRef idx="minor">
-            <a:schemeClr val="lt1"/>
-          </a:fontRef>
-        </p:style>
-        <p:txBody>
-          <a:bodyPr rtlCol="0" anchor="ctr"/>
-          <a:lstStyle/>
-          <a:p>
-            <a:pPr algn="ctr"/>
-            <a:endParaRPr lang="zh-TW" altLang="en-US"/>
-          </a:p>
-        </p:txBody>
-      </p:sp>
-      <p:sp>
-        <p:nvSpPr>
-          <p:cNvPr id="24" name="向右箭號 23"/>
-          <p:cNvSpPr/>
-          <p:nvPr/>
-        </p:nvSpPr>
-        <p:spPr>
-          <a:xfrm>
-            <a:off x="5638805" y="2599267"/>
-            <a:ext cx="491067" cy="262466"/>
-          </a:xfrm>
-          <a:prstGeom prst="rightArrow">
-            <a:avLst/>
-          </a:prstGeom>
-          <a:solidFill>
-            <a:srgbClr val="002060"/>
-          </a:solidFill>
-          <a:effectLst/>
-        </p:spPr>
-        <p:style>
-          <a:lnRef idx="1">
-            <a:schemeClr val="accent1"/>
-          </a:lnRef>
-          <a:fillRef idx="3">
-            <a:schemeClr val="accent1"/>
-          </a:fillRef>
-          <a:effectRef idx="2">
-            <a:schemeClr val="accent1"/>
-          </a:effectRef>
-          <a:fontRef idx="minor">
-            <a:schemeClr val="lt1"/>
-          </a:fontRef>
-        </p:style>
-        <p:txBody>
-          <a:bodyPr rtlCol="0" anchor="ctr"/>
-          <a:lstStyle/>
-          <a:p>
-            <a:pPr algn="ctr"/>
-            <a:endParaRPr lang="zh-TW" altLang="en-US"/>
-          </a:p>
-        </p:txBody>
-      </p:sp>
-      <p:sp>
-        <p:nvSpPr>
-          <p:cNvPr id="25" name="矩形 24"/>
-          <p:cNvSpPr/>
-          <p:nvPr/>
-        </p:nvSpPr>
-        <p:spPr>
-          <a:xfrm>
-            <a:off x="6332370" y="2599267"/>
-            <a:ext cx="1796326" cy="369332"/>
-          </a:xfrm>
-          <a:prstGeom prst="rect">
-            <a:avLst/>
-          </a:prstGeom>
-        </p:spPr>
-        <p:txBody>
-          <a:bodyPr wrap="none">
+          <a:bodyPr wrap="square" rtlCol="0">
             <a:spAutoFit/>
           </a:bodyPr>
           <a:lstStyle/>
           <a:p>
             <a:r>
-              <a:rPr lang="en-US" altLang="zh-TW" dirty="0" smtClean="0"/>
-              <a:t>Weak classifier </a:t>
+              <a:rPr lang="en-US" altLang="zh-TW" sz="3600" dirty="0" smtClean="0"/>
+              <a:t>Two heads are better than one</a:t>
             </a:r>
-            <a:endParaRPr lang="zh-TW" altLang="en-US" dirty="0"/>
-          </a:p>
-        </p:txBody>
-      </p:sp>
-      <p:sp>
-        <p:nvSpPr>
-          <p:cNvPr id="26" name="橢圓 25"/>
-          <p:cNvSpPr/>
-          <p:nvPr/>
-        </p:nvSpPr>
-        <p:spPr>
-          <a:xfrm>
-            <a:off x="2607714" y="3852333"/>
-            <a:ext cx="3649163" cy="1456266"/>
-          </a:xfrm>
-          <a:prstGeom prst="ellipse">
-            <a:avLst/>
-          </a:prstGeom>
-          <a:noFill/>
-          <a:ln w="12700"/>
-          <a:effectLst/>
-        </p:spPr>
-        <p:style>
-          <a:lnRef idx="1">
-            <a:schemeClr val="accent1"/>
-          </a:lnRef>
-          <a:fillRef idx="3">
-            <a:schemeClr val="accent1"/>
-          </a:fillRef>
-          <a:effectRef idx="2">
-            <a:schemeClr val="accent1"/>
-          </a:effectRef>
-          <a:fontRef idx="minor">
-            <a:schemeClr val="lt1"/>
-          </a:fontRef>
-        </p:style>
-        <p:txBody>
-          <a:bodyPr rtlCol="0" anchor="ctr"/>
-          <a:lstStyle/>
-          <a:p>
-            <a:r>
-              <a:rPr lang="en-US" altLang="zh-TW" dirty="0" smtClean="0">
-                <a:solidFill>
-                  <a:schemeClr val="tx1"/>
-                </a:solidFill>
-              </a:rPr>
-              <a:t>Weak classifier pool </a:t>
-            </a:r>
-            <a:endParaRPr lang="zh-TW" altLang="en-US" dirty="0">
-              <a:solidFill>
-                <a:schemeClr val="tx1"/>
-              </a:solidFill>
-            </a:endParaRPr>
-          </a:p>
-        </p:txBody>
-      </p:sp>
-      <p:sp>
-        <p:nvSpPr>
-          <p:cNvPr id="28" name="向右箭號 27"/>
-          <p:cNvSpPr/>
-          <p:nvPr/>
-        </p:nvSpPr>
-        <p:spPr>
-          <a:xfrm rot="16200000">
-            <a:off x="4074900" y="3340288"/>
-            <a:ext cx="478796" cy="351216"/>
-          </a:xfrm>
-          <a:prstGeom prst="rightArrow">
-            <a:avLst/>
-          </a:prstGeom>
-          <a:noFill/>
-          <a:ln w="12700"/>
-        </p:spPr>
-        <p:style>
-          <a:lnRef idx="1">
-            <a:schemeClr val="accent1"/>
-          </a:lnRef>
-          <a:fillRef idx="3">
-            <a:schemeClr val="accent1"/>
-          </a:fillRef>
-          <a:effectRef idx="2">
-            <a:schemeClr val="accent1"/>
-          </a:effectRef>
-          <a:fontRef idx="minor">
-            <a:schemeClr val="lt1"/>
-          </a:fontRef>
-        </p:style>
-        <p:txBody>
-          <a:bodyPr rtlCol="0" anchor="ctr"/>
-          <a:lstStyle/>
-          <a:p>
-            <a:pPr algn="ctr"/>
-            <a:endParaRPr lang="zh-TW" altLang="en-US"/>
+            <a:endParaRPr lang="zh-TW" altLang="en-US" sz="3600" dirty="0"/>
           </a:p>
         </p:txBody>
       </p:sp>
     </p:spTree>
     <p:extLst>
       <p:ext uri="{BB962C8B-B14F-4D97-AF65-F5344CB8AC3E}">
-        <p14:creationId xmlns:p14="http://schemas.microsoft.com/office/powerpoint/2010/main" xmlns="" val="3040030372"/>
+        <p14:creationId xmlns:p14="http://schemas.microsoft.com/office/powerpoint/2010/main" val="3792208418"/>
       </p:ext>
     </p:extLst>
   </p:cSld>
@@ -12509,20 +11952,20 @@
 </file>
 
 <file path=customXml/item1.xml><?xml version="1.0" encoding="utf-8"?>
-<p:properties xmlns:p="http://schemas.microsoft.com/office/2006/metadata/properties" xmlns:xsi="http://www.w3.org/2001/XMLSchema-instance" xmlns:pc="http://schemas.microsoft.com/office/infopath/2007/PartnerControls">
-  <documentManagement>
-    <Year xmlns="24ac9ee2-1f69-49ec-81c1-d01c86227436">2015</Year>
-  </documentManagement>
-</p:properties>
-</file>
-
-<file path=customXml/item2.xml><?xml version="1.0" encoding="utf-8"?>
 <?mso-contentType ?>
 <FormTemplates xmlns="http://schemas.microsoft.com/sharepoint/v3/contenttype/forms">
   <Display>DocumentLibraryForm</Display>
   <Edit>DocumentLibraryForm</Edit>
   <New>DocumentLibraryForm</New>
 </FormTemplates>
+</file>
+
+<file path=customXml/item2.xml><?xml version="1.0" encoding="utf-8"?>
+<p:properties xmlns:p="http://schemas.microsoft.com/office/2006/metadata/properties" xmlns:xsi="http://www.w3.org/2001/XMLSchema-instance" xmlns:pc="http://schemas.microsoft.com/office/infopath/2007/PartnerControls">
+  <documentManagement>
+    <Year xmlns="24ac9ee2-1f69-49ec-81c1-d01c86227436">2015</Year>
+  </documentManagement>
+</p:properties>
 </file>
 
 <file path=customXml/item3.xml><?xml version="1.0" encoding="utf-8"?>
@@ -12657,6 +12100,14 @@
 </file>
 
 <file path=customXml/itemProps1.xml><?xml version="1.0" encoding="utf-8"?>
+<ds:datastoreItem xmlns:ds="http://schemas.openxmlformats.org/officeDocument/2006/customXml" ds:itemID="{75703042-9C6F-440D-9A8D-0836740E8EC4}">
+  <ds:schemaRefs>
+    <ds:schemaRef ds:uri="http://schemas.microsoft.com/sharepoint/v3/contenttype/forms"/>
+  </ds:schemaRefs>
+</ds:datastoreItem>
+</file>
+
+<file path=customXml/itemProps2.xml><?xml version="1.0" encoding="utf-8"?>
 <ds:datastoreItem xmlns:ds="http://schemas.openxmlformats.org/officeDocument/2006/customXml" ds:itemID="{327D2673-F33E-4BA5-8F43-8D9B5FEBC44E}">
   <ds:schemaRefs>
     <ds:schemaRef ds:uri="http://schemas.microsoft.com/office/2006/documentManagement/types"/>
@@ -12668,14 +12119,6 @@
     <ds:schemaRef ds:uri="http://www.w3.org/XML/1998/namespace"/>
     <ds:schemaRef ds:uri="http://schemas.openxmlformats.org/package/2006/metadata/core-properties"/>
     <ds:schemaRef ds:uri="24ac9ee2-1f69-49ec-81c1-d01c86227436"/>
-  </ds:schemaRefs>
-</ds:datastoreItem>
-</file>
-
-<file path=customXml/itemProps2.xml><?xml version="1.0" encoding="utf-8"?>
-<ds:datastoreItem xmlns:ds="http://schemas.openxmlformats.org/officeDocument/2006/customXml" ds:itemID="{75703042-9C6F-440D-9A8D-0836740E8EC4}">
-  <ds:schemaRefs>
-    <ds:schemaRef ds:uri="http://schemas.microsoft.com/sharepoint/v3/contenttype/forms"/>
   </ds:schemaRefs>
 </ds:datastoreItem>
 </file>

--- a/Presentation/Boosting.pptx
+++ b/Presentation/Boosting.pptx
@@ -5,10 +5,10 @@
     <p:sldMasterId id="2147483671" r:id="rId4"/>
   </p:sldMasterIdLst>
   <p:notesMasterIdLst>
-    <p:notesMasterId r:id="rId20"/>
+    <p:notesMasterId r:id="rId26"/>
   </p:notesMasterIdLst>
   <p:handoutMasterIdLst>
-    <p:handoutMasterId r:id="rId21"/>
+    <p:handoutMasterId r:id="rId27"/>
   </p:handoutMasterIdLst>
   <p:sldIdLst>
     <p:sldId id="288" r:id="rId5"/>
@@ -23,9 +23,15 @@
     <p:sldId id="312" r:id="rId14"/>
     <p:sldId id="317" r:id="rId15"/>
     <p:sldId id="321" r:id="rId16"/>
-    <p:sldId id="324" r:id="rId17"/>
-    <p:sldId id="323" r:id="rId18"/>
-    <p:sldId id="316" r:id="rId19"/>
+    <p:sldId id="328" r:id="rId17"/>
+    <p:sldId id="324" r:id="rId18"/>
+    <p:sldId id="330" r:id="rId19"/>
+    <p:sldId id="323" r:id="rId20"/>
+    <p:sldId id="331" r:id="rId21"/>
+    <p:sldId id="332" r:id="rId22"/>
+    <p:sldId id="333" r:id="rId23"/>
+    <p:sldId id="334" r:id="rId24"/>
+    <p:sldId id="316" r:id="rId25"/>
   </p:sldIdLst>
   <p:sldSz cx="9144000" cy="6858000" type="screen4x3"/>
   <p:notesSz cx="6858000" cy="9144000"/>
@@ -126,7 +132,7 @@
   </p:defaultTextStyle>
   <p:extLst>
     <p:ext uri="{EFAFB233-063F-42B5-8137-9DF3F51BA10A}">
-      <p15:sldGuideLst xmlns:p15="http://schemas.microsoft.com/office/powerpoint/2012/main">
+      <p15:sldGuideLst xmlns="" xmlns:p15="http://schemas.microsoft.com/office/powerpoint/2012/main">
         <p15:guide id="1" orient="horz" pos="3868">
           <p15:clr>
             <a:srgbClr val="A4A3A4"/>
@@ -271,7 +277,7 @@
             <a:fld id="{F8252C7F-5FEC-2E4D-80AA-BF666F276660}" type="datetime1">
               <a:rPr lang="en-US" smtClean="0"/>
               <a:pPr/>
-              <a:t>6/16/2015</a:t>
+              <a:t>6/17/2015</a:t>
             </a:fld>
             <a:endParaRPr lang="en-US"/>
           </a:p>
@@ -347,7 +353,7 @@
     </p:spTree>
     <p:extLst>
       <p:ext uri="{BB962C8B-B14F-4D97-AF65-F5344CB8AC3E}">
-        <p14:creationId xmlns:p14="http://schemas.microsoft.com/office/powerpoint/2010/main" val="1411092301"/>
+        <p14:creationId xmlns="" xmlns:p14="http://schemas.microsoft.com/office/powerpoint/2010/main" val="1411092301"/>
       </p:ext>
     </p:extLst>
   </p:cSld>
@@ -439,7 +445,7 @@
             <a:fld id="{1939DE02-E791-1340-B4FF-3939EE33ADCD}" type="datetime1">
               <a:rPr lang="en-US" smtClean="0"/>
               <a:pPr/>
-              <a:t>6/16/2015</a:t>
+              <a:t>6/17/2015</a:t>
             </a:fld>
             <a:endParaRPr lang="en-US"/>
           </a:p>
@@ -608,7 +614,7 @@
     </p:spTree>
     <p:extLst>
       <p:ext uri="{BB962C8B-B14F-4D97-AF65-F5344CB8AC3E}">
-        <p14:creationId xmlns:p14="http://schemas.microsoft.com/office/powerpoint/2010/main" val="160240899"/>
+        <p14:creationId xmlns="" xmlns:p14="http://schemas.microsoft.com/office/powerpoint/2010/main" val="160240899"/>
       </p:ext>
     </p:extLst>
   </p:cSld>
@@ -738,7 +744,7 @@
           <a:blip r:embed="rId2">
             <a:extLst>
               <a:ext uri="{28A0092B-C50C-407E-A947-70E740481C1C}">
-                <a14:useLocalDpi xmlns:a14="http://schemas.microsoft.com/office/drawing/2010/main" val="0"/>
+                <a14:useLocalDpi xmlns="" xmlns:a14="http://schemas.microsoft.com/office/drawing/2010/main" val="0"/>
               </a:ext>
             </a:extLst>
           </a:blip>
@@ -759,7 +765,7 @@
     </p:spTree>
     <p:extLst>
       <p:ext uri="{BB962C8B-B14F-4D97-AF65-F5344CB8AC3E}">
-        <p14:creationId xmlns:p14="http://schemas.microsoft.com/office/powerpoint/2010/main" val="921680772"/>
+        <p14:creationId xmlns="" xmlns:p14="http://schemas.microsoft.com/office/powerpoint/2010/main" val="921680772"/>
       </p:ext>
     </p:extLst>
   </p:cSld>
@@ -789,7 +795,7 @@
     </p:spTree>
     <p:extLst>
       <p:ext uri="{BB962C8B-B14F-4D97-AF65-F5344CB8AC3E}">
-        <p14:creationId xmlns:p14="http://schemas.microsoft.com/office/powerpoint/2010/main" val="1551424100"/>
+        <p14:creationId xmlns="" xmlns:p14="http://schemas.microsoft.com/office/powerpoint/2010/main" val="1551424100"/>
       </p:ext>
     </p:extLst>
   </p:cSld>
@@ -919,7 +925,7 @@
     </p:spTree>
     <p:extLst>
       <p:ext uri="{BB962C8B-B14F-4D97-AF65-F5344CB8AC3E}">
-        <p14:creationId xmlns:p14="http://schemas.microsoft.com/office/powerpoint/2010/main" val="2725598606"/>
+        <p14:creationId xmlns="" xmlns:p14="http://schemas.microsoft.com/office/powerpoint/2010/main" val="2725598606"/>
       </p:ext>
     </p:extLst>
   </p:cSld>
@@ -1069,7 +1075,7 @@
     </p:spTree>
     <p:extLst>
       <p:ext uri="{BB962C8B-B14F-4D97-AF65-F5344CB8AC3E}">
-        <p14:creationId xmlns:p14="http://schemas.microsoft.com/office/powerpoint/2010/main" val="3479517975"/>
+        <p14:creationId xmlns="" xmlns:p14="http://schemas.microsoft.com/office/powerpoint/2010/main" val="3479517975"/>
       </p:ext>
     </p:extLst>
   </p:cSld>
@@ -1219,7 +1225,7 @@
     </p:spTree>
     <p:extLst>
       <p:ext uri="{BB962C8B-B14F-4D97-AF65-F5344CB8AC3E}">
-        <p14:creationId xmlns:p14="http://schemas.microsoft.com/office/powerpoint/2010/main" val="3246921271"/>
+        <p14:creationId xmlns="" xmlns:p14="http://schemas.microsoft.com/office/powerpoint/2010/main" val="3246921271"/>
       </p:ext>
     </p:extLst>
   </p:cSld>
@@ -1377,7 +1383,7 @@
     </p:spTree>
     <p:extLst>
       <p:ext uri="{BB962C8B-B14F-4D97-AF65-F5344CB8AC3E}">
-        <p14:creationId xmlns:p14="http://schemas.microsoft.com/office/powerpoint/2010/main" val="3015080783"/>
+        <p14:creationId xmlns="" xmlns:p14="http://schemas.microsoft.com/office/powerpoint/2010/main" val="3015080783"/>
       </p:ext>
     </p:extLst>
   </p:cSld>
@@ -1494,7 +1500,7 @@
     </p:spTree>
     <p:extLst>
       <p:ext uri="{BB962C8B-B14F-4D97-AF65-F5344CB8AC3E}">
-        <p14:creationId xmlns:p14="http://schemas.microsoft.com/office/powerpoint/2010/main" val="2098243185"/>
+        <p14:creationId xmlns="" xmlns:p14="http://schemas.microsoft.com/office/powerpoint/2010/main" val="2098243185"/>
       </p:ext>
     </p:extLst>
   </p:cSld>
@@ -1560,7 +1566,7 @@
     </p:spTree>
     <p:extLst>
       <p:ext uri="{BB962C8B-B14F-4D97-AF65-F5344CB8AC3E}">
-        <p14:creationId xmlns:p14="http://schemas.microsoft.com/office/powerpoint/2010/main" val="4200364697"/>
+        <p14:creationId xmlns="" xmlns:p14="http://schemas.microsoft.com/office/powerpoint/2010/main" val="4200364697"/>
       </p:ext>
     </p:extLst>
   </p:cSld>
@@ -1626,7 +1632,7 @@
     </p:spTree>
     <p:extLst>
       <p:ext uri="{BB962C8B-B14F-4D97-AF65-F5344CB8AC3E}">
-        <p14:creationId xmlns:p14="http://schemas.microsoft.com/office/powerpoint/2010/main" val="930438236"/>
+        <p14:creationId xmlns="" xmlns:p14="http://schemas.microsoft.com/office/powerpoint/2010/main" val="930438236"/>
       </p:ext>
     </p:extLst>
   </p:cSld>
@@ -1692,7 +1698,7 @@
     </p:spTree>
     <p:extLst>
       <p:ext uri="{BB962C8B-B14F-4D97-AF65-F5344CB8AC3E}">
-        <p14:creationId xmlns:p14="http://schemas.microsoft.com/office/powerpoint/2010/main" val="726771096"/>
+        <p14:creationId xmlns="" xmlns:p14="http://schemas.microsoft.com/office/powerpoint/2010/main" val="726771096"/>
       </p:ext>
     </p:extLst>
   </p:cSld>
@@ -1753,7 +1759,7 @@
             <a:blip r:embed="rId12">
               <a:extLst>
                 <a:ext uri="{28A0092B-C50C-407E-A947-70E740481C1C}">
-                  <a14:useLocalDpi xmlns:a14="http://schemas.microsoft.com/office/drawing/2010/main" val="0"/>
+                  <a14:useLocalDpi xmlns="" xmlns:a14="http://schemas.microsoft.com/office/drawing/2010/main" val="0"/>
                 </a:ext>
               </a:extLst>
             </a:blip>
@@ -1783,7 +1789,7 @@
             <a:blip r:embed="rId13">
               <a:extLst>
                 <a:ext uri="{28A0092B-C50C-407E-A947-70E740481C1C}">
-                  <a14:useLocalDpi xmlns:a14="http://schemas.microsoft.com/office/drawing/2010/main" val="0"/>
+                  <a14:useLocalDpi xmlns="" xmlns:a14="http://schemas.microsoft.com/office/drawing/2010/main" val="0"/>
                 </a:ext>
               </a:extLst>
             </a:blip>
@@ -1907,7 +1913,7 @@
     </p:spTree>
     <p:extLst>
       <p:ext uri="{BB962C8B-B14F-4D97-AF65-F5344CB8AC3E}">
-        <p14:creationId xmlns:p14="http://schemas.microsoft.com/office/powerpoint/2010/main" val="950083170"/>
+        <p14:creationId xmlns="" xmlns:p14="http://schemas.microsoft.com/office/powerpoint/2010/main" val="950083170"/>
       </p:ext>
     </p:extLst>
   </p:cSld>
@@ -2268,15 +2274,6 @@
               </a:rPr>
               <a:t> Algorithm</a:t>
             </a:r>
-            <a:r>
-              <a:rPr lang="en-US" altLang="zh-TW" dirty="0" smtClean="0">
-                <a:solidFill>
-                  <a:schemeClr val="tx1"/>
-                </a:solidFill>
-                <a:latin typeface="+mj-lt"/>
-              </a:rPr>
-              <a:t/>
-            </a:r>
             <a:br>
               <a:rPr lang="en-US" altLang="zh-TW" dirty="0" smtClean="0">
                 <a:solidFill>
@@ -2292,16 +2289,7 @@
                 </a:solidFill>
                 <a:latin typeface="+mj-lt"/>
               </a:rPr>
-              <a:t>Leon</a:t>
-            </a:r>
-            <a:r>
-              <a:rPr lang="en-US" altLang="zh-TW" sz="2000" dirty="0" smtClean="0">
-                <a:solidFill>
-                  <a:schemeClr val="tx1"/>
-                </a:solidFill>
-                <a:latin typeface="+mj-lt"/>
-              </a:rPr>
-              <a:t>  07-14-2015</a:t>
+              <a:t>Leon  07-14-2015</a:t>
             </a:r>
             <a:r>
               <a:rPr lang="zh-TW" altLang="en-US" sz="2000" dirty="0" smtClean="0">
@@ -2332,7 +2320,7 @@
     </p:spTree>
     <p:extLst>
       <p:ext uri="{BB962C8B-B14F-4D97-AF65-F5344CB8AC3E}">
-        <p14:creationId xmlns:p14="http://schemas.microsoft.com/office/powerpoint/2010/main" val="3730043343"/>
+        <p14:creationId xmlns="" xmlns:p14="http://schemas.microsoft.com/office/powerpoint/2010/main" val="3730043343"/>
       </p:ext>
     </p:extLst>
   </p:cSld>
@@ -2702,59 +2690,9 @@
         </p:xfrm>
         <a:graphic>
           <a:graphicData uri="http://schemas.openxmlformats.org/presentationml/2006/ole">
-            <mc:AlternateContent xmlns:mc="http://schemas.openxmlformats.org/markup-compatibility/2006">
-              <mc:Choice xmlns:v="urn:schemas-microsoft-com:vml" Requires="v">
-                <p:oleObj spid="_x0000_s2214" name="方程式" r:id="rId3" imgW="342751" imgH="203112" progId="Equation.3">
-                  <p:embed/>
-                </p:oleObj>
-              </mc:Choice>
-              <mc:Fallback>
-                <p:oleObj name="方程式" r:id="rId3" imgW="342751" imgH="203112" progId="Equation.3">
-                  <p:embed/>
-                  <p:pic>
-                    <p:nvPicPr>
-                      <p:cNvPr id="0" name="Picture 53"/>
-                      <p:cNvPicPr>
-                        <a:picLocks noChangeAspect="1" noChangeArrowheads="1"/>
-                      </p:cNvPicPr>
-                      <p:nvPr/>
-                    </p:nvPicPr>
-                    <p:blipFill>
-                      <a:blip r:embed="rId4">
-                        <a:extLst>
-                          <a:ext uri="{28A0092B-C50C-407E-A947-70E740481C1C}">
-                            <a14:useLocalDpi xmlns:a14="http://schemas.microsoft.com/office/drawing/2010/main" val="0"/>
-                          </a:ext>
-                        </a:extLst>
-                      </a:blip>
-                      <a:srcRect/>
-                      <a:stretch>
-                        <a:fillRect/>
-                      </a:stretch>
-                    </p:blipFill>
-                    <p:spPr bwMode="auto">
-                      <a:xfrm>
-                        <a:off x="1657343" y="3826873"/>
-                        <a:ext cx="814388" cy="482600"/>
-                      </a:xfrm>
-                      <a:prstGeom prst="rect">
-                        <a:avLst/>
-                      </a:prstGeom>
-                      <a:noFill/>
-                      <a:extLst>
-                        <a:ext uri="{909E8E84-426E-40DD-AFC4-6F175D3DCCD1}">
-                          <a14:hiddenFill xmlns:a14="http://schemas.microsoft.com/office/drawing/2010/main">
-                            <a:solidFill>
-                              <a:srgbClr val="FFFFFF"/>
-                            </a:solidFill>
-                          </a14:hiddenFill>
-                        </a:ext>
-                      </a:extLst>
-                    </p:spPr>
-                  </p:pic>
-                </p:oleObj>
-              </mc:Fallback>
-            </mc:AlternateContent>
+            <p:oleObj spid="_x0000_s2214" name="方程式" r:id="rId3" imgW="342751" imgH="203112" progId="Equation.3">
+              <p:embed/>
+            </p:oleObj>
           </a:graphicData>
         </a:graphic>
       </p:graphicFrame>
@@ -2767,7 +2705,7 @@
           <p:nvPr>
             <p:extLst>
               <p:ext uri="{D42A27DB-BD31-4B8C-83A1-F6EECF244321}">
-                <p14:modId xmlns:p14="http://schemas.microsoft.com/office/powerpoint/2010/main" val="3135229844"/>
+                <p14:modId xmlns="" xmlns:p14="http://schemas.microsoft.com/office/powerpoint/2010/main" val="3135229844"/>
               </p:ext>
             </p:extLst>
           </p:nvPr>
@@ -2778,53 +2716,9 @@
         </p:xfrm>
         <a:graphic>
           <a:graphicData uri="http://schemas.openxmlformats.org/presentationml/2006/ole">
-            <mc:AlternateContent xmlns:mc="http://schemas.openxmlformats.org/markup-compatibility/2006">
-              <mc:Choice xmlns:v="urn:schemas-microsoft-com:vml" Requires="v">
-                <p:oleObj spid="_x0000_s2215" name="方程式" r:id="rId5" imgW="1803240" imgH="228600" progId="Equation.3">
-                  <p:embed/>
-                </p:oleObj>
-              </mc:Choice>
-              <mc:Fallback>
-                <p:oleObj name="方程式" r:id="rId5" imgW="1803240" imgH="228600" progId="Equation.3">
-                  <p:embed/>
-                  <p:pic>
-                    <p:nvPicPr>
-                      <p:cNvPr id="0" name="Picture 54"/>
-                      <p:cNvPicPr>
-                        <a:picLocks noChangeAspect="1" noChangeArrowheads="1"/>
-                      </p:cNvPicPr>
-                      <p:nvPr/>
-                    </p:nvPicPr>
-                    <p:blipFill>
-                      <a:blip r:embed="rId6"/>
-                      <a:srcRect/>
-                      <a:stretch>
-                        <a:fillRect/>
-                      </a:stretch>
-                    </p:blipFill>
-                    <p:spPr bwMode="auto">
-                      <a:xfrm>
-                        <a:off x="5227108" y="3770678"/>
-                        <a:ext cx="3600450" cy="584200"/>
-                      </a:xfrm>
-                      <a:prstGeom prst="rect">
-                        <a:avLst/>
-                      </a:prstGeom>
-                      <a:noFill/>
-                      <a:extLst>
-                        <a:ext uri="{909E8E84-426E-40DD-AFC4-6F175D3DCCD1}">
-                          <a14:hiddenFill xmlns:a14="http://schemas.microsoft.com/office/drawing/2010/main">
-                            <a:solidFill>
-                              <a:srgbClr val="FFFFFF"/>
-                            </a:solidFill>
-                          </a14:hiddenFill>
-                        </a:ext>
-                      </a:extLst>
-                    </p:spPr>
-                  </p:pic>
-                </p:oleObj>
-              </mc:Fallback>
-            </mc:AlternateContent>
+            <p:oleObj spid="_x0000_s2215" name="方程式" r:id="rId4" imgW="1803240" imgH="228600" progId="Equation.3">
+              <p:embed/>
+            </p:oleObj>
           </a:graphicData>
         </a:graphic>
       </p:graphicFrame>
@@ -2842,59 +2736,9 @@
         </p:xfrm>
         <a:graphic>
           <a:graphicData uri="http://schemas.openxmlformats.org/presentationml/2006/ole">
-            <mc:AlternateContent xmlns:mc="http://schemas.openxmlformats.org/markup-compatibility/2006">
-              <mc:Choice xmlns:v="urn:schemas-microsoft-com:vml" Requires="v">
-                <p:oleObj spid="_x0000_s2216" name="方程式" r:id="rId7" imgW="126725" imgH="126725" progId="Equation.3">
-                  <p:embed/>
-                </p:oleObj>
-              </mc:Choice>
-              <mc:Fallback>
-                <p:oleObj name="方程式" r:id="rId7" imgW="126725" imgH="126725" progId="Equation.3">
-                  <p:embed/>
-                  <p:pic>
-                    <p:nvPicPr>
-                      <p:cNvPr id="0" name="Picture 55"/>
-                      <p:cNvPicPr>
-                        <a:picLocks noChangeAspect="1" noChangeArrowheads="1"/>
-                      </p:cNvPicPr>
-                      <p:nvPr/>
-                    </p:nvPicPr>
-                    <p:blipFill>
-                      <a:blip r:embed="rId8">
-                        <a:extLst>
-                          <a:ext uri="{28A0092B-C50C-407E-A947-70E740481C1C}">
-                            <a14:useLocalDpi xmlns:a14="http://schemas.microsoft.com/office/drawing/2010/main" val="0"/>
-                          </a:ext>
-                        </a:extLst>
-                      </a:blip>
-                      <a:srcRect/>
-                      <a:stretch>
-                        <a:fillRect/>
-                      </a:stretch>
-                    </p:blipFill>
-                    <p:spPr bwMode="auto">
-                      <a:xfrm>
-                        <a:off x="3896897" y="3606860"/>
-                        <a:ext cx="1032291" cy="787340"/>
-                      </a:xfrm>
-                      <a:prstGeom prst="rect">
-                        <a:avLst/>
-                      </a:prstGeom>
-                      <a:noFill/>
-                      <a:extLst>
-                        <a:ext uri="{909E8E84-426E-40DD-AFC4-6F175D3DCCD1}">
-                          <a14:hiddenFill xmlns:a14="http://schemas.microsoft.com/office/drawing/2010/main">
-                            <a:solidFill>
-                              <a:srgbClr val="FFFFFF"/>
-                            </a:solidFill>
-                          </a14:hiddenFill>
-                        </a:ext>
-                      </a:extLst>
-                    </p:spPr>
-                  </p:pic>
-                </p:oleObj>
-              </mc:Fallback>
-            </mc:AlternateContent>
+            <p:oleObj spid="_x0000_s2216" name="方程式" r:id="rId5" imgW="126725" imgH="126725" progId="Equation.3">
+              <p:embed/>
+            </p:oleObj>
           </a:graphicData>
         </a:graphic>
       </p:graphicFrame>
@@ -3216,7 +3060,7 @@
     </p:spTree>
     <p:extLst>
       <p:ext uri="{BB962C8B-B14F-4D97-AF65-F5344CB8AC3E}">
-        <p14:creationId xmlns:p14="http://schemas.microsoft.com/office/powerpoint/2010/main" val="3427152478"/>
+        <p14:creationId xmlns="" xmlns:p14="http://schemas.microsoft.com/office/powerpoint/2010/main" val="3427152478"/>
       </p:ext>
     </p:extLst>
   </p:cSld>
@@ -3866,59 +3710,9 @@
         </p:xfrm>
         <a:graphic>
           <a:graphicData uri="http://schemas.openxmlformats.org/presentationml/2006/ole">
-            <mc:AlternateContent xmlns:mc="http://schemas.openxmlformats.org/markup-compatibility/2006">
-              <mc:Choice xmlns:v="urn:schemas-microsoft-com:vml" Requires="v">
-                <p:oleObj spid="_x0000_s3198" name="方程式" r:id="rId3" imgW="342751" imgH="203112" progId="Equation.3">
-                  <p:embed/>
-                </p:oleObj>
-              </mc:Choice>
-              <mc:Fallback>
-                <p:oleObj name="方程式" r:id="rId3" imgW="342751" imgH="203112" progId="Equation.3">
-                  <p:embed/>
-                  <p:pic>
-                    <p:nvPicPr>
-                      <p:cNvPr id="0" name="Picture 53"/>
-                      <p:cNvPicPr>
-                        <a:picLocks noChangeAspect="1" noChangeArrowheads="1"/>
-                      </p:cNvPicPr>
-                      <p:nvPr/>
-                    </p:nvPicPr>
-                    <p:blipFill>
-                      <a:blip r:embed="rId4">
-                        <a:extLst>
-                          <a:ext uri="{28A0092B-C50C-407E-A947-70E740481C1C}">
-                            <a14:useLocalDpi xmlns:a14="http://schemas.microsoft.com/office/drawing/2010/main" val="0"/>
-                          </a:ext>
-                        </a:extLst>
-                      </a:blip>
-                      <a:srcRect/>
-                      <a:stretch>
-                        <a:fillRect/>
-                      </a:stretch>
-                    </p:blipFill>
-                    <p:spPr bwMode="auto">
-                      <a:xfrm>
-                        <a:off x="1677860" y="3230032"/>
-                        <a:ext cx="814388" cy="482600"/>
-                      </a:xfrm>
-                      <a:prstGeom prst="rect">
-                        <a:avLst/>
-                      </a:prstGeom>
-                      <a:noFill/>
-                      <a:extLst>
-                        <a:ext uri="{909E8E84-426E-40DD-AFC4-6F175D3DCCD1}">
-                          <a14:hiddenFill xmlns:a14="http://schemas.microsoft.com/office/drawing/2010/main">
-                            <a:solidFill>
-                              <a:srgbClr val="FFFFFF"/>
-                            </a:solidFill>
-                          </a14:hiddenFill>
-                        </a:ext>
-                      </a:extLst>
-                    </p:spPr>
-                  </p:pic>
-                </p:oleObj>
-              </mc:Fallback>
-            </mc:AlternateContent>
+            <p:oleObj spid="_x0000_s3198" name="方程式" r:id="rId3" imgW="342751" imgH="203112" progId="Equation.3">
+              <p:embed/>
+            </p:oleObj>
           </a:graphicData>
         </a:graphic>
       </p:graphicFrame>
@@ -3936,59 +3730,9 @@
         </p:xfrm>
         <a:graphic>
           <a:graphicData uri="http://schemas.openxmlformats.org/presentationml/2006/ole">
-            <mc:AlternateContent xmlns:mc="http://schemas.openxmlformats.org/markup-compatibility/2006">
-              <mc:Choice xmlns:v="urn:schemas-microsoft-com:vml" Requires="v">
-                <p:oleObj spid="_x0000_s3199" name="方程式" r:id="rId5" imgW="126725" imgH="126725" progId="Equation.3">
-                  <p:embed/>
-                </p:oleObj>
-              </mc:Choice>
-              <mc:Fallback>
-                <p:oleObj name="方程式" r:id="rId5" imgW="126725" imgH="126725" progId="Equation.3">
-                  <p:embed/>
-                  <p:pic>
-                    <p:nvPicPr>
-                      <p:cNvPr id="0" name="Picture 55"/>
-                      <p:cNvPicPr>
-                        <a:picLocks noChangeAspect="1" noChangeArrowheads="1"/>
-                      </p:cNvPicPr>
-                      <p:nvPr/>
-                    </p:nvPicPr>
-                    <p:blipFill>
-                      <a:blip r:embed="rId6">
-                        <a:extLst>
-                          <a:ext uri="{28A0092B-C50C-407E-A947-70E740481C1C}">
-                            <a14:useLocalDpi xmlns:a14="http://schemas.microsoft.com/office/drawing/2010/main" val="0"/>
-                          </a:ext>
-                        </a:extLst>
-                      </a:blip>
-                      <a:srcRect/>
-                      <a:stretch>
-                        <a:fillRect/>
-                      </a:stretch>
-                    </p:blipFill>
-                    <p:spPr bwMode="auto">
-                      <a:xfrm>
-                        <a:off x="3910013" y="3039529"/>
-                        <a:ext cx="1019175" cy="776287"/>
-                      </a:xfrm>
-                      <a:prstGeom prst="rect">
-                        <a:avLst/>
-                      </a:prstGeom>
-                      <a:noFill/>
-                      <a:extLst>
-                        <a:ext uri="{909E8E84-426E-40DD-AFC4-6F175D3DCCD1}">
-                          <a14:hiddenFill xmlns:a14="http://schemas.microsoft.com/office/drawing/2010/main">
-                            <a:solidFill>
-                              <a:srgbClr val="FFFFFF"/>
-                            </a:solidFill>
-                          </a14:hiddenFill>
-                        </a:ext>
-                      </a:extLst>
-                    </p:spPr>
-                  </p:pic>
-                </p:oleObj>
-              </mc:Fallback>
-            </mc:AlternateContent>
+            <p:oleObj spid="_x0000_s3199" name="方程式" r:id="rId4" imgW="126725" imgH="126725" progId="Equation.3">
+              <p:embed/>
+            </p:oleObj>
           </a:graphicData>
         </a:graphic>
       </p:graphicFrame>
@@ -4179,7 +3923,7 @@
           <p:nvPr/>
         </p:nvPicPr>
         <p:blipFill>
-          <a:blip r:embed="rId7"/>
+          <a:blip r:embed="rId5"/>
           <a:srcRect/>
           <a:stretch>
             <a:fillRect/>
@@ -4216,66 +3960,16 @@
         </p:xfrm>
         <a:graphic>
           <a:graphicData uri="http://schemas.openxmlformats.org/presentationml/2006/ole">
-            <mc:AlternateContent xmlns:mc="http://schemas.openxmlformats.org/markup-compatibility/2006">
-              <mc:Choice xmlns:v="urn:schemas-microsoft-com:vml" Requires="v">
-                <p:oleObj spid="_x0000_s3200" name="方程式" r:id="rId8" imgW="1803240" imgH="228600" progId="Equation.3">
-                  <p:embed/>
-                </p:oleObj>
-              </mc:Choice>
-              <mc:Fallback>
-                <p:oleObj name="方程式" r:id="rId8" imgW="1803240" imgH="228600" progId="Equation.3">
-                  <p:embed/>
-                  <p:pic>
-                    <p:nvPicPr>
-                      <p:cNvPr id="0" name="Picture 62"/>
-                      <p:cNvPicPr>
-                        <a:picLocks noChangeAspect="1" noChangeArrowheads="1"/>
-                      </p:cNvPicPr>
-                      <p:nvPr/>
-                    </p:nvPicPr>
-                    <p:blipFill>
-                      <a:blip r:embed="rId9">
-                        <a:extLst>
-                          <a:ext uri="{28A0092B-C50C-407E-A947-70E740481C1C}">
-                            <a14:useLocalDpi xmlns:a14="http://schemas.microsoft.com/office/drawing/2010/main" val="0"/>
-                          </a:ext>
-                        </a:extLst>
-                      </a:blip>
-                      <a:srcRect/>
-                      <a:stretch>
-                        <a:fillRect/>
-                      </a:stretch>
-                    </p:blipFill>
-                    <p:spPr bwMode="auto">
-                      <a:xfrm>
-                        <a:off x="5112835" y="3196166"/>
-                        <a:ext cx="3692525" cy="533400"/>
-                      </a:xfrm>
-                      <a:prstGeom prst="rect">
-                        <a:avLst/>
-                      </a:prstGeom>
-                      <a:noFill/>
-                      <a:extLst>
-                        <a:ext uri="{909E8E84-426E-40DD-AFC4-6F175D3DCCD1}">
-                          <a14:hiddenFill xmlns:a14="http://schemas.microsoft.com/office/drawing/2010/main">
-                            <a:solidFill>
-                              <a:srgbClr val="FFFFFF"/>
-                            </a:solidFill>
-                          </a14:hiddenFill>
-                        </a:ext>
-                      </a:extLst>
-                    </p:spPr>
-                  </p:pic>
-                </p:oleObj>
-              </mc:Fallback>
-            </mc:AlternateContent>
+            <p:oleObj spid="_x0000_s3200" name="方程式" r:id="rId6" imgW="1803400" imgH="228600" progId="Equation.3">
+              <p:embed/>
+            </p:oleObj>
           </a:graphicData>
         </a:graphic>
       </p:graphicFrame>
     </p:spTree>
     <p:extLst>
       <p:ext uri="{BB962C8B-B14F-4D97-AF65-F5344CB8AC3E}">
-        <p14:creationId xmlns:p14="http://schemas.microsoft.com/office/powerpoint/2010/main" val="3427152478"/>
+        <p14:creationId xmlns="" xmlns:p14="http://schemas.microsoft.com/office/powerpoint/2010/main" val="3427152478"/>
       </p:ext>
     </p:extLst>
   </p:cSld>
@@ -4438,6 +4132,2498 @@
         <p:spPr>
           <a:xfrm>
             <a:off x="228600" y="228600"/>
+            <a:ext cx="6150723" cy="492443"/>
+          </a:xfrm>
+        </p:spPr>
+        <p:txBody>
+          <a:bodyPr/>
+          <a:lstStyle/>
+          <a:p>
+            <a:pPr marL="342900" indent="-342900"/>
+            <a:r>
+              <a:rPr lang="en-US" altLang="zh-TW" sz="3200" dirty="0" smtClean="0">
+                <a:solidFill>
+                  <a:schemeClr val="tx1"/>
+                </a:solidFill>
+                <a:latin typeface="+mj-lt"/>
+              </a:rPr>
+              <a:t>How to pick the diverse classifiers</a:t>
+            </a:r>
+            <a:endParaRPr lang="en-US" altLang="zh-TW" sz="3200" dirty="0">
+              <a:solidFill>
+                <a:schemeClr val="tx1"/>
+              </a:solidFill>
+              <a:latin typeface="+mj-lt"/>
+            </a:endParaRPr>
+          </a:p>
+        </p:txBody>
+      </p:sp>
+      <p:sp>
+        <p:nvSpPr>
+          <p:cNvPr id="5" name="圓角矩形 4"/>
+          <p:cNvSpPr/>
+          <p:nvPr/>
+        </p:nvSpPr>
+        <p:spPr>
+          <a:xfrm>
+            <a:off x="1695339" y="1126073"/>
+            <a:ext cx="1225706" cy="499534"/>
+          </a:xfrm>
+          <a:prstGeom prst="roundRect">
+            <a:avLst/>
+          </a:prstGeom>
+          <a:solidFill>
+            <a:schemeClr val="bg1"/>
+          </a:solidFill>
+          <a:ln w="12700" cmpd="sng">
+            <a:solidFill>
+              <a:schemeClr val="accent1"/>
+            </a:solidFill>
+          </a:ln>
+          <a:effectLst/>
+        </p:spPr>
+        <p:style>
+          <a:lnRef idx="1">
+            <a:schemeClr val="accent1"/>
+          </a:lnRef>
+          <a:fillRef idx="3">
+            <a:schemeClr val="accent1"/>
+          </a:fillRef>
+          <a:effectRef idx="2">
+            <a:schemeClr val="accent1"/>
+          </a:effectRef>
+          <a:fontRef idx="minor">
+            <a:schemeClr val="lt1"/>
+          </a:fontRef>
+        </p:style>
+        <p:txBody>
+          <a:bodyPr rtlCol="0" anchor="ctr"/>
+          <a:lstStyle/>
+          <a:p>
+            <a:pPr algn="ctr"/>
+            <a:r>
+              <a:rPr lang="en-US" altLang="zh-TW" sz="2000" dirty="0" smtClean="0">
+                <a:solidFill>
+                  <a:schemeClr val="tx1"/>
+                </a:solidFill>
+              </a:rPr>
+              <a:t>Data</a:t>
+            </a:r>
+            <a:endParaRPr lang="zh-TW" altLang="en-US" sz="2000" dirty="0">
+              <a:solidFill>
+                <a:schemeClr val="tx1"/>
+              </a:solidFill>
+            </a:endParaRPr>
+          </a:p>
+        </p:txBody>
+      </p:sp>
+      <p:sp>
+        <p:nvSpPr>
+          <p:cNvPr id="6" name="矩形 5"/>
+          <p:cNvSpPr/>
+          <p:nvPr/>
+        </p:nvSpPr>
+        <p:spPr>
+          <a:xfrm>
+            <a:off x="3699982" y="1126073"/>
+            <a:ext cx="2810929" cy="499534"/>
+          </a:xfrm>
+          <a:prstGeom prst="rect">
+            <a:avLst/>
+          </a:prstGeom>
+          <a:noFill/>
+          <a:ln w="12700"/>
+          <a:effectLst/>
+        </p:spPr>
+        <p:style>
+          <a:lnRef idx="1">
+            <a:schemeClr val="accent1"/>
+          </a:lnRef>
+          <a:fillRef idx="3">
+            <a:schemeClr val="accent1"/>
+          </a:fillRef>
+          <a:effectRef idx="2">
+            <a:schemeClr val="accent1"/>
+          </a:effectRef>
+          <a:fontRef idx="minor">
+            <a:schemeClr val="lt1"/>
+          </a:fontRef>
+        </p:style>
+        <p:txBody>
+          <a:bodyPr rtlCol="0" anchor="ctr"/>
+          <a:lstStyle/>
+          <a:p>
+            <a:pPr algn="ctr"/>
+            <a:r>
+              <a:rPr lang="en-US" altLang="zh-TW" sz="2000" dirty="0" smtClean="0">
+                <a:solidFill>
+                  <a:schemeClr val="tx1"/>
+                </a:solidFill>
+              </a:rPr>
+              <a:t>Classifier learner</a:t>
+            </a:r>
+            <a:endParaRPr lang="zh-TW" altLang="en-US" sz="2000" dirty="0">
+              <a:solidFill>
+                <a:schemeClr val="tx1"/>
+              </a:solidFill>
+            </a:endParaRPr>
+          </a:p>
+        </p:txBody>
+      </p:sp>
+      <p:sp>
+        <p:nvSpPr>
+          <p:cNvPr id="7" name="向右箭號 6"/>
+          <p:cNvSpPr/>
+          <p:nvPr/>
+        </p:nvSpPr>
+        <p:spPr>
+          <a:xfrm>
+            <a:off x="3064981" y="1231908"/>
+            <a:ext cx="491067" cy="262466"/>
+          </a:xfrm>
+          <a:prstGeom prst="rightArrow">
+            <a:avLst/>
+          </a:prstGeom>
+          <a:solidFill>
+            <a:srgbClr val="002060"/>
+          </a:solidFill>
+          <a:effectLst/>
+        </p:spPr>
+        <p:style>
+          <a:lnRef idx="1">
+            <a:schemeClr val="accent1"/>
+          </a:lnRef>
+          <a:fillRef idx="3">
+            <a:schemeClr val="accent1"/>
+          </a:fillRef>
+          <a:effectRef idx="2">
+            <a:schemeClr val="accent1"/>
+          </a:effectRef>
+          <a:fontRef idx="minor">
+            <a:schemeClr val="lt1"/>
+          </a:fontRef>
+        </p:style>
+        <p:txBody>
+          <a:bodyPr rtlCol="0" anchor="ctr"/>
+          <a:lstStyle/>
+          <a:p>
+            <a:pPr algn="ctr"/>
+            <a:endParaRPr lang="zh-TW" altLang="en-US"/>
+          </a:p>
+        </p:txBody>
+      </p:sp>
+      <p:sp>
+        <p:nvSpPr>
+          <p:cNvPr id="8" name="向右箭號 7"/>
+          <p:cNvSpPr/>
+          <p:nvPr/>
+        </p:nvSpPr>
+        <p:spPr>
+          <a:xfrm>
+            <a:off x="6679536" y="1231908"/>
+            <a:ext cx="491067" cy="262466"/>
+          </a:xfrm>
+          <a:prstGeom prst="rightArrow">
+            <a:avLst/>
+          </a:prstGeom>
+          <a:solidFill>
+            <a:srgbClr val="002060"/>
+          </a:solidFill>
+          <a:effectLst/>
+        </p:spPr>
+        <p:style>
+          <a:lnRef idx="1">
+            <a:schemeClr val="accent1"/>
+          </a:lnRef>
+          <a:fillRef idx="3">
+            <a:schemeClr val="accent1"/>
+          </a:fillRef>
+          <a:effectRef idx="2">
+            <a:schemeClr val="accent1"/>
+          </a:effectRef>
+          <a:fontRef idx="minor">
+            <a:schemeClr val="lt1"/>
+          </a:fontRef>
+        </p:style>
+        <p:txBody>
+          <a:bodyPr rtlCol="0" anchor="ctr"/>
+          <a:lstStyle/>
+          <a:p>
+            <a:pPr algn="ctr"/>
+            <a:endParaRPr lang="zh-TW" altLang="en-US"/>
+          </a:p>
+        </p:txBody>
+      </p:sp>
+      <p:graphicFrame>
+        <p:nvGraphicFramePr>
+          <p:cNvPr id="25602" name="Object 2"/>
+          <p:cNvGraphicFramePr>
+            <a:graphicFrameLocks noChangeAspect="1"/>
+          </p:cNvGraphicFramePr>
+          <p:nvPr/>
+        </p:nvGraphicFramePr>
+        <p:xfrm>
+          <a:off x="7269736" y="1128715"/>
+          <a:ext cx="873125" cy="512762"/>
+        </p:xfrm>
+        <a:graphic>
+          <a:graphicData uri="http://schemas.openxmlformats.org/presentationml/2006/ole">
+            <p:oleObj spid="_x0000_s25602" name="方程式" r:id="rId3" imgW="368280" imgH="215640" progId="Equation.3">
+              <p:embed/>
+            </p:oleObj>
+          </a:graphicData>
+        </a:graphic>
+      </p:graphicFrame>
+      <p:sp>
+        <p:nvSpPr>
+          <p:cNvPr id="11" name="右彎箭號 10"/>
+          <p:cNvSpPr/>
+          <p:nvPr/>
+        </p:nvSpPr>
+        <p:spPr>
+          <a:xfrm rot="10800000">
+            <a:off x="6679536" y="1896534"/>
+            <a:ext cx="950900" cy="499534"/>
+          </a:xfrm>
+          <a:prstGeom prst="bentArrow">
+            <a:avLst>
+              <a:gd name="adj1" fmla="val 25000"/>
+              <a:gd name="adj2" fmla="val 25000"/>
+              <a:gd name="adj3" fmla="val 25000"/>
+              <a:gd name="adj4" fmla="val 43750"/>
+            </a:avLst>
+          </a:prstGeom>
+          <a:solidFill>
+            <a:srgbClr val="002060"/>
+          </a:solidFill>
+          <a:effectLst/>
+        </p:spPr>
+        <p:style>
+          <a:lnRef idx="1">
+            <a:schemeClr val="accent1"/>
+          </a:lnRef>
+          <a:fillRef idx="3">
+            <a:schemeClr val="accent1"/>
+          </a:fillRef>
+          <a:effectRef idx="2">
+            <a:schemeClr val="accent1"/>
+          </a:effectRef>
+          <a:fontRef idx="minor">
+            <a:schemeClr val="lt1"/>
+          </a:fontRef>
+        </p:style>
+        <p:txBody>
+          <a:bodyPr rtlCol="0" anchor="ctr"/>
+          <a:lstStyle/>
+          <a:p>
+            <a:pPr algn="ctr"/>
+            <a:endParaRPr lang="zh-TW" altLang="en-US">
+              <a:solidFill>
+                <a:schemeClr val="tx1"/>
+              </a:solidFill>
+            </a:endParaRPr>
+          </a:p>
+        </p:txBody>
+      </p:sp>
+      <p:sp>
+        <p:nvSpPr>
+          <p:cNvPr id="12" name="矩形 11"/>
+          <p:cNvSpPr/>
+          <p:nvPr/>
+        </p:nvSpPr>
+        <p:spPr>
+          <a:xfrm>
+            <a:off x="3835426" y="1998134"/>
+            <a:ext cx="2556947" cy="499534"/>
+          </a:xfrm>
+          <a:prstGeom prst="rect">
+            <a:avLst/>
+          </a:prstGeom>
+          <a:solidFill>
+            <a:schemeClr val="accent1">
+              <a:lumMod val="20000"/>
+              <a:lumOff val="80000"/>
+            </a:schemeClr>
+          </a:solidFill>
+          <a:ln w="12700"/>
+          <a:effectLst/>
+        </p:spPr>
+        <p:style>
+          <a:lnRef idx="1">
+            <a:schemeClr val="accent1"/>
+          </a:lnRef>
+          <a:fillRef idx="3">
+            <a:schemeClr val="accent1"/>
+          </a:fillRef>
+          <a:effectRef idx="2">
+            <a:schemeClr val="accent1"/>
+          </a:effectRef>
+          <a:fontRef idx="minor">
+            <a:schemeClr val="lt1"/>
+          </a:fontRef>
+        </p:style>
+        <p:txBody>
+          <a:bodyPr rtlCol="0" anchor="ctr"/>
+          <a:lstStyle/>
+          <a:p>
+            <a:pPr algn="ctr"/>
+            <a:r>
+              <a:rPr lang="en-US" altLang="zh-TW" sz="2000" dirty="0" smtClean="0">
+                <a:solidFill>
+                  <a:schemeClr val="tx1"/>
+                </a:solidFill>
+              </a:rPr>
+              <a:t>Update data weights</a:t>
+            </a:r>
+            <a:endParaRPr lang="zh-TW" altLang="en-US" sz="2000" dirty="0">
+              <a:solidFill>
+                <a:schemeClr val="tx1"/>
+              </a:solidFill>
+            </a:endParaRPr>
+          </a:p>
+        </p:txBody>
+      </p:sp>
+      <p:sp>
+        <p:nvSpPr>
+          <p:cNvPr id="13" name="右彎箭號 12"/>
+          <p:cNvSpPr/>
+          <p:nvPr/>
+        </p:nvSpPr>
+        <p:spPr>
+          <a:xfrm rot="5400000" flipV="1">
+            <a:off x="2518787" y="1731424"/>
+            <a:ext cx="575893" cy="1447817"/>
+          </a:xfrm>
+          <a:prstGeom prst="bentArrow">
+            <a:avLst>
+              <a:gd name="adj1" fmla="val 25000"/>
+              <a:gd name="adj2" fmla="val 25000"/>
+              <a:gd name="adj3" fmla="val 25000"/>
+              <a:gd name="adj4" fmla="val 51298"/>
+            </a:avLst>
+          </a:prstGeom>
+          <a:solidFill>
+            <a:srgbClr val="002060"/>
+          </a:solidFill>
+          <a:effectLst/>
+        </p:spPr>
+        <p:style>
+          <a:lnRef idx="1">
+            <a:schemeClr val="accent1"/>
+          </a:lnRef>
+          <a:fillRef idx="3">
+            <a:schemeClr val="accent1"/>
+          </a:fillRef>
+          <a:effectRef idx="2">
+            <a:schemeClr val="accent1"/>
+          </a:effectRef>
+          <a:fontRef idx="minor">
+            <a:schemeClr val="lt1"/>
+          </a:fontRef>
+        </p:style>
+        <p:txBody>
+          <a:bodyPr rtlCol="0" anchor="ctr"/>
+          <a:lstStyle/>
+          <a:p>
+            <a:pPr algn="ctr"/>
+            <a:endParaRPr lang="zh-TW" altLang="en-US">
+              <a:solidFill>
+                <a:schemeClr val="tx1"/>
+              </a:solidFill>
+            </a:endParaRPr>
+          </a:p>
+        </p:txBody>
+      </p:sp>
+      <p:sp>
+        <p:nvSpPr>
+          <p:cNvPr id="14" name="圓角矩形 13"/>
+          <p:cNvSpPr/>
+          <p:nvPr/>
+        </p:nvSpPr>
+        <p:spPr>
+          <a:xfrm>
+            <a:off x="1695339" y="2895601"/>
+            <a:ext cx="1225706" cy="499534"/>
+          </a:xfrm>
+          <a:prstGeom prst="roundRect">
+            <a:avLst/>
+          </a:prstGeom>
+          <a:solidFill>
+            <a:schemeClr val="accent1">
+              <a:lumMod val="20000"/>
+              <a:lumOff val="80000"/>
+            </a:schemeClr>
+          </a:solidFill>
+          <a:ln w="12700" cmpd="sng">
+            <a:solidFill>
+              <a:schemeClr val="accent1"/>
+            </a:solidFill>
+          </a:ln>
+          <a:effectLst/>
+        </p:spPr>
+        <p:style>
+          <a:lnRef idx="1">
+            <a:schemeClr val="accent1"/>
+          </a:lnRef>
+          <a:fillRef idx="3">
+            <a:schemeClr val="accent1"/>
+          </a:fillRef>
+          <a:effectRef idx="2">
+            <a:schemeClr val="accent1"/>
+          </a:effectRef>
+          <a:fontRef idx="minor">
+            <a:schemeClr val="lt1"/>
+          </a:fontRef>
+        </p:style>
+        <p:txBody>
+          <a:bodyPr rtlCol="0" anchor="ctr"/>
+          <a:lstStyle/>
+          <a:p>
+            <a:pPr algn="ctr"/>
+            <a:r>
+              <a:rPr lang="en-US" altLang="zh-TW" sz="2000" dirty="0" smtClean="0">
+                <a:solidFill>
+                  <a:schemeClr val="tx1"/>
+                </a:solidFill>
+              </a:rPr>
+              <a:t>Data</a:t>
+            </a:r>
+            <a:endParaRPr lang="zh-TW" altLang="en-US" sz="2000" dirty="0">
+              <a:solidFill>
+                <a:schemeClr val="tx1"/>
+              </a:solidFill>
+            </a:endParaRPr>
+          </a:p>
+        </p:txBody>
+      </p:sp>
+      <p:sp>
+        <p:nvSpPr>
+          <p:cNvPr id="15" name="矩形 14"/>
+          <p:cNvSpPr/>
+          <p:nvPr/>
+        </p:nvSpPr>
+        <p:spPr>
+          <a:xfrm>
+            <a:off x="3708448" y="2895601"/>
+            <a:ext cx="2810929" cy="499534"/>
+          </a:xfrm>
+          <a:prstGeom prst="rect">
+            <a:avLst/>
+          </a:prstGeom>
+          <a:noFill/>
+          <a:ln w="12700"/>
+          <a:effectLst/>
+        </p:spPr>
+        <p:style>
+          <a:lnRef idx="1">
+            <a:schemeClr val="accent1"/>
+          </a:lnRef>
+          <a:fillRef idx="3">
+            <a:schemeClr val="accent1"/>
+          </a:fillRef>
+          <a:effectRef idx="2">
+            <a:schemeClr val="accent1"/>
+          </a:effectRef>
+          <a:fontRef idx="minor">
+            <a:schemeClr val="lt1"/>
+          </a:fontRef>
+        </p:style>
+        <p:txBody>
+          <a:bodyPr rtlCol="0" anchor="ctr"/>
+          <a:lstStyle/>
+          <a:p>
+            <a:pPr algn="ctr"/>
+            <a:r>
+              <a:rPr lang="en-US" altLang="zh-TW" sz="2000" dirty="0" smtClean="0">
+                <a:solidFill>
+                  <a:schemeClr val="tx1"/>
+                </a:solidFill>
+              </a:rPr>
+              <a:t>Classifier learner</a:t>
+            </a:r>
+            <a:endParaRPr lang="zh-TW" altLang="en-US" sz="2000" dirty="0">
+              <a:solidFill>
+                <a:schemeClr val="tx1"/>
+              </a:solidFill>
+            </a:endParaRPr>
+          </a:p>
+        </p:txBody>
+      </p:sp>
+      <p:sp>
+        <p:nvSpPr>
+          <p:cNvPr id="16" name="向右箭號 15"/>
+          <p:cNvSpPr/>
+          <p:nvPr/>
+        </p:nvSpPr>
+        <p:spPr>
+          <a:xfrm>
+            <a:off x="3073447" y="2992969"/>
+            <a:ext cx="491067" cy="262466"/>
+          </a:xfrm>
+          <a:prstGeom prst="rightArrow">
+            <a:avLst/>
+          </a:prstGeom>
+          <a:solidFill>
+            <a:srgbClr val="002060"/>
+          </a:solidFill>
+          <a:effectLst/>
+        </p:spPr>
+        <p:style>
+          <a:lnRef idx="1">
+            <a:schemeClr val="accent1"/>
+          </a:lnRef>
+          <a:fillRef idx="3">
+            <a:schemeClr val="accent1"/>
+          </a:fillRef>
+          <a:effectRef idx="2">
+            <a:schemeClr val="accent1"/>
+          </a:effectRef>
+          <a:fontRef idx="minor">
+            <a:schemeClr val="lt1"/>
+          </a:fontRef>
+        </p:style>
+        <p:txBody>
+          <a:bodyPr rtlCol="0" anchor="ctr"/>
+          <a:lstStyle/>
+          <a:p>
+            <a:pPr algn="ctr"/>
+            <a:endParaRPr lang="zh-TW" altLang="en-US"/>
+          </a:p>
+        </p:txBody>
+      </p:sp>
+      <p:sp>
+        <p:nvSpPr>
+          <p:cNvPr id="17" name="向右箭號 16"/>
+          <p:cNvSpPr/>
+          <p:nvPr/>
+        </p:nvSpPr>
+        <p:spPr>
+          <a:xfrm>
+            <a:off x="6688002" y="3001436"/>
+            <a:ext cx="491067" cy="262466"/>
+          </a:xfrm>
+          <a:prstGeom prst="rightArrow">
+            <a:avLst/>
+          </a:prstGeom>
+          <a:solidFill>
+            <a:srgbClr val="002060"/>
+          </a:solidFill>
+          <a:effectLst/>
+        </p:spPr>
+        <p:style>
+          <a:lnRef idx="1">
+            <a:schemeClr val="accent1"/>
+          </a:lnRef>
+          <a:fillRef idx="3">
+            <a:schemeClr val="accent1"/>
+          </a:fillRef>
+          <a:effectRef idx="2">
+            <a:schemeClr val="accent1"/>
+          </a:effectRef>
+          <a:fontRef idx="minor">
+            <a:schemeClr val="lt1"/>
+          </a:fontRef>
+        </p:style>
+        <p:txBody>
+          <a:bodyPr rtlCol="0" anchor="ctr"/>
+          <a:lstStyle/>
+          <a:p>
+            <a:pPr algn="ctr"/>
+            <a:endParaRPr lang="zh-TW" altLang="en-US"/>
+          </a:p>
+        </p:txBody>
+      </p:sp>
+      <p:graphicFrame>
+        <p:nvGraphicFramePr>
+          <p:cNvPr id="18" name="Object 2"/>
+          <p:cNvGraphicFramePr>
+            <a:graphicFrameLocks noChangeAspect="1"/>
+          </p:cNvGraphicFramePr>
+          <p:nvPr/>
+        </p:nvGraphicFramePr>
+        <p:xfrm>
+          <a:off x="7263903" y="2898777"/>
+          <a:ext cx="903287" cy="512763"/>
+        </p:xfrm>
+        <a:graphic>
+          <a:graphicData uri="http://schemas.openxmlformats.org/presentationml/2006/ole">
+            <p:oleObj spid="_x0000_s25603" name="方程式" r:id="rId4" imgW="380880" imgH="215640" progId="Equation.3">
+              <p:embed/>
+            </p:oleObj>
+          </a:graphicData>
+        </a:graphic>
+      </p:graphicFrame>
+      <p:sp>
+        <p:nvSpPr>
+          <p:cNvPr id="19" name="右彎箭號 18"/>
+          <p:cNvSpPr/>
+          <p:nvPr/>
+        </p:nvSpPr>
+        <p:spPr>
+          <a:xfrm rot="10800000">
+            <a:off x="6679536" y="3649136"/>
+            <a:ext cx="950900" cy="499534"/>
+          </a:xfrm>
+          <a:prstGeom prst="bentArrow">
+            <a:avLst>
+              <a:gd name="adj1" fmla="val 25000"/>
+              <a:gd name="adj2" fmla="val 25000"/>
+              <a:gd name="adj3" fmla="val 25000"/>
+              <a:gd name="adj4" fmla="val 43750"/>
+            </a:avLst>
+          </a:prstGeom>
+          <a:solidFill>
+            <a:srgbClr val="002060"/>
+          </a:solidFill>
+          <a:effectLst/>
+        </p:spPr>
+        <p:style>
+          <a:lnRef idx="1">
+            <a:schemeClr val="accent1"/>
+          </a:lnRef>
+          <a:fillRef idx="3">
+            <a:schemeClr val="accent1"/>
+          </a:fillRef>
+          <a:effectRef idx="2">
+            <a:schemeClr val="accent1"/>
+          </a:effectRef>
+          <a:fontRef idx="minor">
+            <a:schemeClr val="lt1"/>
+          </a:fontRef>
+        </p:style>
+        <p:txBody>
+          <a:bodyPr rtlCol="0" anchor="ctr"/>
+          <a:lstStyle/>
+          <a:p>
+            <a:pPr algn="ctr"/>
+            <a:endParaRPr lang="zh-TW" altLang="en-US">
+              <a:solidFill>
+                <a:schemeClr val="tx1"/>
+              </a:solidFill>
+            </a:endParaRPr>
+          </a:p>
+        </p:txBody>
+      </p:sp>
+      <p:sp>
+        <p:nvSpPr>
+          <p:cNvPr id="20" name="矩形 19"/>
+          <p:cNvSpPr/>
+          <p:nvPr/>
+        </p:nvSpPr>
+        <p:spPr>
+          <a:xfrm>
+            <a:off x="3835426" y="3750736"/>
+            <a:ext cx="2556947" cy="499534"/>
+          </a:xfrm>
+          <a:prstGeom prst="rect">
+            <a:avLst/>
+          </a:prstGeom>
+          <a:solidFill>
+            <a:schemeClr val="accent5">
+              <a:lumMod val="20000"/>
+              <a:lumOff val="80000"/>
+            </a:schemeClr>
+          </a:solidFill>
+          <a:ln w="12700"/>
+          <a:effectLst/>
+        </p:spPr>
+        <p:style>
+          <a:lnRef idx="1">
+            <a:schemeClr val="accent1"/>
+          </a:lnRef>
+          <a:fillRef idx="3">
+            <a:schemeClr val="accent1"/>
+          </a:fillRef>
+          <a:effectRef idx="2">
+            <a:schemeClr val="accent1"/>
+          </a:effectRef>
+          <a:fontRef idx="minor">
+            <a:schemeClr val="lt1"/>
+          </a:fontRef>
+        </p:style>
+        <p:txBody>
+          <a:bodyPr rtlCol="0" anchor="ctr"/>
+          <a:lstStyle/>
+          <a:p>
+            <a:pPr algn="ctr"/>
+            <a:r>
+              <a:rPr lang="en-US" altLang="zh-TW" sz="2000" dirty="0" smtClean="0">
+                <a:solidFill>
+                  <a:schemeClr val="tx1"/>
+                </a:solidFill>
+              </a:rPr>
+              <a:t>Update data weights</a:t>
+            </a:r>
+            <a:endParaRPr lang="zh-TW" altLang="en-US" sz="2000" dirty="0">
+              <a:solidFill>
+                <a:schemeClr val="tx1"/>
+              </a:solidFill>
+            </a:endParaRPr>
+          </a:p>
+        </p:txBody>
+      </p:sp>
+      <p:sp>
+        <p:nvSpPr>
+          <p:cNvPr id="21" name="右彎箭號 20"/>
+          <p:cNvSpPr/>
+          <p:nvPr/>
+        </p:nvSpPr>
+        <p:spPr>
+          <a:xfrm rot="5400000" flipV="1">
+            <a:off x="2518787" y="3484026"/>
+            <a:ext cx="575893" cy="1447817"/>
+          </a:xfrm>
+          <a:prstGeom prst="bentArrow">
+            <a:avLst>
+              <a:gd name="adj1" fmla="val 25000"/>
+              <a:gd name="adj2" fmla="val 25000"/>
+              <a:gd name="adj3" fmla="val 25000"/>
+              <a:gd name="adj4" fmla="val 51298"/>
+            </a:avLst>
+          </a:prstGeom>
+          <a:solidFill>
+            <a:srgbClr val="002060"/>
+          </a:solidFill>
+          <a:effectLst/>
+        </p:spPr>
+        <p:style>
+          <a:lnRef idx="1">
+            <a:schemeClr val="accent1"/>
+          </a:lnRef>
+          <a:fillRef idx="3">
+            <a:schemeClr val="accent1"/>
+          </a:fillRef>
+          <a:effectRef idx="2">
+            <a:schemeClr val="accent1"/>
+          </a:effectRef>
+          <a:fontRef idx="minor">
+            <a:schemeClr val="lt1"/>
+          </a:fontRef>
+        </p:style>
+        <p:txBody>
+          <a:bodyPr rtlCol="0" anchor="ctr"/>
+          <a:lstStyle/>
+          <a:p>
+            <a:pPr algn="ctr"/>
+            <a:endParaRPr lang="zh-TW" altLang="en-US">
+              <a:solidFill>
+                <a:schemeClr val="tx1"/>
+              </a:solidFill>
+            </a:endParaRPr>
+          </a:p>
+        </p:txBody>
+      </p:sp>
+      <p:sp>
+        <p:nvSpPr>
+          <p:cNvPr id="22" name="圓角矩形 21"/>
+          <p:cNvSpPr/>
+          <p:nvPr/>
+        </p:nvSpPr>
+        <p:spPr>
+          <a:xfrm>
+            <a:off x="1671010" y="4631797"/>
+            <a:ext cx="1225706" cy="499534"/>
+          </a:xfrm>
+          <a:prstGeom prst="roundRect">
+            <a:avLst/>
+          </a:prstGeom>
+          <a:solidFill>
+            <a:schemeClr val="accent5">
+              <a:lumMod val="20000"/>
+              <a:lumOff val="80000"/>
+            </a:schemeClr>
+          </a:solidFill>
+          <a:ln w="12700" cmpd="sng">
+            <a:solidFill>
+              <a:schemeClr val="accent1"/>
+            </a:solidFill>
+          </a:ln>
+          <a:effectLst/>
+        </p:spPr>
+        <p:style>
+          <a:lnRef idx="1">
+            <a:schemeClr val="accent1"/>
+          </a:lnRef>
+          <a:fillRef idx="3">
+            <a:schemeClr val="accent1"/>
+          </a:fillRef>
+          <a:effectRef idx="2">
+            <a:schemeClr val="accent1"/>
+          </a:effectRef>
+          <a:fontRef idx="minor">
+            <a:schemeClr val="lt1"/>
+          </a:fontRef>
+        </p:style>
+        <p:txBody>
+          <a:bodyPr rtlCol="0" anchor="ctr"/>
+          <a:lstStyle/>
+          <a:p>
+            <a:pPr algn="ctr"/>
+            <a:r>
+              <a:rPr lang="en-US" altLang="zh-TW" sz="2000" dirty="0" smtClean="0">
+                <a:solidFill>
+                  <a:schemeClr val="tx1"/>
+                </a:solidFill>
+              </a:rPr>
+              <a:t>Data</a:t>
+            </a:r>
+            <a:endParaRPr lang="zh-TW" altLang="en-US" sz="2000" dirty="0">
+              <a:solidFill>
+                <a:schemeClr val="tx1"/>
+              </a:solidFill>
+            </a:endParaRPr>
+          </a:p>
+        </p:txBody>
+      </p:sp>
+      <p:sp>
+        <p:nvSpPr>
+          <p:cNvPr id="23" name="矩形 22"/>
+          <p:cNvSpPr/>
+          <p:nvPr/>
+        </p:nvSpPr>
+        <p:spPr>
+          <a:xfrm>
+            <a:off x="3684119" y="4631797"/>
+            <a:ext cx="2810929" cy="499534"/>
+          </a:xfrm>
+          <a:prstGeom prst="rect">
+            <a:avLst/>
+          </a:prstGeom>
+          <a:noFill/>
+          <a:ln w="12700"/>
+          <a:effectLst/>
+        </p:spPr>
+        <p:style>
+          <a:lnRef idx="1">
+            <a:schemeClr val="accent1"/>
+          </a:lnRef>
+          <a:fillRef idx="3">
+            <a:schemeClr val="accent1"/>
+          </a:fillRef>
+          <a:effectRef idx="2">
+            <a:schemeClr val="accent1"/>
+          </a:effectRef>
+          <a:fontRef idx="minor">
+            <a:schemeClr val="lt1"/>
+          </a:fontRef>
+        </p:style>
+        <p:txBody>
+          <a:bodyPr rtlCol="0" anchor="ctr"/>
+          <a:lstStyle/>
+          <a:p>
+            <a:pPr algn="ctr"/>
+            <a:r>
+              <a:rPr lang="en-US" altLang="zh-TW" sz="2000" dirty="0" smtClean="0">
+                <a:solidFill>
+                  <a:schemeClr val="tx1"/>
+                </a:solidFill>
+              </a:rPr>
+              <a:t>Classifier learner</a:t>
+            </a:r>
+            <a:endParaRPr lang="zh-TW" altLang="en-US" sz="2000" dirty="0">
+              <a:solidFill>
+                <a:schemeClr val="tx1"/>
+              </a:solidFill>
+            </a:endParaRPr>
+          </a:p>
+        </p:txBody>
+      </p:sp>
+      <p:sp>
+        <p:nvSpPr>
+          <p:cNvPr id="24" name="向右箭號 23"/>
+          <p:cNvSpPr/>
+          <p:nvPr/>
+        </p:nvSpPr>
+        <p:spPr>
+          <a:xfrm>
+            <a:off x="3049118" y="4729165"/>
+            <a:ext cx="491067" cy="262466"/>
+          </a:xfrm>
+          <a:prstGeom prst="rightArrow">
+            <a:avLst/>
+          </a:prstGeom>
+          <a:solidFill>
+            <a:srgbClr val="002060"/>
+          </a:solidFill>
+          <a:effectLst/>
+        </p:spPr>
+        <p:style>
+          <a:lnRef idx="1">
+            <a:schemeClr val="accent1"/>
+          </a:lnRef>
+          <a:fillRef idx="3">
+            <a:schemeClr val="accent1"/>
+          </a:fillRef>
+          <a:effectRef idx="2">
+            <a:schemeClr val="accent1"/>
+          </a:effectRef>
+          <a:fontRef idx="minor">
+            <a:schemeClr val="lt1"/>
+          </a:fontRef>
+        </p:style>
+        <p:txBody>
+          <a:bodyPr rtlCol="0" anchor="ctr"/>
+          <a:lstStyle/>
+          <a:p>
+            <a:pPr algn="ctr"/>
+            <a:endParaRPr lang="zh-TW" altLang="en-US"/>
+          </a:p>
+        </p:txBody>
+      </p:sp>
+      <p:sp>
+        <p:nvSpPr>
+          <p:cNvPr id="25" name="向右箭號 24"/>
+          <p:cNvSpPr/>
+          <p:nvPr/>
+        </p:nvSpPr>
+        <p:spPr>
+          <a:xfrm>
+            <a:off x="6663673" y="4737632"/>
+            <a:ext cx="491067" cy="262466"/>
+          </a:xfrm>
+          <a:prstGeom prst="rightArrow">
+            <a:avLst/>
+          </a:prstGeom>
+          <a:solidFill>
+            <a:srgbClr val="002060"/>
+          </a:solidFill>
+          <a:effectLst/>
+        </p:spPr>
+        <p:style>
+          <a:lnRef idx="1">
+            <a:schemeClr val="accent1"/>
+          </a:lnRef>
+          <a:fillRef idx="3">
+            <a:schemeClr val="accent1"/>
+          </a:fillRef>
+          <a:effectRef idx="2">
+            <a:schemeClr val="accent1"/>
+          </a:effectRef>
+          <a:fontRef idx="minor">
+            <a:schemeClr val="lt1"/>
+          </a:fontRef>
+        </p:style>
+        <p:txBody>
+          <a:bodyPr rtlCol="0" anchor="ctr"/>
+          <a:lstStyle/>
+          <a:p>
+            <a:pPr algn="ctr"/>
+            <a:endParaRPr lang="zh-TW" altLang="en-US"/>
+          </a:p>
+        </p:txBody>
+      </p:sp>
+      <p:graphicFrame>
+        <p:nvGraphicFramePr>
+          <p:cNvPr id="26" name="Object 2"/>
+          <p:cNvGraphicFramePr>
+            <a:graphicFrameLocks noChangeAspect="1"/>
+          </p:cNvGraphicFramePr>
+          <p:nvPr/>
+        </p:nvGraphicFramePr>
+        <p:xfrm>
+          <a:off x="7240090" y="4621215"/>
+          <a:ext cx="903288" cy="542925"/>
+        </p:xfrm>
+        <a:graphic>
+          <a:graphicData uri="http://schemas.openxmlformats.org/presentationml/2006/ole">
+            <p:oleObj spid="_x0000_s25604" name="方程式" r:id="rId5" imgW="380880" imgH="228600" progId="Equation.3">
+              <p:embed/>
+            </p:oleObj>
+          </a:graphicData>
+        </a:graphic>
+      </p:graphicFrame>
+      <p:sp>
+        <p:nvSpPr>
+          <p:cNvPr id="27" name="文字方塊 26"/>
+          <p:cNvSpPr txBox="1"/>
+          <p:nvPr/>
+        </p:nvSpPr>
+        <p:spPr>
+          <a:xfrm>
+            <a:off x="558801" y="1204918"/>
+            <a:ext cx="588623" cy="369332"/>
+          </a:xfrm>
+          <a:prstGeom prst="rect">
+            <a:avLst/>
+          </a:prstGeom>
+          <a:noFill/>
+        </p:spPr>
+        <p:txBody>
+          <a:bodyPr wrap="none" rtlCol="0">
+            <a:spAutoFit/>
+          </a:bodyPr>
+          <a:lstStyle/>
+          <a:p>
+            <a:r>
+              <a:rPr lang="en-US" altLang="zh-TW" dirty="0" smtClean="0"/>
+              <a:t>T=1</a:t>
+            </a:r>
+            <a:endParaRPr lang="zh-TW" altLang="en-US" dirty="0"/>
+          </a:p>
+        </p:txBody>
+      </p:sp>
+      <p:sp>
+        <p:nvSpPr>
+          <p:cNvPr id="28" name="文字方塊 27"/>
+          <p:cNvSpPr txBox="1"/>
+          <p:nvPr/>
+        </p:nvSpPr>
+        <p:spPr>
+          <a:xfrm>
+            <a:off x="558801" y="2949579"/>
+            <a:ext cx="588623" cy="369332"/>
+          </a:xfrm>
+          <a:prstGeom prst="rect">
+            <a:avLst/>
+          </a:prstGeom>
+          <a:noFill/>
+        </p:spPr>
+        <p:txBody>
+          <a:bodyPr wrap="none" rtlCol="0">
+            <a:spAutoFit/>
+          </a:bodyPr>
+          <a:lstStyle/>
+          <a:p>
+            <a:r>
+              <a:rPr lang="en-US" altLang="zh-TW" dirty="0" smtClean="0"/>
+              <a:t>T=2</a:t>
+            </a:r>
+            <a:endParaRPr lang="zh-TW" altLang="en-US" dirty="0"/>
+          </a:p>
+        </p:txBody>
+      </p:sp>
+      <p:sp>
+        <p:nvSpPr>
+          <p:cNvPr id="29" name="文字方塊 28"/>
+          <p:cNvSpPr txBox="1"/>
+          <p:nvPr/>
+        </p:nvSpPr>
+        <p:spPr>
+          <a:xfrm>
+            <a:off x="558801" y="4659405"/>
+            <a:ext cx="588623" cy="369332"/>
+          </a:xfrm>
+          <a:prstGeom prst="rect">
+            <a:avLst/>
+          </a:prstGeom>
+          <a:noFill/>
+        </p:spPr>
+        <p:txBody>
+          <a:bodyPr wrap="none" rtlCol="0">
+            <a:spAutoFit/>
+          </a:bodyPr>
+          <a:lstStyle/>
+          <a:p>
+            <a:r>
+              <a:rPr lang="en-US" altLang="zh-TW" dirty="0" smtClean="0"/>
+              <a:t>T=3</a:t>
+            </a:r>
+            <a:endParaRPr lang="zh-TW" altLang="en-US" dirty="0"/>
+          </a:p>
+        </p:txBody>
+      </p:sp>
+      <p:sp>
+        <p:nvSpPr>
+          <p:cNvPr id="30" name="橢圓 29"/>
+          <p:cNvSpPr/>
+          <p:nvPr/>
+        </p:nvSpPr>
+        <p:spPr>
+          <a:xfrm>
+            <a:off x="794776" y="5164140"/>
+            <a:ext cx="151309" cy="126999"/>
+          </a:xfrm>
+          <a:prstGeom prst="ellipse">
+            <a:avLst/>
+          </a:prstGeom>
+          <a:solidFill>
+            <a:schemeClr val="tx1"/>
+          </a:solidFill>
+          <a:effectLst/>
+        </p:spPr>
+        <p:style>
+          <a:lnRef idx="1">
+            <a:schemeClr val="accent1"/>
+          </a:lnRef>
+          <a:fillRef idx="3">
+            <a:schemeClr val="accent1"/>
+          </a:fillRef>
+          <a:effectRef idx="2">
+            <a:schemeClr val="accent1"/>
+          </a:effectRef>
+          <a:fontRef idx="minor">
+            <a:schemeClr val="lt1"/>
+          </a:fontRef>
+        </p:style>
+        <p:txBody>
+          <a:bodyPr rtlCol="0" anchor="ctr"/>
+          <a:lstStyle/>
+          <a:p>
+            <a:pPr algn="ctr"/>
+            <a:endParaRPr lang="zh-TW" altLang="en-US"/>
+          </a:p>
+        </p:txBody>
+      </p:sp>
+      <p:sp>
+        <p:nvSpPr>
+          <p:cNvPr id="31" name="橢圓 30"/>
+          <p:cNvSpPr/>
+          <p:nvPr/>
+        </p:nvSpPr>
+        <p:spPr>
+          <a:xfrm>
+            <a:off x="794776" y="5430841"/>
+            <a:ext cx="151309" cy="126999"/>
+          </a:xfrm>
+          <a:prstGeom prst="ellipse">
+            <a:avLst/>
+          </a:prstGeom>
+          <a:solidFill>
+            <a:schemeClr val="tx1"/>
+          </a:solidFill>
+          <a:effectLst/>
+        </p:spPr>
+        <p:style>
+          <a:lnRef idx="1">
+            <a:schemeClr val="accent1"/>
+          </a:lnRef>
+          <a:fillRef idx="3">
+            <a:schemeClr val="accent1"/>
+          </a:fillRef>
+          <a:effectRef idx="2">
+            <a:schemeClr val="accent1"/>
+          </a:effectRef>
+          <a:fontRef idx="minor">
+            <a:schemeClr val="lt1"/>
+          </a:fontRef>
+        </p:style>
+        <p:txBody>
+          <a:bodyPr rtlCol="0" anchor="ctr"/>
+          <a:lstStyle/>
+          <a:p>
+            <a:pPr algn="ctr"/>
+            <a:endParaRPr lang="zh-TW" altLang="en-US"/>
+          </a:p>
+        </p:txBody>
+      </p:sp>
+      <p:sp>
+        <p:nvSpPr>
+          <p:cNvPr id="32" name="橢圓 31"/>
+          <p:cNvSpPr/>
+          <p:nvPr/>
+        </p:nvSpPr>
+        <p:spPr>
+          <a:xfrm>
+            <a:off x="795867" y="5697542"/>
+            <a:ext cx="151309" cy="126999"/>
+          </a:xfrm>
+          <a:prstGeom prst="ellipse">
+            <a:avLst/>
+          </a:prstGeom>
+          <a:solidFill>
+            <a:schemeClr val="tx1"/>
+          </a:solidFill>
+          <a:effectLst/>
+        </p:spPr>
+        <p:style>
+          <a:lnRef idx="1">
+            <a:schemeClr val="accent1"/>
+          </a:lnRef>
+          <a:fillRef idx="3">
+            <a:schemeClr val="accent1"/>
+          </a:fillRef>
+          <a:effectRef idx="2">
+            <a:schemeClr val="accent1"/>
+          </a:effectRef>
+          <a:fontRef idx="minor">
+            <a:schemeClr val="lt1"/>
+          </a:fontRef>
+        </p:style>
+        <p:txBody>
+          <a:bodyPr rtlCol="0" anchor="ctr"/>
+          <a:lstStyle/>
+          <a:p>
+            <a:pPr algn="ctr"/>
+            <a:endParaRPr lang="zh-TW" altLang="en-US"/>
+          </a:p>
+        </p:txBody>
+      </p:sp>
+      <p:sp>
+        <p:nvSpPr>
+          <p:cNvPr id="33" name="文字方塊 32"/>
+          <p:cNvSpPr txBox="1"/>
+          <p:nvPr/>
+        </p:nvSpPr>
+        <p:spPr>
+          <a:xfrm>
+            <a:off x="563005" y="5937922"/>
+            <a:ext cx="627095" cy="369332"/>
+          </a:xfrm>
+          <a:prstGeom prst="rect">
+            <a:avLst/>
+          </a:prstGeom>
+          <a:noFill/>
+        </p:spPr>
+        <p:txBody>
+          <a:bodyPr wrap="none" rtlCol="0">
+            <a:spAutoFit/>
+          </a:bodyPr>
+          <a:lstStyle/>
+          <a:p>
+            <a:r>
+              <a:rPr lang="en-US" altLang="zh-TW" dirty="0" smtClean="0"/>
+              <a:t>T=N</a:t>
+            </a:r>
+            <a:endParaRPr lang="zh-TW" altLang="en-US" dirty="0"/>
+          </a:p>
+        </p:txBody>
+      </p:sp>
+      <p:sp>
+        <p:nvSpPr>
+          <p:cNvPr id="34" name="橢圓 33"/>
+          <p:cNvSpPr/>
+          <p:nvPr/>
+        </p:nvSpPr>
+        <p:spPr>
+          <a:xfrm>
+            <a:off x="5052149" y="5168376"/>
+            <a:ext cx="151309" cy="126999"/>
+          </a:xfrm>
+          <a:prstGeom prst="ellipse">
+            <a:avLst/>
+          </a:prstGeom>
+          <a:solidFill>
+            <a:schemeClr val="tx1"/>
+          </a:solidFill>
+          <a:effectLst/>
+        </p:spPr>
+        <p:style>
+          <a:lnRef idx="1">
+            <a:schemeClr val="accent1"/>
+          </a:lnRef>
+          <a:fillRef idx="3">
+            <a:schemeClr val="accent1"/>
+          </a:fillRef>
+          <a:effectRef idx="2">
+            <a:schemeClr val="accent1"/>
+          </a:effectRef>
+          <a:fontRef idx="minor">
+            <a:schemeClr val="lt1"/>
+          </a:fontRef>
+        </p:style>
+        <p:txBody>
+          <a:bodyPr rtlCol="0" anchor="ctr"/>
+          <a:lstStyle/>
+          <a:p>
+            <a:pPr algn="ctr"/>
+            <a:endParaRPr lang="zh-TW" altLang="en-US"/>
+          </a:p>
+        </p:txBody>
+      </p:sp>
+      <p:sp>
+        <p:nvSpPr>
+          <p:cNvPr id="35" name="橢圓 34"/>
+          <p:cNvSpPr/>
+          <p:nvPr/>
+        </p:nvSpPr>
+        <p:spPr>
+          <a:xfrm>
+            <a:off x="5052149" y="5435077"/>
+            <a:ext cx="151309" cy="126999"/>
+          </a:xfrm>
+          <a:prstGeom prst="ellipse">
+            <a:avLst/>
+          </a:prstGeom>
+          <a:solidFill>
+            <a:schemeClr val="tx1"/>
+          </a:solidFill>
+          <a:effectLst/>
+        </p:spPr>
+        <p:style>
+          <a:lnRef idx="1">
+            <a:schemeClr val="accent1"/>
+          </a:lnRef>
+          <a:fillRef idx="3">
+            <a:schemeClr val="accent1"/>
+          </a:fillRef>
+          <a:effectRef idx="2">
+            <a:schemeClr val="accent1"/>
+          </a:effectRef>
+          <a:fontRef idx="minor">
+            <a:schemeClr val="lt1"/>
+          </a:fontRef>
+        </p:style>
+        <p:txBody>
+          <a:bodyPr rtlCol="0" anchor="ctr"/>
+          <a:lstStyle/>
+          <a:p>
+            <a:pPr algn="ctr"/>
+            <a:endParaRPr lang="zh-TW" altLang="en-US"/>
+          </a:p>
+        </p:txBody>
+      </p:sp>
+      <p:sp>
+        <p:nvSpPr>
+          <p:cNvPr id="36" name="橢圓 35"/>
+          <p:cNvSpPr/>
+          <p:nvPr/>
+        </p:nvSpPr>
+        <p:spPr>
+          <a:xfrm>
+            <a:off x="5053240" y="5701778"/>
+            <a:ext cx="151309" cy="126999"/>
+          </a:xfrm>
+          <a:prstGeom prst="ellipse">
+            <a:avLst/>
+          </a:prstGeom>
+          <a:solidFill>
+            <a:schemeClr val="tx1"/>
+          </a:solidFill>
+          <a:effectLst/>
+        </p:spPr>
+        <p:style>
+          <a:lnRef idx="1">
+            <a:schemeClr val="accent1"/>
+          </a:lnRef>
+          <a:fillRef idx="3">
+            <a:schemeClr val="accent1"/>
+          </a:fillRef>
+          <a:effectRef idx="2">
+            <a:schemeClr val="accent1"/>
+          </a:effectRef>
+          <a:fontRef idx="minor">
+            <a:schemeClr val="lt1"/>
+          </a:fontRef>
+        </p:style>
+        <p:txBody>
+          <a:bodyPr rtlCol="0" anchor="ctr"/>
+          <a:lstStyle/>
+          <a:p>
+            <a:pPr algn="ctr"/>
+            <a:endParaRPr lang="zh-TW" altLang="en-US"/>
+          </a:p>
+        </p:txBody>
+      </p:sp>
+      <p:sp>
+        <p:nvSpPr>
+          <p:cNvPr id="37" name="橢圓 36"/>
+          <p:cNvSpPr/>
+          <p:nvPr/>
+        </p:nvSpPr>
+        <p:spPr>
+          <a:xfrm>
+            <a:off x="7390388" y="5164140"/>
+            <a:ext cx="151309" cy="126999"/>
+          </a:xfrm>
+          <a:prstGeom prst="ellipse">
+            <a:avLst/>
+          </a:prstGeom>
+          <a:solidFill>
+            <a:schemeClr val="tx1"/>
+          </a:solidFill>
+          <a:effectLst/>
+        </p:spPr>
+        <p:style>
+          <a:lnRef idx="1">
+            <a:schemeClr val="accent1"/>
+          </a:lnRef>
+          <a:fillRef idx="3">
+            <a:schemeClr val="accent1"/>
+          </a:fillRef>
+          <a:effectRef idx="2">
+            <a:schemeClr val="accent1"/>
+          </a:effectRef>
+          <a:fontRef idx="minor">
+            <a:schemeClr val="lt1"/>
+          </a:fontRef>
+        </p:style>
+        <p:txBody>
+          <a:bodyPr rtlCol="0" anchor="ctr"/>
+          <a:lstStyle/>
+          <a:p>
+            <a:pPr algn="ctr"/>
+            <a:endParaRPr lang="zh-TW" altLang="en-US"/>
+          </a:p>
+        </p:txBody>
+      </p:sp>
+      <p:sp>
+        <p:nvSpPr>
+          <p:cNvPr id="38" name="橢圓 37"/>
+          <p:cNvSpPr/>
+          <p:nvPr/>
+        </p:nvSpPr>
+        <p:spPr>
+          <a:xfrm>
+            <a:off x="7390388" y="5430841"/>
+            <a:ext cx="151309" cy="126999"/>
+          </a:xfrm>
+          <a:prstGeom prst="ellipse">
+            <a:avLst/>
+          </a:prstGeom>
+          <a:solidFill>
+            <a:schemeClr val="tx1"/>
+          </a:solidFill>
+          <a:effectLst/>
+        </p:spPr>
+        <p:style>
+          <a:lnRef idx="1">
+            <a:schemeClr val="accent1"/>
+          </a:lnRef>
+          <a:fillRef idx="3">
+            <a:schemeClr val="accent1"/>
+          </a:fillRef>
+          <a:effectRef idx="2">
+            <a:schemeClr val="accent1"/>
+          </a:effectRef>
+          <a:fontRef idx="minor">
+            <a:schemeClr val="lt1"/>
+          </a:fontRef>
+        </p:style>
+        <p:txBody>
+          <a:bodyPr rtlCol="0" anchor="ctr"/>
+          <a:lstStyle/>
+          <a:p>
+            <a:pPr algn="ctr"/>
+            <a:endParaRPr lang="zh-TW" altLang="en-US"/>
+          </a:p>
+        </p:txBody>
+      </p:sp>
+      <p:sp>
+        <p:nvSpPr>
+          <p:cNvPr id="39" name="橢圓 38"/>
+          <p:cNvSpPr/>
+          <p:nvPr/>
+        </p:nvSpPr>
+        <p:spPr>
+          <a:xfrm>
+            <a:off x="7391479" y="5697542"/>
+            <a:ext cx="151309" cy="126999"/>
+          </a:xfrm>
+          <a:prstGeom prst="ellipse">
+            <a:avLst/>
+          </a:prstGeom>
+          <a:solidFill>
+            <a:schemeClr val="tx1"/>
+          </a:solidFill>
+          <a:effectLst/>
+        </p:spPr>
+        <p:style>
+          <a:lnRef idx="1">
+            <a:schemeClr val="accent1"/>
+          </a:lnRef>
+          <a:fillRef idx="3">
+            <a:schemeClr val="accent1"/>
+          </a:fillRef>
+          <a:effectRef idx="2">
+            <a:schemeClr val="accent1"/>
+          </a:effectRef>
+          <a:fontRef idx="minor">
+            <a:schemeClr val="lt1"/>
+          </a:fontRef>
+        </p:style>
+        <p:txBody>
+          <a:bodyPr rtlCol="0" anchor="ctr"/>
+          <a:lstStyle/>
+          <a:p>
+            <a:pPr algn="ctr"/>
+            <a:endParaRPr lang="zh-TW" altLang="en-US"/>
+          </a:p>
+        </p:txBody>
+      </p:sp>
+      <p:graphicFrame>
+        <p:nvGraphicFramePr>
+          <p:cNvPr id="25605" name="Object 5"/>
+          <p:cNvGraphicFramePr>
+            <a:graphicFrameLocks noChangeAspect="1"/>
+          </p:cNvGraphicFramePr>
+          <p:nvPr/>
+        </p:nvGraphicFramePr>
+        <p:xfrm>
+          <a:off x="7192963" y="5778500"/>
+          <a:ext cx="993775" cy="542925"/>
+        </p:xfrm>
+        <a:graphic>
+          <a:graphicData uri="http://schemas.openxmlformats.org/presentationml/2006/ole">
+            <p:oleObj spid="_x0000_s25605" name="方程式" r:id="rId6" imgW="419040" imgH="228600" progId="Equation.3">
+              <p:embed/>
+            </p:oleObj>
+          </a:graphicData>
+        </a:graphic>
+      </p:graphicFrame>
+    </p:spTree>
+    <p:extLst>
+      <p:ext uri="{BB962C8B-B14F-4D97-AF65-F5344CB8AC3E}">
+        <p14:creationId xmlns="" xmlns:p14="http://schemas.microsoft.com/office/powerpoint/2010/main" val="2123413861"/>
+      </p:ext>
+    </p:extLst>
+  </p:cSld>
+  <p:clrMapOvr>
+    <a:masterClrMapping/>
+  </p:clrMapOvr>
+  <p:timing>
+    <p:tnLst>
+      <p:par>
+        <p:cTn id="1" dur="indefinite" restart="never" nodeType="tmRoot">
+          <p:childTnLst>
+            <p:seq concurrent="1" nextAc="seek">
+              <p:cTn id="2" dur="indefinite" nodeType="mainSeq">
+                <p:childTnLst>
+                  <p:par>
+                    <p:cTn id="3" fill="hold">
+                      <p:stCondLst>
+                        <p:cond delay="indefinite"/>
+                      </p:stCondLst>
+                      <p:childTnLst>
+                        <p:par>
+                          <p:cTn id="4" fill="hold">
+                            <p:stCondLst>
+                              <p:cond delay="0"/>
+                            </p:stCondLst>
+                            <p:childTnLst>
+                              <p:par>
+                                <p:cTn id="5" presetID="1" presetClass="entr" presetSubtype="0" fill="hold" grpId="0" nodeType="clickEffect">
+                                  <p:stCondLst>
+                                    <p:cond delay="0"/>
+                                  </p:stCondLst>
+                                  <p:childTnLst>
+                                    <p:set>
+                                      <p:cBhvr>
+                                        <p:cTn id="6" dur="1" fill="hold">
+                                          <p:stCondLst>
+                                            <p:cond delay="0"/>
+                                          </p:stCondLst>
+                                        </p:cTn>
+                                        <p:tgtEl>
+                                          <p:spTgt spid="11"/>
+                                        </p:tgtEl>
+                                        <p:attrNameLst>
+                                          <p:attrName>style.visibility</p:attrName>
+                                        </p:attrNameLst>
+                                      </p:cBhvr>
+                                      <p:to>
+                                        <p:strVal val="visible"/>
+                                      </p:to>
+                                    </p:set>
+                                  </p:childTnLst>
+                                </p:cTn>
+                              </p:par>
+                              <p:par>
+                                <p:cTn id="7" presetID="1" presetClass="entr" presetSubtype="0" fill="hold" grpId="0" nodeType="withEffect">
+                                  <p:stCondLst>
+                                    <p:cond delay="0"/>
+                                  </p:stCondLst>
+                                  <p:childTnLst>
+                                    <p:set>
+                                      <p:cBhvr>
+                                        <p:cTn id="8" dur="1" fill="hold">
+                                          <p:stCondLst>
+                                            <p:cond delay="0"/>
+                                          </p:stCondLst>
+                                        </p:cTn>
+                                        <p:tgtEl>
+                                          <p:spTgt spid="12"/>
+                                        </p:tgtEl>
+                                        <p:attrNameLst>
+                                          <p:attrName>style.visibility</p:attrName>
+                                        </p:attrNameLst>
+                                      </p:cBhvr>
+                                      <p:to>
+                                        <p:strVal val="visible"/>
+                                      </p:to>
+                                    </p:set>
+                                  </p:childTnLst>
+                                </p:cTn>
+                              </p:par>
+                              <p:par>
+                                <p:cTn id="9" presetID="1" presetClass="entr" presetSubtype="0" fill="hold" grpId="0" nodeType="withEffect">
+                                  <p:stCondLst>
+                                    <p:cond delay="0"/>
+                                  </p:stCondLst>
+                                  <p:childTnLst>
+                                    <p:set>
+                                      <p:cBhvr>
+                                        <p:cTn id="10" dur="1" fill="hold">
+                                          <p:stCondLst>
+                                            <p:cond delay="0"/>
+                                          </p:stCondLst>
+                                        </p:cTn>
+                                        <p:tgtEl>
+                                          <p:spTgt spid="13"/>
+                                        </p:tgtEl>
+                                        <p:attrNameLst>
+                                          <p:attrName>style.visibility</p:attrName>
+                                        </p:attrNameLst>
+                                      </p:cBhvr>
+                                      <p:to>
+                                        <p:strVal val="visible"/>
+                                      </p:to>
+                                    </p:set>
+                                  </p:childTnLst>
+                                </p:cTn>
+                              </p:par>
+                              <p:par>
+                                <p:cTn id="11" presetID="1" presetClass="entr" presetSubtype="0" fill="hold" grpId="0" nodeType="withEffect">
+                                  <p:stCondLst>
+                                    <p:cond delay="0"/>
+                                  </p:stCondLst>
+                                  <p:childTnLst>
+                                    <p:set>
+                                      <p:cBhvr>
+                                        <p:cTn id="12" dur="1" fill="hold">
+                                          <p:stCondLst>
+                                            <p:cond delay="0"/>
+                                          </p:stCondLst>
+                                        </p:cTn>
+                                        <p:tgtEl>
+                                          <p:spTgt spid="14"/>
+                                        </p:tgtEl>
+                                        <p:attrNameLst>
+                                          <p:attrName>style.visibility</p:attrName>
+                                        </p:attrNameLst>
+                                      </p:cBhvr>
+                                      <p:to>
+                                        <p:strVal val="visible"/>
+                                      </p:to>
+                                    </p:set>
+                                  </p:childTnLst>
+                                </p:cTn>
+                              </p:par>
+                              <p:par>
+                                <p:cTn id="13" presetID="1" presetClass="entr" presetSubtype="0" fill="hold" grpId="0" nodeType="withEffect">
+                                  <p:stCondLst>
+                                    <p:cond delay="0"/>
+                                  </p:stCondLst>
+                                  <p:childTnLst>
+                                    <p:set>
+                                      <p:cBhvr>
+                                        <p:cTn id="14" dur="1" fill="hold">
+                                          <p:stCondLst>
+                                            <p:cond delay="0"/>
+                                          </p:stCondLst>
+                                        </p:cTn>
+                                        <p:tgtEl>
+                                          <p:spTgt spid="28"/>
+                                        </p:tgtEl>
+                                        <p:attrNameLst>
+                                          <p:attrName>style.visibility</p:attrName>
+                                        </p:attrNameLst>
+                                      </p:cBhvr>
+                                      <p:to>
+                                        <p:strVal val="visible"/>
+                                      </p:to>
+                                    </p:set>
+                                  </p:childTnLst>
+                                </p:cTn>
+                              </p:par>
+                            </p:childTnLst>
+                          </p:cTn>
+                        </p:par>
+                      </p:childTnLst>
+                    </p:cTn>
+                  </p:par>
+                  <p:par>
+                    <p:cTn id="15" fill="hold">
+                      <p:stCondLst>
+                        <p:cond delay="indefinite"/>
+                      </p:stCondLst>
+                      <p:childTnLst>
+                        <p:par>
+                          <p:cTn id="16" fill="hold">
+                            <p:stCondLst>
+                              <p:cond delay="0"/>
+                            </p:stCondLst>
+                            <p:childTnLst>
+                              <p:par>
+                                <p:cTn id="17" presetID="1" presetClass="entr" presetSubtype="0" fill="hold" grpId="0" nodeType="clickEffect">
+                                  <p:stCondLst>
+                                    <p:cond delay="0"/>
+                                  </p:stCondLst>
+                                  <p:childTnLst>
+                                    <p:set>
+                                      <p:cBhvr>
+                                        <p:cTn id="18" dur="1" fill="hold">
+                                          <p:stCondLst>
+                                            <p:cond delay="0"/>
+                                          </p:stCondLst>
+                                        </p:cTn>
+                                        <p:tgtEl>
+                                          <p:spTgt spid="15"/>
+                                        </p:tgtEl>
+                                        <p:attrNameLst>
+                                          <p:attrName>style.visibility</p:attrName>
+                                        </p:attrNameLst>
+                                      </p:cBhvr>
+                                      <p:to>
+                                        <p:strVal val="visible"/>
+                                      </p:to>
+                                    </p:set>
+                                  </p:childTnLst>
+                                </p:cTn>
+                              </p:par>
+                              <p:par>
+                                <p:cTn id="19" presetID="1" presetClass="entr" presetSubtype="0" fill="hold" grpId="0" nodeType="withEffect">
+                                  <p:stCondLst>
+                                    <p:cond delay="0"/>
+                                  </p:stCondLst>
+                                  <p:childTnLst>
+                                    <p:set>
+                                      <p:cBhvr>
+                                        <p:cTn id="20" dur="1" fill="hold">
+                                          <p:stCondLst>
+                                            <p:cond delay="0"/>
+                                          </p:stCondLst>
+                                        </p:cTn>
+                                        <p:tgtEl>
+                                          <p:spTgt spid="16"/>
+                                        </p:tgtEl>
+                                        <p:attrNameLst>
+                                          <p:attrName>style.visibility</p:attrName>
+                                        </p:attrNameLst>
+                                      </p:cBhvr>
+                                      <p:to>
+                                        <p:strVal val="visible"/>
+                                      </p:to>
+                                    </p:set>
+                                  </p:childTnLst>
+                                </p:cTn>
+                              </p:par>
+                              <p:par>
+                                <p:cTn id="21" presetID="1" presetClass="entr" presetSubtype="0" fill="hold" grpId="0" nodeType="withEffect">
+                                  <p:stCondLst>
+                                    <p:cond delay="0"/>
+                                  </p:stCondLst>
+                                  <p:childTnLst>
+                                    <p:set>
+                                      <p:cBhvr>
+                                        <p:cTn id="22" dur="1" fill="hold">
+                                          <p:stCondLst>
+                                            <p:cond delay="0"/>
+                                          </p:stCondLst>
+                                        </p:cTn>
+                                        <p:tgtEl>
+                                          <p:spTgt spid="17"/>
+                                        </p:tgtEl>
+                                        <p:attrNameLst>
+                                          <p:attrName>style.visibility</p:attrName>
+                                        </p:attrNameLst>
+                                      </p:cBhvr>
+                                      <p:to>
+                                        <p:strVal val="visible"/>
+                                      </p:to>
+                                    </p:set>
+                                  </p:childTnLst>
+                                </p:cTn>
+                              </p:par>
+                              <p:par>
+                                <p:cTn id="23" presetID="1" presetClass="entr" presetSubtype="0" fill="hold" nodeType="withEffect">
+                                  <p:stCondLst>
+                                    <p:cond delay="0"/>
+                                  </p:stCondLst>
+                                  <p:childTnLst>
+                                    <p:set>
+                                      <p:cBhvr>
+                                        <p:cTn id="24" dur="1" fill="hold">
+                                          <p:stCondLst>
+                                            <p:cond delay="0"/>
+                                          </p:stCondLst>
+                                        </p:cTn>
+                                        <p:tgtEl>
+                                          <p:spTgt spid="18"/>
+                                        </p:tgtEl>
+                                        <p:attrNameLst>
+                                          <p:attrName>style.visibility</p:attrName>
+                                        </p:attrNameLst>
+                                      </p:cBhvr>
+                                      <p:to>
+                                        <p:strVal val="visible"/>
+                                      </p:to>
+                                    </p:set>
+                                  </p:childTnLst>
+                                </p:cTn>
+                              </p:par>
+                            </p:childTnLst>
+                          </p:cTn>
+                        </p:par>
+                      </p:childTnLst>
+                    </p:cTn>
+                  </p:par>
+                  <p:par>
+                    <p:cTn id="25" fill="hold">
+                      <p:stCondLst>
+                        <p:cond delay="indefinite"/>
+                      </p:stCondLst>
+                      <p:childTnLst>
+                        <p:par>
+                          <p:cTn id="26" fill="hold">
+                            <p:stCondLst>
+                              <p:cond delay="0"/>
+                            </p:stCondLst>
+                            <p:childTnLst>
+                              <p:par>
+                                <p:cTn id="27" presetID="1" presetClass="entr" presetSubtype="0" fill="hold" grpId="0" nodeType="clickEffect">
+                                  <p:stCondLst>
+                                    <p:cond delay="0"/>
+                                  </p:stCondLst>
+                                  <p:childTnLst>
+                                    <p:set>
+                                      <p:cBhvr>
+                                        <p:cTn id="28" dur="1" fill="hold">
+                                          <p:stCondLst>
+                                            <p:cond delay="0"/>
+                                          </p:stCondLst>
+                                        </p:cTn>
+                                        <p:tgtEl>
+                                          <p:spTgt spid="19"/>
+                                        </p:tgtEl>
+                                        <p:attrNameLst>
+                                          <p:attrName>style.visibility</p:attrName>
+                                        </p:attrNameLst>
+                                      </p:cBhvr>
+                                      <p:to>
+                                        <p:strVal val="visible"/>
+                                      </p:to>
+                                    </p:set>
+                                  </p:childTnLst>
+                                </p:cTn>
+                              </p:par>
+                              <p:par>
+                                <p:cTn id="29" presetID="1" presetClass="entr" presetSubtype="0" fill="hold" grpId="0" nodeType="withEffect">
+                                  <p:stCondLst>
+                                    <p:cond delay="0"/>
+                                  </p:stCondLst>
+                                  <p:childTnLst>
+                                    <p:set>
+                                      <p:cBhvr>
+                                        <p:cTn id="30" dur="1" fill="hold">
+                                          <p:stCondLst>
+                                            <p:cond delay="0"/>
+                                          </p:stCondLst>
+                                        </p:cTn>
+                                        <p:tgtEl>
+                                          <p:spTgt spid="20"/>
+                                        </p:tgtEl>
+                                        <p:attrNameLst>
+                                          <p:attrName>style.visibility</p:attrName>
+                                        </p:attrNameLst>
+                                      </p:cBhvr>
+                                      <p:to>
+                                        <p:strVal val="visible"/>
+                                      </p:to>
+                                    </p:set>
+                                  </p:childTnLst>
+                                </p:cTn>
+                              </p:par>
+                              <p:par>
+                                <p:cTn id="31" presetID="1" presetClass="entr" presetSubtype="0" fill="hold" grpId="0" nodeType="withEffect">
+                                  <p:stCondLst>
+                                    <p:cond delay="0"/>
+                                  </p:stCondLst>
+                                  <p:childTnLst>
+                                    <p:set>
+                                      <p:cBhvr>
+                                        <p:cTn id="32" dur="1" fill="hold">
+                                          <p:stCondLst>
+                                            <p:cond delay="0"/>
+                                          </p:stCondLst>
+                                        </p:cTn>
+                                        <p:tgtEl>
+                                          <p:spTgt spid="21"/>
+                                        </p:tgtEl>
+                                        <p:attrNameLst>
+                                          <p:attrName>style.visibility</p:attrName>
+                                        </p:attrNameLst>
+                                      </p:cBhvr>
+                                      <p:to>
+                                        <p:strVal val="visible"/>
+                                      </p:to>
+                                    </p:set>
+                                  </p:childTnLst>
+                                </p:cTn>
+                              </p:par>
+                              <p:par>
+                                <p:cTn id="33" presetID="1" presetClass="entr" presetSubtype="0" fill="hold" grpId="0" nodeType="withEffect">
+                                  <p:stCondLst>
+                                    <p:cond delay="0"/>
+                                  </p:stCondLst>
+                                  <p:childTnLst>
+                                    <p:set>
+                                      <p:cBhvr>
+                                        <p:cTn id="34" dur="1" fill="hold">
+                                          <p:stCondLst>
+                                            <p:cond delay="0"/>
+                                          </p:stCondLst>
+                                        </p:cTn>
+                                        <p:tgtEl>
+                                          <p:spTgt spid="22"/>
+                                        </p:tgtEl>
+                                        <p:attrNameLst>
+                                          <p:attrName>style.visibility</p:attrName>
+                                        </p:attrNameLst>
+                                      </p:cBhvr>
+                                      <p:to>
+                                        <p:strVal val="visible"/>
+                                      </p:to>
+                                    </p:set>
+                                  </p:childTnLst>
+                                </p:cTn>
+                              </p:par>
+                              <p:par>
+                                <p:cTn id="35" presetID="1" presetClass="entr" presetSubtype="0" fill="hold" grpId="0" nodeType="withEffect">
+                                  <p:stCondLst>
+                                    <p:cond delay="0"/>
+                                  </p:stCondLst>
+                                  <p:childTnLst>
+                                    <p:set>
+                                      <p:cBhvr>
+                                        <p:cTn id="36" dur="1" fill="hold">
+                                          <p:stCondLst>
+                                            <p:cond delay="0"/>
+                                          </p:stCondLst>
+                                        </p:cTn>
+                                        <p:tgtEl>
+                                          <p:spTgt spid="29"/>
+                                        </p:tgtEl>
+                                        <p:attrNameLst>
+                                          <p:attrName>style.visibility</p:attrName>
+                                        </p:attrNameLst>
+                                      </p:cBhvr>
+                                      <p:to>
+                                        <p:strVal val="visible"/>
+                                      </p:to>
+                                    </p:set>
+                                  </p:childTnLst>
+                                </p:cTn>
+                              </p:par>
+                            </p:childTnLst>
+                          </p:cTn>
+                        </p:par>
+                      </p:childTnLst>
+                    </p:cTn>
+                  </p:par>
+                  <p:par>
+                    <p:cTn id="37" fill="hold">
+                      <p:stCondLst>
+                        <p:cond delay="indefinite"/>
+                      </p:stCondLst>
+                      <p:childTnLst>
+                        <p:par>
+                          <p:cTn id="38" fill="hold">
+                            <p:stCondLst>
+                              <p:cond delay="0"/>
+                            </p:stCondLst>
+                            <p:childTnLst>
+                              <p:par>
+                                <p:cTn id="39" presetID="1" presetClass="entr" presetSubtype="0" fill="hold" grpId="0" nodeType="clickEffect">
+                                  <p:stCondLst>
+                                    <p:cond delay="0"/>
+                                  </p:stCondLst>
+                                  <p:childTnLst>
+                                    <p:set>
+                                      <p:cBhvr>
+                                        <p:cTn id="40" dur="1" fill="hold">
+                                          <p:stCondLst>
+                                            <p:cond delay="0"/>
+                                          </p:stCondLst>
+                                        </p:cTn>
+                                        <p:tgtEl>
+                                          <p:spTgt spid="23"/>
+                                        </p:tgtEl>
+                                        <p:attrNameLst>
+                                          <p:attrName>style.visibility</p:attrName>
+                                        </p:attrNameLst>
+                                      </p:cBhvr>
+                                      <p:to>
+                                        <p:strVal val="visible"/>
+                                      </p:to>
+                                    </p:set>
+                                  </p:childTnLst>
+                                </p:cTn>
+                              </p:par>
+                              <p:par>
+                                <p:cTn id="41" presetID="1" presetClass="entr" presetSubtype="0" fill="hold" grpId="0" nodeType="withEffect">
+                                  <p:stCondLst>
+                                    <p:cond delay="0"/>
+                                  </p:stCondLst>
+                                  <p:childTnLst>
+                                    <p:set>
+                                      <p:cBhvr>
+                                        <p:cTn id="42" dur="1" fill="hold">
+                                          <p:stCondLst>
+                                            <p:cond delay="0"/>
+                                          </p:stCondLst>
+                                        </p:cTn>
+                                        <p:tgtEl>
+                                          <p:spTgt spid="25"/>
+                                        </p:tgtEl>
+                                        <p:attrNameLst>
+                                          <p:attrName>style.visibility</p:attrName>
+                                        </p:attrNameLst>
+                                      </p:cBhvr>
+                                      <p:to>
+                                        <p:strVal val="visible"/>
+                                      </p:to>
+                                    </p:set>
+                                  </p:childTnLst>
+                                </p:cTn>
+                              </p:par>
+                              <p:par>
+                                <p:cTn id="43" presetID="1" presetClass="entr" presetSubtype="0" fill="hold" nodeType="withEffect">
+                                  <p:stCondLst>
+                                    <p:cond delay="0"/>
+                                  </p:stCondLst>
+                                  <p:childTnLst>
+                                    <p:set>
+                                      <p:cBhvr>
+                                        <p:cTn id="44" dur="1" fill="hold">
+                                          <p:stCondLst>
+                                            <p:cond delay="0"/>
+                                          </p:stCondLst>
+                                        </p:cTn>
+                                        <p:tgtEl>
+                                          <p:spTgt spid="26"/>
+                                        </p:tgtEl>
+                                        <p:attrNameLst>
+                                          <p:attrName>style.visibility</p:attrName>
+                                        </p:attrNameLst>
+                                      </p:cBhvr>
+                                      <p:to>
+                                        <p:strVal val="visible"/>
+                                      </p:to>
+                                    </p:set>
+                                  </p:childTnLst>
+                                </p:cTn>
+                              </p:par>
+                              <p:par>
+                                <p:cTn id="45" presetID="1" presetClass="entr" presetSubtype="0" fill="hold" grpId="0" nodeType="withEffect">
+                                  <p:stCondLst>
+                                    <p:cond delay="0"/>
+                                  </p:stCondLst>
+                                  <p:childTnLst>
+                                    <p:set>
+                                      <p:cBhvr>
+                                        <p:cTn id="46" dur="1" fill="hold">
+                                          <p:stCondLst>
+                                            <p:cond delay="0"/>
+                                          </p:stCondLst>
+                                        </p:cTn>
+                                        <p:tgtEl>
+                                          <p:spTgt spid="24"/>
+                                        </p:tgtEl>
+                                        <p:attrNameLst>
+                                          <p:attrName>style.visibility</p:attrName>
+                                        </p:attrNameLst>
+                                      </p:cBhvr>
+                                      <p:to>
+                                        <p:strVal val="visible"/>
+                                      </p:to>
+                                    </p:set>
+                                  </p:childTnLst>
+                                </p:cTn>
+                              </p:par>
+                            </p:childTnLst>
+                          </p:cTn>
+                        </p:par>
+                      </p:childTnLst>
+                    </p:cTn>
+                  </p:par>
+                  <p:par>
+                    <p:cTn id="47" fill="hold">
+                      <p:stCondLst>
+                        <p:cond delay="indefinite"/>
+                      </p:stCondLst>
+                      <p:childTnLst>
+                        <p:par>
+                          <p:cTn id="48" fill="hold">
+                            <p:stCondLst>
+                              <p:cond delay="0"/>
+                            </p:stCondLst>
+                            <p:childTnLst>
+                              <p:par>
+                                <p:cTn id="49" presetID="1" presetClass="entr" presetSubtype="0" fill="hold" grpId="0" nodeType="clickEffect">
+                                  <p:stCondLst>
+                                    <p:cond delay="0"/>
+                                  </p:stCondLst>
+                                  <p:childTnLst>
+                                    <p:set>
+                                      <p:cBhvr>
+                                        <p:cTn id="50" dur="1" fill="hold">
+                                          <p:stCondLst>
+                                            <p:cond delay="0"/>
+                                          </p:stCondLst>
+                                        </p:cTn>
+                                        <p:tgtEl>
+                                          <p:spTgt spid="31"/>
+                                        </p:tgtEl>
+                                        <p:attrNameLst>
+                                          <p:attrName>style.visibility</p:attrName>
+                                        </p:attrNameLst>
+                                      </p:cBhvr>
+                                      <p:to>
+                                        <p:strVal val="visible"/>
+                                      </p:to>
+                                    </p:set>
+                                  </p:childTnLst>
+                                </p:cTn>
+                              </p:par>
+                              <p:par>
+                                <p:cTn id="51" presetID="1" presetClass="entr" presetSubtype="0" fill="hold" grpId="0" nodeType="withEffect">
+                                  <p:stCondLst>
+                                    <p:cond delay="0"/>
+                                  </p:stCondLst>
+                                  <p:childTnLst>
+                                    <p:set>
+                                      <p:cBhvr>
+                                        <p:cTn id="52" dur="1" fill="hold">
+                                          <p:stCondLst>
+                                            <p:cond delay="0"/>
+                                          </p:stCondLst>
+                                        </p:cTn>
+                                        <p:tgtEl>
+                                          <p:spTgt spid="32"/>
+                                        </p:tgtEl>
+                                        <p:attrNameLst>
+                                          <p:attrName>style.visibility</p:attrName>
+                                        </p:attrNameLst>
+                                      </p:cBhvr>
+                                      <p:to>
+                                        <p:strVal val="visible"/>
+                                      </p:to>
+                                    </p:set>
+                                  </p:childTnLst>
+                                </p:cTn>
+                              </p:par>
+                              <p:par>
+                                <p:cTn id="53" presetID="1" presetClass="entr" presetSubtype="0" fill="hold" grpId="0" nodeType="withEffect">
+                                  <p:stCondLst>
+                                    <p:cond delay="0"/>
+                                  </p:stCondLst>
+                                  <p:childTnLst>
+                                    <p:set>
+                                      <p:cBhvr>
+                                        <p:cTn id="54" dur="1" fill="hold">
+                                          <p:stCondLst>
+                                            <p:cond delay="0"/>
+                                          </p:stCondLst>
+                                        </p:cTn>
+                                        <p:tgtEl>
+                                          <p:spTgt spid="33"/>
+                                        </p:tgtEl>
+                                        <p:attrNameLst>
+                                          <p:attrName>style.visibility</p:attrName>
+                                        </p:attrNameLst>
+                                      </p:cBhvr>
+                                      <p:to>
+                                        <p:strVal val="visible"/>
+                                      </p:to>
+                                    </p:set>
+                                  </p:childTnLst>
+                                </p:cTn>
+                              </p:par>
+                              <p:par>
+                                <p:cTn id="55" presetID="1" presetClass="entr" presetSubtype="0" fill="hold" grpId="0" nodeType="withEffect">
+                                  <p:stCondLst>
+                                    <p:cond delay="0"/>
+                                  </p:stCondLst>
+                                  <p:childTnLst>
+                                    <p:set>
+                                      <p:cBhvr>
+                                        <p:cTn id="56" dur="1" fill="hold">
+                                          <p:stCondLst>
+                                            <p:cond delay="0"/>
+                                          </p:stCondLst>
+                                        </p:cTn>
+                                        <p:tgtEl>
+                                          <p:spTgt spid="35"/>
+                                        </p:tgtEl>
+                                        <p:attrNameLst>
+                                          <p:attrName>style.visibility</p:attrName>
+                                        </p:attrNameLst>
+                                      </p:cBhvr>
+                                      <p:to>
+                                        <p:strVal val="visible"/>
+                                      </p:to>
+                                    </p:set>
+                                  </p:childTnLst>
+                                </p:cTn>
+                              </p:par>
+                              <p:par>
+                                <p:cTn id="57" presetID="1" presetClass="entr" presetSubtype="0" fill="hold" grpId="0" nodeType="withEffect">
+                                  <p:stCondLst>
+                                    <p:cond delay="0"/>
+                                  </p:stCondLst>
+                                  <p:childTnLst>
+                                    <p:set>
+                                      <p:cBhvr>
+                                        <p:cTn id="58" dur="1" fill="hold">
+                                          <p:stCondLst>
+                                            <p:cond delay="0"/>
+                                          </p:stCondLst>
+                                        </p:cTn>
+                                        <p:tgtEl>
+                                          <p:spTgt spid="36"/>
+                                        </p:tgtEl>
+                                        <p:attrNameLst>
+                                          <p:attrName>style.visibility</p:attrName>
+                                        </p:attrNameLst>
+                                      </p:cBhvr>
+                                      <p:to>
+                                        <p:strVal val="visible"/>
+                                      </p:to>
+                                    </p:set>
+                                  </p:childTnLst>
+                                </p:cTn>
+                              </p:par>
+                              <p:par>
+                                <p:cTn id="59" presetID="1" presetClass="entr" presetSubtype="0" fill="hold" grpId="0" nodeType="withEffect">
+                                  <p:stCondLst>
+                                    <p:cond delay="0"/>
+                                  </p:stCondLst>
+                                  <p:childTnLst>
+                                    <p:set>
+                                      <p:cBhvr>
+                                        <p:cTn id="60" dur="1" fill="hold">
+                                          <p:stCondLst>
+                                            <p:cond delay="0"/>
+                                          </p:stCondLst>
+                                        </p:cTn>
+                                        <p:tgtEl>
+                                          <p:spTgt spid="38"/>
+                                        </p:tgtEl>
+                                        <p:attrNameLst>
+                                          <p:attrName>style.visibility</p:attrName>
+                                        </p:attrNameLst>
+                                      </p:cBhvr>
+                                      <p:to>
+                                        <p:strVal val="visible"/>
+                                      </p:to>
+                                    </p:set>
+                                  </p:childTnLst>
+                                </p:cTn>
+                              </p:par>
+                              <p:par>
+                                <p:cTn id="61" presetID="1" presetClass="entr" presetSubtype="0" fill="hold" grpId="0" nodeType="withEffect">
+                                  <p:stCondLst>
+                                    <p:cond delay="0"/>
+                                  </p:stCondLst>
+                                  <p:childTnLst>
+                                    <p:set>
+                                      <p:cBhvr>
+                                        <p:cTn id="62" dur="1" fill="hold">
+                                          <p:stCondLst>
+                                            <p:cond delay="0"/>
+                                          </p:stCondLst>
+                                        </p:cTn>
+                                        <p:tgtEl>
+                                          <p:spTgt spid="39"/>
+                                        </p:tgtEl>
+                                        <p:attrNameLst>
+                                          <p:attrName>style.visibility</p:attrName>
+                                        </p:attrNameLst>
+                                      </p:cBhvr>
+                                      <p:to>
+                                        <p:strVal val="visible"/>
+                                      </p:to>
+                                    </p:set>
+                                  </p:childTnLst>
+                                </p:cTn>
+                              </p:par>
+                              <p:par>
+                                <p:cTn id="63" presetID="1" presetClass="entr" presetSubtype="0" fill="hold" nodeType="withEffect">
+                                  <p:stCondLst>
+                                    <p:cond delay="0"/>
+                                  </p:stCondLst>
+                                  <p:childTnLst>
+                                    <p:set>
+                                      <p:cBhvr>
+                                        <p:cTn id="64" dur="1" fill="hold">
+                                          <p:stCondLst>
+                                            <p:cond delay="0"/>
+                                          </p:stCondLst>
+                                        </p:cTn>
+                                        <p:tgtEl>
+                                          <p:spTgt spid="25605"/>
+                                        </p:tgtEl>
+                                        <p:attrNameLst>
+                                          <p:attrName>style.visibility</p:attrName>
+                                        </p:attrNameLst>
+                                      </p:cBhvr>
+                                      <p:to>
+                                        <p:strVal val="visible"/>
+                                      </p:to>
+                                    </p:set>
+                                  </p:childTnLst>
+                                </p:cTn>
+                              </p:par>
+                              <p:par>
+                                <p:cTn id="65" presetID="1" presetClass="entr" presetSubtype="0" fill="hold" grpId="0" nodeType="withEffect">
+                                  <p:stCondLst>
+                                    <p:cond delay="0"/>
+                                  </p:stCondLst>
+                                  <p:childTnLst>
+                                    <p:set>
+                                      <p:cBhvr>
+                                        <p:cTn id="66" dur="1" fill="hold">
+                                          <p:stCondLst>
+                                            <p:cond delay="0"/>
+                                          </p:stCondLst>
+                                        </p:cTn>
+                                        <p:tgtEl>
+                                          <p:spTgt spid="37"/>
+                                        </p:tgtEl>
+                                        <p:attrNameLst>
+                                          <p:attrName>style.visibility</p:attrName>
+                                        </p:attrNameLst>
+                                      </p:cBhvr>
+                                      <p:to>
+                                        <p:strVal val="visible"/>
+                                      </p:to>
+                                    </p:set>
+                                  </p:childTnLst>
+                                </p:cTn>
+                              </p:par>
+                              <p:par>
+                                <p:cTn id="67" presetID="1" presetClass="entr" presetSubtype="0" fill="hold" grpId="0" nodeType="withEffect">
+                                  <p:stCondLst>
+                                    <p:cond delay="0"/>
+                                  </p:stCondLst>
+                                  <p:childTnLst>
+                                    <p:set>
+                                      <p:cBhvr>
+                                        <p:cTn id="68" dur="1" fill="hold">
+                                          <p:stCondLst>
+                                            <p:cond delay="0"/>
+                                          </p:stCondLst>
+                                        </p:cTn>
+                                        <p:tgtEl>
+                                          <p:spTgt spid="34"/>
+                                        </p:tgtEl>
+                                        <p:attrNameLst>
+                                          <p:attrName>style.visibility</p:attrName>
+                                        </p:attrNameLst>
+                                      </p:cBhvr>
+                                      <p:to>
+                                        <p:strVal val="visible"/>
+                                      </p:to>
+                                    </p:set>
+                                  </p:childTnLst>
+                                </p:cTn>
+                              </p:par>
+                              <p:par>
+                                <p:cTn id="69" presetID="1" presetClass="entr" presetSubtype="0" fill="hold" grpId="0" nodeType="withEffect">
+                                  <p:stCondLst>
+                                    <p:cond delay="0"/>
+                                  </p:stCondLst>
+                                  <p:childTnLst>
+                                    <p:set>
+                                      <p:cBhvr>
+                                        <p:cTn id="70" dur="1" fill="hold">
+                                          <p:stCondLst>
+                                            <p:cond delay="0"/>
+                                          </p:stCondLst>
+                                        </p:cTn>
+                                        <p:tgtEl>
+                                          <p:spTgt spid="30"/>
+                                        </p:tgtEl>
+                                        <p:attrNameLst>
+                                          <p:attrName>style.visibility</p:attrName>
+                                        </p:attrNameLst>
+                                      </p:cBhvr>
+                                      <p:to>
+                                        <p:strVal val="visible"/>
+                                      </p:to>
+                                    </p:set>
+                                  </p:childTnLst>
+                                </p:cTn>
+                              </p:par>
+                            </p:childTnLst>
+                          </p:cTn>
+                        </p:par>
+                      </p:childTnLst>
+                    </p:cTn>
+                  </p:par>
+                </p:childTnLst>
+              </p:cTn>
+              <p:prevCondLst>
+                <p:cond evt="onPrev" delay="0">
+                  <p:tgtEl>
+                    <p:sldTgt/>
+                  </p:tgtEl>
+                </p:cond>
+              </p:prevCondLst>
+              <p:nextCondLst>
+                <p:cond evt="onNext" delay="0">
+                  <p:tgtEl>
+                    <p:sldTgt/>
+                  </p:tgtEl>
+                </p:cond>
+              </p:nextCondLst>
+            </p:seq>
+          </p:childTnLst>
+        </p:cTn>
+      </p:par>
+    </p:tnLst>
+    <p:bldLst>
+      <p:bldP spid="11" grpId="0" animBg="1"/>
+      <p:bldP spid="12" grpId="0" animBg="1"/>
+      <p:bldP spid="13" grpId="0" animBg="1"/>
+      <p:bldP spid="14" grpId="0" animBg="1"/>
+      <p:bldP spid="15" grpId="0" animBg="1"/>
+      <p:bldP spid="16" grpId="0" animBg="1"/>
+      <p:bldP spid="17" grpId="0" animBg="1"/>
+      <p:bldP spid="19" grpId="0" animBg="1"/>
+      <p:bldP spid="20" grpId="0" animBg="1"/>
+      <p:bldP spid="21" grpId="0" animBg="1"/>
+      <p:bldP spid="22" grpId="0" animBg="1"/>
+      <p:bldP spid="23" grpId="0" animBg="1"/>
+      <p:bldP spid="24" grpId="0" animBg="1"/>
+      <p:bldP spid="25" grpId="0" animBg="1"/>
+      <p:bldP spid="28" grpId="0"/>
+      <p:bldP spid="29" grpId="0"/>
+      <p:bldP spid="30" grpId="0" animBg="1"/>
+      <p:bldP spid="31" grpId="0" animBg="1"/>
+      <p:bldP spid="32" grpId="0" animBg="1"/>
+      <p:bldP spid="33" grpId="0"/>
+      <p:bldP spid="34" grpId="0" animBg="1"/>
+      <p:bldP spid="35" grpId="0" animBg="1"/>
+      <p:bldP spid="36" grpId="0" animBg="1"/>
+      <p:bldP spid="37" grpId="0" animBg="1"/>
+      <p:bldP spid="38" grpId="0" animBg="1"/>
+      <p:bldP spid="39" grpId="0" animBg="1"/>
+    </p:bldLst>
+  </p:timing>
+</p:sld>
+</file>
+
+<file path=ppt/slides/slide13.xml><?xml version="1.0" encoding="utf-8"?>
+<p:sld xmlns:a="http://schemas.openxmlformats.org/drawingml/2006/main" xmlns:r="http://schemas.openxmlformats.org/officeDocument/2006/relationships" xmlns:p="http://schemas.openxmlformats.org/presentationml/2006/main">
+  <p:cSld>
+    <p:spTree>
+      <p:nvGrpSpPr>
+        <p:cNvPr id="1" name=""/>
+        <p:cNvGrpSpPr/>
+        <p:nvPr/>
+      </p:nvGrpSpPr>
+      <p:grpSpPr>
+        <a:xfrm>
+          <a:off x="0" y="0"/>
+          <a:ext cx="0" cy="0"/>
+          <a:chOff x="0" y="0"/>
+          <a:chExt cx="0" cy="0"/>
+        </a:xfrm>
+      </p:grpSpPr>
+      <p:sp>
+        <p:nvSpPr>
+          <p:cNvPr id="4" name="Title 3"/>
+          <p:cNvSpPr>
+            <a:spLocks noGrp="1"/>
+          </p:cNvSpPr>
+          <p:nvPr>
+            <p:ph type="title"/>
+          </p:nvPr>
+        </p:nvSpPr>
+        <p:spPr>
+          <a:xfrm>
+            <a:off x="228600" y="228600"/>
             <a:ext cx="2634311" cy="492443"/>
           </a:xfrm>
         </p:spPr>
@@ -4476,7 +6662,7 @@
           <a:blip r:embed="rId2">
             <a:extLst>
               <a:ext uri="{28A0092B-C50C-407E-A947-70E740481C1C}">
-                <a14:useLocalDpi xmlns:a14="http://schemas.microsoft.com/office/drawing/2010/main" val="0"/>
+                <a14:useLocalDpi xmlns="" xmlns:a14="http://schemas.microsoft.com/office/drawing/2010/main" val="0"/>
               </a:ext>
             </a:extLst>
           </a:blip>
@@ -4506,7 +6692,7 @@
           <a:blip r:embed="rId3">
             <a:extLst>
               <a:ext uri="{28A0092B-C50C-407E-A947-70E740481C1C}">
-                <a14:useLocalDpi xmlns:a14="http://schemas.microsoft.com/office/drawing/2010/main" val="0"/>
+                <a14:useLocalDpi xmlns="" xmlns:a14="http://schemas.microsoft.com/office/drawing/2010/main" val="0"/>
               </a:ext>
             </a:extLst>
           </a:blip>
@@ -4527,7 +6713,7 @@
     </p:spTree>
     <p:extLst>
       <p:ext uri="{BB962C8B-B14F-4D97-AF65-F5344CB8AC3E}">
-        <p14:creationId xmlns:p14="http://schemas.microsoft.com/office/powerpoint/2010/main" val="2123413861"/>
+        <p14:creationId xmlns="" xmlns:p14="http://schemas.microsoft.com/office/powerpoint/2010/main" val="2123413861"/>
       </p:ext>
     </p:extLst>
   </p:cSld>
@@ -4612,7 +6798,7 @@
 </p:sld>
 </file>
 
-<file path=ppt/slides/slide13.xml><?xml version="1.0" encoding="utf-8"?>
+<file path=ppt/slides/slide14.xml><?xml version="1.0" encoding="utf-8"?>
 <p:sld xmlns:a="http://schemas.openxmlformats.org/drawingml/2006/main" xmlns:r="http://schemas.openxmlformats.org/officeDocument/2006/relationships" xmlns:p="http://schemas.openxmlformats.org/presentationml/2006/main">
   <p:cSld>
     <p:spTree>
@@ -4680,7 +6866,7 @@
           <a:blip r:embed="rId2">
             <a:extLst>
               <a:ext uri="{28A0092B-C50C-407E-A947-70E740481C1C}">
-                <a14:useLocalDpi xmlns:a14="http://schemas.microsoft.com/office/drawing/2010/main" val="0"/>
+                <a14:useLocalDpi xmlns="" xmlns:a14="http://schemas.microsoft.com/office/drawing/2010/main" val="0"/>
               </a:ext>
             </a:extLst>
           </a:blip>
@@ -4710,7 +6896,7 @@
           <a:blip r:embed="rId3">
             <a:extLst>
               <a:ext uri="{28A0092B-C50C-407E-A947-70E740481C1C}">
-                <a14:useLocalDpi xmlns:a14="http://schemas.microsoft.com/office/drawing/2010/main" val="0"/>
+                <a14:useLocalDpi xmlns="" xmlns:a14="http://schemas.microsoft.com/office/drawing/2010/main" val="0"/>
               </a:ext>
             </a:extLst>
           </a:blip>
@@ -4740,7 +6926,7 @@
           <a:blip r:embed="rId4">
             <a:extLst>
               <a:ext uri="{28A0092B-C50C-407E-A947-70E740481C1C}">
-                <a14:useLocalDpi xmlns:a14="http://schemas.microsoft.com/office/drawing/2010/main" val="0"/>
+                <a14:useLocalDpi xmlns="" xmlns:a14="http://schemas.microsoft.com/office/drawing/2010/main" val="0"/>
               </a:ext>
             </a:extLst>
           </a:blip>
@@ -4770,7 +6956,7 @@
           <a:blip r:embed="rId5">
             <a:extLst>
               <a:ext uri="{28A0092B-C50C-407E-A947-70E740481C1C}">
-                <a14:useLocalDpi xmlns:a14="http://schemas.microsoft.com/office/drawing/2010/main" val="0"/>
+                <a14:useLocalDpi xmlns="" xmlns:a14="http://schemas.microsoft.com/office/drawing/2010/main" val="0"/>
               </a:ext>
             </a:extLst>
           </a:blip>
@@ -4800,7 +6986,7 @@
           <a:blip r:embed="rId6">
             <a:extLst>
               <a:ext uri="{28A0092B-C50C-407E-A947-70E740481C1C}">
-                <a14:useLocalDpi xmlns:a14="http://schemas.microsoft.com/office/drawing/2010/main" val="0"/>
+                <a14:useLocalDpi xmlns="" xmlns:a14="http://schemas.microsoft.com/office/drawing/2010/main" val="0"/>
               </a:ext>
             </a:extLst>
           </a:blip>
@@ -4821,18 +7007,18 @@
     </p:spTree>
     <p:extLst>
       <p:ext uri="{BB962C8B-B14F-4D97-AF65-F5344CB8AC3E}">
-        <p14:creationId xmlns:p14="http://schemas.microsoft.com/office/powerpoint/2010/main" val="496767900"/>
+        <p14:creationId xmlns="" xmlns:p14="http://schemas.microsoft.com/office/powerpoint/2010/main" val="496767900"/>
       </p:ext>
     </p:extLst>
   </p:cSld>
   <p:clrMapOvr>
     <a:masterClrMapping/>
   </p:clrMapOvr>
-  <mc:AlternateContent xmlns:mc="http://schemas.openxmlformats.org/markup-compatibility/2006" xmlns:p14="http://schemas.microsoft.com/office/powerpoint/2010/main">
-    <mc:Choice Requires="p14">
+  <mc:AlternateContent xmlns:mc="http://schemas.openxmlformats.org/markup-compatibility/2006">
+    <mc:Choice xmlns="" xmlns:p14="http://schemas.microsoft.com/office/powerpoint/2010/main" Requires="p14">
       <p:transition spd="slow" p14:dur="2000"/>
     </mc:Choice>
-    <mc:Fallback xmlns="">
+    <mc:Fallback>
       <p:transition spd="slow"/>
     </mc:Fallback>
   </mc:AlternateContent>
@@ -5049,7 +7235,7 @@
 </p:sld>
 </file>
 
-<file path=ppt/slides/slide14.xml><?xml version="1.0" encoding="utf-8"?>
+<file path=ppt/slides/slide15.xml><?xml version="1.0" encoding="utf-8"?>
 <p:sld xmlns:a="http://schemas.openxmlformats.org/drawingml/2006/main" xmlns:r="http://schemas.openxmlformats.org/officeDocument/2006/relationships" xmlns:p="http://schemas.openxmlformats.org/presentationml/2006/main">
   <p:cSld>
     <p:spTree>
@@ -5079,6 +7265,690 @@
         <p:spPr>
           <a:xfrm>
             <a:off x="228600" y="228600"/>
+            <a:ext cx="8359661" cy="492443"/>
+          </a:xfrm>
+        </p:spPr>
+        <p:txBody>
+          <a:bodyPr/>
+          <a:lstStyle/>
+          <a:p>
+            <a:pPr marL="342900" indent="-342900"/>
+            <a:r>
+              <a:rPr lang="en-US" altLang="zh-TW" sz="3200" dirty="0" smtClean="0">
+                <a:solidFill>
+                  <a:schemeClr val="tx1"/>
+                </a:solidFill>
+                <a:latin typeface="+mj-lt"/>
+              </a:rPr>
+              <a:t>Combine weak classifiers into strong classifier</a:t>
+            </a:r>
+            <a:endParaRPr lang="en-US" altLang="zh-TW" sz="3200" dirty="0">
+              <a:solidFill>
+                <a:schemeClr val="tx1"/>
+              </a:solidFill>
+              <a:latin typeface="+mj-lt"/>
+            </a:endParaRPr>
+          </a:p>
+        </p:txBody>
+      </p:sp>
+      <p:graphicFrame>
+        <p:nvGraphicFramePr>
+          <p:cNvPr id="12" name="物件 11"/>
+          <p:cNvGraphicFramePr>
+            <a:graphicFrameLocks noChangeAspect="1"/>
+          </p:cNvGraphicFramePr>
+          <p:nvPr/>
+        </p:nvGraphicFramePr>
+        <p:xfrm>
+          <a:off x="447675" y="1494371"/>
+          <a:ext cx="7769225" cy="555625"/>
+        </p:xfrm>
+        <a:graphic>
+          <a:graphicData uri="http://schemas.openxmlformats.org/presentationml/2006/ole">
+            <p:oleObj spid="_x0000_s26626" name="方程式" r:id="rId3" imgW="3263760" imgH="228600" progId="Equation.3">
+              <p:embed/>
+            </p:oleObj>
+          </a:graphicData>
+        </a:graphic>
+      </p:graphicFrame>
+      <p:sp>
+        <p:nvSpPr>
+          <p:cNvPr id="13" name="Content Placeholder 2"/>
+          <p:cNvSpPr txBox="1">
+            <a:spLocks/>
+          </p:cNvSpPr>
+          <p:nvPr/>
+        </p:nvSpPr>
+        <p:spPr>
+          <a:xfrm>
+            <a:off x="228600" y="986319"/>
+            <a:ext cx="8689622" cy="369332"/>
+          </a:xfrm>
+          <a:prstGeom prst="rect">
+            <a:avLst/>
+          </a:prstGeom>
+        </p:spPr>
+        <p:txBody>
+          <a:bodyPr vert="horz" wrap="square" lIns="0" tIns="0" rIns="0" bIns="0" rtlCol="0">
+            <a:spAutoFit/>
+          </a:bodyPr>
+          <a:lstStyle/>
+          <a:p>
+            <a:pPr marL="742950" indent="-457200">
+              <a:spcBef>
+                <a:spcPct val="20000"/>
+              </a:spcBef>
+              <a:defRPr/>
+            </a:pPr>
+            <a:r>
+              <a:rPr lang="en-US" altLang="zh-TW" sz="2400" dirty="0" smtClean="0">
+                <a:latin typeface="Arial"/>
+              </a:rPr>
+              <a:t>Final decision:</a:t>
+            </a:r>
+          </a:p>
+        </p:txBody>
+      </p:sp>
+      <p:graphicFrame>
+        <p:nvGraphicFramePr>
+          <p:cNvPr id="26627" name="Object 3"/>
+          <p:cNvGraphicFramePr>
+            <a:graphicFrameLocks noChangeAspect="1"/>
+          </p:cNvGraphicFramePr>
+          <p:nvPr/>
+        </p:nvGraphicFramePr>
+        <p:xfrm>
+          <a:off x="552979" y="2893116"/>
+          <a:ext cx="2860137" cy="984613"/>
+        </p:xfrm>
+        <a:graphic>
+          <a:graphicData uri="http://schemas.openxmlformats.org/presentationml/2006/ole">
+            <p:oleObj spid="_x0000_s26627" name="方程式" r:id="rId4" imgW="1282680" imgH="431640" progId="Equation.3">
+              <p:embed/>
+            </p:oleObj>
+          </a:graphicData>
+        </a:graphic>
+      </p:graphicFrame>
+      <p:graphicFrame>
+        <p:nvGraphicFramePr>
+          <p:cNvPr id="26628" name="Object 4"/>
+          <p:cNvGraphicFramePr>
+            <a:graphicFrameLocks noChangeAspect="1"/>
+          </p:cNvGraphicFramePr>
+          <p:nvPr/>
+        </p:nvGraphicFramePr>
+        <p:xfrm>
+          <a:off x="3708400" y="3238496"/>
+          <a:ext cx="895586" cy="503767"/>
+        </p:xfrm>
+        <a:graphic>
+          <a:graphicData uri="http://schemas.openxmlformats.org/presentationml/2006/ole">
+            <p:oleObj spid="_x0000_s26628" name="方程式" r:id="rId5" imgW="406080" imgH="228600" progId="Equation.3">
+              <p:embed/>
+            </p:oleObj>
+          </a:graphicData>
+        </a:graphic>
+      </p:graphicFrame>
+      <p:graphicFrame>
+        <p:nvGraphicFramePr>
+          <p:cNvPr id="26629" name="Object 5"/>
+          <p:cNvGraphicFramePr>
+            <a:graphicFrameLocks noChangeAspect="1"/>
+          </p:cNvGraphicFramePr>
+          <p:nvPr/>
+        </p:nvGraphicFramePr>
+        <p:xfrm>
+          <a:off x="6536251" y="3238496"/>
+          <a:ext cx="419805" cy="503766"/>
+        </p:xfrm>
+        <a:graphic>
+          <a:graphicData uri="http://schemas.openxmlformats.org/presentationml/2006/ole">
+            <p:oleObj spid="_x0000_s26629" name="方程式" r:id="rId6" imgW="190440" imgH="228600" progId="Equation.3">
+              <p:embed/>
+            </p:oleObj>
+          </a:graphicData>
+        </a:graphic>
+      </p:graphicFrame>
+      <p:sp>
+        <p:nvSpPr>
+          <p:cNvPr id="18" name="右彎箭號 17"/>
+          <p:cNvSpPr/>
+          <p:nvPr/>
+        </p:nvSpPr>
+        <p:spPr>
+          <a:xfrm rot="16200000" flipV="1">
+            <a:off x="4945245" y="2917943"/>
+            <a:ext cx="619948" cy="719204"/>
+          </a:xfrm>
+          <a:prstGeom prst="bentArrow">
+            <a:avLst/>
+          </a:prstGeom>
+          <a:solidFill>
+            <a:srgbClr val="1C5D9C"/>
+          </a:solidFill>
+          <a:ln>
+            <a:noFill/>
+          </a:ln>
+          <a:effectLst/>
+        </p:spPr>
+        <p:style>
+          <a:lnRef idx="1">
+            <a:schemeClr val="accent1"/>
+          </a:lnRef>
+          <a:fillRef idx="3">
+            <a:schemeClr val="accent1"/>
+          </a:fillRef>
+          <a:effectRef idx="2">
+            <a:schemeClr val="accent1"/>
+          </a:effectRef>
+          <a:fontRef idx="minor">
+            <a:schemeClr val="lt1"/>
+          </a:fontRef>
+        </p:style>
+        <p:txBody>
+          <a:bodyPr rtlCol="0" anchor="ctr"/>
+          <a:lstStyle/>
+          <a:p>
+            <a:pPr algn="ctr"/>
+            <a:endParaRPr lang="zh-TW" altLang="en-US">
+              <a:solidFill>
+                <a:schemeClr val="tx1"/>
+              </a:solidFill>
+            </a:endParaRPr>
+          </a:p>
+        </p:txBody>
+      </p:sp>
+      <p:sp>
+        <p:nvSpPr>
+          <p:cNvPr id="19" name="右彎箭號 18"/>
+          <p:cNvSpPr/>
+          <p:nvPr/>
+        </p:nvSpPr>
+        <p:spPr>
+          <a:xfrm rot="16200000" flipH="1" flipV="1">
+            <a:off x="7343995" y="3382659"/>
+            <a:ext cx="654059" cy="719204"/>
+          </a:xfrm>
+          <a:prstGeom prst="bentArrow">
+            <a:avLst/>
+          </a:prstGeom>
+          <a:solidFill>
+            <a:srgbClr val="1C5D9C"/>
+          </a:solidFill>
+          <a:ln>
+            <a:noFill/>
+          </a:ln>
+          <a:effectLst/>
+        </p:spPr>
+        <p:style>
+          <a:lnRef idx="1">
+            <a:schemeClr val="accent1"/>
+          </a:lnRef>
+          <a:fillRef idx="3">
+            <a:schemeClr val="accent1"/>
+          </a:fillRef>
+          <a:effectRef idx="2">
+            <a:schemeClr val="accent1"/>
+          </a:effectRef>
+          <a:fontRef idx="minor">
+            <a:schemeClr val="lt1"/>
+          </a:fontRef>
+        </p:style>
+        <p:txBody>
+          <a:bodyPr rtlCol="0" anchor="ctr"/>
+          <a:lstStyle/>
+          <a:p>
+            <a:pPr algn="ctr"/>
+            <a:endParaRPr lang="zh-TW" altLang="en-US">
+              <a:solidFill>
+                <a:schemeClr val="tx1"/>
+              </a:solidFill>
+            </a:endParaRPr>
+          </a:p>
+        </p:txBody>
+      </p:sp>
+      <p:graphicFrame>
+        <p:nvGraphicFramePr>
+          <p:cNvPr id="26630" name="Object 6"/>
+          <p:cNvGraphicFramePr>
+            <a:graphicFrameLocks noChangeAspect="1"/>
+          </p:cNvGraphicFramePr>
+          <p:nvPr/>
+        </p:nvGraphicFramePr>
+        <p:xfrm>
+          <a:off x="3711586" y="4100507"/>
+          <a:ext cx="1482725" cy="866775"/>
+        </p:xfrm>
+        <a:graphic>
+          <a:graphicData uri="http://schemas.openxmlformats.org/presentationml/2006/ole">
+            <p:oleObj spid="_x0000_s26630" name="方程式" r:id="rId7" imgW="672840" imgH="393480" progId="Equation.3">
+              <p:embed/>
+            </p:oleObj>
+          </a:graphicData>
+        </a:graphic>
+      </p:graphicFrame>
+      <p:graphicFrame>
+        <p:nvGraphicFramePr>
+          <p:cNvPr id="26631" name="Object 7"/>
+          <p:cNvGraphicFramePr>
+            <a:graphicFrameLocks noChangeAspect="1"/>
+          </p:cNvGraphicFramePr>
+          <p:nvPr/>
+        </p:nvGraphicFramePr>
+        <p:xfrm>
+          <a:off x="6536251" y="4373560"/>
+          <a:ext cx="949325" cy="503237"/>
+        </p:xfrm>
+        <a:graphic>
+          <a:graphicData uri="http://schemas.openxmlformats.org/presentationml/2006/ole">
+            <p:oleObj spid="_x0000_s26631" name="方程式" r:id="rId8" imgW="431640" imgH="228600" progId="Equation.3">
+              <p:embed/>
+            </p:oleObj>
+          </a:graphicData>
+        </a:graphic>
+      </p:graphicFrame>
+      <p:sp>
+        <p:nvSpPr>
+          <p:cNvPr id="21" name="矩形 20"/>
+          <p:cNvSpPr/>
+          <p:nvPr/>
+        </p:nvSpPr>
+        <p:spPr>
+          <a:xfrm>
+            <a:off x="230400" y="2431451"/>
+            <a:ext cx="3856377" cy="461665"/>
+          </a:xfrm>
+          <a:prstGeom prst="rect">
+            <a:avLst/>
+          </a:prstGeom>
+        </p:spPr>
+        <p:txBody>
+          <a:bodyPr wrap="none">
+            <a:spAutoFit/>
+          </a:bodyPr>
+          <a:lstStyle/>
+          <a:p>
+            <a:pPr marL="742950" indent="-457200">
+              <a:spcBef>
+                <a:spcPct val="20000"/>
+              </a:spcBef>
+              <a:defRPr/>
+            </a:pPr>
+            <a:r>
+              <a:rPr lang="en-US" altLang="zh-TW" sz="2400" dirty="0" smtClean="0">
+                <a:latin typeface="Arial"/>
+              </a:rPr>
+              <a:t>Weight of weak classifier</a:t>
+            </a:r>
+          </a:p>
+        </p:txBody>
+      </p:sp>
+    </p:spTree>
+    <p:extLst>
+      <p:ext uri="{BB962C8B-B14F-4D97-AF65-F5344CB8AC3E}">
+        <p14:creationId xmlns="" xmlns:p14="http://schemas.microsoft.com/office/powerpoint/2010/main" val="3040030372"/>
+      </p:ext>
+    </p:extLst>
+  </p:cSld>
+  <p:clrMapOvr>
+    <a:masterClrMapping/>
+  </p:clrMapOvr>
+  <p:timing>
+    <p:tnLst>
+      <p:par>
+        <p:cTn id="1" dur="indefinite" restart="never" nodeType="tmRoot">
+          <p:childTnLst>
+            <p:seq concurrent="1" nextAc="seek">
+              <p:cTn id="2" dur="indefinite" nodeType="mainSeq">
+                <p:childTnLst>
+                  <p:par>
+                    <p:cTn id="3" fill="hold">
+                      <p:stCondLst>
+                        <p:cond delay="indefinite"/>
+                      </p:stCondLst>
+                      <p:childTnLst>
+                        <p:par>
+                          <p:cTn id="4" fill="hold">
+                            <p:stCondLst>
+                              <p:cond delay="0"/>
+                            </p:stCondLst>
+                            <p:childTnLst>
+                              <p:par>
+                                <p:cTn id="5" presetID="1" presetClass="entr" presetSubtype="0" fill="hold" grpId="0" nodeType="clickEffect">
+                                  <p:stCondLst>
+                                    <p:cond delay="0"/>
+                                  </p:stCondLst>
+                                  <p:childTnLst>
+                                    <p:set>
+                                      <p:cBhvr>
+                                        <p:cTn id="6" dur="1" fill="hold">
+                                          <p:stCondLst>
+                                            <p:cond delay="0"/>
+                                          </p:stCondLst>
+                                        </p:cTn>
+                                        <p:tgtEl>
+                                          <p:spTgt spid="21"/>
+                                        </p:tgtEl>
+                                        <p:attrNameLst>
+                                          <p:attrName>style.visibility</p:attrName>
+                                        </p:attrNameLst>
+                                      </p:cBhvr>
+                                      <p:to>
+                                        <p:strVal val="visible"/>
+                                      </p:to>
+                                    </p:set>
+                                  </p:childTnLst>
+                                </p:cTn>
+                              </p:par>
+                              <p:par>
+                                <p:cTn id="7" presetID="1" presetClass="entr" presetSubtype="0" fill="hold" nodeType="withEffect">
+                                  <p:stCondLst>
+                                    <p:cond delay="0"/>
+                                  </p:stCondLst>
+                                  <p:childTnLst>
+                                    <p:set>
+                                      <p:cBhvr>
+                                        <p:cTn id="8" dur="1" fill="hold">
+                                          <p:stCondLst>
+                                            <p:cond delay="0"/>
+                                          </p:stCondLst>
+                                        </p:cTn>
+                                        <p:tgtEl>
+                                          <p:spTgt spid="26627"/>
+                                        </p:tgtEl>
+                                        <p:attrNameLst>
+                                          <p:attrName>style.visibility</p:attrName>
+                                        </p:attrNameLst>
+                                      </p:cBhvr>
+                                      <p:to>
+                                        <p:strVal val="visible"/>
+                                      </p:to>
+                                    </p:set>
+                                  </p:childTnLst>
+                                </p:cTn>
+                              </p:par>
+                            </p:childTnLst>
+                          </p:cTn>
+                        </p:par>
+                      </p:childTnLst>
+                    </p:cTn>
+                  </p:par>
+                  <p:par>
+                    <p:cTn id="9" fill="hold">
+                      <p:stCondLst>
+                        <p:cond delay="indefinite"/>
+                      </p:stCondLst>
+                      <p:childTnLst>
+                        <p:par>
+                          <p:cTn id="10" fill="hold">
+                            <p:stCondLst>
+                              <p:cond delay="0"/>
+                            </p:stCondLst>
+                            <p:childTnLst>
+                              <p:par>
+                                <p:cTn id="11" presetID="1" presetClass="entr" presetSubtype="0" fill="hold" nodeType="clickEffect">
+                                  <p:stCondLst>
+                                    <p:cond delay="0"/>
+                                  </p:stCondLst>
+                                  <p:childTnLst>
+                                    <p:set>
+                                      <p:cBhvr>
+                                        <p:cTn id="12" dur="1" fill="hold">
+                                          <p:stCondLst>
+                                            <p:cond delay="0"/>
+                                          </p:stCondLst>
+                                        </p:cTn>
+                                        <p:tgtEl>
+                                          <p:spTgt spid="26628"/>
+                                        </p:tgtEl>
+                                        <p:attrNameLst>
+                                          <p:attrName>style.visibility</p:attrName>
+                                        </p:attrNameLst>
+                                      </p:cBhvr>
+                                      <p:to>
+                                        <p:strVal val="visible"/>
+                                      </p:to>
+                                    </p:set>
+                                  </p:childTnLst>
+                                </p:cTn>
+                              </p:par>
+                              <p:par>
+                                <p:cTn id="13" presetID="1" presetClass="entr" presetSubtype="0" fill="hold" nodeType="withEffect">
+                                  <p:stCondLst>
+                                    <p:cond delay="0"/>
+                                  </p:stCondLst>
+                                  <p:childTnLst>
+                                    <p:set>
+                                      <p:cBhvr>
+                                        <p:cTn id="14" dur="1" fill="hold">
+                                          <p:stCondLst>
+                                            <p:cond delay="0"/>
+                                          </p:stCondLst>
+                                        </p:cTn>
+                                        <p:tgtEl>
+                                          <p:spTgt spid="26629"/>
+                                        </p:tgtEl>
+                                        <p:attrNameLst>
+                                          <p:attrName>style.visibility</p:attrName>
+                                        </p:attrNameLst>
+                                      </p:cBhvr>
+                                      <p:to>
+                                        <p:strVal val="visible"/>
+                                      </p:to>
+                                    </p:set>
+                                  </p:childTnLst>
+                                </p:cTn>
+                              </p:par>
+                            </p:childTnLst>
+                          </p:cTn>
+                        </p:par>
+                      </p:childTnLst>
+                    </p:cTn>
+                  </p:par>
+                  <p:par>
+                    <p:cTn id="15" fill="hold">
+                      <p:stCondLst>
+                        <p:cond delay="indefinite"/>
+                      </p:stCondLst>
+                      <p:childTnLst>
+                        <p:par>
+                          <p:cTn id="16" fill="hold">
+                            <p:stCondLst>
+                              <p:cond delay="0"/>
+                            </p:stCondLst>
+                            <p:childTnLst>
+                              <p:par>
+                                <p:cTn id="17" presetID="1" presetClass="entr" presetSubtype="0" fill="hold" grpId="0" nodeType="clickEffect">
+                                  <p:stCondLst>
+                                    <p:cond delay="0"/>
+                                  </p:stCondLst>
+                                  <p:childTnLst>
+                                    <p:set>
+                                      <p:cBhvr>
+                                        <p:cTn id="18" dur="1" fill="hold">
+                                          <p:stCondLst>
+                                            <p:cond delay="0"/>
+                                          </p:stCondLst>
+                                        </p:cTn>
+                                        <p:tgtEl>
+                                          <p:spTgt spid="19"/>
+                                        </p:tgtEl>
+                                        <p:attrNameLst>
+                                          <p:attrName>style.visibility</p:attrName>
+                                        </p:attrNameLst>
+                                      </p:cBhvr>
+                                      <p:to>
+                                        <p:strVal val="visible"/>
+                                      </p:to>
+                                    </p:set>
+                                  </p:childTnLst>
+                                </p:cTn>
+                              </p:par>
+                              <p:par>
+                                <p:cTn id="19" presetID="1" presetClass="entr" presetSubtype="0" fill="hold" grpId="0" nodeType="withEffect">
+                                  <p:stCondLst>
+                                    <p:cond delay="0"/>
+                                  </p:stCondLst>
+                                  <p:childTnLst>
+                                    <p:set>
+                                      <p:cBhvr>
+                                        <p:cTn id="20" dur="1" fill="hold">
+                                          <p:stCondLst>
+                                            <p:cond delay="0"/>
+                                          </p:stCondLst>
+                                        </p:cTn>
+                                        <p:tgtEl>
+                                          <p:spTgt spid="18"/>
+                                        </p:tgtEl>
+                                        <p:attrNameLst>
+                                          <p:attrName>style.visibility</p:attrName>
+                                        </p:attrNameLst>
+                                      </p:cBhvr>
+                                      <p:to>
+                                        <p:strVal val="visible"/>
+                                      </p:to>
+                                    </p:set>
+                                  </p:childTnLst>
+                                </p:cTn>
+                              </p:par>
+                            </p:childTnLst>
+                          </p:cTn>
+                        </p:par>
+                      </p:childTnLst>
+                    </p:cTn>
+                  </p:par>
+                  <p:par>
+                    <p:cTn id="21" fill="hold">
+                      <p:stCondLst>
+                        <p:cond delay="indefinite"/>
+                      </p:stCondLst>
+                      <p:childTnLst>
+                        <p:par>
+                          <p:cTn id="22" fill="hold">
+                            <p:stCondLst>
+                              <p:cond delay="0"/>
+                            </p:stCondLst>
+                            <p:childTnLst>
+                              <p:par>
+                                <p:cTn id="23" presetID="1" presetClass="entr" presetSubtype="0" fill="hold" nodeType="clickEffect">
+                                  <p:stCondLst>
+                                    <p:cond delay="0"/>
+                                  </p:stCondLst>
+                                  <p:childTnLst>
+                                    <p:set>
+                                      <p:cBhvr>
+                                        <p:cTn id="24" dur="1" fill="hold">
+                                          <p:stCondLst>
+                                            <p:cond delay="0"/>
+                                          </p:stCondLst>
+                                        </p:cTn>
+                                        <p:tgtEl>
+                                          <p:spTgt spid="26630"/>
+                                        </p:tgtEl>
+                                        <p:attrNameLst>
+                                          <p:attrName>style.visibility</p:attrName>
+                                        </p:attrNameLst>
+                                      </p:cBhvr>
+                                      <p:to>
+                                        <p:strVal val="visible"/>
+                                      </p:to>
+                                    </p:set>
+                                  </p:childTnLst>
+                                </p:cTn>
+                              </p:par>
+                              <p:par>
+                                <p:cTn id="25" presetID="1" presetClass="entr" presetSubtype="0" fill="hold" nodeType="withEffect">
+                                  <p:stCondLst>
+                                    <p:cond delay="0"/>
+                                  </p:stCondLst>
+                                  <p:childTnLst>
+                                    <p:set>
+                                      <p:cBhvr>
+                                        <p:cTn id="26" dur="1" fill="hold">
+                                          <p:stCondLst>
+                                            <p:cond delay="0"/>
+                                          </p:stCondLst>
+                                        </p:cTn>
+                                        <p:tgtEl>
+                                          <p:spTgt spid="26631"/>
+                                        </p:tgtEl>
+                                        <p:attrNameLst>
+                                          <p:attrName>style.visibility</p:attrName>
+                                        </p:attrNameLst>
+                                      </p:cBhvr>
+                                      <p:to>
+                                        <p:strVal val="visible"/>
+                                      </p:to>
+                                    </p:set>
+                                  </p:childTnLst>
+                                </p:cTn>
+                              </p:par>
+                            </p:childTnLst>
+                          </p:cTn>
+                        </p:par>
+                      </p:childTnLst>
+                    </p:cTn>
+                  </p:par>
+                </p:childTnLst>
+              </p:cTn>
+              <p:prevCondLst>
+                <p:cond evt="onPrev" delay="0">
+                  <p:tgtEl>
+                    <p:sldTgt/>
+                  </p:tgtEl>
+                </p:cond>
+              </p:prevCondLst>
+              <p:nextCondLst>
+                <p:cond evt="onNext" delay="0">
+                  <p:tgtEl>
+                    <p:sldTgt/>
+                  </p:tgtEl>
+                </p:cond>
+              </p:nextCondLst>
+            </p:seq>
+          </p:childTnLst>
+        </p:cTn>
+      </p:par>
+    </p:tnLst>
+    <p:bldLst>
+      <p:bldP spid="18" grpId="0" animBg="1"/>
+      <p:bldP spid="19" grpId="0" animBg="1"/>
+      <p:bldP spid="21" grpId="0"/>
+    </p:bldLst>
+  </p:timing>
+</p:sld>
+</file>
+
+<file path=ppt/slides/slide16.xml><?xml version="1.0" encoding="utf-8"?>
+<p:sld xmlns:a="http://schemas.openxmlformats.org/drawingml/2006/main" xmlns:r="http://schemas.openxmlformats.org/officeDocument/2006/relationships" xmlns:p="http://schemas.openxmlformats.org/presentationml/2006/main">
+  <p:cSld>
+    <p:spTree>
+      <p:nvGrpSpPr>
+        <p:cNvPr id="1" name=""/>
+        <p:cNvGrpSpPr/>
+        <p:nvPr/>
+      </p:nvGrpSpPr>
+      <p:grpSpPr>
+        <a:xfrm>
+          <a:off x="0" y="0"/>
+          <a:ext cx="0" cy="0"/>
+          <a:chOff x="0" y="0"/>
+          <a:chExt cx="0" cy="0"/>
+        </a:xfrm>
+      </p:grpSpPr>
+      <p:sp>
+        <p:nvSpPr>
+          <p:cNvPr id="4" name="Title 3"/>
+          <p:cNvSpPr>
+            <a:spLocks noGrp="1"/>
+          </p:cNvSpPr>
+          <p:nvPr>
+            <p:ph type="title"/>
+          </p:nvPr>
+        </p:nvSpPr>
+        <p:spPr>
+          <a:xfrm>
+            <a:off x="228600" y="228600"/>
             <a:ext cx="2915863" cy="492443"/>
           </a:xfrm>
         </p:spPr>
@@ -5117,7 +7987,7 @@
           <a:blip r:embed="rId2">
             <a:extLst>
               <a:ext uri="{28A0092B-C50C-407E-A947-70E740481C1C}">
-                <a14:useLocalDpi xmlns:a14="http://schemas.microsoft.com/office/drawing/2010/main" val="0"/>
+                <a14:useLocalDpi xmlns="" xmlns:a14="http://schemas.microsoft.com/office/drawing/2010/main" val="0"/>
               </a:ext>
             </a:extLst>
           </a:blip>
@@ -5147,7 +8017,7 @@
           <a:blip r:embed="rId3">
             <a:extLst>
               <a:ext uri="{28A0092B-C50C-407E-A947-70E740481C1C}">
-                <a14:useLocalDpi xmlns:a14="http://schemas.microsoft.com/office/drawing/2010/main" val="0"/>
+                <a14:useLocalDpi xmlns="" xmlns:a14="http://schemas.microsoft.com/office/drawing/2010/main" val="0"/>
               </a:ext>
             </a:extLst>
           </a:blip>
@@ -5177,7 +8047,7 @@
           <a:blip r:embed="rId4">
             <a:extLst>
               <a:ext uri="{28A0092B-C50C-407E-A947-70E740481C1C}">
-                <a14:useLocalDpi xmlns:a14="http://schemas.microsoft.com/office/drawing/2010/main" val="0"/>
+                <a14:useLocalDpi xmlns="" xmlns:a14="http://schemas.microsoft.com/office/drawing/2010/main" val="0"/>
               </a:ext>
             </a:extLst>
           </a:blip>
@@ -5207,7 +8077,7 @@
           <a:blip r:embed="rId5">
             <a:extLst>
               <a:ext uri="{28A0092B-C50C-407E-A947-70E740481C1C}">
-                <a14:useLocalDpi xmlns:a14="http://schemas.microsoft.com/office/drawing/2010/main" val="0"/>
+                <a14:useLocalDpi xmlns="" xmlns:a14="http://schemas.microsoft.com/office/drawing/2010/main" val="0"/>
               </a:ext>
             </a:extLst>
           </a:blip>
@@ -5237,7 +8107,7 @@
           <a:blip r:embed="rId6">
             <a:extLst>
               <a:ext uri="{28A0092B-C50C-407E-A947-70E740481C1C}">
-                <a14:useLocalDpi xmlns:a14="http://schemas.microsoft.com/office/drawing/2010/main" val="0"/>
+                <a14:useLocalDpi xmlns="" xmlns:a14="http://schemas.microsoft.com/office/drawing/2010/main" val="0"/>
               </a:ext>
             </a:extLst>
           </a:blip>
@@ -5365,7 +8235,7 @@
     </p:spTree>
     <p:extLst>
       <p:ext uri="{BB962C8B-B14F-4D97-AF65-F5344CB8AC3E}">
-        <p14:creationId xmlns:p14="http://schemas.microsoft.com/office/powerpoint/2010/main" val="2631485282"/>
+        <p14:creationId xmlns="" xmlns:p14="http://schemas.microsoft.com/office/powerpoint/2010/main" val="2631485282"/>
       </p:ext>
     </p:extLst>
   </p:cSld>
@@ -5684,7 +8554,7 @@
 </p:sld>
 </file>
 
-<file path=ppt/slides/slide15.xml><?xml version="1.0" encoding="utf-8"?>
+<file path=ppt/slides/slide17.xml><?xml version="1.0" encoding="utf-8"?>
 <p:sld xmlns:a="http://schemas.openxmlformats.org/drawingml/2006/main" xmlns:r="http://schemas.openxmlformats.org/officeDocument/2006/relationships" xmlns:p="http://schemas.openxmlformats.org/presentationml/2006/main">
   <p:cSld>
     <p:spTree>
@@ -5703,50 +8573,598 @@
       </p:grpSpPr>
       <p:sp>
         <p:nvSpPr>
-          <p:cNvPr id="2" name="Slide Number Placeholder 1"/>
+          <p:cNvPr id="4" name="Title 3"/>
           <p:cNvSpPr>
             <a:spLocks noGrp="1"/>
           </p:cNvSpPr>
           <p:nvPr>
-            <p:ph type="sldNum" sz="quarter" idx="10"/>
+            <p:ph type="title"/>
           </p:nvPr>
         </p:nvSpPr>
-        <p:spPr/>
+        <p:spPr>
+          <a:xfrm>
+            <a:off x="228600" y="228600"/>
+            <a:ext cx="3371116" cy="492443"/>
+          </a:xfrm>
+        </p:spPr>
         <p:txBody>
           <a:bodyPr/>
           <a:lstStyle/>
           <a:p>
-            <a:fld id="{F52E3F39-0206-E343-A815-B0E9B8087364}" type="slidenum">
-              <a:rPr lang="en-US" smtClean="0">
+            <a:pPr marL="342900" indent="-342900"/>
+            <a:r>
+              <a:rPr lang="en-US" altLang="zh-TW" sz="3200" dirty="0" err="1" smtClean="0">
+                <a:solidFill>
+                  <a:schemeClr val="tx1"/>
+                </a:solidFill>
                 <a:latin typeface="+mj-lt"/>
               </a:rPr>
-              <a:pPr/>
-              <a:t>15</a:t>
-            </a:fld>
-            <a:endParaRPr lang="en-US" dirty="0">
+              <a:t>Adaboost</a:t>
+            </a:r>
+            <a:r>
+              <a:rPr lang="en-US" altLang="zh-TW" sz="3200" dirty="0" smtClean="0">
+                <a:solidFill>
+                  <a:schemeClr val="tx1"/>
+                </a:solidFill>
+                <a:latin typeface="+mj-lt"/>
+              </a:rPr>
+              <a:t> in action</a:t>
+            </a:r>
+            <a:endParaRPr lang="en-US" altLang="zh-TW" sz="3200" dirty="0">
+              <a:solidFill>
+                <a:schemeClr val="tx1"/>
+              </a:solidFill>
               <a:latin typeface="+mj-lt"/>
             </a:endParaRPr>
+          </a:p>
+        </p:txBody>
+      </p:sp>
+      <p:pic>
+        <p:nvPicPr>
+          <p:cNvPr id="29698" name="Picture 2" descr="D:\ComputerVision\Github\AdaBoostExample\Presentation\Circle_data.png"/>
+          <p:cNvPicPr>
+            <a:picLocks noChangeAspect="1" noChangeArrowheads="1"/>
+          </p:cNvPicPr>
+          <p:nvPr/>
+        </p:nvPicPr>
+        <p:blipFill>
+          <a:blip r:embed="rId2"/>
+          <a:srcRect/>
+          <a:stretch>
+            <a:fillRect/>
+          </a:stretch>
+        </p:blipFill>
+        <p:spPr bwMode="auto">
+          <a:xfrm>
+            <a:off x="1019397" y="940035"/>
+            <a:ext cx="7333257" cy="5580000"/>
+          </a:xfrm>
+          <a:prstGeom prst="rect">
+            <a:avLst/>
+          </a:prstGeom>
+          <a:noFill/>
+        </p:spPr>
+      </p:pic>
+      <p:pic>
+        <p:nvPicPr>
+          <p:cNvPr id="29699" name="Picture 3" descr="D:\ComputerVision\Github\AdaBoostExample\Presentation\Circle_data_1.png"/>
+          <p:cNvPicPr>
+            <a:picLocks noChangeAspect="1" noChangeArrowheads="1"/>
+          </p:cNvPicPr>
+          <p:nvPr/>
+        </p:nvPicPr>
+        <p:blipFill>
+          <a:blip r:embed="rId3"/>
+          <a:srcRect/>
+          <a:stretch>
+            <a:fillRect/>
+          </a:stretch>
+        </p:blipFill>
+        <p:spPr bwMode="auto">
+          <a:xfrm>
+            <a:off x="1019397" y="940035"/>
+            <a:ext cx="7333257" cy="5580000"/>
+          </a:xfrm>
+          <a:prstGeom prst="rect">
+            <a:avLst/>
+          </a:prstGeom>
+          <a:noFill/>
+        </p:spPr>
+      </p:pic>
+      <p:pic>
+        <p:nvPicPr>
+          <p:cNvPr id="29700" name="Picture 4" descr="D:\ComputerVision\Github\AdaBoostExample\Presentation\Circle_data_2.png"/>
+          <p:cNvPicPr>
+            <a:picLocks noChangeAspect="1" noChangeArrowheads="1"/>
+          </p:cNvPicPr>
+          <p:nvPr/>
+        </p:nvPicPr>
+        <p:blipFill>
+          <a:blip r:embed="rId4"/>
+          <a:srcRect/>
+          <a:stretch>
+            <a:fillRect/>
+          </a:stretch>
+        </p:blipFill>
+        <p:spPr bwMode="auto">
+          <a:xfrm>
+            <a:off x="981108" y="940035"/>
+            <a:ext cx="7333258" cy="5580000"/>
+          </a:xfrm>
+          <a:prstGeom prst="rect">
+            <a:avLst/>
+          </a:prstGeom>
+          <a:noFill/>
+        </p:spPr>
+      </p:pic>
+      <p:sp>
+        <p:nvSpPr>
+          <p:cNvPr id="15" name="文字方塊 14"/>
+          <p:cNvSpPr txBox="1"/>
+          <p:nvPr/>
+        </p:nvSpPr>
+        <p:spPr>
+          <a:xfrm>
+            <a:off x="4831635" y="406400"/>
+            <a:ext cx="716863" cy="369332"/>
+          </a:xfrm>
+          <a:prstGeom prst="rect">
+            <a:avLst/>
+          </a:prstGeom>
+          <a:noFill/>
+        </p:spPr>
+        <p:txBody>
+          <a:bodyPr wrap="none" rtlCol="0">
+            <a:spAutoFit/>
+          </a:bodyPr>
+          <a:lstStyle/>
+          <a:p>
+            <a:r>
+              <a:rPr lang="en-US" altLang="zh-TW" dirty="0" smtClean="0"/>
+              <a:t>T=76</a:t>
+            </a:r>
+            <a:endParaRPr lang="zh-TW" altLang="en-US" dirty="0"/>
+          </a:p>
+        </p:txBody>
+      </p:sp>
+    </p:spTree>
+    <p:extLst>
+      <p:ext uri="{BB962C8B-B14F-4D97-AF65-F5344CB8AC3E}">
+        <p14:creationId xmlns="" xmlns:p14="http://schemas.microsoft.com/office/powerpoint/2010/main" val="2631485282"/>
+      </p:ext>
+    </p:extLst>
+  </p:cSld>
+  <p:clrMapOvr>
+    <a:masterClrMapping/>
+  </p:clrMapOvr>
+  <p:timing>
+    <p:tnLst>
+      <p:par>
+        <p:cTn id="1" dur="indefinite" restart="never" nodeType="tmRoot">
+          <p:childTnLst>
+            <p:seq concurrent="1" nextAc="seek">
+              <p:cTn id="2" dur="indefinite" nodeType="mainSeq">
+                <p:childTnLst>
+                  <p:par>
+                    <p:cTn id="3" fill="hold">
+                      <p:stCondLst>
+                        <p:cond delay="indefinite"/>
+                      </p:stCondLst>
+                      <p:childTnLst>
+                        <p:par>
+                          <p:cTn id="4" fill="hold">
+                            <p:stCondLst>
+                              <p:cond delay="0"/>
+                            </p:stCondLst>
+                            <p:childTnLst>
+                              <p:par>
+                                <p:cTn id="5" presetID="1" presetClass="entr" presetSubtype="0" fill="hold" nodeType="clickEffect">
+                                  <p:stCondLst>
+                                    <p:cond delay="0"/>
+                                  </p:stCondLst>
+                                  <p:childTnLst>
+                                    <p:set>
+                                      <p:cBhvr>
+                                        <p:cTn id="6" dur="1" fill="hold">
+                                          <p:stCondLst>
+                                            <p:cond delay="0"/>
+                                          </p:stCondLst>
+                                        </p:cTn>
+                                        <p:tgtEl>
+                                          <p:spTgt spid="29699"/>
+                                        </p:tgtEl>
+                                        <p:attrNameLst>
+                                          <p:attrName>style.visibility</p:attrName>
+                                        </p:attrNameLst>
+                                      </p:cBhvr>
+                                      <p:to>
+                                        <p:strVal val="visible"/>
+                                      </p:to>
+                                    </p:set>
+                                  </p:childTnLst>
+                                </p:cTn>
+                              </p:par>
+                            </p:childTnLst>
+                          </p:cTn>
+                        </p:par>
+                      </p:childTnLst>
+                    </p:cTn>
+                  </p:par>
+                  <p:par>
+                    <p:cTn id="7" fill="hold">
+                      <p:stCondLst>
+                        <p:cond delay="indefinite"/>
+                      </p:stCondLst>
+                      <p:childTnLst>
+                        <p:par>
+                          <p:cTn id="8" fill="hold">
+                            <p:stCondLst>
+                              <p:cond delay="0"/>
+                            </p:stCondLst>
+                            <p:childTnLst>
+                              <p:par>
+                                <p:cTn id="9" presetID="1" presetClass="entr" presetSubtype="0" fill="hold" grpId="0" nodeType="clickEffect">
+                                  <p:stCondLst>
+                                    <p:cond delay="0"/>
+                                  </p:stCondLst>
+                                  <p:childTnLst>
+                                    <p:set>
+                                      <p:cBhvr>
+                                        <p:cTn id="10" dur="1" fill="hold">
+                                          <p:stCondLst>
+                                            <p:cond delay="0"/>
+                                          </p:stCondLst>
+                                        </p:cTn>
+                                        <p:tgtEl>
+                                          <p:spTgt spid="15"/>
+                                        </p:tgtEl>
+                                        <p:attrNameLst>
+                                          <p:attrName>style.visibility</p:attrName>
+                                        </p:attrNameLst>
+                                      </p:cBhvr>
+                                      <p:to>
+                                        <p:strVal val="visible"/>
+                                      </p:to>
+                                    </p:set>
+                                  </p:childTnLst>
+                                </p:cTn>
+                              </p:par>
+                              <p:par>
+                                <p:cTn id="11" presetID="1" presetClass="entr" presetSubtype="0" fill="hold" nodeType="withEffect">
+                                  <p:stCondLst>
+                                    <p:cond delay="0"/>
+                                  </p:stCondLst>
+                                  <p:childTnLst>
+                                    <p:set>
+                                      <p:cBhvr>
+                                        <p:cTn id="12" dur="1" fill="hold">
+                                          <p:stCondLst>
+                                            <p:cond delay="0"/>
+                                          </p:stCondLst>
+                                        </p:cTn>
+                                        <p:tgtEl>
+                                          <p:spTgt spid="29700"/>
+                                        </p:tgtEl>
+                                        <p:attrNameLst>
+                                          <p:attrName>style.visibility</p:attrName>
+                                        </p:attrNameLst>
+                                      </p:cBhvr>
+                                      <p:to>
+                                        <p:strVal val="visible"/>
+                                      </p:to>
+                                    </p:set>
+                                  </p:childTnLst>
+                                </p:cTn>
+                              </p:par>
+                            </p:childTnLst>
+                          </p:cTn>
+                        </p:par>
+                      </p:childTnLst>
+                    </p:cTn>
+                  </p:par>
+                </p:childTnLst>
+              </p:cTn>
+              <p:prevCondLst>
+                <p:cond evt="onPrev" delay="0">
+                  <p:tgtEl>
+                    <p:sldTgt/>
+                  </p:tgtEl>
+                </p:cond>
+              </p:prevCondLst>
+              <p:nextCondLst>
+                <p:cond evt="onNext" delay="0">
+                  <p:tgtEl>
+                    <p:sldTgt/>
+                  </p:tgtEl>
+                </p:cond>
+              </p:nextCondLst>
+            </p:seq>
+          </p:childTnLst>
+        </p:cTn>
+      </p:par>
+    </p:tnLst>
+    <p:bldLst>
+      <p:bldP spid="15" grpId="0"/>
+    </p:bldLst>
+  </p:timing>
+</p:sld>
+</file>
+
+<file path=ppt/slides/slide18.xml><?xml version="1.0" encoding="utf-8"?>
+<p:sld xmlns:a="http://schemas.openxmlformats.org/drawingml/2006/main" xmlns:r="http://schemas.openxmlformats.org/officeDocument/2006/relationships" xmlns:p="http://schemas.openxmlformats.org/presentationml/2006/main">
+  <p:cSld>
+    <p:spTree>
+      <p:nvGrpSpPr>
+        <p:cNvPr id="1" name=""/>
+        <p:cNvGrpSpPr/>
+        <p:nvPr/>
+      </p:nvGrpSpPr>
+      <p:grpSpPr>
+        <a:xfrm>
+          <a:off x="0" y="0"/>
+          <a:ext cx="0" cy="0"/>
+          <a:chOff x="0" y="0"/>
+          <a:chExt cx="0" cy="0"/>
+        </a:xfrm>
+      </p:grpSpPr>
+      <p:sp>
+        <p:nvSpPr>
+          <p:cNvPr id="4" name="Title 3"/>
+          <p:cNvSpPr>
+            <a:spLocks noGrp="1"/>
+          </p:cNvSpPr>
+          <p:nvPr>
+            <p:ph type="title"/>
+          </p:nvPr>
+        </p:nvSpPr>
+        <p:spPr>
+          <a:xfrm>
+            <a:off x="228600" y="228600"/>
+            <a:ext cx="6370911" cy="492443"/>
+          </a:xfrm>
+        </p:spPr>
+        <p:txBody>
+          <a:bodyPr/>
+          <a:lstStyle/>
+          <a:p>
+            <a:pPr marL="342900" indent="-342900"/>
+            <a:r>
+              <a:rPr lang="en-US" altLang="zh-TW" sz="3200" dirty="0" smtClean="0">
+                <a:solidFill>
+                  <a:schemeClr val="tx1"/>
+                </a:solidFill>
+                <a:latin typeface="+mj-lt"/>
+              </a:rPr>
+              <a:t>Weak classifier of vehicle detection</a:t>
+            </a:r>
+            <a:endParaRPr lang="en-US" altLang="zh-TW" sz="3200" dirty="0">
+              <a:solidFill>
+                <a:schemeClr val="tx1"/>
+              </a:solidFill>
+              <a:latin typeface="+mj-lt"/>
+            </a:endParaRPr>
+          </a:p>
+        </p:txBody>
+      </p:sp>
+      <p:pic>
+        <p:nvPicPr>
+          <p:cNvPr id="30722" name="Picture 2" descr="D:\ComputerVision\FCWS\GDR_vehicles_rear\0358.bmp"/>
+          <p:cNvPicPr>
+            <a:picLocks noChangeAspect="1" noChangeArrowheads="1"/>
+          </p:cNvPicPr>
+          <p:nvPr/>
+        </p:nvPicPr>
+        <p:blipFill>
+          <a:blip r:embed="rId2"/>
+          <a:srcRect/>
+          <a:stretch>
+            <a:fillRect/>
+          </a:stretch>
+        </p:blipFill>
+        <p:spPr bwMode="auto">
+          <a:xfrm>
+            <a:off x="3928835" y="1502407"/>
+            <a:ext cx="4560819" cy="3933183"/>
+          </a:xfrm>
+          <a:prstGeom prst="rect">
+            <a:avLst/>
+          </a:prstGeom>
+          <a:noFill/>
+        </p:spPr>
+      </p:pic>
+      <p:sp>
+        <p:nvSpPr>
+          <p:cNvPr id="9" name="Content Placeholder 2"/>
+          <p:cNvSpPr txBox="1">
+            <a:spLocks/>
+          </p:cNvSpPr>
+          <p:nvPr/>
+        </p:nvSpPr>
+        <p:spPr>
+          <a:xfrm>
+            <a:off x="228600" y="986319"/>
+            <a:ext cx="8689622" cy="5244513"/>
+          </a:xfrm>
+          <a:prstGeom prst="rect">
+            <a:avLst/>
+          </a:prstGeom>
+        </p:spPr>
+        <p:txBody>
+          <a:bodyPr vert="horz" wrap="square" lIns="0" tIns="0" rIns="0" bIns="0" rtlCol="0">
+            <a:spAutoFit/>
+          </a:bodyPr>
+          <a:lstStyle/>
+          <a:p>
+            <a:pPr marL="742950" indent="-457200">
+              <a:spcBef>
+                <a:spcPct val="20000"/>
+              </a:spcBef>
+              <a:defRPr/>
+            </a:pPr>
+            <a:r>
+              <a:rPr lang="en-US" altLang="zh-TW" sz="2400" dirty="0" err="1" smtClean="0">
+                <a:latin typeface="Arial"/>
+              </a:rPr>
+              <a:t>Haar</a:t>
+            </a:r>
+            <a:r>
+              <a:rPr lang="en-US" altLang="zh-TW" sz="2400" dirty="0" smtClean="0">
+                <a:latin typeface="Arial"/>
+              </a:rPr>
+              <a:t> like feature</a:t>
+            </a:r>
+          </a:p>
+          <a:p>
+            <a:pPr marL="742950" indent="-457200">
+              <a:spcBef>
+                <a:spcPct val="20000"/>
+              </a:spcBef>
+              <a:defRPr/>
+            </a:pPr>
+            <a:endParaRPr lang="en-US" altLang="zh-TW" sz="2400" dirty="0" smtClean="0">
+              <a:latin typeface="Arial"/>
+            </a:endParaRPr>
+          </a:p>
+          <a:p>
+            <a:pPr marL="742950" indent="-457200">
+              <a:spcBef>
+                <a:spcPct val="20000"/>
+              </a:spcBef>
+              <a:defRPr/>
+            </a:pPr>
+            <a:endParaRPr lang="en-US" altLang="zh-TW" sz="2400" dirty="0" smtClean="0">
+              <a:latin typeface="Arial"/>
+            </a:endParaRPr>
+          </a:p>
+          <a:p>
+            <a:pPr marL="742950" indent="-457200">
+              <a:spcBef>
+                <a:spcPct val="20000"/>
+              </a:spcBef>
+              <a:defRPr/>
+            </a:pPr>
+            <a:endParaRPr lang="en-US" altLang="zh-TW" sz="2400" dirty="0" smtClean="0">
+              <a:latin typeface="Arial"/>
+            </a:endParaRPr>
+          </a:p>
+          <a:p>
+            <a:pPr marL="742950" indent="-457200">
+              <a:spcBef>
+                <a:spcPct val="20000"/>
+              </a:spcBef>
+              <a:defRPr/>
+            </a:pPr>
+            <a:endParaRPr lang="en-US" altLang="zh-TW" sz="2400" dirty="0" smtClean="0">
+              <a:latin typeface="Arial"/>
+            </a:endParaRPr>
+          </a:p>
+          <a:p>
+            <a:pPr marL="742950" indent="-457200">
+              <a:spcBef>
+                <a:spcPct val="20000"/>
+              </a:spcBef>
+              <a:defRPr/>
+            </a:pPr>
+            <a:endParaRPr lang="en-US" altLang="zh-TW" sz="2400" dirty="0" smtClean="0">
+              <a:latin typeface="Arial"/>
+            </a:endParaRPr>
+          </a:p>
+          <a:p>
+            <a:pPr marL="742950" indent="-457200">
+              <a:spcBef>
+                <a:spcPct val="20000"/>
+              </a:spcBef>
+              <a:defRPr/>
+            </a:pPr>
+            <a:endParaRPr lang="en-US" altLang="zh-TW" sz="2400" dirty="0" smtClean="0">
+              <a:latin typeface="Arial"/>
+            </a:endParaRPr>
+          </a:p>
+          <a:p>
+            <a:pPr marL="742950" indent="-457200">
+              <a:spcBef>
+                <a:spcPct val="20000"/>
+              </a:spcBef>
+              <a:defRPr/>
+            </a:pPr>
+            <a:endParaRPr lang="en-US" altLang="zh-TW" sz="2400" dirty="0" smtClean="0">
+              <a:latin typeface="Arial"/>
+            </a:endParaRPr>
+          </a:p>
+          <a:p>
+            <a:pPr marL="742950" indent="-457200">
+              <a:spcBef>
+                <a:spcPct val="20000"/>
+              </a:spcBef>
+              <a:defRPr/>
+            </a:pPr>
+            <a:endParaRPr lang="en-US" altLang="zh-TW" sz="2400" dirty="0" smtClean="0">
+              <a:latin typeface="Arial"/>
+            </a:endParaRPr>
+          </a:p>
+          <a:p>
+            <a:pPr marL="742950" indent="-457200">
+              <a:spcBef>
+                <a:spcPct val="20000"/>
+              </a:spcBef>
+              <a:defRPr/>
+            </a:pPr>
+            <a:endParaRPr lang="en-US" altLang="zh-TW" sz="2400" dirty="0" smtClean="0">
+              <a:latin typeface="Arial"/>
+            </a:endParaRPr>
+          </a:p>
+          <a:p>
+            <a:pPr marL="742950" indent="-457200">
+              <a:spcBef>
+                <a:spcPct val="20000"/>
+              </a:spcBef>
+              <a:defRPr/>
+            </a:pPr>
+            <a:endParaRPr lang="en-US" altLang="zh-TW" sz="2400" dirty="0" smtClean="0">
+              <a:latin typeface="Arial"/>
+            </a:endParaRPr>
+          </a:p>
+          <a:p>
+            <a:pPr marL="742950" indent="-457200">
+              <a:spcBef>
+                <a:spcPct val="20000"/>
+              </a:spcBef>
+              <a:defRPr/>
+            </a:pPr>
+            <a:r>
+              <a:rPr lang="en-US" altLang="zh-TW" sz="2400" dirty="0" smtClean="0">
+                <a:latin typeface="Arial"/>
+              </a:rPr>
+              <a:t>Classifier number = (Type X Position X Size)</a:t>
+            </a:r>
           </a:p>
         </p:txBody>
       </p:sp>
       <p:sp>
         <p:nvSpPr>
-          <p:cNvPr id="6" name="矩形 5"/>
+          <p:cNvPr id="10" name="矩形 9"/>
           <p:cNvSpPr/>
           <p:nvPr/>
         </p:nvSpPr>
         <p:spPr>
           <a:xfrm>
-            <a:off x="1680882" y="287867"/>
-            <a:ext cx="5715000" cy="4432051"/>
+            <a:off x="4156787" y="1684443"/>
+            <a:ext cx="262467" cy="762000"/>
           </a:xfrm>
           <a:prstGeom prst="rect">
             <a:avLst/>
           </a:prstGeom>
-          <a:noFill/>
-          <a:ln>
-            <a:noFill/>
+          <a:solidFill>
+            <a:schemeClr val="bg1">
+              <a:lumMod val="95000"/>
+            </a:schemeClr>
+          </a:solidFill>
+          <a:ln w="12700">
+            <a:solidFill>
+              <a:schemeClr val="tx1"/>
+            </a:solidFill>
           </a:ln>
+          <a:effectLst/>
         </p:spPr>
         <p:style>
           <a:lnRef idx="1">
@@ -5767,26 +9185,1968 @@
           <a:lstStyle/>
           <a:p>
             <a:pPr algn="ctr"/>
-            <a:r>
-              <a:rPr lang="en-US" altLang="zh-TW" sz="7200" dirty="0" smtClean="0">
-                <a:solidFill>
-                  <a:schemeClr val="tx1"/>
-                </a:solidFill>
-              </a:rPr>
-              <a:t>Thanks</a:t>
-            </a:r>
-            <a:endParaRPr lang="zh-TW" altLang="en-US" sz="7200" dirty="0">
-              <a:solidFill>
-                <a:schemeClr val="tx1"/>
-              </a:solidFill>
-            </a:endParaRPr>
+            <a:endParaRPr lang="zh-TW" altLang="en-US"/>
+          </a:p>
+        </p:txBody>
+      </p:sp>
+      <p:sp>
+        <p:nvSpPr>
+          <p:cNvPr id="11" name="矩形 10"/>
+          <p:cNvSpPr/>
+          <p:nvPr/>
+        </p:nvSpPr>
+        <p:spPr>
+          <a:xfrm>
+            <a:off x="4418282" y="1684443"/>
+            <a:ext cx="262467" cy="762000"/>
+          </a:xfrm>
+          <a:prstGeom prst="rect">
+            <a:avLst/>
+          </a:prstGeom>
+          <a:solidFill>
+            <a:schemeClr val="tx2">
+              <a:lumMod val="50000"/>
+            </a:schemeClr>
+          </a:solidFill>
+          <a:ln w="12700">
+            <a:solidFill>
+              <a:schemeClr val="tx1"/>
+            </a:solidFill>
+          </a:ln>
+          <a:effectLst/>
+        </p:spPr>
+        <p:style>
+          <a:lnRef idx="1">
+            <a:schemeClr val="accent1"/>
+          </a:lnRef>
+          <a:fillRef idx="3">
+            <a:schemeClr val="accent1"/>
+          </a:fillRef>
+          <a:effectRef idx="2">
+            <a:schemeClr val="accent1"/>
+          </a:effectRef>
+          <a:fontRef idx="minor">
+            <a:schemeClr val="lt1"/>
+          </a:fontRef>
+        </p:style>
+        <p:txBody>
+          <a:bodyPr rtlCol="0" anchor="ctr"/>
+          <a:lstStyle/>
+          <a:p>
+            <a:pPr algn="ctr"/>
+            <a:endParaRPr lang="zh-TW" altLang="en-US"/>
+          </a:p>
+        </p:txBody>
+      </p:sp>
+      <p:sp>
+        <p:nvSpPr>
+          <p:cNvPr id="12" name="矩形 11"/>
+          <p:cNvSpPr/>
+          <p:nvPr/>
+        </p:nvSpPr>
+        <p:spPr>
+          <a:xfrm rot="16200000">
+            <a:off x="6033927" y="1678910"/>
+            <a:ext cx="464634" cy="1169961"/>
+          </a:xfrm>
+          <a:prstGeom prst="rect">
+            <a:avLst/>
+          </a:prstGeom>
+          <a:solidFill>
+            <a:schemeClr val="bg1">
+              <a:lumMod val="95000"/>
+            </a:schemeClr>
+          </a:solidFill>
+          <a:ln w="12700">
+            <a:solidFill>
+              <a:schemeClr val="tx1"/>
+            </a:solidFill>
+          </a:ln>
+          <a:effectLst/>
+        </p:spPr>
+        <p:style>
+          <a:lnRef idx="1">
+            <a:schemeClr val="accent1"/>
+          </a:lnRef>
+          <a:fillRef idx="3">
+            <a:schemeClr val="accent1"/>
+          </a:fillRef>
+          <a:effectRef idx="2">
+            <a:schemeClr val="accent1"/>
+          </a:effectRef>
+          <a:fontRef idx="minor">
+            <a:schemeClr val="lt1"/>
+          </a:fontRef>
+        </p:style>
+        <p:txBody>
+          <a:bodyPr rtlCol="0" anchor="ctr"/>
+          <a:lstStyle/>
+          <a:p>
+            <a:pPr algn="ctr"/>
+            <a:endParaRPr lang="zh-TW" altLang="en-US"/>
+          </a:p>
+        </p:txBody>
+      </p:sp>
+      <p:sp>
+        <p:nvSpPr>
+          <p:cNvPr id="13" name="矩形 12"/>
+          <p:cNvSpPr/>
+          <p:nvPr/>
+        </p:nvSpPr>
+        <p:spPr>
+          <a:xfrm rot="16200000">
+            <a:off x="6040278" y="1216395"/>
+            <a:ext cx="451933" cy="1169961"/>
+          </a:xfrm>
+          <a:prstGeom prst="rect">
+            <a:avLst/>
+          </a:prstGeom>
+          <a:solidFill>
+            <a:schemeClr val="tx2">
+              <a:lumMod val="50000"/>
+            </a:schemeClr>
+          </a:solidFill>
+          <a:ln w="12700">
+            <a:solidFill>
+              <a:schemeClr val="tx1"/>
+            </a:solidFill>
+          </a:ln>
+          <a:effectLst/>
+        </p:spPr>
+        <p:style>
+          <a:lnRef idx="1">
+            <a:schemeClr val="accent1"/>
+          </a:lnRef>
+          <a:fillRef idx="3">
+            <a:schemeClr val="accent1"/>
+          </a:fillRef>
+          <a:effectRef idx="2">
+            <a:schemeClr val="accent1"/>
+          </a:effectRef>
+          <a:fontRef idx="minor">
+            <a:schemeClr val="lt1"/>
+          </a:fontRef>
+        </p:style>
+        <p:txBody>
+          <a:bodyPr rtlCol="0" anchor="ctr"/>
+          <a:lstStyle/>
+          <a:p>
+            <a:pPr algn="ctr"/>
+            <a:endParaRPr lang="zh-TW" altLang="en-US"/>
+          </a:p>
+        </p:txBody>
+      </p:sp>
+      <p:sp>
+        <p:nvSpPr>
+          <p:cNvPr id="14" name="矩形 13"/>
+          <p:cNvSpPr/>
+          <p:nvPr/>
+        </p:nvSpPr>
+        <p:spPr>
+          <a:xfrm>
+            <a:off x="508972" y="1565920"/>
+            <a:ext cx="262467" cy="762000"/>
+          </a:xfrm>
+          <a:prstGeom prst="rect">
+            <a:avLst/>
+          </a:prstGeom>
+          <a:solidFill>
+            <a:schemeClr val="bg1">
+              <a:lumMod val="95000"/>
+            </a:schemeClr>
+          </a:solidFill>
+          <a:ln w="12700">
+            <a:solidFill>
+              <a:schemeClr val="tx1"/>
+            </a:solidFill>
+          </a:ln>
+          <a:effectLst/>
+        </p:spPr>
+        <p:style>
+          <a:lnRef idx="1">
+            <a:schemeClr val="accent1"/>
+          </a:lnRef>
+          <a:fillRef idx="3">
+            <a:schemeClr val="accent1"/>
+          </a:fillRef>
+          <a:effectRef idx="2">
+            <a:schemeClr val="accent1"/>
+          </a:effectRef>
+          <a:fontRef idx="minor">
+            <a:schemeClr val="lt1"/>
+          </a:fontRef>
+        </p:style>
+        <p:txBody>
+          <a:bodyPr rtlCol="0" anchor="ctr"/>
+          <a:lstStyle/>
+          <a:p>
+            <a:pPr algn="ctr"/>
+            <a:endParaRPr lang="zh-TW" altLang="en-US"/>
+          </a:p>
+        </p:txBody>
+      </p:sp>
+      <p:sp>
+        <p:nvSpPr>
+          <p:cNvPr id="16" name="矩形 15"/>
+          <p:cNvSpPr/>
+          <p:nvPr/>
+        </p:nvSpPr>
+        <p:spPr>
+          <a:xfrm>
+            <a:off x="770467" y="1565920"/>
+            <a:ext cx="262467" cy="762000"/>
+          </a:xfrm>
+          <a:prstGeom prst="rect">
+            <a:avLst/>
+          </a:prstGeom>
+          <a:solidFill>
+            <a:schemeClr val="tx2">
+              <a:lumMod val="50000"/>
+            </a:schemeClr>
+          </a:solidFill>
+          <a:ln w="12700">
+            <a:solidFill>
+              <a:schemeClr val="tx1"/>
+            </a:solidFill>
+          </a:ln>
+          <a:effectLst/>
+        </p:spPr>
+        <p:style>
+          <a:lnRef idx="1">
+            <a:schemeClr val="accent1"/>
+          </a:lnRef>
+          <a:fillRef idx="3">
+            <a:schemeClr val="accent1"/>
+          </a:fillRef>
+          <a:effectRef idx="2">
+            <a:schemeClr val="accent1"/>
+          </a:effectRef>
+          <a:fontRef idx="minor">
+            <a:schemeClr val="lt1"/>
+          </a:fontRef>
+        </p:style>
+        <p:txBody>
+          <a:bodyPr rtlCol="0" anchor="ctr"/>
+          <a:lstStyle/>
+          <a:p>
+            <a:pPr algn="ctr"/>
+            <a:endParaRPr lang="zh-TW" altLang="en-US"/>
+          </a:p>
+        </p:txBody>
+      </p:sp>
+      <p:sp>
+        <p:nvSpPr>
+          <p:cNvPr id="17" name="矩形 16"/>
+          <p:cNvSpPr/>
+          <p:nvPr/>
+        </p:nvSpPr>
+        <p:spPr>
+          <a:xfrm rot="16200000">
+            <a:off x="6027061" y="2100647"/>
+            <a:ext cx="478368" cy="1169960"/>
+          </a:xfrm>
+          <a:prstGeom prst="rect">
+            <a:avLst/>
+          </a:prstGeom>
+          <a:solidFill>
+            <a:schemeClr val="bg1">
+              <a:lumMod val="95000"/>
+            </a:schemeClr>
+          </a:solidFill>
+          <a:ln w="12700">
+            <a:solidFill>
+              <a:schemeClr val="tx1"/>
+            </a:solidFill>
+          </a:ln>
+          <a:effectLst/>
+        </p:spPr>
+        <p:style>
+          <a:lnRef idx="1">
+            <a:schemeClr val="accent1"/>
+          </a:lnRef>
+          <a:fillRef idx="3">
+            <a:schemeClr val="accent1"/>
+          </a:fillRef>
+          <a:effectRef idx="2">
+            <a:schemeClr val="accent1"/>
+          </a:effectRef>
+          <a:fontRef idx="minor">
+            <a:schemeClr val="lt1"/>
+          </a:fontRef>
+        </p:style>
+        <p:txBody>
+          <a:bodyPr rtlCol="0" anchor="ctr"/>
+          <a:lstStyle/>
+          <a:p>
+            <a:pPr algn="ctr"/>
+            <a:endParaRPr lang="zh-TW" altLang="en-US"/>
+          </a:p>
+        </p:txBody>
+      </p:sp>
+      <p:sp>
+        <p:nvSpPr>
+          <p:cNvPr id="18" name="矩形 17"/>
+          <p:cNvSpPr/>
+          <p:nvPr/>
+        </p:nvSpPr>
+        <p:spPr>
+          <a:xfrm rot="16200000">
+            <a:off x="6020711" y="2598063"/>
+            <a:ext cx="491067" cy="1169962"/>
+          </a:xfrm>
+          <a:prstGeom prst="rect">
+            <a:avLst/>
+          </a:prstGeom>
+          <a:solidFill>
+            <a:schemeClr val="tx2">
+              <a:lumMod val="50000"/>
+            </a:schemeClr>
+          </a:solidFill>
+          <a:ln w="12700">
+            <a:solidFill>
+              <a:schemeClr val="tx1"/>
+            </a:solidFill>
+          </a:ln>
+          <a:effectLst/>
+        </p:spPr>
+        <p:style>
+          <a:lnRef idx="1">
+            <a:schemeClr val="accent1"/>
+          </a:lnRef>
+          <a:fillRef idx="3">
+            <a:schemeClr val="accent1"/>
+          </a:fillRef>
+          <a:effectRef idx="2">
+            <a:schemeClr val="accent1"/>
+          </a:effectRef>
+          <a:fontRef idx="minor">
+            <a:schemeClr val="lt1"/>
+          </a:fontRef>
+        </p:style>
+        <p:txBody>
+          <a:bodyPr rtlCol="0" anchor="ctr"/>
+          <a:lstStyle/>
+          <a:p>
+            <a:pPr algn="ctr"/>
+            <a:endParaRPr lang="zh-TW" altLang="en-US"/>
+          </a:p>
+        </p:txBody>
+      </p:sp>
+      <p:sp>
+        <p:nvSpPr>
+          <p:cNvPr id="19" name="矩形 18"/>
+          <p:cNvSpPr/>
+          <p:nvPr/>
+        </p:nvSpPr>
+        <p:spPr>
+          <a:xfrm>
+            <a:off x="508972" y="2619399"/>
+            <a:ext cx="262467" cy="762000"/>
+          </a:xfrm>
+          <a:prstGeom prst="rect">
+            <a:avLst/>
+          </a:prstGeom>
+          <a:solidFill>
+            <a:schemeClr val="bg1">
+              <a:lumMod val="95000"/>
+            </a:schemeClr>
+          </a:solidFill>
+          <a:ln w="12700">
+            <a:solidFill>
+              <a:schemeClr val="tx1"/>
+            </a:solidFill>
+          </a:ln>
+          <a:effectLst/>
+        </p:spPr>
+        <p:style>
+          <a:lnRef idx="1">
+            <a:schemeClr val="accent1"/>
+          </a:lnRef>
+          <a:fillRef idx="3">
+            <a:schemeClr val="accent1"/>
+          </a:fillRef>
+          <a:effectRef idx="2">
+            <a:schemeClr val="accent1"/>
+          </a:effectRef>
+          <a:fontRef idx="minor">
+            <a:schemeClr val="lt1"/>
+          </a:fontRef>
+        </p:style>
+        <p:txBody>
+          <a:bodyPr rtlCol="0" anchor="ctr"/>
+          <a:lstStyle/>
+          <a:p>
+            <a:pPr algn="ctr"/>
+            <a:endParaRPr lang="zh-TW" altLang="en-US"/>
+          </a:p>
+        </p:txBody>
+      </p:sp>
+      <p:sp>
+        <p:nvSpPr>
+          <p:cNvPr id="20" name="矩形 19"/>
+          <p:cNvSpPr/>
+          <p:nvPr/>
+        </p:nvSpPr>
+        <p:spPr>
+          <a:xfrm>
+            <a:off x="770467" y="2619399"/>
+            <a:ext cx="262467" cy="762000"/>
+          </a:xfrm>
+          <a:prstGeom prst="rect">
+            <a:avLst/>
+          </a:prstGeom>
+          <a:solidFill>
+            <a:schemeClr val="tx2">
+              <a:lumMod val="50000"/>
+            </a:schemeClr>
+          </a:solidFill>
+          <a:ln w="12700">
+            <a:solidFill>
+              <a:schemeClr val="tx1"/>
+            </a:solidFill>
+          </a:ln>
+          <a:effectLst/>
+        </p:spPr>
+        <p:style>
+          <a:lnRef idx="1">
+            <a:schemeClr val="accent1"/>
+          </a:lnRef>
+          <a:fillRef idx="3">
+            <a:schemeClr val="accent1"/>
+          </a:fillRef>
+          <a:effectRef idx="2">
+            <a:schemeClr val="accent1"/>
+          </a:effectRef>
+          <a:fontRef idx="minor">
+            <a:schemeClr val="lt1"/>
+          </a:fontRef>
+        </p:style>
+        <p:txBody>
+          <a:bodyPr rtlCol="0" anchor="ctr"/>
+          <a:lstStyle/>
+          <a:p>
+            <a:pPr algn="ctr"/>
+            <a:endParaRPr lang="zh-TW" altLang="en-US"/>
+          </a:p>
+        </p:txBody>
+      </p:sp>
+      <p:sp>
+        <p:nvSpPr>
+          <p:cNvPr id="21" name="矩形 20"/>
+          <p:cNvSpPr/>
+          <p:nvPr/>
+        </p:nvSpPr>
+        <p:spPr>
+          <a:xfrm>
+            <a:off x="1032934" y="2619399"/>
+            <a:ext cx="262467" cy="762000"/>
+          </a:xfrm>
+          <a:prstGeom prst="rect">
+            <a:avLst/>
+          </a:prstGeom>
+          <a:solidFill>
+            <a:schemeClr val="bg1">
+              <a:lumMod val="95000"/>
+            </a:schemeClr>
+          </a:solidFill>
+          <a:ln w="12700">
+            <a:solidFill>
+              <a:schemeClr val="tx1"/>
+            </a:solidFill>
+          </a:ln>
+          <a:effectLst/>
+        </p:spPr>
+        <p:style>
+          <a:lnRef idx="1">
+            <a:schemeClr val="accent1"/>
+          </a:lnRef>
+          <a:fillRef idx="3">
+            <a:schemeClr val="accent1"/>
+          </a:fillRef>
+          <a:effectRef idx="2">
+            <a:schemeClr val="accent1"/>
+          </a:effectRef>
+          <a:fontRef idx="minor">
+            <a:schemeClr val="lt1"/>
+          </a:fontRef>
+        </p:style>
+        <p:txBody>
+          <a:bodyPr rtlCol="0" anchor="ctr"/>
+          <a:lstStyle/>
+          <a:p>
+            <a:pPr algn="ctr"/>
+            <a:endParaRPr lang="zh-TW" altLang="en-US"/>
+          </a:p>
+        </p:txBody>
+      </p:sp>
+      <p:sp>
+        <p:nvSpPr>
+          <p:cNvPr id="22" name="矩形 21"/>
+          <p:cNvSpPr/>
+          <p:nvPr/>
+        </p:nvSpPr>
+        <p:spPr>
+          <a:xfrm>
+            <a:off x="1709251" y="2619401"/>
+            <a:ext cx="262467" cy="245533"/>
+          </a:xfrm>
+          <a:prstGeom prst="rect">
+            <a:avLst/>
+          </a:prstGeom>
+          <a:solidFill>
+            <a:schemeClr val="bg1">
+              <a:lumMod val="95000"/>
+            </a:schemeClr>
+          </a:solidFill>
+          <a:ln w="12700">
+            <a:solidFill>
+              <a:schemeClr val="tx1"/>
+            </a:solidFill>
+          </a:ln>
+          <a:effectLst/>
+        </p:spPr>
+        <p:style>
+          <a:lnRef idx="1">
+            <a:schemeClr val="accent1"/>
+          </a:lnRef>
+          <a:fillRef idx="3">
+            <a:schemeClr val="accent1"/>
+          </a:fillRef>
+          <a:effectRef idx="2">
+            <a:schemeClr val="accent1"/>
+          </a:effectRef>
+          <a:fontRef idx="minor">
+            <a:schemeClr val="lt1"/>
+          </a:fontRef>
+        </p:style>
+        <p:txBody>
+          <a:bodyPr rtlCol="0" anchor="ctr"/>
+          <a:lstStyle/>
+          <a:p>
+            <a:pPr algn="ctr"/>
+            <a:endParaRPr lang="zh-TW" altLang="en-US"/>
+          </a:p>
+        </p:txBody>
+      </p:sp>
+      <p:sp>
+        <p:nvSpPr>
+          <p:cNvPr id="23" name="矩形 22"/>
+          <p:cNvSpPr/>
+          <p:nvPr/>
+        </p:nvSpPr>
+        <p:spPr>
+          <a:xfrm>
+            <a:off x="1970746" y="2619400"/>
+            <a:ext cx="262467" cy="245533"/>
+          </a:xfrm>
+          <a:prstGeom prst="rect">
+            <a:avLst/>
+          </a:prstGeom>
+          <a:solidFill>
+            <a:schemeClr val="tx2">
+              <a:lumMod val="50000"/>
+            </a:schemeClr>
+          </a:solidFill>
+          <a:ln w="12700">
+            <a:solidFill>
+              <a:schemeClr val="tx1"/>
+            </a:solidFill>
+          </a:ln>
+          <a:effectLst/>
+        </p:spPr>
+        <p:style>
+          <a:lnRef idx="1">
+            <a:schemeClr val="accent1"/>
+          </a:lnRef>
+          <a:fillRef idx="3">
+            <a:schemeClr val="accent1"/>
+          </a:fillRef>
+          <a:effectRef idx="2">
+            <a:schemeClr val="accent1"/>
+          </a:effectRef>
+          <a:fontRef idx="minor">
+            <a:schemeClr val="lt1"/>
+          </a:fontRef>
+        </p:style>
+        <p:txBody>
+          <a:bodyPr rtlCol="0" anchor="ctr"/>
+          <a:lstStyle/>
+          <a:p>
+            <a:pPr algn="ctr"/>
+            <a:endParaRPr lang="zh-TW" altLang="en-US"/>
+          </a:p>
+        </p:txBody>
+      </p:sp>
+      <p:sp>
+        <p:nvSpPr>
+          <p:cNvPr id="24" name="矩形 23"/>
+          <p:cNvSpPr/>
+          <p:nvPr/>
+        </p:nvSpPr>
+        <p:spPr>
+          <a:xfrm>
+            <a:off x="1709251" y="2864933"/>
+            <a:ext cx="262467" cy="245533"/>
+          </a:xfrm>
+          <a:prstGeom prst="rect">
+            <a:avLst/>
+          </a:prstGeom>
+          <a:solidFill>
+            <a:schemeClr val="tx2">
+              <a:lumMod val="50000"/>
+            </a:schemeClr>
+          </a:solidFill>
+          <a:ln w="12700">
+            <a:solidFill>
+              <a:schemeClr val="tx1"/>
+            </a:solidFill>
+          </a:ln>
+          <a:effectLst/>
+        </p:spPr>
+        <p:style>
+          <a:lnRef idx="1">
+            <a:schemeClr val="accent1"/>
+          </a:lnRef>
+          <a:fillRef idx="3">
+            <a:schemeClr val="accent1"/>
+          </a:fillRef>
+          <a:effectRef idx="2">
+            <a:schemeClr val="accent1"/>
+          </a:effectRef>
+          <a:fontRef idx="minor">
+            <a:schemeClr val="lt1"/>
+          </a:fontRef>
+        </p:style>
+        <p:txBody>
+          <a:bodyPr rtlCol="0" anchor="ctr"/>
+          <a:lstStyle/>
+          <a:p>
+            <a:pPr algn="ctr"/>
+            <a:endParaRPr lang="zh-TW" altLang="en-US"/>
+          </a:p>
+        </p:txBody>
+      </p:sp>
+      <p:sp>
+        <p:nvSpPr>
+          <p:cNvPr id="25" name="矩形 24"/>
+          <p:cNvSpPr/>
+          <p:nvPr/>
+        </p:nvSpPr>
+        <p:spPr>
+          <a:xfrm>
+            <a:off x="1970746" y="2864933"/>
+            <a:ext cx="262467" cy="245533"/>
+          </a:xfrm>
+          <a:prstGeom prst="rect">
+            <a:avLst/>
+          </a:prstGeom>
+          <a:solidFill>
+            <a:schemeClr val="bg1">
+              <a:lumMod val="95000"/>
+            </a:schemeClr>
+          </a:solidFill>
+          <a:ln w="12700">
+            <a:solidFill>
+              <a:schemeClr val="tx1"/>
+            </a:solidFill>
+          </a:ln>
+          <a:effectLst/>
+        </p:spPr>
+        <p:style>
+          <a:lnRef idx="1">
+            <a:schemeClr val="accent1"/>
+          </a:lnRef>
+          <a:fillRef idx="3">
+            <a:schemeClr val="accent1"/>
+          </a:fillRef>
+          <a:effectRef idx="2">
+            <a:schemeClr val="accent1"/>
+          </a:effectRef>
+          <a:fontRef idx="minor">
+            <a:schemeClr val="lt1"/>
+          </a:fontRef>
+        </p:style>
+        <p:txBody>
+          <a:bodyPr rtlCol="0" anchor="ctr"/>
+          <a:lstStyle/>
+          <a:p>
+            <a:pPr algn="ctr"/>
+            <a:endParaRPr lang="zh-TW" altLang="en-US"/>
+          </a:p>
+        </p:txBody>
+      </p:sp>
+      <p:sp>
+        <p:nvSpPr>
+          <p:cNvPr id="26" name="矩形 25"/>
+          <p:cNvSpPr/>
+          <p:nvPr/>
+        </p:nvSpPr>
+        <p:spPr>
+          <a:xfrm>
+            <a:off x="1295401" y="3708403"/>
+            <a:ext cx="785456" cy="313266"/>
+          </a:xfrm>
+          <a:prstGeom prst="rect">
+            <a:avLst/>
+          </a:prstGeom>
+          <a:solidFill>
+            <a:schemeClr val="bg1">
+              <a:lumMod val="95000"/>
+            </a:schemeClr>
+          </a:solidFill>
+          <a:ln w="12700">
+            <a:solidFill>
+              <a:schemeClr val="tx1"/>
+            </a:solidFill>
+          </a:ln>
+          <a:effectLst/>
+        </p:spPr>
+        <p:style>
+          <a:lnRef idx="1">
+            <a:schemeClr val="accent1"/>
+          </a:lnRef>
+          <a:fillRef idx="3">
+            <a:schemeClr val="accent1"/>
+          </a:fillRef>
+          <a:effectRef idx="2">
+            <a:schemeClr val="accent1"/>
+          </a:effectRef>
+          <a:fontRef idx="minor">
+            <a:schemeClr val="lt1"/>
+          </a:fontRef>
+        </p:style>
+        <p:txBody>
+          <a:bodyPr rtlCol="0" anchor="ctr"/>
+          <a:lstStyle/>
+          <a:p>
+            <a:pPr algn="ctr"/>
+            <a:endParaRPr lang="zh-TW" altLang="en-US"/>
+          </a:p>
+        </p:txBody>
+      </p:sp>
+      <p:sp>
+        <p:nvSpPr>
+          <p:cNvPr id="27" name="矩形 26"/>
+          <p:cNvSpPr/>
+          <p:nvPr/>
+        </p:nvSpPr>
+        <p:spPr>
+          <a:xfrm>
+            <a:off x="508972" y="3708403"/>
+            <a:ext cx="786429" cy="313266"/>
+          </a:xfrm>
+          <a:prstGeom prst="rect">
+            <a:avLst/>
+          </a:prstGeom>
+          <a:solidFill>
+            <a:schemeClr val="tx2">
+              <a:lumMod val="50000"/>
+            </a:schemeClr>
+          </a:solidFill>
+          <a:ln w="12700">
+            <a:solidFill>
+              <a:schemeClr val="tx1"/>
+            </a:solidFill>
+          </a:ln>
+          <a:effectLst/>
+        </p:spPr>
+        <p:style>
+          <a:lnRef idx="1">
+            <a:schemeClr val="accent1"/>
+          </a:lnRef>
+          <a:fillRef idx="3">
+            <a:schemeClr val="accent1"/>
+          </a:fillRef>
+          <a:effectRef idx="2">
+            <a:schemeClr val="accent1"/>
+          </a:effectRef>
+          <a:fontRef idx="minor">
+            <a:schemeClr val="lt1"/>
+          </a:fontRef>
+        </p:style>
+        <p:txBody>
+          <a:bodyPr rtlCol="0" anchor="ctr"/>
+          <a:lstStyle/>
+          <a:p>
+            <a:pPr algn="ctr"/>
+            <a:endParaRPr lang="zh-TW" altLang="en-US"/>
+          </a:p>
+        </p:txBody>
+      </p:sp>
+      <p:sp>
+        <p:nvSpPr>
+          <p:cNvPr id="28" name="矩形 27"/>
+          <p:cNvSpPr/>
+          <p:nvPr/>
+        </p:nvSpPr>
+        <p:spPr>
+          <a:xfrm rot="16200000">
+            <a:off x="543983" y="4387851"/>
+            <a:ext cx="706968" cy="762000"/>
+          </a:xfrm>
+          <a:prstGeom prst="rect">
+            <a:avLst/>
+          </a:prstGeom>
+          <a:solidFill>
+            <a:schemeClr val="bg1">
+              <a:lumMod val="95000"/>
+            </a:schemeClr>
+          </a:solidFill>
+          <a:ln w="12700">
+            <a:solidFill>
+              <a:schemeClr val="tx1"/>
+            </a:solidFill>
+          </a:ln>
+          <a:effectLst/>
+        </p:spPr>
+        <p:style>
+          <a:lnRef idx="1">
+            <a:schemeClr val="accent1"/>
+          </a:lnRef>
+          <a:fillRef idx="3">
+            <a:schemeClr val="accent1"/>
+          </a:fillRef>
+          <a:effectRef idx="2">
+            <a:schemeClr val="accent1"/>
+          </a:effectRef>
+          <a:fontRef idx="minor">
+            <a:schemeClr val="lt1"/>
+          </a:fontRef>
+        </p:style>
+        <p:txBody>
+          <a:bodyPr rtlCol="0" anchor="ctr"/>
+          <a:lstStyle/>
+          <a:p>
+            <a:pPr algn="ctr"/>
+            <a:endParaRPr lang="zh-TW" altLang="en-US"/>
+          </a:p>
+        </p:txBody>
+      </p:sp>
+      <p:sp>
+        <p:nvSpPr>
+          <p:cNvPr id="29" name="矩形 28"/>
+          <p:cNvSpPr/>
+          <p:nvPr/>
+        </p:nvSpPr>
+        <p:spPr>
+          <a:xfrm>
+            <a:off x="762972" y="4622803"/>
+            <a:ext cx="262467" cy="245533"/>
+          </a:xfrm>
+          <a:prstGeom prst="rect">
+            <a:avLst/>
+          </a:prstGeom>
+          <a:solidFill>
+            <a:schemeClr val="tx2">
+              <a:lumMod val="50000"/>
+            </a:schemeClr>
+          </a:solidFill>
+          <a:ln w="12700">
+            <a:solidFill>
+              <a:schemeClr val="tx1"/>
+            </a:solidFill>
+          </a:ln>
+          <a:effectLst/>
+        </p:spPr>
+        <p:style>
+          <a:lnRef idx="1">
+            <a:schemeClr val="accent1"/>
+          </a:lnRef>
+          <a:fillRef idx="3">
+            <a:schemeClr val="accent1"/>
+          </a:fillRef>
+          <a:effectRef idx="2">
+            <a:schemeClr val="accent1"/>
+          </a:effectRef>
+          <a:fontRef idx="minor">
+            <a:schemeClr val="lt1"/>
+          </a:fontRef>
+        </p:style>
+        <p:txBody>
+          <a:bodyPr rtlCol="0" anchor="ctr"/>
+          <a:lstStyle/>
+          <a:p>
+            <a:pPr algn="ctr"/>
+            <a:endParaRPr lang="zh-TW" altLang="en-US"/>
+          </a:p>
+        </p:txBody>
+      </p:sp>
+      <p:sp>
+        <p:nvSpPr>
+          <p:cNvPr id="30" name="矩形 29"/>
+          <p:cNvSpPr/>
+          <p:nvPr/>
+        </p:nvSpPr>
+        <p:spPr>
+          <a:xfrm>
+            <a:off x="7112972" y="4030123"/>
+            <a:ext cx="262467" cy="245533"/>
+          </a:xfrm>
+          <a:prstGeom prst="rect">
+            <a:avLst/>
+          </a:prstGeom>
+          <a:solidFill>
+            <a:schemeClr val="bg1">
+              <a:lumMod val="95000"/>
+            </a:schemeClr>
+          </a:solidFill>
+          <a:ln w="12700">
+            <a:solidFill>
+              <a:schemeClr val="tx1"/>
+            </a:solidFill>
+          </a:ln>
+          <a:effectLst/>
+        </p:spPr>
+        <p:style>
+          <a:lnRef idx="1">
+            <a:schemeClr val="accent1"/>
+          </a:lnRef>
+          <a:fillRef idx="3">
+            <a:schemeClr val="accent1"/>
+          </a:fillRef>
+          <a:effectRef idx="2">
+            <a:schemeClr val="accent1"/>
+          </a:effectRef>
+          <a:fontRef idx="minor">
+            <a:schemeClr val="lt1"/>
+          </a:fontRef>
+        </p:style>
+        <p:txBody>
+          <a:bodyPr rtlCol="0" anchor="ctr"/>
+          <a:lstStyle/>
+          <a:p>
+            <a:pPr algn="ctr"/>
+            <a:endParaRPr lang="zh-TW" altLang="en-US"/>
+          </a:p>
+        </p:txBody>
+      </p:sp>
+      <p:sp>
+        <p:nvSpPr>
+          <p:cNvPr id="31" name="矩形 30"/>
+          <p:cNvSpPr/>
+          <p:nvPr/>
+        </p:nvSpPr>
+        <p:spPr>
+          <a:xfrm>
+            <a:off x="7374467" y="4030122"/>
+            <a:ext cx="262467" cy="245533"/>
+          </a:xfrm>
+          <a:prstGeom prst="rect">
+            <a:avLst/>
+          </a:prstGeom>
+          <a:solidFill>
+            <a:schemeClr val="tx2">
+              <a:lumMod val="50000"/>
+            </a:schemeClr>
+          </a:solidFill>
+          <a:ln w="12700">
+            <a:solidFill>
+              <a:schemeClr val="tx1"/>
+            </a:solidFill>
+          </a:ln>
+          <a:effectLst/>
+        </p:spPr>
+        <p:style>
+          <a:lnRef idx="1">
+            <a:schemeClr val="accent1"/>
+          </a:lnRef>
+          <a:fillRef idx="3">
+            <a:schemeClr val="accent1"/>
+          </a:fillRef>
+          <a:effectRef idx="2">
+            <a:schemeClr val="accent1"/>
+          </a:effectRef>
+          <a:fontRef idx="minor">
+            <a:schemeClr val="lt1"/>
+          </a:fontRef>
+        </p:style>
+        <p:txBody>
+          <a:bodyPr rtlCol="0" anchor="ctr"/>
+          <a:lstStyle/>
+          <a:p>
+            <a:pPr algn="ctr"/>
+            <a:endParaRPr lang="zh-TW" altLang="en-US"/>
+          </a:p>
+        </p:txBody>
+      </p:sp>
+      <p:sp>
+        <p:nvSpPr>
+          <p:cNvPr id="32" name="矩形 31"/>
+          <p:cNvSpPr/>
+          <p:nvPr/>
+        </p:nvSpPr>
+        <p:spPr>
+          <a:xfrm>
+            <a:off x="7112972" y="4275655"/>
+            <a:ext cx="262467" cy="245533"/>
+          </a:xfrm>
+          <a:prstGeom prst="rect">
+            <a:avLst/>
+          </a:prstGeom>
+          <a:solidFill>
+            <a:schemeClr val="tx2">
+              <a:lumMod val="50000"/>
+            </a:schemeClr>
+          </a:solidFill>
+          <a:ln w="12700">
+            <a:solidFill>
+              <a:schemeClr val="tx1"/>
+            </a:solidFill>
+          </a:ln>
+          <a:effectLst/>
+        </p:spPr>
+        <p:style>
+          <a:lnRef idx="1">
+            <a:schemeClr val="accent1"/>
+          </a:lnRef>
+          <a:fillRef idx="3">
+            <a:schemeClr val="accent1"/>
+          </a:fillRef>
+          <a:effectRef idx="2">
+            <a:schemeClr val="accent1"/>
+          </a:effectRef>
+          <a:fontRef idx="minor">
+            <a:schemeClr val="lt1"/>
+          </a:fontRef>
+        </p:style>
+        <p:txBody>
+          <a:bodyPr rtlCol="0" anchor="ctr"/>
+          <a:lstStyle/>
+          <a:p>
+            <a:pPr algn="ctr"/>
+            <a:endParaRPr lang="zh-TW" altLang="en-US"/>
+          </a:p>
+        </p:txBody>
+      </p:sp>
+      <p:sp>
+        <p:nvSpPr>
+          <p:cNvPr id="33" name="矩形 32"/>
+          <p:cNvSpPr/>
+          <p:nvPr/>
+        </p:nvSpPr>
+        <p:spPr>
+          <a:xfrm>
+            <a:off x="7374467" y="4275655"/>
+            <a:ext cx="262467" cy="245533"/>
+          </a:xfrm>
+          <a:prstGeom prst="rect">
+            <a:avLst/>
+          </a:prstGeom>
+          <a:solidFill>
+            <a:schemeClr val="bg1">
+              <a:lumMod val="95000"/>
+            </a:schemeClr>
+          </a:solidFill>
+          <a:ln w="12700">
+            <a:solidFill>
+              <a:schemeClr val="tx1"/>
+            </a:solidFill>
+          </a:ln>
+          <a:effectLst/>
+        </p:spPr>
+        <p:style>
+          <a:lnRef idx="1">
+            <a:schemeClr val="accent1"/>
+          </a:lnRef>
+          <a:fillRef idx="3">
+            <a:schemeClr val="accent1"/>
+          </a:fillRef>
+          <a:effectRef idx="2">
+            <a:schemeClr val="accent1"/>
+          </a:effectRef>
+          <a:fontRef idx="minor">
+            <a:schemeClr val="lt1"/>
+          </a:fontRef>
+        </p:style>
+        <p:txBody>
+          <a:bodyPr rtlCol="0" anchor="ctr"/>
+          <a:lstStyle/>
+          <a:p>
+            <a:pPr algn="ctr"/>
+            <a:endParaRPr lang="zh-TW" altLang="en-US"/>
+          </a:p>
+        </p:txBody>
+      </p:sp>
+      <p:sp>
+        <p:nvSpPr>
+          <p:cNvPr id="34" name="矩形 33"/>
+          <p:cNvSpPr/>
+          <p:nvPr/>
+        </p:nvSpPr>
+        <p:spPr>
+          <a:xfrm>
+            <a:off x="3928835" y="1502407"/>
+            <a:ext cx="4560820" cy="3933183"/>
+          </a:xfrm>
+          <a:prstGeom prst="rect">
+            <a:avLst/>
+          </a:prstGeom>
+          <a:noFill/>
+          <a:ln w="25400"/>
+        </p:spPr>
+        <p:style>
+          <a:lnRef idx="1">
+            <a:schemeClr val="accent1"/>
+          </a:lnRef>
+          <a:fillRef idx="3">
+            <a:schemeClr val="accent1"/>
+          </a:fillRef>
+          <a:effectRef idx="2">
+            <a:schemeClr val="accent1"/>
+          </a:effectRef>
+          <a:fontRef idx="minor">
+            <a:schemeClr val="lt1"/>
+          </a:fontRef>
+        </p:style>
+        <p:txBody>
+          <a:bodyPr rtlCol="0" anchor="ctr"/>
+          <a:lstStyle/>
+          <a:p>
+            <a:pPr algn="ctr"/>
+            <a:endParaRPr lang="zh-TW" altLang="en-US"/>
           </a:p>
         </p:txBody>
       </p:sp>
     </p:spTree>
     <p:extLst>
       <p:ext uri="{BB962C8B-B14F-4D97-AF65-F5344CB8AC3E}">
-        <p14:creationId xmlns:p14="http://schemas.microsoft.com/office/powerpoint/2010/main" val="3598067464"/>
+        <p14:creationId xmlns="" xmlns:p14="http://schemas.microsoft.com/office/powerpoint/2010/main" val="2631485282"/>
+      </p:ext>
+    </p:extLst>
+  </p:cSld>
+  <p:clrMapOvr>
+    <a:masterClrMapping/>
+  </p:clrMapOvr>
+  <p:timing>
+    <p:tnLst>
+      <p:par>
+        <p:cTn id="1" dur="indefinite" restart="never" nodeType="tmRoot">
+          <p:childTnLst>
+            <p:seq concurrent="1" nextAc="seek">
+              <p:cTn id="2" dur="indefinite" nodeType="mainSeq">
+                <p:childTnLst>
+                  <p:par>
+                    <p:cTn id="3" fill="hold">
+                      <p:stCondLst>
+                        <p:cond delay="indefinite"/>
+                      </p:stCondLst>
+                      <p:childTnLst>
+                        <p:par>
+                          <p:cTn id="4" fill="hold">
+                            <p:stCondLst>
+                              <p:cond delay="0"/>
+                            </p:stCondLst>
+                            <p:childTnLst>
+                              <p:par>
+                                <p:cTn id="5" presetID="1" presetClass="entr" presetSubtype="0" fill="hold" nodeType="clickEffect">
+                                  <p:stCondLst>
+                                    <p:cond delay="0"/>
+                                  </p:stCondLst>
+                                  <p:childTnLst>
+                                    <p:set>
+                                      <p:cBhvr>
+                                        <p:cTn id="6" dur="1" fill="hold">
+                                          <p:stCondLst>
+                                            <p:cond delay="0"/>
+                                          </p:stCondLst>
+                                        </p:cTn>
+                                        <p:tgtEl>
+                                          <p:spTgt spid="30722"/>
+                                        </p:tgtEl>
+                                        <p:attrNameLst>
+                                          <p:attrName>style.visibility</p:attrName>
+                                        </p:attrNameLst>
+                                      </p:cBhvr>
+                                      <p:to>
+                                        <p:strVal val="visible"/>
+                                      </p:to>
+                                    </p:set>
+                                  </p:childTnLst>
+                                </p:cTn>
+                              </p:par>
+                              <p:par>
+                                <p:cTn id="7" presetID="1" presetClass="exit" presetSubtype="0" fill="hold" grpId="0" nodeType="withEffect">
+                                  <p:stCondLst>
+                                    <p:cond delay="0"/>
+                                  </p:stCondLst>
+                                  <p:childTnLst>
+                                    <p:set>
+                                      <p:cBhvr>
+                                        <p:cTn id="8" dur="1" fill="hold">
+                                          <p:stCondLst>
+                                            <p:cond delay="0"/>
+                                          </p:stCondLst>
+                                        </p:cTn>
+                                        <p:tgtEl>
+                                          <p:spTgt spid="10"/>
+                                        </p:tgtEl>
+                                        <p:attrNameLst>
+                                          <p:attrName>style.visibility</p:attrName>
+                                        </p:attrNameLst>
+                                      </p:cBhvr>
+                                      <p:to>
+                                        <p:strVal val="hidden"/>
+                                      </p:to>
+                                    </p:set>
+                                  </p:childTnLst>
+                                </p:cTn>
+                              </p:par>
+                              <p:par>
+                                <p:cTn id="9" presetID="1" presetClass="exit" presetSubtype="0" fill="hold" grpId="0" nodeType="withEffect">
+                                  <p:stCondLst>
+                                    <p:cond delay="0"/>
+                                  </p:stCondLst>
+                                  <p:childTnLst>
+                                    <p:set>
+                                      <p:cBhvr>
+                                        <p:cTn id="10" dur="1" fill="hold">
+                                          <p:stCondLst>
+                                            <p:cond delay="0"/>
+                                          </p:stCondLst>
+                                        </p:cTn>
+                                        <p:tgtEl>
+                                          <p:spTgt spid="11"/>
+                                        </p:tgtEl>
+                                        <p:attrNameLst>
+                                          <p:attrName>style.visibility</p:attrName>
+                                        </p:attrNameLst>
+                                      </p:cBhvr>
+                                      <p:to>
+                                        <p:strVal val="hidden"/>
+                                      </p:to>
+                                    </p:set>
+                                  </p:childTnLst>
+                                </p:cTn>
+                              </p:par>
+                              <p:par>
+                                <p:cTn id="11" presetID="1" presetClass="exit" presetSubtype="0" fill="hold" grpId="0" nodeType="withEffect">
+                                  <p:stCondLst>
+                                    <p:cond delay="0"/>
+                                  </p:stCondLst>
+                                  <p:childTnLst>
+                                    <p:set>
+                                      <p:cBhvr>
+                                        <p:cTn id="12" dur="1" fill="hold">
+                                          <p:stCondLst>
+                                            <p:cond delay="0"/>
+                                          </p:stCondLst>
+                                        </p:cTn>
+                                        <p:tgtEl>
+                                          <p:spTgt spid="12"/>
+                                        </p:tgtEl>
+                                        <p:attrNameLst>
+                                          <p:attrName>style.visibility</p:attrName>
+                                        </p:attrNameLst>
+                                      </p:cBhvr>
+                                      <p:to>
+                                        <p:strVal val="hidden"/>
+                                      </p:to>
+                                    </p:set>
+                                  </p:childTnLst>
+                                </p:cTn>
+                              </p:par>
+                              <p:par>
+                                <p:cTn id="13" presetID="1" presetClass="exit" presetSubtype="0" fill="hold" grpId="0" nodeType="withEffect">
+                                  <p:stCondLst>
+                                    <p:cond delay="0"/>
+                                  </p:stCondLst>
+                                  <p:childTnLst>
+                                    <p:set>
+                                      <p:cBhvr>
+                                        <p:cTn id="14" dur="1" fill="hold">
+                                          <p:stCondLst>
+                                            <p:cond delay="0"/>
+                                          </p:stCondLst>
+                                        </p:cTn>
+                                        <p:tgtEl>
+                                          <p:spTgt spid="13"/>
+                                        </p:tgtEl>
+                                        <p:attrNameLst>
+                                          <p:attrName>style.visibility</p:attrName>
+                                        </p:attrNameLst>
+                                      </p:cBhvr>
+                                      <p:to>
+                                        <p:strVal val="hidden"/>
+                                      </p:to>
+                                    </p:set>
+                                  </p:childTnLst>
+                                </p:cTn>
+                              </p:par>
+                              <p:par>
+                                <p:cTn id="15" presetID="1" presetClass="exit" presetSubtype="0" fill="hold" grpId="0" nodeType="withEffect">
+                                  <p:stCondLst>
+                                    <p:cond delay="0"/>
+                                  </p:stCondLst>
+                                  <p:childTnLst>
+                                    <p:set>
+                                      <p:cBhvr>
+                                        <p:cTn id="16" dur="1" fill="hold">
+                                          <p:stCondLst>
+                                            <p:cond delay="0"/>
+                                          </p:stCondLst>
+                                        </p:cTn>
+                                        <p:tgtEl>
+                                          <p:spTgt spid="30"/>
+                                        </p:tgtEl>
+                                        <p:attrNameLst>
+                                          <p:attrName>style.visibility</p:attrName>
+                                        </p:attrNameLst>
+                                      </p:cBhvr>
+                                      <p:to>
+                                        <p:strVal val="hidden"/>
+                                      </p:to>
+                                    </p:set>
+                                  </p:childTnLst>
+                                </p:cTn>
+                              </p:par>
+                              <p:par>
+                                <p:cTn id="17" presetID="1" presetClass="exit" presetSubtype="0" fill="hold" grpId="0" nodeType="withEffect">
+                                  <p:stCondLst>
+                                    <p:cond delay="0"/>
+                                  </p:stCondLst>
+                                  <p:childTnLst>
+                                    <p:set>
+                                      <p:cBhvr>
+                                        <p:cTn id="18" dur="1" fill="hold">
+                                          <p:stCondLst>
+                                            <p:cond delay="0"/>
+                                          </p:stCondLst>
+                                        </p:cTn>
+                                        <p:tgtEl>
+                                          <p:spTgt spid="31"/>
+                                        </p:tgtEl>
+                                        <p:attrNameLst>
+                                          <p:attrName>style.visibility</p:attrName>
+                                        </p:attrNameLst>
+                                      </p:cBhvr>
+                                      <p:to>
+                                        <p:strVal val="hidden"/>
+                                      </p:to>
+                                    </p:set>
+                                  </p:childTnLst>
+                                </p:cTn>
+                              </p:par>
+                              <p:par>
+                                <p:cTn id="19" presetID="1" presetClass="exit" presetSubtype="0" fill="hold" grpId="0" nodeType="withEffect">
+                                  <p:stCondLst>
+                                    <p:cond delay="0"/>
+                                  </p:stCondLst>
+                                  <p:childTnLst>
+                                    <p:set>
+                                      <p:cBhvr>
+                                        <p:cTn id="20" dur="1" fill="hold">
+                                          <p:stCondLst>
+                                            <p:cond delay="0"/>
+                                          </p:stCondLst>
+                                        </p:cTn>
+                                        <p:tgtEl>
+                                          <p:spTgt spid="32"/>
+                                        </p:tgtEl>
+                                        <p:attrNameLst>
+                                          <p:attrName>style.visibility</p:attrName>
+                                        </p:attrNameLst>
+                                      </p:cBhvr>
+                                      <p:to>
+                                        <p:strVal val="hidden"/>
+                                      </p:to>
+                                    </p:set>
+                                  </p:childTnLst>
+                                </p:cTn>
+                              </p:par>
+                              <p:par>
+                                <p:cTn id="21" presetID="1" presetClass="exit" presetSubtype="0" fill="hold" grpId="0" nodeType="withEffect">
+                                  <p:stCondLst>
+                                    <p:cond delay="0"/>
+                                  </p:stCondLst>
+                                  <p:childTnLst>
+                                    <p:set>
+                                      <p:cBhvr>
+                                        <p:cTn id="22" dur="1" fill="hold">
+                                          <p:stCondLst>
+                                            <p:cond delay="0"/>
+                                          </p:stCondLst>
+                                        </p:cTn>
+                                        <p:tgtEl>
+                                          <p:spTgt spid="33"/>
+                                        </p:tgtEl>
+                                        <p:attrNameLst>
+                                          <p:attrName>style.visibility</p:attrName>
+                                        </p:attrNameLst>
+                                      </p:cBhvr>
+                                      <p:to>
+                                        <p:strVal val="hidden"/>
+                                      </p:to>
+                                    </p:set>
+                                  </p:childTnLst>
+                                </p:cTn>
+                              </p:par>
+                            </p:childTnLst>
+                          </p:cTn>
+                        </p:par>
+                      </p:childTnLst>
+                    </p:cTn>
+                  </p:par>
+                  <p:par>
+                    <p:cTn id="23" fill="hold">
+                      <p:stCondLst>
+                        <p:cond delay="indefinite"/>
+                      </p:stCondLst>
+                      <p:childTnLst>
+                        <p:par>
+                          <p:cTn id="24" fill="hold">
+                            <p:stCondLst>
+                              <p:cond delay="0"/>
+                            </p:stCondLst>
+                            <p:childTnLst>
+                              <p:par>
+                                <p:cTn id="25" presetID="1" presetClass="entr" presetSubtype="0" fill="hold" grpId="0" nodeType="clickEffect">
+                                  <p:stCondLst>
+                                    <p:cond delay="0"/>
+                                  </p:stCondLst>
+                                  <p:childTnLst>
+                                    <p:set>
+                                      <p:cBhvr>
+                                        <p:cTn id="26" dur="1" fill="hold">
+                                          <p:stCondLst>
+                                            <p:cond delay="0"/>
+                                          </p:stCondLst>
+                                        </p:cTn>
+                                        <p:tgtEl>
+                                          <p:spTgt spid="17"/>
+                                        </p:tgtEl>
+                                        <p:attrNameLst>
+                                          <p:attrName>style.visibility</p:attrName>
+                                        </p:attrNameLst>
+                                      </p:cBhvr>
+                                      <p:to>
+                                        <p:strVal val="visible"/>
+                                      </p:to>
+                                    </p:set>
+                                  </p:childTnLst>
+                                </p:cTn>
+                              </p:par>
+                              <p:par>
+                                <p:cTn id="27" presetID="1" presetClass="entr" presetSubtype="0" fill="hold" grpId="0" nodeType="withEffect">
+                                  <p:stCondLst>
+                                    <p:cond delay="0"/>
+                                  </p:stCondLst>
+                                  <p:childTnLst>
+                                    <p:set>
+                                      <p:cBhvr>
+                                        <p:cTn id="28" dur="1" fill="hold">
+                                          <p:stCondLst>
+                                            <p:cond delay="0"/>
+                                          </p:stCondLst>
+                                        </p:cTn>
+                                        <p:tgtEl>
+                                          <p:spTgt spid="18"/>
+                                        </p:tgtEl>
+                                        <p:attrNameLst>
+                                          <p:attrName>style.visibility</p:attrName>
+                                        </p:attrNameLst>
+                                      </p:cBhvr>
+                                      <p:to>
+                                        <p:strVal val="visible"/>
+                                      </p:to>
+                                    </p:set>
+                                  </p:childTnLst>
+                                </p:cTn>
+                              </p:par>
+                            </p:childTnLst>
+                          </p:cTn>
+                        </p:par>
+                      </p:childTnLst>
+                    </p:cTn>
+                  </p:par>
+                  <p:par>
+                    <p:cTn id="29" fill="hold">
+                      <p:stCondLst>
+                        <p:cond delay="indefinite"/>
+                      </p:stCondLst>
+                      <p:childTnLst>
+                        <p:par>
+                          <p:cTn id="30" fill="hold">
+                            <p:stCondLst>
+                              <p:cond delay="0"/>
+                            </p:stCondLst>
+                            <p:childTnLst>
+                              <p:par>
+                                <p:cTn id="31" presetID="1" presetClass="entr" presetSubtype="0" fill="hold" grpId="1" nodeType="clickEffect">
+                                  <p:stCondLst>
+                                    <p:cond delay="0"/>
+                                  </p:stCondLst>
+                                  <p:childTnLst>
+                                    <p:set>
+                                      <p:cBhvr>
+                                        <p:cTn id="32" dur="1" fill="hold">
+                                          <p:stCondLst>
+                                            <p:cond delay="0"/>
+                                          </p:stCondLst>
+                                        </p:cTn>
+                                        <p:tgtEl>
+                                          <p:spTgt spid="30"/>
+                                        </p:tgtEl>
+                                        <p:attrNameLst>
+                                          <p:attrName>style.visibility</p:attrName>
+                                        </p:attrNameLst>
+                                      </p:cBhvr>
+                                      <p:to>
+                                        <p:strVal val="visible"/>
+                                      </p:to>
+                                    </p:set>
+                                  </p:childTnLst>
+                                </p:cTn>
+                              </p:par>
+                              <p:par>
+                                <p:cTn id="33" presetID="1" presetClass="entr" presetSubtype="0" fill="hold" grpId="1" nodeType="withEffect">
+                                  <p:stCondLst>
+                                    <p:cond delay="0"/>
+                                  </p:stCondLst>
+                                  <p:childTnLst>
+                                    <p:set>
+                                      <p:cBhvr>
+                                        <p:cTn id="34" dur="1" fill="hold">
+                                          <p:stCondLst>
+                                            <p:cond delay="0"/>
+                                          </p:stCondLst>
+                                        </p:cTn>
+                                        <p:tgtEl>
+                                          <p:spTgt spid="31"/>
+                                        </p:tgtEl>
+                                        <p:attrNameLst>
+                                          <p:attrName>style.visibility</p:attrName>
+                                        </p:attrNameLst>
+                                      </p:cBhvr>
+                                      <p:to>
+                                        <p:strVal val="visible"/>
+                                      </p:to>
+                                    </p:set>
+                                  </p:childTnLst>
+                                </p:cTn>
+                              </p:par>
+                              <p:par>
+                                <p:cTn id="35" presetID="1" presetClass="entr" presetSubtype="0" fill="hold" grpId="1" nodeType="withEffect">
+                                  <p:stCondLst>
+                                    <p:cond delay="0"/>
+                                  </p:stCondLst>
+                                  <p:childTnLst>
+                                    <p:set>
+                                      <p:cBhvr>
+                                        <p:cTn id="36" dur="1" fill="hold">
+                                          <p:stCondLst>
+                                            <p:cond delay="0"/>
+                                          </p:stCondLst>
+                                        </p:cTn>
+                                        <p:tgtEl>
+                                          <p:spTgt spid="32"/>
+                                        </p:tgtEl>
+                                        <p:attrNameLst>
+                                          <p:attrName>style.visibility</p:attrName>
+                                        </p:attrNameLst>
+                                      </p:cBhvr>
+                                      <p:to>
+                                        <p:strVal val="visible"/>
+                                      </p:to>
+                                    </p:set>
+                                  </p:childTnLst>
+                                </p:cTn>
+                              </p:par>
+                              <p:par>
+                                <p:cTn id="37" presetID="1" presetClass="entr" presetSubtype="0" fill="hold" grpId="1" nodeType="withEffect">
+                                  <p:stCondLst>
+                                    <p:cond delay="0"/>
+                                  </p:stCondLst>
+                                  <p:childTnLst>
+                                    <p:set>
+                                      <p:cBhvr>
+                                        <p:cTn id="38" dur="1" fill="hold">
+                                          <p:stCondLst>
+                                            <p:cond delay="0"/>
+                                          </p:stCondLst>
+                                        </p:cTn>
+                                        <p:tgtEl>
+                                          <p:spTgt spid="33"/>
+                                        </p:tgtEl>
+                                        <p:attrNameLst>
+                                          <p:attrName>style.visibility</p:attrName>
+                                        </p:attrNameLst>
+                                      </p:cBhvr>
+                                      <p:to>
+                                        <p:strVal val="visible"/>
+                                      </p:to>
+                                    </p:set>
+                                  </p:childTnLst>
+                                </p:cTn>
+                              </p:par>
+                              <p:par>
+                                <p:cTn id="39" presetID="1" presetClass="exit" presetSubtype="0" fill="hold" grpId="1" nodeType="withEffect">
+                                  <p:stCondLst>
+                                    <p:cond delay="0"/>
+                                  </p:stCondLst>
+                                  <p:childTnLst>
+                                    <p:set>
+                                      <p:cBhvr>
+                                        <p:cTn id="40" dur="1" fill="hold">
+                                          <p:stCondLst>
+                                            <p:cond delay="0"/>
+                                          </p:stCondLst>
+                                        </p:cTn>
+                                        <p:tgtEl>
+                                          <p:spTgt spid="17"/>
+                                        </p:tgtEl>
+                                        <p:attrNameLst>
+                                          <p:attrName>style.visibility</p:attrName>
+                                        </p:attrNameLst>
+                                      </p:cBhvr>
+                                      <p:to>
+                                        <p:strVal val="hidden"/>
+                                      </p:to>
+                                    </p:set>
+                                  </p:childTnLst>
+                                </p:cTn>
+                              </p:par>
+                              <p:par>
+                                <p:cTn id="41" presetID="1" presetClass="exit" presetSubtype="0" fill="hold" grpId="1" nodeType="withEffect">
+                                  <p:stCondLst>
+                                    <p:cond delay="0"/>
+                                  </p:stCondLst>
+                                  <p:childTnLst>
+                                    <p:set>
+                                      <p:cBhvr>
+                                        <p:cTn id="42" dur="1" fill="hold">
+                                          <p:stCondLst>
+                                            <p:cond delay="0"/>
+                                          </p:stCondLst>
+                                        </p:cTn>
+                                        <p:tgtEl>
+                                          <p:spTgt spid="18"/>
+                                        </p:tgtEl>
+                                        <p:attrNameLst>
+                                          <p:attrName>style.visibility</p:attrName>
+                                        </p:attrNameLst>
+                                      </p:cBhvr>
+                                      <p:to>
+                                        <p:strVal val="hidden"/>
+                                      </p:to>
+                                    </p:set>
+                                  </p:childTnLst>
+                                </p:cTn>
+                              </p:par>
+                            </p:childTnLst>
+                          </p:cTn>
+                        </p:par>
+                      </p:childTnLst>
+                    </p:cTn>
+                  </p:par>
+                </p:childTnLst>
+              </p:cTn>
+              <p:prevCondLst>
+                <p:cond evt="onPrev" delay="0">
+                  <p:tgtEl>
+                    <p:sldTgt/>
+                  </p:tgtEl>
+                </p:cond>
+              </p:prevCondLst>
+              <p:nextCondLst>
+                <p:cond evt="onNext" delay="0">
+                  <p:tgtEl>
+                    <p:sldTgt/>
+                  </p:tgtEl>
+                </p:cond>
+              </p:nextCondLst>
+            </p:seq>
+          </p:childTnLst>
+        </p:cTn>
+      </p:par>
+    </p:tnLst>
+    <p:bldLst>
+      <p:bldP spid="10" grpId="0" animBg="1"/>
+      <p:bldP spid="11" grpId="0" animBg="1"/>
+      <p:bldP spid="12" grpId="0" animBg="1"/>
+      <p:bldP spid="13" grpId="0" animBg="1"/>
+      <p:bldP spid="17" grpId="0" animBg="1"/>
+      <p:bldP spid="17" grpId="1" animBg="1"/>
+      <p:bldP spid="18" grpId="0" animBg="1"/>
+      <p:bldP spid="18" grpId="1" animBg="1"/>
+      <p:bldP spid="30" grpId="0" animBg="1"/>
+      <p:bldP spid="30" grpId="1" animBg="1"/>
+      <p:bldP spid="31" grpId="0" animBg="1"/>
+      <p:bldP spid="31" grpId="1" animBg="1"/>
+      <p:bldP spid="32" grpId="0" animBg="1"/>
+      <p:bldP spid="32" grpId="1" animBg="1"/>
+      <p:bldP spid="33" grpId="0" animBg="1"/>
+      <p:bldP spid="33" grpId="1" animBg="1"/>
+    </p:bldLst>
+  </p:timing>
+</p:sld>
+</file>
+
+<file path=ppt/slides/slide19.xml><?xml version="1.0" encoding="utf-8"?>
+<p:sld xmlns:a="http://schemas.openxmlformats.org/drawingml/2006/main" xmlns:r="http://schemas.openxmlformats.org/officeDocument/2006/relationships" xmlns:p="http://schemas.openxmlformats.org/presentationml/2006/main">
+  <p:cSld>
+    <p:spTree>
+      <p:nvGrpSpPr>
+        <p:cNvPr id="1" name=""/>
+        <p:cNvGrpSpPr/>
+        <p:nvPr/>
+      </p:nvGrpSpPr>
+      <p:grpSpPr>
+        <a:xfrm>
+          <a:off x="0" y="0"/>
+          <a:ext cx="0" cy="0"/>
+          <a:chOff x="0" y="0"/>
+          <a:chExt cx="0" cy="0"/>
+        </a:xfrm>
+      </p:grpSpPr>
+      <p:sp>
+        <p:nvSpPr>
+          <p:cNvPr id="4" name="Title 3"/>
+          <p:cNvSpPr>
+            <a:spLocks noGrp="1"/>
+          </p:cNvSpPr>
+          <p:nvPr>
+            <p:ph type="title"/>
+          </p:nvPr>
+        </p:nvSpPr>
+        <p:spPr>
+          <a:xfrm>
+            <a:off x="228600" y="228600"/>
+            <a:ext cx="3326232" cy="492443"/>
+          </a:xfrm>
+        </p:spPr>
+        <p:txBody>
+          <a:bodyPr/>
+          <a:lstStyle/>
+          <a:p>
+            <a:pPr marL="342900" indent="-342900"/>
+            <a:r>
+              <a:rPr lang="en-US" altLang="zh-TW" sz="3200" dirty="0" smtClean="0">
+                <a:solidFill>
+                  <a:schemeClr val="tx1"/>
+                </a:solidFill>
+                <a:latin typeface="+mj-lt"/>
+              </a:rPr>
+              <a:t>Cascade classifier</a:t>
+            </a:r>
+            <a:endParaRPr lang="en-US" altLang="zh-TW" sz="3200" dirty="0">
+              <a:solidFill>
+                <a:schemeClr val="tx1"/>
+              </a:solidFill>
+              <a:latin typeface="+mj-lt"/>
+            </a:endParaRPr>
+          </a:p>
+        </p:txBody>
+      </p:sp>
+      <p:sp>
+        <p:nvSpPr>
+          <p:cNvPr id="35" name="矩形 34"/>
+          <p:cNvSpPr/>
+          <p:nvPr/>
+        </p:nvSpPr>
+        <p:spPr>
+          <a:xfrm>
+            <a:off x="230399" y="939800"/>
+            <a:ext cx="7423467" cy="738664"/>
+          </a:xfrm>
+          <a:prstGeom prst="rect">
+            <a:avLst/>
+          </a:prstGeom>
+        </p:spPr>
+        <p:txBody>
+          <a:bodyPr wrap="square">
+            <a:spAutoFit/>
+          </a:bodyPr>
+          <a:lstStyle/>
+          <a:p>
+            <a:r>
+              <a:rPr lang="en-US" altLang="zh-TW" sz="2400" dirty="0" smtClean="0">
+                <a:latin typeface="Gungsuh" pitchFamily="18" charset="-127"/>
+                <a:ea typeface="Gungsuh" pitchFamily="18" charset="-127"/>
+              </a:rPr>
+              <a:t>Robust Real-Time Face Detection</a:t>
+            </a:r>
+          </a:p>
+          <a:p>
+            <a:r>
+              <a:rPr lang="en-US" altLang="zh-TW" dirty="0" smtClean="0">
+                <a:latin typeface="Gungsuh" pitchFamily="18" charset="-127"/>
+                <a:ea typeface="Gungsuh" pitchFamily="18" charset="-127"/>
+              </a:rPr>
+              <a:t>PAUL VIOLA / MICHAEL J. JONE</a:t>
+            </a:r>
+          </a:p>
+        </p:txBody>
+      </p:sp>
+      <p:pic>
+        <p:nvPicPr>
+          <p:cNvPr id="31746" name="Picture 2" descr="C:\Users\LiangLeon\Desktop\haar.png"/>
+          <p:cNvPicPr>
+            <a:picLocks noChangeAspect="1" noChangeArrowheads="1"/>
+          </p:cNvPicPr>
+          <p:nvPr/>
+        </p:nvPicPr>
+        <p:blipFill>
+          <a:blip r:embed="rId2"/>
+          <a:srcRect/>
+          <a:stretch>
+            <a:fillRect/>
+          </a:stretch>
+        </p:blipFill>
+        <p:spPr bwMode="auto">
+          <a:xfrm>
+            <a:off x="230399" y="1915620"/>
+            <a:ext cx="5103761" cy="2448264"/>
+          </a:xfrm>
+          <a:prstGeom prst="rect">
+            <a:avLst/>
+          </a:prstGeom>
+          <a:noFill/>
+        </p:spPr>
+      </p:pic>
+      <p:pic>
+        <p:nvPicPr>
+          <p:cNvPr id="31747" name="Picture 3" descr="C:\Users\LiangLeon\Desktop\images.jpg"/>
+          <p:cNvPicPr>
+            <a:picLocks noChangeAspect="1" noChangeArrowheads="1"/>
+          </p:cNvPicPr>
+          <p:nvPr/>
+        </p:nvPicPr>
+        <p:blipFill>
+          <a:blip r:embed="rId3"/>
+          <a:srcRect/>
+          <a:stretch>
+            <a:fillRect/>
+          </a:stretch>
+        </p:blipFill>
+        <p:spPr bwMode="auto">
+          <a:xfrm>
+            <a:off x="5658625" y="1996052"/>
+            <a:ext cx="3069293" cy="2299007"/>
+          </a:xfrm>
+          <a:prstGeom prst="rect">
+            <a:avLst/>
+          </a:prstGeom>
+          <a:noFill/>
+        </p:spPr>
+      </p:pic>
+      <p:pic>
+        <p:nvPicPr>
+          <p:cNvPr id="31748" name="Picture 4" descr="D:\ComputerVision\Github\AdaBoostExample\Presentation\Cascade.png"/>
+          <p:cNvPicPr>
+            <a:picLocks noChangeAspect="1" noChangeArrowheads="1"/>
+          </p:cNvPicPr>
+          <p:nvPr/>
+        </p:nvPicPr>
+        <p:blipFill>
+          <a:blip r:embed="rId4"/>
+          <a:srcRect/>
+          <a:stretch>
+            <a:fillRect/>
+          </a:stretch>
+        </p:blipFill>
+        <p:spPr bwMode="auto">
+          <a:xfrm>
+            <a:off x="230399" y="4363884"/>
+            <a:ext cx="3037734" cy="2192986"/>
+          </a:xfrm>
+          <a:prstGeom prst="rect">
+            <a:avLst/>
+          </a:prstGeom>
+          <a:noFill/>
+        </p:spPr>
+      </p:pic>
+      <p:sp>
+        <p:nvSpPr>
+          <p:cNvPr id="36" name="矩形 35"/>
+          <p:cNvSpPr/>
+          <p:nvPr/>
+        </p:nvSpPr>
+        <p:spPr>
+          <a:xfrm>
+            <a:off x="1447800" y="5401733"/>
+            <a:ext cx="347133" cy="262467"/>
+          </a:xfrm>
+          <a:prstGeom prst="rect">
+            <a:avLst/>
+          </a:prstGeom>
+          <a:noFill/>
+          <a:ln w="19050">
+            <a:solidFill>
+              <a:srgbClr val="FF0000"/>
+            </a:solidFill>
+          </a:ln>
+        </p:spPr>
+        <p:style>
+          <a:lnRef idx="1">
+            <a:schemeClr val="accent1"/>
+          </a:lnRef>
+          <a:fillRef idx="3">
+            <a:schemeClr val="accent1"/>
+          </a:fillRef>
+          <a:effectRef idx="2">
+            <a:schemeClr val="accent1"/>
+          </a:effectRef>
+          <a:fontRef idx="minor">
+            <a:schemeClr val="lt1"/>
+          </a:fontRef>
+        </p:style>
+        <p:txBody>
+          <a:bodyPr rtlCol="0" anchor="ctr"/>
+          <a:lstStyle/>
+          <a:p>
+            <a:pPr algn="ctr"/>
+            <a:endParaRPr lang="zh-TW" altLang="en-US"/>
+          </a:p>
+        </p:txBody>
+      </p:sp>
+      <p:sp>
+        <p:nvSpPr>
+          <p:cNvPr id="37" name="矩形 36"/>
+          <p:cNvSpPr/>
+          <p:nvPr/>
+        </p:nvSpPr>
+        <p:spPr>
+          <a:xfrm>
+            <a:off x="2167467" y="5291666"/>
+            <a:ext cx="465666" cy="474134"/>
+          </a:xfrm>
+          <a:prstGeom prst="rect">
+            <a:avLst/>
+          </a:prstGeom>
+          <a:noFill/>
+          <a:ln w="19050">
+            <a:solidFill>
+              <a:srgbClr val="FF0000"/>
+            </a:solidFill>
+          </a:ln>
+        </p:spPr>
+        <p:style>
+          <a:lnRef idx="1">
+            <a:schemeClr val="accent1"/>
+          </a:lnRef>
+          <a:fillRef idx="3">
+            <a:schemeClr val="accent1"/>
+          </a:fillRef>
+          <a:effectRef idx="2">
+            <a:schemeClr val="accent1"/>
+          </a:effectRef>
+          <a:fontRef idx="minor">
+            <a:schemeClr val="lt1"/>
+          </a:fontRef>
+        </p:style>
+        <p:txBody>
+          <a:bodyPr rtlCol="0" anchor="ctr"/>
+          <a:lstStyle/>
+          <a:p>
+            <a:pPr algn="ctr"/>
+            <a:endParaRPr lang="zh-TW" altLang="en-US"/>
+          </a:p>
+        </p:txBody>
+      </p:sp>
+    </p:spTree>
+    <p:extLst>
+      <p:ext uri="{BB962C8B-B14F-4D97-AF65-F5344CB8AC3E}">
+        <p14:creationId xmlns="" xmlns:p14="http://schemas.microsoft.com/office/powerpoint/2010/main" val="2631485282"/>
       </p:ext>
     </p:extLst>
   </p:cSld>
@@ -5923,7 +11283,7 @@
         <p:spPr>
           <a:xfrm>
             <a:off x="228600" y="228600"/>
-            <a:ext cx="6535443" cy="492443"/>
+            <a:ext cx="5442195" cy="492443"/>
           </a:xfrm>
         </p:spPr>
         <p:txBody>
@@ -5937,7 +11297,7 @@
                 </a:solidFill>
                 <a:latin typeface="+mj-lt"/>
               </a:rPr>
-              <a:t>How to teach machine to see a car?</a:t>
+              <a:t>How do computers see a car?</a:t>
             </a:r>
             <a:endParaRPr lang="en-US" sz="3200" b="0" dirty="0">
               <a:solidFill>
@@ -6414,7 +11774,7 @@
     </p:spTree>
     <p:extLst>
       <p:ext uri="{BB962C8B-B14F-4D97-AF65-F5344CB8AC3E}">
-        <p14:creationId xmlns:p14="http://schemas.microsoft.com/office/powerpoint/2010/main" val="1692470345"/>
+        <p14:creationId xmlns="" xmlns:p14="http://schemas.microsoft.com/office/powerpoint/2010/main" val="1692470345"/>
       </p:ext>
     </p:extLst>
   </p:cSld>
@@ -7590,6 +12950,1487 @@
 </p:sld>
 </file>
 
+<file path=ppt/slides/slide20.xml><?xml version="1.0" encoding="utf-8"?>
+<p:sld xmlns:a="http://schemas.openxmlformats.org/drawingml/2006/main" xmlns:r="http://schemas.openxmlformats.org/officeDocument/2006/relationships" xmlns:p="http://schemas.openxmlformats.org/presentationml/2006/main">
+  <p:cSld>
+    <p:spTree>
+      <p:nvGrpSpPr>
+        <p:cNvPr id="1" name=""/>
+        <p:cNvGrpSpPr/>
+        <p:nvPr/>
+      </p:nvGrpSpPr>
+      <p:grpSpPr>
+        <a:xfrm>
+          <a:off x="0" y="0"/>
+          <a:ext cx="0" cy="0"/>
+          <a:chOff x="0" y="0"/>
+          <a:chExt cx="0" cy="0"/>
+        </a:xfrm>
+      </p:grpSpPr>
+      <p:sp>
+        <p:nvSpPr>
+          <p:cNvPr id="4" name="Title 3"/>
+          <p:cNvSpPr>
+            <a:spLocks noGrp="1"/>
+          </p:cNvSpPr>
+          <p:nvPr>
+            <p:ph type="title"/>
+          </p:nvPr>
+        </p:nvSpPr>
+        <p:spPr>
+          <a:xfrm>
+            <a:off x="228600" y="228600"/>
+            <a:ext cx="3326232" cy="492443"/>
+          </a:xfrm>
+        </p:spPr>
+        <p:txBody>
+          <a:bodyPr/>
+          <a:lstStyle/>
+          <a:p>
+            <a:pPr marL="342900" indent="-342900"/>
+            <a:r>
+              <a:rPr lang="en-US" altLang="zh-TW" sz="3200" dirty="0" smtClean="0">
+                <a:solidFill>
+                  <a:schemeClr val="tx1"/>
+                </a:solidFill>
+                <a:latin typeface="+mj-lt"/>
+              </a:rPr>
+              <a:t>Cascade classifier</a:t>
+            </a:r>
+            <a:endParaRPr lang="en-US" altLang="zh-TW" sz="3200" dirty="0">
+              <a:solidFill>
+                <a:schemeClr val="tx1"/>
+              </a:solidFill>
+              <a:latin typeface="+mj-lt"/>
+            </a:endParaRPr>
+          </a:p>
+        </p:txBody>
+      </p:sp>
+      <p:grpSp>
+        <p:nvGrpSpPr>
+          <p:cNvPr id="9" name="群組 8"/>
+          <p:cNvGrpSpPr/>
+          <p:nvPr/>
+        </p:nvGrpSpPr>
+        <p:grpSpPr>
+          <a:xfrm>
+            <a:off x="363792" y="2141097"/>
+            <a:ext cx="8448368" cy="1766583"/>
+            <a:chOff x="363792" y="3329444"/>
+            <a:chExt cx="8448368" cy="1766583"/>
+          </a:xfrm>
+        </p:grpSpPr>
+        <p:sp>
+          <p:nvSpPr>
+            <p:cNvPr id="10" name="圓角矩形 9"/>
+            <p:cNvSpPr/>
+            <p:nvPr/>
+          </p:nvSpPr>
+          <p:spPr bwMode="auto">
+            <a:xfrm>
+              <a:off x="1420760" y="3371228"/>
+              <a:ext cx="914400" cy="914400"/>
+            </a:xfrm>
+            <a:prstGeom prst="roundRect">
+              <a:avLst/>
+            </a:prstGeom>
+            <a:solidFill>
+              <a:srgbClr val="6C7472"/>
+            </a:solidFill>
+            <a:ln w="38100" cap="flat" cmpd="sng" algn="ctr">
+              <a:solidFill>
+                <a:schemeClr val="accent2">
+                  <a:lumMod val="60000"/>
+                  <a:lumOff val="40000"/>
+                </a:schemeClr>
+              </a:solidFill>
+              <a:prstDash val="solid"/>
+              <a:round/>
+              <a:headEnd type="none" w="med" len="med"/>
+              <a:tailEnd type="none" w="med" len="med"/>
+            </a:ln>
+            <a:effectLst/>
+          </p:spPr>
+          <p:txBody>
+            <a:bodyPr vert="horz" wrap="square" lIns="91440" tIns="45720" rIns="91440" bIns="45720" numCol="1" rtlCol="0" anchor="t" anchorCtr="0" compatLnSpc="1">
+              <a:prstTxWarp prst="textNoShape">
+                <a:avLst/>
+              </a:prstTxWarp>
+            </a:bodyPr>
+            <a:lstStyle/>
+            <a:p>
+              <a:pPr marL="0" marR="0" indent="0" algn="ctr" defTabSz="914400" rtl="0" eaLnBrk="1" fontAlgn="base" latinLnBrk="0" hangingPunct="1">
+                <a:lnSpc>
+                  <a:spcPct val="100000"/>
+                </a:lnSpc>
+                <a:spcBef>
+                  <a:spcPct val="0"/>
+                </a:spcBef>
+                <a:spcAft>
+                  <a:spcPct val="0"/>
+                </a:spcAft>
+                <a:buClrTx/>
+                <a:buSzTx/>
+                <a:buFontTx/>
+                <a:buNone/>
+                <a:tabLst/>
+              </a:pPr>
+              <a:endParaRPr kumimoji="0" lang="zh-TW" altLang="en-US" sz="4800" b="0" i="0" u="none" strike="noStrike" cap="none" normalizeH="0" baseline="0">
+                <a:ln>
+                  <a:noFill/>
+                </a:ln>
+                <a:solidFill>
+                  <a:srgbClr val="414141"/>
+                </a:solidFill>
+                <a:effectLst/>
+                <a:latin typeface="Gill Sans Light" charset="0"/>
+                <a:ea typeface="Heiti TC Light" pitchFamily="-1" charset="-120"/>
+                <a:cs typeface="Heiti TC Light" pitchFamily="-1" charset="-120"/>
+                <a:sym typeface="Gill Sans Light" charset="0"/>
+              </a:endParaRPr>
+            </a:p>
+          </p:txBody>
+        </p:sp>
+        <p:sp>
+          <p:nvSpPr>
+            <p:cNvPr id="11" name="圓角矩形 10"/>
+            <p:cNvSpPr/>
+            <p:nvPr/>
+          </p:nvSpPr>
+          <p:spPr bwMode="auto">
+            <a:xfrm>
+              <a:off x="2563760" y="3371228"/>
+              <a:ext cx="914400" cy="914400"/>
+            </a:xfrm>
+            <a:prstGeom prst="roundRect">
+              <a:avLst/>
+            </a:prstGeom>
+            <a:solidFill>
+              <a:srgbClr val="6C7472"/>
+            </a:solidFill>
+            <a:ln w="38100" cap="flat" cmpd="sng" algn="ctr">
+              <a:solidFill>
+                <a:schemeClr val="accent2">
+                  <a:lumMod val="60000"/>
+                  <a:lumOff val="40000"/>
+                </a:schemeClr>
+              </a:solidFill>
+              <a:prstDash val="solid"/>
+              <a:round/>
+              <a:headEnd type="none" w="med" len="med"/>
+              <a:tailEnd type="none" w="med" len="med"/>
+            </a:ln>
+            <a:effectLst/>
+          </p:spPr>
+          <p:txBody>
+            <a:bodyPr vert="horz" wrap="square" lIns="91440" tIns="45720" rIns="91440" bIns="45720" numCol="1" rtlCol="0" anchor="t" anchorCtr="0" compatLnSpc="1">
+              <a:prstTxWarp prst="textNoShape">
+                <a:avLst/>
+              </a:prstTxWarp>
+            </a:bodyPr>
+            <a:lstStyle/>
+            <a:p>
+              <a:pPr marL="0" marR="0" indent="0" algn="ctr" defTabSz="914400" rtl="0" eaLnBrk="1" fontAlgn="base" latinLnBrk="0" hangingPunct="1">
+                <a:lnSpc>
+                  <a:spcPct val="100000"/>
+                </a:lnSpc>
+                <a:spcBef>
+                  <a:spcPct val="0"/>
+                </a:spcBef>
+                <a:spcAft>
+                  <a:spcPct val="0"/>
+                </a:spcAft>
+                <a:buClrTx/>
+                <a:buSzTx/>
+                <a:buFontTx/>
+                <a:buNone/>
+                <a:tabLst/>
+              </a:pPr>
+              <a:endParaRPr kumimoji="0" lang="zh-TW" altLang="en-US" sz="4800" b="0" i="0" u="none" strike="noStrike" cap="none" normalizeH="0" baseline="0">
+                <a:ln>
+                  <a:noFill/>
+                </a:ln>
+                <a:solidFill>
+                  <a:srgbClr val="414141"/>
+                </a:solidFill>
+                <a:effectLst/>
+                <a:latin typeface="Gill Sans Light" charset="0"/>
+                <a:ea typeface="Heiti TC Light" pitchFamily="-1" charset="-120"/>
+                <a:cs typeface="Heiti TC Light" pitchFamily="-1" charset="-120"/>
+                <a:sym typeface="Gill Sans Light" charset="0"/>
+              </a:endParaRPr>
+            </a:p>
+          </p:txBody>
+        </p:sp>
+        <p:sp>
+          <p:nvSpPr>
+            <p:cNvPr id="12" name="圓角矩形 11"/>
+            <p:cNvSpPr/>
+            <p:nvPr/>
+          </p:nvSpPr>
+          <p:spPr bwMode="auto">
+            <a:xfrm>
+              <a:off x="3706760" y="3371228"/>
+              <a:ext cx="914400" cy="914400"/>
+            </a:xfrm>
+            <a:prstGeom prst="roundRect">
+              <a:avLst/>
+            </a:prstGeom>
+            <a:solidFill>
+              <a:srgbClr val="6C7472"/>
+            </a:solidFill>
+            <a:ln w="38100" cap="flat" cmpd="sng" algn="ctr">
+              <a:solidFill>
+                <a:schemeClr val="accent2">
+                  <a:lumMod val="60000"/>
+                  <a:lumOff val="40000"/>
+                </a:schemeClr>
+              </a:solidFill>
+              <a:prstDash val="solid"/>
+              <a:round/>
+              <a:headEnd type="none" w="med" len="med"/>
+              <a:tailEnd type="none" w="med" len="med"/>
+            </a:ln>
+            <a:effectLst/>
+          </p:spPr>
+          <p:txBody>
+            <a:bodyPr vert="horz" wrap="square" lIns="91440" tIns="45720" rIns="91440" bIns="45720" numCol="1" rtlCol="0" anchor="t" anchorCtr="0" compatLnSpc="1">
+              <a:prstTxWarp prst="textNoShape">
+                <a:avLst/>
+              </a:prstTxWarp>
+            </a:bodyPr>
+            <a:lstStyle/>
+            <a:p>
+              <a:pPr marL="0" marR="0" indent="0" algn="ctr" defTabSz="914400" rtl="0" eaLnBrk="1" fontAlgn="base" latinLnBrk="0" hangingPunct="1">
+                <a:lnSpc>
+                  <a:spcPct val="100000"/>
+                </a:lnSpc>
+                <a:spcBef>
+                  <a:spcPct val="0"/>
+                </a:spcBef>
+                <a:spcAft>
+                  <a:spcPct val="0"/>
+                </a:spcAft>
+                <a:buClrTx/>
+                <a:buSzTx/>
+                <a:buFontTx/>
+                <a:buNone/>
+                <a:tabLst/>
+              </a:pPr>
+              <a:endParaRPr kumimoji="0" lang="zh-TW" altLang="en-US" sz="4800" b="0" i="0" u="none" strike="noStrike" cap="none" normalizeH="0" baseline="0">
+                <a:ln>
+                  <a:noFill/>
+                </a:ln>
+                <a:solidFill>
+                  <a:srgbClr val="414141"/>
+                </a:solidFill>
+                <a:effectLst/>
+                <a:latin typeface="Gill Sans Light" charset="0"/>
+                <a:ea typeface="Heiti TC Light" pitchFamily="-1" charset="-120"/>
+                <a:cs typeface="Heiti TC Light" pitchFamily="-1" charset="-120"/>
+                <a:sym typeface="Gill Sans Light" charset="0"/>
+              </a:endParaRPr>
+            </a:p>
+          </p:txBody>
+        </p:sp>
+        <p:sp>
+          <p:nvSpPr>
+            <p:cNvPr id="13" name="圓角矩形 12"/>
+            <p:cNvSpPr/>
+            <p:nvPr/>
+          </p:nvSpPr>
+          <p:spPr bwMode="auto">
+            <a:xfrm>
+              <a:off x="5687960" y="3371228"/>
+              <a:ext cx="914400" cy="914400"/>
+            </a:xfrm>
+            <a:prstGeom prst="roundRect">
+              <a:avLst/>
+            </a:prstGeom>
+            <a:solidFill>
+              <a:srgbClr val="6C7472"/>
+            </a:solidFill>
+            <a:ln w="38100" cap="flat" cmpd="sng" algn="ctr">
+              <a:solidFill>
+                <a:schemeClr val="accent2">
+                  <a:lumMod val="60000"/>
+                  <a:lumOff val="40000"/>
+                </a:schemeClr>
+              </a:solidFill>
+              <a:prstDash val="solid"/>
+              <a:round/>
+              <a:headEnd type="none" w="med" len="med"/>
+              <a:tailEnd type="none" w="med" len="med"/>
+            </a:ln>
+            <a:effectLst/>
+          </p:spPr>
+          <p:txBody>
+            <a:bodyPr vert="horz" wrap="square" lIns="91440" tIns="45720" rIns="91440" bIns="45720" numCol="1" rtlCol="0" anchor="t" anchorCtr="0" compatLnSpc="1">
+              <a:prstTxWarp prst="textNoShape">
+                <a:avLst/>
+              </a:prstTxWarp>
+            </a:bodyPr>
+            <a:lstStyle/>
+            <a:p>
+              <a:pPr marL="0" marR="0" indent="0" algn="ctr" defTabSz="914400" rtl="0" eaLnBrk="1" fontAlgn="base" latinLnBrk="0" hangingPunct="1">
+                <a:lnSpc>
+                  <a:spcPct val="100000"/>
+                </a:lnSpc>
+                <a:spcBef>
+                  <a:spcPct val="0"/>
+                </a:spcBef>
+                <a:spcAft>
+                  <a:spcPct val="0"/>
+                </a:spcAft>
+                <a:buClrTx/>
+                <a:buSzTx/>
+                <a:buFontTx/>
+                <a:buNone/>
+                <a:tabLst/>
+              </a:pPr>
+              <a:endParaRPr kumimoji="0" lang="zh-TW" altLang="en-US" sz="4800" b="0" i="0" u="none" strike="noStrike" cap="none" normalizeH="0" baseline="0">
+                <a:ln>
+                  <a:noFill/>
+                </a:ln>
+                <a:solidFill>
+                  <a:srgbClr val="414141"/>
+                </a:solidFill>
+                <a:effectLst/>
+                <a:latin typeface="Gill Sans Light" charset="0"/>
+                <a:ea typeface="Heiti TC Light" pitchFamily="-1" charset="-120"/>
+                <a:cs typeface="Heiti TC Light" pitchFamily="-1" charset="-120"/>
+                <a:sym typeface="Gill Sans Light" charset="0"/>
+              </a:endParaRPr>
+            </a:p>
+          </p:txBody>
+        </p:sp>
+        <p:sp>
+          <p:nvSpPr>
+            <p:cNvPr id="14" name="圓角矩形 13"/>
+            <p:cNvSpPr/>
+            <p:nvPr/>
+          </p:nvSpPr>
+          <p:spPr bwMode="auto">
+            <a:xfrm>
+              <a:off x="6830960" y="3371228"/>
+              <a:ext cx="914400" cy="914400"/>
+            </a:xfrm>
+            <a:prstGeom prst="roundRect">
+              <a:avLst/>
+            </a:prstGeom>
+            <a:solidFill>
+              <a:srgbClr val="6C7472"/>
+            </a:solidFill>
+            <a:ln w="38100" cap="flat" cmpd="sng" algn="ctr">
+              <a:solidFill>
+                <a:schemeClr val="accent2">
+                  <a:lumMod val="60000"/>
+                  <a:lumOff val="40000"/>
+                </a:schemeClr>
+              </a:solidFill>
+              <a:prstDash val="solid"/>
+              <a:round/>
+              <a:headEnd type="none" w="med" len="med"/>
+              <a:tailEnd type="none" w="med" len="med"/>
+            </a:ln>
+            <a:effectLst/>
+          </p:spPr>
+          <p:txBody>
+            <a:bodyPr vert="horz" wrap="square" lIns="91440" tIns="45720" rIns="91440" bIns="45720" numCol="1" rtlCol="0" anchor="t" anchorCtr="0" compatLnSpc="1">
+              <a:prstTxWarp prst="textNoShape">
+                <a:avLst/>
+              </a:prstTxWarp>
+            </a:bodyPr>
+            <a:lstStyle/>
+            <a:p>
+              <a:pPr marL="0" marR="0" indent="0" algn="ctr" defTabSz="914400" rtl="0" eaLnBrk="1" fontAlgn="base" latinLnBrk="0" hangingPunct="1">
+                <a:lnSpc>
+                  <a:spcPct val="100000"/>
+                </a:lnSpc>
+                <a:spcBef>
+                  <a:spcPct val="0"/>
+                </a:spcBef>
+                <a:spcAft>
+                  <a:spcPct val="0"/>
+                </a:spcAft>
+                <a:buClrTx/>
+                <a:buSzTx/>
+                <a:buFontTx/>
+                <a:buNone/>
+                <a:tabLst/>
+              </a:pPr>
+              <a:endParaRPr kumimoji="0" lang="zh-TW" altLang="en-US" sz="4800" b="0" i="0" u="none" strike="noStrike" cap="none" normalizeH="0" baseline="0">
+                <a:ln>
+                  <a:noFill/>
+                </a:ln>
+                <a:solidFill>
+                  <a:srgbClr val="414141"/>
+                </a:solidFill>
+                <a:effectLst/>
+                <a:latin typeface="Gill Sans Light" charset="0"/>
+                <a:ea typeface="Heiti TC Light" pitchFamily="-1" charset="-120"/>
+                <a:cs typeface="Heiti TC Light" pitchFamily="-1" charset="-120"/>
+                <a:sym typeface="Gill Sans Light" charset="0"/>
+              </a:endParaRPr>
+            </a:p>
+          </p:txBody>
+        </p:sp>
+        <p:sp>
+          <p:nvSpPr>
+            <p:cNvPr id="15" name="向右箭號 14"/>
+            <p:cNvSpPr/>
+            <p:nvPr/>
+          </p:nvSpPr>
+          <p:spPr bwMode="auto">
+            <a:xfrm>
+              <a:off x="363792" y="3626868"/>
+              <a:ext cx="914400" cy="381000"/>
+            </a:xfrm>
+            <a:prstGeom prst="rightArrow">
+              <a:avLst/>
+            </a:prstGeom>
+            <a:solidFill>
+              <a:srgbClr val="FFC000"/>
+            </a:solidFill>
+            <a:ln w="12700" cap="flat" cmpd="sng" algn="ctr">
+              <a:noFill/>
+              <a:prstDash val="solid"/>
+              <a:round/>
+              <a:headEnd type="none" w="med" len="med"/>
+              <a:tailEnd type="none" w="med" len="med"/>
+            </a:ln>
+            <a:effectLst/>
+          </p:spPr>
+          <p:txBody>
+            <a:bodyPr vert="horz" wrap="square" lIns="91440" tIns="45720" rIns="91440" bIns="45720" numCol="1" rtlCol="0" anchor="t" anchorCtr="0" compatLnSpc="1">
+              <a:prstTxWarp prst="textNoShape">
+                <a:avLst/>
+              </a:prstTxWarp>
+            </a:bodyPr>
+            <a:lstStyle/>
+            <a:p>
+              <a:pPr marL="0" marR="0" indent="0" algn="ctr" defTabSz="914400" rtl="0" eaLnBrk="1" fontAlgn="base" latinLnBrk="0" hangingPunct="1">
+                <a:lnSpc>
+                  <a:spcPct val="100000"/>
+                </a:lnSpc>
+                <a:spcBef>
+                  <a:spcPct val="0"/>
+                </a:spcBef>
+                <a:spcAft>
+                  <a:spcPct val="0"/>
+                </a:spcAft>
+                <a:buClrTx/>
+                <a:buSzTx/>
+                <a:buFontTx/>
+                <a:buNone/>
+                <a:tabLst/>
+              </a:pPr>
+              <a:endParaRPr kumimoji="0" lang="zh-TW" altLang="en-US" sz="4800" b="0" i="0" u="none" strike="noStrike" cap="none" normalizeH="0" baseline="0">
+                <a:ln>
+                  <a:noFill/>
+                </a:ln>
+                <a:solidFill>
+                  <a:srgbClr val="414141"/>
+                </a:solidFill>
+                <a:effectLst/>
+                <a:latin typeface="Gill Sans Light" charset="0"/>
+                <a:ea typeface="Heiti TC Light" pitchFamily="-1" charset="-120"/>
+                <a:cs typeface="Heiti TC Light" pitchFamily="-1" charset="-120"/>
+                <a:sym typeface="Gill Sans Light" charset="0"/>
+              </a:endParaRPr>
+            </a:p>
+          </p:txBody>
+        </p:sp>
+        <p:sp>
+          <p:nvSpPr>
+            <p:cNvPr id="16" name="文字方塊 15"/>
+            <p:cNvSpPr txBox="1"/>
+            <p:nvPr/>
+          </p:nvSpPr>
+          <p:spPr>
+            <a:xfrm>
+              <a:off x="1511712" y="3685860"/>
+              <a:ext cx="762000" cy="276999"/>
+            </a:xfrm>
+            <a:prstGeom prst="rect">
+              <a:avLst/>
+            </a:prstGeom>
+            <a:noFill/>
+          </p:spPr>
+          <p:txBody>
+            <a:bodyPr wrap="square" rtlCol="0">
+              <a:spAutoFit/>
+            </a:bodyPr>
+            <a:lstStyle/>
+            <a:p>
+              <a:r>
+                <a:rPr lang="en-US" altLang="zh-TW" sz="1200" b="1" dirty="0" smtClean="0">
+                  <a:solidFill>
+                    <a:schemeClr val="bg1"/>
+                  </a:solidFill>
+                </a:rPr>
+                <a:t>Stage 0</a:t>
+              </a:r>
+              <a:endParaRPr lang="zh-TW" altLang="en-US" sz="1200" b="1" dirty="0">
+                <a:solidFill>
+                  <a:schemeClr val="bg1"/>
+                </a:solidFill>
+              </a:endParaRPr>
+            </a:p>
+          </p:txBody>
+        </p:sp>
+        <p:sp>
+          <p:nvSpPr>
+            <p:cNvPr id="17" name="文字方塊 16"/>
+            <p:cNvSpPr txBox="1"/>
+            <p:nvPr/>
+          </p:nvSpPr>
+          <p:spPr>
+            <a:xfrm>
+              <a:off x="2659624" y="3685860"/>
+              <a:ext cx="762000" cy="276999"/>
+            </a:xfrm>
+            <a:prstGeom prst="rect">
+              <a:avLst/>
+            </a:prstGeom>
+            <a:noFill/>
+          </p:spPr>
+          <p:txBody>
+            <a:bodyPr wrap="square" rtlCol="0">
+              <a:spAutoFit/>
+            </a:bodyPr>
+            <a:lstStyle/>
+            <a:p>
+              <a:r>
+                <a:rPr lang="en-US" altLang="zh-TW" sz="1200" b="1" dirty="0" smtClean="0">
+                  <a:solidFill>
+                    <a:schemeClr val="bg1"/>
+                  </a:solidFill>
+                </a:rPr>
+                <a:t>Stage 1</a:t>
+              </a:r>
+              <a:endParaRPr lang="zh-TW" altLang="en-US" sz="1200" b="1" dirty="0">
+                <a:solidFill>
+                  <a:schemeClr val="bg1"/>
+                </a:solidFill>
+              </a:endParaRPr>
+            </a:p>
+          </p:txBody>
+        </p:sp>
+        <p:sp>
+          <p:nvSpPr>
+            <p:cNvPr id="18" name="文字方塊 17"/>
+            <p:cNvSpPr txBox="1"/>
+            <p:nvPr/>
+          </p:nvSpPr>
+          <p:spPr>
+            <a:xfrm>
+              <a:off x="3790336" y="3676028"/>
+              <a:ext cx="762000" cy="276999"/>
+            </a:xfrm>
+            <a:prstGeom prst="rect">
+              <a:avLst/>
+            </a:prstGeom>
+            <a:noFill/>
+          </p:spPr>
+          <p:txBody>
+            <a:bodyPr wrap="square" rtlCol="0">
+              <a:spAutoFit/>
+            </a:bodyPr>
+            <a:lstStyle/>
+            <a:p>
+              <a:r>
+                <a:rPr lang="en-US" altLang="zh-TW" sz="1200" b="1" dirty="0" smtClean="0">
+                  <a:solidFill>
+                    <a:schemeClr val="bg1"/>
+                  </a:solidFill>
+                </a:rPr>
+                <a:t>Stage 2</a:t>
+              </a:r>
+              <a:endParaRPr lang="zh-TW" altLang="en-US" sz="1200" b="1" dirty="0">
+                <a:solidFill>
+                  <a:schemeClr val="bg1"/>
+                </a:solidFill>
+              </a:endParaRPr>
+            </a:p>
+          </p:txBody>
+        </p:sp>
+        <p:sp>
+          <p:nvSpPr>
+            <p:cNvPr id="19" name="文字方塊 18"/>
+            <p:cNvSpPr txBox="1"/>
+            <p:nvPr/>
+          </p:nvSpPr>
+          <p:spPr>
+            <a:xfrm>
+              <a:off x="5687960" y="3676028"/>
+              <a:ext cx="934064" cy="276999"/>
+            </a:xfrm>
+            <a:prstGeom prst="rect">
+              <a:avLst/>
+            </a:prstGeom>
+            <a:noFill/>
+          </p:spPr>
+          <p:txBody>
+            <a:bodyPr wrap="square" rtlCol="0">
+              <a:spAutoFit/>
+            </a:bodyPr>
+            <a:lstStyle/>
+            <a:p>
+              <a:r>
+                <a:rPr lang="en-US" altLang="zh-TW" sz="1200" b="1" dirty="0" smtClean="0">
+                  <a:solidFill>
+                    <a:schemeClr val="bg1"/>
+                  </a:solidFill>
+                </a:rPr>
+                <a:t>Stage N-1</a:t>
+              </a:r>
+              <a:endParaRPr lang="zh-TW" altLang="en-US" sz="1200" b="1" dirty="0">
+                <a:solidFill>
+                  <a:schemeClr val="bg1"/>
+                </a:solidFill>
+              </a:endParaRPr>
+            </a:p>
+          </p:txBody>
+        </p:sp>
+        <p:sp>
+          <p:nvSpPr>
+            <p:cNvPr id="20" name="文字方塊 19"/>
+            <p:cNvSpPr txBox="1"/>
+            <p:nvPr/>
+          </p:nvSpPr>
+          <p:spPr>
+            <a:xfrm>
+              <a:off x="6870288" y="3676028"/>
+              <a:ext cx="838200" cy="276999"/>
+            </a:xfrm>
+            <a:prstGeom prst="rect">
+              <a:avLst/>
+            </a:prstGeom>
+            <a:noFill/>
+          </p:spPr>
+          <p:txBody>
+            <a:bodyPr wrap="square" rtlCol="0">
+              <a:spAutoFit/>
+            </a:bodyPr>
+            <a:lstStyle/>
+            <a:p>
+              <a:r>
+                <a:rPr lang="en-US" altLang="zh-TW" sz="1200" b="1" dirty="0" smtClean="0">
+                  <a:solidFill>
+                    <a:schemeClr val="bg1"/>
+                  </a:solidFill>
+                </a:rPr>
+                <a:t>Stage N</a:t>
+              </a:r>
+              <a:endParaRPr lang="zh-TW" altLang="en-US" sz="1200" b="1" dirty="0">
+                <a:solidFill>
+                  <a:schemeClr val="bg1"/>
+                </a:solidFill>
+              </a:endParaRPr>
+            </a:p>
+          </p:txBody>
+        </p:sp>
+        <p:cxnSp>
+          <p:nvCxnSpPr>
+            <p:cNvPr id="21" name="直線單箭頭接點 20"/>
+            <p:cNvCxnSpPr>
+              <a:stCxn id="10" idx="3"/>
+              <a:endCxn id="11" idx="1"/>
+            </p:cNvCxnSpPr>
+            <p:nvPr/>
+          </p:nvCxnSpPr>
+          <p:spPr bwMode="auto">
+            <a:xfrm>
+              <a:off x="2335160" y="3828428"/>
+              <a:ext cx="228600" cy="0"/>
+            </a:xfrm>
+            <a:prstGeom prst="straightConnector1">
+              <a:avLst/>
+            </a:prstGeom>
+            <a:solidFill>
+              <a:srgbClr val="6C7472"/>
+            </a:solidFill>
+            <a:ln w="25400" cap="flat" cmpd="sng" algn="ctr">
+              <a:solidFill>
+                <a:srgbClr val="00B050"/>
+              </a:solidFill>
+              <a:prstDash val="solid"/>
+              <a:round/>
+              <a:headEnd type="none" w="sm" len="sm"/>
+              <a:tailEnd type="arrow" w="sm" len="sm"/>
+            </a:ln>
+            <a:effectLst/>
+          </p:spPr>
+        </p:cxnSp>
+        <p:cxnSp>
+          <p:nvCxnSpPr>
+            <p:cNvPr id="22" name="直線單箭頭接點 21"/>
+            <p:cNvCxnSpPr>
+              <a:stCxn id="11" idx="3"/>
+              <a:endCxn id="12" idx="1"/>
+            </p:cNvCxnSpPr>
+            <p:nvPr/>
+          </p:nvCxnSpPr>
+          <p:spPr bwMode="auto">
+            <a:xfrm>
+              <a:off x="3478160" y="3828428"/>
+              <a:ext cx="228600" cy="0"/>
+            </a:xfrm>
+            <a:prstGeom prst="straightConnector1">
+              <a:avLst/>
+            </a:prstGeom>
+            <a:solidFill>
+              <a:srgbClr val="6C7472"/>
+            </a:solidFill>
+            <a:ln w="25400" cap="flat" cmpd="sng" algn="ctr">
+              <a:solidFill>
+                <a:srgbClr val="00B050"/>
+              </a:solidFill>
+              <a:prstDash val="solid"/>
+              <a:round/>
+              <a:headEnd type="none" w="sm" len="sm"/>
+              <a:tailEnd type="arrow" w="sm" len="sm"/>
+            </a:ln>
+            <a:effectLst/>
+          </p:spPr>
+        </p:cxnSp>
+        <p:cxnSp>
+          <p:nvCxnSpPr>
+            <p:cNvPr id="23" name="直線單箭頭接點 22"/>
+            <p:cNvCxnSpPr>
+              <a:stCxn id="13" idx="3"/>
+              <a:endCxn id="14" idx="1"/>
+            </p:cNvCxnSpPr>
+            <p:nvPr/>
+          </p:nvCxnSpPr>
+          <p:spPr bwMode="auto">
+            <a:xfrm>
+              <a:off x="6602360" y="3828428"/>
+              <a:ext cx="228600" cy="0"/>
+            </a:xfrm>
+            <a:prstGeom prst="straightConnector1">
+              <a:avLst/>
+            </a:prstGeom>
+            <a:solidFill>
+              <a:srgbClr val="6C7472"/>
+            </a:solidFill>
+            <a:ln w="25400" cap="flat" cmpd="sng" algn="ctr">
+              <a:solidFill>
+                <a:srgbClr val="00B050"/>
+              </a:solidFill>
+              <a:prstDash val="solid"/>
+              <a:round/>
+              <a:headEnd type="none" w="sm" len="sm"/>
+              <a:tailEnd type="arrow" w="sm" len="sm"/>
+            </a:ln>
+            <a:effectLst/>
+          </p:spPr>
+        </p:cxnSp>
+        <p:cxnSp>
+          <p:nvCxnSpPr>
+            <p:cNvPr id="24" name="直線單箭頭接點 23"/>
+            <p:cNvCxnSpPr>
+              <a:stCxn id="12" idx="3"/>
+            </p:cNvCxnSpPr>
+            <p:nvPr/>
+          </p:nvCxnSpPr>
+          <p:spPr bwMode="auto">
+            <a:xfrm>
+              <a:off x="4621160" y="3828428"/>
+              <a:ext cx="228600" cy="0"/>
+            </a:xfrm>
+            <a:prstGeom prst="straightConnector1">
+              <a:avLst/>
+            </a:prstGeom>
+            <a:solidFill>
+              <a:srgbClr val="6C7472"/>
+            </a:solidFill>
+            <a:ln w="25400" cap="flat" cmpd="sng" algn="ctr">
+              <a:solidFill>
+                <a:srgbClr val="00B050"/>
+              </a:solidFill>
+              <a:prstDash val="solid"/>
+              <a:round/>
+              <a:headEnd type="none" w="sm" len="sm"/>
+              <a:tailEnd type="arrow" w="sm" len="sm"/>
+            </a:ln>
+            <a:effectLst/>
+          </p:spPr>
+        </p:cxnSp>
+        <p:cxnSp>
+          <p:nvCxnSpPr>
+            <p:cNvPr id="25" name="直線單箭頭接點 24"/>
+            <p:cNvCxnSpPr>
+              <a:endCxn id="13" idx="1"/>
+            </p:cNvCxnSpPr>
+            <p:nvPr/>
+          </p:nvCxnSpPr>
+          <p:spPr bwMode="auto">
+            <a:xfrm>
+              <a:off x="5459360" y="3828428"/>
+              <a:ext cx="228600" cy="0"/>
+            </a:xfrm>
+            <a:prstGeom prst="straightConnector1">
+              <a:avLst/>
+            </a:prstGeom>
+            <a:solidFill>
+              <a:srgbClr val="6C7472"/>
+            </a:solidFill>
+            <a:ln w="25400" cap="flat" cmpd="sng" algn="ctr">
+              <a:solidFill>
+                <a:srgbClr val="00B050"/>
+              </a:solidFill>
+              <a:prstDash val="solid"/>
+              <a:round/>
+              <a:headEnd type="none" w="sm" len="sm"/>
+              <a:tailEnd type="arrow" w="sm" len="sm"/>
+            </a:ln>
+            <a:effectLst/>
+          </p:spPr>
+        </p:cxnSp>
+        <p:sp>
+          <p:nvSpPr>
+            <p:cNvPr id="26" name="文字方塊 25"/>
+            <p:cNvSpPr txBox="1"/>
+            <p:nvPr/>
+          </p:nvSpPr>
+          <p:spPr>
+            <a:xfrm>
+              <a:off x="4744064" y="3329444"/>
+              <a:ext cx="838200" cy="707886"/>
+            </a:xfrm>
+            <a:prstGeom prst="rect">
+              <a:avLst/>
+            </a:prstGeom>
+            <a:noFill/>
+          </p:spPr>
+          <p:txBody>
+            <a:bodyPr wrap="square" rtlCol="0">
+              <a:spAutoFit/>
+            </a:bodyPr>
+            <a:lstStyle/>
+            <a:p>
+              <a:r>
+                <a:rPr lang="en-US" altLang="zh-TW" sz="4000" b="1" dirty="0" smtClean="0"/>
+                <a:t>…</a:t>
+              </a:r>
+              <a:endParaRPr lang="zh-TW" altLang="en-US" sz="4000" b="1" dirty="0"/>
+            </a:p>
+          </p:txBody>
+        </p:sp>
+        <p:sp>
+          <p:nvSpPr>
+            <p:cNvPr id="27" name="向右箭號 26"/>
+            <p:cNvSpPr/>
+            <p:nvPr/>
+          </p:nvSpPr>
+          <p:spPr bwMode="auto">
+            <a:xfrm>
+              <a:off x="7897760" y="3629324"/>
+              <a:ext cx="914400" cy="381000"/>
+            </a:xfrm>
+            <a:prstGeom prst="rightArrow">
+              <a:avLst/>
+            </a:prstGeom>
+            <a:solidFill>
+              <a:srgbClr val="FFC000"/>
+            </a:solidFill>
+            <a:ln w="12700" cap="flat" cmpd="sng" algn="ctr">
+              <a:noFill/>
+              <a:prstDash val="solid"/>
+              <a:round/>
+              <a:headEnd type="none" w="med" len="med"/>
+              <a:tailEnd type="none" w="med" len="med"/>
+            </a:ln>
+            <a:effectLst/>
+          </p:spPr>
+          <p:txBody>
+            <a:bodyPr vert="horz" wrap="square" lIns="91440" tIns="45720" rIns="91440" bIns="45720" numCol="1" rtlCol="0" anchor="t" anchorCtr="0" compatLnSpc="1">
+              <a:prstTxWarp prst="textNoShape">
+                <a:avLst/>
+              </a:prstTxWarp>
+            </a:bodyPr>
+            <a:lstStyle/>
+            <a:p>
+              <a:pPr marL="0" marR="0" indent="0" algn="ctr" defTabSz="914400" rtl="0" eaLnBrk="1" fontAlgn="base" latinLnBrk="0" hangingPunct="1">
+                <a:lnSpc>
+                  <a:spcPct val="100000"/>
+                </a:lnSpc>
+                <a:spcBef>
+                  <a:spcPct val="0"/>
+                </a:spcBef>
+                <a:spcAft>
+                  <a:spcPct val="0"/>
+                </a:spcAft>
+                <a:buClrTx/>
+                <a:buSzTx/>
+                <a:buFontTx/>
+                <a:buNone/>
+                <a:tabLst/>
+              </a:pPr>
+              <a:endParaRPr kumimoji="0" lang="zh-TW" altLang="en-US" sz="4800" b="0" i="0" u="none" strike="noStrike" cap="none" normalizeH="0" baseline="0">
+                <a:ln>
+                  <a:noFill/>
+                </a:ln>
+                <a:solidFill>
+                  <a:srgbClr val="414141"/>
+                </a:solidFill>
+                <a:effectLst/>
+                <a:latin typeface="Gill Sans Light" charset="0"/>
+                <a:ea typeface="Heiti TC Light" pitchFamily="-1" charset="-120"/>
+                <a:cs typeface="Heiti TC Light" pitchFamily="-1" charset="-120"/>
+                <a:sym typeface="Gill Sans Light" charset="0"/>
+              </a:endParaRPr>
+            </a:p>
+          </p:txBody>
+        </p:sp>
+        <p:cxnSp>
+          <p:nvCxnSpPr>
+            <p:cNvPr id="28" name="直線單箭頭接點 27"/>
+            <p:cNvCxnSpPr>
+              <a:stCxn id="10" idx="2"/>
+            </p:cNvCxnSpPr>
+            <p:nvPr/>
+          </p:nvCxnSpPr>
+          <p:spPr bwMode="auto">
+            <a:xfrm>
+              <a:off x="1877960" y="4285628"/>
+              <a:ext cx="0" cy="533400"/>
+            </a:xfrm>
+            <a:prstGeom prst="straightConnector1">
+              <a:avLst/>
+            </a:prstGeom>
+            <a:solidFill>
+              <a:srgbClr val="6C7472"/>
+            </a:solidFill>
+            <a:ln w="31750" cap="flat" cmpd="sng" algn="ctr">
+              <a:solidFill>
+                <a:srgbClr val="FF0000"/>
+              </a:solidFill>
+              <a:prstDash val="solid"/>
+              <a:round/>
+              <a:headEnd type="none" w="sm" len="sm"/>
+              <a:tailEnd type="arrow" w="sm" len="sm"/>
+            </a:ln>
+            <a:effectLst/>
+          </p:spPr>
+        </p:cxnSp>
+        <p:cxnSp>
+          <p:nvCxnSpPr>
+            <p:cNvPr id="29" name="直線單箭頭接點 28"/>
+            <p:cNvCxnSpPr>
+              <a:stCxn id="11" idx="2"/>
+            </p:cNvCxnSpPr>
+            <p:nvPr/>
+          </p:nvCxnSpPr>
+          <p:spPr bwMode="auto">
+            <a:xfrm>
+              <a:off x="3020960" y="4285628"/>
+              <a:ext cx="0" cy="533400"/>
+            </a:xfrm>
+            <a:prstGeom prst="straightConnector1">
+              <a:avLst/>
+            </a:prstGeom>
+            <a:solidFill>
+              <a:srgbClr val="6C7472"/>
+            </a:solidFill>
+            <a:ln w="31750" cap="flat" cmpd="sng" algn="ctr">
+              <a:solidFill>
+                <a:srgbClr val="FF0000"/>
+              </a:solidFill>
+              <a:prstDash val="solid"/>
+              <a:round/>
+              <a:headEnd type="none" w="sm" len="sm"/>
+              <a:tailEnd type="arrow" w="sm" len="sm"/>
+            </a:ln>
+            <a:effectLst/>
+          </p:spPr>
+        </p:cxnSp>
+        <p:cxnSp>
+          <p:nvCxnSpPr>
+            <p:cNvPr id="30" name="直線單箭頭接點 29"/>
+            <p:cNvCxnSpPr>
+              <a:stCxn id="12" idx="2"/>
+            </p:cNvCxnSpPr>
+            <p:nvPr/>
+          </p:nvCxnSpPr>
+          <p:spPr bwMode="auto">
+            <a:xfrm>
+              <a:off x="4163960" y="4285628"/>
+              <a:ext cx="0" cy="533400"/>
+            </a:xfrm>
+            <a:prstGeom prst="straightConnector1">
+              <a:avLst/>
+            </a:prstGeom>
+            <a:solidFill>
+              <a:srgbClr val="6C7472"/>
+            </a:solidFill>
+            <a:ln w="31750" cap="flat" cmpd="sng" algn="ctr">
+              <a:solidFill>
+                <a:srgbClr val="FF0000"/>
+              </a:solidFill>
+              <a:prstDash val="solid"/>
+              <a:round/>
+              <a:headEnd type="none" w="sm" len="sm"/>
+              <a:tailEnd type="arrow" w="sm" len="sm"/>
+            </a:ln>
+            <a:effectLst/>
+          </p:spPr>
+        </p:cxnSp>
+        <p:cxnSp>
+          <p:nvCxnSpPr>
+            <p:cNvPr id="31" name="直線單箭頭接點 30"/>
+            <p:cNvCxnSpPr>
+              <a:stCxn id="13" idx="2"/>
+            </p:cNvCxnSpPr>
+            <p:nvPr/>
+          </p:nvCxnSpPr>
+          <p:spPr bwMode="auto">
+            <a:xfrm>
+              <a:off x="6145160" y="4285628"/>
+              <a:ext cx="0" cy="533400"/>
+            </a:xfrm>
+            <a:prstGeom prst="straightConnector1">
+              <a:avLst/>
+            </a:prstGeom>
+            <a:solidFill>
+              <a:srgbClr val="6C7472"/>
+            </a:solidFill>
+            <a:ln w="31750" cap="flat" cmpd="sng" algn="ctr">
+              <a:solidFill>
+                <a:srgbClr val="FF0000"/>
+              </a:solidFill>
+              <a:prstDash val="solid"/>
+              <a:round/>
+              <a:headEnd type="none" w="sm" len="sm"/>
+              <a:tailEnd type="arrow" w="sm" len="sm"/>
+            </a:ln>
+            <a:effectLst/>
+          </p:spPr>
+        </p:cxnSp>
+        <p:cxnSp>
+          <p:nvCxnSpPr>
+            <p:cNvPr id="32" name="直線單箭頭接點 31"/>
+            <p:cNvCxnSpPr>
+              <a:stCxn id="14" idx="2"/>
+            </p:cNvCxnSpPr>
+            <p:nvPr/>
+          </p:nvCxnSpPr>
+          <p:spPr bwMode="auto">
+            <a:xfrm>
+              <a:off x="7288160" y="4285628"/>
+              <a:ext cx="0" cy="533400"/>
+            </a:xfrm>
+            <a:prstGeom prst="straightConnector1">
+              <a:avLst/>
+            </a:prstGeom>
+            <a:solidFill>
+              <a:srgbClr val="6C7472"/>
+            </a:solidFill>
+            <a:ln w="31750" cap="flat" cmpd="sng" algn="ctr">
+              <a:solidFill>
+                <a:srgbClr val="FF0000"/>
+              </a:solidFill>
+              <a:prstDash val="solid"/>
+              <a:round/>
+              <a:headEnd type="none" w="sm" len="sm"/>
+              <a:tailEnd type="arrow" w="sm" len="sm"/>
+            </a:ln>
+            <a:effectLst/>
+          </p:spPr>
+        </p:cxnSp>
+        <p:sp>
+          <p:nvSpPr>
+            <p:cNvPr id="33" name="文字方塊 32"/>
+            <p:cNvSpPr txBox="1"/>
+            <p:nvPr/>
+          </p:nvSpPr>
+          <p:spPr>
+            <a:xfrm>
+              <a:off x="1546120" y="4819028"/>
+              <a:ext cx="685800" cy="276999"/>
+            </a:xfrm>
+            <a:prstGeom prst="rect">
+              <a:avLst/>
+            </a:prstGeom>
+            <a:noFill/>
+          </p:spPr>
+          <p:txBody>
+            <a:bodyPr wrap="square" rtlCol="0">
+              <a:spAutoFit/>
+            </a:bodyPr>
+            <a:lstStyle/>
+            <a:p>
+              <a:r>
+                <a:rPr lang="en-US" altLang="zh-TW" sz="1200" b="1" dirty="0" smtClean="0"/>
+                <a:t>False</a:t>
+              </a:r>
+              <a:endParaRPr lang="zh-TW" altLang="en-US" sz="1200" b="1" dirty="0"/>
+            </a:p>
+          </p:txBody>
+        </p:sp>
+        <p:sp>
+          <p:nvSpPr>
+            <p:cNvPr id="34" name="文字方塊 33"/>
+            <p:cNvSpPr txBox="1"/>
+            <p:nvPr/>
+          </p:nvSpPr>
+          <p:spPr>
+            <a:xfrm>
+              <a:off x="2679288" y="4819028"/>
+              <a:ext cx="685800" cy="276999"/>
+            </a:xfrm>
+            <a:prstGeom prst="rect">
+              <a:avLst/>
+            </a:prstGeom>
+            <a:noFill/>
+          </p:spPr>
+          <p:txBody>
+            <a:bodyPr wrap="square" rtlCol="0">
+              <a:spAutoFit/>
+            </a:bodyPr>
+            <a:lstStyle/>
+            <a:p>
+              <a:r>
+                <a:rPr lang="en-US" altLang="zh-TW" sz="1200" b="1" dirty="0" smtClean="0"/>
+                <a:t>False</a:t>
+              </a:r>
+              <a:endParaRPr lang="zh-TW" altLang="en-US" sz="1200" b="1" dirty="0"/>
+            </a:p>
+          </p:txBody>
+        </p:sp>
+        <p:sp>
+          <p:nvSpPr>
+            <p:cNvPr id="38" name="文字方塊 37"/>
+            <p:cNvSpPr txBox="1"/>
+            <p:nvPr/>
+          </p:nvSpPr>
+          <p:spPr>
+            <a:xfrm>
+              <a:off x="3837032" y="4816572"/>
+              <a:ext cx="685800" cy="276999"/>
+            </a:xfrm>
+            <a:prstGeom prst="rect">
+              <a:avLst/>
+            </a:prstGeom>
+            <a:noFill/>
+          </p:spPr>
+          <p:txBody>
+            <a:bodyPr wrap="square" rtlCol="0">
+              <a:spAutoFit/>
+            </a:bodyPr>
+            <a:lstStyle/>
+            <a:p>
+              <a:r>
+                <a:rPr lang="en-US" altLang="zh-TW" sz="1200" b="1" dirty="0" smtClean="0"/>
+                <a:t>False</a:t>
+              </a:r>
+              <a:endParaRPr lang="zh-TW" altLang="en-US" sz="1200" b="1" dirty="0"/>
+            </a:p>
+          </p:txBody>
+        </p:sp>
+        <p:sp>
+          <p:nvSpPr>
+            <p:cNvPr id="39" name="文字方塊 38"/>
+            <p:cNvSpPr txBox="1"/>
+            <p:nvPr/>
+          </p:nvSpPr>
+          <p:spPr>
+            <a:xfrm>
+              <a:off x="5810864" y="4809196"/>
+              <a:ext cx="685800" cy="276999"/>
+            </a:xfrm>
+            <a:prstGeom prst="rect">
+              <a:avLst/>
+            </a:prstGeom>
+            <a:noFill/>
+          </p:spPr>
+          <p:txBody>
+            <a:bodyPr wrap="square" rtlCol="0">
+              <a:spAutoFit/>
+            </a:bodyPr>
+            <a:lstStyle/>
+            <a:p>
+              <a:r>
+                <a:rPr lang="en-US" altLang="zh-TW" sz="1200" b="1" dirty="0" smtClean="0"/>
+                <a:t>False</a:t>
+              </a:r>
+              <a:endParaRPr lang="zh-TW" altLang="en-US" sz="1200" b="1" dirty="0"/>
+            </a:p>
+          </p:txBody>
+        </p:sp>
+        <p:sp>
+          <p:nvSpPr>
+            <p:cNvPr id="40" name="文字方塊 39"/>
+            <p:cNvSpPr txBox="1"/>
+            <p:nvPr/>
+          </p:nvSpPr>
+          <p:spPr>
+            <a:xfrm>
+              <a:off x="6951408" y="4809196"/>
+              <a:ext cx="685800" cy="276999"/>
+            </a:xfrm>
+            <a:prstGeom prst="rect">
+              <a:avLst/>
+            </a:prstGeom>
+            <a:noFill/>
+          </p:spPr>
+          <p:txBody>
+            <a:bodyPr wrap="square" rtlCol="0">
+              <a:spAutoFit/>
+            </a:bodyPr>
+            <a:lstStyle/>
+            <a:p>
+              <a:r>
+                <a:rPr lang="en-US" altLang="zh-TW" sz="1200" b="1" dirty="0" smtClean="0"/>
+                <a:t>False</a:t>
+              </a:r>
+              <a:endParaRPr lang="zh-TW" altLang="en-US" sz="1200" b="1" dirty="0"/>
+            </a:p>
+          </p:txBody>
+        </p:sp>
+        <p:sp>
+          <p:nvSpPr>
+            <p:cNvPr id="41" name="文字方塊 40"/>
+            <p:cNvSpPr txBox="1"/>
+            <p:nvPr/>
+          </p:nvSpPr>
+          <p:spPr>
+            <a:xfrm>
+              <a:off x="398208" y="3494140"/>
+              <a:ext cx="685800" cy="276999"/>
+            </a:xfrm>
+            <a:prstGeom prst="rect">
+              <a:avLst/>
+            </a:prstGeom>
+            <a:noFill/>
+          </p:spPr>
+          <p:txBody>
+            <a:bodyPr wrap="square" rtlCol="0">
+              <a:spAutoFit/>
+            </a:bodyPr>
+            <a:lstStyle/>
+            <a:p>
+              <a:r>
+                <a:rPr lang="en-US" altLang="zh-TW" sz="1200" b="1" dirty="0" smtClean="0"/>
+                <a:t>Input</a:t>
+              </a:r>
+              <a:endParaRPr lang="zh-TW" altLang="en-US" sz="1200" b="1" dirty="0"/>
+            </a:p>
+          </p:txBody>
+        </p:sp>
+        <p:sp>
+          <p:nvSpPr>
+            <p:cNvPr id="42" name="文字方塊 41"/>
+            <p:cNvSpPr txBox="1"/>
+            <p:nvPr/>
+          </p:nvSpPr>
+          <p:spPr>
+            <a:xfrm>
+              <a:off x="7914968" y="3496596"/>
+              <a:ext cx="685800" cy="276999"/>
+            </a:xfrm>
+            <a:prstGeom prst="rect">
+              <a:avLst/>
+            </a:prstGeom>
+            <a:noFill/>
+          </p:spPr>
+          <p:txBody>
+            <a:bodyPr wrap="square" rtlCol="0">
+              <a:spAutoFit/>
+            </a:bodyPr>
+            <a:lstStyle/>
+            <a:p>
+              <a:r>
+                <a:rPr lang="en-US" altLang="zh-TW" sz="1200" b="1" dirty="0" smtClean="0"/>
+                <a:t>Output</a:t>
+              </a:r>
+              <a:endParaRPr lang="zh-TW" altLang="en-US" sz="1200" b="1" dirty="0"/>
+            </a:p>
+          </p:txBody>
+        </p:sp>
+      </p:grpSp>
+      <p:sp>
+        <p:nvSpPr>
+          <p:cNvPr id="44" name="Content Placeholder 2"/>
+          <p:cNvSpPr txBox="1">
+            <a:spLocks/>
+          </p:cNvSpPr>
+          <p:nvPr/>
+        </p:nvSpPr>
+        <p:spPr>
+          <a:xfrm>
+            <a:off x="228600" y="910116"/>
+            <a:ext cx="8689622" cy="369332"/>
+          </a:xfrm>
+          <a:prstGeom prst="rect">
+            <a:avLst/>
+          </a:prstGeom>
+        </p:spPr>
+        <p:txBody>
+          <a:bodyPr vert="horz" wrap="square" lIns="0" tIns="0" rIns="0" bIns="0" rtlCol="0">
+            <a:spAutoFit/>
+          </a:bodyPr>
+          <a:lstStyle/>
+          <a:p>
+            <a:r>
+              <a:rPr lang="en-US" altLang="zh-TW" sz="2400" dirty="0" smtClean="0">
+                <a:ea typeface="新細明體" pitchFamily="18" charset="-120"/>
+              </a:rPr>
+              <a:t>Remove false cases </a:t>
+            </a:r>
+            <a:r>
+              <a:rPr lang="en-US" altLang="zh-TW" sz="2400" dirty="0" smtClean="0">
+                <a:ea typeface="新細明體" pitchFamily="18" charset="-120"/>
+              </a:rPr>
+              <a:t>fast</a:t>
+            </a:r>
+            <a:endParaRPr lang="en-US" altLang="zh-TW" sz="2400" dirty="0" smtClean="0">
+              <a:ea typeface="新細明體" pitchFamily="18" charset="-120"/>
+            </a:endParaRPr>
+          </a:p>
+        </p:txBody>
+      </p:sp>
+    </p:spTree>
+    <p:extLst>
+      <p:ext uri="{BB962C8B-B14F-4D97-AF65-F5344CB8AC3E}">
+        <p14:creationId xmlns="" xmlns:p14="http://schemas.microsoft.com/office/powerpoint/2010/main" val="2631485282"/>
+      </p:ext>
+    </p:extLst>
+  </p:cSld>
+  <p:clrMapOvr>
+    <a:masterClrMapping/>
+  </p:clrMapOvr>
+  <p:timing>
+    <p:tnLst>
+      <p:par>
+        <p:cTn id="1" dur="indefinite" restart="never" nodeType="tmRoot"/>
+      </p:par>
+    </p:tnLst>
+  </p:timing>
+</p:sld>
+</file>
+
+<file path=ppt/slides/slide21.xml><?xml version="1.0" encoding="utf-8"?>
+<p:sld xmlns:a="http://schemas.openxmlformats.org/drawingml/2006/main" xmlns:r="http://schemas.openxmlformats.org/officeDocument/2006/relationships" xmlns:p="http://schemas.openxmlformats.org/presentationml/2006/main">
+  <p:cSld>
+    <p:spTree>
+      <p:nvGrpSpPr>
+        <p:cNvPr id="1" name=""/>
+        <p:cNvGrpSpPr/>
+        <p:nvPr/>
+      </p:nvGrpSpPr>
+      <p:grpSpPr>
+        <a:xfrm>
+          <a:off x="0" y="0"/>
+          <a:ext cx="0" cy="0"/>
+          <a:chOff x="0" y="0"/>
+          <a:chExt cx="0" cy="0"/>
+        </a:xfrm>
+      </p:grpSpPr>
+      <p:sp>
+        <p:nvSpPr>
+          <p:cNvPr id="2" name="Slide Number Placeholder 1"/>
+          <p:cNvSpPr>
+            <a:spLocks noGrp="1"/>
+          </p:cNvSpPr>
+          <p:nvPr>
+            <p:ph type="sldNum" sz="quarter" idx="10"/>
+          </p:nvPr>
+        </p:nvSpPr>
+        <p:spPr/>
+        <p:txBody>
+          <a:bodyPr/>
+          <a:lstStyle/>
+          <a:p>
+            <a:fld id="{F52E3F39-0206-E343-A815-B0E9B8087364}" type="slidenum">
+              <a:rPr lang="en-US" smtClean="0">
+                <a:latin typeface="+mj-lt"/>
+              </a:rPr>
+              <a:pPr/>
+              <a:t>21</a:t>
+            </a:fld>
+            <a:endParaRPr lang="en-US" dirty="0">
+              <a:latin typeface="+mj-lt"/>
+            </a:endParaRPr>
+          </a:p>
+        </p:txBody>
+      </p:sp>
+      <p:sp>
+        <p:nvSpPr>
+          <p:cNvPr id="6" name="矩形 5"/>
+          <p:cNvSpPr/>
+          <p:nvPr/>
+        </p:nvSpPr>
+        <p:spPr>
+          <a:xfrm>
+            <a:off x="1680882" y="287867"/>
+            <a:ext cx="5715000" cy="4432051"/>
+          </a:xfrm>
+          <a:prstGeom prst="rect">
+            <a:avLst/>
+          </a:prstGeom>
+          <a:noFill/>
+          <a:ln>
+            <a:noFill/>
+          </a:ln>
+        </p:spPr>
+        <p:style>
+          <a:lnRef idx="1">
+            <a:schemeClr val="accent1"/>
+          </a:lnRef>
+          <a:fillRef idx="3">
+            <a:schemeClr val="accent1"/>
+          </a:fillRef>
+          <a:effectRef idx="2">
+            <a:schemeClr val="accent1"/>
+          </a:effectRef>
+          <a:fontRef idx="minor">
+            <a:schemeClr val="lt1"/>
+          </a:fontRef>
+        </p:style>
+        <p:txBody>
+          <a:bodyPr rtlCol="0" anchor="ctr"/>
+          <a:lstStyle/>
+          <a:p>
+            <a:pPr algn="ctr"/>
+            <a:r>
+              <a:rPr lang="en-US" altLang="zh-TW" sz="7200" dirty="0" smtClean="0">
+                <a:solidFill>
+                  <a:schemeClr val="tx1"/>
+                </a:solidFill>
+              </a:rPr>
+              <a:t>Thanks</a:t>
+            </a:r>
+            <a:endParaRPr lang="zh-TW" altLang="en-US" sz="7200" dirty="0">
+              <a:solidFill>
+                <a:schemeClr val="tx1"/>
+              </a:solidFill>
+            </a:endParaRPr>
+          </a:p>
+        </p:txBody>
+      </p:sp>
+    </p:spTree>
+    <p:extLst>
+      <p:ext uri="{BB962C8B-B14F-4D97-AF65-F5344CB8AC3E}">
+        <p14:creationId xmlns="" xmlns:p14="http://schemas.microsoft.com/office/powerpoint/2010/main" val="3598067464"/>
+      </p:ext>
+    </p:extLst>
+  </p:cSld>
+  <p:clrMapOvr>
+    <a:masterClrMapping/>
+  </p:clrMapOvr>
+  <p:timing>
+    <p:tnLst>
+      <p:par>
+        <p:cTn id="1" dur="indefinite" restart="never" nodeType="tmRoot"/>
+      </p:par>
+    </p:tnLst>
+  </p:timing>
+</p:sld>
+</file>
+
 <file path=ppt/slides/slide3.xml><?xml version="1.0" encoding="utf-8"?>
 <p:sld xmlns:a="http://schemas.openxmlformats.org/drawingml/2006/main" xmlns:r="http://schemas.openxmlformats.org/officeDocument/2006/relationships" xmlns:p="http://schemas.openxmlformats.org/presentationml/2006/main">
   <p:cSld>
@@ -7875,7 +14716,7 @@
     </p:spTree>
     <p:extLst>
       <p:ext uri="{BB962C8B-B14F-4D97-AF65-F5344CB8AC3E}">
-        <p14:creationId xmlns:p14="http://schemas.microsoft.com/office/powerpoint/2010/main" val="1692470345"/>
+        <p14:creationId xmlns="" xmlns:p14="http://schemas.microsoft.com/office/powerpoint/2010/main" val="1692470345"/>
       </p:ext>
     </p:extLst>
   </p:cSld>
@@ -8308,7 +15149,7 @@
           <p:nvPr>
             <p:extLst>
               <p:ext uri="{D42A27DB-BD31-4B8C-83A1-F6EECF244321}">
-                <p14:modId xmlns:p14="http://schemas.microsoft.com/office/powerpoint/2010/main" val="696194085"/>
+                <p14:modId xmlns="" xmlns:p14="http://schemas.microsoft.com/office/powerpoint/2010/main" val="696194085"/>
               </p:ext>
             </p:extLst>
           </p:nvPr>
@@ -8319,59 +15160,9 @@
         </p:xfrm>
         <a:graphic>
           <a:graphicData uri="http://schemas.openxmlformats.org/presentationml/2006/ole">
-            <mc:AlternateContent xmlns:mc="http://schemas.openxmlformats.org/markup-compatibility/2006">
-              <mc:Choice xmlns:v="urn:schemas-microsoft-com:vml" Requires="v">
-                <p:oleObj spid="_x0000_s4135" name="方程式" r:id="rId3" imgW="1256755" imgH="203112" progId="Equation.3">
-                  <p:embed/>
-                </p:oleObj>
-              </mc:Choice>
-              <mc:Fallback>
-                <p:oleObj name="方程式" r:id="rId3" imgW="1256755" imgH="203112" progId="Equation.3">
-                  <p:embed/>
-                  <p:pic>
-                    <p:nvPicPr>
-                      <p:cNvPr id="0" name="Picture 17"/>
-                      <p:cNvPicPr>
-                        <a:picLocks noChangeAspect="1" noChangeArrowheads="1"/>
-                      </p:cNvPicPr>
-                      <p:nvPr/>
-                    </p:nvPicPr>
-                    <p:blipFill>
-                      <a:blip r:embed="rId4">
-                        <a:extLst>
-                          <a:ext uri="{28A0092B-C50C-407E-A947-70E740481C1C}">
-                            <a14:useLocalDpi xmlns:a14="http://schemas.microsoft.com/office/drawing/2010/main" val="0"/>
-                          </a:ext>
-                        </a:extLst>
-                      </a:blip>
-                      <a:srcRect/>
-                      <a:stretch>
-                        <a:fillRect/>
-                      </a:stretch>
-                    </p:blipFill>
-                    <p:spPr bwMode="auto">
-                      <a:xfrm>
-                        <a:off x="2530284" y="2515923"/>
-                        <a:ext cx="3379787" cy="568325"/>
-                      </a:xfrm>
-                      <a:prstGeom prst="rect">
-                        <a:avLst/>
-                      </a:prstGeom>
-                      <a:noFill/>
-                      <a:extLst>
-                        <a:ext uri="{909E8E84-426E-40DD-AFC4-6F175D3DCCD1}">
-                          <a14:hiddenFill xmlns:a14="http://schemas.microsoft.com/office/drawing/2010/main">
-                            <a:solidFill>
-                              <a:srgbClr val="FFFFFF"/>
-                            </a:solidFill>
-                          </a14:hiddenFill>
-                        </a:ext>
-                      </a:extLst>
-                    </p:spPr>
-                  </p:pic>
-                </p:oleObj>
-              </mc:Fallback>
-            </mc:AlternateContent>
+            <p:oleObj spid="_x0000_s4135" name="方程式" r:id="rId3" imgW="1256755" imgH="203112" progId="Equation.3">
+              <p:embed/>
+            </p:oleObj>
           </a:graphicData>
         </a:graphic>
       </p:graphicFrame>
@@ -8384,7 +15175,7 @@
           <p:nvPr/>
         </p:nvPicPr>
         <p:blipFill>
-          <a:blip r:embed="rId5"/>
+          <a:blip r:embed="rId4"/>
           <a:srcRect/>
           <a:stretch>
             <a:fillRect/>
@@ -8441,7 +15232,7 @@
           <p:nvPr/>
         </p:nvPicPr>
         <p:blipFill>
-          <a:blip r:embed="rId6"/>
+          <a:blip r:embed="rId5"/>
           <a:srcRect/>
           <a:stretch>
             <a:fillRect/>
@@ -8473,7 +15264,7 @@
           <p:nvPr/>
         </p:nvPicPr>
         <p:blipFill>
-          <a:blip r:embed="rId7"/>
+          <a:blip r:embed="rId6"/>
           <a:srcRect/>
           <a:stretch>
             <a:fillRect/>
@@ -8559,7 +15350,7 @@
     </p:spTree>
     <p:extLst>
       <p:ext uri="{BB962C8B-B14F-4D97-AF65-F5344CB8AC3E}">
-        <p14:creationId xmlns:p14="http://schemas.microsoft.com/office/powerpoint/2010/main" val="3040030372"/>
+        <p14:creationId xmlns="" xmlns:p14="http://schemas.microsoft.com/office/powerpoint/2010/main" val="3040030372"/>
       </p:ext>
     </p:extLst>
   </p:cSld>
@@ -8621,13 +15412,7 @@
               <a:rPr lang="en-US" altLang="zh-TW" sz="2400" dirty="0" smtClean="0">
                 <a:latin typeface="Arial"/>
               </a:rPr>
-              <a:t>Performance is slightly better </a:t>
-            </a:r>
-            <a:r>
-              <a:rPr lang="en-US" altLang="zh-TW" sz="2400" dirty="0" smtClean="0">
-                <a:latin typeface="Arial"/>
-              </a:rPr>
-              <a:t>than random guessing</a:t>
+              <a:t>Performance is slightly better than random guessing</a:t>
             </a:r>
           </a:p>
         </p:txBody>
@@ -9226,7 +16011,7 @@
     </p:spTree>
     <p:extLst>
       <p:ext uri="{BB962C8B-B14F-4D97-AF65-F5344CB8AC3E}">
-        <p14:creationId xmlns:p14="http://schemas.microsoft.com/office/powerpoint/2010/main" val="3040030372"/>
+        <p14:creationId xmlns="" xmlns:p14="http://schemas.microsoft.com/office/powerpoint/2010/main" val="3040030372"/>
       </p:ext>
     </p:extLst>
   </p:cSld>
@@ -9535,13 +16320,7 @@
               <a:rPr lang="en-US" altLang="zh-TW" sz="2400" dirty="0" smtClean="0">
                 <a:latin typeface="Arial"/>
               </a:rPr>
-              <a:t>Find the weak classifier with minimum </a:t>
-            </a:r>
-            <a:r>
-              <a:rPr lang="en-US" altLang="zh-TW" sz="2400" dirty="0" smtClean="0">
-                <a:latin typeface="Arial"/>
-              </a:rPr>
-              <a:t>error</a:t>
+              <a:t>Find the weak classifier with minimum error</a:t>
             </a:r>
           </a:p>
           <a:p>
@@ -9636,9 +16415,6 @@
               </a:rPr>
               <a:t>ecision stump is a weak classifier example</a:t>
             </a:r>
-            <a:endParaRPr lang="en-US" altLang="zh-TW" sz="2400" dirty="0" smtClean="0">
-              <a:latin typeface="Arial"/>
-            </a:endParaRPr>
           </a:p>
         </p:txBody>
       </p:sp>
@@ -9894,11 +16670,7 @@
           <a:p>
             <a:r>
               <a:rPr lang="en-US" altLang="zh-TW" dirty="0" smtClean="0"/>
-              <a:t>Weak </a:t>
-            </a:r>
-            <a:r>
-              <a:rPr lang="en-US" altLang="zh-TW" dirty="0" smtClean="0"/>
-              <a:t>classifier g(x) </a:t>
+              <a:t>Weak classifier g(x) </a:t>
             </a:r>
             <a:endParaRPr lang="zh-TW" altLang="en-US" dirty="0"/>
           </a:p>
@@ -9907,7 +16679,7 @@
     </p:spTree>
     <p:extLst>
       <p:ext uri="{BB962C8B-B14F-4D97-AF65-F5344CB8AC3E}">
-        <p14:creationId xmlns:p14="http://schemas.microsoft.com/office/powerpoint/2010/main" val="3040030372"/>
+        <p14:creationId xmlns="" xmlns:p14="http://schemas.microsoft.com/office/powerpoint/2010/main" val="3040030372"/>
       </p:ext>
     </p:extLst>
   </p:cSld>
@@ -9992,7 +16764,7 @@
           <a:blip r:embed="rId2">
             <a:extLst>
               <a:ext uri="{28A0092B-C50C-407E-A947-70E740481C1C}">
-                <a14:useLocalDpi xmlns:a14="http://schemas.microsoft.com/office/drawing/2010/main" val="0"/>
+                <a14:useLocalDpi xmlns="" xmlns:a14="http://schemas.microsoft.com/office/drawing/2010/main" val="0"/>
               </a:ext>
             </a:extLst>
           </a:blip>
@@ -10227,7 +16999,7 @@
     </p:spTree>
     <p:extLst>
       <p:ext uri="{BB962C8B-B14F-4D97-AF65-F5344CB8AC3E}">
-        <p14:creationId xmlns:p14="http://schemas.microsoft.com/office/powerpoint/2010/main" val="3040030372"/>
+        <p14:creationId xmlns="" xmlns:p14="http://schemas.microsoft.com/office/powerpoint/2010/main" val="3040030372"/>
       </p:ext>
     </p:extLst>
   </p:cSld>
@@ -10666,7 +17438,7 @@
           <a:blip r:embed="rId2">
             <a:extLst>
               <a:ext uri="{28A0092B-C50C-407E-A947-70E740481C1C}">
-                <a14:useLocalDpi xmlns:a14="http://schemas.microsoft.com/office/drawing/2010/main" val="0"/>
+                <a14:useLocalDpi xmlns="" xmlns:a14="http://schemas.microsoft.com/office/drawing/2010/main" val="0"/>
               </a:ext>
             </a:extLst>
           </a:blip>
@@ -10909,7 +17681,7 @@
     </p:spTree>
     <p:extLst>
       <p:ext uri="{BB962C8B-B14F-4D97-AF65-F5344CB8AC3E}">
-        <p14:creationId xmlns:p14="http://schemas.microsoft.com/office/powerpoint/2010/main" val="3040030372"/>
+        <p14:creationId xmlns="" xmlns:p14="http://schemas.microsoft.com/office/powerpoint/2010/main" val="3040030372"/>
       </p:ext>
     </p:extLst>
   </p:cSld>
@@ -10976,7 +17748,7 @@
     </p:spTree>
     <p:extLst>
       <p:ext uri="{BB962C8B-B14F-4D97-AF65-F5344CB8AC3E}">
-        <p14:creationId xmlns:p14="http://schemas.microsoft.com/office/powerpoint/2010/main" val="3792208418"/>
+        <p14:creationId xmlns="" xmlns:p14="http://schemas.microsoft.com/office/powerpoint/2010/main" val="3792208418"/>
       </p:ext>
     </p:extLst>
   </p:cSld>

--- a/Presentation/Boosting.pptx
+++ b/Presentation/Boosting.pptx
@@ -5,33 +5,34 @@
     <p:sldMasterId id="2147483671" r:id="rId4"/>
   </p:sldMasterIdLst>
   <p:notesMasterIdLst>
-    <p:notesMasterId r:id="rId26"/>
+    <p:notesMasterId r:id="rId27"/>
   </p:notesMasterIdLst>
   <p:handoutMasterIdLst>
-    <p:handoutMasterId r:id="rId27"/>
+    <p:handoutMasterId r:id="rId28"/>
   </p:handoutMasterIdLst>
   <p:sldIdLst>
     <p:sldId id="288" r:id="rId5"/>
     <p:sldId id="325" r:id="rId6"/>
     <p:sldId id="326" r:id="rId7"/>
     <p:sldId id="319" r:id="rId8"/>
-    <p:sldId id="322" r:id="rId9"/>
-    <p:sldId id="320" r:id="rId10"/>
-    <p:sldId id="318" r:id="rId11"/>
-    <p:sldId id="327" r:id="rId12"/>
-    <p:sldId id="313" r:id="rId13"/>
-    <p:sldId id="312" r:id="rId14"/>
-    <p:sldId id="317" r:id="rId15"/>
-    <p:sldId id="321" r:id="rId16"/>
-    <p:sldId id="328" r:id="rId17"/>
-    <p:sldId id="324" r:id="rId18"/>
-    <p:sldId id="330" r:id="rId19"/>
-    <p:sldId id="323" r:id="rId20"/>
-    <p:sldId id="331" r:id="rId21"/>
-    <p:sldId id="332" r:id="rId22"/>
-    <p:sldId id="333" r:id="rId23"/>
-    <p:sldId id="334" r:id="rId24"/>
-    <p:sldId id="316" r:id="rId25"/>
+    <p:sldId id="335" r:id="rId9"/>
+    <p:sldId id="322" r:id="rId10"/>
+    <p:sldId id="320" r:id="rId11"/>
+    <p:sldId id="318" r:id="rId12"/>
+    <p:sldId id="327" r:id="rId13"/>
+    <p:sldId id="313" r:id="rId14"/>
+    <p:sldId id="312" r:id="rId15"/>
+    <p:sldId id="317" r:id="rId16"/>
+    <p:sldId id="321" r:id="rId17"/>
+    <p:sldId id="328" r:id="rId18"/>
+    <p:sldId id="324" r:id="rId19"/>
+    <p:sldId id="330" r:id="rId20"/>
+    <p:sldId id="323" r:id="rId21"/>
+    <p:sldId id="331" r:id="rId22"/>
+    <p:sldId id="332" r:id="rId23"/>
+    <p:sldId id="333" r:id="rId24"/>
+    <p:sldId id="334" r:id="rId25"/>
+    <p:sldId id="316" r:id="rId26"/>
   </p:sldIdLst>
   <p:sldSz cx="9144000" cy="6858000" type="screen4x3"/>
   <p:notesSz cx="6858000" cy="9144000"/>
@@ -132,7 +133,7 @@
   </p:defaultTextStyle>
   <p:extLst>
     <p:ext uri="{EFAFB233-063F-42B5-8137-9DF3F51BA10A}">
-      <p15:sldGuideLst xmlns="" xmlns:p15="http://schemas.microsoft.com/office/powerpoint/2012/main">
+      <p15:sldGuideLst xmlns:p15="http://schemas.microsoft.com/office/powerpoint/2012/main">
         <p15:guide id="1" orient="horz" pos="3868">
           <p15:clr>
             <a:srgbClr val="A4A3A4"/>
@@ -277,7 +278,7 @@
             <a:fld id="{F8252C7F-5FEC-2E4D-80AA-BF666F276660}" type="datetime1">
               <a:rPr lang="en-US" smtClean="0"/>
               <a:pPr/>
-              <a:t>6/17/2015</a:t>
+              <a:t>6/19/2015</a:t>
             </a:fld>
             <a:endParaRPr lang="en-US"/>
           </a:p>
@@ -344,7 +345,7 @@
             <a:fld id="{132FC9DB-9ECF-B642-8708-6B2248F1BAB4}" type="slidenum">
               <a:rPr lang="en-US" smtClean="0"/>
               <a:pPr/>
-              <a:t>‹#›</a:t>
+              <a:t>0</a:t>
             </a:fld>
             <a:endParaRPr lang="en-US"/>
           </a:p>
@@ -353,7 +354,7 @@
     </p:spTree>
     <p:extLst>
       <p:ext uri="{BB962C8B-B14F-4D97-AF65-F5344CB8AC3E}">
-        <p14:creationId xmlns="" xmlns:p14="http://schemas.microsoft.com/office/powerpoint/2010/main" val="1411092301"/>
+        <p14:creationId xmlns:p14="http://schemas.microsoft.com/office/powerpoint/2010/main" val="1411092301"/>
       </p:ext>
     </p:extLst>
   </p:cSld>
@@ -445,7 +446,7 @@
             <a:fld id="{1939DE02-E791-1340-B4FF-3939EE33ADCD}" type="datetime1">
               <a:rPr lang="en-US" smtClean="0"/>
               <a:pPr/>
-              <a:t>6/17/2015</a:t>
+              <a:t>6/19/2015</a:t>
             </a:fld>
             <a:endParaRPr lang="en-US"/>
           </a:p>
@@ -614,7 +615,7 @@
     </p:spTree>
     <p:extLst>
       <p:ext uri="{BB962C8B-B14F-4D97-AF65-F5344CB8AC3E}">
-        <p14:creationId xmlns="" xmlns:p14="http://schemas.microsoft.com/office/powerpoint/2010/main" val="160240899"/>
+        <p14:creationId xmlns:p14="http://schemas.microsoft.com/office/powerpoint/2010/main" val="160240899"/>
       </p:ext>
     </p:extLst>
   </p:cSld>
@@ -715,6 +716,1281 @@
 </p:notesMaster>
 </file>
 
+<file path=ppt/notesSlides/notesSlide1.xml><?xml version="1.0" encoding="utf-8"?>
+<p:notes xmlns:a="http://schemas.openxmlformats.org/drawingml/2006/main" xmlns:r="http://schemas.openxmlformats.org/officeDocument/2006/relationships" xmlns:p="http://schemas.openxmlformats.org/presentationml/2006/main">
+  <p:cSld>
+    <p:spTree>
+      <p:nvGrpSpPr>
+        <p:cNvPr id="1" name=""/>
+        <p:cNvGrpSpPr/>
+        <p:nvPr/>
+      </p:nvGrpSpPr>
+      <p:grpSpPr>
+        <a:xfrm>
+          <a:off x="0" y="0"/>
+          <a:ext cx="0" cy="0"/>
+          <a:chOff x="0" y="0"/>
+          <a:chExt cx="0" cy="0"/>
+        </a:xfrm>
+      </p:grpSpPr>
+      <p:sp>
+        <p:nvSpPr>
+          <p:cNvPr id="2" name="投影片圖像版面配置區 1"/>
+          <p:cNvSpPr>
+            <a:spLocks noGrp="1" noRot="1" noChangeAspect="1"/>
+          </p:cNvSpPr>
+          <p:nvPr>
+            <p:ph type="sldImg"/>
+          </p:nvPr>
+        </p:nvSpPr>
+        <p:spPr/>
+      </p:sp>
+      <p:sp>
+        <p:nvSpPr>
+          <p:cNvPr id="3" name="備忘稿版面配置區 2"/>
+          <p:cNvSpPr>
+            <a:spLocks noGrp="1"/>
+          </p:cNvSpPr>
+          <p:nvPr>
+            <p:ph type="body" idx="1"/>
+          </p:nvPr>
+        </p:nvSpPr>
+        <p:spPr/>
+        <p:txBody>
+          <a:bodyPr/>
+          <a:lstStyle/>
+          <a:p>
+            <a:endParaRPr lang="zh-TW" altLang="en-US"/>
+          </a:p>
+        </p:txBody>
+      </p:sp>
+      <p:sp>
+        <p:nvSpPr>
+          <p:cNvPr id="4" name="投影片編號版面配置區 3"/>
+          <p:cNvSpPr>
+            <a:spLocks noGrp="1"/>
+          </p:cNvSpPr>
+          <p:nvPr>
+            <p:ph type="sldNum" sz="quarter" idx="10"/>
+          </p:nvPr>
+        </p:nvSpPr>
+        <p:spPr/>
+        <p:txBody>
+          <a:bodyPr/>
+          <a:lstStyle/>
+          <a:p>
+            <a:fld id="{E99B2ECF-EB76-B54F-9C26-F0E74F1A8F70}" type="slidenum">
+              <a:rPr lang="en-US" smtClean="0"/>
+              <a:pPr/>
+              <a:t>1</a:t>
+            </a:fld>
+            <a:endParaRPr lang="en-US"/>
+          </a:p>
+        </p:txBody>
+      </p:sp>
+    </p:spTree>
+    <p:extLst>
+      <p:ext uri="{BB962C8B-B14F-4D97-AF65-F5344CB8AC3E}">
+        <p14:creationId xmlns:p14="http://schemas.microsoft.com/office/powerpoint/2010/main" val="3773960202"/>
+      </p:ext>
+    </p:extLst>
+  </p:cSld>
+  <p:clrMapOvr>
+    <a:masterClrMapping/>
+  </p:clrMapOvr>
+</p:notes>
+</file>
+
+<file path=ppt/notesSlides/notesSlide10.xml><?xml version="1.0" encoding="utf-8"?>
+<p:notes xmlns:a="http://schemas.openxmlformats.org/drawingml/2006/main" xmlns:r="http://schemas.openxmlformats.org/officeDocument/2006/relationships" xmlns:p="http://schemas.openxmlformats.org/presentationml/2006/main">
+  <p:cSld>
+    <p:spTree>
+      <p:nvGrpSpPr>
+        <p:cNvPr id="1" name=""/>
+        <p:cNvGrpSpPr/>
+        <p:nvPr/>
+      </p:nvGrpSpPr>
+      <p:grpSpPr>
+        <a:xfrm>
+          <a:off x="0" y="0"/>
+          <a:ext cx="0" cy="0"/>
+          <a:chOff x="0" y="0"/>
+          <a:chExt cx="0" cy="0"/>
+        </a:xfrm>
+      </p:grpSpPr>
+      <p:sp>
+        <p:nvSpPr>
+          <p:cNvPr id="2" name="投影片圖像版面配置區 1"/>
+          <p:cNvSpPr>
+            <a:spLocks noGrp="1" noRot="1" noChangeAspect="1"/>
+          </p:cNvSpPr>
+          <p:nvPr>
+            <p:ph type="sldImg"/>
+          </p:nvPr>
+        </p:nvSpPr>
+        <p:spPr/>
+      </p:sp>
+      <p:sp>
+        <p:nvSpPr>
+          <p:cNvPr id="3" name="備忘稿版面配置區 2"/>
+          <p:cNvSpPr>
+            <a:spLocks noGrp="1"/>
+          </p:cNvSpPr>
+          <p:nvPr>
+            <p:ph type="body" idx="1"/>
+          </p:nvPr>
+        </p:nvSpPr>
+        <p:spPr/>
+        <p:txBody>
+          <a:bodyPr/>
+          <a:lstStyle/>
+          <a:p>
+            <a:endParaRPr lang="zh-TW" altLang="en-US"/>
+          </a:p>
+        </p:txBody>
+      </p:sp>
+      <p:sp>
+        <p:nvSpPr>
+          <p:cNvPr id="4" name="投影片編號版面配置區 3"/>
+          <p:cNvSpPr>
+            <a:spLocks noGrp="1"/>
+          </p:cNvSpPr>
+          <p:nvPr>
+            <p:ph type="sldNum" sz="quarter" idx="10"/>
+          </p:nvPr>
+        </p:nvSpPr>
+        <p:spPr/>
+        <p:txBody>
+          <a:bodyPr/>
+          <a:lstStyle/>
+          <a:p>
+            <a:fld id="{E99B2ECF-EB76-B54F-9C26-F0E74F1A8F70}" type="slidenum">
+              <a:rPr lang="en-US" smtClean="0"/>
+              <a:pPr/>
+              <a:t>10</a:t>
+            </a:fld>
+            <a:endParaRPr lang="en-US"/>
+          </a:p>
+        </p:txBody>
+      </p:sp>
+    </p:spTree>
+    <p:extLst>
+      <p:ext uri="{BB962C8B-B14F-4D97-AF65-F5344CB8AC3E}">
+        <p14:creationId xmlns:p14="http://schemas.microsoft.com/office/powerpoint/2010/main" val="2967594684"/>
+      </p:ext>
+    </p:extLst>
+  </p:cSld>
+  <p:clrMapOvr>
+    <a:masterClrMapping/>
+  </p:clrMapOvr>
+</p:notes>
+</file>
+
+<file path=ppt/notesSlides/notesSlide11.xml><?xml version="1.0" encoding="utf-8"?>
+<p:notes xmlns:a="http://schemas.openxmlformats.org/drawingml/2006/main" xmlns:r="http://schemas.openxmlformats.org/officeDocument/2006/relationships" xmlns:p="http://schemas.openxmlformats.org/presentationml/2006/main">
+  <p:cSld>
+    <p:spTree>
+      <p:nvGrpSpPr>
+        <p:cNvPr id="1" name=""/>
+        <p:cNvGrpSpPr/>
+        <p:nvPr/>
+      </p:nvGrpSpPr>
+      <p:grpSpPr>
+        <a:xfrm>
+          <a:off x="0" y="0"/>
+          <a:ext cx="0" cy="0"/>
+          <a:chOff x="0" y="0"/>
+          <a:chExt cx="0" cy="0"/>
+        </a:xfrm>
+      </p:grpSpPr>
+      <p:sp>
+        <p:nvSpPr>
+          <p:cNvPr id="2" name="投影片圖像版面配置區 1"/>
+          <p:cNvSpPr>
+            <a:spLocks noGrp="1" noRot="1" noChangeAspect="1"/>
+          </p:cNvSpPr>
+          <p:nvPr>
+            <p:ph type="sldImg"/>
+          </p:nvPr>
+        </p:nvSpPr>
+        <p:spPr/>
+      </p:sp>
+      <p:sp>
+        <p:nvSpPr>
+          <p:cNvPr id="3" name="備忘稿版面配置區 2"/>
+          <p:cNvSpPr>
+            <a:spLocks noGrp="1"/>
+          </p:cNvSpPr>
+          <p:nvPr>
+            <p:ph type="body" idx="1"/>
+          </p:nvPr>
+        </p:nvSpPr>
+        <p:spPr/>
+        <p:txBody>
+          <a:bodyPr/>
+          <a:lstStyle/>
+          <a:p>
+            <a:endParaRPr lang="zh-TW" altLang="en-US"/>
+          </a:p>
+        </p:txBody>
+      </p:sp>
+      <p:sp>
+        <p:nvSpPr>
+          <p:cNvPr id="4" name="投影片編號版面配置區 3"/>
+          <p:cNvSpPr>
+            <a:spLocks noGrp="1"/>
+          </p:cNvSpPr>
+          <p:nvPr>
+            <p:ph type="sldNum" sz="quarter" idx="10"/>
+          </p:nvPr>
+        </p:nvSpPr>
+        <p:spPr/>
+        <p:txBody>
+          <a:bodyPr/>
+          <a:lstStyle/>
+          <a:p>
+            <a:fld id="{E99B2ECF-EB76-B54F-9C26-F0E74F1A8F70}" type="slidenum">
+              <a:rPr lang="en-US" smtClean="0"/>
+              <a:pPr/>
+              <a:t>11</a:t>
+            </a:fld>
+            <a:endParaRPr lang="en-US"/>
+          </a:p>
+        </p:txBody>
+      </p:sp>
+    </p:spTree>
+    <p:extLst>
+      <p:ext uri="{BB962C8B-B14F-4D97-AF65-F5344CB8AC3E}">
+        <p14:creationId xmlns:p14="http://schemas.microsoft.com/office/powerpoint/2010/main" val="1151715850"/>
+      </p:ext>
+    </p:extLst>
+  </p:cSld>
+  <p:clrMapOvr>
+    <a:masterClrMapping/>
+  </p:clrMapOvr>
+</p:notes>
+</file>
+
+<file path=ppt/notesSlides/notesSlide12.xml><?xml version="1.0" encoding="utf-8"?>
+<p:notes xmlns:a="http://schemas.openxmlformats.org/drawingml/2006/main" xmlns:r="http://schemas.openxmlformats.org/officeDocument/2006/relationships" xmlns:p="http://schemas.openxmlformats.org/presentationml/2006/main">
+  <p:cSld>
+    <p:spTree>
+      <p:nvGrpSpPr>
+        <p:cNvPr id="1" name=""/>
+        <p:cNvGrpSpPr/>
+        <p:nvPr/>
+      </p:nvGrpSpPr>
+      <p:grpSpPr>
+        <a:xfrm>
+          <a:off x="0" y="0"/>
+          <a:ext cx="0" cy="0"/>
+          <a:chOff x="0" y="0"/>
+          <a:chExt cx="0" cy="0"/>
+        </a:xfrm>
+      </p:grpSpPr>
+      <p:sp>
+        <p:nvSpPr>
+          <p:cNvPr id="2" name="投影片圖像版面配置區 1"/>
+          <p:cNvSpPr>
+            <a:spLocks noGrp="1" noRot="1" noChangeAspect="1"/>
+          </p:cNvSpPr>
+          <p:nvPr>
+            <p:ph type="sldImg"/>
+          </p:nvPr>
+        </p:nvSpPr>
+        <p:spPr/>
+      </p:sp>
+      <p:sp>
+        <p:nvSpPr>
+          <p:cNvPr id="3" name="備忘稿版面配置區 2"/>
+          <p:cNvSpPr>
+            <a:spLocks noGrp="1"/>
+          </p:cNvSpPr>
+          <p:nvPr>
+            <p:ph type="body" idx="1"/>
+          </p:nvPr>
+        </p:nvSpPr>
+        <p:spPr/>
+        <p:txBody>
+          <a:bodyPr/>
+          <a:lstStyle/>
+          <a:p>
+            <a:endParaRPr lang="zh-TW" altLang="en-US"/>
+          </a:p>
+        </p:txBody>
+      </p:sp>
+      <p:sp>
+        <p:nvSpPr>
+          <p:cNvPr id="4" name="投影片編號版面配置區 3"/>
+          <p:cNvSpPr>
+            <a:spLocks noGrp="1"/>
+          </p:cNvSpPr>
+          <p:nvPr>
+            <p:ph type="sldNum" sz="quarter" idx="10"/>
+          </p:nvPr>
+        </p:nvSpPr>
+        <p:spPr/>
+        <p:txBody>
+          <a:bodyPr/>
+          <a:lstStyle/>
+          <a:p>
+            <a:fld id="{E99B2ECF-EB76-B54F-9C26-F0E74F1A8F70}" type="slidenum">
+              <a:rPr lang="en-US" smtClean="0"/>
+              <a:pPr/>
+              <a:t>12</a:t>
+            </a:fld>
+            <a:endParaRPr lang="en-US"/>
+          </a:p>
+        </p:txBody>
+      </p:sp>
+    </p:spTree>
+    <p:extLst>
+      <p:ext uri="{BB962C8B-B14F-4D97-AF65-F5344CB8AC3E}">
+        <p14:creationId xmlns:p14="http://schemas.microsoft.com/office/powerpoint/2010/main" val="480246252"/>
+      </p:ext>
+    </p:extLst>
+  </p:cSld>
+  <p:clrMapOvr>
+    <a:masterClrMapping/>
+  </p:clrMapOvr>
+</p:notes>
+</file>
+
+<file path=ppt/notesSlides/notesSlide13.xml><?xml version="1.0" encoding="utf-8"?>
+<p:notes xmlns:a="http://schemas.openxmlformats.org/drawingml/2006/main" xmlns:r="http://schemas.openxmlformats.org/officeDocument/2006/relationships" xmlns:p="http://schemas.openxmlformats.org/presentationml/2006/main">
+  <p:cSld>
+    <p:spTree>
+      <p:nvGrpSpPr>
+        <p:cNvPr id="1" name=""/>
+        <p:cNvGrpSpPr/>
+        <p:nvPr/>
+      </p:nvGrpSpPr>
+      <p:grpSpPr>
+        <a:xfrm>
+          <a:off x="0" y="0"/>
+          <a:ext cx="0" cy="0"/>
+          <a:chOff x="0" y="0"/>
+          <a:chExt cx="0" cy="0"/>
+        </a:xfrm>
+      </p:grpSpPr>
+      <p:sp>
+        <p:nvSpPr>
+          <p:cNvPr id="2" name="投影片圖像版面配置區 1"/>
+          <p:cNvSpPr>
+            <a:spLocks noGrp="1" noRot="1" noChangeAspect="1"/>
+          </p:cNvSpPr>
+          <p:nvPr>
+            <p:ph type="sldImg"/>
+          </p:nvPr>
+        </p:nvSpPr>
+        <p:spPr/>
+      </p:sp>
+      <p:sp>
+        <p:nvSpPr>
+          <p:cNvPr id="3" name="備忘稿版面配置區 2"/>
+          <p:cNvSpPr>
+            <a:spLocks noGrp="1"/>
+          </p:cNvSpPr>
+          <p:nvPr>
+            <p:ph type="body" idx="1"/>
+          </p:nvPr>
+        </p:nvSpPr>
+        <p:spPr/>
+        <p:txBody>
+          <a:bodyPr/>
+          <a:lstStyle/>
+          <a:p>
+            <a:endParaRPr lang="zh-TW" altLang="en-US"/>
+          </a:p>
+        </p:txBody>
+      </p:sp>
+      <p:sp>
+        <p:nvSpPr>
+          <p:cNvPr id="4" name="投影片編號版面配置區 3"/>
+          <p:cNvSpPr>
+            <a:spLocks noGrp="1"/>
+          </p:cNvSpPr>
+          <p:nvPr>
+            <p:ph type="sldNum" sz="quarter" idx="10"/>
+          </p:nvPr>
+        </p:nvSpPr>
+        <p:spPr/>
+        <p:txBody>
+          <a:bodyPr/>
+          <a:lstStyle/>
+          <a:p>
+            <a:fld id="{E99B2ECF-EB76-B54F-9C26-F0E74F1A8F70}" type="slidenum">
+              <a:rPr lang="en-US" smtClean="0"/>
+              <a:pPr/>
+              <a:t>13</a:t>
+            </a:fld>
+            <a:endParaRPr lang="en-US"/>
+          </a:p>
+        </p:txBody>
+      </p:sp>
+    </p:spTree>
+    <p:extLst>
+      <p:ext uri="{BB962C8B-B14F-4D97-AF65-F5344CB8AC3E}">
+        <p14:creationId xmlns:p14="http://schemas.microsoft.com/office/powerpoint/2010/main" val="815287753"/>
+      </p:ext>
+    </p:extLst>
+  </p:cSld>
+  <p:clrMapOvr>
+    <a:masterClrMapping/>
+  </p:clrMapOvr>
+</p:notes>
+</file>
+
+<file path=ppt/notesSlides/notesSlide14.xml><?xml version="1.0" encoding="utf-8"?>
+<p:notes xmlns:a="http://schemas.openxmlformats.org/drawingml/2006/main" xmlns:r="http://schemas.openxmlformats.org/officeDocument/2006/relationships" xmlns:p="http://schemas.openxmlformats.org/presentationml/2006/main">
+  <p:cSld>
+    <p:spTree>
+      <p:nvGrpSpPr>
+        <p:cNvPr id="1" name=""/>
+        <p:cNvGrpSpPr/>
+        <p:nvPr/>
+      </p:nvGrpSpPr>
+      <p:grpSpPr>
+        <a:xfrm>
+          <a:off x="0" y="0"/>
+          <a:ext cx="0" cy="0"/>
+          <a:chOff x="0" y="0"/>
+          <a:chExt cx="0" cy="0"/>
+        </a:xfrm>
+      </p:grpSpPr>
+      <p:sp>
+        <p:nvSpPr>
+          <p:cNvPr id="2" name="投影片圖像版面配置區 1"/>
+          <p:cNvSpPr>
+            <a:spLocks noGrp="1" noRot="1" noChangeAspect="1"/>
+          </p:cNvSpPr>
+          <p:nvPr>
+            <p:ph type="sldImg"/>
+          </p:nvPr>
+        </p:nvSpPr>
+        <p:spPr/>
+      </p:sp>
+      <p:sp>
+        <p:nvSpPr>
+          <p:cNvPr id="3" name="備忘稿版面配置區 2"/>
+          <p:cNvSpPr>
+            <a:spLocks noGrp="1"/>
+          </p:cNvSpPr>
+          <p:nvPr>
+            <p:ph type="body" idx="1"/>
+          </p:nvPr>
+        </p:nvSpPr>
+        <p:spPr/>
+        <p:txBody>
+          <a:bodyPr/>
+          <a:lstStyle/>
+          <a:p>
+            <a:endParaRPr lang="zh-TW" altLang="en-US"/>
+          </a:p>
+        </p:txBody>
+      </p:sp>
+      <p:sp>
+        <p:nvSpPr>
+          <p:cNvPr id="4" name="投影片編號版面配置區 3"/>
+          <p:cNvSpPr>
+            <a:spLocks noGrp="1"/>
+          </p:cNvSpPr>
+          <p:nvPr>
+            <p:ph type="sldNum" sz="quarter" idx="10"/>
+          </p:nvPr>
+        </p:nvSpPr>
+        <p:spPr/>
+        <p:txBody>
+          <a:bodyPr/>
+          <a:lstStyle/>
+          <a:p>
+            <a:fld id="{E99B2ECF-EB76-B54F-9C26-F0E74F1A8F70}" type="slidenum">
+              <a:rPr lang="en-US" smtClean="0"/>
+              <a:pPr/>
+              <a:t>14</a:t>
+            </a:fld>
+            <a:endParaRPr lang="en-US"/>
+          </a:p>
+        </p:txBody>
+      </p:sp>
+    </p:spTree>
+    <p:extLst>
+      <p:ext uri="{BB962C8B-B14F-4D97-AF65-F5344CB8AC3E}">
+        <p14:creationId xmlns:p14="http://schemas.microsoft.com/office/powerpoint/2010/main" val="3862976365"/>
+      </p:ext>
+    </p:extLst>
+  </p:cSld>
+  <p:clrMapOvr>
+    <a:masterClrMapping/>
+  </p:clrMapOvr>
+</p:notes>
+</file>
+
+<file path=ppt/notesSlides/notesSlide15.xml><?xml version="1.0" encoding="utf-8"?>
+<p:notes xmlns:a="http://schemas.openxmlformats.org/drawingml/2006/main" xmlns:r="http://schemas.openxmlformats.org/officeDocument/2006/relationships" xmlns:p="http://schemas.openxmlformats.org/presentationml/2006/main">
+  <p:cSld>
+    <p:spTree>
+      <p:nvGrpSpPr>
+        <p:cNvPr id="1" name=""/>
+        <p:cNvGrpSpPr/>
+        <p:nvPr/>
+      </p:nvGrpSpPr>
+      <p:grpSpPr>
+        <a:xfrm>
+          <a:off x="0" y="0"/>
+          <a:ext cx="0" cy="0"/>
+          <a:chOff x="0" y="0"/>
+          <a:chExt cx="0" cy="0"/>
+        </a:xfrm>
+      </p:grpSpPr>
+      <p:sp>
+        <p:nvSpPr>
+          <p:cNvPr id="2" name="投影片圖像版面配置區 1"/>
+          <p:cNvSpPr>
+            <a:spLocks noGrp="1" noRot="1" noChangeAspect="1"/>
+          </p:cNvSpPr>
+          <p:nvPr>
+            <p:ph type="sldImg"/>
+          </p:nvPr>
+        </p:nvSpPr>
+        <p:spPr/>
+      </p:sp>
+      <p:sp>
+        <p:nvSpPr>
+          <p:cNvPr id="3" name="備忘稿版面配置區 2"/>
+          <p:cNvSpPr>
+            <a:spLocks noGrp="1"/>
+          </p:cNvSpPr>
+          <p:nvPr>
+            <p:ph type="body" idx="1"/>
+          </p:nvPr>
+        </p:nvSpPr>
+        <p:spPr/>
+        <p:txBody>
+          <a:bodyPr/>
+          <a:lstStyle/>
+          <a:p>
+            <a:endParaRPr lang="zh-TW" altLang="en-US"/>
+          </a:p>
+        </p:txBody>
+      </p:sp>
+      <p:sp>
+        <p:nvSpPr>
+          <p:cNvPr id="4" name="投影片編號版面配置區 3"/>
+          <p:cNvSpPr>
+            <a:spLocks noGrp="1"/>
+          </p:cNvSpPr>
+          <p:nvPr>
+            <p:ph type="sldNum" sz="quarter" idx="10"/>
+          </p:nvPr>
+        </p:nvSpPr>
+        <p:spPr/>
+        <p:txBody>
+          <a:bodyPr/>
+          <a:lstStyle/>
+          <a:p>
+            <a:fld id="{E99B2ECF-EB76-B54F-9C26-F0E74F1A8F70}" type="slidenum">
+              <a:rPr lang="en-US" smtClean="0"/>
+              <a:pPr/>
+              <a:t>15</a:t>
+            </a:fld>
+            <a:endParaRPr lang="en-US"/>
+          </a:p>
+        </p:txBody>
+      </p:sp>
+    </p:spTree>
+    <p:extLst>
+      <p:ext uri="{BB962C8B-B14F-4D97-AF65-F5344CB8AC3E}">
+        <p14:creationId xmlns:p14="http://schemas.microsoft.com/office/powerpoint/2010/main" val="109162968"/>
+      </p:ext>
+    </p:extLst>
+  </p:cSld>
+  <p:clrMapOvr>
+    <a:masterClrMapping/>
+  </p:clrMapOvr>
+</p:notes>
+</file>
+
+<file path=ppt/notesSlides/notesSlide2.xml><?xml version="1.0" encoding="utf-8"?>
+<p:notes xmlns:a="http://schemas.openxmlformats.org/drawingml/2006/main" xmlns:r="http://schemas.openxmlformats.org/officeDocument/2006/relationships" xmlns:p="http://schemas.openxmlformats.org/presentationml/2006/main">
+  <p:cSld>
+    <p:spTree>
+      <p:nvGrpSpPr>
+        <p:cNvPr id="1" name=""/>
+        <p:cNvGrpSpPr/>
+        <p:nvPr/>
+      </p:nvGrpSpPr>
+      <p:grpSpPr>
+        <a:xfrm>
+          <a:off x="0" y="0"/>
+          <a:ext cx="0" cy="0"/>
+          <a:chOff x="0" y="0"/>
+          <a:chExt cx="0" cy="0"/>
+        </a:xfrm>
+      </p:grpSpPr>
+      <p:sp>
+        <p:nvSpPr>
+          <p:cNvPr id="2" name="投影片圖像版面配置區 1"/>
+          <p:cNvSpPr>
+            <a:spLocks noGrp="1" noRot="1" noChangeAspect="1"/>
+          </p:cNvSpPr>
+          <p:nvPr>
+            <p:ph type="sldImg"/>
+          </p:nvPr>
+        </p:nvSpPr>
+        <p:spPr/>
+      </p:sp>
+      <p:sp>
+        <p:nvSpPr>
+          <p:cNvPr id="3" name="備忘稿版面配置區 2"/>
+          <p:cNvSpPr>
+            <a:spLocks noGrp="1"/>
+          </p:cNvSpPr>
+          <p:nvPr>
+            <p:ph type="body" idx="1"/>
+          </p:nvPr>
+        </p:nvSpPr>
+        <p:spPr/>
+        <p:txBody>
+          <a:bodyPr/>
+          <a:lstStyle/>
+          <a:p>
+            <a:endParaRPr lang="zh-TW" altLang="en-US"/>
+          </a:p>
+        </p:txBody>
+      </p:sp>
+      <p:sp>
+        <p:nvSpPr>
+          <p:cNvPr id="4" name="投影片編號版面配置區 3"/>
+          <p:cNvSpPr>
+            <a:spLocks noGrp="1"/>
+          </p:cNvSpPr>
+          <p:nvPr>
+            <p:ph type="sldNum" sz="quarter" idx="10"/>
+          </p:nvPr>
+        </p:nvSpPr>
+        <p:spPr/>
+        <p:txBody>
+          <a:bodyPr/>
+          <a:lstStyle/>
+          <a:p>
+            <a:fld id="{E99B2ECF-EB76-B54F-9C26-F0E74F1A8F70}" type="slidenum">
+              <a:rPr lang="en-US" smtClean="0"/>
+              <a:pPr/>
+              <a:t>2</a:t>
+            </a:fld>
+            <a:endParaRPr lang="en-US"/>
+          </a:p>
+        </p:txBody>
+      </p:sp>
+    </p:spTree>
+    <p:extLst>
+      <p:ext uri="{BB962C8B-B14F-4D97-AF65-F5344CB8AC3E}">
+        <p14:creationId xmlns:p14="http://schemas.microsoft.com/office/powerpoint/2010/main" val="2057974675"/>
+      </p:ext>
+    </p:extLst>
+  </p:cSld>
+  <p:clrMapOvr>
+    <a:masterClrMapping/>
+  </p:clrMapOvr>
+</p:notes>
+</file>
+
+<file path=ppt/notesSlides/notesSlide3.xml><?xml version="1.0" encoding="utf-8"?>
+<p:notes xmlns:a="http://schemas.openxmlformats.org/drawingml/2006/main" xmlns:r="http://schemas.openxmlformats.org/officeDocument/2006/relationships" xmlns:p="http://schemas.openxmlformats.org/presentationml/2006/main">
+  <p:cSld>
+    <p:spTree>
+      <p:nvGrpSpPr>
+        <p:cNvPr id="1" name=""/>
+        <p:cNvGrpSpPr/>
+        <p:nvPr/>
+      </p:nvGrpSpPr>
+      <p:grpSpPr>
+        <a:xfrm>
+          <a:off x="0" y="0"/>
+          <a:ext cx="0" cy="0"/>
+          <a:chOff x="0" y="0"/>
+          <a:chExt cx="0" cy="0"/>
+        </a:xfrm>
+      </p:grpSpPr>
+      <p:sp>
+        <p:nvSpPr>
+          <p:cNvPr id="2" name="投影片圖像版面配置區 1"/>
+          <p:cNvSpPr>
+            <a:spLocks noGrp="1" noRot="1" noChangeAspect="1"/>
+          </p:cNvSpPr>
+          <p:nvPr>
+            <p:ph type="sldImg"/>
+          </p:nvPr>
+        </p:nvSpPr>
+        <p:spPr/>
+      </p:sp>
+      <p:sp>
+        <p:nvSpPr>
+          <p:cNvPr id="3" name="備忘稿版面配置區 2"/>
+          <p:cNvSpPr>
+            <a:spLocks noGrp="1"/>
+          </p:cNvSpPr>
+          <p:nvPr>
+            <p:ph type="body" idx="1"/>
+          </p:nvPr>
+        </p:nvSpPr>
+        <p:spPr/>
+        <p:txBody>
+          <a:bodyPr/>
+          <a:lstStyle/>
+          <a:p>
+            <a:endParaRPr lang="zh-TW" altLang="en-US"/>
+          </a:p>
+        </p:txBody>
+      </p:sp>
+      <p:sp>
+        <p:nvSpPr>
+          <p:cNvPr id="4" name="投影片編號版面配置區 3"/>
+          <p:cNvSpPr>
+            <a:spLocks noGrp="1"/>
+          </p:cNvSpPr>
+          <p:nvPr>
+            <p:ph type="sldNum" sz="quarter" idx="10"/>
+          </p:nvPr>
+        </p:nvSpPr>
+        <p:spPr/>
+        <p:txBody>
+          <a:bodyPr/>
+          <a:lstStyle/>
+          <a:p>
+            <a:fld id="{E99B2ECF-EB76-B54F-9C26-F0E74F1A8F70}" type="slidenum">
+              <a:rPr lang="en-US" smtClean="0"/>
+              <a:pPr/>
+              <a:t>3</a:t>
+            </a:fld>
+            <a:endParaRPr lang="en-US"/>
+          </a:p>
+        </p:txBody>
+      </p:sp>
+    </p:spTree>
+    <p:extLst>
+      <p:ext uri="{BB962C8B-B14F-4D97-AF65-F5344CB8AC3E}">
+        <p14:creationId xmlns:p14="http://schemas.microsoft.com/office/powerpoint/2010/main" val="1368233194"/>
+      </p:ext>
+    </p:extLst>
+  </p:cSld>
+  <p:clrMapOvr>
+    <a:masterClrMapping/>
+  </p:clrMapOvr>
+</p:notes>
+</file>
+
+<file path=ppt/notesSlides/notesSlide4.xml><?xml version="1.0" encoding="utf-8"?>
+<p:notes xmlns:a="http://schemas.openxmlformats.org/drawingml/2006/main" xmlns:r="http://schemas.openxmlformats.org/officeDocument/2006/relationships" xmlns:p="http://schemas.openxmlformats.org/presentationml/2006/main">
+  <p:cSld>
+    <p:spTree>
+      <p:nvGrpSpPr>
+        <p:cNvPr id="1" name=""/>
+        <p:cNvGrpSpPr/>
+        <p:nvPr/>
+      </p:nvGrpSpPr>
+      <p:grpSpPr>
+        <a:xfrm>
+          <a:off x="0" y="0"/>
+          <a:ext cx="0" cy="0"/>
+          <a:chOff x="0" y="0"/>
+          <a:chExt cx="0" cy="0"/>
+        </a:xfrm>
+      </p:grpSpPr>
+      <p:sp>
+        <p:nvSpPr>
+          <p:cNvPr id="2" name="投影片圖像版面配置區 1"/>
+          <p:cNvSpPr>
+            <a:spLocks noGrp="1" noRot="1" noChangeAspect="1"/>
+          </p:cNvSpPr>
+          <p:nvPr>
+            <p:ph type="sldImg"/>
+          </p:nvPr>
+        </p:nvSpPr>
+        <p:spPr/>
+      </p:sp>
+      <p:sp>
+        <p:nvSpPr>
+          <p:cNvPr id="3" name="備忘稿版面配置區 2"/>
+          <p:cNvSpPr>
+            <a:spLocks noGrp="1"/>
+          </p:cNvSpPr>
+          <p:nvPr>
+            <p:ph type="body" idx="1"/>
+          </p:nvPr>
+        </p:nvSpPr>
+        <p:spPr/>
+        <p:txBody>
+          <a:bodyPr/>
+          <a:lstStyle/>
+          <a:p>
+            <a:endParaRPr lang="zh-TW" altLang="en-US"/>
+          </a:p>
+        </p:txBody>
+      </p:sp>
+      <p:sp>
+        <p:nvSpPr>
+          <p:cNvPr id="4" name="投影片編號版面配置區 3"/>
+          <p:cNvSpPr>
+            <a:spLocks noGrp="1"/>
+          </p:cNvSpPr>
+          <p:nvPr>
+            <p:ph type="sldNum" sz="quarter" idx="10"/>
+          </p:nvPr>
+        </p:nvSpPr>
+        <p:spPr/>
+        <p:txBody>
+          <a:bodyPr/>
+          <a:lstStyle/>
+          <a:p>
+            <a:fld id="{E99B2ECF-EB76-B54F-9C26-F0E74F1A8F70}" type="slidenum">
+              <a:rPr lang="en-US" smtClean="0"/>
+              <a:pPr/>
+              <a:t>4</a:t>
+            </a:fld>
+            <a:endParaRPr lang="en-US"/>
+          </a:p>
+        </p:txBody>
+      </p:sp>
+    </p:spTree>
+    <p:extLst>
+      <p:ext uri="{BB962C8B-B14F-4D97-AF65-F5344CB8AC3E}">
+        <p14:creationId xmlns:p14="http://schemas.microsoft.com/office/powerpoint/2010/main" val="2400959933"/>
+      </p:ext>
+    </p:extLst>
+  </p:cSld>
+  <p:clrMapOvr>
+    <a:masterClrMapping/>
+  </p:clrMapOvr>
+</p:notes>
+</file>
+
+<file path=ppt/notesSlides/notesSlide5.xml><?xml version="1.0" encoding="utf-8"?>
+<p:notes xmlns:a="http://schemas.openxmlformats.org/drawingml/2006/main" xmlns:r="http://schemas.openxmlformats.org/officeDocument/2006/relationships" xmlns:p="http://schemas.openxmlformats.org/presentationml/2006/main">
+  <p:cSld>
+    <p:spTree>
+      <p:nvGrpSpPr>
+        <p:cNvPr id="1" name=""/>
+        <p:cNvGrpSpPr/>
+        <p:nvPr/>
+      </p:nvGrpSpPr>
+      <p:grpSpPr>
+        <a:xfrm>
+          <a:off x="0" y="0"/>
+          <a:ext cx="0" cy="0"/>
+          <a:chOff x="0" y="0"/>
+          <a:chExt cx="0" cy="0"/>
+        </a:xfrm>
+      </p:grpSpPr>
+      <p:sp>
+        <p:nvSpPr>
+          <p:cNvPr id="2" name="投影片圖像版面配置區 1"/>
+          <p:cNvSpPr>
+            <a:spLocks noGrp="1" noRot="1" noChangeAspect="1"/>
+          </p:cNvSpPr>
+          <p:nvPr>
+            <p:ph type="sldImg"/>
+          </p:nvPr>
+        </p:nvSpPr>
+        <p:spPr/>
+      </p:sp>
+      <p:sp>
+        <p:nvSpPr>
+          <p:cNvPr id="3" name="備忘稿版面配置區 2"/>
+          <p:cNvSpPr>
+            <a:spLocks noGrp="1"/>
+          </p:cNvSpPr>
+          <p:nvPr>
+            <p:ph type="body" idx="1"/>
+          </p:nvPr>
+        </p:nvSpPr>
+        <p:spPr/>
+        <p:txBody>
+          <a:bodyPr/>
+          <a:lstStyle/>
+          <a:p>
+            <a:endParaRPr lang="zh-TW" altLang="en-US"/>
+          </a:p>
+        </p:txBody>
+      </p:sp>
+      <p:sp>
+        <p:nvSpPr>
+          <p:cNvPr id="4" name="投影片編號版面配置區 3"/>
+          <p:cNvSpPr>
+            <a:spLocks noGrp="1"/>
+          </p:cNvSpPr>
+          <p:nvPr>
+            <p:ph type="sldNum" sz="quarter" idx="10"/>
+          </p:nvPr>
+        </p:nvSpPr>
+        <p:spPr/>
+        <p:txBody>
+          <a:bodyPr/>
+          <a:lstStyle/>
+          <a:p>
+            <a:fld id="{E99B2ECF-EB76-B54F-9C26-F0E74F1A8F70}" type="slidenum">
+              <a:rPr lang="en-US" smtClean="0"/>
+              <a:pPr/>
+              <a:t>5</a:t>
+            </a:fld>
+            <a:endParaRPr lang="en-US"/>
+          </a:p>
+        </p:txBody>
+      </p:sp>
+    </p:spTree>
+    <p:extLst>
+      <p:ext uri="{BB962C8B-B14F-4D97-AF65-F5344CB8AC3E}">
+        <p14:creationId xmlns:p14="http://schemas.microsoft.com/office/powerpoint/2010/main" val="3113946682"/>
+      </p:ext>
+    </p:extLst>
+  </p:cSld>
+  <p:clrMapOvr>
+    <a:masterClrMapping/>
+  </p:clrMapOvr>
+</p:notes>
+</file>
+
+<file path=ppt/notesSlides/notesSlide6.xml><?xml version="1.0" encoding="utf-8"?>
+<p:notes xmlns:a="http://schemas.openxmlformats.org/drawingml/2006/main" xmlns:r="http://schemas.openxmlformats.org/officeDocument/2006/relationships" xmlns:p="http://schemas.openxmlformats.org/presentationml/2006/main">
+  <p:cSld>
+    <p:spTree>
+      <p:nvGrpSpPr>
+        <p:cNvPr id="1" name=""/>
+        <p:cNvGrpSpPr/>
+        <p:nvPr/>
+      </p:nvGrpSpPr>
+      <p:grpSpPr>
+        <a:xfrm>
+          <a:off x="0" y="0"/>
+          <a:ext cx="0" cy="0"/>
+          <a:chOff x="0" y="0"/>
+          <a:chExt cx="0" cy="0"/>
+        </a:xfrm>
+      </p:grpSpPr>
+      <p:sp>
+        <p:nvSpPr>
+          <p:cNvPr id="2" name="投影片圖像版面配置區 1"/>
+          <p:cNvSpPr>
+            <a:spLocks noGrp="1" noRot="1" noChangeAspect="1"/>
+          </p:cNvSpPr>
+          <p:nvPr>
+            <p:ph type="sldImg"/>
+          </p:nvPr>
+        </p:nvSpPr>
+        <p:spPr/>
+      </p:sp>
+      <p:sp>
+        <p:nvSpPr>
+          <p:cNvPr id="3" name="備忘稿版面配置區 2"/>
+          <p:cNvSpPr>
+            <a:spLocks noGrp="1"/>
+          </p:cNvSpPr>
+          <p:nvPr>
+            <p:ph type="body" idx="1"/>
+          </p:nvPr>
+        </p:nvSpPr>
+        <p:spPr/>
+        <p:txBody>
+          <a:bodyPr/>
+          <a:lstStyle/>
+          <a:p>
+            <a:endParaRPr lang="zh-TW" altLang="en-US"/>
+          </a:p>
+        </p:txBody>
+      </p:sp>
+      <p:sp>
+        <p:nvSpPr>
+          <p:cNvPr id="4" name="投影片編號版面配置區 3"/>
+          <p:cNvSpPr>
+            <a:spLocks noGrp="1"/>
+          </p:cNvSpPr>
+          <p:nvPr>
+            <p:ph type="sldNum" sz="quarter" idx="10"/>
+          </p:nvPr>
+        </p:nvSpPr>
+        <p:spPr/>
+        <p:txBody>
+          <a:bodyPr/>
+          <a:lstStyle/>
+          <a:p>
+            <a:fld id="{E99B2ECF-EB76-B54F-9C26-F0E74F1A8F70}" type="slidenum">
+              <a:rPr lang="en-US" smtClean="0"/>
+              <a:pPr/>
+              <a:t>6</a:t>
+            </a:fld>
+            <a:endParaRPr lang="en-US"/>
+          </a:p>
+        </p:txBody>
+      </p:sp>
+    </p:spTree>
+    <p:extLst>
+      <p:ext uri="{BB962C8B-B14F-4D97-AF65-F5344CB8AC3E}">
+        <p14:creationId xmlns:p14="http://schemas.microsoft.com/office/powerpoint/2010/main" val="2168797509"/>
+      </p:ext>
+    </p:extLst>
+  </p:cSld>
+  <p:clrMapOvr>
+    <a:masterClrMapping/>
+  </p:clrMapOvr>
+</p:notes>
+</file>
+
+<file path=ppt/notesSlides/notesSlide7.xml><?xml version="1.0" encoding="utf-8"?>
+<p:notes xmlns:a="http://schemas.openxmlformats.org/drawingml/2006/main" xmlns:r="http://schemas.openxmlformats.org/officeDocument/2006/relationships" xmlns:p="http://schemas.openxmlformats.org/presentationml/2006/main">
+  <p:cSld>
+    <p:spTree>
+      <p:nvGrpSpPr>
+        <p:cNvPr id="1" name=""/>
+        <p:cNvGrpSpPr/>
+        <p:nvPr/>
+      </p:nvGrpSpPr>
+      <p:grpSpPr>
+        <a:xfrm>
+          <a:off x="0" y="0"/>
+          <a:ext cx="0" cy="0"/>
+          <a:chOff x="0" y="0"/>
+          <a:chExt cx="0" cy="0"/>
+        </a:xfrm>
+      </p:grpSpPr>
+      <p:sp>
+        <p:nvSpPr>
+          <p:cNvPr id="2" name="投影片圖像版面配置區 1"/>
+          <p:cNvSpPr>
+            <a:spLocks noGrp="1" noRot="1" noChangeAspect="1"/>
+          </p:cNvSpPr>
+          <p:nvPr>
+            <p:ph type="sldImg"/>
+          </p:nvPr>
+        </p:nvSpPr>
+        <p:spPr/>
+      </p:sp>
+      <p:sp>
+        <p:nvSpPr>
+          <p:cNvPr id="3" name="備忘稿版面配置區 2"/>
+          <p:cNvSpPr>
+            <a:spLocks noGrp="1"/>
+          </p:cNvSpPr>
+          <p:nvPr>
+            <p:ph type="body" idx="1"/>
+          </p:nvPr>
+        </p:nvSpPr>
+        <p:spPr/>
+        <p:txBody>
+          <a:bodyPr/>
+          <a:lstStyle/>
+          <a:p>
+            <a:endParaRPr lang="zh-TW" altLang="en-US"/>
+          </a:p>
+        </p:txBody>
+      </p:sp>
+      <p:sp>
+        <p:nvSpPr>
+          <p:cNvPr id="4" name="投影片編號版面配置區 3"/>
+          <p:cNvSpPr>
+            <a:spLocks noGrp="1"/>
+          </p:cNvSpPr>
+          <p:nvPr>
+            <p:ph type="sldNum" sz="quarter" idx="10"/>
+          </p:nvPr>
+        </p:nvSpPr>
+        <p:spPr/>
+        <p:txBody>
+          <a:bodyPr/>
+          <a:lstStyle/>
+          <a:p>
+            <a:fld id="{E99B2ECF-EB76-B54F-9C26-F0E74F1A8F70}" type="slidenum">
+              <a:rPr lang="en-US" smtClean="0"/>
+              <a:pPr/>
+              <a:t>7</a:t>
+            </a:fld>
+            <a:endParaRPr lang="en-US"/>
+          </a:p>
+        </p:txBody>
+      </p:sp>
+    </p:spTree>
+    <p:extLst>
+      <p:ext uri="{BB962C8B-B14F-4D97-AF65-F5344CB8AC3E}">
+        <p14:creationId xmlns:p14="http://schemas.microsoft.com/office/powerpoint/2010/main" val="901386044"/>
+      </p:ext>
+    </p:extLst>
+  </p:cSld>
+  <p:clrMapOvr>
+    <a:masterClrMapping/>
+  </p:clrMapOvr>
+</p:notes>
+</file>
+
+<file path=ppt/notesSlides/notesSlide8.xml><?xml version="1.0" encoding="utf-8"?>
+<p:notes xmlns:a="http://schemas.openxmlformats.org/drawingml/2006/main" xmlns:r="http://schemas.openxmlformats.org/officeDocument/2006/relationships" xmlns:p="http://schemas.openxmlformats.org/presentationml/2006/main">
+  <p:cSld>
+    <p:spTree>
+      <p:nvGrpSpPr>
+        <p:cNvPr id="1" name=""/>
+        <p:cNvGrpSpPr/>
+        <p:nvPr/>
+      </p:nvGrpSpPr>
+      <p:grpSpPr>
+        <a:xfrm>
+          <a:off x="0" y="0"/>
+          <a:ext cx="0" cy="0"/>
+          <a:chOff x="0" y="0"/>
+          <a:chExt cx="0" cy="0"/>
+        </a:xfrm>
+      </p:grpSpPr>
+      <p:sp>
+        <p:nvSpPr>
+          <p:cNvPr id="2" name="投影片圖像版面配置區 1"/>
+          <p:cNvSpPr>
+            <a:spLocks noGrp="1" noRot="1" noChangeAspect="1"/>
+          </p:cNvSpPr>
+          <p:nvPr>
+            <p:ph type="sldImg"/>
+          </p:nvPr>
+        </p:nvSpPr>
+        <p:spPr/>
+      </p:sp>
+      <p:sp>
+        <p:nvSpPr>
+          <p:cNvPr id="3" name="備忘稿版面配置區 2"/>
+          <p:cNvSpPr>
+            <a:spLocks noGrp="1"/>
+          </p:cNvSpPr>
+          <p:nvPr>
+            <p:ph type="body" idx="1"/>
+          </p:nvPr>
+        </p:nvSpPr>
+        <p:spPr/>
+        <p:txBody>
+          <a:bodyPr/>
+          <a:lstStyle/>
+          <a:p>
+            <a:endParaRPr lang="zh-TW" altLang="en-US"/>
+          </a:p>
+        </p:txBody>
+      </p:sp>
+      <p:sp>
+        <p:nvSpPr>
+          <p:cNvPr id="4" name="投影片編號版面配置區 3"/>
+          <p:cNvSpPr>
+            <a:spLocks noGrp="1"/>
+          </p:cNvSpPr>
+          <p:nvPr>
+            <p:ph type="sldNum" sz="quarter" idx="10"/>
+          </p:nvPr>
+        </p:nvSpPr>
+        <p:spPr/>
+        <p:txBody>
+          <a:bodyPr/>
+          <a:lstStyle/>
+          <a:p>
+            <a:fld id="{E99B2ECF-EB76-B54F-9C26-F0E74F1A8F70}" type="slidenum">
+              <a:rPr lang="en-US" smtClean="0"/>
+              <a:pPr/>
+              <a:t>8</a:t>
+            </a:fld>
+            <a:endParaRPr lang="en-US"/>
+          </a:p>
+        </p:txBody>
+      </p:sp>
+    </p:spTree>
+    <p:extLst>
+      <p:ext uri="{BB962C8B-B14F-4D97-AF65-F5344CB8AC3E}">
+        <p14:creationId xmlns:p14="http://schemas.microsoft.com/office/powerpoint/2010/main" val="477824888"/>
+      </p:ext>
+    </p:extLst>
+  </p:cSld>
+  <p:clrMapOvr>
+    <a:masterClrMapping/>
+  </p:clrMapOvr>
+</p:notes>
+</file>
+
+<file path=ppt/notesSlides/notesSlide9.xml><?xml version="1.0" encoding="utf-8"?>
+<p:notes xmlns:a="http://schemas.openxmlformats.org/drawingml/2006/main" xmlns:r="http://schemas.openxmlformats.org/officeDocument/2006/relationships" xmlns:p="http://schemas.openxmlformats.org/presentationml/2006/main">
+  <p:cSld>
+    <p:spTree>
+      <p:nvGrpSpPr>
+        <p:cNvPr id="1" name=""/>
+        <p:cNvGrpSpPr/>
+        <p:nvPr/>
+      </p:nvGrpSpPr>
+      <p:grpSpPr>
+        <a:xfrm>
+          <a:off x="0" y="0"/>
+          <a:ext cx="0" cy="0"/>
+          <a:chOff x="0" y="0"/>
+          <a:chExt cx="0" cy="0"/>
+        </a:xfrm>
+      </p:grpSpPr>
+      <p:sp>
+        <p:nvSpPr>
+          <p:cNvPr id="2" name="投影片圖像版面配置區 1"/>
+          <p:cNvSpPr>
+            <a:spLocks noGrp="1" noRot="1" noChangeAspect="1"/>
+          </p:cNvSpPr>
+          <p:nvPr>
+            <p:ph type="sldImg"/>
+          </p:nvPr>
+        </p:nvSpPr>
+        <p:spPr/>
+      </p:sp>
+      <p:sp>
+        <p:nvSpPr>
+          <p:cNvPr id="3" name="備忘稿版面配置區 2"/>
+          <p:cNvSpPr>
+            <a:spLocks noGrp="1"/>
+          </p:cNvSpPr>
+          <p:nvPr>
+            <p:ph type="body" idx="1"/>
+          </p:nvPr>
+        </p:nvSpPr>
+        <p:spPr/>
+        <p:txBody>
+          <a:bodyPr/>
+          <a:lstStyle/>
+          <a:p>
+            <a:endParaRPr lang="zh-TW" altLang="en-US"/>
+          </a:p>
+        </p:txBody>
+      </p:sp>
+      <p:sp>
+        <p:nvSpPr>
+          <p:cNvPr id="4" name="投影片編號版面配置區 3"/>
+          <p:cNvSpPr>
+            <a:spLocks noGrp="1"/>
+          </p:cNvSpPr>
+          <p:nvPr>
+            <p:ph type="sldNum" sz="quarter" idx="10"/>
+          </p:nvPr>
+        </p:nvSpPr>
+        <p:spPr/>
+        <p:txBody>
+          <a:bodyPr/>
+          <a:lstStyle/>
+          <a:p>
+            <a:fld id="{E99B2ECF-EB76-B54F-9C26-F0E74F1A8F70}" type="slidenum">
+              <a:rPr lang="en-US" smtClean="0"/>
+              <a:pPr/>
+              <a:t>9</a:t>
+            </a:fld>
+            <a:endParaRPr lang="en-US"/>
+          </a:p>
+        </p:txBody>
+      </p:sp>
+    </p:spTree>
+    <p:extLst>
+      <p:ext uri="{BB962C8B-B14F-4D97-AF65-F5344CB8AC3E}">
+        <p14:creationId xmlns:p14="http://schemas.microsoft.com/office/powerpoint/2010/main" val="3594096594"/>
+      </p:ext>
+    </p:extLst>
+  </p:cSld>
+  <p:clrMapOvr>
+    <a:masterClrMapping/>
+  </p:clrMapOvr>
+</p:notes>
+</file>
+
 <file path=ppt/slideLayouts/slideLayout1.xml><?xml version="1.0" encoding="utf-8"?>
 <p:sldLayout xmlns:a="http://schemas.openxmlformats.org/drawingml/2006/main" xmlns:r="http://schemas.openxmlformats.org/officeDocument/2006/relationships" xmlns:p="http://schemas.openxmlformats.org/presentationml/2006/main" preserve="1">
   <p:cSld name="Title Slide">
@@ -744,7 +2020,7 @@
           <a:blip r:embed="rId2">
             <a:extLst>
               <a:ext uri="{28A0092B-C50C-407E-A947-70E740481C1C}">
-                <a14:useLocalDpi xmlns="" xmlns:a14="http://schemas.microsoft.com/office/drawing/2010/main" val="0"/>
+                <a14:useLocalDpi xmlns:a14="http://schemas.microsoft.com/office/drawing/2010/main" val="0"/>
               </a:ext>
             </a:extLst>
           </a:blip>
@@ -765,7 +2041,7 @@
     </p:spTree>
     <p:extLst>
       <p:ext uri="{BB962C8B-B14F-4D97-AF65-F5344CB8AC3E}">
-        <p14:creationId xmlns="" xmlns:p14="http://schemas.microsoft.com/office/powerpoint/2010/main" val="921680772"/>
+        <p14:creationId xmlns:p14="http://schemas.microsoft.com/office/powerpoint/2010/main" val="921680772"/>
       </p:ext>
     </p:extLst>
   </p:cSld>
@@ -795,7 +2071,7 @@
     </p:spTree>
     <p:extLst>
       <p:ext uri="{BB962C8B-B14F-4D97-AF65-F5344CB8AC3E}">
-        <p14:creationId xmlns="" xmlns:p14="http://schemas.microsoft.com/office/powerpoint/2010/main" val="1551424100"/>
+        <p14:creationId xmlns:p14="http://schemas.microsoft.com/office/powerpoint/2010/main" val="1551424100"/>
       </p:ext>
     </p:extLst>
   </p:cSld>
@@ -925,7 +2201,7 @@
     </p:spTree>
     <p:extLst>
       <p:ext uri="{BB962C8B-B14F-4D97-AF65-F5344CB8AC3E}">
-        <p14:creationId xmlns="" xmlns:p14="http://schemas.microsoft.com/office/powerpoint/2010/main" val="2725598606"/>
+        <p14:creationId xmlns:p14="http://schemas.microsoft.com/office/powerpoint/2010/main" val="2725598606"/>
       </p:ext>
     </p:extLst>
   </p:cSld>
@@ -1075,7 +2351,7 @@
     </p:spTree>
     <p:extLst>
       <p:ext uri="{BB962C8B-B14F-4D97-AF65-F5344CB8AC3E}">
-        <p14:creationId xmlns="" xmlns:p14="http://schemas.microsoft.com/office/powerpoint/2010/main" val="3479517975"/>
+        <p14:creationId xmlns:p14="http://schemas.microsoft.com/office/powerpoint/2010/main" val="3479517975"/>
       </p:ext>
     </p:extLst>
   </p:cSld>
@@ -1225,7 +2501,7 @@
     </p:spTree>
     <p:extLst>
       <p:ext uri="{BB962C8B-B14F-4D97-AF65-F5344CB8AC3E}">
-        <p14:creationId xmlns="" xmlns:p14="http://schemas.microsoft.com/office/powerpoint/2010/main" val="3246921271"/>
+        <p14:creationId xmlns:p14="http://schemas.microsoft.com/office/powerpoint/2010/main" val="3246921271"/>
       </p:ext>
     </p:extLst>
   </p:cSld>
@@ -1383,7 +2659,7 @@
     </p:spTree>
     <p:extLst>
       <p:ext uri="{BB962C8B-B14F-4D97-AF65-F5344CB8AC3E}">
-        <p14:creationId xmlns="" xmlns:p14="http://schemas.microsoft.com/office/powerpoint/2010/main" val="3015080783"/>
+        <p14:creationId xmlns:p14="http://schemas.microsoft.com/office/powerpoint/2010/main" val="3015080783"/>
       </p:ext>
     </p:extLst>
   </p:cSld>
@@ -1500,7 +2776,7 @@
     </p:spTree>
     <p:extLst>
       <p:ext uri="{BB962C8B-B14F-4D97-AF65-F5344CB8AC3E}">
-        <p14:creationId xmlns="" xmlns:p14="http://schemas.microsoft.com/office/powerpoint/2010/main" val="2098243185"/>
+        <p14:creationId xmlns:p14="http://schemas.microsoft.com/office/powerpoint/2010/main" val="2098243185"/>
       </p:ext>
     </p:extLst>
   </p:cSld>
@@ -1566,7 +2842,7 @@
     </p:spTree>
     <p:extLst>
       <p:ext uri="{BB962C8B-B14F-4D97-AF65-F5344CB8AC3E}">
-        <p14:creationId xmlns="" xmlns:p14="http://schemas.microsoft.com/office/powerpoint/2010/main" val="4200364697"/>
+        <p14:creationId xmlns:p14="http://schemas.microsoft.com/office/powerpoint/2010/main" val="4200364697"/>
       </p:ext>
     </p:extLst>
   </p:cSld>
@@ -1632,7 +2908,7 @@
     </p:spTree>
     <p:extLst>
       <p:ext uri="{BB962C8B-B14F-4D97-AF65-F5344CB8AC3E}">
-        <p14:creationId xmlns="" xmlns:p14="http://schemas.microsoft.com/office/powerpoint/2010/main" val="930438236"/>
+        <p14:creationId xmlns:p14="http://schemas.microsoft.com/office/powerpoint/2010/main" val="930438236"/>
       </p:ext>
     </p:extLst>
   </p:cSld>
@@ -1698,7 +2974,7 @@
     </p:spTree>
     <p:extLst>
       <p:ext uri="{BB962C8B-B14F-4D97-AF65-F5344CB8AC3E}">
-        <p14:creationId xmlns="" xmlns:p14="http://schemas.microsoft.com/office/powerpoint/2010/main" val="726771096"/>
+        <p14:creationId xmlns:p14="http://schemas.microsoft.com/office/powerpoint/2010/main" val="726771096"/>
       </p:ext>
     </p:extLst>
   </p:cSld>
@@ -1759,7 +3035,7 @@
             <a:blip r:embed="rId12">
               <a:extLst>
                 <a:ext uri="{28A0092B-C50C-407E-A947-70E740481C1C}">
-                  <a14:useLocalDpi xmlns="" xmlns:a14="http://schemas.microsoft.com/office/drawing/2010/main" val="0"/>
+                  <a14:useLocalDpi xmlns:a14="http://schemas.microsoft.com/office/drawing/2010/main" val="0"/>
                 </a:ext>
               </a:extLst>
             </a:blip>
@@ -1789,7 +3065,7 @@
             <a:blip r:embed="rId13">
               <a:extLst>
                 <a:ext uri="{28A0092B-C50C-407E-A947-70E740481C1C}">
-                  <a14:useLocalDpi xmlns="" xmlns:a14="http://schemas.microsoft.com/office/drawing/2010/main" val="0"/>
+                  <a14:useLocalDpi xmlns:a14="http://schemas.microsoft.com/office/drawing/2010/main" val="0"/>
                 </a:ext>
               </a:extLst>
             </a:blip>
@@ -1913,7 +3189,7 @@
     </p:spTree>
     <p:extLst>
       <p:ext uri="{BB962C8B-B14F-4D97-AF65-F5344CB8AC3E}">
-        <p14:creationId xmlns="" xmlns:p14="http://schemas.microsoft.com/office/powerpoint/2010/main" val="950083170"/>
+        <p14:creationId xmlns:p14="http://schemas.microsoft.com/office/powerpoint/2010/main" val="950083170"/>
       </p:ext>
     </p:extLst>
   </p:cSld>
@@ -2320,7 +3596,7 @@
     </p:spTree>
     <p:extLst>
       <p:ext uri="{BB962C8B-B14F-4D97-AF65-F5344CB8AC3E}">
-        <p14:creationId xmlns="" xmlns:p14="http://schemas.microsoft.com/office/powerpoint/2010/main" val="3730043343"/>
+        <p14:creationId xmlns:p14="http://schemas.microsoft.com/office/powerpoint/2010/main" val="3730043343"/>
       </p:ext>
     </p:extLst>
   </p:cSld>
@@ -2356,6 +3632,73 @@
       </p:grpSpPr>
       <p:sp>
         <p:nvSpPr>
+          <p:cNvPr id="32" name="文字方塊 31"/>
+          <p:cNvSpPr txBox="1"/>
+          <p:nvPr/>
+        </p:nvSpPr>
+        <p:spPr>
+          <a:xfrm>
+            <a:off x="1168399" y="2853266"/>
+            <a:ext cx="7179733" cy="646331"/>
+          </a:xfrm>
+          <a:prstGeom prst="rect">
+            <a:avLst/>
+          </a:prstGeom>
+          <a:noFill/>
+        </p:spPr>
+        <p:txBody>
+          <a:bodyPr wrap="square" rtlCol="0">
+            <a:spAutoFit/>
+          </a:bodyPr>
+          <a:lstStyle/>
+          <a:p>
+            <a:r>
+              <a:rPr lang="en-US" altLang="zh-TW" sz="3600" dirty="0" smtClean="0"/>
+              <a:t>Two heads are better than one</a:t>
+            </a:r>
+            <a:endParaRPr lang="zh-TW" altLang="en-US" sz="3600" dirty="0"/>
+          </a:p>
+        </p:txBody>
+      </p:sp>
+    </p:spTree>
+    <p:extLst>
+      <p:ext uri="{BB962C8B-B14F-4D97-AF65-F5344CB8AC3E}">
+        <p14:creationId xmlns:p14="http://schemas.microsoft.com/office/powerpoint/2010/main" val="3792208418"/>
+      </p:ext>
+    </p:extLst>
+  </p:cSld>
+  <p:clrMapOvr>
+    <a:masterClrMapping/>
+  </p:clrMapOvr>
+  <p:timing>
+    <p:tnLst>
+      <p:par>
+        <p:cTn id="1" dur="indefinite" restart="never" nodeType="tmRoot"/>
+      </p:par>
+    </p:tnLst>
+  </p:timing>
+</p:sld>
+</file>
+
+<file path=ppt/slides/slide11.xml><?xml version="1.0" encoding="utf-8"?>
+<p:sld xmlns:a="http://schemas.openxmlformats.org/drawingml/2006/main" xmlns:r="http://schemas.openxmlformats.org/officeDocument/2006/relationships" xmlns:p="http://schemas.openxmlformats.org/presentationml/2006/main">
+  <p:cSld>
+    <p:spTree>
+      <p:nvGrpSpPr>
+        <p:cNvPr id="1" name=""/>
+        <p:cNvGrpSpPr/>
+        <p:nvPr/>
+      </p:nvGrpSpPr>
+      <p:grpSpPr>
+        <a:xfrm>
+          <a:off x="0" y="0"/>
+          <a:ext cx="0" cy="0"/>
+          <a:chOff x="0" y="0"/>
+          <a:chExt cx="0" cy="0"/>
+        </a:xfrm>
+      </p:grpSpPr>
+      <p:sp>
+        <p:nvSpPr>
           <p:cNvPr id="2" name="Slide Number Placeholder 1"/>
           <p:cNvSpPr>
             <a:spLocks noGrp="1"/>
@@ -2374,7 +3717,7 @@
                 <a:latin typeface="+mj-lt"/>
               </a:rPr>
               <a:pPr/>
-              <a:t>10</a:t>
+              <a:t>11</a:t>
             </a:fld>
             <a:endParaRPr lang="en-US" dirty="0">
               <a:latin typeface="+mj-lt"/>
@@ -2690,9 +4033,59 @@
         </p:xfrm>
         <a:graphic>
           <a:graphicData uri="http://schemas.openxmlformats.org/presentationml/2006/ole">
-            <p:oleObj spid="_x0000_s2214" name="方程式" r:id="rId3" imgW="342751" imgH="203112" progId="Equation.3">
-              <p:embed/>
-            </p:oleObj>
+            <mc:AlternateContent xmlns:mc="http://schemas.openxmlformats.org/markup-compatibility/2006">
+              <mc:Choice xmlns:v="urn:schemas-microsoft-com:vml" Requires="v">
+                <p:oleObj spid="_x0000_s2223" name="方程式" r:id="rId4" imgW="342751" imgH="203112" progId="Equation.3">
+                  <p:embed/>
+                </p:oleObj>
+              </mc:Choice>
+              <mc:Fallback>
+                <p:oleObj name="方程式" r:id="rId4" imgW="342751" imgH="203112" progId="Equation.3">
+                  <p:embed/>
+                  <p:pic>
+                    <p:nvPicPr>
+                      <p:cNvPr id="0" name="Picture 166"/>
+                      <p:cNvPicPr>
+                        <a:picLocks noChangeAspect="1" noChangeArrowheads="1"/>
+                      </p:cNvPicPr>
+                      <p:nvPr/>
+                    </p:nvPicPr>
+                    <p:blipFill>
+                      <a:blip r:embed="rId5">
+                        <a:extLst>
+                          <a:ext uri="{28A0092B-C50C-407E-A947-70E740481C1C}">
+                            <a14:useLocalDpi xmlns:a14="http://schemas.microsoft.com/office/drawing/2010/main" val="0"/>
+                          </a:ext>
+                        </a:extLst>
+                      </a:blip>
+                      <a:srcRect/>
+                      <a:stretch>
+                        <a:fillRect/>
+                      </a:stretch>
+                    </p:blipFill>
+                    <p:spPr bwMode="auto">
+                      <a:xfrm>
+                        <a:off x="1657343" y="3826873"/>
+                        <a:ext cx="814388" cy="482600"/>
+                      </a:xfrm>
+                      <a:prstGeom prst="rect">
+                        <a:avLst/>
+                      </a:prstGeom>
+                      <a:noFill/>
+                      <a:extLst>
+                        <a:ext uri="{909E8E84-426E-40DD-AFC4-6F175D3DCCD1}">
+                          <a14:hiddenFill xmlns:a14="http://schemas.microsoft.com/office/drawing/2010/main">
+                            <a:solidFill>
+                              <a:srgbClr val="FFFFFF"/>
+                            </a:solidFill>
+                          </a14:hiddenFill>
+                        </a:ext>
+                      </a:extLst>
+                    </p:spPr>
+                  </p:pic>
+                </p:oleObj>
+              </mc:Fallback>
+            </mc:AlternateContent>
           </a:graphicData>
         </a:graphic>
       </p:graphicFrame>
@@ -2705,7 +4098,7 @@
           <p:nvPr>
             <p:extLst>
               <p:ext uri="{D42A27DB-BD31-4B8C-83A1-F6EECF244321}">
-                <p14:modId xmlns="" xmlns:p14="http://schemas.microsoft.com/office/powerpoint/2010/main" val="3135229844"/>
+                <p14:modId xmlns:p14="http://schemas.microsoft.com/office/powerpoint/2010/main" val="3135229844"/>
               </p:ext>
             </p:extLst>
           </p:nvPr>
@@ -2716,9 +4109,59 @@
         </p:xfrm>
         <a:graphic>
           <a:graphicData uri="http://schemas.openxmlformats.org/presentationml/2006/ole">
-            <p:oleObj spid="_x0000_s2215" name="方程式" r:id="rId4" imgW="1803240" imgH="228600" progId="Equation.3">
-              <p:embed/>
-            </p:oleObj>
+            <mc:AlternateContent xmlns:mc="http://schemas.openxmlformats.org/markup-compatibility/2006">
+              <mc:Choice xmlns:v="urn:schemas-microsoft-com:vml" Requires="v">
+                <p:oleObj spid="_x0000_s2224" name="方程式" r:id="rId6" imgW="1803240" imgH="228600" progId="Equation.3">
+                  <p:embed/>
+                </p:oleObj>
+              </mc:Choice>
+              <mc:Fallback>
+                <p:oleObj name="方程式" r:id="rId6" imgW="1803240" imgH="228600" progId="Equation.3">
+                  <p:embed/>
+                  <p:pic>
+                    <p:nvPicPr>
+                      <p:cNvPr id="0" name="Picture 167"/>
+                      <p:cNvPicPr>
+                        <a:picLocks noChangeAspect="1" noChangeArrowheads="1"/>
+                      </p:cNvPicPr>
+                      <p:nvPr/>
+                    </p:nvPicPr>
+                    <p:blipFill>
+                      <a:blip r:embed="rId7">
+                        <a:extLst>
+                          <a:ext uri="{28A0092B-C50C-407E-A947-70E740481C1C}">
+                            <a14:useLocalDpi xmlns:a14="http://schemas.microsoft.com/office/drawing/2010/main" val="0"/>
+                          </a:ext>
+                        </a:extLst>
+                      </a:blip>
+                      <a:srcRect/>
+                      <a:stretch>
+                        <a:fillRect/>
+                      </a:stretch>
+                    </p:blipFill>
+                    <p:spPr bwMode="auto">
+                      <a:xfrm>
+                        <a:off x="5227108" y="3770678"/>
+                        <a:ext cx="3600450" cy="584200"/>
+                      </a:xfrm>
+                      <a:prstGeom prst="rect">
+                        <a:avLst/>
+                      </a:prstGeom>
+                      <a:noFill/>
+                      <a:extLst>
+                        <a:ext uri="{909E8E84-426E-40DD-AFC4-6F175D3DCCD1}">
+                          <a14:hiddenFill xmlns:a14="http://schemas.microsoft.com/office/drawing/2010/main">
+                            <a:solidFill>
+                              <a:srgbClr val="FFFFFF"/>
+                            </a:solidFill>
+                          </a14:hiddenFill>
+                        </a:ext>
+                      </a:extLst>
+                    </p:spPr>
+                  </p:pic>
+                </p:oleObj>
+              </mc:Fallback>
+            </mc:AlternateContent>
           </a:graphicData>
         </a:graphic>
       </p:graphicFrame>
@@ -2736,9 +4179,59 @@
         </p:xfrm>
         <a:graphic>
           <a:graphicData uri="http://schemas.openxmlformats.org/presentationml/2006/ole">
-            <p:oleObj spid="_x0000_s2216" name="方程式" r:id="rId5" imgW="126725" imgH="126725" progId="Equation.3">
-              <p:embed/>
-            </p:oleObj>
+            <mc:AlternateContent xmlns:mc="http://schemas.openxmlformats.org/markup-compatibility/2006">
+              <mc:Choice xmlns:v="urn:schemas-microsoft-com:vml" Requires="v">
+                <p:oleObj spid="_x0000_s2225" name="方程式" r:id="rId8" imgW="126725" imgH="126725" progId="Equation.3">
+                  <p:embed/>
+                </p:oleObj>
+              </mc:Choice>
+              <mc:Fallback>
+                <p:oleObj name="方程式" r:id="rId8" imgW="126725" imgH="126725" progId="Equation.3">
+                  <p:embed/>
+                  <p:pic>
+                    <p:nvPicPr>
+                      <p:cNvPr id="0" name="Picture 168"/>
+                      <p:cNvPicPr>
+                        <a:picLocks noChangeAspect="1" noChangeArrowheads="1"/>
+                      </p:cNvPicPr>
+                      <p:nvPr/>
+                    </p:nvPicPr>
+                    <p:blipFill>
+                      <a:blip r:embed="rId9">
+                        <a:extLst>
+                          <a:ext uri="{28A0092B-C50C-407E-A947-70E740481C1C}">
+                            <a14:useLocalDpi xmlns:a14="http://schemas.microsoft.com/office/drawing/2010/main" val="0"/>
+                          </a:ext>
+                        </a:extLst>
+                      </a:blip>
+                      <a:srcRect/>
+                      <a:stretch>
+                        <a:fillRect/>
+                      </a:stretch>
+                    </p:blipFill>
+                    <p:spPr bwMode="auto">
+                      <a:xfrm>
+                        <a:off x="3896897" y="3606860"/>
+                        <a:ext cx="1032291" cy="787340"/>
+                      </a:xfrm>
+                      <a:prstGeom prst="rect">
+                        <a:avLst/>
+                      </a:prstGeom>
+                      <a:noFill/>
+                      <a:extLst>
+                        <a:ext uri="{909E8E84-426E-40DD-AFC4-6F175D3DCCD1}">
+                          <a14:hiddenFill xmlns:a14="http://schemas.microsoft.com/office/drawing/2010/main">
+                            <a:solidFill>
+                              <a:srgbClr val="FFFFFF"/>
+                            </a:solidFill>
+                          </a14:hiddenFill>
+                        </a:ext>
+                      </a:extLst>
+                    </p:spPr>
+                  </p:pic>
+                </p:oleObj>
+              </mc:Fallback>
+            </mc:AlternateContent>
           </a:graphicData>
         </a:graphic>
       </p:graphicFrame>
@@ -3060,7 +4553,7 @@
     </p:spTree>
     <p:extLst>
       <p:ext uri="{BB962C8B-B14F-4D97-AF65-F5344CB8AC3E}">
-        <p14:creationId xmlns="" xmlns:p14="http://schemas.microsoft.com/office/powerpoint/2010/main" val="3427152478"/>
+        <p14:creationId xmlns:p14="http://schemas.microsoft.com/office/powerpoint/2010/main" val="3427152478"/>
       </p:ext>
     </p:extLst>
   </p:cSld>
@@ -3651,7 +5144,7 @@
 </p:sld>
 </file>
 
-<file path=ppt/slides/slide11.xml><?xml version="1.0" encoding="utf-8"?>
+<file path=ppt/slides/slide12.xml><?xml version="1.0" encoding="utf-8"?>
 <p:sld xmlns:a="http://schemas.openxmlformats.org/drawingml/2006/main" xmlns:r="http://schemas.openxmlformats.org/officeDocument/2006/relationships" xmlns:p="http://schemas.openxmlformats.org/presentationml/2006/main">
   <p:cSld>
     <p:spTree>
@@ -3688,7 +5181,7 @@
                 <a:latin typeface="+mj-lt"/>
               </a:rPr>
               <a:pPr/>
-              <a:t>11</a:t>
+              <a:t>12</a:t>
             </a:fld>
             <a:endParaRPr lang="en-US" dirty="0">
               <a:latin typeface="+mj-lt"/>
@@ -3710,9 +5203,59 @@
         </p:xfrm>
         <a:graphic>
           <a:graphicData uri="http://schemas.openxmlformats.org/presentationml/2006/ole">
-            <p:oleObj spid="_x0000_s3198" name="方程式" r:id="rId3" imgW="342751" imgH="203112" progId="Equation.3">
-              <p:embed/>
-            </p:oleObj>
+            <mc:AlternateContent xmlns:mc="http://schemas.openxmlformats.org/markup-compatibility/2006">
+              <mc:Choice xmlns:v="urn:schemas-microsoft-com:vml" Requires="v">
+                <p:oleObj spid="_x0000_s3207" name="方程式" r:id="rId4" imgW="342751" imgH="203112" progId="Equation.3">
+                  <p:embed/>
+                </p:oleObj>
+              </mc:Choice>
+              <mc:Fallback>
+                <p:oleObj name="方程式" r:id="rId4" imgW="342751" imgH="203112" progId="Equation.3">
+                  <p:embed/>
+                  <p:pic>
+                    <p:nvPicPr>
+                      <p:cNvPr id="0" name="Picture 126"/>
+                      <p:cNvPicPr>
+                        <a:picLocks noChangeAspect="1" noChangeArrowheads="1"/>
+                      </p:cNvPicPr>
+                      <p:nvPr/>
+                    </p:nvPicPr>
+                    <p:blipFill>
+                      <a:blip r:embed="rId5">
+                        <a:extLst>
+                          <a:ext uri="{28A0092B-C50C-407E-A947-70E740481C1C}">
+                            <a14:useLocalDpi xmlns:a14="http://schemas.microsoft.com/office/drawing/2010/main" val="0"/>
+                          </a:ext>
+                        </a:extLst>
+                      </a:blip>
+                      <a:srcRect/>
+                      <a:stretch>
+                        <a:fillRect/>
+                      </a:stretch>
+                    </p:blipFill>
+                    <p:spPr bwMode="auto">
+                      <a:xfrm>
+                        <a:off x="1677860" y="3230032"/>
+                        <a:ext cx="814388" cy="482600"/>
+                      </a:xfrm>
+                      <a:prstGeom prst="rect">
+                        <a:avLst/>
+                      </a:prstGeom>
+                      <a:noFill/>
+                      <a:extLst>
+                        <a:ext uri="{909E8E84-426E-40DD-AFC4-6F175D3DCCD1}">
+                          <a14:hiddenFill xmlns:a14="http://schemas.microsoft.com/office/drawing/2010/main">
+                            <a:solidFill>
+                              <a:srgbClr val="FFFFFF"/>
+                            </a:solidFill>
+                          </a14:hiddenFill>
+                        </a:ext>
+                      </a:extLst>
+                    </p:spPr>
+                  </p:pic>
+                </p:oleObj>
+              </mc:Fallback>
+            </mc:AlternateContent>
           </a:graphicData>
         </a:graphic>
       </p:graphicFrame>
@@ -3730,9 +5273,59 @@
         </p:xfrm>
         <a:graphic>
           <a:graphicData uri="http://schemas.openxmlformats.org/presentationml/2006/ole">
-            <p:oleObj spid="_x0000_s3199" name="方程式" r:id="rId4" imgW="126725" imgH="126725" progId="Equation.3">
-              <p:embed/>
-            </p:oleObj>
+            <mc:AlternateContent xmlns:mc="http://schemas.openxmlformats.org/markup-compatibility/2006">
+              <mc:Choice xmlns:v="urn:schemas-microsoft-com:vml" Requires="v">
+                <p:oleObj spid="_x0000_s3208" name="方程式" r:id="rId6" imgW="126725" imgH="126725" progId="Equation.3">
+                  <p:embed/>
+                </p:oleObj>
+              </mc:Choice>
+              <mc:Fallback>
+                <p:oleObj name="方程式" r:id="rId6" imgW="126725" imgH="126725" progId="Equation.3">
+                  <p:embed/>
+                  <p:pic>
+                    <p:nvPicPr>
+                      <p:cNvPr id="0" name="Picture 127"/>
+                      <p:cNvPicPr>
+                        <a:picLocks noChangeAspect="1" noChangeArrowheads="1"/>
+                      </p:cNvPicPr>
+                      <p:nvPr/>
+                    </p:nvPicPr>
+                    <p:blipFill>
+                      <a:blip r:embed="rId7">
+                        <a:extLst>
+                          <a:ext uri="{28A0092B-C50C-407E-A947-70E740481C1C}">
+                            <a14:useLocalDpi xmlns:a14="http://schemas.microsoft.com/office/drawing/2010/main" val="0"/>
+                          </a:ext>
+                        </a:extLst>
+                      </a:blip>
+                      <a:srcRect/>
+                      <a:stretch>
+                        <a:fillRect/>
+                      </a:stretch>
+                    </p:blipFill>
+                    <p:spPr bwMode="auto">
+                      <a:xfrm>
+                        <a:off x="3910013" y="3039529"/>
+                        <a:ext cx="1019175" cy="776287"/>
+                      </a:xfrm>
+                      <a:prstGeom prst="rect">
+                        <a:avLst/>
+                      </a:prstGeom>
+                      <a:noFill/>
+                      <a:extLst>
+                        <a:ext uri="{909E8E84-426E-40DD-AFC4-6F175D3DCCD1}">
+                          <a14:hiddenFill xmlns:a14="http://schemas.microsoft.com/office/drawing/2010/main">
+                            <a:solidFill>
+                              <a:srgbClr val="FFFFFF"/>
+                            </a:solidFill>
+                          </a14:hiddenFill>
+                        </a:ext>
+                      </a:extLst>
+                    </p:spPr>
+                  </p:pic>
+                </p:oleObj>
+              </mc:Fallback>
+            </mc:AlternateContent>
           </a:graphicData>
         </a:graphic>
       </p:graphicFrame>
@@ -3923,7 +5516,7 @@
           <p:nvPr/>
         </p:nvPicPr>
         <p:blipFill>
-          <a:blip r:embed="rId5"/>
+          <a:blip r:embed="rId8"/>
           <a:srcRect/>
           <a:stretch>
             <a:fillRect/>
@@ -3960,16 +5553,66 @@
         </p:xfrm>
         <a:graphic>
           <a:graphicData uri="http://schemas.openxmlformats.org/presentationml/2006/ole">
-            <p:oleObj spid="_x0000_s3200" name="方程式" r:id="rId6" imgW="1803400" imgH="228600" progId="Equation.3">
-              <p:embed/>
-            </p:oleObj>
+            <mc:AlternateContent xmlns:mc="http://schemas.openxmlformats.org/markup-compatibility/2006">
+              <mc:Choice xmlns:v="urn:schemas-microsoft-com:vml" Requires="v">
+                <p:oleObj spid="_x0000_s3209" name="方程式" r:id="rId9" imgW="1803400" imgH="228600" progId="Equation.3">
+                  <p:embed/>
+                </p:oleObj>
+              </mc:Choice>
+              <mc:Fallback>
+                <p:oleObj name="方程式" r:id="rId9" imgW="1803400" imgH="228600" progId="Equation.3">
+                  <p:embed/>
+                  <p:pic>
+                    <p:nvPicPr>
+                      <p:cNvPr id="0" name="Picture 128"/>
+                      <p:cNvPicPr>
+                        <a:picLocks noChangeAspect="1" noChangeArrowheads="1"/>
+                      </p:cNvPicPr>
+                      <p:nvPr/>
+                    </p:nvPicPr>
+                    <p:blipFill>
+                      <a:blip r:embed="rId10">
+                        <a:extLst>
+                          <a:ext uri="{28A0092B-C50C-407E-A947-70E740481C1C}">
+                            <a14:useLocalDpi xmlns:a14="http://schemas.microsoft.com/office/drawing/2010/main" val="0"/>
+                          </a:ext>
+                        </a:extLst>
+                      </a:blip>
+                      <a:srcRect/>
+                      <a:stretch>
+                        <a:fillRect/>
+                      </a:stretch>
+                    </p:blipFill>
+                    <p:spPr bwMode="auto">
+                      <a:xfrm>
+                        <a:off x="5112835" y="3196166"/>
+                        <a:ext cx="3692525" cy="533400"/>
+                      </a:xfrm>
+                      <a:prstGeom prst="rect">
+                        <a:avLst/>
+                      </a:prstGeom>
+                      <a:noFill/>
+                      <a:extLst>
+                        <a:ext uri="{909E8E84-426E-40DD-AFC4-6F175D3DCCD1}">
+                          <a14:hiddenFill xmlns:a14="http://schemas.microsoft.com/office/drawing/2010/main">
+                            <a:solidFill>
+                              <a:srgbClr val="FFFFFF"/>
+                            </a:solidFill>
+                          </a14:hiddenFill>
+                        </a:ext>
+                      </a:extLst>
+                    </p:spPr>
+                  </p:pic>
+                </p:oleObj>
+              </mc:Fallback>
+            </mc:AlternateContent>
           </a:graphicData>
         </a:graphic>
       </p:graphicFrame>
     </p:spTree>
     <p:extLst>
       <p:ext uri="{BB962C8B-B14F-4D97-AF65-F5344CB8AC3E}">
-        <p14:creationId xmlns="" xmlns:p14="http://schemas.microsoft.com/office/powerpoint/2010/main" val="3427152478"/>
+        <p14:creationId xmlns:p14="http://schemas.microsoft.com/office/powerpoint/2010/main" val="3427152478"/>
       </p:ext>
     </p:extLst>
   </p:cSld>
@@ -4102,7 +5745,7 @@
 </p:sld>
 </file>
 
-<file path=ppt/slides/slide12.xml><?xml version="1.0" encoding="utf-8"?>
+<file path=ppt/slides/slide13.xml><?xml version="1.0" encoding="utf-8"?>
 <p:sld xmlns:a="http://schemas.openxmlformats.org/drawingml/2006/main" xmlns:r="http://schemas.openxmlformats.org/officeDocument/2006/relationships" xmlns:p="http://schemas.openxmlformats.org/presentationml/2006/main">
   <p:cSld>
     <p:spTree>
@@ -4368,9 +6011,59 @@
         </p:xfrm>
         <a:graphic>
           <a:graphicData uri="http://schemas.openxmlformats.org/presentationml/2006/ole">
-            <p:oleObj spid="_x0000_s25602" name="方程式" r:id="rId3" imgW="368280" imgH="215640" progId="Equation.3">
-              <p:embed/>
-            </p:oleObj>
+            <mc:AlternateContent xmlns:mc="http://schemas.openxmlformats.org/markup-compatibility/2006">
+              <mc:Choice xmlns:v="urn:schemas-microsoft-com:vml" Requires="v">
+                <p:oleObj spid="_x0000_s25614" name="方程式" r:id="rId4" imgW="368280" imgH="215640" progId="Equation.3">
+                  <p:embed/>
+                </p:oleObj>
+              </mc:Choice>
+              <mc:Fallback>
+                <p:oleObj name="方程式" r:id="rId4" imgW="368280" imgH="215640" progId="Equation.3">
+                  <p:embed/>
+                  <p:pic>
+                    <p:nvPicPr>
+                      <p:cNvPr id="0" name="Picture 2"/>
+                      <p:cNvPicPr>
+                        <a:picLocks noChangeAspect="1" noChangeArrowheads="1"/>
+                      </p:cNvPicPr>
+                      <p:nvPr/>
+                    </p:nvPicPr>
+                    <p:blipFill>
+                      <a:blip r:embed="rId5">
+                        <a:extLst>
+                          <a:ext uri="{28A0092B-C50C-407E-A947-70E740481C1C}">
+                            <a14:useLocalDpi xmlns:a14="http://schemas.microsoft.com/office/drawing/2010/main" val="0"/>
+                          </a:ext>
+                        </a:extLst>
+                      </a:blip>
+                      <a:srcRect/>
+                      <a:stretch>
+                        <a:fillRect/>
+                      </a:stretch>
+                    </p:blipFill>
+                    <p:spPr bwMode="auto">
+                      <a:xfrm>
+                        <a:off x="7269736" y="1128715"/>
+                        <a:ext cx="873125" cy="512762"/>
+                      </a:xfrm>
+                      <a:prstGeom prst="rect">
+                        <a:avLst/>
+                      </a:prstGeom>
+                      <a:noFill/>
+                      <a:extLst>
+                        <a:ext uri="{909E8E84-426E-40DD-AFC4-6F175D3DCCD1}">
+                          <a14:hiddenFill xmlns:a14="http://schemas.microsoft.com/office/drawing/2010/main">
+                            <a:solidFill>
+                              <a:srgbClr val="FFFFFF"/>
+                            </a:solidFill>
+                          </a14:hiddenFill>
+                        </a:ext>
+                      </a:extLst>
+                    </p:spPr>
+                  </p:pic>
+                </p:oleObj>
+              </mc:Fallback>
+            </mc:AlternateContent>
           </a:graphicData>
         </a:graphic>
       </p:graphicFrame>
@@ -4747,9 +6440,59 @@
         </p:xfrm>
         <a:graphic>
           <a:graphicData uri="http://schemas.openxmlformats.org/presentationml/2006/ole">
-            <p:oleObj spid="_x0000_s25603" name="方程式" r:id="rId4" imgW="380880" imgH="215640" progId="Equation.3">
-              <p:embed/>
-            </p:oleObj>
+            <mc:AlternateContent xmlns:mc="http://schemas.openxmlformats.org/markup-compatibility/2006">
+              <mc:Choice xmlns:v="urn:schemas-microsoft-com:vml" Requires="v">
+                <p:oleObj spid="_x0000_s25615" name="方程式" r:id="rId6" imgW="380880" imgH="215640" progId="Equation.3">
+                  <p:embed/>
+                </p:oleObj>
+              </mc:Choice>
+              <mc:Fallback>
+                <p:oleObj name="方程式" r:id="rId6" imgW="380880" imgH="215640" progId="Equation.3">
+                  <p:embed/>
+                  <p:pic>
+                    <p:nvPicPr>
+                      <p:cNvPr id="0" name="Picture 3"/>
+                      <p:cNvPicPr>
+                        <a:picLocks noChangeAspect="1" noChangeArrowheads="1"/>
+                      </p:cNvPicPr>
+                      <p:nvPr/>
+                    </p:nvPicPr>
+                    <p:blipFill>
+                      <a:blip r:embed="rId7">
+                        <a:extLst>
+                          <a:ext uri="{28A0092B-C50C-407E-A947-70E740481C1C}">
+                            <a14:useLocalDpi xmlns:a14="http://schemas.microsoft.com/office/drawing/2010/main" val="0"/>
+                          </a:ext>
+                        </a:extLst>
+                      </a:blip>
+                      <a:srcRect/>
+                      <a:stretch>
+                        <a:fillRect/>
+                      </a:stretch>
+                    </p:blipFill>
+                    <p:spPr bwMode="auto">
+                      <a:xfrm>
+                        <a:off x="7263903" y="2898777"/>
+                        <a:ext cx="903287" cy="512763"/>
+                      </a:xfrm>
+                      <a:prstGeom prst="rect">
+                        <a:avLst/>
+                      </a:prstGeom>
+                      <a:noFill/>
+                      <a:extLst>
+                        <a:ext uri="{909E8E84-426E-40DD-AFC4-6F175D3DCCD1}">
+                          <a14:hiddenFill xmlns:a14="http://schemas.microsoft.com/office/drawing/2010/main">
+                            <a:solidFill>
+                              <a:srgbClr val="FFFFFF"/>
+                            </a:solidFill>
+                          </a14:hiddenFill>
+                        </a:ext>
+                      </a:extLst>
+                    </p:spPr>
+                  </p:pic>
+                </p:oleObj>
+              </mc:Fallback>
+            </mc:AlternateContent>
           </a:graphicData>
         </a:graphic>
       </p:graphicFrame>
@@ -5126,9 +6869,59 @@
         </p:xfrm>
         <a:graphic>
           <a:graphicData uri="http://schemas.openxmlformats.org/presentationml/2006/ole">
-            <p:oleObj spid="_x0000_s25604" name="方程式" r:id="rId5" imgW="380880" imgH="228600" progId="Equation.3">
-              <p:embed/>
-            </p:oleObj>
+            <mc:AlternateContent xmlns:mc="http://schemas.openxmlformats.org/markup-compatibility/2006">
+              <mc:Choice xmlns:v="urn:schemas-microsoft-com:vml" Requires="v">
+                <p:oleObj spid="_x0000_s25616" name="方程式" r:id="rId8" imgW="380880" imgH="228600" progId="Equation.3">
+                  <p:embed/>
+                </p:oleObj>
+              </mc:Choice>
+              <mc:Fallback>
+                <p:oleObj name="方程式" r:id="rId8" imgW="380880" imgH="228600" progId="Equation.3">
+                  <p:embed/>
+                  <p:pic>
+                    <p:nvPicPr>
+                      <p:cNvPr id="0" name="Picture 4"/>
+                      <p:cNvPicPr>
+                        <a:picLocks noChangeAspect="1" noChangeArrowheads="1"/>
+                      </p:cNvPicPr>
+                      <p:nvPr/>
+                    </p:nvPicPr>
+                    <p:blipFill>
+                      <a:blip r:embed="rId9">
+                        <a:extLst>
+                          <a:ext uri="{28A0092B-C50C-407E-A947-70E740481C1C}">
+                            <a14:useLocalDpi xmlns:a14="http://schemas.microsoft.com/office/drawing/2010/main" val="0"/>
+                          </a:ext>
+                        </a:extLst>
+                      </a:blip>
+                      <a:srcRect/>
+                      <a:stretch>
+                        <a:fillRect/>
+                      </a:stretch>
+                    </p:blipFill>
+                    <p:spPr bwMode="auto">
+                      <a:xfrm>
+                        <a:off x="7240090" y="4621215"/>
+                        <a:ext cx="903288" cy="542925"/>
+                      </a:xfrm>
+                      <a:prstGeom prst="rect">
+                        <a:avLst/>
+                      </a:prstGeom>
+                      <a:noFill/>
+                      <a:extLst>
+                        <a:ext uri="{909E8E84-426E-40DD-AFC4-6F175D3DCCD1}">
+                          <a14:hiddenFill xmlns:a14="http://schemas.microsoft.com/office/drawing/2010/main">
+                            <a:solidFill>
+                              <a:srgbClr val="FFFFFF"/>
+                            </a:solidFill>
+                          </a14:hiddenFill>
+                        </a:ext>
+                      </a:extLst>
+                    </p:spPr>
+                  </p:pic>
+                </p:oleObj>
+              </mc:Fallback>
+            </mc:AlternateContent>
           </a:graphicData>
         </a:graphic>
       </p:graphicFrame>
@@ -5644,16 +7437,66 @@
         </p:xfrm>
         <a:graphic>
           <a:graphicData uri="http://schemas.openxmlformats.org/presentationml/2006/ole">
-            <p:oleObj spid="_x0000_s25605" name="方程式" r:id="rId6" imgW="419040" imgH="228600" progId="Equation.3">
-              <p:embed/>
-            </p:oleObj>
+            <mc:AlternateContent xmlns:mc="http://schemas.openxmlformats.org/markup-compatibility/2006">
+              <mc:Choice xmlns:v="urn:schemas-microsoft-com:vml" Requires="v">
+                <p:oleObj spid="_x0000_s25617" name="方程式" r:id="rId10" imgW="419040" imgH="228600" progId="Equation.3">
+                  <p:embed/>
+                </p:oleObj>
+              </mc:Choice>
+              <mc:Fallback>
+                <p:oleObj name="方程式" r:id="rId10" imgW="419040" imgH="228600" progId="Equation.3">
+                  <p:embed/>
+                  <p:pic>
+                    <p:nvPicPr>
+                      <p:cNvPr id="0" name="Picture 5"/>
+                      <p:cNvPicPr>
+                        <a:picLocks noChangeAspect="1" noChangeArrowheads="1"/>
+                      </p:cNvPicPr>
+                      <p:nvPr/>
+                    </p:nvPicPr>
+                    <p:blipFill>
+                      <a:blip r:embed="rId11">
+                        <a:extLst>
+                          <a:ext uri="{28A0092B-C50C-407E-A947-70E740481C1C}">
+                            <a14:useLocalDpi xmlns:a14="http://schemas.microsoft.com/office/drawing/2010/main" val="0"/>
+                          </a:ext>
+                        </a:extLst>
+                      </a:blip>
+                      <a:srcRect/>
+                      <a:stretch>
+                        <a:fillRect/>
+                      </a:stretch>
+                    </p:blipFill>
+                    <p:spPr bwMode="auto">
+                      <a:xfrm>
+                        <a:off x="7192963" y="5778500"/>
+                        <a:ext cx="993775" cy="542925"/>
+                      </a:xfrm>
+                      <a:prstGeom prst="rect">
+                        <a:avLst/>
+                      </a:prstGeom>
+                      <a:noFill/>
+                      <a:extLst>
+                        <a:ext uri="{909E8E84-426E-40DD-AFC4-6F175D3DCCD1}">
+                          <a14:hiddenFill xmlns:a14="http://schemas.microsoft.com/office/drawing/2010/main">
+                            <a:solidFill>
+                              <a:srgbClr val="FFFFFF"/>
+                            </a:solidFill>
+                          </a14:hiddenFill>
+                        </a:ext>
+                      </a:extLst>
+                    </p:spPr>
+                  </p:pic>
+                </p:oleObj>
+              </mc:Fallback>
+            </mc:AlternateContent>
           </a:graphicData>
         </a:graphic>
       </p:graphicFrame>
     </p:spTree>
     <p:extLst>
       <p:ext uri="{BB962C8B-B14F-4D97-AF65-F5344CB8AC3E}">
-        <p14:creationId xmlns="" xmlns:p14="http://schemas.microsoft.com/office/powerpoint/2010/main" val="2123413861"/>
+        <p14:creationId xmlns:p14="http://schemas.microsoft.com/office/powerpoint/2010/main" val="2123413861"/>
       </p:ext>
     </p:extLst>
   </p:cSld>
@@ -6594,7 +8437,7 @@
 </p:sld>
 </file>
 
-<file path=ppt/slides/slide13.xml><?xml version="1.0" encoding="utf-8"?>
+<file path=ppt/slides/slide14.xml><?xml version="1.0" encoding="utf-8"?>
 <p:sld xmlns:a="http://schemas.openxmlformats.org/drawingml/2006/main" xmlns:r="http://schemas.openxmlformats.org/officeDocument/2006/relationships" xmlns:p="http://schemas.openxmlformats.org/presentationml/2006/main">
   <p:cSld>
     <p:spTree>
@@ -6659,10 +8502,10 @@
           <p:nvPr/>
         </p:nvPicPr>
         <p:blipFill>
-          <a:blip r:embed="rId2">
+          <a:blip r:embed="rId3">
             <a:extLst>
               <a:ext uri="{28A0092B-C50C-407E-A947-70E740481C1C}">
-                <a14:useLocalDpi xmlns="" xmlns:a14="http://schemas.microsoft.com/office/drawing/2010/main" val="0"/>
+                <a14:useLocalDpi xmlns:a14="http://schemas.microsoft.com/office/drawing/2010/main" val="0"/>
               </a:ext>
             </a:extLst>
           </a:blip>
@@ -6689,10 +8532,10 @@
           <p:nvPr/>
         </p:nvPicPr>
         <p:blipFill>
-          <a:blip r:embed="rId3">
+          <a:blip r:embed="rId4">
             <a:extLst>
               <a:ext uri="{28A0092B-C50C-407E-A947-70E740481C1C}">
-                <a14:useLocalDpi xmlns="" xmlns:a14="http://schemas.microsoft.com/office/drawing/2010/main" val="0"/>
+                <a14:useLocalDpi xmlns:a14="http://schemas.microsoft.com/office/drawing/2010/main" val="0"/>
               </a:ext>
             </a:extLst>
           </a:blip>
@@ -6713,7 +8556,7 @@
     </p:spTree>
     <p:extLst>
       <p:ext uri="{BB962C8B-B14F-4D97-AF65-F5344CB8AC3E}">
-        <p14:creationId xmlns="" xmlns:p14="http://schemas.microsoft.com/office/powerpoint/2010/main" val="2123413861"/>
+        <p14:creationId xmlns:p14="http://schemas.microsoft.com/office/powerpoint/2010/main" val="2123413861"/>
       </p:ext>
     </p:extLst>
   </p:cSld>
@@ -6798,7 +8641,7 @@
 </p:sld>
 </file>
 
-<file path=ppt/slides/slide14.xml><?xml version="1.0" encoding="utf-8"?>
+<file path=ppt/slides/slide15.xml><?xml version="1.0" encoding="utf-8"?>
 <p:sld xmlns:a="http://schemas.openxmlformats.org/drawingml/2006/main" xmlns:r="http://schemas.openxmlformats.org/officeDocument/2006/relationships" xmlns:p="http://schemas.openxmlformats.org/presentationml/2006/main">
   <p:cSld>
     <p:spTree>
@@ -6863,10 +8706,10 @@
           <p:nvPr/>
         </p:nvPicPr>
         <p:blipFill>
-          <a:blip r:embed="rId2">
+          <a:blip r:embed="rId3">
             <a:extLst>
               <a:ext uri="{28A0092B-C50C-407E-A947-70E740481C1C}">
-                <a14:useLocalDpi xmlns="" xmlns:a14="http://schemas.microsoft.com/office/drawing/2010/main" val="0"/>
+                <a14:useLocalDpi xmlns:a14="http://schemas.microsoft.com/office/drawing/2010/main" val="0"/>
               </a:ext>
             </a:extLst>
           </a:blip>
@@ -6893,10 +8736,10 @@
           <p:nvPr/>
         </p:nvPicPr>
         <p:blipFill>
-          <a:blip r:embed="rId3">
+          <a:blip r:embed="rId4">
             <a:extLst>
               <a:ext uri="{28A0092B-C50C-407E-A947-70E740481C1C}">
-                <a14:useLocalDpi xmlns="" xmlns:a14="http://schemas.microsoft.com/office/drawing/2010/main" val="0"/>
+                <a14:useLocalDpi xmlns:a14="http://schemas.microsoft.com/office/drawing/2010/main" val="0"/>
               </a:ext>
             </a:extLst>
           </a:blip>
@@ -6923,10 +8766,10 @@
           <p:nvPr/>
         </p:nvPicPr>
         <p:blipFill>
-          <a:blip r:embed="rId4">
+          <a:blip r:embed="rId5">
             <a:extLst>
               <a:ext uri="{28A0092B-C50C-407E-A947-70E740481C1C}">
-                <a14:useLocalDpi xmlns="" xmlns:a14="http://schemas.microsoft.com/office/drawing/2010/main" val="0"/>
+                <a14:useLocalDpi xmlns:a14="http://schemas.microsoft.com/office/drawing/2010/main" val="0"/>
               </a:ext>
             </a:extLst>
           </a:blip>
@@ -6953,10 +8796,10 @@
           <p:nvPr/>
         </p:nvPicPr>
         <p:blipFill>
-          <a:blip r:embed="rId5">
+          <a:blip r:embed="rId6">
             <a:extLst>
               <a:ext uri="{28A0092B-C50C-407E-A947-70E740481C1C}">
-                <a14:useLocalDpi xmlns="" xmlns:a14="http://schemas.microsoft.com/office/drawing/2010/main" val="0"/>
+                <a14:useLocalDpi xmlns:a14="http://schemas.microsoft.com/office/drawing/2010/main" val="0"/>
               </a:ext>
             </a:extLst>
           </a:blip>
@@ -6983,10 +8826,10 @@
           <p:nvPr/>
         </p:nvPicPr>
         <p:blipFill>
-          <a:blip r:embed="rId6">
+          <a:blip r:embed="rId7">
             <a:extLst>
               <a:ext uri="{28A0092B-C50C-407E-A947-70E740481C1C}">
-                <a14:useLocalDpi xmlns="" xmlns:a14="http://schemas.microsoft.com/office/drawing/2010/main" val="0"/>
+                <a14:useLocalDpi xmlns:a14="http://schemas.microsoft.com/office/drawing/2010/main" val="0"/>
               </a:ext>
             </a:extLst>
           </a:blip>
@@ -7007,18 +8850,18 @@
     </p:spTree>
     <p:extLst>
       <p:ext uri="{BB962C8B-B14F-4D97-AF65-F5344CB8AC3E}">
-        <p14:creationId xmlns="" xmlns:p14="http://schemas.microsoft.com/office/powerpoint/2010/main" val="496767900"/>
+        <p14:creationId xmlns:p14="http://schemas.microsoft.com/office/powerpoint/2010/main" val="496767900"/>
       </p:ext>
     </p:extLst>
   </p:cSld>
   <p:clrMapOvr>
     <a:masterClrMapping/>
   </p:clrMapOvr>
-  <mc:AlternateContent xmlns:mc="http://schemas.openxmlformats.org/markup-compatibility/2006">
-    <mc:Choice xmlns="" xmlns:p14="http://schemas.microsoft.com/office/powerpoint/2010/main" Requires="p14">
+  <mc:AlternateContent xmlns:mc="http://schemas.openxmlformats.org/markup-compatibility/2006" xmlns:p14="http://schemas.microsoft.com/office/powerpoint/2010/main">
+    <mc:Choice Requires="p14">
       <p:transition spd="slow" p14:dur="2000"/>
     </mc:Choice>
-    <mc:Fallback>
+    <mc:Fallback xmlns="">
       <p:transition spd="slow"/>
     </mc:Fallback>
   </mc:AlternateContent>
@@ -7235,7 +9078,7 @@
 </p:sld>
 </file>
 
-<file path=ppt/slides/slide15.xml><?xml version="1.0" encoding="utf-8"?>
+<file path=ppt/slides/slide16.xml><?xml version="1.0" encoding="utf-8"?>
 <p:sld xmlns:a="http://schemas.openxmlformats.org/drawingml/2006/main" xmlns:r="http://schemas.openxmlformats.org/officeDocument/2006/relationships" xmlns:p="http://schemas.openxmlformats.org/presentationml/2006/main">
   <p:cSld>
     <p:spTree>
@@ -7305,9 +9148,59 @@
         </p:xfrm>
         <a:graphic>
           <a:graphicData uri="http://schemas.openxmlformats.org/presentationml/2006/ole">
-            <p:oleObj spid="_x0000_s26626" name="方程式" r:id="rId3" imgW="3263760" imgH="228600" progId="Equation.3">
-              <p:embed/>
-            </p:oleObj>
+            <mc:AlternateContent xmlns:mc="http://schemas.openxmlformats.org/markup-compatibility/2006">
+              <mc:Choice xmlns:v="urn:schemas-microsoft-com:vml" Requires="v">
+                <p:oleObj spid="_x0000_s26644" name="方程式" r:id="rId3" imgW="3263760" imgH="228600" progId="Equation.3">
+                  <p:embed/>
+                </p:oleObj>
+              </mc:Choice>
+              <mc:Fallback>
+                <p:oleObj name="方程式" r:id="rId3" imgW="3263760" imgH="228600" progId="Equation.3">
+                  <p:embed/>
+                  <p:pic>
+                    <p:nvPicPr>
+                      <p:cNvPr id="0" name="Picture 2"/>
+                      <p:cNvPicPr>
+                        <a:picLocks noChangeAspect="1" noChangeArrowheads="1"/>
+                      </p:cNvPicPr>
+                      <p:nvPr/>
+                    </p:nvPicPr>
+                    <p:blipFill>
+                      <a:blip r:embed="rId4">
+                        <a:extLst>
+                          <a:ext uri="{28A0092B-C50C-407E-A947-70E740481C1C}">
+                            <a14:useLocalDpi xmlns:a14="http://schemas.microsoft.com/office/drawing/2010/main" val="0"/>
+                          </a:ext>
+                        </a:extLst>
+                      </a:blip>
+                      <a:srcRect/>
+                      <a:stretch>
+                        <a:fillRect/>
+                      </a:stretch>
+                    </p:blipFill>
+                    <p:spPr bwMode="auto">
+                      <a:xfrm>
+                        <a:off x="447675" y="1494371"/>
+                        <a:ext cx="7769225" cy="555625"/>
+                      </a:xfrm>
+                      <a:prstGeom prst="rect">
+                        <a:avLst/>
+                      </a:prstGeom>
+                      <a:noFill/>
+                      <a:extLst>
+                        <a:ext uri="{909E8E84-426E-40DD-AFC4-6F175D3DCCD1}">
+                          <a14:hiddenFill xmlns:a14="http://schemas.microsoft.com/office/drawing/2010/main">
+                            <a:solidFill>
+                              <a:srgbClr val="FFFFFF"/>
+                            </a:solidFill>
+                          </a14:hiddenFill>
+                        </a:ext>
+                      </a:extLst>
+                    </p:spPr>
+                  </p:pic>
+                </p:oleObj>
+              </mc:Fallback>
+            </mc:AlternateContent>
           </a:graphicData>
         </a:graphic>
       </p:graphicFrame>
@@ -7363,9 +9256,59 @@
         </p:xfrm>
         <a:graphic>
           <a:graphicData uri="http://schemas.openxmlformats.org/presentationml/2006/ole">
-            <p:oleObj spid="_x0000_s26627" name="方程式" r:id="rId4" imgW="1282680" imgH="431640" progId="Equation.3">
-              <p:embed/>
-            </p:oleObj>
+            <mc:AlternateContent xmlns:mc="http://schemas.openxmlformats.org/markup-compatibility/2006">
+              <mc:Choice xmlns:v="urn:schemas-microsoft-com:vml" Requires="v">
+                <p:oleObj spid="_x0000_s26645" name="方程式" r:id="rId5" imgW="1282680" imgH="431640" progId="Equation.3">
+                  <p:embed/>
+                </p:oleObj>
+              </mc:Choice>
+              <mc:Fallback>
+                <p:oleObj name="方程式" r:id="rId5" imgW="1282680" imgH="431640" progId="Equation.3">
+                  <p:embed/>
+                  <p:pic>
+                    <p:nvPicPr>
+                      <p:cNvPr id="0" name="Picture 3"/>
+                      <p:cNvPicPr>
+                        <a:picLocks noChangeAspect="1" noChangeArrowheads="1"/>
+                      </p:cNvPicPr>
+                      <p:nvPr/>
+                    </p:nvPicPr>
+                    <p:blipFill>
+                      <a:blip r:embed="rId6">
+                        <a:extLst>
+                          <a:ext uri="{28A0092B-C50C-407E-A947-70E740481C1C}">
+                            <a14:useLocalDpi xmlns:a14="http://schemas.microsoft.com/office/drawing/2010/main" val="0"/>
+                          </a:ext>
+                        </a:extLst>
+                      </a:blip>
+                      <a:srcRect/>
+                      <a:stretch>
+                        <a:fillRect/>
+                      </a:stretch>
+                    </p:blipFill>
+                    <p:spPr bwMode="auto">
+                      <a:xfrm>
+                        <a:off x="552979" y="2893116"/>
+                        <a:ext cx="2860137" cy="984613"/>
+                      </a:xfrm>
+                      <a:prstGeom prst="rect">
+                        <a:avLst/>
+                      </a:prstGeom>
+                      <a:noFill/>
+                      <a:extLst>
+                        <a:ext uri="{909E8E84-426E-40DD-AFC4-6F175D3DCCD1}">
+                          <a14:hiddenFill xmlns:a14="http://schemas.microsoft.com/office/drawing/2010/main">
+                            <a:solidFill>
+                              <a:srgbClr val="FFFFFF"/>
+                            </a:solidFill>
+                          </a14:hiddenFill>
+                        </a:ext>
+                      </a:extLst>
+                    </p:spPr>
+                  </p:pic>
+                </p:oleObj>
+              </mc:Fallback>
+            </mc:AlternateContent>
           </a:graphicData>
         </a:graphic>
       </p:graphicFrame>
@@ -7383,9 +9326,82 @@
         </p:xfrm>
         <a:graphic>
           <a:graphicData uri="http://schemas.openxmlformats.org/presentationml/2006/ole">
-            <p:oleObj spid="_x0000_s26628" name="方程式" r:id="rId5" imgW="406080" imgH="228600" progId="Equation.3">
-              <p:embed/>
-            </p:oleObj>
+            <mc:AlternateContent xmlns:mc="http://schemas.openxmlformats.org/markup-compatibility/2006">
+              <mc:Choice xmlns:v="urn:schemas-microsoft-com:vml" Requires="v">
+                <p:oleObj spid="_x0000_s26646" name="方程式" r:id="rId7" imgW="406080" imgH="228600" progId="Equation.3">
+                  <p:embed/>
+                </p:oleObj>
+              </mc:Choice>
+              <mc:Fallback>
+                <p:oleObj name="方程式" r:id="rId7" imgW="406080" imgH="228600" progId="Equation.3">
+                  <p:embed/>
+                  <p:pic>
+                    <p:nvPicPr>
+                      <p:cNvPr id="0" name="Picture 4"/>
+                      <p:cNvPicPr>
+                        <a:picLocks noChangeAspect="1" noChangeArrowheads="1"/>
+                      </p:cNvPicPr>
+                      <p:nvPr/>
+                    </p:nvPicPr>
+                    <p:blipFill>
+                      <a:blip r:embed="rId8">
+                        <a:extLst>
+                          <a:ext uri="{28A0092B-C50C-407E-A947-70E740481C1C}">
+                            <a14:useLocalDpi xmlns:a14="http://schemas.microsoft.com/office/drawing/2010/main" val="0"/>
+                          </a:ext>
+                        </a:extLst>
+                      </a:blip>
+                      <a:srcRect/>
+                      <a:stretch>
+                        <a:fillRect/>
+                      </a:stretch>
+                    </p:blipFill>
+                    <p:spPr bwMode="auto">
+                      <a:xfrm>
+                        <a:off x="3708400" y="3238496"/>
+                        <a:ext cx="895586" cy="503767"/>
+                      </a:xfrm>
+                      <a:prstGeom prst="rect">
+                        <a:avLst/>
+                      </a:prstGeom>
+                      <a:noFill/>
+                      <a:ln>
+                        <a:noFill/>
+                      </a:ln>
+                      <a:effectLst/>
+                      <a:extLst>
+                        <a:ext uri="{909E8E84-426E-40DD-AFC4-6F175D3DCCD1}">
+                          <a14:hiddenFill xmlns:a14="http://schemas.microsoft.com/office/drawing/2010/main">
+                            <a:solidFill>
+                              <a:schemeClr val="accent1"/>
+                            </a:solidFill>
+                          </a14:hiddenFill>
+                        </a:ext>
+                        <a:ext uri="{91240B29-F687-4F45-9708-019B960494DF}">
+                          <a14:hiddenLine xmlns:a14="http://schemas.microsoft.com/office/drawing/2010/main" w="9525">
+                            <a:solidFill>
+                              <a:schemeClr val="tx1"/>
+                            </a:solidFill>
+                            <a:miter lim="800000"/>
+                            <a:headEnd/>
+                            <a:tailEnd/>
+                          </a14:hiddenLine>
+                        </a:ext>
+                        <a:ext uri="{AF507438-7753-43E0-B8FC-AC1667EBCBE1}">
+                          <a14:hiddenEffects xmlns:a14="http://schemas.microsoft.com/office/drawing/2010/main">
+                            <a:effectLst>
+                              <a:outerShdw dist="35921" dir="2700000" algn="ctr" rotWithShape="0">
+                                <a:schemeClr val="bg2"/>
+                              </a:outerShdw>
+                            </a:effectLst>
+                          </a14:hiddenEffects>
+                        </a:ext>
+                      </a:extLst>
+                    </p:spPr>
+                  </p:pic>
+                </p:oleObj>
+              </mc:Fallback>
+            </mc:AlternateContent>
           </a:graphicData>
         </a:graphic>
       </p:graphicFrame>
@@ -7403,9 +9419,82 @@
         </p:xfrm>
         <a:graphic>
           <a:graphicData uri="http://schemas.openxmlformats.org/presentationml/2006/ole">
-            <p:oleObj spid="_x0000_s26629" name="方程式" r:id="rId6" imgW="190440" imgH="228600" progId="Equation.3">
-              <p:embed/>
-            </p:oleObj>
+            <mc:AlternateContent xmlns:mc="http://schemas.openxmlformats.org/markup-compatibility/2006">
+              <mc:Choice xmlns:v="urn:schemas-microsoft-com:vml" Requires="v">
+                <p:oleObj spid="_x0000_s26647" name="方程式" r:id="rId9" imgW="190440" imgH="228600" progId="Equation.3">
+                  <p:embed/>
+                </p:oleObj>
+              </mc:Choice>
+              <mc:Fallback>
+                <p:oleObj name="方程式" r:id="rId9" imgW="190440" imgH="228600" progId="Equation.3">
+                  <p:embed/>
+                  <p:pic>
+                    <p:nvPicPr>
+                      <p:cNvPr id="0" name="Picture 5"/>
+                      <p:cNvPicPr>
+                        <a:picLocks noChangeAspect="1" noChangeArrowheads="1"/>
+                      </p:cNvPicPr>
+                      <p:nvPr/>
+                    </p:nvPicPr>
+                    <p:blipFill>
+                      <a:blip r:embed="rId10">
+                        <a:extLst>
+                          <a:ext uri="{28A0092B-C50C-407E-A947-70E740481C1C}">
+                            <a14:useLocalDpi xmlns:a14="http://schemas.microsoft.com/office/drawing/2010/main" val="0"/>
+                          </a:ext>
+                        </a:extLst>
+                      </a:blip>
+                      <a:srcRect/>
+                      <a:stretch>
+                        <a:fillRect/>
+                      </a:stretch>
+                    </p:blipFill>
+                    <p:spPr bwMode="auto">
+                      <a:xfrm>
+                        <a:off x="6536251" y="3238496"/>
+                        <a:ext cx="419805" cy="503766"/>
+                      </a:xfrm>
+                      <a:prstGeom prst="rect">
+                        <a:avLst/>
+                      </a:prstGeom>
+                      <a:noFill/>
+                      <a:ln>
+                        <a:noFill/>
+                      </a:ln>
+                      <a:effectLst/>
+                      <a:extLst>
+                        <a:ext uri="{909E8E84-426E-40DD-AFC4-6F175D3DCCD1}">
+                          <a14:hiddenFill xmlns:a14="http://schemas.microsoft.com/office/drawing/2010/main">
+                            <a:solidFill>
+                              <a:schemeClr val="accent1"/>
+                            </a:solidFill>
+                          </a14:hiddenFill>
+                        </a:ext>
+                        <a:ext uri="{91240B29-F687-4F45-9708-019B960494DF}">
+                          <a14:hiddenLine xmlns:a14="http://schemas.microsoft.com/office/drawing/2010/main" w="9525">
+                            <a:solidFill>
+                              <a:schemeClr val="tx1"/>
+                            </a:solidFill>
+                            <a:miter lim="800000"/>
+                            <a:headEnd/>
+                            <a:tailEnd/>
+                          </a14:hiddenLine>
+                        </a:ext>
+                        <a:ext uri="{AF507438-7753-43E0-B8FC-AC1667EBCBE1}">
+                          <a14:hiddenEffects xmlns:a14="http://schemas.microsoft.com/office/drawing/2010/main">
+                            <a:effectLst>
+                              <a:outerShdw dist="35921" dir="2700000" algn="ctr" rotWithShape="0">
+                                <a:schemeClr val="bg2"/>
+                              </a:outerShdw>
+                            </a:effectLst>
+                          </a14:hiddenEffects>
+                        </a:ext>
+                      </a:extLst>
+                    </p:spPr>
+                  </p:pic>
+                </p:oleObj>
+              </mc:Fallback>
+            </mc:AlternateContent>
           </a:graphicData>
         </a:graphic>
       </p:graphicFrame>
@@ -7521,9 +9610,82 @@
         </p:xfrm>
         <a:graphic>
           <a:graphicData uri="http://schemas.openxmlformats.org/presentationml/2006/ole">
-            <p:oleObj spid="_x0000_s26630" name="方程式" r:id="rId7" imgW="672840" imgH="393480" progId="Equation.3">
-              <p:embed/>
-            </p:oleObj>
+            <mc:AlternateContent xmlns:mc="http://schemas.openxmlformats.org/markup-compatibility/2006">
+              <mc:Choice xmlns:v="urn:schemas-microsoft-com:vml" Requires="v">
+                <p:oleObj spid="_x0000_s26648" name="方程式" r:id="rId11" imgW="672840" imgH="393480" progId="Equation.3">
+                  <p:embed/>
+                </p:oleObj>
+              </mc:Choice>
+              <mc:Fallback>
+                <p:oleObj name="方程式" r:id="rId11" imgW="672840" imgH="393480" progId="Equation.3">
+                  <p:embed/>
+                  <p:pic>
+                    <p:nvPicPr>
+                      <p:cNvPr id="0" name="Picture 6"/>
+                      <p:cNvPicPr>
+                        <a:picLocks noChangeAspect="1" noChangeArrowheads="1"/>
+                      </p:cNvPicPr>
+                      <p:nvPr/>
+                    </p:nvPicPr>
+                    <p:blipFill>
+                      <a:blip r:embed="rId12">
+                        <a:extLst>
+                          <a:ext uri="{28A0092B-C50C-407E-A947-70E740481C1C}">
+                            <a14:useLocalDpi xmlns:a14="http://schemas.microsoft.com/office/drawing/2010/main" val="0"/>
+                          </a:ext>
+                        </a:extLst>
+                      </a:blip>
+                      <a:srcRect/>
+                      <a:stretch>
+                        <a:fillRect/>
+                      </a:stretch>
+                    </p:blipFill>
+                    <p:spPr bwMode="auto">
+                      <a:xfrm>
+                        <a:off x="3711586" y="4100507"/>
+                        <a:ext cx="1482725" cy="866775"/>
+                      </a:xfrm>
+                      <a:prstGeom prst="rect">
+                        <a:avLst/>
+                      </a:prstGeom>
+                      <a:noFill/>
+                      <a:ln>
+                        <a:noFill/>
+                      </a:ln>
+                      <a:effectLst/>
+                      <a:extLst>
+                        <a:ext uri="{909E8E84-426E-40DD-AFC4-6F175D3DCCD1}">
+                          <a14:hiddenFill xmlns:a14="http://schemas.microsoft.com/office/drawing/2010/main">
+                            <a:solidFill>
+                              <a:schemeClr val="accent1"/>
+                            </a:solidFill>
+                          </a14:hiddenFill>
+                        </a:ext>
+                        <a:ext uri="{91240B29-F687-4F45-9708-019B960494DF}">
+                          <a14:hiddenLine xmlns:a14="http://schemas.microsoft.com/office/drawing/2010/main" w="9525">
+                            <a:solidFill>
+                              <a:schemeClr val="tx1"/>
+                            </a:solidFill>
+                            <a:miter lim="800000"/>
+                            <a:headEnd/>
+                            <a:tailEnd/>
+                          </a14:hiddenLine>
+                        </a:ext>
+                        <a:ext uri="{AF507438-7753-43E0-B8FC-AC1667EBCBE1}">
+                          <a14:hiddenEffects xmlns:a14="http://schemas.microsoft.com/office/drawing/2010/main">
+                            <a:effectLst>
+                              <a:outerShdw dist="35921" dir="2700000" algn="ctr" rotWithShape="0">
+                                <a:schemeClr val="bg2"/>
+                              </a:outerShdw>
+                            </a:effectLst>
+                          </a14:hiddenEffects>
+                        </a:ext>
+                      </a:extLst>
+                    </p:spPr>
+                  </p:pic>
+                </p:oleObj>
+              </mc:Fallback>
+            </mc:AlternateContent>
           </a:graphicData>
         </a:graphic>
       </p:graphicFrame>
@@ -7541,9 +9703,82 @@
         </p:xfrm>
         <a:graphic>
           <a:graphicData uri="http://schemas.openxmlformats.org/presentationml/2006/ole">
-            <p:oleObj spid="_x0000_s26631" name="方程式" r:id="rId8" imgW="431640" imgH="228600" progId="Equation.3">
-              <p:embed/>
-            </p:oleObj>
+            <mc:AlternateContent xmlns:mc="http://schemas.openxmlformats.org/markup-compatibility/2006">
+              <mc:Choice xmlns:v="urn:schemas-microsoft-com:vml" Requires="v">
+                <p:oleObj spid="_x0000_s26649" name="方程式" r:id="rId13" imgW="431640" imgH="228600" progId="Equation.3">
+                  <p:embed/>
+                </p:oleObj>
+              </mc:Choice>
+              <mc:Fallback>
+                <p:oleObj name="方程式" r:id="rId13" imgW="431640" imgH="228600" progId="Equation.3">
+                  <p:embed/>
+                  <p:pic>
+                    <p:nvPicPr>
+                      <p:cNvPr id="0" name="Picture 7"/>
+                      <p:cNvPicPr>
+                        <a:picLocks noChangeAspect="1" noChangeArrowheads="1"/>
+                      </p:cNvPicPr>
+                      <p:nvPr/>
+                    </p:nvPicPr>
+                    <p:blipFill>
+                      <a:blip r:embed="rId14">
+                        <a:extLst>
+                          <a:ext uri="{28A0092B-C50C-407E-A947-70E740481C1C}">
+                            <a14:useLocalDpi xmlns:a14="http://schemas.microsoft.com/office/drawing/2010/main" val="0"/>
+                          </a:ext>
+                        </a:extLst>
+                      </a:blip>
+                      <a:srcRect/>
+                      <a:stretch>
+                        <a:fillRect/>
+                      </a:stretch>
+                    </p:blipFill>
+                    <p:spPr bwMode="auto">
+                      <a:xfrm>
+                        <a:off x="6536251" y="4373560"/>
+                        <a:ext cx="949325" cy="503237"/>
+                      </a:xfrm>
+                      <a:prstGeom prst="rect">
+                        <a:avLst/>
+                      </a:prstGeom>
+                      <a:noFill/>
+                      <a:ln>
+                        <a:noFill/>
+                      </a:ln>
+                      <a:effectLst/>
+                      <a:extLst>
+                        <a:ext uri="{909E8E84-426E-40DD-AFC4-6F175D3DCCD1}">
+                          <a14:hiddenFill xmlns:a14="http://schemas.microsoft.com/office/drawing/2010/main">
+                            <a:solidFill>
+                              <a:schemeClr val="accent1"/>
+                            </a:solidFill>
+                          </a14:hiddenFill>
+                        </a:ext>
+                        <a:ext uri="{91240B29-F687-4F45-9708-019B960494DF}">
+                          <a14:hiddenLine xmlns:a14="http://schemas.microsoft.com/office/drawing/2010/main" w="9525">
+                            <a:solidFill>
+                              <a:schemeClr val="tx1"/>
+                            </a:solidFill>
+                            <a:miter lim="800000"/>
+                            <a:headEnd/>
+                            <a:tailEnd/>
+                          </a14:hiddenLine>
+                        </a:ext>
+                        <a:ext uri="{AF507438-7753-43E0-B8FC-AC1667EBCBE1}">
+                          <a14:hiddenEffects xmlns:a14="http://schemas.microsoft.com/office/drawing/2010/main">
+                            <a:effectLst>
+                              <a:outerShdw dist="35921" dir="2700000" algn="ctr" rotWithShape="0">
+                                <a:schemeClr val="bg2"/>
+                              </a:outerShdw>
+                            </a:effectLst>
+                          </a14:hiddenEffects>
+                        </a:ext>
+                      </a:extLst>
+                    </p:spPr>
+                  </p:pic>
+                </p:oleObj>
+              </mc:Fallback>
+            </mc:AlternateContent>
           </a:graphicData>
         </a:graphic>
       </p:graphicFrame>
@@ -7586,7 +9821,7 @@
     </p:spTree>
     <p:extLst>
       <p:ext uri="{BB962C8B-B14F-4D97-AF65-F5344CB8AC3E}">
-        <p14:creationId xmlns="" xmlns:p14="http://schemas.microsoft.com/office/powerpoint/2010/main" val="3040030372"/>
+        <p14:creationId xmlns:p14="http://schemas.microsoft.com/office/powerpoint/2010/main" val="3040030372"/>
       </p:ext>
     </p:extLst>
   </p:cSld>
@@ -7919,7 +10154,7 @@
 </p:sld>
 </file>
 
-<file path=ppt/slides/slide16.xml><?xml version="1.0" encoding="utf-8"?>
+<file path=ppt/slides/slide17.xml><?xml version="1.0" encoding="utf-8"?>
 <p:sld xmlns:a="http://schemas.openxmlformats.org/drawingml/2006/main" xmlns:r="http://schemas.openxmlformats.org/officeDocument/2006/relationships" xmlns:p="http://schemas.openxmlformats.org/presentationml/2006/main">
   <p:cSld>
     <p:spTree>
@@ -7987,7 +10222,7 @@
           <a:blip r:embed="rId2">
             <a:extLst>
               <a:ext uri="{28A0092B-C50C-407E-A947-70E740481C1C}">
-                <a14:useLocalDpi xmlns="" xmlns:a14="http://schemas.microsoft.com/office/drawing/2010/main" val="0"/>
+                <a14:useLocalDpi xmlns:a14="http://schemas.microsoft.com/office/drawing/2010/main" val="0"/>
               </a:ext>
             </a:extLst>
           </a:blip>
@@ -8017,7 +10252,7 @@
           <a:blip r:embed="rId3">
             <a:extLst>
               <a:ext uri="{28A0092B-C50C-407E-A947-70E740481C1C}">
-                <a14:useLocalDpi xmlns="" xmlns:a14="http://schemas.microsoft.com/office/drawing/2010/main" val="0"/>
+                <a14:useLocalDpi xmlns:a14="http://schemas.microsoft.com/office/drawing/2010/main" val="0"/>
               </a:ext>
             </a:extLst>
           </a:blip>
@@ -8047,7 +10282,7 @@
           <a:blip r:embed="rId4">
             <a:extLst>
               <a:ext uri="{28A0092B-C50C-407E-A947-70E740481C1C}">
-                <a14:useLocalDpi xmlns="" xmlns:a14="http://schemas.microsoft.com/office/drawing/2010/main" val="0"/>
+                <a14:useLocalDpi xmlns:a14="http://schemas.microsoft.com/office/drawing/2010/main" val="0"/>
               </a:ext>
             </a:extLst>
           </a:blip>
@@ -8077,7 +10312,7 @@
           <a:blip r:embed="rId5">
             <a:extLst>
               <a:ext uri="{28A0092B-C50C-407E-A947-70E740481C1C}">
-                <a14:useLocalDpi xmlns="" xmlns:a14="http://schemas.microsoft.com/office/drawing/2010/main" val="0"/>
+                <a14:useLocalDpi xmlns:a14="http://schemas.microsoft.com/office/drawing/2010/main" val="0"/>
               </a:ext>
             </a:extLst>
           </a:blip>
@@ -8107,7 +10342,7 @@
           <a:blip r:embed="rId6">
             <a:extLst>
               <a:ext uri="{28A0092B-C50C-407E-A947-70E740481C1C}">
-                <a14:useLocalDpi xmlns="" xmlns:a14="http://schemas.microsoft.com/office/drawing/2010/main" val="0"/>
+                <a14:useLocalDpi xmlns:a14="http://schemas.microsoft.com/office/drawing/2010/main" val="0"/>
               </a:ext>
             </a:extLst>
           </a:blip>
@@ -8235,7 +10470,7 @@
     </p:spTree>
     <p:extLst>
       <p:ext uri="{BB962C8B-B14F-4D97-AF65-F5344CB8AC3E}">
-        <p14:creationId xmlns="" xmlns:p14="http://schemas.microsoft.com/office/powerpoint/2010/main" val="2631485282"/>
+        <p14:creationId xmlns:p14="http://schemas.microsoft.com/office/powerpoint/2010/main" val="2631485282"/>
       </p:ext>
     </p:extLst>
   </p:cSld>
@@ -8554,7 +10789,7 @@
 </p:sld>
 </file>
 
-<file path=ppt/slides/slide17.xml><?xml version="1.0" encoding="utf-8"?>
+<file path=ppt/slides/slide18.xml><?xml version="1.0" encoding="utf-8"?>
 <p:sld xmlns:a="http://schemas.openxmlformats.org/drawingml/2006/main" xmlns:r="http://schemas.openxmlformats.org/officeDocument/2006/relationships" xmlns:p="http://schemas.openxmlformats.org/presentationml/2006/main">
   <p:cSld>
     <p:spTree>
@@ -8730,7 +10965,7 @@
     </p:spTree>
     <p:extLst>
       <p:ext uri="{BB962C8B-B14F-4D97-AF65-F5344CB8AC3E}">
-        <p14:creationId xmlns="" xmlns:p14="http://schemas.microsoft.com/office/powerpoint/2010/main" val="2631485282"/>
+        <p14:creationId xmlns:p14="http://schemas.microsoft.com/office/powerpoint/2010/main" val="2631485282"/>
       </p:ext>
     </p:extLst>
   </p:cSld>
@@ -8890,7 +11125,7 @@
 </p:sld>
 </file>
 
-<file path=ppt/slides/slide18.xml><?xml version="1.0" encoding="utf-8"?>
+<file path=ppt/slides/slide19.xml><?xml version="1.0" encoding="utf-8"?>
 <p:sld xmlns:a="http://schemas.openxmlformats.org/drawingml/2006/main" xmlns:r="http://schemas.openxmlformats.org/officeDocument/2006/relationships" xmlns:p="http://schemas.openxmlformats.org/presentationml/2006/main">
   <p:cSld>
     <p:spTree>
@@ -10310,7 +12545,7 @@
     </p:spTree>
     <p:extLst>
       <p:ext uri="{BB962C8B-B14F-4D97-AF65-F5344CB8AC3E}">
-        <p14:creationId xmlns="" xmlns:p14="http://schemas.microsoft.com/office/powerpoint/2010/main" val="2631485282"/>
+        <p14:creationId xmlns:p14="http://schemas.microsoft.com/office/powerpoint/2010/main" val="2631485282"/>
       </p:ext>
     </p:extLst>
   </p:cSld>
@@ -10881,288 +13116,6 @@
 </p:sld>
 </file>
 
-<file path=ppt/slides/slide19.xml><?xml version="1.0" encoding="utf-8"?>
-<p:sld xmlns:a="http://schemas.openxmlformats.org/drawingml/2006/main" xmlns:r="http://schemas.openxmlformats.org/officeDocument/2006/relationships" xmlns:p="http://schemas.openxmlformats.org/presentationml/2006/main">
-  <p:cSld>
-    <p:spTree>
-      <p:nvGrpSpPr>
-        <p:cNvPr id="1" name=""/>
-        <p:cNvGrpSpPr/>
-        <p:nvPr/>
-      </p:nvGrpSpPr>
-      <p:grpSpPr>
-        <a:xfrm>
-          <a:off x="0" y="0"/>
-          <a:ext cx="0" cy="0"/>
-          <a:chOff x="0" y="0"/>
-          <a:chExt cx="0" cy="0"/>
-        </a:xfrm>
-      </p:grpSpPr>
-      <p:sp>
-        <p:nvSpPr>
-          <p:cNvPr id="4" name="Title 3"/>
-          <p:cNvSpPr>
-            <a:spLocks noGrp="1"/>
-          </p:cNvSpPr>
-          <p:nvPr>
-            <p:ph type="title"/>
-          </p:nvPr>
-        </p:nvSpPr>
-        <p:spPr>
-          <a:xfrm>
-            <a:off x="228600" y="228600"/>
-            <a:ext cx="3326232" cy="492443"/>
-          </a:xfrm>
-        </p:spPr>
-        <p:txBody>
-          <a:bodyPr/>
-          <a:lstStyle/>
-          <a:p>
-            <a:pPr marL="342900" indent="-342900"/>
-            <a:r>
-              <a:rPr lang="en-US" altLang="zh-TW" sz="3200" dirty="0" smtClean="0">
-                <a:solidFill>
-                  <a:schemeClr val="tx1"/>
-                </a:solidFill>
-                <a:latin typeface="+mj-lt"/>
-              </a:rPr>
-              <a:t>Cascade classifier</a:t>
-            </a:r>
-            <a:endParaRPr lang="en-US" altLang="zh-TW" sz="3200" dirty="0">
-              <a:solidFill>
-                <a:schemeClr val="tx1"/>
-              </a:solidFill>
-              <a:latin typeface="+mj-lt"/>
-            </a:endParaRPr>
-          </a:p>
-        </p:txBody>
-      </p:sp>
-      <p:sp>
-        <p:nvSpPr>
-          <p:cNvPr id="35" name="矩形 34"/>
-          <p:cNvSpPr/>
-          <p:nvPr/>
-        </p:nvSpPr>
-        <p:spPr>
-          <a:xfrm>
-            <a:off x="230399" y="939800"/>
-            <a:ext cx="7423467" cy="738664"/>
-          </a:xfrm>
-          <a:prstGeom prst="rect">
-            <a:avLst/>
-          </a:prstGeom>
-        </p:spPr>
-        <p:txBody>
-          <a:bodyPr wrap="square">
-            <a:spAutoFit/>
-          </a:bodyPr>
-          <a:lstStyle/>
-          <a:p>
-            <a:r>
-              <a:rPr lang="en-US" altLang="zh-TW" sz="2400" dirty="0" smtClean="0">
-                <a:latin typeface="Gungsuh" pitchFamily="18" charset="-127"/>
-                <a:ea typeface="Gungsuh" pitchFamily="18" charset="-127"/>
-              </a:rPr>
-              <a:t>Robust Real-Time Face Detection</a:t>
-            </a:r>
-          </a:p>
-          <a:p>
-            <a:r>
-              <a:rPr lang="en-US" altLang="zh-TW" dirty="0" smtClean="0">
-                <a:latin typeface="Gungsuh" pitchFamily="18" charset="-127"/>
-                <a:ea typeface="Gungsuh" pitchFamily="18" charset="-127"/>
-              </a:rPr>
-              <a:t>PAUL VIOLA / MICHAEL J. JONE</a:t>
-            </a:r>
-          </a:p>
-        </p:txBody>
-      </p:sp>
-      <p:pic>
-        <p:nvPicPr>
-          <p:cNvPr id="31746" name="Picture 2" descr="C:\Users\LiangLeon\Desktop\haar.png"/>
-          <p:cNvPicPr>
-            <a:picLocks noChangeAspect="1" noChangeArrowheads="1"/>
-          </p:cNvPicPr>
-          <p:nvPr/>
-        </p:nvPicPr>
-        <p:blipFill>
-          <a:blip r:embed="rId2"/>
-          <a:srcRect/>
-          <a:stretch>
-            <a:fillRect/>
-          </a:stretch>
-        </p:blipFill>
-        <p:spPr bwMode="auto">
-          <a:xfrm>
-            <a:off x="230399" y="1915620"/>
-            <a:ext cx="5103761" cy="2448264"/>
-          </a:xfrm>
-          <a:prstGeom prst="rect">
-            <a:avLst/>
-          </a:prstGeom>
-          <a:noFill/>
-        </p:spPr>
-      </p:pic>
-      <p:pic>
-        <p:nvPicPr>
-          <p:cNvPr id="31747" name="Picture 3" descr="C:\Users\LiangLeon\Desktop\images.jpg"/>
-          <p:cNvPicPr>
-            <a:picLocks noChangeAspect="1" noChangeArrowheads="1"/>
-          </p:cNvPicPr>
-          <p:nvPr/>
-        </p:nvPicPr>
-        <p:blipFill>
-          <a:blip r:embed="rId3"/>
-          <a:srcRect/>
-          <a:stretch>
-            <a:fillRect/>
-          </a:stretch>
-        </p:blipFill>
-        <p:spPr bwMode="auto">
-          <a:xfrm>
-            <a:off x="5658625" y="1996052"/>
-            <a:ext cx="3069293" cy="2299007"/>
-          </a:xfrm>
-          <a:prstGeom prst="rect">
-            <a:avLst/>
-          </a:prstGeom>
-          <a:noFill/>
-        </p:spPr>
-      </p:pic>
-      <p:pic>
-        <p:nvPicPr>
-          <p:cNvPr id="31748" name="Picture 4" descr="D:\ComputerVision\Github\AdaBoostExample\Presentation\Cascade.png"/>
-          <p:cNvPicPr>
-            <a:picLocks noChangeAspect="1" noChangeArrowheads="1"/>
-          </p:cNvPicPr>
-          <p:nvPr/>
-        </p:nvPicPr>
-        <p:blipFill>
-          <a:blip r:embed="rId4"/>
-          <a:srcRect/>
-          <a:stretch>
-            <a:fillRect/>
-          </a:stretch>
-        </p:blipFill>
-        <p:spPr bwMode="auto">
-          <a:xfrm>
-            <a:off x="230399" y="4363884"/>
-            <a:ext cx="3037734" cy="2192986"/>
-          </a:xfrm>
-          <a:prstGeom prst="rect">
-            <a:avLst/>
-          </a:prstGeom>
-          <a:noFill/>
-        </p:spPr>
-      </p:pic>
-      <p:sp>
-        <p:nvSpPr>
-          <p:cNvPr id="36" name="矩形 35"/>
-          <p:cNvSpPr/>
-          <p:nvPr/>
-        </p:nvSpPr>
-        <p:spPr>
-          <a:xfrm>
-            <a:off x="1447800" y="5401733"/>
-            <a:ext cx="347133" cy="262467"/>
-          </a:xfrm>
-          <a:prstGeom prst="rect">
-            <a:avLst/>
-          </a:prstGeom>
-          <a:noFill/>
-          <a:ln w="19050">
-            <a:solidFill>
-              <a:srgbClr val="FF0000"/>
-            </a:solidFill>
-          </a:ln>
-        </p:spPr>
-        <p:style>
-          <a:lnRef idx="1">
-            <a:schemeClr val="accent1"/>
-          </a:lnRef>
-          <a:fillRef idx="3">
-            <a:schemeClr val="accent1"/>
-          </a:fillRef>
-          <a:effectRef idx="2">
-            <a:schemeClr val="accent1"/>
-          </a:effectRef>
-          <a:fontRef idx="minor">
-            <a:schemeClr val="lt1"/>
-          </a:fontRef>
-        </p:style>
-        <p:txBody>
-          <a:bodyPr rtlCol="0" anchor="ctr"/>
-          <a:lstStyle/>
-          <a:p>
-            <a:pPr algn="ctr"/>
-            <a:endParaRPr lang="zh-TW" altLang="en-US"/>
-          </a:p>
-        </p:txBody>
-      </p:sp>
-      <p:sp>
-        <p:nvSpPr>
-          <p:cNvPr id="37" name="矩形 36"/>
-          <p:cNvSpPr/>
-          <p:nvPr/>
-        </p:nvSpPr>
-        <p:spPr>
-          <a:xfrm>
-            <a:off x="2167467" y="5291666"/>
-            <a:ext cx="465666" cy="474134"/>
-          </a:xfrm>
-          <a:prstGeom prst="rect">
-            <a:avLst/>
-          </a:prstGeom>
-          <a:noFill/>
-          <a:ln w="19050">
-            <a:solidFill>
-              <a:srgbClr val="FF0000"/>
-            </a:solidFill>
-          </a:ln>
-        </p:spPr>
-        <p:style>
-          <a:lnRef idx="1">
-            <a:schemeClr val="accent1"/>
-          </a:lnRef>
-          <a:fillRef idx="3">
-            <a:schemeClr val="accent1"/>
-          </a:fillRef>
-          <a:effectRef idx="2">
-            <a:schemeClr val="accent1"/>
-          </a:effectRef>
-          <a:fontRef idx="minor">
-            <a:schemeClr val="lt1"/>
-          </a:fontRef>
-        </p:style>
-        <p:txBody>
-          <a:bodyPr rtlCol="0" anchor="ctr"/>
-          <a:lstStyle/>
-          <a:p>
-            <a:pPr algn="ctr"/>
-            <a:endParaRPr lang="zh-TW" altLang="en-US"/>
-          </a:p>
-        </p:txBody>
-      </p:sp>
-    </p:spTree>
-    <p:extLst>
-      <p:ext uri="{BB962C8B-B14F-4D97-AF65-F5344CB8AC3E}">
-        <p14:creationId xmlns="" xmlns:p14="http://schemas.microsoft.com/office/powerpoint/2010/main" val="2631485282"/>
-      </p:ext>
-    </p:extLst>
-  </p:cSld>
-  <p:clrMapOvr>
-    <a:masterClrMapping/>
-  </p:clrMapOvr>
-  <p:timing>
-    <p:tnLst>
-      <p:par>
-        <p:cTn id="1" dur="indefinite" restart="never" nodeType="tmRoot"/>
-      </p:par>
-    </p:tnLst>
-  </p:timing>
-</p:sld>
-</file>
-
 <file path=ppt/slides/slide2.xml><?xml version="1.0" encoding="utf-8"?>
 <p:sld xmlns:a="http://schemas.openxmlformats.org/drawingml/2006/main" xmlns:r="http://schemas.openxmlformats.org/officeDocument/2006/relationships" xmlns:p="http://schemas.openxmlformats.org/presentationml/2006/main">
   <p:cSld>
@@ -11317,7 +13270,7 @@
           <p:nvPr/>
         </p:nvPicPr>
         <p:blipFill>
-          <a:blip r:embed="rId2"/>
+          <a:blip r:embed="rId3"/>
           <a:srcRect/>
           <a:stretch>
             <a:fillRect/>
@@ -11349,7 +13302,7 @@
           <p:nvPr/>
         </p:nvPicPr>
         <p:blipFill>
-          <a:blip r:embed="rId3"/>
+          <a:blip r:embed="rId4"/>
           <a:srcRect/>
           <a:stretch>
             <a:fillRect/>
@@ -11774,7 +13727,7 @@
     </p:spTree>
     <p:extLst>
       <p:ext uri="{BB962C8B-B14F-4D97-AF65-F5344CB8AC3E}">
-        <p14:creationId xmlns="" xmlns:p14="http://schemas.microsoft.com/office/powerpoint/2010/main" val="1692470345"/>
+        <p14:creationId xmlns:p14="http://schemas.microsoft.com/office/powerpoint/2010/main" val="1692470345"/>
       </p:ext>
     </p:extLst>
   </p:cSld>
@@ -12951,6 +14904,288 @@
 </file>
 
 <file path=ppt/slides/slide20.xml><?xml version="1.0" encoding="utf-8"?>
+<p:sld xmlns:a="http://schemas.openxmlformats.org/drawingml/2006/main" xmlns:r="http://schemas.openxmlformats.org/officeDocument/2006/relationships" xmlns:p="http://schemas.openxmlformats.org/presentationml/2006/main">
+  <p:cSld>
+    <p:spTree>
+      <p:nvGrpSpPr>
+        <p:cNvPr id="1" name=""/>
+        <p:cNvGrpSpPr/>
+        <p:nvPr/>
+      </p:nvGrpSpPr>
+      <p:grpSpPr>
+        <a:xfrm>
+          <a:off x="0" y="0"/>
+          <a:ext cx="0" cy="0"/>
+          <a:chOff x="0" y="0"/>
+          <a:chExt cx="0" cy="0"/>
+        </a:xfrm>
+      </p:grpSpPr>
+      <p:sp>
+        <p:nvSpPr>
+          <p:cNvPr id="4" name="Title 3"/>
+          <p:cNvSpPr>
+            <a:spLocks noGrp="1"/>
+          </p:cNvSpPr>
+          <p:nvPr>
+            <p:ph type="title"/>
+          </p:nvPr>
+        </p:nvSpPr>
+        <p:spPr>
+          <a:xfrm>
+            <a:off x="228600" y="228600"/>
+            <a:ext cx="3326232" cy="492443"/>
+          </a:xfrm>
+        </p:spPr>
+        <p:txBody>
+          <a:bodyPr/>
+          <a:lstStyle/>
+          <a:p>
+            <a:pPr marL="342900" indent="-342900"/>
+            <a:r>
+              <a:rPr lang="en-US" altLang="zh-TW" sz="3200" dirty="0" smtClean="0">
+                <a:solidFill>
+                  <a:schemeClr val="tx1"/>
+                </a:solidFill>
+                <a:latin typeface="+mj-lt"/>
+              </a:rPr>
+              <a:t>Cascade classifier</a:t>
+            </a:r>
+            <a:endParaRPr lang="en-US" altLang="zh-TW" sz="3200" dirty="0">
+              <a:solidFill>
+                <a:schemeClr val="tx1"/>
+              </a:solidFill>
+              <a:latin typeface="+mj-lt"/>
+            </a:endParaRPr>
+          </a:p>
+        </p:txBody>
+      </p:sp>
+      <p:sp>
+        <p:nvSpPr>
+          <p:cNvPr id="35" name="矩形 34"/>
+          <p:cNvSpPr/>
+          <p:nvPr/>
+        </p:nvSpPr>
+        <p:spPr>
+          <a:xfrm>
+            <a:off x="230399" y="939800"/>
+            <a:ext cx="7423467" cy="738664"/>
+          </a:xfrm>
+          <a:prstGeom prst="rect">
+            <a:avLst/>
+          </a:prstGeom>
+        </p:spPr>
+        <p:txBody>
+          <a:bodyPr wrap="square">
+            <a:spAutoFit/>
+          </a:bodyPr>
+          <a:lstStyle/>
+          <a:p>
+            <a:r>
+              <a:rPr lang="en-US" altLang="zh-TW" sz="2400" dirty="0" smtClean="0">
+                <a:latin typeface="Gungsuh" pitchFamily="18" charset="-127"/>
+                <a:ea typeface="Gungsuh" pitchFamily="18" charset="-127"/>
+              </a:rPr>
+              <a:t>Robust Real-Time Face Detection</a:t>
+            </a:r>
+          </a:p>
+          <a:p>
+            <a:r>
+              <a:rPr lang="en-US" altLang="zh-TW" dirty="0" smtClean="0">
+                <a:latin typeface="Gungsuh" pitchFamily="18" charset="-127"/>
+                <a:ea typeface="Gungsuh" pitchFamily="18" charset="-127"/>
+              </a:rPr>
+              <a:t>PAUL VIOLA / MICHAEL J. JONE</a:t>
+            </a:r>
+          </a:p>
+        </p:txBody>
+      </p:sp>
+      <p:pic>
+        <p:nvPicPr>
+          <p:cNvPr id="31746" name="Picture 2" descr="C:\Users\LiangLeon\Desktop\haar.png"/>
+          <p:cNvPicPr>
+            <a:picLocks noChangeAspect="1" noChangeArrowheads="1"/>
+          </p:cNvPicPr>
+          <p:nvPr/>
+        </p:nvPicPr>
+        <p:blipFill>
+          <a:blip r:embed="rId2"/>
+          <a:srcRect/>
+          <a:stretch>
+            <a:fillRect/>
+          </a:stretch>
+        </p:blipFill>
+        <p:spPr bwMode="auto">
+          <a:xfrm>
+            <a:off x="230399" y="1915620"/>
+            <a:ext cx="5103761" cy="2448264"/>
+          </a:xfrm>
+          <a:prstGeom prst="rect">
+            <a:avLst/>
+          </a:prstGeom>
+          <a:noFill/>
+        </p:spPr>
+      </p:pic>
+      <p:pic>
+        <p:nvPicPr>
+          <p:cNvPr id="31747" name="Picture 3" descr="C:\Users\LiangLeon\Desktop\images.jpg"/>
+          <p:cNvPicPr>
+            <a:picLocks noChangeAspect="1" noChangeArrowheads="1"/>
+          </p:cNvPicPr>
+          <p:nvPr/>
+        </p:nvPicPr>
+        <p:blipFill>
+          <a:blip r:embed="rId3"/>
+          <a:srcRect/>
+          <a:stretch>
+            <a:fillRect/>
+          </a:stretch>
+        </p:blipFill>
+        <p:spPr bwMode="auto">
+          <a:xfrm>
+            <a:off x="5658625" y="1996052"/>
+            <a:ext cx="3069293" cy="2299007"/>
+          </a:xfrm>
+          <a:prstGeom prst="rect">
+            <a:avLst/>
+          </a:prstGeom>
+          <a:noFill/>
+        </p:spPr>
+      </p:pic>
+      <p:pic>
+        <p:nvPicPr>
+          <p:cNvPr id="31748" name="Picture 4" descr="D:\ComputerVision\Github\AdaBoostExample\Presentation\Cascade.png"/>
+          <p:cNvPicPr>
+            <a:picLocks noChangeAspect="1" noChangeArrowheads="1"/>
+          </p:cNvPicPr>
+          <p:nvPr/>
+        </p:nvPicPr>
+        <p:blipFill>
+          <a:blip r:embed="rId4"/>
+          <a:srcRect/>
+          <a:stretch>
+            <a:fillRect/>
+          </a:stretch>
+        </p:blipFill>
+        <p:spPr bwMode="auto">
+          <a:xfrm>
+            <a:off x="230399" y="4363884"/>
+            <a:ext cx="3037734" cy="2192986"/>
+          </a:xfrm>
+          <a:prstGeom prst="rect">
+            <a:avLst/>
+          </a:prstGeom>
+          <a:noFill/>
+        </p:spPr>
+      </p:pic>
+      <p:sp>
+        <p:nvSpPr>
+          <p:cNvPr id="36" name="矩形 35"/>
+          <p:cNvSpPr/>
+          <p:nvPr/>
+        </p:nvSpPr>
+        <p:spPr>
+          <a:xfrm>
+            <a:off x="1447800" y="5401733"/>
+            <a:ext cx="347133" cy="262467"/>
+          </a:xfrm>
+          <a:prstGeom prst="rect">
+            <a:avLst/>
+          </a:prstGeom>
+          <a:noFill/>
+          <a:ln w="19050">
+            <a:solidFill>
+              <a:srgbClr val="FF0000"/>
+            </a:solidFill>
+          </a:ln>
+        </p:spPr>
+        <p:style>
+          <a:lnRef idx="1">
+            <a:schemeClr val="accent1"/>
+          </a:lnRef>
+          <a:fillRef idx="3">
+            <a:schemeClr val="accent1"/>
+          </a:fillRef>
+          <a:effectRef idx="2">
+            <a:schemeClr val="accent1"/>
+          </a:effectRef>
+          <a:fontRef idx="minor">
+            <a:schemeClr val="lt1"/>
+          </a:fontRef>
+        </p:style>
+        <p:txBody>
+          <a:bodyPr rtlCol="0" anchor="ctr"/>
+          <a:lstStyle/>
+          <a:p>
+            <a:pPr algn="ctr"/>
+            <a:endParaRPr lang="zh-TW" altLang="en-US"/>
+          </a:p>
+        </p:txBody>
+      </p:sp>
+      <p:sp>
+        <p:nvSpPr>
+          <p:cNvPr id="37" name="矩形 36"/>
+          <p:cNvSpPr/>
+          <p:nvPr/>
+        </p:nvSpPr>
+        <p:spPr>
+          <a:xfrm>
+            <a:off x="2167467" y="5291666"/>
+            <a:ext cx="465666" cy="474134"/>
+          </a:xfrm>
+          <a:prstGeom prst="rect">
+            <a:avLst/>
+          </a:prstGeom>
+          <a:noFill/>
+          <a:ln w="19050">
+            <a:solidFill>
+              <a:srgbClr val="FF0000"/>
+            </a:solidFill>
+          </a:ln>
+        </p:spPr>
+        <p:style>
+          <a:lnRef idx="1">
+            <a:schemeClr val="accent1"/>
+          </a:lnRef>
+          <a:fillRef idx="3">
+            <a:schemeClr val="accent1"/>
+          </a:fillRef>
+          <a:effectRef idx="2">
+            <a:schemeClr val="accent1"/>
+          </a:effectRef>
+          <a:fontRef idx="minor">
+            <a:schemeClr val="lt1"/>
+          </a:fontRef>
+        </p:style>
+        <p:txBody>
+          <a:bodyPr rtlCol="0" anchor="ctr"/>
+          <a:lstStyle/>
+          <a:p>
+            <a:pPr algn="ctr"/>
+            <a:endParaRPr lang="zh-TW" altLang="en-US"/>
+          </a:p>
+        </p:txBody>
+      </p:sp>
+    </p:spTree>
+    <p:extLst>
+      <p:ext uri="{BB962C8B-B14F-4D97-AF65-F5344CB8AC3E}">
+        <p14:creationId xmlns:p14="http://schemas.microsoft.com/office/powerpoint/2010/main" val="2631485282"/>
+      </p:ext>
+    </p:extLst>
+  </p:cSld>
+  <p:clrMapOvr>
+    <a:masterClrMapping/>
+  </p:clrMapOvr>
+  <p:timing>
+    <p:tnLst>
+      <p:par>
+        <p:cTn id="1" dur="indefinite" restart="never" nodeType="tmRoot"/>
+      </p:par>
+    </p:tnLst>
+  </p:timing>
+</p:sld>
+</file>
+
+<file path=ppt/slides/slide21.xml><?xml version="1.0" encoding="utf-8"?>
 <p:sld xmlns:a="http://schemas.openxmlformats.org/drawingml/2006/main" xmlns:r="http://schemas.openxmlformats.org/officeDocument/2006/relationships" xmlns:p="http://schemas.openxmlformats.org/presentationml/2006/main">
   <p:cSld>
     <p:spTree>
@@ -14278,24 +16513,15 @@
               <a:rPr lang="en-US" altLang="zh-TW" sz="2400" dirty="0" smtClean="0">
                 <a:ea typeface="新細明體" pitchFamily="18" charset="-120"/>
               </a:rPr>
-              <a:t>Remove false cases </a:t>
+              <a:t>Remove false cases fast</a:t>
             </a:r>
-            <a:r>
-              <a:rPr lang="en-US" altLang="zh-TW" sz="2400" dirty="0" smtClean="0">
-                <a:ea typeface="新細明體" pitchFamily="18" charset="-120"/>
-              </a:rPr>
-              <a:t>fast</a:t>
-            </a:r>
-            <a:endParaRPr lang="en-US" altLang="zh-TW" sz="2400" dirty="0" smtClean="0">
-              <a:ea typeface="新細明體" pitchFamily="18" charset="-120"/>
-            </a:endParaRPr>
           </a:p>
         </p:txBody>
       </p:sp>
     </p:spTree>
     <p:extLst>
       <p:ext uri="{BB962C8B-B14F-4D97-AF65-F5344CB8AC3E}">
-        <p14:creationId xmlns="" xmlns:p14="http://schemas.microsoft.com/office/powerpoint/2010/main" val="2631485282"/>
+        <p14:creationId xmlns:p14="http://schemas.microsoft.com/office/powerpoint/2010/main" val="2631485282"/>
       </p:ext>
     </p:extLst>
   </p:cSld>
@@ -14312,7 +16538,7 @@
 </p:sld>
 </file>
 
-<file path=ppt/slides/slide21.xml><?xml version="1.0" encoding="utf-8"?>
+<file path=ppt/slides/slide22.xml><?xml version="1.0" encoding="utf-8"?>
 <p:sld xmlns:a="http://schemas.openxmlformats.org/drawingml/2006/main" xmlns:r="http://schemas.openxmlformats.org/officeDocument/2006/relationships" xmlns:p="http://schemas.openxmlformats.org/presentationml/2006/main">
   <p:cSld>
     <p:spTree>
@@ -14349,7 +16575,7 @@
                 <a:latin typeface="+mj-lt"/>
               </a:rPr>
               <a:pPr/>
-              <a:t>21</a:t>
+              <a:t>22</a:t>
             </a:fld>
             <a:endParaRPr lang="en-US" dirty="0">
               <a:latin typeface="+mj-lt"/>
@@ -14414,7 +16640,7 @@
     </p:spTree>
     <p:extLst>
       <p:ext uri="{BB962C8B-B14F-4D97-AF65-F5344CB8AC3E}">
-        <p14:creationId xmlns="" xmlns:p14="http://schemas.microsoft.com/office/powerpoint/2010/main" val="3598067464"/>
+        <p14:creationId xmlns:p14="http://schemas.microsoft.com/office/powerpoint/2010/main" val="3598067464"/>
       </p:ext>
     </p:extLst>
   </p:cSld>
@@ -14457,7 +16683,7 @@
           <p:nvPr/>
         </p:nvPicPr>
         <p:blipFill>
-          <a:blip r:embed="rId2"/>
+          <a:blip r:embed="rId3"/>
           <a:srcRect/>
           <a:stretch>
             <a:fillRect/>
@@ -14483,7 +16709,7 @@
           <p:nvPr/>
         </p:nvPicPr>
         <p:blipFill>
-          <a:blip r:embed="rId3"/>
+          <a:blip r:embed="rId4"/>
           <a:srcRect/>
           <a:stretch>
             <a:fillRect/>
@@ -14716,7 +16942,7 @@
     </p:spTree>
     <p:extLst>
       <p:ext uri="{BB962C8B-B14F-4D97-AF65-F5344CB8AC3E}">
-        <p14:creationId xmlns="" xmlns:p14="http://schemas.microsoft.com/office/powerpoint/2010/main" val="1692470345"/>
+        <p14:creationId xmlns:p14="http://schemas.microsoft.com/office/powerpoint/2010/main" val="1692470345"/>
       </p:ext>
     </p:extLst>
   </p:cSld>
@@ -15149,208 +17375,77 @@
           <p:nvPr>
             <p:extLst>
               <p:ext uri="{D42A27DB-BD31-4B8C-83A1-F6EECF244321}">
-                <p14:modId xmlns="" xmlns:p14="http://schemas.microsoft.com/office/powerpoint/2010/main" val="696194085"/>
+                <p14:modId xmlns:p14="http://schemas.microsoft.com/office/powerpoint/2010/main" val="2042989713"/>
               </p:ext>
             </p:extLst>
           </p:nvPr>
         </p:nvGraphicFramePr>
         <p:xfrm>
-          <a:off x="2530284" y="2515923"/>
+          <a:off x="1552919" y="4338460"/>
           <a:ext cx="3379787" cy="568325"/>
         </p:xfrm>
         <a:graphic>
           <a:graphicData uri="http://schemas.openxmlformats.org/presentationml/2006/ole">
-            <p:oleObj spid="_x0000_s4135" name="方程式" r:id="rId3" imgW="1256755" imgH="203112" progId="Equation.3">
-              <p:embed/>
-            </p:oleObj>
+            <mc:AlternateContent xmlns:mc="http://schemas.openxmlformats.org/markup-compatibility/2006">
+              <mc:Choice xmlns:v="urn:schemas-microsoft-com:vml" Requires="v">
+                <p:oleObj spid="_x0000_s4138" name="方程式" r:id="rId4" imgW="1256755" imgH="203112" progId="Equation.3">
+                  <p:embed/>
+                </p:oleObj>
+              </mc:Choice>
+              <mc:Fallback>
+                <p:oleObj name="方程式" r:id="rId4" imgW="1256755" imgH="203112" progId="Equation.3">
+                  <p:embed/>
+                  <p:pic>
+                    <p:nvPicPr>
+                      <p:cNvPr id="0" name="Picture 39"/>
+                      <p:cNvPicPr>
+                        <a:picLocks noChangeAspect="1" noChangeArrowheads="1"/>
+                      </p:cNvPicPr>
+                      <p:nvPr/>
+                    </p:nvPicPr>
+                    <p:blipFill>
+                      <a:blip r:embed="rId5">
+                        <a:extLst>
+                          <a:ext uri="{28A0092B-C50C-407E-A947-70E740481C1C}">
+                            <a14:useLocalDpi xmlns:a14="http://schemas.microsoft.com/office/drawing/2010/main" val="0"/>
+                          </a:ext>
+                        </a:extLst>
+                      </a:blip>
+                      <a:srcRect/>
+                      <a:stretch>
+                        <a:fillRect/>
+                      </a:stretch>
+                    </p:blipFill>
+                    <p:spPr bwMode="auto">
+                      <a:xfrm>
+                        <a:off x="1552919" y="4338460"/>
+                        <a:ext cx="3379787" cy="568325"/>
+                      </a:xfrm>
+                      <a:prstGeom prst="rect">
+                        <a:avLst/>
+                      </a:prstGeom>
+                      <a:noFill/>
+                      <a:extLst>
+                        <a:ext uri="{909E8E84-426E-40DD-AFC4-6F175D3DCCD1}">
+                          <a14:hiddenFill xmlns:a14="http://schemas.microsoft.com/office/drawing/2010/main">
+                            <a:solidFill>
+                              <a:srgbClr val="FFFFFF"/>
+                            </a:solidFill>
+                          </a14:hiddenFill>
+                        </a:ext>
+                      </a:extLst>
+                    </p:spPr>
+                  </p:pic>
+                </p:oleObj>
+              </mc:Fallback>
+            </mc:AlternateContent>
           </a:graphicData>
         </a:graphic>
       </p:graphicFrame>
-      <p:pic>
-        <p:nvPicPr>
-          <p:cNvPr id="14" name="Picture 2" descr="C:\Users\LiangLeon\Pictures\GARMIN\BinaryClassifier_1.png"/>
-          <p:cNvPicPr>
-            <a:picLocks noChangeAspect="1" noChangeArrowheads="1"/>
-          </p:cNvPicPr>
-          <p:nvPr/>
-        </p:nvPicPr>
-        <p:blipFill>
-          <a:blip r:embed="rId4"/>
-          <a:srcRect/>
-          <a:stretch>
-            <a:fillRect/>
-          </a:stretch>
-        </p:blipFill>
-        <p:spPr bwMode="auto">
-          <a:xfrm>
-            <a:off x="1954730" y="3377817"/>
-            <a:ext cx="4276040" cy="3187554"/>
-          </a:xfrm>
-          <a:prstGeom prst="rect">
-            <a:avLst/>
-          </a:prstGeom>
-          <a:noFill/>
-        </p:spPr>
-      </p:pic>
-      <p:cxnSp>
-        <p:nvCxnSpPr>
-          <p:cNvPr id="16" name="直線接點 15"/>
-          <p:cNvCxnSpPr/>
-          <p:nvPr/>
-        </p:nvCxnSpPr>
-        <p:spPr>
-          <a:xfrm flipH="1">
-            <a:off x="3412068" y="3488267"/>
-            <a:ext cx="1896532" cy="2895600"/>
-          </a:xfrm>
-          <a:prstGeom prst="line">
-            <a:avLst/>
-          </a:prstGeom>
-          <a:effectLst/>
-        </p:spPr>
-        <p:style>
-          <a:lnRef idx="2">
-            <a:schemeClr val="accent1"/>
-          </a:lnRef>
-          <a:fillRef idx="0">
-            <a:schemeClr val="accent1"/>
-          </a:fillRef>
-          <a:effectRef idx="1">
-            <a:schemeClr val="accent1"/>
-          </a:effectRef>
-          <a:fontRef idx="minor">
-            <a:schemeClr val="tx1"/>
-          </a:fontRef>
-        </p:style>
-      </p:cxnSp>
-      <p:pic>
-        <p:nvPicPr>
-          <p:cNvPr id="4102" name="Picture 6"/>
-          <p:cNvPicPr>
-            <a:picLocks noChangeAspect="1" noChangeArrowheads="1"/>
-          </p:cNvPicPr>
-          <p:nvPr/>
-        </p:nvPicPr>
-        <p:blipFill>
-          <a:blip r:embed="rId5"/>
-          <a:srcRect/>
-          <a:stretch>
-            <a:fillRect/>
-          </a:stretch>
-        </p:blipFill>
-        <p:spPr bwMode="auto">
-          <a:xfrm>
-            <a:off x="6553200" y="3543300"/>
-            <a:ext cx="338667" cy="387048"/>
-          </a:xfrm>
-          <a:prstGeom prst="rect">
-            <a:avLst/>
-          </a:prstGeom>
-          <a:noFill/>
-          <a:ln w="9525">
-            <a:noFill/>
-            <a:miter lim="800000"/>
-            <a:headEnd/>
-            <a:tailEnd/>
-          </a:ln>
-        </p:spPr>
-      </p:pic>
-      <p:pic>
-        <p:nvPicPr>
-          <p:cNvPr id="4103" name="Picture 7"/>
-          <p:cNvPicPr>
-            <a:picLocks noChangeAspect="1" noChangeArrowheads="1"/>
-          </p:cNvPicPr>
-          <p:nvPr/>
-        </p:nvPicPr>
-        <p:blipFill>
-          <a:blip r:embed="rId6"/>
-          <a:srcRect/>
-          <a:stretch>
-            <a:fillRect/>
-          </a:stretch>
-        </p:blipFill>
-        <p:spPr bwMode="auto">
-          <a:xfrm>
-            <a:off x="6553200" y="3897696"/>
-            <a:ext cx="338667" cy="378510"/>
-          </a:xfrm>
-          <a:prstGeom prst="rect">
-            <a:avLst/>
-          </a:prstGeom>
-          <a:noFill/>
-          <a:ln w="9525">
-            <a:noFill/>
-            <a:miter lim="800000"/>
-            <a:headEnd/>
-            <a:tailEnd/>
-          </a:ln>
-        </p:spPr>
-      </p:pic>
-      <p:sp>
-        <p:nvSpPr>
-          <p:cNvPr id="21" name="文字方塊 20"/>
-          <p:cNvSpPr txBox="1"/>
-          <p:nvPr/>
-        </p:nvSpPr>
-        <p:spPr>
-          <a:xfrm>
-            <a:off x="7062780" y="3535307"/>
-            <a:ext cx="447558" cy="369332"/>
-          </a:xfrm>
-          <a:prstGeom prst="rect">
-            <a:avLst/>
-          </a:prstGeom>
-          <a:noFill/>
-        </p:spPr>
-        <p:txBody>
-          <a:bodyPr wrap="none" rtlCol="0">
-            <a:spAutoFit/>
-          </a:bodyPr>
-          <a:lstStyle/>
-          <a:p>
-            <a:r>
-              <a:rPr lang="en-US" altLang="zh-TW" dirty="0" smtClean="0"/>
-              <a:t>+1</a:t>
-            </a:r>
-            <a:endParaRPr lang="zh-TW" altLang="en-US" dirty="0"/>
-          </a:p>
-        </p:txBody>
-      </p:sp>
-      <p:sp>
-        <p:nvSpPr>
-          <p:cNvPr id="22" name="文字方塊 21"/>
-          <p:cNvSpPr txBox="1"/>
-          <p:nvPr/>
-        </p:nvSpPr>
-        <p:spPr>
-          <a:xfrm>
-            <a:off x="7115646" y="3858431"/>
-            <a:ext cx="389850" cy="369332"/>
-          </a:xfrm>
-          <a:prstGeom prst="rect">
-            <a:avLst/>
-          </a:prstGeom>
-          <a:noFill/>
-        </p:spPr>
-        <p:txBody>
-          <a:bodyPr wrap="none" rtlCol="0">
-            <a:spAutoFit/>
-          </a:bodyPr>
-          <a:lstStyle/>
-          <a:p>
-            <a:r>
-              <a:rPr lang="en-US" altLang="zh-TW" dirty="0" smtClean="0"/>
-              <a:t>-1</a:t>
-            </a:r>
-            <a:endParaRPr lang="zh-TW" altLang="en-US" dirty="0"/>
-          </a:p>
-        </p:txBody>
-      </p:sp>
     </p:spTree>
     <p:extLst>
       <p:ext uri="{BB962C8B-B14F-4D97-AF65-F5344CB8AC3E}">
-        <p14:creationId xmlns="" xmlns:p14="http://schemas.microsoft.com/office/powerpoint/2010/main" val="3040030372"/>
+        <p14:creationId xmlns:p14="http://schemas.microsoft.com/office/powerpoint/2010/main" val="3040030372"/>
       </p:ext>
     </p:extLst>
   </p:cSld>
@@ -15368,6 +17463,343 @@
 </file>
 
 <file path=ppt/slides/slide5.xml><?xml version="1.0" encoding="utf-8"?>
+<p:sld xmlns:a="http://schemas.openxmlformats.org/drawingml/2006/main" xmlns:r="http://schemas.openxmlformats.org/officeDocument/2006/relationships" xmlns:p="http://schemas.openxmlformats.org/presentationml/2006/main">
+  <p:cSld>
+    <p:spTree>
+      <p:nvGrpSpPr>
+        <p:cNvPr id="1" name=""/>
+        <p:cNvGrpSpPr/>
+        <p:nvPr/>
+      </p:nvGrpSpPr>
+      <p:grpSpPr>
+        <a:xfrm>
+          <a:off x="0" y="0"/>
+          <a:ext cx="0" cy="0"/>
+          <a:chOff x="0" y="0"/>
+          <a:chExt cx="0" cy="0"/>
+        </a:xfrm>
+      </p:grpSpPr>
+      <p:sp>
+        <p:nvSpPr>
+          <p:cNvPr id="3" name="Content Placeholder 2"/>
+          <p:cNvSpPr>
+            <a:spLocks noGrp="1"/>
+          </p:cNvSpPr>
+          <p:nvPr>
+            <p:ph idx="1"/>
+          </p:nvPr>
+        </p:nvSpPr>
+        <p:spPr>
+          <a:xfrm>
+            <a:off x="228600" y="986319"/>
+            <a:ext cx="8689622" cy="763286"/>
+          </a:xfrm>
+        </p:spPr>
+        <p:txBody>
+          <a:bodyPr/>
+          <a:lstStyle/>
+          <a:p>
+            <a:pPr marL="1085850" lvl="1" indent="-342900">
+              <a:buNone/>
+            </a:pPr>
+            <a:endParaRPr lang="zh-TW" altLang="zh-TW" dirty="0" smtClean="0">
+              <a:latin typeface="+mj-lt"/>
+            </a:endParaRPr>
+          </a:p>
+          <a:p>
+            <a:pPr marL="1485900" lvl="2" indent="-342900">
+              <a:buFont typeface="Wingdings" panose="05000000000000000000" pitchFamily="2" charset="2"/>
+              <a:buChar char="Ø"/>
+            </a:pPr>
+            <a:endParaRPr lang="en-US" altLang="zh-TW" sz="1800" dirty="0">
+              <a:latin typeface="+mj-lt"/>
+            </a:endParaRPr>
+          </a:p>
+        </p:txBody>
+      </p:sp>
+      <p:sp>
+        <p:nvSpPr>
+          <p:cNvPr id="4" name="Title 3"/>
+          <p:cNvSpPr>
+            <a:spLocks noGrp="1"/>
+          </p:cNvSpPr>
+          <p:nvPr>
+            <p:ph type="title"/>
+          </p:nvPr>
+        </p:nvSpPr>
+        <p:spPr>
+          <a:xfrm>
+            <a:off x="228600" y="228600"/>
+            <a:ext cx="4533292" cy="492443"/>
+          </a:xfrm>
+        </p:spPr>
+        <p:txBody>
+          <a:bodyPr/>
+          <a:lstStyle/>
+          <a:p>
+            <a:pPr marL="342900" indent="-342900"/>
+            <a:r>
+              <a:rPr lang="en-US" altLang="zh-TW" sz="3200" dirty="0">
+                <a:solidFill>
+                  <a:schemeClr val="tx1"/>
+                </a:solidFill>
+                <a:latin typeface="+mj-lt"/>
+              </a:rPr>
+              <a:t>Binary classifier example</a:t>
+            </a:r>
+          </a:p>
+        </p:txBody>
+      </p:sp>
+      <p:sp>
+        <p:nvSpPr>
+          <p:cNvPr id="5" name="Content Placeholder 2"/>
+          <p:cNvSpPr txBox="1">
+            <a:spLocks/>
+          </p:cNvSpPr>
+          <p:nvPr/>
+        </p:nvSpPr>
+        <p:spPr>
+          <a:xfrm>
+            <a:off x="228600" y="986319"/>
+            <a:ext cx="8689622" cy="369332"/>
+          </a:xfrm>
+          <a:prstGeom prst="rect">
+            <a:avLst/>
+          </a:prstGeom>
+        </p:spPr>
+        <p:txBody>
+          <a:bodyPr vert="horz" wrap="square" lIns="0" tIns="0" rIns="0" bIns="0" rtlCol="0" anchor="t">
+            <a:spAutoFit/>
+          </a:bodyPr>
+          <a:lstStyle/>
+          <a:p>
+            <a:pPr marL="1200150" lvl="1" indent="-457200">
+              <a:spcBef>
+                <a:spcPct val="20000"/>
+              </a:spcBef>
+              <a:buFont typeface="Wingdings" pitchFamily="2" charset="2"/>
+              <a:buChar char="l"/>
+              <a:defRPr/>
+            </a:pPr>
+            <a:endParaRPr kumimoji="0" lang="en-US" altLang="zh-TW" sz="2400" b="0" i="0" u="none" strike="noStrike" kern="1200" cap="none" spc="0" normalizeH="0" baseline="0" noProof="0" dirty="0" smtClean="0">
+              <a:ln>
+                <a:noFill/>
+              </a:ln>
+              <a:solidFill>
+                <a:schemeClr val="tx1"/>
+              </a:solidFill>
+              <a:effectLst/>
+              <a:uLnTx/>
+              <a:uFillTx/>
+              <a:latin typeface="+mn-lt"/>
+              <a:ea typeface="+mn-ea"/>
+              <a:cs typeface="+mn-cs"/>
+            </a:endParaRPr>
+          </a:p>
+        </p:txBody>
+      </p:sp>
+      <p:pic>
+        <p:nvPicPr>
+          <p:cNvPr id="14" name="Picture 2" descr="C:\Users\LiangLeon\Pictures\GARMIN\BinaryClassifier_1.png"/>
+          <p:cNvPicPr>
+            <a:picLocks noChangeAspect="1" noChangeArrowheads="1"/>
+          </p:cNvPicPr>
+          <p:nvPr/>
+        </p:nvPicPr>
+        <p:blipFill>
+          <a:blip r:embed="rId3"/>
+          <a:srcRect/>
+          <a:stretch>
+            <a:fillRect/>
+          </a:stretch>
+        </p:blipFill>
+        <p:spPr bwMode="auto">
+          <a:xfrm>
+            <a:off x="176213" y="1227138"/>
+            <a:ext cx="6975123" cy="5197257"/>
+          </a:xfrm>
+          <a:prstGeom prst="rect">
+            <a:avLst/>
+          </a:prstGeom>
+          <a:noFill/>
+        </p:spPr>
+      </p:pic>
+      <p:cxnSp>
+        <p:nvCxnSpPr>
+          <p:cNvPr id="16" name="直線接點 15"/>
+          <p:cNvCxnSpPr/>
+          <p:nvPr/>
+        </p:nvCxnSpPr>
+        <p:spPr>
+          <a:xfrm flipH="1">
+            <a:off x="2359525" y="1440263"/>
+            <a:ext cx="3287396" cy="4596006"/>
+          </a:xfrm>
+          <a:prstGeom prst="line">
+            <a:avLst/>
+          </a:prstGeom>
+          <a:effectLst/>
+        </p:spPr>
+        <p:style>
+          <a:lnRef idx="2">
+            <a:schemeClr val="accent1"/>
+          </a:lnRef>
+          <a:fillRef idx="0">
+            <a:schemeClr val="accent1"/>
+          </a:fillRef>
+          <a:effectRef idx="1">
+            <a:schemeClr val="accent1"/>
+          </a:effectRef>
+          <a:fontRef idx="minor">
+            <a:schemeClr val="tx1"/>
+          </a:fontRef>
+        </p:style>
+      </p:cxnSp>
+      <p:pic>
+        <p:nvPicPr>
+          <p:cNvPr id="4102" name="Picture 6"/>
+          <p:cNvPicPr>
+            <a:picLocks noChangeAspect="1" noChangeArrowheads="1"/>
+          </p:cNvPicPr>
+          <p:nvPr/>
+        </p:nvPicPr>
+        <p:blipFill>
+          <a:blip r:embed="rId4"/>
+          <a:srcRect/>
+          <a:stretch>
+            <a:fillRect/>
+          </a:stretch>
+        </p:blipFill>
+        <p:spPr bwMode="auto">
+          <a:xfrm>
+            <a:off x="7342611" y="1391955"/>
+            <a:ext cx="338667" cy="387048"/>
+          </a:xfrm>
+          <a:prstGeom prst="rect">
+            <a:avLst/>
+          </a:prstGeom>
+          <a:noFill/>
+          <a:ln w="9525">
+            <a:noFill/>
+            <a:miter lim="800000"/>
+            <a:headEnd/>
+            <a:tailEnd/>
+          </a:ln>
+        </p:spPr>
+      </p:pic>
+      <p:pic>
+        <p:nvPicPr>
+          <p:cNvPr id="4103" name="Picture 7"/>
+          <p:cNvPicPr>
+            <a:picLocks noChangeAspect="1" noChangeArrowheads="1"/>
+          </p:cNvPicPr>
+          <p:nvPr/>
+        </p:nvPicPr>
+        <p:blipFill>
+          <a:blip r:embed="rId5"/>
+          <a:srcRect/>
+          <a:stretch>
+            <a:fillRect/>
+          </a:stretch>
+        </p:blipFill>
+        <p:spPr bwMode="auto">
+          <a:xfrm>
+            <a:off x="7342611" y="1746351"/>
+            <a:ext cx="338667" cy="378510"/>
+          </a:xfrm>
+          <a:prstGeom prst="rect">
+            <a:avLst/>
+          </a:prstGeom>
+          <a:noFill/>
+          <a:ln w="9525">
+            <a:noFill/>
+            <a:miter lim="800000"/>
+            <a:headEnd/>
+            <a:tailEnd/>
+          </a:ln>
+        </p:spPr>
+      </p:pic>
+      <p:sp>
+        <p:nvSpPr>
+          <p:cNvPr id="21" name="文字方塊 20"/>
+          <p:cNvSpPr txBox="1"/>
+          <p:nvPr/>
+        </p:nvSpPr>
+        <p:spPr>
+          <a:xfrm>
+            <a:off x="7852191" y="1383962"/>
+            <a:ext cx="447558" cy="369332"/>
+          </a:xfrm>
+          <a:prstGeom prst="rect">
+            <a:avLst/>
+          </a:prstGeom>
+          <a:noFill/>
+        </p:spPr>
+        <p:txBody>
+          <a:bodyPr wrap="none" rtlCol="0">
+            <a:spAutoFit/>
+          </a:bodyPr>
+          <a:lstStyle/>
+          <a:p>
+            <a:r>
+              <a:rPr lang="en-US" altLang="zh-TW" dirty="0" smtClean="0"/>
+              <a:t>+1</a:t>
+            </a:r>
+            <a:endParaRPr lang="zh-TW" altLang="en-US" dirty="0"/>
+          </a:p>
+        </p:txBody>
+      </p:sp>
+      <p:sp>
+        <p:nvSpPr>
+          <p:cNvPr id="22" name="文字方塊 21"/>
+          <p:cNvSpPr txBox="1"/>
+          <p:nvPr/>
+        </p:nvSpPr>
+        <p:spPr>
+          <a:xfrm>
+            <a:off x="7905056" y="1707086"/>
+            <a:ext cx="389850" cy="369332"/>
+          </a:xfrm>
+          <a:prstGeom prst="rect">
+            <a:avLst/>
+          </a:prstGeom>
+          <a:noFill/>
+        </p:spPr>
+        <p:txBody>
+          <a:bodyPr wrap="none" rtlCol="0">
+            <a:spAutoFit/>
+          </a:bodyPr>
+          <a:lstStyle/>
+          <a:p>
+            <a:r>
+              <a:rPr lang="en-US" altLang="zh-TW" dirty="0" smtClean="0"/>
+              <a:t>-1</a:t>
+            </a:r>
+            <a:endParaRPr lang="zh-TW" altLang="en-US" dirty="0"/>
+          </a:p>
+        </p:txBody>
+      </p:sp>
+    </p:spTree>
+    <p:extLst>
+      <p:ext uri="{BB962C8B-B14F-4D97-AF65-F5344CB8AC3E}">
+        <p14:creationId xmlns:p14="http://schemas.microsoft.com/office/powerpoint/2010/main" val="636739009"/>
+      </p:ext>
+    </p:extLst>
+  </p:cSld>
+  <p:clrMapOvr>
+    <a:masterClrMapping/>
+  </p:clrMapOvr>
+  <p:timing>
+    <p:tnLst>
+      <p:par>
+        <p:cTn id="1" dur="indefinite" restart="never" nodeType="tmRoot"/>
+      </p:par>
+    </p:tnLst>
+  </p:timing>
+</p:sld>
+</file>
+
+<file path=ppt/slides/slide6.xml><?xml version="1.0" encoding="utf-8"?>
 <p:sld xmlns:a="http://schemas.openxmlformats.org/drawingml/2006/main" xmlns:r="http://schemas.openxmlformats.org/officeDocument/2006/relationships" xmlns:p="http://schemas.openxmlformats.org/presentationml/2006/main">
   <p:cSld>
     <p:spTree>
@@ -16011,7 +18443,7 @@
     </p:spTree>
     <p:extLst>
       <p:ext uri="{BB962C8B-B14F-4D97-AF65-F5344CB8AC3E}">
-        <p14:creationId xmlns="" xmlns:p14="http://schemas.microsoft.com/office/powerpoint/2010/main" val="3040030372"/>
+        <p14:creationId xmlns:p14="http://schemas.microsoft.com/office/powerpoint/2010/main" val="3040030372"/>
       </p:ext>
     </p:extLst>
   </p:cSld>
@@ -16275,7 +18707,7 @@
 </p:sld>
 </file>
 
-<file path=ppt/slides/slide6.xml><?xml version="1.0" encoding="utf-8"?>
+<file path=ppt/slides/slide7.xml><?xml version="1.0" encoding="utf-8"?>
 <p:sld xmlns:a="http://schemas.openxmlformats.org/drawingml/2006/main" xmlns:r="http://schemas.openxmlformats.org/officeDocument/2006/relationships" xmlns:p="http://schemas.openxmlformats.org/presentationml/2006/main">
   <p:cSld>
     <p:spTree>
@@ -16679,7 +19111,7 @@
     </p:spTree>
     <p:extLst>
       <p:ext uri="{BB962C8B-B14F-4D97-AF65-F5344CB8AC3E}">
-        <p14:creationId xmlns="" xmlns:p14="http://schemas.microsoft.com/office/powerpoint/2010/main" val="3040030372"/>
+        <p14:creationId xmlns:p14="http://schemas.microsoft.com/office/powerpoint/2010/main" val="3040030372"/>
       </p:ext>
     </p:extLst>
   </p:cSld>
@@ -16696,7 +19128,7 @@
 </p:sld>
 </file>
 
-<file path=ppt/slides/slide7.xml><?xml version="1.0" encoding="utf-8"?>
+<file path=ppt/slides/slide8.xml><?xml version="1.0" encoding="utf-8"?>
 <p:sld xmlns:a="http://schemas.openxmlformats.org/drawingml/2006/main" xmlns:r="http://schemas.openxmlformats.org/officeDocument/2006/relationships" xmlns:p="http://schemas.openxmlformats.org/presentationml/2006/main">
   <p:cSld>
     <p:spTree>
@@ -16761,10 +19193,10 @@
           <p:nvPr/>
         </p:nvPicPr>
         <p:blipFill>
-          <a:blip r:embed="rId2">
+          <a:blip r:embed="rId3">
             <a:extLst>
               <a:ext uri="{28A0092B-C50C-407E-A947-70E740481C1C}">
-                <a14:useLocalDpi xmlns="" xmlns:a14="http://schemas.microsoft.com/office/drawing/2010/main" val="0"/>
+                <a14:useLocalDpi xmlns:a14="http://schemas.microsoft.com/office/drawing/2010/main" val="0"/>
               </a:ext>
             </a:extLst>
           </a:blip>
@@ -16999,7 +19431,7 @@
     </p:spTree>
     <p:extLst>
       <p:ext uri="{BB962C8B-B14F-4D97-AF65-F5344CB8AC3E}">
-        <p14:creationId xmlns="" xmlns:p14="http://schemas.microsoft.com/office/powerpoint/2010/main" val="3040030372"/>
+        <p14:creationId xmlns:p14="http://schemas.microsoft.com/office/powerpoint/2010/main" val="3040030372"/>
       </p:ext>
     </p:extLst>
   </p:cSld>
@@ -17370,334 +19802,6 @@
 </p:sld>
 </file>
 
-<file path=ppt/slides/slide8.xml><?xml version="1.0" encoding="utf-8"?>
-<p:sld xmlns:a="http://schemas.openxmlformats.org/drawingml/2006/main" xmlns:r="http://schemas.openxmlformats.org/officeDocument/2006/relationships" xmlns:p="http://schemas.openxmlformats.org/presentationml/2006/main">
-  <p:cSld>
-    <p:spTree>
-      <p:nvGrpSpPr>
-        <p:cNvPr id="1" name=""/>
-        <p:cNvGrpSpPr/>
-        <p:nvPr/>
-      </p:nvGrpSpPr>
-      <p:grpSpPr>
-        <a:xfrm>
-          <a:off x="0" y="0"/>
-          <a:ext cx="0" cy="0"/>
-          <a:chOff x="0" y="0"/>
-          <a:chExt cx="0" cy="0"/>
-        </a:xfrm>
-      </p:grpSpPr>
-      <p:sp>
-        <p:nvSpPr>
-          <p:cNvPr id="4" name="Title 3"/>
-          <p:cNvSpPr>
-            <a:spLocks noGrp="1"/>
-          </p:cNvSpPr>
-          <p:nvPr>
-            <p:ph type="title"/>
-          </p:nvPr>
-        </p:nvSpPr>
-        <p:spPr>
-          <a:xfrm>
-            <a:off x="228600" y="228600"/>
-            <a:ext cx="7378623" cy="492443"/>
-          </a:xfrm>
-        </p:spPr>
-        <p:txBody>
-          <a:bodyPr/>
-          <a:lstStyle/>
-          <a:p>
-            <a:pPr marL="342900" indent="-342900"/>
-            <a:r>
-              <a:rPr lang="en-US" altLang="zh-TW" sz="3200" dirty="0" smtClean="0">
-                <a:solidFill>
-                  <a:schemeClr val="tx1"/>
-                </a:solidFill>
-                <a:latin typeface="+mj-lt"/>
-              </a:rPr>
-              <a:t>Can weak classifier combine to do better</a:t>
-            </a:r>
-            <a:endParaRPr lang="en-US" altLang="zh-TW" sz="3200" dirty="0">
-              <a:solidFill>
-                <a:schemeClr val="tx1"/>
-              </a:solidFill>
-              <a:latin typeface="+mj-lt"/>
-            </a:endParaRPr>
-          </a:p>
-        </p:txBody>
-      </p:sp>
-      <p:pic>
-        <p:nvPicPr>
-          <p:cNvPr id="11" name="圖片 10"/>
-          <p:cNvPicPr>
-            <a:picLocks noChangeAspect="1"/>
-          </p:cNvPicPr>
-          <p:nvPr/>
-        </p:nvPicPr>
-        <p:blipFill>
-          <a:blip r:embed="rId2">
-            <a:extLst>
-              <a:ext uri="{28A0092B-C50C-407E-A947-70E740481C1C}">
-                <a14:useLocalDpi xmlns="" xmlns:a14="http://schemas.microsoft.com/office/drawing/2010/main" val="0"/>
-              </a:ext>
-            </a:extLst>
-          </a:blip>
-          <a:stretch>
-            <a:fillRect/>
-          </a:stretch>
-        </p:blipFill>
-        <p:spPr>
-          <a:xfrm>
-            <a:off x="640938" y="894490"/>
-            <a:ext cx="7710304" cy="5760000"/>
-          </a:xfrm>
-          <a:prstGeom prst="rect">
-            <a:avLst/>
-          </a:prstGeom>
-        </p:spPr>
-      </p:pic>
-      <p:cxnSp>
-        <p:nvCxnSpPr>
-          <p:cNvPr id="13" name="直線接點 12"/>
-          <p:cNvCxnSpPr/>
-          <p:nvPr/>
-        </p:nvCxnSpPr>
-        <p:spPr>
-          <a:xfrm flipV="1">
-            <a:off x="5012267" y="2912533"/>
-            <a:ext cx="42333" cy="3564467"/>
-          </a:xfrm>
-          <a:prstGeom prst="line">
-            <a:avLst/>
-          </a:prstGeom>
-          <a:ln>
-            <a:solidFill>
-              <a:schemeClr val="tx1"/>
-            </a:solidFill>
-          </a:ln>
-          <a:effectLst/>
-        </p:spPr>
-        <p:style>
-          <a:lnRef idx="2">
-            <a:schemeClr val="accent1"/>
-          </a:lnRef>
-          <a:fillRef idx="0">
-            <a:schemeClr val="accent1"/>
-          </a:fillRef>
-          <a:effectRef idx="1">
-            <a:schemeClr val="accent1"/>
-          </a:effectRef>
-          <a:fontRef idx="minor">
-            <a:schemeClr val="tx1"/>
-          </a:fontRef>
-        </p:style>
-      </p:cxnSp>
-      <p:cxnSp>
-        <p:nvCxnSpPr>
-          <p:cNvPr id="37" name="直線接點 36"/>
-          <p:cNvCxnSpPr/>
-          <p:nvPr/>
-        </p:nvCxnSpPr>
-        <p:spPr>
-          <a:xfrm flipV="1">
-            <a:off x="5054600" y="894491"/>
-            <a:ext cx="8468" cy="2018042"/>
-          </a:xfrm>
-          <a:prstGeom prst="line">
-            <a:avLst/>
-          </a:prstGeom>
-          <a:ln>
-            <a:solidFill>
-              <a:schemeClr val="bg1">
-                <a:lumMod val="85000"/>
-              </a:schemeClr>
-            </a:solidFill>
-          </a:ln>
-          <a:effectLst/>
-        </p:spPr>
-        <p:style>
-          <a:lnRef idx="2">
-            <a:schemeClr val="accent1"/>
-          </a:lnRef>
-          <a:fillRef idx="0">
-            <a:schemeClr val="accent1"/>
-          </a:fillRef>
-          <a:effectRef idx="1">
-            <a:schemeClr val="accent1"/>
-          </a:effectRef>
-          <a:fontRef idx="minor">
-            <a:schemeClr val="tx1"/>
-          </a:fontRef>
-        </p:style>
-      </p:cxnSp>
-      <p:cxnSp>
-        <p:nvCxnSpPr>
-          <p:cNvPr id="31" name="直線接點 30"/>
-          <p:cNvCxnSpPr/>
-          <p:nvPr/>
-        </p:nvCxnSpPr>
-        <p:spPr>
-          <a:xfrm flipH="1">
-            <a:off x="939802" y="2912533"/>
-            <a:ext cx="7411440" cy="0"/>
-          </a:xfrm>
-          <a:prstGeom prst="line">
-            <a:avLst/>
-          </a:prstGeom>
-          <a:ln>
-            <a:solidFill>
-              <a:schemeClr val="bg1">
-                <a:lumMod val="85000"/>
-              </a:schemeClr>
-            </a:solidFill>
-          </a:ln>
-          <a:effectLst/>
-        </p:spPr>
-        <p:style>
-          <a:lnRef idx="2">
-            <a:schemeClr val="accent1"/>
-          </a:lnRef>
-          <a:fillRef idx="0">
-            <a:schemeClr val="accent1"/>
-          </a:fillRef>
-          <a:effectRef idx="1">
-            <a:schemeClr val="accent1"/>
-          </a:effectRef>
-          <a:fontRef idx="minor">
-            <a:schemeClr val="tx1"/>
-          </a:fontRef>
-        </p:style>
-      </p:cxnSp>
-      <p:cxnSp>
-        <p:nvCxnSpPr>
-          <p:cNvPr id="14" name="直線接點 13"/>
-          <p:cNvCxnSpPr/>
-          <p:nvPr/>
-        </p:nvCxnSpPr>
-        <p:spPr>
-          <a:xfrm flipH="1">
-            <a:off x="5063068" y="2912533"/>
-            <a:ext cx="2192865" cy="0"/>
-          </a:xfrm>
-          <a:prstGeom prst="line">
-            <a:avLst/>
-          </a:prstGeom>
-          <a:ln>
-            <a:solidFill>
-              <a:schemeClr val="tx1"/>
-            </a:solidFill>
-          </a:ln>
-          <a:effectLst/>
-        </p:spPr>
-        <p:style>
-          <a:lnRef idx="2">
-            <a:schemeClr val="accent1"/>
-          </a:lnRef>
-          <a:fillRef idx="0">
-            <a:schemeClr val="accent1"/>
-          </a:fillRef>
-          <a:effectRef idx="1">
-            <a:schemeClr val="accent1"/>
-          </a:effectRef>
-          <a:fontRef idx="minor">
-            <a:schemeClr val="tx1"/>
-          </a:fontRef>
-        </p:style>
-      </p:cxnSp>
-      <p:cxnSp>
-        <p:nvCxnSpPr>
-          <p:cNvPr id="17" name="直線接點 16"/>
-          <p:cNvCxnSpPr/>
-          <p:nvPr/>
-        </p:nvCxnSpPr>
-        <p:spPr>
-          <a:xfrm>
-            <a:off x="7255933" y="937220"/>
-            <a:ext cx="0" cy="2018043"/>
-          </a:xfrm>
-          <a:prstGeom prst="line">
-            <a:avLst/>
-          </a:prstGeom>
-          <a:ln>
-            <a:solidFill>
-              <a:schemeClr val="tx1"/>
-            </a:solidFill>
-          </a:ln>
-          <a:effectLst/>
-        </p:spPr>
-        <p:style>
-          <a:lnRef idx="2">
-            <a:schemeClr val="accent1"/>
-          </a:lnRef>
-          <a:fillRef idx="0">
-            <a:schemeClr val="accent1"/>
-          </a:fillRef>
-          <a:effectRef idx="1">
-            <a:schemeClr val="accent1"/>
-          </a:effectRef>
-          <a:fontRef idx="minor">
-            <a:schemeClr val="tx1"/>
-          </a:fontRef>
-        </p:style>
-      </p:cxnSp>
-      <p:cxnSp>
-        <p:nvCxnSpPr>
-          <p:cNvPr id="42" name="直線接點 41"/>
-          <p:cNvCxnSpPr/>
-          <p:nvPr/>
-        </p:nvCxnSpPr>
-        <p:spPr>
-          <a:xfrm flipV="1">
-            <a:off x="7255933" y="2912533"/>
-            <a:ext cx="0" cy="3564467"/>
-          </a:xfrm>
-          <a:prstGeom prst="line">
-            <a:avLst/>
-          </a:prstGeom>
-          <a:ln>
-            <a:solidFill>
-              <a:schemeClr val="bg1">
-                <a:lumMod val="85000"/>
-              </a:schemeClr>
-            </a:solidFill>
-          </a:ln>
-          <a:effectLst/>
-        </p:spPr>
-        <p:style>
-          <a:lnRef idx="2">
-            <a:schemeClr val="accent1"/>
-          </a:lnRef>
-          <a:fillRef idx="0">
-            <a:schemeClr val="accent1"/>
-          </a:fillRef>
-          <a:effectRef idx="1">
-            <a:schemeClr val="accent1"/>
-          </a:effectRef>
-          <a:fontRef idx="minor">
-            <a:schemeClr val="tx1"/>
-          </a:fontRef>
-        </p:style>
-      </p:cxnSp>
-    </p:spTree>
-    <p:extLst>
-      <p:ext uri="{BB962C8B-B14F-4D97-AF65-F5344CB8AC3E}">
-        <p14:creationId xmlns="" xmlns:p14="http://schemas.microsoft.com/office/powerpoint/2010/main" val="3040030372"/>
-      </p:ext>
-    </p:extLst>
-  </p:cSld>
-  <p:clrMapOvr>
-    <a:masterClrMapping/>
-  </p:clrMapOvr>
-  <p:timing>
-    <p:tnLst>
-      <p:par>
-        <p:cTn id="1" dur="indefinite" restart="never" nodeType="tmRoot"/>
-      </p:par>
-    </p:tnLst>
-  </p:timing>
-</p:sld>
-</file>
-
 <file path=ppt/slides/slide9.xml><?xml version="1.0" encoding="utf-8"?>
 <p:sld xmlns:a="http://schemas.openxmlformats.org/drawingml/2006/main" xmlns:r="http://schemas.openxmlformats.org/officeDocument/2006/relationships" xmlns:p="http://schemas.openxmlformats.org/presentationml/2006/main">
   <p:cSld>
@@ -17717,38 +19821,293 @@
       </p:grpSpPr>
       <p:sp>
         <p:nvSpPr>
-          <p:cNvPr id="32" name="文字方塊 31"/>
-          <p:cNvSpPr txBox="1"/>
-          <p:nvPr/>
+          <p:cNvPr id="4" name="Title 3"/>
+          <p:cNvSpPr>
+            <a:spLocks noGrp="1"/>
+          </p:cNvSpPr>
+          <p:nvPr>
+            <p:ph type="title"/>
+          </p:nvPr>
         </p:nvSpPr>
         <p:spPr>
           <a:xfrm>
-            <a:off x="1168399" y="2853266"/>
-            <a:ext cx="7179733" cy="646331"/>
+            <a:off x="228600" y="228600"/>
+            <a:ext cx="3347070" cy="492443"/>
+          </a:xfrm>
+        </p:spPr>
+        <p:txBody>
+          <a:bodyPr/>
+          <a:lstStyle/>
+          <a:p>
+            <a:pPr marL="342900" indent="-342900"/>
+            <a:r>
+              <a:rPr lang="en-US" altLang="zh-TW" sz="3200" dirty="0">
+                <a:solidFill>
+                  <a:schemeClr val="tx1"/>
+                </a:solidFill>
+                <a:latin typeface="+mj-lt"/>
+              </a:rPr>
+              <a:t>Can we do better?</a:t>
+            </a:r>
+          </a:p>
+        </p:txBody>
+      </p:sp>
+      <p:pic>
+        <p:nvPicPr>
+          <p:cNvPr id="11" name="圖片 10"/>
+          <p:cNvPicPr>
+            <a:picLocks noChangeAspect="1"/>
+          </p:cNvPicPr>
+          <p:nvPr/>
+        </p:nvPicPr>
+        <p:blipFill>
+          <a:blip r:embed="rId3">
+            <a:extLst>
+              <a:ext uri="{28A0092B-C50C-407E-A947-70E740481C1C}">
+                <a14:useLocalDpi xmlns:a14="http://schemas.microsoft.com/office/drawing/2010/main" val="0"/>
+              </a:ext>
+            </a:extLst>
+          </a:blip>
+          <a:stretch>
+            <a:fillRect/>
+          </a:stretch>
+        </p:blipFill>
+        <p:spPr>
+          <a:xfrm>
+            <a:off x="640938" y="894490"/>
+            <a:ext cx="7710304" cy="5760000"/>
           </a:xfrm>
           <a:prstGeom prst="rect">
             <a:avLst/>
           </a:prstGeom>
-          <a:noFill/>
-        </p:spPr>
-        <p:txBody>
-          <a:bodyPr wrap="square" rtlCol="0">
-            <a:spAutoFit/>
-          </a:bodyPr>
-          <a:lstStyle/>
-          <a:p>
-            <a:r>
-              <a:rPr lang="en-US" altLang="zh-TW" sz="3600" dirty="0" smtClean="0"/>
-              <a:t>Two heads are better than one</a:t>
-            </a:r>
-            <a:endParaRPr lang="zh-TW" altLang="en-US" sz="3600" dirty="0"/>
-          </a:p>
-        </p:txBody>
-      </p:sp>
+        </p:spPr>
+      </p:pic>
+      <p:cxnSp>
+        <p:nvCxnSpPr>
+          <p:cNvPr id="13" name="直線接點 12"/>
+          <p:cNvCxnSpPr/>
+          <p:nvPr/>
+        </p:nvCxnSpPr>
+        <p:spPr>
+          <a:xfrm flipV="1">
+            <a:off x="5012267" y="2912533"/>
+            <a:ext cx="42333" cy="3564467"/>
+          </a:xfrm>
+          <a:prstGeom prst="line">
+            <a:avLst/>
+          </a:prstGeom>
+          <a:ln>
+            <a:solidFill>
+              <a:schemeClr val="tx1"/>
+            </a:solidFill>
+          </a:ln>
+          <a:effectLst/>
+        </p:spPr>
+        <p:style>
+          <a:lnRef idx="2">
+            <a:schemeClr val="accent1"/>
+          </a:lnRef>
+          <a:fillRef idx="0">
+            <a:schemeClr val="accent1"/>
+          </a:fillRef>
+          <a:effectRef idx="1">
+            <a:schemeClr val="accent1"/>
+          </a:effectRef>
+          <a:fontRef idx="minor">
+            <a:schemeClr val="tx1"/>
+          </a:fontRef>
+        </p:style>
+      </p:cxnSp>
+      <p:cxnSp>
+        <p:nvCxnSpPr>
+          <p:cNvPr id="37" name="直線接點 36"/>
+          <p:cNvCxnSpPr/>
+          <p:nvPr/>
+        </p:nvCxnSpPr>
+        <p:spPr>
+          <a:xfrm flipV="1">
+            <a:off x="5054600" y="894491"/>
+            <a:ext cx="8468" cy="2018042"/>
+          </a:xfrm>
+          <a:prstGeom prst="line">
+            <a:avLst/>
+          </a:prstGeom>
+          <a:ln>
+            <a:solidFill>
+              <a:schemeClr val="bg1">
+                <a:lumMod val="85000"/>
+              </a:schemeClr>
+            </a:solidFill>
+          </a:ln>
+          <a:effectLst/>
+        </p:spPr>
+        <p:style>
+          <a:lnRef idx="2">
+            <a:schemeClr val="accent1"/>
+          </a:lnRef>
+          <a:fillRef idx="0">
+            <a:schemeClr val="accent1"/>
+          </a:fillRef>
+          <a:effectRef idx="1">
+            <a:schemeClr val="accent1"/>
+          </a:effectRef>
+          <a:fontRef idx="minor">
+            <a:schemeClr val="tx1"/>
+          </a:fontRef>
+        </p:style>
+      </p:cxnSp>
+      <p:cxnSp>
+        <p:nvCxnSpPr>
+          <p:cNvPr id="31" name="直線接點 30"/>
+          <p:cNvCxnSpPr/>
+          <p:nvPr/>
+        </p:nvCxnSpPr>
+        <p:spPr>
+          <a:xfrm flipH="1">
+            <a:off x="939802" y="2912533"/>
+            <a:ext cx="7411440" cy="0"/>
+          </a:xfrm>
+          <a:prstGeom prst="line">
+            <a:avLst/>
+          </a:prstGeom>
+          <a:ln>
+            <a:solidFill>
+              <a:schemeClr val="bg1">
+                <a:lumMod val="85000"/>
+              </a:schemeClr>
+            </a:solidFill>
+          </a:ln>
+          <a:effectLst/>
+        </p:spPr>
+        <p:style>
+          <a:lnRef idx="2">
+            <a:schemeClr val="accent1"/>
+          </a:lnRef>
+          <a:fillRef idx="0">
+            <a:schemeClr val="accent1"/>
+          </a:fillRef>
+          <a:effectRef idx="1">
+            <a:schemeClr val="accent1"/>
+          </a:effectRef>
+          <a:fontRef idx="minor">
+            <a:schemeClr val="tx1"/>
+          </a:fontRef>
+        </p:style>
+      </p:cxnSp>
+      <p:cxnSp>
+        <p:nvCxnSpPr>
+          <p:cNvPr id="14" name="直線接點 13"/>
+          <p:cNvCxnSpPr/>
+          <p:nvPr/>
+        </p:nvCxnSpPr>
+        <p:spPr>
+          <a:xfrm flipH="1">
+            <a:off x="5063068" y="2912533"/>
+            <a:ext cx="2192865" cy="0"/>
+          </a:xfrm>
+          <a:prstGeom prst="line">
+            <a:avLst/>
+          </a:prstGeom>
+          <a:ln>
+            <a:solidFill>
+              <a:schemeClr val="tx1"/>
+            </a:solidFill>
+          </a:ln>
+          <a:effectLst/>
+        </p:spPr>
+        <p:style>
+          <a:lnRef idx="2">
+            <a:schemeClr val="accent1"/>
+          </a:lnRef>
+          <a:fillRef idx="0">
+            <a:schemeClr val="accent1"/>
+          </a:fillRef>
+          <a:effectRef idx="1">
+            <a:schemeClr val="accent1"/>
+          </a:effectRef>
+          <a:fontRef idx="minor">
+            <a:schemeClr val="tx1"/>
+          </a:fontRef>
+        </p:style>
+      </p:cxnSp>
+      <p:cxnSp>
+        <p:nvCxnSpPr>
+          <p:cNvPr id="17" name="直線接點 16"/>
+          <p:cNvCxnSpPr/>
+          <p:nvPr/>
+        </p:nvCxnSpPr>
+        <p:spPr>
+          <a:xfrm>
+            <a:off x="7255933" y="937220"/>
+            <a:ext cx="0" cy="2018043"/>
+          </a:xfrm>
+          <a:prstGeom prst="line">
+            <a:avLst/>
+          </a:prstGeom>
+          <a:ln>
+            <a:solidFill>
+              <a:schemeClr val="tx1"/>
+            </a:solidFill>
+          </a:ln>
+          <a:effectLst/>
+        </p:spPr>
+        <p:style>
+          <a:lnRef idx="2">
+            <a:schemeClr val="accent1"/>
+          </a:lnRef>
+          <a:fillRef idx="0">
+            <a:schemeClr val="accent1"/>
+          </a:fillRef>
+          <a:effectRef idx="1">
+            <a:schemeClr val="accent1"/>
+          </a:effectRef>
+          <a:fontRef idx="minor">
+            <a:schemeClr val="tx1"/>
+          </a:fontRef>
+        </p:style>
+      </p:cxnSp>
+      <p:cxnSp>
+        <p:nvCxnSpPr>
+          <p:cNvPr id="42" name="直線接點 41"/>
+          <p:cNvCxnSpPr/>
+          <p:nvPr/>
+        </p:nvCxnSpPr>
+        <p:spPr>
+          <a:xfrm flipV="1">
+            <a:off x="7255933" y="2912533"/>
+            <a:ext cx="0" cy="3564467"/>
+          </a:xfrm>
+          <a:prstGeom prst="line">
+            <a:avLst/>
+          </a:prstGeom>
+          <a:ln>
+            <a:solidFill>
+              <a:schemeClr val="bg1">
+                <a:lumMod val="85000"/>
+              </a:schemeClr>
+            </a:solidFill>
+          </a:ln>
+          <a:effectLst/>
+        </p:spPr>
+        <p:style>
+          <a:lnRef idx="2">
+            <a:schemeClr val="accent1"/>
+          </a:lnRef>
+          <a:fillRef idx="0">
+            <a:schemeClr val="accent1"/>
+          </a:fillRef>
+          <a:effectRef idx="1">
+            <a:schemeClr val="accent1"/>
+          </a:effectRef>
+          <a:fontRef idx="minor">
+            <a:schemeClr val="tx1"/>
+          </a:fontRef>
+        </p:style>
+      </p:cxnSp>
     </p:spTree>
     <p:extLst>
       <p:ext uri="{BB962C8B-B14F-4D97-AF65-F5344CB8AC3E}">
-        <p14:creationId xmlns="" xmlns:p14="http://schemas.microsoft.com/office/powerpoint/2010/main" val="3792208418"/>
+        <p14:creationId xmlns:p14="http://schemas.microsoft.com/office/powerpoint/2010/main" val="3040030372"/>
       </p:ext>
     </p:extLst>
   </p:cSld>

--- a/Presentation/Boosting.pptx
+++ b/Presentation/Boosting.pptx
@@ -278,7 +278,7 @@
             <a:fld id="{F8252C7F-5FEC-2E4D-80AA-BF666F276660}" type="datetime1">
               <a:rPr lang="en-US" smtClean="0"/>
               <a:pPr/>
-              <a:t>6/19/2015</a:t>
+              <a:t>6/20/2015</a:t>
             </a:fld>
             <a:endParaRPr lang="en-US"/>
           </a:p>
@@ -446,7 +446,7 @@
             <a:fld id="{1939DE02-E791-1340-B4FF-3939EE33ADCD}" type="datetime1">
               <a:rPr lang="en-US" smtClean="0"/>
               <a:pPr/>
-              <a:t>6/19/2015</a:t>
+              <a:t>6/20/2015</a:t>
             </a:fld>
             <a:endParaRPr lang="en-US"/>
           </a:p>
@@ -4035,7 +4035,7 @@
           <a:graphicData uri="http://schemas.openxmlformats.org/presentationml/2006/ole">
             <mc:AlternateContent xmlns:mc="http://schemas.openxmlformats.org/markup-compatibility/2006">
               <mc:Choice xmlns:v="urn:schemas-microsoft-com:vml" Requires="v">
-                <p:oleObj spid="_x0000_s2223" name="方程式" r:id="rId4" imgW="342751" imgH="203112" progId="Equation.3">
+                <p:oleObj spid="_x0000_s2235" name="方程式" r:id="rId4" imgW="342751" imgH="203112" progId="Equation.3">
                   <p:embed/>
                 </p:oleObj>
               </mc:Choice>
@@ -4111,7 +4111,7 @@
           <a:graphicData uri="http://schemas.openxmlformats.org/presentationml/2006/ole">
             <mc:AlternateContent xmlns:mc="http://schemas.openxmlformats.org/markup-compatibility/2006">
               <mc:Choice xmlns:v="urn:schemas-microsoft-com:vml" Requires="v">
-                <p:oleObj spid="_x0000_s2224" name="方程式" r:id="rId6" imgW="1803240" imgH="228600" progId="Equation.3">
+                <p:oleObj spid="_x0000_s2236" name="方程式" r:id="rId6" imgW="1803240" imgH="228600" progId="Equation.3">
                   <p:embed/>
                 </p:oleObj>
               </mc:Choice>
@@ -4181,7 +4181,7 @@
           <a:graphicData uri="http://schemas.openxmlformats.org/presentationml/2006/ole">
             <mc:AlternateContent xmlns:mc="http://schemas.openxmlformats.org/markup-compatibility/2006">
               <mc:Choice xmlns:v="urn:schemas-microsoft-com:vml" Requires="v">
-                <p:oleObj spid="_x0000_s2225" name="方程式" r:id="rId8" imgW="126725" imgH="126725" progId="Equation.3">
+                <p:oleObj spid="_x0000_s2237" name="方程式" r:id="rId8" imgW="126725" imgH="126725" progId="Equation.3">
                   <p:embed/>
                 </p:oleObj>
               </mc:Choice>
@@ -5205,7 +5205,7 @@
           <a:graphicData uri="http://schemas.openxmlformats.org/presentationml/2006/ole">
             <mc:AlternateContent xmlns:mc="http://schemas.openxmlformats.org/markup-compatibility/2006">
               <mc:Choice xmlns:v="urn:schemas-microsoft-com:vml" Requires="v">
-                <p:oleObj spid="_x0000_s3207" name="方程式" r:id="rId4" imgW="342751" imgH="203112" progId="Equation.3">
+                <p:oleObj spid="_x0000_s3219" name="方程式" r:id="rId4" imgW="342751" imgH="203112" progId="Equation.3">
                   <p:embed/>
                 </p:oleObj>
               </mc:Choice>
@@ -5275,7 +5275,7 @@
           <a:graphicData uri="http://schemas.openxmlformats.org/presentationml/2006/ole">
             <mc:AlternateContent xmlns:mc="http://schemas.openxmlformats.org/markup-compatibility/2006">
               <mc:Choice xmlns:v="urn:schemas-microsoft-com:vml" Requires="v">
-                <p:oleObj spid="_x0000_s3208" name="方程式" r:id="rId6" imgW="126725" imgH="126725" progId="Equation.3">
+                <p:oleObj spid="_x0000_s3220" name="方程式" r:id="rId6" imgW="126725" imgH="126725" progId="Equation.3">
                   <p:embed/>
                 </p:oleObj>
               </mc:Choice>
@@ -5555,7 +5555,7 @@
           <a:graphicData uri="http://schemas.openxmlformats.org/presentationml/2006/ole">
             <mc:AlternateContent xmlns:mc="http://schemas.openxmlformats.org/markup-compatibility/2006">
               <mc:Choice xmlns:v="urn:schemas-microsoft-com:vml" Requires="v">
-                <p:oleObj spid="_x0000_s3209" name="方程式" r:id="rId9" imgW="1803400" imgH="228600" progId="Equation.3">
+                <p:oleObj spid="_x0000_s3221" name="方程式" r:id="rId9" imgW="1803400" imgH="228600" progId="Equation.3">
                   <p:embed/>
                 </p:oleObj>
               </mc:Choice>
@@ -6013,7 +6013,7 @@
           <a:graphicData uri="http://schemas.openxmlformats.org/presentationml/2006/ole">
             <mc:AlternateContent xmlns:mc="http://schemas.openxmlformats.org/markup-compatibility/2006">
               <mc:Choice xmlns:v="urn:schemas-microsoft-com:vml" Requires="v">
-                <p:oleObj spid="_x0000_s25614" name="方程式" r:id="rId4" imgW="368280" imgH="215640" progId="Equation.3">
+                <p:oleObj spid="_x0000_s25630" name="方程式" r:id="rId4" imgW="368280" imgH="215640" progId="Equation.3">
                   <p:embed/>
                 </p:oleObj>
               </mc:Choice>
@@ -6442,7 +6442,7 @@
           <a:graphicData uri="http://schemas.openxmlformats.org/presentationml/2006/ole">
             <mc:AlternateContent xmlns:mc="http://schemas.openxmlformats.org/markup-compatibility/2006">
               <mc:Choice xmlns:v="urn:schemas-microsoft-com:vml" Requires="v">
-                <p:oleObj spid="_x0000_s25615" name="方程式" r:id="rId6" imgW="380880" imgH="215640" progId="Equation.3">
+                <p:oleObj spid="_x0000_s25631" name="方程式" r:id="rId6" imgW="380880" imgH="215640" progId="Equation.3">
                   <p:embed/>
                 </p:oleObj>
               </mc:Choice>
@@ -6871,7 +6871,7 @@
           <a:graphicData uri="http://schemas.openxmlformats.org/presentationml/2006/ole">
             <mc:AlternateContent xmlns:mc="http://schemas.openxmlformats.org/markup-compatibility/2006">
               <mc:Choice xmlns:v="urn:schemas-microsoft-com:vml" Requires="v">
-                <p:oleObj spid="_x0000_s25616" name="方程式" r:id="rId8" imgW="380880" imgH="228600" progId="Equation.3">
+                <p:oleObj spid="_x0000_s25632" name="方程式" r:id="rId8" imgW="380880" imgH="228600" progId="Equation.3">
                   <p:embed/>
                 </p:oleObj>
               </mc:Choice>
@@ -7439,7 +7439,7 @@
           <a:graphicData uri="http://schemas.openxmlformats.org/presentationml/2006/ole">
             <mc:AlternateContent xmlns:mc="http://schemas.openxmlformats.org/markup-compatibility/2006">
               <mc:Choice xmlns:v="urn:schemas-microsoft-com:vml" Requires="v">
-                <p:oleObj spid="_x0000_s25617" name="方程式" r:id="rId10" imgW="419040" imgH="228600" progId="Equation.3">
+                <p:oleObj spid="_x0000_s25633" name="方程式" r:id="rId10" imgW="419040" imgH="228600" progId="Equation.3">
                   <p:embed/>
                 </p:oleObj>
               </mc:Choice>
@@ -9150,7 +9150,7 @@
           <a:graphicData uri="http://schemas.openxmlformats.org/presentationml/2006/ole">
             <mc:AlternateContent xmlns:mc="http://schemas.openxmlformats.org/markup-compatibility/2006">
               <mc:Choice xmlns:v="urn:schemas-microsoft-com:vml" Requires="v">
-                <p:oleObj spid="_x0000_s26644" name="方程式" r:id="rId3" imgW="3263760" imgH="228600" progId="Equation.3">
+                <p:oleObj spid="_x0000_s26668" name="方程式" r:id="rId3" imgW="3263760" imgH="228600" progId="Equation.3">
                   <p:embed/>
                 </p:oleObj>
               </mc:Choice>
@@ -9258,7 +9258,7 @@
           <a:graphicData uri="http://schemas.openxmlformats.org/presentationml/2006/ole">
             <mc:AlternateContent xmlns:mc="http://schemas.openxmlformats.org/markup-compatibility/2006">
               <mc:Choice xmlns:v="urn:schemas-microsoft-com:vml" Requires="v">
-                <p:oleObj spid="_x0000_s26645" name="方程式" r:id="rId5" imgW="1282680" imgH="431640" progId="Equation.3">
+                <p:oleObj spid="_x0000_s26669" name="方程式" r:id="rId5" imgW="1282680" imgH="431640" progId="Equation.3">
                   <p:embed/>
                 </p:oleObj>
               </mc:Choice>
@@ -9328,7 +9328,7 @@
           <a:graphicData uri="http://schemas.openxmlformats.org/presentationml/2006/ole">
             <mc:AlternateContent xmlns:mc="http://schemas.openxmlformats.org/markup-compatibility/2006">
               <mc:Choice xmlns:v="urn:schemas-microsoft-com:vml" Requires="v">
-                <p:oleObj spid="_x0000_s26646" name="方程式" r:id="rId7" imgW="406080" imgH="228600" progId="Equation.3">
+                <p:oleObj spid="_x0000_s26670" name="方程式" r:id="rId7" imgW="406080" imgH="228600" progId="Equation.3">
                   <p:embed/>
                 </p:oleObj>
               </mc:Choice>
@@ -9421,7 +9421,7 @@
           <a:graphicData uri="http://schemas.openxmlformats.org/presentationml/2006/ole">
             <mc:AlternateContent xmlns:mc="http://schemas.openxmlformats.org/markup-compatibility/2006">
               <mc:Choice xmlns:v="urn:schemas-microsoft-com:vml" Requires="v">
-                <p:oleObj spid="_x0000_s26647" name="方程式" r:id="rId9" imgW="190440" imgH="228600" progId="Equation.3">
+                <p:oleObj spid="_x0000_s26671" name="方程式" r:id="rId9" imgW="190440" imgH="228600" progId="Equation.3">
                   <p:embed/>
                 </p:oleObj>
               </mc:Choice>
@@ -9612,7 +9612,7 @@
           <a:graphicData uri="http://schemas.openxmlformats.org/presentationml/2006/ole">
             <mc:AlternateContent xmlns:mc="http://schemas.openxmlformats.org/markup-compatibility/2006">
               <mc:Choice xmlns:v="urn:schemas-microsoft-com:vml" Requires="v">
-                <p:oleObj spid="_x0000_s26648" name="方程式" r:id="rId11" imgW="672840" imgH="393480" progId="Equation.3">
+                <p:oleObj spid="_x0000_s26672" name="方程式" r:id="rId11" imgW="672840" imgH="393480" progId="Equation.3">
                   <p:embed/>
                 </p:oleObj>
               </mc:Choice>
@@ -9705,7 +9705,7 @@
           <a:graphicData uri="http://schemas.openxmlformats.org/presentationml/2006/ole">
             <mc:AlternateContent xmlns:mc="http://schemas.openxmlformats.org/markup-compatibility/2006">
               <mc:Choice xmlns:v="urn:schemas-microsoft-com:vml" Requires="v">
-                <p:oleObj spid="_x0000_s26649" name="方程式" r:id="rId13" imgW="431640" imgH="228600" progId="Equation.3">
+                <p:oleObj spid="_x0000_s26673" name="方程式" r:id="rId13" imgW="431640" imgH="228600" progId="Equation.3">
                   <p:embed/>
                 </p:oleObj>
               </mc:Choice>
@@ -17375,20 +17375,20 @@
           <p:nvPr>
             <p:extLst>
               <p:ext uri="{D42A27DB-BD31-4B8C-83A1-F6EECF244321}">
-                <p14:modId xmlns:p14="http://schemas.microsoft.com/office/powerpoint/2010/main" val="2042989713"/>
+                <p14:modId xmlns:p14="http://schemas.microsoft.com/office/powerpoint/2010/main" val="1089295242"/>
               </p:ext>
             </p:extLst>
           </p:nvPr>
         </p:nvGraphicFramePr>
         <p:xfrm>
-          <a:off x="1552919" y="4338460"/>
+          <a:off x="2934387" y="2685024"/>
           <a:ext cx="3379787" cy="568325"/>
         </p:xfrm>
         <a:graphic>
           <a:graphicData uri="http://schemas.openxmlformats.org/presentationml/2006/ole">
             <mc:AlternateContent xmlns:mc="http://schemas.openxmlformats.org/markup-compatibility/2006">
               <mc:Choice xmlns:v="urn:schemas-microsoft-com:vml" Requires="v">
-                <p:oleObj spid="_x0000_s4138" name="方程式" r:id="rId4" imgW="1256755" imgH="203112" progId="Equation.3">
+                <p:oleObj spid="_x0000_s4142" name="方程式" r:id="rId4" imgW="1256755" imgH="203112" progId="Equation.3">
                   <p:embed/>
                 </p:oleObj>
               </mc:Choice>
@@ -17418,7 +17418,7 @@
                     </p:blipFill>
                     <p:spPr bwMode="auto">
                       <a:xfrm>
-                        <a:off x="1552919" y="4338460"/>
+                        <a:off x="2934387" y="2685024"/>
                         <a:ext cx="3379787" cy="568325"/>
                       </a:xfrm>
                       <a:prstGeom prst="rect">
@@ -17439,6 +17439,235 @@
                 </p:oleObj>
               </mc:Fallback>
             </mc:AlternateContent>
+          </a:graphicData>
+        </a:graphic>
+      </p:graphicFrame>
+      <p:graphicFrame>
+        <p:nvGraphicFramePr>
+          <p:cNvPr id="2" name="表格 1"/>
+          <p:cNvGraphicFramePr/>
+          <p:nvPr>
+            <p:extLst>
+              <p:ext uri="{D42A27DB-BD31-4B8C-83A1-F6EECF244321}">
+                <p14:modId xmlns:p14="http://schemas.microsoft.com/office/powerpoint/2010/main" val="699112820"/>
+              </p:ext>
+            </p:extLst>
+          </p:nvPr>
+        </p:nvGraphicFramePr>
+        <p:xfrm>
+          <a:off x="507534" y="3982274"/>
+          <a:ext cx="5084064" cy="1854200"/>
+        </p:xfrm>
+        <a:graphic>
+          <a:graphicData uri="http://schemas.openxmlformats.org/drawingml/2006/table">
+            <a:tbl>
+              <a:tblPr firstRow="1" bandRow="1">
+                <a:tableStyleId>{5C22544A-7EE6-4342-B048-85BDC9FD1C3A}</a:tableStyleId>
+              </a:tblPr>
+              <a:tblGrid>
+                <a:gridCol w="2542032">
+                  <a:extLst>
+                    <a:ext uri="{9D8B030D-6E8A-4147-A177-3AD203B41FA5}">
+                      <a16:colId xmlns:a16="http://schemas.microsoft.com/office/drawing/2014/main" val="3452721396"/>
+                    </a:ext>
+                  </a:extLst>
+                </a:gridCol>
+                <a:gridCol w="2542032">
+                  <a:extLst>
+                    <a:ext uri="{9D8B030D-6E8A-4147-A177-3AD203B41FA5}">
+                      <a16:colId xmlns:a16="http://schemas.microsoft.com/office/drawing/2014/main" val="3776235587"/>
+                    </a:ext>
+                  </a:extLst>
+                </a:gridCol>
+              </a:tblGrid>
+              <a:tr h="370840">
+                <a:tc>
+                  <a:txBody>
+                    <a:bodyPr/>
+                    <a:lstStyle/>
+                    <a:p>
+                      <a:r>
+                        <a:rPr lang="zh-TW" altLang="en-US"/>
+                        <a:t>age</a:t>
+                      </a:r>
+                    </a:p>
+                  </a:txBody>
+                  <a:tcPr/>
+                </a:tc>
+                <a:tc>
+                  <a:txBody>
+                    <a:bodyPr/>
+                    <a:lstStyle/>
+                    <a:p>
+                      <a:r>
+                        <a:rPr lang="zh-TW" altLang="en-US"/>
+                        <a:t>30</a:t>
+                      </a:r>
+                    </a:p>
+                  </a:txBody>
+                  <a:tcPr/>
+                </a:tc>
+                <a:extLst>
+                  <a:ext uri="{0D108BD9-81ED-4DB2-BD59-A6C34878D82A}">
+                    <a16:rowId xmlns:a16="http://schemas.microsoft.com/office/drawing/2014/main" val="1687642106"/>
+                  </a:ext>
+                </a:extLst>
+              </a:tr>
+              <a:tr h="370840">
+                <a:tc>
+                  <a:txBody>
+                    <a:bodyPr/>
+                    <a:lstStyle/>
+                    <a:p>
+                      <a:r>
+                        <a:rPr lang="zh-TW" altLang="en-US"/>
+                        <a:t>gender</a:t>
+                      </a:r>
+                    </a:p>
+                  </a:txBody>
+                  <a:tcPr/>
+                </a:tc>
+                <a:tc>
+                  <a:txBody>
+                    <a:bodyPr/>
+                    <a:lstStyle/>
+                    <a:p>
+                      <a:r>
+                        <a:rPr lang="zh-TW" altLang="en-US"/>
+                        <a:t>male</a:t>
+                      </a:r>
+                    </a:p>
+                  </a:txBody>
+                  <a:tcPr/>
+                </a:tc>
+                <a:extLst>
+                  <a:ext uri="{0D108BD9-81ED-4DB2-BD59-A6C34878D82A}">
+                    <a16:rowId xmlns:a16="http://schemas.microsoft.com/office/drawing/2014/main" val="1167798081"/>
+                  </a:ext>
+                </a:extLst>
+              </a:tr>
+              <a:tr h="370840">
+                <a:tc>
+                  <a:txBody>
+                    <a:bodyPr/>
+                    <a:lstStyle/>
+                    <a:p>
+                      <a:r>
+                        <a:rPr lang="zh-TW" altLang="en-US"/>
+                        <a:t>we</a:t>
+                      </a:r>
+                      <a:r>
+                        <a:rPr lang="en-US" altLang="zh-TW"/>
+                        <a:t>ight</a:t>
+                      </a:r>
+                      <a:endParaRPr lang="zh-TW" altLang="en-US"/>
+                    </a:p>
+                  </a:txBody>
+                  <a:tcPr/>
+                </a:tc>
+                <a:tc>
+                  <a:txBody>
+                    <a:bodyPr/>
+                    <a:lstStyle/>
+                    <a:p>
+                      <a:r>
+                        <a:rPr lang="zh-TW" altLang="en-US"/>
+                        <a:t>70</a:t>
+                      </a:r>
+                      <a:r>
+                        <a:rPr lang="en-US" altLang="zh-TW"/>
+                        <a:t>kg</a:t>
+                      </a:r>
+                      <a:endParaRPr lang="zh-TW" altLang="en-US"/>
+                    </a:p>
+                  </a:txBody>
+                  <a:tcPr/>
+                </a:tc>
+                <a:extLst>
+                  <a:ext uri="{0D108BD9-81ED-4DB2-BD59-A6C34878D82A}">
+                    <a16:rowId xmlns:a16="http://schemas.microsoft.com/office/drawing/2014/main" val="3666776475"/>
+                  </a:ext>
+                </a:extLst>
+              </a:tr>
+              <a:tr h="370840">
+                <a:tc>
+                  <a:txBody>
+                    <a:bodyPr/>
+                    <a:lstStyle/>
+                    <a:p>
+                      <a:r>
+                        <a:rPr lang="en-US" altLang="zh-TW" dirty="0">
+                          <a:latin typeface="Arial" charset="0"/>
+                          <a:cs typeface="Arial" charset="0"/>
+                        </a:rPr>
+                        <a:t>sleep last night</a:t>
+                      </a:r>
+                      <a:endParaRPr lang="zh-TW" altLang="en-US" dirty="0">
+                        <a:latin typeface="Arial" charset="0"/>
+                        <a:cs typeface="Arial" charset="0"/>
+                      </a:endParaRPr>
+                    </a:p>
+                  </a:txBody>
+                  <a:tcPr/>
+                </a:tc>
+                <a:tc>
+                  <a:txBody>
+                    <a:bodyPr/>
+                    <a:lstStyle/>
+                    <a:p>
+                      <a:r>
+                        <a:rPr lang="zh-TW" altLang="en-US"/>
+                        <a:t>7</a:t>
+                      </a:r>
+                      <a:r>
+                        <a:rPr lang="en-US" altLang="zh-TW"/>
+                        <a:t>hours</a:t>
+                      </a:r>
+                      <a:endParaRPr lang="zh-TW" altLang="en-US"/>
+                    </a:p>
+                  </a:txBody>
+                  <a:tcPr/>
+                </a:tc>
+                <a:extLst>
+                  <a:ext uri="{0D108BD9-81ED-4DB2-BD59-A6C34878D82A}">
+                    <a16:rowId xmlns:a16="http://schemas.microsoft.com/office/drawing/2014/main" val="2399558479"/>
+                  </a:ext>
+                </a:extLst>
+              </a:tr>
+              <a:tr h="370840">
+                <a:tc>
+                  <a:txBody>
+                    <a:bodyPr/>
+                    <a:lstStyle/>
+                    <a:p>
+                      <a:r>
+                        <a:rPr lang="zh-TW" altLang="en-US"/>
+                        <a:t>how much exercise</a:t>
+                      </a:r>
+                    </a:p>
+                  </a:txBody>
+                  <a:tcPr/>
+                </a:tc>
+                <a:tc>
+                  <a:txBody>
+                    <a:bodyPr/>
+                    <a:lstStyle/>
+                    <a:p>
+                      <a:r>
+                        <a:rPr lang="zh-TW" altLang="en-US"/>
+                        <a:t>30 minutes</a:t>
+                      </a:r>
+                    </a:p>
+                  </a:txBody>
+                  <a:tcPr/>
+                </a:tc>
+                <a:extLst>
+                  <a:ext uri="{0D108BD9-81ED-4DB2-BD59-A6C34878D82A}">
+                    <a16:rowId xmlns:a16="http://schemas.microsoft.com/office/drawing/2014/main" val="592403228"/>
+                  </a:ext>
+                </a:extLst>
+              </a:tr>
+            </a:tbl>
           </a:graphicData>
         </a:graphic>
       </p:graphicFrame>
@@ -21083,23 +21312,6 @@
 </file>
 
 <file path=customXml/item1.xml><?xml version="1.0" encoding="utf-8"?>
-<?mso-contentType ?>
-<FormTemplates xmlns="http://schemas.microsoft.com/sharepoint/v3/contenttype/forms">
-  <Display>DocumentLibraryForm</Display>
-  <Edit>DocumentLibraryForm</Edit>
-  <New>DocumentLibraryForm</New>
-</FormTemplates>
-</file>
-
-<file path=customXml/item2.xml><?xml version="1.0" encoding="utf-8"?>
-<p:properties xmlns:p="http://schemas.microsoft.com/office/2006/metadata/properties" xmlns:xsi="http://www.w3.org/2001/XMLSchema-instance" xmlns:pc="http://schemas.microsoft.com/office/infopath/2007/PartnerControls">
-  <documentManagement>
-    <Year xmlns="24ac9ee2-1f69-49ec-81c1-d01c86227436">2015</Year>
-  </documentManagement>
-</p:properties>
-</file>
-
-<file path=customXml/item3.xml><?xml version="1.0" encoding="utf-8"?>
 <ct:contentTypeSchema xmlns:ct="http://schemas.microsoft.com/office/2006/metadata/contentType" xmlns:ma="http://schemas.microsoft.com/office/2006/metadata/properties/metaAttributes" ct:_="" ma:_="" ma:contentTypeName="文件" ma:contentTypeID="0x0101000CB458D5399432479E0BB962A3AC807C" ma:contentTypeVersion="1" ma:contentTypeDescription="建立新的文件。" ma:contentTypeScope="" ma:versionID="2090fcdc2e9aae8469eabc8d31b189fb">
   <xsd:schema xmlns:xsd="http://www.w3.org/2001/XMLSchema" xmlns:xs="http://www.w3.org/2001/XMLSchema" xmlns:p="http://schemas.microsoft.com/office/2006/metadata/properties" xmlns:ns2="24ac9ee2-1f69-49ec-81c1-d01c86227436" targetNamespace="http://schemas.microsoft.com/office/2006/metadata/properties" ma:root="true" ma:fieldsID="3ada4ee18b918396c161ab8726fa03da" ns2:_="">
     <xsd:import namespace="24ac9ee2-1f69-49ec-81c1-d01c86227436"/>
@@ -21230,10 +21442,37 @@
 </ct:contentTypeSchema>
 </file>
 
+<file path=customXml/item2.xml><?xml version="1.0" encoding="utf-8"?>
+<p:properties xmlns:p="http://schemas.microsoft.com/office/2006/metadata/properties" xmlns:xsi="http://www.w3.org/2001/XMLSchema-instance" xmlns:pc="http://schemas.microsoft.com/office/infopath/2007/PartnerControls">
+  <documentManagement>
+    <Year xmlns="24ac9ee2-1f69-49ec-81c1-d01c86227436">2015</Year>
+  </documentManagement>
+</p:properties>
+</file>
+
+<file path=customXml/item3.xml><?xml version="1.0" encoding="utf-8"?>
+<?mso-contentType ?>
+<FormTemplates xmlns="http://schemas.microsoft.com/sharepoint/v3/contenttype/forms">
+  <Display>DocumentLibraryForm</Display>
+  <Edit>DocumentLibraryForm</Edit>
+  <New>DocumentLibraryForm</New>
+</FormTemplates>
+</file>
+
 <file path=customXml/itemProps1.xml><?xml version="1.0" encoding="utf-8"?>
-<ds:datastoreItem xmlns:ds="http://schemas.openxmlformats.org/officeDocument/2006/customXml" ds:itemID="{75703042-9C6F-440D-9A8D-0836740E8EC4}">
+<ds:datastoreItem xmlns:ds="http://schemas.openxmlformats.org/officeDocument/2006/customXml" ds:itemID="{4C9F39EC-CE5D-4921-B7BB-5650597DBD03}">
   <ds:schemaRefs>
-    <ds:schemaRef ds:uri="http://schemas.microsoft.com/sharepoint/v3/contenttype/forms"/>
+    <ds:schemaRef ds:uri="http://schemas.microsoft.com/office/2006/metadata/contentType"/>
+    <ds:schemaRef ds:uri="http://schemas.microsoft.com/office/2006/metadata/properties/metaAttributes"/>
+    <ds:schemaRef ds:uri="http://www.w3.org/2001/XMLSchema"/>
+    <ds:schemaRef ds:uri="http://schemas.microsoft.com/office/2006/metadata/properties"/>
+    <ds:schemaRef ds:uri="24ac9ee2-1f69-49ec-81c1-d01c86227436"/>
+    <ds:schemaRef ds:uri="http://schemas.microsoft.com/office/2006/documentManagement/types"/>
+    <ds:schemaRef ds:uri="http://schemas.microsoft.com/office/infopath/2007/PartnerControls"/>
+    <ds:schemaRef ds:uri="http://schemas.openxmlformats.org/package/2006/metadata/core-properties"/>
+    <ds:schemaRef ds:uri="http://purl.org/dc/elements/1.1/"/>
+    <ds:schemaRef ds:uri="http://purl.org/dc/terms/"/>
+    <ds:schemaRef ds:uri="http://schemas.microsoft.com/internal/obd"/>
   </ds:schemaRefs>
 </ds:datastoreItem>
 </file>
@@ -21255,19 +21494,9 @@
 </file>
 
 <file path=customXml/itemProps3.xml><?xml version="1.0" encoding="utf-8"?>
-<ds:datastoreItem xmlns:ds="http://schemas.openxmlformats.org/officeDocument/2006/customXml" ds:itemID="{4C9F39EC-CE5D-4921-B7BB-5650597DBD03}">
+<ds:datastoreItem xmlns:ds="http://schemas.openxmlformats.org/officeDocument/2006/customXml" ds:itemID="{75703042-9C6F-440D-9A8D-0836740E8EC4}">
   <ds:schemaRefs>
-    <ds:schemaRef ds:uri="http://schemas.microsoft.com/office/2006/metadata/contentType"/>
-    <ds:schemaRef ds:uri="http://schemas.microsoft.com/office/2006/metadata/properties/metaAttributes"/>
-    <ds:schemaRef ds:uri="http://www.w3.org/2001/XMLSchema"/>
-    <ds:schemaRef ds:uri="http://schemas.microsoft.com/office/2006/metadata/properties"/>
-    <ds:schemaRef ds:uri="24ac9ee2-1f69-49ec-81c1-d01c86227436"/>
-    <ds:schemaRef ds:uri="http://schemas.microsoft.com/office/2006/documentManagement/types"/>
-    <ds:schemaRef ds:uri="http://schemas.microsoft.com/office/infopath/2007/PartnerControls"/>
-    <ds:schemaRef ds:uri="http://schemas.openxmlformats.org/package/2006/metadata/core-properties"/>
-    <ds:schemaRef ds:uri="http://purl.org/dc/elements/1.1/"/>
-    <ds:schemaRef ds:uri="http://purl.org/dc/terms/"/>
-    <ds:schemaRef ds:uri="http://schemas.microsoft.com/internal/obd"/>
+    <ds:schemaRef ds:uri="http://schemas.microsoft.com/sharepoint/v3/contenttype/forms"/>
   </ds:schemaRefs>
 </ds:datastoreItem>
 </file>
--- a/Presentation/Boosting.pptx
+++ b/Presentation/Boosting.pptx
@@ -135,7 +135,7 @@
   </p:defaultTextStyle>
   <p:extLst>
     <p:ext uri="{EFAFB233-063F-42B5-8137-9DF3F51BA10A}">
-      <p15:sldGuideLst xmlns:p15="http://schemas.microsoft.com/office/powerpoint/2012/main" xmlns="">
+      <p15:sldGuideLst xmlns="" xmlns:p15="http://schemas.microsoft.com/office/powerpoint/2012/main">
         <p15:guide id="1" orient="horz" pos="3868">
           <p15:clr>
             <a:srgbClr val="A4A3A4"/>
@@ -280,7 +280,7 @@
             <a:fld id="{F8252C7F-5FEC-2E4D-80AA-BF666F276660}" type="datetime1">
               <a:rPr lang="en-US" smtClean="0"/>
               <a:pPr/>
-              <a:t>6/22/2015</a:t>
+              <a:t>6/23/2015</a:t>
             </a:fld>
             <a:endParaRPr lang="en-US"/>
           </a:p>
@@ -356,7 +356,7 @@
     </p:spTree>
     <p:extLst>
       <p:ext uri="{BB962C8B-B14F-4D97-AF65-F5344CB8AC3E}">
-        <p14:creationId xmlns:p14="http://schemas.microsoft.com/office/powerpoint/2010/main" xmlns="" val="1411092301"/>
+        <p14:creationId xmlns="" xmlns:p14="http://schemas.microsoft.com/office/powerpoint/2010/main" val="1411092301"/>
       </p:ext>
     </p:extLst>
   </p:cSld>
@@ -448,7 +448,7 @@
             <a:fld id="{1939DE02-E791-1340-B4FF-3939EE33ADCD}" type="datetime1">
               <a:rPr lang="en-US" smtClean="0"/>
               <a:pPr/>
-              <a:t>6/22/2015</a:t>
+              <a:t>6/23/2015</a:t>
             </a:fld>
             <a:endParaRPr lang="en-US"/>
           </a:p>
@@ -617,7 +617,7 @@
     </p:spTree>
     <p:extLst>
       <p:ext uri="{BB962C8B-B14F-4D97-AF65-F5344CB8AC3E}">
-        <p14:creationId xmlns:p14="http://schemas.microsoft.com/office/powerpoint/2010/main" xmlns="" val="160240899"/>
+        <p14:creationId xmlns="" xmlns:p14="http://schemas.microsoft.com/office/powerpoint/2010/main" val="160240899"/>
       </p:ext>
     </p:extLst>
   </p:cSld>
@@ -793,7 +793,7 @@
     </p:spTree>
     <p:extLst>
       <p:ext uri="{BB962C8B-B14F-4D97-AF65-F5344CB8AC3E}">
-        <p14:creationId xmlns:p14="http://schemas.microsoft.com/office/powerpoint/2010/main" xmlns="" val="3773960202"/>
+        <p14:creationId xmlns="" xmlns:p14="http://schemas.microsoft.com/office/powerpoint/2010/main" val="3773960202"/>
       </p:ext>
     </p:extLst>
   </p:cSld>
@@ -878,7 +878,7 @@
     </p:spTree>
     <p:extLst>
       <p:ext uri="{BB962C8B-B14F-4D97-AF65-F5344CB8AC3E}">
-        <p14:creationId xmlns:p14="http://schemas.microsoft.com/office/powerpoint/2010/main" xmlns="" val="3594096594"/>
+        <p14:creationId xmlns="" xmlns:p14="http://schemas.microsoft.com/office/powerpoint/2010/main" val="3594096594"/>
       </p:ext>
     </p:extLst>
   </p:cSld>
@@ -963,7 +963,7 @@
     </p:spTree>
     <p:extLst>
       <p:ext uri="{BB962C8B-B14F-4D97-AF65-F5344CB8AC3E}">
-        <p14:creationId xmlns:p14="http://schemas.microsoft.com/office/powerpoint/2010/main" xmlns="" val="2967594684"/>
+        <p14:creationId xmlns="" xmlns:p14="http://schemas.microsoft.com/office/powerpoint/2010/main" val="2967594684"/>
       </p:ext>
     </p:extLst>
   </p:cSld>
@@ -1048,7 +1048,7 @@
     </p:spTree>
     <p:extLst>
       <p:ext uri="{BB962C8B-B14F-4D97-AF65-F5344CB8AC3E}">
-        <p14:creationId xmlns:p14="http://schemas.microsoft.com/office/powerpoint/2010/main" xmlns="" val="1151715850"/>
+        <p14:creationId xmlns="" xmlns:p14="http://schemas.microsoft.com/office/powerpoint/2010/main" val="1151715850"/>
       </p:ext>
     </p:extLst>
   </p:cSld>
@@ -1133,7 +1133,7 @@
     </p:spTree>
     <p:extLst>
       <p:ext uri="{BB962C8B-B14F-4D97-AF65-F5344CB8AC3E}">
-        <p14:creationId xmlns:p14="http://schemas.microsoft.com/office/powerpoint/2010/main" xmlns="" val="480246252"/>
+        <p14:creationId xmlns="" xmlns:p14="http://schemas.microsoft.com/office/powerpoint/2010/main" val="480246252"/>
       </p:ext>
     </p:extLst>
   </p:cSld>
@@ -1218,7 +1218,7 @@
     </p:spTree>
     <p:extLst>
       <p:ext uri="{BB962C8B-B14F-4D97-AF65-F5344CB8AC3E}">
-        <p14:creationId xmlns:p14="http://schemas.microsoft.com/office/powerpoint/2010/main" xmlns="" val="815287753"/>
+        <p14:creationId xmlns="" xmlns:p14="http://schemas.microsoft.com/office/powerpoint/2010/main" val="815287753"/>
       </p:ext>
     </p:extLst>
   </p:cSld>
@@ -1303,7 +1303,7 @@
     </p:spTree>
     <p:extLst>
       <p:ext uri="{BB962C8B-B14F-4D97-AF65-F5344CB8AC3E}">
-        <p14:creationId xmlns:p14="http://schemas.microsoft.com/office/powerpoint/2010/main" xmlns="" val="3862976365"/>
+        <p14:creationId xmlns="" xmlns:p14="http://schemas.microsoft.com/office/powerpoint/2010/main" val="3862976365"/>
       </p:ext>
     </p:extLst>
   </p:cSld>
@@ -1388,9 +1388,91 @@
     </p:spTree>
     <p:extLst>
       <p:ext uri="{BB962C8B-B14F-4D97-AF65-F5344CB8AC3E}">
-        <p14:creationId xmlns:p14="http://schemas.microsoft.com/office/powerpoint/2010/main" xmlns="" val="109162968"/>
+        <p14:creationId xmlns="" xmlns:p14="http://schemas.microsoft.com/office/powerpoint/2010/main" val="109162968"/>
       </p:ext>
     </p:extLst>
+  </p:cSld>
+  <p:clrMapOvr>
+    <a:masterClrMapping/>
+  </p:clrMapOvr>
+</p:notes>
+</file>
+
+<file path=ppt/notesSlides/notesSlide17.xml><?xml version="1.0" encoding="utf-8"?>
+<p:notes xmlns:a="http://schemas.openxmlformats.org/drawingml/2006/main" xmlns:r="http://schemas.openxmlformats.org/officeDocument/2006/relationships" xmlns:p="http://schemas.openxmlformats.org/presentationml/2006/main">
+  <p:cSld>
+    <p:spTree>
+      <p:nvGrpSpPr>
+        <p:cNvPr id="1" name=""/>
+        <p:cNvGrpSpPr/>
+        <p:nvPr/>
+      </p:nvGrpSpPr>
+      <p:grpSpPr>
+        <a:xfrm>
+          <a:off x="0" y="0"/>
+          <a:ext cx="0" cy="0"/>
+          <a:chOff x="0" y="0"/>
+          <a:chExt cx="0" cy="0"/>
+        </a:xfrm>
+      </p:grpSpPr>
+      <p:sp>
+        <p:nvSpPr>
+          <p:cNvPr id="2" name="投影片圖像版面配置區 1"/>
+          <p:cNvSpPr>
+            <a:spLocks noGrp="1" noRot="1" noChangeAspect="1"/>
+          </p:cNvSpPr>
+          <p:nvPr>
+            <p:ph type="sldImg"/>
+          </p:nvPr>
+        </p:nvSpPr>
+        <p:spPr/>
+      </p:sp>
+      <p:sp>
+        <p:nvSpPr>
+          <p:cNvPr id="3" name="備忘稿版面配置區 2"/>
+          <p:cNvSpPr>
+            <a:spLocks noGrp="1"/>
+          </p:cNvSpPr>
+          <p:nvPr>
+            <p:ph type="body" idx="1"/>
+          </p:nvPr>
+        </p:nvSpPr>
+        <p:spPr/>
+        <p:txBody>
+          <a:bodyPr>
+            <a:normAutofit/>
+          </a:bodyPr>
+          <a:lstStyle/>
+          <a:p>
+            <a:endParaRPr lang="zh-TW" altLang="en-US" dirty="0"/>
+          </a:p>
+        </p:txBody>
+      </p:sp>
+      <p:sp>
+        <p:nvSpPr>
+          <p:cNvPr id="4" name="投影片編號版面配置區 3"/>
+          <p:cNvSpPr>
+            <a:spLocks noGrp="1"/>
+          </p:cNvSpPr>
+          <p:nvPr>
+            <p:ph type="sldNum" sz="quarter" idx="10"/>
+          </p:nvPr>
+        </p:nvSpPr>
+        <p:spPr/>
+        <p:txBody>
+          <a:bodyPr/>
+          <a:lstStyle/>
+          <a:p>
+            <a:fld id="{E99B2ECF-EB76-B54F-9C26-F0E74F1A8F70}" type="slidenum">
+              <a:rPr lang="en-US" smtClean="0"/>
+              <a:pPr/>
+              <a:t>20</a:t>
+            </a:fld>
+            <a:endParaRPr lang="en-US"/>
+          </a:p>
+        </p:txBody>
+      </p:sp>
+    </p:spTree>
   </p:cSld>
   <p:clrMapOvr>
     <a:masterClrMapping/>
@@ -1473,7 +1555,7 @@
     </p:spTree>
     <p:extLst>
       <p:ext uri="{BB962C8B-B14F-4D97-AF65-F5344CB8AC3E}">
-        <p14:creationId xmlns:p14="http://schemas.microsoft.com/office/powerpoint/2010/main" xmlns="" val="2057974675"/>
+        <p14:creationId xmlns="" xmlns:p14="http://schemas.microsoft.com/office/powerpoint/2010/main" val="2057974675"/>
       </p:ext>
     </p:extLst>
   </p:cSld>
@@ -1558,7 +1640,7 @@
     </p:spTree>
     <p:extLst>
       <p:ext uri="{BB962C8B-B14F-4D97-AF65-F5344CB8AC3E}">
-        <p14:creationId xmlns:p14="http://schemas.microsoft.com/office/powerpoint/2010/main" xmlns="" val="1368233194"/>
+        <p14:creationId xmlns="" xmlns:p14="http://schemas.microsoft.com/office/powerpoint/2010/main" val="1368233194"/>
       </p:ext>
     </p:extLst>
   </p:cSld>
@@ -1643,7 +1725,7 @@
     </p:spTree>
     <p:extLst>
       <p:ext uri="{BB962C8B-B14F-4D97-AF65-F5344CB8AC3E}">
-        <p14:creationId xmlns:p14="http://schemas.microsoft.com/office/powerpoint/2010/main" xmlns="" val="901386044"/>
+        <p14:creationId xmlns="" xmlns:p14="http://schemas.microsoft.com/office/powerpoint/2010/main" val="901386044"/>
       </p:ext>
     </p:extLst>
   </p:cSld>
@@ -1728,7 +1810,7 @@
     </p:spTree>
     <p:extLst>
       <p:ext uri="{BB962C8B-B14F-4D97-AF65-F5344CB8AC3E}">
-        <p14:creationId xmlns:p14="http://schemas.microsoft.com/office/powerpoint/2010/main" xmlns="" val="2400959933"/>
+        <p14:creationId xmlns="" xmlns:p14="http://schemas.microsoft.com/office/powerpoint/2010/main" val="2400959933"/>
       </p:ext>
     </p:extLst>
   </p:cSld>
@@ -1813,7 +1895,7 @@
     </p:spTree>
     <p:extLst>
       <p:ext uri="{BB962C8B-B14F-4D97-AF65-F5344CB8AC3E}">
-        <p14:creationId xmlns:p14="http://schemas.microsoft.com/office/powerpoint/2010/main" xmlns="" val="3113946682"/>
+        <p14:creationId xmlns="" xmlns:p14="http://schemas.microsoft.com/office/powerpoint/2010/main" val="3113946682"/>
       </p:ext>
     </p:extLst>
   </p:cSld>
@@ -1898,7 +1980,7 @@
     </p:spTree>
     <p:extLst>
       <p:ext uri="{BB962C8B-B14F-4D97-AF65-F5344CB8AC3E}">
-        <p14:creationId xmlns:p14="http://schemas.microsoft.com/office/powerpoint/2010/main" xmlns="" val="2168797509"/>
+        <p14:creationId xmlns="" xmlns:p14="http://schemas.microsoft.com/office/powerpoint/2010/main" val="2168797509"/>
       </p:ext>
     </p:extLst>
   </p:cSld>
@@ -1983,7 +2065,7 @@
     </p:spTree>
     <p:extLst>
       <p:ext uri="{BB962C8B-B14F-4D97-AF65-F5344CB8AC3E}">
-        <p14:creationId xmlns:p14="http://schemas.microsoft.com/office/powerpoint/2010/main" xmlns="" val="901386044"/>
+        <p14:creationId xmlns="" xmlns:p14="http://schemas.microsoft.com/office/powerpoint/2010/main" val="901386044"/>
       </p:ext>
     </p:extLst>
   </p:cSld>
@@ -2068,7 +2150,7 @@
     </p:spTree>
     <p:extLst>
       <p:ext uri="{BB962C8B-B14F-4D97-AF65-F5344CB8AC3E}">
-        <p14:creationId xmlns:p14="http://schemas.microsoft.com/office/powerpoint/2010/main" xmlns="" val="477824888"/>
+        <p14:creationId xmlns="" xmlns:p14="http://schemas.microsoft.com/office/powerpoint/2010/main" val="477824888"/>
       </p:ext>
     </p:extLst>
   </p:cSld>
@@ -2107,7 +2189,7 @@
           <a:blip r:embed="rId2">
             <a:extLst>
               <a:ext uri="{28A0092B-C50C-407E-A947-70E740481C1C}">
-                <a14:useLocalDpi xmlns:a14="http://schemas.microsoft.com/office/drawing/2010/main" xmlns="" val="0"/>
+                <a14:useLocalDpi xmlns="" xmlns:a14="http://schemas.microsoft.com/office/drawing/2010/main" val="0"/>
               </a:ext>
             </a:extLst>
           </a:blip>
@@ -2128,7 +2210,7 @@
     </p:spTree>
     <p:extLst>
       <p:ext uri="{BB962C8B-B14F-4D97-AF65-F5344CB8AC3E}">
-        <p14:creationId xmlns:p14="http://schemas.microsoft.com/office/powerpoint/2010/main" xmlns="" val="921680772"/>
+        <p14:creationId xmlns="" xmlns:p14="http://schemas.microsoft.com/office/powerpoint/2010/main" val="921680772"/>
       </p:ext>
     </p:extLst>
   </p:cSld>
@@ -2158,7 +2240,7 @@
     </p:spTree>
     <p:extLst>
       <p:ext uri="{BB962C8B-B14F-4D97-AF65-F5344CB8AC3E}">
-        <p14:creationId xmlns:p14="http://schemas.microsoft.com/office/powerpoint/2010/main" xmlns="" val="1551424100"/>
+        <p14:creationId xmlns="" xmlns:p14="http://schemas.microsoft.com/office/powerpoint/2010/main" val="1551424100"/>
       </p:ext>
     </p:extLst>
   </p:cSld>
@@ -2288,7 +2370,7 @@
     </p:spTree>
     <p:extLst>
       <p:ext uri="{BB962C8B-B14F-4D97-AF65-F5344CB8AC3E}">
-        <p14:creationId xmlns:p14="http://schemas.microsoft.com/office/powerpoint/2010/main" xmlns="" val="2725598606"/>
+        <p14:creationId xmlns="" xmlns:p14="http://schemas.microsoft.com/office/powerpoint/2010/main" val="2725598606"/>
       </p:ext>
     </p:extLst>
   </p:cSld>
@@ -2438,7 +2520,7 @@
     </p:spTree>
     <p:extLst>
       <p:ext uri="{BB962C8B-B14F-4D97-AF65-F5344CB8AC3E}">
-        <p14:creationId xmlns:p14="http://schemas.microsoft.com/office/powerpoint/2010/main" xmlns="" val="3479517975"/>
+        <p14:creationId xmlns="" xmlns:p14="http://schemas.microsoft.com/office/powerpoint/2010/main" val="3479517975"/>
       </p:ext>
     </p:extLst>
   </p:cSld>
@@ -2588,7 +2670,7 @@
     </p:spTree>
     <p:extLst>
       <p:ext uri="{BB962C8B-B14F-4D97-AF65-F5344CB8AC3E}">
-        <p14:creationId xmlns:p14="http://schemas.microsoft.com/office/powerpoint/2010/main" xmlns="" val="3246921271"/>
+        <p14:creationId xmlns="" xmlns:p14="http://schemas.microsoft.com/office/powerpoint/2010/main" val="3246921271"/>
       </p:ext>
     </p:extLst>
   </p:cSld>
@@ -2746,7 +2828,7 @@
     </p:spTree>
     <p:extLst>
       <p:ext uri="{BB962C8B-B14F-4D97-AF65-F5344CB8AC3E}">
-        <p14:creationId xmlns:p14="http://schemas.microsoft.com/office/powerpoint/2010/main" xmlns="" val="3015080783"/>
+        <p14:creationId xmlns="" xmlns:p14="http://schemas.microsoft.com/office/powerpoint/2010/main" val="3015080783"/>
       </p:ext>
     </p:extLst>
   </p:cSld>
@@ -2863,7 +2945,7 @@
     </p:spTree>
     <p:extLst>
       <p:ext uri="{BB962C8B-B14F-4D97-AF65-F5344CB8AC3E}">
-        <p14:creationId xmlns:p14="http://schemas.microsoft.com/office/powerpoint/2010/main" xmlns="" val="2098243185"/>
+        <p14:creationId xmlns="" xmlns:p14="http://schemas.microsoft.com/office/powerpoint/2010/main" val="2098243185"/>
       </p:ext>
     </p:extLst>
   </p:cSld>
@@ -2929,7 +3011,7 @@
     </p:spTree>
     <p:extLst>
       <p:ext uri="{BB962C8B-B14F-4D97-AF65-F5344CB8AC3E}">
-        <p14:creationId xmlns:p14="http://schemas.microsoft.com/office/powerpoint/2010/main" xmlns="" val="4200364697"/>
+        <p14:creationId xmlns="" xmlns:p14="http://schemas.microsoft.com/office/powerpoint/2010/main" val="4200364697"/>
       </p:ext>
     </p:extLst>
   </p:cSld>
@@ -2995,7 +3077,7 @@
     </p:spTree>
     <p:extLst>
       <p:ext uri="{BB962C8B-B14F-4D97-AF65-F5344CB8AC3E}">
-        <p14:creationId xmlns:p14="http://schemas.microsoft.com/office/powerpoint/2010/main" xmlns="" val="930438236"/>
+        <p14:creationId xmlns="" xmlns:p14="http://schemas.microsoft.com/office/powerpoint/2010/main" val="930438236"/>
       </p:ext>
     </p:extLst>
   </p:cSld>
@@ -3061,7 +3143,7 @@
     </p:spTree>
     <p:extLst>
       <p:ext uri="{BB962C8B-B14F-4D97-AF65-F5344CB8AC3E}">
-        <p14:creationId xmlns:p14="http://schemas.microsoft.com/office/powerpoint/2010/main" xmlns="" val="726771096"/>
+        <p14:creationId xmlns="" xmlns:p14="http://schemas.microsoft.com/office/powerpoint/2010/main" val="726771096"/>
       </p:ext>
     </p:extLst>
   </p:cSld>
@@ -3122,7 +3204,7 @@
             <a:blip r:embed="rId12">
               <a:extLst>
                 <a:ext uri="{28A0092B-C50C-407E-A947-70E740481C1C}">
-                  <a14:useLocalDpi xmlns:a14="http://schemas.microsoft.com/office/drawing/2010/main" xmlns="" val="0"/>
+                  <a14:useLocalDpi xmlns="" xmlns:a14="http://schemas.microsoft.com/office/drawing/2010/main" val="0"/>
                 </a:ext>
               </a:extLst>
             </a:blip>
@@ -3152,7 +3234,7 @@
             <a:blip r:embed="rId13">
               <a:extLst>
                 <a:ext uri="{28A0092B-C50C-407E-A947-70E740481C1C}">
-                  <a14:useLocalDpi xmlns:a14="http://schemas.microsoft.com/office/drawing/2010/main" xmlns="" val="0"/>
+                  <a14:useLocalDpi xmlns="" xmlns:a14="http://schemas.microsoft.com/office/drawing/2010/main" val="0"/>
                 </a:ext>
               </a:extLst>
             </a:blip>
@@ -3276,7 +3358,7 @@
     </p:spTree>
     <p:extLst>
       <p:ext uri="{BB962C8B-B14F-4D97-AF65-F5344CB8AC3E}">
-        <p14:creationId xmlns:p14="http://schemas.microsoft.com/office/powerpoint/2010/main" xmlns="" val="950083170"/>
+        <p14:creationId xmlns="" xmlns:p14="http://schemas.microsoft.com/office/powerpoint/2010/main" val="950083170"/>
       </p:ext>
     </p:extLst>
   </p:cSld>
@@ -3674,7 +3756,7 @@
     </p:spTree>
     <p:extLst>
       <p:ext uri="{BB962C8B-B14F-4D97-AF65-F5344CB8AC3E}">
-        <p14:creationId xmlns:p14="http://schemas.microsoft.com/office/powerpoint/2010/main" xmlns="" val="3730043343"/>
+        <p14:creationId xmlns="" xmlns:p14="http://schemas.microsoft.com/office/powerpoint/2010/main" val="3730043343"/>
       </p:ext>
     </p:extLst>
   </p:cSld>
@@ -3823,7 +3905,7 @@
           <a:blip r:embed="rId3">
             <a:extLst>
               <a:ext uri="{28A0092B-C50C-407E-A947-70E740481C1C}">
-                <a14:useLocalDpi xmlns:a14="http://schemas.microsoft.com/office/drawing/2010/main" xmlns="" val="0"/>
+                <a14:useLocalDpi xmlns="" xmlns:a14="http://schemas.microsoft.com/office/drawing/2010/main" val="0"/>
               </a:ext>
             </a:extLst>
           </a:blip>
@@ -3951,7 +4033,7 @@
     </p:spTree>
     <p:extLst>
       <p:ext uri="{BB962C8B-B14F-4D97-AF65-F5344CB8AC3E}">
-        <p14:creationId xmlns:p14="http://schemas.microsoft.com/office/powerpoint/2010/main" xmlns="" val="3040030372"/>
+        <p14:creationId xmlns="" xmlns:p14="http://schemas.microsoft.com/office/powerpoint/2010/main" val="3040030372"/>
       </p:ext>
     </p:extLst>
   </p:cSld>
@@ -4018,7 +4100,7 @@
     </p:spTree>
     <p:extLst>
       <p:ext uri="{BB962C8B-B14F-4D97-AF65-F5344CB8AC3E}">
-        <p14:creationId xmlns:p14="http://schemas.microsoft.com/office/powerpoint/2010/main" xmlns="" val="3792208418"/>
+        <p14:creationId xmlns="" xmlns:p14="http://schemas.microsoft.com/office/powerpoint/2010/main" val="3792208418"/>
       </p:ext>
     </p:extLst>
   </p:cSld>
@@ -4403,7 +4485,7 @@
           <p:nvPr>
             <p:extLst>
               <p:ext uri="{D42A27DB-BD31-4B8C-83A1-F6EECF244321}">
-                <p14:modId xmlns:p14="http://schemas.microsoft.com/office/powerpoint/2010/main" xmlns="" val="3135229844"/>
+                <p14:modId xmlns="" xmlns:p14="http://schemas.microsoft.com/office/powerpoint/2010/main" val="3135229844"/>
               </p:ext>
             </p:extLst>
           </p:nvPr>
@@ -4758,7 +4840,7 @@
     </p:spTree>
     <p:extLst>
       <p:ext uri="{BB962C8B-B14F-4D97-AF65-F5344CB8AC3E}">
-        <p14:creationId xmlns:p14="http://schemas.microsoft.com/office/powerpoint/2010/main" xmlns="" val="3427152478"/>
+        <p14:creationId xmlns="" xmlns:p14="http://schemas.microsoft.com/office/powerpoint/2010/main" val="3427152478"/>
       </p:ext>
     </p:extLst>
   </p:cSld>
@@ -5667,7 +5749,7 @@
     </p:spTree>
     <p:extLst>
       <p:ext uri="{BB962C8B-B14F-4D97-AF65-F5344CB8AC3E}">
-        <p14:creationId xmlns:p14="http://schemas.microsoft.com/office/powerpoint/2010/main" xmlns="" val="3427152478"/>
+        <p14:creationId xmlns="" xmlns:p14="http://schemas.microsoft.com/office/powerpoint/2010/main" val="3427152478"/>
       </p:ext>
     </p:extLst>
   </p:cSld>
@@ -7351,7 +7433,7 @@
     </p:spTree>
     <p:extLst>
       <p:ext uri="{BB962C8B-B14F-4D97-AF65-F5344CB8AC3E}">
-        <p14:creationId xmlns:p14="http://schemas.microsoft.com/office/powerpoint/2010/main" xmlns="" val="2123413861"/>
+        <p14:creationId xmlns="" xmlns:p14="http://schemas.microsoft.com/office/powerpoint/2010/main" val="2123413861"/>
       </p:ext>
     </p:extLst>
   </p:cSld>
@@ -8360,7 +8442,7 @@
           <a:blip r:embed="rId3">
             <a:extLst>
               <a:ext uri="{28A0092B-C50C-407E-A947-70E740481C1C}">
-                <a14:useLocalDpi xmlns:a14="http://schemas.microsoft.com/office/drawing/2010/main" xmlns="" val="0"/>
+                <a14:useLocalDpi xmlns="" xmlns:a14="http://schemas.microsoft.com/office/drawing/2010/main" val="0"/>
               </a:ext>
             </a:extLst>
           </a:blip>
@@ -8390,7 +8472,7 @@
           <a:blip r:embed="rId4">
             <a:extLst>
               <a:ext uri="{28A0092B-C50C-407E-A947-70E740481C1C}">
-                <a14:useLocalDpi xmlns:a14="http://schemas.microsoft.com/office/drawing/2010/main" xmlns="" val="0"/>
+                <a14:useLocalDpi xmlns="" xmlns:a14="http://schemas.microsoft.com/office/drawing/2010/main" val="0"/>
               </a:ext>
             </a:extLst>
           </a:blip>
@@ -8411,7 +8493,7 @@
     </p:spTree>
     <p:extLst>
       <p:ext uri="{BB962C8B-B14F-4D97-AF65-F5344CB8AC3E}">
-        <p14:creationId xmlns:p14="http://schemas.microsoft.com/office/powerpoint/2010/main" xmlns="" val="2123413861"/>
+        <p14:creationId xmlns="" xmlns:p14="http://schemas.microsoft.com/office/powerpoint/2010/main" val="2123413861"/>
       </p:ext>
     </p:extLst>
   </p:cSld>
@@ -8564,7 +8646,7 @@
           <a:blip r:embed="rId3">
             <a:extLst>
               <a:ext uri="{28A0092B-C50C-407E-A947-70E740481C1C}">
-                <a14:useLocalDpi xmlns:a14="http://schemas.microsoft.com/office/drawing/2010/main" xmlns="" val="0"/>
+                <a14:useLocalDpi xmlns="" xmlns:a14="http://schemas.microsoft.com/office/drawing/2010/main" val="0"/>
               </a:ext>
             </a:extLst>
           </a:blip>
@@ -8594,7 +8676,7 @@
           <a:blip r:embed="rId4">
             <a:extLst>
               <a:ext uri="{28A0092B-C50C-407E-A947-70E740481C1C}">
-                <a14:useLocalDpi xmlns:a14="http://schemas.microsoft.com/office/drawing/2010/main" xmlns="" val="0"/>
+                <a14:useLocalDpi xmlns="" xmlns:a14="http://schemas.microsoft.com/office/drawing/2010/main" val="0"/>
               </a:ext>
             </a:extLst>
           </a:blip>
@@ -8624,7 +8706,7 @@
           <a:blip r:embed="rId5">
             <a:extLst>
               <a:ext uri="{28A0092B-C50C-407E-A947-70E740481C1C}">
-                <a14:useLocalDpi xmlns:a14="http://schemas.microsoft.com/office/drawing/2010/main" xmlns="" val="0"/>
+                <a14:useLocalDpi xmlns="" xmlns:a14="http://schemas.microsoft.com/office/drawing/2010/main" val="0"/>
               </a:ext>
             </a:extLst>
           </a:blip>
@@ -8654,7 +8736,7 @@
           <a:blip r:embed="rId6">
             <a:extLst>
               <a:ext uri="{28A0092B-C50C-407E-A947-70E740481C1C}">
-                <a14:useLocalDpi xmlns:a14="http://schemas.microsoft.com/office/drawing/2010/main" xmlns="" val="0"/>
+                <a14:useLocalDpi xmlns="" xmlns:a14="http://schemas.microsoft.com/office/drawing/2010/main" val="0"/>
               </a:ext>
             </a:extLst>
           </a:blip>
@@ -8684,7 +8766,7 @@
           <a:blip r:embed="rId7">
             <a:extLst>
               <a:ext uri="{28A0092B-C50C-407E-A947-70E740481C1C}">
-                <a14:useLocalDpi xmlns:a14="http://schemas.microsoft.com/office/drawing/2010/main" xmlns="" val="0"/>
+                <a14:useLocalDpi xmlns="" xmlns:a14="http://schemas.microsoft.com/office/drawing/2010/main" val="0"/>
               </a:ext>
             </a:extLst>
           </a:blip>
@@ -8705,7 +8787,7 @@
     </p:spTree>
     <p:extLst>
       <p:ext uri="{BB962C8B-B14F-4D97-AF65-F5344CB8AC3E}">
-        <p14:creationId xmlns:p14="http://schemas.microsoft.com/office/powerpoint/2010/main" xmlns="" val="496767900"/>
+        <p14:creationId xmlns="" xmlns:p14="http://schemas.microsoft.com/office/powerpoint/2010/main" val="496767900"/>
       </p:ext>
     </p:extLst>
   </p:cSld>
@@ -8713,7 +8795,7 @@
     <a:masterClrMapping/>
   </p:clrMapOvr>
   <mc:AlternateContent xmlns:mc="http://schemas.openxmlformats.org/markup-compatibility/2006">
-    <mc:Choice xmlns:p14="http://schemas.microsoft.com/office/powerpoint/2010/main" xmlns="" Requires="p14">
+    <mc:Choice xmlns="" xmlns:p14="http://schemas.microsoft.com/office/powerpoint/2010/main" Requires="p14">
       <p:transition spd="slow" p14:dur="2000"/>
     </mc:Choice>
     <mc:Fallback>
@@ -8998,12 +9080,12 @@
           <p:nvPr/>
         </p:nvGraphicFramePr>
         <p:xfrm>
-          <a:off x="447675" y="1494371"/>
-          <a:ext cx="7769225" cy="555625"/>
+          <a:off x="442883" y="1485900"/>
+          <a:ext cx="8322205" cy="546100"/>
         </p:xfrm>
         <a:graphic>
           <a:graphicData uri="http://schemas.openxmlformats.org/presentationml/2006/ole">
-            <p:oleObj spid="_x0000_s26668" name="方程式" r:id="rId3" imgW="3263900" imgH="228600" progId="Equation.3">
+            <p:oleObj spid="_x0000_s26668" name="方程式" r:id="rId3" imgW="3644640" imgH="228600" progId="Equation.3">
               <p:embed/>
             </p:oleObj>
           </a:graphicData>
@@ -9284,7 +9366,7 @@
     </p:spTree>
     <p:extLst>
       <p:ext uri="{BB962C8B-B14F-4D97-AF65-F5344CB8AC3E}">
-        <p14:creationId xmlns:p14="http://schemas.microsoft.com/office/powerpoint/2010/main" xmlns="" val="3040030372"/>
+        <p14:creationId xmlns="" xmlns:p14="http://schemas.microsoft.com/office/powerpoint/2010/main" val="3040030372"/>
       </p:ext>
     </p:extLst>
   </p:cSld>
@@ -9685,7 +9767,7 @@
           <a:blip r:embed="rId2">
             <a:extLst>
               <a:ext uri="{28A0092B-C50C-407E-A947-70E740481C1C}">
-                <a14:useLocalDpi xmlns:a14="http://schemas.microsoft.com/office/drawing/2010/main" xmlns="" val="0"/>
+                <a14:useLocalDpi xmlns="" xmlns:a14="http://schemas.microsoft.com/office/drawing/2010/main" val="0"/>
               </a:ext>
             </a:extLst>
           </a:blip>
@@ -9715,7 +9797,7 @@
           <a:blip r:embed="rId3">
             <a:extLst>
               <a:ext uri="{28A0092B-C50C-407E-A947-70E740481C1C}">
-                <a14:useLocalDpi xmlns:a14="http://schemas.microsoft.com/office/drawing/2010/main" xmlns="" val="0"/>
+                <a14:useLocalDpi xmlns="" xmlns:a14="http://schemas.microsoft.com/office/drawing/2010/main" val="0"/>
               </a:ext>
             </a:extLst>
           </a:blip>
@@ -9745,7 +9827,7 @@
           <a:blip r:embed="rId4">
             <a:extLst>
               <a:ext uri="{28A0092B-C50C-407E-A947-70E740481C1C}">
-                <a14:useLocalDpi xmlns:a14="http://schemas.microsoft.com/office/drawing/2010/main" xmlns="" val="0"/>
+                <a14:useLocalDpi xmlns="" xmlns:a14="http://schemas.microsoft.com/office/drawing/2010/main" val="0"/>
               </a:ext>
             </a:extLst>
           </a:blip>
@@ -9775,7 +9857,7 @@
           <a:blip r:embed="rId5">
             <a:extLst>
               <a:ext uri="{28A0092B-C50C-407E-A947-70E740481C1C}">
-                <a14:useLocalDpi xmlns:a14="http://schemas.microsoft.com/office/drawing/2010/main" xmlns="" val="0"/>
+                <a14:useLocalDpi xmlns="" xmlns:a14="http://schemas.microsoft.com/office/drawing/2010/main" val="0"/>
               </a:ext>
             </a:extLst>
           </a:blip>
@@ -9805,7 +9887,7 @@
           <a:blip r:embed="rId6">
             <a:extLst>
               <a:ext uri="{28A0092B-C50C-407E-A947-70E740481C1C}">
-                <a14:useLocalDpi xmlns:a14="http://schemas.microsoft.com/office/drawing/2010/main" xmlns="" val="0"/>
+                <a14:useLocalDpi xmlns="" xmlns:a14="http://schemas.microsoft.com/office/drawing/2010/main" val="0"/>
               </a:ext>
             </a:extLst>
           </a:blip>
@@ -9933,7 +10015,7 @@
     </p:spTree>
     <p:extLst>
       <p:ext uri="{BB962C8B-B14F-4D97-AF65-F5344CB8AC3E}">
-        <p14:creationId xmlns:p14="http://schemas.microsoft.com/office/powerpoint/2010/main" xmlns="" val="2631485282"/>
+        <p14:creationId xmlns="" xmlns:p14="http://schemas.microsoft.com/office/powerpoint/2010/main" val="2631485282"/>
       </p:ext>
     </p:extLst>
   </p:cSld>
@@ -10428,7 +10510,7 @@
     </p:spTree>
     <p:extLst>
       <p:ext uri="{BB962C8B-B14F-4D97-AF65-F5344CB8AC3E}">
-        <p14:creationId xmlns:p14="http://schemas.microsoft.com/office/powerpoint/2010/main" xmlns="" val="2631485282"/>
+        <p14:creationId xmlns="" xmlns:p14="http://schemas.microsoft.com/office/powerpoint/2010/main" val="2631485282"/>
       </p:ext>
     </p:extLst>
   </p:cSld>
@@ -11199,7 +11281,7 @@
     </p:spTree>
     <p:extLst>
       <p:ext uri="{BB962C8B-B14F-4D97-AF65-F5344CB8AC3E}">
-        <p14:creationId xmlns:p14="http://schemas.microsoft.com/office/powerpoint/2010/main" xmlns="" val="1692470345"/>
+        <p14:creationId xmlns="" xmlns:p14="http://schemas.microsoft.com/office/powerpoint/2010/main" val="1692470345"/>
       </p:ext>
     </p:extLst>
   </p:cSld>
@@ -12440,7 +12522,7 @@
           <p:nvPr/>
         </p:nvPicPr>
         <p:blipFill>
-          <a:blip r:embed="rId2"/>
+          <a:blip r:embed="rId3"/>
           <a:srcRect/>
           <a:stretch>
             <a:fillRect/>
@@ -12468,7 +12550,7 @@
         <p:spPr>
           <a:xfrm>
             <a:off x="228600" y="986319"/>
-            <a:ext cx="8689622" cy="5687711"/>
+            <a:ext cx="8689622" cy="5244513"/>
           </a:xfrm>
           <a:prstGeom prst="rect">
             <a:avLst/>
@@ -12501,13 +12583,7 @@
               <a:rPr lang="en-US" altLang="zh-TW" sz="2400" dirty="0" smtClean="0">
                 <a:latin typeface="Arial"/>
               </a:rPr>
-              <a:t> like </a:t>
-            </a:r>
-            <a:r>
-              <a:rPr lang="en-US" altLang="zh-TW" sz="2400" dirty="0" smtClean="0">
-                <a:latin typeface="Arial"/>
-              </a:rPr>
-              <a:t>feature</a:t>
+              <a:t> like feature</a:t>
             </a:r>
           </a:p>
           <a:p>
@@ -12523,20 +12599,6 @@
               </a:rPr>
               <a:t>Different types</a:t>
             </a:r>
-            <a:endParaRPr lang="en-US" altLang="zh-TW" sz="2400" dirty="0" smtClean="0">
-              <a:latin typeface="Arial"/>
-            </a:endParaRPr>
-          </a:p>
-          <a:p>
-            <a:pPr marL="742950" indent="-457200">
-              <a:spcBef>
-                <a:spcPct val="20000"/>
-              </a:spcBef>
-              <a:defRPr/>
-            </a:pPr>
-            <a:endParaRPr lang="en-US" altLang="zh-TW" sz="2400" dirty="0" smtClean="0">
-              <a:latin typeface="Arial"/>
-            </a:endParaRPr>
           </a:p>
           <a:p>
             <a:pPr marL="742950" indent="-457200">
@@ -13810,7 +13872,7 @@
         </p:nvSpPr>
         <p:spPr>
           <a:xfrm>
-            <a:off x="4368800" y="3708403"/>
+            <a:off x="3953579" y="3708403"/>
             <a:ext cx="439421" cy="313266"/>
           </a:xfrm>
           <a:prstGeom prst="rect">
@@ -13857,7 +13919,7 @@
         </p:nvSpPr>
         <p:spPr>
           <a:xfrm>
-            <a:off x="3928835" y="3708403"/>
+            <a:off x="4393000" y="3708403"/>
             <a:ext cx="439965" cy="313266"/>
           </a:xfrm>
           <a:prstGeom prst="rect">
@@ -13899,7 +13961,7 @@
     </p:spTree>
     <p:extLst>
       <p:ext uri="{BB962C8B-B14F-4D97-AF65-F5344CB8AC3E}">
-        <p14:creationId xmlns:p14="http://schemas.microsoft.com/office/powerpoint/2010/main" xmlns="" val="2631485282"/>
+        <p14:creationId xmlns="" xmlns:p14="http://schemas.microsoft.com/office/powerpoint/2010/main" val="2631485282"/>
       </p:ext>
     </p:extLst>
   </p:cSld>
@@ -14846,7 +14908,7 @@
     </p:spTree>
     <p:extLst>
       <p:ext uri="{BB962C8B-B14F-4D97-AF65-F5344CB8AC3E}">
-        <p14:creationId xmlns:p14="http://schemas.microsoft.com/office/powerpoint/2010/main" xmlns="" val="2631485282"/>
+        <p14:creationId xmlns="" xmlns:p14="http://schemas.microsoft.com/office/powerpoint/2010/main" val="2631485282"/>
       </p:ext>
     </p:extLst>
   </p:cSld>
@@ -16204,7 +16266,7 @@
     </p:spTree>
     <p:extLst>
       <p:ext uri="{BB962C8B-B14F-4D97-AF65-F5344CB8AC3E}">
-        <p14:creationId xmlns:p14="http://schemas.microsoft.com/office/powerpoint/2010/main" xmlns="" val="2631485282"/>
+        <p14:creationId xmlns="" xmlns:p14="http://schemas.microsoft.com/office/powerpoint/2010/main" val="2631485282"/>
       </p:ext>
     </p:extLst>
   </p:cSld>
@@ -16580,7 +16642,7 @@
     </p:spTree>
     <p:extLst>
       <p:ext uri="{BB962C8B-B14F-4D97-AF65-F5344CB8AC3E}">
-        <p14:creationId xmlns:p14="http://schemas.microsoft.com/office/powerpoint/2010/main" xmlns="" val="2631485282"/>
+        <p14:creationId xmlns="" xmlns:p14="http://schemas.microsoft.com/office/powerpoint/2010/main" val="2631485282"/>
       </p:ext>
     </p:extLst>
   </p:cSld>
@@ -16699,7 +16761,7 @@
     </p:spTree>
     <p:extLst>
       <p:ext uri="{BB962C8B-B14F-4D97-AF65-F5344CB8AC3E}">
-        <p14:creationId xmlns:p14="http://schemas.microsoft.com/office/powerpoint/2010/main" xmlns="" val="3598067464"/>
+        <p14:creationId xmlns="" xmlns:p14="http://schemas.microsoft.com/office/powerpoint/2010/main" val="3598067464"/>
       </p:ext>
     </p:extLst>
   </p:cSld>
@@ -17001,7 +17063,7 @@
     </p:spTree>
     <p:extLst>
       <p:ext uri="{BB962C8B-B14F-4D97-AF65-F5344CB8AC3E}">
-        <p14:creationId xmlns:p14="http://schemas.microsoft.com/office/powerpoint/2010/main" xmlns="" val="1692470345"/>
+        <p14:creationId xmlns="" xmlns:p14="http://schemas.microsoft.com/office/powerpoint/2010/main" val="1692470345"/>
       </p:ext>
     </p:extLst>
   </p:cSld>
@@ -17071,13 +17133,7 @@
               <a:rPr lang="en-US" altLang="zh-TW" sz="2400" dirty="0" smtClean="0">
                 <a:latin typeface="Arial"/>
               </a:rPr>
-              <a:t>Find </a:t>
-            </a:r>
-            <a:r>
-              <a:rPr lang="en-US" altLang="zh-TW" sz="2400" dirty="0" smtClean="0">
-                <a:latin typeface="Arial"/>
-              </a:rPr>
-              <a:t>the </a:t>
+              <a:t>Find the </a:t>
             </a:r>
             <a:r>
               <a:rPr lang="en-US" altLang="zh-TW" sz="2400" dirty="0" smtClean="0"/>
@@ -17178,16 +17234,7 @@
                 </a:solidFill>
                 <a:latin typeface="+mj-lt"/>
               </a:rPr>
-              <a:t>L</a:t>
-            </a:r>
-            <a:r>
-              <a:rPr lang="en-US" altLang="zh-TW" sz="3200" dirty="0" smtClean="0">
-                <a:solidFill>
-                  <a:schemeClr val="tx1"/>
-                </a:solidFill>
-                <a:latin typeface="+mj-lt"/>
-              </a:rPr>
-              <a:t>earning Flow</a:t>
+              <a:t>Learning Flow</a:t>
             </a:r>
             <a:endParaRPr lang="en-US" altLang="zh-TW" sz="3200" dirty="0">
               <a:solidFill>
@@ -17294,15 +17341,7 @@
                   <a:schemeClr val="tx1"/>
                 </a:solidFill>
               </a:rPr>
-              <a:t>L</a:t>
-            </a:r>
-            <a:r>
-              <a:rPr lang="en-US" altLang="zh-TW" dirty="0" smtClean="0">
-                <a:solidFill>
-                  <a:schemeClr val="tx1"/>
-                </a:solidFill>
-              </a:rPr>
-              <a:t>earning algorithm</a:t>
+              <a:t>Learning algorithm</a:t>
             </a:r>
             <a:endParaRPr lang="zh-TW" altLang="en-US" dirty="0">
               <a:solidFill>
@@ -17419,11 +17458,7 @@
           <a:p>
             <a:r>
               <a:rPr lang="en-US" altLang="zh-TW" dirty="0" smtClean="0"/>
-              <a:t>g(x</a:t>
-            </a:r>
-            <a:r>
-              <a:rPr lang="en-US" altLang="zh-TW" dirty="0" smtClean="0"/>
-              <a:t>) </a:t>
+              <a:t>g(x) </a:t>
             </a:r>
             <a:endParaRPr lang="zh-TW" altLang="en-US" dirty="0"/>
           </a:p>
@@ -17432,7 +17467,7 @@
     </p:spTree>
     <p:extLst>
       <p:ext uri="{BB962C8B-B14F-4D97-AF65-F5344CB8AC3E}">
-        <p14:creationId xmlns:p14="http://schemas.microsoft.com/office/powerpoint/2010/main" xmlns="" val="3040030372"/>
+        <p14:creationId xmlns="" xmlns:p14="http://schemas.microsoft.com/office/powerpoint/2010/main" val="3040030372"/>
       </p:ext>
     </p:extLst>
   </p:cSld>
@@ -17769,15 +17804,7 @@
             </a:pPr>
             <a:r>
               <a:rPr lang="en-US" altLang="zh-TW" sz="2400" dirty="0" smtClean="0"/>
-              <a:t>Will you sleep well or bad tonight? </a:t>
-            </a:r>
-            <a:r>
-              <a:rPr lang="en-US" altLang="zh-TW" sz="2400" dirty="0" smtClean="0"/>
-              <a:t>{ good, </a:t>
-            </a:r>
-            <a:r>
-              <a:rPr lang="en-US" altLang="zh-TW" sz="2400" dirty="0" smtClean="0"/>
-              <a:t>bad</a:t>
+              <a:t>Will you sleep well or bad tonight? { good, bad</a:t>
             </a:r>
             <a:r>
               <a:rPr lang="zh-TW" altLang="en-US" sz="2400" dirty="0" smtClean="0"/>
@@ -17865,7 +17892,7 @@
           <p:nvPr>
             <p:extLst>
               <p:ext uri="{D42A27DB-BD31-4B8C-83A1-F6EECF244321}">
-                <p14:modId xmlns:p14="http://schemas.microsoft.com/office/powerpoint/2010/main" xmlns="" val="1089295242"/>
+                <p14:modId xmlns="" xmlns:p14="http://schemas.microsoft.com/office/powerpoint/2010/main" val="1089295242"/>
               </p:ext>
             </p:extLst>
           </p:nvPr>
@@ -17889,7 +17916,7 @@
           <p:nvPr>
             <p:extLst>
               <p:ext uri="{D42A27DB-BD31-4B8C-83A1-F6EECF244321}">
-                <p14:modId xmlns:p14="http://schemas.microsoft.com/office/powerpoint/2010/main" xmlns="" val="699112820"/>
+                <p14:modId xmlns="" xmlns:p14="http://schemas.microsoft.com/office/powerpoint/2010/main" val="699112820"/>
               </p:ext>
             </p:extLst>
           </p:nvPr>
@@ -17908,14 +17935,14 @@
                 <a:gridCol w="2188155">
                   <a:extLst>
                     <a:ext uri="{9D8B030D-6E8A-4147-A177-3AD203B41FA5}">
-                      <a16:colId xmlns:a16="http://schemas.microsoft.com/office/drawing/2014/main" xmlns="" val="3452721396"/>
+                      <a16:colId xmlns="" xmlns:a16="http://schemas.microsoft.com/office/drawing/2014/main" val="3452721396"/>
                     </a:ext>
                   </a:extLst>
                 </a:gridCol>
                 <a:gridCol w="1783181">
                   <a:extLst>
                     <a:ext uri="{9D8B030D-6E8A-4147-A177-3AD203B41FA5}">
-                      <a16:colId xmlns:a16="http://schemas.microsoft.com/office/drawing/2014/main" xmlns="" val="3776235587"/>
+                      <a16:colId xmlns="" xmlns:a16="http://schemas.microsoft.com/office/drawing/2014/main" val="3776235587"/>
                     </a:ext>
                   </a:extLst>
                 </a:gridCol>
@@ -18025,7 +18052,7 @@
                 </a:tc>
                 <a:extLst>
                   <a:ext uri="{0D108BD9-81ED-4DB2-BD59-A6C34878D82A}">
-                    <a16:rowId xmlns:a16="http://schemas.microsoft.com/office/drawing/2014/main" xmlns="" val="1687642106"/>
+                    <a16:rowId xmlns="" xmlns:a16="http://schemas.microsoft.com/office/drawing/2014/main" val="1687642106"/>
                   </a:ext>
                 </a:extLst>
               </a:tr>
@@ -18134,7 +18161,7 @@
                 </a:tc>
                 <a:extLst>
                   <a:ext uri="{0D108BD9-81ED-4DB2-BD59-A6C34878D82A}">
-                    <a16:rowId xmlns:a16="http://schemas.microsoft.com/office/drawing/2014/main" xmlns="" val="1167798081"/>
+                    <a16:rowId xmlns="" xmlns:a16="http://schemas.microsoft.com/office/drawing/2014/main" val="1167798081"/>
                   </a:ext>
                 </a:extLst>
               </a:tr>
@@ -18253,7 +18280,7 @@
                 </a:tc>
                 <a:extLst>
                   <a:ext uri="{0D108BD9-81ED-4DB2-BD59-A6C34878D82A}">
-                    <a16:rowId xmlns:a16="http://schemas.microsoft.com/office/drawing/2014/main" xmlns="" val="3666776475"/>
+                    <a16:rowId xmlns="" xmlns:a16="http://schemas.microsoft.com/office/drawing/2014/main" val="3666776475"/>
                   </a:ext>
                 </a:extLst>
               </a:tr>
@@ -18381,7 +18408,7 @@
                 </a:tc>
                 <a:extLst>
                   <a:ext uri="{0D108BD9-81ED-4DB2-BD59-A6C34878D82A}">
-                    <a16:rowId xmlns:a16="http://schemas.microsoft.com/office/drawing/2014/main" xmlns="" val="2399558479"/>
+                    <a16:rowId xmlns="" xmlns:a16="http://schemas.microsoft.com/office/drawing/2014/main" val="2399558479"/>
                   </a:ext>
                 </a:extLst>
               </a:tr>
@@ -18499,7 +18526,7 @@
                 </a:tc>
                 <a:extLst>
                   <a:ext uri="{0D108BD9-81ED-4DB2-BD59-A6C34878D82A}">
-                    <a16:rowId xmlns:a16="http://schemas.microsoft.com/office/drawing/2014/main" xmlns="" val="592403228"/>
+                    <a16:rowId xmlns="" xmlns:a16="http://schemas.microsoft.com/office/drawing/2014/main" val="592403228"/>
                   </a:ext>
                 </a:extLst>
               </a:tr>
@@ -18544,7 +18571,7 @@
           <p:nvPr>
             <p:extLst>
               <p:ext uri="{D42A27DB-BD31-4B8C-83A1-F6EECF244321}">
-                <p14:modId xmlns:p14="http://schemas.microsoft.com/office/powerpoint/2010/main" xmlns="" val="699112820"/>
+                <p14:modId xmlns="" xmlns:p14="http://schemas.microsoft.com/office/powerpoint/2010/main" val="699112820"/>
               </p:ext>
             </p:extLst>
           </p:nvPr>
@@ -18563,7 +18590,7 @@
                 <a:gridCol w="2188155">
                   <a:extLst>
                     <a:ext uri="{9D8B030D-6E8A-4147-A177-3AD203B41FA5}">
-                      <a16:colId xmlns:a16="http://schemas.microsoft.com/office/drawing/2014/main" xmlns="" val="3452721396"/>
+                      <a16:colId xmlns="" xmlns:a16="http://schemas.microsoft.com/office/drawing/2014/main" val="3452721396"/>
                     </a:ext>
                   </a:extLst>
                 </a:gridCol>
@@ -18623,7 +18650,7 @@
                 </a:tc>
                 <a:extLst>
                   <a:ext uri="{0D108BD9-81ED-4DB2-BD59-A6C34878D82A}">
-                    <a16:rowId xmlns:a16="http://schemas.microsoft.com/office/drawing/2014/main" xmlns="" val="1687642106"/>
+                    <a16:rowId xmlns="" xmlns:a16="http://schemas.microsoft.com/office/drawing/2014/main" val="1687642106"/>
                   </a:ext>
                 </a:extLst>
               </a:tr>
@@ -18655,11 +18682,7 @@
           <a:p>
             <a:r>
               <a:rPr lang="en-US" altLang="zh-TW" dirty="0" smtClean="0"/>
-              <a:t>Result: </a:t>
-            </a:r>
-            <a:r>
-              <a:rPr lang="en-US" altLang="zh-TW" dirty="0" smtClean="0"/>
-              <a:t>Y</a:t>
+              <a:t>Result: Y</a:t>
             </a:r>
             <a:endParaRPr lang="zh-TW" altLang="en-US" dirty="0"/>
           </a:p>
@@ -18668,7 +18691,7 @@
     </p:spTree>
     <p:extLst>
       <p:ext uri="{BB962C8B-B14F-4D97-AF65-F5344CB8AC3E}">
-        <p14:creationId xmlns:p14="http://schemas.microsoft.com/office/powerpoint/2010/main" xmlns="" val="3040030372"/>
+        <p14:creationId xmlns="" xmlns:p14="http://schemas.microsoft.com/office/powerpoint/2010/main" val="3040030372"/>
       </p:ext>
     </p:extLst>
   </p:cSld>
@@ -19005,7 +19028,7 @@
     </p:spTree>
     <p:extLst>
       <p:ext uri="{BB962C8B-B14F-4D97-AF65-F5344CB8AC3E}">
-        <p14:creationId xmlns:p14="http://schemas.microsoft.com/office/powerpoint/2010/main" xmlns="" val="636739009"/>
+        <p14:creationId xmlns="" xmlns:p14="http://schemas.microsoft.com/office/powerpoint/2010/main" val="636739009"/>
       </p:ext>
     </p:extLst>
   </p:cSld>
@@ -19666,7 +19689,7 @@
     </p:spTree>
     <p:extLst>
       <p:ext uri="{BB962C8B-B14F-4D97-AF65-F5344CB8AC3E}">
-        <p14:creationId xmlns:p14="http://schemas.microsoft.com/office/powerpoint/2010/main" xmlns="" val="3040030372"/>
+        <p14:creationId xmlns="" xmlns:p14="http://schemas.microsoft.com/office/powerpoint/2010/main" val="3040030372"/>
       </p:ext>
     </p:extLst>
   </p:cSld>
@@ -20068,25 +20091,7 @@
               <a:rPr lang="en-US" altLang="zh-TW" sz="2400" dirty="0" smtClean="0">
                 <a:latin typeface="Arial"/>
               </a:rPr>
-              <a:t>Classify by </a:t>
-            </a:r>
-            <a:r>
-              <a:rPr lang="en-US" altLang="zh-TW" sz="2400" dirty="0" smtClean="0">
-                <a:latin typeface="Arial"/>
-              </a:rPr>
-              <a:t>one </a:t>
-            </a:r>
-            <a:r>
-              <a:rPr lang="en-US" altLang="zh-TW" sz="2400" dirty="0" smtClean="0">
-                <a:latin typeface="Arial"/>
-              </a:rPr>
-              <a:t>attribute </a:t>
-            </a:r>
-            <a:r>
-              <a:rPr lang="en-US" altLang="zh-TW" sz="2400" dirty="0" smtClean="0">
-                <a:latin typeface="Arial"/>
-              </a:rPr>
-              <a:t>of data</a:t>
+              <a:t>Classify by one attribute of data</a:t>
             </a:r>
           </a:p>
           <a:p>
@@ -20208,19 +20213,7 @@
               <a:rPr lang="en-US" altLang="zh-TW" sz="2400" dirty="0" smtClean="0">
                 <a:latin typeface="Arial"/>
               </a:rPr>
-              <a:t>If  sleep hours </a:t>
-            </a:r>
-            <a:r>
-              <a:rPr lang="en-US" altLang="zh-TW" sz="2400" dirty="0" smtClean="0">
-                <a:latin typeface="Arial"/>
-              </a:rPr>
-              <a:t>&gt;= </a:t>
-            </a:r>
-            <a:r>
-              <a:rPr lang="en-US" altLang="zh-TW" sz="2400" dirty="0" smtClean="0">
-                <a:latin typeface="Arial"/>
-              </a:rPr>
-              <a:t>7 hours </a:t>
+              <a:t>If  sleep hours &gt;= 7 hours </a:t>
             </a:r>
             <a:r>
               <a:rPr lang="en-US" altLang="zh-TW" sz="2400" dirty="0" smtClean="0">
@@ -20233,13 +20226,7 @@
               <a:rPr lang="en-US" altLang="zh-TW" sz="2400" dirty="0" smtClean="0">
                 <a:latin typeface="Arial"/>
               </a:rPr>
-              <a:t> +1 else -</a:t>
-            </a:r>
-            <a:r>
-              <a:rPr lang="en-US" altLang="zh-TW" sz="2400" dirty="0" smtClean="0">
-                <a:latin typeface="Arial"/>
-              </a:rPr>
-              <a:t>1</a:t>
+              <a:t> +1 else -1</a:t>
             </a:r>
           </a:p>
           <a:p>
@@ -20264,14 +20251,47 @@
               <a:rPr lang="en-US" altLang="zh-TW" sz="2400" dirty="0" smtClean="0">
                 <a:latin typeface="Arial"/>
               </a:rPr>
-              <a:t>If exercise time &lt;= 1 hour </a:t>
+              <a:t>If exercise time </a:t>
+            </a:r>
+            <a:r>
+              <a:rPr lang="en-US" altLang="zh-TW" sz="2400" dirty="0" smtClean="0">
+                <a:latin typeface="Arial"/>
+              </a:rPr>
+              <a:t>&gt;= </a:t>
+            </a:r>
+            <a:r>
+              <a:rPr lang="en-US" altLang="zh-TW" sz="2400" dirty="0" smtClean="0">
+                <a:latin typeface="Arial"/>
+              </a:rPr>
+              <a:t>1 hour </a:t>
             </a:r>
             <a:r>
               <a:rPr lang="en-US" altLang="zh-TW" sz="2400" dirty="0" smtClean="0">
                 <a:latin typeface="Arial"/>
                 <a:sym typeface="Wingdings" pitchFamily="2" charset="2"/>
               </a:rPr>
-              <a:t> -1 else +1</a:t>
+              <a:t> </a:t>
+            </a:r>
+            <a:r>
+              <a:rPr lang="en-US" altLang="zh-TW" sz="2400" dirty="0" smtClean="0">
+                <a:latin typeface="Arial"/>
+                <a:sym typeface="Wingdings" pitchFamily="2" charset="2"/>
+              </a:rPr>
+              <a:t>+1 </a:t>
+            </a:r>
+            <a:r>
+              <a:rPr lang="en-US" altLang="zh-TW" sz="2400" dirty="0" smtClean="0">
+                <a:latin typeface="Arial"/>
+                <a:sym typeface="Wingdings" pitchFamily="2" charset="2"/>
+              </a:rPr>
+              <a:t>else </a:t>
+            </a:r>
+            <a:r>
+              <a:rPr lang="en-US" altLang="zh-TW" sz="2400" dirty="0" smtClean="0">
+                <a:latin typeface="Arial"/>
+                <a:sym typeface="Wingdings" pitchFamily="2" charset="2"/>
+              </a:rPr>
+              <a:t>-1</a:t>
             </a:r>
             <a:endParaRPr lang="en-US" altLang="zh-TW" sz="2400" dirty="0" smtClean="0">
               <a:latin typeface="Arial"/>
@@ -20551,7 +20571,7 @@
           <p:nvPr>
             <p:extLst>
               <p:ext uri="{D42A27DB-BD31-4B8C-83A1-F6EECF244321}">
-                <p14:modId xmlns:p14="http://schemas.microsoft.com/office/powerpoint/2010/main" xmlns="" val="699112820"/>
+                <p14:modId xmlns="" xmlns:p14="http://schemas.microsoft.com/office/powerpoint/2010/main" val="699112820"/>
               </p:ext>
             </p:extLst>
           </p:nvPr>
@@ -20570,14 +20590,14 @@
                 <a:gridCol w="2188155">
                   <a:extLst>
                     <a:ext uri="{9D8B030D-6E8A-4147-A177-3AD203B41FA5}">
-                      <a16:colId xmlns:a16="http://schemas.microsoft.com/office/drawing/2014/main" xmlns="" val="3452721396"/>
+                      <a16:colId xmlns="" xmlns:a16="http://schemas.microsoft.com/office/drawing/2014/main" val="3452721396"/>
                     </a:ext>
                   </a:extLst>
                 </a:gridCol>
                 <a:gridCol w="1783181">
                   <a:extLst>
                     <a:ext uri="{9D8B030D-6E8A-4147-A177-3AD203B41FA5}">
-                      <a16:colId xmlns:a16="http://schemas.microsoft.com/office/drawing/2014/main" xmlns="" val="3776235587"/>
+                      <a16:colId xmlns="" xmlns:a16="http://schemas.microsoft.com/office/drawing/2014/main" val="3776235587"/>
                     </a:ext>
                   </a:extLst>
                 </a:gridCol>
@@ -20697,7 +20717,7 @@
                 </a:tc>
                 <a:extLst>
                   <a:ext uri="{0D108BD9-81ED-4DB2-BD59-A6C34878D82A}">
-                    <a16:rowId xmlns:a16="http://schemas.microsoft.com/office/drawing/2014/main" xmlns="" val="2399558479"/>
+                    <a16:rowId xmlns="" xmlns:a16="http://schemas.microsoft.com/office/drawing/2014/main" val="2399558479"/>
                   </a:ext>
                 </a:extLst>
               </a:tr>
@@ -20813,7 +20833,7 @@
                 </a:tc>
                 <a:extLst>
                   <a:ext uri="{0D108BD9-81ED-4DB2-BD59-A6C34878D82A}">
-                    <a16:rowId xmlns:a16="http://schemas.microsoft.com/office/drawing/2014/main" xmlns="" val="592403228"/>
+                    <a16:rowId xmlns="" xmlns:a16="http://schemas.microsoft.com/office/drawing/2014/main" val="592403228"/>
                   </a:ext>
                 </a:extLst>
               </a:tr>
@@ -20824,7 +20844,7 @@
     </p:spTree>
     <p:extLst>
       <p:ext uri="{BB962C8B-B14F-4D97-AF65-F5344CB8AC3E}">
-        <p14:creationId xmlns:p14="http://schemas.microsoft.com/office/powerpoint/2010/main" xmlns="" val="3040030372"/>
+        <p14:creationId xmlns="" xmlns:p14="http://schemas.microsoft.com/office/powerpoint/2010/main" val="3040030372"/>
       </p:ext>
     </p:extLst>
   </p:cSld>
@@ -20909,7 +20929,7 @@
           <a:blip r:embed="rId3">
             <a:extLst>
               <a:ext uri="{28A0092B-C50C-407E-A947-70E740481C1C}">
-                <a14:useLocalDpi xmlns:a14="http://schemas.microsoft.com/office/drawing/2010/main" xmlns="" val="0"/>
+                <a14:useLocalDpi xmlns="" xmlns:a14="http://schemas.microsoft.com/office/drawing/2010/main" val="0"/>
               </a:ext>
             </a:extLst>
           </a:blip>
@@ -21144,7 +21164,7 @@
     </p:spTree>
     <p:extLst>
       <p:ext uri="{BB962C8B-B14F-4D97-AF65-F5344CB8AC3E}">
-        <p14:creationId xmlns:p14="http://schemas.microsoft.com/office/powerpoint/2010/main" xmlns="" val="3040030372"/>
+        <p14:creationId xmlns="" xmlns:p14="http://schemas.microsoft.com/office/powerpoint/2010/main" val="3040030372"/>
       </p:ext>
     </p:extLst>
   </p:cSld>
@@ -22474,23 +22494,6 @@
 </file>
 
 <file path=customXml/item1.xml><?xml version="1.0" encoding="utf-8"?>
-<?mso-contentType ?>
-<FormTemplates xmlns="http://schemas.microsoft.com/sharepoint/v3/contenttype/forms">
-  <Display>DocumentLibraryForm</Display>
-  <Edit>DocumentLibraryForm</Edit>
-  <New>DocumentLibraryForm</New>
-</FormTemplates>
-</file>
-
-<file path=customXml/item2.xml><?xml version="1.0" encoding="utf-8"?>
-<p:properties xmlns:p="http://schemas.microsoft.com/office/2006/metadata/properties" xmlns:xsi="http://www.w3.org/2001/XMLSchema-instance" xmlns:pc="http://schemas.microsoft.com/office/infopath/2007/PartnerControls">
-  <documentManagement>
-    <Year xmlns="24ac9ee2-1f69-49ec-81c1-d01c86227436">2015</Year>
-  </documentManagement>
-</p:properties>
-</file>
-
-<file path=customXml/item3.xml><?xml version="1.0" encoding="utf-8"?>
 <ct:contentTypeSchema xmlns:ct="http://schemas.microsoft.com/office/2006/metadata/contentType" xmlns:ma="http://schemas.microsoft.com/office/2006/metadata/properties/metaAttributes" ct:_="" ma:_="" ma:contentTypeName="文件" ma:contentTypeID="0x0101000CB458D5399432479E0BB962A3AC807C" ma:contentTypeVersion="1" ma:contentTypeDescription="建立新的文件。" ma:contentTypeScope="" ma:versionID="2090fcdc2e9aae8469eabc8d31b189fb">
   <xsd:schema xmlns:xsd="http://www.w3.org/2001/XMLSchema" xmlns:xs="http://www.w3.org/2001/XMLSchema" xmlns:p="http://schemas.microsoft.com/office/2006/metadata/properties" xmlns:ns2="24ac9ee2-1f69-49ec-81c1-d01c86227436" targetNamespace="http://schemas.microsoft.com/office/2006/metadata/properties" ma:root="true" ma:fieldsID="3ada4ee18b918396c161ab8726fa03da" ns2:_="">
     <xsd:import namespace="24ac9ee2-1f69-49ec-81c1-d01c86227436"/>
@@ -22621,10 +22624,37 @@
 </ct:contentTypeSchema>
 </file>
 
+<file path=customXml/item2.xml><?xml version="1.0" encoding="utf-8"?>
+<p:properties xmlns:p="http://schemas.microsoft.com/office/2006/metadata/properties" xmlns:xsi="http://www.w3.org/2001/XMLSchema-instance" xmlns:pc="http://schemas.microsoft.com/office/infopath/2007/PartnerControls">
+  <documentManagement>
+    <Year xmlns="24ac9ee2-1f69-49ec-81c1-d01c86227436">2015</Year>
+  </documentManagement>
+</p:properties>
+</file>
+
+<file path=customXml/item3.xml><?xml version="1.0" encoding="utf-8"?>
+<?mso-contentType ?>
+<FormTemplates xmlns="http://schemas.microsoft.com/sharepoint/v3/contenttype/forms">
+  <Display>DocumentLibraryForm</Display>
+  <Edit>DocumentLibraryForm</Edit>
+  <New>DocumentLibraryForm</New>
+</FormTemplates>
+</file>
+
 <file path=customXml/itemProps1.xml><?xml version="1.0" encoding="utf-8"?>
-<ds:datastoreItem xmlns:ds="http://schemas.openxmlformats.org/officeDocument/2006/customXml" ds:itemID="{75703042-9C6F-440D-9A8D-0836740E8EC4}">
+<ds:datastoreItem xmlns:ds="http://schemas.openxmlformats.org/officeDocument/2006/customXml" ds:itemID="{4C9F39EC-CE5D-4921-B7BB-5650597DBD03}">
   <ds:schemaRefs>
-    <ds:schemaRef ds:uri="http://schemas.microsoft.com/sharepoint/v3/contenttype/forms"/>
+    <ds:schemaRef ds:uri="http://schemas.microsoft.com/office/2006/metadata/contentType"/>
+    <ds:schemaRef ds:uri="http://schemas.microsoft.com/office/2006/metadata/properties/metaAttributes"/>
+    <ds:schemaRef ds:uri="http://www.w3.org/2001/XMLSchema"/>
+    <ds:schemaRef ds:uri="http://schemas.microsoft.com/office/2006/metadata/properties"/>
+    <ds:schemaRef ds:uri="24ac9ee2-1f69-49ec-81c1-d01c86227436"/>
+    <ds:schemaRef ds:uri="http://schemas.microsoft.com/office/2006/documentManagement/types"/>
+    <ds:schemaRef ds:uri="http://schemas.microsoft.com/office/infopath/2007/PartnerControls"/>
+    <ds:schemaRef ds:uri="http://schemas.openxmlformats.org/package/2006/metadata/core-properties"/>
+    <ds:schemaRef ds:uri="http://purl.org/dc/elements/1.1/"/>
+    <ds:schemaRef ds:uri="http://purl.org/dc/terms/"/>
+    <ds:schemaRef ds:uri="http://schemas.microsoft.com/internal/obd"/>
   </ds:schemaRefs>
 </ds:datastoreItem>
 </file>
@@ -22646,19 +22676,9 @@
 </file>
 
 <file path=customXml/itemProps3.xml><?xml version="1.0" encoding="utf-8"?>
-<ds:datastoreItem xmlns:ds="http://schemas.openxmlformats.org/officeDocument/2006/customXml" ds:itemID="{4C9F39EC-CE5D-4921-B7BB-5650597DBD03}">
+<ds:datastoreItem xmlns:ds="http://schemas.openxmlformats.org/officeDocument/2006/customXml" ds:itemID="{75703042-9C6F-440D-9A8D-0836740E8EC4}">
   <ds:schemaRefs>
-    <ds:schemaRef ds:uri="http://schemas.microsoft.com/office/2006/metadata/contentType"/>
-    <ds:schemaRef ds:uri="http://schemas.microsoft.com/office/2006/metadata/properties/metaAttributes"/>
-    <ds:schemaRef ds:uri="http://www.w3.org/2001/XMLSchema"/>
-    <ds:schemaRef ds:uri="http://schemas.microsoft.com/office/2006/metadata/properties"/>
-    <ds:schemaRef ds:uri="24ac9ee2-1f69-49ec-81c1-d01c86227436"/>
-    <ds:schemaRef ds:uri="http://schemas.microsoft.com/office/2006/documentManagement/types"/>
-    <ds:schemaRef ds:uri="http://schemas.microsoft.com/office/infopath/2007/PartnerControls"/>
-    <ds:schemaRef ds:uri="http://schemas.openxmlformats.org/package/2006/metadata/core-properties"/>
-    <ds:schemaRef ds:uri="http://purl.org/dc/elements/1.1/"/>
-    <ds:schemaRef ds:uri="http://purl.org/dc/terms/"/>
-    <ds:schemaRef ds:uri="http://schemas.microsoft.com/internal/obd"/>
+    <ds:schemaRef ds:uri="http://schemas.microsoft.com/sharepoint/v3/contenttype/forms"/>
   </ds:schemaRefs>
 </ds:datastoreItem>
 </file>
--- a/Presentation/Boosting.pptx
+++ b/Presentation/Boosting.pptx
@@ -12,31 +12,31 @@
   </p:handoutMasterIdLst>
   <p:sldIdLst>
     <p:sldId id="288" r:id="rId5"/>
-    <p:sldId id="338" r:id="rId6"/>
-    <p:sldId id="340" r:id="rId7"/>
-    <p:sldId id="326" r:id="rId8"/>
+    <p:sldId id="319" r:id="rId6"/>
+    <p:sldId id="335" r:id="rId7"/>
+    <p:sldId id="338" r:id="rId8"/>
     <p:sldId id="320" r:id="rId9"/>
-    <p:sldId id="319" r:id="rId10"/>
-    <p:sldId id="335" r:id="rId11"/>
-    <p:sldId id="322" r:id="rId12"/>
-    <p:sldId id="336" r:id="rId13"/>
-    <p:sldId id="318" r:id="rId14"/>
-    <p:sldId id="327" r:id="rId15"/>
-    <p:sldId id="313" r:id="rId16"/>
-    <p:sldId id="312" r:id="rId17"/>
-    <p:sldId id="317" r:id="rId18"/>
-    <p:sldId id="321" r:id="rId19"/>
-    <p:sldId id="328" r:id="rId20"/>
-    <p:sldId id="324" r:id="rId21"/>
-    <p:sldId id="330" r:id="rId22"/>
-    <p:sldId id="323" r:id="rId23"/>
-    <p:sldId id="331" r:id="rId24"/>
-    <p:sldId id="332" r:id="rId25"/>
-    <p:sldId id="333" r:id="rId26"/>
-    <p:sldId id="337" r:id="rId27"/>
-    <p:sldId id="334" r:id="rId28"/>
-    <p:sldId id="316" r:id="rId29"/>
-    <p:sldId id="341" r:id="rId30"/>
+    <p:sldId id="326" r:id="rId10"/>
+    <p:sldId id="322" r:id="rId11"/>
+    <p:sldId id="336" r:id="rId12"/>
+    <p:sldId id="318" r:id="rId13"/>
+    <p:sldId id="327" r:id="rId14"/>
+    <p:sldId id="313" r:id="rId15"/>
+    <p:sldId id="312" r:id="rId16"/>
+    <p:sldId id="317" r:id="rId17"/>
+    <p:sldId id="321" r:id="rId18"/>
+    <p:sldId id="328" r:id="rId19"/>
+    <p:sldId id="324" r:id="rId20"/>
+    <p:sldId id="330" r:id="rId21"/>
+    <p:sldId id="323" r:id="rId22"/>
+    <p:sldId id="331" r:id="rId23"/>
+    <p:sldId id="332" r:id="rId24"/>
+    <p:sldId id="333" r:id="rId25"/>
+    <p:sldId id="337" r:id="rId26"/>
+    <p:sldId id="334" r:id="rId27"/>
+    <p:sldId id="316" r:id="rId28"/>
+    <p:sldId id="341" r:id="rId29"/>
+    <p:sldId id="342" r:id="rId30"/>
   </p:sldIdLst>
   <p:sldSz cx="9144000" cy="6858000" type="screen4x3"/>
   <p:notesSz cx="6858000" cy="9144000"/>
@@ -137,7 +137,7 @@
   </p:defaultTextStyle>
   <p:extLst>
     <p:ext uri="{EFAFB233-063F-42B5-8137-9DF3F51BA10A}">
-      <p15:sldGuideLst xmlns:p15="http://schemas.microsoft.com/office/powerpoint/2012/main" xmlns="">
+      <p15:sldGuideLst xmlns:p15="http://schemas.microsoft.com/office/powerpoint/2012/main">
         <p15:guide id="1" orient="horz" pos="3868">
           <p15:clr>
             <a:srgbClr val="A4A3A4"/>
@@ -282,7 +282,7 @@
             <a:fld id="{F8252C7F-5FEC-2E4D-80AA-BF666F276660}" type="datetime1">
               <a:rPr lang="en-US" smtClean="0"/>
               <a:pPr/>
-              <a:t>6/30/2015</a:t>
+              <a:t>7/2/2015</a:t>
             </a:fld>
             <a:endParaRPr lang="en-US"/>
           </a:p>
@@ -358,7 +358,7 @@
     </p:spTree>
     <p:extLst>
       <p:ext uri="{BB962C8B-B14F-4D97-AF65-F5344CB8AC3E}">
-        <p14:creationId xmlns:p14="http://schemas.microsoft.com/office/powerpoint/2010/main" xmlns="" val="1411092301"/>
+        <p14:creationId xmlns:p14="http://schemas.microsoft.com/office/powerpoint/2010/main" val="1411092301"/>
       </p:ext>
     </p:extLst>
   </p:cSld>
@@ -450,7 +450,7 @@
             <a:fld id="{1939DE02-E791-1340-B4FF-3939EE33ADCD}" type="datetime1">
               <a:rPr lang="en-US" smtClean="0"/>
               <a:pPr/>
-              <a:t>6/30/2015</a:t>
+              <a:t>7/2/2015</a:t>
             </a:fld>
             <a:endParaRPr lang="en-US"/>
           </a:p>
@@ -619,7 +619,7 @@
     </p:spTree>
     <p:extLst>
       <p:ext uri="{BB962C8B-B14F-4D97-AF65-F5344CB8AC3E}">
-        <p14:creationId xmlns:p14="http://schemas.microsoft.com/office/powerpoint/2010/main" xmlns="" val="160240899"/>
+        <p14:creationId xmlns:p14="http://schemas.microsoft.com/office/powerpoint/2010/main" val="160240899"/>
       </p:ext>
     </p:extLst>
   </p:cSld>
@@ -795,7 +795,7 @@
     </p:spTree>
     <p:extLst>
       <p:ext uri="{BB962C8B-B14F-4D97-AF65-F5344CB8AC3E}">
-        <p14:creationId xmlns:p14="http://schemas.microsoft.com/office/powerpoint/2010/main" xmlns="" val="3773960202"/>
+        <p14:creationId xmlns:p14="http://schemas.microsoft.com/office/powerpoint/2010/main" val="3773960202"/>
       </p:ext>
     </p:extLst>
   </p:cSld>
@@ -880,7 +880,7 @@
     </p:spTree>
     <p:extLst>
       <p:ext uri="{BB962C8B-B14F-4D97-AF65-F5344CB8AC3E}">
-        <p14:creationId xmlns:p14="http://schemas.microsoft.com/office/powerpoint/2010/main" xmlns="" val="477824888"/>
+        <p14:creationId xmlns:p14="http://schemas.microsoft.com/office/powerpoint/2010/main" val="3594096594"/>
       </p:ext>
     </p:extLst>
   </p:cSld>
@@ -965,7 +965,7 @@
     </p:spTree>
     <p:extLst>
       <p:ext uri="{BB962C8B-B14F-4D97-AF65-F5344CB8AC3E}">
-        <p14:creationId xmlns:p14="http://schemas.microsoft.com/office/powerpoint/2010/main" xmlns="" val="3594096594"/>
+        <p14:creationId xmlns:p14="http://schemas.microsoft.com/office/powerpoint/2010/main" val="2967594684"/>
       </p:ext>
     </p:extLst>
   </p:cSld>
@@ -1050,7 +1050,7 @@
     </p:spTree>
     <p:extLst>
       <p:ext uri="{BB962C8B-B14F-4D97-AF65-F5344CB8AC3E}">
-        <p14:creationId xmlns:p14="http://schemas.microsoft.com/office/powerpoint/2010/main" xmlns="" val="2967594684"/>
+        <p14:creationId xmlns:p14="http://schemas.microsoft.com/office/powerpoint/2010/main" val="1151715850"/>
       </p:ext>
     </p:extLst>
   </p:cSld>
@@ -1135,7 +1135,7 @@
     </p:spTree>
     <p:extLst>
       <p:ext uri="{BB962C8B-B14F-4D97-AF65-F5344CB8AC3E}">
-        <p14:creationId xmlns:p14="http://schemas.microsoft.com/office/powerpoint/2010/main" xmlns="" val="1151715850"/>
+        <p14:creationId xmlns:p14="http://schemas.microsoft.com/office/powerpoint/2010/main" val="480246252"/>
       </p:ext>
     </p:extLst>
   </p:cSld>
@@ -1220,7 +1220,7 @@
     </p:spTree>
     <p:extLst>
       <p:ext uri="{BB962C8B-B14F-4D97-AF65-F5344CB8AC3E}">
-        <p14:creationId xmlns:p14="http://schemas.microsoft.com/office/powerpoint/2010/main" xmlns="" val="480246252"/>
+        <p14:creationId xmlns:p14="http://schemas.microsoft.com/office/powerpoint/2010/main" val="815287753"/>
       </p:ext>
     </p:extLst>
   </p:cSld>
@@ -1305,7 +1305,7 @@
     </p:spTree>
     <p:extLst>
       <p:ext uri="{BB962C8B-B14F-4D97-AF65-F5344CB8AC3E}">
-        <p14:creationId xmlns:p14="http://schemas.microsoft.com/office/powerpoint/2010/main" xmlns="" val="815287753"/>
+        <p14:creationId xmlns:p14="http://schemas.microsoft.com/office/powerpoint/2010/main" val="3862976365"/>
       </p:ext>
     </p:extLst>
   </p:cSld>
@@ -1390,7 +1390,7 @@
     </p:spTree>
     <p:extLst>
       <p:ext uri="{BB962C8B-B14F-4D97-AF65-F5344CB8AC3E}">
-        <p14:creationId xmlns:p14="http://schemas.microsoft.com/office/powerpoint/2010/main" xmlns="" val="3862976365"/>
+        <p14:creationId xmlns:p14="http://schemas.microsoft.com/office/powerpoint/2010/main" val="109162968"/>
       </p:ext>
     </p:extLst>
   </p:cSld>
@@ -1401,91 +1401,6 @@
 </file>
 
 <file path=ppt/notesSlides/notesSlide17.xml><?xml version="1.0" encoding="utf-8"?>
-<p:notes xmlns:a="http://schemas.openxmlformats.org/drawingml/2006/main" xmlns:r="http://schemas.openxmlformats.org/officeDocument/2006/relationships" xmlns:p="http://schemas.openxmlformats.org/presentationml/2006/main">
-  <p:cSld>
-    <p:spTree>
-      <p:nvGrpSpPr>
-        <p:cNvPr id="1" name=""/>
-        <p:cNvGrpSpPr/>
-        <p:nvPr/>
-      </p:nvGrpSpPr>
-      <p:grpSpPr>
-        <a:xfrm>
-          <a:off x="0" y="0"/>
-          <a:ext cx="0" cy="0"/>
-          <a:chOff x="0" y="0"/>
-          <a:chExt cx="0" cy="0"/>
-        </a:xfrm>
-      </p:grpSpPr>
-      <p:sp>
-        <p:nvSpPr>
-          <p:cNvPr id="2" name="投影片圖像版面配置區 1"/>
-          <p:cNvSpPr>
-            <a:spLocks noGrp="1" noRot="1" noChangeAspect="1"/>
-          </p:cNvSpPr>
-          <p:nvPr>
-            <p:ph type="sldImg"/>
-          </p:nvPr>
-        </p:nvSpPr>
-        <p:spPr/>
-      </p:sp>
-      <p:sp>
-        <p:nvSpPr>
-          <p:cNvPr id="3" name="備忘稿版面配置區 2"/>
-          <p:cNvSpPr>
-            <a:spLocks noGrp="1"/>
-          </p:cNvSpPr>
-          <p:nvPr>
-            <p:ph type="body" idx="1"/>
-          </p:nvPr>
-        </p:nvSpPr>
-        <p:spPr/>
-        <p:txBody>
-          <a:bodyPr/>
-          <a:lstStyle/>
-          <a:p>
-            <a:endParaRPr lang="zh-TW" altLang="en-US"/>
-          </a:p>
-        </p:txBody>
-      </p:sp>
-      <p:sp>
-        <p:nvSpPr>
-          <p:cNvPr id="4" name="投影片編號版面配置區 3"/>
-          <p:cNvSpPr>
-            <a:spLocks noGrp="1"/>
-          </p:cNvSpPr>
-          <p:nvPr>
-            <p:ph type="sldNum" sz="quarter" idx="10"/>
-          </p:nvPr>
-        </p:nvSpPr>
-        <p:spPr/>
-        <p:txBody>
-          <a:bodyPr/>
-          <a:lstStyle/>
-          <a:p>
-            <a:fld id="{E99B2ECF-EB76-B54F-9C26-F0E74F1A8F70}" type="slidenum">
-              <a:rPr lang="en-US" smtClean="0"/>
-              <a:pPr/>
-              <a:t>17</a:t>
-            </a:fld>
-            <a:endParaRPr lang="en-US"/>
-          </a:p>
-        </p:txBody>
-      </p:sp>
-    </p:spTree>
-    <p:extLst>
-      <p:ext uri="{BB962C8B-B14F-4D97-AF65-F5344CB8AC3E}">
-        <p14:creationId xmlns:p14="http://schemas.microsoft.com/office/powerpoint/2010/main" xmlns="" val="109162968"/>
-      </p:ext>
-    </p:extLst>
-  </p:cSld>
-  <p:clrMapOvr>
-    <a:masterClrMapping/>
-  </p:clrMapOvr>
-</p:notes>
-</file>
-
-<file path=ppt/notesSlides/notesSlide18.xml><?xml version="1.0" encoding="utf-8"?>
 <p:notes xmlns:a="http://schemas.openxmlformats.org/drawingml/2006/main" xmlns:r="http://schemas.openxmlformats.org/officeDocument/2006/relationships" xmlns:p="http://schemas.openxmlformats.org/presentationml/2006/main">
   <p:cSld>
     <p:spTree>
@@ -1553,13 +1468,18 @@
             <a:fld id="{E99B2ECF-EB76-B54F-9C26-F0E74F1A8F70}" type="slidenum">
               <a:rPr lang="en-US" smtClean="0"/>
               <a:pPr/>
-              <a:t>21</a:t>
+              <a:t>20</a:t>
             </a:fld>
             <a:endParaRPr lang="en-US"/>
           </a:p>
         </p:txBody>
       </p:sp>
     </p:spTree>
+    <p:extLst>
+      <p:ext uri="{BB962C8B-B14F-4D97-AF65-F5344CB8AC3E}">
+        <p14:creationId xmlns:p14="http://schemas.microsoft.com/office/powerpoint/2010/main" val="428055402"/>
+      </p:ext>
+    </p:extLst>
   </p:cSld>
   <p:clrMapOvr>
     <a:masterClrMapping/>
@@ -1567,7 +1487,7 @@
 </p:notes>
 </file>
 
-<file path=ppt/notesSlides/notesSlide19.xml><?xml version="1.0" encoding="utf-8"?>
+<file path=ppt/notesSlides/notesSlide18.xml><?xml version="1.0" encoding="utf-8"?>
 <p:notes xmlns:a="http://schemas.openxmlformats.org/drawingml/2006/main" xmlns:r="http://schemas.openxmlformats.org/officeDocument/2006/relationships" xmlns:p="http://schemas.openxmlformats.org/presentationml/2006/main">
   <p:cSld>
     <p:spTree>
@@ -1633,7 +1553,7 @@
             <a:fld id="{E99B2ECF-EB76-B54F-9C26-F0E74F1A8F70}" type="slidenum">
               <a:rPr lang="en-US" smtClean="0"/>
               <a:pPr/>
-              <a:t>26</a:t>
+              <a:t>25</a:t>
             </a:fld>
             <a:endParaRPr lang="en-US"/>
           </a:p>
@@ -1642,7 +1562,7 @@
     </p:spTree>
     <p:extLst>
       <p:ext uri="{BB962C8B-B14F-4D97-AF65-F5344CB8AC3E}">
-        <p14:creationId xmlns:p14="http://schemas.microsoft.com/office/powerpoint/2010/main" xmlns="" val="2057974675"/>
+        <p14:creationId xmlns:p14="http://schemas.microsoft.com/office/powerpoint/2010/main" val="2057974675"/>
       </p:ext>
     </p:extLst>
   </p:cSld>
@@ -1652,96 +1572,7 @@
 </p:notes>
 </file>
 
-<file path=ppt/notesSlides/notesSlide2.xml><?xml version="1.0" encoding="utf-8"?>
-<p:notes xmlns:a="http://schemas.openxmlformats.org/drawingml/2006/main" xmlns:r="http://schemas.openxmlformats.org/officeDocument/2006/relationships" xmlns:p="http://schemas.openxmlformats.org/presentationml/2006/main">
-  <p:cSld>
-    <p:spTree>
-      <p:nvGrpSpPr>
-        <p:cNvPr id="1" name=""/>
-        <p:cNvGrpSpPr/>
-        <p:nvPr/>
-      </p:nvGrpSpPr>
-      <p:grpSpPr>
-        <a:xfrm>
-          <a:off x="0" y="0"/>
-          <a:ext cx="0" cy="0"/>
-          <a:chOff x="0" y="0"/>
-          <a:chExt cx="0" cy="0"/>
-        </a:xfrm>
-      </p:grpSpPr>
-      <p:sp>
-        <p:nvSpPr>
-          <p:cNvPr id="2" name="投影片圖像版面配置區 1"/>
-          <p:cNvSpPr>
-            <a:spLocks noGrp="1" noRot="1" noChangeAspect="1"/>
-          </p:cNvSpPr>
-          <p:nvPr>
-            <p:ph type="sldImg"/>
-          </p:nvPr>
-        </p:nvSpPr>
-        <p:spPr/>
-      </p:sp>
-      <p:sp>
-        <p:nvSpPr>
-          <p:cNvPr id="3" name="備忘稿版面配置區 2"/>
-          <p:cNvSpPr>
-            <a:spLocks noGrp="1"/>
-          </p:cNvSpPr>
-          <p:nvPr>
-            <p:ph type="body" idx="1"/>
-          </p:nvPr>
-        </p:nvSpPr>
-        <p:spPr/>
-        <p:txBody>
-          <a:bodyPr/>
-          <a:lstStyle/>
-          <a:p>
-            <a:r>
-              <a:rPr lang="en-US" altLang="zh-TW" dirty="0" smtClean="0"/>
-              <a:t>Computer vision is difficult</a:t>
-            </a:r>
-            <a:endParaRPr lang="zh-TW" altLang="en-US" dirty="0"/>
-          </a:p>
-        </p:txBody>
-      </p:sp>
-      <p:sp>
-        <p:nvSpPr>
-          <p:cNvPr id="4" name="投影片編號版面配置區 3"/>
-          <p:cNvSpPr>
-            <a:spLocks noGrp="1"/>
-          </p:cNvSpPr>
-          <p:nvPr>
-            <p:ph type="sldNum" sz="quarter" idx="10"/>
-          </p:nvPr>
-        </p:nvSpPr>
-        <p:spPr/>
-        <p:txBody>
-          <a:bodyPr/>
-          <a:lstStyle/>
-          <a:p>
-            <a:fld id="{E99B2ECF-EB76-B54F-9C26-F0E74F1A8F70}" type="slidenum">
-              <a:rPr lang="en-US" smtClean="0"/>
-              <a:pPr/>
-              <a:t>2</a:t>
-            </a:fld>
-            <a:endParaRPr lang="en-US"/>
-          </a:p>
-        </p:txBody>
-      </p:sp>
-    </p:spTree>
-    <p:extLst>
-      <p:ext uri="{BB962C8B-B14F-4D97-AF65-F5344CB8AC3E}">
-        <p14:creationId xmlns:p14="http://schemas.microsoft.com/office/powerpoint/2010/main" xmlns="" val="2057974675"/>
-      </p:ext>
-    </p:extLst>
-  </p:cSld>
-  <p:clrMapOvr>
-    <a:masterClrMapping/>
-  </p:clrMapOvr>
-</p:notes>
-</file>
-
-<file path=ppt/notesSlides/notesSlide3.xml><?xml version="1.0" encoding="utf-8"?>
+<file path=ppt/notesSlides/notesSlide19.xml><?xml version="1.0" encoding="utf-8"?>
 <p:notes xmlns:a="http://schemas.openxmlformats.org/drawingml/2006/main" xmlns:r="http://schemas.openxmlformats.org/officeDocument/2006/relationships" xmlns:p="http://schemas.openxmlformats.org/presentationml/2006/main">
   <p:cSld>
     <p:spTree>
@@ -1831,7 +1662,7 @@
             <a:fld id="{E99B2ECF-EB76-B54F-9C26-F0E74F1A8F70}" type="slidenum">
               <a:rPr lang="en-US" smtClean="0"/>
               <a:pPr/>
-              <a:t>3</a:t>
+              <a:t>26</a:t>
             </a:fld>
             <a:endParaRPr lang="en-US"/>
           </a:p>
@@ -1840,7 +1671,7 @@
     </p:spTree>
     <p:extLst>
       <p:ext uri="{BB962C8B-B14F-4D97-AF65-F5344CB8AC3E}">
-        <p14:creationId xmlns:p14="http://schemas.microsoft.com/office/powerpoint/2010/main" xmlns="" val="2057974675"/>
+        <p14:creationId xmlns:p14="http://schemas.microsoft.com/office/powerpoint/2010/main" val="2704365197"/>
       </p:ext>
     </p:extLst>
   </p:cSld>
@@ -1850,7 +1681,7 @@
 </p:notes>
 </file>
 
-<file path=ppt/notesSlides/notesSlide4.xml><?xml version="1.0" encoding="utf-8"?>
+<file path=ppt/notesSlides/notesSlide2.xml><?xml version="1.0" encoding="utf-8"?>
 <p:notes xmlns:a="http://schemas.openxmlformats.org/drawingml/2006/main" xmlns:r="http://schemas.openxmlformats.org/officeDocument/2006/relationships" xmlns:p="http://schemas.openxmlformats.org/presentationml/2006/main">
   <p:cSld>
     <p:spTree>
@@ -1916,6 +1747,186 @@
             <a:fld id="{E99B2ECF-EB76-B54F-9C26-F0E74F1A8F70}" type="slidenum">
               <a:rPr lang="en-US" smtClean="0"/>
               <a:pPr/>
+              <a:t>2</a:t>
+            </a:fld>
+            <a:endParaRPr lang="en-US"/>
+          </a:p>
+        </p:txBody>
+      </p:sp>
+    </p:spTree>
+    <p:extLst>
+      <p:ext uri="{BB962C8B-B14F-4D97-AF65-F5344CB8AC3E}">
+        <p14:creationId xmlns:p14="http://schemas.microsoft.com/office/powerpoint/2010/main" val="2400959933"/>
+      </p:ext>
+    </p:extLst>
+  </p:cSld>
+  <p:clrMapOvr>
+    <a:masterClrMapping/>
+  </p:clrMapOvr>
+</p:notes>
+</file>
+
+<file path=ppt/notesSlides/notesSlide3.xml><?xml version="1.0" encoding="utf-8"?>
+<p:notes xmlns:a="http://schemas.openxmlformats.org/drawingml/2006/main" xmlns:r="http://schemas.openxmlformats.org/officeDocument/2006/relationships" xmlns:p="http://schemas.openxmlformats.org/presentationml/2006/main">
+  <p:cSld>
+    <p:spTree>
+      <p:nvGrpSpPr>
+        <p:cNvPr id="1" name=""/>
+        <p:cNvGrpSpPr/>
+        <p:nvPr/>
+      </p:nvGrpSpPr>
+      <p:grpSpPr>
+        <a:xfrm>
+          <a:off x="0" y="0"/>
+          <a:ext cx="0" cy="0"/>
+          <a:chOff x="0" y="0"/>
+          <a:chExt cx="0" cy="0"/>
+        </a:xfrm>
+      </p:grpSpPr>
+      <p:sp>
+        <p:nvSpPr>
+          <p:cNvPr id="2" name="投影片圖像版面配置區 1"/>
+          <p:cNvSpPr>
+            <a:spLocks noGrp="1" noRot="1" noChangeAspect="1"/>
+          </p:cNvSpPr>
+          <p:nvPr>
+            <p:ph type="sldImg"/>
+          </p:nvPr>
+        </p:nvSpPr>
+        <p:spPr/>
+      </p:sp>
+      <p:sp>
+        <p:nvSpPr>
+          <p:cNvPr id="3" name="備忘稿版面配置區 2"/>
+          <p:cNvSpPr>
+            <a:spLocks noGrp="1"/>
+          </p:cNvSpPr>
+          <p:nvPr>
+            <p:ph type="body" idx="1"/>
+          </p:nvPr>
+        </p:nvSpPr>
+        <p:spPr/>
+        <p:txBody>
+          <a:bodyPr/>
+          <a:lstStyle/>
+          <a:p>
+            <a:endParaRPr lang="zh-TW" altLang="en-US"/>
+          </a:p>
+        </p:txBody>
+      </p:sp>
+      <p:sp>
+        <p:nvSpPr>
+          <p:cNvPr id="4" name="投影片編號版面配置區 3"/>
+          <p:cNvSpPr>
+            <a:spLocks noGrp="1"/>
+          </p:cNvSpPr>
+          <p:nvPr>
+            <p:ph type="sldNum" sz="quarter" idx="10"/>
+          </p:nvPr>
+        </p:nvSpPr>
+        <p:spPr/>
+        <p:txBody>
+          <a:bodyPr/>
+          <a:lstStyle/>
+          <a:p>
+            <a:fld id="{E99B2ECF-EB76-B54F-9C26-F0E74F1A8F70}" type="slidenum">
+              <a:rPr lang="en-US" smtClean="0"/>
+              <a:pPr/>
+              <a:t>3</a:t>
+            </a:fld>
+            <a:endParaRPr lang="en-US"/>
+          </a:p>
+        </p:txBody>
+      </p:sp>
+    </p:spTree>
+    <p:extLst>
+      <p:ext uri="{BB962C8B-B14F-4D97-AF65-F5344CB8AC3E}">
+        <p14:creationId xmlns:p14="http://schemas.microsoft.com/office/powerpoint/2010/main" val="3113946682"/>
+      </p:ext>
+    </p:extLst>
+  </p:cSld>
+  <p:clrMapOvr>
+    <a:masterClrMapping/>
+  </p:clrMapOvr>
+</p:notes>
+</file>
+
+<file path=ppt/notesSlides/notesSlide4.xml><?xml version="1.0" encoding="utf-8"?>
+<p:notes xmlns:a="http://schemas.openxmlformats.org/drawingml/2006/main" xmlns:r="http://schemas.openxmlformats.org/officeDocument/2006/relationships" xmlns:p="http://schemas.openxmlformats.org/presentationml/2006/main">
+  <p:cSld>
+    <p:spTree>
+      <p:nvGrpSpPr>
+        <p:cNvPr id="1" name=""/>
+        <p:cNvGrpSpPr/>
+        <p:nvPr/>
+      </p:nvGrpSpPr>
+      <p:grpSpPr>
+        <a:xfrm>
+          <a:off x="0" y="0"/>
+          <a:ext cx="0" cy="0"/>
+          <a:chOff x="0" y="0"/>
+          <a:chExt cx="0" cy="0"/>
+        </a:xfrm>
+      </p:grpSpPr>
+      <p:sp>
+        <p:nvSpPr>
+          <p:cNvPr id="2" name="投影片圖像版面配置區 1"/>
+          <p:cNvSpPr>
+            <a:spLocks noGrp="1" noRot="1" noChangeAspect="1"/>
+          </p:cNvSpPr>
+          <p:nvPr>
+            <p:ph type="sldImg"/>
+          </p:nvPr>
+        </p:nvSpPr>
+        <p:spPr/>
+      </p:sp>
+      <p:sp>
+        <p:nvSpPr>
+          <p:cNvPr id="3" name="備忘稿版面配置區 2"/>
+          <p:cNvSpPr>
+            <a:spLocks noGrp="1"/>
+          </p:cNvSpPr>
+          <p:nvPr>
+            <p:ph type="body" idx="1"/>
+          </p:nvPr>
+        </p:nvSpPr>
+        <p:spPr/>
+        <p:txBody>
+          <a:bodyPr/>
+          <a:lstStyle/>
+          <a:p>
+            <a:r>
+              <a:rPr lang="en-US" altLang="zh-TW" dirty="0" smtClean="0"/>
+              <a:t>Why use machine learning</a:t>
+            </a:r>
+          </a:p>
+          <a:p>
+            <a:r>
+              <a:rPr lang="en-US" altLang="zh-TW" dirty="0" smtClean="0"/>
+              <a:t>Computer vision is difficult</a:t>
+            </a:r>
+            <a:endParaRPr lang="zh-TW" altLang="en-US" dirty="0"/>
+          </a:p>
+        </p:txBody>
+      </p:sp>
+      <p:sp>
+        <p:nvSpPr>
+          <p:cNvPr id="4" name="投影片編號版面配置區 3"/>
+          <p:cNvSpPr>
+            <a:spLocks noGrp="1"/>
+          </p:cNvSpPr>
+          <p:nvPr>
+            <p:ph type="sldNum" sz="quarter" idx="10"/>
+          </p:nvPr>
+        </p:nvSpPr>
+        <p:spPr/>
+        <p:txBody>
+          <a:bodyPr/>
+          <a:lstStyle/>
+          <a:p>
+            <a:fld id="{E99B2ECF-EB76-B54F-9C26-F0E74F1A8F70}" type="slidenum">
+              <a:rPr lang="en-US" smtClean="0"/>
+              <a:pPr/>
               <a:t>4</a:t>
             </a:fld>
             <a:endParaRPr lang="en-US"/>
@@ -1925,7 +1936,7 @@
     </p:spTree>
     <p:extLst>
       <p:ext uri="{BB962C8B-B14F-4D97-AF65-F5344CB8AC3E}">
-        <p14:creationId xmlns:p14="http://schemas.microsoft.com/office/powerpoint/2010/main" xmlns="" val="1368233194"/>
+        <p14:creationId xmlns:p14="http://schemas.microsoft.com/office/powerpoint/2010/main" val="2057974675"/>
       </p:ext>
     </p:extLst>
   </p:cSld>
@@ -2010,7 +2021,7 @@
     </p:spTree>
     <p:extLst>
       <p:ext uri="{BB962C8B-B14F-4D97-AF65-F5344CB8AC3E}">
-        <p14:creationId xmlns:p14="http://schemas.microsoft.com/office/powerpoint/2010/main" xmlns="" val="901386044"/>
+        <p14:creationId xmlns:p14="http://schemas.microsoft.com/office/powerpoint/2010/main" val="901386044"/>
       </p:ext>
     </p:extLst>
   </p:cSld>
@@ -2095,7 +2106,7 @@
     </p:spTree>
     <p:extLst>
       <p:ext uri="{BB962C8B-B14F-4D97-AF65-F5344CB8AC3E}">
-        <p14:creationId xmlns:p14="http://schemas.microsoft.com/office/powerpoint/2010/main" xmlns="" val="2400959933"/>
+        <p14:creationId xmlns:p14="http://schemas.microsoft.com/office/powerpoint/2010/main" val="1368233194"/>
       </p:ext>
     </p:extLst>
   </p:cSld>
@@ -2180,7 +2191,7 @@
     </p:spTree>
     <p:extLst>
       <p:ext uri="{BB962C8B-B14F-4D97-AF65-F5344CB8AC3E}">
-        <p14:creationId xmlns:p14="http://schemas.microsoft.com/office/powerpoint/2010/main" xmlns="" val="3113946682"/>
+        <p14:creationId xmlns:p14="http://schemas.microsoft.com/office/powerpoint/2010/main" val="2168797509"/>
       </p:ext>
     </p:extLst>
   </p:cSld>
@@ -2265,7 +2276,7 @@
     </p:spTree>
     <p:extLst>
       <p:ext uri="{BB962C8B-B14F-4D97-AF65-F5344CB8AC3E}">
-        <p14:creationId xmlns:p14="http://schemas.microsoft.com/office/powerpoint/2010/main" xmlns="" val="2168797509"/>
+        <p14:creationId xmlns:p14="http://schemas.microsoft.com/office/powerpoint/2010/main" val="901386044"/>
       </p:ext>
     </p:extLst>
   </p:cSld>
@@ -2350,7 +2361,7 @@
     </p:spTree>
     <p:extLst>
       <p:ext uri="{BB962C8B-B14F-4D97-AF65-F5344CB8AC3E}">
-        <p14:creationId xmlns:p14="http://schemas.microsoft.com/office/powerpoint/2010/main" xmlns="" val="901386044"/>
+        <p14:creationId xmlns:p14="http://schemas.microsoft.com/office/powerpoint/2010/main" val="477824888"/>
       </p:ext>
     </p:extLst>
   </p:cSld>
@@ -2389,7 +2400,7 @@
           <a:blip r:embed="rId2">
             <a:extLst>
               <a:ext uri="{28A0092B-C50C-407E-A947-70E740481C1C}">
-                <a14:useLocalDpi xmlns:a14="http://schemas.microsoft.com/office/drawing/2010/main" xmlns="" val="0"/>
+                <a14:useLocalDpi xmlns:a14="http://schemas.microsoft.com/office/drawing/2010/main" val="0"/>
               </a:ext>
             </a:extLst>
           </a:blip>
@@ -2410,7 +2421,7 @@
     </p:spTree>
     <p:extLst>
       <p:ext uri="{BB962C8B-B14F-4D97-AF65-F5344CB8AC3E}">
-        <p14:creationId xmlns:p14="http://schemas.microsoft.com/office/powerpoint/2010/main" xmlns="" val="921680772"/>
+        <p14:creationId xmlns:p14="http://schemas.microsoft.com/office/powerpoint/2010/main" val="921680772"/>
       </p:ext>
     </p:extLst>
   </p:cSld>
@@ -2440,7 +2451,7 @@
     </p:spTree>
     <p:extLst>
       <p:ext uri="{BB962C8B-B14F-4D97-AF65-F5344CB8AC3E}">
-        <p14:creationId xmlns:p14="http://schemas.microsoft.com/office/powerpoint/2010/main" xmlns="" val="1551424100"/>
+        <p14:creationId xmlns:p14="http://schemas.microsoft.com/office/powerpoint/2010/main" val="1551424100"/>
       </p:ext>
     </p:extLst>
   </p:cSld>
@@ -2570,7 +2581,7 @@
     </p:spTree>
     <p:extLst>
       <p:ext uri="{BB962C8B-B14F-4D97-AF65-F5344CB8AC3E}">
-        <p14:creationId xmlns:p14="http://schemas.microsoft.com/office/powerpoint/2010/main" xmlns="" val="2725598606"/>
+        <p14:creationId xmlns:p14="http://schemas.microsoft.com/office/powerpoint/2010/main" val="2725598606"/>
       </p:ext>
     </p:extLst>
   </p:cSld>
@@ -2720,7 +2731,7 @@
     </p:spTree>
     <p:extLst>
       <p:ext uri="{BB962C8B-B14F-4D97-AF65-F5344CB8AC3E}">
-        <p14:creationId xmlns:p14="http://schemas.microsoft.com/office/powerpoint/2010/main" xmlns="" val="3479517975"/>
+        <p14:creationId xmlns:p14="http://schemas.microsoft.com/office/powerpoint/2010/main" val="3479517975"/>
       </p:ext>
     </p:extLst>
   </p:cSld>
@@ -2870,7 +2881,7 @@
     </p:spTree>
     <p:extLst>
       <p:ext uri="{BB962C8B-B14F-4D97-AF65-F5344CB8AC3E}">
-        <p14:creationId xmlns:p14="http://schemas.microsoft.com/office/powerpoint/2010/main" xmlns="" val="3246921271"/>
+        <p14:creationId xmlns:p14="http://schemas.microsoft.com/office/powerpoint/2010/main" val="3246921271"/>
       </p:ext>
     </p:extLst>
   </p:cSld>
@@ -3028,7 +3039,7 @@
     </p:spTree>
     <p:extLst>
       <p:ext uri="{BB962C8B-B14F-4D97-AF65-F5344CB8AC3E}">
-        <p14:creationId xmlns:p14="http://schemas.microsoft.com/office/powerpoint/2010/main" xmlns="" val="3015080783"/>
+        <p14:creationId xmlns:p14="http://schemas.microsoft.com/office/powerpoint/2010/main" val="3015080783"/>
       </p:ext>
     </p:extLst>
   </p:cSld>
@@ -3145,7 +3156,7 @@
     </p:spTree>
     <p:extLst>
       <p:ext uri="{BB962C8B-B14F-4D97-AF65-F5344CB8AC3E}">
-        <p14:creationId xmlns:p14="http://schemas.microsoft.com/office/powerpoint/2010/main" xmlns="" val="2098243185"/>
+        <p14:creationId xmlns:p14="http://schemas.microsoft.com/office/powerpoint/2010/main" val="2098243185"/>
       </p:ext>
     </p:extLst>
   </p:cSld>
@@ -3211,7 +3222,7 @@
     </p:spTree>
     <p:extLst>
       <p:ext uri="{BB962C8B-B14F-4D97-AF65-F5344CB8AC3E}">
-        <p14:creationId xmlns:p14="http://schemas.microsoft.com/office/powerpoint/2010/main" xmlns="" val="4200364697"/>
+        <p14:creationId xmlns:p14="http://schemas.microsoft.com/office/powerpoint/2010/main" val="4200364697"/>
       </p:ext>
     </p:extLst>
   </p:cSld>
@@ -3277,7 +3288,7 @@
     </p:spTree>
     <p:extLst>
       <p:ext uri="{BB962C8B-B14F-4D97-AF65-F5344CB8AC3E}">
-        <p14:creationId xmlns:p14="http://schemas.microsoft.com/office/powerpoint/2010/main" xmlns="" val="930438236"/>
+        <p14:creationId xmlns:p14="http://schemas.microsoft.com/office/powerpoint/2010/main" val="930438236"/>
       </p:ext>
     </p:extLst>
   </p:cSld>
@@ -3343,7 +3354,7 @@
     </p:spTree>
     <p:extLst>
       <p:ext uri="{BB962C8B-B14F-4D97-AF65-F5344CB8AC3E}">
-        <p14:creationId xmlns:p14="http://schemas.microsoft.com/office/powerpoint/2010/main" xmlns="" val="726771096"/>
+        <p14:creationId xmlns:p14="http://schemas.microsoft.com/office/powerpoint/2010/main" val="726771096"/>
       </p:ext>
     </p:extLst>
   </p:cSld>
@@ -3404,7 +3415,7 @@
             <a:blip r:embed="rId12">
               <a:extLst>
                 <a:ext uri="{28A0092B-C50C-407E-A947-70E740481C1C}">
-                  <a14:useLocalDpi xmlns:a14="http://schemas.microsoft.com/office/drawing/2010/main" xmlns="" val="0"/>
+                  <a14:useLocalDpi xmlns:a14="http://schemas.microsoft.com/office/drawing/2010/main" val="0"/>
                 </a:ext>
               </a:extLst>
             </a:blip>
@@ -3434,7 +3445,7 @@
             <a:blip r:embed="rId13">
               <a:extLst>
                 <a:ext uri="{28A0092B-C50C-407E-A947-70E740481C1C}">
-                  <a14:useLocalDpi xmlns:a14="http://schemas.microsoft.com/office/drawing/2010/main" xmlns="" val="0"/>
+                  <a14:useLocalDpi xmlns:a14="http://schemas.microsoft.com/office/drawing/2010/main" val="0"/>
                 </a:ext>
               </a:extLst>
             </a:blip>
@@ -3558,7 +3569,7 @@
     </p:spTree>
     <p:extLst>
       <p:ext uri="{BB962C8B-B14F-4D97-AF65-F5344CB8AC3E}">
-        <p14:creationId xmlns:p14="http://schemas.microsoft.com/office/powerpoint/2010/main" xmlns="" val="950083170"/>
+        <p14:creationId xmlns:p14="http://schemas.microsoft.com/office/powerpoint/2010/main" val="950083170"/>
       </p:ext>
     </p:extLst>
   </p:cSld>
@@ -3925,16 +3936,7 @@
                 </a:solidFill>
                 <a:latin typeface="+mj-lt"/>
               </a:rPr>
-              <a:t>Leon  </a:t>
-            </a:r>
-            <a:r>
-              <a:rPr lang="en-US" altLang="zh-TW" sz="2000" dirty="0" smtClean="0">
-                <a:solidFill>
-                  <a:schemeClr val="tx1"/>
-                </a:solidFill>
-                <a:latin typeface="+mj-lt"/>
-              </a:rPr>
-              <a:t>07-28-2015</a:t>
+              <a:t>Leon  07-28-2015</a:t>
             </a:r>
             <a:r>
               <a:rPr lang="zh-TW" altLang="en-US" sz="2000" dirty="0" smtClean="0">
@@ -3965,7 +3967,7 @@
     </p:spTree>
     <p:extLst>
       <p:ext uri="{BB962C8B-B14F-4D97-AF65-F5344CB8AC3E}">
-        <p14:creationId xmlns:p14="http://schemas.microsoft.com/office/powerpoint/2010/main" xmlns="" val="3730043343"/>
+        <p14:creationId xmlns:p14="http://schemas.microsoft.com/office/powerpoint/2010/main" val="3730043343"/>
       </p:ext>
     </p:extLst>
   </p:cSld>
@@ -3983,680 +3985,6 @@
 </file>
 
 <file path=ppt/slides/slide10.xml><?xml version="1.0" encoding="utf-8"?>
-<p:sld xmlns:a="http://schemas.openxmlformats.org/drawingml/2006/main" xmlns:r="http://schemas.openxmlformats.org/officeDocument/2006/relationships" xmlns:p="http://schemas.openxmlformats.org/presentationml/2006/main">
-  <p:cSld>
-    <p:spTree>
-      <p:nvGrpSpPr>
-        <p:cNvPr id="1" name=""/>
-        <p:cNvGrpSpPr/>
-        <p:nvPr/>
-      </p:nvGrpSpPr>
-      <p:grpSpPr>
-        <a:xfrm>
-          <a:off x="0" y="0"/>
-          <a:ext cx="0" cy="0"/>
-          <a:chOff x="0" y="0"/>
-          <a:chExt cx="0" cy="0"/>
-        </a:xfrm>
-      </p:grpSpPr>
-      <p:sp>
-        <p:nvSpPr>
-          <p:cNvPr id="4" name="Title 3"/>
-          <p:cNvSpPr>
-            <a:spLocks noGrp="1"/>
-          </p:cNvSpPr>
-          <p:nvPr>
-            <p:ph type="title"/>
-          </p:nvPr>
-        </p:nvSpPr>
-        <p:spPr>
-          <a:xfrm>
-            <a:off x="228600" y="228600"/>
-            <a:ext cx="7766550" cy="492443"/>
-          </a:xfrm>
-        </p:spPr>
-        <p:txBody>
-          <a:bodyPr/>
-          <a:lstStyle/>
-          <a:p>
-            <a:pPr marL="342900" indent="-342900"/>
-            <a:r>
-              <a:rPr lang="en-US" altLang="zh-TW" sz="3200" dirty="0" smtClean="0">
-                <a:solidFill>
-                  <a:schemeClr val="tx1"/>
-                </a:solidFill>
-                <a:latin typeface="+mj-lt"/>
-              </a:rPr>
-              <a:t>Decision stump are vertical/horizontal lines</a:t>
-            </a:r>
-            <a:endParaRPr lang="en-US" altLang="zh-TW" sz="3200" dirty="0">
-              <a:solidFill>
-                <a:schemeClr val="tx1"/>
-              </a:solidFill>
-              <a:latin typeface="+mj-lt"/>
-            </a:endParaRPr>
-          </a:p>
-        </p:txBody>
-      </p:sp>
-      <p:pic>
-        <p:nvPicPr>
-          <p:cNvPr id="2" name="圖片 1"/>
-          <p:cNvPicPr>
-            <a:picLocks noChangeAspect="1"/>
-          </p:cNvPicPr>
-          <p:nvPr/>
-        </p:nvPicPr>
-        <p:blipFill>
-          <a:blip r:embed="rId3">
-            <a:extLst>
-              <a:ext uri="{28A0092B-C50C-407E-A947-70E740481C1C}">
-                <a14:useLocalDpi xmlns:a14="http://schemas.microsoft.com/office/drawing/2010/main" xmlns="" val="0"/>
-              </a:ext>
-            </a:extLst>
-          </a:blip>
-          <a:stretch>
-            <a:fillRect/>
-          </a:stretch>
-        </p:blipFill>
-        <p:spPr>
-          <a:xfrm>
-            <a:off x="640938" y="894490"/>
-            <a:ext cx="7496549" cy="5600314"/>
-          </a:xfrm>
-          <a:prstGeom prst="rect">
-            <a:avLst/>
-          </a:prstGeom>
-        </p:spPr>
-      </p:pic>
-      <p:cxnSp>
-        <p:nvCxnSpPr>
-          <p:cNvPr id="5" name="直線接點 4"/>
-          <p:cNvCxnSpPr/>
-          <p:nvPr/>
-        </p:nvCxnSpPr>
-        <p:spPr>
-          <a:xfrm>
-            <a:off x="4803608" y="957129"/>
-            <a:ext cx="42728" cy="5359004"/>
-          </a:xfrm>
-          <a:prstGeom prst="line">
-            <a:avLst/>
-          </a:prstGeom>
-          <a:effectLst/>
-        </p:spPr>
-        <p:style>
-          <a:lnRef idx="3">
-            <a:schemeClr val="dk1"/>
-          </a:lnRef>
-          <a:fillRef idx="0">
-            <a:schemeClr val="dk1"/>
-          </a:fillRef>
-          <a:effectRef idx="2">
-            <a:schemeClr val="dk1"/>
-          </a:effectRef>
-          <a:fontRef idx="minor">
-            <a:schemeClr val="tx1"/>
-          </a:fontRef>
-        </p:style>
-      </p:cxnSp>
-      <p:sp>
-        <p:nvSpPr>
-          <p:cNvPr id="7" name="矩形 6"/>
-          <p:cNvSpPr/>
-          <p:nvPr/>
-        </p:nvSpPr>
-        <p:spPr>
-          <a:xfrm>
-            <a:off x="6239848" y="1692304"/>
-            <a:ext cx="410198" cy="410198"/>
-          </a:xfrm>
-          <a:prstGeom prst="rect">
-            <a:avLst/>
-          </a:prstGeom>
-          <a:noFill/>
-          <a:ln w="31750">
-            <a:solidFill>
-              <a:schemeClr val="tx1"/>
-            </a:solidFill>
-          </a:ln>
-          <a:effectLst/>
-        </p:spPr>
-        <p:style>
-          <a:lnRef idx="1">
-            <a:schemeClr val="accent1"/>
-          </a:lnRef>
-          <a:fillRef idx="3">
-            <a:schemeClr val="accent1"/>
-          </a:fillRef>
-          <a:effectRef idx="2">
-            <a:schemeClr val="accent1"/>
-          </a:effectRef>
-          <a:fontRef idx="minor">
-            <a:schemeClr val="lt1"/>
-          </a:fontRef>
-        </p:style>
-        <p:txBody>
-          <a:bodyPr rtlCol="0" anchor="ctr"/>
-          <a:lstStyle/>
-          <a:p>
-            <a:pPr algn="ctr"/>
-            <a:endParaRPr lang="zh-TW" altLang="en-US"/>
-          </a:p>
-        </p:txBody>
-      </p:sp>
-      <p:cxnSp>
-        <p:nvCxnSpPr>
-          <p:cNvPr id="11" name="直線單箭頭接點 10"/>
-          <p:cNvCxnSpPr/>
-          <p:nvPr/>
-        </p:nvCxnSpPr>
-        <p:spPr>
-          <a:xfrm>
-            <a:off x="5093795" y="3922643"/>
-            <a:ext cx="805716" cy="0"/>
-          </a:xfrm>
-          <a:prstGeom prst="straightConnector1">
-            <a:avLst/>
-          </a:prstGeom>
-          <a:ln w="38100">
-            <a:solidFill>
-              <a:schemeClr val="tx1"/>
-            </a:solidFill>
-            <a:tailEnd type="arrow"/>
-          </a:ln>
-          <a:effectLst/>
-        </p:spPr>
-        <p:style>
-          <a:lnRef idx="2">
-            <a:schemeClr val="accent1"/>
-          </a:lnRef>
-          <a:fillRef idx="0">
-            <a:schemeClr val="accent1"/>
-          </a:fillRef>
-          <a:effectRef idx="1">
-            <a:schemeClr val="accent1"/>
-          </a:effectRef>
-          <a:fontRef idx="minor">
-            <a:schemeClr val="tx1"/>
-          </a:fontRef>
-        </p:style>
-      </p:cxnSp>
-      <p:sp>
-        <p:nvSpPr>
-          <p:cNvPr id="14" name="文字方塊 13"/>
-          <p:cNvSpPr txBox="1"/>
-          <p:nvPr/>
-        </p:nvSpPr>
-        <p:spPr>
-          <a:xfrm>
-            <a:off x="5864457" y="3574599"/>
-            <a:ext cx="769763" cy="707886"/>
-          </a:xfrm>
-          <a:prstGeom prst="rect">
-            <a:avLst/>
-          </a:prstGeom>
-          <a:noFill/>
-        </p:spPr>
-        <p:txBody>
-          <a:bodyPr wrap="none" rtlCol="0">
-            <a:spAutoFit/>
-          </a:bodyPr>
-          <a:lstStyle/>
-          <a:p>
-            <a:r>
-              <a:rPr lang="en-US" altLang="zh-TW" sz="4000" dirty="0" smtClean="0"/>
-              <a:t>+1</a:t>
-            </a:r>
-            <a:endParaRPr lang="zh-TW" altLang="en-US" sz="4000" dirty="0"/>
-          </a:p>
-        </p:txBody>
-      </p:sp>
-      <p:cxnSp>
-        <p:nvCxnSpPr>
-          <p:cNvPr id="15" name="直線單箭頭接點 14"/>
-          <p:cNvCxnSpPr/>
-          <p:nvPr/>
-        </p:nvCxnSpPr>
-        <p:spPr>
-          <a:xfrm flipH="1">
-            <a:off x="3882886" y="3922643"/>
-            <a:ext cx="842938" cy="0"/>
-          </a:xfrm>
-          <a:prstGeom prst="straightConnector1">
-            <a:avLst/>
-          </a:prstGeom>
-          <a:ln w="38100">
-            <a:solidFill>
-              <a:schemeClr val="tx1"/>
-            </a:solidFill>
-            <a:tailEnd type="arrow"/>
-          </a:ln>
-          <a:effectLst/>
-        </p:spPr>
-        <p:style>
-          <a:lnRef idx="2">
-            <a:schemeClr val="accent1"/>
-          </a:lnRef>
-          <a:fillRef idx="0">
-            <a:schemeClr val="accent1"/>
-          </a:fillRef>
-          <a:effectRef idx="1">
-            <a:schemeClr val="accent1"/>
-          </a:effectRef>
-          <a:fontRef idx="minor">
-            <a:schemeClr val="tx1"/>
-          </a:fontRef>
-        </p:style>
-      </p:cxnSp>
-      <p:sp>
-        <p:nvSpPr>
-          <p:cNvPr id="16" name="文字方塊 15"/>
-          <p:cNvSpPr txBox="1"/>
-          <p:nvPr/>
-        </p:nvSpPr>
-        <p:spPr>
-          <a:xfrm>
-            <a:off x="2987248" y="3540731"/>
-            <a:ext cx="641522" cy="707886"/>
-          </a:xfrm>
-          <a:prstGeom prst="rect">
-            <a:avLst/>
-          </a:prstGeom>
-          <a:noFill/>
-        </p:spPr>
-        <p:txBody>
-          <a:bodyPr wrap="none" rtlCol="0">
-            <a:spAutoFit/>
-          </a:bodyPr>
-          <a:lstStyle/>
-          <a:p>
-            <a:r>
-              <a:rPr lang="en-US" altLang="zh-TW" sz="4000" dirty="0"/>
-              <a:t>-</a:t>
-            </a:r>
-            <a:r>
-              <a:rPr lang="en-US" altLang="zh-TW" sz="4000" dirty="0" smtClean="0"/>
-              <a:t>1</a:t>
-            </a:r>
-            <a:endParaRPr lang="zh-TW" altLang="en-US" sz="4000" dirty="0"/>
-          </a:p>
-        </p:txBody>
-      </p:sp>
-    </p:spTree>
-    <p:extLst>
-      <p:ext uri="{BB962C8B-B14F-4D97-AF65-F5344CB8AC3E}">
-        <p14:creationId xmlns:p14="http://schemas.microsoft.com/office/powerpoint/2010/main" xmlns="" val="3040030372"/>
-      </p:ext>
-    </p:extLst>
-  </p:cSld>
-  <p:clrMapOvr>
-    <a:masterClrMapping/>
-  </p:clrMapOvr>
-  <p:timing>
-    <p:tnLst>
-      <p:par>
-        <p:cTn id="1" dur="indefinite" restart="never" nodeType="tmRoot">
-          <p:childTnLst>
-            <p:seq concurrent="1" nextAc="seek">
-              <p:cTn id="2" dur="indefinite" nodeType="mainSeq">
-                <p:childTnLst>
-                  <p:par>
-                    <p:cTn id="3" fill="hold">
-                      <p:stCondLst>
-                        <p:cond delay="indefinite"/>
-                      </p:stCondLst>
-                      <p:childTnLst>
-                        <p:par>
-                          <p:cTn id="4" fill="hold">
-                            <p:stCondLst>
-                              <p:cond delay="0"/>
-                            </p:stCondLst>
-                            <p:childTnLst>
-                              <p:par>
-                                <p:cTn id="5" presetID="1" presetClass="entr" presetSubtype="0" fill="hold" nodeType="clickEffect">
-                                  <p:stCondLst>
-                                    <p:cond delay="0"/>
-                                  </p:stCondLst>
-                                  <p:childTnLst>
-                                    <p:set>
-                                      <p:cBhvr>
-                                        <p:cTn id="6" dur="1" fill="hold">
-                                          <p:stCondLst>
-                                            <p:cond delay="0"/>
-                                          </p:stCondLst>
-                                        </p:cTn>
-                                        <p:tgtEl>
-                                          <p:spTgt spid="5"/>
-                                        </p:tgtEl>
-                                        <p:attrNameLst>
-                                          <p:attrName>style.visibility</p:attrName>
-                                        </p:attrNameLst>
-                                      </p:cBhvr>
-                                      <p:to>
-                                        <p:strVal val="visible"/>
-                                      </p:to>
-                                    </p:set>
-                                  </p:childTnLst>
-                                </p:cTn>
-                              </p:par>
-                            </p:childTnLst>
-                          </p:cTn>
-                        </p:par>
-                      </p:childTnLst>
-                    </p:cTn>
-                  </p:par>
-                  <p:par>
-                    <p:cTn id="7" fill="hold">
-                      <p:stCondLst>
-                        <p:cond delay="indefinite"/>
-                      </p:stCondLst>
-                      <p:childTnLst>
-                        <p:par>
-                          <p:cTn id="8" fill="hold">
-                            <p:stCondLst>
-                              <p:cond delay="0"/>
-                            </p:stCondLst>
-                            <p:childTnLst>
-                              <p:par>
-                                <p:cTn id="9" presetID="1" presetClass="entr" presetSubtype="0" fill="hold" nodeType="clickEffect">
-                                  <p:stCondLst>
-                                    <p:cond delay="0"/>
-                                  </p:stCondLst>
-                                  <p:childTnLst>
-                                    <p:set>
-                                      <p:cBhvr>
-                                        <p:cTn id="10" dur="1" fill="hold">
-                                          <p:stCondLst>
-                                            <p:cond delay="0"/>
-                                          </p:stCondLst>
-                                        </p:cTn>
-                                        <p:tgtEl>
-                                          <p:spTgt spid="11"/>
-                                        </p:tgtEl>
-                                        <p:attrNameLst>
-                                          <p:attrName>style.visibility</p:attrName>
-                                        </p:attrNameLst>
-                                      </p:cBhvr>
-                                      <p:to>
-                                        <p:strVal val="visible"/>
-                                      </p:to>
-                                    </p:set>
-                                  </p:childTnLst>
-                                </p:cTn>
-                              </p:par>
-                              <p:par>
-                                <p:cTn id="11" presetID="1" presetClass="entr" presetSubtype="0" fill="hold" grpId="0" nodeType="withEffect">
-                                  <p:stCondLst>
-                                    <p:cond delay="0"/>
-                                  </p:stCondLst>
-                                  <p:childTnLst>
-                                    <p:set>
-                                      <p:cBhvr>
-                                        <p:cTn id="12" dur="1" fill="hold">
-                                          <p:stCondLst>
-                                            <p:cond delay="0"/>
-                                          </p:stCondLst>
-                                        </p:cTn>
-                                        <p:tgtEl>
-                                          <p:spTgt spid="14"/>
-                                        </p:tgtEl>
-                                        <p:attrNameLst>
-                                          <p:attrName>style.visibility</p:attrName>
-                                        </p:attrNameLst>
-                                      </p:cBhvr>
-                                      <p:to>
-                                        <p:strVal val="visible"/>
-                                      </p:to>
-                                    </p:set>
-                                  </p:childTnLst>
-                                </p:cTn>
-                              </p:par>
-                              <p:par>
-                                <p:cTn id="13" presetID="1" presetClass="entr" presetSubtype="0" fill="hold" nodeType="withEffect">
-                                  <p:stCondLst>
-                                    <p:cond delay="0"/>
-                                  </p:stCondLst>
-                                  <p:childTnLst>
-                                    <p:set>
-                                      <p:cBhvr>
-                                        <p:cTn id="14" dur="1" fill="hold">
-                                          <p:stCondLst>
-                                            <p:cond delay="0"/>
-                                          </p:stCondLst>
-                                        </p:cTn>
-                                        <p:tgtEl>
-                                          <p:spTgt spid="15"/>
-                                        </p:tgtEl>
-                                        <p:attrNameLst>
-                                          <p:attrName>style.visibility</p:attrName>
-                                        </p:attrNameLst>
-                                      </p:cBhvr>
-                                      <p:to>
-                                        <p:strVal val="visible"/>
-                                      </p:to>
-                                    </p:set>
-                                  </p:childTnLst>
-                                </p:cTn>
-                              </p:par>
-                              <p:par>
-                                <p:cTn id="15" presetID="1" presetClass="entr" presetSubtype="0" fill="hold" grpId="0" nodeType="withEffect">
-                                  <p:stCondLst>
-                                    <p:cond delay="0"/>
-                                  </p:stCondLst>
-                                  <p:childTnLst>
-                                    <p:set>
-                                      <p:cBhvr>
-                                        <p:cTn id="16" dur="1" fill="hold">
-                                          <p:stCondLst>
-                                            <p:cond delay="0"/>
-                                          </p:stCondLst>
-                                        </p:cTn>
-                                        <p:tgtEl>
-                                          <p:spTgt spid="16"/>
-                                        </p:tgtEl>
-                                        <p:attrNameLst>
-                                          <p:attrName>style.visibility</p:attrName>
-                                        </p:attrNameLst>
-                                      </p:cBhvr>
-                                      <p:to>
-                                        <p:strVal val="visible"/>
-                                      </p:to>
-                                    </p:set>
-                                  </p:childTnLst>
-                                </p:cTn>
-                              </p:par>
-                            </p:childTnLst>
-                          </p:cTn>
-                        </p:par>
-                      </p:childTnLst>
-                    </p:cTn>
-                  </p:par>
-                  <p:par>
-                    <p:cTn id="17" fill="hold">
-                      <p:stCondLst>
-                        <p:cond delay="indefinite"/>
-                      </p:stCondLst>
-                      <p:childTnLst>
-                        <p:par>
-                          <p:cTn id="18" fill="hold">
-                            <p:stCondLst>
-                              <p:cond delay="0"/>
-                            </p:stCondLst>
-                            <p:childTnLst>
-                              <p:par>
-                                <p:cTn id="19" presetID="1" presetClass="entr" presetSubtype="0" fill="hold" grpId="0" nodeType="clickEffect">
-                                  <p:stCondLst>
-                                    <p:cond delay="0"/>
-                                  </p:stCondLst>
-                                  <p:childTnLst>
-                                    <p:set>
-                                      <p:cBhvr>
-                                        <p:cTn id="20" dur="1" fill="hold">
-                                          <p:stCondLst>
-                                            <p:cond delay="0"/>
-                                          </p:stCondLst>
-                                        </p:cTn>
-                                        <p:tgtEl>
-                                          <p:spTgt spid="7"/>
-                                        </p:tgtEl>
-                                        <p:attrNameLst>
-                                          <p:attrName>style.visibility</p:attrName>
-                                        </p:attrNameLst>
-                                      </p:cBhvr>
-                                      <p:to>
-                                        <p:strVal val="visible"/>
-                                      </p:to>
-                                    </p:set>
-                                  </p:childTnLst>
-                                </p:cTn>
-                              </p:par>
-                              <p:par>
-                                <p:cTn id="21" presetID="1" presetClass="exit" presetSubtype="0" fill="hold" nodeType="withEffect">
-                                  <p:stCondLst>
-                                    <p:cond delay="0"/>
-                                  </p:stCondLst>
-                                  <p:childTnLst>
-                                    <p:set>
-                                      <p:cBhvr>
-                                        <p:cTn id="22" dur="1" fill="hold">
-                                          <p:stCondLst>
-                                            <p:cond delay="0"/>
-                                          </p:stCondLst>
-                                        </p:cTn>
-                                        <p:tgtEl>
-                                          <p:spTgt spid="11"/>
-                                        </p:tgtEl>
-                                        <p:attrNameLst>
-                                          <p:attrName>style.visibility</p:attrName>
-                                        </p:attrNameLst>
-                                      </p:cBhvr>
-                                      <p:to>
-                                        <p:strVal val="hidden"/>
-                                      </p:to>
-                                    </p:set>
-                                  </p:childTnLst>
-                                </p:cTn>
-                              </p:par>
-                              <p:par>
-                                <p:cTn id="23" presetID="1" presetClass="exit" presetSubtype="0" fill="hold" grpId="1" nodeType="withEffect">
-                                  <p:stCondLst>
-                                    <p:cond delay="0"/>
-                                  </p:stCondLst>
-                                  <p:childTnLst>
-                                    <p:set>
-                                      <p:cBhvr>
-                                        <p:cTn id="24" dur="1" fill="hold">
-                                          <p:stCondLst>
-                                            <p:cond delay="0"/>
-                                          </p:stCondLst>
-                                        </p:cTn>
-                                        <p:tgtEl>
-                                          <p:spTgt spid="14"/>
-                                        </p:tgtEl>
-                                        <p:attrNameLst>
-                                          <p:attrName>style.visibility</p:attrName>
-                                        </p:attrNameLst>
-                                      </p:cBhvr>
-                                      <p:to>
-                                        <p:strVal val="hidden"/>
-                                      </p:to>
-                                    </p:set>
-                                  </p:childTnLst>
-                                </p:cTn>
-                              </p:par>
-                              <p:par>
-                                <p:cTn id="25" presetID="1" presetClass="exit" presetSubtype="0" fill="hold" nodeType="withEffect">
-                                  <p:stCondLst>
-                                    <p:cond delay="0"/>
-                                  </p:stCondLst>
-                                  <p:childTnLst>
-                                    <p:set>
-                                      <p:cBhvr>
-                                        <p:cTn id="26" dur="1" fill="hold">
-                                          <p:stCondLst>
-                                            <p:cond delay="0"/>
-                                          </p:stCondLst>
-                                        </p:cTn>
-                                        <p:tgtEl>
-                                          <p:spTgt spid="15"/>
-                                        </p:tgtEl>
-                                        <p:attrNameLst>
-                                          <p:attrName>style.visibility</p:attrName>
-                                        </p:attrNameLst>
-                                      </p:cBhvr>
-                                      <p:to>
-                                        <p:strVal val="hidden"/>
-                                      </p:to>
-                                    </p:set>
-                                  </p:childTnLst>
-                                </p:cTn>
-                              </p:par>
-                              <p:par>
-                                <p:cTn id="27" presetID="1" presetClass="exit" presetSubtype="0" fill="hold" grpId="1" nodeType="withEffect">
-                                  <p:stCondLst>
-                                    <p:cond delay="0"/>
-                                  </p:stCondLst>
-                                  <p:childTnLst>
-                                    <p:set>
-                                      <p:cBhvr>
-                                        <p:cTn id="28" dur="1" fill="hold">
-                                          <p:stCondLst>
-                                            <p:cond delay="0"/>
-                                          </p:stCondLst>
-                                        </p:cTn>
-                                        <p:tgtEl>
-                                          <p:spTgt spid="16"/>
-                                        </p:tgtEl>
-                                        <p:attrNameLst>
-                                          <p:attrName>style.visibility</p:attrName>
-                                        </p:attrNameLst>
-                                      </p:cBhvr>
-                                      <p:to>
-                                        <p:strVal val="hidden"/>
-                                      </p:to>
-                                    </p:set>
-                                  </p:childTnLst>
-                                </p:cTn>
-                              </p:par>
-                            </p:childTnLst>
-                          </p:cTn>
-                        </p:par>
-                      </p:childTnLst>
-                    </p:cTn>
-                  </p:par>
-                </p:childTnLst>
-              </p:cTn>
-              <p:prevCondLst>
-                <p:cond evt="onPrev" delay="0">
-                  <p:tgtEl>
-                    <p:sldTgt/>
-                  </p:tgtEl>
-                </p:cond>
-              </p:prevCondLst>
-              <p:nextCondLst>
-                <p:cond evt="onNext" delay="0">
-                  <p:tgtEl>
-                    <p:sldTgt/>
-                  </p:tgtEl>
-                </p:cond>
-              </p:nextCondLst>
-            </p:seq>
-          </p:childTnLst>
-        </p:cTn>
-      </p:par>
-    </p:tnLst>
-    <p:bldLst>
-      <p:bldP spid="7" grpId="0" animBg="1"/>
-      <p:bldP spid="14" grpId="0"/>
-      <p:bldP spid="14" grpId="1"/>
-      <p:bldP spid="16" grpId="0"/>
-      <p:bldP spid="16" grpId="1"/>
-    </p:bldLst>
-  </p:timing>
-</p:sld>
-</file>
-
-<file path=ppt/slides/slide11.xml><?xml version="1.0" encoding="utf-8"?>
 <p:sld xmlns:a="http://schemas.openxmlformats.org/drawingml/2006/main" xmlns:r="http://schemas.openxmlformats.org/officeDocument/2006/relationships" xmlns:p="http://schemas.openxmlformats.org/presentationml/2006/main">
   <p:cSld>
     <p:spTree>
@@ -4788,7 +4116,7 @@
           <a:blip r:embed="rId3">
             <a:extLst>
               <a:ext uri="{28A0092B-C50C-407E-A947-70E740481C1C}">
-                <a14:useLocalDpi xmlns:a14="http://schemas.microsoft.com/office/drawing/2010/main" xmlns="" val="0"/>
+                <a14:useLocalDpi xmlns:a14="http://schemas.microsoft.com/office/drawing/2010/main" val="0"/>
               </a:ext>
             </a:extLst>
           </a:blip>
@@ -4916,7 +4244,7 @@
     </p:spTree>
     <p:extLst>
       <p:ext uri="{BB962C8B-B14F-4D97-AF65-F5344CB8AC3E}">
-        <p14:creationId xmlns:p14="http://schemas.microsoft.com/office/powerpoint/2010/main" xmlns="" val="3040030372"/>
+        <p14:creationId xmlns:p14="http://schemas.microsoft.com/office/powerpoint/2010/main" val="3040030372"/>
       </p:ext>
     </p:extLst>
   </p:cSld>
@@ -4933,7 +4261,7 @@
 </p:sld>
 </file>
 
-<file path=ppt/slides/slide12.xml><?xml version="1.0" encoding="utf-8"?>
+<file path=ppt/slides/slide11.xml><?xml version="1.0" encoding="utf-8"?>
 <p:sld xmlns:a="http://schemas.openxmlformats.org/drawingml/2006/main" xmlns:r="http://schemas.openxmlformats.org/officeDocument/2006/relationships" xmlns:p="http://schemas.openxmlformats.org/presentationml/2006/main">
   <p:cSld>
     <p:spTree>
@@ -4983,7 +4311,7 @@
     </p:spTree>
     <p:extLst>
       <p:ext uri="{BB962C8B-B14F-4D97-AF65-F5344CB8AC3E}">
-        <p14:creationId xmlns:p14="http://schemas.microsoft.com/office/powerpoint/2010/main" xmlns="" val="3792208418"/>
+        <p14:creationId xmlns:p14="http://schemas.microsoft.com/office/powerpoint/2010/main" val="3792208418"/>
       </p:ext>
     </p:extLst>
   </p:cSld>
@@ -5000,7 +4328,7 @@
 </p:sld>
 </file>
 
-<file path=ppt/slides/slide13.xml><?xml version="1.0" encoding="utf-8"?>
+<file path=ppt/slides/slide12.xml><?xml version="1.0" encoding="utf-8"?>
 <p:sld xmlns:a="http://schemas.openxmlformats.org/drawingml/2006/main" xmlns:r="http://schemas.openxmlformats.org/officeDocument/2006/relationships" xmlns:p="http://schemas.openxmlformats.org/presentationml/2006/main">
   <p:cSld>
     <p:spTree>
@@ -5037,7 +4365,7 @@
                 <a:latin typeface="+mj-lt"/>
               </a:rPr>
               <a:pPr/>
-              <a:t>13</a:t>
+              <a:t>12</a:t>
             </a:fld>
             <a:endParaRPr lang="en-US" dirty="0">
               <a:latin typeface="+mj-lt"/>
@@ -5353,9 +4681,59 @@
         </p:xfrm>
         <a:graphic>
           <a:graphicData uri="http://schemas.openxmlformats.org/presentationml/2006/ole">
-            <p:oleObj spid="_x0000_s2235" name="方程式" r:id="rId4" imgW="342751" imgH="203112" progId="Equation.3">
-              <p:embed/>
-            </p:oleObj>
+            <mc:AlternateContent xmlns:mc="http://schemas.openxmlformats.org/markup-compatibility/2006">
+              <mc:Choice xmlns:v="urn:schemas-microsoft-com:vml" Requires="v">
+                <p:oleObj spid="_x0000_s2250" name="方程式" r:id="rId4" imgW="342751" imgH="203112" progId="Equation.3">
+                  <p:embed/>
+                </p:oleObj>
+              </mc:Choice>
+              <mc:Fallback>
+                <p:oleObj name="方程式" r:id="rId4" imgW="342751" imgH="203112" progId="Equation.3">
+                  <p:embed/>
+                  <p:pic>
+                    <p:nvPicPr>
+                      <p:cNvPr id="0" name="Picture 187"/>
+                      <p:cNvPicPr>
+                        <a:picLocks noChangeAspect="1" noChangeArrowheads="1"/>
+                      </p:cNvPicPr>
+                      <p:nvPr/>
+                    </p:nvPicPr>
+                    <p:blipFill>
+                      <a:blip r:embed="rId5">
+                        <a:extLst>
+                          <a:ext uri="{28A0092B-C50C-407E-A947-70E740481C1C}">
+                            <a14:useLocalDpi xmlns:a14="http://schemas.microsoft.com/office/drawing/2010/main" val="0"/>
+                          </a:ext>
+                        </a:extLst>
+                      </a:blip>
+                      <a:srcRect/>
+                      <a:stretch>
+                        <a:fillRect/>
+                      </a:stretch>
+                    </p:blipFill>
+                    <p:spPr bwMode="auto">
+                      <a:xfrm>
+                        <a:off x="1657343" y="3826873"/>
+                        <a:ext cx="814388" cy="482600"/>
+                      </a:xfrm>
+                      <a:prstGeom prst="rect">
+                        <a:avLst/>
+                      </a:prstGeom>
+                      <a:noFill/>
+                      <a:extLst>
+                        <a:ext uri="{909E8E84-426E-40DD-AFC4-6F175D3DCCD1}">
+                          <a14:hiddenFill xmlns:a14="http://schemas.microsoft.com/office/drawing/2010/main">
+                            <a:solidFill>
+                              <a:srgbClr val="FFFFFF"/>
+                            </a:solidFill>
+                          </a14:hiddenFill>
+                        </a:ext>
+                      </a:extLst>
+                    </p:spPr>
+                  </p:pic>
+                </p:oleObj>
+              </mc:Fallback>
+            </mc:AlternateContent>
           </a:graphicData>
         </a:graphic>
       </p:graphicFrame>
@@ -5368,7 +4746,7 @@
           <p:nvPr>
             <p:extLst>
               <p:ext uri="{D42A27DB-BD31-4B8C-83A1-F6EECF244321}">
-                <p14:modId xmlns:p14="http://schemas.microsoft.com/office/powerpoint/2010/main" xmlns="" val="3135229844"/>
+                <p14:modId xmlns:p14="http://schemas.microsoft.com/office/powerpoint/2010/main" val="3135229844"/>
               </p:ext>
             </p:extLst>
           </p:nvPr>
@@ -5379,9 +4757,59 @@
         </p:xfrm>
         <a:graphic>
           <a:graphicData uri="http://schemas.openxmlformats.org/presentationml/2006/ole">
-            <p:oleObj spid="_x0000_s2236" name="方程式" r:id="rId5" imgW="1803400" imgH="228600" progId="Equation.3">
-              <p:embed/>
-            </p:oleObj>
+            <mc:AlternateContent xmlns:mc="http://schemas.openxmlformats.org/markup-compatibility/2006">
+              <mc:Choice xmlns:v="urn:schemas-microsoft-com:vml" Requires="v">
+                <p:oleObj spid="_x0000_s2251" name="方程式" r:id="rId6" imgW="1803400" imgH="228600" progId="Equation.3">
+                  <p:embed/>
+                </p:oleObj>
+              </mc:Choice>
+              <mc:Fallback>
+                <p:oleObj name="方程式" r:id="rId6" imgW="1803400" imgH="228600" progId="Equation.3">
+                  <p:embed/>
+                  <p:pic>
+                    <p:nvPicPr>
+                      <p:cNvPr id="0" name="Picture 188"/>
+                      <p:cNvPicPr>
+                        <a:picLocks noChangeAspect="1" noChangeArrowheads="1"/>
+                      </p:cNvPicPr>
+                      <p:nvPr/>
+                    </p:nvPicPr>
+                    <p:blipFill>
+                      <a:blip r:embed="rId7">
+                        <a:extLst>
+                          <a:ext uri="{28A0092B-C50C-407E-A947-70E740481C1C}">
+                            <a14:useLocalDpi xmlns:a14="http://schemas.microsoft.com/office/drawing/2010/main" val="0"/>
+                          </a:ext>
+                        </a:extLst>
+                      </a:blip>
+                      <a:srcRect/>
+                      <a:stretch>
+                        <a:fillRect/>
+                      </a:stretch>
+                    </p:blipFill>
+                    <p:spPr bwMode="auto">
+                      <a:xfrm>
+                        <a:off x="5227108" y="3770678"/>
+                        <a:ext cx="3600450" cy="584200"/>
+                      </a:xfrm>
+                      <a:prstGeom prst="rect">
+                        <a:avLst/>
+                      </a:prstGeom>
+                      <a:noFill/>
+                      <a:extLst>
+                        <a:ext uri="{909E8E84-426E-40DD-AFC4-6F175D3DCCD1}">
+                          <a14:hiddenFill xmlns:a14="http://schemas.microsoft.com/office/drawing/2010/main">
+                            <a:solidFill>
+                              <a:srgbClr val="FFFFFF"/>
+                            </a:solidFill>
+                          </a14:hiddenFill>
+                        </a:ext>
+                      </a:extLst>
+                    </p:spPr>
+                  </p:pic>
+                </p:oleObj>
+              </mc:Fallback>
+            </mc:AlternateContent>
           </a:graphicData>
         </a:graphic>
       </p:graphicFrame>
@@ -5399,9 +4827,59 @@
         </p:xfrm>
         <a:graphic>
           <a:graphicData uri="http://schemas.openxmlformats.org/presentationml/2006/ole">
-            <p:oleObj spid="_x0000_s2237" name="方程式" r:id="rId6" imgW="126725" imgH="126725" progId="Equation.3">
-              <p:embed/>
-            </p:oleObj>
+            <mc:AlternateContent xmlns:mc="http://schemas.openxmlformats.org/markup-compatibility/2006">
+              <mc:Choice xmlns:v="urn:schemas-microsoft-com:vml" Requires="v">
+                <p:oleObj spid="_x0000_s2252" name="方程式" r:id="rId8" imgW="126725" imgH="126725" progId="Equation.3">
+                  <p:embed/>
+                </p:oleObj>
+              </mc:Choice>
+              <mc:Fallback>
+                <p:oleObj name="方程式" r:id="rId8" imgW="126725" imgH="126725" progId="Equation.3">
+                  <p:embed/>
+                  <p:pic>
+                    <p:nvPicPr>
+                      <p:cNvPr id="0" name="Picture 189"/>
+                      <p:cNvPicPr>
+                        <a:picLocks noChangeAspect="1" noChangeArrowheads="1"/>
+                      </p:cNvPicPr>
+                      <p:nvPr/>
+                    </p:nvPicPr>
+                    <p:blipFill>
+                      <a:blip r:embed="rId9">
+                        <a:extLst>
+                          <a:ext uri="{28A0092B-C50C-407E-A947-70E740481C1C}">
+                            <a14:useLocalDpi xmlns:a14="http://schemas.microsoft.com/office/drawing/2010/main" val="0"/>
+                          </a:ext>
+                        </a:extLst>
+                      </a:blip>
+                      <a:srcRect/>
+                      <a:stretch>
+                        <a:fillRect/>
+                      </a:stretch>
+                    </p:blipFill>
+                    <p:spPr bwMode="auto">
+                      <a:xfrm>
+                        <a:off x="3896897" y="3606860"/>
+                        <a:ext cx="1032291" cy="787340"/>
+                      </a:xfrm>
+                      <a:prstGeom prst="rect">
+                        <a:avLst/>
+                      </a:prstGeom>
+                      <a:noFill/>
+                      <a:extLst>
+                        <a:ext uri="{909E8E84-426E-40DD-AFC4-6F175D3DCCD1}">
+                          <a14:hiddenFill xmlns:a14="http://schemas.microsoft.com/office/drawing/2010/main">
+                            <a:solidFill>
+                              <a:srgbClr val="FFFFFF"/>
+                            </a:solidFill>
+                          </a14:hiddenFill>
+                        </a:ext>
+                      </a:extLst>
+                    </p:spPr>
+                  </p:pic>
+                </p:oleObj>
+              </mc:Fallback>
+            </mc:AlternateContent>
           </a:graphicData>
         </a:graphic>
       </p:graphicFrame>
@@ -5723,7 +5201,7 @@
     </p:spTree>
     <p:extLst>
       <p:ext uri="{BB962C8B-B14F-4D97-AF65-F5344CB8AC3E}">
-        <p14:creationId xmlns:p14="http://schemas.microsoft.com/office/powerpoint/2010/main" xmlns="" val="3427152478"/>
+        <p14:creationId xmlns:p14="http://schemas.microsoft.com/office/powerpoint/2010/main" val="3427152478"/>
       </p:ext>
     </p:extLst>
   </p:cSld>
@@ -6314,7 +5792,7 @@
 </p:sld>
 </file>
 
-<file path=ppt/slides/slide14.xml><?xml version="1.0" encoding="utf-8"?>
+<file path=ppt/slides/slide13.xml><?xml version="1.0" encoding="utf-8"?>
 <p:sld xmlns:a="http://schemas.openxmlformats.org/drawingml/2006/main" xmlns:r="http://schemas.openxmlformats.org/officeDocument/2006/relationships" xmlns:p="http://schemas.openxmlformats.org/presentationml/2006/main">
   <p:cSld>
     <p:spTree>
@@ -6351,7 +5829,7 @@
                 <a:latin typeface="+mj-lt"/>
               </a:rPr>
               <a:pPr/>
-              <a:t>14</a:t>
+              <a:t>13</a:t>
             </a:fld>
             <a:endParaRPr lang="en-US" dirty="0">
               <a:latin typeface="+mj-lt"/>
@@ -6373,9 +5851,59 @@
         </p:xfrm>
         <a:graphic>
           <a:graphicData uri="http://schemas.openxmlformats.org/presentationml/2006/ole">
-            <p:oleObj spid="_x0000_s3219" name="方程式" r:id="rId4" imgW="342751" imgH="203112" progId="Equation.3">
-              <p:embed/>
-            </p:oleObj>
+            <mc:AlternateContent xmlns:mc="http://schemas.openxmlformats.org/markup-compatibility/2006">
+              <mc:Choice xmlns:v="urn:schemas-microsoft-com:vml" Requires="v">
+                <p:oleObj spid="_x0000_s3234" name="方程式" r:id="rId4" imgW="342751" imgH="203112" progId="Equation.3">
+                  <p:embed/>
+                </p:oleObj>
+              </mc:Choice>
+              <mc:Fallback>
+                <p:oleObj name="方程式" r:id="rId4" imgW="342751" imgH="203112" progId="Equation.3">
+                  <p:embed/>
+                  <p:pic>
+                    <p:nvPicPr>
+                      <p:cNvPr id="0" name="Picture 147"/>
+                      <p:cNvPicPr>
+                        <a:picLocks noChangeAspect="1" noChangeArrowheads="1"/>
+                      </p:cNvPicPr>
+                      <p:nvPr/>
+                    </p:nvPicPr>
+                    <p:blipFill>
+                      <a:blip r:embed="rId5">
+                        <a:extLst>
+                          <a:ext uri="{28A0092B-C50C-407E-A947-70E740481C1C}">
+                            <a14:useLocalDpi xmlns:a14="http://schemas.microsoft.com/office/drawing/2010/main" val="0"/>
+                          </a:ext>
+                        </a:extLst>
+                      </a:blip>
+                      <a:srcRect/>
+                      <a:stretch>
+                        <a:fillRect/>
+                      </a:stretch>
+                    </p:blipFill>
+                    <p:spPr bwMode="auto">
+                      <a:xfrm>
+                        <a:off x="1677860" y="3230032"/>
+                        <a:ext cx="814388" cy="482600"/>
+                      </a:xfrm>
+                      <a:prstGeom prst="rect">
+                        <a:avLst/>
+                      </a:prstGeom>
+                      <a:noFill/>
+                      <a:extLst>
+                        <a:ext uri="{909E8E84-426E-40DD-AFC4-6F175D3DCCD1}">
+                          <a14:hiddenFill xmlns:a14="http://schemas.microsoft.com/office/drawing/2010/main">
+                            <a:solidFill>
+                              <a:srgbClr val="FFFFFF"/>
+                            </a:solidFill>
+                          </a14:hiddenFill>
+                        </a:ext>
+                      </a:extLst>
+                    </p:spPr>
+                  </p:pic>
+                </p:oleObj>
+              </mc:Fallback>
+            </mc:AlternateContent>
           </a:graphicData>
         </a:graphic>
       </p:graphicFrame>
@@ -6393,9 +5921,59 @@
         </p:xfrm>
         <a:graphic>
           <a:graphicData uri="http://schemas.openxmlformats.org/presentationml/2006/ole">
-            <p:oleObj spid="_x0000_s3220" name="方程式" r:id="rId5" imgW="126725" imgH="126725" progId="Equation.3">
-              <p:embed/>
-            </p:oleObj>
+            <mc:AlternateContent xmlns:mc="http://schemas.openxmlformats.org/markup-compatibility/2006">
+              <mc:Choice xmlns:v="urn:schemas-microsoft-com:vml" Requires="v">
+                <p:oleObj spid="_x0000_s3235" name="方程式" r:id="rId6" imgW="126725" imgH="126725" progId="Equation.3">
+                  <p:embed/>
+                </p:oleObj>
+              </mc:Choice>
+              <mc:Fallback>
+                <p:oleObj name="方程式" r:id="rId6" imgW="126725" imgH="126725" progId="Equation.3">
+                  <p:embed/>
+                  <p:pic>
+                    <p:nvPicPr>
+                      <p:cNvPr id="0" name="Picture 148"/>
+                      <p:cNvPicPr>
+                        <a:picLocks noChangeAspect="1" noChangeArrowheads="1"/>
+                      </p:cNvPicPr>
+                      <p:nvPr/>
+                    </p:nvPicPr>
+                    <p:blipFill>
+                      <a:blip r:embed="rId7">
+                        <a:extLst>
+                          <a:ext uri="{28A0092B-C50C-407E-A947-70E740481C1C}">
+                            <a14:useLocalDpi xmlns:a14="http://schemas.microsoft.com/office/drawing/2010/main" val="0"/>
+                          </a:ext>
+                        </a:extLst>
+                      </a:blip>
+                      <a:srcRect/>
+                      <a:stretch>
+                        <a:fillRect/>
+                      </a:stretch>
+                    </p:blipFill>
+                    <p:spPr bwMode="auto">
+                      <a:xfrm>
+                        <a:off x="3910013" y="3039529"/>
+                        <a:ext cx="1019175" cy="776287"/>
+                      </a:xfrm>
+                      <a:prstGeom prst="rect">
+                        <a:avLst/>
+                      </a:prstGeom>
+                      <a:noFill/>
+                      <a:extLst>
+                        <a:ext uri="{909E8E84-426E-40DD-AFC4-6F175D3DCCD1}">
+                          <a14:hiddenFill xmlns:a14="http://schemas.microsoft.com/office/drawing/2010/main">
+                            <a:solidFill>
+                              <a:srgbClr val="FFFFFF"/>
+                            </a:solidFill>
+                          </a14:hiddenFill>
+                        </a:ext>
+                      </a:extLst>
+                    </p:spPr>
+                  </p:pic>
+                </p:oleObj>
+              </mc:Fallback>
+            </mc:AlternateContent>
           </a:graphicData>
         </a:graphic>
       </p:graphicFrame>
@@ -6586,7 +6164,7 @@
           <p:nvPr/>
         </p:nvPicPr>
         <p:blipFill>
-          <a:blip r:embed="rId6"/>
+          <a:blip r:embed="rId8"/>
           <a:srcRect/>
           <a:stretch>
             <a:fillRect/>
@@ -6623,16 +6201,66 @@
         </p:xfrm>
         <a:graphic>
           <a:graphicData uri="http://schemas.openxmlformats.org/presentationml/2006/ole">
-            <p:oleObj spid="_x0000_s3221" name="方程式" r:id="rId7" imgW="1803400" imgH="228600" progId="Equation.3">
-              <p:embed/>
-            </p:oleObj>
+            <mc:AlternateContent xmlns:mc="http://schemas.openxmlformats.org/markup-compatibility/2006">
+              <mc:Choice xmlns:v="urn:schemas-microsoft-com:vml" Requires="v">
+                <p:oleObj spid="_x0000_s3236" name="方程式" r:id="rId9" imgW="1803400" imgH="228600" progId="Equation.3">
+                  <p:embed/>
+                </p:oleObj>
+              </mc:Choice>
+              <mc:Fallback>
+                <p:oleObj name="方程式" r:id="rId9" imgW="1803400" imgH="228600" progId="Equation.3">
+                  <p:embed/>
+                  <p:pic>
+                    <p:nvPicPr>
+                      <p:cNvPr id="0" name="Picture 149"/>
+                      <p:cNvPicPr>
+                        <a:picLocks noChangeAspect="1" noChangeArrowheads="1"/>
+                      </p:cNvPicPr>
+                      <p:nvPr/>
+                    </p:nvPicPr>
+                    <p:blipFill>
+                      <a:blip r:embed="rId10">
+                        <a:extLst>
+                          <a:ext uri="{28A0092B-C50C-407E-A947-70E740481C1C}">
+                            <a14:useLocalDpi xmlns:a14="http://schemas.microsoft.com/office/drawing/2010/main" val="0"/>
+                          </a:ext>
+                        </a:extLst>
+                      </a:blip>
+                      <a:srcRect/>
+                      <a:stretch>
+                        <a:fillRect/>
+                      </a:stretch>
+                    </p:blipFill>
+                    <p:spPr bwMode="auto">
+                      <a:xfrm>
+                        <a:off x="5112835" y="3196166"/>
+                        <a:ext cx="3692525" cy="533400"/>
+                      </a:xfrm>
+                      <a:prstGeom prst="rect">
+                        <a:avLst/>
+                      </a:prstGeom>
+                      <a:noFill/>
+                      <a:extLst>
+                        <a:ext uri="{909E8E84-426E-40DD-AFC4-6F175D3DCCD1}">
+                          <a14:hiddenFill xmlns:a14="http://schemas.microsoft.com/office/drawing/2010/main">
+                            <a:solidFill>
+                              <a:srgbClr val="FFFFFF"/>
+                            </a:solidFill>
+                          </a14:hiddenFill>
+                        </a:ext>
+                      </a:extLst>
+                    </p:spPr>
+                  </p:pic>
+                </p:oleObj>
+              </mc:Fallback>
+            </mc:AlternateContent>
           </a:graphicData>
         </a:graphic>
       </p:graphicFrame>
     </p:spTree>
     <p:extLst>
       <p:ext uri="{BB962C8B-B14F-4D97-AF65-F5344CB8AC3E}">
-        <p14:creationId xmlns:p14="http://schemas.microsoft.com/office/powerpoint/2010/main" xmlns="" val="3427152478"/>
+        <p14:creationId xmlns:p14="http://schemas.microsoft.com/office/powerpoint/2010/main" val="3427152478"/>
       </p:ext>
     </p:extLst>
   </p:cSld>
@@ -6765,7 +6393,7 @@
 </p:sld>
 </file>
 
-<file path=ppt/slides/slide15.xml><?xml version="1.0" encoding="utf-8"?>
+<file path=ppt/slides/slide14.xml><?xml version="1.0" encoding="utf-8"?>
 <p:sld xmlns:a="http://schemas.openxmlformats.org/drawingml/2006/main" xmlns:r="http://schemas.openxmlformats.org/officeDocument/2006/relationships" xmlns:p="http://schemas.openxmlformats.org/presentationml/2006/main">
   <p:cSld>
     <p:spTree>
@@ -7031,9 +6659,59 @@
         </p:xfrm>
         <a:graphic>
           <a:graphicData uri="http://schemas.openxmlformats.org/presentationml/2006/ole">
-            <p:oleObj spid="_x0000_s25630" name="方程式" r:id="rId4" imgW="368140" imgH="215806" progId="Equation.3">
-              <p:embed/>
-            </p:oleObj>
+            <mc:AlternateContent xmlns:mc="http://schemas.openxmlformats.org/markup-compatibility/2006">
+              <mc:Choice xmlns:v="urn:schemas-microsoft-com:vml" Requires="v">
+                <p:oleObj spid="_x0000_s25650" name="方程式" r:id="rId4" imgW="368140" imgH="215806" progId="Equation.3">
+                  <p:embed/>
+                </p:oleObj>
+              </mc:Choice>
+              <mc:Fallback>
+                <p:oleObj name="方程式" r:id="rId4" imgW="368140" imgH="215806" progId="Equation.3">
+                  <p:embed/>
+                  <p:pic>
+                    <p:nvPicPr>
+                      <p:cNvPr id="0" name="Picture 30"/>
+                      <p:cNvPicPr>
+                        <a:picLocks noChangeAspect="1" noChangeArrowheads="1"/>
+                      </p:cNvPicPr>
+                      <p:nvPr/>
+                    </p:nvPicPr>
+                    <p:blipFill>
+                      <a:blip r:embed="rId5">
+                        <a:extLst>
+                          <a:ext uri="{28A0092B-C50C-407E-A947-70E740481C1C}">
+                            <a14:useLocalDpi xmlns:a14="http://schemas.microsoft.com/office/drawing/2010/main" val="0"/>
+                          </a:ext>
+                        </a:extLst>
+                      </a:blip>
+                      <a:srcRect/>
+                      <a:stretch>
+                        <a:fillRect/>
+                      </a:stretch>
+                    </p:blipFill>
+                    <p:spPr bwMode="auto">
+                      <a:xfrm>
+                        <a:off x="7269736" y="1128715"/>
+                        <a:ext cx="873125" cy="512762"/>
+                      </a:xfrm>
+                      <a:prstGeom prst="rect">
+                        <a:avLst/>
+                      </a:prstGeom>
+                      <a:noFill/>
+                      <a:extLst>
+                        <a:ext uri="{909E8E84-426E-40DD-AFC4-6F175D3DCCD1}">
+                          <a14:hiddenFill xmlns:a14="http://schemas.microsoft.com/office/drawing/2010/main">
+                            <a:solidFill>
+                              <a:srgbClr val="FFFFFF"/>
+                            </a:solidFill>
+                          </a14:hiddenFill>
+                        </a:ext>
+                      </a:extLst>
+                    </p:spPr>
+                  </p:pic>
+                </p:oleObj>
+              </mc:Fallback>
+            </mc:AlternateContent>
           </a:graphicData>
         </a:graphic>
       </p:graphicFrame>
@@ -7410,9 +7088,59 @@
         </p:xfrm>
         <a:graphic>
           <a:graphicData uri="http://schemas.openxmlformats.org/presentationml/2006/ole">
-            <p:oleObj spid="_x0000_s25631" name="方程式" r:id="rId5" imgW="380835" imgH="215806" progId="Equation.3">
-              <p:embed/>
-            </p:oleObj>
+            <mc:AlternateContent xmlns:mc="http://schemas.openxmlformats.org/markup-compatibility/2006">
+              <mc:Choice xmlns:v="urn:schemas-microsoft-com:vml" Requires="v">
+                <p:oleObj spid="_x0000_s25651" name="方程式" r:id="rId6" imgW="380835" imgH="215806" progId="Equation.3">
+                  <p:embed/>
+                </p:oleObj>
+              </mc:Choice>
+              <mc:Fallback>
+                <p:oleObj name="方程式" r:id="rId6" imgW="380835" imgH="215806" progId="Equation.3">
+                  <p:embed/>
+                  <p:pic>
+                    <p:nvPicPr>
+                      <p:cNvPr id="0" name="Picture 31"/>
+                      <p:cNvPicPr>
+                        <a:picLocks noChangeAspect="1" noChangeArrowheads="1"/>
+                      </p:cNvPicPr>
+                      <p:nvPr/>
+                    </p:nvPicPr>
+                    <p:blipFill>
+                      <a:blip r:embed="rId7">
+                        <a:extLst>
+                          <a:ext uri="{28A0092B-C50C-407E-A947-70E740481C1C}">
+                            <a14:useLocalDpi xmlns:a14="http://schemas.microsoft.com/office/drawing/2010/main" val="0"/>
+                          </a:ext>
+                        </a:extLst>
+                      </a:blip>
+                      <a:srcRect/>
+                      <a:stretch>
+                        <a:fillRect/>
+                      </a:stretch>
+                    </p:blipFill>
+                    <p:spPr bwMode="auto">
+                      <a:xfrm>
+                        <a:off x="7263903" y="2898777"/>
+                        <a:ext cx="903287" cy="512763"/>
+                      </a:xfrm>
+                      <a:prstGeom prst="rect">
+                        <a:avLst/>
+                      </a:prstGeom>
+                      <a:noFill/>
+                      <a:extLst>
+                        <a:ext uri="{909E8E84-426E-40DD-AFC4-6F175D3DCCD1}">
+                          <a14:hiddenFill xmlns:a14="http://schemas.microsoft.com/office/drawing/2010/main">
+                            <a:solidFill>
+                              <a:srgbClr val="FFFFFF"/>
+                            </a:solidFill>
+                          </a14:hiddenFill>
+                        </a:ext>
+                      </a:extLst>
+                    </p:spPr>
+                  </p:pic>
+                </p:oleObj>
+              </mc:Fallback>
+            </mc:AlternateContent>
           </a:graphicData>
         </a:graphic>
       </p:graphicFrame>
@@ -7789,9 +7517,59 @@
         </p:xfrm>
         <a:graphic>
           <a:graphicData uri="http://schemas.openxmlformats.org/presentationml/2006/ole">
-            <p:oleObj spid="_x0000_s25632" name="方程式" r:id="rId6" imgW="381000" imgH="228600" progId="Equation.3">
-              <p:embed/>
-            </p:oleObj>
+            <mc:AlternateContent xmlns:mc="http://schemas.openxmlformats.org/markup-compatibility/2006">
+              <mc:Choice xmlns:v="urn:schemas-microsoft-com:vml" Requires="v">
+                <p:oleObj spid="_x0000_s25652" name="方程式" r:id="rId8" imgW="381000" imgH="228600" progId="Equation.3">
+                  <p:embed/>
+                </p:oleObj>
+              </mc:Choice>
+              <mc:Fallback>
+                <p:oleObj name="方程式" r:id="rId8" imgW="381000" imgH="228600" progId="Equation.3">
+                  <p:embed/>
+                  <p:pic>
+                    <p:nvPicPr>
+                      <p:cNvPr id="0" name="Picture 32"/>
+                      <p:cNvPicPr>
+                        <a:picLocks noChangeAspect="1" noChangeArrowheads="1"/>
+                      </p:cNvPicPr>
+                      <p:nvPr/>
+                    </p:nvPicPr>
+                    <p:blipFill>
+                      <a:blip r:embed="rId9">
+                        <a:extLst>
+                          <a:ext uri="{28A0092B-C50C-407E-A947-70E740481C1C}">
+                            <a14:useLocalDpi xmlns:a14="http://schemas.microsoft.com/office/drawing/2010/main" val="0"/>
+                          </a:ext>
+                        </a:extLst>
+                      </a:blip>
+                      <a:srcRect/>
+                      <a:stretch>
+                        <a:fillRect/>
+                      </a:stretch>
+                    </p:blipFill>
+                    <p:spPr bwMode="auto">
+                      <a:xfrm>
+                        <a:off x="7240090" y="4621215"/>
+                        <a:ext cx="903288" cy="542925"/>
+                      </a:xfrm>
+                      <a:prstGeom prst="rect">
+                        <a:avLst/>
+                      </a:prstGeom>
+                      <a:noFill/>
+                      <a:extLst>
+                        <a:ext uri="{909E8E84-426E-40DD-AFC4-6F175D3DCCD1}">
+                          <a14:hiddenFill xmlns:a14="http://schemas.microsoft.com/office/drawing/2010/main">
+                            <a:solidFill>
+                              <a:srgbClr val="FFFFFF"/>
+                            </a:solidFill>
+                          </a14:hiddenFill>
+                        </a:ext>
+                      </a:extLst>
+                    </p:spPr>
+                  </p:pic>
+                </p:oleObj>
+              </mc:Fallback>
+            </mc:AlternateContent>
           </a:graphicData>
         </a:graphic>
       </p:graphicFrame>
@@ -8307,16 +8085,66 @@
         </p:xfrm>
         <a:graphic>
           <a:graphicData uri="http://schemas.openxmlformats.org/presentationml/2006/ole">
-            <p:oleObj spid="_x0000_s25633" name="方程式" r:id="rId7" imgW="419100" imgH="228600" progId="Equation.3">
-              <p:embed/>
-            </p:oleObj>
+            <mc:AlternateContent xmlns:mc="http://schemas.openxmlformats.org/markup-compatibility/2006">
+              <mc:Choice xmlns:v="urn:schemas-microsoft-com:vml" Requires="v">
+                <p:oleObj spid="_x0000_s25653" name="方程式" r:id="rId10" imgW="419100" imgH="228600" progId="Equation.3">
+                  <p:embed/>
+                </p:oleObj>
+              </mc:Choice>
+              <mc:Fallback>
+                <p:oleObj name="方程式" r:id="rId10" imgW="419100" imgH="228600" progId="Equation.3">
+                  <p:embed/>
+                  <p:pic>
+                    <p:nvPicPr>
+                      <p:cNvPr id="0" name="Picture 33"/>
+                      <p:cNvPicPr>
+                        <a:picLocks noChangeAspect="1" noChangeArrowheads="1"/>
+                      </p:cNvPicPr>
+                      <p:nvPr/>
+                    </p:nvPicPr>
+                    <p:blipFill>
+                      <a:blip r:embed="rId11">
+                        <a:extLst>
+                          <a:ext uri="{28A0092B-C50C-407E-A947-70E740481C1C}">
+                            <a14:useLocalDpi xmlns:a14="http://schemas.microsoft.com/office/drawing/2010/main" val="0"/>
+                          </a:ext>
+                        </a:extLst>
+                      </a:blip>
+                      <a:srcRect/>
+                      <a:stretch>
+                        <a:fillRect/>
+                      </a:stretch>
+                    </p:blipFill>
+                    <p:spPr bwMode="auto">
+                      <a:xfrm>
+                        <a:off x="7192963" y="5778500"/>
+                        <a:ext cx="993775" cy="542925"/>
+                      </a:xfrm>
+                      <a:prstGeom prst="rect">
+                        <a:avLst/>
+                      </a:prstGeom>
+                      <a:noFill/>
+                      <a:extLst>
+                        <a:ext uri="{909E8E84-426E-40DD-AFC4-6F175D3DCCD1}">
+                          <a14:hiddenFill xmlns:a14="http://schemas.microsoft.com/office/drawing/2010/main">
+                            <a:solidFill>
+                              <a:srgbClr val="FFFFFF"/>
+                            </a:solidFill>
+                          </a14:hiddenFill>
+                        </a:ext>
+                      </a:extLst>
+                    </p:spPr>
+                  </p:pic>
+                </p:oleObj>
+              </mc:Fallback>
+            </mc:AlternateContent>
           </a:graphicData>
         </a:graphic>
       </p:graphicFrame>
     </p:spTree>
     <p:extLst>
       <p:ext uri="{BB962C8B-B14F-4D97-AF65-F5344CB8AC3E}">
-        <p14:creationId xmlns:p14="http://schemas.microsoft.com/office/powerpoint/2010/main" xmlns="" val="2123413861"/>
+        <p14:creationId xmlns:p14="http://schemas.microsoft.com/office/powerpoint/2010/main" val="2123413861"/>
       </p:ext>
     </p:extLst>
   </p:cSld>
@@ -9257,7 +9085,7 @@
 </p:sld>
 </file>
 
-<file path=ppt/slides/slide16.xml><?xml version="1.0" encoding="utf-8"?>
+<file path=ppt/slides/slide15.xml><?xml version="1.0" encoding="utf-8"?>
 <p:sld xmlns:a="http://schemas.openxmlformats.org/drawingml/2006/main" xmlns:r="http://schemas.openxmlformats.org/officeDocument/2006/relationships" xmlns:p="http://schemas.openxmlformats.org/presentationml/2006/main">
   <p:cSld>
     <p:spTree>
@@ -9325,7 +9153,7 @@
           <a:blip r:embed="rId3">
             <a:extLst>
               <a:ext uri="{28A0092B-C50C-407E-A947-70E740481C1C}">
-                <a14:useLocalDpi xmlns:a14="http://schemas.microsoft.com/office/drawing/2010/main" xmlns="" val="0"/>
+                <a14:useLocalDpi xmlns:a14="http://schemas.microsoft.com/office/drawing/2010/main" val="0"/>
               </a:ext>
             </a:extLst>
           </a:blip>
@@ -9355,7 +9183,7 @@
           <a:blip r:embed="rId4">
             <a:extLst>
               <a:ext uri="{28A0092B-C50C-407E-A947-70E740481C1C}">
-                <a14:useLocalDpi xmlns:a14="http://schemas.microsoft.com/office/drawing/2010/main" xmlns="" val="0"/>
+                <a14:useLocalDpi xmlns:a14="http://schemas.microsoft.com/office/drawing/2010/main" val="0"/>
               </a:ext>
             </a:extLst>
           </a:blip>
@@ -9376,7 +9204,7 @@
     </p:spTree>
     <p:extLst>
       <p:ext uri="{BB962C8B-B14F-4D97-AF65-F5344CB8AC3E}">
-        <p14:creationId xmlns:p14="http://schemas.microsoft.com/office/powerpoint/2010/main" xmlns="" val="2123413861"/>
+        <p14:creationId xmlns:p14="http://schemas.microsoft.com/office/powerpoint/2010/main" val="2123413861"/>
       </p:ext>
     </p:extLst>
   </p:cSld>
@@ -9461,7 +9289,7 @@
 </p:sld>
 </file>
 
-<file path=ppt/slides/slide17.xml><?xml version="1.0" encoding="utf-8"?>
+<file path=ppt/slides/slide16.xml><?xml version="1.0" encoding="utf-8"?>
 <p:sld xmlns:a="http://schemas.openxmlformats.org/drawingml/2006/main" xmlns:r="http://schemas.openxmlformats.org/officeDocument/2006/relationships" xmlns:p="http://schemas.openxmlformats.org/presentationml/2006/main">
   <p:cSld>
     <p:spTree>
@@ -9529,7 +9357,7 @@
           <a:blip r:embed="rId3">
             <a:extLst>
               <a:ext uri="{28A0092B-C50C-407E-A947-70E740481C1C}">
-                <a14:useLocalDpi xmlns:a14="http://schemas.microsoft.com/office/drawing/2010/main" xmlns="" val="0"/>
+                <a14:useLocalDpi xmlns:a14="http://schemas.microsoft.com/office/drawing/2010/main" val="0"/>
               </a:ext>
             </a:extLst>
           </a:blip>
@@ -9559,7 +9387,7 @@
           <a:blip r:embed="rId4">
             <a:extLst>
               <a:ext uri="{28A0092B-C50C-407E-A947-70E740481C1C}">
-                <a14:useLocalDpi xmlns:a14="http://schemas.microsoft.com/office/drawing/2010/main" xmlns="" val="0"/>
+                <a14:useLocalDpi xmlns:a14="http://schemas.microsoft.com/office/drawing/2010/main" val="0"/>
               </a:ext>
             </a:extLst>
           </a:blip>
@@ -9589,7 +9417,7 @@
           <a:blip r:embed="rId5">
             <a:extLst>
               <a:ext uri="{28A0092B-C50C-407E-A947-70E740481C1C}">
-                <a14:useLocalDpi xmlns:a14="http://schemas.microsoft.com/office/drawing/2010/main" xmlns="" val="0"/>
+                <a14:useLocalDpi xmlns:a14="http://schemas.microsoft.com/office/drawing/2010/main" val="0"/>
               </a:ext>
             </a:extLst>
           </a:blip>
@@ -9619,7 +9447,7 @@
           <a:blip r:embed="rId6">
             <a:extLst>
               <a:ext uri="{28A0092B-C50C-407E-A947-70E740481C1C}">
-                <a14:useLocalDpi xmlns:a14="http://schemas.microsoft.com/office/drawing/2010/main" xmlns="" val="0"/>
+                <a14:useLocalDpi xmlns:a14="http://schemas.microsoft.com/office/drawing/2010/main" val="0"/>
               </a:ext>
             </a:extLst>
           </a:blip>
@@ -9649,7 +9477,7 @@
           <a:blip r:embed="rId7">
             <a:extLst>
               <a:ext uri="{28A0092B-C50C-407E-A947-70E740481C1C}">
-                <a14:useLocalDpi xmlns:a14="http://schemas.microsoft.com/office/drawing/2010/main" xmlns="" val="0"/>
+                <a14:useLocalDpi xmlns:a14="http://schemas.microsoft.com/office/drawing/2010/main" val="0"/>
               </a:ext>
             </a:extLst>
           </a:blip>
@@ -9670,18 +9498,18 @@
     </p:spTree>
     <p:extLst>
       <p:ext uri="{BB962C8B-B14F-4D97-AF65-F5344CB8AC3E}">
-        <p14:creationId xmlns:p14="http://schemas.microsoft.com/office/powerpoint/2010/main" xmlns="" val="496767900"/>
+        <p14:creationId xmlns:p14="http://schemas.microsoft.com/office/powerpoint/2010/main" val="496767900"/>
       </p:ext>
     </p:extLst>
   </p:cSld>
   <p:clrMapOvr>
     <a:masterClrMapping/>
   </p:clrMapOvr>
-  <mc:AlternateContent xmlns:mc="http://schemas.openxmlformats.org/markup-compatibility/2006">
-    <mc:Choice xmlns:p14="http://schemas.microsoft.com/office/powerpoint/2010/main" xmlns="" Requires="p14">
+  <mc:AlternateContent xmlns:mc="http://schemas.openxmlformats.org/markup-compatibility/2006" xmlns:p14="http://schemas.microsoft.com/office/powerpoint/2010/main">
+    <mc:Choice Requires="p14">
       <p:transition spd="slow" p14:dur="2000"/>
     </mc:Choice>
-    <mc:Fallback>
+    <mc:Fallback xmlns="">
       <p:transition spd="slow"/>
     </mc:Fallback>
   </mc:AlternateContent>
@@ -9898,7 +9726,7 @@
 </p:sld>
 </file>
 
-<file path=ppt/slides/slide18.xml><?xml version="1.0" encoding="utf-8"?>
+<file path=ppt/slides/slide17.xml><?xml version="1.0" encoding="utf-8"?>
 <p:sld xmlns:a="http://schemas.openxmlformats.org/drawingml/2006/main" xmlns:r="http://schemas.openxmlformats.org/officeDocument/2006/relationships" xmlns:p="http://schemas.openxmlformats.org/presentationml/2006/main">
   <p:cSld>
     <p:spTree>
@@ -9968,9 +9796,59 @@
         </p:xfrm>
         <a:graphic>
           <a:graphicData uri="http://schemas.openxmlformats.org/presentationml/2006/ole">
-            <p:oleObj spid="_x0000_s26668" name="方程式" r:id="rId3" imgW="3644640" imgH="228600" progId="Equation.3">
-              <p:embed/>
-            </p:oleObj>
+            <mc:AlternateContent xmlns:mc="http://schemas.openxmlformats.org/markup-compatibility/2006">
+              <mc:Choice xmlns:v="urn:schemas-microsoft-com:vml" Requires="v">
+                <p:oleObj spid="_x0000_s26698" name="方程式" r:id="rId3" imgW="3644640" imgH="228600" progId="Equation.3">
+                  <p:embed/>
+                </p:oleObj>
+              </mc:Choice>
+              <mc:Fallback>
+                <p:oleObj name="方程式" r:id="rId3" imgW="3644640" imgH="228600" progId="Equation.3">
+                  <p:embed/>
+                  <p:pic>
+                    <p:nvPicPr>
+                      <p:cNvPr id="0" name="Picture 44"/>
+                      <p:cNvPicPr>
+                        <a:picLocks noChangeAspect="1" noChangeArrowheads="1"/>
+                      </p:cNvPicPr>
+                      <p:nvPr/>
+                    </p:nvPicPr>
+                    <p:blipFill>
+                      <a:blip r:embed="rId4">
+                        <a:extLst>
+                          <a:ext uri="{28A0092B-C50C-407E-A947-70E740481C1C}">
+                            <a14:useLocalDpi xmlns:a14="http://schemas.microsoft.com/office/drawing/2010/main" val="0"/>
+                          </a:ext>
+                        </a:extLst>
+                      </a:blip>
+                      <a:srcRect/>
+                      <a:stretch>
+                        <a:fillRect/>
+                      </a:stretch>
+                    </p:blipFill>
+                    <p:spPr bwMode="auto">
+                      <a:xfrm>
+                        <a:off x="442883" y="1485900"/>
+                        <a:ext cx="8322205" cy="546100"/>
+                      </a:xfrm>
+                      <a:prstGeom prst="rect">
+                        <a:avLst/>
+                      </a:prstGeom>
+                      <a:noFill/>
+                      <a:extLst>
+                        <a:ext uri="{909E8E84-426E-40DD-AFC4-6F175D3DCCD1}">
+                          <a14:hiddenFill xmlns:a14="http://schemas.microsoft.com/office/drawing/2010/main">
+                            <a:solidFill>
+                              <a:srgbClr val="FFFFFF"/>
+                            </a:solidFill>
+                          </a14:hiddenFill>
+                        </a:ext>
+                      </a:extLst>
+                    </p:spPr>
+                  </p:pic>
+                </p:oleObj>
+              </mc:Fallback>
+            </mc:AlternateContent>
           </a:graphicData>
         </a:graphic>
       </p:graphicFrame>
@@ -10026,9 +9904,59 @@
         </p:xfrm>
         <a:graphic>
           <a:graphicData uri="http://schemas.openxmlformats.org/presentationml/2006/ole">
-            <p:oleObj spid="_x0000_s26669" name="方程式" r:id="rId4" imgW="1282700" imgH="431800" progId="Equation.3">
-              <p:embed/>
-            </p:oleObj>
+            <mc:AlternateContent xmlns:mc="http://schemas.openxmlformats.org/markup-compatibility/2006">
+              <mc:Choice xmlns:v="urn:schemas-microsoft-com:vml" Requires="v">
+                <p:oleObj spid="_x0000_s26699" name="方程式" r:id="rId5" imgW="1282700" imgH="431800" progId="Equation.3">
+                  <p:embed/>
+                </p:oleObj>
+              </mc:Choice>
+              <mc:Fallback>
+                <p:oleObj name="方程式" r:id="rId5" imgW="1282700" imgH="431800" progId="Equation.3">
+                  <p:embed/>
+                  <p:pic>
+                    <p:nvPicPr>
+                      <p:cNvPr id="0" name="Picture 45"/>
+                      <p:cNvPicPr>
+                        <a:picLocks noChangeAspect="1" noChangeArrowheads="1"/>
+                      </p:cNvPicPr>
+                      <p:nvPr/>
+                    </p:nvPicPr>
+                    <p:blipFill>
+                      <a:blip r:embed="rId6">
+                        <a:extLst>
+                          <a:ext uri="{28A0092B-C50C-407E-A947-70E740481C1C}">
+                            <a14:useLocalDpi xmlns:a14="http://schemas.microsoft.com/office/drawing/2010/main" val="0"/>
+                          </a:ext>
+                        </a:extLst>
+                      </a:blip>
+                      <a:srcRect/>
+                      <a:stretch>
+                        <a:fillRect/>
+                      </a:stretch>
+                    </p:blipFill>
+                    <p:spPr bwMode="auto">
+                      <a:xfrm>
+                        <a:off x="552979" y="2893116"/>
+                        <a:ext cx="2860137" cy="984613"/>
+                      </a:xfrm>
+                      <a:prstGeom prst="rect">
+                        <a:avLst/>
+                      </a:prstGeom>
+                      <a:noFill/>
+                      <a:extLst>
+                        <a:ext uri="{909E8E84-426E-40DD-AFC4-6F175D3DCCD1}">
+                          <a14:hiddenFill xmlns:a14="http://schemas.microsoft.com/office/drawing/2010/main">
+                            <a:solidFill>
+                              <a:srgbClr val="FFFFFF"/>
+                            </a:solidFill>
+                          </a14:hiddenFill>
+                        </a:ext>
+                      </a:extLst>
+                    </p:spPr>
+                  </p:pic>
+                </p:oleObj>
+              </mc:Fallback>
+            </mc:AlternateContent>
           </a:graphicData>
         </a:graphic>
       </p:graphicFrame>
@@ -10046,9 +9974,82 @@
         </p:xfrm>
         <a:graphic>
           <a:graphicData uri="http://schemas.openxmlformats.org/presentationml/2006/ole">
-            <p:oleObj spid="_x0000_s26670" name="方程式" r:id="rId5" imgW="406224" imgH="228501" progId="Equation.3">
-              <p:embed/>
-            </p:oleObj>
+            <mc:AlternateContent xmlns:mc="http://schemas.openxmlformats.org/markup-compatibility/2006">
+              <mc:Choice xmlns:v="urn:schemas-microsoft-com:vml" Requires="v">
+                <p:oleObj spid="_x0000_s26700" name="方程式" r:id="rId7" imgW="406224" imgH="228501" progId="Equation.3">
+                  <p:embed/>
+                </p:oleObj>
+              </mc:Choice>
+              <mc:Fallback>
+                <p:oleObj name="方程式" r:id="rId7" imgW="406224" imgH="228501" progId="Equation.3">
+                  <p:embed/>
+                  <p:pic>
+                    <p:nvPicPr>
+                      <p:cNvPr id="0" name="Picture 46"/>
+                      <p:cNvPicPr>
+                        <a:picLocks noChangeAspect="1" noChangeArrowheads="1"/>
+                      </p:cNvPicPr>
+                      <p:nvPr/>
+                    </p:nvPicPr>
+                    <p:blipFill>
+                      <a:blip r:embed="rId8">
+                        <a:extLst>
+                          <a:ext uri="{28A0092B-C50C-407E-A947-70E740481C1C}">
+                            <a14:useLocalDpi xmlns:a14="http://schemas.microsoft.com/office/drawing/2010/main" val="0"/>
+                          </a:ext>
+                        </a:extLst>
+                      </a:blip>
+                      <a:srcRect/>
+                      <a:stretch>
+                        <a:fillRect/>
+                      </a:stretch>
+                    </p:blipFill>
+                    <p:spPr bwMode="auto">
+                      <a:xfrm>
+                        <a:off x="3708400" y="3238496"/>
+                        <a:ext cx="895586" cy="503767"/>
+                      </a:xfrm>
+                      <a:prstGeom prst="rect">
+                        <a:avLst/>
+                      </a:prstGeom>
+                      <a:noFill/>
+                      <a:ln>
+                        <a:noFill/>
+                      </a:ln>
+                      <a:effectLst/>
+                      <a:extLst>
+                        <a:ext uri="{909E8E84-426E-40DD-AFC4-6F175D3DCCD1}">
+                          <a14:hiddenFill xmlns:a14="http://schemas.microsoft.com/office/drawing/2010/main">
+                            <a:solidFill>
+                              <a:schemeClr val="accent1"/>
+                            </a:solidFill>
+                          </a14:hiddenFill>
+                        </a:ext>
+                        <a:ext uri="{91240B29-F687-4F45-9708-019B960494DF}">
+                          <a14:hiddenLine xmlns:a14="http://schemas.microsoft.com/office/drawing/2010/main" w="9525">
+                            <a:solidFill>
+                              <a:schemeClr val="tx1"/>
+                            </a:solidFill>
+                            <a:miter lim="800000"/>
+                            <a:headEnd/>
+                            <a:tailEnd/>
+                          </a14:hiddenLine>
+                        </a:ext>
+                        <a:ext uri="{AF507438-7753-43E0-B8FC-AC1667EBCBE1}">
+                          <a14:hiddenEffects xmlns:a14="http://schemas.microsoft.com/office/drawing/2010/main">
+                            <a:effectLst>
+                              <a:outerShdw dist="35921" dir="2700000" algn="ctr" rotWithShape="0">
+                                <a:schemeClr val="bg2"/>
+                              </a:outerShdw>
+                            </a:effectLst>
+                          </a14:hiddenEffects>
+                        </a:ext>
+                      </a:extLst>
+                    </p:spPr>
+                  </p:pic>
+                </p:oleObj>
+              </mc:Fallback>
+            </mc:AlternateContent>
           </a:graphicData>
         </a:graphic>
       </p:graphicFrame>
@@ -10066,9 +10067,82 @@
         </p:xfrm>
         <a:graphic>
           <a:graphicData uri="http://schemas.openxmlformats.org/presentationml/2006/ole">
-            <p:oleObj spid="_x0000_s26671" name="方程式" r:id="rId6" imgW="190500" imgH="228600" progId="Equation.3">
-              <p:embed/>
-            </p:oleObj>
+            <mc:AlternateContent xmlns:mc="http://schemas.openxmlformats.org/markup-compatibility/2006">
+              <mc:Choice xmlns:v="urn:schemas-microsoft-com:vml" Requires="v">
+                <p:oleObj spid="_x0000_s26701" name="方程式" r:id="rId9" imgW="190500" imgH="228600" progId="Equation.3">
+                  <p:embed/>
+                </p:oleObj>
+              </mc:Choice>
+              <mc:Fallback>
+                <p:oleObj name="方程式" r:id="rId9" imgW="190500" imgH="228600" progId="Equation.3">
+                  <p:embed/>
+                  <p:pic>
+                    <p:nvPicPr>
+                      <p:cNvPr id="0" name="Picture 47"/>
+                      <p:cNvPicPr>
+                        <a:picLocks noChangeAspect="1" noChangeArrowheads="1"/>
+                      </p:cNvPicPr>
+                      <p:nvPr/>
+                    </p:nvPicPr>
+                    <p:blipFill>
+                      <a:blip r:embed="rId10">
+                        <a:extLst>
+                          <a:ext uri="{28A0092B-C50C-407E-A947-70E740481C1C}">
+                            <a14:useLocalDpi xmlns:a14="http://schemas.microsoft.com/office/drawing/2010/main" val="0"/>
+                          </a:ext>
+                        </a:extLst>
+                      </a:blip>
+                      <a:srcRect/>
+                      <a:stretch>
+                        <a:fillRect/>
+                      </a:stretch>
+                    </p:blipFill>
+                    <p:spPr bwMode="auto">
+                      <a:xfrm>
+                        <a:off x="6536251" y="3238496"/>
+                        <a:ext cx="419805" cy="503766"/>
+                      </a:xfrm>
+                      <a:prstGeom prst="rect">
+                        <a:avLst/>
+                      </a:prstGeom>
+                      <a:noFill/>
+                      <a:ln>
+                        <a:noFill/>
+                      </a:ln>
+                      <a:effectLst/>
+                      <a:extLst>
+                        <a:ext uri="{909E8E84-426E-40DD-AFC4-6F175D3DCCD1}">
+                          <a14:hiddenFill xmlns:a14="http://schemas.microsoft.com/office/drawing/2010/main">
+                            <a:solidFill>
+                              <a:schemeClr val="accent1"/>
+                            </a:solidFill>
+                          </a14:hiddenFill>
+                        </a:ext>
+                        <a:ext uri="{91240B29-F687-4F45-9708-019B960494DF}">
+                          <a14:hiddenLine xmlns:a14="http://schemas.microsoft.com/office/drawing/2010/main" w="9525">
+                            <a:solidFill>
+                              <a:schemeClr val="tx1"/>
+                            </a:solidFill>
+                            <a:miter lim="800000"/>
+                            <a:headEnd/>
+                            <a:tailEnd/>
+                          </a14:hiddenLine>
+                        </a:ext>
+                        <a:ext uri="{AF507438-7753-43E0-B8FC-AC1667EBCBE1}">
+                          <a14:hiddenEffects xmlns:a14="http://schemas.microsoft.com/office/drawing/2010/main">
+                            <a:effectLst>
+                              <a:outerShdw dist="35921" dir="2700000" algn="ctr" rotWithShape="0">
+                                <a:schemeClr val="bg2"/>
+                              </a:outerShdw>
+                            </a:effectLst>
+                          </a14:hiddenEffects>
+                        </a:ext>
+                      </a:extLst>
+                    </p:spPr>
+                  </p:pic>
+                </p:oleObj>
+              </mc:Fallback>
+            </mc:AlternateContent>
           </a:graphicData>
         </a:graphic>
       </p:graphicFrame>
@@ -10184,9 +10258,82 @@
         </p:xfrm>
         <a:graphic>
           <a:graphicData uri="http://schemas.openxmlformats.org/presentationml/2006/ole">
-            <p:oleObj spid="_x0000_s26672" name="方程式" r:id="rId7" imgW="672808" imgH="393529" progId="Equation.3">
-              <p:embed/>
-            </p:oleObj>
+            <mc:AlternateContent xmlns:mc="http://schemas.openxmlformats.org/markup-compatibility/2006">
+              <mc:Choice xmlns:v="urn:schemas-microsoft-com:vml" Requires="v">
+                <p:oleObj spid="_x0000_s26702" name="方程式" r:id="rId11" imgW="672808" imgH="393529" progId="Equation.3">
+                  <p:embed/>
+                </p:oleObj>
+              </mc:Choice>
+              <mc:Fallback>
+                <p:oleObj name="方程式" r:id="rId11" imgW="672808" imgH="393529" progId="Equation.3">
+                  <p:embed/>
+                  <p:pic>
+                    <p:nvPicPr>
+                      <p:cNvPr id="0" name="Picture 48"/>
+                      <p:cNvPicPr>
+                        <a:picLocks noChangeAspect="1" noChangeArrowheads="1"/>
+                      </p:cNvPicPr>
+                      <p:nvPr/>
+                    </p:nvPicPr>
+                    <p:blipFill>
+                      <a:blip r:embed="rId12">
+                        <a:extLst>
+                          <a:ext uri="{28A0092B-C50C-407E-A947-70E740481C1C}">
+                            <a14:useLocalDpi xmlns:a14="http://schemas.microsoft.com/office/drawing/2010/main" val="0"/>
+                          </a:ext>
+                        </a:extLst>
+                      </a:blip>
+                      <a:srcRect/>
+                      <a:stretch>
+                        <a:fillRect/>
+                      </a:stretch>
+                    </p:blipFill>
+                    <p:spPr bwMode="auto">
+                      <a:xfrm>
+                        <a:off x="3711586" y="4100507"/>
+                        <a:ext cx="1482725" cy="866775"/>
+                      </a:xfrm>
+                      <a:prstGeom prst="rect">
+                        <a:avLst/>
+                      </a:prstGeom>
+                      <a:noFill/>
+                      <a:ln>
+                        <a:noFill/>
+                      </a:ln>
+                      <a:effectLst/>
+                      <a:extLst>
+                        <a:ext uri="{909E8E84-426E-40DD-AFC4-6F175D3DCCD1}">
+                          <a14:hiddenFill xmlns:a14="http://schemas.microsoft.com/office/drawing/2010/main">
+                            <a:solidFill>
+                              <a:schemeClr val="accent1"/>
+                            </a:solidFill>
+                          </a14:hiddenFill>
+                        </a:ext>
+                        <a:ext uri="{91240B29-F687-4F45-9708-019B960494DF}">
+                          <a14:hiddenLine xmlns:a14="http://schemas.microsoft.com/office/drawing/2010/main" w="9525">
+                            <a:solidFill>
+                              <a:schemeClr val="tx1"/>
+                            </a:solidFill>
+                            <a:miter lim="800000"/>
+                            <a:headEnd/>
+                            <a:tailEnd/>
+                          </a14:hiddenLine>
+                        </a:ext>
+                        <a:ext uri="{AF507438-7753-43E0-B8FC-AC1667EBCBE1}">
+                          <a14:hiddenEffects xmlns:a14="http://schemas.microsoft.com/office/drawing/2010/main">
+                            <a:effectLst>
+                              <a:outerShdw dist="35921" dir="2700000" algn="ctr" rotWithShape="0">
+                                <a:schemeClr val="bg2"/>
+                              </a:outerShdw>
+                            </a:effectLst>
+                          </a14:hiddenEffects>
+                        </a:ext>
+                      </a:extLst>
+                    </p:spPr>
+                  </p:pic>
+                </p:oleObj>
+              </mc:Fallback>
+            </mc:AlternateContent>
           </a:graphicData>
         </a:graphic>
       </p:graphicFrame>
@@ -10204,9 +10351,82 @@
         </p:xfrm>
         <a:graphic>
           <a:graphicData uri="http://schemas.openxmlformats.org/presentationml/2006/ole">
-            <p:oleObj spid="_x0000_s26673" name="方程式" r:id="rId8" imgW="431613" imgH="228501" progId="Equation.3">
-              <p:embed/>
-            </p:oleObj>
+            <mc:AlternateContent xmlns:mc="http://schemas.openxmlformats.org/markup-compatibility/2006">
+              <mc:Choice xmlns:v="urn:schemas-microsoft-com:vml" Requires="v">
+                <p:oleObj spid="_x0000_s26703" name="方程式" r:id="rId13" imgW="431613" imgH="228501" progId="Equation.3">
+                  <p:embed/>
+                </p:oleObj>
+              </mc:Choice>
+              <mc:Fallback>
+                <p:oleObj name="方程式" r:id="rId13" imgW="431613" imgH="228501" progId="Equation.3">
+                  <p:embed/>
+                  <p:pic>
+                    <p:nvPicPr>
+                      <p:cNvPr id="0" name="Picture 49"/>
+                      <p:cNvPicPr>
+                        <a:picLocks noChangeAspect="1" noChangeArrowheads="1"/>
+                      </p:cNvPicPr>
+                      <p:nvPr/>
+                    </p:nvPicPr>
+                    <p:blipFill>
+                      <a:blip r:embed="rId14">
+                        <a:extLst>
+                          <a:ext uri="{28A0092B-C50C-407E-A947-70E740481C1C}">
+                            <a14:useLocalDpi xmlns:a14="http://schemas.microsoft.com/office/drawing/2010/main" val="0"/>
+                          </a:ext>
+                        </a:extLst>
+                      </a:blip>
+                      <a:srcRect/>
+                      <a:stretch>
+                        <a:fillRect/>
+                      </a:stretch>
+                    </p:blipFill>
+                    <p:spPr bwMode="auto">
+                      <a:xfrm>
+                        <a:off x="6536251" y="4373560"/>
+                        <a:ext cx="949325" cy="503237"/>
+                      </a:xfrm>
+                      <a:prstGeom prst="rect">
+                        <a:avLst/>
+                      </a:prstGeom>
+                      <a:noFill/>
+                      <a:ln>
+                        <a:noFill/>
+                      </a:ln>
+                      <a:effectLst/>
+                      <a:extLst>
+                        <a:ext uri="{909E8E84-426E-40DD-AFC4-6F175D3DCCD1}">
+                          <a14:hiddenFill xmlns:a14="http://schemas.microsoft.com/office/drawing/2010/main">
+                            <a:solidFill>
+                              <a:schemeClr val="accent1"/>
+                            </a:solidFill>
+                          </a14:hiddenFill>
+                        </a:ext>
+                        <a:ext uri="{91240B29-F687-4F45-9708-019B960494DF}">
+                          <a14:hiddenLine xmlns:a14="http://schemas.microsoft.com/office/drawing/2010/main" w="9525">
+                            <a:solidFill>
+                              <a:schemeClr val="tx1"/>
+                            </a:solidFill>
+                            <a:miter lim="800000"/>
+                            <a:headEnd/>
+                            <a:tailEnd/>
+                          </a14:hiddenLine>
+                        </a:ext>
+                        <a:ext uri="{AF507438-7753-43E0-B8FC-AC1667EBCBE1}">
+                          <a14:hiddenEffects xmlns:a14="http://schemas.microsoft.com/office/drawing/2010/main">
+                            <a:effectLst>
+                              <a:outerShdw dist="35921" dir="2700000" algn="ctr" rotWithShape="0">
+                                <a:schemeClr val="bg2"/>
+                              </a:outerShdw>
+                            </a:effectLst>
+                          </a14:hiddenEffects>
+                        </a:ext>
+                      </a:extLst>
+                    </p:spPr>
+                  </p:pic>
+                </p:oleObj>
+              </mc:Fallback>
+            </mc:AlternateContent>
           </a:graphicData>
         </a:graphic>
       </p:graphicFrame>
@@ -10249,7 +10469,7 @@
     </p:spTree>
     <p:extLst>
       <p:ext uri="{BB962C8B-B14F-4D97-AF65-F5344CB8AC3E}">
-        <p14:creationId xmlns:p14="http://schemas.microsoft.com/office/powerpoint/2010/main" xmlns="" val="3040030372"/>
+        <p14:creationId xmlns:p14="http://schemas.microsoft.com/office/powerpoint/2010/main" val="3040030372"/>
       </p:ext>
     </p:extLst>
   </p:cSld>
@@ -10582,7 +10802,7 @@
 </p:sld>
 </file>
 
-<file path=ppt/slides/slide19.xml><?xml version="1.0" encoding="utf-8"?>
+<file path=ppt/slides/slide18.xml><?xml version="1.0" encoding="utf-8"?>
 <p:sld xmlns:a="http://schemas.openxmlformats.org/drawingml/2006/main" xmlns:r="http://schemas.openxmlformats.org/officeDocument/2006/relationships" xmlns:p="http://schemas.openxmlformats.org/presentationml/2006/main">
   <p:cSld>
     <p:spTree>
@@ -10650,7 +10870,7 @@
           <a:blip r:embed="rId2">
             <a:extLst>
               <a:ext uri="{28A0092B-C50C-407E-A947-70E740481C1C}">
-                <a14:useLocalDpi xmlns:a14="http://schemas.microsoft.com/office/drawing/2010/main" xmlns="" val="0"/>
+                <a14:useLocalDpi xmlns:a14="http://schemas.microsoft.com/office/drawing/2010/main" val="0"/>
               </a:ext>
             </a:extLst>
           </a:blip>
@@ -10680,7 +10900,7 @@
           <a:blip r:embed="rId3">
             <a:extLst>
               <a:ext uri="{28A0092B-C50C-407E-A947-70E740481C1C}">
-                <a14:useLocalDpi xmlns:a14="http://schemas.microsoft.com/office/drawing/2010/main" xmlns="" val="0"/>
+                <a14:useLocalDpi xmlns:a14="http://schemas.microsoft.com/office/drawing/2010/main" val="0"/>
               </a:ext>
             </a:extLst>
           </a:blip>
@@ -10710,7 +10930,7 @@
           <a:blip r:embed="rId4">
             <a:extLst>
               <a:ext uri="{28A0092B-C50C-407E-A947-70E740481C1C}">
-                <a14:useLocalDpi xmlns:a14="http://schemas.microsoft.com/office/drawing/2010/main" xmlns="" val="0"/>
+                <a14:useLocalDpi xmlns:a14="http://schemas.microsoft.com/office/drawing/2010/main" val="0"/>
               </a:ext>
             </a:extLst>
           </a:blip>
@@ -10740,7 +10960,7 @@
           <a:blip r:embed="rId5">
             <a:extLst>
               <a:ext uri="{28A0092B-C50C-407E-A947-70E740481C1C}">
-                <a14:useLocalDpi xmlns:a14="http://schemas.microsoft.com/office/drawing/2010/main" xmlns="" val="0"/>
+                <a14:useLocalDpi xmlns:a14="http://schemas.microsoft.com/office/drawing/2010/main" val="0"/>
               </a:ext>
             </a:extLst>
           </a:blip>
@@ -10770,7 +10990,7 @@
           <a:blip r:embed="rId6">
             <a:extLst>
               <a:ext uri="{28A0092B-C50C-407E-A947-70E740481C1C}">
-                <a14:useLocalDpi xmlns:a14="http://schemas.microsoft.com/office/drawing/2010/main" xmlns="" val="0"/>
+                <a14:useLocalDpi xmlns:a14="http://schemas.microsoft.com/office/drawing/2010/main" val="0"/>
               </a:ext>
             </a:extLst>
           </a:blip>
@@ -10898,7 +11118,7 @@
     </p:spTree>
     <p:extLst>
       <p:ext uri="{BB962C8B-B14F-4D97-AF65-F5344CB8AC3E}">
-        <p14:creationId xmlns:p14="http://schemas.microsoft.com/office/powerpoint/2010/main" xmlns="" val="2631485282"/>
+        <p14:creationId xmlns:p14="http://schemas.microsoft.com/office/powerpoint/2010/main" val="2631485282"/>
       </p:ext>
     </p:extLst>
   </p:cSld>
@@ -11217,417 +11437,7 @@
 </p:sld>
 </file>
 
-<file path=ppt/slides/slide2.xml><?xml version="1.0" encoding="utf-8"?>
-<p:sld xmlns:a="http://schemas.openxmlformats.org/drawingml/2006/main" xmlns:r="http://schemas.openxmlformats.org/officeDocument/2006/relationships" xmlns:p="http://schemas.openxmlformats.org/presentationml/2006/main">
-  <p:cSld>
-    <p:spTree>
-      <p:nvGrpSpPr>
-        <p:cNvPr id="1" name=""/>
-        <p:cNvGrpSpPr/>
-        <p:nvPr/>
-      </p:nvGrpSpPr>
-      <p:grpSpPr>
-        <a:xfrm>
-          <a:off x="0" y="0"/>
-          <a:ext cx="0" cy="0"/>
-          <a:chOff x="0" y="0"/>
-          <a:chExt cx="0" cy="0"/>
-        </a:xfrm>
-      </p:grpSpPr>
-      <p:sp>
-        <p:nvSpPr>
-          <p:cNvPr id="4" name="Title 3"/>
-          <p:cNvSpPr>
-            <a:spLocks noGrp="1"/>
-          </p:cNvSpPr>
-          <p:nvPr>
-            <p:ph type="title"/>
-          </p:nvPr>
-        </p:nvSpPr>
-        <p:spPr>
-          <a:xfrm>
-            <a:off x="228600" y="228600"/>
-            <a:ext cx="2483052" cy="492443"/>
-          </a:xfrm>
-        </p:spPr>
-        <p:txBody>
-          <a:bodyPr/>
-          <a:lstStyle/>
-          <a:p>
-            <a:r>
-              <a:rPr lang="en-US" altLang="zh-TW" sz="3200" dirty="0" smtClean="0">
-                <a:solidFill>
-                  <a:schemeClr val="tx1"/>
-                </a:solidFill>
-              </a:rPr>
-              <a:t>Human vision</a:t>
-            </a:r>
-            <a:endParaRPr lang="en-US" sz="3200" b="0" dirty="0">
-              <a:solidFill>
-                <a:schemeClr val="tx1"/>
-              </a:solidFill>
-              <a:latin typeface="+mj-lt"/>
-            </a:endParaRPr>
-          </a:p>
-        </p:txBody>
-      </p:sp>
-      <p:pic>
-        <p:nvPicPr>
-          <p:cNvPr id="18" name="Picture 6"/>
-          <p:cNvPicPr>
-            <a:picLocks noChangeAspect="1" noChangeArrowheads="1"/>
-          </p:cNvPicPr>
-          <p:nvPr/>
-        </p:nvPicPr>
-        <p:blipFill>
-          <a:blip r:embed="rId3"/>
-          <a:srcRect/>
-          <a:stretch>
-            <a:fillRect/>
-          </a:stretch>
-        </p:blipFill>
-        <p:spPr bwMode="auto">
-          <a:xfrm>
-            <a:off x="731623" y="1905000"/>
-            <a:ext cx="3796388" cy="3270490"/>
-          </a:xfrm>
-          <a:prstGeom prst="rect">
-            <a:avLst/>
-          </a:prstGeom>
-          <a:noFill/>
-          <a:ln w="9525">
-            <a:noFill/>
-            <a:miter lim="800000"/>
-            <a:headEnd/>
-            <a:tailEnd/>
-          </a:ln>
-        </p:spPr>
-      </p:pic>
-      <p:sp>
-        <p:nvSpPr>
-          <p:cNvPr id="20" name="文字方塊 19"/>
-          <p:cNvSpPr txBox="1"/>
-          <p:nvPr/>
-        </p:nvSpPr>
-        <p:spPr>
-          <a:xfrm>
-            <a:off x="731623" y="1397000"/>
-            <a:ext cx="1505540" cy="369332"/>
-          </a:xfrm>
-          <a:prstGeom prst="rect">
-            <a:avLst/>
-          </a:prstGeom>
-          <a:noFill/>
-        </p:spPr>
-        <p:txBody>
-          <a:bodyPr wrap="none" rtlCol="0">
-            <a:spAutoFit/>
-          </a:bodyPr>
-          <a:lstStyle/>
-          <a:p>
-            <a:r>
-              <a:rPr lang="en-US" altLang="zh-TW" dirty="0" smtClean="0"/>
-              <a:t>What is </a:t>
-            </a:r>
-            <a:r>
-              <a:rPr lang="en-US" altLang="zh-TW" dirty="0" smtClean="0"/>
-              <a:t>this?</a:t>
-            </a:r>
-            <a:endParaRPr lang="zh-TW" altLang="en-US" dirty="0"/>
-          </a:p>
-        </p:txBody>
-      </p:sp>
-      <p:pic>
-        <p:nvPicPr>
-          <p:cNvPr id="51202" name="Picture 2" descr="https://encrypted-tbn2.gstatic.com/images?q=tbn:ANd9GcT7s2G9mEsm95u-IZODLMdIiCIv_QWDC5FdhKkl5SOHCfcYMuldBw"/>
-          <p:cNvPicPr>
-            <a:picLocks noChangeAspect="1" noChangeArrowheads="1"/>
-          </p:cNvPicPr>
-          <p:nvPr/>
-        </p:nvPicPr>
-        <p:blipFill>
-          <a:blip r:embed="rId4"/>
-          <a:srcRect/>
-          <a:stretch>
-            <a:fillRect/>
-          </a:stretch>
-        </p:blipFill>
-        <p:spPr bwMode="auto">
-          <a:xfrm flipH="1">
-            <a:off x="4756526" y="2278249"/>
-            <a:ext cx="2974045" cy="2753302"/>
-          </a:xfrm>
-          <a:prstGeom prst="rect">
-            <a:avLst/>
-          </a:prstGeom>
-          <a:noFill/>
-        </p:spPr>
-      </p:pic>
-      <p:sp>
-        <p:nvSpPr>
-          <p:cNvPr id="24" name="直線圖說文字 1 (無框線) 23"/>
-          <p:cNvSpPr/>
-          <p:nvPr/>
-        </p:nvSpPr>
-        <p:spPr>
-          <a:xfrm>
-            <a:off x="6925728" y="1622393"/>
-            <a:ext cx="2091272" cy="468868"/>
-          </a:xfrm>
-          <a:prstGeom prst="callout1">
-            <a:avLst>
-              <a:gd name="adj1" fmla="val 94592"/>
-              <a:gd name="adj2" fmla="val 42679"/>
-              <a:gd name="adj3" fmla="val 217235"/>
-              <a:gd name="adj4" fmla="val -10783"/>
-            </a:avLst>
-          </a:prstGeom>
-          <a:noFill/>
-          <a:ln w="22225" cmpd="sng"/>
-          <a:effectLst/>
-        </p:spPr>
-        <p:style>
-          <a:lnRef idx="1">
-            <a:schemeClr val="accent1"/>
-          </a:lnRef>
-          <a:fillRef idx="3">
-            <a:schemeClr val="accent1"/>
-          </a:fillRef>
-          <a:effectRef idx="2">
-            <a:schemeClr val="accent1"/>
-          </a:effectRef>
-          <a:fontRef idx="minor">
-            <a:schemeClr val="lt1"/>
-          </a:fontRef>
-        </p:style>
-        <p:txBody>
-          <a:bodyPr rtlCol="0" anchor="ctr"/>
-          <a:lstStyle/>
-          <a:p>
-            <a:pPr algn="ctr"/>
-            <a:r>
-              <a:rPr lang="en-US" altLang="zh-TW" dirty="0" smtClean="0">
-                <a:solidFill>
-                  <a:schemeClr val="tx1"/>
-                </a:solidFill>
-              </a:rPr>
-              <a:t>Classification skill</a:t>
-            </a:r>
-            <a:endParaRPr lang="zh-TW" altLang="en-US" dirty="0" smtClean="0">
-              <a:solidFill>
-                <a:schemeClr val="tx1"/>
-              </a:solidFill>
-            </a:endParaRPr>
-          </a:p>
-        </p:txBody>
-      </p:sp>
-      <p:sp>
-        <p:nvSpPr>
-          <p:cNvPr id="26" name="矩形 25"/>
-          <p:cNvSpPr/>
-          <p:nvPr/>
-        </p:nvSpPr>
-        <p:spPr>
-          <a:xfrm>
-            <a:off x="353317" y="5456653"/>
-            <a:ext cx="4839786" cy="369332"/>
-          </a:xfrm>
-          <a:prstGeom prst="rect">
-            <a:avLst/>
-          </a:prstGeom>
-        </p:spPr>
-        <p:txBody>
-          <a:bodyPr wrap="none">
-            <a:spAutoFit/>
-          </a:bodyPr>
-          <a:lstStyle/>
-          <a:p>
-            <a:pPr algn="ctr"/>
-            <a:r>
-              <a:rPr lang="en-US" altLang="zh-TW" dirty="0" smtClean="0"/>
-              <a:t>Hard to program the human classification skill</a:t>
-            </a:r>
-            <a:endParaRPr lang="zh-TW" altLang="en-US" dirty="0" smtClean="0"/>
-          </a:p>
-        </p:txBody>
-      </p:sp>
-    </p:spTree>
-    <p:extLst>
-      <p:ext uri="{BB962C8B-B14F-4D97-AF65-F5344CB8AC3E}">
-        <p14:creationId xmlns:p14="http://schemas.microsoft.com/office/powerpoint/2010/main" xmlns="" val="1692470345"/>
-      </p:ext>
-    </p:extLst>
-  </p:cSld>
-  <p:clrMapOvr>
-    <a:masterClrMapping/>
-  </p:clrMapOvr>
-  <p:timing>
-    <p:tnLst>
-      <p:par>
-        <p:cTn id="1" dur="indefinite" restart="never" nodeType="tmRoot">
-          <p:childTnLst>
-            <p:seq concurrent="1" nextAc="seek">
-              <p:cTn id="2" dur="indefinite" nodeType="mainSeq">
-                <p:childTnLst>
-                  <p:par>
-                    <p:cTn id="3" fill="hold">
-                      <p:stCondLst>
-                        <p:cond delay="indefinite"/>
-                      </p:stCondLst>
-                      <p:childTnLst>
-                        <p:par>
-                          <p:cTn id="4" fill="hold">
-                            <p:stCondLst>
-                              <p:cond delay="0"/>
-                            </p:stCondLst>
-                            <p:childTnLst>
-                              <p:par>
-                                <p:cTn id="5" presetID="1" presetClass="entr" presetSubtype="0" fill="hold" nodeType="clickEffect">
-                                  <p:stCondLst>
-                                    <p:cond delay="0"/>
-                                  </p:stCondLst>
-                                  <p:childTnLst>
-                                    <p:set>
-                                      <p:cBhvr>
-                                        <p:cTn id="6" dur="1" fill="hold">
-                                          <p:stCondLst>
-                                            <p:cond delay="0"/>
-                                          </p:stCondLst>
-                                        </p:cTn>
-                                        <p:tgtEl>
-                                          <p:spTgt spid="51202"/>
-                                        </p:tgtEl>
-                                        <p:attrNameLst>
-                                          <p:attrName>style.visibility</p:attrName>
-                                        </p:attrNameLst>
-                                      </p:cBhvr>
-                                      <p:to>
-                                        <p:strVal val="visible"/>
-                                      </p:to>
-                                    </p:set>
-                                  </p:childTnLst>
-                                </p:cTn>
-                              </p:par>
-                            </p:childTnLst>
-                          </p:cTn>
-                        </p:par>
-                        <p:par>
-                          <p:cTn id="7" fill="hold">
-                            <p:stCondLst>
-                              <p:cond delay="0"/>
-                            </p:stCondLst>
-                            <p:childTnLst>
-                              <p:par>
-                                <p:cTn id="8" presetID="1" presetClass="entr" presetSubtype="0" fill="hold" grpId="0" nodeType="afterEffect">
-                                  <p:stCondLst>
-                                    <p:cond delay="0"/>
-                                  </p:stCondLst>
-                                  <p:childTnLst>
-                                    <p:set>
-                                      <p:cBhvr>
-                                        <p:cTn id="9" dur="1" fill="hold">
-                                          <p:stCondLst>
-                                            <p:cond delay="0"/>
-                                          </p:stCondLst>
-                                        </p:cTn>
-                                        <p:tgtEl>
-                                          <p:spTgt spid="24"/>
-                                        </p:tgtEl>
-                                        <p:attrNameLst>
-                                          <p:attrName>style.visibility</p:attrName>
-                                        </p:attrNameLst>
-                                      </p:cBhvr>
-                                      <p:to>
-                                        <p:strVal val="visible"/>
-                                      </p:to>
-                                    </p:set>
-                                  </p:childTnLst>
-                                </p:cTn>
-                              </p:par>
-                            </p:childTnLst>
-                          </p:cTn>
-                        </p:par>
-                      </p:childTnLst>
-                    </p:cTn>
-                  </p:par>
-                  <p:par>
-                    <p:cTn id="10" fill="hold">
-                      <p:stCondLst>
-                        <p:cond delay="indefinite"/>
-                      </p:stCondLst>
-                      <p:childTnLst>
-                        <p:par>
-                          <p:cTn id="11" fill="hold">
-                            <p:stCondLst>
-                              <p:cond delay="0"/>
-                            </p:stCondLst>
-                            <p:childTnLst>
-                              <p:par>
-                                <p:cTn id="12" presetID="1" presetClass="entr" presetSubtype="0" fill="hold" nodeType="clickEffect">
-                                  <p:stCondLst>
-                                    <p:cond delay="0"/>
-                                  </p:stCondLst>
-                                  <p:childTnLst>
-                                    <p:set>
-                                      <p:cBhvr>
-                                        <p:cTn id="13" dur="1" fill="hold">
-                                          <p:stCondLst>
-                                            <p:cond delay="0"/>
-                                          </p:stCondLst>
-                                        </p:cTn>
-                                        <p:tgtEl>
-                                          <p:spTgt spid="26">
-                                            <p:txEl>
-                                              <p:pRg st="0" end="0"/>
-                                            </p:txEl>
-                                          </p:spTgt>
-                                        </p:tgtEl>
-                                        <p:attrNameLst>
-                                          <p:attrName>style.visibility</p:attrName>
-                                        </p:attrNameLst>
-                                      </p:cBhvr>
-                                      <p:to>
-                                        <p:strVal val="visible"/>
-                                      </p:to>
-                                    </p:set>
-                                  </p:childTnLst>
-                                </p:cTn>
-                              </p:par>
-                            </p:childTnLst>
-                          </p:cTn>
-                        </p:par>
-                      </p:childTnLst>
-                    </p:cTn>
-                  </p:par>
-                </p:childTnLst>
-              </p:cTn>
-              <p:prevCondLst>
-                <p:cond evt="onPrev" delay="0">
-                  <p:tgtEl>
-                    <p:sldTgt/>
-                  </p:tgtEl>
-                </p:cond>
-              </p:prevCondLst>
-              <p:nextCondLst>
-                <p:cond evt="onNext" delay="0">
-                  <p:tgtEl>
-                    <p:sldTgt/>
-                  </p:tgtEl>
-                </p:cond>
-              </p:nextCondLst>
-            </p:seq>
-          </p:childTnLst>
-        </p:cTn>
-      </p:par>
-    </p:tnLst>
-    <p:bldLst>
-      <p:bldP spid="24" grpId="0" animBg="1"/>
-    </p:bldLst>
-  </p:timing>
-</p:sld>
-</file>
-
-<file path=ppt/slides/slide20.xml><?xml version="1.0" encoding="utf-8"?>
+<file path=ppt/slides/slide19.xml><?xml version="1.0" encoding="utf-8"?>
 <p:sld xmlns:a="http://schemas.openxmlformats.org/drawingml/2006/main" xmlns:r="http://schemas.openxmlformats.org/officeDocument/2006/relationships" xmlns:p="http://schemas.openxmlformats.org/presentationml/2006/main">
   <p:cSld>
     <p:spTree>
@@ -11803,7 +11613,7 @@
     </p:spTree>
     <p:extLst>
       <p:ext uri="{BB962C8B-B14F-4D97-AF65-F5344CB8AC3E}">
-        <p14:creationId xmlns:p14="http://schemas.microsoft.com/office/powerpoint/2010/main" xmlns="" val="2631485282"/>
+        <p14:creationId xmlns:p14="http://schemas.microsoft.com/office/powerpoint/2010/main" val="2631485282"/>
       </p:ext>
     </p:extLst>
   </p:cSld>
@@ -11963,7 +11773,1329 @@
 </p:sld>
 </file>
 
-<file path=ppt/slides/slide21.xml><?xml version="1.0" encoding="utf-8"?>
+<file path=ppt/slides/slide2.xml><?xml version="1.0" encoding="utf-8"?>
+<p:sld xmlns:a="http://schemas.openxmlformats.org/drawingml/2006/main" xmlns:r="http://schemas.openxmlformats.org/officeDocument/2006/relationships" xmlns:p="http://schemas.openxmlformats.org/presentationml/2006/main">
+  <p:cSld>
+    <p:spTree>
+      <p:nvGrpSpPr>
+        <p:cNvPr id="1" name=""/>
+        <p:cNvGrpSpPr/>
+        <p:nvPr/>
+      </p:nvGrpSpPr>
+      <p:grpSpPr>
+        <a:xfrm>
+          <a:off x="0" y="0"/>
+          <a:ext cx="0" cy="0"/>
+          <a:chOff x="0" y="0"/>
+          <a:chExt cx="0" cy="0"/>
+        </a:xfrm>
+      </p:grpSpPr>
+      <p:sp>
+        <p:nvSpPr>
+          <p:cNvPr id="3" name="Content Placeholder 2"/>
+          <p:cNvSpPr>
+            <a:spLocks noGrp="1"/>
+          </p:cNvSpPr>
+          <p:nvPr>
+            <p:ph idx="1"/>
+          </p:nvPr>
+        </p:nvSpPr>
+        <p:spPr>
+          <a:xfrm>
+            <a:off x="228600" y="986319"/>
+            <a:ext cx="8689622" cy="763286"/>
+          </a:xfrm>
+        </p:spPr>
+        <p:txBody>
+          <a:bodyPr/>
+          <a:lstStyle/>
+          <a:p>
+            <a:pPr marL="1085850" lvl="1" indent="-342900">
+              <a:buNone/>
+            </a:pPr>
+            <a:endParaRPr lang="zh-TW" altLang="zh-TW" dirty="0" smtClean="0">
+              <a:latin typeface="+mj-lt"/>
+            </a:endParaRPr>
+          </a:p>
+          <a:p>
+            <a:pPr marL="1485900" lvl="2" indent="-342900">
+              <a:buFont typeface="Wingdings" panose="05000000000000000000" pitchFamily="2" charset="2"/>
+              <a:buChar char="Ø"/>
+            </a:pPr>
+            <a:endParaRPr lang="en-US" altLang="zh-TW" sz="1800" dirty="0">
+              <a:latin typeface="+mj-lt"/>
+            </a:endParaRPr>
+          </a:p>
+        </p:txBody>
+      </p:sp>
+      <p:sp>
+        <p:nvSpPr>
+          <p:cNvPr id="4" name="Title 3"/>
+          <p:cNvSpPr>
+            <a:spLocks noGrp="1"/>
+          </p:cNvSpPr>
+          <p:nvPr>
+            <p:ph type="title"/>
+          </p:nvPr>
+        </p:nvSpPr>
+        <p:spPr>
+          <a:xfrm>
+            <a:off x="228600" y="228600"/>
+            <a:ext cx="5398914" cy="492443"/>
+          </a:xfrm>
+        </p:spPr>
+        <p:txBody>
+          <a:bodyPr/>
+          <a:lstStyle/>
+          <a:p>
+            <a:pPr marL="342900" indent="-342900"/>
+            <a:r>
+              <a:rPr lang="en-US" altLang="zh-TW" sz="3200" dirty="0" smtClean="0">
+                <a:solidFill>
+                  <a:schemeClr val="tx1"/>
+                </a:solidFill>
+                <a:latin typeface="+mj-lt"/>
+              </a:rPr>
+              <a:t>Binary </a:t>
+            </a:r>
+            <a:r>
+              <a:rPr lang="en-US" altLang="zh-TW" sz="3200" dirty="0" smtClean="0">
+                <a:solidFill>
+                  <a:schemeClr val="tx1"/>
+                </a:solidFill>
+                <a:latin typeface="+mj-lt"/>
+              </a:rPr>
+              <a:t>classification problems</a:t>
+            </a:r>
+            <a:endParaRPr lang="en-US" altLang="zh-TW" sz="3200" dirty="0">
+              <a:solidFill>
+                <a:schemeClr val="tx1"/>
+              </a:solidFill>
+              <a:latin typeface="+mj-lt"/>
+            </a:endParaRPr>
+          </a:p>
+        </p:txBody>
+      </p:sp>
+      <p:sp>
+        <p:nvSpPr>
+          <p:cNvPr id="5" name="Content Placeholder 2"/>
+          <p:cNvSpPr txBox="1">
+            <a:spLocks/>
+          </p:cNvSpPr>
+          <p:nvPr/>
+        </p:nvSpPr>
+        <p:spPr>
+          <a:xfrm>
+            <a:off x="228600" y="986319"/>
+            <a:ext cx="8689622" cy="2142125"/>
+          </a:xfrm>
+          <a:prstGeom prst="rect">
+            <a:avLst/>
+          </a:prstGeom>
+        </p:spPr>
+        <p:txBody>
+          <a:bodyPr vert="horz" wrap="square" lIns="0" tIns="0" rIns="0" bIns="0" rtlCol="0">
+            <a:spAutoFit/>
+          </a:bodyPr>
+          <a:lstStyle/>
+          <a:p>
+            <a:pPr marL="1200150" lvl="1" indent="-457200">
+              <a:spcBef>
+                <a:spcPct val="20000"/>
+              </a:spcBef>
+              <a:buFont typeface="Wingdings" pitchFamily="2" charset="2"/>
+              <a:buChar char="l"/>
+              <a:defRPr/>
+            </a:pPr>
+            <a:r>
+              <a:rPr lang="en-US" altLang="zh-TW" sz="2400" dirty="0"/>
+              <a:t>Is it a car? </a:t>
+            </a:r>
+            <a:r>
+              <a:rPr lang="en-US" altLang="zh-TW" sz="2400" dirty="0" smtClean="0"/>
+              <a:t>{</a:t>
+            </a:r>
+            <a:r>
+              <a:rPr lang="zh-TW" altLang="en-US" sz="2400" dirty="0" smtClean="0"/>
+              <a:t> </a:t>
+            </a:r>
+            <a:r>
+              <a:rPr lang="en-US" altLang="zh-TW" sz="2400" dirty="0" smtClean="0"/>
+              <a:t>yes,</a:t>
+            </a:r>
+            <a:r>
+              <a:rPr lang="zh-TW" altLang="en-US" sz="2400" dirty="0" smtClean="0"/>
+              <a:t> </a:t>
+            </a:r>
+            <a:r>
+              <a:rPr lang="en-US" altLang="zh-TW" sz="2400" dirty="0" smtClean="0"/>
+              <a:t>no</a:t>
+            </a:r>
+            <a:r>
+              <a:rPr lang="zh-TW" altLang="en-US" sz="2400" dirty="0" smtClean="0"/>
+              <a:t> </a:t>
+            </a:r>
+            <a:r>
+              <a:rPr lang="en-US" altLang="zh-TW" sz="2400" dirty="0" smtClean="0"/>
+              <a:t>}</a:t>
+            </a:r>
+            <a:endParaRPr kumimoji="0" lang="en-US" altLang="zh-TW" sz="2400" b="0" i="0" u="none" strike="noStrike" kern="1200" cap="none" spc="0" normalizeH="0" baseline="0" noProof="0" dirty="0" smtClean="0">
+              <a:ln>
+                <a:noFill/>
+              </a:ln>
+              <a:solidFill>
+                <a:schemeClr val="tx1"/>
+              </a:solidFill>
+              <a:effectLst/>
+              <a:uLnTx/>
+              <a:uFillTx/>
+              <a:latin typeface="+mn-lt"/>
+              <a:ea typeface="+mn-ea"/>
+              <a:cs typeface="+mn-cs"/>
+            </a:endParaRPr>
+          </a:p>
+          <a:p>
+            <a:pPr marL="1200150" marR="0" lvl="1" indent="-457200" algn="l" defTabSz="457200" rtl="0" eaLnBrk="1" fontAlgn="auto" latinLnBrk="0" hangingPunct="1">
+              <a:lnSpc>
+                <a:spcPct val="100000"/>
+              </a:lnSpc>
+              <a:spcBef>
+                <a:spcPct val="20000"/>
+              </a:spcBef>
+              <a:spcAft>
+                <a:spcPts val="0"/>
+              </a:spcAft>
+              <a:buClrTx/>
+              <a:buSzTx/>
+              <a:buFont typeface="Wingdings" pitchFamily="2" charset="2"/>
+              <a:buChar char="l"/>
+              <a:tabLst/>
+              <a:defRPr/>
+            </a:pPr>
+            <a:r>
+              <a:rPr kumimoji="0" lang="en-US" altLang="zh-TW" sz="2400" b="0" i="0" u="none" strike="noStrike" kern="1200" cap="none" spc="0" normalizeH="0" baseline="0" noProof="0" dirty="0" smtClean="0">
+                <a:ln>
+                  <a:noFill/>
+                </a:ln>
+                <a:solidFill>
+                  <a:schemeClr val="tx1"/>
+                </a:solidFill>
+                <a:effectLst/>
+                <a:uLnTx/>
+                <a:uFillTx/>
+                <a:latin typeface="+mn-lt"/>
+                <a:ea typeface="+mn-ea"/>
+                <a:cs typeface="+mn-cs"/>
+              </a:rPr>
+              <a:t>Will stock market go up or down? {</a:t>
+            </a:r>
+            <a:r>
+              <a:rPr kumimoji="0" lang="zh-TW" altLang="en-US" sz="2400" b="0" i="0" u="none" strike="noStrike" kern="1200" cap="none" spc="0" normalizeH="0" baseline="0" noProof="0" dirty="0" smtClean="0">
+                <a:ln>
+                  <a:noFill/>
+                </a:ln>
+                <a:solidFill>
+                  <a:schemeClr val="tx1"/>
+                </a:solidFill>
+                <a:effectLst/>
+                <a:uLnTx/>
+                <a:uFillTx/>
+                <a:latin typeface="+mn-lt"/>
+                <a:ea typeface="+mn-ea"/>
+                <a:cs typeface="+mn-cs"/>
+              </a:rPr>
+              <a:t> </a:t>
+            </a:r>
+            <a:r>
+              <a:rPr kumimoji="0" lang="en-US" altLang="zh-TW" sz="2400" b="0" i="0" u="none" strike="noStrike" kern="1200" cap="none" spc="0" normalizeH="0" baseline="0" noProof="0" dirty="0" smtClean="0">
+                <a:ln>
+                  <a:noFill/>
+                </a:ln>
+                <a:solidFill>
+                  <a:schemeClr val="tx1"/>
+                </a:solidFill>
+                <a:effectLst/>
+                <a:uLnTx/>
+                <a:uFillTx/>
+                <a:latin typeface="+mn-lt"/>
+                <a:ea typeface="+mn-ea"/>
+                <a:cs typeface="+mn-cs"/>
+              </a:rPr>
+              <a:t>up,</a:t>
+            </a:r>
+            <a:r>
+              <a:rPr kumimoji="0" lang="zh-TW" altLang="en-US" sz="2400" b="0" i="0" u="none" strike="noStrike" kern="1200" cap="none" spc="0" normalizeH="0" baseline="0" noProof="0" dirty="0" smtClean="0">
+                <a:ln>
+                  <a:noFill/>
+                </a:ln>
+                <a:solidFill>
+                  <a:schemeClr val="tx1"/>
+                </a:solidFill>
+                <a:effectLst/>
+                <a:uLnTx/>
+                <a:uFillTx/>
+                <a:latin typeface="+mn-lt"/>
+                <a:ea typeface="+mn-ea"/>
+                <a:cs typeface="+mn-cs"/>
+              </a:rPr>
+              <a:t> </a:t>
+            </a:r>
+            <a:r>
+              <a:rPr kumimoji="0" lang="en-US" altLang="zh-TW" sz="2400" b="0" i="0" u="none" strike="noStrike" kern="1200" cap="none" spc="0" normalizeH="0" baseline="0" noProof="0" dirty="0" smtClean="0">
+                <a:ln>
+                  <a:noFill/>
+                </a:ln>
+                <a:solidFill>
+                  <a:schemeClr val="tx1"/>
+                </a:solidFill>
+                <a:effectLst/>
+                <a:uLnTx/>
+                <a:uFillTx/>
+                <a:latin typeface="+mn-lt"/>
+                <a:ea typeface="+mn-ea"/>
+                <a:cs typeface="+mn-cs"/>
+              </a:rPr>
+              <a:t>down</a:t>
+            </a:r>
+            <a:r>
+              <a:rPr kumimoji="0" lang="zh-TW" altLang="en-US" sz="2400" b="0" i="0" u="none" strike="noStrike" kern="1200" cap="none" spc="0" normalizeH="0" baseline="0" noProof="0" dirty="0" smtClean="0">
+                <a:ln>
+                  <a:noFill/>
+                </a:ln>
+                <a:solidFill>
+                  <a:schemeClr val="tx1"/>
+                </a:solidFill>
+                <a:effectLst/>
+                <a:uLnTx/>
+                <a:uFillTx/>
+                <a:latin typeface="+mn-lt"/>
+                <a:ea typeface="+mn-ea"/>
+                <a:cs typeface="+mn-cs"/>
+              </a:rPr>
+              <a:t> </a:t>
+            </a:r>
+            <a:r>
+              <a:rPr kumimoji="0" lang="en-US" altLang="zh-TW" sz="2400" b="0" i="0" u="none" strike="noStrike" kern="1200" cap="none" spc="0" normalizeH="0" baseline="0" noProof="0" dirty="0" smtClean="0">
+                <a:ln>
+                  <a:noFill/>
+                </a:ln>
+                <a:solidFill>
+                  <a:schemeClr val="tx1"/>
+                </a:solidFill>
+                <a:effectLst/>
+                <a:uLnTx/>
+                <a:uFillTx/>
+                <a:latin typeface="+mn-lt"/>
+                <a:ea typeface="+mn-ea"/>
+                <a:cs typeface="+mn-cs"/>
+              </a:rPr>
+              <a:t>}</a:t>
+            </a:r>
+          </a:p>
+          <a:p>
+            <a:pPr marL="1200150" lvl="1" indent="-457200">
+              <a:spcBef>
+                <a:spcPct val="20000"/>
+              </a:spcBef>
+              <a:buFont typeface="Wingdings" pitchFamily="2" charset="2"/>
+              <a:buChar char="l"/>
+            </a:pPr>
+            <a:r>
+              <a:rPr lang="en-US" altLang="zh-TW" sz="2400" dirty="0" smtClean="0"/>
+              <a:t>Will you sleep well or bad tonight? { good, bad</a:t>
+            </a:r>
+            <a:r>
+              <a:rPr lang="zh-TW" altLang="en-US" sz="2400" dirty="0" smtClean="0"/>
+              <a:t> </a:t>
+            </a:r>
+            <a:r>
+              <a:rPr lang="en-US" altLang="zh-TW" sz="2400" dirty="0" smtClean="0"/>
+              <a:t>}</a:t>
+            </a:r>
+          </a:p>
+          <a:p>
+            <a:pPr marL="1200150" marR="0" lvl="1" indent="-457200" algn="l" defTabSz="457200" rtl="0" eaLnBrk="1" fontAlgn="auto" latinLnBrk="0" hangingPunct="1">
+              <a:lnSpc>
+                <a:spcPct val="100000"/>
+              </a:lnSpc>
+              <a:spcBef>
+                <a:spcPct val="20000"/>
+              </a:spcBef>
+              <a:spcAft>
+                <a:spcPts val="0"/>
+              </a:spcAft>
+              <a:buClrTx/>
+              <a:buSzTx/>
+              <a:buFont typeface="Wingdings" pitchFamily="2" charset="2"/>
+              <a:buChar char="l"/>
+              <a:tabLst/>
+              <a:defRPr/>
+            </a:pPr>
+            <a:endParaRPr kumimoji="0" lang="en-US" altLang="zh-TW" sz="2400" b="0" i="0" u="none" strike="noStrike" kern="1200" cap="none" spc="0" normalizeH="0" baseline="0" noProof="0" dirty="0" smtClean="0">
+              <a:ln>
+                <a:noFill/>
+              </a:ln>
+              <a:solidFill>
+                <a:schemeClr val="tx1"/>
+              </a:solidFill>
+              <a:effectLst/>
+              <a:uLnTx/>
+              <a:uFillTx/>
+              <a:latin typeface="+mn-lt"/>
+              <a:ea typeface="+mn-ea"/>
+              <a:cs typeface="+mn-cs"/>
+            </a:endParaRPr>
+          </a:p>
+          <a:p>
+            <a:pPr marL="1200150" marR="0" lvl="1" indent="-457200" algn="l" defTabSz="457200" rtl="0" eaLnBrk="1" fontAlgn="auto" latinLnBrk="0" hangingPunct="1">
+              <a:lnSpc>
+                <a:spcPct val="100000"/>
+              </a:lnSpc>
+              <a:spcBef>
+                <a:spcPct val="20000"/>
+              </a:spcBef>
+              <a:spcAft>
+                <a:spcPts val="0"/>
+              </a:spcAft>
+              <a:buClrTx/>
+              <a:buSzTx/>
+              <a:buFont typeface="Wingdings" pitchFamily="2" charset="2"/>
+              <a:buChar char="l"/>
+              <a:tabLst/>
+              <a:defRPr/>
+            </a:pPr>
+            <a:endParaRPr kumimoji="0" lang="en-US" altLang="zh-TW" sz="2400" b="0" i="0" u="none" strike="noStrike" kern="1200" cap="none" spc="0" normalizeH="0" baseline="0" noProof="0" dirty="0" smtClean="0">
+              <a:ln>
+                <a:noFill/>
+              </a:ln>
+              <a:solidFill>
+                <a:schemeClr val="tx1"/>
+              </a:solidFill>
+              <a:effectLst/>
+              <a:uLnTx/>
+              <a:uFillTx/>
+              <a:latin typeface="Arial"/>
+              <a:ea typeface="+mn-ea"/>
+              <a:cs typeface="+mn-cs"/>
+            </a:endParaRPr>
+          </a:p>
+        </p:txBody>
+      </p:sp>
+      <p:graphicFrame>
+        <p:nvGraphicFramePr>
+          <p:cNvPr id="6" name="物件 5"/>
+          <p:cNvGraphicFramePr>
+            <a:graphicFrameLocks noChangeAspect="1"/>
+          </p:cNvGraphicFramePr>
+          <p:nvPr>
+            <p:extLst>
+              <p:ext uri="{D42A27DB-BD31-4B8C-83A1-F6EECF244321}">
+                <p14:modId xmlns:p14="http://schemas.microsoft.com/office/powerpoint/2010/main" val="1089295242"/>
+              </p:ext>
+            </p:extLst>
+          </p:nvPr>
+        </p:nvGraphicFramePr>
+        <p:xfrm>
+          <a:off x="2934387" y="2969186"/>
+          <a:ext cx="3379787" cy="568325"/>
+        </p:xfrm>
+        <a:graphic>
+          <a:graphicData uri="http://schemas.openxmlformats.org/presentationml/2006/ole">
+            <mc:AlternateContent xmlns:mc="http://schemas.openxmlformats.org/markup-compatibility/2006">
+              <mc:Choice xmlns:v="urn:schemas-microsoft-com:vml" Requires="v">
+                <p:oleObj spid="_x0000_s4147" name="方程式" r:id="rId4" imgW="1256755" imgH="203112" progId="Equation.3">
+                  <p:embed/>
+                </p:oleObj>
+              </mc:Choice>
+              <mc:Fallback>
+                <p:oleObj name="方程式" r:id="rId4" imgW="1256755" imgH="203112" progId="Equation.3">
+                  <p:embed/>
+                  <p:pic>
+                    <p:nvPicPr>
+                      <p:cNvPr id="0" name="Picture 46"/>
+                      <p:cNvPicPr>
+                        <a:picLocks noChangeAspect="1" noChangeArrowheads="1"/>
+                      </p:cNvPicPr>
+                      <p:nvPr/>
+                    </p:nvPicPr>
+                    <p:blipFill>
+                      <a:blip r:embed="rId5">
+                        <a:extLst>
+                          <a:ext uri="{28A0092B-C50C-407E-A947-70E740481C1C}">
+                            <a14:useLocalDpi xmlns:a14="http://schemas.microsoft.com/office/drawing/2010/main" val="0"/>
+                          </a:ext>
+                        </a:extLst>
+                      </a:blip>
+                      <a:srcRect/>
+                      <a:stretch>
+                        <a:fillRect/>
+                      </a:stretch>
+                    </p:blipFill>
+                    <p:spPr bwMode="auto">
+                      <a:xfrm>
+                        <a:off x="2934387" y="2969186"/>
+                        <a:ext cx="3379787" cy="568325"/>
+                      </a:xfrm>
+                      <a:prstGeom prst="rect">
+                        <a:avLst/>
+                      </a:prstGeom>
+                      <a:noFill/>
+                      <a:extLst>
+                        <a:ext uri="{909E8E84-426E-40DD-AFC4-6F175D3DCCD1}">
+                          <a14:hiddenFill xmlns:a14="http://schemas.microsoft.com/office/drawing/2010/main">
+                            <a:solidFill>
+                              <a:srgbClr val="FFFFFF"/>
+                            </a:solidFill>
+                          </a14:hiddenFill>
+                        </a:ext>
+                      </a:extLst>
+                    </p:spPr>
+                  </p:pic>
+                </p:oleObj>
+              </mc:Fallback>
+            </mc:AlternateContent>
+          </a:graphicData>
+        </a:graphic>
+      </p:graphicFrame>
+      <p:graphicFrame>
+        <p:nvGraphicFramePr>
+          <p:cNvPr id="2" name="表格 1"/>
+          <p:cNvGraphicFramePr/>
+          <p:nvPr>
+            <p:extLst>
+              <p:ext uri="{D42A27DB-BD31-4B8C-83A1-F6EECF244321}">
+                <p14:modId xmlns:p14="http://schemas.microsoft.com/office/powerpoint/2010/main" val="699112820"/>
+              </p:ext>
+            </p:extLst>
+          </p:nvPr>
+        </p:nvGraphicFramePr>
+        <p:xfrm>
+          <a:off x="682111" y="4309533"/>
+          <a:ext cx="3971336" cy="1854200"/>
+        </p:xfrm>
+        <a:graphic>
+          <a:graphicData uri="http://schemas.openxmlformats.org/drawingml/2006/table">
+            <a:tbl>
+              <a:tblPr>
+                <a:tableStyleId>{5C22544A-7EE6-4342-B048-85BDC9FD1C3A}</a:tableStyleId>
+              </a:tblPr>
+              <a:tblGrid>
+                <a:gridCol w="2188155">
+                  <a:extLst>
+                    <a:ext uri="{9D8B030D-6E8A-4147-A177-3AD203B41FA5}">
+                      <a16:colId xmlns:a16="http://schemas.microsoft.com/office/drawing/2014/main" xmlns="" val="3452721396"/>
+                    </a:ext>
+                  </a:extLst>
+                </a:gridCol>
+                <a:gridCol w="1783181">
+                  <a:extLst>
+                    <a:ext uri="{9D8B030D-6E8A-4147-A177-3AD203B41FA5}">
+                      <a16:colId xmlns:a16="http://schemas.microsoft.com/office/drawing/2014/main" xmlns="" val="3776235587"/>
+                    </a:ext>
+                  </a:extLst>
+                </a:gridCol>
+              </a:tblGrid>
+              <a:tr h="370840">
+                <a:tc>
+                  <a:txBody>
+                    <a:bodyPr/>
+                    <a:lstStyle/>
+                    <a:p>
+                      <a:pPr algn="ctr"/>
+                      <a:r>
+                        <a:rPr lang="zh-TW" altLang="en-US" dirty="0"/>
+                        <a:t>age</a:t>
+                      </a:r>
+                    </a:p>
+                  </a:txBody>
+                  <a:tcPr>
+                    <a:lnL w="12700" cap="flat" cmpd="sng" algn="ctr">
+                      <a:solidFill>
+                        <a:schemeClr val="tx1"/>
+                      </a:solidFill>
+                      <a:prstDash val="solid"/>
+                      <a:round/>
+                      <a:headEnd type="none" w="med" len="med"/>
+                      <a:tailEnd type="none" w="med" len="med"/>
+                    </a:lnL>
+                    <a:lnR w="12700" cap="flat" cmpd="sng" algn="ctr">
+                      <a:solidFill>
+                        <a:schemeClr val="tx1"/>
+                      </a:solidFill>
+                      <a:prstDash val="solid"/>
+                      <a:round/>
+                      <a:headEnd type="none" w="med" len="med"/>
+                      <a:tailEnd type="none" w="med" len="med"/>
+                    </a:lnR>
+                    <a:lnT w="12700" cap="flat" cmpd="sng" algn="ctr">
+                      <a:solidFill>
+                        <a:schemeClr val="tx1"/>
+                      </a:solidFill>
+                      <a:prstDash val="solid"/>
+                      <a:round/>
+                      <a:headEnd type="none" w="med" len="med"/>
+                      <a:tailEnd type="none" w="med" len="med"/>
+                    </a:lnT>
+                    <a:lnB w="12700" cap="flat" cmpd="sng" algn="ctr">
+                      <a:solidFill>
+                        <a:schemeClr val="tx1"/>
+                      </a:solidFill>
+                      <a:prstDash val="solid"/>
+                      <a:round/>
+                      <a:headEnd type="none" w="med" len="med"/>
+                      <a:tailEnd type="none" w="med" len="med"/>
+                    </a:lnB>
+                  </a:tcPr>
+                </a:tc>
+                <a:tc>
+                  <a:txBody>
+                    <a:bodyPr/>
+                    <a:lstStyle/>
+                    <a:p>
+                      <a:pPr algn="ctr"/>
+                      <a:r>
+                        <a:rPr lang="zh-TW" altLang="en-US" dirty="0"/>
+                        <a:t>30</a:t>
+                      </a:r>
+                    </a:p>
+                  </a:txBody>
+                  <a:tcPr>
+                    <a:lnL w="12700" cap="flat" cmpd="sng" algn="ctr">
+                      <a:solidFill>
+                        <a:schemeClr val="tx1"/>
+                      </a:solidFill>
+                      <a:prstDash val="solid"/>
+                      <a:round/>
+                      <a:headEnd type="none" w="med" len="med"/>
+                      <a:tailEnd type="none" w="med" len="med"/>
+                    </a:lnL>
+                    <a:lnR w="12700" cap="flat" cmpd="sng" algn="ctr">
+                      <a:solidFill>
+                        <a:schemeClr val="tx1"/>
+                      </a:solidFill>
+                      <a:prstDash val="solid"/>
+                      <a:round/>
+                      <a:headEnd type="none" w="med" len="med"/>
+                      <a:tailEnd type="none" w="med" len="med"/>
+                    </a:lnR>
+                    <a:lnT w="12700" cap="flat" cmpd="sng" algn="ctr">
+                      <a:solidFill>
+                        <a:schemeClr val="tx1"/>
+                      </a:solidFill>
+                      <a:prstDash val="solid"/>
+                      <a:round/>
+                      <a:headEnd type="none" w="med" len="med"/>
+                      <a:tailEnd type="none" w="med" len="med"/>
+                    </a:lnT>
+                    <a:lnB w="12700" cap="flat" cmpd="sng" algn="ctr">
+                      <a:solidFill>
+                        <a:schemeClr val="tx1"/>
+                      </a:solidFill>
+                      <a:prstDash val="solid"/>
+                      <a:round/>
+                      <a:headEnd type="none" w="med" len="med"/>
+                      <a:tailEnd type="none" w="med" len="med"/>
+                    </a:lnB>
+                  </a:tcPr>
+                </a:tc>
+                <a:extLst>
+                  <a:ext uri="{0D108BD9-81ED-4DB2-BD59-A6C34878D82A}">
+                    <a16:rowId xmlns:a16="http://schemas.microsoft.com/office/drawing/2014/main" xmlns="" val="1687642106"/>
+                  </a:ext>
+                </a:extLst>
+              </a:tr>
+              <a:tr h="370840">
+                <a:tc>
+                  <a:txBody>
+                    <a:bodyPr/>
+                    <a:lstStyle/>
+                    <a:p>
+                      <a:pPr algn="ctr"/>
+                      <a:r>
+                        <a:rPr lang="zh-TW" altLang="en-US" dirty="0"/>
+                        <a:t>gender</a:t>
+                      </a:r>
+                    </a:p>
+                  </a:txBody>
+                  <a:tcPr>
+                    <a:lnL w="12700" cap="flat" cmpd="sng" algn="ctr">
+                      <a:solidFill>
+                        <a:schemeClr val="tx1"/>
+                      </a:solidFill>
+                      <a:prstDash val="solid"/>
+                      <a:round/>
+                      <a:headEnd type="none" w="med" len="med"/>
+                      <a:tailEnd type="none" w="med" len="med"/>
+                    </a:lnL>
+                    <a:lnR w="12700" cap="flat" cmpd="sng" algn="ctr">
+                      <a:solidFill>
+                        <a:schemeClr val="tx1"/>
+                      </a:solidFill>
+                      <a:prstDash val="solid"/>
+                      <a:round/>
+                      <a:headEnd type="none" w="med" len="med"/>
+                      <a:tailEnd type="none" w="med" len="med"/>
+                    </a:lnR>
+                    <a:lnT w="12700" cap="flat" cmpd="sng" algn="ctr">
+                      <a:solidFill>
+                        <a:schemeClr val="tx1"/>
+                      </a:solidFill>
+                      <a:prstDash val="solid"/>
+                      <a:round/>
+                      <a:headEnd type="none" w="med" len="med"/>
+                      <a:tailEnd type="none" w="med" len="med"/>
+                    </a:lnT>
+                    <a:lnB w="12700" cap="flat" cmpd="sng" algn="ctr">
+                      <a:solidFill>
+                        <a:schemeClr val="tx1"/>
+                      </a:solidFill>
+                      <a:prstDash val="solid"/>
+                      <a:round/>
+                      <a:headEnd type="none" w="med" len="med"/>
+                      <a:tailEnd type="none" w="med" len="med"/>
+                    </a:lnB>
+                  </a:tcPr>
+                </a:tc>
+                <a:tc>
+                  <a:txBody>
+                    <a:bodyPr/>
+                    <a:lstStyle/>
+                    <a:p>
+                      <a:pPr algn="ctr"/>
+                      <a:r>
+                        <a:rPr lang="zh-TW" altLang="en-US"/>
+                        <a:t>male</a:t>
+                      </a:r>
+                    </a:p>
+                  </a:txBody>
+                  <a:tcPr>
+                    <a:lnL w="12700" cap="flat" cmpd="sng" algn="ctr">
+                      <a:solidFill>
+                        <a:schemeClr val="tx1"/>
+                      </a:solidFill>
+                      <a:prstDash val="solid"/>
+                      <a:round/>
+                      <a:headEnd type="none" w="med" len="med"/>
+                      <a:tailEnd type="none" w="med" len="med"/>
+                    </a:lnL>
+                    <a:lnR w="12700" cap="flat" cmpd="sng" algn="ctr">
+                      <a:solidFill>
+                        <a:schemeClr val="tx1"/>
+                      </a:solidFill>
+                      <a:prstDash val="solid"/>
+                      <a:round/>
+                      <a:headEnd type="none" w="med" len="med"/>
+                      <a:tailEnd type="none" w="med" len="med"/>
+                    </a:lnR>
+                    <a:lnT w="12700" cap="flat" cmpd="sng" algn="ctr">
+                      <a:solidFill>
+                        <a:schemeClr val="tx1"/>
+                      </a:solidFill>
+                      <a:prstDash val="solid"/>
+                      <a:round/>
+                      <a:headEnd type="none" w="med" len="med"/>
+                      <a:tailEnd type="none" w="med" len="med"/>
+                    </a:lnT>
+                    <a:lnB w="12700" cap="flat" cmpd="sng" algn="ctr">
+                      <a:solidFill>
+                        <a:schemeClr val="tx1"/>
+                      </a:solidFill>
+                      <a:prstDash val="solid"/>
+                      <a:round/>
+                      <a:headEnd type="none" w="med" len="med"/>
+                      <a:tailEnd type="none" w="med" len="med"/>
+                    </a:lnB>
+                  </a:tcPr>
+                </a:tc>
+                <a:extLst>
+                  <a:ext uri="{0D108BD9-81ED-4DB2-BD59-A6C34878D82A}">
+                    <a16:rowId xmlns:a16="http://schemas.microsoft.com/office/drawing/2014/main" xmlns="" val="1167798081"/>
+                  </a:ext>
+                </a:extLst>
+              </a:tr>
+              <a:tr h="370840">
+                <a:tc>
+                  <a:txBody>
+                    <a:bodyPr/>
+                    <a:lstStyle/>
+                    <a:p>
+                      <a:pPr algn="ctr"/>
+                      <a:r>
+                        <a:rPr lang="zh-TW" altLang="en-US" dirty="0"/>
+                        <a:t>we</a:t>
+                      </a:r>
+                      <a:r>
+                        <a:rPr lang="en-US" altLang="zh-TW" dirty="0" err="1"/>
+                        <a:t>ight</a:t>
+                      </a:r>
+                      <a:endParaRPr lang="zh-TW" altLang="en-US" dirty="0"/>
+                    </a:p>
+                  </a:txBody>
+                  <a:tcPr>
+                    <a:lnL w="12700" cap="flat" cmpd="sng" algn="ctr">
+                      <a:solidFill>
+                        <a:schemeClr val="tx1"/>
+                      </a:solidFill>
+                      <a:prstDash val="solid"/>
+                      <a:round/>
+                      <a:headEnd type="none" w="med" len="med"/>
+                      <a:tailEnd type="none" w="med" len="med"/>
+                    </a:lnL>
+                    <a:lnR w="12700" cap="flat" cmpd="sng" algn="ctr">
+                      <a:solidFill>
+                        <a:schemeClr val="tx1"/>
+                      </a:solidFill>
+                      <a:prstDash val="solid"/>
+                      <a:round/>
+                      <a:headEnd type="none" w="med" len="med"/>
+                      <a:tailEnd type="none" w="med" len="med"/>
+                    </a:lnR>
+                    <a:lnT w="12700" cap="flat" cmpd="sng" algn="ctr">
+                      <a:solidFill>
+                        <a:schemeClr val="tx1"/>
+                      </a:solidFill>
+                      <a:prstDash val="solid"/>
+                      <a:round/>
+                      <a:headEnd type="none" w="med" len="med"/>
+                      <a:tailEnd type="none" w="med" len="med"/>
+                    </a:lnT>
+                    <a:lnB w="12700" cap="flat" cmpd="sng" algn="ctr">
+                      <a:solidFill>
+                        <a:schemeClr val="tx1"/>
+                      </a:solidFill>
+                      <a:prstDash val="solid"/>
+                      <a:round/>
+                      <a:headEnd type="none" w="med" len="med"/>
+                      <a:tailEnd type="none" w="med" len="med"/>
+                    </a:lnB>
+                  </a:tcPr>
+                </a:tc>
+                <a:tc>
+                  <a:txBody>
+                    <a:bodyPr/>
+                    <a:lstStyle/>
+                    <a:p>
+                      <a:pPr algn="ctr"/>
+                      <a:r>
+                        <a:rPr lang="zh-TW" altLang="en-US" dirty="0" smtClean="0"/>
+                        <a:t>70 </a:t>
+                      </a:r>
+                      <a:r>
+                        <a:rPr lang="en-US" altLang="zh-TW" dirty="0" smtClean="0"/>
+                        <a:t>kg</a:t>
+                      </a:r>
+                      <a:endParaRPr lang="zh-TW" altLang="en-US" dirty="0"/>
+                    </a:p>
+                  </a:txBody>
+                  <a:tcPr>
+                    <a:lnL w="12700" cap="flat" cmpd="sng" algn="ctr">
+                      <a:solidFill>
+                        <a:schemeClr val="tx1"/>
+                      </a:solidFill>
+                      <a:prstDash val="solid"/>
+                      <a:round/>
+                      <a:headEnd type="none" w="med" len="med"/>
+                      <a:tailEnd type="none" w="med" len="med"/>
+                    </a:lnL>
+                    <a:lnR w="12700" cap="flat" cmpd="sng" algn="ctr">
+                      <a:solidFill>
+                        <a:schemeClr val="tx1"/>
+                      </a:solidFill>
+                      <a:prstDash val="solid"/>
+                      <a:round/>
+                      <a:headEnd type="none" w="med" len="med"/>
+                      <a:tailEnd type="none" w="med" len="med"/>
+                    </a:lnR>
+                    <a:lnT w="12700" cap="flat" cmpd="sng" algn="ctr">
+                      <a:solidFill>
+                        <a:schemeClr val="tx1"/>
+                      </a:solidFill>
+                      <a:prstDash val="solid"/>
+                      <a:round/>
+                      <a:headEnd type="none" w="med" len="med"/>
+                      <a:tailEnd type="none" w="med" len="med"/>
+                    </a:lnT>
+                    <a:lnB w="12700" cap="flat" cmpd="sng" algn="ctr">
+                      <a:solidFill>
+                        <a:schemeClr val="tx1"/>
+                      </a:solidFill>
+                      <a:prstDash val="solid"/>
+                      <a:round/>
+                      <a:headEnd type="none" w="med" len="med"/>
+                      <a:tailEnd type="none" w="med" len="med"/>
+                    </a:lnB>
+                  </a:tcPr>
+                </a:tc>
+                <a:extLst>
+                  <a:ext uri="{0D108BD9-81ED-4DB2-BD59-A6C34878D82A}">
+                    <a16:rowId xmlns:a16="http://schemas.microsoft.com/office/drawing/2014/main" xmlns="" val="3666776475"/>
+                  </a:ext>
+                </a:extLst>
+              </a:tr>
+              <a:tr h="370840">
+                <a:tc>
+                  <a:txBody>
+                    <a:bodyPr/>
+                    <a:lstStyle/>
+                    <a:p>
+                      <a:pPr algn="ctr"/>
+                      <a:r>
+                        <a:rPr lang="en-US" altLang="zh-TW" dirty="0">
+                          <a:latin typeface="Arial" charset="0"/>
+                          <a:cs typeface="Arial" charset="0"/>
+                        </a:rPr>
+                        <a:t>sleep </a:t>
+                      </a:r>
+                      <a:r>
+                        <a:rPr lang="en-US" altLang="zh-TW" dirty="0" smtClean="0">
+                          <a:latin typeface="Arial" charset="0"/>
+                          <a:cs typeface="Arial" charset="0"/>
+                        </a:rPr>
+                        <a:t>hours</a:t>
+                      </a:r>
+                      <a:endParaRPr lang="zh-TW" altLang="en-US" dirty="0">
+                        <a:latin typeface="Arial" charset="0"/>
+                        <a:cs typeface="Arial" charset="0"/>
+                      </a:endParaRPr>
+                    </a:p>
+                  </a:txBody>
+                  <a:tcPr>
+                    <a:lnL w="12700" cap="flat" cmpd="sng" algn="ctr">
+                      <a:solidFill>
+                        <a:schemeClr val="tx1"/>
+                      </a:solidFill>
+                      <a:prstDash val="solid"/>
+                      <a:round/>
+                      <a:headEnd type="none" w="med" len="med"/>
+                      <a:tailEnd type="none" w="med" len="med"/>
+                    </a:lnL>
+                    <a:lnR w="12700" cap="flat" cmpd="sng" algn="ctr">
+                      <a:solidFill>
+                        <a:schemeClr val="tx1"/>
+                      </a:solidFill>
+                      <a:prstDash val="solid"/>
+                      <a:round/>
+                      <a:headEnd type="none" w="med" len="med"/>
+                      <a:tailEnd type="none" w="med" len="med"/>
+                    </a:lnR>
+                    <a:lnT w="12700" cap="flat" cmpd="sng" algn="ctr">
+                      <a:solidFill>
+                        <a:schemeClr val="tx1"/>
+                      </a:solidFill>
+                      <a:prstDash val="solid"/>
+                      <a:round/>
+                      <a:headEnd type="none" w="med" len="med"/>
+                      <a:tailEnd type="none" w="med" len="med"/>
+                    </a:lnT>
+                    <a:lnB w="12700" cap="flat" cmpd="sng" algn="ctr">
+                      <a:solidFill>
+                        <a:schemeClr val="tx1"/>
+                      </a:solidFill>
+                      <a:prstDash val="solid"/>
+                      <a:round/>
+                      <a:headEnd type="none" w="med" len="med"/>
+                      <a:tailEnd type="none" w="med" len="med"/>
+                    </a:lnB>
+                  </a:tcPr>
+                </a:tc>
+                <a:tc>
+                  <a:txBody>
+                    <a:bodyPr/>
+                    <a:lstStyle/>
+                    <a:p>
+                      <a:pPr algn="ctr"/>
+                      <a:r>
+                        <a:rPr lang="zh-TW" altLang="en-US" dirty="0" smtClean="0"/>
+                        <a:t>7 </a:t>
+                      </a:r>
+                      <a:r>
+                        <a:rPr lang="en-US" altLang="zh-TW" dirty="0" smtClean="0"/>
+                        <a:t>hours</a:t>
+                      </a:r>
+                      <a:endParaRPr lang="zh-TW" altLang="en-US" dirty="0"/>
+                    </a:p>
+                  </a:txBody>
+                  <a:tcPr>
+                    <a:lnL w="12700" cap="flat" cmpd="sng" algn="ctr">
+                      <a:solidFill>
+                        <a:schemeClr val="tx1"/>
+                      </a:solidFill>
+                      <a:prstDash val="solid"/>
+                      <a:round/>
+                      <a:headEnd type="none" w="med" len="med"/>
+                      <a:tailEnd type="none" w="med" len="med"/>
+                    </a:lnL>
+                    <a:lnR w="12700" cap="flat" cmpd="sng" algn="ctr">
+                      <a:solidFill>
+                        <a:schemeClr val="tx1"/>
+                      </a:solidFill>
+                      <a:prstDash val="solid"/>
+                      <a:round/>
+                      <a:headEnd type="none" w="med" len="med"/>
+                      <a:tailEnd type="none" w="med" len="med"/>
+                    </a:lnR>
+                    <a:lnT w="12700" cap="flat" cmpd="sng" algn="ctr">
+                      <a:solidFill>
+                        <a:schemeClr val="tx1"/>
+                      </a:solidFill>
+                      <a:prstDash val="solid"/>
+                      <a:round/>
+                      <a:headEnd type="none" w="med" len="med"/>
+                      <a:tailEnd type="none" w="med" len="med"/>
+                    </a:lnT>
+                    <a:lnB w="12700" cap="flat" cmpd="sng" algn="ctr">
+                      <a:solidFill>
+                        <a:schemeClr val="tx1"/>
+                      </a:solidFill>
+                      <a:prstDash val="solid"/>
+                      <a:round/>
+                      <a:headEnd type="none" w="med" len="med"/>
+                      <a:tailEnd type="none" w="med" len="med"/>
+                    </a:lnB>
+                  </a:tcPr>
+                </a:tc>
+                <a:extLst>
+                  <a:ext uri="{0D108BD9-81ED-4DB2-BD59-A6C34878D82A}">
+                    <a16:rowId xmlns:a16="http://schemas.microsoft.com/office/drawing/2014/main" xmlns="" val="2399558479"/>
+                  </a:ext>
+                </a:extLst>
+              </a:tr>
+              <a:tr h="370840">
+                <a:tc>
+                  <a:txBody>
+                    <a:bodyPr/>
+                    <a:lstStyle/>
+                    <a:p>
+                      <a:pPr algn="ctr"/>
+                      <a:r>
+                        <a:rPr lang="en-US" altLang="zh-TW" dirty="0" smtClean="0"/>
+                        <a:t>e</a:t>
+                      </a:r>
+                      <a:r>
+                        <a:rPr lang="zh-TW" altLang="en-US" dirty="0" smtClean="0"/>
+                        <a:t>xercise </a:t>
+                      </a:r>
+                      <a:r>
+                        <a:rPr lang="en-US" altLang="zh-TW" dirty="0" smtClean="0"/>
+                        <a:t>times</a:t>
+                      </a:r>
+                      <a:endParaRPr lang="zh-TW" altLang="en-US" dirty="0"/>
+                    </a:p>
+                  </a:txBody>
+                  <a:tcPr>
+                    <a:lnL w="12700" cap="flat" cmpd="sng" algn="ctr">
+                      <a:solidFill>
+                        <a:schemeClr val="tx1"/>
+                      </a:solidFill>
+                      <a:prstDash val="solid"/>
+                      <a:round/>
+                      <a:headEnd type="none" w="med" len="med"/>
+                      <a:tailEnd type="none" w="med" len="med"/>
+                    </a:lnL>
+                    <a:lnR w="12700" cap="flat" cmpd="sng" algn="ctr">
+                      <a:solidFill>
+                        <a:schemeClr val="tx1"/>
+                      </a:solidFill>
+                      <a:prstDash val="solid"/>
+                      <a:round/>
+                      <a:headEnd type="none" w="med" len="med"/>
+                      <a:tailEnd type="none" w="med" len="med"/>
+                    </a:lnR>
+                    <a:lnT w="12700" cap="flat" cmpd="sng" algn="ctr">
+                      <a:solidFill>
+                        <a:schemeClr val="tx1"/>
+                      </a:solidFill>
+                      <a:prstDash val="solid"/>
+                      <a:round/>
+                      <a:headEnd type="none" w="med" len="med"/>
+                      <a:tailEnd type="none" w="med" len="med"/>
+                    </a:lnT>
+                    <a:lnB w="12700" cap="flat" cmpd="sng" algn="ctr">
+                      <a:solidFill>
+                        <a:schemeClr val="tx1"/>
+                      </a:solidFill>
+                      <a:prstDash val="solid"/>
+                      <a:round/>
+                      <a:headEnd type="none" w="med" len="med"/>
+                      <a:tailEnd type="none" w="med" len="med"/>
+                    </a:lnB>
+                  </a:tcPr>
+                </a:tc>
+                <a:tc>
+                  <a:txBody>
+                    <a:bodyPr/>
+                    <a:lstStyle/>
+                    <a:p>
+                      <a:pPr algn="ctr"/>
+                      <a:r>
+                        <a:rPr lang="zh-TW" altLang="en-US" dirty="0"/>
+                        <a:t>30 minutes</a:t>
+                      </a:r>
+                    </a:p>
+                  </a:txBody>
+                  <a:tcPr>
+                    <a:lnL w="12700" cap="flat" cmpd="sng" algn="ctr">
+                      <a:solidFill>
+                        <a:schemeClr val="tx1"/>
+                      </a:solidFill>
+                      <a:prstDash val="solid"/>
+                      <a:round/>
+                      <a:headEnd type="none" w="med" len="med"/>
+                      <a:tailEnd type="none" w="med" len="med"/>
+                    </a:lnL>
+                    <a:lnR w="12700" cap="flat" cmpd="sng" algn="ctr">
+                      <a:solidFill>
+                        <a:schemeClr val="tx1"/>
+                      </a:solidFill>
+                      <a:prstDash val="solid"/>
+                      <a:round/>
+                      <a:headEnd type="none" w="med" len="med"/>
+                      <a:tailEnd type="none" w="med" len="med"/>
+                    </a:lnR>
+                    <a:lnT w="12700" cap="flat" cmpd="sng" algn="ctr">
+                      <a:solidFill>
+                        <a:schemeClr val="tx1"/>
+                      </a:solidFill>
+                      <a:prstDash val="solid"/>
+                      <a:round/>
+                      <a:headEnd type="none" w="med" len="med"/>
+                      <a:tailEnd type="none" w="med" len="med"/>
+                    </a:lnT>
+                    <a:lnB w="12700" cap="flat" cmpd="sng" algn="ctr">
+                      <a:solidFill>
+                        <a:schemeClr val="tx1"/>
+                      </a:solidFill>
+                      <a:prstDash val="solid"/>
+                      <a:round/>
+                      <a:headEnd type="none" w="med" len="med"/>
+                      <a:tailEnd type="none" w="med" len="med"/>
+                    </a:lnB>
+                  </a:tcPr>
+                </a:tc>
+                <a:extLst>
+                  <a:ext uri="{0D108BD9-81ED-4DB2-BD59-A6C34878D82A}">
+                    <a16:rowId xmlns:a16="http://schemas.microsoft.com/office/drawing/2014/main" xmlns="" val="592403228"/>
+                  </a:ext>
+                </a:extLst>
+              </a:tr>
+            </a:tbl>
+          </a:graphicData>
+        </a:graphic>
+      </p:graphicFrame>
+      <p:sp>
+        <p:nvSpPr>
+          <p:cNvPr id="7" name="文字方塊 6"/>
+          <p:cNvSpPr txBox="1"/>
+          <p:nvPr/>
+        </p:nvSpPr>
+        <p:spPr>
+          <a:xfrm>
+            <a:off x="682111" y="3920067"/>
+            <a:ext cx="954107" cy="369332"/>
+          </a:xfrm>
+          <a:prstGeom prst="rect">
+            <a:avLst/>
+          </a:prstGeom>
+          <a:noFill/>
+        </p:spPr>
+        <p:txBody>
+          <a:bodyPr wrap="none" rtlCol="0">
+            <a:spAutoFit/>
+          </a:bodyPr>
+          <a:lstStyle/>
+          <a:p>
+            <a:r>
+              <a:rPr lang="en-US" altLang="zh-TW" dirty="0" smtClean="0"/>
+              <a:t>Data: X</a:t>
+            </a:r>
+            <a:endParaRPr lang="zh-TW" altLang="en-US" dirty="0"/>
+          </a:p>
+        </p:txBody>
+      </p:sp>
+      <p:graphicFrame>
+        <p:nvGraphicFramePr>
+          <p:cNvPr id="8" name="表格 7"/>
+          <p:cNvGraphicFramePr/>
+          <p:nvPr>
+            <p:extLst>
+              <p:ext uri="{D42A27DB-BD31-4B8C-83A1-F6EECF244321}">
+                <p14:modId xmlns:p14="http://schemas.microsoft.com/office/powerpoint/2010/main" val="699112820"/>
+              </p:ext>
+            </p:extLst>
+          </p:nvPr>
+        </p:nvGraphicFramePr>
+        <p:xfrm>
+          <a:off x="6118221" y="5000627"/>
+          <a:ext cx="2188155" cy="370840"/>
+        </p:xfrm>
+        <a:graphic>
+          <a:graphicData uri="http://schemas.openxmlformats.org/drawingml/2006/table">
+            <a:tbl>
+              <a:tblPr>
+                <a:tableStyleId>{5C22544A-7EE6-4342-B048-85BDC9FD1C3A}</a:tableStyleId>
+              </a:tblPr>
+              <a:tblGrid>
+                <a:gridCol w="2188155">
+                  <a:extLst>
+                    <a:ext uri="{9D8B030D-6E8A-4147-A177-3AD203B41FA5}">
+                      <a16:colId xmlns:a16="http://schemas.microsoft.com/office/drawing/2014/main" xmlns="" val="3452721396"/>
+                    </a:ext>
+                  </a:extLst>
+                </a:gridCol>
+              </a:tblGrid>
+              <a:tr h="370840">
+                <a:tc>
+                  <a:txBody>
+                    <a:bodyPr/>
+                    <a:lstStyle/>
+                    <a:p>
+                      <a:pPr algn="ctr"/>
+                      <a:r>
+                        <a:rPr lang="en-US" altLang="zh-TW" dirty="0" smtClean="0"/>
+                        <a:t>good</a:t>
+                      </a:r>
+                      <a:endParaRPr lang="zh-TW" altLang="en-US" dirty="0"/>
+                    </a:p>
+                  </a:txBody>
+                  <a:tcPr>
+                    <a:lnL w="12700" cap="flat" cmpd="sng" algn="ctr">
+                      <a:solidFill>
+                        <a:schemeClr val="tx1"/>
+                      </a:solidFill>
+                      <a:prstDash val="solid"/>
+                      <a:round/>
+                      <a:headEnd type="none" w="med" len="med"/>
+                      <a:tailEnd type="none" w="med" len="med"/>
+                    </a:lnL>
+                    <a:lnR w="12700" cap="flat" cmpd="sng" algn="ctr">
+                      <a:solidFill>
+                        <a:schemeClr val="tx1"/>
+                      </a:solidFill>
+                      <a:prstDash val="solid"/>
+                      <a:round/>
+                      <a:headEnd type="none" w="med" len="med"/>
+                      <a:tailEnd type="none" w="med" len="med"/>
+                    </a:lnR>
+                    <a:lnT w="12700" cap="flat" cmpd="sng" algn="ctr">
+                      <a:solidFill>
+                        <a:schemeClr val="tx1"/>
+                      </a:solidFill>
+                      <a:prstDash val="solid"/>
+                      <a:round/>
+                      <a:headEnd type="none" w="med" len="med"/>
+                      <a:tailEnd type="none" w="med" len="med"/>
+                    </a:lnT>
+                    <a:lnB w="12700" cap="flat" cmpd="sng" algn="ctr">
+                      <a:solidFill>
+                        <a:schemeClr val="tx1"/>
+                      </a:solidFill>
+                      <a:prstDash val="solid"/>
+                      <a:round/>
+                      <a:headEnd type="none" w="med" len="med"/>
+                      <a:tailEnd type="none" w="med" len="med"/>
+                    </a:lnB>
+                  </a:tcPr>
+                </a:tc>
+                <a:extLst>
+                  <a:ext uri="{0D108BD9-81ED-4DB2-BD59-A6C34878D82A}">
+                    <a16:rowId xmlns:a16="http://schemas.microsoft.com/office/drawing/2014/main" xmlns="" val="1687642106"/>
+                  </a:ext>
+                </a:extLst>
+              </a:tr>
+            </a:tbl>
+          </a:graphicData>
+        </a:graphic>
+      </p:graphicFrame>
+      <p:sp>
+        <p:nvSpPr>
+          <p:cNvPr id="9" name="文字方塊 8"/>
+          <p:cNvSpPr txBox="1"/>
+          <p:nvPr/>
+        </p:nvSpPr>
+        <p:spPr>
+          <a:xfrm>
+            <a:off x="6606667" y="4590562"/>
+            <a:ext cx="1116652" cy="369332"/>
+          </a:xfrm>
+          <a:prstGeom prst="rect">
+            <a:avLst/>
+          </a:prstGeom>
+          <a:noFill/>
+        </p:spPr>
+        <p:txBody>
+          <a:bodyPr wrap="none" rtlCol="0">
+            <a:spAutoFit/>
+          </a:bodyPr>
+          <a:lstStyle/>
+          <a:p>
+            <a:r>
+              <a:rPr lang="en-US" altLang="zh-TW" dirty="0" smtClean="0"/>
+              <a:t>Result: Y</a:t>
+            </a:r>
+            <a:endParaRPr lang="zh-TW" altLang="en-US" dirty="0"/>
+          </a:p>
+        </p:txBody>
+      </p:sp>
+      <p:sp>
+        <p:nvSpPr>
+          <p:cNvPr id="10" name="向右箭號 9"/>
+          <p:cNvSpPr/>
+          <p:nvPr/>
+        </p:nvSpPr>
+        <p:spPr>
+          <a:xfrm>
+            <a:off x="5067656" y="5073701"/>
+            <a:ext cx="675118" cy="280674"/>
+          </a:xfrm>
+          <a:prstGeom prst="rightArrow">
+            <a:avLst/>
+          </a:prstGeom>
+          <a:noFill/>
+        </p:spPr>
+        <p:style>
+          <a:lnRef idx="1">
+            <a:schemeClr val="dk1"/>
+          </a:lnRef>
+          <a:fillRef idx="3">
+            <a:schemeClr val="dk1"/>
+          </a:fillRef>
+          <a:effectRef idx="2">
+            <a:schemeClr val="dk1"/>
+          </a:effectRef>
+          <a:fontRef idx="minor">
+            <a:schemeClr val="lt1"/>
+          </a:fontRef>
+        </p:style>
+        <p:txBody>
+          <a:bodyPr rtlCol="0" anchor="ctr"/>
+          <a:lstStyle/>
+          <a:p>
+            <a:pPr algn="ctr"/>
+            <a:endParaRPr lang="zh-TW" altLang="en-US"/>
+          </a:p>
+        </p:txBody>
+      </p:sp>
+    </p:spTree>
+    <p:extLst>
+      <p:ext uri="{BB962C8B-B14F-4D97-AF65-F5344CB8AC3E}">
+        <p14:creationId xmlns:p14="http://schemas.microsoft.com/office/powerpoint/2010/main" val="3040030372"/>
+      </p:ext>
+    </p:extLst>
+  </p:cSld>
+  <p:clrMapOvr>
+    <a:masterClrMapping/>
+  </p:clrMapOvr>
+  <p:timing>
+    <p:tnLst>
+      <p:par>
+        <p:cTn id="1" dur="indefinite" restart="never" nodeType="tmRoot"/>
+      </p:par>
+    </p:tnLst>
+  </p:timing>
+</p:sld>
+</file>
+
+<file path=ppt/slides/slide20.xml><?xml version="1.0" encoding="utf-8"?>
 <p:sld xmlns:a="http://schemas.openxmlformats.org/drawingml/2006/main" xmlns:r="http://schemas.openxmlformats.org/officeDocument/2006/relationships" xmlns:p="http://schemas.openxmlformats.org/presentationml/2006/main">
   <p:cSld>
     <p:spTree>
@@ -13467,7 +14599,7 @@
     </p:spTree>
     <p:extLst>
       <p:ext uri="{BB962C8B-B14F-4D97-AF65-F5344CB8AC3E}">
-        <p14:creationId xmlns:p14="http://schemas.microsoft.com/office/powerpoint/2010/main" xmlns="" val="2631485282"/>
+        <p14:creationId xmlns:p14="http://schemas.microsoft.com/office/powerpoint/2010/main" val="2631485282"/>
       </p:ext>
     </p:extLst>
   </p:cSld>
@@ -14029,7 +15161,7 @@
 </p:sld>
 </file>
 
-<file path=ppt/slides/slide22.xml><?xml version="1.0" encoding="utf-8"?>
+<file path=ppt/slides/slide21.xml><?xml version="1.0" encoding="utf-8"?>
 <p:sld xmlns:a="http://schemas.openxmlformats.org/drawingml/2006/main" xmlns:r="http://schemas.openxmlformats.org/officeDocument/2006/relationships" xmlns:p="http://schemas.openxmlformats.org/presentationml/2006/main">
   <p:cSld>
     <p:spTree>
@@ -14414,7 +15546,7 @@
     </p:spTree>
     <p:extLst>
       <p:ext uri="{BB962C8B-B14F-4D97-AF65-F5344CB8AC3E}">
-        <p14:creationId xmlns:p14="http://schemas.microsoft.com/office/powerpoint/2010/main" xmlns="" val="2631485282"/>
+        <p14:creationId xmlns:p14="http://schemas.microsoft.com/office/powerpoint/2010/main" val="2631485282"/>
       </p:ext>
     </p:extLst>
   </p:cSld>
@@ -14431,7 +15563,7 @@
 </p:sld>
 </file>
 
-<file path=ppt/slides/slide23.xml><?xml version="1.0" encoding="utf-8"?>
+<file path=ppt/slides/slide22.xml><?xml version="1.0" encoding="utf-8"?>
 <p:sld xmlns:a="http://schemas.openxmlformats.org/drawingml/2006/main" xmlns:r="http://schemas.openxmlformats.org/officeDocument/2006/relationships" xmlns:p="http://schemas.openxmlformats.org/presentationml/2006/main">
   <p:cSld>
     <p:spTree>
@@ -15772,7 +16904,7 @@
     </p:spTree>
     <p:extLst>
       <p:ext uri="{BB962C8B-B14F-4D97-AF65-F5344CB8AC3E}">
-        <p14:creationId xmlns:p14="http://schemas.microsoft.com/office/powerpoint/2010/main" xmlns="" val="2631485282"/>
+        <p14:creationId xmlns:p14="http://schemas.microsoft.com/office/powerpoint/2010/main" val="2631485282"/>
       </p:ext>
     </p:extLst>
   </p:cSld>
@@ -15789,7 +16921,7 @@
 </p:sld>
 </file>
 
-<file path=ppt/slides/slide24.xml><?xml version="1.0" encoding="utf-8"?>
+<file path=ppt/slides/slide23.xml><?xml version="1.0" encoding="utf-8"?>
 <p:sld xmlns:a="http://schemas.openxmlformats.org/drawingml/2006/main" xmlns:r="http://schemas.openxmlformats.org/officeDocument/2006/relationships" xmlns:p="http://schemas.openxmlformats.org/presentationml/2006/main">
   <p:cSld>
     <p:spTree>
@@ -16148,7 +17280,7 @@
     </p:spTree>
     <p:extLst>
       <p:ext uri="{BB962C8B-B14F-4D97-AF65-F5344CB8AC3E}">
-        <p14:creationId xmlns:p14="http://schemas.microsoft.com/office/powerpoint/2010/main" xmlns="" val="2631485282"/>
+        <p14:creationId xmlns:p14="http://schemas.microsoft.com/office/powerpoint/2010/main" val="2631485282"/>
       </p:ext>
     </p:extLst>
   </p:cSld>
@@ -16165,7 +17297,7 @@
 </p:sld>
 </file>
 
-<file path=ppt/slides/slide25.xml><?xml version="1.0" encoding="utf-8"?>
+<file path=ppt/slides/slide24.xml><?xml version="1.0" encoding="utf-8"?>
 <p:sld xmlns:a="http://schemas.openxmlformats.org/drawingml/2006/main" xmlns:r="http://schemas.openxmlformats.org/officeDocument/2006/relationships" xmlns:p="http://schemas.openxmlformats.org/presentationml/2006/main">
   <p:cSld>
     <p:spTree>
@@ -16202,7 +17334,7 @@
                 <a:latin typeface="+mj-lt"/>
               </a:rPr>
               <a:pPr/>
-              <a:t>25</a:t>
+              <a:t>24</a:t>
             </a:fld>
             <a:endParaRPr lang="en-US" dirty="0">
               <a:latin typeface="+mj-lt"/>
@@ -16267,7 +17399,7 @@
     </p:spTree>
     <p:extLst>
       <p:ext uri="{BB962C8B-B14F-4D97-AF65-F5344CB8AC3E}">
-        <p14:creationId xmlns:p14="http://schemas.microsoft.com/office/powerpoint/2010/main" xmlns="" val="3598067464"/>
+        <p14:creationId xmlns:p14="http://schemas.microsoft.com/office/powerpoint/2010/main" val="3598067464"/>
       </p:ext>
     </p:extLst>
   </p:cSld>
@@ -16284,7 +17416,7 @@
 </p:sld>
 </file>
 
-<file path=ppt/slides/slide26.xml><?xml version="1.0" encoding="utf-8"?>
+<file path=ppt/slides/slide25.xml><?xml version="1.0" encoding="utf-8"?>
 <p:sld xmlns:a="http://schemas.openxmlformats.org/drawingml/2006/main" xmlns:r="http://schemas.openxmlformats.org/officeDocument/2006/relationships" xmlns:p="http://schemas.openxmlformats.org/presentationml/2006/main">
   <p:cSld>
     <p:spTree>
@@ -16714,7 +17846,7 @@
     </p:spTree>
     <p:extLst>
       <p:ext uri="{BB962C8B-B14F-4D97-AF65-F5344CB8AC3E}">
-        <p14:creationId xmlns:p14="http://schemas.microsoft.com/office/powerpoint/2010/main" xmlns="" val="1692470345"/>
+        <p14:creationId xmlns:p14="http://schemas.microsoft.com/office/powerpoint/2010/main" val="1692470345"/>
       </p:ext>
     </p:extLst>
   </p:cSld>
@@ -17601,7 +18733,7 @@
 </p:sld>
 </file>
 
-<file path=ppt/slides/slide3.xml><?xml version="1.0" encoding="utf-8"?>
+<file path=ppt/slides/slide26.xml><?xml version="1.0" encoding="utf-8"?>
 <p:sld xmlns:a="http://schemas.openxmlformats.org/drawingml/2006/main" xmlns:r="http://schemas.openxmlformats.org/officeDocument/2006/relationships" xmlns:p="http://schemas.openxmlformats.org/presentationml/2006/main">
   <p:cSld>
     <p:spTree>
@@ -17830,11 +18962,7 @@
           <a:p>
             <a:r>
               <a:rPr lang="en-US" altLang="zh-TW" dirty="0" smtClean="0"/>
-              <a:t>Computer </a:t>
-            </a:r>
-            <a:r>
-              <a:rPr lang="en-US" altLang="zh-TW" dirty="0" smtClean="0"/>
-              <a:t>sees…</a:t>
+              <a:t>Computer sees…</a:t>
             </a:r>
             <a:endParaRPr lang="zh-TW" altLang="en-US" dirty="0"/>
           </a:p>
@@ -30980,7 +32108,7 @@
     </p:spTree>
     <p:extLst>
       <p:ext uri="{BB962C8B-B14F-4D97-AF65-F5344CB8AC3E}">
-        <p14:creationId xmlns:p14="http://schemas.microsoft.com/office/powerpoint/2010/main" xmlns="" val="1692470345"/>
+        <p14:creationId xmlns:p14="http://schemas.microsoft.com/office/powerpoint/2010/main" val="1404139195"/>
       </p:ext>
     </p:extLst>
   </p:cSld>
@@ -31177,7 +32305,7 @@
 </p:sld>
 </file>
 
-<file path=ppt/slides/slide4.xml><?xml version="1.0" encoding="utf-8"?>
+<file path=ppt/slides/slide3.xml><?xml version="1.0" encoding="utf-8"?>
 <p:sld xmlns:a="http://schemas.openxmlformats.org/drawingml/2006/main" xmlns:r="http://schemas.openxmlformats.org/officeDocument/2006/relationships" xmlns:p="http://schemas.openxmlformats.org/presentationml/2006/main">
   <p:cSld>
     <p:spTree>
@@ -31194,9 +32322,128 @@
           <a:chExt cx="0" cy="0"/>
         </a:xfrm>
       </p:grpSpPr>
+      <p:sp>
+        <p:nvSpPr>
+          <p:cNvPr id="3" name="Content Placeholder 2"/>
+          <p:cNvSpPr>
+            <a:spLocks noGrp="1"/>
+          </p:cNvSpPr>
+          <p:nvPr>
+            <p:ph idx="1"/>
+          </p:nvPr>
+        </p:nvSpPr>
+        <p:spPr>
+          <a:xfrm>
+            <a:off x="228600" y="986319"/>
+            <a:ext cx="8689622" cy="763286"/>
+          </a:xfrm>
+        </p:spPr>
+        <p:txBody>
+          <a:bodyPr/>
+          <a:lstStyle/>
+          <a:p>
+            <a:pPr marL="1085850" lvl="1" indent="-342900">
+              <a:buNone/>
+            </a:pPr>
+            <a:endParaRPr lang="zh-TW" altLang="zh-TW" dirty="0" smtClean="0">
+              <a:latin typeface="+mj-lt"/>
+            </a:endParaRPr>
+          </a:p>
+          <a:p>
+            <a:pPr marL="1485900" lvl="2" indent="-342900">
+              <a:buFont typeface="Wingdings" panose="05000000000000000000" pitchFamily="2" charset="2"/>
+              <a:buChar char="Ø"/>
+            </a:pPr>
+            <a:endParaRPr lang="en-US" altLang="zh-TW" sz="1800" dirty="0">
+              <a:latin typeface="+mj-lt"/>
+            </a:endParaRPr>
+          </a:p>
+        </p:txBody>
+      </p:sp>
+      <p:sp>
+        <p:nvSpPr>
+          <p:cNvPr id="4" name="Title 3"/>
+          <p:cNvSpPr>
+            <a:spLocks noGrp="1"/>
+          </p:cNvSpPr>
+          <p:nvPr>
+            <p:ph type="title"/>
+          </p:nvPr>
+        </p:nvSpPr>
+        <p:spPr>
+          <a:xfrm>
+            <a:off x="228600" y="228600"/>
+            <a:ext cx="4533292" cy="492443"/>
+          </a:xfrm>
+        </p:spPr>
+        <p:txBody>
+          <a:bodyPr/>
+          <a:lstStyle/>
+          <a:p>
+            <a:pPr marL="342900" indent="-342900"/>
+            <a:r>
+              <a:rPr lang="en-US" altLang="zh-TW" sz="3200" dirty="0">
+                <a:solidFill>
+                  <a:schemeClr val="tx1"/>
+                </a:solidFill>
+                <a:latin typeface="+mj-lt"/>
+              </a:rPr>
+              <a:t>Binary classifier example</a:t>
+            </a:r>
+          </a:p>
+        </p:txBody>
+      </p:sp>
+      <p:sp>
+        <p:nvSpPr>
+          <p:cNvPr id="5" name="Content Placeholder 2"/>
+          <p:cNvSpPr txBox="1">
+            <a:spLocks/>
+          </p:cNvSpPr>
+          <p:nvPr/>
+        </p:nvSpPr>
+        <p:spPr>
+          <a:xfrm>
+            <a:off x="228600" y="986319"/>
+            <a:ext cx="8689622" cy="369332"/>
+          </a:xfrm>
+          <a:prstGeom prst="rect">
+            <a:avLst/>
+          </a:prstGeom>
+        </p:spPr>
+        <p:txBody>
+          <a:bodyPr vert="horz" wrap="square" lIns="0" tIns="0" rIns="0" bIns="0" rtlCol="0" anchor="t">
+            <a:spAutoFit/>
+          </a:bodyPr>
+          <a:lstStyle/>
+          <a:p>
+            <a:pPr marL="1200150" lvl="1" indent="-457200">
+              <a:spcBef>
+                <a:spcPct val="20000"/>
+              </a:spcBef>
+              <a:buFont typeface="Wingdings" pitchFamily="2" charset="2"/>
+              <a:buChar char="l"/>
+              <a:defRPr/>
+            </a:pPr>
+            <a:endParaRPr kumimoji="0" lang="en-US" altLang="zh-TW" sz="2400" b="0" i="0" u="none" strike="noStrike" kern="1200" cap="none" spc="0" normalizeH="0" baseline="0" noProof="0" dirty="0" smtClean="0">
+              <a:ln>
+                <a:noFill/>
+              </a:ln>
+              <a:solidFill>
+                <a:schemeClr val="tx1"/>
+              </a:solidFill>
+              <a:effectLst/>
+              <a:uLnTx/>
+              <a:uFillTx/>
+              <a:latin typeface="+mn-lt"/>
+              <a:ea typeface="+mn-ea"/>
+              <a:cs typeface="+mn-cs"/>
+            </a:endParaRPr>
+          </a:p>
+        </p:txBody>
+      </p:sp>
       <p:pic>
         <p:nvPicPr>
-          <p:cNvPr id="41991" name="Picture 7" descr="D:\ComputerVision\Github\AdaBoostExample\Presentation\Positive.png"/>
+          <p:cNvPr id="14" name="Picture 2" descr="C:\Users\LiangLeon\Pictures\GARMIN\BinaryClassifier_1.png"/>
           <p:cNvPicPr>
             <a:picLocks noChangeAspect="1" noChangeArrowheads="1"/>
           </p:cNvPicPr>
@@ -31211,8 +32458,8 @@
         </p:blipFill>
         <p:spPr bwMode="auto">
           <a:xfrm>
-            <a:off x="176981" y="997283"/>
-            <a:ext cx="5300151" cy="2650075"/>
+            <a:off x="176213" y="1227138"/>
+            <a:ext cx="6975123" cy="5197257"/>
           </a:xfrm>
           <a:prstGeom prst="rect">
             <a:avLst/>
@@ -31220,87 +32467,24 @@
           <a:noFill/>
         </p:spPr>
       </p:pic>
-      <p:pic>
-        <p:nvPicPr>
-          <p:cNvPr id="41992" name="Picture 8" descr="D:\ComputerVision\Github\AdaBoostExample\Presentation\Negative.png"/>
-          <p:cNvPicPr>
-            <a:picLocks noChangeAspect="1" noChangeArrowheads="1"/>
-          </p:cNvPicPr>
-          <p:nvPr/>
-        </p:nvPicPr>
-        <p:blipFill>
-          <a:blip r:embed="rId4"/>
-          <a:srcRect/>
-          <a:stretch>
-            <a:fillRect/>
-          </a:stretch>
-        </p:blipFill>
-        <p:spPr bwMode="auto">
-          <a:xfrm>
-            <a:off x="176981" y="3785010"/>
-            <a:ext cx="5300151" cy="2650075"/>
-          </a:xfrm>
-          <a:prstGeom prst="rect">
-            <a:avLst/>
-          </a:prstGeom>
-          <a:noFill/>
-        </p:spPr>
-      </p:pic>
-      <p:sp>
-        <p:nvSpPr>
-          <p:cNvPr id="25" name="Title 3"/>
-          <p:cNvSpPr>
-            <a:spLocks noGrp="1"/>
-          </p:cNvSpPr>
-          <p:nvPr>
-            <p:ph type="title"/>
-          </p:nvPr>
-        </p:nvSpPr>
-        <p:spPr>
-          <a:xfrm>
-            <a:off x="228600" y="228600"/>
-            <a:ext cx="6214843" cy="492443"/>
-          </a:xfrm>
-        </p:spPr>
-        <p:txBody>
-          <a:bodyPr/>
-          <a:lstStyle/>
-          <a:p>
-            <a:pPr marL="342900" indent="-342900"/>
-            <a:r>
-              <a:rPr lang="en-US" altLang="zh-TW" sz="3200" dirty="0" smtClean="0">
-                <a:solidFill>
-                  <a:schemeClr val="tx1"/>
-                </a:solidFill>
-                <a:latin typeface="+mj-lt"/>
-              </a:rPr>
-              <a:t>Learn from label data(supervised)</a:t>
-            </a:r>
-            <a:endParaRPr lang="en-US" altLang="zh-TW" sz="3200" dirty="0">
-              <a:solidFill>
-                <a:schemeClr val="tx1"/>
-              </a:solidFill>
-              <a:latin typeface="+mj-lt"/>
-            </a:endParaRPr>
-          </a:p>
-        </p:txBody>
-      </p:sp>
       <p:cxnSp>
         <p:nvCxnSpPr>
-          <p:cNvPr id="6" name="直線單箭頭接點 5"/>
+          <p:cNvPr id="16" name="直線接點 15"/>
           <p:cNvCxnSpPr/>
           <p:nvPr/>
         </p:nvCxnSpPr>
         <p:spPr>
-          <a:xfrm>
-            <a:off x="5791200" y="2472267"/>
-            <a:ext cx="956733" cy="0"/>
+          <a:xfrm flipH="1">
+            <a:off x="2184400" y="1347184"/>
+            <a:ext cx="3581401" cy="4799616"/>
           </a:xfrm>
-          <a:prstGeom prst="straightConnector1">
+          <a:prstGeom prst="line">
             <a:avLst/>
           </a:prstGeom>
           <a:ln>
-            <a:tailEnd type="arrow"/>
+            <a:solidFill>
+              <a:schemeClr val="tx1"/>
+            </a:solidFill>
           </a:ln>
           <a:effectLst/>
         </p:spPr>
@@ -31319,22 +32503,313 @@
           </a:fontRef>
         </p:style>
       </p:cxnSp>
+      <p:pic>
+        <p:nvPicPr>
+          <p:cNvPr id="4102" name="Picture 6"/>
+          <p:cNvPicPr>
+            <a:picLocks noChangeAspect="1" noChangeArrowheads="1"/>
+          </p:cNvPicPr>
+          <p:nvPr/>
+        </p:nvPicPr>
+        <p:blipFill>
+          <a:blip r:embed="rId4"/>
+          <a:srcRect/>
+          <a:stretch>
+            <a:fillRect/>
+          </a:stretch>
+        </p:blipFill>
+        <p:spPr bwMode="auto">
+          <a:xfrm>
+            <a:off x="7342611" y="1391955"/>
+            <a:ext cx="338667" cy="387048"/>
+          </a:xfrm>
+          <a:prstGeom prst="rect">
+            <a:avLst/>
+          </a:prstGeom>
+          <a:noFill/>
+          <a:ln w="9525">
+            <a:noFill/>
+            <a:miter lim="800000"/>
+            <a:headEnd/>
+            <a:tailEnd/>
+          </a:ln>
+        </p:spPr>
+      </p:pic>
+      <p:pic>
+        <p:nvPicPr>
+          <p:cNvPr id="4103" name="Picture 7"/>
+          <p:cNvPicPr>
+            <a:picLocks noChangeAspect="1" noChangeArrowheads="1"/>
+          </p:cNvPicPr>
+          <p:nvPr/>
+        </p:nvPicPr>
+        <p:blipFill>
+          <a:blip r:embed="rId5"/>
+          <a:srcRect/>
+          <a:stretch>
+            <a:fillRect/>
+          </a:stretch>
+        </p:blipFill>
+        <p:spPr bwMode="auto">
+          <a:xfrm>
+            <a:off x="7342611" y="1746351"/>
+            <a:ext cx="338667" cy="378510"/>
+          </a:xfrm>
+          <a:prstGeom prst="rect">
+            <a:avLst/>
+          </a:prstGeom>
+          <a:noFill/>
+          <a:ln w="9525">
+            <a:noFill/>
+            <a:miter lim="800000"/>
+            <a:headEnd/>
+            <a:tailEnd/>
+          </a:ln>
+        </p:spPr>
+      </p:pic>
       <p:sp>
         <p:nvSpPr>
-          <p:cNvPr id="7" name="矩形 6"/>
+          <p:cNvPr id="21" name="文字方塊 20"/>
+          <p:cNvSpPr txBox="1"/>
+          <p:nvPr/>
+        </p:nvSpPr>
+        <p:spPr>
+          <a:xfrm>
+            <a:off x="7852191" y="1383962"/>
+            <a:ext cx="447558" cy="369332"/>
+          </a:xfrm>
+          <a:prstGeom prst="rect">
+            <a:avLst/>
+          </a:prstGeom>
+          <a:noFill/>
+        </p:spPr>
+        <p:txBody>
+          <a:bodyPr wrap="none" rtlCol="0">
+            <a:spAutoFit/>
+          </a:bodyPr>
+          <a:lstStyle/>
+          <a:p>
+            <a:r>
+              <a:rPr lang="en-US" altLang="zh-TW" dirty="0" smtClean="0"/>
+              <a:t>+1</a:t>
+            </a:r>
+            <a:endParaRPr lang="zh-TW" altLang="en-US" dirty="0"/>
+          </a:p>
+        </p:txBody>
+      </p:sp>
+      <p:sp>
+        <p:nvSpPr>
+          <p:cNvPr id="22" name="文字方塊 21"/>
+          <p:cNvSpPr txBox="1"/>
+          <p:nvPr/>
+        </p:nvSpPr>
+        <p:spPr>
+          <a:xfrm>
+            <a:off x="7905056" y="1707086"/>
+            <a:ext cx="389850" cy="369332"/>
+          </a:xfrm>
+          <a:prstGeom prst="rect">
+            <a:avLst/>
+          </a:prstGeom>
+          <a:noFill/>
+        </p:spPr>
+        <p:txBody>
+          <a:bodyPr wrap="none" rtlCol="0">
+            <a:spAutoFit/>
+          </a:bodyPr>
+          <a:lstStyle/>
+          <a:p>
+            <a:r>
+              <a:rPr lang="en-US" altLang="zh-TW" dirty="0" smtClean="0"/>
+              <a:t>-1</a:t>
+            </a:r>
+            <a:endParaRPr lang="zh-TW" altLang="en-US" dirty="0"/>
+          </a:p>
+        </p:txBody>
+      </p:sp>
+    </p:spTree>
+    <p:extLst>
+      <p:ext uri="{BB962C8B-B14F-4D97-AF65-F5344CB8AC3E}">
+        <p14:creationId xmlns:p14="http://schemas.microsoft.com/office/powerpoint/2010/main" val="636739009"/>
+      </p:ext>
+    </p:extLst>
+  </p:cSld>
+  <p:clrMapOvr>
+    <a:masterClrMapping/>
+  </p:clrMapOvr>
+  <p:timing>
+    <p:tnLst>
+      <p:par>
+        <p:cTn id="1" dur="indefinite" restart="never" nodeType="tmRoot"/>
+      </p:par>
+    </p:tnLst>
+  </p:timing>
+</p:sld>
+</file>
+
+<file path=ppt/slides/slide4.xml><?xml version="1.0" encoding="utf-8"?>
+<p:sld xmlns:a="http://schemas.openxmlformats.org/drawingml/2006/main" xmlns:r="http://schemas.openxmlformats.org/officeDocument/2006/relationships" xmlns:p="http://schemas.openxmlformats.org/presentationml/2006/main">
+  <p:cSld>
+    <p:spTree>
+      <p:nvGrpSpPr>
+        <p:cNvPr id="1" name=""/>
+        <p:cNvGrpSpPr/>
+        <p:nvPr/>
+      </p:nvGrpSpPr>
+      <p:grpSpPr>
+        <a:xfrm>
+          <a:off x="0" y="0"/>
+          <a:ext cx="0" cy="0"/>
+          <a:chOff x="0" y="0"/>
+          <a:chExt cx="0" cy="0"/>
+        </a:xfrm>
+      </p:grpSpPr>
+      <p:sp>
+        <p:nvSpPr>
+          <p:cNvPr id="4" name="Title 3"/>
+          <p:cNvSpPr>
+            <a:spLocks noGrp="1"/>
+          </p:cNvSpPr>
+          <p:nvPr>
+            <p:ph type="title"/>
+          </p:nvPr>
+        </p:nvSpPr>
+        <p:spPr>
+          <a:xfrm>
+            <a:off x="228600" y="228600"/>
+            <a:ext cx="2483052" cy="492443"/>
+          </a:xfrm>
+        </p:spPr>
+        <p:txBody>
+          <a:bodyPr/>
+          <a:lstStyle/>
+          <a:p>
+            <a:r>
+              <a:rPr lang="en-US" altLang="zh-TW" sz="3200" dirty="0" smtClean="0">
+                <a:solidFill>
+                  <a:schemeClr val="tx1"/>
+                </a:solidFill>
+              </a:rPr>
+              <a:t>Human vision</a:t>
+            </a:r>
+            <a:endParaRPr lang="en-US" sz="3200" b="0" dirty="0">
+              <a:solidFill>
+                <a:schemeClr val="tx1"/>
+              </a:solidFill>
+              <a:latin typeface="+mj-lt"/>
+            </a:endParaRPr>
+          </a:p>
+        </p:txBody>
+      </p:sp>
+      <p:pic>
+        <p:nvPicPr>
+          <p:cNvPr id="18" name="Picture 6"/>
+          <p:cNvPicPr>
+            <a:picLocks noChangeAspect="1" noChangeArrowheads="1"/>
+          </p:cNvPicPr>
+          <p:nvPr/>
+        </p:nvPicPr>
+        <p:blipFill>
+          <a:blip r:embed="rId3"/>
+          <a:srcRect/>
+          <a:stretch>
+            <a:fillRect/>
+          </a:stretch>
+        </p:blipFill>
+        <p:spPr bwMode="auto">
+          <a:xfrm>
+            <a:off x="731623" y="1905000"/>
+            <a:ext cx="3796388" cy="3270490"/>
+          </a:xfrm>
+          <a:prstGeom prst="rect">
+            <a:avLst/>
+          </a:prstGeom>
+          <a:noFill/>
+          <a:ln w="9525">
+            <a:noFill/>
+            <a:miter lim="800000"/>
+            <a:headEnd/>
+            <a:tailEnd/>
+          </a:ln>
+        </p:spPr>
+      </p:pic>
+      <p:sp>
+        <p:nvSpPr>
+          <p:cNvPr id="20" name="文字方塊 19"/>
+          <p:cNvSpPr txBox="1"/>
+          <p:nvPr/>
+        </p:nvSpPr>
+        <p:spPr>
+          <a:xfrm>
+            <a:off x="731623" y="1397000"/>
+            <a:ext cx="1505540" cy="369332"/>
+          </a:xfrm>
+          <a:prstGeom prst="rect">
+            <a:avLst/>
+          </a:prstGeom>
+          <a:noFill/>
+        </p:spPr>
+        <p:txBody>
+          <a:bodyPr wrap="none" rtlCol="0">
+            <a:spAutoFit/>
+          </a:bodyPr>
+          <a:lstStyle/>
+          <a:p>
+            <a:r>
+              <a:rPr lang="en-US" altLang="zh-TW" dirty="0" smtClean="0"/>
+              <a:t>What is this?</a:t>
+            </a:r>
+            <a:endParaRPr lang="zh-TW" altLang="en-US" dirty="0"/>
+          </a:p>
+        </p:txBody>
+      </p:sp>
+      <p:pic>
+        <p:nvPicPr>
+          <p:cNvPr id="51202" name="Picture 2" descr="https://encrypted-tbn2.gstatic.com/images?q=tbn:ANd9GcT7s2G9mEsm95u-IZODLMdIiCIv_QWDC5FdhKkl5SOHCfcYMuldBw"/>
+          <p:cNvPicPr>
+            <a:picLocks noChangeAspect="1" noChangeArrowheads="1"/>
+          </p:cNvPicPr>
+          <p:nvPr/>
+        </p:nvPicPr>
+        <p:blipFill>
+          <a:blip r:embed="rId4"/>
+          <a:srcRect/>
+          <a:stretch>
+            <a:fillRect/>
+          </a:stretch>
+        </p:blipFill>
+        <p:spPr bwMode="auto">
+          <a:xfrm flipH="1">
+            <a:off x="4756526" y="2278249"/>
+            <a:ext cx="2974045" cy="2753302"/>
+          </a:xfrm>
+          <a:prstGeom prst="rect">
+            <a:avLst/>
+          </a:prstGeom>
+          <a:noFill/>
+        </p:spPr>
+      </p:pic>
+      <p:sp>
+        <p:nvSpPr>
+          <p:cNvPr id="24" name="直線圖說文字 1 (無框線) 23"/>
           <p:cNvSpPr/>
           <p:nvPr/>
         </p:nvSpPr>
         <p:spPr>
           <a:xfrm>
-            <a:off x="6951133" y="2129367"/>
-            <a:ext cx="1490134" cy="685800"/>
+            <a:off x="6925728" y="1622393"/>
+            <a:ext cx="2091272" cy="468868"/>
           </a:xfrm>
-          <a:prstGeom prst="rect">
-            <a:avLst/>
+          <a:prstGeom prst="callout1">
+            <a:avLst>
+              <a:gd name="adj1" fmla="val 94592"/>
+              <a:gd name="adj2" fmla="val 42679"/>
+              <a:gd name="adj3" fmla="val 217235"/>
+              <a:gd name="adj4" fmla="val -10783"/>
+            </a:avLst>
           </a:prstGeom>
           <a:noFill/>
-          <a:ln w="31750"/>
+          <a:ln w="22225" cmpd="sng"/>
           <a:effectLst/>
         </p:spPr>
         <p:style>
@@ -31362,9 +32837,9 @@
                   <a:schemeClr val="tx1"/>
                 </a:solidFill>
               </a:rPr>
-              <a:t>Cars</a:t>
+              <a:t>Classification skill</a:t>
             </a:r>
-            <a:endParaRPr lang="zh-TW" altLang="en-US" dirty="0">
+            <a:endParaRPr lang="zh-TW" altLang="en-US" dirty="0" smtClean="0">
               <a:solidFill>
                 <a:schemeClr val="tx1"/>
               </a:solidFill>
@@ -31372,97 +32847,40 @@
           </a:p>
         </p:txBody>
       </p:sp>
-      <p:cxnSp>
-        <p:nvCxnSpPr>
-          <p:cNvPr id="8" name="直線單箭頭接點 7"/>
-          <p:cNvCxnSpPr/>
-          <p:nvPr/>
-        </p:nvCxnSpPr>
-        <p:spPr>
-          <a:xfrm>
-            <a:off x="5740400" y="4961467"/>
-            <a:ext cx="956733" cy="0"/>
-          </a:xfrm>
-          <a:prstGeom prst="straightConnector1">
-            <a:avLst/>
-          </a:prstGeom>
-          <a:ln>
-            <a:tailEnd type="arrow"/>
-          </a:ln>
-          <a:effectLst/>
-        </p:spPr>
-        <p:style>
-          <a:lnRef idx="2">
-            <a:schemeClr val="accent1"/>
-          </a:lnRef>
-          <a:fillRef idx="0">
-            <a:schemeClr val="accent1"/>
-          </a:fillRef>
-          <a:effectRef idx="1">
-            <a:schemeClr val="accent1"/>
-          </a:effectRef>
-          <a:fontRef idx="minor">
-            <a:schemeClr val="tx1"/>
-          </a:fontRef>
-        </p:style>
-      </p:cxnSp>
       <p:sp>
         <p:nvSpPr>
-          <p:cNvPr id="9" name="矩形 8"/>
+          <p:cNvPr id="26" name="矩形 25"/>
           <p:cNvSpPr/>
           <p:nvPr/>
         </p:nvSpPr>
         <p:spPr>
           <a:xfrm>
-            <a:off x="6951133" y="4618567"/>
-            <a:ext cx="1490134" cy="685800"/>
+            <a:off x="806479" y="5436954"/>
+            <a:ext cx="7443064" cy="523220"/>
           </a:xfrm>
           <a:prstGeom prst="rect">
             <a:avLst/>
           </a:prstGeom>
-          <a:noFill/>
-          <a:ln w="31750"/>
-          <a:effectLst/>
         </p:spPr>
-        <p:style>
-          <a:lnRef idx="1">
-            <a:schemeClr val="accent1"/>
-          </a:lnRef>
-          <a:fillRef idx="3">
-            <a:schemeClr val="accent1"/>
-          </a:fillRef>
-          <a:effectRef idx="2">
-            <a:schemeClr val="accent1"/>
-          </a:effectRef>
-          <a:fontRef idx="minor">
-            <a:schemeClr val="lt1"/>
-          </a:fontRef>
-        </p:style>
         <p:txBody>
-          <a:bodyPr rtlCol="0" anchor="ctr"/>
+          <a:bodyPr wrap="none">
+            <a:spAutoFit/>
+          </a:bodyPr>
           <a:lstStyle/>
           <a:p>
             <a:pPr algn="ctr"/>
             <a:r>
-              <a:rPr lang="en-US" altLang="zh-TW" dirty="0" smtClean="0">
-                <a:solidFill>
-                  <a:schemeClr val="tx1"/>
-                </a:solidFill>
-              </a:rPr>
-              <a:t>Background</a:t>
+              <a:rPr lang="en-US" altLang="zh-TW" sz="2800" dirty="0" smtClean="0"/>
+              <a:t>Hard to program the human classification skill</a:t>
             </a:r>
-            <a:endParaRPr lang="zh-TW" altLang="en-US" dirty="0">
-              <a:solidFill>
-                <a:schemeClr val="tx1"/>
-              </a:solidFill>
-            </a:endParaRPr>
+            <a:endParaRPr lang="zh-TW" altLang="en-US" sz="2800" dirty="0" smtClean="0"/>
           </a:p>
         </p:txBody>
       </p:sp>
     </p:spTree>
     <p:extLst>
       <p:ext uri="{BB962C8B-B14F-4D97-AF65-F5344CB8AC3E}">
-        <p14:creationId xmlns:p14="http://schemas.microsoft.com/office/powerpoint/2010/main" xmlns="" val="1692470345"/>
+        <p14:creationId xmlns:p14="http://schemas.microsoft.com/office/powerpoint/2010/main" val="1692470345"/>
       </p:ext>
     </p:extLst>
   </p:cSld>
@@ -31472,9 +32890,165 @@
   <p:timing>
     <p:tnLst>
       <p:par>
-        <p:cTn id="1" dur="indefinite" restart="never" nodeType="tmRoot"/>
+        <p:cTn id="1" dur="indefinite" restart="never" nodeType="tmRoot">
+          <p:childTnLst>
+            <p:seq concurrent="1" nextAc="seek">
+              <p:cTn id="2" dur="indefinite" nodeType="mainSeq">
+                <p:childTnLst>
+                  <p:par>
+                    <p:cTn id="3" fill="hold">
+                      <p:stCondLst>
+                        <p:cond delay="indefinite"/>
+                      </p:stCondLst>
+                      <p:childTnLst>
+                        <p:par>
+                          <p:cTn id="4" fill="hold">
+                            <p:stCondLst>
+                              <p:cond delay="0"/>
+                            </p:stCondLst>
+                            <p:childTnLst>
+                              <p:par>
+                                <p:cTn id="5" presetID="1" presetClass="entr" presetSubtype="0" fill="hold" nodeType="clickEffect">
+                                  <p:stCondLst>
+                                    <p:cond delay="0"/>
+                                  </p:stCondLst>
+                                  <p:childTnLst>
+                                    <p:set>
+                                      <p:cBhvr>
+                                        <p:cTn id="6" dur="1" fill="hold">
+                                          <p:stCondLst>
+                                            <p:cond delay="0"/>
+                                          </p:stCondLst>
+                                        </p:cTn>
+                                        <p:tgtEl>
+                                          <p:spTgt spid="51202"/>
+                                        </p:tgtEl>
+                                        <p:attrNameLst>
+                                          <p:attrName>style.visibility</p:attrName>
+                                        </p:attrNameLst>
+                                      </p:cBhvr>
+                                      <p:to>
+                                        <p:strVal val="visible"/>
+                                      </p:to>
+                                    </p:set>
+                                  </p:childTnLst>
+                                </p:cTn>
+                              </p:par>
+                            </p:childTnLst>
+                          </p:cTn>
+                        </p:par>
+                        <p:par>
+                          <p:cTn id="7" fill="hold">
+                            <p:stCondLst>
+                              <p:cond delay="0"/>
+                            </p:stCondLst>
+                            <p:childTnLst>
+                              <p:par>
+                                <p:cTn id="8" presetID="1" presetClass="entr" presetSubtype="0" fill="hold" grpId="0" nodeType="afterEffect">
+                                  <p:stCondLst>
+                                    <p:cond delay="0"/>
+                                  </p:stCondLst>
+                                  <p:childTnLst>
+                                    <p:set>
+                                      <p:cBhvr>
+                                        <p:cTn id="9" dur="1" fill="hold">
+                                          <p:stCondLst>
+                                            <p:cond delay="0"/>
+                                          </p:stCondLst>
+                                        </p:cTn>
+                                        <p:tgtEl>
+                                          <p:spTgt spid="24"/>
+                                        </p:tgtEl>
+                                        <p:attrNameLst>
+                                          <p:attrName>style.visibility</p:attrName>
+                                        </p:attrNameLst>
+                                      </p:cBhvr>
+                                      <p:to>
+                                        <p:strVal val="visible"/>
+                                      </p:to>
+                                    </p:set>
+                                  </p:childTnLst>
+                                </p:cTn>
+                              </p:par>
+                            </p:childTnLst>
+                          </p:cTn>
+                        </p:par>
+                      </p:childTnLst>
+                    </p:cTn>
+                  </p:par>
+                  <p:par>
+                    <p:cTn id="10" fill="hold">
+                      <p:stCondLst>
+                        <p:cond delay="indefinite"/>
+                      </p:stCondLst>
+                      <p:childTnLst>
+                        <p:par>
+                          <p:cTn id="11" fill="hold">
+                            <p:stCondLst>
+                              <p:cond delay="0"/>
+                            </p:stCondLst>
+                            <p:childTnLst>
+                              <p:par>
+                                <p:cTn id="12" presetID="1" presetClass="entr" presetSubtype="0" fill="hold" nodeType="clickEffect">
+                                  <p:stCondLst>
+                                    <p:cond delay="0"/>
+                                  </p:stCondLst>
+                                  <p:childTnLst>
+                                    <p:set>
+                                      <p:cBhvr>
+                                        <p:cTn id="13" dur="1" fill="hold">
+                                          <p:stCondLst>
+                                            <p:cond delay="0"/>
+                                          </p:stCondLst>
+                                        </p:cTn>
+                                        <p:tgtEl>
+                                          <p:spTgt spid="26">
+                                            <p:txEl>
+                                              <p:pRg st="0" end="0"/>
+                                            </p:txEl>
+                                          </p:spTgt>
+                                        </p:tgtEl>
+                                        <p:attrNameLst>
+                                          <p:attrName>style.visibility</p:attrName>
+                                        </p:attrNameLst>
+                                      </p:cBhvr>
+                                      <p:to>
+                                        <p:strVal val="visible"/>
+                                      </p:to>
+                                    </p:set>
+                                  </p:childTnLst>
+                                </p:cTn>
+                              </p:par>
+                            </p:childTnLst>
+                          </p:cTn>
+                        </p:par>
+                      </p:childTnLst>
+                    </p:cTn>
+                  </p:par>
+                </p:childTnLst>
+              </p:cTn>
+              <p:prevCondLst>
+                <p:cond evt="onPrev" delay="0">
+                  <p:tgtEl>
+                    <p:sldTgt/>
+                  </p:tgtEl>
+                </p:cond>
+              </p:prevCondLst>
+              <p:nextCondLst>
+                <p:cond evt="onNext" delay="0">
+                  <p:tgtEl>
+                    <p:sldTgt/>
+                  </p:tgtEl>
+                </p:cond>
+              </p:nextCondLst>
+            </p:seq>
+          </p:childTnLst>
+        </p:cTn>
       </p:par>
     </p:tnLst>
+    <p:bldLst>
+      <p:bldP spid="24" grpId="0" animBg="1"/>
+    </p:bldLst>
   </p:timing>
 </p:sld>
 </file>
@@ -31751,11 +33325,7 @@
             <a:pPr algn="ctr"/>
             <a:r>
               <a:rPr lang="en-US" altLang="zh-TW" dirty="0" smtClean="0"/>
-              <a:t>Classification </a:t>
-            </a:r>
-            <a:r>
-              <a:rPr lang="en-US" altLang="zh-TW" dirty="0" smtClean="0"/>
-              <a:t>skill</a:t>
+              <a:t>Classification skill</a:t>
             </a:r>
           </a:p>
           <a:p>
@@ -32199,7 +33769,7 @@
     </p:spTree>
     <p:extLst>
       <p:ext uri="{BB962C8B-B14F-4D97-AF65-F5344CB8AC3E}">
-        <p14:creationId xmlns:p14="http://schemas.microsoft.com/office/powerpoint/2010/main" xmlns="" val="3040030372"/>
+        <p14:creationId xmlns:p14="http://schemas.microsoft.com/office/powerpoint/2010/main" val="3040030372"/>
       </p:ext>
     </p:extLst>
   </p:cSld>
@@ -32233,47 +33803,61 @@
           <a:chExt cx="0" cy="0"/>
         </a:xfrm>
       </p:grpSpPr>
+      <p:pic>
+        <p:nvPicPr>
+          <p:cNvPr id="41991" name="Picture 7" descr="D:\ComputerVision\Github\AdaBoostExample\Presentation\Positive.png"/>
+          <p:cNvPicPr>
+            <a:picLocks noChangeAspect="1" noChangeArrowheads="1"/>
+          </p:cNvPicPr>
+          <p:nvPr/>
+        </p:nvPicPr>
+        <p:blipFill>
+          <a:blip r:embed="rId3"/>
+          <a:srcRect/>
+          <a:stretch>
+            <a:fillRect/>
+          </a:stretch>
+        </p:blipFill>
+        <p:spPr bwMode="auto">
+          <a:xfrm>
+            <a:off x="176981" y="997283"/>
+            <a:ext cx="5300151" cy="2650075"/>
+          </a:xfrm>
+          <a:prstGeom prst="rect">
+            <a:avLst/>
+          </a:prstGeom>
+          <a:noFill/>
+        </p:spPr>
+      </p:pic>
+      <p:pic>
+        <p:nvPicPr>
+          <p:cNvPr id="41992" name="Picture 8" descr="D:\ComputerVision\Github\AdaBoostExample\Presentation\Negative.png"/>
+          <p:cNvPicPr>
+            <a:picLocks noChangeAspect="1" noChangeArrowheads="1"/>
+          </p:cNvPicPr>
+          <p:nvPr/>
+        </p:nvPicPr>
+        <p:blipFill>
+          <a:blip r:embed="rId4"/>
+          <a:srcRect/>
+          <a:stretch>
+            <a:fillRect/>
+          </a:stretch>
+        </p:blipFill>
+        <p:spPr bwMode="auto">
+          <a:xfrm>
+            <a:off x="176981" y="3785010"/>
+            <a:ext cx="5300151" cy="2650075"/>
+          </a:xfrm>
+          <a:prstGeom prst="rect">
+            <a:avLst/>
+          </a:prstGeom>
+          <a:noFill/>
+        </p:spPr>
+      </p:pic>
       <p:sp>
         <p:nvSpPr>
-          <p:cNvPr id="3" name="Content Placeholder 2"/>
-          <p:cNvSpPr>
-            <a:spLocks noGrp="1"/>
-          </p:cNvSpPr>
-          <p:nvPr>
-            <p:ph idx="1"/>
-          </p:nvPr>
-        </p:nvSpPr>
-        <p:spPr>
-          <a:xfrm>
-            <a:off x="228600" y="986319"/>
-            <a:ext cx="8689622" cy="763286"/>
-          </a:xfrm>
-        </p:spPr>
-        <p:txBody>
-          <a:bodyPr/>
-          <a:lstStyle/>
-          <a:p>
-            <a:pPr marL="1085850" lvl="1" indent="-342900">
-              <a:buNone/>
-            </a:pPr>
-            <a:endParaRPr lang="zh-TW" altLang="zh-TW" dirty="0" smtClean="0">
-              <a:latin typeface="+mj-lt"/>
-            </a:endParaRPr>
-          </a:p>
-          <a:p>
-            <a:pPr marL="1485900" lvl="2" indent="-342900">
-              <a:buFont typeface="Wingdings" panose="05000000000000000000" pitchFamily="2" charset="2"/>
-              <a:buChar char="Ø"/>
-            </a:pPr>
-            <a:endParaRPr lang="en-US" altLang="zh-TW" sz="1800" dirty="0">
-              <a:latin typeface="+mj-lt"/>
-            </a:endParaRPr>
-          </a:p>
-        </p:txBody>
-      </p:sp>
-      <p:sp>
-        <p:nvSpPr>
-          <p:cNvPr id="4" name="Title 3"/>
+          <p:cNvPr id="25" name="Title 3"/>
           <p:cNvSpPr>
             <a:spLocks noGrp="1"/>
           </p:cNvSpPr>
@@ -32284,7 +33868,7 @@
         <p:spPr>
           <a:xfrm>
             <a:off x="228600" y="228600"/>
-            <a:ext cx="2870979" cy="492443"/>
+            <a:ext cx="6214843" cy="492443"/>
           </a:xfrm>
         </p:spPr>
         <p:txBody>
@@ -32299,7 +33883,7 @@
                 </a:solidFill>
                 <a:latin typeface="+mj-lt"/>
               </a:rPr>
-              <a:t>Binary classifier</a:t>
+              <a:t>Learn from label data(supervised)</a:t>
             </a:r>
             <a:endParaRPr lang="en-US" altLang="zh-TW" sz="3200" dirty="0">
               <a:solidFill>
@@ -32310,1316 +33894,22 @@
           </a:p>
         </p:txBody>
       </p:sp>
-      <p:sp>
-        <p:nvSpPr>
-          <p:cNvPr id="5" name="Content Placeholder 2"/>
-          <p:cNvSpPr txBox="1">
-            <a:spLocks/>
-          </p:cNvSpPr>
-          <p:nvPr/>
-        </p:nvSpPr>
-        <p:spPr>
-          <a:xfrm>
-            <a:off x="228600" y="986319"/>
-            <a:ext cx="8689622" cy="2142125"/>
-          </a:xfrm>
-          <a:prstGeom prst="rect">
-            <a:avLst/>
-          </a:prstGeom>
-        </p:spPr>
-        <p:txBody>
-          <a:bodyPr vert="horz" wrap="square" lIns="0" tIns="0" rIns="0" bIns="0" rtlCol="0">
-            <a:spAutoFit/>
-          </a:bodyPr>
-          <a:lstStyle/>
-          <a:p>
-            <a:pPr marL="1200150" lvl="1" indent="-457200">
-              <a:spcBef>
-                <a:spcPct val="20000"/>
-              </a:spcBef>
-              <a:buFont typeface="Wingdings" pitchFamily="2" charset="2"/>
-              <a:buChar char="l"/>
-              <a:defRPr/>
-            </a:pPr>
-            <a:r>
-              <a:rPr lang="en-US" altLang="zh-TW" sz="2400" dirty="0"/>
-              <a:t>Is it a car? </a:t>
-            </a:r>
-            <a:r>
-              <a:rPr lang="en-US" altLang="zh-TW" sz="2400" dirty="0" smtClean="0"/>
-              <a:t>{</a:t>
-            </a:r>
-            <a:r>
-              <a:rPr lang="zh-TW" altLang="en-US" sz="2400" dirty="0" smtClean="0"/>
-              <a:t> </a:t>
-            </a:r>
-            <a:r>
-              <a:rPr lang="en-US" altLang="zh-TW" sz="2400" dirty="0" smtClean="0"/>
-              <a:t>yes,</a:t>
-            </a:r>
-            <a:r>
-              <a:rPr lang="zh-TW" altLang="en-US" sz="2400" dirty="0" smtClean="0"/>
-              <a:t> </a:t>
-            </a:r>
-            <a:r>
-              <a:rPr lang="en-US" altLang="zh-TW" sz="2400" dirty="0" smtClean="0"/>
-              <a:t>no</a:t>
-            </a:r>
-            <a:r>
-              <a:rPr lang="zh-TW" altLang="en-US" sz="2400" dirty="0" smtClean="0"/>
-              <a:t> </a:t>
-            </a:r>
-            <a:r>
-              <a:rPr lang="en-US" altLang="zh-TW" sz="2400" dirty="0" smtClean="0"/>
-              <a:t>}</a:t>
-            </a:r>
-            <a:endParaRPr kumimoji="0" lang="en-US" altLang="zh-TW" sz="2400" b="0" i="0" u="none" strike="noStrike" kern="1200" cap="none" spc="0" normalizeH="0" baseline="0" noProof="0" dirty="0" smtClean="0">
-              <a:ln>
-                <a:noFill/>
-              </a:ln>
-              <a:solidFill>
-                <a:schemeClr val="tx1"/>
-              </a:solidFill>
-              <a:effectLst/>
-              <a:uLnTx/>
-              <a:uFillTx/>
-              <a:latin typeface="+mn-lt"/>
-              <a:ea typeface="+mn-ea"/>
-              <a:cs typeface="+mn-cs"/>
-            </a:endParaRPr>
-          </a:p>
-          <a:p>
-            <a:pPr marL="1200150" marR="0" lvl="1" indent="-457200" algn="l" defTabSz="457200" rtl="0" eaLnBrk="1" fontAlgn="auto" latinLnBrk="0" hangingPunct="1">
-              <a:lnSpc>
-                <a:spcPct val="100000"/>
-              </a:lnSpc>
-              <a:spcBef>
-                <a:spcPct val="20000"/>
-              </a:spcBef>
-              <a:spcAft>
-                <a:spcPts val="0"/>
-              </a:spcAft>
-              <a:buClrTx/>
-              <a:buSzTx/>
-              <a:buFont typeface="Wingdings" pitchFamily="2" charset="2"/>
-              <a:buChar char="l"/>
-              <a:tabLst/>
-              <a:defRPr/>
-            </a:pPr>
-            <a:r>
-              <a:rPr kumimoji="0" lang="en-US" altLang="zh-TW" sz="2400" b="0" i="0" u="none" strike="noStrike" kern="1200" cap="none" spc="0" normalizeH="0" baseline="0" noProof="0" dirty="0" smtClean="0">
-                <a:ln>
-                  <a:noFill/>
-                </a:ln>
-                <a:solidFill>
-                  <a:schemeClr val="tx1"/>
-                </a:solidFill>
-                <a:effectLst/>
-                <a:uLnTx/>
-                <a:uFillTx/>
-                <a:latin typeface="+mn-lt"/>
-                <a:ea typeface="+mn-ea"/>
-                <a:cs typeface="+mn-cs"/>
-              </a:rPr>
-              <a:t>Will stock market go up or down? {</a:t>
-            </a:r>
-            <a:r>
-              <a:rPr kumimoji="0" lang="zh-TW" altLang="en-US" sz="2400" b="0" i="0" u="none" strike="noStrike" kern="1200" cap="none" spc="0" normalizeH="0" baseline="0" noProof="0" dirty="0" smtClean="0">
-                <a:ln>
-                  <a:noFill/>
-                </a:ln>
-                <a:solidFill>
-                  <a:schemeClr val="tx1"/>
-                </a:solidFill>
-                <a:effectLst/>
-                <a:uLnTx/>
-                <a:uFillTx/>
-                <a:latin typeface="+mn-lt"/>
-                <a:ea typeface="+mn-ea"/>
-                <a:cs typeface="+mn-cs"/>
-              </a:rPr>
-              <a:t> </a:t>
-            </a:r>
-            <a:r>
-              <a:rPr kumimoji="0" lang="en-US" altLang="zh-TW" sz="2400" b="0" i="0" u="none" strike="noStrike" kern="1200" cap="none" spc="0" normalizeH="0" baseline="0" noProof="0" dirty="0" smtClean="0">
-                <a:ln>
-                  <a:noFill/>
-                </a:ln>
-                <a:solidFill>
-                  <a:schemeClr val="tx1"/>
-                </a:solidFill>
-                <a:effectLst/>
-                <a:uLnTx/>
-                <a:uFillTx/>
-                <a:latin typeface="+mn-lt"/>
-                <a:ea typeface="+mn-ea"/>
-                <a:cs typeface="+mn-cs"/>
-              </a:rPr>
-              <a:t>up,</a:t>
-            </a:r>
-            <a:r>
-              <a:rPr kumimoji="0" lang="zh-TW" altLang="en-US" sz="2400" b="0" i="0" u="none" strike="noStrike" kern="1200" cap="none" spc="0" normalizeH="0" baseline="0" noProof="0" dirty="0" smtClean="0">
-                <a:ln>
-                  <a:noFill/>
-                </a:ln>
-                <a:solidFill>
-                  <a:schemeClr val="tx1"/>
-                </a:solidFill>
-                <a:effectLst/>
-                <a:uLnTx/>
-                <a:uFillTx/>
-                <a:latin typeface="+mn-lt"/>
-                <a:ea typeface="+mn-ea"/>
-                <a:cs typeface="+mn-cs"/>
-              </a:rPr>
-              <a:t> </a:t>
-            </a:r>
-            <a:r>
-              <a:rPr kumimoji="0" lang="en-US" altLang="zh-TW" sz="2400" b="0" i="0" u="none" strike="noStrike" kern="1200" cap="none" spc="0" normalizeH="0" baseline="0" noProof="0" dirty="0" smtClean="0">
-                <a:ln>
-                  <a:noFill/>
-                </a:ln>
-                <a:solidFill>
-                  <a:schemeClr val="tx1"/>
-                </a:solidFill>
-                <a:effectLst/>
-                <a:uLnTx/>
-                <a:uFillTx/>
-                <a:latin typeface="+mn-lt"/>
-                <a:ea typeface="+mn-ea"/>
-                <a:cs typeface="+mn-cs"/>
-              </a:rPr>
-              <a:t>down</a:t>
-            </a:r>
-            <a:r>
-              <a:rPr kumimoji="0" lang="zh-TW" altLang="en-US" sz="2400" b="0" i="0" u="none" strike="noStrike" kern="1200" cap="none" spc="0" normalizeH="0" baseline="0" noProof="0" dirty="0" smtClean="0">
-                <a:ln>
-                  <a:noFill/>
-                </a:ln>
-                <a:solidFill>
-                  <a:schemeClr val="tx1"/>
-                </a:solidFill>
-                <a:effectLst/>
-                <a:uLnTx/>
-                <a:uFillTx/>
-                <a:latin typeface="+mn-lt"/>
-                <a:ea typeface="+mn-ea"/>
-                <a:cs typeface="+mn-cs"/>
-              </a:rPr>
-              <a:t> </a:t>
-            </a:r>
-            <a:r>
-              <a:rPr kumimoji="0" lang="en-US" altLang="zh-TW" sz="2400" b="0" i="0" u="none" strike="noStrike" kern="1200" cap="none" spc="0" normalizeH="0" baseline="0" noProof="0" dirty="0" smtClean="0">
-                <a:ln>
-                  <a:noFill/>
-                </a:ln>
-                <a:solidFill>
-                  <a:schemeClr val="tx1"/>
-                </a:solidFill>
-                <a:effectLst/>
-                <a:uLnTx/>
-                <a:uFillTx/>
-                <a:latin typeface="+mn-lt"/>
-                <a:ea typeface="+mn-ea"/>
-                <a:cs typeface="+mn-cs"/>
-              </a:rPr>
-              <a:t>}</a:t>
-            </a:r>
-          </a:p>
-          <a:p>
-            <a:pPr marL="1200150" lvl="1" indent="-457200">
-              <a:spcBef>
-                <a:spcPct val="20000"/>
-              </a:spcBef>
-              <a:buFont typeface="Wingdings" pitchFamily="2" charset="2"/>
-              <a:buChar char="l"/>
-            </a:pPr>
-            <a:r>
-              <a:rPr lang="en-US" altLang="zh-TW" sz="2400" dirty="0" smtClean="0"/>
-              <a:t>Will you sleep well or bad tonight? { good, bad</a:t>
-            </a:r>
-            <a:r>
-              <a:rPr lang="zh-TW" altLang="en-US" sz="2400" dirty="0" smtClean="0"/>
-              <a:t> </a:t>
-            </a:r>
-            <a:r>
-              <a:rPr lang="en-US" altLang="zh-TW" sz="2400" dirty="0" smtClean="0"/>
-              <a:t>}</a:t>
-            </a:r>
-          </a:p>
-          <a:p>
-            <a:pPr marL="1200150" marR="0" lvl="1" indent="-457200" algn="l" defTabSz="457200" rtl="0" eaLnBrk="1" fontAlgn="auto" latinLnBrk="0" hangingPunct="1">
-              <a:lnSpc>
-                <a:spcPct val="100000"/>
-              </a:lnSpc>
-              <a:spcBef>
-                <a:spcPct val="20000"/>
-              </a:spcBef>
-              <a:spcAft>
-                <a:spcPts val="0"/>
-              </a:spcAft>
-              <a:buClrTx/>
-              <a:buSzTx/>
-              <a:buFont typeface="Wingdings" pitchFamily="2" charset="2"/>
-              <a:buChar char="l"/>
-              <a:tabLst/>
-              <a:defRPr/>
-            </a:pPr>
-            <a:endParaRPr kumimoji="0" lang="en-US" altLang="zh-TW" sz="2400" b="0" i="0" u="none" strike="noStrike" kern="1200" cap="none" spc="0" normalizeH="0" baseline="0" noProof="0" dirty="0" smtClean="0">
-              <a:ln>
-                <a:noFill/>
-              </a:ln>
-              <a:solidFill>
-                <a:schemeClr val="tx1"/>
-              </a:solidFill>
-              <a:effectLst/>
-              <a:uLnTx/>
-              <a:uFillTx/>
-              <a:latin typeface="+mn-lt"/>
-              <a:ea typeface="+mn-ea"/>
-              <a:cs typeface="+mn-cs"/>
-            </a:endParaRPr>
-          </a:p>
-          <a:p>
-            <a:pPr marL="1200150" marR="0" lvl="1" indent="-457200" algn="l" defTabSz="457200" rtl="0" eaLnBrk="1" fontAlgn="auto" latinLnBrk="0" hangingPunct="1">
-              <a:lnSpc>
-                <a:spcPct val="100000"/>
-              </a:lnSpc>
-              <a:spcBef>
-                <a:spcPct val="20000"/>
-              </a:spcBef>
-              <a:spcAft>
-                <a:spcPts val="0"/>
-              </a:spcAft>
-              <a:buClrTx/>
-              <a:buSzTx/>
-              <a:buFont typeface="Wingdings" pitchFamily="2" charset="2"/>
-              <a:buChar char="l"/>
-              <a:tabLst/>
-              <a:defRPr/>
-            </a:pPr>
-            <a:endParaRPr kumimoji="0" lang="en-US" altLang="zh-TW" sz="2400" b="0" i="0" u="none" strike="noStrike" kern="1200" cap="none" spc="0" normalizeH="0" baseline="0" noProof="0" dirty="0" smtClean="0">
-              <a:ln>
-                <a:noFill/>
-              </a:ln>
-              <a:solidFill>
-                <a:schemeClr val="tx1"/>
-              </a:solidFill>
-              <a:effectLst/>
-              <a:uLnTx/>
-              <a:uFillTx/>
-              <a:latin typeface="Arial"/>
-              <a:ea typeface="+mn-ea"/>
-              <a:cs typeface="+mn-cs"/>
-            </a:endParaRPr>
-          </a:p>
-        </p:txBody>
-      </p:sp>
-      <p:graphicFrame>
-        <p:nvGraphicFramePr>
-          <p:cNvPr id="6" name="物件 5"/>
-          <p:cNvGraphicFramePr>
-            <a:graphicFrameLocks noChangeAspect="1"/>
-          </p:cNvGraphicFramePr>
-          <p:nvPr>
-            <p:extLst>
-              <p:ext uri="{D42A27DB-BD31-4B8C-83A1-F6EECF244321}">
-                <p14:modId xmlns:p14="http://schemas.microsoft.com/office/powerpoint/2010/main" xmlns="" val="1089295242"/>
-              </p:ext>
-            </p:extLst>
-          </p:nvPr>
-        </p:nvGraphicFramePr>
-        <p:xfrm>
-          <a:off x="2934387" y="2969186"/>
-          <a:ext cx="3379787" cy="568325"/>
-        </p:xfrm>
-        <a:graphic>
-          <a:graphicData uri="http://schemas.openxmlformats.org/presentationml/2006/ole">
-            <p:oleObj spid="_x0000_s4142" name="方程式" r:id="rId4" imgW="1256755" imgH="203112" progId="Equation.3">
-              <p:embed/>
-            </p:oleObj>
-          </a:graphicData>
-        </a:graphic>
-      </p:graphicFrame>
-      <p:graphicFrame>
-        <p:nvGraphicFramePr>
-          <p:cNvPr id="2" name="表格 1"/>
-          <p:cNvGraphicFramePr/>
-          <p:nvPr>
-            <p:extLst>
-              <p:ext uri="{D42A27DB-BD31-4B8C-83A1-F6EECF244321}">
-                <p14:modId xmlns:p14="http://schemas.microsoft.com/office/powerpoint/2010/main" xmlns="" val="699112820"/>
-              </p:ext>
-            </p:extLst>
-          </p:nvPr>
-        </p:nvGraphicFramePr>
-        <p:xfrm>
-          <a:off x="682111" y="4309533"/>
-          <a:ext cx="3971336" cy="1854200"/>
-        </p:xfrm>
-        <a:graphic>
-          <a:graphicData uri="http://schemas.openxmlformats.org/drawingml/2006/table">
-            <a:tbl>
-              <a:tblPr>
-                <a:tableStyleId>{5C22544A-7EE6-4342-B048-85BDC9FD1C3A}</a:tableStyleId>
-              </a:tblPr>
-              <a:tblGrid>
-                <a:gridCol w="2188155">
-                  <a:extLst>
-                    <a:ext uri="{9D8B030D-6E8A-4147-A177-3AD203B41FA5}">
-                      <a16:colId xmlns:a16="http://schemas.microsoft.com/office/drawing/2014/main" xmlns="" val="3452721396"/>
-                    </a:ext>
-                  </a:extLst>
-                </a:gridCol>
-                <a:gridCol w="1783181">
-                  <a:extLst>
-                    <a:ext uri="{9D8B030D-6E8A-4147-A177-3AD203B41FA5}">
-                      <a16:colId xmlns:a16="http://schemas.microsoft.com/office/drawing/2014/main" xmlns="" val="3776235587"/>
-                    </a:ext>
-                  </a:extLst>
-                </a:gridCol>
-              </a:tblGrid>
-              <a:tr h="370840">
-                <a:tc>
-                  <a:txBody>
-                    <a:bodyPr/>
-                    <a:lstStyle/>
-                    <a:p>
-                      <a:pPr algn="ctr"/>
-                      <a:r>
-                        <a:rPr lang="zh-TW" altLang="en-US" dirty="0"/>
-                        <a:t>age</a:t>
-                      </a:r>
-                    </a:p>
-                  </a:txBody>
-                  <a:tcPr>
-                    <a:lnL w="12700" cap="flat" cmpd="sng" algn="ctr">
-                      <a:solidFill>
-                        <a:schemeClr val="tx1"/>
-                      </a:solidFill>
-                      <a:prstDash val="solid"/>
-                      <a:round/>
-                      <a:headEnd type="none" w="med" len="med"/>
-                      <a:tailEnd type="none" w="med" len="med"/>
-                    </a:lnL>
-                    <a:lnR w="12700" cap="flat" cmpd="sng" algn="ctr">
-                      <a:solidFill>
-                        <a:schemeClr val="tx1"/>
-                      </a:solidFill>
-                      <a:prstDash val="solid"/>
-                      <a:round/>
-                      <a:headEnd type="none" w="med" len="med"/>
-                      <a:tailEnd type="none" w="med" len="med"/>
-                    </a:lnR>
-                    <a:lnT w="12700" cap="flat" cmpd="sng" algn="ctr">
-                      <a:solidFill>
-                        <a:schemeClr val="tx1"/>
-                      </a:solidFill>
-                      <a:prstDash val="solid"/>
-                      <a:round/>
-                      <a:headEnd type="none" w="med" len="med"/>
-                      <a:tailEnd type="none" w="med" len="med"/>
-                    </a:lnT>
-                    <a:lnB w="12700" cap="flat" cmpd="sng" algn="ctr">
-                      <a:solidFill>
-                        <a:schemeClr val="tx1"/>
-                      </a:solidFill>
-                      <a:prstDash val="solid"/>
-                      <a:round/>
-                      <a:headEnd type="none" w="med" len="med"/>
-                      <a:tailEnd type="none" w="med" len="med"/>
-                    </a:lnB>
-                  </a:tcPr>
-                </a:tc>
-                <a:tc>
-                  <a:txBody>
-                    <a:bodyPr/>
-                    <a:lstStyle/>
-                    <a:p>
-                      <a:pPr algn="ctr"/>
-                      <a:r>
-                        <a:rPr lang="zh-TW" altLang="en-US" dirty="0"/>
-                        <a:t>30</a:t>
-                      </a:r>
-                    </a:p>
-                  </a:txBody>
-                  <a:tcPr>
-                    <a:lnL w="12700" cap="flat" cmpd="sng" algn="ctr">
-                      <a:solidFill>
-                        <a:schemeClr val="tx1"/>
-                      </a:solidFill>
-                      <a:prstDash val="solid"/>
-                      <a:round/>
-                      <a:headEnd type="none" w="med" len="med"/>
-                      <a:tailEnd type="none" w="med" len="med"/>
-                    </a:lnL>
-                    <a:lnR w="12700" cap="flat" cmpd="sng" algn="ctr">
-                      <a:solidFill>
-                        <a:schemeClr val="tx1"/>
-                      </a:solidFill>
-                      <a:prstDash val="solid"/>
-                      <a:round/>
-                      <a:headEnd type="none" w="med" len="med"/>
-                      <a:tailEnd type="none" w="med" len="med"/>
-                    </a:lnR>
-                    <a:lnT w="12700" cap="flat" cmpd="sng" algn="ctr">
-                      <a:solidFill>
-                        <a:schemeClr val="tx1"/>
-                      </a:solidFill>
-                      <a:prstDash val="solid"/>
-                      <a:round/>
-                      <a:headEnd type="none" w="med" len="med"/>
-                      <a:tailEnd type="none" w="med" len="med"/>
-                    </a:lnT>
-                    <a:lnB w="12700" cap="flat" cmpd="sng" algn="ctr">
-                      <a:solidFill>
-                        <a:schemeClr val="tx1"/>
-                      </a:solidFill>
-                      <a:prstDash val="solid"/>
-                      <a:round/>
-                      <a:headEnd type="none" w="med" len="med"/>
-                      <a:tailEnd type="none" w="med" len="med"/>
-                    </a:lnB>
-                  </a:tcPr>
-                </a:tc>
-                <a:extLst>
-                  <a:ext uri="{0D108BD9-81ED-4DB2-BD59-A6C34878D82A}">
-                    <a16:rowId xmlns:a16="http://schemas.microsoft.com/office/drawing/2014/main" xmlns="" val="1687642106"/>
-                  </a:ext>
-                </a:extLst>
-              </a:tr>
-              <a:tr h="370840">
-                <a:tc>
-                  <a:txBody>
-                    <a:bodyPr/>
-                    <a:lstStyle/>
-                    <a:p>
-                      <a:pPr algn="ctr"/>
-                      <a:r>
-                        <a:rPr lang="zh-TW" altLang="en-US" dirty="0"/>
-                        <a:t>gender</a:t>
-                      </a:r>
-                    </a:p>
-                  </a:txBody>
-                  <a:tcPr>
-                    <a:lnL w="12700" cap="flat" cmpd="sng" algn="ctr">
-                      <a:solidFill>
-                        <a:schemeClr val="tx1"/>
-                      </a:solidFill>
-                      <a:prstDash val="solid"/>
-                      <a:round/>
-                      <a:headEnd type="none" w="med" len="med"/>
-                      <a:tailEnd type="none" w="med" len="med"/>
-                    </a:lnL>
-                    <a:lnR w="12700" cap="flat" cmpd="sng" algn="ctr">
-                      <a:solidFill>
-                        <a:schemeClr val="tx1"/>
-                      </a:solidFill>
-                      <a:prstDash val="solid"/>
-                      <a:round/>
-                      <a:headEnd type="none" w="med" len="med"/>
-                      <a:tailEnd type="none" w="med" len="med"/>
-                    </a:lnR>
-                    <a:lnT w="12700" cap="flat" cmpd="sng" algn="ctr">
-                      <a:solidFill>
-                        <a:schemeClr val="tx1"/>
-                      </a:solidFill>
-                      <a:prstDash val="solid"/>
-                      <a:round/>
-                      <a:headEnd type="none" w="med" len="med"/>
-                      <a:tailEnd type="none" w="med" len="med"/>
-                    </a:lnT>
-                    <a:lnB w="12700" cap="flat" cmpd="sng" algn="ctr">
-                      <a:solidFill>
-                        <a:schemeClr val="tx1"/>
-                      </a:solidFill>
-                      <a:prstDash val="solid"/>
-                      <a:round/>
-                      <a:headEnd type="none" w="med" len="med"/>
-                      <a:tailEnd type="none" w="med" len="med"/>
-                    </a:lnB>
-                  </a:tcPr>
-                </a:tc>
-                <a:tc>
-                  <a:txBody>
-                    <a:bodyPr/>
-                    <a:lstStyle/>
-                    <a:p>
-                      <a:pPr algn="ctr"/>
-                      <a:r>
-                        <a:rPr lang="zh-TW" altLang="en-US"/>
-                        <a:t>male</a:t>
-                      </a:r>
-                    </a:p>
-                  </a:txBody>
-                  <a:tcPr>
-                    <a:lnL w="12700" cap="flat" cmpd="sng" algn="ctr">
-                      <a:solidFill>
-                        <a:schemeClr val="tx1"/>
-                      </a:solidFill>
-                      <a:prstDash val="solid"/>
-                      <a:round/>
-                      <a:headEnd type="none" w="med" len="med"/>
-                      <a:tailEnd type="none" w="med" len="med"/>
-                    </a:lnL>
-                    <a:lnR w="12700" cap="flat" cmpd="sng" algn="ctr">
-                      <a:solidFill>
-                        <a:schemeClr val="tx1"/>
-                      </a:solidFill>
-                      <a:prstDash val="solid"/>
-                      <a:round/>
-                      <a:headEnd type="none" w="med" len="med"/>
-                      <a:tailEnd type="none" w="med" len="med"/>
-                    </a:lnR>
-                    <a:lnT w="12700" cap="flat" cmpd="sng" algn="ctr">
-                      <a:solidFill>
-                        <a:schemeClr val="tx1"/>
-                      </a:solidFill>
-                      <a:prstDash val="solid"/>
-                      <a:round/>
-                      <a:headEnd type="none" w="med" len="med"/>
-                      <a:tailEnd type="none" w="med" len="med"/>
-                    </a:lnT>
-                    <a:lnB w="12700" cap="flat" cmpd="sng" algn="ctr">
-                      <a:solidFill>
-                        <a:schemeClr val="tx1"/>
-                      </a:solidFill>
-                      <a:prstDash val="solid"/>
-                      <a:round/>
-                      <a:headEnd type="none" w="med" len="med"/>
-                      <a:tailEnd type="none" w="med" len="med"/>
-                    </a:lnB>
-                  </a:tcPr>
-                </a:tc>
-                <a:extLst>
-                  <a:ext uri="{0D108BD9-81ED-4DB2-BD59-A6C34878D82A}">
-                    <a16:rowId xmlns:a16="http://schemas.microsoft.com/office/drawing/2014/main" xmlns="" val="1167798081"/>
-                  </a:ext>
-                </a:extLst>
-              </a:tr>
-              <a:tr h="370840">
-                <a:tc>
-                  <a:txBody>
-                    <a:bodyPr/>
-                    <a:lstStyle/>
-                    <a:p>
-                      <a:pPr algn="ctr"/>
-                      <a:r>
-                        <a:rPr lang="zh-TW" altLang="en-US" dirty="0"/>
-                        <a:t>we</a:t>
-                      </a:r>
-                      <a:r>
-                        <a:rPr lang="en-US" altLang="zh-TW" dirty="0" err="1"/>
-                        <a:t>ight</a:t>
-                      </a:r>
-                      <a:endParaRPr lang="zh-TW" altLang="en-US" dirty="0"/>
-                    </a:p>
-                  </a:txBody>
-                  <a:tcPr>
-                    <a:lnL w="12700" cap="flat" cmpd="sng" algn="ctr">
-                      <a:solidFill>
-                        <a:schemeClr val="tx1"/>
-                      </a:solidFill>
-                      <a:prstDash val="solid"/>
-                      <a:round/>
-                      <a:headEnd type="none" w="med" len="med"/>
-                      <a:tailEnd type="none" w="med" len="med"/>
-                    </a:lnL>
-                    <a:lnR w="12700" cap="flat" cmpd="sng" algn="ctr">
-                      <a:solidFill>
-                        <a:schemeClr val="tx1"/>
-                      </a:solidFill>
-                      <a:prstDash val="solid"/>
-                      <a:round/>
-                      <a:headEnd type="none" w="med" len="med"/>
-                      <a:tailEnd type="none" w="med" len="med"/>
-                    </a:lnR>
-                    <a:lnT w="12700" cap="flat" cmpd="sng" algn="ctr">
-                      <a:solidFill>
-                        <a:schemeClr val="tx1"/>
-                      </a:solidFill>
-                      <a:prstDash val="solid"/>
-                      <a:round/>
-                      <a:headEnd type="none" w="med" len="med"/>
-                      <a:tailEnd type="none" w="med" len="med"/>
-                    </a:lnT>
-                    <a:lnB w="12700" cap="flat" cmpd="sng" algn="ctr">
-                      <a:solidFill>
-                        <a:schemeClr val="tx1"/>
-                      </a:solidFill>
-                      <a:prstDash val="solid"/>
-                      <a:round/>
-                      <a:headEnd type="none" w="med" len="med"/>
-                      <a:tailEnd type="none" w="med" len="med"/>
-                    </a:lnB>
-                  </a:tcPr>
-                </a:tc>
-                <a:tc>
-                  <a:txBody>
-                    <a:bodyPr/>
-                    <a:lstStyle/>
-                    <a:p>
-                      <a:pPr algn="ctr"/>
-                      <a:r>
-                        <a:rPr lang="zh-TW" altLang="en-US" dirty="0" smtClean="0"/>
-                        <a:t>70 </a:t>
-                      </a:r>
-                      <a:r>
-                        <a:rPr lang="en-US" altLang="zh-TW" dirty="0" smtClean="0"/>
-                        <a:t>kg</a:t>
-                      </a:r>
-                      <a:endParaRPr lang="zh-TW" altLang="en-US" dirty="0"/>
-                    </a:p>
-                  </a:txBody>
-                  <a:tcPr>
-                    <a:lnL w="12700" cap="flat" cmpd="sng" algn="ctr">
-                      <a:solidFill>
-                        <a:schemeClr val="tx1"/>
-                      </a:solidFill>
-                      <a:prstDash val="solid"/>
-                      <a:round/>
-                      <a:headEnd type="none" w="med" len="med"/>
-                      <a:tailEnd type="none" w="med" len="med"/>
-                    </a:lnL>
-                    <a:lnR w="12700" cap="flat" cmpd="sng" algn="ctr">
-                      <a:solidFill>
-                        <a:schemeClr val="tx1"/>
-                      </a:solidFill>
-                      <a:prstDash val="solid"/>
-                      <a:round/>
-                      <a:headEnd type="none" w="med" len="med"/>
-                      <a:tailEnd type="none" w="med" len="med"/>
-                    </a:lnR>
-                    <a:lnT w="12700" cap="flat" cmpd="sng" algn="ctr">
-                      <a:solidFill>
-                        <a:schemeClr val="tx1"/>
-                      </a:solidFill>
-                      <a:prstDash val="solid"/>
-                      <a:round/>
-                      <a:headEnd type="none" w="med" len="med"/>
-                      <a:tailEnd type="none" w="med" len="med"/>
-                    </a:lnT>
-                    <a:lnB w="12700" cap="flat" cmpd="sng" algn="ctr">
-                      <a:solidFill>
-                        <a:schemeClr val="tx1"/>
-                      </a:solidFill>
-                      <a:prstDash val="solid"/>
-                      <a:round/>
-                      <a:headEnd type="none" w="med" len="med"/>
-                      <a:tailEnd type="none" w="med" len="med"/>
-                    </a:lnB>
-                  </a:tcPr>
-                </a:tc>
-                <a:extLst>
-                  <a:ext uri="{0D108BD9-81ED-4DB2-BD59-A6C34878D82A}">
-                    <a16:rowId xmlns:a16="http://schemas.microsoft.com/office/drawing/2014/main" xmlns="" val="3666776475"/>
-                  </a:ext>
-                </a:extLst>
-              </a:tr>
-              <a:tr h="370840">
-                <a:tc>
-                  <a:txBody>
-                    <a:bodyPr/>
-                    <a:lstStyle/>
-                    <a:p>
-                      <a:pPr algn="ctr"/>
-                      <a:r>
-                        <a:rPr lang="en-US" altLang="zh-TW" dirty="0">
-                          <a:latin typeface="Arial" charset="0"/>
-                          <a:cs typeface="Arial" charset="0"/>
-                        </a:rPr>
-                        <a:t>sleep </a:t>
-                      </a:r>
-                      <a:r>
-                        <a:rPr lang="en-US" altLang="zh-TW" dirty="0" smtClean="0">
-                          <a:latin typeface="Arial" charset="0"/>
-                          <a:cs typeface="Arial" charset="0"/>
-                        </a:rPr>
-                        <a:t>hours</a:t>
-                      </a:r>
-                      <a:endParaRPr lang="zh-TW" altLang="en-US" dirty="0">
-                        <a:latin typeface="Arial" charset="0"/>
-                        <a:cs typeface="Arial" charset="0"/>
-                      </a:endParaRPr>
-                    </a:p>
-                  </a:txBody>
-                  <a:tcPr>
-                    <a:lnL w="12700" cap="flat" cmpd="sng" algn="ctr">
-                      <a:solidFill>
-                        <a:schemeClr val="tx1"/>
-                      </a:solidFill>
-                      <a:prstDash val="solid"/>
-                      <a:round/>
-                      <a:headEnd type="none" w="med" len="med"/>
-                      <a:tailEnd type="none" w="med" len="med"/>
-                    </a:lnL>
-                    <a:lnR w="12700" cap="flat" cmpd="sng" algn="ctr">
-                      <a:solidFill>
-                        <a:schemeClr val="tx1"/>
-                      </a:solidFill>
-                      <a:prstDash val="solid"/>
-                      <a:round/>
-                      <a:headEnd type="none" w="med" len="med"/>
-                      <a:tailEnd type="none" w="med" len="med"/>
-                    </a:lnR>
-                    <a:lnT w="12700" cap="flat" cmpd="sng" algn="ctr">
-                      <a:solidFill>
-                        <a:schemeClr val="tx1"/>
-                      </a:solidFill>
-                      <a:prstDash val="solid"/>
-                      <a:round/>
-                      <a:headEnd type="none" w="med" len="med"/>
-                      <a:tailEnd type="none" w="med" len="med"/>
-                    </a:lnT>
-                    <a:lnB w="12700" cap="flat" cmpd="sng" algn="ctr">
-                      <a:solidFill>
-                        <a:schemeClr val="tx1"/>
-                      </a:solidFill>
-                      <a:prstDash val="solid"/>
-                      <a:round/>
-                      <a:headEnd type="none" w="med" len="med"/>
-                      <a:tailEnd type="none" w="med" len="med"/>
-                    </a:lnB>
-                  </a:tcPr>
-                </a:tc>
-                <a:tc>
-                  <a:txBody>
-                    <a:bodyPr/>
-                    <a:lstStyle/>
-                    <a:p>
-                      <a:pPr algn="ctr"/>
-                      <a:r>
-                        <a:rPr lang="zh-TW" altLang="en-US" dirty="0" smtClean="0"/>
-                        <a:t>7 </a:t>
-                      </a:r>
-                      <a:r>
-                        <a:rPr lang="en-US" altLang="zh-TW" dirty="0" smtClean="0"/>
-                        <a:t>hours</a:t>
-                      </a:r>
-                      <a:endParaRPr lang="zh-TW" altLang="en-US" dirty="0"/>
-                    </a:p>
-                  </a:txBody>
-                  <a:tcPr>
-                    <a:lnL w="12700" cap="flat" cmpd="sng" algn="ctr">
-                      <a:solidFill>
-                        <a:schemeClr val="tx1"/>
-                      </a:solidFill>
-                      <a:prstDash val="solid"/>
-                      <a:round/>
-                      <a:headEnd type="none" w="med" len="med"/>
-                      <a:tailEnd type="none" w="med" len="med"/>
-                    </a:lnL>
-                    <a:lnR w="12700" cap="flat" cmpd="sng" algn="ctr">
-                      <a:solidFill>
-                        <a:schemeClr val="tx1"/>
-                      </a:solidFill>
-                      <a:prstDash val="solid"/>
-                      <a:round/>
-                      <a:headEnd type="none" w="med" len="med"/>
-                      <a:tailEnd type="none" w="med" len="med"/>
-                    </a:lnR>
-                    <a:lnT w="12700" cap="flat" cmpd="sng" algn="ctr">
-                      <a:solidFill>
-                        <a:schemeClr val="tx1"/>
-                      </a:solidFill>
-                      <a:prstDash val="solid"/>
-                      <a:round/>
-                      <a:headEnd type="none" w="med" len="med"/>
-                      <a:tailEnd type="none" w="med" len="med"/>
-                    </a:lnT>
-                    <a:lnB w="12700" cap="flat" cmpd="sng" algn="ctr">
-                      <a:solidFill>
-                        <a:schemeClr val="tx1"/>
-                      </a:solidFill>
-                      <a:prstDash val="solid"/>
-                      <a:round/>
-                      <a:headEnd type="none" w="med" len="med"/>
-                      <a:tailEnd type="none" w="med" len="med"/>
-                    </a:lnB>
-                  </a:tcPr>
-                </a:tc>
-                <a:extLst>
-                  <a:ext uri="{0D108BD9-81ED-4DB2-BD59-A6C34878D82A}">
-                    <a16:rowId xmlns:a16="http://schemas.microsoft.com/office/drawing/2014/main" xmlns="" val="2399558479"/>
-                  </a:ext>
-                </a:extLst>
-              </a:tr>
-              <a:tr h="370840">
-                <a:tc>
-                  <a:txBody>
-                    <a:bodyPr/>
-                    <a:lstStyle/>
-                    <a:p>
-                      <a:pPr algn="ctr"/>
-                      <a:r>
-                        <a:rPr lang="en-US" altLang="zh-TW" dirty="0" smtClean="0"/>
-                        <a:t>e</a:t>
-                      </a:r>
-                      <a:r>
-                        <a:rPr lang="zh-TW" altLang="en-US" dirty="0" smtClean="0"/>
-                        <a:t>xercise </a:t>
-                      </a:r>
-                      <a:r>
-                        <a:rPr lang="en-US" altLang="zh-TW" dirty="0" smtClean="0"/>
-                        <a:t>times</a:t>
-                      </a:r>
-                      <a:endParaRPr lang="zh-TW" altLang="en-US" dirty="0"/>
-                    </a:p>
-                  </a:txBody>
-                  <a:tcPr>
-                    <a:lnL w="12700" cap="flat" cmpd="sng" algn="ctr">
-                      <a:solidFill>
-                        <a:schemeClr val="tx1"/>
-                      </a:solidFill>
-                      <a:prstDash val="solid"/>
-                      <a:round/>
-                      <a:headEnd type="none" w="med" len="med"/>
-                      <a:tailEnd type="none" w="med" len="med"/>
-                    </a:lnL>
-                    <a:lnR w="12700" cap="flat" cmpd="sng" algn="ctr">
-                      <a:solidFill>
-                        <a:schemeClr val="tx1"/>
-                      </a:solidFill>
-                      <a:prstDash val="solid"/>
-                      <a:round/>
-                      <a:headEnd type="none" w="med" len="med"/>
-                      <a:tailEnd type="none" w="med" len="med"/>
-                    </a:lnR>
-                    <a:lnT w="12700" cap="flat" cmpd="sng" algn="ctr">
-                      <a:solidFill>
-                        <a:schemeClr val="tx1"/>
-                      </a:solidFill>
-                      <a:prstDash val="solid"/>
-                      <a:round/>
-                      <a:headEnd type="none" w="med" len="med"/>
-                      <a:tailEnd type="none" w="med" len="med"/>
-                    </a:lnT>
-                    <a:lnB w="12700" cap="flat" cmpd="sng" algn="ctr">
-                      <a:solidFill>
-                        <a:schemeClr val="tx1"/>
-                      </a:solidFill>
-                      <a:prstDash val="solid"/>
-                      <a:round/>
-                      <a:headEnd type="none" w="med" len="med"/>
-                      <a:tailEnd type="none" w="med" len="med"/>
-                    </a:lnB>
-                  </a:tcPr>
-                </a:tc>
-                <a:tc>
-                  <a:txBody>
-                    <a:bodyPr/>
-                    <a:lstStyle/>
-                    <a:p>
-                      <a:pPr algn="ctr"/>
-                      <a:r>
-                        <a:rPr lang="zh-TW" altLang="en-US" dirty="0"/>
-                        <a:t>30 minutes</a:t>
-                      </a:r>
-                    </a:p>
-                  </a:txBody>
-                  <a:tcPr>
-                    <a:lnL w="12700" cap="flat" cmpd="sng" algn="ctr">
-                      <a:solidFill>
-                        <a:schemeClr val="tx1"/>
-                      </a:solidFill>
-                      <a:prstDash val="solid"/>
-                      <a:round/>
-                      <a:headEnd type="none" w="med" len="med"/>
-                      <a:tailEnd type="none" w="med" len="med"/>
-                    </a:lnL>
-                    <a:lnR w="12700" cap="flat" cmpd="sng" algn="ctr">
-                      <a:solidFill>
-                        <a:schemeClr val="tx1"/>
-                      </a:solidFill>
-                      <a:prstDash val="solid"/>
-                      <a:round/>
-                      <a:headEnd type="none" w="med" len="med"/>
-                      <a:tailEnd type="none" w="med" len="med"/>
-                    </a:lnR>
-                    <a:lnT w="12700" cap="flat" cmpd="sng" algn="ctr">
-                      <a:solidFill>
-                        <a:schemeClr val="tx1"/>
-                      </a:solidFill>
-                      <a:prstDash val="solid"/>
-                      <a:round/>
-                      <a:headEnd type="none" w="med" len="med"/>
-                      <a:tailEnd type="none" w="med" len="med"/>
-                    </a:lnT>
-                    <a:lnB w="12700" cap="flat" cmpd="sng" algn="ctr">
-                      <a:solidFill>
-                        <a:schemeClr val="tx1"/>
-                      </a:solidFill>
-                      <a:prstDash val="solid"/>
-                      <a:round/>
-                      <a:headEnd type="none" w="med" len="med"/>
-                      <a:tailEnd type="none" w="med" len="med"/>
-                    </a:lnB>
-                  </a:tcPr>
-                </a:tc>
-                <a:extLst>
-                  <a:ext uri="{0D108BD9-81ED-4DB2-BD59-A6C34878D82A}">
-                    <a16:rowId xmlns:a16="http://schemas.microsoft.com/office/drawing/2014/main" xmlns="" val="592403228"/>
-                  </a:ext>
-                </a:extLst>
-              </a:tr>
-            </a:tbl>
-          </a:graphicData>
-        </a:graphic>
-      </p:graphicFrame>
-      <p:sp>
-        <p:nvSpPr>
-          <p:cNvPr id="7" name="文字方塊 6"/>
-          <p:cNvSpPr txBox="1"/>
-          <p:nvPr/>
-        </p:nvSpPr>
-        <p:spPr>
-          <a:xfrm>
-            <a:off x="682111" y="3920067"/>
-            <a:ext cx="954107" cy="369332"/>
-          </a:xfrm>
-          <a:prstGeom prst="rect">
-            <a:avLst/>
-          </a:prstGeom>
-          <a:noFill/>
-        </p:spPr>
-        <p:txBody>
-          <a:bodyPr wrap="none" rtlCol="0">
-            <a:spAutoFit/>
-          </a:bodyPr>
-          <a:lstStyle/>
-          <a:p>
-            <a:r>
-              <a:rPr lang="en-US" altLang="zh-TW" dirty="0" smtClean="0"/>
-              <a:t>Data: X</a:t>
-            </a:r>
-            <a:endParaRPr lang="zh-TW" altLang="en-US" dirty="0"/>
-          </a:p>
-        </p:txBody>
-      </p:sp>
-      <p:graphicFrame>
-        <p:nvGraphicFramePr>
-          <p:cNvPr id="8" name="表格 7"/>
-          <p:cNvGraphicFramePr/>
-          <p:nvPr>
-            <p:extLst>
-              <p:ext uri="{D42A27DB-BD31-4B8C-83A1-F6EECF244321}">
-                <p14:modId xmlns:p14="http://schemas.microsoft.com/office/powerpoint/2010/main" xmlns="" val="699112820"/>
-              </p:ext>
-            </p:extLst>
-          </p:nvPr>
-        </p:nvGraphicFramePr>
-        <p:xfrm>
-          <a:off x="6118221" y="5000627"/>
-          <a:ext cx="2188155" cy="370840"/>
-        </p:xfrm>
-        <a:graphic>
-          <a:graphicData uri="http://schemas.openxmlformats.org/drawingml/2006/table">
-            <a:tbl>
-              <a:tblPr>
-                <a:tableStyleId>{5C22544A-7EE6-4342-B048-85BDC9FD1C3A}</a:tableStyleId>
-              </a:tblPr>
-              <a:tblGrid>
-                <a:gridCol w="2188155">
-                  <a:extLst>
-                    <a:ext uri="{9D8B030D-6E8A-4147-A177-3AD203B41FA5}">
-                      <a16:colId xmlns:a16="http://schemas.microsoft.com/office/drawing/2014/main" xmlns="" val="3452721396"/>
-                    </a:ext>
-                  </a:extLst>
-                </a:gridCol>
-              </a:tblGrid>
-              <a:tr h="370840">
-                <a:tc>
-                  <a:txBody>
-                    <a:bodyPr/>
-                    <a:lstStyle/>
-                    <a:p>
-                      <a:pPr algn="ctr"/>
-                      <a:r>
-                        <a:rPr lang="en-US" altLang="zh-TW" dirty="0" smtClean="0"/>
-                        <a:t>good</a:t>
-                      </a:r>
-                      <a:endParaRPr lang="zh-TW" altLang="en-US" dirty="0"/>
-                    </a:p>
-                  </a:txBody>
-                  <a:tcPr>
-                    <a:lnL w="12700" cap="flat" cmpd="sng" algn="ctr">
-                      <a:solidFill>
-                        <a:schemeClr val="tx1"/>
-                      </a:solidFill>
-                      <a:prstDash val="solid"/>
-                      <a:round/>
-                      <a:headEnd type="none" w="med" len="med"/>
-                      <a:tailEnd type="none" w="med" len="med"/>
-                    </a:lnL>
-                    <a:lnR w="12700" cap="flat" cmpd="sng" algn="ctr">
-                      <a:solidFill>
-                        <a:schemeClr val="tx1"/>
-                      </a:solidFill>
-                      <a:prstDash val="solid"/>
-                      <a:round/>
-                      <a:headEnd type="none" w="med" len="med"/>
-                      <a:tailEnd type="none" w="med" len="med"/>
-                    </a:lnR>
-                    <a:lnT w="12700" cap="flat" cmpd="sng" algn="ctr">
-                      <a:solidFill>
-                        <a:schemeClr val="tx1"/>
-                      </a:solidFill>
-                      <a:prstDash val="solid"/>
-                      <a:round/>
-                      <a:headEnd type="none" w="med" len="med"/>
-                      <a:tailEnd type="none" w="med" len="med"/>
-                    </a:lnT>
-                    <a:lnB w="12700" cap="flat" cmpd="sng" algn="ctr">
-                      <a:solidFill>
-                        <a:schemeClr val="tx1"/>
-                      </a:solidFill>
-                      <a:prstDash val="solid"/>
-                      <a:round/>
-                      <a:headEnd type="none" w="med" len="med"/>
-                      <a:tailEnd type="none" w="med" len="med"/>
-                    </a:lnB>
-                  </a:tcPr>
-                </a:tc>
-                <a:extLst>
-                  <a:ext uri="{0D108BD9-81ED-4DB2-BD59-A6C34878D82A}">
-                    <a16:rowId xmlns:a16="http://schemas.microsoft.com/office/drawing/2014/main" xmlns="" val="1687642106"/>
-                  </a:ext>
-                </a:extLst>
-              </a:tr>
-            </a:tbl>
-          </a:graphicData>
-        </a:graphic>
-      </p:graphicFrame>
-      <p:sp>
-        <p:nvSpPr>
-          <p:cNvPr id="9" name="文字方塊 8"/>
-          <p:cNvSpPr txBox="1"/>
-          <p:nvPr/>
-        </p:nvSpPr>
-        <p:spPr>
-          <a:xfrm>
-            <a:off x="6606667" y="4590562"/>
-            <a:ext cx="1116652" cy="369332"/>
-          </a:xfrm>
-          <a:prstGeom prst="rect">
-            <a:avLst/>
-          </a:prstGeom>
-          <a:noFill/>
-        </p:spPr>
-        <p:txBody>
-          <a:bodyPr wrap="none" rtlCol="0">
-            <a:spAutoFit/>
-          </a:bodyPr>
-          <a:lstStyle/>
-          <a:p>
-            <a:r>
-              <a:rPr lang="en-US" altLang="zh-TW" dirty="0" smtClean="0"/>
-              <a:t>Result: Y</a:t>
-            </a:r>
-            <a:endParaRPr lang="zh-TW" altLang="en-US" dirty="0"/>
-          </a:p>
-        </p:txBody>
-      </p:sp>
-    </p:spTree>
-    <p:extLst>
-      <p:ext uri="{BB962C8B-B14F-4D97-AF65-F5344CB8AC3E}">
-        <p14:creationId xmlns:p14="http://schemas.microsoft.com/office/powerpoint/2010/main" xmlns="" val="3040030372"/>
-      </p:ext>
-    </p:extLst>
-  </p:cSld>
-  <p:clrMapOvr>
-    <a:masterClrMapping/>
-  </p:clrMapOvr>
-  <p:timing>
-    <p:tnLst>
-      <p:par>
-        <p:cTn id="1" dur="indefinite" restart="never" nodeType="tmRoot"/>
-      </p:par>
-    </p:tnLst>
-  </p:timing>
-</p:sld>
-</file>
-
-<file path=ppt/slides/slide7.xml><?xml version="1.0" encoding="utf-8"?>
-<p:sld xmlns:a="http://schemas.openxmlformats.org/drawingml/2006/main" xmlns:r="http://schemas.openxmlformats.org/officeDocument/2006/relationships" xmlns:p="http://schemas.openxmlformats.org/presentationml/2006/main">
-  <p:cSld>
-    <p:spTree>
-      <p:nvGrpSpPr>
-        <p:cNvPr id="1" name=""/>
-        <p:cNvGrpSpPr/>
-        <p:nvPr/>
-      </p:nvGrpSpPr>
-      <p:grpSpPr>
-        <a:xfrm>
-          <a:off x="0" y="0"/>
-          <a:ext cx="0" cy="0"/>
-          <a:chOff x="0" y="0"/>
-          <a:chExt cx="0" cy="0"/>
-        </a:xfrm>
-      </p:grpSpPr>
-      <p:sp>
-        <p:nvSpPr>
-          <p:cNvPr id="3" name="Content Placeholder 2"/>
-          <p:cNvSpPr>
-            <a:spLocks noGrp="1"/>
-          </p:cNvSpPr>
-          <p:nvPr>
-            <p:ph idx="1"/>
-          </p:nvPr>
-        </p:nvSpPr>
-        <p:spPr>
-          <a:xfrm>
-            <a:off x="228600" y="986319"/>
-            <a:ext cx="8689622" cy="763286"/>
-          </a:xfrm>
-        </p:spPr>
-        <p:txBody>
-          <a:bodyPr/>
-          <a:lstStyle/>
-          <a:p>
-            <a:pPr marL="1085850" lvl="1" indent="-342900">
-              <a:buNone/>
-            </a:pPr>
-            <a:endParaRPr lang="zh-TW" altLang="zh-TW" dirty="0" smtClean="0">
-              <a:latin typeface="+mj-lt"/>
-            </a:endParaRPr>
-          </a:p>
-          <a:p>
-            <a:pPr marL="1485900" lvl="2" indent="-342900">
-              <a:buFont typeface="Wingdings" panose="05000000000000000000" pitchFamily="2" charset="2"/>
-              <a:buChar char="Ø"/>
-            </a:pPr>
-            <a:endParaRPr lang="en-US" altLang="zh-TW" sz="1800" dirty="0">
-              <a:latin typeface="+mj-lt"/>
-            </a:endParaRPr>
-          </a:p>
-        </p:txBody>
-      </p:sp>
-      <p:sp>
-        <p:nvSpPr>
-          <p:cNvPr id="4" name="Title 3"/>
-          <p:cNvSpPr>
-            <a:spLocks noGrp="1"/>
-          </p:cNvSpPr>
-          <p:nvPr>
-            <p:ph type="title"/>
-          </p:nvPr>
-        </p:nvSpPr>
-        <p:spPr>
-          <a:xfrm>
-            <a:off x="228600" y="228600"/>
-            <a:ext cx="4533292" cy="492443"/>
-          </a:xfrm>
-        </p:spPr>
-        <p:txBody>
-          <a:bodyPr/>
-          <a:lstStyle/>
-          <a:p>
-            <a:pPr marL="342900" indent="-342900"/>
-            <a:r>
-              <a:rPr lang="en-US" altLang="zh-TW" sz="3200" dirty="0">
-                <a:solidFill>
-                  <a:schemeClr val="tx1"/>
-                </a:solidFill>
-                <a:latin typeface="+mj-lt"/>
-              </a:rPr>
-              <a:t>Binary classifier example</a:t>
-            </a:r>
-          </a:p>
-        </p:txBody>
-      </p:sp>
-      <p:sp>
-        <p:nvSpPr>
-          <p:cNvPr id="5" name="Content Placeholder 2"/>
-          <p:cNvSpPr txBox="1">
-            <a:spLocks/>
-          </p:cNvSpPr>
-          <p:nvPr/>
-        </p:nvSpPr>
-        <p:spPr>
-          <a:xfrm>
-            <a:off x="228600" y="986319"/>
-            <a:ext cx="8689622" cy="369332"/>
-          </a:xfrm>
-          <a:prstGeom prst="rect">
-            <a:avLst/>
-          </a:prstGeom>
-        </p:spPr>
-        <p:txBody>
-          <a:bodyPr vert="horz" wrap="square" lIns="0" tIns="0" rIns="0" bIns="0" rtlCol="0" anchor="t">
-            <a:spAutoFit/>
-          </a:bodyPr>
-          <a:lstStyle/>
-          <a:p>
-            <a:pPr marL="1200150" lvl="1" indent="-457200">
-              <a:spcBef>
-                <a:spcPct val="20000"/>
-              </a:spcBef>
-              <a:buFont typeface="Wingdings" pitchFamily="2" charset="2"/>
-              <a:buChar char="l"/>
-              <a:defRPr/>
-            </a:pPr>
-            <a:endParaRPr kumimoji="0" lang="en-US" altLang="zh-TW" sz="2400" b="0" i="0" u="none" strike="noStrike" kern="1200" cap="none" spc="0" normalizeH="0" baseline="0" noProof="0" dirty="0" smtClean="0">
-              <a:ln>
-                <a:noFill/>
-              </a:ln>
-              <a:solidFill>
-                <a:schemeClr val="tx1"/>
-              </a:solidFill>
-              <a:effectLst/>
-              <a:uLnTx/>
-              <a:uFillTx/>
-              <a:latin typeface="+mn-lt"/>
-              <a:ea typeface="+mn-ea"/>
-              <a:cs typeface="+mn-cs"/>
-            </a:endParaRPr>
-          </a:p>
-        </p:txBody>
-      </p:sp>
-      <p:pic>
-        <p:nvPicPr>
-          <p:cNvPr id="14" name="Picture 2" descr="C:\Users\LiangLeon\Pictures\GARMIN\BinaryClassifier_1.png"/>
-          <p:cNvPicPr>
-            <a:picLocks noChangeAspect="1" noChangeArrowheads="1"/>
-          </p:cNvPicPr>
-          <p:nvPr/>
-        </p:nvPicPr>
-        <p:blipFill>
-          <a:blip r:embed="rId3"/>
-          <a:srcRect/>
-          <a:stretch>
-            <a:fillRect/>
-          </a:stretch>
-        </p:blipFill>
-        <p:spPr bwMode="auto">
-          <a:xfrm>
-            <a:off x="176213" y="1227138"/>
-            <a:ext cx="6975123" cy="5197257"/>
-          </a:xfrm>
-          <a:prstGeom prst="rect">
-            <a:avLst/>
-          </a:prstGeom>
-          <a:noFill/>
-        </p:spPr>
-      </p:pic>
       <p:cxnSp>
         <p:nvCxnSpPr>
-          <p:cNvPr id="16" name="直線接點 15"/>
+          <p:cNvPr id="6" name="直線單箭頭接點 5"/>
           <p:cNvCxnSpPr/>
           <p:nvPr/>
         </p:nvCxnSpPr>
         <p:spPr>
-          <a:xfrm flipH="1">
-            <a:off x="2184400" y="1347184"/>
-            <a:ext cx="3581401" cy="4799616"/>
+          <a:xfrm>
+            <a:off x="5791200" y="2472267"/>
+            <a:ext cx="956733" cy="0"/>
           </a:xfrm>
-          <a:prstGeom prst="line">
+          <a:prstGeom prst="straightConnector1">
             <a:avLst/>
           </a:prstGeom>
           <a:ln>
-            <a:solidFill>
-              <a:schemeClr val="tx1"/>
-            </a:solidFill>
+            <a:tailEnd type="arrow"/>
           </a:ln>
           <a:effectLst/>
         </p:spPr>
@@ -33638,134 +33928,150 @@
           </a:fontRef>
         </p:style>
       </p:cxnSp>
-      <p:pic>
-        <p:nvPicPr>
-          <p:cNvPr id="4102" name="Picture 6"/>
-          <p:cNvPicPr>
-            <a:picLocks noChangeAspect="1" noChangeArrowheads="1"/>
-          </p:cNvPicPr>
+      <p:sp>
+        <p:nvSpPr>
+          <p:cNvPr id="7" name="矩形 6"/>
+          <p:cNvSpPr/>
           <p:nvPr/>
-        </p:nvPicPr>
-        <p:blipFill>
-          <a:blip r:embed="rId4"/>
-          <a:srcRect/>
-          <a:stretch>
-            <a:fillRect/>
-          </a:stretch>
-        </p:blipFill>
-        <p:spPr bwMode="auto">
+        </p:nvSpPr>
+        <p:spPr>
           <a:xfrm>
-            <a:off x="7342611" y="1391955"/>
-            <a:ext cx="338667" cy="387048"/>
+            <a:off x="6951133" y="2129367"/>
+            <a:ext cx="1490134" cy="685800"/>
           </a:xfrm>
           <a:prstGeom prst="rect">
             <a:avLst/>
           </a:prstGeom>
           <a:noFill/>
-          <a:ln w="9525">
-            <a:noFill/>
-            <a:miter lim="800000"/>
-            <a:headEnd/>
-            <a:tailEnd/>
+          <a:ln w="31750"/>
+          <a:effectLst/>
+        </p:spPr>
+        <p:style>
+          <a:lnRef idx="1">
+            <a:schemeClr val="accent1"/>
+          </a:lnRef>
+          <a:fillRef idx="3">
+            <a:schemeClr val="accent1"/>
+          </a:fillRef>
+          <a:effectRef idx="2">
+            <a:schemeClr val="accent1"/>
+          </a:effectRef>
+          <a:fontRef idx="minor">
+            <a:schemeClr val="lt1"/>
+          </a:fontRef>
+        </p:style>
+        <p:txBody>
+          <a:bodyPr rtlCol="0" anchor="ctr"/>
+          <a:lstStyle/>
+          <a:p>
+            <a:pPr algn="ctr"/>
+            <a:r>
+              <a:rPr lang="en-US" altLang="zh-TW" dirty="0" smtClean="0">
+                <a:solidFill>
+                  <a:schemeClr val="tx1"/>
+                </a:solidFill>
+              </a:rPr>
+              <a:t>Cars</a:t>
+            </a:r>
+            <a:endParaRPr lang="zh-TW" altLang="en-US" dirty="0">
+              <a:solidFill>
+                <a:schemeClr val="tx1"/>
+              </a:solidFill>
+            </a:endParaRPr>
+          </a:p>
+        </p:txBody>
+      </p:sp>
+      <p:cxnSp>
+        <p:nvCxnSpPr>
+          <p:cNvPr id="8" name="直線單箭頭接點 7"/>
+          <p:cNvCxnSpPr/>
+          <p:nvPr/>
+        </p:nvCxnSpPr>
+        <p:spPr>
+          <a:xfrm>
+            <a:off x="5740400" y="4961467"/>
+            <a:ext cx="956733" cy="0"/>
+          </a:xfrm>
+          <a:prstGeom prst="straightConnector1">
+            <a:avLst/>
+          </a:prstGeom>
+          <a:ln>
+            <a:tailEnd type="arrow"/>
           </a:ln>
+          <a:effectLst/>
         </p:spPr>
-      </p:pic>
-      <p:pic>
-        <p:nvPicPr>
-          <p:cNvPr id="4103" name="Picture 7"/>
-          <p:cNvPicPr>
-            <a:picLocks noChangeAspect="1" noChangeArrowheads="1"/>
-          </p:cNvPicPr>
+        <p:style>
+          <a:lnRef idx="2">
+            <a:schemeClr val="accent1"/>
+          </a:lnRef>
+          <a:fillRef idx="0">
+            <a:schemeClr val="accent1"/>
+          </a:fillRef>
+          <a:effectRef idx="1">
+            <a:schemeClr val="accent1"/>
+          </a:effectRef>
+          <a:fontRef idx="minor">
+            <a:schemeClr val="tx1"/>
+          </a:fontRef>
+        </p:style>
+      </p:cxnSp>
+      <p:sp>
+        <p:nvSpPr>
+          <p:cNvPr id="9" name="矩形 8"/>
+          <p:cNvSpPr/>
           <p:nvPr/>
-        </p:nvPicPr>
-        <p:blipFill>
-          <a:blip r:embed="rId5"/>
-          <a:srcRect/>
-          <a:stretch>
-            <a:fillRect/>
-          </a:stretch>
-        </p:blipFill>
-        <p:spPr bwMode="auto">
+        </p:nvSpPr>
+        <p:spPr>
           <a:xfrm>
-            <a:off x="7342611" y="1746351"/>
-            <a:ext cx="338667" cy="378510"/>
+            <a:off x="6951133" y="4618567"/>
+            <a:ext cx="1490134" cy="685800"/>
           </a:xfrm>
           <a:prstGeom prst="rect">
             <a:avLst/>
           </a:prstGeom>
           <a:noFill/>
-          <a:ln w="9525">
-            <a:noFill/>
-            <a:miter lim="800000"/>
-            <a:headEnd/>
-            <a:tailEnd/>
-          </a:ln>
+          <a:ln w="31750"/>
+          <a:effectLst/>
         </p:spPr>
-      </p:pic>
-      <p:sp>
-        <p:nvSpPr>
-          <p:cNvPr id="21" name="文字方塊 20"/>
-          <p:cNvSpPr txBox="1"/>
-          <p:nvPr/>
-        </p:nvSpPr>
-        <p:spPr>
-          <a:xfrm>
-            <a:off x="7852191" y="1383962"/>
-            <a:ext cx="447558" cy="369332"/>
-          </a:xfrm>
-          <a:prstGeom prst="rect">
-            <a:avLst/>
-          </a:prstGeom>
-          <a:noFill/>
-        </p:spPr>
+        <p:style>
+          <a:lnRef idx="1">
+            <a:schemeClr val="accent1"/>
+          </a:lnRef>
+          <a:fillRef idx="3">
+            <a:schemeClr val="accent1"/>
+          </a:fillRef>
+          <a:effectRef idx="2">
+            <a:schemeClr val="accent1"/>
+          </a:effectRef>
+          <a:fontRef idx="minor">
+            <a:schemeClr val="lt1"/>
+          </a:fontRef>
+        </p:style>
         <p:txBody>
-          <a:bodyPr wrap="none" rtlCol="0">
-            <a:spAutoFit/>
-          </a:bodyPr>
+          <a:bodyPr rtlCol="0" anchor="ctr"/>
           <a:lstStyle/>
           <a:p>
+            <a:pPr algn="ctr"/>
             <a:r>
-              <a:rPr lang="en-US" altLang="zh-TW" dirty="0" smtClean="0"/>
-              <a:t>+1</a:t>
+              <a:rPr lang="en-US" altLang="zh-TW" dirty="0" smtClean="0">
+                <a:solidFill>
+                  <a:schemeClr val="tx1"/>
+                </a:solidFill>
+              </a:rPr>
+              <a:t>Background</a:t>
             </a:r>
-            <a:endParaRPr lang="zh-TW" altLang="en-US" dirty="0"/>
-          </a:p>
-        </p:txBody>
-      </p:sp>
-      <p:sp>
-        <p:nvSpPr>
-          <p:cNvPr id="22" name="文字方塊 21"/>
-          <p:cNvSpPr txBox="1"/>
-          <p:nvPr/>
-        </p:nvSpPr>
-        <p:spPr>
-          <a:xfrm>
-            <a:off x="7905056" y="1707086"/>
-            <a:ext cx="389850" cy="369332"/>
-          </a:xfrm>
-          <a:prstGeom prst="rect">
-            <a:avLst/>
-          </a:prstGeom>
-          <a:noFill/>
-        </p:spPr>
-        <p:txBody>
-          <a:bodyPr wrap="none" rtlCol="0">
-            <a:spAutoFit/>
-          </a:bodyPr>
-          <a:lstStyle/>
-          <a:p>
-            <a:r>
-              <a:rPr lang="en-US" altLang="zh-TW" dirty="0" smtClean="0"/>
-              <a:t>-1</a:t>
-            </a:r>
-            <a:endParaRPr lang="zh-TW" altLang="en-US" dirty="0"/>
+            <a:endParaRPr lang="zh-TW" altLang="en-US" dirty="0">
+              <a:solidFill>
+                <a:schemeClr val="tx1"/>
+              </a:solidFill>
+            </a:endParaRPr>
           </a:p>
         </p:txBody>
       </p:sp>
     </p:spTree>
     <p:extLst>
       <p:ext uri="{BB962C8B-B14F-4D97-AF65-F5344CB8AC3E}">
-        <p14:creationId xmlns:p14="http://schemas.microsoft.com/office/powerpoint/2010/main" xmlns="" val="636739009"/>
+        <p14:creationId xmlns:p14="http://schemas.microsoft.com/office/powerpoint/2010/main" val="1692470345"/>
       </p:ext>
     </p:extLst>
   </p:cSld>
@@ -33782,7 +34088,7 @@
 </p:sld>
 </file>
 
-<file path=ppt/slides/slide8.xml><?xml version="1.0" encoding="utf-8"?>
+<file path=ppt/slides/slide7.xml><?xml version="1.0" encoding="utf-8"?>
 <p:sld xmlns:a="http://schemas.openxmlformats.org/drawingml/2006/main" xmlns:r="http://schemas.openxmlformats.org/officeDocument/2006/relationships" xmlns:p="http://schemas.openxmlformats.org/presentationml/2006/main">
   <p:cSld>
     <p:spTree>
@@ -34426,7 +34732,7 @@
     </p:spTree>
     <p:extLst>
       <p:ext uri="{BB962C8B-B14F-4D97-AF65-F5344CB8AC3E}">
-        <p14:creationId xmlns:p14="http://schemas.microsoft.com/office/powerpoint/2010/main" xmlns="" val="3040030372"/>
+        <p14:creationId xmlns:p14="http://schemas.microsoft.com/office/powerpoint/2010/main" val="3040030372"/>
       </p:ext>
     </p:extLst>
   </p:cSld>
@@ -34690,7 +34996,7 @@
 </p:sld>
 </file>
 
-<file path=ppt/slides/slide9.xml><?xml version="1.0" encoding="utf-8"?>
+<file path=ppt/slides/slide8.xml><?xml version="1.0" encoding="utf-8"?>
 <p:sld xmlns:a="http://schemas.openxmlformats.org/drawingml/2006/main" xmlns:r="http://schemas.openxmlformats.org/officeDocument/2006/relationships" xmlns:p="http://schemas.openxmlformats.org/presentationml/2006/main">
   <p:cSld>
     <p:spTree>
@@ -35275,7 +35581,7 @@
           <p:nvPr>
             <p:extLst>
               <p:ext uri="{D42A27DB-BD31-4B8C-83A1-F6EECF244321}">
-                <p14:modId xmlns:p14="http://schemas.microsoft.com/office/powerpoint/2010/main" xmlns="" val="699112820"/>
+                <p14:modId xmlns:p14="http://schemas.microsoft.com/office/powerpoint/2010/main" val="699112820"/>
               </p:ext>
             </p:extLst>
           </p:nvPr>
@@ -35548,7 +35854,7 @@
     </p:spTree>
     <p:extLst>
       <p:ext uri="{BB962C8B-B14F-4D97-AF65-F5344CB8AC3E}">
-        <p14:creationId xmlns:p14="http://schemas.microsoft.com/office/powerpoint/2010/main" xmlns="" val="3040030372"/>
+        <p14:creationId xmlns:p14="http://schemas.microsoft.com/office/powerpoint/2010/main" val="3040030372"/>
       </p:ext>
     </p:extLst>
   </p:cSld>
@@ -35561,6 +35867,680 @@
         <p:cTn id="1" dur="indefinite" restart="never" nodeType="tmRoot"/>
       </p:par>
     </p:tnLst>
+  </p:timing>
+</p:sld>
+</file>
+
+<file path=ppt/slides/slide9.xml><?xml version="1.0" encoding="utf-8"?>
+<p:sld xmlns:a="http://schemas.openxmlformats.org/drawingml/2006/main" xmlns:r="http://schemas.openxmlformats.org/officeDocument/2006/relationships" xmlns:p="http://schemas.openxmlformats.org/presentationml/2006/main">
+  <p:cSld>
+    <p:spTree>
+      <p:nvGrpSpPr>
+        <p:cNvPr id="1" name=""/>
+        <p:cNvGrpSpPr/>
+        <p:nvPr/>
+      </p:nvGrpSpPr>
+      <p:grpSpPr>
+        <a:xfrm>
+          <a:off x="0" y="0"/>
+          <a:ext cx="0" cy="0"/>
+          <a:chOff x="0" y="0"/>
+          <a:chExt cx="0" cy="0"/>
+        </a:xfrm>
+      </p:grpSpPr>
+      <p:sp>
+        <p:nvSpPr>
+          <p:cNvPr id="4" name="Title 3"/>
+          <p:cNvSpPr>
+            <a:spLocks noGrp="1"/>
+          </p:cNvSpPr>
+          <p:nvPr>
+            <p:ph type="title"/>
+          </p:nvPr>
+        </p:nvSpPr>
+        <p:spPr>
+          <a:xfrm>
+            <a:off x="228600" y="228600"/>
+            <a:ext cx="7766550" cy="492443"/>
+          </a:xfrm>
+        </p:spPr>
+        <p:txBody>
+          <a:bodyPr/>
+          <a:lstStyle/>
+          <a:p>
+            <a:pPr marL="342900" indent="-342900"/>
+            <a:r>
+              <a:rPr lang="en-US" altLang="zh-TW" sz="3200" dirty="0" smtClean="0">
+                <a:solidFill>
+                  <a:schemeClr val="tx1"/>
+                </a:solidFill>
+                <a:latin typeface="+mj-lt"/>
+              </a:rPr>
+              <a:t>Decision stump are vertical/horizontal lines</a:t>
+            </a:r>
+            <a:endParaRPr lang="en-US" altLang="zh-TW" sz="3200" dirty="0">
+              <a:solidFill>
+                <a:schemeClr val="tx1"/>
+              </a:solidFill>
+              <a:latin typeface="+mj-lt"/>
+            </a:endParaRPr>
+          </a:p>
+        </p:txBody>
+      </p:sp>
+      <p:pic>
+        <p:nvPicPr>
+          <p:cNvPr id="2" name="圖片 1"/>
+          <p:cNvPicPr>
+            <a:picLocks noChangeAspect="1"/>
+          </p:cNvPicPr>
+          <p:nvPr/>
+        </p:nvPicPr>
+        <p:blipFill>
+          <a:blip r:embed="rId3">
+            <a:extLst>
+              <a:ext uri="{28A0092B-C50C-407E-A947-70E740481C1C}">
+                <a14:useLocalDpi xmlns:a14="http://schemas.microsoft.com/office/drawing/2010/main" val="0"/>
+              </a:ext>
+            </a:extLst>
+          </a:blip>
+          <a:stretch>
+            <a:fillRect/>
+          </a:stretch>
+        </p:blipFill>
+        <p:spPr>
+          <a:xfrm>
+            <a:off x="640938" y="894490"/>
+            <a:ext cx="7496549" cy="5600314"/>
+          </a:xfrm>
+          <a:prstGeom prst="rect">
+            <a:avLst/>
+          </a:prstGeom>
+        </p:spPr>
+      </p:pic>
+      <p:cxnSp>
+        <p:nvCxnSpPr>
+          <p:cNvPr id="5" name="直線接點 4"/>
+          <p:cNvCxnSpPr/>
+          <p:nvPr/>
+        </p:nvCxnSpPr>
+        <p:spPr>
+          <a:xfrm>
+            <a:off x="4803608" y="957129"/>
+            <a:ext cx="42728" cy="5359004"/>
+          </a:xfrm>
+          <a:prstGeom prst="line">
+            <a:avLst/>
+          </a:prstGeom>
+          <a:effectLst/>
+        </p:spPr>
+        <p:style>
+          <a:lnRef idx="3">
+            <a:schemeClr val="dk1"/>
+          </a:lnRef>
+          <a:fillRef idx="0">
+            <a:schemeClr val="dk1"/>
+          </a:fillRef>
+          <a:effectRef idx="2">
+            <a:schemeClr val="dk1"/>
+          </a:effectRef>
+          <a:fontRef idx="minor">
+            <a:schemeClr val="tx1"/>
+          </a:fontRef>
+        </p:style>
+      </p:cxnSp>
+      <p:sp>
+        <p:nvSpPr>
+          <p:cNvPr id="7" name="矩形 6"/>
+          <p:cNvSpPr/>
+          <p:nvPr/>
+        </p:nvSpPr>
+        <p:spPr>
+          <a:xfrm>
+            <a:off x="6239848" y="1692304"/>
+            <a:ext cx="410198" cy="410198"/>
+          </a:xfrm>
+          <a:prstGeom prst="rect">
+            <a:avLst/>
+          </a:prstGeom>
+          <a:noFill/>
+          <a:ln w="31750">
+            <a:solidFill>
+              <a:schemeClr val="tx1"/>
+            </a:solidFill>
+          </a:ln>
+          <a:effectLst/>
+        </p:spPr>
+        <p:style>
+          <a:lnRef idx="1">
+            <a:schemeClr val="accent1"/>
+          </a:lnRef>
+          <a:fillRef idx="3">
+            <a:schemeClr val="accent1"/>
+          </a:fillRef>
+          <a:effectRef idx="2">
+            <a:schemeClr val="accent1"/>
+          </a:effectRef>
+          <a:fontRef idx="minor">
+            <a:schemeClr val="lt1"/>
+          </a:fontRef>
+        </p:style>
+        <p:txBody>
+          <a:bodyPr rtlCol="0" anchor="ctr"/>
+          <a:lstStyle/>
+          <a:p>
+            <a:pPr algn="ctr"/>
+            <a:endParaRPr lang="zh-TW" altLang="en-US"/>
+          </a:p>
+        </p:txBody>
+      </p:sp>
+      <p:cxnSp>
+        <p:nvCxnSpPr>
+          <p:cNvPr id="11" name="直線單箭頭接點 10"/>
+          <p:cNvCxnSpPr/>
+          <p:nvPr/>
+        </p:nvCxnSpPr>
+        <p:spPr>
+          <a:xfrm>
+            <a:off x="5093795" y="3922643"/>
+            <a:ext cx="805716" cy="0"/>
+          </a:xfrm>
+          <a:prstGeom prst="straightConnector1">
+            <a:avLst/>
+          </a:prstGeom>
+          <a:ln w="38100">
+            <a:solidFill>
+              <a:schemeClr val="tx1"/>
+            </a:solidFill>
+            <a:tailEnd type="arrow"/>
+          </a:ln>
+          <a:effectLst/>
+        </p:spPr>
+        <p:style>
+          <a:lnRef idx="2">
+            <a:schemeClr val="accent1"/>
+          </a:lnRef>
+          <a:fillRef idx="0">
+            <a:schemeClr val="accent1"/>
+          </a:fillRef>
+          <a:effectRef idx="1">
+            <a:schemeClr val="accent1"/>
+          </a:effectRef>
+          <a:fontRef idx="minor">
+            <a:schemeClr val="tx1"/>
+          </a:fontRef>
+        </p:style>
+      </p:cxnSp>
+      <p:sp>
+        <p:nvSpPr>
+          <p:cNvPr id="14" name="文字方塊 13"/>
+          <p:cNvSpPr txBox="1"/>
+          <p:nvPr/>
+        </p:nvSpPr>
+        <p:spPr>
+          <a:xfrm>
+            <a:off x="5864457" y="3574599"/>
+            <a:ext cx="769763" cy="707886"/>
+          </a:xfrm>
+          <a:prstGeom prst="rect">
+            <a:avLst/>
+          </a:prstGeom>
+          <a:noFill/>
+        </p:spPr>
+        <p:txBody>
+          <a:bodyPr wrap="none" rtlCol="0">
+            <a:spAutoFit/>
+          </a:bodyPr>
+          <a:lstStyle/>
+          <a:p>
+            <a:r>
+              <a:rPr lang="en-US" altLang="zh-TW" sz="4000" dirty="0" smtClean="0"/>
+              <a:t>+1</a:t>
+            </a:r>
+            <a:endParaRPr lang="zh-TW" altLang="en-US" sz="4000" dirty="0"/>
+          </a:p>
+        </p:txBody>
+      </p:sp>
+      <p:cxnSp>
+        <p:nvCxnSpPr>
+          <p:cNvPr id="15" name="直線單箭頭接點 14"/>
+          <p:cNvCxnSpPr/>
+          <p:nvPr/>
+        </p:nvCxnSpPr>
+        <p:spPr>
+          <a:xfrm flipH="1">
+            <a:off x="3882886" y="3922643"/>
+            <a:ext cx="842938" cy="0"/>
+          </a:xfrm>
+          <a:prstGeom prst="straightConnector1">
+            <a:avLst/>
+          </a:prstGeom>
+          <a:ln w="38100">
+            <a:solidFill>
+              <a:schemeClr val="tx1"/>
+            </a:solidFill>
+            <a:tailEnd type="arrow"/>
+          </a:ln>
+          <a:effectLst/>
+        </p:spPr>
+        <p:style>
+          <a:lnRef idx="2">
+            <a:schemeClr val="accent1"/>
+          </a:lnRef>
+          <a:fillRef idx="0">
+            <a:schemeClr val="accent1"/>
+          </a:fillRef>
+          <a:effectRef idx="1">
+            <a:schemeClr val="accent1"/>
+          </a:effectRef>
+          <a:fontRef idx="minor">
+            <a:schemeClr val="tx1"/>
+          </a:fontRef>
+        </p:style>
+      </p:cxnSp>
+      <p:sp>
+        <p:nvSpPr>
+          <p:cNvPr id="16" name="文字方塊 15"/>
+          <p:cNvSpPr txBox="1"/>
+          <p:nvPr/>
+        </p:nvSpPr>
+        <p:spPr>
+          <a:xfrm>
+            <a:off x="2987248" y="3540731"/>
+            <a:ext cx="641522" cy="707886"/>
+          </a:xfrm>
+          <a:prstGeom prst="rect">
+            <a:avLst/>
+          </a:prstGeom>
+          <a:noFill/>
+        </p:spPr>
+        <p:txBody>
+          <a:bodyPr wrap="none" rtlCol="0">
+            <a:spAutoFit/>
+          </a:bodyPr>
+          <a:lstStyle/>
+          <a:p>
+            <a:r>
+              <a:rPr lang="en-US" altLang="zh-TW" sz="4000" dirty="0"/>
+              <a:t>-</a:t>
+            </a:r>
+            <a:r>
+              <a:rPr lang="en-US" altLang="zh-TW" sz="4000" dirty="0" smtClean="0"/>
+              <a:t>1</a:t>
+            </a:r>
+            <a:endParaRPr lang="zh-TW" altLang="en-US" sz="4000" dirty="0"/>
+          </a:p>
+        </p:txBody>
+      </p:sp>
+    </p:spTree>
+    <p:extLst>
+      <p:ext uri="{BB962C8B-B14F-4D97-AF65-F5344CB8AC3E}">
+        <p14:creationId xmlns:p14="http://schemas.microsoft.com/office/powerpoint/2010/main" val="3040030372"/>
+      </p:ext>
+    </p:extLst>
+  </p:cSld>
+  <p:clrMapOvr>
+    <a:masterClrMapping/>
+  </p:clrMapOvr>
+  <p:timing>
+    <p:tnLst>
+      <p:par>
+        <p:cTn id="1" dur="indefinite" restart="never" nodeType="tmRoot">
+          <p:childTnLst>
+            <p:seq concurrent="1" nextAc="seek">
+              <p:cTn id="2" dur="indefinite" nodeType="mainSeq">
+                <p:childTnLst>
+                  <p:par>
+                    <p:cTn id="3" fill="hold">
+                      <p:stCondLst>
+                        <p:cond delay="indefinite"/>
+                      </p:stCondLst>
+                      <p:childTnLst>
+                        <p:par>
+                          <p:cTn id="4" fill="hold">
+                            <p:stCondLst>
+                              <p:cond delay="0"/>
+                            </p:stCondLst>
+                            <p:childTnLst>
+                              <p:par>
+                                <p:cTn id="5" presetID="1" presetClass="entr" presetSubtype="0" fill="hold" nodeType="clickEffect">
+                                  <p:stCondLst>
+                                    <p:cond delay="0"/>
+                                  </p:stCondLst>
+                                  <p:childTnLst>
+                                    <p:set>
+                                      <p:cBhvr>
+                                        <p:cTn id="6" dur="1" fill="hold">
+                                          <p:stCondLst>
+                                            <p:cond delay="0"/>
+                                          </p:stCondLst>
+                                        </p:cTn>
+                                        <p:tgtEl>
+                                          <p:spTgt spid="5"/>
+                                        </p:tgtEl>
+                                        <p:attrNameLst>
+                                          <p:attrName>style.visibility</p:attrName>
+                                        </p:attrNameLst>
+                                      </p:cBhvr>
+                                      <p:to>
+                                        <p:strVal val="visible"/>
+                                      </p:to>
+                                    </p:set>
+                                  </p:childTnLst>
+                                </p:cTn>
+                              </p:par>
+                            </p:childTnLst>
+                          </p:cTn>
+                        </p:par>
+                      </p:childTnLst>
+                    </p:cTn>
+                  </p:par>
+                  <p:par>
+                    <p:cTn id="7" fill="hold">
+                      <p:stCondLst>
+                        <p:cond delay="indefinite"/>
+                      </p:stCondLst>
+                      <p:childTnLst>
+                        <p:par>
+                          <p:cTn id="8" fill="hold">
+                            <p:stCondLst>
+                              <p:cond delay="0"/>
+                            </p:stCondLst>
+                            <p:childTnLst>
+                              <p:par>
+                                <p:cTn id="9" presetID="1" presetClass="entr" presetSubtype="0" fill="hold" nodeType="clickEffect">
+                                  <p:stCondLst>
+                                    <p:cond delay="0"/>
+                                  </p:stCondLst>
+                                  <p:childTnLst>
+                                    <p:set>
+                                      <p:cBhvr>
+                                        <p:cTn id="10" dur="1" fill="hold">
+                                          <p:stCondLst>
+                                            <p:cond delay="0"/>
+                                          </p:stCondLst>
+                                        </p:cTn>
+                                        <p:tgtEl>
+                                          <p:spTgt spid="11"/>
+                                        </p:tgtEl>
+                                        <p:attrNameLst>
+                                          <p:attrName>style.visibility</p:attrName>
+                                        </p:attrNameLst>
+                                      </p:cBhvr>
+                                      <p:to>
+                                        <p:strVal val="visible"/>
+                                      </p:to>
+                                    </p:set>
+                                  </p:childTnLst>
+                                </p:cTn>
+                              </p:par>
+                              <p:par>
+                                <p:cTn id="11" presetID="1" presetClass="entr" presetSubtype="0" fill="hold" grpId="0" nodeType="withEffect">
+                                  <p:stCondLst>
+                                    <p:cond delay="0"/>
+                                  </p:stCondLst>
+                                  <p:childTnLst>
+                                    <p:set>
+                                      <p:cBhvr>
+                                        <p:cTn id="12" dur="1" fill="hold">
+                                          <p:stCondLst>
+                                            <p:cond delay="0"/>
+                                          </p:stCondLst>
+                                        </p:cTn>
+                                        <p:tgtEl>
+                                          <p:spTgt spid="14"/>
+                                        </p:tgtEl>
+                                        <p:attrNameLst>
+                                          <p:attrName>style.visibility</p:attrName>
+                                        </p:attrNameLst>
+                                      </p:cBhvr>
+                                      <p:to>
+                                        <p:strVal val="visible"/>
+                                      </p:to>
+                                    </p:set>
+                                  </p:childTnLst>
+                                </p:cTn>
+                              </p:par>
+                              <p:par>
+                                <p:cTn id="13" presetID="1" presetClass="entr" presetSubtype="0" fill="hold" nodeType="withEffect">
+                                  <p:stCondLst>
+                                    <p:cond delay="0"/>
+                                  </p:stCondLst>
+                                  <p:childTnLst>
+                                    <p:set>
+                                      <p:cBhvr>
+                                        <p:cTn id="14" dur="1" fill="hold">
+                                          <p:stCondLst>
+                                            <p:cond delay="0"/>
+                                          </p:stCondLst>
+                                        </p:cTn>
+                                        <p:tgtEl>
+                                          <p:spTgt spid="15"/>
+                                        </p:tgtEl>
+                                        <p:attrNameLst>
+                                          <p:attrName>style.visibility</p:attrName>
+                                        </p:attrNameLst>
+                                      </p:cBhvr>
+                                      <p:to>
+                                        <p:strVal val="visible"/>
+                                      </p:to>
+                                    </p:set>
+                                  </p:childTnLst>
+                                </p:cTn>
+                              </p:par>
+                              <p:par>
+                                <p:cTn id="15" presetID="1" presetClass="entr" presetSubtype="0" fill="hold" grpId="0" nodeType="withEffect">
+                                  <p:stCondLst>
+                                    <p:cond delay="0"/>
+                                  </p:stCondLst>
+                                  <p:childTnLst>
+                                    <p:set>
+                                      <p:cBhvr>
+                                        <p:cTn id="16" dur="1" fill="hold">
+                                          <p:stCondLst>
+                                            <p:cond delay="0"/>
+                                          </p:stCondLst>
+                                        </p:cTn>
+                                        <p:tgtEl>
+                                          <p:spTgt spid="16"/>
+                                        </p:tgtEl>
+                                        <p:attrNameLst>
+                                          <p:attrName>style.visibility</p:attrName>
+                                        </p:attrNameLst>
+                                      </p:cBhvr>
+                                      <p:to>
+                                        <p:strVal val="visible"/>
+                                      </p:to>
+                                    </p:set>
+                                  </p:childTnLst>
+                                </p:cTn>
+                              </p:par>
+                            </p:childTnLst>
+                          </p:cTn>
+                        </p:par>
+                      </p:childTnLst>
+                    </p:cTn>
+                  </p:par>
+                  <p:par>
+                    <p:cTn id="17" fill="hold">
+                      <p:stCondLst>
+                        <p:cond delay="indefinite"/>
+                      </p:stCondLst>
+                      <p:childTnLst>
+                        <p:par>
+                          <p:cTn id="18" fill="hold">
+                            <p:stCondLst>
+                              <p:cond delay="0"/>
+                            </p:stCondLst>
+                            <p:childTnLst>
+                              <p:par>
+                                <p:cTn id="19" presetID="1" presetClass="entr" presetSubtype="0" fill="hold" grpId="0" nodeType="clickEffect">
+                                  <p:stCondLst>
+                                    <p:cond delay="0"/>
+                                  </p:stCondLst>
+                                  <p:childTnLst>
+                                    <p:set>
+                                      <p:cBhvr>
+                                        <p:cTn id="20" dur="1" fill="hold">
+                                          <p:stCondLst>
+                                            <p:cond delay="0"/>
+                                          </p:stCondLst>
+                                        </p:cTn>
+                                        <p:tgtEl>
+                                          <p:spTgt spid="7"/>
+                                        </p:tgtEl>
+                                        <p:attrNameLst>
+                                          <p:attrName>style.visibility</p:attrName>
+                                        </p:attrNameLst>
+                                      </p:cBhvr>
+                                      <p:to>
+                                        <p:strVal val="visible"/>
+                                      </p:to>
+                                    </p:set>
+                                  </p:childTnLst>
+                                </p:cTn>
+                              </p:par>
+                              <p:par>
+                                <p:cTn id="21" presetID="1" presetClass="exit" presetSubtype="0" fill="hold" nodeType="withEffect">
+                                  <p:stCondLst>
+                                    <p:cond delay="0"/>
+                                  </p:stCondLst>
+                                  <p:childTnLst>
+                                    <p:set>
+                                      <p:cBhvr>
+                                        <p:cTn id="22" dur="1" fill="hold">
+                                          <p:stCondLst>
+                                            <p:cond delay="0"/>
+                                          </p:stCondLst>
+                                        </p:cTn>
+                                        <p:tgtEl>
+                                          <p:spTgt spid="11"/>
+                                        </p:tgtEl>
+                                        <p:attrNameLst>
+                                          <p:attrName>style.visibility</p:attrName>
+                                        </p:attrNameLst>
+                                      </p:cBhvr>
+                                      <p:to>
+                                        <p:strVal val="hidden"/>
+                                      </p:to>
+                                    </p:set>
+                                  </p:childTnLst>
+                                </p:cTn>
+                              </p:par>
+                              <p:par>
+                                <p:cTn id="23" presetID="1" presetClass="exit" presetSubtype="0" fill="hold" grpId="1" nodeType="withEffect">
+                                  <p:stCondLst>
+                                    <p:cond delay="0"/>
+                                  </p:stCondLst>
+                                  <p:childTnLst>
+                                    <p:set>
+                                      <p:cBhvr>
+                                        <p:cTn id="24" dur="1" fill="hold">
+                                          <p:stCondLst>
+                                            <p:cond delay="0"/>
+                                          </p:stCondLst>
+                                        </p:cTn>
+                                        <p:tgtEl>
+                                          <p:spTgt spid="14"/>
+                                        </p:tgtEl>
+                                        <p:attrNameLst>
+                                          <p:attrName>style.visibility</p:attrName>
+                                        </p:attrNameLst>
+                                      </p:cBhvr>
+                                      <p:to>
+                                        <p:strVal val="hidden"/>
+                                      </p:to>
+                                    </p:set>
+                                  </p:childTnLst>
+                                </p:cTn>
+                              </p:par>
+                              <p:par>
+                                <p:cTn id="25" presetID="1" presetClass="exit" presetSubtype="0" fill="hold" nodeType="withEffect">
+                                  <p:stCondLst>
+                                    <p:cond delay="0"/>
+                                  </p:stCondLst>
+                                  <p:childTnLst>
+                                    <p:set>
+                                      <p:cBhvr>
+                                        <p:cTn id="26" dur="1" fill="hold">
+                                          <p:stCondLst>
+                                            <p:cond delay="0"/>
+                                          </p:stCondLst>
+                                        </p:cTn>
+                                        <p:tgtEl>
+                                          <p:spTgt spid="15"/>
+                                        </p:tgtEl>
+                                        <p:attrNameLst>
+                                          <p:attrName>style.visibility</p:attrName>
+                                        </p:attrNameLst>
+                                      </p:cBhvr>
+                                      <p:to>
+                                        <p:strVal val="hidden"/>
+                                      </p:to>
+                                    </p:set>
+                                  </p:childTnLst>
+                                </p:cTn>
+                              </p:par>
+                              <p:par>
+                                <p:cTn id="27" presetID="1" presetClass="exit" presetSubtype="0" fill="hold" grpId="1" nodeType="withEffect">
+                                  <p:stCondLst>
+                                    <p:cond delay="0"/>
+                                  </p:stCondLst>
+                                  <p:childTnLst>
+                                    <p:set>
+                                      <p:cBhvr>
+                                        <p:cTn id="28" dur="1" fill="hold">
+                                          <p:stCondLst>
+                                            <p:cond delay="0"/>
+                                          </p:stCondLst>
+                                        </p:cTn>
+                                        <p:tgtEl>
+                                          <p:spTgt spid="16"/>
+                                        </p:tgtEl>
+                                        <p:attrNameLst>
+                                          <p:attrName>style.visibility</p:attrName>
+                                        </p:attrNameLst>
+                                      </p:cBhvr>
+                                      <p:to>
+                                        <p:strVal val="hidden"/>
+                                      </p:to>
+                                    </p:set>
+                                  </p:childTnLst>
+                                </p:cTn>
+                              </p:par>
+                            </p:childTnLst>
+                          </p:cTn>
+                        </p:par>
+                      </p:childTnLst>
+                    </p:cTn>
+                  </p:par>
+                </p:childTnLst>
+              </p:cTn>
+              <p:prevCondLst>
+                <p:cond evt="onPrev" delay="0">
+                  <p:tgtEl>
+                    <p:sldTgt/>
+                  </p:tgtEl>
+                </p:cond>
+              </p:prevCondLst>
+              <p:nextCondLst>
+                <p:cond evt="onNext" delay="0">
+                  <p:tgtEl>
+                    <p:sldTgt/>
+                  </p:tgtEl>
+                </p:cond>
+              </p:nextCondLst>
+            </p:seq>
+          </p:childTnLst>
+        </p:cTn>
+      </p:par>
+    </p:tnLst>
+    <p:bldLst>
+      <p:bldP spid="7" grpId="0" animBg="1"/>
+      <p:bldP spid="14" grpId="0"/>
+      <p:bldP spid="14" grpId="1"/>
+      <p:bldP spid="16" grpId="0"/>
+      <p:bldP spid="16" grpId="1"/>
+    </p:bldLst>
   </p:timing>
 </p:sld>
 </file>
@@ -36524,23 +37504,6 @@
 </file>
 
 <file path=customXml/item1.xml><?xml version="1.0" encoding="utf-8"?>
-<?mso-contentType ?>
-<FormTemplates xmlns="http://schemas.microsoft.com/sharepoint/v3/contenttype/forms">
-  <Display>DocumentLibraryForm</Display>
-  <Edit>DocumentLibraryForm</Edit>
-  <New>DocumentLibraryForm</New>
-</FormTemplates>
-</file>
-
-<file path=customXml/item2.xml><?xml version="1.0" encoding="utf-8"?>
-<p:properties xmlns:p="http://schemas.microsoft.com/office/2006/metadata/properties" xmlns:xsi="http://www.w3.org/2001/XMLSchema-instance" xmlns:pc="http://schemas.microsoft.com/office/infopath/2007/PartnerControls">
-  <documentManagement>
-    <Year xmlns="24ac9ee2-1f69-49ec-81c1-d01c86227436">2015</Year>
-  </documentManagement>
-</p:properties>
-</file>
-
-<file path=customXml/item3.xml><?xml version="1.0" encoding="utf-8"?>
 <ct:contentTypeSchema xmlns:ct="http://schemas.microsoft.com/office/2006/metadata/contentType" xmlns:ma="http://schemas.microsoft.com/office/2006/metadata/properties/metaAttributes" ct:_="" ma:_="" ma:contentTypeName="文件" ma:contentTypeID="0x0101000CB458D5399432479E0BB962A3AC807C" ma:contentTypeVersion="1" ma:contentTypeDescription="建立新的文件。" ma:contentTypeScope="" ma:versionID="2090fcdc2e9aae8469eabc8d31b189fb">
   <xsd:schema xmlns:xsd="http://www.w3.org/2001/XMLSchema" xmlns:xs="http://www.w3.org/2001/XMLSchema" xmlns:p="http://schemas.microsoft.com/office/2006/metadata/properties" xmlns:ns2="24ac9ee2-1f69-49ec-81c1-d01c86227436" targetNamespace="http://schemas.microsoft.com/office/2006/metadata/properties" ma:root="true" ma:fieldsID="3ada4ee18b918396c161ab8726fa03da" ns2:_="">
     <xsd:import namespace="24ac9ee2-1f69-49ec-81c1-d01c86227436"/>
@@ -36671,31 +37634,24 @@
 </ct:contentTypeSchema>
 </file>
 
-<file path=customXml/itemProps1.xml><?xml version="1.0" encoding="utf-8"?>
-<ds:datastoreItem xmlns:ds="http://schemas.openxmlformats.org/officeDocument/2006/customXml" ds:itemID="{75703042-9C6F-440D-9A8D-0836740E8EC4}">
-  <ds:schemaRefs>
-    <ds:schemaRef ds:uri="http://schemas.microsoft.com/sharepoint/v3/contenttype/forms"/>
-  </ds:schemaRefs>
-</ds:datastoreItem>
+<file path=customXml/item2.xml><?xml version="1.0" encoding="utf-8"?>
+<?mso-contentType ?>
+<FormTemplates xmlns="http://schemas.microsoft.com/sharepoint/v3/contenttype/forms">
+  <Display>DocumentLibraryForm</Display>
+  <Edit>DocumentLibraryForm</Edit>
+  <New>DocumentLibraryForm</New>
+</FormTemplates>
 </file>
 
-<file path=customXml/itemProps2.xml><?xml version="1.0" encoding="utf-8"?>
-<ds:datastoreItem xmlns:ds="http://schemas.openxmlformats.org/officeDocument/2006/customXml" ds:itemID="{327D2673-F33E-4BA5-8F43-8D9B5FEBC44E}">
-  <ds:schemaRefs>
-    <ds:schemaRef ds:uri="http://schemas.microsoft.com/office/2006/documentManagement/types"/>
-    <ds:schemaRef ds:uri="http://schemas.microsoft.com/office/2006/metadata/properties"/>
-    <ds:schemaRef ds:uri="http://purl.org/dc/dcmitype/"/>
-    <ds:schemaRef ds:uri="http://purl.org/dc/terms/"/>
-    <ds:schemaRef ds:uri="http://schemas.microsoft.com/office/infopath/2007/PartnerControls"/>
-    <ds:schemaRef ds:uri="http://purl.org/dc/elements/1.1/"/>
-    <ds:schemaRef ds:uri="http://www.w3.org/XML/1998/namespace"/>
-    <ds:schemaRef ds:uri="http://schemas.openxmlformats.org/package/2006/metadata/core-properties"/>
-    <ds:schemaRef ds:uri="24ac9ee2-1f69-49ec-81c1-d01c86227436"/>
-  </ds:schemaRefs>
-</ds:datastoreItem>
+<file path=customXml/item3.xml><?xml version="1.0" encoding="utf-8"?>
+<p:properties xmlns:p="http://schemas.microsoft.com/office/2006/metadata/properties" xmlns:xsi="http://www.w3.org/2001/XMLSchema-instance" xmlns:pc="http://schemas.microsoft.com/office/infopath/2007/PartnerControls">
+  <documentManagement>
+    <Year xmlns="24ac9ee2-1f69-49ec-81c1-d01c86227436">2015</Year>
+  </documentManagement>
+</p:properties>
 </file>
 
-<file path=customXml/itemProps3.xml><?xml version="1.0" encoding="utf-8"?>
+<file path=customXml/itemProps1.xml><?xml version="1.0" encoding="utf-8"?>
 <ds:datastoreItem xmlns:ds="http://schemas.openxmlformats.org/officeDocument/2006/customXml" ds:itemID="{4C9F39EC-CE5D-4921-B7BB-5650597DBD03}">
   <ds:schemaRefs>
     <ds:schemaRef ds:uri="http://schemas.microsoft.com/office/2006/metadata/contentType"/>
@@ -36711,4 +37667,28 @@
     <ds:schemaRef ds:uri="http://schemas.microsoft.com/internal/obd"/>
   </ds:schemaRefs>
 </ds:datastoreItem>
+</file>
+
+<file path=customXml/itemProps2.xml><?xml version="1.0" encoding="utf-8"?>
+<ds:datastoreItem xmlns:ds="http://schemas.openxmlformats.org/officeDocument/2006/customXml" ds:itemID="{75703042-9C6F-440D-9A8D-0836740E8EC4}">
+  <ds:schemaRefs>
+    <ds:schemaRef ds:uri="http://schemas.microsoft.com/sharepoint/v3/contenttype/forms"/>
+  </ds:schemaRefs>
+</ds:datastoreItem>
+</file>
+
+<file path=customXml/itemProps3.xml><?xml version="1.0" encoding="utf-8"?>
+<ds:datastoreItem xmlns:ds="http://schemas.openxmlformats.org/officeDocument/2006/customXml" ds:itemID="{327D2673-F33E-4BA5-8F43-8D9B5FEBC44E}">
+  <ds:schemaRefs>
+    <ds:schemaRef ds:uri="http://schemas.microsoft.com/office/2006/documentManagement/types"/>
+    <ds:schemaRef ds:uri="http://schemas.microsoft.com/office/2006/metadata/properties"/>
+    <ds:schemaRef ds:uri="http://purl.org/dc/dcmitype/"/>
+    <ds:schemaRef ds:uri="http://purl.org/dc/terms/"/>
+    <ds:schemaRef ds:uri="http://schemas.microsoft.com/office/infopath/2007/PartnerControls"/>
+    <ds:schemaRef ds:uri="http://purl.org/dc/elements/1.1/"/>
+    <ds:schemaRef ds:uri="http://www.w3.org/XML/1998/namespace"/>
+    <ds:schemaRef ds:uri="http://schemas.openxmlformats.org/package/2006/metadata/core-properties"/>
+    <ds:schemaRef ds:uri="24ac9ee2-1f69-49ec-81c1-d01c86227436"/>
+  </ds:schemaRefs>
+</ds:datastoreItem>
 </file>
--- a/Presentation/Boosting.pptx
+++ b/Presentation/Boosting.pptx
@@ -144,7 +144,7 @@
   </p:defaultTextStyle>
   <p:extLst>
     <p:ext uri="{EFAFB233-063F-42B5-8137-9DF3F51BA10A}">
-      <p15:sldGuideLst xmlns:p15="http://schemas.microsoft.com/office/powerpoint/2012/main">
+      <p15:sldGuideLst xmlns:p15="http://schemas.microsoft.com/office/powerpoint/2012/main" xmlns="">
         <p15:guide id="1" orient="horz" pos="3868">
           <p15:clr>
             <a:srgbClr val="A4A3A4"/>
@@ -289,7 +289,7 @@
             <a:fld id="{F8252C7F-5FEC-2E4D-80AA-BF666F276660}" type="datetime1">
               <a:rPr lang="en-US" smtClean="0"/>
               <a:pPr/>
-              <a:t>7/5/2015</a:t>
+              <a:t>7/6/2015</a:t>
             </a:fld>
             <a:endParaRPr lang="en-US"/>
           </a:p>
@@ -365,7 +365,7 @@
     </p:spTree>
     <p:extLst>
       <p:ext uri="{BB962C8B-B14F-4D97-AF65-F5344CB8AC3E}">
-        <p14:creationId xmlns:p14="http://schemas.microsoft.com/office/powerpoint/2010/main" val="1411092301"/>
+        <p14:creationId xmlns:p14="http://schemas.microsoft.com/office/powerpoint/2010/main" xmlns="" val="1411092301"/>
       </p:ext>
     </p:extLst>
   </p:cSld>
@@ -457,7 +457,7 @@
             <a:fld id="{1939DE02-E791-1340-B4FF-3939EE33ADCD}" type="datetime1">
               <a:rPr lang="en-US" smtClean="0"/>
               <a:pPr/>
-              <a:t>7/5/2015</a:t>
+              <a:t>7/6/2015</a:t>
             </a:fld>
             <a:endParaRPr lang="en-US"/>
           </a:p>
@@ -626,7 +626,7 @@
     </p:spTree>
     <p:extLst>
       <p:ext uri="{BB962C8B-B14F-4D97-AF65-F5344CB8AC3E}">
-        <p14:creationId xmlns:p14="http://schemas.microsoft.com/office/powerpoint/2010/main" val="160240899"/>
+        <p14:creationId xmlns:p14="http://schemas.microsoft.com/office/powerpoint/2010/main" xmlns="" val="160240899"/>
       </p:ext>
     </p:extLst>
   </p:cSld>
@@ -802,7 +802,7 @@
     </p:spTree>
     <p:extLst>
       <p:ext uri="{BB962C8B-B14F-4D97-AF65-F5344CB8AC3E}">
-        <p14:creationId xmlns:p14="http://schemas.microsoft.com/office/powerpoint/2010/main" val="3773960202"/>
+        <p14:creationId xmlns:p14="http://schemas.microsoft.com/office/powerpoint/2010/main" xmlns="" val="3773960202"/>
       </p:ext>
     </p:extLst>
   </p:cSld>
@@ -887,7 +887,7 @@
     </p:spTree>
     <p:extLst>
       <p:ext uri="{BB962C8B-B14F-4D97-AF65-F5344CB8AC3E}">
-        <p14:creationId xmlns:p14="http://schemas.microsoft.com/office/powerpoint/2010/main" val="3113946682"/>
+        <p14:creationId xmlns:p14="http://schemas.microsoft.com/office/powerpoint/2010/main" xmlns="" val="3113946682"/>
       </p:ext>
     </p:extLst>
   </p:cSld>
@@ -972,7 +972,7 @@
     </p:spTree>
     <p:extLst>
       <p:ext uri="{BB962C8B-B14F-4D97-AF65-F5344CB8AC3E}">
-        <p14:creationId xmlns:p14="http://schemas.microsoft.com/office/powerpoint/2010/main" val="901386044"/>
+        <p14:creationId xmlns:p14="http://schemas.microsoft.com/office/powerpoint/2010/main" xmlns="" val="901386044"/>
       </p:ext>
     </p:extLst>
   </p:cSld>
@@ -1057,7 +1057,7 @@
     </p:spTree>
     <p:extLst>
       <p:ext uri="{BB962C8B-B14F-4D97-AF65-F5344CB8AC3E}">
-        <p14:creationId xmlns:p14="http://schemas.microsoft.com/office/powerpoint/2010/main" val="2168797509"/>
+        <p14:creationId xmlns:p14="http://schemas.microsoft.com/office/powerpoint/2010/main" xmlns="" val="2168797509"/>
       </p:ext>
     </p:extLst>
   </p:cSld>
@@ -1142,7 +1142,7 @@
     </p:spTree>
     <p:extLst>
       <p:ext uri="{BB962C8B-B14F-4D97-AF65-F5344CB8AC3E}">
-        <p14:creationId xmlns:p14="http://schemas.microsoft.com/office/powerpoint/2010/main" val="901386044"/>
+        <p14:creationId xmlns:p14="http://schemas.microsoft.com/office/powerpoint/2010/main" xmlns="" val="901386044"/>
       </p:ext>
     </p:extLst>
   </p:cSld>
@@ -1227,7 +1227,7 @@
     </p:spTree>
     <p:extLst>
       <p:ext uri="{BB962C8B-B14F-4D97-AF65-F5344CB8AC3E}">
-        <p14:creationId xmlns:p14="http://schemas.microsoft.com/office/powerpoint/2010/main" val="477824888"/>
+        <p14:creationId xmlns:p14="http://schemas.microsoft.com/office/powerpoint/2010/main" xmlns="" val="477824888"/>
       </p:ext>
     </p:extLst>
   </p:cSld>
@@ -1312,7 +1312,7 @@
     </p:spTree>
     <p:extLst>
       <p:ext uri="{BB962C8B-B14F-4D97-AF65-F5344CB8AC3E}">
-        <p14:creationId xmlns:p14="http://schemas.microsoft.com/office/powerpoint/2010/main" val="3594096594"/>
+        <p14:creationId xmlns:p14="http://schemas.microsoft.com/office/powerpoint/2010/main" xmlns="" val="3594096594"/>
       </p:ext>
     </p:extLst>
   </p:cSld>
@@ -1397,7 +1397,7 @@
     </p:spTree>
     <p:extLst>
       <p:ext uri="{BB962C8B-B14F-4D97-AF65-F5344CB8AC3E}">
-        <p14:creationId xmlns:p14="http://schemas.microsoft.com/office/powerpoint/2010/main" val="2967594684"/>
+        <p14:creationId xmlns:p14="http://schemas.microsoft.com/office/powerpoint/2010/main" xmlns="" val="2967594684"/>
       </p:ext>
     </p:extLst>
   </p:cSld>
@@ -1482,7 +1482,7 @@
     </p:spTree>
     <p:extLst>
       <p:ext uri="{BB962C8B-B14F-4D97-AF65-F5344CB8AC3E}">
-        <p14:creationId xmlns:p14="http://schemas.microsoft.com/office/powerpoint/2010/main" val="1151715850"/>
+        <p14:creationId xmlns:p14="http://schemas.microsoft.com/office/powerpoint/2010/main" xmlns="" val="1151715850"/>
       </p:ext>
     </p:extLst>
   </p:cSld>
@@ -1567,7 +1567,7 @@
     </p:spTree>
     <p:extLst>
       <p:ext uri="{BB962C8B-B14F-4D97-AF65-F5344CB8AC3E}">
-        <p14:creationId xmlns:p14="http://schemas.microsoft.com/office/powerpoint/2010/main" val="480246252"/>
+        <p14:creationId xmlns:p14="http://schemas.microsoft.com/office/powerpoint/2010/main" xmlns="" val="480246252"/>
       </p:ext>
     </p:extLst>
   </p:cSld>
@@ -1652,7 +1652,7 @@
     </p:spTree>
     <p:extLst>
       <p:ext uri="{BB962C8B-B14F-4D97-AF65-F5344CB8AC3E}">
-        <p14:creationId xmlns:p14="http://schemas.microsoft.com/office/powerpoint/2010/main" val="815287753"/>
+        <p14:creationId xmlns:p14="http://schemas.microsoft.com/office/powerpoint/2010/main" xmlns="" val="815287753"/>
       </p:ext>
     </p:extLst>
   </p:cSld>
@@ -1737,7 +1737,7 @@
     </p:spTree>
     <p:extLst>
       <p:ext uri="{BB962C8B-B14F-4D97-AF65-F5344CB8AC3E}">
-        <p14:creationId xmlns:p14="http://schemas.microsoft.com/office/powerpoint/2010/main" val="2400959933"/>
+        <p14:creationId xmlns:p14="http://schemas.microsoft.com/office/powerpoint/2010/main" xmlns="" val="2400959933"/>
       </p:ext>
     </p:extLst>
   </p:cSld>
@@ -1822,7 +1822,7 @@
     </p:spTree>
     <p:extLst>
       <p:ext uri="{BB962C8B-B14F-4D97-AF65-F5344CB8AC3E}">
-        <p14:creationId xmlns:p14="http://schemas.microsoft.com/office/powerpoint/2010/main" val="3862976365"/>
+        <p14:creationId xmlns:p14="http://schemas.microsoft.com/office/powerpoint/2010/main" xmlns="" val="3862976365"/>
       </p:ext>
     </p:extLst>
   </p:cSld>
@@ -1907,7 +1907,7 @@
     </p:spTree>
     <p:extLst>
       <p:ext uri="{BB962C8B-B14F-4D97-AF65-F5344CB8AC3E}">
-        <p14:creationId xmlns:p14="http://schemas.microsoft.com/office/powerpoint/2010/main" val="109162968"/>
+        <p14:creationId xmlns:p14="http://schemas.microsoft.com/office/powerpoint/2010/main" xmlns="" val="109162968"/>
       </p:ext>
     </p:extLst>
   </p:cSld>
@@ -1994,7 +1994,7 @@
     </p:spTree>
     <p:extLst>
       <p:ext uri="{BB962C8B-B14F-4D97-AF65-F5344CB8AC3E}">
-        <p14:creationId xmlns:p14="http://schemas.microsoft.com/office/powerpoint/2010/main" val="428055402"/>
+        <p14:creationId xmlns:p14="http://schemas.microsoft.com/office/powerpoint/2010/main" xmlns="" val="428055402"/>
       </p:ext>
     </p:extLst>
   </p:cSld>
@@ -2089,7 +2089,7 @@
     </p:spTree>
     <p:extLst>
       <p:ext uri="{BB962C8B-B14F-4D97-AF65-F5344CB8AC3E}">
-        <p14:creationId xmlns:p14="http://schemas.microsoft.com/office/powerpoint/2010/main" val="3157268341"/>
+        <p14:creationId xmlns:p14="http://schemas.microsoft.com/office/powerpoint/2010/main" xmlns="" val="3157268341"/>
       </p:ext>
     </p:extLst>
   </p:cSld>
@@ -2174,7 +2174,7 @@
     </p:spTree>
     <p:extLst>
       <p:ext uri="{BB962C8B-B14F-4D97-AF65-F5344CB8AC3E}">
-        <p14:creationId xmlns:p14="http://schemas.microsoft.com/office/powerpoint/2010/main" val="1976281593"/>
+        <p14:creationId xmlns:p14="http://schemas.microsoft.com/office/powerpoint/2010/main" xmlns="" val="1976281593"/>
       </p:ext>
     </p:extLst>
   </p:cSld>
@@ -2259,7 +2259,7 @@
     </p:spTree>
     <p:extLst>
       <p:ext uri="{BB962C8B-B14F-4D97-AF65-F5344CB8AC3E}">
-        <p14:creationId xmlns:p14="http://schemas.microsoft.com/office/powerpoint/2010/main" val="2057974675"/>
+        <p14:creationId xmlns:p14="http://schemas.microsoft.com/office/powerpoint/2010/main" xmlns="" val="2057974675"/>
       </p:ext>
     </p:extLst>
   </p:cSld>
@@ -2368,7 +2368,7 @@
     </p:spTree>
     <p:extLst>
       <p:ext uri="{BB962C8B-B14F-4D97-AF65-F5344CB8AC3E}">
-        <p14:creationId xmlns:p14="http://schemas.microsoft.com/office/powerpoint/2010/main" val="2704365197"/>
+        <p14:creationId xmlns:p14="http://schemas.microsoft.com/office/powerpoint/2010/main" xmlns="" val="2704365197"/>
       </p:ext>
     </p:extLst>
   </p:cSld>
@@ -2453,7 +2453,7 @@
     </p:spTree>
     <p:extLst>
       <p:ext uri="{BB962C8B-B14F-4D97-AF65-F5344CB8AC3E}">
-        <p14:creationId xmlns:p14="http://schemas.microsoft.com/office/powerpoint/2010/main" val="1248674841"/>
+        <p14:creationId xmlns:p14="http://schemas.microsoft.com/office/powerpoint/2010/main" xmlns="" val="1248674841"/>
       </p:ext>
     </p:extLst>
   </p:cSld>
@@ -2538,7 +2538,7 @@
     </p:spTree>
     <p:extLst>
       <p:ext uri="{BB962C8B-B14F-4D97-AF65-F5344CB8AC3E}">
-        <p14:creationId xmlns:p14="http://schemas.microsoft.com/office/powerpoint/2010/main" val="4223167586"/>
+        <p14:creationId xmlns:p14="http://schemas.microsoft.com/office/powerpoint/2010/main" xmlns="" val="4223167586"/>
       </p:ext>
     </p:extLst>
   </p:cSld>
@@ -2623,7 +2623,7 @@
     </p:spTree>
     <p:extLst>
       <p:ext uri="{BB962C8B-B14F-4D97-AF65-F5344CB8AC3E}">
-        <p14:creationId xmlns:p14="http://schemas.microsoft.com/office/powerpoint/2010/main" val="1063566096"/>
+        <p14:creationId xmlns:p14="http://schemas.microsoft.com/office/powerpoint/2010/main" xmlns="" val="1063566096"/>
       </p:ext>
     </p:extLst>
   </p:cSld>
@@ -2708,7 +2708,7 @@
     </p:spTree>
     <p:extLst>
       <p:ext uri="{BB962C8B-B14F-4D97-AF65-F5344CB8AC3E}">
-        <p14:creationId xmlns:p14="http://schemas.microsoft.com/office/powerpoint/2010/main" val="1310236669"/>
+        <p14:creationId xmlns:p14="http://schemas.microsoft.com/office/powerpoint/2010/main" xmlns="" val="1310236669"/>
       </p:ext>
     </p:extLst>
   </p:cSld>
@@ -2793,7 +2793,7 @@
     </p:spTree>
     <p:extLst>
       <p:ext uri="{BB962C8B-B14F-4D97-AF65-F5344CB8AC3E}">
-        <p14:creationId xmlns:p14="http://schemas.microsoft.com/office/powerpoint/2010/main" val="1423617521"/>
+        <p14:creationId xmlns:p14="http://schemas.microsoft.com/office/powerpoint/2010/main" xmlns="" val="1423617521"/>
       </p:ext>
     </p:extLst>
   </p:cSld>
@@ -2878,7 +2878,7 @@
     </p:spTree>
     <p:extLst>
       <p:ext uri="{BB962C8B-B14F-4D97-AF65-F5344CB8AC3E}">
-        <p14:creationId xmlns:p14="http://schemas.microsoft.com/office/powerpoint/2010/main" val="1240674996"/>
+        <p14:creationId xmlns:p14="http://schemas.microsoft.com/office/powerpoint/2010/main" xmlns="" val="1240674996"/>
       </p:ext>
     </p:extLst>
   </p:cSld>
@@ -2963,7 +2963,7 @@
     </p:spTree>
     <p:extLst>
       <p:ext uri="{BB962C8B-B14F-4D97-AF65-F5344CB8AC3E}">
-        <p14:creationId xmlns:p14="http://schemas.microsoft.com/office/powerpoint/2010/main" val="242159118"/>
+        <p14:creationId xmlns:p14="http://schemas.microsoft.com/office/powerpoint/2010/main" xmlns="" val="242159118"/>
       </p:ext>
     </p:extLst>
   </p:cSld>
@@ -3002,7 +3002,7 @@
           <a:blip r:embed="rId2">
             <a:extLst>
               <a:ext uri="{28A0092B-C50C-407E-A947-70E740481C1C}">
-                <a14:useLocalDpi xmlns:a14="http://schemas.microsoft.com/office/drawing/2010/main" val="0"/>
+                <a14:useLocalDpi xmlns:a14="http://schemas.microsoft.com/office/drawing/2010/main" xmlns="" val="0"/>
               </a:ext>
             </a:extLst>
           </a:blip>
@@ -3023,7 +3023,7 @@
     </p:spTree>
     <p:extLst>
       <p:ext uri="{BB962C8B-B14F-4D97-AF65-F5344CB8AC3E}">
-        <p14:creationId xmlns:p14="http://schemas.microsoft.com/office/powerpoint/2010/main" val="921680772"/>
+        <p14:creationId xmlns:p14="http://schemas.microsoft.com/office/powerpoint/2010/main" xmlns="" val="921680772"/>
       </p:ext>
     </p:extLst>
   </p:cSld>
@@ -3053,7 +3053,7 @@
     </p:spTree>
     <p:extLst>
       <p:ext uri="{BB962C8B-B14F-4D97-AF65-F5344CB8AC3E}">
-        <p14:creationId xmlns:p14="http://schemas.microsoft.com/office/powerpoint/2010/main" val="1551424100"/>
+        <p14:creationId xmlns:p14="http://schemas.microsoft.com/office/powerpoint/2010/main" xmlns="" val="1551424100"/>
       </p:ext>
     </p:extLst>
   </p:cSld>
@@ -3183,7 +3183,7 @@
     </p:spTree>
     <p:extLst>
       <p:ext uri="{BB962C8B-B14F-4D97-AF65-F5344CB8AC3E}">
-        <p14:creationId xmlns:p14="http://schemas.microsoft.com/office/powerpoint/2010/main" val="2725598606"/>
+        <p14:creationId xmlns:p14="http://schemas.microsoft.com/office/powerpoint/2010/main" xmlns="" val="2725598606"/>
       </p:ext>
     </p:extLst>
   </p:cSld>
@@ -3340,7 +3340,7 @@
     </p:spTree>
     <p:extLst>
       <p:ext uri="{BB962C8B-B14F-4D97-AF65-F5344CB8AC3E}">
-        <p14:creationId xmlns:p14="http://schemas.microsoft.com/office/powerpoint/2010/main" val="3479517975"/>
+        <p14:creationId xmlns:p14="http://schemas.microsoft.com/office/powerpoint/2010/main" xmlns="" val="3479517975"/>
       </p:ext>
     </p:extLst>
   </p:cSld>
@@ -3490,7 +3490,7 @@
     </p:spTree>
     <p:extLst>
       <p:ext uri="{BB962C8B-B14F-4D97-AF65-F5344CB8AC3E}">
-        <p14:creationId xmlns:p14="http://schemas.microsoft.com/office/powerpoint/2010/main" val="3246921271"/>
+        <p14:creationId xmlns:p14="http://schemas.microsoft.com/office/powerpoint/2010/main" xmlns="" val="3246921271"/>
       </p:ext>
     </p:extLst>
   </p:cSld>
@@ -3648,7 +3648,7 @@
     </p:spTree>
     <p:extLst>
       <p:ext uri="{BB962C8B-B14F-4D97-AF65-F5344CB8AC3E}">
-        <p14:creationId xmlns:p14="http://schemas.microsoft.com/office/powerpoint/2010/main" val="3015080783"/>
+        <p14:creationId xmlns:p14="http://schemas.microsoft.com/office/powerpoint/2010/main" xmlns="" val="3015080783"/>
       </p:ext>
     </p:extLst>
   </p:cSld>
@@ -3765,7 +3765,7 @@
     </p:spTree>
     <p:extLst>
       <p:ext uri="{BB962C8B-B14F-4D97-AF65-F5344CB8AC3E}">
-        <p14:creationId xmlns:p14="http://schemas.microsoft.com/office/powerpoint/2010/main" val="2098243185"/>
+        <p14:creationId xmlns:p14="http://schemas.microsoft.com/office/powerpoint/2010/main" xmlns="" val="2098243185"/>
       </p:ext>
     </p:extLst>
   </p:cSld>
@@ -3831,7 +3831,7 @@
     </p:spTree>
     <p:extLst>
       <p:ext uri="{BB962C8B-B14F-4D97-AF65-F5344CB8AC3E}">
-        <p14:creationId xmlns:p14="http://schemas.microsoft.com/office/powerpoint/2010/main" val="4200364697"/>
+        <p14:creationId xmlns:p14="http://schemas.microsoft.com/office/powerpoint/2010/main" xmlns="" val="4200364697"/>
       </p:ext>
     </p:extLst>
   </p:cSld>
@@ -3897,7 +3897,7 @@
     </p:spTree>
     <p:extLst>
       <p:ext uri="{BB962C8B-B14F-4D97-AF65-F5344CB8AC3E}">
-        <p14:creationId xmlns:p14="http://schemas.microsoft.com/office/powerpoint/2010/main" val="930438236"/>
+        <p14:creationId xmlns:p14="http://schemas.microsoft.com/office/powerpoint/2010/main" xmlns="" val="930438236"/>
       </p:ext>
     </p:extLst>
   </p:cSld>
@@ -3963,7 +3963,7 @@
     </p:spTree>
     <p:extLst>
       <p:ext uri="{BB962C8B-B14F-4D97-AF65-F5344CB8AC3E}">
-        <p14:creationId xmlns:p14="http://schemas.microsoft.com/office/powerpoint/2010/main" val="726771096"/>
+        <p14:creationId xmlns:p14="http://schemas.microsoft.com/office/powerpoint/2010/main" xmlns="" val="726771096"/>
       </p:ext>
     </p:extLst>
   </p:cSld>
@@ -4024,7 +4024,7 @@
             <a:blip r:embed="rId12">
               <a:extLst>
                 <a:ext uri="{28A0092B-C50C-407E-A947-70E740481C1C}">
-                  <a14:useLocalDpi xmlns:a14="http://schemas.microsoft.com/office/drawing/2010/main" val="0"/>
+                  <a14:useLocalDpi xmlns:a14="http://schemas.microsoft.com/office/drawing/2010/main" xmlns="" val="0"/>
                 </a:ext>
               </a:extLst>
             </a:blip>
@@ -4054,7 +4054,7 @@
             <a:blip r:embed="rId13">
               <a:extLst>
                 <a:ext uri="{28A0092B-C50C-407E-A947-70E740481C1C}">
-                  <a14:useLocalDpi xmlns:a14="http://schemas.microsoft.com/office/drawing/2010/main" val="0"/>
+                  <a14:useLocalDpi xmlns:a14="http://schemas.microsoft.com/office/drawing/2010/main" xmlns="" val="0"/>
                 </a:ext>
               </a:extLst>
             </a:blip>
@@ -4178,7 +4178,7 @@
     </p:spTree>
     <p:extLst>
       <p:ext uri="{BB962C8B-B14F-4D97-AF65-F5344CB8AC3E}">
-        <p14:creationId xmlns:p14="http://schemas.microsoft.com/office/powerpoint/2010/main" val="950083170"/>
+        <p14:creationId xmlns:p14="http://schemas.microsoft.com/office/powerpoint/2010/main" xmlns="" val="950083170"/>
       </p:ext>
     </p:extLst>
   </p:cSld>
@@ -4588,7 +4588,7 @@
     </p:spTree>
     <p:extLst>
       <p:ext uri="{BB962C8B-B14F-4D97-AF65-F5344CB8AC3E}">
-        <p14:creationId xmlns:p14="http://schemas.microsoft.com/office/powerpoint/2010/main" val="3730043343"/>
+        <p14:creationId xmlns:p14="http://schemas.microsoft.com/office/powerpoint/2010/main" xmlns="" val="3730043343"/>
       </p:ext>
     </p:extLst>
   </p:cSld>
@@ -4930,7 +4930,7 @@
     </p:spTree>
     <p:extLst>
       <p:ext uri="{BB962C8B-B14F-4D97-AF65-F5344CB8AC3E}">
-        <p14:creationId xmlns:p14="http://schemas.microsoft.com/office/powerpoint/2010/main" val="636739009"/>
+        <p14:creationId xmlns:p14="http://schemas.microsoft.com/office/powerpoint/2010/main" xmlns="" val="636739009"/>
       </p:ext>
     </p:extLst>
   </p:cSld>
@@ -5663,7 +5663,7 @@
     </p:spTree>
     <p:extLst>
       <p:ext uri="{BB962C8B-B14F-4D97-AF65-F5344CB8AC3E}">
-        <p14:creationId xmlns:p14="http://schemas.microsoft.com/office/powerpoint/2010/main" val="3040030372"/>
+        <p14:creationId xmlns:p14="http://schemas.microsoft.com/office/powerpoint/2010/main" xmlns="" val="3040030372"/>
       </p:ext>
     </p:extLst>
   </p:cSld>
@@ -6324,7 +6324,7 @@
     </p:spTree>
     <p:extLst>
       <p:ext uri="{BB962C8B-B14F-4D97-AF65-F5344CB8AC3E}">
-        <p14:creationId xmlns:p14="http://schemas.microsoft.com/office/powerpoint/2010/main" val="3040030372"/>
+        <p14:creationId xmlns:p14="http://schemas.microsoft.com/office/powerpoint/2010/main" xmlns="" val="3040030372"/>
       </p:ext>
     </p:extLst>
   </p:cSld>
@@ -7173,7 +7173,7 @@
           <p:nvPr>
             <p:extLst>
               <p:ext uri="{D42A27DB-BD31-4B8C-83A1-F6EECF244321}">
-                <p14:modId xmlns:p14="http://schemas.microsoft.com/office/powerpoint/2010/main" val="699112820"/>
+                <p14:modId xmlns:p14="http://schemas.microsoft.com/office/powerpoint/2010/main" xmlns="" val="699112820"/>
               </p:ext>
             </p:extLst>
           </p:nvPr>
@@ -7192,14 +7192,14 @@
                 <a:gridCol w="2188155">
                   <a:extLst>
                     <a:ext uri="{9D8B030D-6E8A-4147-A177-3AD203B41FA5}">
-                      <a16:colId xmlns:a16="http://schemas.microsoft.com/office/drawing/2014/main" xmlns="" val="3452721396"/>
+                      <a16:colId xmlns="" xmlns:a16="http://schemas.microsoft.com/office/drawing/2014/main" val="3452721396"/>
                     </a:ext>
                   </a:extLst>
                 </a:gridCol>
                 <a:gridCol w="1783181">
                   <a:extLst>
                     <a:ext uri="{9D8B030D-6E8A-4147-A177-3AD203B41FA5}">
-                      <a16:colId xmlns:a16="http://schemas.microsoft.com/office/drawing/2014/main" xmlns="" val="3776235587"/>
+                      <a16:colId xmlns="" xmlns:a16="http://schemas.microsoft.com/office/drawing/2014/main" val="3776235587"/>
                     </a:ext>
                   </a:extLst>
                 </a:gridCol>
@@ -7319,7 +7319,7 @@
                 </a:tc>
                 <a:extLst>
                   <a:ext uri="{0D108BD9-81ED-4DB2-BD59-A6C34878D82A}">
-                    <a16:rowId xmlns:a16="http://schemas.microsoft.com/office/drawing/2014/main" xmlns="" val="2399558479"/>
+                    <a16:rowId xmlns="" xmlns:a16="http://schemas.microsoft.com/office/drawing/2014/main" val="2399558479"/>
                   </a:ext>
                 </a:extLst>
               </a:tr>
@@ -7435,7 +7435,7 @@
                 </a:tc>
                 <a:extLst>
                   <a:ext uri="{0D108BD9-81ED-4DB2-BD59-A6C34878D82A}">
-                    <a16:rowId xmlns:a16="http://schemas.microsoft.com/office/drawing/2014/main" xmlns="" val="592403228"/>
+                    <a16:rowId xmlns="" xmlns:a16="http://schemas.microsoft.com/office/drawing/2014/main" val="592403228"/>
                   </a:ext>
                 </a:extLst>
               </a:tr>
@@ -7446,7 +7446,7 @@
     </p:spTree>
     <p:extLst>
       <p:ext uri="{BB962C8B-B14F-4D97-AF65-F5344CB8AC3E}">
-        <p14:creationId xmlns:p14="http://schemas.microsoft.com/office/powerpoint/2010/main" val="3040030372"/>
+        <p14:creationId xmlns:p14="http://schemas.microsoft.com/office/powerpoint/2010/main" xmlns="" val="3040030372"/>
       </p:ext>
     </p:extLst>
   </p:cSld>
@@ -7531,7 +7531,7 @@
           <a:blip r:embed="rId3">
             <a:extLst>
               <a:ext uri="{28A0092B-C50C-407E-A947-70E740481C1C}">
-                <a14:useLocalDpi xmlns:a14="http://schemas.microsoft.com/office/drawing/2010/main" val="0"/>
+                <a14:useLocalDpi xmlns:a14="http://schemas.microsoft.com/office/drawing/2010/main" xmlns="" val="0"/>
               </a:ext>
             </a:extLst>
           </a:blip>
@@ -7766,7 +7766,7 @@
     </p:spTree>
     <p:extLst>
       <p:ext uri="{BB962C8B-B14F-4D97-AF65-F5344CB8AC3E}">
-        <p14:creationId xmlns:p14="http://schemas.microsoft.com/office/powerpoint/2010/main" val="3040030372"/>
+        <p14:creationId xmlns:p14="http://schemas.microsoft.com/office/powerpoint/2010/main" xmlns="" val="3040030372"/>
       </p:ext>
     </p:extLst>
   </p:cSld>
@@ -8269,7 +8269,7 @@
           <a:blip r:embed="rId3">
             <a:extLst>
               <a:ext uri="{28A0092B-C50C-407E-A947-70E740481C1C}">
-                <a14:useLocalDpi xmlns:a14="http://schemas.microsoft.com/office/drawing/2010/main" val="0"/>
+                <a14:useLocalDpi xmlns:a14="http://schemas.microsoft.com/office/drawing/2010/main" xmlns="" val="0"/>
               </a:ext>
             </a:extLst>
           </a:blip>
@@ -8397,7 +8397,7 @@
     </p:spTree>
     <p:extLst>
       <p:ext uri="{BB962C8B-B14F-4D97-AF65-F5344CB8AC3E}">
-        <p14:creationId xmlns:p14="http://schemas.microsoft.com/office/powerpoint/2010/main" val="3040030372"/>
+        <p14:creationId xmlns:p14="http://schemas.microsoft.com/office/powerpoint/2010/main" xmlns="" val="3040030372"/>
       </p:ext>
     </p:extLst>
   </p:cSld>
@@ -8440,7 +8440,7 @@
         <p:spPr>
           <a:xfrm>
             <a:off x="1168399" y="2853266"/>
-            <a:ext cx="7179733" cy="646331"/>
+            <a:ext cx="7179733" cy="707886"/>
           </a:xfrm>
           <a:prstGeom prst="rect">
             <a:avLst/>
@@ -8454,17 +8454,21 @@
           <a:lstStyle/>
           <a:p>
             <a:r>
-              <a:rPr lang="en-US" altLang="zh-TW" sz="3600" dirty="0" smtClean="0"/>
+              <a:rPr lang="en-US" altLang="zh-TW" sz="4000" dirty="0" smtClean="0">
+                <a:latin typeface="+mj-lt"/>
+              </a:rPr>
               <a:t>Two heads are better than one</a:t>
             </a:r>
-            <a:endParaRPr lang="zh-TW" altLang="en-US" sz="3600" dirty="0"/>
+            <a:endParaRPr lang="zh-TW" altLang="en-US" sz="4000" dirty="0">
+              <a:latin typeface="+mj-lt"/>
+            </a:endParaRPr>
           </a:p>
         </p:txBody>
       </p:sp>
     </p:spTree>
     <p:extLst>
       <p:ext uri="{BB962C8B-B14F-4D97-AF65-F5344CB8AC3E}">
-        <p14:creationId xmlns:p14="http://schemas.microsoft.com/office/powerpoint/2010/main" val="3792208418"/>
+        <p14:creationId xmlns:p14="http://schemas.microsoft.com/office/powerpoint/2010/main" xmlns="" val="3792208418"/>
       </p:ext>
     </p:extLst>
   </p:cSld>
@@ -8834,59 +8838,9 @@
         </p:xfrm>
         <a:graphic>
           <a:graphicData uri="http://schemas.openxmlformats.org/presentationml/2006/ole">
-            <mc:AlternateContent xmlns:mc="http://schemas.openxmlformats.org/markup-compatibility/2006">
-              <mc:Choice xmlns:v="urn:schemas-microsoft-com:vml" Requires="v">
-                <p:oleObj spid="_x0000_s2295" name="方程式" r:id="rId4" imgW="342751" imgH="203112" progId="Equation.3">
-                  <p:embed/>
-                </p:oleObj>
-              </mc:Choice>
-              <mc:Fallback>
-                <p:oleObj name="方程式" r:id="rId4" imgW="342751" imgH="203112" progId="Equation.3">
-                  <p:embed/>
-                  <p:pic>
-                    <p:nvPicPr>
-                      <p:cNvPr id="0" name="Picture 187"/>
-                      <p:cNvPicPr>
-                        <a:picLocks noChangeAspect="1" noChangeArrowheads="1"/>
-                      </p:cNvPicPr>
-                      <p:nvPr/>
-                    </p:nvPicPr>
-                    <p:blipFill>
-                      <a:blip r:embed="rId5">
-                        <a:extLst>
-                          <a:ext uri="{28A0092B-C50C-407E-A947-70E740481C1C}">
-                            <a14:useLocalDpi xmlns:a14="http://schemas.microsoft.com/office/drawing/2010/main" val="0"/>
-                          </a:ext>
-                        </a:extLst>
-                      </a:blip>
-                      <a:srcRect/>
-                      <a:stretch>
-                        <a:fillRect/>
-                      </a:stretch>
-                    </p:blipFill>
-                    <p:spPr bwMode="auto">
-                      <a:xfrm>
-                        <a:off x="1657343" y="3826873"/>
-                        <a:ext cx="814388" cy="482600"/>
-                      </a:xfrm>
-                      <a:prstGeom prst="rect">
-                        <a:avLst/>
-                      </a:prstGeom>
-                      <a:noFill/>
-                      <a:extLst>
-                        <a:ext uri="{909E8E84-426E-40DD-AFC4-6F175D3DCCD1}">
-                          <a14:hiddenFill xmlns:a14="http://schemas.microsoft.com/office/drawing/2010/main">
-                            <a:solidFill>
-                              <a:srgbClr val="FFFFFF"/>
-                            </a:solidFill>
-                          </a14:hiddenFill>
-                        </a:ext>
-                      </a:extLst>
-                    </p:spPr>
-                  </p:pic>
-                </p:oleObj>
-              </mc:Fallback>
-            </mc:AlternateContent>
+            <p:oleObj spid="_x0000_s2295" name="方程式" r:id="rId4" imgW="342751" imgH="203112" progId="Equation.3">
+              <p:embed/>
+            </p:oleObj>
           </a:graphicData>
         </a:graphic>
       </p:graphicFrame>
@@ -8899,7 +8853,7 @@
           <p:nvPr>
             <p:extLst>
               <p:ext uri="{D42A27DB-BD31-4B8C-83A1-F6EECF244321}">
-                <p14:modId xmlns:p14="http://schemas.microsoft.com/office/powerpoint/2010/main" val="3135229844"/>
+                <p14:modId xmlns:p14="http://schemas.microsoft.com/office/powerpoint/2010/main" xmlns="" val="3135229844"/>
               </p:ext>
             </p:extLst>
           </p:nvPr>
@@ -8910,59 +8864,9 @@
         </p:xfrm>
         <a:graphic>
           <a:graphicData uri="http://schemas.openxmlformats.org/presentationml/2006/ole">
-            <mc:AlternateContent xmlns:mc="http://schemas.openxmlformats.org/markup-compatibility/2006">
-              <mc:Choice xmlns:v="urn:schemas-microsoft-com:vml" Requires="v">
-                <p:oleObj spid="_x0000_s2296" name="方程式" r:id="rId6" imgW="1803400" imgH="228600" progId="Equation.3">
-                  <p:embed/>
-                </p:oleObj>
-              </mc:Choice>
-              <mc:Fallback>
-                <p:oleObj name="方程式" r:id="rId6" imgW="1803400" imgH="228600" progId="Equation.3">
-                  <p:embed/>
-                  <p:pic>
-                    <p:nvPicPr>
-                      <p:cNvPr id="0" name="Picture 188"/>
-                      <p:cNvPicPr>
-                        <a:picLocks noChangeAspect="1" noChangeArrowheads="1"/>
-                      </p:cNvPicPr>
-                      <p:nvPr/>
-                    </p:nvPicPr>
-                    <p:blipFill>
-                      <a:blip r:embed="rId7">
-                        <a:extLst>
-                          <a:ext uri="{28A0092B-C50C-407E-A947-70E740481C1C}">
-                            <a14:useLocalDpi xmlns:a14="http://schemas.microsoft.com/office/drawing/2010/main" val="0"/>
-                          </a:ext>
-                        </a:extLst>
-                      </a:blip>
-                      <a:srcRect/>
-                      <a:stretch>
-                        <a:fillRect/>
-                      </a:stretch>
-                    </p:blipFill>
-                    <p:spPr bwMode="auto">
-                      <a:xfrm>
-                        <a:off x="5227108" y="3770678"/>
-                        <a:ext cx="3600450" cy="584200"/>
-                      </a:xfrm>
-                      <a:prstGeom prst="rect">
-                        <a:avLst/>
-                      </a:prstGeom>
-                      <a:noFill/>
-                      <a:extLst>
-                        <a:ext uri="{909E8E84-426E-40DD-AFC4-6F175D3DCCD1}">
-                          <a14:hiddenFill xmlns:a14="http://schemas.microsoft.com/office/drawing/2010/main">
-                            <a:solidFill>
-                              <a:srgbClr val="FFFFFF"/>
-                            </a:solidFill>
-                          </a14:hiddenFill>
-                        </a:ext>
-                      </a:extLst>
-                    </p:spPr>
-                  </p:pic>
-                </p:oleObj>
-              </mc:Fallback>
-            </mc:AlternateContent>
+            <p:oleObj spid="_x0000_s2296" name="方程式" r:id="rId5" imgW="1803400" imgH="228600" progId="Equation.3">
+              <p:embed/>
+            </p:oleObj>
           </a:graphicData>
         </a:graphic>
       </p:graphicFrame>
@@ -8980,59 +8884,9 @@
         </p:xfrm>
         <a:graphic>
           <a:graphicData uri="http://schemas.openxmlformats.org/presentationml/2006/ole">
-            <mc:AlternateContent xmlns:mc="http://schemas.openxmlformats.org/markup-compatibility/2006">
-              <mc:Choice xmlns:v="urn:schemas-microsoft-com:vml" Requires="v">
-                <p:oleObj spid="_x0000_s2297" name="方程式" r:id="rId8" imgW="126725" imgH="126725" progId="Equation.3">
-                  <p:embed/>
-                </p:oleObj>
-              </mc:Choice>
-              <mc:Fallback>
-                <p:oleObj name="方程式" r:id="rId8" imgW="126725" imgH="126725" progId="Equation.3">
-                  <p:embed/>
-                  <p:pic>
-                    <p:nvPicPr>
-                      <p:cNvPr id="0" name="Picture 189"/>
-                      <p:cNvPicPr>
-                        <a:picLocks noChangeAspect="1" noChangeArrowheads="1"/>
-                      </p:cNvPicPr>
-                      <p:nvPr/>
-                    </p:nvPicPr>
-                    <p:blipFill>
-                      <a:blip r:embed="rId9">
-                        <a:extLst>
-                          <a:ext uri="{28A0092B-C50C-407E-A947-70E740481C1C}">
-                            <a14:useLocalDpi xmlns:a14="http://schemas.microsoft.com/office/drawing/2010/main" val="0"/>
-                          </a:ext>
-                        </a:extLst>
-                      </a:blip>
-                      <a:srcRect/>
-                      <a:stretch>
-                        <a:fillRect/>
-                      </a:stretch>
-                    </p:blipFill>
-                    <p:spPr bwMode="auto">
-                      <a:xfrm>
-                        <a:off x="3896897" y="3606860"/>
-                        <a:ext cx="1032291" cy="787340"/>
-                      </a:xfrm>
-                      <a:prstGeom prst="rect">
-                        <a:avLst/>
-                      </a:prstGeom>
-                      <a:noFill/>
-                      <a:extLst>
-                        <a:ext uri="{909E8E84-426E-40DD-AFC4-6F175D3DCCD1}">
-                          <a14:hiddenFill xmlns:a14="http://schemas.microsoft.com/office/drawing/2010/main">
-                            <a:solidFill>
-                              <a:srgbClr val="FFFFFF"/>
-                            </a:solidFill>
-                          </a14:hiddenFill>
-                        </a:ext>
-                      </a:extLst>
-                    </p:spPr>
-                  </p:pic>
-                </p:oleObj>
-              </mc:Fallback>
-            </mc:AlternateContent>
+            <p:oleObj spid="_x0000_s2297" name="方程式" r:id="rId6" imgW="126725" imgH="126725" progId="Equation.3">
+              <p:embed/>
+            </p:oleObj>
           </a:graphicData>
         </a:graphic>
       </p:graphicFrame>
@@ -9354,7 +9208,7 @@
     </p:spTree>
     <p:extLst>
       <p:ext uri="{BB962C8B-B14F-4D97-AF65-F5344CB8AC3E}">
-        <p14:creationId xmlns:p14="http://schemas.microsoft.com/office/powerpoint/2010/main" val="3427152478"/>
+        <p14:creationId xmlns:p14="http://schemas.microsoft.com/office/powerpoint/2010/main" xmlns="" val="3427152478"/>
       </p:ext>
     </p:extLst>
   </p:cSld>
@@ -10004,59 +9858,9 @@
         </p:xfrm>
         <a:graphic>
           <a:graphicData uri="http://schemas.openxmlformats.org/presentationml/2006/ole">
-            <mc:AlternateContent xmlns:mc="http://schemas.openxmlformats.org/markup-compatibility/2006">
-              <mc:Choice xmlns:v="urn:schemas-microsoft-com:vml" Requires="v">
-                <p:oleObj spid="_x0000_s3279" name="方程式" r:id="rId4" imgW="342751" imgH="203112" progId="Equation.3">
-                  <p:embed/>
-                </p:oleObj>
-              </mc:Choice>
-              <mc:Fallback>
-                <p:oleObj name="方程式" r:id="rId4" imgW="342751" imgH="203112" progId="Equation.3">
-                  <p:embed/>
-                  <p:pic>
-                    <p:nvPicPr>
-                      <p:cNvPr id="0" name="Picture 147"/>
-                      <p:cNvPicPr>
-                        <a:picLocks noChangeAspect="1" noChangeArrowheads="1"/>
-                      </p:cNvPicPr>
-                      <p:nvPr/>
-                    </p:nvPicPr>
-                    <p:blipFill>
-                      <a:blip r:embed="rId5">
-                        <a:extLst>
-                          <a:ext uri="{28A0092B-C50C-407E-A947-70E740481C1C}">
-                            <a14:useLocalDpi xmlns:a14="http://schemas.microsoft.com/office/drawing/2010/main" val="0"/>
-                          </a:ext>
-                        </a:extLst>
-                      </a:blip>
-                      <a:srcRect/>
-                      <a:stretch>
-                        <a:fillRect/>
-                      </a:stretch>
-                    </p:blipFill>
-                    <p:spPr bwMode="auto">
-                      <a:xfrm>
-                        <a:off x="1677860" y="3230032"/>
-                        <a:ext cx="814388" cy="482600"/>
-                      </a:xfrm>
-                      <a:prstGeom prst="rect">
-                        <a:avLst/>
-                      </a:prstGeom>
-                      <a:noFill/>
-                      <a:extLst>
-                        <a:ext uri="{909E8E84-426E-40DD-AFC4-6F175D3DCCD1}">
-                          <a14:hiddenFill xmlns:a14="http://schemas.microsoft.com/office/drawing/2010/main">
-                            <a:solidFill>
-                              <a:srgbClr val="FFFFFF"/>
-                            </a:solidFill>
-                          </a14:hiddenFill>
-                        </a:ext>
-                      </a:extLst>
-                    </p:spPr>
-                  </p:pic>
-                </p:oleObj>
-              </mc:Fallback>
-            </mc:AlternateContent>
+            <p:oleObj spid="_x0000_s3279" name="方程式" r:id="rId4" imgW="342751" imgH="203112" progId="Equation.3">
+              <p:embed/>
+            </p:oleObj>
           </a:graphicData>
         </a:graphic>
       </p:graphicFrame>
@@ -10074,59 +9878,9 @@
         </p:xfrm>
         <a:graphic>
           <a:graphicData uri="http://schemas.openxmlformats.org/presentationml/2006/ole">
-            <mc:AlternateContent xmlns:mc="http://schemas.openxmlformats.org/markup-compatibility/2006">
-              <mc:Choice xmlns:v="urn:schemas-microsoft-com:vml" Requires="v">
-                <p:oleObj spid="_x0000_s3280" name="方程式" r:id="rId6" imgW="126725" imgH="126725" progId="Equation.3">
-                  <p:embed/>
-                </p:oleObj>
-              </mc:Choice>
-              <mc:Fallback>
-                <p:oleObj name="方程式" r:id="rId6" imgW="126725" imgH="126725" progId="Equation.3">
-                  <p:embed/>
-                  <p:pic>
-                    <p:nvPicPr>
-                      <p:cNvPr id="0" name="Picture 148"/>
-                      <p:cNvPicPr>
-                        <a:picLocks noChangeAspect="1" noChangeArrowheads="1"/>
-                      </p:cNvPicPr>
-                      <p:nvPr/>
-                    </p:nvPicPr>
-                    <p:blipFill>
-                      <a:blip r:embed="rId7">
-                        <a:extLst>
-                          <a:ext uri="{28A0092B-C50C-407E-A947-70E740481C1C}">
-                            <a14:useLocalDpi xmlns:a14="http://schemas.microsoft.com/office/drawing/2010/main" val="0"/>
-                          </a:ext>
-                        </a:extLst>
-                      </a:blip>
-                      <a:srcRect/>
-                      <a:stretch>
-                        <a:fillRect/>
-                      </a:stretch>
-                    </p:blipFill>
-                    <p:spPr bwMode="auto">
-                      <a:xfrm>
-                        <a:off x="3910013" y="3039529"/>
-                        <a:ext cx="1019175" cy="776287"/>
-                      </a:xfrm>
-                      <a:prstGeom prst="rect">
-                        <a:avLst/>
-                      </a:prstGeom>
-                      <a:noFill/>
-                      <a:extLst>
-                        <a:ext uri="{909E8E84-426E-40DD-AFC4-6F175D3DCCD1}">
-                          <a14:hiddenFill xmlns:a14="http://schemas.microsoft.com/office/drawing/2010/main">
-                            <a:solidFill>
-                              <a:srgbClr val="FFFFFF"/>
-                            </a:solidFill>
-                          </a14:hiddenFill>
-                        </a:ext>
-                      </a:extLst>
-                    </p:spPr>
-                  </p:pic>
-                </p:oleObj>
-              </mc:Fallback>
-            </mc:AlternateContent>
+            <p:oleObj spid="_x0000_s3280" name="方程式" r:id="rId5" imgW="126725" imgH="126725" progId="Equation.3">
+              <p:embed/>
+            </p:oleObj>
           </a:graphicData>
         </a:graphic>
       </p:graphicFrame>
@@ -10317,7 +10071,7 @@
           <p:nvPr/>
         </p:nvPicPr>
         <p:blipFill>
-          <a:blip r:embed="rId8"/>
+          <a:blip r:embed="rId6"/>
           <a:srcRect/>
           <a:stretch>
             <a:fillRect/>
@@ -10354,66 +10108,16 @@
         </p:xfrm>
         <a:graphic>
           <a:graphicData uri="http://schemas.openxmlformats.org/presentationml/2006/ole">
-            <mc:AlternateContent xmlns:mc="http://schemas.openxmlformats.org/markup-compatibility/2006">
-              <mc:Choice xmlns:v="urn:schemas-microsoft-com:vml" Requires="v">
-                <p:oleObj spid="_x0000_s3281" name="方程式" r:id="rId9" imgW="1803400" imgH="228600" progId="Equation.3">
-                  <p:embed/>
-                </p:oleObj>
-              </mc:Choice>
-              <mc:Fallback>
-                <p:oleObj name="方程式" r:id="rId9" imgW="1803400" imgH="228600" progId="Equation.3">
-                  <p:embed/>
-                  <p:pic>
-                    <p:nvPicPr>
-                      <p:cNvPr id="0" name="Picture 149"/>
-                      <p:cNvPicPr>
-                        <a:picLocks noChangeAspect="1" noChangeArrowheads="1"/>
-                      </p:cNvPicPr>
-                      <p:nvPr/>
-                    </p:nvPicPr>
-                    <p:blipFill>
-                      <a:blip r:embed="rId10">
-                        <a:extLst>
-                          <a:ext uri="{28A0092B-C50C-407E-A947-70E740481C1C}">
-                            <a14:useLocalDpi xmlns:a14="http://schemas.microsoft.com/office/drawing/2010/main" val="0"/>
-                          </a:ext>
-                        </a:extLst>
-                      </a:blip>
-                      <a:srcRect/>
-                      <a:stretch>
-                        <a:fillRect/>
-                      </a:stretch>
-                    </p:blipFill>
-                    <p:spPr bwMode="auto">
-                      <a:xfrm>
-                        <a:off x="5112835" y="3196166"/>
-                        <a:ext cx="3692525" cy="533400"/>
-                      </a:xfrm>
-                      <a:prstGeom prst="rect">
-                        <a:avLst/>
-                      </a:prstGeom>
-                      <a:noFill/>
-                      <a:extLst>
-                        <a:ext uri="{909E8E84-426E-40DD-AFC4-6F175D3DCCD1}">
-                          <a14:hiddenFill xmlns:a14="http://schemas.microsoft.com/office/drawing/2010/main">
-                            <a:solidFill>
-                              <a:srgbClr val="FFFFFF"/>
-                            </a:solidFill>
-                          </a14:hiddenFill>
-                        </a:ext>
-                      </a:extLst>
-                    </p:spPr>
-                  </p:pic>
-                </p:oleObj>
-              </mc:Fallback>
-            </mc:AlternateContent>
+            <p:oleObj spid="_x0000_s3281" name="方程式" r:id="rId7" imgW="1803400" imgH="228600" progId="Equation.3">
+              <p:embed/>
+            </p:oleObj>
           </a:graphicData>
         </a:graphic>
       </p:graphicFrame>
     </p:spTree>
     <p:extLst>
       <p:ext uri="{BB962C8B-B14F-4D97-AF65-F5344CB8AC3E}">
-        <p14:creationId xmlns:p14="http://schemas.microsoft.com/office/powerpoint/2010/main" val="3427152478"/>
+        <p14:creationId xmlns:p14="http://schemas.microsoft.com/office/powerpoint/2010/main" xmlns="" val="3427152478"/>
       </p:ext>
     </p:extLst>
   </p:cSld>
@@ -10812,59 +10516,9 @@
         </p:xfrm>
         <a:graphic>
           <a:graphicData uri="http://schemas.openxmlformats.org/presentationml/2006/ole">
-            <mc:AlternateContent xmlns:mc="http://schemas.openxmlformats.org/markup-compatibility/2006">
-              <mc:Choice xmlns:v="urn:schemas-microsoft-com:vml" Requires="v">
-                <p:oleObj spid="_x0000_s25710" name="方程式" r:id="rId4" imgW="368140" imgH="215806" progId="Equation.3">
-                  <p:embed/>
-                </p:oleObj>
-              </mc:Choice>
-              <mc:Fallback>
-                <p:oleObj name="方程式" r:id="rId4" imgW="368140" imgH="215806" progId="Equation.3">
-                  <p:embed/>
-                  <p:pic>
-                    <p:nvPicPr>
-                      <p:cNvPr id="0" name="Picture 30"/>
-                      <p:cNvPicPr>
-                        <a:picLocks noChangeAspect="1" noChangeArrowheads="1"/>
-                      </p:cNvPicPr>
-                      <p:nvPr/>
-                    </p:nvPicPr>
-                    <p:blipFill>
-                      <a:blip r:embed="rId5">
-                        <a:extLst>
-                          <a:ext uri="{28A0092B-C50C-407E-A947-70E740481C1C}">
-                            <a14:useLocalDpi xmlns:a14="http://schemas.microsoft.com/office/drawing/2010/main" val="0"/>
-                          </a:ext>
-                        </a:extLst>
-                      </a:blip>
-                      <a:srcRect/>
-                      <a:stretch>
-                        <a:fillRect/>
-                      </a:stretch>
-                    </p:blipFill>
-                    <p:spPr bwMode="auto">
-                      <a:xfrm>
-                        <a:off x="7269736" y="1128715"/>
-                        <a:ext cx="873125" cy="512762"/>
-                      </a:xfrm>
-                      <a:prstGeom prst="rect">
-                        <a:avLst/>
-                      </a:prstGeom>
-                      <a:noFill/>
-                      <a:extLst>
-                        <a:ext uri="{909E8E84-426E-40DD-AFC4-6F175D3DCCD1}">
-                          <a14:hiddenFill xmlns:a14="http://schemas.microsoft.com/office/drawing/2010/main">
-                            <a:solidFill>
-                              <a:srgbClr val="FFFFFF"/>
-                            </a:solidFill>
-                          </a14:hiddenFill>
-                        </a:ext>
-                      </a:extLst>
-                    </p:spPr>
-                  </p:pic>
-                </p:oleObj>
-              </mc:Fallback>
-            </mc:AlternateContent>
+            <p:oleObj spid="_x0000_s25710" name="方程式" r:id="rId4" imgW="368140" imgH="215806" progId="Equation.3">
+              <p:embed/>
+            </p:oleObj>
           </a:graphicData>
         </a:graphic>
       </p:graphicFrame>
@@ -11241,59 +10895,9 @@
         </p:xfrm>
         <a:graphic>
           <a:graphicData uri="http://schemas.openxmlformats.org/presentationml/2006/ole">
-            <mc:AlternateContent xmlns:mc="http://schemas.openxmlformats.org/markup-compatibility/2006">
-              <mc:Choice xmlns:v="urn:schemas-microsoft-com:vml" Requires="v">
-                <p:oleObj spid="_x0000_s25711" name="方程式" r:id="rId6" imgW="380835" imgH="215806" progId="Equation.3">
-                  <p:embed/>
-                </p:oleObj>
-              </mc:Choice>
-              <mc:Fallback>
-                <p:oleObj name="方程式" r:id="rId6" imgW="380835" imgH="215806" progId="Equation.3">
-                  <p:embed/>
-                  <p:pic>
-                    <p:nvPicPr>
-                      <p:cNvPr id="0" name="Picture 31"/>
-                      <p:cNvPicPr>
-                        <a:picLocks noChangeAspect="1" noChangeArrowheads="1"/>
-                      </p:cNvPicPr>
-                      <p:nvPr/>
-                    </p:nvPicPr>
-                    <p:blipFill>
-                      <a:blip r:embed="rId7">
-                        <a:extLst>
-                          <a:ext uri="{28A0092B-C50C-407E-A947-70E740481C1C}">
-                            <a14:useLocalDpi xmlns:a14="http://schemas.microsoft.com/office/drawing/2010/main" val="0"/>
-                          </a:ext>
-                        </a:extLst>
-                      </a:blip>
-                      <a:srcRect/>
-                      <a:stretch>
-                        <a:fillRect/>
-                      </a:stretch>
-                    </p:blipFill>
-                    <p:spPr bwMode="auto">
-                      <a:xfrm>
-                        <a:off x="7263903" y="2898777"/>
-                        <a:ext cx="903287" cy="512763"/>
-                      </a:xfrm>
-                      <a:prstGeom prst="rect">
-                        <a:avLst/>
-                      </a:prstGeom>
-                      <a:noFill/>
-                      <a:extLst>
-                        <a:ext uri="{909E8E84-426E-40DD-AFC4-6F175D3DCCD1}">
-                          <a14:hiddenFill xmlns:a14="http://schemas.microsoft.com/office/drawing/2010/main">
-                            <a:solidFill>
-                              <a:srgbClr val="FFFFFF"/>
-                            </a:solidFill>
-                          </a14:hiddenFill>
-                        </a:ext>
-                      </a:extLst>
-                    </p:spPr>
-                  </p:pic>
-                </p:oleObj>
-              </mc:Fallback>
-            </mc:AlternateContent>
+            <p:oleObj spid="_x0000_s25711" name="方程式" r:id="rId5" imgW="380835" imgH="215806" progId="Equation.3">
+              <p:embed/>
+            </p:oleObj>
           </a:graphicData>
         </a:graphic>
       </p:graphicFrame>
@@ -11670,59 +11274,9 @@
         </p:xfrm>
         <a:graphic>
           <a:graphicData uri="http://schemas.openxmlformats.org/presentationml/2006/ole">
-            <mc:AlternateContent xmlns:mc="http://schemas.openxmlformats.org/markup-compatibility/2006">
-              <mc:Choice xmlns:v="urn:schemas-microsoft-com:vml" Requires="v">
-                <p:oleObj spid="_x0000_s25712" name="方程式" r:id="rId8" imgW="381000" imgH="228600" progId="Equation.3">
-                  <p:embed/>
-                </p:oleObj>
-              </mc:Choice>
-              <mc:Fallback>
-                <p:oleObj name="方程式" r:id="rId8" imgW="381000" imgH="228600" progId="Equation.3">
-                  <p:embed/>
-                  <p:pic>
-                    <p:nvPicPr>
-                      <p:cNvPr id="0" name="Picture 32"/>
-                      <p:cNvPicPr>
-                        <a:picLocks noChangeAspect="1" noChangeArrowheads="1"/>
-                      </p:cNvPicPr>
-                      <p:nvPr/>
-                    </p:nvPicPr>
-                    <p:blipFill>
-                      <a:blip r:embed="rId9">
-                        <a:extLst>
-                          <a:ext uri="{28A0092B-C50C-407E-A947-70E740481C1C}">
-                            <a14:useLocalDpi xmlns:a14="http://schemas.microsoft.com/office/drawing/2010/main" val="0"/>
-                          </a:ext>
-                        </a:extLst>
-                      </a:blip>
-                      <a:srcRect/>
-                      <a:stretch>
-                        <a:fillRect/>
-                      </a:stretch>
-                    </p:blipFill>
-                    <p:spPr bwMode="auto">
-                      <a:xfrm>
-                        <a:off x="7240090" y="4621215"/>
-                        <a:ext cx="903288" cy="542925"/>
-                      </a:xfrm>
-                      <a:prstGeom prst="rect">
-                        <a:avLst/>
-                      </a:prstGeom>
-                      <a:noFill/>
-                      <a:extLst>
-                        <a:ext uri="{909E8E84-426E-40DD-AFC4-6F175D3DCCD1}">
-                          <a14:hiddenFill xmlns:a14="http://schemas.microsoft.com/office/drawing/2010/main">
-                            <a:solidFill>
-                              <a:srgbClr val="FFFFFF"/>
-                            </a:solidFill>
-                          </a14:hiddenFill>
-                        </a:ext>
-                      </a:extLst>
-                    </p:spPr>
-                  </p:pic>
-                </p:oleObj>
-              </mc:Fallback>
-            </mc:AlternateContent>
+            <p:oleObj spid="_x0000_s25712" name="方程式" r:id="rId6" imgW="381000" imgH="228600" progId="Equation.3">
+              <p:embed/>
+            </p:oleObj>
           </a:graphicData>
         </a:graphic>
       </p:graphicFrame>
@@ -12238,66 +11792,16 @@
         </p:xfrm>
         <a:graphic>
           <a:graphicData uri="http://schemas.openxmlformats.org/presentationml/2006/ole">
-            <mc:AlternateContent xmlns:mc="http://schemas.openxmlformats.org/markup-compatibility/2006">
-              <mc:Choice xmlns:v="urn:schemas-microsoft-com:vml" Requires="v">
-                <p:oleObj spid="_x0000_s25713" name="方程式" r:id="rId10" imgW="419100" imgH="228600" progId="Equation.3">
-                  <p:embed/>
-                </p:oleObj>
-              </mc:Choice>
-              <mc:Fallback>
-                <p:oleObj name="方程式" r:id="rId10" imgW="419100" imgH="228600" progId="Equation.3">
-                  <p:embed/>
-                  <p:pic>
-                    <p:nvPicPr>
-                      <p:cNvPr id="0" name="Picture 33"/>
-                      <p:cNvPicPr>
-                        <a:picLocks noChangeAspect="1" noChangeArrowheads="1"/>
-                      </p:cNvPicPr>
-                      <p:nvPr/>
-                    </p:nvPicPr>
-                    <p:blipFill>
-                      <a:blip r:embed="rId11">
-                        <a:extLst>
-                          <a:ext uri="{28A0092B-C50C-407E-A947-70E740481C1C}">
-                            <a14:useLocalDpi xmlns:a14="http://schemas.microsoft.com/office/drawing/2010/main" val="0"/>
-                          </a:ext>
-                        </a:extLst>
-                      </a:blip>
-                      <a:srcRect/>
-                      <a:stretch>
-                        <a:fillRect/>
-                      </a:stretch>
-                    </p:blipFill>
-                    <p:spPr bwMode="auto">
-                      <a:xfrm>
-                        <a:off x="7192963" y="5778500"/>
-                        <a:ext cx="993775" cy="542925"/>
-                      </a:xfrm>
-                      <a:prstGeom prst="rect">
-                        <a:avLst/>
-                      </a:prstGeom>
-                      <a:noFill/>
-                      <a:extLst>
-                        <a:ext uri="{909E8E84-426E-40DD-AFC4-6F175D3DCCD1}">
-                          <a14:hiddenFill xmlns:a14="http://schemas.microsoft.com/office/drawing/2010/main">
-                            <a:solidFill>
-                              <a:srgbClr val="FFFFFF"/>
-                            </a:solidFill>
-                          </a14:hiddenFill>
-                        </a:ext>
-                      </a:extLst>
-                    </p:spPr>
-                  </p:pic>
-                </p:oleObj>
-              </mc:Fallback>
-            </mc:AlternateContent>
+            <p:oleObj spid="_x0000_s25713" name="方程式" r:id="rId7" imgW="419100" imgH="228600" progId="Equation.3">
+              <p:embed/>
+            </p:oleObj>
           </a:graphicData>
         </a:graphic>
       </p:graphicFrame>
     </p:spTree>
     <p:extLst>
       <p:ext uri="{BB962C8B-B14F-4D97-AF65-F5344CB8AC3E}">
-        <p14:creationId xmlns:p14="http://schemas.microsoft.com/office/powerpoint/2010/main" val="2123413861"/>
+        <p14:creationId xmlns:p14="http://schemas.microsoft.com/office/powerpoint/2010/main" xmlns="" val="2123413861"/>
       </p:ext>
     </p:extLst>
   </p:cSld>
@@ -13267,7 +12771,7 @@
           <a:blip r:embed="rId3">
             <a:extLst>
               <a:ext uri="{28A0092B-C50C-407E-A947-70E740481C1C}">
-                <a14:useLocalDpi xmlns:a14="http://schemas.microsoft.com/office/drawing/2010/main" val="0"/>
+                <a14:useLocalDpi xmlns:a14="http://schemas.microsoft.com/office/drawing/2010/main" xmlns="" val="0"/>
               </a:ext>
             </a:extLst>
           </a:blip>
@@ -13297,7 +12801,7 @@
           <a:blip r:embed="rId4">
             <a:extLst>
               <a:ext uri="{28A0092B-C50C-407E-A947-70E740481C1C}">
-                <a14:useLocalDpi xmlns:a14="http://schemas.microsoft.com/office/drawing/2010/main" val="0"/>
+                <a14:useLocalDpi xmlns:a14="http://schemas.microsoft.com/office/drawing/2010/main" xmlns="" val="0"/>
               </a:ext>
             </a:extLst>
           </a:blip>
@@ -13327,7 +12831,7 @@
           <a:blip r:embed="rId5">
             <a:extLst>
               <a:ext uri="{28A0092B-C50C-407E-A947-70E740481C1C}">
-                <a14:useLocalDpi xmlns:a14="http://schemas.microsoft.com/office/drawing/2010/main" val="0"/>
+                <a14:useLocalDpi xmlns:a14="http://schemas.microsoft.com/office/drawing/2010/main" xmlns="" val="0"/>
               </a:ext>
             </a:extLst>
           </a:blip>
@@ -13357,7 +12861,7 @@
           <a:blip r:embed="rId6">
             <a:extLst>
               <a:ext uri="{28A0092B-C50C-407E-A947-70E740481C1C}">
-                <a14:useLocalDpi xmlns:a14="http://schemas.microsoft.com/office/drawing/2010/main" val="0"/>
+                <a14:useLocalDpi xmlns:a14="http://schemas.microsoft.com/office/drawing/2010/main" xmlns="" val="0"/>
               </a:ext>
             </a:extLst>
           </a:blip>
@@ -13387,7 +12891,7 @@
           <a:blip r:embed="rId7">
             <a:extLst>
               <a:ext uri="{28A0092B-C50C-407E-A947-70E740481C1C}">
-                <a14:useLocalDpi xmlns:a14="http://schemas.microsoft.com/office/drawing/2010/main" val="0"/>
+                <a14:useLocalDpi xmlns:a14="http://schemas.microsoft.com/office/drawing/2010/main" xmlns="" val="0"/>
               </a:ext>
             </a:extLst>
           </a:blip>
@@ -13417,7 +12921,7 @@
           <a:blip r:embed="rId8">
             <a:extLst>
               <a:ext uri="{28A0092B-C50C-407E-A947-70E740481C1C}">
-                <a14:useLocalDpi xmlns:a14="http://schemas.microsoft.com/office/drawing/2010/main" val="0"/>
+                <a14:useLocalDpi xmlns:a14="http://schemas.microsoft.com/office/drawing/2010/main" xmlns="" val="0"/>
               </a:ext>
             </a:extLst>
           </a:blip>
@@ -13447,7 +12951,7 @@
           <a:blip r:embed="rId9">
             <a:extLst>
               <a:ext uri="{28A0092B-C50C-407E-A947-70E740481C1C}">
-                <a14:useLocalDpi xmlns:a14="http://schemas.microsoft.com/office/drawing/2010/main" val="0"/>
+                <a14:useLocalDpi xmlns:a14="http://schemas.microsoft.com/office/drawing/2010/main" xmlns="" val="0"/>
               </a:ext>
             </a:extLst>
           </a:blip>
@@ -13477,7 +12981,7 @@
           <a:blip r:embed="rId10">
             <a:extLst>
               <a:ext uri="{28A0092B-C50C-407E-A947-70E740481C1C}">
-                <a14:useLocalDpi xmlns:a14="http://schemas.microsoft.com/office/drawing/2010/main" val="0"/>
+                <a14:useLocalDpi xmlns:a14="http://schemas.microsoft.com/office/drawing/2010/main" xmlns="" val="0"/>
               </a:ext>
             </a:extLst>
           </a:blip>
@@ -13507,7 +13011,7 @@
           <a:blip r:embed="rId11">
             <a:extLst>
               <a:ext uri="{28A0092B-C50C-407E-A947-70E740481C1C}">
-                <a14:useLocalDpi xmlns:a14="http://schemas.microsoft.com/office/drawing/2010/main" val="0"/>
+                <a14:useLocalDpi xmlns:a14="http://schemas.microsoft.com/office/drawing/2010/main" xmlns="" val="0"/>
               </a:ext>
             </a:extLst>
           </a:blip>
@@ -13517,7 +13021,7 @@
         </p:blipFill>
         <p:spPr>
           <a:xfrm rot="19697885">
-            <a:off x="7777801" y="2701916"/>
+            <a:off x="7851600" y="2701916"/>
             <a:ext cx="803216" cy="579987"/>
           </a:xfrm>
           <a:prstGeom prst="rect">
@@ -13537,7 +13041,7 @@
           <a:blip r:embed="rId12">
             <a:extLst>
               <a:ext uri="{28A0092B-C50C-407E-A947-70E740481C1C}">
-                <a14:useLocalDpi xmlns:a14="http://schemas.microsoft.com/office/drawing/2010/main" val="0"/>
+                <a14:useLocalDpi xmlns:a14="http://schemas.microsoft.com/office/drawing/2010/main" xmlns="" val="0"/>
               </a:ext>
             </a:extLst>
           </a:blip>
@@ -13745,7 +13249,6 @@
               <a:rPr lang="en-US" altLang="zh-TW" sz="2400" dirty="0" smtClean="0"/>
               <a:t> rules to describe a banana</a:t>
             </a:r>
-            <a:endParaRPr lang="en-US" altLang="zh-TW" sz="2400" dirty="0" smtClean="0"/>
           </a:p>
           <a:p>
             <a:pPr marL="1200150" lvl="1" indent="-457200">
@@ -13972,7 +13475,7 @@
     </p:spTree>
     <p:extLst>
       <p:ext uri="{BB962C8B-B14F-4D97-AF65-F5344CB8AC3E}">
-        <p14:creationId xmlns:p14="http://schemas.microsoft.com/office/powerpoint/2010/main" val="3040030372"/>
+        <p14:creationId xmlns:p14="http://schemas.microsoft.com/office/powerpoint/2010/main" xmlns="" val="3040030372"/>
       </p:ext>
     </p:extLst>
   </p:cSld>
@@ -14057,7 +13560,7 @@
           <a:blip r:embed="rId3">
             <a:extLst>
               <a:ext uri="{28A0092B-C50C-407E-A947-70E740481C1C}">
-                <a14:useLocalDpi xmlns:a14="http://schemas.microsoft.com/office/drawing/2010/main" val="0"/>
+                <a14:useLocalDpi xmlns:a14="http://schemas.microsoft.com/office/drawing/2010/main" xmlns="" val="0"/>
               </a:ext>
             </a:extLst>
           </a:blip>
@@ -14087,7 +13590,7 @@
           <a:blip r:embed="rId4">
             <a:extLst>
               <a:ext uri="{28A0092B-C50C-407E-A947-70E740481C1C}">
-                <a14:useLocalDpi xmlns:a14="http://schemas.microsoft.com/office/drawing/2010/main" val="0"/>
+                <a14:useLocalDpi xmlns:a14="http://schemas.microsoft.com/office/drawing/2010/main" xmlns="" val="0"/>
               </a:ext>
             </a:extLst>
           </a:blip>
@@ -14108,7 +13611,7 @@
     </p:spTree>
     <p:extLst>
       <p:ext uri="{BB962C8B-B14F-4D97-AF65-F5344CB8AC3E}">
-        <p14:creationId xmlns:p14="http://schemas.microsoft.com/office/powerpoint/2010/main" val="2123413861"/>
+        <p14:creationId xmlns:p14="http://schemas.microsoft.com/office/powerpoint/2010/main" xmlns="" val="2123413861"/>
       </p:ext>
     </p:extLst>
   </p:cSld>
@@ -14261,7 +13764,7 @@
           <a:blip r:embed="rId3">
             <a:extLst>
               <a:ext uri="{28A0092B-C50C-407E-A947-70E740481C1C}">
-                <a14:useLocalDpi xmlns:a14="http://schemas.microsoft.com/office/drawing/2010/main" val="0"/>
+                <a14:useLocalDpi xmlns:a14="http://schemas.microsoft.com/office/drawing/2010/main" xmlns="" val="0"/>
               </a:ext>
             </a:extLst>
           </a:blip>
@@ -14291,7 +13794,7 @@
           <a:blip r:embed="rId4">
             <a:extLst>
               <a:ext uri="{28A0092B-C50C-407E-A947-70E740481C1C}">
-                <a14:useLocalDpi xmlns:a14="http://schemas.microsoft.com/office/drawing/2010/main" val="0"/>
+                <a14:useLocalDpi xmlns:a14="http://schemas.microsoft.com/office/drawing/2010/main" xmlns="" val="0"/>
               </a:ext>
             </a:extLst>
           </a:blip>
@@ -14321,7 +13824,7 @@
           <a:blip r:embed="rId5">
             <a:extLst>
               <a:ext uri="{28A0092B-C50C-407E-A947-70E740481C1C}">
-                <a14:useLocalDpi xmlns:a14="http://schemas.microsoft.com/office/drawing/2010/main" val="0"/>
+                <a14:useLocalDpi xmlns:a14="http://schemas.microsoft.com/office/drawing/2010/main" xmlns="" val="0"/>
               </a:ext>
             </a:extLst>
           </a:blip>
@@ -14351,7 +13854,7 @@
           <a:blip r:embed="rId6">
             <a:extLst>
               <a:ext uri="{28A0092B-C50C-407E-A947-70E740481C1C}">
-                <a14:useLocalDpi xmlns:a14="http://schemas.microsoft.com/office/drawing/2010/main" val="0"/>
+                <a14:useLocalDpi xmlns:a14="http://schemas.microsoft.com/office/drawing/2010/main" xmlns="" val="0"/>
               </a:ext>
             </a:extLst>
           </a:blip>
@@ -14381,7 +13884,7 @@
           <a:blip r:embed="rId7">
             <a:extLst>
               <a:ext uri="{28A0092B-C50C-407E-A947-70E740481C1C}">
-                <a14:useLocalDpi xmlns:a14="http://schemas.microsoft.com/office/drawing/2010/main" val="0"/>
+                <a14:useLocalDpi xmlns:a14="http://schemas.microsoft.com/office/drawing/2010/main" xmlns="" val="0"/>
               </a:ext>
             </a:extLst>
           </a:blip>
@@ -14402,18 +13905,18 @@
     </p:spTree>
     <p:extLst>
       <p:ext uri="{BB962C8B-B14F-4D97-AF65-F5344CB8AC3E}">
-        <p14:creationId xmlns:p14="http://schemas.microsoft.com/office/powerpoint/2010/main" val="496767900"/>
+        <p14:creationId xmlns:p14="http://schemas.microsoft.com/office/powerpoint/2010/main" xmlns="" val="496767900"/>
       </p:ext>
     </p:extLst>
   </p:cSld>
   <p:clrMapOvr>
     <a:masterClrMapping/>
   </p:clrMapOvr>
-  <mc:AlternateContent xmlns:mc="http://schemas.openxmlformats.org/markup-compatibility/2006" xmlns:p14="http://schemas.microsoft.com/office/powerpoint/2010/main">
-    <mc:Choice Requires="p14">
+  <mc:AlternateContent xmlns:mc="http://schemas.openxmlformats.org/markup-compatibility/2006">
+    <mc:Choice xmlns:p14="http://schemas.microsoft.com/office/powerpoint/2010/main" xmlns="" Requires="p14">
       <p:transition spd="slow" p14:dur="2000"/>
     </mc:Choice>
-    <mc:Fallback xmlns="">
+    <mc:Fallback>
       <p:transition spd="slow"/>
     </mc:Fallback>
   </mc:AlternateContent>
@@ -14700,59 +14203,9 @@
         </p:xfrm>
         <a:graphic>
           <a:graphicData uri="http://schemas.openxmlformats.org/presentationml/2006/ole">
-            <mc:AlternateContent xmlns:mc="http://schemas.openxmlformats.org/markup-compatibility/2006">
-              <mc:Choice xmlns:v="urn:schemas-microsoft-com:vml" Requires="v">
-                <p:oleObj spid="_x0000_s26788" name="方程式" r:id="rId3" imgW="3644640" imgH="228600" progId="Equation.3">
-                  <p:embed/>
-                </p:oleObj>
-              </mc:Choice>
-              <mc:Fallback>
-                <p:oleObj name="方程式" r:id="rId3" imgW="3644640" imgH="228600" progId="Equation.3">
-                  <p:embed/>
-                  <p:pic>
-                    <p:nvPicPr>
-                      <p:cNvPr id="0" name="Picture 44"/>
-                      <p:cNvPicPr>
-                        <a:picLocks noChangeAspect="1" noChangeArrowheads="1"/>
-                      </p:cNvPicPr>
-                      <p:nvPr/>
-                    </p:nvPicPr>
-                    <p:blipFill>
-                      <a:blip r:embed="rId4">
-                        <a:extLst>
-                          <a:ext uri="{28A0092B-C50C-407E-A947-70E740481C1C}">
-                            <a14:useLocalDpi xmlns:a14="http://schemas.microsoft.com/office/drawing/2010/main" val="0"/>
-                          </a:ext>
-                        </a:extLst>
-                      </a:blip>
-                      <a:srcRect/>
-                      <a:stretch>
-                        <a:fillRect/>
-                      </a:stretch>
-                    </p:blipFill>
-                    <p:spPr bwMode="auto">
-                      <a:xfrm>
-                        <a:off x="442883" y="1485900"/>
-                        <a:ext cx="8322205" cy="546100"/>
-                      </a:xfrm>
-                      <a:prstGeom prst="rect">
-                        <a:avLst/>
-                      </a:prstGeom>
-                      <a:noFill/>
-                      <a:extLst>
-                        <a:ext uri="{909E8E84-426E-40DD-AFC4-6F175D3DCCD1}">
-                          <a14:hiddenFill xmlns:a14="http://schemas.microsoft.com/office/drawing/2010/main">
-                            <a:solidFill>
-                              <a:srgbClr val="FFFFFF"/>
-                            </a:solidFill>
-                          </a14:hiddenFill>
-                        </a:ext>
-                      </a:extLst>
-                    </p:spPr>
-                  </p:pic>
-                </p:oleObj>
-              </mc:Fallback>
-            </mc:AlternateContent>
+            <p:oleObj spid="_x0000_s26788" name="方程式" r:id="rId3" imgW="3644900" imgH="228600" progId="Equation.3">
+              <p:embed/>
+            </p:oleObj>
           </a:graphicData>
         </a:graphic>
       </p:graphicFrame>
@@ -14808,59 +14261,9 @@
         </p:xfrm>
         <a:graphic>
           <a:graphicData uri="http://schemas.openxmlformats.org/presentationml/2006/ole">
-            <mc:AlternateContent xmlns:mc="http://schemas.openxmlformats.org/markup-compatibility/2006">
-              <mc:Choice xmlns:v="urn:schemas-microsoft-com:vml" Requires="v">
-                <p:oleObj spid="_x0000_s26789" name="方程式" r:id="rId5" imgW="1282700" imgH="431800" progId="Equation.3">
-                  <p:embed/>
-                </p:oleObj>
-              </mc:Choice>
-              <mc:Fallback>
-                <p:oleObj name="方程式" r:id="rId5" imgW="1282700" imgH="431800" progId="Equation.3">
-                  <p:embed/>
-                  <p:pic>
-                    <p:nvPicPr>
-                      <p:cNvPr id="0" name="Picture 45"/>
-                      <p:cNvPicPr>
-                        <a:picLocks noChangeAspect="1" noChangeArrowheads="1"/>
-                      </p:cNvPicPr>
-                      <p:nvPr/>
-                    </p:nvPicPr>
-                    <p:blipFill>
-                      <a:blip r:embed="rId6">
-                        <a:extLst>
-                          <a:ext uri="{28A0092B-C50C-407E-A947-70E740481C1C}">
-                            <a14:useLocalDpi xmlns:a14="http://schemas.microsoft.com/office/drawing/2010/main" val="0"/>
-                          </a:ext>
-                        </a:extLst>
-                      </a:blip>
-                      <a:srcRect/>
-                      <a:stretch>
-                        <a:fillRect/>
-                      </a:stretch>
-                    </p:blipFill>
-                    <p:spPr bwMode="auto">
-                      <a:xfrm>
-                        <a:off x="552979" y="2893116"/>
-                        <a:ext cx="2860137" cy="984613"/>
-                      </a:xfrm>
-                      <a:prstGeom prst="rect">
-                        <a:avLst/>
-                      </a:prstGeom>
-                      <a:noFill/>
-                      <a:extLst>
-                        <a:ext uri="{909E8E84-426E-40DD-AFC4-6F175D3DCCD1}">
-                          <a14:hiddenFill xmlns:a14="http://schemas.microsoft.com/office/drawing/2010/main">
-                            <a:solidFill>
-                              <a:srgbClr val="FFFFFF"/>
-                            </a:solidFill>
-                          </a14:hiddenFill>
-                        </a:ext>
-                      </a:extLst>
-                    </p:spPr>
-                  </p:pic>
-                </p:oleObj>
-              </mc:Fallback>
-            </mc:AlternateContent>
+            <p:oleObj spid="_x0000_s26789" name="方程式" r:id="rId4" imgW="1282700" imgH="431800" progId="Equation.3">
+              <p:embed/>
+            </p:oleObj>
           </a:graphicData>
         </a:graphic>
       </p:graphicFrame>
@@ -14878,82 +14281,9 @@
         </p:xfrm>
         <a:graphic>
           <a:graphicData uri="http://schemas.openxmlformats.org/presentationml/2006/ole">
-            <mc:AlternateContent xmlns:mc="http://schemas.openxmlformats.org/markup-compatibility/2006">
-              <mc:Choice xmlns:v="urn:schemas-microsoft-com:vml" Requires="v">
-                <p:oleObj spid="_x0000_s26790" name="方程式" r:id="rId7" imgW="406224" imgH="228501" progId="Equation.3">
-                  <p:embed/>
-                </p:oleObj>
-              </mc:Choice>
-              <mc:Fallback>
-                <p:oleObj name="方程式" r:id="rId7" imgW="406224" imgH="228501" progId="Equation.3">
-                  <p:embed/>
-                  <p:pic>
-                    <p:nvPicPr>
-                      <p:cNvPr id="0" name="Picture 46"/>
-                      <p:cNvPicPr>
-                        <a:picLocks noChangeAspect="1" noChangeArrowheads="1"/>
-                      </p:cNvPicPr>
-                      <p:nvPr/>
-                    </p:nvPicPr>
-                    <p:blipFill>
-                      <a:blip r:embed="rId8">
-                        <a:extLst>
-                          <a:ext uri="{28A0092B-C50C-407E-A947-70E740481C1C}">
-                            <a14:useLocalDpi xmlns:a14="http://schemas.microsoft.com/office/drawing/2010/main" val="0"/>
-                          </a:ext>
-                        </a:extLst>
-                      </a:blip>
-                      <a:srcRect/>
-                      <a:stretch>
-                        <a:fillRect/>
-                      </a:stretch>
-                    </p:blipFill>
-                    <p:spPr bwMode="auto">
-                      <a:xfrm>
-                        <a:off x="3708400" y="3238496"/>
-                        <a:ext cx="895586" cy="503767"/>
-                      </a:xfrm>
-                      <a:prstGeom prst="rect">
-                        <a:avLst/>
-                      </a:prstGeom>
-                      <a:noFill/>
-                      <a:ln>
-                        <a:noFill/>
-                      </a:ln>
-                      <a:effectLst/>
-                      <a:extLst>
-                        <a:ext uri="{909E8E84-426E-40DD-AFC4-6F175D3DCCD1}">
-                          <a14:hiddenFill xmlns:a14="http://schemas.microsoft.com/office/drawing/2010/main">
-                            <a:solidFill>
-                              <a:schemeClr val="accent1"/>
-                            </a:solidFill>
-                          </a14:hiddenFill>
-                        </a:ext>
-                        <a:ext uri="{91240B29-F687-4F45-9708-019B960494DF}">
-                          <a14:hiddenLine xmlns:a14="http://schemas.microsoft.com/office/drawing/2010/main" w="9525">
-                            <a:solidFill>
-                              <a:schemeClr val="tx1"/>
-                            </a:solidFill>
-                            <a:miter lim="800000"/>
-                            <a:headEnd/>
-                            <a:tailEnd/>
-                          </a14:hiddenLine>
-                        </a:ext>
-                        <a:ext uri="{AF507438-7753-43E0-B8FC-AC1667EBCBE1}">
-                          <a14:hiddenEffects xmlns:a14="http://schemas.microsoft.com/office/drawing/2010/main">
-                            <a:effectLst>
-                              <a:outerShdw dist="35921" dir="2700000" algn="ctr" rotWithShape="0">
-                                <a:schemeClr val="bg2"/>
-                              </a:outerShdw>
-                            </a:effectLst>
-                          </a14:hiddenEffects>
-                        </a:ext>
-                      </a:extLst>
-                    </p:spPr>
-                  </p:pic>
-                </p:oleObj>
-              </mc:Fallback>
-            </mc:AlternateContent>
+            <p:oleObj spid="_x0000_s26790" name="方程式" r:id="rId5" imgW="406224" imgH="228501" progId="Equation.3">
+              <p:embed/>
+            </p:oleObj>
           </a:graphicData>
         </a:graphic>
       </p:graphicFrame>
@@ -14971,82 +14301,9 @@
         </p:xfrm>
         <a:graphic>
           <a:graphicData uri="http://schemas.openxmlformats.org/presentationml/2006/ole">
-            <mc:AlternateContent xmlns:mc="http://schemas.openxmlformats.org/markup-compatibility/2006">
-              <mc:Choice xmlns:v="urn:schemas-microsoft-com:vml" Requires="v">
-                <p:oleObj spid="_x0000_s26791" name="方程式" r:id="rId9" imgW="190500" imgH="228600" progId="Equation.3">
-                  <p:embed/>
-                </p:oleObj>
-              </mc:Choice>
-              <mc:Fallback>
-                <p:oleObj name="方程式" r:id="rId9" imgW="190500" imgH="228600" progId="Equation.3">
-                  <p:embed/>
-                  <p:pic>
-                    <p:nvPicPr>
-                      <p:cNvPr id="0" name="Picture 47"/>
-                      <p:cNvPicPr>
-                        <a:picLocks noChangeAspect="1" noChangeArrowheads="1"/>
-                      </p:cNvPicPr>
-                      <p:nvPr/>
-                    </p:nvPicPr>
-                    <p:blipFill>
-                      <a:blip r:embed="rId10">
-                        <a:extLst>
-                          <a:ext uri="{28A0092B-C50C-407E-A947-70E740481C1C}">
-                            <a14:useLocalDpi xmlns:a14="http://schemas.microsoft.com/office/drawing/2010/main" val="0"/>
-                          </a:ext>
-                        </a:extLst>
-                      </a:blip>
-                      <a:srcRect/>
-                      <a:stretch>
-                        <a:fillRect/>
-                      </a:stretch>
-                    </p:blipFill>
-                    <p:spPr bwMode="auto">
-                      <a:xfrm>
-                        <a:off x="6536251" y="3238496"/>
-                        <a:ext cx="419805" cy="503766"/>
-                      </a:xfrm>
-                      <a:prstGeom prst="rect">
-                        <a:avLst/>
-                      </a:prstGeom>
-                      <a:noFill/>
-                      <a:ln>
-                        <a:noFill/>
-                      </a:ln>
-                      <a:effectLst/>
-                      <a:extLst>
-                        <a:ext uri="{909E8E84-426E-40DD-AFC4-6F175D3DCCD1}">
-                          <a14:hiddenFill xmlns:a14="http://schemas.microsoft.com/office/drawing/2010/main">
-                            <a:solidFill>
-                              <a:schemeClr val="accent1"/>
-                            </a:solidFill>
-                          </a14:hiddenFill>
-                        </a:ext>
-                        <a:ext uri="{91240B29-F687-4F45-9708-019B960494DF}">
-                          <a14:hiddenLine xmlns:a14="http://schemas.microsoft.com/office/drawing/2010/main" w="9525">
-                            <a:solidFill>
-                              <a:schemeClr val="tx1"/>
-                            </a:solidFill>
-                            <a:miter lim="800000"/>
-                            <a:headEnd/>
-                            <a:tailEnd/>
-                          </a14:hiddenLine>
-                        </a:ext>
-                        <a:ext uri="{AF507438-7753-43E0-B8FC-AC1667EBCBE1}">
-                          <a14:hiddenEffects xmlns:a14="http://schemas.microsoft.com/office/drawing/2010/main">
-                            <a:effectLst>
-                              <a:outerShdw dist="35921" dir="2700000" algn="ctr" rotWithShape="0">
-                                <a:schemeClr val="bg2"/>
-                              </a:outerShdw>
-                            </a:effectLst>
-                          </a14:hiddenEffects>
-                        </a:ext>
-                      </a:extLst>
-                    </p:spPr>
-                  </p:pic>
-                </p:oleObj>
-              </mc:Fallback>
-            </mc:AlternateContent>
+            <p:oleObj spid="_x0000_s26791" name="方程式" r:id="rId6" imgW="190500" imgH="228600" progId="Equation.3">
+              <p:embed/>
+            </p:oleObj>
           </a:graphicData>
         </a:graphic>
       </p:graphicFrame>
@@ -15162,82 +14419,9 @@
         </p:xfrm>
         <a:graphic>
           <a:graphicData uri="http://schemas.openxmlformats.org/presentationml/2006/ole">
-            <mc:AlternateContent xmlns:mc="http://schemas.openxmlformats.org/markup-compatibility/2006">
-              <mc:Choice xmlns:v="urn:schemas-microsoft-com:vml" Requires="v">
-                <p:oleObj spid="_x0000_s26792" name="方程式" r:id="rId11" imgW="672808" imgH="393529" progId="Equation.3">
-                  <p:embed/>
-                </p:oleObj>
-              </mc:Choice>
-              <mc:Fallback>
-                <p:oleObj name="方程式" r:id="rId11" imgW="672808" imgH="393529" progId="Equation.3">
-                  <p:embed/>
-                  <p:pic>
-                    <p:nvPicPr>
-                      <p:cNvPr id="0" name="Picture 48"/>
-                      <p:cNvPicPr>
-                        <a:picLocks noChangeAspect="1" noChangeArrowheads="1"/>
-                      </p:cNvPicPr>
-                      <p:nvPr/>
-                    </p:nvPicPr>
-                    <p:blipFill>
-                      <a:blip r:embed="rId12">
-                        <a:extLst>
-                          <a:ext uri="{28A0092B-C50C-407E-A947-70E740481C1C}">
-                            <a14:useLocalDpi xmlns:a14="http://schemas.microsoft.com/office/drawing/2010/main" val="0"/>
-                          </a:ext>
-                        </a:extLst>
-                      </a:blip>
-                      <a:srcRect/>
-                      <a:stretch>
-                        <a:fillRect/>
-                      </a:stretch>
-                    </p:blipFill>
-                    <p:spPr bwMode="auto">
-                      <a:xfrm>
-                        <a:off x="3711586" y="4100507"/>
-                        <a:ext cx="1482725" cy="866775"/>
-                      </a:xfrm>
-                      <a:prstGeom prst="rect">
-                        <a:avLst/>
-                      </a:prstGeom>
-                      <a:noFill/>
-                      <a:ln>
-                        <a:noFill/>
-                      </a:ln>
-                      <a:effectLst/>
-                      <a:extLst>
-                        <a:ext uri="{909E8E84-426E-40DD-AFC4-6F175D3DCCD1}">
-                          <a14:hiddenFill xmlns:a14="http://schemas.microsoft.com/office/drawing/2010/main">
-                            <a:solidFill>
-                              <a:schemeClr val="accent1"/>
-                            </a:solidFill>
-                          </a14:hiddenFill>
-                        </a:ext>
-                        <a:ext uri="{91240B29-F687-4F45-9708-019B960494DF}">
-                          <a14:hiddenLine xmlns:a14="http://schemas.microsoft.com/office/drawing/2010/main" w="9525">
-                            <a:solidFill>
-                              <a:schemeClr val="tx1"/>
-                            </a:solidFill>
-                            <a:miter lim="800000"/>
-                            <a:headEnd/>
-                            <a:tailEnd/>
-                          </a14:hiddenLine>
-                        </a:ext>
-                        <a:ext uri="{AF507438-7753-43E0-B8FC-AC1667EBCBE1}">
-                          <a14:hiddenEffects xmlns:a14="http://schemas.microsoft.com/office/drawing/2010/main">
-                            <a:effectLst>
-                              <a:outerShdw dist="35921" dir="2700000" algn="ctr" rotWithShape="0">
-                                <a:schemeClr val="bg2"/>
-                              </a:outerShdw>
-                            </a:effectLst>
-                          </a14:hiddenEffects>
-                        </a:ext>
-                      </a:extLst>
-                    </p:spPr>
-                  </p:pic>
-                </p:oleObj>
-              </mc:Fallback>
-            </mc:AlternateContent>
+            <p:oleObj spid="_x0000_s26792" name="方程式" r:id="rId7" imgW="672808" imgH="393529" progId="Equation.3">
+              <p:embed/>
+            </p:oleObj>
           </a:graphicData>
         </a:graphic>
       </p:graphicFrame>
@@ -15255,82 +14439,9 @@
         </p:xfrm>
         <a:graphic>
           <a:graphicData uri="http://schemas.openxmlformats.org/presentationml/2006/ole">
-            <mc:AlternateContent xmlns:mc="http://schemas.openxmlformats.org/markup-compatibility/2006">
-              <mc:Choice xmlns:v="urn:schemas-microsoft-com:vml" Requires="v">
-                <p:oleObj spid="_x0000_s26793" name="方程式" r:id="rId13" imgW="431613" imgH="228501" progId="Equation.3">
-                  <p:embed/>
-                </p:oleObj>
-              </mc:Choice>
-              <mc:Fallback>
-                <p:oleObj name="方程式" r:id="rId13" imgW="431613" imgH="228501" progId="Equation.3">
-                  <p:embed/>
-                  <p:pic>
-                    <p:nvPicPr>
-                      <p:cNvPr id="0" name="Picture 49"/>
-                      <p:cNvPicPr>
-                        <a:picLocks noChangeAspect="1" noChangeArrowheads="1"/>
-                      </p:cNvPicPr>
-                      <p:nvPr/>
-                    </p:nvPicPr>
-                    <p:blipFill>
-                      <a:blip r:embed="rId14">
-                        <a:extLst>
-                          <a:ext uri="{28A0092B-C50C-407E-A947-70E740481C1C}">
-                            <a14:useLocalDpi xmlns:a14="http://schemas.microsoft.com/office/drawing/2010/main" val="0"/>
-                          </a:ext>
-                        </a:extLst>
-                      </a:blip>
-                      <a:srcRect/>
-                      <a:stretch>
-                        <a:fillRect/>
-                      </a:stretch>
-                    </p:blipFill>
-                    <p:spPr bwMode="auto">
-                      <a:xfrm>
-                        <a:off x="6536251" y="4373560"/>
-                        <a:ext cx="949325" cy="503237"/>
-                      </a:xfrm>
-                      <a:prstGeom prst="rect">
-                        <a:avLst/>
-                      </a:prstGeom>
-                      <a:noFill/>
-                      <a:ln>
-                        <a:noFill/>
-                      </a:ln>
-                      <a:effectLst/>
-                      <a:extLst>
-                        <a:ext uri="{909E8E84-426E-40DD-AFC4-6F175D3DCCD1}">
-                          <a14:hiddenFill xmlns:a14="http://schemas.microsoft.com/office/drawing/2010/main">
-                            <a:solidFill>
-                              <a:schemeClr val="accent1"/>
-                            </a:solidFill>
-                          </a14:hiddenFill>
-                        </a:ext>
-                        <a:ext uri="{91240B29-F687-4F45-9708-019B960494DF}">
-                          <a14:hiddenLine xmlns:a14="http://schemas.microsoft.com/office/drawing/2010/main" w="9525">
-                            <a:solidFill>
-                              <a:schemeClr val="tx1"/>
-                            </a:solidFill>
-                            <a:miter lim="800000"/>
-                            <a:headEnd/>
-                            <a:tailEnd/>
-                          </a14:hiddenLine>
-                        </a:ext>
-                        <a:ext uri="{AF507438-7753-43E0-B8FC-AC1667EBCBE1}">
-                          <a14:hiddenEffects xmlns:a14="http://schemas.microsoft.com/office/drawing/2010/main">
-                            <a:effectLst>
-                              <a:outerShdw dist="35921" dir="2700000" algn="ctr" rotWithShape="0">
-                                <a:schemeClr val="bg2"/>
-                              </a:outerShdw>
-                            </a:effectLst>
-                          </a14:hiddenEffects>
-                        </a:ext>
-                      </a:extLst>
-                    </p:spPr>
-                  </p:pic>
-                </p:oleObj>
-              </mc:Fallback>
-            </mc:AlternateContent>
+            <p:oleObj spid="_x0000_s26793" name="方程式" r:id="rId8" imgW="431613" imgH="228501" progId="Equation.3">
+              <p:embed/>
+            </p:oleObj>
           </a:graphicData>
         </a:graphic>
       </p:graphicFrame>
@@ -15373,7 +14484,7 @@
     </p:spTree>
     <p:extLst>
       <p:ext uri="{BB962C8B-B14F-4D97-AF65-F5344CB8AC3E}">
-        <p14:creationId xmlns:p14="http://schemas.microsoft.com/office/powerpoint/2010/main" val="3040030372"/>
+        <p14:creationId xmlns:p14="http://schemas.microsoft.com/office/powerpoint/2010/main" xmlns="" val="3040030372"/>
       </p:ext>
     </p:extLst>
   </p:cSld>
@@ -15774,7 +14885,7 @@
           <a:blip r:embed="rId2">
             <a:extLst>
               <a:ext uri="{28A0092B-C50C-407E-A947-70E740481C1C}">
-                <a14:useLocalDpi xmlns:a14="http://schemas.microsoft.com/office/drawing/2010/main" val="0"/>
+                <a14:useLocalDpi xmlns:a14="http://schemas.microsoft.com/office/drawing/2010/main" xmlns="" val="0"/>
               </a:ext>
             </a:extLst>
           </a:blip>
@@ -15804,7 +14915,7 @@
           <a:blip r:embed="rId3">
             <a:extLst>
               <a:ext uri="{28A0092B-C50C-407E-A947-70E740481C1C}">
-                <a14:useLocalDpi xmlns:a14="http://schemas.microsoft.com/office/drawing/2010/main" val="0"/>
+                <a14:useLocalDpi xmlns:a14="http://schemas.microsoft.com/office/drawing/2010/main" xmlns="" val="0"/>
               </a:ext>
             </a:extLst>
           </a:blip>
@@ -15834,7 +14945,7 @@
           <a:blip r:embed="rId4">
             <a:extLst>
               <a:ext uri="{28A0092B-C50C-407E-A947-70E740481C1C}">
-                <a14:useLocalDpi xmlns:a14="http://schemas.microsoft.com/office/drawing/2010/main" val="0"/>
+                <a14:useLocalDpi xmlns:a14="http://schemas.microsoft.com/office/drawing/2010/main" xmlns="" val="0"/>
               </a:ext>
             </a:extLst>
           </a:blip>
@@ -15864,7 +14975,7 @@
           <a:blip r:embed="rId5">
             <a:extLst>
               <a:ext uri="{28A0092B-C50C-407E-A947-70E740481C1C}">
-                <a14:useLocalDpi xmlns:a14="http://schemas.microsoft.com/office/drawing/2010/main" val="0"/>
+                <a14:useLocalDpi xmlns:a14="http://schemas.microsoft.com/office/drawing/2010/main" xmlns="" val="0"/>
               </a:ext>
             </a:extLst>
           </a:blip>
@@ -15894,7 +15005,7 @@
           <a:blip r:embed="rId6">
             <a:extLst>
               <a:ext uri="{28A0092B-C50C-407E-A947-70E740481C1C}">
-                <a14:useLocalDpi xmlns:a14="http://schemas.microsoft.com/office/drawing/2010/main" val="0"/>
+                <a14:useLocalDpi xmlns:a14="http://schemas.microsoft.com/office/drawing/2010/main" xmlns="" val="0"/>
               </a:ext>
             </a:extLst>
           </a:blip>
@@ -16022,7 +15133,7 @@
     </p:spTree>
     <p:extLst>
       <p:ext uri="{BB962C8B-B14F-4D97-AF65-F5344CB8AC3E}">
-        <p14:creationId xmlns:p14="http://schemas.microsoft.com/office/powerpoint/2010/main" val="2631485282"/>
+        <p14:creationId xmlns:p14="http://schemas.microsoft.com/office/powerpoint/2010/main" xmlns="" val="2631485282"/>
       </p:ext>
     </p:extLst>
   </p:cSld>
@@ -16517,7 +15628,7 @@
     </p:spTree>
     <p:extLst>
       <p:ext uri="{BB962C8B-B14F-4D97-AF65-F5344CB8AC3E}">
-        <p14:creationId xmlns:p14="http://schemas.microsoft.com/office/powerpoint/2010/main" val="2631485282"/>
+        <p14:creationId xmlns:p14="http://schemas.microsoft.com/office/powerpoint/2010/main" xmlns="" val="2631485282"/>
       </p:ext>
     </p:extLst>
   </p:cSld>
@@ -18181,7 +17292,7 @@
     </p:spTree>
     <p:extLst>
       <p:ext uri="{BB962C8B-B14F-4D97-AF65-F5344CB8AC3E}">
-        <p14:creationId xmlns:p14="http://schemas.microsoft.com/office/powerpoint/2010/main" val="2631485282"/>
+        <p14:creationId xmlns:p14="http://schemas.microsoft.com/office/powerpoint/2010/main" xmlns="" val="2631485282"/>
       </p:ext>
     </p:extLst>
   </p:cSld>
@@ -19128,7 +18239,7 @@
     </p:spTree>
     <p:extLst>
       <p:ext uri="{BB962C8B-B14F-4D97-AF65-F5344CB8AC3E}">
-        <p14:creationId xmlns:p14="http://schemas.microsoft.com/office/powerpoint/2010/main" val="2631485282"/>
+        <p14:creationId xmlns:p14="http://schemas.microsoft.com/office/powerpoint/2010/main" xmlns="" val="2631485282"/>
       </p:ext>
     </p:extLst>
   </p:cSld>
@@ -20486,7 +19597,7 @@
     </p:spTree>
     <p:extLst>
       <p:ext uri="{BB962C8B-B14F-4D97-AF65-F5344CB8AC3E}">
-        <p14:creationId xmlns:p14="http://schemas.microsoft.com/office/powerpoint/2010/main" val="2631485282"/>
+        <p14:creationId xmlns:p14="http://schemas.microsoft.com/office/powerpoint/2010/main" xmlns="" val="2631485282"/>
       </p:ext>
     </p:extLst>
   </p:cSld>
@@ -20862,7 +19973,7 @@
     </p:spTree>
     <p:extLst>
       <p:ext uri="{BB962C8B-B14F-4D97-AF65-F5344CB8AC3E}">
-        <p14:creationId xmlns:p14="http://schemas.microsoft.com/office/powerpoint/2010/main" val="2631485282"/>
+        <p14:creationId xmlns:p14="http://schemas.microsoft.com/office/powerpoint/2010/main" xmlns="" val="2631485282"/>
       </p:ext>
     </p:extLst>
   </p:cSld>
@@ -20981,7 +20092,7 @@
     </p:spTree>
     <p:extLst>
       <p:ext uri="{BB962C8B-B14F-4D97-AF65-F5344CB8AC3E}">
-        <p14:creationId xmlns:p14="http://schemas.microsoft.com/office/powerpoint/2010/main" val="3598067464"/>
+        <p14:creationId xmlns:p14="http://schemas.microsoft.com/office/powerpoint/2010/main" xmlns="" val="3598067464"/>
       </p:ext>
     </p:extLst>
   </p:cSld>
@@ -21027,7 +20138,7 @@
           <a:blip r:embed="rId3">
             <a:extLst>
               <a:ext uri="{28A0092B-C50C-407E-A947-70E740481C1C}">
-                <a14:useLocalDpi xmlns:a14="http://schemas.microsoft.com/office/drawing/2010/main" val="0"/>
+                <a14:useLocalDpi xmlns:a14="http://schemas.microsoft.com/office/drawing/2010/main" xmlns="" val="0"/>
               </a:ext>
             </a:extLst>
           </a:blip>
@@ -21057,7 +20168,7 @@
           <a:blip r:embed="rId4">
             <a:extLst>
               <a:ext uri="{28A0092B-C50C-407E-A947-70E740481C1C}">
-                <a14:useLocalDpi xmlns:a14="http://schemas.microsoft.com/office/drawing/2010/main" val="0"/>
+                <a14:useLocalDpi xmlns:a14="http://schemas.microsoft.com/office/drawing/2010/main" xmlns="" val="0"/>
               </a:ext>
             </a:extLst>
           </a:blip>
@@ -21087,7 +20198,7 @@
           <a:blip r:embed="rId5">
             <a:extLst>
               <a:ext uri="{28A0092B-C50C-407E-A947-70E740481C1C}">
-                <a14:useLocalDpi xmlns:a14="http://schemas.microsoft.com/office/drawing/2010/main" val="0"/>
+                <a14:useLocalDpi xmlns:a14="http://schemas.microsoft.com/office/drawing/2010/main" xmlns="" val="0"/>
               </a:ext>
             </a:extLst>
           </a:blip>
@@ -21117,7 +20228,7 @@
           <a:blip r:embed="rId6">
             <a:extLst>
               <a:ext uri="{28A0092B-C50C-407E-A947-70E740481C1C}">
-                <a14:useLocalDpi xmlns:a14="http://schemas.microsoft.com/office/drawing/2010/main" val="0"/>
+                <a14:useLocalDpi xmlns:a14="http://schemas.microsoft.com/office/drawing/2010/main" xmlns="" val="0"/>
               </a:ext>
             </a:extLst>
           </a:blip>
@@ -21147,7 +20258,7 @@
           <a:blip r:embed="rId7">
             <a:extLst>
               <a:ext uri="{28A0092B-C50C-407E-A947-70E740481C1C}">
-                <a14:useLocalDpi xmlns:a14="http://schemas.microsoft.com/office/drawing/2010/main" val="0"/>
+                <a14:useLocalDpi xmlns:a14="http://schemas.microsoft.com/office/drawing/2010/main" xmlns="" val="0"/>
               </a:ext>
             </a:extLst>
           </a:blip>
@@ -21177,7 +20288,7 @@
           <a:blip r:embed="rId8">
             <a:extLst>
               <a:ext uri="{28A0092B-C50C-407E-A947-70E740481C1C}">
-                <a14:useLocalDpi xmlns:a14="http://schemas.microsoft.com/office/drawing/2010/main" val="0"/>
+                <a14:useLocalDpi xmlns:a14="http://schemas.microsoft.com/office/drawing/2010/main" xmlns="" val="0"/>
               </a:ext>
             </a:extLst>
           </a:blip>
@@ -21207,7 +20318,7 @@
           <a:blip r:embed="rId9">
             <a:extLst>
               <a:ext uri="{28A0092B-C50C-407E-A947-70E740481C1C}">
-                <a14:useLocalDpi xmlns:a14="http://schemas.microsoft.com/office/drawing/2010/main" val="0"/>
+                <a14:useLocalDpi xmlns:a14="http://schemas.microsoft.com/office/drawing/2010/main" xmlns="" val="0"/>
               </a:ext>
             </a:extLst>
           </a:blip>
@@ -21237,7 +20348,7 @@
           <a:blip r:embed="rId10">
             <a:extLst>
               <a:ext uri="{28A0092B-C50C-407E-A947-70E740481C1C}">
-                <a14:useLocalDpi xmlns:a14="http://schemas.microsoft.com/office/drawing/2010/main" val="0"/>
+                <a14:useLocalDpi xmlns:a14="http://schemas.microsoft.com/office/drawing/2010/main" xmlns="" val="0"/>
               </a:ext>
             </a:extLst>
           </a:blip>
@@ -21257,7 +20368,7 @@
       </p:pic>
       <p:pic>
         <p:nvPicPr>
-          <p:cNvPr id="2" name="圖片 1"/>
+          <p:cNvPr id="4" name="圖片 3"/>
           <p:cNvPicPr>
             <a:picLocks noChangeAspect="1"/>
           </p:cNvPicPr>
@@ -21267,37 +20378,7 @@
           <a:blip r:embed="rId11">
             <a:extLst>
               <a:ext uri="{28A0092B-C50C-407E-A947-70E740481C1C}">
-                <a14:useLocalDpi xmlns:a14="http://schemas.microsoft.com/office/drawing/2010/main" val="0"/>
-              </a:ext>
-            </a:extLst>
-          </a:blip>
-          <a:stretch>
-            <a:fillRect/>
-          </a:stretch>
-        </p:blipFill>
-        <p:spPr>
-          <a:xfrm rot="19944584">
-            <a:off x="7850247" y="2724321"/>
-            <a:ext cx="804768" cy="579987"/>
-          </a:xfrm>
-          <a:prstGeom prst="rect">
-            <a:avLst/>
-          </a:prstGeom>
-        </p:spPr>
-      </p:pic>
-      <p:pic>
-        <p:nvPicPr>
-          <p:cNvPr id="4" name="圖片 3"/>
-          <p:cNvPicPr>
-            <a:picLocks noChangeAspect="1"/>
-          </p:cNvPicPr>
-          <p:nvPr/>
-        </p:nvPicPr>
-        <p:blipFill>
-          <a:blip r:embed="rId12">
-            <a:extLst>
-              <a:ext uri="{28A0092B-C50C-407E-A947-70E740481C1C}">
-                <a14:useLocalDpi xmlns:a14="http://schemas.microsoft.com/office/drawing/2010/main" val="0"/>
+                <a14:useLocalDpi xmlns:a14="http://schemas.microsoft.com/office/drawing/2010/main" xmlns="" val="0"/>
               </a:ext>
             </a:extLst>
           </a:blip>
@@ -21776,10 +20857,40 @@
           </a:p>
         </p:txBody>
       </p:sp>
+      <p:pic>
+        <p:nvPicPr>
+          <p:cNvPr id="31" name="圖片 30"/>
+          <p:cNvPicPr>
+            <a:picLocks noChangeAspect="1"/>
+          </p:cNvPicPr>
+          <p:nvPr/>
+        </p:nvPicPr>
+        <p:blipFill>
+          <a:blip r:embed="rId12">
+            <a:extLst>
+              <a:ext uri="{28A0092B-C50C-407E-A947-70E740481C1C}">
+                <a14:useLocalDpi xmlns:a14="http://schemas.microsoft.com/office/drawing/2010/main" xmlns="" val="0"/>
+              </a:ext>
+            </a:extLst>
+          </a:blip>
+          <a:stretch>
+            <a:fillRect/>
+          </a:stretch>
+        </p:blipFill>
+        <p:spPr>
+          <a:xfrm rot="19697885">
+            <a:off x="7851600" y="2701916"/>
+            <a:ext cx="803216" cy="579987"/>
+          </a:xfrm>
+          <a:prstGeom prst="rect">
+            <a:avLst/>
+          </a:prstGeom>
+        </p:spPr>
+      </p:pic>
     </p:spTree>
     <p:extLst>
       <p:ext uri="{BB962C8B-B14F-4D97-AF65-F5344CB8AC3E}">
-        <p14:creationId xmlns:p14="http://schemas.microsoft.com/office/powerpoint/2010/main" val="4197745775"/>
+        <p14:creationId xmlns:p14="http://schemas.microsoft.com/office/powerpoint/2010/main" xmlns="" val="4197745775"/>
       </p:ext>
     </p:extLst>
   </p:cSld>
@@ -22202,7 +21313,7 @@
     </p:spTree>
     <p:extLst>
       <p:ext uri="{BB962C8B-B14F-4D97-AF65-F5344CB8AC3E}">
-        <p14:creationId xmlns:p14="http://schemas.microsoft.com/office/powerpoint/2010/main" val="2084848250"/>
+        <p14:creationId xmlns:p14="http://schemas.microsoft.com/office/powerpoint/2010/main" xmlns="" val="2084848250"/>
       </p:ext>
     </p:extLst>
   </p:cSld>
@@ -22660,7 +21771,7 @@
     </p:spTree>
     <p:extLst>
       <p:ext uri="{BB962C8B-B14F-4D97-AF65-F5344CB8AC3E}">
-        <p14:creationId xmlns:p14="http://schemas.microsoft.com/office/powerpoint/2010/main" val="245424832"/>
+        <p14:creationId xmlns:p14="http://schemas.microsoft.com/office/powerpoint/2010/main" xmlns="" val="245424832"/>
       </p:ext>
     </p:extLst>
   </p:cSld>
@@ -23107,7 +22218,7 @@
     </p:spTree>
     <p:extLst>
       <p:ext uri="{BB962C8B-B14F-4D97-AF65-F5344CB8AC3E}">
-        <p14:creationId xmlns:p14="http://schemas.microsoft.com/office/powerpoint/2010/main" val="1692470345"/>
+        <p14:creationId xmlns:p14="http://schemas.microsoft.com/office/powerpoint/2010/main" xmlns="" val="1692470345"/>
       </p:ext>
     </p:extLst>
   </p:cSld>
@@ -37369,7 +36480,7 @@
     </p:spTree>
     <p:extLst>
       <p:ext uri="{BB962C8B-B14F-4D97-AF65-F5344CB8AC3E}">
-        <p14:creationId xmlns:p14="http://schemas.microsoft.com/office/powerpoint/2010/main" val="1404139195"/>
+        <p14:creationId xmlns:p14="http://schemas.microsoft.com/office/powerpoint/2010/main" xmlns="" val="1404139195"/>
       </p:ext>
     </p:extLst>
   </p:cSld>
@@ -37595,7 +36706,7 @@
           <a:blip r:embed="rId3">
             <a:extLst>
               <a:ext uri="{28A0092B-C50C-407E-A947-70E740481C1C}">
-                <a14:useLocalDpi xmlns:a14="http://schemas.microsoft.com/office/drawing/2010/main" val="0"/>
+                <a14:useLocalDpi xmlns:a14="http://schemas.microsoft.com/office/drawing/2010/main" xmlns="" val="0"/>
               </a:ext>
             </a:extLst>
           </a:blip>
@@ -37625,7 +36736,7 @@
           <a:blip r:embed="rId4">
             <a:extLst>
               <a:ext uri="{28A0092B-C50C-407E-A947-70E740481C1C}">
-                <a14:useLocalDpi xmlns:a14="http://schemas.microsoft.com/office/drawing/2010/main" val="0"/>
+                <a14:useLocalDpi xmlns:a14="http://schemas.microsoft.com/office/drawing/2010/main" xmlns="" val="0"/>
               </a:ext>
             </a:extLst>
           </a:blip>
@@ -37655,7 +36766,7 @@
           <a:blip r:embed="rId5">
             <a:extLst>
               <a:ext uri="{28A0092B-C50C-407E-A947-70E740481C1C}">
-                <a14:useLocalDpi xmlns:a14="http://schemas.microsoft.com/office/drawing/2010/main" val="0"/>
+                <a14:useLocalDpi xmlns:a14="http://schemas.microsoft.com/office/drawing/2010/main" xmlns="" val="0"/>
               </a:ext>
             </a:extLst>
           </a:blip>
@@ -37685,7 +36796,7 @@
           <a:blip r:embed="rId6">
             <a:extLst>
               <a:ext uri="{28A0092B-C50C-407E-A947-70E740481C1C}">
-                <a14:useLocalDpi xmlns:a14="http://schemas.microsoft.com/office/drawing/2010/main" val="0"/>
+                <a14:useLocalDpi xmlns:a14="http://schemas.microsoft.com/office/drawing/2010/main" xmlns="" val="0"/>
               </a:ext>
             </a:extLst>
           </a:blip>
@@ -37715,7 +36826,7 @@
           <a:blip r:embed="rId7">
             <a:extLst>
               <a:ext uri="{28A0092B-C50C-407E-A947-70E740481C1C}">
-                <a14:useLocalDpi xmlns:a14="http://schemas.microsoft.com/office/drawing/2010/main" val="0"/>
+                <a14:useLocalDpi xmlns:a14="http://schemas.microsoft.com/office/drawing/2010/main" xmlns="" val="0"/>
               </a:ext>
             </a:extLst>
           </a:blip>
@@ -37745,7 +36856,7 @@
           <a:blip r:embed="rId8">
             <a:extLst>
               <a:ext uri="{28A0092B-C50C-407E-A947-70E740481C1C}">
-                <a14:useLocalDpi xmlns:a14="http://schemas.microsoft.com/office/drawing/2010/main" val="0"/>
+                <a14:useLocalDpi xmlns:a14="http://schemas.microsoft.com/office/drawing/2010/main" xmlns="" val="0"/>
               </a:ext>
             </a:extLst>
           </a:blip>
@@ -37775,7 +36886,7 @@
           <a:blip r:embed="rId9">
             <a:extLst>
               <a:ext uri="{28A0092B-C50C-407E-A947-70E740481C1C}">
-                <a14:useLocalDpi xmlns:a14="http://schemas.microsoft.com/office/drawing/2010/main" val="0"/>
+                <a14:useLocalDpi xmlns:a14="http://schemas.microsoft.com/office/drawing/2010/main" xmlns="" val="0"/>
               </a:ext>
             </a:extLst>
           </a:blip>
@@ -37805,7 +36916,7 @@
           <a:blip r:embed="rId10">
             <a:extLst>
               <a:ext uri="{28A0092B-C50C-407E-A947-70E740481C1C}">
-                <a14:useLocalDpi xmlns:a14="http://schemas.microsoft.com/office/drawing/2010/main" val="0"/>
+                <a14:useLocalDpi xmlns:a14="http://schemas.microsoft.com/office/drawing/2010/main" xmlns="" val="0"/>
               </a:ext>
             </a:extLst>
           </a:blip>
@@ -37835,7 +36946,7 @@
           <a:blip r:embed="rId11">
             <a:extLst>
               <a:ext uri="{28A0092B-C50C-407E-A947-70E740481C1C}">
-                <a14:useLocalDpi xmlns:a14="http://schemas.microsoft.com/office/drawing/2010/main" val="0"/>
+                <a14:useLocalDpi xmlns:a14="http://schemas.microsoft.com/office/drawing/2010/main" xmlns="" val="0"/>
               </a:ext>
             </a:extLst>
           </a:blip>
@@ -37865,7 +36976,7 @@
           <a:blip r:embed="rId12">
             <a:extLst>
               <a:ext uri="{28A0092B-C50C-407E-A947-70E740481C1C}">
-                <a14:useLocalDpi xmlns:a14="http://schemas.microsoft.com/office/drawing/2010/main" val="0"/>
+                <a14:useLocalDpi xmlns:a14="http://schemas.microsoft.com/office/drawing/2010/main" xmlns="" val="0"/>
               </a:ext>
             </a:extLst>
           </a:blip>
@@ -38404,7 +37515,7 @@
     </p:spTree>
     <p:extLst>
       <p:ext uri="{BB962C8B-B14F-4D97-AF65-F5344CB8AC3E}">
-        <p14:creationId xmlns:p14="http://schemas.microsoft.com/office/powerpoint/2010/main" val="2177871844"/>
+        <p14:creationId xmlns:p14="http://schemas.microsoft.com/office/powerpoint/2010/main" xmlns="" val="2177871844"/>
       </p:ext>
     </p:extLst>
   </p:cSld>
@@ -38682,7 +37793,7 @@
           <a:blip r:embed="rId3">
             <a:extLst>
               <a:ext uri="{28A0092B-C50C-407E-A947-70E740481C1C}">
-                <a14:useLocalDpi xmlns:a14="http://schemas.microsoft.com/office/drawing/2010/main" val="0"/>
+                <a14:useLocalDpi xmlns:a14="http://schemas.microsoft.com/office/drawing/2010/main" xmlns="" val="0"/>
               </a:ext>
             </a:extLst>
           </a:blip>
@@ -38712,7 +37823,7 @@
           <a:blip r:embed="rId4">
             <a:extLst>
               <a:ext uri="{28A0092B-C50C-407E-A947-70E740481C1C}">
-                <a14:useLocalDpi xmlns:a14="http://schemas.microsoft.com/office/drawing/2010/main" val="0"/>
+                <a14:useLocalDpi xmlns:a14="http://schemas.microsoft.com/office/drawing/2010/main" xmlns="" val="0"/>
               </a:ext>
             </a:extLst>
           </a:blip>
@@ -38742,7 +37853,7 @@
           <a:blip r:embed="rId5">
             <a:extLst>
               <a:ext uri="{28A0092B-C50C-407E-A947-70E740481C1C}">
-                <a14:useLocalDpi xmlns:a14="http://schemas.microsoft.com/office/drawing/2010/main" val="0"/>
+                <a14:useLocalDpi xmlns:a14="http://schemas.microsoft.com/office/drawing/2010/main" xmlns="" val="0"/>
               </a:ext>
             </a:extLst>
           </a:blip>
@@ -38772,7 +37883,7 @@
           <a:blip r:embed="rId6">
             <a:extLst>
               <a:ext uri="{28A0092B-C50C-407E-A947-70E740481C1C}">
-                <a14:useLocalDpi xmlns:a14="http://schemas.microsoft.com/office/drawing/2010/main" val="0"/>
+                <a14:useLocalDpi xmlns:a14="http://schemas.microsoft.com/office/drawing/2010/main" xmlns="" val="0"/>
               </a:ext>
             </a:extLst>
           </a:blip>
@@ -38802,7 +37913,7 @@
           <a:blip r:embed="rId7">
             <a:extLst>
               <a:ext uri="{28A0092B-C50C-407E-A947-70E740481C1C}">
-                <a14:useLocalDpi xmlns:a14="http://schemas.microsoft.com/office/drawing/2010/main" val="0"/>
+                <a14:useLocalDpi xmlns:a14="http://schemas.microsoft.com/office/drawing/2010/main" xmlns="" val="0"/>
               </a:ext>
             </a:extLst>
           </a:blip>
@@ -38832,7 +37943,7 @@
           <a:blip r:embed="rId8">
             <a:extLst>
               <a:ext uri="{28A0092B-C50C-407E-A947-70E740481C1C}">
-                <a14:useLocalDpi xmlns:a14="http://schemas.microsoft.com/office/drawing/2010/main" val="0"/>
+                <a14:useLocalDpi xmlns:a14="http://schemas.microsoft.com/office/drawing/2010/main" xmlns="" val="0"/>
               </a:ext>
             </a:extLst>
           </a:blip>
@@ -38862,7 +37973,7 @@
           <a:blip r:embed="rId9">
             <a:extLst>
               <a:ext uri="{28A0092B-C50C-407E-A947-70E740481C1C}">
-                <a14:useLocalDpi xmlns:a14="http://schemas.microsoft.com/office/drawing/2010/main" val="0"/>
+                <a14:useLocalDpi xmlns:a14="http://schemas.microsoft.com/office/drawing/2010/main" xmlns="" val="0"/>
               </a:ext>
             </a:extLst>
           </a:blip>
@@ -38892,7 +38003,7 @@
           <a:blip r:embed="rId10">
             <a:extLst>
               <a:ext uri="{28A0092B-C50C-407E-A947-70E740481C1C}">
-                <a14:useLocalDpi xmlns:a14="http://schemas.microsoft.com/office/drawing/2010/main" val="0"/>
+                <a14:useLocalDpi xmlns:a14="http://schemas.microsoft.com/office/drawing/2010/main" xmlns="" val="0"/>
               </a:ext>
             </a:extLst>
           </a:blip>
@@ -38922,7 +38033,7 @@
           <a:blip r:embed="rId11">
             <a:extLst>
               <a:ext uri="{28A0092B-C50C-407E-A947-70E740481C1C}">
-                <a14:useLocalDpi xmlns:a14="http://schemas.microsoft.com/office/drawing/2010/main" val="0"/>
+                <a14:useLocalDpi xmlns:a14="http://schemas.microsoft.com/office/drawing/2010/main" xmlns="" val="0"/>
               </a:ext>
             </a:extLst>
           </a:blip>
@@ -38952,7 +38063,7 @@
           <a:blip r:embed="rId12">
             <a:extLst>
               <a:ext uri="{28A0092B-C50C-407E-A947-70E740481C1C}">
-                <a14:useLocalDpi xmlns:a14="http://schemas.microsoft.com/office/drawing/2010/main" val="0"/>
+                <a14:useLocalDpi xmlns:a14="http://schemas.microsoft.com/office/drawing/2010/main" xmlns="" val="0"/>
               </a:ext>
             </a:extLst>
           </a:blip>
@@ -39356,7 +38467,7 @@
     </p:spTree>
     <p:extLst>
       <p:ext uri="{BB962C8B-B14F-4D97-AF65-F5344CB8AC3E}">
-        <p14:creationId xmlns:p14="http://schemas.microsoft.com/office/powerpoint/2010/main" val="3530788607"/>
+        <p14:creationId xmlns:p14="http://schemas.microsoft.com/office/powerpoint/2010/main" xmlns="" val="3530788607"/>
       </p:ext>
     </p:extLst>
   </p:cSld>
@@ -39547,7 +38658,7 @@
           <a:blip r:embed="rId3">
             <a:extLst>
               <a:ext uri="{28A0092B-C50C-407E-A947-70E740481C1C}">
-                <a14:useLocalDpi xmlns:a14="http://schemas.microsoft.com/office/drawing/2010/main" val="0"/>
+                <a14:useLocalDpi xmlns:a14="http://schemas.microsoft.com/office/drawing/2010/main" xmlns="" val="0"/>
               </a:ext>
             </a:extLst>
           </a:blip>
@@ -39577,7 +38688,7 @@
           <a:blip r:embed="rId4">
             <a:extLst>
               <a:ext uri="{28A0092B-C50C-407E-A947-70E740481C1C}">
-                <a14:useLocalDpi xmlns:a14="http://schemas.microsoft.com/office/drawing/2010/main" val="0"/>
+                <a14:useLocalDpi xmlns:a14="http://schemas.microsoft.com/office/drawing/2010/main" xmlns="" val="0"/>
               </a:ext>
             </a:extLst>
           </a:blip>
@@ -39607,7 +38718,7 @@
           <a:blip r:embed="rId5">
             <a:extLst>
               <a:ext uri="{28A0092B-C50C-407E-A947-70E740481C1C}">
-                <a14:useLocalDpi xmlns:a14="http://schemas.microsoft.com/office/drawing/2010/main" val="0"/>
+                <a14:useLocalDpi xmlns:a14="http://schemas.microsoft.com/office/drawing/2010/main" xmlns="" val="0"/>
               </a:ext>
             </a:extLst>
           </a:blip>
@@ -39637,7 +38748,7 @@
           <a:blip r:embed="rId6">
             <a:extLst>
               <a:ext uri="{28A0092B-C50C-407E-A947-70E740481C1C}">
-                <a14:useLocalDpi xmlns:a14="http://schemas.microsoft.com/office/drawing/2010/main" val="0"/>
+                <a14:useLocalDpi xmlns:a14="http://schemas.microsoft.com/office/drawing/2010/main" xmlns="" val="0"/>
               </a:ext>
             </a:extLst>
           </a:blip>
@@ -39667,7 +38778,7 @@
           <a:blip r:embed="rId7">
             <a:extLst>
               <a:ext uri="{28A0092B-C50C-407E-A947-70E740481C1C}">
-                <a14:useLocalDpi xmlns:a14="http://schemas.microsoft.com/office/drawing/2010/main" val="0"/>
+                <a14:useLocalDpi xmlns:a14="http://schemas.microsoft.com/office/drawing/2010/main" xmlns="" val="0"/>
               </a:ext>
             </a:extLst>
           </a:blip>
@@ -39697,7 +38808,7 @@
           <a:blip r:embed="rId8">
             <a:extLst>
               <a:ext uri="{28A0092B-C50C-407E-A947-70E740481C1C}">
-                <a14:useLocalDpi xmlns:a14="http://schemas.microsoft.com/office/drawing/2010/main" val="0"/>
+                <a14:useLocalDpi xmlns:a14="http://schemas.microsoft.com/office/drawing/2010/main" xmlns="" val="0"/>
               </a:ext>
             </a:extLst>
           </a:blip>
@@ -39727,7 +38838,7 @@
           <a:blip r:embed="rId9">
             <a:extLst>
               <a:ext uri="{28A0092B-C50C-407E-A947-70E740481C1C}">
-                <a14:useLocalDpi xmlns:a14="http://schemas.microsoft.com/office/drawing/2010/main" val="0"/>
+                <a14:useLocalDpi xmlns:a14="http://schemas.microsoft.com/office/drawing/2010/main" xmlns="" val="0"/>
               </a:ext>
             </a:extLst>
           </a:blip>
@@ -39757,7 +38868,7 @@
           <a:blip r:embed="rId10">
             <a:extLst>
               <a:ext uri="{28A0092B-C50C-407E-A947-70E740481C1C}">
-                <a14:useLocalDpi xmlns:a14="http://schemas.microsoft.com/office/drawing/2010/main" val="0"/>
+                <a14:useLocalDpi xmlns:a14="http://schemas.microsoft.com/office/drawing/2010/main" xmlns="" val="0"/>
               </a:ext>
             </a:extLst>
           </a:blip>
@@ -39787,7 +38898,7 @@
           <a:blip r:embed="rId11">
             <a:extLst>
               <a:ext uri="{28A0092B-C50C-407E-A947-70E740481C1C}">
-                <a14:useLocalDpi xmlns:a14="http://schemas.microsoft.com/office/drawing/2010/main" val="0"/>
+                <a14:useLocalDpi xmlns:a14="http://schemas.microsoft.com/office/drawing/2010/main" xmlns="" val="0"/>
               </a:ext>
             </a:extLst>
           </a:blip>
@@ -39817,7 +38928,7 @@
           <a:blip r:embed="rId12">
             <a:extLst>
               <a:ext uri="{28A0092B-C50C-407E-A947-70E740481C1C}">
-                <a14:useLocalDpi xmlns:a14="http://schemas.microsoft.com/office/drawing/2010/main" val="0"/>
+                <a14:useLocalDpi xmlns:a14="http://schemas.microsoft.com/office/drawing/2010/main" xmlns="" val="0"/>
               </a:ext>
             </a:extLst>
           </a:blip>
@@ -40131,7 +39242,7 @@
     </p:spTree>
     <p:extLst>
       <p:ext uri="{BB962C8B-B14F-4D97-AF65-F5344CB8AC3E}">
-        <p14:creationId xmlns:p14="http://schemas.microsoft.com/office/powerpoint/2010/main" val="4185847747"/>
+        <p14:creationId xmlns:p14="http://schemas.microsoft.com/office/powerpoint/2010/main" xmlns="" val="4185847747"/>
       </p:ext>
     </p:extLst>
   </p:cSld>
@@ -40710,7 +39821,7 @@
         </p:nvSpPr>
         <p:spPr>
           <a:xfrm>
-            <a:off x="426964" y="3063985"/>
+            <a:off x="426964" y="3009121"/>
             <a:ext cx="1298961" cy="1237650"/>
           </a:xfrm>
           <a:prstGeom prst="rect">
@@ -40876,7 +39987,7 @@
     </p:spTree>
     <p:extLst>
       <p:ext uri="{BB962C8B-B14F-4D97-AF65-F5344CB8AC3E}">
-        <p14:creationId xmlns:p14="http://schemas.microsoft.com/office/powerpoint/2010/main" val="3474538235"/>
+        <p14:creationId xmlns:p14="http://schemas.microsoft.com/office/powerpoint/2010/main" xmlns="" val="3474538235"/>
       </p:ext>
     </p:extLst>
   </p:cSld>
@@ -41373,7 +40484,7 @@
         </p:nvSpPr>
         <p:spPr>
           <a:xfrm>
-            <a:off x="1367028" y="1254069"/>
+            <a:off x="1001268" y="1252800"/>
             <a:ext cx="1636776" cy="585216"/>
           </a:xfrm>
           <a:prstGeom prst="roundRect">
@@ -41430,7 +40541,7 @@
         </p:nvSpPr>
         <p:spPr>
           <a:xfrm>
-            <a:off x="5623560" y="1252800"/>
+            <a:off x="5367528" y="1252800"/>
             <a:ext cx="1636776" cy="585216"/>
           </a:xfrm>
           <a:prstGeom prst="roundRect">
@@ -41482,7 +40593,7 @@
     </p:spTree>
     <p:extLst>
       <p:ext uri="{BB962C8B-B14F-4D97-AF65-F5344CB8AC3E}">
-        <p14:creationId xmlns:p14="http://schemas.microsoft.com/office/powerpoint/2010/main" val="2269060780"/>
+        <p14:creationId xmlns:p14="http://schemas.microsoft.com/office/powerpoint/2010/main" xmlns="" val="2269060780"/>
       </p:ext>
     </p:extLst>
   </p:cSld>
@@ -42235,59 +41346,9 @@
         </p:xfrm>
         <a:graphic>
           <a:graphicData uri="http://schemas.openxmlformats.org/presentationml/2006/ole">
-            <mc:AlternateContent xmlns:mc="http://schemas.openxmlformats.org/markup-compatibility/2006">
-              <mc:Choice xmlns:v="urn:schemas-microsoft-com:vml" Requires="v">
-                <p:oleObj spid="_x0000_s27665" name="方程式" r:id="rId4" imgW="1256755" imgH="203112" progId="Equation.3">
-                  <p:embed/>
-                </p:oleObj>
-              </mc:Choice>
-              <mc:Fallback>
-                <p:oleObj name="方程式" r:id="rId4" imgW="1256755" imgH="203112" progId="Equation.3">
-                  <p:embed/>
-                  <p:pic>
-                    <p:nvPicPr>
-                      <p:cNvPr id="0" name=""/>
-                      <p:cNvPicPr>
-                        <a:picLocks noChangeAspect="1" noChangeArrowheads="1"/>
-                      </p:cNvPicPr>
-                      <p:nvPr/>
-                    </p:nvPicPr>
-                    <p:blipFill>
-                      <a:blip r:embed="rId5">
-                        <a:extLst>
-                          <a:ext uri="{28A0092B-C50C-407E-A947-70E740481C1C}">
-                            <a14:useLocalDpi xmlns:a14="http://schemas.microsoft.com/office/drawing/2010/main" val="0"/>
-                          </a:ext>
-                        </a:extLst>
-                      </a:blip>
-                      <a:srcRect/>
-                      <a:stretch>
-                        <a:fillRect/>
-                      </a:stretch>
-                    </p:blipFill>
-                    <p:spPr bwMode="auto">
-                      <a:xfrm>
-                        <a:off x="2934387" y="2969186"/>
-                        <a:ext cx="3379787" cy="568325"/>
-                      </a:xfrm>
-                      <a:prstGeom prst="rect">
-                        <a:avLst/>
-                      </a:prstGeom>
-                      <a:noFill/>
-                      <a:extLst>
-                        <a:ext uri="{909E8E84-426E-40DD-AFC4-6F175D3DCCD1}">
-                          <a14:hiddenFill xmlns:a14="http://schemas.microsoft.com/office/drawing/2010/main">
-                            <a:solidFill>
-                              <a:srgbClr val="FFFFFF"/>
-                            </a:solidFill>
-                          </a14:hiddenFill>
-                        </a:ext>
-                      </a:extLst>
-                    </p:spPr>
-                  </p:pic>
-                </p:oleObj>
-              </mc:Fallback>
-            </mc:AlternateContent>
+            <p:oleObj spid="_x0000_s27665" name="方程式" r:id="rId4" imgW="1256755" imgH="203112" progId="Equation.3">
+              <p:embed/>
+            </p:oleObj>
           </a:graphicData>
         </a:graphic>
       </p:graphicFrame>
@@ -42313,14 +41374,14 @@
                 <a:gridCol w="2188155">
                   <a:extLst>
                     <a:ext uri="{9D8B030D-6E8A-4147-A177-3AD203B41FA5}">
-                      <a16:colId xmlns:a16="http://schemas.microsoft.com/office/drawing/2014/main" xmlns="" val="3452721396"/>
+                      <a16:colId xmlns="" xmlns:a16="http://schemas.microsoft.com/office/drawing/2014/main" val="3452721396"/>
                     </a:ext>
                   </a:extLst>
                 </a:gridCol>
                 <a:gridCol w="1783181">
                   <a:extLst>
                     <a:ext uri="{9D8B030D-6E8A-4147-A177-3AD203B41FA5}">
-                      <a16:colId xmlns:a16="http://schemas.microsoft.com/office/drawing/2014/main" xmlns="" val="3776235587"/>
+                      <a16:colId xmlns="" xmlns:a16="http://schemas.microsoft.com/office/drawing/2014/main" val="3776235587"/>
                     </a:ext>
                   </a:extLst>
                 </a:gridCol>
@@ -42430,7 +41491,7 @@
                 </a:tc>
                 <a:extLst>
                   <a:ext uri="{0D108BD9-81ED-4DB2-BD59-A6C34878D82A}">
-                    <a16:rowId xmlns:a16="http://schemas.microsoft.com/office/drawing/2014/main" xmlns="" val="1687642106"/>
+                    <a16:rowId xmlns="" xmlns:a16="http://schemas.microsoft.com/office/drawing/2014/main" val="1687642106"/>
                   </a:ext>
                 </a:extLst>
               </a:tr>
@@ -42539,7 +41600,7 @@
                 </a:tc>
                 <a:extLst>
                   <a:ext uri="{0D108BD9-81ED-4DB2-BD59-A6C34878D82A}">
-                    <a16:rowId xmlns:a16="http://schemas.microsoft.com/office/drawing/2014/main" xmlns="" val="1167798081"/>
+                    <a16:rowId xmlns="" xmlns:a16="http://schemas.microsoft.com/office/drawing/2014/main" val="1167798081"/>
                   </a:ext>
                 </a:extLst>
               </a:tr>
@@ -42658,7 +41719,7 @@
                 </a:tc>
                 <a:extLst>
                   <a:ext uri="{0D108BD9-81ED-4DB2-BD59-A6C34878D82A}">
-                    <a16:rowId xmlns:a16="http://schemas.microsoft.com/office/drawing/2014/main" xmlns="" val="3666776475"/>
+                    <a16:rowId xmlns="" xmlns:a16="http://schemas.microsoft.com/office/drawing/2014/main" val="3666776475"/>
                   </a:ext>
                 </a:extLst>
               </a:tr>
@@ -42786,7 +41847,7 @@
                 </a:tc>
                 <a:extLst>
                   <a:ext uri="{0D108BD9-81ED-4DB2-BD59-A6C34878D82A}">
-                    <a16:rowId xmlns:a16="http://schemas.microsoft.com/office/drawing/2014/main" xmlns="" val="2399558479"/>
+                    <a16:rowId xmlns="" xmlns:a16="http://schemas.microsoft.com/office/drawing/2014/main" val="2399558479"/>
                   </a:ext>
                 </a:extLst>
               </a:tr>
@@ -42904,7 +41965,7 @@
                 </a:tc>
                 <a:extLst>
                   <a:ext uri="{0D108BD9-81ED-4DB2-BD59-A6C34878D82A}">
-                    <a16:rowId xmlns:a16="http://schemas.microsoft.com/office/drawing/2014/main" xmlns="" val="592403228"/>
+                    <a16:rowId xmlns="" xmlns:a16="http://schemas.microsoft.com/office/drawing/2014/main" val="592403228"/>
                   </a:ext>
                 </a:extLst>
               </a:tr>
@@ -42964,7 +42025,7 @@
                 <a:gridCol w="2188155">
                   <a:extLst>
                     <a:ext uri="{9D8B030D-6E8A-4147-A177-3AD203B41FA5}">
-                      <a16:colId xmlns:a16="http://schemas.microsoft.com/office/drawing/2014/main" xmlns="" val="3452721396"/>
+                      <a16:colId xmlns="" xmlns:a16="http://schemas.microsoft.com/office/drawing/2014/main" val="3452721396"/>
                     </a:ext>
                   </a:extLst>
                 </a:gridCol>
@@ -43024,7 +42085,7 @@
                 </a:tc>
                 <a:extLst>
                   <a:ext uri="{0D108BD9-81ED-4DB2-BD59-A6C34878D82A}">
-                    <a16:rowId xmlns:a16="http://schemas.microsoft.com/office/drawing/2014/main" xmlns="" val="1687642106"/>
+                    <a16:rowId xmlns="" xmlns:a16="http://schemas.microsoft.com/office/drawing/2014/main" val="1687642106"/>
                   </a:ext>
                 </a:extLst>
               </a:tr>
@@ -43077,6 +42138,8 @@
             <a:avLst/>
           </a:prstGeom>
           <a:noFill/>
+          <a:ln cmpd="sng"/>
+          <a:effectLst/>
         </p:spPr>
         <p:style>
           <a:lnRef idx="1">
@@ -43104,7 +42167,7 @@
     </p:spTree>
     <p:extLst>
       <p:ext uri="{BB962C8B-B14F-4D97-AF65-F5344CB8AC3E}">
-        <p14:creationId xmlns:p14="http://schemas.microsoft.com/office/powerpoint/2010/main" val="1761812800"/>
+        <p14:creationId xmlns:p14="http://schemas.microsoft.com/office/powerpoint/2010/main" xmlns="" val="1761812800"/>
       </p:ext>
     </p:extLst>
   </p:cSld>
@@ -44080,6 +43143,23 @@
 </file>
 
 <file path=customXml/item1.xml><?xml version="1.0" encoding="utf-8"?>
+<p:properties xmlns:p="http://schemas.microsoft.com/office/2006/metadata/properties" xmlns:xsi="http://www.w3.org/2001/XMLSchema-instance" xmlns:pc="http://schemas.microsoft.com/office/infopath/2007/PartnerControls">
+  <documentManagement>
+    <Year xmlns="24ac9ee2-1f69-49ec-81c1-d01c86227436">2015</Year>
+  </documentManagement>
+</p:properties>
+</file>
+
+<file path=customXml/item2.xml><?xml version="1.0" encoding="utf-8"?>
+<?mso-contentType ?>
+<FormTemplates xmlns="http://schemas.microsoft.com/sharepoint/v3/contenttype/forms">
+  <Display>DocumentLibraryForm</Display>
+  <Edit>DocumentLibraryForm</Edit>
+  <New>DocumentLibraryForm</New>
+</FormTemplates>
+</file>
+
+<file path=customXml/item3.xml><?xml version="1.0" encoding="utf-8"?>
 <ct:contentTypeSchema xmlns:ct="http://schemas.microsoft.com/office/2006/metadata/contentType" xmlns:ma="http://schemas.microsoft.com/office/2006/metadata/properties/metaAttributes" ct:_="" ma:_="" ma:contentTypeName="文件" ma:contentTypeID="0x0101000CB458D5399432479E0BB962A3AC807C" ma:contentTypeVersion="1" ma:contentTypeDescription="建立新的文件。" ma:contentTypeScope="" ma:versionID="2090fcdc2e9aae8469eabc8d31b189fb">
   <xsd:schema xmlns:xsd="http://www.w3.org/2001/XMLSchema" xmlns:xs="http://www.w3.org/2001/XMLSchema" xmlns:p="http://schemas.microsoft.com/office/2006/metadata/properties" xmlns:ns2="24ac9ee2-1f69-49ec-81c1-d01c86227436" targetNamespace="http://schemas.microsoft.com/office/2006/metadata/properties" ma:root="true" ma:fieldsID="3ada4ee18b918396c161ab8726fa03da" ns2:_="">
     <xsd:import namespace="24ac9ee2-1f69-49ec-81c1-d01c86227436"/>
@@ -44210,24 +43290,31 @@
 </ct:contentTypeSchema>
 </file>
 
-<file path=customXml/item2.xml><?xml version="1.0" encoding="utf-8"?>
-<?mso-contentType ?>
-<FormTemplates xmlns="http://schemas.microsoft.com/sharepoint/v3/contenttype/forms">
-  <Display>DocumentLibraryForm</Display>
-  <Edit>DocumentLibraryForm</Edit>
-  <New>DocumentLibraryForm</New>
-</FormTemplates>
+<file path=customXml/itemProps1.xml><?xml version="1.0" encoding="utf-8"?>
+<ds:datastoreItem xmlns:ds="http://schemas.openxmlformats.org/officeDocument/2006/customXml" ds:itemID="{327D2673-F33E-4BA5-8F43-8D9B5FEBC44E}">
+  <ds:schemaRefs>
+    <ds:schemaRef ds:uri="http://schemas.microsoft.com/office/2006/documentManagement/types"/>
+    <ds:schemaRef ds:uri="http://schemas.microsoft.com/office/2006/metadata/properties"/>
+    <ds:schemaRef ds:uri="http://purl.org/dc/dcmitype/"/>
+    <ds:schemaRef ds:uri="http://purl.org/dc/terms/"/>
+    <ds:schemaRef ds:uri="http://schemas.microsoft.com/office/infopath/2007/PartnerControls"/>
+    <ds:schemaRef ds:uri="http://purl.org/dc/elements/1.1/"/>
+    <ds:schemaRef ds:uri="http://www.w3.org/XML/1998/namespace"/>
+    <ds:schemaRef ds:uri="http://schemas.openxmlformats.org/package/2006/metadata/core-properties"/>
+    <ds:schemaRef ds:uri="24ac9ee2-1f69-49ec-81c1-d01c86227436"/>
+  </ds:schemaRefs>
+</ds:datastoreItem>
 </file>
 
-<file path=customXml/item3.xml><?xml version="1.0" encoding="utf-8"?>
-<p:properties xmlns:p="http://schemas.microsoft.com/office/2006/metadata/properties" xmlns:xsi="http://www.w3.org/2001/XMLSchema-instance" xmlns:pc="http://schemas.microsoft.com/office/infopath/2007/PartnerControls">
-  <documentManagement>
-    <Year xmlns="24ac9ee2-1f69-49ec-81c1-d01c86227436">2015</Year>
-  </documentManagement>
-</p:properties>
+<file path=customXml/itemProps2.xml><?xml version="1.0" encoding="utf-8"?>
+<ds:datastoreItem xmlns:ds="http://schemas.openxmlformats.org/officeDocument/2006/customXml" ds:itemID="{75703042-9C6F-440D-9A8D-0836740E8EC4}">
+  <ds:schemaRefs>
+    <ds:schemaRef ds:uri="http://schemas.microsoft.com/sharepoint/v3/contenttype/forms"/>
+  </ds:schemaRefs>
+</ds:datastoreItem>
 </file>
 
-<file path=customXml/itemProps1.xml><?xml version="1.0" encoding="utf-8"?>
+<file path=customXml/itemProps3.xml><?xml version="1.0" encoding="utf-8"?>
 <ds:datastoreItem xmlns:ds="http://schemas.openxmlformats.org/officeDocument/2006/customXml" ds:itemID="{4C9F39EC-CE5D-4921-B7BB-5650597DBD03}">
   <ds:schemaRefs>
     <ds:schemaRef ds:uri="http://schemas.microsoft.com/office/2006/metadata/contentType"/>
@@ -44243,28 +43330,4 @@
     <ds:schemaRef ds:uri="http://schemas.microsoft.com/internal/obd"/>
   </ds:schemaRefs>
 </ds:datastoreItem>
-</file>
-
-<file path=customXml/itemProps2.xml><?xml version="1.0" encoding="utf-8"?>
-<ds:datastoreItem xmlns:ds="http://schemas.openxmlformats.org/officeDocument/2006/customXml" ds:itemID="{75703042-9C6F-440D-9A8D-0836740E8EC4}">
-  <ds:schemaRefs>
-    <ds:schemaRef ds:uri="http://schemas.microsoft.com/sharepoint/v3/contenttype/forms"/>
-  </ds:schemaRefs>
-</ds:datastoreItem>
-</file>
-
-<file path=customXml/itemProps3.xml><?xml version="1.0" encoding="utf-8"?>
-<ds:datastoreItem xmlns:ds="http://schemas.openxmlformats.org/officeDocument/2006/customXml" ds:itemID="{327D2673-F33E-4BA5-8F43-8D9B5FEBC44E}">
-  <ds:schemaRefs>
-    <ds:schemaRef ds:uri="http://schemas.microsoft.com/office/2006/documentManagement/types"/>
-    <ds:schemaRef ds:uri="http://schemas.microsoft.com/office/2006/metadata/properties"/>
-    <ds:schemaRef ds:uri="http://purl.org/dc/dcmitype/"/>
-    <ds:schemaRef ds:uri="http://purl.org/dc/terms/"/>
-    <ds:schemaRef ds:uri="http://schemas.microsoft.com/office/infopath/2007/PartnerControls"/>
-    <ds:schemaRef ds:uri="http://purl.org/dc/elements/1.1/"/>
-    <ds:schemaRef ds:uri="http://www.w3.org/XML/1998/namespace"/>
-    <ds:schemaRef ds:uri="http://schemas.openxmlformats.org/package/2006/metadata/core-properties"/>
-    <ds:schemaRef ds:uri="24ac9ee2-1f69-49ec-81c1-d01c86227436"/>
-  </ds:schemaRefs>
-</ds:datastoreItem>
 </file>
--- a/Presentation/Boosting.pptx
+++ b/Presentation/Boosting.pptx
@@ -23,8 +23,8 @@
     <p:sldId id="353" r:id="rId14"/>
     <p:sldId id="345" r:id="rId15"/>
     <p:sldId id="335" r:id="rId16"/>
-    <p:sldId id="320" r:id="rId17"/>
-    <p:sldId id="322" r:id="rId18"/>
+    <p:sldId id="322" r:id="rId17"/>
+    <p:sldId id="320" r:id="rId18"/>
     <p:sldId id="336" r:id="rId19"/>
     <p:sldId id="318" r:id="rId20"/>
     <p:sldId id="327" r:id="rId21"/>
@@ -292,7 +292,7 @@
             <a:fld id="{F8252C7F-5FEC-2E4D-80AA-BF666F276660}" type="datetime1">
               <a:rPr lang="en-US" smtClean="0"/>
               <a:pPr/>
-              <a:t>7/6/2015</a:t>
+              <a:t>7/8/2015</a:t>
             </a:fld>
             <a:endParaRPr lang="en-US"/>
           </a:p>
@@ -460,7 +460,7 @@
             <a:fld id="{1939DE02-E791-1340-B4FF-3939EE33ADCD}" type="datetime1">
               <a:rPr lang="en-US" smtClean="0"/>
               <a:pPr/>
-              <a:t>7/6/2015</a:t>
+              <a:t>7/8/2015</a:t>
             </a:fld>
             <a:endParaRPr lang="en-US"/>
           </a:p>
@@ -1183,7 +1183,7 @@
           <a:bodyPr/>
           <a:lstStyle/>
           <a:p>
-            <a:endParaRPr lang="zh-TW" altLang="en-US" dirty="0"/>
+            <a:endParaRPr lang="zh-TW" altLang="en-US"/>
           </a:p>
         </p:txBody>
       </p:sp>
@@ -1214,7 +1214,7 @@
     </p:spTree>
     <p:extLst>
       <p:ext uri="{BB962C8B-B14F-4D97-AF65-F5344CB8AC3E}">
-        <p14:creationId xmlns:p14="http://schemas.microsoft.com/office/powerpoint/2010/main" val="901386044"/>
+        <p14:creationId xmlns:p14="http://schemas.microsoft.com/office/powerpoint/2010/main" val="2168797509"/>
       </p:ext>
     </p:extLst>
   </p:cSld>
@@ -1268,7 +1268,7 @@
           <a:bodyPr/>
           <a:lstStyle/>
           <a:p>
-            <a:endParaRPr lang="zh-TW" altLang="en-US"/>
+            <a:endParaRPr lang="zh-TW" altLang="en-US" dirty="0"/>
           </a:p>
         </p:txBody>
       </p:sp>
@@ -1299,7 +1299,7 @@
     </p:spTree>
     <p:extLst>
       <p:ext uri="{BB962C8B-B14F-4D97-AF65-F5344CB8AC3E}">
-        <p14:creationId xmlns:p14="http://schemas.microsoft.com/office/powerpoint/2010/main" val="2168797509"/>
+        <p14:creationId xmlns:p14="http://schemas.microsoft.com/office/powerpoint/2010/main" val="901386044"/>
       </p:ext>
     </p:extLst>
   </p:cSld>
@@ -2770,7 +2770,23 @@
           <a:p>
             <a:r>
               <a:rPr lang="zh-TW" altLang="en-US" dirty="0" smtClean="0"/>
-              <a:t>於是就從網路上找了很多圖片，圖片裡面有是香蕉的圖片，也有不是香蕉的圖片，然後請小朋友看一看這些圖片，然後告訴他說上面的是香蕉 下面的這排不是香蕉</a:t>
+              <a:t>於是就從網路上找了</a:t>
+            </a:r>
+            <a:r>
+              <a:rPr lang="zh-TW" altLang="en-US" dirty="0" smtClean="0"/>
+              <a:t>很多水果的圖片</a:t>
+            </a:r>
+            <a:r>
+              <a:rPr lang="zh-TW" altLang="en-US" dirty="0" smtClean="0"/>
+              <a:t>，圖片裡面有是香蕉的圖片，也有不是香蕉的圖片，然後請小朋友看一看這些圖片，然後</a:t>
+            </a:r>
+            <a:r>
+              <a:rPr lang="zh-TW" altLang="en-US" dirty="0" smtClean="0"/>
+              <a:t>告訴小孩說</a:t>
+            </a:r>
+            <a:r>
+              <a:rPr lang="zh-TW" altLang="en-US" dirty="0" smtClean="0"/>
+              <a:t>上面的是香蕉 下面的這排不是香蕉</a:t>
             </a:r>
             <a:endParaRPr lang="en-US" altLang="zh-TW" dirty="0" smtClean="0"/>
           </a:p>
@@ -2867,6 +2883,44 @@
           <a:bodyPr/>
           <a:lstStyle/>
           <a:p>
+            <a:r>
+              <a:rPr lang="zh-TW" altLang="en-US" dirty="0" smtClean="0"/>
+              <a:t>於是，小孩就看了看圖片，發現說 大部分的香蕉是黃色的，黃色的這條規則，因該能幫助我們分辨出是不是香蕉，那我們就來看一下這些圖片是不是都符合黃色的規則</a:t>
+            </a:r>
+            <a:endParaRPr lang="en-US" altLang="zh-TW" dirty="0" smtClean="0"/>
+          </a:p>
+          <a:p>
+            <a:r>
+              <a:rPr lang="zh-TW" altLang="en-US" dirty="0" smtClean="0"/>
+              <a:t>這邊的香蕉是黃色的所以是，然後下面蘋果 茄子 檸檬 都可以用這條規則分辨出來， </a:t>
+            </a:r>
+            <a:r>
+              <a:rPr lang="en-US" altLang="zh-TW" dirty="0" smtClean="0"/>
+              <a:t>(</a:t>
+            </a:r>
+            <a:r>
+              <a:rPr lang="zh-TW" altLang="en-US" dirty="0" smtClean="0"/>
+              <a:t>停頓</a:t>
+            </a:r>
+            <a:r>
+              <a:rPr lang="en-US" altLang="zh-TW" dirty="0" smtClean="0"/>
+              <a:t>) </a:t>
+            </a:r>
+            <a:r>
+              <a:rPr lang="zh-TW" altLang="en-US" dirty="0" smtClean="0"/>
+              <a:t> 但對於這條綠色的香蕉，和下面黃色的梨子 黃色的楊桃 這條規則就會做錯</a:t>
+            </a:r>
+            <a:endParaRPr lang="en-US" altLang="zh-TW" dirty="0" smtClean="0"/>
+          </a:p>
+          <a:p>
+            <a:r>
+              <a:rPr lang="zh-TW" altLang="en-US" dirty="0" smtClean="0"/>
+              <a:t>所以這條簡單的規則，其實並不完整，但是沒有關係，這時候父母就做了一個動作，就是把那些作對的圖片拿遠一些，把做錯的圖片 拿近一些</a:t>
+            </a:r>
+            <a:r>
+              <a:rPr lang="zh-TW" altLang="en-US" baseline="0" dirty="0" smtClean="0"/>
+              <a:t> 下一頁</a:t>
+            </a:r>
             <a:endParaRPr lang="zh-TW" altLang="en-US" dirty="0"/>
           </a:p>
         </p:txBody>
@@ -2951,6 +3005,210 @@
         <p:txBody>
           <a:bodyPr/>
           <a:lstStyle/>
+          <a:p>
+            <a:pPr marL="0" marR="0" indent="0" algn="l" defTabSz="457200" rtl="0" eaLnBrk="1" fontAlgn="auto" latinLnBrk="0" hangingPunct="1">
+              <a:lnSpc>
+                <a:spcPct val="100000"/>
+              </a:lnSpc>
+              <a:spcBef>
+                <a:spcPts val="0"/>
+              </a:spcBef>
+              <a:spcAft>
+                <a:spcPts val="0"/>
+              </a:spcAft>
+              <a:buClrTx/>
+              <a:buSzTx/>
+              <a:buFontTx/>
+              <a:buNone/>
+              <a:tabLst/>
+              <a:defRPr/>
+            </a:pPr>
+            <a:r>
+              <a:rPr lang="zh-TW" altLang="en-US" dirty="0" smtClean="0"/>
+              <a:t>那看起來就會像這個樣子，這些做錯的就會被放大，做對的就會被縮小，有了這個動作，就能讓小孩就能更集中注意力在那些做錯的圖片，</a:t>
+            </a:r>
+            <a:endParaRPr lang="en-US" altLang="zh-TW" dirty="0" smtClean="0"/>
+          </a:p>
+          <a:p>
+            <a:pPr marL="0" marR="0" indent="0" algn="l" defTabSz="457200" rtl="0" eaLnBrk="1" fontAlgn="auto" latinLnBrk="0" hangingPunct="1">
+              <a:lnSpc>
+                <a:spcPct val="100000"/>
+              </a:lnSpc>
+              <a:spcBef>
+                <a:spcPts val="0"/>
+              </a:spcBef>
+              <a:spcAft>
+                <a:spcPts val="0"/>
+              </a:spcAft>
+              <a:buClrTx/>
+              <a:buSzTx/>
+              <a:buFontTx/>
+              <a:buNone/>
+              <a:tabLst/>
+              <a:defRPr/>
+            </a:pPr>
+            <a:r>
+              <a:rPr lang="zh-TW" altLang="en-US" dirty="0" smtClean="0"/>
+              <a:t>於是父母就說，的確香蕉是黃色的但只靠這樣是不夠的，你還能不能找到其他規則呢</a:t>
+            </a:r>
+            <a:endParaRPr lang="en-US" altLang="zh-TW" dirty="0" smtClean="0"/>
+          </a:p>
+          <a:p>
+            <a:pPr marL="0" marR="0" indent="0" algn="l" defTabSz="457200" rtl="0" eaLnBrk="1" fontAlgn="auto" latinLnBrk="0" hangingPunct="1">
+              <a:lnSpc>
+                <a:spcPct val="100000"/>
+              </a:lnSpc>
+              <a:spcBef>
+                <a:spcPts val="0"/>
+              </a:spcBef>
+              <a:spcAft>
+                <a:spcPts val="0"/>
+              </a:spcAft>
+              <a:buClrTx/>
+              <a:buSzTx/>
+              <a:buFontTx/>
+              <a:buNone/>
+              <a:tabLst/>
+              <a:defRPr/>
+            </a:pPr>
+            <a:r>
+              <a:rPr lang="zh-TW" altLang="en-US" dirty="0" smtClean="0"/>
+              <a:t>於是小孩就看了看圖片，特別是那些放大的圖片，於是又發現另外一條規則 香蕉也有可能是綠色的</a:t>
+            </a:r>
+            <a:endParaRPr lang="en-US" altLang="zh-TW" dirty="0" smtClean="0"/>
+          </a:p>
+          <a:p>
+            <a:pPr marL="0" marR="0" indent="0" algn="l" defTabSz="457200" rtl="0" eaLnBrk="1" fontAlgn="auto" latinLnBrk="0" hangingPunct="1">
+              <a:lnSpc>
+                <a:spcPct val="100000"/>
+              </a:lnSpc>
+              <a:spcBef>
+                <a:spcPts val="0"/>
+              </a:spcBef>
+              <a:spcAft>
+                <a:spcPts val="0"/>
+              </a:spcAft>
+              <a:buClrTx/>
+              <a:buSzTx/>
+              <a:buFontTx/>
+              <a:buNone/>
+              <a:tabLst/>
+              <a:defRPr/>
+            </a:pPr>
+            <a:r>
+              <a:rPr lang="zh-TW" altLang="en-US" dirty="0" smtClean="0"/>
+              <a:t>那香蕉是綠色的這條規則，我們一樣把它做錯的標記出來，可以看到他在上面這些黃色的香蕉會做錯，下面綠的檸檬會做錯</a:t>
+            </a:r>
+            <a:endParaRPr lang="en-US" altLang="zh-TW" dirty="0" smtClean="0"/>
+          </a:p>
+          <a:p>
+            <a:pPr marL="0" marR="0" indent="0" algn="l" defTabSz="457200" rtl="0" eaLnBrk="1" fontAlgn="auto" latinLnBrk="0" hangingPunct="1">
+              <a:lnSpc>
+                <a:spcPct val="100000"/>
+              </a:lnSpc>
+              <a:spcBef>
+                <a:spcPts val="0"/>
+              </a:spcBef>
+              <a:spcAft>
+                <a:spcPts val="0"/>
+              </a:spcAft>
+              <a:buClrTx/>
+              <a:buSzTx/>
+              <a:buFontTx/>
+              <a:buNone/>
+              <a:tabLst/>
+              <a:defRPr/>
+            </a:pPr>
+            <a:r>
+              <a:rPr lang="zh-TW" altLang="en-US" dirty="0" smtClean="0"/>
+              <a:t>所以父母的做的事情，就是指出小孩的規則還不完美的地方，那從剛才第一條規則說香蕉是黃色的，現在說香蕉是綠色的</a:t>
+            </a:r>
+            <a:endParaRPr lang="en-US" altLang="zh-TW" dirty="0" smtClean="0"/>
+          </a:p>
+          <a:p>
+            <a:pPr marL="0" marR="0" indent="0" algn="l" defTabSz="457200" rtl="0" eaLnBrk="1" fontAlgn="auto" latinLnBrk="0" hangingPunct="1">
+              <a:lnSpc>
+                <a:spcPct val="100000"/>
+              </a:lnSpc>
+              <a:spcBef>
+                <a:spcPts val="0"/>
+              </a:spcBef>
+              <a:spcAft>
+                <a:spcPts val="0"/>
+              </a:spcAft>
+              <a:buClrTx/>
+              <a:buSzTx/>
+              <a:buFontTx/>
+              <a:buNone/>
+              <a:tabLst/>
+              <a:defRPr/>
+            </a:pPr>
+            <a:r>
+              <a:rPr lang="zh-TW" altLang="en-US" dirty="0" smtClean="0"/>
+              <a:t>那透過這樣放縮的動作，能夠找出很不一樣的規則，小孩到目前為止就知道了 香蕉是黃色的，也有可能是綠色的 這樣的概念</a:t>
+            </a:r>
+            <a:endParaRPr lang="en-US" altLang="zh-TW" dirty="0" smtClean="0"/>
+          </a:p>
+          <a:p>
+            <a:pPr marL="0" marR="0" indent="0" algn="l" defTabSz="457200" rtl="0" eaLnBrk="1" fontAlgn="auto" latinLnBrk="0" hangingPunct="1">
+              <a:lnSpc>
+                <a:spcPct val="100000"/>
+              </a:lnSpc>
+              <a:spcBef>
+                <a:spcPts val="0"/>
+              </a:spcBef>
+              <a:spcAft>
+                <a:spcPts val="0"/>
+              </a:spcAft>
+              <a:buClrTx/>
+              <a:buSzTx/>
+              <a:buFontTx/>
+              <a:buNone/>
+              <a:tabLst/>
+              <a:defRPr/>
+            </a:pPr>
+            <a:endParaRPr lang="en-US" altLang="zh-TW" dirty="0" smtClean="0"/>
+          </a:p>
+          <a:p>
+            <a:pPr marL="0" marR="0" indent="0" algn="l" defTabSz="457200" rtl="0" eaLnBrk="1" fontAlgn="auto" latinLnBrk="0" hangingPunct="1">
+              <a:lnSpc>
+                <a:spcPct val="100000"/>
+              </a:lnSpc>
+              <a:spcBef>
+                <a:spcPts val="0"/>
+              </a:spcBef>
+              <a:spcAft>
+                <a:spcPts val="0"/>
+              </a:spcAft>
+              <a:buClrTx/>
+              <a:buSzTx/>
+              <a:buFontTx/>
+              <a:buNone/>
+              <a:tabLst/>
+              <a:defRPr/>
+            </a:pPr>
+            <a:endParaRPr lang="en-US" altLang="zh-TW" dirty="0" smtClean="0"/>
+          </a:p>
+          <a:p>
+            <a:pPr marL="0" marR="0" indent="0" algn="l" defTabSz="457200" rtl="0" eaLnBrk="1" fontAlgn="auto" latinLnBrk="0" hangingPunct="1">
+              <a:lnSpc>
+                <a:spcPct val="100000"/>
+              </a:lnSpc>
+              <a:spcBef>
+                <a:spcPts val="0"/>
+              </a:spcBef>
+              <a:spcAft>
+                <a:spcPts val="0"/>
+              </a:spcAft>
+              <a:buClrTx/>
+              <a:buSzTx/>
+              <a:buFontTx/>
+              <a:buNone/>
+              <a:tabLst/>
+              <a:defRPr/>
+            </a:pPr>
+            <a:endParaRPr lang="zh-TW" altLang="en-US" dirty="0" smtClean="0"/>
+          </a:p>
           <a:p>
             <a:endParaRPr lang="zh-TW" altLang="en-US" dirty="0"/>
           </a:p>
@@ -3037,6 +3295,24 @@
           <a:bodyPr/>
           <a:lstStyle/>
           <a:p>
+            <a:r>
+              <a:rPr lang="zh-TW" altLang="en-US" dirty="0" smtClean="0"/>
+              <a:t>但是靠這些規則還是不夠完美，於是再一次經過縮放圖片的動作，小孩又在發現另外一條規則 香蕉是長條狀的</a:t>
+            </a:r>
+            <a:endParaRPr lang="en-US" altLang="zh-TW" dirty="0" smtClean="0"/>
+          </a:p>
+          <a:p>
+            <a:r>
+              <a:rPr lang="zh-TW" altLang="en-US" dirty="0" smtClean="0"/>
+              <a:t>長條狀的規則會在這邊彎彎的香蕉，和下面長條狀的茄子會犯錯</a:t>
+            </a:r>
+            <a:endParaRPr lang="en-US" altLang="zh-TW" dirty="0" smtClean="0"/>
+          </a:p>
+          <a:p>
+            <a:r>
+              <a:rPr lang="zh-TW" altLang="en-US" dirty="0" smtClean="0"/>
+              <a:t>然後父母就再繼續做</a:t>
+            </a:r>
             <a:endParaRPr lang="zh-TW" altLang="en-US" dirty="0"/>
           </a:p>
         </p:txBody>
@@ -3121,6 +3397,27 @@
         <p:txBody>
           <a:bodyPr/>
           <a:lstStyle/>
+          <a:p>
+            <a:r>
+              <a:rPr lang="zh-TW" altLang="en-US" dirty="0" smtClean="0"/>
+              <a:t>然後小孩看了一看這圖片又再找到新的規則，就是 香蕉可能會有一些斑點</a:t>
+            </a:r>
+            <a:endParaRPr lang="en-US" altLang="zh-TW" dirty="0" smtClean="0"/>
+          </a:p>
+          <a:p>
+            <a:r>
+              <a:rPr lang="zh-TW" altLang="en-US" dirty="0" smtClean="0"/>
+              <a:t>於是學到這邊時，小孩就學到了一個 對於香蕉的完整的概念，就是香蕉是黃色的，也有可能是綠色的，是長條狀的，而且會可能有斑點</a:t>
+            </a:r>
+            <a:endParaRPr lang="en-US" altLang="zh-TW" dirty="0" smtClean="0"/>
+          </a:p>
+          <a:p>
+            <a:r>
+              <a:rPr lang="zh-TW" altLang="en-US" dirty="0" smtClean="0"/>
+              <a:t>那這樣的完整的概念就會比只有單一條規則來的好</a:t>
+            </a:r>
+            <a:endParaRPr lang="en-US" altLang="zh-TW" dirty="0" smtClean="0"/>
+          </a:p>
           <a:p>
             <a:endParaRPr lang="zh-TW" altLang="en-US" dirty="0"/>
           </a:p>
@@ -3207,6 +3504,10 @@
           <a:bodyPr/>
           <a:lstStyle/>
           <a:p>
+            <a:r>
+              <a:rPr lang="zh-TW" altLang="en-US" dirty="0" smtClean="0"/>
+              <a:t>於是之後 父母拿任何水果的圖片給小孩看，小孩都能使用他已經學會了的香蕉的完整概念，來分辨出這張圖片是不是一根香蕉</a:t>
+            </a:r>
             <a:endParaRPr lang="zh-TW" altLang="en-US" dirty="0"/>
           </a:p>
         </p:txBody>
@@ -3292,7 +3593,94 @@
           <a:bodyPr/>
           <a:lstStyle/>
           <a:p>
-            <a:endParaRPr lang="zh-TW" altLang="en-US" dirty="0"/>
+            <a:r>
+              <a:rPr lang="zh-TW" altLang="en-US" dirty="0" smtClean="0"/>
+              <a:t>這個例子的流程，就是今天要介紹的演算法的全部流程</a:t>
+            </a:r>
+            <a:endParaRPr lang="en-US" altLang="zh-TW" dirty="0" smtClean="0"/>
+          </a:p>
+          <a:p>
+            <a:r>
+              <a:rPr lang="zh-TW" altLang="en-US" dirty="0" smtClean="0"/>
+              <a:t>那些能幫助分辨香蕉的規則，在</a:t>
+            </a:r>
+            <a:r>
+              <a:rPr lang="en-US" altLang="zh-TW" dirty="0" err="1" smtClean="0"/>
+              <a:t>Adaboost</a:t>
+            </a:r>
+            <a:r>
+              <a:rPr lang="zh-TW" altLang="en-US" dirty="0" smtClean="0"/>
+              <a:t>裡面叫做 弱的分類器，因為他們單一使用的時候都會犯一些錯誤，不夠精準</a:t>
+            </a:r>
+            <a:endParaRPr lang="en-US" altLang="zh-TW" dirty="0" smtClean="0"/>
+          </a:p>
+          <a:p>
+            <a:r>
+              <a:rPr lang="zh-TW" altLang="en-US" dirty="0" smtClean="0"/>
+              <a:t>那個看著圖片就能夠找到不同規則的小孩，在</a:t>
+            </a:r>
+            <a:r>
+              <a:rPr lang="en-US" altLang="zh-TW" dirty="0" err="1" smtClean="0"/>
+              <a:t>Adaboost</a:t>
+            </a:r>
+            <a:r>
+              <a:rPr lang="zh-TW" altLang="en-US" dirty="0" smtClean="0"/>
+              <a:t> 裡面 是一個 </a:t>
+            </a:r>
+            <a:r>
+              <a:rPr lang="en-US" altLang="zh-TW" dirty="0" smtClean="0"/>
+              <a:t>weak classifier learner</a:t>
+            </a:r>
+            <a:r>
+              <a:rPr lang="zh-TW" altLang="en-US" dirty="0" smtClean="0"/>
+              <a:t>，通常是使用其他機器學習演算法來做 例如</a:t>
+            </a:r>
+            <a:r>
+              <a:rPr lang="en-US" altLang="zh-TW" dirty="0" smtClean="0"/>
+              <a:t>PLA/ Decision</a:t>
+            </a:r>
+            <a:r>
+              <a:rPr lang="en-US" altLang="zh-TW" baseline="0" dirty="0" smtClean="0"/>
+              <a:t> stump/SVM</a:t>
+            </a:r>
+            <a:r>
+              <a:rPr lang="zh-TW" altLang="en-US" baseline="0" dirty="0" smtClean="0"/>
+              <a:t>等等 只要他能夠從資料學會一個還可以用的分類器</a:t>
+            </a:r>
+            <a:endParaRPr lang="en-US" altLang="zh-TW" baseline="0" dirty="0" smtClean="0"/>
+          </a:p>
+          <a:p>
+            <a:r>
+              <a:rPr lang="zh-TW" altLang="en-US" baseline="0" dirty="0" smtClean="0"/>
+              <a:t>父母不斷縮放圖片，來改變小孩專注在那些做錯的上面，這樣的動作，在</a:t>
+            </a:r>
+            <a:r>
+              <a:rPr lang="en-US" altLang="zh-TW" baseline="0" dirty="0" err="1" smtClean="0"/>
+              <a:t>Adaboost</a:t>
+            </a:r>
+            <a:r>
+              <a:rPr lang="zh-TW" altLang="en-US" baseline="0" dirty="0" smtClean="0"/>
+              <a:t>裡面叫做</a:t>
+            </a:r>
+            <a:r>
+              <a:rPr lang="en-US" altLang="zh-TW" baseline="0" dirty="0" smtClean="0"/>
+              <a:t>re-weight data</a:t>
+            </a:r>
+            <a:r>
+              <a:rPr lang="zh-TW" altLang="en-US" baseline="0" dirty="0" smtClean="0"/>
+              <a:t>，透過改變資料的權重，來學習到不同的</a:t>
+            </a:r>
+            <a:r>
+              <a:rPr lang="en-US" altLang="zh-TW" baseline="0" dirty="0" smtClean="0"/>
+              <a:t>weak classifier</a:t>
+            </a:r>
+          </a:p>
+          <a:p>
+            <a:r>
+              <a:rPr lang="zh-TW" altLang="en-US" baseline="0" dirty="0" smtClean="0"/>
+              <a:t>最後小孩學會的香蕉分類概念，就稱為是一個強的分類器，將很多不完美的規則融合在一起，就會得到完整而且複雜的分類結果，整個表現也會比任何單一的弱分類器還好</a:t>
+            </a:r>
+            <a:endParaRPr lang="en-US" altLang="zh-TW" baseline="0" dirty="0" smtClean="0"/>
           </a:p>
         </p:txBody>
       </p:sp>
@@ -5032,7 +5420,7 @@
         <p:spPr>
           <a:xfrm>
             <a:off x="228600" y="986319"/>
-            <a:ext cx="8689622" cy="3914918"/>
+            <a:ext cx="8689622" cy="5244513"/>
           </a:xfrm>
           <a:prstGeom prst="rect">
             <a:avLst/>
@@ -5060,18 +5448,18 @@
                   </a:schemeClr>
                 </a:solidFill>
               </a:rPr>
-              <a:t>A simple example</a:t>
+              <a:t>A simple </a:t>
             </a:r>
-          </a:p>
-          <a:p>
-            <a:pPr marL="742950" indent="-457200">
-              <a:spcBef>
-                <a:spcPct val="20000"/>
-              </a:spcBef>
-              <a:buFont typeface="+mj-lt"/>
-              <a:buAutoNum type="arabicPeriod"/>
-              <a:defRPr/>
-            </a:pPr>
+            <a:r>
+              <a:rPr lang="en-US" altLang="zh-TW" sz="2400" dirty="0" smtClean="0">
+                <a:solidFill>
+                  <a:schemeClr val="bg1">
+                    <a:lumMod val="75000"/>
+                  </a:schemeClr>
+                </a:solidFill>
+              </a:rPr>
+              <a:t>example</a:t>
+            </a:r>
             <a:endParaRPr lang="en-US" altLang="zh-TW" sz="2400" dirty="0" smtClean="0"/>
           </a:p>
           <a:p>
@@ -5087,20 +5475,93 @@
               <a:rPr lang="en-US" altLang="zh-TW" sz="2400" dirty="0" err="1" smtClean="0"/>
               <a:t>Adaboost</a:t>
             </a:r>
+            <a:endParaRPr lang="en-US" altLang="zh-TW" sz="2400" dirty="0"/>
+          </a:p>
+          <a:p>
+            <a:pPr marL="1200150" lvl="1" indent="-457200">
+              <a:spcBef>
+                <a:spcPct val="20000"/>
+              </a:spcBef>
+              <a:buFont typeface="Arial" panose="020B0604020202020204" pitchFamily="34" charset="0"/>
+              <a:buChar char="•"/>
+              <a:defRPr/>
+            </a:pPr>
+            <a:r>
+              <a:rPr lang="en-US" altLang="zh-TW" sz="2400" dirty="0"/>
+              <a:t>Binary classification </a:t>
+            </a:r>
             <a:r>
               <a:rPr lang="en-US" altLang="zh-TW" sz="2400" dirty="0" smtClean="0"/>
-              <a:t> </a:t>
+              <a:t>problems</a:t>
             </a:r>
           </a:p>
           <a:p>
-            <a:pPr marL="742950" indent="-457200">
+            <a:pPr marL="1200150" lvl="1" indent="-457200">
               <a:spcBef>
                 <a:spcPct val="20000"/>
               </a:spcBef>
-              <a:buFont typeface="+mj-lt"/>
-              <a:buAutoNum type="arabicPeriod"/>
+              <a:buFont typeface="Arial" panose="020B0604020202020204" pitchFamily="34" charset="0"/>
+              <a:buChar char="•"/>
               <a:defRPr/>
             </a:pPr>
+            <a:r>
+              <a:rPr lang="en-US" altLang="zh-TW" sz="2400" dirty="0" smtClean="0"/>
+              <a:t>Weak </a:t>
+            </a:r>
+            <a:r>
+              <a:rPr lang="en-US" altLang="zh-TW" sz="2400" dirty="0"/>
+              <a:t>classifiers</a:t>
+            </a:r>
+          </a:p>
+          <a:p>
+            <a:pPr marL="1200150" lvl="1" indent="-457200">
+              <a:spcBef>
+                <a:spcPct val="20000"/>
+              </a:spcBef>
+              <a:buFont typeface="Arial" panose="020B0604020202020204" pitchFamily="34" charset="0"/>
+              <a:buChar char="•"/>
+              <a:defRPr/>
+            </a:pPr>
+            <a:r>
+              <a:rPr lang="en-US" altLang="zh-TW" sz="2400" dirty="0"/>
+              <a:t>Weak classifier </a:t>
+            </a:r>
+            <a:r>
+              <a:rPr lang="en-US" altLang="zh-TW" sz="2400" dirty="0" smtClean="0"/>
+              <a:t>learner</a:t>
+            </a:r>
+          </a:p>
+          <a:p>
+            <a:pPr marL="1200150" lvl="1" indent="-457200">
+              <a:spcBef>
+                <a:spcPct val="20000"/>
+              </a:spcBef>
+              <a:buFont typeface="Arial" panose="020B0604020202020204" pitchFamily="34" charset="0"/>
+              <a:buChar char="•"/>
+              <a:defRPr/>
+            </a:pPr>
+            <a:r>
+              <a:rPr lang="en-US" altLang="zh-TW" sz="2400" dirty="0"/>
+              <a:t>Re-weight data</a:t>
+            </a:r>
+          </a:p>
+          <a:p>
+            <a:pPr marL="1200150" lvl="1" indent="-457200">
+              <a:spcBef>
+                <a:spcPct val="20000"/>
+              </a:spcBef>
+              <a:buFont typeface="Arial" panose="020B0604020202020204" pitchFamily="34" charset="0"/>
+              <a:buChar char="•"/>
+              <a:defRPr/>
+            </a:pPr>
+            <a:r>
+              <a:rPr lang="en-US" altLang="zh-TW" sz="2400" dirty="0"/>
+              <a:t>Strong </a:t>
+            </a:r>
+            <a:r>
+              <a:rPr lang="en-US" altLang="zh-TW" sz="2400" dirty="0" smtClean="0"/>
+              <a:t>classifier</a:t>
+            </a:r>
             <a:endParaRPr lang="en-US" altLang="zh-TW" sz="2400" dirty="0" smtClean="0">
               <a:solidFill>
                 <a:schemeClr val="bg1">
@@ -5128,13 +5589,6 @@
               </a:rPr>
               <a:t>Vehicle detection</a:t>
             </a:r>
-            <a:endParaRPr lang="en-US" altLang="zh-TW" sz="2400" dirty="0" smtClean="0">
-              <a:solidFill>
-                <a:schemeClr val="bg1">
-                  <a:lumMod val="75000"/>
-                </a:schemeClr>
-              </a:solidFill>
-            </a:endParaRPr>
           </a:p>
           <a:p>
             <a:pPr marL="1200150" lvl="1" indent="-457200">
@@ -5683,7 +6137,7 @@
           <a:graphicData uri="http://schemas.openxmlformats.org/presentationml/2006/ole">
             <mc:AlternateContent xmlns:mc="http://schemas.openxmlformats.org/markup-compatibility/2006">
               <mc:Choice xmlns:v="urn:schemas-microsoft-com:vml" Requires="v">
-                <p:oleObj spid="_x0000_s27673" name="方程式" r:id="rId4" imgW="1256755" imgH="203112" progId="Equation.3">
+                <p:oleObj spid="_x0000_s27685" name="方程式" r:id="rId4" imgW="1256755" imgH="203112" progId="Equation.3">
                   <p:embed/>
                 </p:oleObj>
               </mc:Choice>
@@ -5759,14 +6213,14 @@
                 <a:gridCol w="2188155">
                   <a:extLst>
                     <a:ext uri="{9D8B030D-6E8A-4147-A177-3AD203B41FA5}">
-                      <a16:colId xmlns:a16="http://schemas.microsoft.com/office/drawing/2014/main" xmlns="" val="3452721396"/>
+                      <a16:colId xmlns="" xmlns:a16="http://schemas.microsoft.com/office/drawing/2014/main" val="3452721396"/>
                     </a:ext>
                   </a:extLst>
                 </a:gridCol>
                 <a:gridCol w="1783181">
                   <a:extLst>
                     <a:ext uri="{9D8B030D-6E8A-4147-A177-3AD203B41FA5}">
-                      <a16:colId xmlns:a16="http://schemas.microsoft.com/office/drawing/2014/main" xmlns="" val="3776235587"/>
+                      <a16:colId xmlns="" xmlns:a16="http://schemas.microsoft.com/office/drawing/2014/main" val="3776235587"/>
                     </a:ext>
                   </a:extLst>
                 </a:gridCol>
@@ -5876,7 +6330,7 @@
                 </a:tc>
                 <a:extLst>
                   <a:ext uri="{0D108BD9-81ED-4DB2-BD59-A6C34878D82A}">
-                    <a16:rowId xmlns:a16="http://schemas.microsoft.com/office/drawing/2014/main" xmlns="" val="1687642106"/>
+                    <a16:rowId xmlns="" xmlns:a16="http://schemas.microsoft.com/office/drawing/2014/main" val="1687642106"/>
                   </a:ext>
                 </a:extLst>
               </a:tr>
@@ -5985,7 +6439,7 @@
                 </a:tc>
                 <a:extLst>
                   <a:ext uri="{0D108BD9-81ED-4DB2-BD59-A6C34878D82A}">
-                    <a16:rowId xmlns:a16="http://schemas.microsoft.com/office/drawing/2014/main" xmlns="" val="1167798081"/>
+                    <a16:rowId xmlns="" xmlns:a16="http://schemas.microsoft.com/office/drawing/2014/main" val="1167798081"/>
                   </a:ext>
                 </a:extLst>
               </a:tr>
@@ -6104,7 +6558,7 @@
                 </a:tc>
                 <a:extLst>
                   <a:ext uri="{0D108BD9-81ED-4DB2-BD59-A6C34878D82A}">
-                    <a16:rowId xmlns:a16="http://schemas.microsoft.com/office/drawing/2014/main" xmlns="" val="3666776475"/>
+                    <a16:rowId xmlns="" xmlns:a16="http://schemas.microsoft.com/office/drawing/2014/main" val="3666776475"/>
                   </a:ext>
                 </a:extLst>
               </a:tr>
@@ -6232,7 +6686,7 @@
                 </a:tc>
                 <a:extLst>
                   <a:ext uri="{0D108BD9-81ED-4DB2-BD59-A6C34878D82A}">
-                    <a16:rowId xmlns:a16="http://schemas.microsoft.com/office/drawing/2014/main" xmlns="" val="2399558479"/>
+                    <a16:rowId xmlns="" xmlns:a16="http://schemas.microsoft.com/office/drawing/2014/main" val="2399558479"/>
                   </a:ext>
                 </a:extLst>
               </a:tr>
@@ -6350,7 +6804,7 @@
                 </a:tc>
                 <a:extLst>
                   <a:ext uri="{0D108BD9-81ED-4DB2-BD59-A6C34878D82A}">
-                    <a16:rowId xmlns:a16="http://schemas.microsoft.com/office/drawing/2014/main" xmlns="" val="592403228"/>
+                    <a16:rowId xmlns="" xmlns:a16="http://schemas.microsoft.com/office/drawing/2014/main" val="592403228"/>
                   </a:ext>
                 </a:extLst>
               </a:tr>
@@ -6410,7 +6864,7 @@
                 <a:gridCol w="2188155">
                   <a:extLst>
                     <a:ext uri="{9D8B030D-6E8A-4147-A177-3AD203B41FA5}">
-                      <a16:colId xmlns:a16="http://schemas.microsoft.com/office/drawing/2014/main" xmlns="" val="3452721396"/>
+                      <a16:colId xmlns="" xmlns:a16="http://schemas.microsoft.com/office/drawing/2014/main" val="3452721396"/>
                     </a:ext>
                   </a:extLst>
                 </a:gridCol>
@@ -6470,7 +6924,7 @@
                 </a:tc>
                 <a:extLst>
                   <a:ext uri="{0D108BD9-81ED-4DB2-BD59-A6C34878D82A}">
-                    <a16:rowId xmlns:a16="http://schemas.microsoft.com/office/drawing/2014/main" xmlns="" val="1687642106"/>
+                    <a16:rowId xmlns="" xmlns:a16="http://schemas.microsoft.com/office/drawing/2014/main" val="1687642106"/>
                   </a:ext>
                 </a:extLst>
               </a:tr>
@@ -6912,739 +7366,6 @@
 </file>
 
 <file path=ppt/slides/slide13.xml><?xml version="1.0" encoding="utf-8"?>
-<p:sld xmlns:a="http://schemas.openxmlformats.org/drawingml/2006/main" xmlns:r="http://schemas.openxmlformats.org/officeDocument/2006/relationships" xmlns:p="http://schemas.openxmlformats.org/presentationml/2006/main">
-  <p:cSld>
-    <p:spTree>
-      <p:nvGrpSpPr>
-        <p:cNvPr id="1" name=""/>
-        <p:cNvGrpSpPr/>
-        <p:nvPr/>
-      </p:nvGrpSpPr>
-      <p:grpSpPr>
-        <a:xfrm>
-          <a:off x="0" y="0"/>
-          <a:ext cx="0" cy="0"/>
-          <a:chOff x="0" y="0"/>
-          <a:chExt cx="0" cy="0"/>
-        </a:xfrm>
-      </p:grpSpPr>
-      <p:sp>
-        <p:nvSpPr>
-          <p:cNvPr id="4" name="Title 3"/>
-          <p:cNvSpPr>
-            <a:spLocks noGrp="1"/>
-          </p:cNvSpPr>
-          <p:nvPr>
-            <p:ph type="title"/>
-          </p:nvPr>
-        </p:nvSpPr>
-        <p:spPr>
-          <a:xfrm>
-            <a:off x="228600" y="228600"/>
-            <a:ext cx="2572820" cy="492443"/>
-          </a:xfrm>
-        </p:spPr>
-        <p:txBody>
-          <a:bodyPr/>
-          <a:lstStyle/>
-          <a:p>
-            <a:pPr marL="342900" indent="-342900"/>
-            <a:r>
-              <a:rPr lang="en-US" altLang="zh-TW" sz="3200" dirty="0" smtClean="0">
-                <a:solidFill>
-                  <a:schemeClr val="tx1"/>
-                </a:solidFill>
-                <a:latin typeface="+mj-lt"/>
-              </a:rPr>
-              <a:t>Learning Flow</a:t>
-            </a:r>
-            <a:endParaRPr lang="en-US" altLang="zh-TW" sz="3200" dirty="0">
-              <a:solidFill>
-                <a:schemeClr val="tx1"/>
-              </a:solidFill>
-              <a:latin typeface="+mj-lt"/>
-            </a:endParaRPr>
-          </a:p>
-        </p:txBody>
-      </p:sp>
-      <p:sp>
-        <p:nvSpPr>
-          <p:cNvPr id="21" name="圓角矩形 20"/>
-          <p:cNvSpPr/>
-          <p:nvPr/>
-        </p:nvSpPr>
-        <p:spPr>
-          <a:xfrm>
-            <a:off x="730087" y="3891139"/>
-            <a:ext cx="1674439" cy="1159934"/>
-          </a:xfrm>
-          <a:prstGeom prst="roundRect">
-            <a:avLst/>
-          </a:prstGeom>
-          <a:noFill/>
-          <a:ln w="12700" cmpd="sng">
-            <a:noFill/>
-          </a:ln>
-          <a:effectLst/>
-        </p:spPr>
-        <p:style>
-          <a:lnRef idx="1">
-            <a:schemeClr val="accent1"/>
-          </a:lnRef>
-          <a:fillRef idx="3">
-            <a:schemeClr val="accent1"/>
-          </a:fillRef>
-          <a:effectRef idx="2">
-            <a:schemeClr val="accent1"/>
-          </a:effectRef>
-          <a:fontRef idx="minor">
-            <a:schemeClr val="lt1"/>
-          </a:fontRef>
-        </p:style>
-        <p:txBody>
-          <a:bodyPr rtlCol="0" anchor="ctr"/>
-          <a:lstStyle/>
-          <a:p>
-            <a:pPr algn="ctr"/>
-            <a:r>
-              <a:rPr lang="en-US" altLang="zh-TW" dirty="0" smtClean="0">
-                <a:solidFill>
-                  <a:schemeClr val="tx1"/>
-                </a:solidFill>
-              </a:rPr>
-              <a:t>Data</a:t>
-            </a:r>
-            <a:endParaRPr lang="zh-TW" altLang="en-US" dirty="0">
-              <a:solidFill>
-                <a:schemeClr val="tx1"/>
-              </a:solidFill>
-            </a:endParaRPr>
-          </a:p>
-        </p:txBody>
-      </p:sp>
-      <p:sp>
-        <p:nvSpPr>
-          <p:cNvPr id="22" name="矩形 21"/>
-          <p:cNvSpPr/>
-          <p:nvPr/>
-        </p:nvSpPr>
-        <p:spPr>
-          <a:xfrm>
-            <a:off x="3477521" y="4026611"/>
-            <a:ext cx="2099734" cy="931332"/>
-          </a:xfrm>
-          <a:prstGeom prst="rect">
-            <a:avLst/>
-          </a:prstGeom>
-          <a:noFill/>
-          <a:ln w="12700"/>
-          <a:effectLst/>
-        </p:spPr>
-        <p:style>
-          <a:lnRef idx="1">
-            <a:schemeClr val="accent1"/>
-          </a:lnRef>
-          <a:fillRef idx="3">
-            <a:schemeClr val="accent1"/>
-          </a:fillRef>
-          <a:effectRef idx="2">
-            <a:schemeClr val="accent1"/>
-          </a:effectRef>
-          <a:fontRef idx="minor">
-            <a:schemeClr val="lt1"/>
-          </a:fontRef>
-        </p:style>
-        <p:txBody>
-          <a:bodyPr rtlCol="0" anchor="ctr"/>
-          <a:lstStyle/>
-          <a:p>
-            <a:pPr algn="ctr"/>
-            <a:r>
-              <a:rPr lang="en-US" altLang="zh-TW" dirty="0" smtClean="0">
-                <a:solidFill>
-                  <a:schemeClr val="tx1"/>
-                </a:solidFill>
-              </a:rPr>
-              <a:t>Machine learning</a:t>
-            </a:r>
-            <a:endParaRPr lang="zh-TW" altLang="en-US" dirty="0">
-              <a:solidFill>
-                <a:schemeClr val="tx1"/>
-              </a:solidFill>
-            </a:endParaRPr>
-          </a:p>
-        </p:txBody>
-      </p:sp>
-      <p:sp>
-        <p:nvSpPr>
-          <p:cNvPr id="23" name="向右箭號 22"/>
-          <p:cNvSpPr/>
-          <p:nvPr/>
-        </p:nvSpPr>
-        <p:spPr>
-          <a:xfrm>
-            <a:off x="2590798" y="4390673"/>
-            <a:ext cx="491067" cy="262466"/>
-          </a:xfrm>
-          <a:prstGeom prst="rightArrow">
-            <a:avLst/>
-          </a:prstGeom>
-          <a:solidFill>
-            <a:srgbClr val="002060"/>
-          </a:solidFill>
-          <a:effectLst/>
-        </p:spPr>
-        <p:style>
-          <a:lnRef idx="1">
-            <a:schemeClr val="accent1"/>
-          </a:lnRef>
-          <a:fillRef idx="3">
-            <a:schemeClr val="accent1"/>
-          </a:fillRef>
-          <a:effectRef idx="2">
-            <a:schemeClr val="accent1"/>
-          </a:effectRef>
-          <a:fontRef idx="minor">
-            <a:schemeClr val="lt1"/>
-          </a:fontRef>
-        </p:style>
-        <p:txBody>
-          <a:bodyPr rtlCol="0" anchor="ctr"/>
-          <a:lstStyle/>
-          <a:p>
-            <a:pPr algn="ctr"/>
-            <a:endParaRPr lang="zh-TW" altLang="en-US"/>
-          </a:p>
-        </p:txBody>
-      </p:sp>
-      <p:sp>
-        <p:nvSpPr>
-          <p:cNvPr id="24" name="向右箭號 23"/>
-          <p:cNvSpPr/>
-          <p:nvPr/>
-        </p:nvSpPr>
-        <p:spPr>
-          <a:xfrm>
-            <a:off x="5799665" y="4390673"/>
-            <a:ext cx="491067" cy="262466"/>
-          </a:xfrm>
-          <a:prstGeom prst="rightArrow">
-            <a:avLst/>
-          </a:prstGeom>
-          <a:solidFill>
-            <a:srgbClr val="002060"/>
-          </a:solidFill>
-          <a:effectLst/>
-        </p:spPr>
-        <p:style>
-          <a:lnRef idx="1">
-            <a:schemeClr val="accent1"/>
-          </a:lnRef>
-          <a:fillRef idx="3">
-            <a:schemeClr val="accent1"/>
-          </a:fillRef>
-          <a:effectRef idx="2">
-            <a:schemeClr val="accent1"/>
-          </a:effectRef>
-          <a:fontRef idx="minor">
-            <a:schemeClr val="lt1"/>
-          </a:fontRef>
-        </p:style>
-        <p:txBody>
-          <a:bodyPr rtlCol="0" anchor="ctr"/>
-          <a:lstStyle/>
-          <a:p>
-            <a:pPr algn="ctr"/>
-            <a:endParaRPr lang="zh-TW" altLang="en-US"/>
-          </a:p>
-        </p:txBody>
-      </p:sp>
-      <p:sp>
-        <p:nvSpPr>
-          <p:cNvPr id="25" name="矩形 24"/>
-          <p:cNvSpPr/>
-          <p:nvPr/>
-        </p:nvSpPr>
-        <p:spPr>
-          <a:xfrm>
-            <a:off x="6475927" y="4390673"/>
-            <a:ext cx="1992853" cy="646331"/>
-          </a:xfrm>
-          <a:prstGeom prst="rect">
-            <a:avLst/>
-          </a:prstGeom>
-        </p:spPr>
-        <p:txBody>
-          <a:bodyPr wrap="none">
-            <a:spAutoFit/>
-          </a:bodyPr>
-          <a:lstStyle/>
-          <a:p>
-            <a:pPr algn="ctr"/>
-            <a:r>
-              <a:rPr lang="en-US" altLang="zh-TW" dirty="0" smtClean="0"/>
-              <a:t>Classification skill</a:t>
-            </a:r>
-          </a:p>
-          <a:p>
-            <a:pPr algn="ctr"/>
-            <a:r>
-              <a:rPr lang="en-US" altLang="zh-TW" dirty="0" smtClean="0"/>
-              <a:t>(classifier)</a:t>
-            </a:r>
-            <a:endParaRPr lang="zh-TW" altLang="en-US" dirty="0" smtClean="0"/>
-          </a:p>
-        </p:txBody>
-      </p:sp>
-      <p:sp>
-        <p:nvSpPr>
-          <p:cNvPr id="9" name="圓角矩形 8"/>
-          <p:cNvSpPr/>
-          <p:nvPr/>
-        </p:nvSpPr>
-        <p:spPr>
-          <a:xfrm>
-            <a:off x="907894" y="1898869"/>
-            <a:ext cx="1674439" cy="741869"/>
-          </a:xfrm>
-          <a:prstGeom prst="roundRect">
-            <a:avLst/>
-          </a:prstGeom>
-          <a:noFill/>
-          <a:ln w="12700" cmpd="sng">
-            <a:noFill/>
-          </a:ln>
-          <a:effectLst/>
-        </p:spPr>
-        <p:style>
-          <a:lnRef idx="1">
-            <a:schemeClr val="accent1"/>
-          </a:lnRef>
-          <a:fillRef idx="3">
-            <a:schemeClr val="accent1"/>
-          </a:fillRef>
-          <a:effectRef idx="2">
-            <a:schemeClr val="accent1"/>
-          </a:effectRef>
-          <a:fontRef idx="minor">
-            <a:schemeClr val="lt1"/>
-          </a:fontRef>
-        </p:style>
-        <p:txBody>
-          <a:bodyPr rtlCol="0" anchor="ctr"/>
-          <a:lstStyle/>
-          <a:p>
-            <a:pPr algn="ctr"/>
-            <a:r>
-              <a:rPr lang="en-US" altLang="zh-TW" dirty="0" smtClean="0">
-                <a:solidFill>
-                  <a:schemeClr val="tx1"/>
-                </a:solidFill>
-              </a:rPr>
-              <a:t>Observations</a:t>
-            </a:r>
-            <a:endParaRPr lang="zh-TW" altLang="en-US" dirty="0">
-              <a:solidFill>
-                <a:schemeClr val="tx1"/>
-              </a:solidFill>
-            </a:endParaRPr>
-          </a:p>
-        </p:txBody>
-      </p:sp>
-      <p:sp>
-        <p:nvSpPr>
-          <p:cNvPr id="10" name="向右箭號 9"/>
-          <p:cNvSpPr/>
-          <p:nvPr/>
-        </p:nvSpPr>
-        <p:spPr>
-          <a:xfrm>
-            <a:off x="2675471" y="2132797"/>
-            <a:ext cx="491067" cy="262466"/>
-          </a:xfrm>
-          <a:prstGeom prst="rightArrow">
-            <a:avLst/>
-          </a:prstGeom>
-          <a:solidFill>
-            <a:srgbClr val="002060"/>
-          </a:solidFill>
-          <a:effectLst/>
-        </p:spPr>
-        <p:style>
-          <a:lnRef idx="1">
-            <a:schemeClr val="accent1"/>
-          </a:lnRef>
-          <a:fillRef idx="3">
-            <a:schemeClr val="accent1"/>
-          </a:fillRef>
-          <a:effectRef idx="2">
-            <a:schemeClr val="accent1"/>
-          </a:effectRef>
-          <a:fontRef idx="minor">
-            <a:schemeClr val="lt1"/>
-          </a:fontRef>
-        </p:style>
-        <p:txBody>
-          <a:bodyPr rtlCol="0" anchor="ctr"/>
-          <a:lstStyle/>
-          <a:p>
-            <a:pPr algn="ctr"/>
-            <a:endParaRPr lang="zh-TW" altLang="en-US"/>
-          </a:p>
-        </p:txBody>
-      </p:sp>
-      <p:sp>
-        <p:nvSpPr>
-          <p:cNvPr id="11" name="矩形 10"/>
-          <p:cNvSpPr/>
-          <p:nvPr/>
-        </p:nvSpPr>
-        <p:spPr>
-          <a:xfrm>
-            <a:off x="3426728" y="1773996"/>
-            <a:ext cx="2099734" cy="931332"/>
-          </a:xfrm>
-          <a:prstGeom prst="rect">
-            <a:avLst/>
-          </a:prstGeom>
-          <a:noFill/>
-          <a:ln w="12700"/>
-          <a:effectLst/>
-        </p:spPr>
-        <p:style>
-          <a:lnRef idx="1">
-            <a:schemeClr val="accent1"/>
-          </a:lnRef>
-          <a:fillRef idx="3">
-            <a:schemeClr val="accent1"/>
-          </a:fillRef>
-          <a:effectRef idx="2">
-            <a:schemeClr val="accent1"/>
-          </a:effectRef>
-          <a:fontRef idx="minor">
-            <a:schemeClr val="lt1"/>
-          </a:fontRef>
-        </p:style>
-        <p:txBody>
-          <a:bodyPr rtlCol="0" anchor="ctr"/>
-          <a:lstStyle/>
-          <a:p>
-            <a:pPr algn="ctr"/>
-            <a:r>
-              <a:rPr lang="en-US" altLang="zh-TW" dirty="0" smtClean="0">
-                <a:solidFill>
-                  <a:schemeClr val="tx1"/>
-                </a:solidFill>
-              </a:rPr>
-              <a:t>Human learning</a:t>
-            </a:r>
-            <a:endParaRPr lang="zh-TW" altLang="en-US" dirty="0">
-              <a:solidFill>
-                <a:schemeClr val="tx1"/>
-              </a:solidFill>
-            </a:endParaRPr>
-          </a:p>
-        </p:txBody>
-      </p:sp>
-      <p:sp>
-        <p:nvSpPr>
-          <p:cNvPr id="12" name="向右箭號 11"/>
-          <p:cNvSpPr/>
-          <p:nvPr/>
-        </p:nvSpPr>
-        <p:spPr>
-          <a:xfrm>
-            <a:off x="5731938" y="2132797"/>
-            <a:ext cx="491067" cy="262466"/>
-          </a:xfrm>
-          <a:prstGeom prst="rightArrow">
-            <a:avLst/>
-          </a:prstGeom>
-          <a:solidFill>
-            <a:srgbClr val="002060"/>
-          </a:solidFill>
-          <a:effectLst/>
-        </p:spPr>
-        <p:style>
-          <a:lnRef idx="1">
-            <a:schemeClr val="accent1"/>
-          </a:lnRef>
-          <a:fillRef idx="3">
-            <a:schemeClr val="accent1"/>
-          </a:fillRef>
-          <a:effectRef idx="2">
-            <a:schemeClr val="accent1"/>
-          </a:effectRef>
-          <a:fontRef idx="minor">
-            <a:schemeClr val="lt1"/>
-          </a:fontRef>
-        </p:style>
-        <p:txBody>
-          <a:bodyPr rtlCol="0" anchor="ctr"/>
-          <a:lstStyle/>
-          <a:p>
-            <a:pPr algn="ctr"/>
-            <a:endParaRPr lang="zh-TW" altLang="en-US"/>
-          </a:p>
-        </p:txBody>
-      </p:sp>
-      <p:sp>
-        <p:nvSpPr>
-          <p:cNvPr id="14" name="矩形 13"/>
-          <p:cNvSpPr/>
-          <p:nvPr/>
-        </p:nvSpPr>
-        <p:spPr>
-          <a:xfrm>
-            <a:off x="6352639" y="2073528"/>
-            <a:ext cx="1992853" cy="369332"/>
-          </a:xfrm>
-          <a:prstGeom prst="rect">
-            <a:avLst/>
-          </a:prstGeom>
-        </p:spPr>
-        <p:txBody>
-          <a:bodyPr wrap="none">
-            <a:spAutoFit/>
-          </a:bodyPr>
-          <a:lstStyle/>
-          <a:p>
-            <a:pPr algn="ctr"/>
-            <a:r>
-              <a:rPr lang="en-US" altLang="zh-TW" dirty="0" smtClean="0"/>
-              <a:t>Classification skill</a:t>
-            </a:r>
-            <a:endParaRPr lang="zh-TW" altLang="en-US" dirty="0" smtClean="0"/>
-          </a:p>
-        </p:txBody>
-      </p:sp>
-      <p:sp>
-        <p:nvSpPr>
-          <p:cNvPr id="16" name="矩形 15"/>
-          <p:cNvSpPr/>
-          <p:nvPr/>
-        </p:nvSpPr>
-        <p:spPr>
-          <a:xfrm>
-            <a:off x="907894" y="1321802"/>
-            <a:ext cx="7866236" cy="1811811"/>
-          </a:xfrm>
-          <a:prstGeom prst="rect">
-            <a:avLst/>
-          </a:prstGeom>
-          <a:noFill/>
-          <a:ln w="28575"/>
-          <a:effectLst/>
-        </p:spPr>
-        <p:style>
-          <a:lnRef idx="1">
-            <a:schemeClr val="accent1"/>
-          </a:lnRef>
-          <a:fillRef idx="3">
-            <a:schemeClr val="accent1"/>
-          </a:fillRef>
-          <a:effectRef idx="2">
-            <a:schemeClr val="accent1"/>
-          </a:effectRef>
-          <a:fontRef idx="minor">
-            <a:schemeClr val="lt1"/>
-          </a:fontRef>
-        </p:style>
-        <p:txBody>
-          <a:bodyPr rtlCol="0" anchor="ctr"/>
-          <a:lstStyle/>
-          <a:p>
-            <a:pPr algn="ctr"/>
-            <a:endParaRPr lang="zh-TW" altLang="en-US"/>
-          </a:p>
-        </p:txBody>
-      </p:sp>
-      <p:sp>
-        <p:nvSpPr>
-          <p:cNvPr id="17" name="矩形 16"/>
-          <p:cNvSpPr/>
-          <p:nvPr/>
-        </p:nvSpPr>
-        <p:spPr>
-          <a:xfrm>
-            <a:off x="907894" y="3552027"/>
-            <a:ext cx="7866236" cy="1811811"/>
-          </a:xfrm>
-          <a:prstGeom prst="rect">
-            <a:avLst/>
-          </a:prstGeom>
-          <a:noFill/>
-          <a:ln w="28575"/>
-          <a:effectLst/>
-        </p:spPr>
-        <p:style>
-          <a:lnRef idx="1">
-            <a:schemeClr val="accent1"/>
-          </a:lnRef>
-          <a:fillRef idx="3">
-            <a:schemeClr val="accent1"/>
-          </a:fillRef>
-          <a:effectRef idx="2">
-            <a:schemeClr val="accent1"/>
-          </a:effectRef>
-          <a:fontRef idx="minor">
-            <a:schemeClr val="lt1"/>
-          </a:fontRef>
-        </p:style>
-        <p:txBody>
-          <a:bodyPr rtlCol="0" anchor="ctr"/>
-          <a:lstStyle/>
-          <a:p>
-            <a:pPr algn="ctr"/>
-            <a:endParaRPr lang="zh-TW" altLang="en-US"/>
-          </a:p>
-        </p:txBody>
-      </p:sp>
-      <p:cxnSp>
-        <p:nvCxnSpPr>
-          <p:cNvPr id="19" name="直線接點 18"/>
-          <p:cNvCxnSpPr/>
-          <p:nvPr/>
-        </p:nvCxnSpPr>
-        <p:spPr>
-          <a:xfrm>
-            <a:off x="907894" y="1655463"/>
-            <a:ext cx="7866236" cy="0"/>
-          </a:xfrm>
-          <a:prstGeom prst="line">
-            <a:avLst/>
-          </a:prstGeom>
-          <a:noFill/>
-          <a:ln w="28575"/>
-          <a:effectLst/>
-        </p:spPr>
-        <p:style>
-          <a:lnRef idx="1">
-            <a:schemeClr val="accent1"/>
-          </a:lnRef>
-          <a:fillRef idx="3">
-            <a:schemeClr val="accent1"/>
-          </a:fillRef>
-          <a:effectRef idx="2">
-            <a:schemeClr val="accent1"/>
-          </a:effectRef>
-          <a:fontRef idx="minor">
-            <a:schemeClr val="lt1"/>
-          </a:fontRef>
-        </p:style>
-      </p:cxnSp>
-      <p:cxnSp>
-        <p:nvCxnSpPr>
-          <p:cNvPr id="20" name="直線接點 19"/>
-          <p:cNvCxnSpPr/>
-          <p:nvPr/>
-        </p:nvCxnSpPr>
-        <p:spPr>
-          <a:xfrm>
-            <a:off x="924071" y="3891139"/>
-            <a:ext cx="7866236" cy="0"/>
-          </a:xfrm>
-          <a:prstGeom prst="line">
-            <a:avLst/>
-          </a:prstGeom>
-          <a:noFill/>
-          <a:ln w="28575"/>
-          <a:effectLst/>
-        </p:spPr>
-        <p:style>
-          <a:lnRef idx="1">
-            <a:schemeClr val="accent1"/>
-          </a:lnRef>
-          <a:fillRef idx="3">
-            <a:schemeClr val="accent1"/>
-          </a:fillRef>
-          <a:effectRef idx="2">
-            <a:schemeClr val="accent1"/>
-          </a:effectRef>
-          <a:fontRef idx="minor">
-            <a:schemeClr val="lt1"/>
-          </a:fontRef>
-        </p:style>
-      </p:cxnSp>
-      <p:sp>
-        <p:nvSpPr>
-          <p:cNvPr id="26" name="矩形 25"/>
-          <p:cNvSpPr/>
-          <p:nvPr/>
-        </p:nvSpPr>
-        <p:spPr>
-          <a:xfrm>
-            <a:off x="3933109" y="1321802"/>
-            <a:ext cx="928459" cy="369332"/>
-          </a:xfrm>
-          <a:prstGeom prst="rect">
-            <a:avLst/>
-          </a:prstGeom>
-        </p:spPr>
-        <p:txBody>
-          <a:bodyPr wrap="none">
-            <a:spAutoFit/>
-          </a:bodyPr>
-          <a:lstStyle/>
-          <a:p>
-            <a:r>
-              <a:rPr lang="en-US" altLang="zh-TW" dirty="0" smtClean="0"/>
-              <a:t>Human</a:t>
-            </a:r>
-            <a:endParaRPr lang="zh-TW" altLang="en-US" dirty="0"/>
-          </a:p>
-        </p:txBody>
-      </p:sp>
-      <p:sp>
-        <p:nvSpPr>
-          <p:cNvPr id="27" name="矩形 26"/>
-          <p:cNvSpPr/>
-          <p:nvPr/>
-        </p:nvSpPr>
-        <p:spPr>
-          <a:xfrm>
-            <a:off x="3912561" y="3521807"/>
-            <a:ext cx="1313180" cy="369332"/>
-          </a:xfrm>
-          <a:prstGeom prst="rect">
-            <a:avLst/>
-          </a:prstGeom>
-        </p:spPr>
-        <p:txBody>
-          <a:bodyPr wrap="none">
-            <a:spAutoFit/>
-          </a:bodyPr>
-          <a:lstStyle/>
-          <a:p>
-            <a:r>
-              <a:rPr lang="en-US" altLang="zh-TW" dirty="0" smtClean="0"/>
-              <a:t>Computers</a:t>
-            </a:r>
-            <a:endParaRPr lang="zh-TW" altLang="en-US" dirty="0"/>
-          </a:p>
-        </p:txBody>
-      </p:sp>
-    </p:spTree>
-    <p:extLst>
-      <p:ext uri="{BB962C8B-B14F-4D97-AF65-F5344CB8AC3E}">
-        <p14:creationId xmlns:p14="http://schemas.microsoft.com/office/powerpoint/2010/main" val="3040030372"/>
-      </p:ext>
-    </p:extLst>
-  </p:cSld>
-  <p:clrMapOvr>
-    <a:masterClrMapping/>
-  </p:clrMapOvr>
-  <p:timing>
-    <p:tnLst>
-      <p:par>
-        <p:cTn id="1" dur="indefinite" restart="never" nodeType="tmRoot"/>
-      </p:par>
-    </p:tnLst>
-  </p:timing>
-</p:sld>
-</file>
-
-<file path=ppt/slides/slide14.xml><?xml version="1.0" encoding="utf-8"?>
 <p:sld xmlns:a="http://schemas.openxmlformats.org/drawingml/2006/main" xmlns:r="http://schemas.openxmlformats.org/officeDocument/2006/relationships" xmlns:p="http://schemas.openxmlformats.org/presentationml/2006/main">
   <p:cSld>
     <p:spTree>
@@ -8552,6 +8273,739 @@
 </p:sld>
 </file>
 
+<file path=ppt/slides/slide14.xml><?xml version="1.0" encoding="utf-8"?>
+<p:sld xmlns:a="http://schemas.openxmlformats.org/drawingml/2006/main" xmlns:r="http://schemas.openxmlformats.org/officeDocument/2006/relationships" xmlns:p="http://schemas.openxmlformats.org/presentationml/2006/main">
+  <p:cSld>
+    <p:spTree>
+      <p:nvGrpSpPr>
+        <p:cNvPr id="1" name=""/>
+        <p:cNvGrpSpPr/>
+        <p:nvPr/>
+      </p:nvGrpSpPr>
+      <p:grpSpPr>
+        <a:xfrm>
+          <a:off x="0" y="0"/>
+          <a:ext cx="0" cy="0"/>
+          <a:chOff x="0" y="0"/>
+          <a:chExt cx="0" cy="0"/>
+        </a:xfrm>
+      </p:grpSpPr>
+      <p:sp>
+        <p:nvSpPr>
+          <p:cNvPr id="4" name="Title 3"/>
+          <p:cNvSpPr>
+            <a:spLocks noGrp="1"/>
+          </p:cNvSpPr>
+          <p:nvPr>
+            <p:ph type="title"/>
+          </p:nvPr>
+        </p:nvSpPr>
+        <p:spPr>
+          <a:xfrm>
+            <a:off x="228600" y="228600"/>
+            <a:ext cx="2572820" cy="492443"/>
+          </a:xfrm>
+        </p:spPr>
+        <p:txBody>
+          <a:bodyPr/>
+          <a:lstStyle/>
+          <a:p>
+            <a:pPr marL="342900" indent="-342900"/>
+            <a:r>
+              <a:rPr lang="en-US" altLang="zh-TW" sz="3200" dirty="0" smtClean="0">
+                <a:solidFill>
+                  <a:schemeClr val="tx1"/>
+                </a:solidFill>
+                <a:latin typeface="+mj-lt"/>
+              </a:rPr>
+              <a:t>Learning Flow</a:t>
+            </a:r>
+            <a:endParaRPr lang="en-US" altLang="zh-TW" sz="3200" dirty="0">
+              <a:solidFill>
+                <a:schemeClr val="tx1"/>
+              </a:solidFill>
+              <a:latin typeface="+mj-lt"/>
+            </a:endParaRPr>
+          </a:p>
+        </p:txBody>
+      </p:sp>
+      <p:sp>
+        <p:nvSpPr>
+          <p:cNvPr id="21" name="圓角矩形 20"/>
+          <p:cNvSpPr/>
+          <p:nvPr/>
+        </p:nvSpPr>
+        <p:spPr>
+          <a:xfrm>
+            <a:off x="730087" y="3891139"/>
+            <a:ext cx="1674439" cy="1159934"/>
+          </a:xfrm>
+          <a:prstGeom prst="roundRect">
+            <a:avLst/>
+          </a:prstGeom>
+          <a:noFill/>
+          <a:ln w="12700" cmpd="sng">
+            <a:noFill/>
+          </a:ln>
+          <a:effectLst/>
+        </p:spPr>
+        <p:style>
+          <a:lnRef idx="1">
+            <a:schemeClr val="accent1"/>
+          </a:lnRef>
+          <a:fillRef idx="3">
+            <a:schemeClr val="accent1"/>
+          </a:fillRef>
+          <a:effectRef idx="2">
+            <a:schemeClr val="accent1"/>
+          </a:effectRef>
+          <a:fontRef idx="minor">
+            <a:schemeClr val="lt1"/>
+          </a:fontRef>
+        </p:style>
+        <p:txBody>
+          <a:bodyPr rtlCol="0" anchor="ctr"/>
+          <a:lstStyle/>
+          <a:p>
+            <a:pPr algn="ctr"/>
+            <a:r>
+              <a:rPr lang="en-US" altLang="zh-TW" dirty="0" smtClean="0">
+                <a:solidFill>
+                  <a:schemeClr val="tx1"/>
+                </a:solidFill>
+              </a:rPr>
+              <a:t>Data</a:t>
+            </a:r>
+            <a:endParaRPr lang="zh-TW" altLang="en-US" dirty="0">
+              <a:solidFill>
+                <a:schemeClr val="tx1"/>
+              </a:solidFill>
+            </a:endParaRPr>
+          </a:p>
+        </p:txBody>
+      </p:sp>
+      <p:sp>
+        <p:nvSpPr>
+          <p:cNvPr id="22" name="矩形 21"/>
+          <p:cNvSpPr/>
+          <p:nvPr/>
+        </p:nvSpPr>
+        <p:spPr>
+          <a:xfrm>
+            <a:off x="3477521" y="4026611"/>
+            <a:ext cx="2099734" cy="931332"/>
+          </a:xfrm>
+          <a:prstGeom prst="rect">
+            <a:avLst/>
+          </a:prstGeom>
+          <a:noFill/>
+          <a:ln w="12700"/>
+          <a:effectLst/>
+        </p:spPr>
+        <p:style>
+          <a:lnRef idx="1">
+            <a:schemeClr val="accent1"/>
+          </a:lnRef>
+          <a:fillRef idx="3">
+            <a:schemeClr val="accent1"/>
+          </a:fillRef>
+          <a:effectRef idx="2">
+            <a:schemeClr val="accent1"/>
+          </a:effectRef>
+          <a:fontRef idx="minor">
+            <a:schemeClr val="lt1"/>
+          </a:fontRef>
+        </p:style>
+        <p:txBody>
+          <a:bodyPr rtlCol="0" anchor="ctr"/>
+          <a:lstStyle/>
+          <a:p>
+            <a:pPr algn="ctr"/>
+            <a:r>
+              <a:rPr lang="en-US" altLang="zh-TW" dirty="0" smtClean="0">
+                <a:solidFill>
+                  <a:schemeClr val="tx1"/>
+                </a:solidFill>
+              </a:rPr>
+              <a:t>Machine learning</a:t>
+            </a:r>
+            <a:endParaRPr lang="zh-TW" altLang="en-US" dirty="0">
+              <a:solidFill>
+                <a:schemeClr val="tx1"/>
+              </a:solidFill>
+            </a:endParaRPr>
+          </a:p>
+        </p:txBody>
+      </p:sp>
+      <p:sp>
+        <p:nvSpPr>
+          <p:cNvPr id="23" name="向右箭號 22"/>
+          <p:cNvSpPr/>
+          <p:nvPr/>
+        </p:nvSpPr>
+        <p:spPr>
+          <a:xfrm>
+            <a:off x="2590798" y="4390673"/>
+            <a:ext cx="491067" cy="262466"/>
+          </a:xfrm>
+          <a:prstGeom prst="rightArrow">
+            <a:avLst/>
+          </a:prstGeom>
+          <a:solidFill>
+            <a:srgbClr val="002060"/>
+          </a:solidFill>
+          <a:effectLst/>
+        </p:spPr>
+        <p:style>
+          <a:lnRef idx="1">
+            <a:schemeClr val="accent1"/>
+          </a:lnRef>
+          <a:fillRef idx="3">
+            <a:schemeClr val="accent1"/>
+          </a:fillRef>
+          <a:effectRef idx="2">
+            <a:schemeClr val="accent1"/>
+          </a:effectRef>
+          <a:fontRef idx="minor">
+            <a:schemeClr val="lt1"/>
+          </a:fontRef>
+        </p:style>
+        <p:txBody>
+          <a:bodyPr rtlCol="0" anchor="ctr"/>
+          <a:lstStyle/>
+          <a:p>
+            <a:pPr algn="ctr"/>
+            <a:endParaRPr lang="zh-TW" altLang="en-US"/>
+          </a:p>
+        </p:txBody>
+      </p:sp>
+      <p:sp>
+        <p:nvSpPr>
+          <p:cNvPr id="24" name="向右箭號 23"/>
+          <p:cNvSpPr/>
+          <p:nvPr/>
+        </p:nvSpPr>
+        <p:spPr>
+          <a:xfrm>
+            <a:off x="5799665" y="4390673"/>
+            <a:ext cx="491067" cy="262466"/>
+          </a:xfrm>
+          <a:prstGeom prst="rightArrow">
+            <a:avLst/>
+          </a:prstGeom>
+          <a:solidFill>
+            <a:srgbClr val="002060"/>
+          </a:solidFill>
+          <a:effectLst/>
+        </p:spPr>
+        <p:style>
+          <a:lnRef idx="1">
+            <a:schemeClr val="accent1"/>
+          </a:lnRef>
+          <a:fillRef idx="3">
+            <a:schemeClr val="accent1"/>
+          </a:fillRef>
+          <a:effectRef idx="2">
+            <a:schemeClr val="accent1"/>
+          </a:effectRef>
+          <a:fontRef idx="minor">
+            <a:schemeClr val="lt1"/>
+          </a:fontRef>
+        </p:style>
+        <p:txBody>
+          <a:bodyPr rtlCol="0" anchor="ctr"/>
+          <a:lstStyle/>
+          <a:p>
+            <a:pPr algn="ctr"/>
+            <a:endParaRPr lang="zh-TW" altLang="en-US"/>
+          </a:p>
+        </p:txBody>
+      </p:sp>
+      <p:sp>
+        <p:nvSpPr>
+          <p:cNvPr id="25" name="矩形 24"/>
+          <p:cNvSpPr/>
+          <p:nvPr/>
+        </p:nvSpPr>
+        <p:spPr>
+          <a:xfrm>
+            <a:off x="6475927" y="4390673"/>
+            <a:ext cx="1992853" cy="646331"/>
+          </a:xfrm>
+          <a:prstGeom prst="rect">
+            <a:avLst/>
+          </a:prstGeom>
+        </p:spPr>
+        <p:txBody>
+          <a:bodyPr wrap="none">
+            <a:spAutoFit/>
+          </a:bodyPr>
+          <a:lstStyle/>
+          <a:p>
+            <a:pPr algn="ctr"/>
+            <a:r>
+              <a:rPr lang="en-US" altLang="zh-TW" dirty="0" smtClean="0"/>
+              <a:t>Classification skill</a:t>
+            </a:r>
+          </a:p>
+          <a:p>
+            <a:pPr algn="ctr"/>
+            <a:r>
+              <a:rPr lang="en-US" altLang="zh-TW" dirty="0" smtClean="0"/>
+              <a:t>(classifier)</a:t>
+            </a:r>
+            <a:endParaRPr lang="zh-TW" altLang="en-US" dirty="0" smtClean="0"/>
+          </a:p>
+        </p:txBody>
+      </p:sp>
+      <p:sp>
+        <p:nvSpPr>
+          <p:cNvPr id="9" name="圓角矩形 8"/>
+          <p:cNvSpPr/>
+          <p:nvPr/>
+        </p:nvSpPr>
+        <p:spPr>
+          <a:xfrm>
+            <a:off x="907894" y="1898869"/>
+            <a:ext cx="1674439" cy="741869"/>
+          </a:xfrm>
+          <a:prstGeom prst="roundRect">
+            <a:avLst/>
+          </a:prstGeom>
+          <a:noFill/>
+          <a:ln w="12700" cmpd="sng">
+            <a:noFill/>
+          </a:ln>
+          <a:effectLst/>
+        </p:spPr>
+        <p:style>
+          <a:lnRef idx="1">
+            <a:schemeClr val="accent1"/>
+          </a:lnRef>
+          <a:fillRef idx="3">
+            <a:schemeClr val="accent1"/>
+          </a:fillRef>
+          <a:effectRef idx="2">
+            <a:schemeClr val="accent1"/>
+          </a:effectRef>
+          <a:fontRef idx="minor">
+            <a:schemeClr val="lt1"/>
+          </a:fontRef>
+        </p:style>
+        <p:txBody>
+          <a:bodyPr rtlCol="0" anchor="ctr"/>
+          <a:lstStyle/>
+          <a:p>
+            <a:pPr algn="ctr"/>
+            <a:r>
+              <a:rPr lang="en-US" altLang="zh-TW" dirty="0" smtClean="0">
+                <a:solidFill>
+                  <a:schemeClr val="tx1"/>
+                </a:solidFill>
+              </a:rPr>
+              <a:t>Observations</a:t>
+            </a:r>
+            <a:endParaRPr lang="zh-TW" altLang="en-US" dirty="0">
+              <a:solidFill>
+                <a:schemeClr val="tx1"/>
+              </a:solidFill>
+            </a:endParaRPr>
+          </a:p>
+        </p:txBody>
+      </p:sp>
+      <p:sp>
+        <p:nvSpPr>
+          <p:cNvPr id="10" name="向右箭號 9"/>
+          <p:cNvSpPr/>
+          <p:nvPr/>
+        </p:nvSpPr>
+        <p:spPr>
+          <a:xfrm>
+            <a:off x="2675471" y="2132797"/>
+            <a:ext cx="491067" cy="262466"/>
+          </a:xfrm>
+          <a:prstGeom prst="rightArrow">
+            <a:avLst/>
+          </a:prstGeom>
+          <a:solidFill>
+            <a:srgbClr val="002060"/>
+          </a:solidFill>
+          <a:effectLst/>
+        </p:spPr>
+        <p:style>
+          <a:lnRef idx="1">
+            <a:schemeClr val="accent1"/>
+          </a:lnRef>
+          <a:fillRef idx="3">
+            <a:schemeClr val="accent1"/>
+          </a:fillRef>
+          <a:effectRef idx="2">
+            <a:schemeClr val="accent1"/>
+          </a:effectRef>
+          <a:fontRef idx="minor">
+            <a:schemeClr val="lt1"/>
+          </a:fontRef>
+        </p:style>
+        <p:txBody>
+          <a:bodyPr rtlCol="0" anchor="ctr"/>
+          <a:lstStyle/>
+          <a:p>
+            <a:pPr algn="ctr"/>
+            <a:endParaRPr lang="zh-TW" altLang="en-US"/>
+          </a:p>
+        </p:txBody>
+      </p:sp>
+      <p:sp>
+        <p:nvSpPr>
+          <p:cNvPr id="11" name="矩形 10"/>
+          <p:cNvSpPr/>
+          <p:nvPr/>
+        </p:nvSpPr>
+        <p:spPr>
+          <a:xfrm>
+            <a:off x="3426728" y="1773996"/>
+            <a:ext cx="2099734" cy="931332"/>
+          </a:xfrm>
+          <a:prstGeom prst="rect">
+            <a:avLst/>
+          </a:prstGeom>
+          <a:noFill/>
+          <a:ln w="12700"/>
+          <a:effectLst/>
+        </p:spPr>
+        <p:style>
+          <a:lnRef idx="1">
+            <a:schemeClr val="accent1"/>
+          </a:lnRef>
+          <a:fillRef idx="3">
+            <a:schemeClr val="accent1"/>
+          </a:fillRef>
+          <a:effectRef idx="2">
+            <a:schemeClr val="accent1"/>
+          </a:effectRef>
+          <a:fontRef idx="minor">
+            <a:schemeClr val="lt1"/>
+          </a:fontRef>
+        </p:style>
+        <p:txBody>
+          <a:bodyPr rtlCol="0" anchor="ctr"/>
+          <a:lstStyle/>
+          <a:p>
+            <a:pPr algn="ctr"/>
+            <a:r>
+              <a:rPr lang="en-US" altLang="zh-TW" dirty="0" smtClean="0">
+                <a:solidFill>
+                  <a:schemeClr val="tx1"/>
+                </a:solidFill>
+              </a:rPr>
+              <a:t>Human learning</a:t>
+            </a:r>
+            <a:endParaRPr lang="zh-TW" altLang="en-US" dirty="0">
+              <a:solidFill>
+                <a:schemeClr val="tx1"/>
+              </a:solidFill>
+            </a:endParaRPr>
+          </a:p>
+        </p:txBody>
+      </p:sp>
+      <p:sp>
+        <p:nvSpPr>
+          <p:cNvPr id="12" name="向右箭號 11"/>
+          <p:cNvSpPr/>
+          <p:nvPr/>
+        </p:nvSpPr>
+        <p:spPr>
+          <a:xfrm>
+            <a:off x="5731938" y="2132797"/>
+            <a:ext cx="491067" cy="262466"/>
+          </a:xfrm>
+          <a:prstGeom prst="rightArrow">
+            <a:avLst/>
+          </a:prstGeom>
+          <a:solidFill>
+            <a:srgbClr val="002060"/>
+          </a:solidFill>
+          <a:effectLst/>
+        </p:spPr>
+        <p:style>
+          <a:lnRef idx="1">
+            <a:schemeClr val="accent1"/>
+          </a:lnRef>
+          <a:fillRef idx="3">
+            <a:schemeClr val="accent1"/>
+          </a:fillRef>
+          <a:effectRef idx="2">
+            <a:schemeClr val="accent1"/>
+          </a:effectRef>
+          <a:fontRef idx="minor">
+            <a:schemeClr val="lt1"/>
+          </a:fontRef>
+        </p:style>
+        <p:txBody>
+          <a:bodyPr rtlCol="0" anchor="ctr"/>
+          <a:lstStyle/>
+          <a:p>
+            <a:pPr algn="ctr"/>
+            <a:endParaRPr lang="zh-TW" altLang="en-US"/>
+          </a:p>
+        </p:txBody>
+      </p:sp>
+      <p:sp>
+        <p:nvSpPr>
+          <p:cNvPr id="14" name="矩形 13"/>
+          <p:cNvSpPr/>
+          <p:nvPr/>
+        </p:nvSpPr>
+        <p:spPr>
+          <a:xfrm>
+            <a:off x="6352639" y="2073528"/>
+            <a:ext cx="1992853" cy="369332"/>
+          </a:xfrm>
+          <a:prstGeom prst="rect">
+            <a:avLst/>
+          </a:prstGeom>
+        </p:spPr>
+        <p:txBody>
+          <a:bodyPr wrap="none">
+            <a:spAutoFit/>
+          </a:bodyPr>
+          <a:lstStyle/>
+          <a:p>
+            <a:pPr algn="ctr"/>
+            <a:r>
+              <a:rPr lang="en-US" altLang="zh-TW" dirty="0" smtClean="0"/>
+              <a:t>Classification skill</a:t>
+            </a:r>
+            <a:endParaRPr lang="zh-TW" altLang="en-US" dirty="0" smtClean="0"/>
+          </a:p>
+        </p:txBody>
+      </p:sp>
+      <p:sp>
+        <p:nvSpPr>
+          <p:cNvPr id="16" name="矩形 15"/>
+          <p:cNvSpPr/>
+          <p:nvPr/>
+        </p:nvSpPr>
+        <p:spPr>
+          <a:xfrm>
+            <a:off x="907894" y="1321802"/>
+            <a:ext cx="7866236" cy="1811811"/>
+          </a:xfrm>
+          <a:prstGeom prst="rect">
+            <a:avLst/>
+          </a:prstGeom>
+          <a:noFill/>
+          <a:ln w="28575"/>
+          <a:effectLst/>
+        </p:spPr>
+        <p:style>
+          <a:lnRef idx="1">
+            <a:schemeClr val="accent1"/>
+          </a:lnRef>
+          <a:fillRef idx="3">
+            <a:schemeClr val="accent1"/>
+          </a:fillRef>
+          <a:effectRef idx="2">
+            <a:schemeClr val="accent1"/>
+          </a:effectRef>
+          <a:fontRef idx="minor">
+            <a:schemeClr val="lt1"/>
+          </a:fontRef>
+        </p:style>
+        <p:txBody>
+          <a:bodyPr rtlCol="0" anchor="ctr"/>
+          <a:lstStyle/>
+          <a:p>
+            <a:pPr algn="ctr"/>
+            <a:endParaRPr lang="zh-TW" altLang="en-US"/>
+          </a:p>
+        </p:txBody>
+      </p:sp>
+      <p:sp>
+        <p:nvSpPr>
+          <p:cNvPr id="17" name="矩形 16"/>
+          <p:cNvSpPr/>
+          <p:nvPr/>
+        </p:nvSpPr>
+        <p:spPr>
+          <a:xfrm>
+            <a:off x="907894" y="3552027"/>
+            <a:ext cx="7866236" cy="1811811"/>
+          </a:xfrm>
+          <a:prstGeom prst="rect">
+            <a:avLst/>
+          </a:prstGeom>
+          <a:noFill/>
+          <a:ln w="28575"/>
+          <a:effectLst/>
+        </p:spPr>
+        <p:style>
+          <a:lnRef idx="1">
+            <a:schemeClr val="accent1"/>
+          </a:lnRef>
+          <a:fillRef idx="3">
+            <a:schemeClr val="accent1"/>
+          </a:fillRef>
+          <a:effectRef idx="2">
+            <a:schemeClr val="accent1"/>
+          </a:effectRef>
+          <a:fontRef idx="minor">
+            <a:schemeClr val="lt1"/>
+          </a:fontRef>
+        </p:style>
+        <p:txBody>
+          <a:bodyPr rtlCol="0" anchor="ctr"/>
+          <a:lstStyle/>
+          <a:p>
+            <a:pPr algn="ctr"/>
+            <a:endParaRPr lang="zh-TW" altLang="en-US"/>
+          </a:p>
+        </p:txBody>
+      </p:sp>
+      <p:cxnSp>
+        <p:nvCxnSpPr>
+          <p:cNvPr id="19" name="直線接點 18"/>
+          <p:cNvCxnSpPr/>
+          <p:nvPr/>
+        </p:nvCxnSpPr>
+        <p:spPr>
+          <a:xfrm>
+            <a:off x="907894" y="1655463"/>
+            <a:ext cx="7866236" cy="0"/>
+          </a:xfrm>
+          <a:prstGeom prst="line">
+            <a:avLst/>
+          </a:prstGeom>
+          <a:noFill/>
+          <a:ln w="28575"/>
+          <a:effectLst/>
+        </p:spPr>
+        <p:style>
+          <a:lnRef idx="1">
+            <a:schemeClr val="accent1"/>
+          </a:lnRef>
+          <a:fillRef idx="3">
+            <a:schemeClr val="accent1"/>
+          </a:fillRef>
+          <a:effectRef idx="2">
+            <a:schemeClr val="accent1"/>
+          </a:effectRef>
+          <a:fontRef idx="minor">
+            <a:schemeClr val="lt1"/>
+          </a:fontRef>
+        </p:style>
+      </p:cxnSp>
+      <p:cxnSp>
+        <p:nvCxnSpPr>
+          <p:cNvPr id="20" name="直線接點 19"/>
+          <p:cNvCxnSpPr/>
+          <p:nvPr/>
+        </p:nvCxnSpPr>
+        <p:spPr>
+          <a:xfrm>
+            <a:off x="924071" y="3891139"/>
+            <a:ext cx="7866236" cy="0"/>
+          </a:xfrm>
+          <a:prstGeom prst="line">
+            <a:avLst/>
+          </a:prstGeom>
+          <a:noFill/>
+          <a:ln w="28575"/>
+          <a:effectLst/>
+        </p:spPr>
+        <p:style>
+          <a:lnRef idx="1">
+            <a:schemeClr val="accent1"/>
+          </a:lnRef>
+          <a:fillRef idx="3">
+            <a:schemeClr val="accent1"/>
+          </a:fillRef>
+          <a:effectRef idx="2">
+            <a:schemeClr val="accent1"/>
+          </a:effectRef>
+          <a:fontRef idx="minor">
+            <a:schemeClr val="lt1"/>
+          </a:fontRef>
+        </p:style>
+      </p:cxnSp>
+      <p:sp>
+        <p:nvSpPr>
+          <p:cNvPr id="26" name="矩形 25"/>
+          <p:cNvSpPr/>
+          <p:nvPr/>
+        </p:nvSpPr>
+        <p:spPr>
+          <a:xfrm>
+            <a:off x="3933109" y="1321802"/>
+            <a:ext cx="928459" cy="369332"/>
+          </a:xfrm>
+          <a:prstGeom prst="rect">
+            <a:avLst/>
+          </a:prstGeom>
+        </p:spPr>
+        <p:txBody>
+          <a:bodyPr wrap="none">
+            <a:spAutoFit/>
+          </a:bodyPr>
+          <a:lstStyle/>
+          <a:p>
+            <a:r>
+              <a:rPr lang="en-US" altLang="zh-TW" dirty="0" smtClean="0"/>
+              <a:t>Human</a:t>
+            </a:r>
+            <a:endParaRPr lang="zh-TW" altLang="en-US" dirty="0"/>
+          </a:p>
+        </p:txBody>
+      </p:sp>
+      <p:sp>
+        <p:nvSpPr>
+          <p:cNvPr id="27" name="矩形 26"/>
+          <p:cNvSpPr/>
+          <p:nvPr/>
+        </p:nvSpPr>
+        <p:spPr>
+          <a:xfrm>
+            <a:off x="3912561" y="3521807"/>
+            <a:ext cx="1313180" cy="369332"/>
+          </a:xfrm>
+          <a:prstGeom prst="rect">
+            <a:avLst/>
+          </a:prstGeom>
+        </p:spPr>
+        <p:txBody>
+          <a:bodyPr wrap="none">
+            <a:spAutoFit/>
+          </a:bodyPr>
+          <a:lstStyle/>
+          <a:p>
+            <a:r>
+              <a:rPr lang="en-US" altLang="zh-TW" dirty="0" smtClean="0"/>
+              <a:t>Computers</a:t>
+            </a:r>
+            <a:endParaRPr lang="zh-TW" altLang="en-US" dirty="0"/>
+          </a:p>
+        </p:txBody>
+      </p:sp>
+    </p:spTree>
+    <p:extLst>
+      <p:ext uri="{BB962C8B-B14F-4D97-AF65-F5344CB8AC3E}">
+        <p14:creationId xmlns:p14="http://schemas.microsoft.com/office/powerpoint/2010/main" val="3040030372"/>
+      </p:ext>
+    </p:extLst>
+  </p:cSld>
+  <p:clrMapOvr>
+    <a:masterClrMapping/>
+  </p:clrMapOvr>
+  <p:timing>
+    <p:tnLst>
+      <p:par>
+        <p:cTn id="1" dur="indefinite" restart="never" nodeType="tmRoot"/>
+      </p:par>
+    </p:tnLst>
+  </p:timing>
+</p:sld>
+</file>
+
 <file path=ppt/slides/slide15.xml><?xml version="1.0" encoding="utf-8"?>
 <p:sld xmlns:a="http://schemas.openxmlformats.org/drawingml/2006/main" xmlns:r="http://schemas.openxmlformats.org/officeDocument/2006/relationships" xmlns:p="http://schemas.openxmlformats.org/presentationml/2006/main">
   <p:cSld>
@@ -9156,14 +9610,14 @@
                 <a:gridCol w="2188155">
                   <a:extLst>
                     <a:ext uri="{9D8B030D-6E8A-4147-A177-3AD203B41FA5}">
-                      <a16:colId xmlns:a16="http://schemas.microsoft.com/office/drawing/2014/main" xmlns="" val="3452721396"/>
+                      <a16:colId xmlns="" xmlns:a16="http://schemas.microsoft.com/office/drawing/2014/main" val="3452721396"/>
                     </a:ext>
                   </a:extLst>
                 </a:gridCol>
                 <a:gridCol w="1783181">
                   <a:extLst>
                     <a:ext uri="{9D8B030D-6E8A-4147-A177-3AD203B41FA5}">
-                      <a16:colId xmlns:a16="http://schemas.microsoft.com/office/drawing/2014/main" xmlns="" val="3776235587"/>
+                      <a16:colId xmlns="" xmlns:a16="http://schemas.microsoft.com/office/drawing/2014/main" val="3776235587"/>
                     </a:ext>
                   </a:extLst>
                 </a:gridCol>
@@ -9283,7 +9737,7 @@
                 </a:tc>
                 <a:extLst>
                   <a:ext uri="{0D108BD9-81ED-4DB2-BD59-A6C34878D82A}">
-                    <a16:rowId xmlns:a16="http://schemas.microsoft.com/office/drawing/2014/main" xmlns="" val="2399558479"/>
+                    <a16:rowId xmlns="" xmlns:a16="http://schemas.microsoft.com/office/drawing/2014/main" val="2399558479"/>
                   </a:ext>
                 </a:extLst>
               </a:tr>
@@ -9399,7 +9853,7 @@
                 </a:tc>
                 <a:extLst>
                   <a:ext uri="{0D108BD9-81ED-4DB2-BD59-A6C34878D82A}">
-                    <a16:rowId xmlns:a16="http://schemas.microsoft.com/office/drawing/2014/main" xmlns="" val="592403228"/>
+                    <a16:rowId xmlns="" xmlns:a16="http://schemas.microsoft.com/office/drawing/2014/main" val="592403228"/>
                   </a:ext>
                 </a:extLst>
               </a:tr>
@@ -10804,7 +11258,7 @@
           <a:graphicData uri="http://schemas.openxmlformats.org/presentationml/2006/ole">
             <mc:AlternateContent xmlns:mc="http://schemas.openxmlformats.org/markup-compatibility/2006">
               <mc:Choice xmlns:v="urn:schemas-microsoft-com:vml" Requires="v">
-                <p:oleObj spid="_x0000_s2319" name="方程式" r:id="rId4" imgW="342751" imgH="203112" progId="Equation.3">
+                <p:oleObj spid="_x0000_s2355" name="方程式" r:id="rId4" imgW="342751" imgH="203112" progId="Equation.3">
                   <p:embed/>
                 </p:oleObj>
               </mc:Choice>
@@ -10880,7 +11334,7 @@
           <a:graphicData uri="http://schemas.openxmlformats.org/presentationml/2006/ole">
             <mc:AlternateContent xmlns:mc="http://schemas.openxmlformats.org/markup-compatibility/2006">
               <mc:Choice xmlns:v="urn:schemas-microsoft-com:vml" Requires="v">
-                <p:oleObj spid="_x0000_s2320" name="方程式" r:id="rId6" imgW="1803400" imgH="228600" progId="Equation.3">
+                <p:oleObj spid="_x0000_s2356" name="方程式" r:id="rId6" imgW="1803400" imgH="228600" progId="Equation.3">
                   <p:embed/>
                 </p:oleObj>
               </mc:Choice>
@@ -10950,7 +11404,7 @@
           <a:graphicData uri="http://schemas.openxmlformats.org/presentationml/2006/ole">
             <mc:AlternateContent xmlns:mc="http://schemas.openxmlformats.org/markup-compatibility/2006">
               <mc:Choice xmlns:v="urn:schemas-microsoft-com:vml" Requires="v">
-                <p:oleObj spid="_x0000_s2321" name="方程式" r:id="rId8" imgW="126725" imgH="126725" progId="Equation.3">
+                <p:oleObj spid="_x0000_s2357" name="方程式" r:id="rId8" imgW="126725" imgH="126725" progId="Equation.3">
                   <p:embed/>
                 </p:oleObj>
               </mc:Choice>
@@ -12082,13 +12536,6 @@
               </a:rPr>
               <a:t>Vehicle detection</a:t>
             </a:r>
-            <a:endParaRPr lang="en-US" altLang="zh-TW" sz="2400" dirty="0" smtClean="0">
-              <a:solidFill>
-                <a:schemeClr val="bg1">
-                  <a:lumMod val="75000"/>
-                </a:schemeClr>
-              </a:solidFill>
-            </a:endParaRPr>
           </a:p>
           <a:p>
             <a:pPr marL="1200150" lvl="1" indent="-457200">
@@ -12281,7 +12728,7 @@
           <a:graphicData uri="http://schemas.openxmlformats.org/presentationml/2006/ole">
             <mc:AlternateContent xmlns:mc="http://schemas.openxmlformats.org/markup-compatibility/2006">
               <mc:Choice xmlns:v="urn:schemas-microsoft-com:vml" Requires="v">
-                <p:oleObj spid="_x0000_s3303" name="方程式" r:id="rId4" imgW="342751" imgH="203112" progId="Equation.3">
+                <p:oleObj spid="_x0000_s3339" name="方程式" r:id="rId4" imgW="342751" imgH="203112" progId="Equation.3">
                   <p:embed/>
                 </p:oleObj>
               </mc:Choice>
@@ -12351,7 +12798,7 @@
           <a:graphicData uri="http://schemas.openxmlformats.org/presentationml/2006/ole">
             <mc:AlternateContent xmlns:mc="http://schemas.openxmlformats.org/markup-compatibility/2006">
               <mc:Choice xmlns:v="urn:schemas-microsoft-com:vml" Requires="v">
-                <p:oleObj spid="_x0000_s3304" name="方程式" r:id="rId6" imgW="126725" imgH="126725" progId="Equation.3">
+                <p:oleObj spid="_x0000_s3340" name="方程式" r:id="rId6" imgW="126725" imgH="126725" progId="Equation.3">
                   <p:embed/>
                 </p:oleObj>
               </mc:Choice>
@@ -12631,7 +13078,7 @@
           <a:graphicData uri="http://schemas.openxmlformats.org/presentationml/2006/ole">
             <mc:AlternateContent xmlns:mc="http://schemas.openxmlformats.org/markup-compatibility/2006">
               <mc:Choice xmlns:v="urn:schemas-microsoft-com:vml" Requires="v">
-                <p:oleObj spid="_x0000_s3305" name="方程式" r:id="rId9" imgW="1803400" imgH="228600" progId="Equation.3">
+                <p:oleObj spid="_x0000_s3341" name="方程式" r:id="rId9" imgW="1803400" imgH="228600" progId="Equation.3">
                   <p:embed/>
                 </p:oleObj>
               </mc:Choice>
@@ -13089,7 +13536,7 @@
           <a:graphicData uri="http://schemas.openxmlformats.org/presentationml/2006/ole">
             <mc:AlternateContent xmlns:mc="http://schemas.openxmlformats.org/markup-compatibility/2006">
               <mc:Choice xmlns:v="urn:schemas-microsoft-com:vml" Requires="v">
-                <p:oleObj spid="_x0000_s25742" name="方程式" r:id="rId4" imgW="368140" imgH="215806" progId="Equation.3">
+                <p:oleObj spid="_x0000_s25790" name="方程式" r:id="rId4" imgW="368140" imgH="215806" progId="Equation.3">
                   <p:embed/>
                 </p:oleObj>
               </mc:Choice>
@@ -13518,7 +13965,7 @@
           <a:graphicData uri="http://schemas.openxmlformats.org/presentationml/2006/ole">
             <mc:AlternateContent xmlns:mc="http://schemas.openxmlformats.org/markup-compatibility/2006">
               <mc:Choice xmlns:v="urn:schemas-microsoft-com:vml" Requires="v">
-                <p:oleObj spid="_x0000_s25743" name="方程式" r:id="rId6" imgW="380835" imgH="215806" progId="Equation.3">
+                <p:oleObj spid="_x0000_s25791" name="方程式" r:id="rId6" imgW="380835" imgH="215806" progId="Equation.3">
                   <p:embed/>
                 </p:oleObj>
               </mc:Choice>
@@ -13947,7 +14394,7 @@
           <a:graphicData uri="http://schemas.openxmlformats.org/presentationml/2006/ole">
             <mc:AlternateContent xmlns:mc="http://schemas.openxmlformats.org/markup-compatibility/2006">
               <mc:Choice xmlns:v="urn:schemas-microsoft-com:vml" Requires="v">
-                <p:oleObj spid="_x0000_s25744" name="方程式" r:id="rId8" imgW="381000" imgH="228600" progId="Equation.3">
+                <p:oleObj spid="_x0000_s25792" name="方程式" r:id="rId8" imgW="381000" imgH="228600" progId="Equation.3">
                   <p:embed/>
                 </p:oleObj>
               </mc:Choice>
@@ -14515,7 +14962,7 @@
           <a:graphicData uri="http://schemas.openxmlformats.org/presentationml/2006/ole">
             <mc:AlternateContent xmlns:mc="http://schemas.openxmlformats.org/markup-compatibility/2006">
               <mc:Choice xmlns:v="urn:schemas-microsoft-com:vml" Requires="v">
-                <p:oleObj spid="_x0000_s25745" name="方程式" r:id="rId10" imgW="419100" imgH="228600" progId="Equation.3">
+                <p:oleObj spid="_x0000_s25793" name="方程式" r:id="rId10" imgW="419100" imgH="228600" progId="Equation.3">
                   <p:embed/>
                 </p:oleObj>
               </mc:Choice>
@@ -16226,7 +16673,7 @@
           <a:graphicData uri="http://schemas.openxmlformats.org/presentationml/2006/ole">
             <mc:AlternateContent xmlns:mc="http://schemas.openxmlformats.org/markup-compatibility/2006">
               <mc:Choice xmlns:v="urn:schemas-microsoft-com:vml" Requires="v">
-                <p:oleObj spid="_x0000_s26836" name="方程式" r:id="rId3" imgW="3644900" imgH="228600" progId="Equation.3">
+                <p:oleObj spid="_x0000_s26908" name="方程式" r:id="rId3" imgW="3644900" imgH="228600" progId="Equation.3">
                   <p:embed/>
                 </p:oleObj>
               </mc:Choice>
@@ -16334,7 +16781,7 @@
           <a:graphicData uri="http://schemas.openxmlformats.org/presentationml/2006/ole">
             <mc:AlternateContent xmlns:mc="http://schemas.openxmlformats.org/markup-compatibility/2006">
               <mc:Choice xmlns:v="urn:schemas-microsoft-com:vml" Requires="v">
-                <p:oleObj spid="_x0000_s26837" name="方程式" r:id="rId5" imgW="1282700" imgH="431800" progId="Equation.3">
+                <p:oleObj spid="_x0000_s26909" name="方程式" r:id="rId5" imgW="1282700" imgH="431800" progId="Equation.3">
                   <p:embed/>
                 </p:oleObj>
               </mc:Choice>
@@ -16404,7 +16851,7 @@
           <a:graphicData uri="http://schemas.openxmlformats.org/presentationml/2006/ole">
             <mc:AlternateContent xmlns:mc="http://schemas.openxmlformats.org/markup-compatibility/2006">
               <mc:Choice xmlns:v="urn:schemas-microsoft-com:vml" Requires="v">
-                <p:oleObj spid="_x0000_s26838" name="方程式" r:id="rId7" imgW="406224" imgH="228501" progId="Equation.3">
+                <p:oleObj spid="_x0000_s26910" name="方程式" r:id="rId7" imgW="406224" imgH="228501" progId="Equation.3">
                   <p:embed/>
                 </p:oleObj>
               </mc:Choice>
@@ -16497,7 +16944,7 @@
           <a:graphicData uri="http://schemas.openxmlformats.org/presentationml/2006/ole">
             <mc:AlternateContent xmlns:mc="http://schemas.openxmlformats.org/markup-compatibility/2006">
               <mc:Choice xmlns:v="urn:schemas-microsoft-com:vml" Requires="v">
-                <p:oleObj spid="_x0000_s26839" name="方程式" r:id="rId9" imgW="190500" imgH="228600" progId="Equation.3">
+                <p:oleObj spid="_x0000_s26911" name="方程式" r:id="rId9" imgW="190500" imgH="228600" progId="Equation.3">
                   <p:embed/>
                 </p:oleObj>
               </mc:Choice>
@@ -16688,7 +17135,7 @@
           <a:graphicData uri="http://schemas.openxmlformats.org/presentationml/2006/ole">
             <mc:AlternateContent xmlns:mc="http://schemas.openxmlformats.org/markup-compatibility/2006">
               <mc:Choice xmlns:v="urn:schemas-microsoft-com:vml" Requires="v">
-                <p:oleObj spid="_x0000_s26840" name="方程式" r:id="rId11" imgW="672808" imgH="393529" progId="Equation.3">
+                <p:oleObj spid="_x0000_s26912" name="方程式" r:id="rId11" imgW="672808" imgH="393529" progId="Equation.3">
                   <p:embed/>
                 </p:oleObj>
               </mc:Choice>
@@ -16781,7 +17228,7 @@
           <a:graphicData uri="http://schemas.openxmlformats.org/presentationml/2006/ole">
             <mc:AlternateContent xmlns:mc="http://schemas.openxmlformats.org/markup-compatibility/2006">
               <mc:Choice xmlns:v="urn:schemas-microsoft-com:vml" Requires="v">
-                <p:oleObj spid="_x0000_s26841" name="方程式" r:id="rId13" imgW="431613" imgH="228501" progId="Equation.3">
+                <p:oleObj spid="_x0000_s26913" name="方程式" r:id="rId13" imgW="431613" imgH="228501" progId="Equation.3">
                   <p:embed/>
                 </p:oleObj>
               </mc:Choice>
@@ -18364,7 +18811,6 @@
               <a:rPr lang="en-US" altLang="zh-TW" sz="2400" dirty="0" smtClean="0"/>
               <a:t>Vehicle detection</a:t>
             </a:r>
-            <a:endParaRPr lang="en-US" altLang="zh-TW" sz="2400" dirty="0" smtClean="0"/>
           </a:p>
           <a:p>
             <a:pPr marL="1200150" lvl="1" indent="-457200">
@@ -21461,15 +21907,7 @@
             </a:pPr>
             <a:r>
               <a:rPr lang="en-US" altLang="zh-TW" sz="2400" dirty="0" smtClean="0"/>
-              <a:t>Want to find some </a:t>
-            </a:r>
-            <a:r>
-              <a:rPr lang="en-US" altLang="zh-TW" sz="2400" dirty="0" smtClean="0"/>
-              <a:t>rules </a:t>
-            </a:r>
-            <a:r>
-              <a:rPr lang="en-US" altLang="zh-TW" sz="2400" dirty="0" smtClean="0"/>
-              <a:t>to describe a banana</a:t>
+              <a:t>Want to find some rules to describe a banana</a:t>
             </a:r>
           </a:p>
           <a:p>
@@ -43632,8 +44070,8 @@
         </p:nvSpPr>
         <p:spPr>
           <a:xfrm>
-            <a:off x="737235" y="3099842"/>
-            <a:ext cx="3602736" cy="369332"/>
+            <a:off x="737234" y="3099842"/>
+            <a:ext cx="3780977" cy="369332"/>
           </a:xfrm>
           <a:prstGeom prst="rect">
             <a:avLst/>
@@ -43653,15 +44091,19 @@
             </a:pPr>
             <a:r>
               <a:rPr lang="en-US" altLang="zh-TW" sz="2400" noProof="0" dirty="0" smtClean="0"/>
-              <a:t>Man </a:t>
+              <a:t>Kid </a:t>
             </a:r>
             <a:r>
-              <a:rPr lang="en-US" altLang="zh-TW" sz="2400" dirty="0"/>
+              <a:rPr lang="en-US" altLang="zh-TW" sz="2400" dirty="0" smtClean="0"/>
               <a:t>l</a:t>
             </a:r>
             <a:r>
               <a:rPr lang="en-US" altLang="zh-TW" sz="2400" noProof="0" dirty="0" smtClean="0"/>
-              <a:t>earn from pictures </a:t>
+              <a:t>earned </a:t>
+            </a:r>
+            <a:r>
+              <a:rPr lang="en-US" altLang="zh-TW" sz="2400" noProof="0" dirty="0" smtClean="0"/>
+              <a:t>from pictures </a:t>
             </a:r>
             <a:endParaRPr kumimoji="0" lang="en-US" altLang="zh-TW" sz="2400" b="0" i="0" u="none" strike="noStrike" kern="1200" cap="none" spc="0" normalizeH="0" baseline="0" noProof="0" dirty="0" smtClean="0">
               <a:ln>
@@ -45348,20 +45790,20 @@
 </file>
 
 <file path=customXml/item1.xml><?xml version="1.0" encoding="utf-8"?>
+<p:properties xmlns:p="http://schemas.microsoft.com/office/2006/metadata/properties" xmlns:xsi="http://www.w3.org/2001/XMLSchema-instance" xmlns:pc="http://schemas.microsoft.com/office/infopath/2007/PartnerControls">
+  <documentManagement>
+    <Year xmlns="24ac9ee2-1f69-49ec-81c1-d01c86227436">2015</Year>
+  </documentManagement>
+</p:properties>
+</file>
+
+<file path=customXml/item2.xml><?xml version="1.0" encoding="utf-8"?>
 <?mso-contentType ?>
 <FormTemplates xmlns="http://schemas.microsoft.com/sharepoint/v3/contenttype/forms">
   <Display>DocumentLibraryForm</Display>
   <Edit>DocumentLibraryForm</Edit>
   <New>DocumentLibraryForm</New>
 </FormTemplates>
-</file>
-
-<file path=customXml/item2.xml><?xml version="1.0" encoding="utf-8"?>
-<p:properties xmlns:p="http://schemas.microsoft.com/office/2006/metadata/properties" xmlns:xsi="http://www.w3.org/2001/XMLSchema-instance" xmlns:pc="http://schemas.microsoft.com/office/infopath/2007/PartnerControls">
-  <documentManagement>
-    <Year xmlns="24ac9ee2-1f69-49ec-81c1-d01c86227436">2015</Year>
-  </documentManagement>
-</p:properties>
 </file>
 
 <file path=customXml/item3.xml><?xml version="1.0" encoding="utf-8"?>
@@ -45496,14 +45938,6 @@
 </file>
 
 <file path=customXml/itemProps1.xml><?xml version="1.0" encoding="utf-8"?>
-<ds:datastoreItem xmlns:ds="http://schemas.openxmlformats.org/officeDocument/2006/customXml" ds:itemID="{75703042-9C6F-440D-9A8D-0836740E8EC4}">
-  <ds:schemaRefs>
-    <ds:schemaRef ds:uri="http://schemas.microsoft.com/sharepoint/v3/contenttype/forms"/>
-  </ds:schemaRefs>
-</ds:datastoreItem>
-</file>
-
-<file path=customXml/itemProps2.xml><?xml version="1.0" encoding="utf-8"?>
 <ds:datastoreItem xmlns:ds="http://schemas.openxmlformats.org/officeDocument/2006/customXml" ds:itemID="{327D2673-F33E-4BA5-8F43-8D9B5FEBC44E}">
   <ds:schemaRefs>
     <ds:schemaRef ds:uri="http://schemas.microsoft.com/office/2006/documentManagement/types"/>
@@ -45515,6 +45949,14 @@
     <ds:schemaRef ds:uri="http://www.w3.org/XML/1998/namespace"/>
     <ds:schemaRef ds:uri="http://schemas.openxmlformats.org/package/2006/metadata/core-properties"/>
     <ds:schemaRef ds:uri="24ac9ee2-1f69-49ec-81c1-d01c86227436"/>
+  </ds:schemaRefs>
+</ds:datastoreItem>
+</file>
+
+<file path=customXml/itemProps2.xml><?xml version="1.0" encoding="utf-8"?>
+<ds:datastoreItem xmlns:ds="http://schemas.openxmlformats.org/officeDocument/2006/customXml" ds:itemID="{75703042-9C6F-440D-9A8D-0836740E8EC4}">
+  <ds:schemaRefs>
+    <ds:schemaRef ds:uri="http://schemas.microsoft.com/sharepoint/v3/contenttype/forms"/>
   </ds:schemaRefs>
 </ds:datastoreItem>
 </file>

--- a/Presentation/Boosting.pptx
+++ b/Presentation/Boosting.pptx
@@ -5,10 +5,10 @@
     <p:sldMasterId id="2147483671" r:id="rId4"/>
   </p:sldMasterIdLst>
   <p:notesMasterIdLst>
-    <p:notesMasterId r:id="rId40"/>
+    <p:notesMasterId r:id="rId38"/>
   </p:notesMasterIdLst>
   <p:handoutMasterIdLst>
-    <p:handoutMasterId r:id="rId41"/>
+    <p:handoutMasterId r:id="rId39"/>
   </p:handoutMasterIdLst>
   <p:sldIdLst>
     <p:sldId id="288" r:id="rId5"/>
@@ -22,30 +22,28 @@
     <p:sldId id="351" r:id="rId13"/>
     <p:sldId id="353" r:id="rId14"/>
     <p:sldId id="345" r:id="rId15"/>
-    <p:sldId id="322" r:id="rId16"/>
-    <p:sldId id="320" r:id="rId17"/>
-    <p:sldId id="336" r:id="rId18"/>
-    <p:sldId id="318" r:id="rId19"/>
-    <p:sldId id="327" r:id="rId20"/>
-    <p:sldId id="313" r:id="rId21"/>
-    <p:sldId id="312" r:id="rId22"/>
-    <p:sldId id="317" r:id="rId23"/>
-    <p:sldId id="321" r:id="rId24"/>
-    <p:sldId id="328" r:id="rId25"/>
-    <p:sldId id="324" r:id="rId26"/>
-    <p:sldId id="330" r:id="rId27"/>
-    <p:sldId id="323" r:id="rId28"/>
-    <p:sldId id="331" r:id="rId29"/>
-    <p:sldId id="354" r:id="rId30"/>
-    <p:sldId id="332" r:id="rId31"/>
-    <p:sldId id="333" r:id="rId32"/>
-    <p:sldId id="337" r:id="rId33"/>
-    <p:sldId id="334" r:id="rId34"/>
-    <p:sldId id="316" r:id="rId35"/>
-    <p:sldId id="343" r:id="rId36"/>
-    <p:sldId id="344" r:id="rId37"/>
-    <p:sldId id="341" r:id="rId38"/>
-    <p:sldId id="342" r:id="rId39"/>
+    <p:sldId id="320" r:id="rId16"/>
+    <p:sldId id="336" r:id="rId17"/>
+    <p:sldId id="322" r:id="rId18"/>
+    <p:sldId id="313" r:id="rId19"/>
+    <p:sldId id="312" r:id="rId20"/>
+    <p:sldId id="317" r:id="rId21"/>
+    <p:sldId id="321" r:id="rId22"/>
+    <p:sldId id="328" r:id="rId23"/>
+    <p:sldId id="324" r:id="rId24"/>
+    <p:sldId id="330" r:id="rId25"/>
+    <p:sldId id="323" r:id="rId26"/>
+    <p:sldId id="331" r:id="rId27"/>
+    <p:sldId id="354" r:id="rId28"/>
+    <p:sldId id="332" r:id="rId29"/>
+    <p:sldId id="333" r:id="rId30"/>
+    <p:sldId id="337" r:id="rId31"/>
+    <p:sldId id="334" r:id="rId32"/>
+    <p:sldId id="316" r:id="rId33"/>
+    <p:sldId id="343" r:id="rId34"/>
+    <p:sldId id="344" r:id="rId35"/>
+    <p:sldId id="341" r:id="rId36"/>
+    <p:sldId id="342" r:id="rId37"/>
   </p:sldIdLst>
   <p:sldSz cx="9144000" cy="6858000" type="screen4x3"/>
   <p:notesSz cx="6858000" cy="9144000"/>
@@ -146,7 +144,7 @@
   </p:defaultTextStyle>
   <p:extLst>
     <p:ext uri="{EFAFB233-063F-42B5-8137-9DF3F51BA10A}">
-      <p15:sldGuideLst xmlns:p15="http://schemas.microsoft.com/office/powerpoint/2012/main" xmlns="">
+      <p15:sldGuideLst xmlns:p15="http://schemas.microsoft.com/office/powerpoint/2012/main">
         <p15:guide id="1" orient="horz" pos="3868">
           <p15:clr>
             <a:srgbClr val="A4A3A4"/>
@@ -291,7 +289,7 @@
             <a:fld id="{F8252C7F-5FEC-2E4D-80AA-BF666F276660}" type="datetime1">
               <a:rPr lang="en-US" smtClean="0"/>
               <a:pPr/>
-              <a:t>7/9/2015</a:t>
+              <a:t>7/10/2015</a:t>
             </a:fld>
             <a:endParaRPr lang="en-US"/>
           </a:p>
@@ -367,7 +365,7 @@
     </p:spTree>
     <p:extLst>
       <p:ext uri="{BB962C8B-B14F-4D97-AF65-F5344CB8AC3E}">
-        <p14:creationId xmlns:p14="http://schemas.microsoft.com/office/powerpoint/2010/main" xmlns="" val="1411092301"/>
+        <p14:creationId xmlns:p14="http://schemas.microsoft.com/office/powerpoint/2010/main" val="1411092301"/>
       </p:ext>
     </p:extLst>
   </p:cSld>
@@ -459,7 +457,7 @@
             <a:fld id="{1939DE02-E791-1340-B4FF-3939EE33ADCD}" type="datetime1">
               <a:rPr lang="en-US" smtClean="0"/>
               <a:pPr/>
-              <a:t>7/9/2015</a:t>
+              <a:t>7/10/2015</a:t>
             </a:fld>
             <a:endParaRPr lang="en-US"/>
           </a:p>
@@ -628,7 +626,7 @@
     </p:spTree>
     <p:extLst>
       <p:ext uri="{BB962C8B-B14F-4D97-AF65-F5344CB8AC3E}">
-        <p14:creationId xmlns:p14="http://schemas.microsoft.com/office/powerpoint/2010/main" xmlns="" val="160240899"/>
+        <p14:creationId xmlns:p14="http://schemas.microsoft.com/office/powerpoint/2010/main" val="160240899"/>
       </p:ext>
     </p:extLst>
   </p:cSld>
@@ -829,7 +827,7 @@
     </p:spTree>
     <p:extLst>
       <p:ext uri="{BB962C8B-B14F-4D97-AF65-F5344CB8AC3E}">
-        <p14:creationId xmlns:p14="http://schemas.microsoft.com/office/powerpoint/2010/main" xmlns="" val="3773960202"/>
+        <p14:creationId xmlns:p14="http://schemas.microsoft.com/office/powerpoint/2010/main" val="3773960202"/>
       </p:ext>
     </p:extLst>
   </p:cSld>
@@ -958,7 +956,7 @@
     </p:spTree>
     <p:extLst>
       <p:ext uri="{BB962C8B-B14F-4D97-AF65-F5344CB8AC3E}">
-        <p14:creationId xmlns:p14="http://schemas.microsoft.com/office/powerpoint/2010/main" xmlns="" val="2198939359"/>
+        <p14:creationId xmlns:p14="http://schemas.microsoft.com/office/powerpoint/2010/main" val="2198939359"/>
       </p:ext>
     </p:extLst>
   </p:cSld>
@@ -1043,7 +1041,7 @@
     </p:spTree>
     <p:extLst>
       <p:ext uri="{BB962C8B-B14F-4D97-AF65-F5344CB8AC3E}">
-        <p14:creationId xmlns:p14="http://schemas.microsoft.com/office/powerpoint/2010/main" xmlns="" val="242159118"/>
+        <p14:creationId xmlns:p14="http://schemas.microsoft.com/office/powerpoint/2010/main" val="242159118"/>
       </p:ext>
     </p:extLst>
   </p:cSld>
@@ -1128,7 +1126,7 @@
     </p:spTree>
     <p:extLst>
       <p:ext uri="{BB962C8B-B14F-4D97-AF65-F5344CB8AC3E}">
-        <p14:creationId xmlns:p14="http://schemas.microsoft.com/office/powerpoint/2010/main" xmlns="" val="2168797509"/>
+        <p14:creationId xmlns:p14="http://schemas.microsoft.com/office/powerpoint/2010/main" val="901386044"/>
       </p:ext>
     </p:extLst>
   </p:cSld>
@@ -1213,7 +1211,7 @@
     </p:spTree>
     <p:extLst>
       <p:ext uri="{BB962C8B-B14F-4D97-AF65-F5344CB8AC3E}">
-        <p14:creationId xmlns:p14="http://schemas.microsoft.com/office/powerpoint/2010/main" xmlns="" val="901386044"/>
+        <p14:creationId xmlns:p14="http://schemas.microsoft.com/office/powerpoint/2010/main" val="901386044"/>
       </p:ext>
     </p:extLst>
   </p:cSld>
@@ -1267,7 +1265,18 @@
           <a:bodyPr/>
           <a:lstStyle/>
           <a:p>
-            <a:endParaRPr lang="zh-TW" altLang="en-US"/>
+            <a:r>
+              <a:rPr lang="en-US" altLang="zh-TW" sz="1200" kern="1200" dirty="0" smtClean="0">
+                <a:solidFill>
+                  <a:schemeClr val="tx1"/>
+                </a:solidFill>
+                <a:latin typeface="+mn-lt"/>
+                <a:ea typeface="+mn-ea"/>
+                <a:cs typeface="+mn-cs"/>
+              </a:rPr>
+              <a:t>Can we do better?</a:t>
+            </a:r>
+            <a:endParaRPr lang="zh-TW" altLang="en-US" dirty="0"/>
           </a:p>
         </p:txBody>
       </p:sp>
@@ -1298,7 +1307,7 @@
     </p:spTree>
     <p:extLst>
       <p:ext uri="{BB962C8B-B14F-4D97-AF65-F5344CB8AC3E}">
-        <p14:creationId xmlns:p14="http://schemas.microsoft.com/office/powerpoint/2010/main" xmlns="" val="901386044"/>
+        <p14:creationId xmlns:p14="http://schemas.microsoft.com/office/powerpoint/2010/main" val="2168797509"/>
       </p:ext>
     </p:extLst>
   </p:cSld>
@@ -1383,7 +1392,7 @@
     </p:spTree>
     <p:extLst>
       <p:ext uri="{BB962C8B-B14F-4D97-AF65-F5344CB8AC3E}">
-        <p14:creationId xmlns:p14="http://schemas.microsoft.com/office/powerpoint/2010/main" xmlns="" val="477824888"/>
+        <p14:creationId xmlns:p14="http://schemas.microsoft.com/office/powerpoint/2010/main" val="2967594684"/>
       </p:ext>
     </p:extLst>
   </p:cSld>
@@ -1468,7 +1477,7 @@
     </p:spTree>
     <p:extLst>
       <p:ext uri="{BB962C8B-B14F-4D97-AF65-F5344CB8AC3E}">
-        <p14:creationId xmlns:p14="http://schemas.microsoft.com/office/powerpoint/2010/main" xmlns="" val="3594096594"/>
+        <p14:creationId xmlns:p14="http://schemas.microsoft.com/office/powerpoint/2010/main" val="1151715850"/>
       </p:ext>
     </p:extLst>
   </p:cSld>
@@ -1553,7 +1562,7 @@
     </p:spTree>
     <p:extLst>
       <p:ext uri="{BB962C8B-B14F-4D97-AF65-F5344CB8AC3E}">
-        <p14:creationId xmlns:p14="http://schemas.microsoft.com/office/powerpoint/2010/main" xmlns="" val="2967594684"/>
+        <p14:creationId xmlns:p14="http://schemas.microsoft.com/office/powerpoint/2010/main" val="480246252"/>
       </p:ext>
     </p:extLst>
   </p:cSld>
@@ -1638,7 +1647,7 @@
     </p:spTree>
     <p:extLst>
       <p:ext uri="{BB962C8B-B14F-4D97-AF65-F5344CB8AC3E}">
-        <p14:creationId xmlns:p14="http://schemas.microsoft.com/office/powerpoint/2010/main" xmlns="" val="1151715850"/>
+        <p14:creationId xmlns:p14="http://schemas.microsoft.com/office/powerpoint/2010/main" val="815287753"/>
       </p:ext>
     </p:extLst>
   </p:cSld>
@@ -1723,7 +1732,7 @@
     </p:spTree>
     <p:extLst>
       <p:ext uri="{BB962C8B-B14F-4D97-AF65-F5344CB8AC3E}">
-        <p14:creationId xmlns:p14="http://schemas.microsoft.com/office/powerpoint/2010/main" xmlns="" val="480246252"/>
+        <p14:creationId xmlns:p14="http://schemas.microsoft.com/office/powerpoint/2010/main" val="3862976365"/>
       </p:ext>
     </p:extLst>
   </p:cSld>
@@ -1820,7 +1829,7 @@
     </p:spTree>
     <p:extLst>
       <p:ext uri="{BB962C8B-B14F-4D97-AF65-F5344CB8AC3E}">
-        <p14:creationId xmlns:p14="http://schemas.microsoft.com/office/powerpoint/2010/main" xmlns="" val="2400959933"/>
+        <p14:creationId xmlns:p14="http://schemas.microsoft.com/office/powerpoint/2010/main" val="2400959933"/>
       </p:ext>
     </p:extLst>
   </p:cSld>
@@ -1905,7 +1914,7 @@
     </p:spTree>
     <p:extLst>
       <p:ext uri="{BB962C8B-B14F-4D97-AF65-F5344CB8AC3E}">
-        <p14:creationId xmlns:p14="http://schemas.microsoft.com/office/powerpoint/2010/main" xmlns="" val="815287753"/>
+        <p14:creationId xmlns:p14="http://schemas.microsoft.com/office/powerpoint/2010/main" val="109162968"/>
       </p:ext>
     </p:extLst>
   </p:cSld>
@@ -1916,176 +1925,6 @@
 </file>
 
 <file path=ppt/notesSlides/notesSlide21.xml><?xml version="1.0" encoding="utf-8"?>
-<p:notes xmlns:a="http://schemas.openxmlformats.org/drawingml/2006/main" xmlns:r="http://schemas.openxmlformats.org/officeDocument/2006/relationships" xmlns:p="http://schemas.openxmlformats.org/presentationml/2006/main">
-  <p:cSld>
-    <p:spTree>
-      <p:nvGrpSpPr>
-        <p:cNvPr id="1" name=""/>
-        <p:cNvGrpSpPr/>
-        <p:nvPr/>
-      </p:nvGrpSpPr>
-      <p:grpSpPr>
-        <a:xfrm>
-          <a:off x="0" y="0"/>
-          <a:ext cx="0" cy="0"/>
-          <a:chOff x="0" y="0"/>
-          <a:chExt cx="0" cy="0"/>
-        </a:xfrm>
-      </p:grpSpPr>
-      <p:sp>
-        <p:nvSpPr>
-          <p:cNvPr id="2" name="投影片圖像版面配置區 1"/>
-          <p:cNvSpPr>
-            <a:spLocks noGrp="1" noRot="1" noChangeAspect="1"/>
-          </p:cNvSpPr>
-          <p:nvPr>
-            <p:ph type="sldImg"/>
-          </p:nvPr>
-        </p:nvSpPr>
-        <p:spPr/>
-      </p:sp>
-      <p:sp>
-        <p:nvSpPr>
-          <p:cNvPr id="3" name="備忘稿版面配置區 2"/>
-          <p:cNvSpPr>
-            <a:spLocks noGrp="1"/>
-          </p:cNvSpPr>
-          <p:nvPr>
-            <p:ph type="body" idx="1"/>
-          </p:nvPr>
-        </p:nvSpPr>
-        <p:spPr/>
-        <p:txBody>
-          <a:bodyPr/>
-          <a:lstStyle/>
-          <a:p>
-            <a:endParaRPr lang="zh-TW" altLang="en-US"/>
-          </a:p>
-        </p:txBody>
-      </p:sp>
-      <p:sp>
-        <p:nvSpPr>
-          <p:cNvPr id="4" name="投影片編號版面配置區 3"/>
-          <p:cNvSpPr>
-            <a:spLocks noGrp="1"/>
-          </p:cNvSpPr>
-          <p:nvPr>
-            <p:ph type="sldNum" sz="quarter" idx="10"/>
-          </p:nvPr>
-        </p:nvSpPr>
-        <p:spPr/>
-        <p:txBody>
-          <a:bodyPr/>
-          <a:lstStyle/>
-          <a:p>
-            <a:fld id="{E99B2ECF-EB76-B54F-9C26-F0E74F1A8F70}" type="slidenum">
-              <a:rPr lang="en-US" smtClean="0"/>
-              <a:pPr/>
-              <a:t>21</a:t>
-            </a:fld>
-            <a:endParaRPr lang="en-US"/>
-          </a:p>
-        </p:txBody>
-      </p:sp>
-    </p:spTree>
-    <p:extLst>
-      <p:ext uri="{BB962C8B-B14F-4D97-AF65-F5344CB8AC3E}">
-        <p14:creationId xmlns:p14="http://schemas.microsoft.com/office/powerpoint/2010/main" xmlns="" val="3862976365"/>
-      </p:ext>
-    </p:extLst>
-  </p:cSld>
-  <p:clrMapOvr>
-    <a:masterClrMapping/>
-  </p:clrMapOvr>
-</p:notes>
-</file>
-
-<file path=ppt/notesSlides/notesSlide22.xml><?xml version="1.0" encoding="utf-8"?>
-<p:notes xmlns:a="http://schemas.openxmlformats.org/drawingml/2006/main" xmlns:r="http://schemas.openxmlformats.org/officeDocument/2006/relationships" xmlns:p="http://schemas.openxmlformats.org/presentationml/2006/main">
-  <p:cSld>
-    <p:spTree>
-      <p:nvGrpSpPr>
-        <p:cNvPr id="1" name=""/>
-        <p:cNvGrpSpPr/>
-        <p:nvPr/>
-      </p:nvGrpSpPr>
-      <p:grpSpPr>
-        <a:xfrm>
-          <a:off x="0" y="0"/>
-          <a:ext cx="0" cy="0"/>
-          <a:chOff x="0" y="0"/>
-          <a:chExt cx="0" cy="0"/>
-        </a:xfrm>
-      </p:grpSpPr>
-      <p:sp>
-        <p:nvSpPr>
-          <p:cNvPr id="2" name="投影片圖像版面配置區 1"/>
-          <p:cNvSpPr>
-            <a:spLocks noGrp="1" noRot="1" noChangeAspect="1"/>
-          </p:cNvSpPr>
-          <p:nvPr>
-            <p:ph type="sldImg"/>
-          </p:nvPr>
-        </p:nvSpPr>
-        <p:spPr/>
-      </p:sp>
-      <p:sp>
-        <p:nvSpPr>
-          <p:cNvPr id="3" name="備忘稿版面配置區 2"/>
-          <p:cNvSpPr>
-            <a:spLocks noGrp="1"/>
-          </p:cNvSpPr>
-          <p:nvPr>
-            <p:ph type="body" idx="1"/>
-          </p:nvPr>
-        </p:nvSpPr>
-        <p:spPr/>
-        <p:txBody>
-          <a:bodyPr/>
-          <a:lstStyle/>
-          <a:p>
-            <a:endParaRPr lang="zh-TW" altLang="en-US"/>
-          </a:p>
-        </p:txBody>
-      </p:sp>
-      <p:sp>
-        <p:nvSpPr>
-          <p:cNvPr id="4" name="投影片編號版面配置區 3"/>
-          <p:cNvSpPr>
-            <a:spLocks noGrp="1"/>
-          </p:cNvSpPr>
-          <p:nvPr>
-            <p:ph type="sldNum" sz="quarter" idx="10"/>
-          </p:nvPr>
-        </p:nvSpPr>
-        <p:spPr/>
-        <p:txBody>
-          <a:bodyPr/>
-          <a:lstStyle/>
-          <a:p>
-            <a:fld id="{E99B2ECF-EB76-B54F-9C26-F0E74F1A8F70}" type="slidenum">
-              <a:rPr lang="en-US" smtClean="0"/>
-              <a:pPr/>
-              <a:t>22</a:t>
-            </a:fld>
-            <a:endParaRPr lang="en-US"/>
-          </a:p>
-        </p:txBody>
-      </p:sp>
-    </p:spTree>
-    <p:extLst>
-      <p:ext uri="{BB962C8B-B14F-4D97-AF65-F5344CB8AC3E}">
-        <p14:creationId xmlns:p14="http://schemas.microsoft.com/office/powerpoint/2010/main" xmlns="" val="109162968"/>
-      </p:ext>
-    </p:extLst>
-  </p:cSld>
-  <p:clrMapOvr>
-    <a:masterClrMapping/>
-  </p:clrMapOvr>
-</p:notes>
-</file>
-
-<file path=ppt/notesSlides/notesSlide23.xml><?xml version="1.0" encoding="utf-8"?>
 <p:notes xmlns:a="http://schemas.openxmlformats.org/drawingml/2006/main" xmlns:r="http://schemas.openxmlformats.org/officeDocument/2006/relationships" xmlns:p="http://schemas.openxmlformats.org/presentationml/2006/main">
   <p:cSld>
     <p:spTree>
@@ -2151,7 +1990,7 @@
             <a:fld id="{E99B2ECF-EB76-B54F-9C26-F0E74F1A8F70}" type="slidenum">
               <a:rPr lang="en-US" smtClean="0"/>
               <a:pPr/>
-              <a:t>26</a:t>
+              <a:t>24</a:t>
             </a:fld>
             <a:endParaRPr lang="en-US" dirty="0"/>
           </a:p>
@@ -2160,7 +1999,7 @@
     </p:spTree>
     <p:extLst>
       <p:ext uri="{BB962C8B-B14F-4D97-AF65-F5344CB8AC3E}">
-        <p14:creationId xmlns:p14="http://schemas.microsoft.com/office/powerpoint/2010/main" xmlns="" val="2602522100"/>
+        <p14:creationId xmlns:p14="http://schemas.microsoft.com/office/powerpoint/2010/main" val="2602522100"/>
       </p:ext>
     </p:extLst>
   </p:cSld>
@@ -2170,7 +2009,7 @@
 </p:notes>
 </file>
 
-<file path=ppt/notesSlides/notesSlide24.xml><?xml version="1.0" encoding="utf-8"?>
+<file path=ppt/notesSlides/notesSlide22.xml><?xml version="1.0" encoding="utf-8"?>
 <p:notes xmlns:a="http://schemas.openxmlformats.org/drawingml/2006/main" xmlns:r="http://schemas.openxmlformats.org/officeDocument/2006/relationships" xmlns:p="http://schemas.openxmlformats.org/presentationml/2006/main">
   <p:cSld>
     <p:spTree>
@@ -2238,7 +2077,7 @@
             <a:fld id="{E99B2ECF-EB76-B54F-9C26-F0E74F1A8F70}" type="slidenum">
               <a:rPr lang="en-US" smtClean="0"/>
               <a:pPr/>
-              <a:t>27</a:t>
+              <a:t>25</a:t>
             </a:fld>
             <a:endParaRPr lang="en-US"/>
           </a:p>
@@ -2247,7 +2086,7 @@
     </p:spTree>
     <p:extLst>
       <p:ext uri="{BB962C8B-B14F-4D97-AF65-F5344CB8AC3E}">
-        <p14:creationId xmlns:p14="http://schemas.microsoft.com/office/powerpoint/2010/main" xmlns="" val="428055402"/>
+        <p14:creationId xmlns:p14="http://schemas.microsoft.com/office/powerpoint/2010/main" val="428055402"/>
       </p:ext>
     </p:extLst>
   </p:cSld>
@@ -2257,7 +2096,7 @@
 </p:notes>
 </file>
 
-<file path=ppt/notesSlides/notesSlide25.xml><?xml version="1.0" encoding="utf-8"?>
+<file path=ppt/notesSlides/notesSlide23.xml><?xml version="1.0" encoding="utf-8"?>
 <p:notes xmlns:a="http://schemas.openxmlformats.org/drawingml/2006/main" xmlns:r="http://schemas.openxmlformats.org/officeDocument/2006/relationships" xmlns:p="http://schemas.openxmlformats.org/presentationml/2006/main">
   <p:cSld>
     <p:spTree>
@@ -2333,7 +2172,7 @@
             <a:fld id="{E99B2ECF-EB76-B54F-9C26-F0E74F1A8F70}" type="slidenum">
               <a:rPr lang="en-US" smtClean="0"/>
               <a:pPr/>
-              <a:t>32</a:t>
+              <a:t>30</a:t>
             </a:fld>
             <a:endParaRPr lang="en-US"/>
           </a:p>
@@ -2342,7 +2181,7 @@
     </p:spTree>
     <p:extLst>
       <p:ext uri="{BB962C8B-B14F-4D97-AF65-F5344CB8AC3E}">
-        <p14:creationId xmlns:p14="http://schemas.microsoft.com/office/powerpoint/2010/main" xmlns="" val="3157268341"/>
+        <p14:creationId xmlns:p14="http://schemas.microsoft.com/office/powerpoint/2010/main" val="3157268341"/>
       </p:ext>
     </p:extLst>
   </p:cSld>
@@ -2352,7 +2191,7 @@
 </p:notes>
 </file>
 
-<file path=ppt/notesSlides/notesSlide26.xml><?xml version="1.0" encoding="utf-8"?>
+<file path=ppt/notesSlides/notesSlide24.xml><?xml version="1.0" encoding="utf-8"?>
 <p:notes xmlns:a="http://schemas.openxmlformats.org/drawingml/2006/main" xmlns:r="http://schemas.openxmlformats.org/officeDocument/2006/relationships" xmlns:p="http://schemas.openxmlformats.org/presentationml/2006/main">
   <p:cSld>
     <p:spTree>
@@ -2418,7 +2257,7 @@
             <a:fld id="{E99B2ECF-EB76-B54F-9C26-F0E74F1A8F70}" type="slidenum">
               <a:rPr lang="en-US" smtClean="0"/>
               <a:pPr/>
-              <a:t>33</a:t>
+              <a:t>31</a:t>
             </a:fld>
             <a:endParaRPr lang="en-US"/>
           </a:p>
@@ -2427,7 +2266,7 @@
     </p:spTree>
     <p:extLst>
       <p:ext uri="{BB962C8B-B14F-4D97-AF65-F5344CB8AC3E}">
-        <p14:creationId xmlns:p14="http://schemas.microsoft.com/office/powerpoint/2010/main" xmlns="" val="1976281593"/>
+        <p14:creationId xmlns:p14="http://schemas.microsoft.com/office/powerpoint/2010/main" val="1976281593"/>
       </p:ext>
     </p:extLst>
   </p:cSld>
@@ -2437,7 +2276,7 @@
 </p:notes>
 </file>
 
-<file path=ppt/notesSlides/notesSlide27.xml><?xml version="1.0" encoding="utf-8"?>
+<file path=ppt/notesSlides/notesSlide25.xml><?xml version="1.0" encoding="utf-8"?>
 <p:notes xmlns:a="http://schemas.openxmlformats.org/drawingml/2006/main" xmlns:r="http://schemas.openxmlformats.org/officeDocument/2006/relationships" xmlns:p="http://schemas.openxmlformats.org/presentationml/2006/main">
   <p:cSld>
     <p:spTree>
@@ -2503,7 +2342,7 @@
             <a:fld id="{E99B2ECF-EB76-B54F-9C26-F0E74F1A8F70}" type="slidenum">
               <a:rPr lang="en-US" smtClean="0"/>
               <a:pPr/>
-              <a:t>34</a:t>
+              <a:t>32</a:t>
             </a:fld>
             <a:endParaRPr lang="en-US"/>
           </a:p>
@@ -2512,7 +2351,7 @@
     </p:spTree>
     <p:extLst>
       <p:ext uri="{BB962C8B-B14F-4D97-AF65-F5344CB8AC3E}">
-        <p14:creationId xmlns:p14="http://schemas.microsoft.com/office/powerpoint/2010/main" xmlns="" val="2057974675"/>
+        <p14:creationId xmlns:p14="http://schemas.microsoft.com/office/powerpoint/2010/main" val="2057974675"/>
       </p:ext>
     </p:extLst>
   </p:cSld>
@@ -2522,7 +2361,7 @@
 </p:notes>
 </file>
 
-<file path=ppt/notesSlides/notesSlide28.xml><?xml version="1.0" encoding="utf-8"?>
+<file path=ppt/notesSlides/notesSlide26.xml><?xml version="1.0" encoding="utf-8"?>
 <p:notes xmlns:a="http://schemas.openxmlformats.org/drawingml/2006/main" xmlns:r="http://schemas.openxmlformats.org/officeDocument/2006/relationships" xmlns:p="http://schemas.openxmlformats.org/presentationml/2006/main">
   <p:cSld>
     <p:spTree>
@@ -2612,7 +2451,7 @@
             <a:fld id="{E99B2ECF-EB76-B54F-9C26-F0E74F1A8F70}" type="slidenum">
               <a:rPr lang="en-US" smtClean="0"/>
               <a:pPr/>
-              <a:t>35</a:t>
+              <a:t>33</a:t>
             </a:fld>
             <a:endParaRPr lang="en-US"/>
           </a:p>
@@ -2621,7 +2460,7 @@
     </p:spTree>
     <p:extLst>
       <p:ext uri="{BB962C8B-B14F-4D97-AF65-F5344CB8AC3E}">
-        <p14:creationId xmlns:p14="http://schemas.microsoft.com/office/powerpoint/2010/main" xmlns="" val="2704365197"/>
+        <p14:creationId xmlns:p14="http://schemas.microsoft.com/office/powerpoint/2010/main" val="2704365197"/>
       </p:ext>
     </p:extLst>
   </p:cSld>
@@ -2727,7 +2566,7 @@
     </p:spTree>
     <p:extLst>
       <p:ext uri="{BB962C8B-B14F-4D97-AF65-F5344CB8AC3E}">
-        <p14:creationId xmlns:p14="http://schemas.microsoft.com/office/powerpoint/2010/main" xmlns="" val="3614163271"/>
+        <p14:creationId xmlns:p14="http://schemas.microsoft.com/office/powerpoint/2010/main" val="3614163271"/>
       </p:ext>
     </p:extLst>
   </p:cSld>
@@ -2850,7 +2689,7 @@
     </p:spTree>
     <p:extLst>
       <p:ext uri="{BB962C8B-B14F-4D97-AF65-F5344CB8AC3E}">
-        <p14:creationId xmlns:p14="http://schemas.microsoft.com/office/powerpoint/2010/main" xmlns="" val="1248674841"/>
+        <p14:creationId xmlns:p14="http://schemas.microsoft.com/office/powerpoint/2010/main" val="1248674841"/>
       </p:ext>
     </p:extLst>
   </p:cSld>
@@ -3139,7 +2978,7 @@
     </p:spTree>
     <p:extLst>
       <p:ext uri="{BB962C8B-B14F-4D97-AF65-F5344CB8AC3E}">
-        <p14:creationId xmlns:p14="http://schemas.microsoft.com/office/powerpoint/2010/main" xmlns="" val="4223167586"/>
+        <p14:creationId xmlns:p14="http://schemas.microsoft.com/office/powerpoint/2010/main" val="4223167586"/>
       </p:ext>
     </p:extLst>
   </p:cSld>
@@ -3242,7 +3081,7 @@
     </p:spTree>
     <p:extLst>
       <p:ext uri="{BB962C8B-B14F-4D97-AF65-F5344CB8AC3E}">
-        <p14:creationId xmlns:p14="http://schemas.microsoft.com/office/powerpoint/2010/main" xmlns="" val="1063566096"/>
+        <p14:creationId xmlns:p14="http://schemas.microsoft.com/office/powerpoint/2010/main" val="1063566096"/>
       </p:ext>
     </p:extLst>
   </p:cSld>
@@ -3348,7 +3187,7 @@
     </p:spTree>
     <p:extLst>
       <p:ext uri="{BB962C8B-B14F-4D97-AF65-F5344CB8AC3E}">
-        <p14:creationId xmlns:p14="http://schemas.microsoft.com/office/powerpoint/2010/main" xmlns="" val="1310236669"/>
+        <p14:creationId xmlns:p14="http://schemas.microsoft.com/office/powerpoint/2010/main" val="1310236669"/>
       </p:ext>
     </p:extLst>
   </p:cSld>
@@ -3437,7 +3276,7 @@
     </p:spTree>
     <p:extLst>
       <p:ext uri="{BB962C8B-B14F-4D97-AF65-F5344CB8AC3E}">
-        <p14:creationId xmlns:p14="http://schemas.microsoft.com/office/powerpoint/2010/main" xmlns="" val="1423617521"/>
+        <p14:creationId xmlns:p14="http://schemas.microsoft.com/office/powerpoint/2010/main" val="1423617521"/>
       </p:ext>
     </p:extLst>
   </p:cSld>
@@ -3609,7 +3448,7 @@
     </p:spTree>
     <p:extLst>
       <p:ext uri="{BB962C8B-B14F-4D97-AF65-F5344CB8AC3E}">
-        <p14:creationId xmlns:p14="http://schemas.microsoft.com/office/powerpoint/2010/main" xmlns="" val="1240674996"/>
+        <p14:creationId xmlns:p14="http://schemas.microsoft.com/office/powerpoint/2010/main" val="1240674996"/>
       </p:ext>
     </p:extLst>
   </p:cSld>
@@ -3648,7 +3487,7 @@
           <a:blip r:embed="rId2">
             <a:extLst>
               <a:ext uri="{28A0092B-C50C-407E-A947-70E740481C1C}">
-                <a14:useLocalDpi xmlns:a14="http://schemas.microsoft.com/office/drawing/2010/main" xmlns="" val="0"/>
+                <a14:useLocalDpi xmlns:a14="http://schemas.microsoft.com/office/drawing/2010/main" val="0"/>
               </a:ext>
             </a:extLst>
           </a:blip>
@@ -3669,7 +3508,7 @@
     </p:spTree>
     <p:extLst>
       <p:ext uri="{BB962C8B-B14F-4D97-AF65-F5344CB8AC3E}">
-        <p14:creationId xmlns:p14="http://schemas.microsoft.com/office/powerpoint/2010/main" xmlns="" val="921680772"/>
+        <p14:creationId xmlns:p14="http://schemas.microsoft.com/office/powerpoint/2010/main" val="921680772"/>
       </p:ext>
     </p:extLst>
   </p:cSld>
@@ -3699,7 +3538,7 @@
     </p:spTree>
     <p:extLst>
       <p:ext uri="{BB962C8B-B14F-4D97-AF65-F5344CB8AC3E}">
-        <p14:creationId xmlns:p14="http://schemas.microsoft.com/office/powerpoint/2010/main" xmlns="" val="1551424100"/>
+        <p14:creationId xmlns:p14="http://schemas.microsoft.com/office/powerpoint/2010/main" val="1551424100"/>
       </p:ext>
     </p:extLst>
   </p:cSld>
@@ -3829,7 +3668,7 @@
     </p:spTree>
     <p:extLst>
       <p:ext uri="{BB962C8B-B14F-4D97-AF65-F5344CB8AC3E}">
-        <p14:creationId xmlns:p14="http://schemas.microsoft.com/office/powerpoint/2010/main" xmlns="" val="2725598606"/>
+        <p14:creationId xmlns:p14="http://schemas.microsoft.com/office/powerpoint/2010/main" val="2725598606"/>
       </p:ext>
     </p:extLst>
   </p:cSld>
@@ -3986,7 +3825,7 @@
     </p:spTree>
     <p:extLst>
       <p:ext uri="{BB962C8B-B14F-4D97-AF65-F5344CB8AC3E}">
-        <p14:creationId xmlns:p14="http://schemas.microsoft.com/office/powerpoint/2010/main" xmlns="" val="3479517975"/>
+        <p14:creationId xmlns:p14="http://schemas.microsoft.com/office/powerpoint/2010/main" val="3479517975"/>
       </p:ext>
     </p:extLst>
   </p:cSld>
@@ -4136,7 +3975,7 @@
     </p:spTree>
     <p:extLst>
       <p:ext uri="{BB962C8B-B14F-4D97-AF65-F5344CB8AC3E}">
-        <p14:creationId xmlns:p14="http://schemas.microsoft.com/office/powerpoint/2010/main" xmlns="" val="3246921271"/>
+        <p14:creationId xmlns:p14="http://schemas.microsoft.com/office/powerpoint/2010/main" val="3246921271"/>
       </p:ext>
     </p:extLst>
   </p:cSld>
@@ -4294,7 +4133,7 @@
     </p:spTree>
     <p:extLst>
       <p:ext uri="{BB962C8B-B14F-4D97-AF65-F5344CB8AC3E}">
-        <p14:creationId xmlns:p14="http://schemas.microsoft.com/office/powerpoint/2010/main" xmlns="" val="3015080783"/>
+        <p14:creationId xmlns:p14="http://schemas.microsoft.com/office/powerpoint/2010/main" val="3015080783"/>
       </p:ext>
     </p:extLst>
   </p:cSld>
@@ -4411,7 +4250,7 @@
     </p:spTree>
     <p:extLst>
       <p:ext uri="{BB962C8B-B14F-4D97-AF65-F5344CB8AC3E}">
-        <p14:creationId xmlns:p14="http://schemas.microsoft.com/office/powerpoint/2010/main" xmlns="" val="2098243185"/>
+        <p14:creationId xmlns:p14="http://schemas.microsoft.com/office/powerpoint/2010/main" val="2098243185"/>
       </p:ext>
     </p:extLst>
   </p:cSld>
@@ -4477,7 +4316,7 @@
     </p:spTree>
     <p:extLst>
       <p:ext uri="{BB962C8B-B14F-4D97-AF65-F5344CB8AC3E}">
-        <p14:creationId xmlns:p14="http://schemas.microsoft.com/office/powerpoint/2010/main" xmlns="" val="4200364697"/>
+        <p14:creationId xmlns:p14="http://schemas.microsoft.com/office/powerpoint/2010/main" val="4200364697"/>
       </p:ext>
     </p:extLst>
   </p:cSld>
@@ -4543,7 +4382,7 @@
     </p:spTree>
     <p:extLst>
       <p:ext uri="{BB962C8B-B14F-4D97-AF65-F5344CB8AC3E}">
-        <p14:creationId xmlns:p14="http://schemas.microsoft.com/office/powerpoint/2010/main" xmlns="" val="930438236"/>
+        <p14:creationId xmlns:p14="http://schemas.microsoft.com/office/powerpoint/2010/main" val="930438236"/>
       </p:ext>
     </p:extLst>
   </p:cSld>
@@ -4609,7 +4448,7 @@
     </p:spTree>
     <p:extLst>
       <p:ext uri="{BB962C8B-B14F-4D97-AF65-F5344CB8AC3E}">
-        <p14:creationId xmlns:p14="http://schemas.microsoft.com/office/powerpoint/2010/main" xmlns="" val="726771096"/>
+        <p14:creationId xmlns:p14="http://schemas.microsoft.com/office/powerpoint/2010/main" val="726771096"/>
       </p:ext>
     </p:extLst>
   </p:cSld>
@@ -4670,7 +4509,7 @@
             <a:blip r:embed="rId12">
               <a:extLst>
                 <a:ext uri="{28A0092B-C50C-407E-A947-70E740481C1C}">
-                  <a14:useLocalDpi xmlns:a14="http://schemas.microsoft.com/office/drawing/2010/main" xmlns="" val="0"/>
+                  <a14:useLocalDpi xmlns:a14="http://schemas.microsoft.com/office/drawing/2010/main" val="0"/>
                 </a:ext>
               </a:extLst>
             </a:blip>
@@ -4700,7 +4539,7 @@
             <a:blip r:embed="rId13">
               <a:extLst>
                 <a:ext uri="{28A0092B-C50C-407E-A947-70E740481C1C}">
-                  <a14:useLocalDpi xmlns:a14="http://schemas.microsoft.com/office/drawing/2010/main" xmlns="" val="0"/>
+                  <a14:useLocalDpi xmlns:a14="http://schemas.microsoft.com/office/drawing/2010/main" val="0"/>
                 </a:ext>
               </a:extLst>
             </a:blip>
@@ -4824,7 +4663,7 @@
     </p:spTree>
     <p:extLst>
       <p:ext uri="{BB962C8B-B14F-4D97-AF65-F5344CB8AC3E}">
-        <p14:creationId xmlns:p14="http://schemas.microsoft.com/office/powerpoint/2010/main" xmlns="" val="950083170"/>
+        <p14:creationId xmlns:p14="http://schemas.microsoft.com/office/powerpoint/2010/main" val="950083170"/>
       </p:ext>
     </p:extLst>
   </p:cSld>
@@ -5234,7 +5073,7 @@
     </p:spTree>
     <p:extLst>
       <p:ext uri="{BB962C8B-B14F-4D97-AF65-F5344CB8AC3E}">
-        <p14:creationId xmlns:p14="http://schemas.microsoft.com/office/powerpoint/2010/main" xmlns="" val="3730043343"/>
+        <p14:creationId xmlns:p14="http://schemas.microsoft.com/office/powerpoint/2010/main" val="3730043343"/>
       </p:ext>
     </p:extLst>
   </p:cSld>
@@ -5318,7 +5157,7 @@
         <p:spPr>
           <a:xfrm>
             <a:off x="228600" y="986319"/>
-            <a:ext cx="8689622" cy="5244513"/>
+            <a:ext cx="8689622" cy="4801314"/>
           </a:xfrm>
           <a:prstGeom prst="rect">
             <a:avLst/>
@@ -5393,6 +5232,25 @@
               <a:defRPr/>
             </a:pPr>
             <a:r>
+              <a:rPr lang="en-US" altLang="zh-TW" sz="2400" dirty="0"/>
+              <a:t>Weak classifier </a:t>
+            </a:r>
+            <a:r>
+              <a:rPr lang="en-US" altLang="zh-TW" sz="2400" dirty="0" smtClean="0"/>
+              <a:t>learner</a:t>
+            </a:r>
+            <a:endParaRPr lang="en-US" altLang="zh-TW" sz="2400" dirty="0" smtClean="0"/>
+          </a:p>
+          <a:p>
+            <a:pPr marL="1200150" lvl="1" indent="-457200">
+              <a:spcBef>
+                <a:spcPct val="20000"/>
+              </a:spcBef>
+              <a:buFont typeface="Arial" panose="020B0604020202020204" pitchFamily="34" charset="0"/>
+              <a:buChar char="•"/>
+              <a:defRPr/>
+            </a:pPr>
+            <a:r>
               <a:rPr lang="en-US" altLang="zh-TW" sz="2400" dirty="0" smtClean="0"/>
               <a:t>Weak </a:t>
             </a:r>
@@ -5411,26 +5269,12 @@
               <a:defRPr/>
             </a:pPr>
             <a:r>
-              <a:rPr lang="en-US" altLang="zh-TW" sz="2400" dirty="0"/>
-              <a:t>Weak classifier </a:t>
+              <a:rPr lang="en-US" altLang="zh-TW" sz="2400" dirty="0" smtClean="0"/>
+              <a:t>Re-weight </a:t>
             </a:r>
             <a:r>
-              <a:rPr lang="en-US" altLang="zh-TW" sz="2400" dirty="0" smtClean="0"/>
-              <a:t>learner</a:t>
-            </a:r>
-          </a:p>
-          <a:p>
-            <a:pPr marL="1200150" lvl="1" indent="-457200">
-              <a:spcBef>
-                <a:spcPct val="20000"/>
-              </a:spcBef>
-              <a:buFont typeface="Arial" panose="020B0604020202020204" pitchFamily="34" charset="0"/>
-              <a:buChar char="•"/>
-              <a:defRPr/>
-            </a:pPr>
-            <a:r>
               <a:rPr lang="en-US" altLang="zh-TW" sz="2400" dirty="0"/>
-              <a:t>Re-weight data</a:t>
+              <a:t>data</a:t>
             </a:r>
           </a:p>
           <a:p>
@@ -5475,18 +5319,18 @@
                   </a:schemeClr>
                 </a:solidFill>
               </a:rPr>
-              <a:t>Vehicle detection</a:t>
+              <a:t>Vehicle </a:t>
             </a:r>
-          </a:p>
-          <a:p>
-            <a:pPr marL="1200150" lvl="1" indent="-457200">
-              <a:spcBef>
-                <a:spcPct val="20000"/>
-              </a:spcBef>
-              <a:buFont typeface="Wingdings" pitchFamily="2" charset="2"/>
-              <a:buChar char="l"/>
-              <a:defRPr/>
-            </a:pPr>
+            <a:r>
+              <a:rPr lang="en-US" altLang="zh-TW" sz="2400" dirty="0" smtClean="0">
+                <a:solidFill>
+                  <a:schemeClr val="bg1">
+                    <a:lumMod val="75000"/>
+                  </a:schemeClr>
+                </a:solidFill>
+              </a:rPr>
+              <a:t>detection</a:t>
+            </a:r>
             <a:endParaRPr kumimoji="0" lang="en-US" altLang="zh-TW" sz="2400" b="0" i="0" u="none" strike="noStrike" kern="1200" cap="none" spc="0" normalizeH="0" baseline="0" noProof="0" dirty="0" smtClean="0">
               <a:ln>
                 <a:noFill/>
@@ -5591,7 +5435,7 @@
     </p:spTree>
     <p:extLst>
       <p:ext uri="{BB962C8B-B14F-4D97-AF65-F5344CB8AC3E}">
-        <p14:creationId xmlns:p14="http://schemas.microsoft.com/office/powerpoint/2010/main" xmlns="" val="2619398318"/>
+        <p14:creationId xmlns:p14="http://schemas.microsoft.com/office/powerpoint/2010/main" val="2619398318"/>
       </p:ext>
     </p:extLst>
   </p:cSld>
@@ -5675,7 +5519,7 @@
         <p:spPr>
           <a:xfrm>
             <a:off x="228600" y="986319"/>
-            <a:ext cx="8689622" cy="3028521"/>
+            <a:ext cx="8689622" cy="1698927"/>
           </a:xfrm>
           <a:prstGeom prst="rect">
             <a:avLst/>
@@ -5717,11 +5561,7 @@
             </a:r>
             <a:r>
               <a:rPr lang="zh-TW" altLang="en-US" sz="2400" dirty="0" smtClean="0"/>
-              <a:t> </a:t>
-            </a:r>
-            <a:r>
-              <a:rPr lang="zh-TW" altLang="en-US" sz="2400" dirty="0" smtClean="0"/>
-              <a:t>  </a:t>
+              <a:t>   </a:t>
             </a:r>
             <a:r>
               <a:rPr lang="en-US" altLang="zh-TW" sz="2400" dirty="0" smtClean="0">
@@ -5782,58 +5622,7 @@
                 <a:ea typeface="+mn-ea"/>
                 <a:cs typeface="+mn-cs"/>
               </a:rPr>
-              <a:t>tock </a:t>
-            </a:r>
-            <a:r>
-              <a:rPr kumimoji="0" lang="en-US" altLang="zh-TW" sz="2400" b="0" i="0" u="none" strike="noStrike" kern="1200" cap="none" spc="0" normalizeH="0" baseline="0" noProof="0" dirty="0" smtClean="0">
-                <a:ln>
-                  <a:noFill/>
-                </a:ln>
-                <a:solidFill>
-                  <a:schemeClr val="tx1"/>
-                </a:solidFill>
-                <a:effectLst/>
-                <a:uLnTx/>
-                <a:uFillTx/>
-                <a:latin typeface="+mn-lt"/>
-                <a:ea typeface="+mn-ea"/>
-                <a:cs typeface="+mn-cs"/>
-              </a:rPr>
-              <a:t>market </a:t>
-            </a:r>
-            <a:r>
-              <a:rPr kumimoji="0" lang="en-US" altLang="zh-TW" sz="2400" b="0" i="0" u="none" strike="noStrike" kern="1200" cap="none" spc="0" normalizeH="0" baseline="0" noProof="0" dirty="0" smtClean="0">
-                <a:ln>
-                  <a:noFill/>
-                </a:ln>
-                <a:solidFill>
-                  <a:schemeClr val="tx1"/>
-                </a:solidFill>
-                <a:effectLst/>
-                <a:uLnTx/>
-                <a:uFillTx/>
-                <a:latin typeface="+mn-lt"/>
-                <a:ea typeface="+mn-ea"/>
-                <a:cs typeface="+mn-cs"/>
-              </a:rPr>
-              <a:t>? </a:t>
-            </a:r>
-            <a:r>
-              <a:rPr kumimoji="0" lang="en-US" altLang="zh-TW" sz="2400" b="0" i="0" u="none" strike="noStrike" kern="1200" cap="none" spc="0" normalizeH="0" baseline="0" noProof="0" dirty="0" smtClean="0">
-                <a:ln>
-                  <a:noFill/>
-                </a:ln>
-                <a:solidFill>
-                  <a:schemeClr val="tx1"/>
-                </a:solidFill>
-                <a:effectLst/>
-                <a:uLnTx/>
-                <a:uFillTx/>
-                <a:latin typeface="+mn-lt"/>
-                <a:ea typeface="+mn-ea"/>
-                <a:cs typeface="+mn-cs"/>
-              </a:rPr>
-              <a:t>{</a:t>
+              <a:t>tock market ? {</a:t>
             </a:r>
             <a:r>
               <a:rPr kumimoji="0" lang="zh-TW" altLang="en-US" sz="2400" b="0" i="0" u="none" strike="noStrike" kern="1200" cap="none" spc="0" normalizeH="0" baseline="0" noProof="0" dirty="0" smtClean="0">
@@ -5901,24 +5690,7 @@
                 <a:ea typeface="+mn-ea"/>
                 <a:cs typeface="+mn-cs"/>
               </a:rPr>
-              <a:t> </a:t>
-            </a:r>
-            <a:r>
-              <a:rPr kumimoji="0" lang="zh-TW" altLang="en-US" sz="2400" b="0" i="0" u="none" strike="noStrike" kern="1200" cap="none" spc="0" normalizeH="0" baseline="0" noProof="0" dirty="0" smtClean="0">
-                <a:ln>
-                  <a:noFill/>
-                </a:ln>
-                <a:solidFill>
-                  <a:schemeClr val="tx1"/>
-                </a:solidFill>
-                <a:effectLst/>
-                <a:uLnTx/>
-                <a:uFillTx/>
-                <a:latin typeface="+mn-lt"/>
-                <a:ea typeface="+mn-ea"/>
-                <a:cs typeface="+mn-cs"/>
-              </a:rPr>
-              <a:t>   </a:t>
+              <a:t>    </a:t>
             </a:r>
             <a:r>
               <a:rPr kumimoji="0" lang="en-US" altLang="zh-TW" sz="2400" b="0" i="0" u="none" strike="noStrike" kern="1200" cap="none" spc="0" normalizeH="0" baseline="0" noProof="0" dirty="0" smtClean="0">
@@ -5954,20 +5726,6 @@
               </a:rPr>
               <a:t> }</a:t>
             </a:r>
-            <a:endParaRPr kumimoji="0" lang="en-US" altLang="zh-TW" sz="2400" b="0" i="0" u="none" strike="noStrike" kern="1200" cap="none" spc="0" normalizeH="0" baseline="0" noProof="0" dirty="0" smtClean="0">
-              <a:ln>
-                <a:noFill/>
-              </a:ln>
-              <a:solidFill>
-                <a:schemeClr val="tx1"/>
-              </a:solidFill>
-              <a:effectLst/>
-              <a:uLnTx/>
-              <a:uFillTx/>
-              <a:latin typeface="+mn-lt"/>
-              <a:ea typeface="+mn-ea"/>
-              <a:cs typeface="+mn-cs"/>
-            </a:endParaRPr>
           </a:p>
           <a:p>
             <a:pPr marL="742950" indent="-457200">
@@ -6040,37 +5798,12 @@
             </a:r>
             <a:r>
               <a:rPr lang="en-US" altLang="zh-TW" sz="2400" dirty="0" smtClean="0"/>
-              <a:t> }</a:t>
+              <a:t> </a:t>
             </a:r>
-          </a:p>
-          <a:p>
-            <a:pPr marL="742950" indent="-457200">
-              <a:spcBef>
-                <a:spcPct val="20000"/>
-              </a:spcBef>
-              <a:buFont typeface="Wingdings" pitchFamily="2" charset="2"/>
-              <a:buChar char="l"/>
-            </a:pPr>
-            <a:endParaRPr lang="en-US" altLang="zh-TW" sz="2400" dirty="0" smtClean="0"/>
-          </a:p>
-          <a:p>
-            <a:pPr marL="1200150" marR="0" lvl="1" indent="-457200" algn="l" defTabSz="457200" rtl="0" eaLnBrk="1" fontAlgn="auto" latinLnBrk="0" hangingPunct="1">
-              <a:lnSpc>
-                <a:spcPct val="100000"/>
-              </a:lnSpc>
-              <a:spcBef>
-                <a:spcPct val="20000"/>
-              </a:spcBef>
-              <a:spcAft>
-                <a:spcPts val="0"/>
-              </a:spcAft>
-              <a:buClrTx/>
-              <a:buSzTx/>
-              <a:buFont typeface="Wingdings" pitchFamily="2" charset="2"/>
-              <a:buChar char="l"/>
-              <a:tabLst/>
-              <a:defRPr/>
-            </a:pPr>
+            <a:r>
+              <a:rPr lang="en-US" altLang="zh-TW" sz="2400" dirty="0" smtClean="0"/>
+              <a:t>}</a:t>
+            </a:r>
             <a:endParaRPr kumimoji="0" lang="en-US" altLang="zh-TW" sz="2400" b="0" i="0" u="none" strike="noStrike" kern="1200" cap="none" spc="0" normalizeH="0" baseline="0" noProof="0" dirty="0" smtClean="0">
               <a:ln>
                 <a:noFill/>
@@ -6082,39 +5815,6 @@
               <a:uLnTx/>
               <a:uFillTx/>
               <a:latin typeface="+mn-lt"/>
-              <a:ea typeface="+mn-ea"/>
-              <a:cs typeface="+mn-cs"/>
-            </a:endParaRPr>
-          </a:p>
-          <a:p>
-            <a:pPr marL="1200150" marR="0" lvl="1" indent="-457200" algn="l" defTabSz="457200" rtl="0" eaLnBrk="1" fontAlgn="auto" latinLnBrk="0" hangingPunct="1">
-              <a:lnSpc>
-                <a:spcPct val="100000"/>
-              </a:lnSpc>
-              <a:spcBef>
-                <a:spcPct val="20000"/>
-              </a:spcBef>
-              <a:spcAft>
-                <a:spcPts val="0"/>
-              </a:spcAft>
-              <a:buClrTx/>
-              <a:buSzTx/>
-              <a:buFont typeface="Wingdings" pitchFamily="2" charset="2"/>
-              <a:buChar char="l"/>
-              <a:tabLst/>
-              <a:defRPr/>
-            </a:pPr>
-            <a:endParaRPr kumimoji="0" lang="en-US" altLang="zh-TW" sz="2400" b="0" i="0" u="none" strike="noStrike" kern="1200" cap="none" spc="0" normalizeH="0" baseline="0" noProof="0" dirty="0" smtClean="0">
-              <a:ln>
-                <a:noFill/>
-              </a:ln>
-              <a:solidFill>
-                <a:schemeClr val="tx1"/>
-              </a:solidFill>
-              <a:effectLst/>
-              <a:uLnTx/>
-              <a:uFillTx/>
-              <a:latin typeface="Arial"/>
               <a:ea typeface="+mn-ea"/>
               <a:cs typeface="+mn-cs"/>
             </a:endParaRPr>
@@ -6138,7 +5838,7 @@
         </p:blipFill>
         <p:spPr bwMode="auto">
           <a:xfrm>
-            <a:off x="260824" y="3514092"/>
+            <a:off x="228925" y="3514092"/>
             <a:ext cx="2770639" cy="2532895"/>
           </a:xfrm>
           <a:prstGeom prst="rect">
@@ -6156,7 +5856,7 @@
         <p:spPr>
           <a:xfrm flipH="1">
             <a:off x="1246207" y="3690253"/>
-            <a:ext cx="849086" cy="2232000"/>
+            <a:ext cx="828000" cy="2232000"/>
           </a:xfrm>
           <a:prstGeom prst="line">
             <a:avLst/>
@@ -6235,7 +5935,7 @@
         </p:nvSpPr>
         <p:spPr>
           <a:xfrm>
-            <a:off x="2296299" y="5379720"/>
+            <a:off x="2296299" y="5390353"/>
             <a:ext cx="205200" cy="204652"/>
           </a:xfrm>
           <a:prstGeom prst="ellipse">
@@ -6520,7 +6220,7 @@
         </p:blipFill>
         <p:spPr bwMode="auto">
           <a:xfrm>
-            <a:off x="3291164" y="3690253"/>
+            <a:off x="3279911" y="3703285"/>
             <a:ext cx="2686050" cy="2371725"/>
           </a:xfrm>
           <a:prstGeom prst="rect">
@@ -7651,10 +7351,55 @@
           </a:p>
         </p:txBody>
       </p:sp>
+      <p:sp>
+        <p:nvSpPr>
+          <p:cNvPr id="3" name="橢圓 2"/>
+          <p:cNvSpPr/>
+          <p:nvPr/>
+        </p:nvSpPr>
+        <p:spPr>
+          <a:xfrm>
+            <a:off x="6811778" y="4159464"/>
+            <a:ext cx="1388877" cy="1362022"/>
+          </a:xfrm>
+          <a:prstGeom prst="ellipse">
+            <a:avLst/>
+          </a:prstGeom>
+          <a:noFill/>
+          <a:ln w="41275">
+            <a:solidFill>
+              <a:schemeClr val="tx1"/>
+            </a:solidFill>
+          </a:ln>
+          <a:effectLst/>
+        </p:spPr>
+        <p:style>
+          <a:lnRef idx="1">
+            <a:schemeClr val="accent1"/>
+          </a:lnRef>
+          <a:fillRef idx="3">
+            <a:schemeClr val="accent1"/>
+          </a:fillRef>
+          <a:effectRef idx="2">
+            <a:schemeClr val="accent1"/>
+          </a:effectRef>
+          <a:fontRef idx="minor">
+            <a:schemeClr val="lt1"/>
+          </a:fontRef>
+        </p:style>
+        <p:txBody>
+          <a:bodyPr rtlCol="0" anchor="ctr"/>
+          <a:lstStyle/>
+          <a:p>
+            <a:pPr algn="ctr"/>
+            <a:endParaRPr lang="zh-TW" altLang="en-US"/>
+          </a:p>
+        </p:txBody>
+      </p:sp>
     </p:spTree>
     <p:extLst>
       <p:ext uri="{BB962C8B-B14F-4D97-AF65-F5344CB8AC3E}">
-        <p14:creationId xmlns:p14="http://schemas.microsoft.com/office/powerpoint/2010/main" xmlns="" val="1761812800"/>
+        <p14:creationId xmlns:p14="http://schemas.microsoft.com/office/powerpoint/2010/main" val="1761812800"/>
       </p:ext>
     </p:extLst>
   </p:cSld>
@@ -7690,6 +7435,2259 @@
       </p:grpSpPr>
       <p:sp>
         <p:nvSpPr>
+          <p:cNvPr id="4" name="Title 3"/>
+          <p:cNvSpPr>
+            <a:spLocks noGrp="1"/>
+          </p:cNvSpPr>
+          <p:nvPr>
+            <p:ph type="title"/>
+          </p:nvPr>
+        </p:nvSpPr>
+        <p:spPr>
+          <a:xfrm>
+            <a:off x="228600" y="228600"/>
+            <a:ext cx="4137928" cy="492443"/>
+          </a:xfrm>
+        </p:spPr>
+        <p:txBody>
+          <a:bodyPr/>
+          <a:lstStyle/>
+          <a:p>
+            <a:pPr marL="342900" lvl="1" indent="-342900" algn="l" defTabSz="457200" rtl="0">
+              <a:spcBef>
+                <a:spcPct val="0"/>
+              </a:spcBef>
+              <a:defRPr/>
+            </a:pPr>
+            <a:r>
+              <a:rPr lang="en-US" altLang="zh-TW" sz="3200" kern="1200" dirty="0">
+                <a:solidFill>
+                  <a:schemeClr val="tx1"/>
+                </a:solidFill>
+                <a:latin typeface="+mj-lt"/>
+                <a:ea typeface="+mj-ea"/>
+                <a:cs typeface="+mj-cs"/>
+              </a:rPr>
+              <a:t>Weak classifier learner</a:t>
+            </a:r>
+          </a:p>
+        </p:txBody>
+      </p:sp>
+      <mc:AlternateContent xmlns:mc="http://schemas.openxmlformats.org/markup-compatibility/2006">
+        <mc:Choice xmlns:a14="http://schemas.microsoft.com/office/drawing/2010/main" Requires="a14">
+          <p:sp>
+            <p:nvSpPr>
+              <p:cNvPr id="3" name="Content Placeholder 2"/>
+              <p:cNvSpPr>
+                <a:spLocks noGrp="1"/>
+              </p:cNvSpPr>
+              <p:nvPr>
+                <p:ph idx="1"/>
+              </p:nvPr>
+            </p:nvSpPr>
+            <p:spPr>
+              <a:xfrm>
+                <a:off x="228600" y="986319"/>
+                <a:ext cx="8689622" cy="4377609"/>
+              </a:xfrm>
+            </p:spPr>
+            <p:txBody>
+              <a:bodyPr/>
+              <a:lstStyle/>
+              <a:p>
+                <a:pPr lvl="1" indent="-457200">
+                  <a:buFont typeface="Wingdings" pitchFamily="2" charset="2"/>
+                  <a:buChar char="l"/>
+                </a:pPr>
+                <a:r>
+                  <a:rPr lang="en-US" altLang="zh-TW" sz="2400" dirty="0" smtClean="0"/>
+                  <a:t>A base algorithm</a:t>
+                </a:r>
+              </a:p>
+              <a:p>
+                <a:pPr lvl="1" indent="-457200">
+                  <a:buFont typeface="Wingdings" pitchFamily="2" charset="2"/>
+                  <a:buChar char="l"/>
+                </a:pPr>
+                <a:r>
+                  <a:rPr lang="en-US" altLang="zh-TW" sz="2400" dirty="0" smtClean="0"/>
+                  <a:t>Able to learn from weighted data</a:t>
+                </a:r>
+              </a:p>
+              <a:p>
+                <a:pPr lvl="1" indent="-457200">
+                  <a:buFont typeface="Wingdings" pitchFamily="2" charset="2"/>
+                  <a:buChar char="l"/>
+                </a:pPr>
+                <a:r>
+                  <a:rPr lang="en-US" altLang="zh-TW" sz="2400" dirty="0" smtClean="0"/>
+                  <a:t>Decision stump</a:t>
+                </a:r>
+              </a:p>
+              <a:p>
+                <a:pPr marL="1200150" lvl="1" indent="-457200">
+                  <a:buFont typeface="Wingdings" pitchFamily="2" charset="2"/>
+                  <a:buChar char="l"/>
+                  <a:defRPr/>
+                </a:pPr>
+                <a:r>
+                  <a:rPr lang="en-US" altLang="zh-TW" sz="2400" dirty="0"/>
+                  <a:t>Classify by one feature of data</a:t>
+                </a:r>
+              </a:p>
+              <a:p>
+                <a:pPr marL="1200150" lvl="1" indent="-457200">
+                  <a:buFont typeface="Wingdings" pitchFamily="2" charset="2"/>
+                  <a:buChar char="l"/>
+                  <a:defRPr/>
+                </a:pPr>
+                <a:r>
+                  <a:rPr lang="en-US" altLang="zh-TW" sz="2400" dirty="0"/>
+                  <a:t>Data X = { x</a:t>
+                </a:r>
+                <a:r>
+                  <a:rPr lang="en-US" altLang="zh-TW" sz="1600" dirty="0"/>
+                  <a:t>1</a:t>
+                </a:r>
+                <a:r>
+                  <a:rPr lang="en-US" altLang="zh-TW" sz="2400" dirty="0"/>
+                  <a:t>, x</a:t>
+                </a:r>
+                <a:r>
+                  <a:rPr lang="en-US" altLang="zh-TW" sz="1600" dirty="0"/>
+                  <a:t>2</a:t>
+                </a:r>
+                <a:r>
+                  <a:rPr lang="en-US" altLang="zh-TW" sz="2400" dirty="0"/>
+                  <a:t>, x</a:t>
+                </a:r>
+                <a:r>
+                  <a:rPr lang="en-US" altLang="zh-TW" sz="1600" dirty="0"/>
+                  <a:t>3</a:t>
+                </a:r>
+                <a:r>
+                  <a:rPr lang="en-US" altLang="zh-TW" sz="2400" dirty="0"/>
+                  <a:t>, … , </a:t>
+                </a:r>
+                <a:r>
+                  <a:rPr lang="en-US" altLang="zh-TW" sz="2400" dirty="0" err="1"/>
+                  <a:t>x</a:t>
+                </a:r>
+                <a:r>
+                  <a:rPr lang="en-US" altLang="zh-TW" sz="1600" dirty="0" err="1"/>
+                  <a:t>d</a:t>
+                </a:r>
+                <a:r>
+                  <a:rPr lang="en-US" altLang="zh-TW" sz="2400" dirty="0"/>
+                  <a:t> }</a:t>
+                </a:r>
+              </a:p>
+              <a:p>
+                <a:pPr lvl="1">
+                  <a:defRPr/>
+                </a:pPr>
+                <a:endParaRPr lang="en-US" altLang="zh-TW" sz="2400" dirty="0"/>
+              </a:p>
+              <a:p>
+                <a:pPr marL="457200" lvl="1" indent="0">
+                  <a:buNone/>
+                  <a:defRPr/>
+                </a:pPr>
+                <a14:m>
+                  <m:oMathPara xmlns:m="http://schemas.openxmlformats.org/officeDocument/2006/math">
+                    <m:oMathParaPr>
+                      <m:jc m:val="centerGroup"/>
+                    </m:oMathParaPr>
+                    <m:oMath xmlns:m="http://schemas.openxmlformats.org/officeDocument/2006/math">
+                      <m:sSub>
+                        <m:sSubPr>
+                          <m:ctrlPr>
+                            <a:rPr lang="en-US" altLang="zh-TW" sz="2400" i="1">
+                              <a:latin typeface="Cambria Math" panose="02040503050406030204" pitchFamily="18" charset="0"/>
+                            </a:rPr>
+                          </m:ctrlPr>
+                        </m:sSubPr>
+                        <m:e>
+                          <m:r>
+                            <a:rPr lang="en-US" altLang="zh-TW" sz="2400" i="1">
+                              <a:latin typeface="Cambria Math" panose="02040503050406030204" pitchFamily="18" charset="0"/>
+                            </a:rPr>
+                            <m:t>h</m:t>
+                          </m:r>
+                        </m:e>
+                        <m:sub>
+                          <m:r>
+                            <a:rPr lang="en-US" altLang="zh-TW" sz="2400" i="1">
+                              <a:solidFill>
+                                <a:srgbClr val="FF0000"/>
+                              </a:solidFill>
+                              <a:latin typeface="Cambria Math" panose="02040503050406030204" pitchFamily="18" charset="0"/>
+                            </a:rPr>
+                            <m:t>𝑠</m:t>
+                          </m:r>
+                          <m:r>
+                            <a:rPr lang="en-US" altLang="zh-TW" sz="2400" i="1">
+                              <a:latin typeface="Cambria Math" panose="02040503050406030204" pitchFamily="18" charset="0"/>
+                            </a:rPr>
+                            <m:t>,</m:t>
+                          </m:r>
+                          <m:r>
+                            <a:rPr lang="en-US" altLang="zh-TW" sz="2400" i="1">
+                              <a:solidFill>
+                                <a:srgbClr val="00B050"/>
+                              </a:solidFill>
+                              <a:latin typeface="Cambria Math" panose="02040503050406030204" pitchFamily="18" charset="0"/>
+                            </a:rPr>
+                            <m:t>𝑖</m:t>
+                          </m:r>
+                          <m:r>
+                            <a:rPr lang="en-US" altLang="zh-TW" sz="2400" i="1">
+                              <a:latin typeface="Cambria Math" panose="02040503050406030204" pitchFamily="18" charset="0"/>
+                            </a:rPr>
+                            <m:t>,</m:t>
+                          </m:r>
+                          <m:r>
+                            <a:rPr lang="zh-TW" altLang="en-US" sz="2400" i="1">
+                              <a:solidFill>
+                                <a:srgbClr val="7030A0"/>
+                              </a:solidFill>
+                              <a:latin typeface="Cambria Math" panose="02040503050406030204" pitchFamily="18" charset="0"/>
+                            </a:rPr>
+                            <m:t>𝜃</m:t>
+                          </m:r>
+                        </m:sub>
+                      </m:sSub>
+                      <m:r>
+                        <a:rPr lang="en-US" altLang="zh-TW" sz="2400" i="1">
+                          <a:latin typeface="Cambria Math" panose="02040503050406030204" pitchFamily="18" charset="0"/>
+                        </a:rPr>
+                        <m:t> </m:t>
+                      </m:r>
+                      <m:d>
+                        <m:dPr>
+                          <m:ctrlPr>
+                            <a:rPr lang="en-US" altLang="zh-TW" sz="2400" i="1">
+                              <a:latin typeface="Cambria Math" panose="02040503050406030204" pitchFamily="18" charset="0"/>
+                            </a:rPr>
+                          </m:ctrlPr>
+                        </m:dPr>
+                        <m:e>
+                          <m:r>
+                            <a:rPr lang="en-US" altLang="zh-TW" sz="2400" i="1">
+                              <a:latin typeface="Cambria Math" panose="02040503050406030204" pitchFamily="18" charset="0"/>
+                            </a:rPr>
+                            <m:t>𝑥</m:t>
+                          </m:r>
+                        </m:e>
+                      </m:d>
+                      <m:r>
+                        <a:rPr lang="en-US" altLang="zh-TW" sz="2400" i="1">
+                          <a:latin typeface="Cambria Math" panose="02040503050406030204" pitchFamily="18" charset="0"/>
+                        </a:rPr>
+                        <m:t>=</m:t>
+                      </m:r>
+                      <m:r>
+                        <m:rPr>
+                          <m:sty m:val="p"/>
+                        </m:rPr>
+                        <a:rPr lang="en-US" altLang="zh-TW" sz="2400">
+                          <a:solidFill>
+                            <a:srgbClr val="FF0000"/>
+                          </a:solidFill>
+                          <a:latin typeface="Cambria Math" panose="02040503050406030204" pitchFamily="18" charset="0"/>
+                        </a:rPr>
+                        <m:t>s</m:t>
+                      </m:r>
+                      <m:r>
+                        <a:rPr lang="en-US" altLang="zh-TW" sz="2400" i="1">
+                          <a:latin typeface="Cambria Math" panose="02040503050406030204" pitchFamily="18" charset="0"/>
+                          <a:ea typeface="Cambria Math" panose="02040503050406030204" pitchFamily="18" charset="0"/>
+                        </a:rPr>
+                        <m:t>∙</m:t>
+                      </m:r>
+                      <m:r>
+                        <a:rPr lang="en-US" altLang="zh-TW" sz="2400" i="1">
+                          <a:latin typeface="Cambria Math" panose="02040503050406030204" pitchFamily="18" charset="0"/>
+                          <a:ea typeface="Cambria Math" panose="02040503050406030204" pitchFamily="18" charset="0"/>
+                        </a:rPr>
+                        <m:t>𝑠𝑖𝑔𝑛</m:t>
+                      </m:r>
+                      <m:r>
+                        <a:rPr lang="en-US" altLang="zh-TW" sz="2400" i="1">
+                          <a:latin typeface="Cambria Math" panose="02040503050406030204" pitchFamily="18" charset="0"/>
+                          <a:ea typeface="Cambria Math" panose="02040503050406030204" pitchFamily="18" charset="0"/>
+                        </a:rPr>
+                        <m:t>(</m:t>
+                      </m:r>
+                      <m:sSub>
+                        <m:sSubPr>
+                          <m:ctrlPr>
+                            <a:rPr lang="en-US" altLang="zh-TW" sz="2400" i="1">
+                              <a:latin typeface="Cambria Math" panose="02040503050406030204" pitchFamily="18" charset="0"/>
+                              <a:ea typeface="Cambria Math" panose="02040503050406030204" pitchFamily="18" charset="0"/>
+                            </a:rPr>
+                          </m:ctrlPr>
+                        </m:sSubPr>
+                        <m:e>
+                          <m:r>
+                            <a:rPr lang="en-US" altLang="zh-TW" sz="2400" i="1">
+                              <a:latin typeface="Cambria Math" panose="02040503050406030204" pitchFamily="18" charset="0"/>
+                              <a:ea typeface="Cambria Math" panose="02040503050406030204" pitchFamily="18" charset="0"/>
+                            </a:rPr>
+                            <m:t>𝑥</m:t>
+                          </m:r>
+                        </m:e>
+                        <m:sub>
+                          <m:r>
+                            <a:rPr lang="en-US" altLang="zh-TW" sz="2400" i="1">
+                              <a:solidFill>
+                                <a:srgbClr val="00B050"/>
+                              </a:solidFill>
+                              <a:latin typeface="Cambria Math" panose="02040503050406030204" pitchFamily="18" charset="0"/>
+                              <a:ea typeface="Cambria Math" panose="02040503050406030204" pitchFamily="18" charset="0"/>
+                            </a:rPr>
+                            <m:t>𝑖</m:t>
+                          </m:r>
+                        </m:sub>
+                      </m:sSub>
+                      <m:r>
+                        <a:rPr lang="en-US" altLang="zh-TW" sz="2400" i="1">
+                          <a:latin typeface="Cambria Math" panose="02040503050406030204" pitchFamily="18" charset="0"/>
+                          <a:ea typeface="Cambria Math" panose="02040503050406030204" pitchFamily="18" charset="0"/>
+                        </a:rPr>
+                        <m:t>−</m:t>
+                      </m:r>
+                      <m:r>
+                        <a:rPr lang="zh-TW" altLang="en-US" sz="2400" i="1">
+                          <a:solidFill>
+                            <a:srgbClr val="7030A0"/>
+                          </a:solidFill>
+                          <a:latin typeface="Cambria Math" panose="02040503050406030204" pitchFamily="18" charset="0"/>
+                          <a:ea typeface="Cambria Math" panose="02040503050406030204" pitchFamily="18" charset="0"/>
+                        </a:rPr>
+                        <m:t>𝜃</m:t>
+                      </m:r>
+                      <m:r>
+                        <a:rPr lang="en-US" altLang="zh-TW" sz="2400" i="1">
+                          <a:latin typeface="Cambria Math" panose="02040503050406030204" pitchFamily="18" charset="0"/>
+                          <a:ea typeface="Cambria Math" panose="02040503050406030204" pitchFamily="18" charset="0"/>
+                        </a:rPr>
+                        <m:t>)</m:t>
+                      </m:r>
+                    </m:oMath>
+                  </m:oMathPara>
+                </a14:m>
+                <a:endParaRPr lang="en-US" altLang="zh-TW" sz="2400" dirty="0"/>
+              </a:p>
+              <a:p>
+                <a:pPr marL="457200" lvl="1" indent="0">
+                  <a:buNone/>
+                  <a:defRPr/>
+                </a:pPr>
+                <a:r>
+                  <a:rPr lang="en-US" altLang="zh-TW" sz="2400" dirty="0"/>
+                  <a:t>( feature </a:t>
+                </a:r>
+                <a14:m>
+                  <m:oMath xmlns:m="http://schemas.openxmlformats.org/officeDocument/2006/math">
+                    <m:r>
+                      <a:rPr lang="en-US" altLang="zh-TW" sz="2400" i="1">
+                        <a:solidFill>
+                          <a:srgbClr val="00B050"/>
+                        </a:solidFill>
+                        <a:latin typeface="Cambria Math" panose="02040503050406030204" pitchFamily="18" charset="0"/>
+                      </a:rPr>
+                      <m:t>𝑖</m:t>
+                    </m:r>
+                  </m:oMath>
+                </a14:m>
+                <a:r>
+                  <a:rPr lang="en-US" altLang="zh-TW" sz="2400" dirty="0"/>
+                  <a:t>, </a:t>
+                </a:r>
+                <a:r>
+                  <a:rPr lang="en-US" altLang="zh-TW" sz="2400" dirty="0"/>
+                  <a:t>t</a:t>
+                </a:r>
+                <a:r>
+                  <a:rPr lang="en-US" altLang="zh-TW" sz="2400" dirty="0"/>
+                  <a:t>hreshold</a:t>
+                </a:r>
+                <a14:m>
+                  <m:oMath xmlns:m="http://schemas.openxmlformats.org/officeDocument/2006/math">
+                    <m:r>
+                      <a:rPr lang="en-US" altLang="zh-TW" sz="2400">
+                        <a:solidFill>
+                          <a:srgbClr val="7030A0"/>
+                        </a:solidFill>
+                        <a:latin typeface="Cambria Math" panose="02040503050406030204" pitchFamily="18" charset="0"/>
+                        <a:ea typeface="Cambria Math" panose="02040503050406030204" pitchFamily="18" charset="0"/>
+                      </a:rPr>
+                      <m:t> </m:t>
+                    </m:r>
+                    <m:r>
+                      <a:rPr lang="zh-TW" altLang="en-US" sz="2400" i="1">
+                        <a:solidFill>
+                          <a:srgbClr val="7030A0"/>
+                        </a:solidFill>
+                        <a:latin typeface="Cambria Math" panose="02040503050406030204" pitchFamily="18" charset="0"/>
+                        <a:ea typeface="Cambria Math" panose="02040503050406030204" pitchFamily="18" charset="0"/>
+                      </a:rPr>
+                      <m:t>𝜃</m:t>
+                    </m:r>
+                  </m:oMath>
+                </a14:m>
+                <a:r>
+                  <a:rPr lang="en-US" altLang="zh-TW" sz="2400" dirty="0"/>
+                  <a:t>, direction </a:t>
+                </a:r>
+                <a14:m>
+                  <m:oMath xmlns:m="http://schemas.openxmlformats.org/officeDocument/2006/math">
+                    <m:r>
+                      <m:rPr>
+                        <m:sty m:val="p"/>
+                      </m:rPr>
+                      <a:rPr lang="en-US" altLang="zh-TW" sz="2400">
+                        <a:solidFill>
+                          <a:srgbClr val="FF0000"/>
+                        </a:solidFill>
+                        <a:latin typeface="Cambria Math" panose="02040503050406030204" pitchFamily="18" charset="0"/>
+                      </a:rPr>
+                      <m:t>s</m:t>
+                    </m:r>
+                    <m:r>
+                      <a:rPr lang="en-US" altLang="zh-TW" sz="2400">
+                        <a:solidFill>
+                          <a:srgbClr val="FF0000"/>
+                        </a:solidFill>
+                        <a:latin typeface="Cambria Math" panose="02040503050406030204" pitchFamily="18" charset="0"/>
+                      </a:rPr>
+                      <m:t>)</m:t>
+                    </m:r>
+                  </m:oMath>
+                </a14:m>
+                <a:endParaRPr lang="en-US" altLang="zh-TW" sz="2400" dirty="0"/>
+              </a:p>
+              <a:p>
+                <a:pPr lvl="1" indent="-457200">
+                  <a:buFont typeface="Wingdings" pitchFamily="2" charset="2"/>
+                  <a:buChar char="l"/>
+                </a:pPr>
+                <a:endParaRPr lang="en-US" altLang="zh-TW" sz="2400" dirty="0"/>
+              </a:p>
+              <a:p>
+                <a:pPr lvl="1" indent="-457200">
+                  <a:buFont typeface="Wingdings" pitchFamily="2" charset="2"/>
+                  <a:buChar char="l"/>
+                </a:pPr>
+                <a:endParaRPr lang="en-US" altLang="zh-TW" sz="2400" dirty="0"/>
+              </a:p>
+            </p:txBody>
+          </p:sp>
+        </mc:Choice>
+        <mc:Fallback>
+          <p:sp>
+            <p:nvSpPr>
+              <p:cNvPr id="3" name="Content Placeholder 2"/>
+              <p:cNvSpPr>
+                <a:spLocks noGrp="1" noRot="1" noChangeAspect="1" noMove="1" noResize="1" noEditPoints="1" noAdjustHandles="1" noChangeArrowheads="1" noChangeShapeType="1" noTextEdit="1"/>
+              </p:cNvSpPr>
+              <p:nvPr>
+                <p:ph idx="1"/>
+              </p:nvPr>
+            </p:nvSpPr>
+            <p:spPr>
+              <a:xfrm>
+                <a:off x="228600" y="986319"/>
+                <a:ext cx="8689622" cy="4377609"/>
+              </a:xfrm>
+              <a:blipFill rotWithShape="0">
+                <a:blip r:embed="rId3"/>
+                <a:stretch>
+                  <a:fillRect t="-2089"/>
+                </a:stretch>
+              </a:blipFill>
+            </p:spPr>
+            <p:txBody>
+              <a:bodyPr/>
+              <a:lstStyle/>
+              <a:p>
+                <a:r>
+                  <a:rPr lang="zh-TW" altLang="en-US">
+                    <a:noFill/>
+                  </a:rPr>
+                  <a:t> </a:t>
+                </a:r>
+              </a:p>
+            </p:txBody>
+          </p:sp>
+        </mc:Fallback>
+      </mc:AlternateContent>
+    </p:spTree>
+    <p:extLst>
+      <p:ext uri="{BB962C8B-B14F-4D97-AF65-F5344CB8AC3E}">
+        <p14:creationId xmlns:p14="http://schemas.microsoft.com/office/powerpoint/2010/main" val="3040030372"/>
+      </p:ext>
+    </p:extLst>
+  </p:cSld>
+  <p:clrMapOvr>
+    <a:masterClrMapping/>
+  </p:clrMapOvr>
+  <p:timing>
+    <p:tnLst>
+      <p:par>
+        <p:cTn id="1" dur="indefinite" restart="never" nodeType="tmRoot"/>
+      </p:par>
+    </p:tnLst>
+  </p:timing>
+</p:sld>
+</file>
+
+<file path=ppt/slides/slide13.xml><?xml version="1.0" encoding="utf-8"?>
+<p:sld xmlns:a="http://schemas.openxmlformats.org/drawingml/2006/main" xmlns:r="http://schemas.openxmlformats.org/officeDocument/2006/relationships" xmlns:p="http://schemas.openxmlformats.org/presentationml/2006/main">
+  <p:cSld>
+    <p:spTree>
+      <p:nvGrpSpPr>
+        <p:cNvPr id="1" name=""/>
+        <p:cNvGrpSpPr/>
+        <p:nvPr/>
+      </p:nvGrpSpPr>
+      <p:grpSpPr>
+        <a:xfrm>
+          <a:off x="0" y="0"/>
+          <a:ext cx="0" cy="0"/>
+          <a:chOff x="0" y="0"/>
+          <a:chExt cx="0" cy="0"/>
+        </a:xfrm>
+      </p:grpSpPr>
+      <p:sp>
+        <p:nvSpPr>
+          <p:cNvPr id="61" name="矩形 60"/>
+          <p:cNvSpPr/>
+          <p:nvPr/>
+        </p:nvSpPr>
+        <p:spPr>
+          <a:xfrm>
+            <a:off x="5316280" y="5042837"/>
+            <a:ext cx="2488010" cy="997052"/>
+          </a:xfrm>
+          <a:prstGeom prst="rect">
+            <a:avLst/>
+          </a:prstGeom>
+          <a:solidFill>
+            <a:srgbClr val="0C5ADC"/>
+          </a:solidFill>
+          <a:ln w="22225">
+            <a:noFill/>
+          </a:ln>
+          <a:effectLst/>
+        </p:spPr>
+        <p:style>
+          <a:lnRef idx="1">
+            <a:schemeClr val="accent1"/>
+          </a:lnRef>
+          <a:fillRef idx="3">
+            <a:schemeClr val="accent1"/>
+          </a:fillRef>
+          <a:effectRef idx="2">
+            <a:schemeClr val="accent1"/>
+          </a:effectRef>
+          <a:fontRef idx="minor">
+            <a:schemeClr val="lt1"/>
+          </a:fontRef>
+        </p:style>
+        <p:txBody>
+          <a:bodyPr rtlCol="0" anchor="ctr"/>
+          <a:lstStyle/>
+          <a:p>
+            <a:pPr algn="ctr"/>
+            <a:endParaRPr lang="zh-TW" altLang="en-US"/>
+          </a:p>
+        </p:txBody>
+      </p:sp>
+      <p:sp>
+        <p:nvSpPr>
+          <p:cNvPr id="60" name="矩形 59"/>
+          <p:cNvSpPr/>
+          <p:nvPr/>
+        </p:nvSpPr>
+        <p:spPr>
+          <a:xfrm>
+            <a:off x="5318386" y="4193403"/>
+            <a:ext cx="2489450" cy="837869"/>
+          </a:xfrm>
+          <a:prstGeom prst="rect">
+            <a:avLst/>
+          </a:prstGeom>
+          <a:solidFill>
+            <a:srgbClr val="FF5050"/>
+          </a:solidFill>
+          <a:ln>
+            <a:noFill/>
+          </a:ln>
+          <a:effectLst/>
+        </p:spPr>
+        <p:style>
+          <a:lnRef idx="1">
+            <a:schemeClr val="accent1"/>
+          </a:lnRef>
+          <a:fillRef idx="3">
+            <a:schemeClr val="accent1"/>
+          </a:fillRef>
+          <a:effectRef idx="2">
+            <a:schemeClr val="accent1"/>
+          </a:effectRef>
+          <a:fontRef idx="minor">
+            <a:schemeClr val="lt1"/>
+          </a:fontRef>
+        </p:style>
+        <p:txBody>
+          <a:bodyPr rtlCol="0" anchor="ctr"/>
+          <a:lstStyle/>
+          <a:p>
+            <a:pPr algn="ctr"/>
+            <a:endParaRPr lang="zh-TW" altLang="en-US"/>
+          </a:p>
+        </p:txBody>
+      </p:sp>
+      <p:sp>
+        <p:nvSpPr>
+          <p:cNvPr id="4" name="Title 3"/>
+          <p:cNvSpPr>
+            <a:spLocks noGrp="1"/>
+          </p:cNvSpPr>
+          <p:nvPr>
+            <p:ph type="title"/>
+          </p:nvPr>
+        </p:nvSpPr>
+        <p:spPr>
+          <a:xfrm>
+            <a:off x="228600" y="228600"/>
+            <a:ext cx="4464364" cy="492443"/>
+          </a:xfrm>
+        </p:spPr>
+        <p:txBody>
+          <a:bodyPr/>
+          <a:lstStyle/>
+          <a:p>
+            <a:pPr marL="342900" indent="-342900"/>
+            <a:r>
+              <a:rPr lang="en-US" altLang="zh-TW" sz="3200" dirty="0" smtClean="0">
+                <a:solidFill>
+                  <a:schemeClr val="tx1"/>
+                </a:solidFill>
+                <a:latin typeface="+mj-lt"/>
+              </a:rPr>
+              <a:t>Decision </a:t>
+            </a:r>
+            <a:r>
+              <a:rPr lang="en-US" altLang="zh-TW" sz="3200" dirty="0" smtClean="0">
+                <a:solidFill>
+                  <a:schemeClr val="tx1"/>
+                </a:solidFill>
+                <a:latin typeface="+mj-lt"/>
+              </a:rPr>
+              <a:t>stump example</a:t>
+            </a:r>
+            <a:endParaRPr lang="en-US" altLang="zh-TW" sz="3200" dirty="0">
+              <a:solidFill>
+                <a:schemeClr val="tx1"/>
+              </a:solidFill>
+              <a:latin typeface="+mj-lt"/>
+            </a:endParaRPr>
+          </a:p>
+        </p:txBody>
+      </p:sp>
+      <p:sp>
+        <p:nvSpPr>
+          <p:cNvPr id="10" name="Content Placeholder 2"/>
+          <p:cNvSpPr txBox="1">
+            <a:spLocks/>
+          </p:cNvSpPr>
+          <p:nvPr/>
+        </p:nvSpPr>
+        <p:spPr>
+          <a:xfrm>
+            <a:off x="228600" y="986320"/>
+            <a:ext cx="8689622" cy="1255728"/>
+          </a:xfrm>
+          <a:prstGeom prst="rect">
+            <a:avLst/>
+          </a:prstGeom>
+        </p:spPr>
+        <p:txBody>
+          <a:bodyPr vert="horz" wrap="square" lIns="0" tIns="0" rIns="0" bIns="0" rtlCol="0">
+            <a:spAutoFit/>
+          </a:bodyPr>
+          <a:lstStyle/>
+          <a:p>
+            <a:pPr marL="742950" indent="-457200">
+              <a:spcBef>
+                <a:spcPct val="20000"/>
+              </a:spcBef>
+              <a:buFont typeface="Wingdings" pitchFamily="2" charset="2"/>
+              <a:buChar char="l"/>
+              <a:defRPr/>
+            </a:pPr>
+            <a:r>
+              <a:rPr lang="en-US" altLang="zh-TW" sz="2400" dirty="0">
+                <a:latin typeface="Arial"/>
+              </a:rPr>
+              <a:t>Sleep </a:t>
+            </a:r>
+            <a:r>
+              <a:rPr lang="en-US" altLang="zh-TW" sz="2400" dirty="0" smtClean="0">
+                <a:latin typeface="Arial"/>
+              </a:rPr>
+              <a:t>quality classifier</a:t>
+            </a:r>
+          </a:p>
+          <a:p>
+            <a:pPr marL="742950" indent="-457200">
+              <a:spcBef>
+                <a:spcPct val="20000"/>
+              </a:spcBef>
+              <a:buFont typeface="Wingdings" pitchFamily="2" charset="2"/>
+              <a:buChar char="l"/>
+              <a:defRPr/>
+            </a:pPr>
+            <a:r>
+              <a:rPr kumimoji="0" lang="en-US" altLang="zh-TW" sz="2400" b="0" i="0" u="none" strike="noStrike" kern="1200" cap="none" spc="0" normalizeH="0" baseline="0" noProof="0" dirty="0" smtClean="0">
+                <a:ln>
+                  <a:noFill/>
+                </a:ln>
+                <a:solidFill>
+                  <a:schemeClr val="tx1"/>
+                </a:solidFill>
+                <a:effectLst/>
+                <a:uLnTx/>
+                <a:uFillTx/>
+                <a:latin typeface="Arial"/>
+                <a:ea typeface="+mn-ea"/>
+                <a:cs typeface="+mn-cs"/>
+              </a:rPr>
+              <a:t>Data </a:t>
+            </a:r>
+            <a:r>
+              <a:rPr kumimoji="0" lang="zh-TW" altLang="en-US" sz="2400" b="0" i="0" u="none" strike="noStrike" kern="1200" cap="none" spc="0" normalizeH="0" baseline="0" noProof="0" dirty="0" smtClean="0">
+                <a:ln>
+                  <a:noFill/>
+                </a:ln>
+                <a:solidFill>
+                  <a:schemeClr val="tx1"/>
+                </a:solidFill>
+                <a:effectLst/>
+                <a:uLnTx/>
+                <a:uFillTx/>
+                <a:latin typeface="Arial"/>
+                <a:ea typeface="+mn-ea"/>
+                <a:cs typeface="+mn-cs"/>
+              </a:rPr>
+              <a:t>   </a:t>
+            </a:r>
+            <a:r>
+              <a:rPr kumimoji="0" lang="en-US" altLang="zh-TW" sz="2400" b="0" i="0" u="none" strike="noStrike" kern="1200" cap="none" spc="0" normalizeH="0" baseline="0" noProof="0" dirty="0" smtClean="0">
+                <a:ln>
+                  <a:noFill/>
+                </a:ln>
+                <a:solidFill>
+                  <a:schemeClr val="tx1"/>
+                </a:solidFill>
+                <a:effectLst/>
+                <a:uLnTx/>
+                <a:uFillTx/>
+                <a:latin typeface="Arial"/>
+                <a:ea typeface="+mn-ea"/>
+                <a:cs typeface="+mn-cs"/>
+              </a:rPr>
+              <a:t>X</a:t>
+            </a:r>
+            <a:r>
+              <a:rPr kumimoji="0" lang="zh-TW" altLang="en-US" sz="2400" b="0" i="0" u="none" strike="noStrike" kern="1200" cap="none" spc="0" normalizeH="0" baseline="0" noProof="0" dirty="0" smtClean="0">
+                <a:ln>
+                  <a:noFill/>
+                </a:ln>
+                <a:solidFill>
+                  <a:schemeClr val="tx1"/>
+                </a:solidFill>
+                <a:effectLst/>
+                <a:uLnTx/>
+                <a:uFillTx/>
+                <a:latin typeface="Arial"/>
+                <a:ea typeface="+mn-ea"/>
+                <a:cs typeface="+mn-cs"/>
+              </a:rPr>
+              <a:t> </a:t>
+            </a:r>
+            <a:r>
+              <a:rPr kumimoji="0" lang="en-US" altLang="zh-TW" sz="2400" b="0" i="0" u="none" strike="noStrike" kern="1200" cap="none" spc="0" normalizeH="0" baseline="0" noProof="0" dirty="0" smtClean="0">
+                <a:ln>
+                  <a:noFill/>
+                </a:ln>
+                <a:solidFill>
+                  <a:schemeClr val="tx1"/>
+                </a:solidFill>
+                <a:effectLst/>
+                <a:uLnTx/>
+                <a:uFillTx/>
+                <a:latin typeface="Arial"/>
+                <a:ea typeface="+mn-ea"/>
+                <a:cs typeface="+mn-cs"/>
+              </a:rPr>
+              <a:t>( </a:t>
+            </a:r>
+            <a:r>
+              <a:rPr kumimoji="0" lang="en-US" altLang="zh-TW" sz="2400" b="0" i="0" u="none" strike="noStrike" kern="1200" cap="none" spc="0" normalizeH="0" baseline="0" noProof="0" dirty="0" smtClean="0">
+                <a:ln>
+                  <a:noFill/>
+                </a:ln>
+                <a:solidFill>
+                  <a:srgbClr val="2705F5"/>
+                </a:solidFill>
+                <a:effectLst/>
+                <a:uLnTx/>
+                <a:uFillTx/>
+                <a:latin typeface="Arial"/>
+                <a:ea typeface="+mn-ea"/>
+                <a:cs typeface="+mn-cs"/>
+              </a:rPr>
+              <a:t>sleep hours</a:t>
+            </a:r>
+            <a:r>
+              <a:rPr kumimoji="0" lang="en-US" altLang="zh-TW" sz="2400" b="0" i="0" u="none" strike="noStrike" kern="1200" cap="none" spc="0" normalizeH="0" baseline="0" noProof="0" dirty="0" smtClean="0">
+                <a:ln>
+                  <a:noFill/>
+                </a:ln>
+                <a:solidFill>
+                  <a:schemeClr val="tx1"/>
+                </a:solidFill>
+                <a:effectLst/>
+                <a:uLnTx/>
+                <a:uFillTx/>
+                <a:latin typeface="Arial"/>
+                <a:ea typeface="+mn-ea"/>
+                <a:cs typeface="+mn-cs"/>
+              </a:rPr>
+              <a:t>, </a:t>
+            </a:r>
+            <a:r>
+              <a:rPr kumimoji="0" lang="en-US" altLang="zh-TW" sz="2400" b="0" i="0" u="none" strike="noStrike" kern="1200" cap="none" spc="0" normalizeH="0" baseline="0" noProof="0" dirty="0" smtClean="0">
+                <a:ln>
+                  <a:noFill/>
+                </a:ln>
+                <a:solidFill>
+                  <a:srgbClr val="FF0000"/>
+                </a:solidFill>
+                <a:effectLst/>
+                <a:uLnTx/>
+                <a:uFillTx/>
+                <a:latin typeface="Arial"/>
+                <a:ea typeface="+mn-ea"/>
+                <a:cs typeface="+mn-cs"/>
+              </a:rPr>
+              <a:t>turning</a:t>
+            </a:r>
+            <a:r>
+              <a:rPr kumimoji="0" lang="en-US" altLang="zh-TW" sz="2400" b="0" i="0" u="none" strike="noStrike" kern="1200" cap="none" spc="0" normalizeH="0" noProof="0" dirty="0" smtClean="0">
+                <a:ln>
+                  <a:noFill/>
+                </a:ln>
+                <a:solidFill>
+                  <a:srgbClr val="FF0000"/>
+                </a:solidFill>
+                <a:effectLst/>
+                <a:uLnTx/>
+                <a:uFillTx/>
+                <a:latin typeface="Arial"/>
+                <a:ea typeface="+mn-ea"/>
+                <a:cs typeface="+mn-cs"/>
+              </a:rPr>
+              <a:t> in bed </a:t>
+            </a:r>
+            <a:r>
+              <a:rPr kumimoji="0" lang="en-US" altLang="zh-TW" sz="2400" b="0" i="0" u="none" strike="noStrike" kern="1200" cap="none" spc="0" normalizeH="0" baseline="0" noProof="0" dirty="0" smtClean="0">
+                <a:ln>
+                  <a:noFill/>
+                </a:ln>
+                <a:solidFill>
+                  <a:schemeClr val="tx1"/>
+                </a:solidFill>
+                <a:effectLst/>
+                <a:uLnTx/>
+                <a:uFillTx/>
+                <a:latin typeface="Arial"/>
+                <a:ea typeface="+mn-ea"/>
+                <a:cs typeface="+mn-cs"/>
+              </a:rPr>
+              <a:t>)</a:t>
+            </a:r>
+          </a:p>
+          <a:p>
+            <a:pPr marL="742950" indent="-457200">
+              <a:spcBef>
+                <a:spcPct val="20000"/>
+              </a:spcBef>
+              <a:buFont typeface="Wingdings" pitchFamily="2" charset="2"/>
+              <a:buChar char="l"/>
+              <a:defRPr/>
+            </a:pPr>
+            <a:r>
+              <a:rPr lang="en-US" altLang="zh-TW" sz="2400" dirty="0" smtClean="0">
+                <a:latin typeface="Arial"/>
+              </a:rPr>
+              <a:t>Output Y( good, bad)</a:t>
+            </a:r>
+            <a:endParaRPr kumimoji="0" lang="en-US" altLang="zh-TW" sz="2400" b="0" i="0" u="none" strike="noStrike" kern="1200" cap="none" spc="0" normalizeH="0" baseline="0" noProof="0" dirty="0" smtClean="0">
+              <a:ln>
+                <a:noFill/>
+              </a:ln>
+              <a:solidFill>
+                <a:schemeClr val="tx1"/>
+              </a:solidFill>
+              <a:effectLst/>
+              <a:uLnTx/>
+              <a:uFillTx/>
+              <a:latin typeface="Arial"/>
+              <a:ea typeface="+mn-ea"/>
+              <a:cs typeface="+mn-cs"/>
+            </a:endParaRPr>
+          </a:p>
+        </p:txBody>
+      </p:sp>
+      <p:sp>
+        <p:nvSpPr>
+          <p:cNvPr id="5" name="矩形 4"/>
+          <p:cNvSpPr/>
+          <p:nvPr/>
+        </p:nvSpPr>
+        <p:spPr>
+          <a:xfrm>
+            <a:off x="776183" y="2613065"/>
+            <a:ext cx="3147234" cy="1366528"/>
+          </a:xfrm>
+          <a:prstGeom prst="rect">
+            <a:avLst/>
+          </a:prstGeom>
+        </p:spPr>
+        <p:txBody>
+          <a:bodyPr wrap="square">
+            <a:spAutoFit/>
+          </a:bodyPr>
+          <a:lstStyle/>
+          <a:p>
+            <a:pPr marL="285750">
+              <a:spcBef>
+                <a:spcPct val="20000"/>
+              </a:spcBef>
+              <a:defRPr/>
+            </a:pPr>
+            <a:r>
+              <a:rPr lang="en-US" altLang="zh-TW" dirty="0"/>
+              <a:t>If </a:t>
+            </a:r>
+            <a:r>
+              <a:rPr lang="en-US" altLang="zh-TW" dirty="0">
+                <a:solidFill>
+                  <a:srgbClr val="2705F5"/>
+                </a:solidFill>
+              </a:rPr>
+              <a:t>sleep hours </a:t>
+            </a:r>
+            <a:r>
+              <a:rPr lang="en-US" altLang="zh-TW" dirty="0" smtClean="0"/>
+              <a:t>&gt;= </a:t>
+            </a:r>
+            <a:r>
+              <a:rPr lang="en-US" altLang="zh-TW" dirty="0"/>
+              <a:t>7 </a:t>
+            </a:r>
+            <a:r>
+              <a:rPr lang="en-US" altLang="zh-TW" dirty="0" smtClean="0"/>
+              <a:t>hours</a:t>
+            </a:r>
+          </a:p>
+          <a:p>
+            <a:pPr marL="285750">
+              <a:spcBef>
+                <a:spcPct val="20000"/>
+              </a:spcBef>
+              <a:defRPr/>
+            </a:pPr>
+            <a:r>
+              <a:rPr lang="en-US" altLang="zh-TW" dirty="0"/>
+              <a:t>	</a:t>
+            </a:r>
+            <a:r>
+              <a:rPr lang="en-US" altLang="zh-TW" dirty="0" smtClean="0"/>
+              <a:t>return good </a:t>
+            </a:r>
+          </a:p>
+          <a:p>
+            <a:pPr marL="285750">
+              <a:spcBef>
+                <a:spcPct val="20000"/>
+              </a:spcBef>
+              <a:defRPr/>
+            </a:pPr>
+            <a:r>
+              <a:rPr lang="en-US" altLang="zh-TW" dirty="0" smtClean="0">
+                <a:sym typeface="Wingdings" pitchFamily="2" charset="2"/>
+              </a:rPr>
+              <a:t>else</a:t>
+            </a:r>
+          </a:p>
+          <a:p>
+            <a:pPr marL="285750">
+              <a:spcBef>
+                <a:spcPct val="20000"/>
+              </a:spcBef>
+              <a:defRPr/>
+            </a:pPr>
+            <a:r>
+              <a:rPr lang="en-US" altLang="zh-TW" dirty="0" smtClean="0">
+                <a:sym typeface="Wingdings" pitchFamily="2" charset="2"/>
+              </a:rPr>
+              <a:t>	return bad</a:t>
+            </a:r>
+            <a:endParaRPr lang="en-US" altLang="zh-TW" dirty="0"/>
+          </a:p>
+        </p:txBody>
+      </p:sp>
+      <p:sp>
+        <p:nvSpPr>
+          <p:cNvPr id="6" name="矩形 5"/>
+          <p:cNvSpPr/>
+          <p:nvPr/>
+        </p:nvSpPr>
+        <p:spPr>
+          <a:xfrm>
+            <a:off x="4997308" y="2613065"/>
+            <a:ext cx="3359886" cy="1366528"/>
+          </a:xfrm>
+          <a:prstGeom prst="rect">
+            <a:avLst/>
+          </a:prstGeom>
+        </p:spPr>
+        <p:txBody>
+          <a:bodyPr wrap="square">
+            <a:spAutoFit/>
+          </a:bodyPr>
+          <a:lstStyle/>
+          <a:p>
+            <a:pPr marL="285750">
+              <a:spcBef>
+                <a:spcPct val="20000"/>
+              </a:spcBef>
+              <a:defRPr/>
+            </a:pPr>
+            <a:r>
+              <a:rPr lang="en-US" altLang="zh-TW" dirty="0"/>
+              <a:t>If </a:t>
+            </a:r>
+            <a:r>
+              <a:rPr lang="en-US" altLang="zh-TW" dirty="0">
+                <a:solidFill>
+                  <a:srgbClr val="C00000"/>
+                </a:solidFill>
+              </a:rPr>
+              <a:t>turning in bed </a:t>
+            </a:r>
+            <a:r>
+              <a:rPr lang="en-US" altLang="zh-TW" dirty="0" smtClean="0"/>
+              <a:t>&gt;= </a:t>
+            </a:r>
+            <a:r>
+              <a:rPr lang="en-US" altLang="zh-TW" dirty="0"/>
+              <a:t>20 </a:t>
+            </a:r>
+            <a:endParaRPr lang="en-US" altLang="zh-TW" dirty="0" smtClean="0"/>
+          </a:p>
+          <a:p>
+            <a:pPr marL="285750">
+              <a:spcBef>
+                <a:spcPct val="20000"/>
+              </a:spcBef>
+              <a:defRPr/>
+            </a:pPr>
+            <a:r>
+              <a:rPr lang="en-US" altLang="zh-TW" dirty="0"/>
+              <a:t>	</a:t>
+            </a:r>
+            <a:r>
+              <a:rPr lang="en-US" altLang="zh-TW" dirty="0" smtClean="0"/>
+              <a:t>return bad</a:t>
+            </a:r>
+          </a:p>
+          <a:p>
+            <a:pPr marL="285750">
+              <a:spcBef>
+                <a:spcPct val="20000"/>
+              </a:spcBef>
+              <a:defRPr/>
+            </a:pPr>
+            <a:r>
+              <a:rPr lang="en-US" altLang="zh-TW" dirty="0" smtClean="0"/>
+              <a:t>else</a:t>
+            </a:r>
+          </a:p>
+          <a:p>
+            <a:pPr marL="285750">
+              <a:spcBef>
+                <a:spcPct val="20000"/>
+              </a:spcBef>
+              <a:defRPr/>
+            </a:pPr>
+            <a:r>
+              <a:rPr lang="en-US" altLang="zh-TW" dirty="0"/>
+              <a:t>	</a:t>
+            </a:r>
+            <a:r>
+              <a:rPr lang="en-US" altLang="zh-TW" dirty="0" smtClean="0"/>
+              <a:t>return good</a:t>
+            </a:r>
+            <a:endParaRPr lang="en-US" altLang="zh-TW" dirty="0"/>
+          </a:p>
+        </p:txBody>
+      </p:sp>
+      <p:cxnSp>
+        <p:nvCxnSpPr>
+          <p:cNvPr id="8" name="直線接點 7"/>
+          <p:cNvCxnSpPr/>
+          <p:nvPr/>
+        </p:nvCxnSpPr>
+        <p:spPr>
+          <a:xfrm>
+            <a:off x="1063251" y="4199860"/>
+            <a:ext cx="0" cy="1860699"/>
+          </a:xfrm>
+          <a:prstGeom prst="line">
+            <a:avLst/>
+          </a:prstGeom>
+          <a:ln w="31750">
+            <a:solidFill>
+              <a:schemeClr val="tx1"/>
+            </a:solidFill>
+          </a:ln>
+          <a:effectLst/>
+        </p:spPr>
+        <p:style>
+          <a:lnRef idx="2">
+            <a:schemeClr val="accent1"/>
+          </a:lnRef>
+          <a:fillRef idx="0">
+            <a:schemeClr val="accent1"/>
+          </a:fillRef>
+          <a:effectRef idx="1">
+            <a:schemeClr val="accent1"/>
+          </a:effectRef>
+          <a:fontRef idx="minor">
+            <a:schemeClr val="tx1"/>
+          </a:fontRef>
+        </p:style>
+      </p:cxnSp>
+      <p:cxnSp>
+        <p:nvCxnSpPr>
+          <p:cNvPr id="12" name="直線接點 11"/>
+          <p:cNvCxnSpPr/>
+          <p:nvPr/>
+        </p:nvCxnSpPr>
+        <p:spPr>
+          <a:xfrm>
+            <a:off x="1052617" y="6049926"/>
+            <a:ext cx="2509284" cy="0"/>
+          </a:xfrm>
+          <a:prstGeom prst="line">
+            <a:avLst/>
+          </a:prstGeom>
+          <a:ln w="31750">
+            <a:solidFill>
+              <a:schemeClr val="tx1"/>
+            </a:solidFill>
+          </a:ln>
+          <a:effectLst/>
+        </p:spPr>
+        <p:style>
+          <a:lnRef idx="2">
+            <a:schemeClr val="accent1"/>
+          </a:lnRef>
+          <a:fillRef idx="0">
+            <a:schemeClr val="accent1"/>
+          </a:fillRef>
+          <a:effectRef idx="1">
+            <a:schemeClr val="accent1"/>
+          </a:effectRef>
+          <a:fontRef idx="minor">
+            <a:schemeClr val="tx1"/>
+          </a:fontRef>
+        </p:style>
+      </p:cxnSp>
+      <p:sp>
+        <p:nvSpPr>
+          <p:cNvPr id="20" name="矩形 19"/>
+          <p:cNvSpPr/>
+          <p:nvPr/>
+        </p:nvSpPr>
+        <p:spPr>
+          <a:xfrm>
+            <a:off x="2170551" y="6245014"/>
+            <a:ext cx="312906" cy="369332"/>
+          </a:xfrm>
+          <a:prstGeom prst="rect">
+            <a:avLst/>
+          </a:prstGeom>
+        </p:spPr>
+        <p:txBody>
+          <a:bodyPr wrap="none">
+            <a:spAutoFit/>
+          </a:bodyPr>
+          <a:lstStyle/>
+          <a:p>
+            <a:r>
+              <a:rPr lang="en-US" altLang="zh-TW" dirty="0"/>
+              <a:t>7</a:t>
+            </a:r>
+            <a:endParaRPr lang="zh-TW" altLang="en-US" dirty="0"/>
+          </a:p>
+        </p:txBody>
+      </p:sp>
+      <p:sp>
+        <p:nvSpPr>
+          <p:cNvPr id="21" name="矩形 20"/>
+          <p:cNvSpPr/>
+          <p:nvPr/>
+        </p:nvSpPr>
+        <p:spPr>
+          <a:xfrm>
+            <a:off x="2331603" y="4199860"/>
+            <a:ext cx="1230297" cy="1839433"/>
+          </a:xfrm>
+          <a:prstGeom prst="rect">
+            <a:avLst/>
+          </a:prstGeom>
+          <a:solidFill>
+            <a:srgbClr val="0C5ADC"/>
+          </a:solidFill>
+          <a:ln w="22225">
+            <a:noFill/>
+          </a:ln>
+          <a:effectLst/>
+        </p:spPr>
+        <p:style>
+          <a:lnRef idx="1">
+            <a:schemeClr val="accent1"/>
+          </a:lnRef>
+          <a:fillRef idx="3">
+            <a:schemeClr val="accent1"/>
+          </a:fillRef>
+          <a:effectRef idx="2">
+            <a:schemeClr val="accent1"/>
+          </a:effectRef>
+          <a:fontRef idx="minor">
+            <a:schemeClr val="lt1"/>
+          </a:fontRef>
+        </p:style>
+        <p:txBody>
+          <a:bodyPr rtlCol="0" anchor="ctr"/>
+          <a:lstStyle/>
+          <a:p>
+            <a:pPr algn="ctr"/>
+            <a:endParaRPr lang="zh-TW" altLang="en-US"/>
+          </a:p>
+        </p:txBody>
+      </p:sp>
+      <p:sp>
+        <p:nvSpPr>
+          <p:cNvPr id="22" name="矩形 21"/>
+          <p:cNvSpPr/>
+          <p:nvPr/>
+        </p:nvSpPr>
+        <p:spPr>
+          <a:xfrm>
+            <a:off x="1093618" y="4199861"/>
+            <a:ext cx="1203017" cy="1839434"/>
+          </a:xfrm>
+          <a:prstGeom prst="rect">
+            <a:avLst/>
+          </a:prstGeom>
+          <a:solidFill>
+            <a:srgbClr val="FF5050"/>
+          </a:solidFill>
+          <a:ln>
+            <a:noFill/>
+          </a:ln>
+          <a:effectLst/>
+        </p:spPr>
+        <p:style>
+          <a:lnRef idx="1">
+            <a:schemeClr val="accent1"/>
+          </a:lnRef>
+          <a:fillRef idx="3">
+            <a:schemeClr val="accent1"/>
+          </a:fillRef>
+          <a:effectRef idx="2">
+            <a:schemeClr val="accent1"/>
+          </a:effectRef>
+          <a:fontRef idx="minor">
+            <a:schemeClr val="lt1"/>
+          </a:fontRef>
+        </p:style>
+        <p:txBody>
+          <a:bodyPr rtlCol="0" anchor="ctr"/>
+          <a:lstStyle/>
+          <a:p>
+            <a:pPr algn="ctr"/>
+            <a:endParaRPr lang="zh-TW" altLang="en-US"/>
+          </a:p>
+        </p:txBody>
+      </p:sp>
+      <p:cxnSp>
+        <p:nvCxnSpPr>
+          <p:cNvPr id="34" name="直線接點 33"/>
+          <p:cNvCxnSpPr/>
+          <p:nvPr/>
+        </p:nvCxnSpPr>
+        <p:spPr>
+          <a:xfrm>
+            <a:off x="2310815" y="4099899"/>
+            <a:ext cx="0" cy="2088000"/>
+          </a:xfrm>
+          <a:prstGeom prst="line">
+            <a:avLst/>
+          </a:prstGeom>
+          <a:ln w="31750">
+            <a:solidFill>
+              <a:schemeClr val="tx1"/>
+            </a:solidFill>
+          </a:ln>
+          <a:effectLst/>
+        </p:spPr>
+        <p:style>
+          <a:lnRef idx="2">
+            <a:schemeClr val="accent1"/>
+          </a:lnRef>
+          <a:fillRef idx="0">
+            <a:schemeClr val="accent1"/>
+          </a:fillRef>
+          <a:effectRef idx="1">
+            <a:schemeClr val="accent1"/>
+          </a:effectRef>
+          <a:fontRef idx="minor">
+            <a:schemeClr val="tx1"/>
+          </a:fontRef>
+        </p:style>
+      </p:cxnSp>
+      <p:sp>
+        <p:nvSpPr>
+          <p:cNvPr id="35" name="橢圓 34"/>
+          <p:cNvSpPr/>
+          <p:nvPr/>
+        </p:nvSpPr>
+        <p:spPr>
+          <a:xfrm>
+            <a:off x="2748456" y="5042241"/>
+            <a:ext cx="205200" cy="204652"/>
+          </a:xfrm>
+          <a:prstGeom prst="ellipse">
+            <a:avLst/>
+          </a:prstGeom>
+          <a:noFill/>
+          <a:ln w="22225">
+            <a:solidFill>
+              <a:schemeClr val="tx1"/>
+            </a:solidFill>
+          </a:ln>
+          <a:effectLst/>
+        </p:spPr>
+        <p:style>
+          <a:lnRef idx="1">
+            <a:schemeClr val="accent1"/>
+          </a:lnRef>
+          <a:fillRef idx="3">
+            <a:schemeClr val="accent1"/>
+          </a:fillRef>
+          <a:effectRef idx="2">
+            <a:schemeClr val="accent1"/>
+          </a:effectRef>
+          <a:fontRef idx="minor">
+            <a:schemeClr val="lt1"/>
+          </a:fontRef>
+        </p:style>
+        <p:txBody>
+          <a:bodyPr rtlCol="0" anchor="ctr"/>
+          <a:lstStyle/>
+          <a:p>
+            <a:pPr algn="ctr"/>
+            <a:endParaRPr lang="zh-TW" altLang="en-US"/>
+          </a:p>
+        </p:txBody>
+      </p:sp>
+      <p:sp>
+        <p:nvSpPr>
+          <p:cNvPr id="36" name="橢圓 35"/>
+          <p:cNvSpPr/>
+          <p:nvPr/>
+        </p:nvSpPr>
+        <p:spPr>
+          <a:xfrm>
+            <a:off x="2915276" y="5476588"/>
+            <a:ext cx="205200" cy="204652"/>
+          </a:xfrm>
+          <a:prstGeom prst="ellipse">
+            <a:avLst/>
+          </a:prstGeom>
+          <a:noFill/>
+          <a:ln w="22225">
+            <a:solidFill>
+              <a:schemeClr val="tx1"/>
+            </a:solidFill>
+          </a:ln>
+          <a:effectLst/>
+        </p:spPr>
+        <p:style>
+          <a:lnRef idx="1">
+            <a:schemeClr val="accent1"/>
+          </a:lnRef>
+          <a:fillRef idx="3">
+            <a:schemeClr val="accent1"/>
+          </a:fillRef>
+          <a:effectRef idx="2">
+            <a:schemeClr val="accent1"/>
+          </a:effectRef>
+          <a:fontRef idx="minor">
+            <a:schemeClr val="lt1"/>
+          </a:fontRef>
+        </p:style>
+        <p:txBody>
+          <a:bodyPr rtlCol="0" anchor="ctr"/>
+          <a:lstStyle/>
+          <a:p>
+            <a:pPr algn="ctr"/>
+            <a:endParaRPr lang="zh-TW" altLang="en-US"/>
+          </a:p>
+        </p:txBody>
+      </p:sp>
+      <p:sp>
+        <p:nvSpPr>
+          <p:cNvPr id="37" name="橢圓 36"/>
+          <p:cNvSpPr/>
+          <p:nvPr/>
+        </p:nvSpPr>
+        <p:spPr>
+          <a:xfrm>
+            <a:off x="2405083" y="5748265"/>
+            <a:ext cx="205200" cy="204652"/>
+          </a:xfrm>
+          <a:prstGeom prst="ellipse">
+            <a:avLst/>
+          </a:prstGeom>
+          <a:noFill/>
+          <a:ln w="22225">
+            <a:solidFill>
+              <a:schemeClr val="tx1"/>
+            </a:solidFill>
+          </a:ln>
+          <a:effectLst/>
+        </p:spPr>
+        <p:style>
+          <a:lnRef idx="1">
+            <a:schemeClr val="accent1"/>
+          </a:lnRef>
+          <a:fillRef idx="3">
+            <a:schemeClr val="accent1"/>
+          </a:fillRef>
+          <a:effectRef idx="2">
+            <a:schemeClr val="accent1"/>
+          </a:effectRef>
+          <a:fontRef idx="minor">
+            <a:schemeClr val="lt1"/>
+          </a:fontRef>
+        </p:style>
+        <p:txBody>
+          <a:bodyPr rtlCol="0" anchor="ctr"/>
+          <a:lstStyle/>
+          <a:p>
+            <a:pPr algn="ctr"/>
+            <a:endParaRPr lang="zh-TW" altLang="en-US"/>
+          </a:p>
+        </p:txBody>
+      </p:sp>
+      <p:sp>
+        <p:nvSpPr>
+          <p:cNvPr id="38" name="橢圓 37"/>
+          <p:cNvSpPr/>
+          <p:nvPr/>
+        </p:nvSpPr>
+        <p:spPr>
+          <a:xfrm>
+            <a:off x="1584433" y="5678360"/>
+            <a:ext cx="205200" cy="204652"/>
+          </a:xfrm>
+          <a:prstGeom prst="ellipse">
+            <a:avLst/>
+          </a:prstGeom>
+          <a:noFill/>
+          <a:ln w="22225">
+            <a:solidFill>
+              <a:schemeClr val="tx1"/>
+            </a:solidFill>
+          </a:ln>
+          <a:effectLst/>
+        </p:spPr>
+        <p:style>
+          <a:lnRef idx="1">
+            <a:schemeClr val="accent1"/>
+          </a:lnRef>
+          <a:fillRef idx="3">
+            <a:schemeClr val="accent1"/>
+          </a:fillRef>
+          <a:effectRef idx="2">
+            <a:schemeClr val="accent1"/>
+          </a:effectRef>
+          <a:fontRef idx="minor">
+            <a:schemeClr val="lt1"/>
+          </a:fontRef>
+        </p:style>
+        <p:txBody>
+          <a:bodyPr rtlCol="0" anchor="ctr"/>
+          <a:lstStyle/>
+          <a:p>
+            <a:pPr algn="ctr"/>
+            <a:endParaRPr lang="zh-TW" altLang="en-US"/>
+          </a:p>
+        </p:txBody>
+      </p:sp>
+      <p:sp>
+        <p:nvSpPr>
+          <p:cNvPr id="39" name="十字形 38"/>
+          <p:cNvSpPr/>
+          <p:nvPr/>
+        </p:nvSpPr>
+        <p:spPr>
+          <a:xfrm rot="2514475">
+            <a:off x="1390106" y="4857819"/>
+            <a:ext cx="180000" cy="180000"/>
+          </a:xfrm>
+          <a:prstGeom prst="plus">
+            <a:avLst>
+              <a:gd name="adj" fmla="val 50000"/>
+            </a:avLst>
+          </a:prstGeom>
+          <a:noFill/>
+          <a:ln w="25400">
+            <a:solidFill>
+              <a:schemeClr val="tx1"/>
+            </a:solidFill>
+          </a:ln>
+          <a:effectLst/>
+        </p:spPr>
+        <p:style>
+          <a:lnRef idx="1">
+            <a:schemeClr val="accent1"/>
+          </a:lnRef>
+          <a:fillRef idx="3">
+            <a:schemeClr val="accent1"/>
+          </a:fillRef>
+          <a:effectRef idx="2">
+            <a:schemeClr val="accent1"/>
+          </a:effectRef>
+          <a:fontRef idx="minor">
+            <a:schemeClr val="lt1"/>
+          </a:fontRef>
+        </p:style>
+        <p:txBody>
+          <a:bodyPr rtlCol="0" anchor="ctr"/>
+          <a:lstStyle/>
+          <a:p>
+            <a:pPr algn="ctr"/>
+            <a:endParaRPr lang="zh-TW" altLang="en-US"/>
+          </a:p>
+        </p:txBody>
+      </p:sp>
+      <p:sp>
+        <p:nvSpPr>
+          <p:cNvPr id="40" name="十字形 39"/>
+          <p:cNvSpPr/>
+          <p:nvPr/>
+        </p:nvSpPr>
+        <p:spPr>
+          <a:xfrm rot="2514475">
+            <a:off x="1796694" y="4536232"/>
+            <a:ext cx="180000" cy="180000"/>
+          </a:xfrm>
+          <a:prstGeom prst="plus">
+            <a:avLst>
+              <a:gd name="adj" fmla="val 50000"/>
+            </a:avLst>
+          </a:prstGeom>
+          <a:noFill/>
+          <a:ln w="25400">
+            <a:solidFill>
+              <a:schemeClr val="tx1"/>
+            </a:solidFill>
+          </a:ln>
+          <a:effectLst/>
+        </p:spPr>
+        <p:style>
+          <a:lnRef idx="1">
+            <a:schemeClr val="accent1"/>
+          </a:lnRef>
+          <a:fillRef idx="3">
+            <a:schemeClr val="accent1"/>
+          </a:fillRef>
+          <a:effectRef idx="2">
+            <a:schemeClr val="accent1"/>
+          </a:effectRef>
+          <a:fontRef idx="minor">
+            <a:schemeClr val="lt1"/>
+          </a:fontRef>
+        </p:style>
+        <p:txBody>
+          <a:bodyPr rtlCol="0" anchor="ctr"/>
+          <a:lstStyle/>
+          <a:p>
+            <a:pPr algn="ctr"/>
+            <a:endParaRPr lang="zh-TW" altLang="en-US"/>
+          </a:p>
+        </p:txBody>
+      </p:sp>
+      <p:sp>
+        <p:nvSpPr>
+          <p:cNvPr id="41" name="十字形 40"/>
+          <p:cNvSpPr/>
+          <p:nvPr/>
+        </p:nvSpPr>
+        <p:spPr>
+          <a:xfrm rot="2514475">
+            <a:off x="3221947" y="4438619"/>
+            <a:ext cx="180000" cy="180000"/>
+          </a:xfrm>
+          <a:prstGeom prst="plus">
+            <a:avLst>
+              <a:gd name="adj" fmla="val 50000"/>
+            </a:avLst>
+          </a:prstGeom>
+          <a:noFill/>
+          <a:ln w="25400">
+            <a:solidFill>
+              <a:schemeClr val="tx1"/>
+            </a:solidFill>
+          </a:ln>
+          <a:effectLst/>
+        </p:spPr>
+        <p:style>
+          <a:lnRef idx="1">
+            <a:schemeClr val="accent1"/>
+          </a:lnRef>
+          <a:fillRef idx="3">
+            <a:schemeClr val="accent1"/>
+          </a:fillRef>
+          <a:effectRef idx="2">
+            <a:schemeClr val="accent1"/>
+          </a:effectRef>
+          <a:fontRef idx="minor">
+            <a:schemeClr val="lt1"/>
+          </a:fontRef>
+        </p:style>
+        <p:txBody>
+          <a:bodyPr rtlCol="0" anchor="ctr"/>
+          <a:lstStyle/>
+          <a:p>
+            <a:pPr algn="ctr"/>
+            <a:endParaRPr lang="zh-TW" altLang="en-US"/>
+          </a:p>
+        </p:txBody>
+      </p:sp>
+      <p:sp>
+        <p:nvSpPr>
+          <p:cNvPr id="42" name="十字形 41"/>
+          <p:cNvSpPr/>
+          <p:nvPr/>
+        </p:nvSpPr>
+        <p:spPr>
+          <a:xfrm rot="2514475">
+            <a:off x="3319994" y="5723128"/>
+            <a:ext cx="180000" cy="180000"/>
+          </a:xfrm>
+          <a:prstGeom prst="plus">
+            <a:avLst>
+              <a:gd name="adj" fmla="val 50000"/>
+            </a:avLst>
+          </a:prstGeom>
+          <a:noFill/>
+          <a:ln w="25400">
+            <a:solidFill>
+              <a:schemeClr val="tx1"/>
+            </a:solidFill>
+          </a:ln>
+          <a:effectLst/>
+        </p:spPr>
+        <p:style>
+          <a:lnRef idx="1">
+            <a:schemeClr val="accent1"/>
+          </a:lnRef>
+          <a:fillRef idx="3">
+            <a:schemeClr val="accent1"/>
+          </a:fillRef>
+          <a:effectRef idx="2">
+            <a:schemeClr val="accent1"/>
+          </a:effectRef>
+          <a:fontRef idx="minor">
+            <a:schemeClr val="lt1"/>
+          </a:fontRef>
+        </p:style>
+        <p:txBody>
+          <a:bodyPr rtlCol="0" anchor="ctr"/>
+          <a:lstStyle/>
+          <a:p>
+            <a:pPr algn="ctr"/>
+            <a:endParaRPr lang="zh-TW" altLang="en-US"/>
+          </a:p>
+        </p:txBody>
+      </p:sp>
+      <p:cxnSp>
+        <p:nvCxnSpPr>
+          <p:cNvPr id="43" name="直線接點 42"/>
+          <p:cNvCxnSpPr/>
+          <p:nvPr/>
+        </p:nvCxnSpPr>
+        <p:spPr>
+          <a:xfrm>
+            <a:off x="5309186" y="4195979"/>
+            <a:ext cx="0" cy="1860699"/>
+          </a:xfrm>
+          <a:prstGeom prst="line">
+            <a:avLst/>
+          </a:prstGeom>
+          <a:ln w="31750">
+            <a:solidFill>
+              <a:schemeClr val="tx1"/>
+            </a:solidFill>
+          </a:ln>
+          <a:effectLst/>
+        </p:spPr>
+        <p:style>
+          <a:lnRef idx="2">
+            <a:schemeClr val="accent1"/>
+          </a:lnRef>
+          <a:fillRef idx="0">
+            <a:schemeClr val="accent1"/>
+          </a:fillRef>
+          <a:effectRef idx="1">
+            <a:schemeClr val="accent1"/>
+          </a:effectRef>
+          <a:fontRef idx="minor">
+            <a:schemeClr val="tx1"/>
+          </a:fontRef>
+        </p:style>
+      </p:cxnSp>
+      <p:cxnSp>
+        <p:nvCxnSpPr>
+          <p:cNvPr id="44" name="直線接點 43"/>
+          <p:cNvCxnSpPr/>
+          <p:nvPr/>
+        </p:nvCxnSpPr>
+        <p:spPr>
+          <a:xfrm>
+            <a:off x="5298552" y="6046045"/>
+            <a:ext cx="2509284" cy="0"/>
+          </a:xfrm>
+          <a:prstGeom prst="line">
+            <a:avLst/>
+          </a:prstGeom>
+          <a:ln w="31750">
+            <a:solidFill>
+              <a:schemeClr val="tx1"/>
+            </a:solidFill>
+          </a:ln>
+          <a:effectLst/>
+        </p:spPr>
+        <p:style>
+          <a:lnRef idx="2">
+            <a:schemeClr val="accent1"/>
+          </a:lnRef>
+          <a:fillRef idx="0">
+            <a:schemeClr val="accent1"/>
+          </a:fillRef>
+          <a:effectRef idx="1">
+            <a:schemeClr val="accent1"/>
+          </a:effectRef>
+          <a:fontRef idx="minor">
+            <a:schemeClr val="tx1"/>
+          </a:fontRef>
+        </p:style>
+      </p:cxnSp>
+      <p:sp>
+        <p:nvSpPr>
+          <p:cNvPr id="49" name="橢圓 48"/>
+          <p:cNvSpPr/>
+          <p:nvPr/>
+        </p:nvSpPr>
+        <p:spPr>
+          <a:xfrm>
+            <a:off x="6994391" y="5038360"/>
+            <a:ext cx="205200" cy="204652"/>
+          </a:xfrm>
+          <a:prstGeom prst="ellipse">
+            <a:avLst/>
+          </a:prstGeom>
+          <a:noFill/>
+          <a:ln w="22225">
+            <a:solidFill>
+              <a:schemeClr val="tx1"/>
+            </a:solidFill>
+          </a:ln>
+          <a:effectLst/>
+        </p:spPr>
+        <p:style>
+          <a:lnRef idx="1">
+            <a:schemeClr val="accent1"/>
+          </a:lnRef>
+          <a:fillRef idx="3">
+            <a:schemeClr val="accent1"/>
+          </a:fillRef>
+          <a:effectRef idx="2">
+            <a:schemeClr val="accent1"/>
+          </a:effectRef>
+          <a:fontRef idx="minor">
+            <a:schemeClr val="lt1"/>
+          </a:fontRef>
+        </p:style>
+        <p:txBody>
+          <a:bodyPr rtlCol="0" anchor="ctr"/>
+          <a:lstStyle/>
+          <a:p>
+            <a:pPr algn="ctr"/>
+            <a:endParaRPr lang="zh-TW" altLang="en-US"/>
+          </a:p>
+        </p:txBody>
+      </p:sp>
+      <p:sp>
+        <p:nvSpPr>
+          <p:cNvPr id="50" name="橢圓 49"/>
+          <p:cNvSpPr/>
+          <p:nvPr/>
+        </p:nvSpPr>
+        <p:spPr>
+          <a:xfrm>
+            <a:off x="7161211" y="5472707"/>
+            <a:ext cx="205200" cy="204652"/>
+          </a:xfrm>
+          <a:prstGeom prst="ellipse">
+            <a:avLst/>
+          </a:prstGeom>
+          <a:noFill/>
+          <a:ln w="22225">
+            <a:solidFill>
+              <a:schemeClr val="tx1"/>
+            </a:solidFill>
+          </a:ln>
+          <a:effectLst/>
+        </p:spPr>
+        <p:style>
+          <a:lnRef idx="1">
+            <a:schemeClr val="accent1"/>
+          </a:lnRef>
+          <a:fillRef idx="3">
+            <a:schemeClr val="accent1"/>
+          </a:fillRef>
+          <a:effectRef idx="2">
+            <a:schemeClr val="accent1"/>
+          </a:effectRef>
+          <a:fontRef idx="minor">
+            <a:schemeClr val="lt1"/>
+          </a:fontRef>
+        </p:style>
+        <p:txBody>
+          <a:bodyPr rtlCol="0" anchor="ctr"/>
+          <a:lstStyle/>
+          <a:p>
+            <a:pPr algn="ctr"/>
+            <a:endParaRPr lang="zh-TW" altLang="en-US"/>
+          </a:p>
+        </p:txBody>
+      </p:sp>
+      <p:sp>
+        <p:nvSpPr>
+          <p:cNvPr id="51" name="橢圓 50"/>
+          <p:cNvSpPr/>
+          <p:nvPr/>
+        </p:nvSpPr>
+        <p:spPr>
+          <a:xfrm>
+            <a:off x="6651018" y="5744384"/>
+            <a:ext cx="205200" cy="204652"/>
+          </a:xfrm>
+          <a:prstGeom prst="ellipse">
+            <a:avLst/>
+          </a:prstGeom>
+          <a:noFill/>
+          <a:ln w="22225">
+            <a:solidFill>
+              <a:schemeClr val="tx1"/>
+            </a:solidFill>
+          </a:ln>
+          <a:effectLst/>
+        </p:spPr>
+        <p:style>
+          <a:lnRef idx="1">
+            <a:schemeClr val="accent1"/>
+          </a:lnRef>
+          <a:fillRef idx="3">
+            <a:schemeClr val="accent1"/>
+          </a:fillRef>
+          <a:effectRef idx="2">
+            <a:schemeClr val="accent1"/>
+          </a:effectRef>
+          <a:fontRef idx="minor">
+            <a:schemeClr val="lt1"/>
+          </a:fontRef>
+        </p:style>
+        <p:txBody>
+          <a:bodyPr rtlCol="0" anchor="ctr"/>
+          <a:lstStyle/>
+          <a:p>
+            <a:pPr algn="ctr"/>
+            <a:endParaRPr lang="zh-TW" altLang="en-US"/>
+          </a:p>
+        </p:txBody>
+      </p:sp>
+      <p:sp>
+        <p:nvSpPr>
+          <p:cNvPr id="52" name="橢圓 51"/>
+          <p:cNvSpPr/>
+          <p:nvPr/>
+        </p:nvSpPr>
+        <p:spPr>
+          <a:xfrm>
+            <a:off x="5830368" y="5674479"/>
+            <a:ext cx="205200" cy="204652"/>
+          </a:xfrm>
+          <a:prstGeom prst="ellipse">
+            <a:avLst/>
+          </a:prstGeom>
+          <a:noFill/>
+          <a:ln w="22225">
+            <a:solidFill>
+              <a:schemeClr val="tx1"/>
+            </a:solidFill>
+          </a:ln>
+          <a:effectLst/>
+        </p:spPr>
+        <p:style>
+          <a:lnRef idx="1">
+            <a:schemeClr val="accent1"/>
+          </a:lnRef>
+          <a:fillRef idx="3">
+            <a:schemeClr val="accent1"/>
+          </a:fillRef>
+          <a:effectRef idx="2">
+            <a:schemeClr val="accent1"/>
+          </a:effectRef>
+          <a:fontRef idx="minor">
+            <a:schemeClr val="lt1"/>
+          </a:fontRef>
+        </p:style>
+        <p:txBody>
+          <a:bodyPr rtlCol="0" anchor="ctr"/>
+          <a:lstStyle/>
+          <a:p>
+            <a:pPr algn="ctr"/>
+            <a:endParaRPr lang="zh-TW" altLang="en-US"/>
+          </a:p>
+        </p:txBody>
+      </p:sp>
+      <p:sp>
+        <p:nvSpPr>
+          <p:cNvPr id="53" name="十字形 52"/>
+          <p:cNvSpPr/>
+          <p:nvPr/>
+        </p:nvSpPr>
+        <p:spPr>
+          <a:xfrm rot="2514475">
+            <a:off x="5636041" y="4853938"/>
+            <a:ext cx="180000" cy="180000"/>
+          </a:xfrm>
+          <a:prstGeom prst="plus">
+            <a:avLst>
+              <a:gd name="adj" fmla="val 50000"/>
+            </a:avLst>
+          </a:prstGeom>
+          <a:noFill/>
+          <a:ln w="25400">
+            <a:solidFill>
+              <a:schemeClr val="tx1"/>
+            </a:solidFill>
+          </a:ln>
+          <a:effectLst/>
+        </p:spPr>
+        <p:style>
+          <a:lnRef idx="1">
+            <a:schemeClr val="accent1"/>
+          </a:lnRef>
+          <a:fillRef idx="3">
+            <a:schemeClr val="accent1"/>
+          </a:fillRef>
+          <a:effectRef idx="2">
+            <a:schemeClr val="accent1"/>
+          </a:effectRef>
+          <a:fontRef idx="minor">
+            <a:schemeClr val="lt1"/>
+          </a:fontRef>
+        </p:style>
+        <p:txBody>
+          <a:bodyPr rtlCol="0" anchor="ctr"/>
+          <a:lstStyle/>
+          <a:p>
+            <a:pPr algn="ctr"/>
+            <a:endParaRPr lang="zh-TW" altLang="en-US"/>
+          </a:p>
+        </p:txBody>
+      </p:sp>
+      <p:sp>
+        <p:nvSpPr>
+          <p:cNvPr id="54" name="十字形 53"/>
+          <p:cNvSpPr/>
+          <p:nvPr/>
+        </p:nvSpPr>
+        <p:spPr>
+          <a:xfrm rot="2514475">
+            <a:off x="6042629" y="4532351"/>
+            <a:ext cx="180000" cy="180000"/>
+          </a:xfrm>
+          <a:prstGeom prst="plus">
+            <a:avLst>
+              <a:gd name="adj" fmla="val 50000"/>
+            </a:avLst>
+          </a:prstGeom>
+          <a:noFill/>
+          <a:ln w="25400">
+            <a:solidFill>
+              <a:schemeClr val="tx1"/>
+            </a:solidFill>
+          </a:ln>
+          <a:effectLst/>
+        </p:spPr>
+        <p:style>
+          <a:lnRef idx="1">
+            <a:schemeClr val="accent1"/>
+          </a:lnRef>
+          <a:fillRef idx="3">
+            <a:schemeClr val="accent1"/>
+          </a:fillRef>
+          <a:effectRef idx="2">
+            <a:schemeClr val="accent1"/>
+          </a:effectRef>
+          <a:fontRef idx="minor">
+            <a:schemeClr val="lt1"/>
+          </a:fontRef>
+        </p:style>
+        <p:txBody>
+          <a:bodyPr rtlCol="0" anchor="ctr"/>
+          <a:lstStyle/>
+          <a:p>
+            <a:pPr algn="ctr"/>
+            <a:endParaRPr lang="zh-TW" altLang="en-US"/>
+          </a:p>
+        </p:txBody>
+      </p:sp>
+      <p:sp>
+        <p:nvSpPr>
+          <p:cNvPr id="55" name="十字形 54"/>
+          <p:cNvSpPr/>
+          <p:nvPr/>
+        </p:nvSpPr>
+        <p:spPr>
+          <a:xfrm rot="2514475">
+            <a:off x="7467882" y="4434738"/>
+            <a:ext cx="180000" cy="180000"/>
+          </a:xfrm>
+          <a:prstGeom prst="plus">
+            <a:avLst>
+              <a:gd name="adj" fmla="val 50000"/>
+            </a:avLst>
+          </a:prstGeom>
+          <a:noFill/>
+          <a:ln w="25400">
+            <a:solidFill>
+              <a:schemeClr val="tx1"/>
+            </a:solidFill>
+          </a:ln>
+          <a:effectLst/>
+        </p:spPr>
+        <p:style>
+          <a:lnRef idx="1">
+            <a:schemeClr val="accent1"/>
+          </a:lnRef>
+          <a:fillRef idx="3">
+            <a:schemeClr val="accent1"/>
+          </a:fillRef>
+          <a:effectRef idx="2">
+            <a:schemeClr val="accent1"/>
+          </a:effectRef>
+          <a:fontRef idx="minor">
+            <a:schemeClr val="lt1"/>
+          </a:fontRef>
+        </p:style>
+        <p:txBody>
+          <a:bodyPr rtlCol="0" anchor="ctr"/>
+          <a:lstStyle/>
+          <a:p>
+            <a:pPr algn="ctr"/>
+            <a:endParaRPr lang="zh-TW" altLang="en-US"/>
+          </a:p>
+        </p:txBody>
+      </p:sp>
+      <p:sp>
+        <p:nvSpPr>
+          <p:cNvPr id="56" name="十字形 55"/>
+          <p:cNvSpPr/>
+          <p:nvPr/>
+        </p:nvSpPr>
+        <p:spPr>
+          <a:xfrm rot="2514475">
+            <a:off x="7565929" y="5719247"/>
+            <a:ext cx="180000" cy="180000"/>
+          </a:xfrm>
+          <a:prstGeom prst="plus">
+            <a:avLst>
+              <a:gd name="adj" fmla="val 50000"/>
+            </a:avLst>
+          </a:prstGeom>
+          <a:noFill/>
+          <a:ln w="25400">
+            <a:solidFill>
+              <a:schemeClr val="tx1"/>
+            </a:solidFill>
+          </a:ln>
+          <a:effectLst/>
+        </p:spPr>
+        <p:style>
+          <a:lnRef idx="1">
+            <a:schemeClr val="accent1"/>
+          </a:lnRef>
+          <a:fillRef idx="3">
+            <a:schemeClr val="accent1"/>
+          </a:fillRef>
+          <a:effectRef idx="2">
+            <a:schemeClr val="accent1"/>
+          </a:effectRef>
+          <a:fontRef idx="minor">
+            <a:schemeClr val="lt1"/>
+          </a:fontRef>
+        </p:style>
+        <p:txBody>
+          <a:bodyPr rtlCol="0" anchor="ctr"/>
+          <a:lstStyle/>
+          <a:p>
+            <a:pPr algn="ctr"/>
+            <a:endParaRPr lang="zh-TW" altLang="en-US"/>
+          </a:p>
+        </p:txBody>
+      </p:sp>
+      <p:cxnSp>
+        <p:nvCxnSpPr>
+          <p:cNvPr id="57" name="直線接點 56"/>
+          <p:cNvCxnSpPr/>
+          <p:nvPr/>
+        </p:nvCxnSpPr>
+        <p:spPr>
+          <a:xfrm>
+            <a:off x="5111894" y="5031272"/>
+            <a:ext cx="2880000" cy="0"/>
+          </a:xfrm>
+          <a:prstGeom prst="line">
+            <a:avLst/>
+          </a:prstGeom>
+          <a:ln w="31750">
+            <a:solidFill>
+              <a:schemeClr val="tx1"/>
+            </a:solidFill>
+          </a:ln>
+          <a:effectLst/>
+        </p:spPr>
+        <p:style>
+          <a:lnRef idx="2">
+            <a:schemeClr val="accent1"/>
+          </a:lnRef>
+          <a:fillRef idx="0">
+            <a:schemeClr val="accent1"/>
+          </a:fillRef>
+          <a:effectRef idx="1">
+            <a:schemeClr val="accent1"/>
+          </a:effectRef>
+          <a:fontRef idx="minor">
+            <a:schemeClr val="tx1"/>
+          </a:fontRef>
+        </p:style>
+      </p:cxnSp>
+      <p:sp>
+        <p:nvSpPr>
+          <p:cNvPr id="59" name="矩形 58"/>
+          <p:cNvSpPr/>
+          <p:nvPr/>
+        </p:nvSpPr>
+        <p:spPr>
+          <a:xfrm>
+            <a:off x="4614770" y="4890247"/>
+            <a:ext cx="441146" cy="369332"/>
+          </a:xfrm>
+          <a:prstGeom prst="rect">
+            <a:avLst/>
+          </a:prstGeom>
+        </p:spPr>
+        <p:txBody>
+          <a:bodyPr wrap="none">
+            <a:spAutoFit/>
+          </a:bodyPr>
+          <a:lstStyle/>
+          <a:p>
+            <a:r>
+              <a:rPr lang="en-US" altLang="zh-TW" dirty="0"/>
+              <a:t>20</a:t>
+            </a:r>
+            <a:endParaRPr lang="zh-TW" altLang="en-US" dirty="0"/>
+          </a:p>
+        </p:txBody>
+      </p:sp>
+    </p:spTree>
+    <p:extLst>
+      <p:ext uri="{BB962C8B-B14F-4D97-AF65-F5344CB8AC3E}">
+        <p14:creationId xmlns:p14="http://schemas.microsoft.com/office/powerpoint/2010/main" val="3040030372"/>
+      </p:ext>
+    </p:extLst>
+  </p:cSld>
+  <p:clrMapOvr>
+    <a:masterClrMapping/>
+  </p:clrMapOvr>
+  <p:timing>
+    <p:tnLst>
+      <p:par>
+        <p:cTn id="1" dur="indefinite" restart="never" nodeType="tmRoot"/>
+      </p:par>
+    </p:tnLst>
+  </p:timing>
+</p:sld>
+</file>
+
+<file path=ppt/slides/slide14.xml><?xml version="1.0" encoding="utf-8"?>
+<p:sld xmlns:a="http://schemas.openxmlformats.org/drawingml/2006/main" xmlns:r="http://schemas.openxmlformats.org/officeDocument/2006/relationships" xmlns:p="http://schemas.openxmlformats.org/presentationml/2006/main">
+  <p:cSld>
+    <p:spTree>
+      <p:nvGrpSpPr>
+        <p:cNvPr id="1" name=""/>
+        <p:cNvGrpSpPr/>
+        <p:nvPr/>
+      </p:nvGrpSpPr>
+      <p:grpSpPr>
+        <a:xfrm>
+          <a:off x="0" y="0"/>
+          <a:ext cx="0" cy="0"/>
+          <a:chOff x="0" y="0"/>
+          <a:chExt cx="0" cy="0"/>
+        </a:xfrm>
+      </p:grpSpPr>
+      <p:sp>
+        <p:nvSpPr>
           <p:cNvPr id="3" name="Content Placeholder 2"/>
           <p:cNvSpPr>
             <a:spLocks noGrp="1"/>
@@ -7701,7 +9699,7 @@
         <p:spPr>
           <a:xfrm>
             <a:off x="228600" y="986319"/>
-            <a:ext cx="8689622" cy="1255728"/>
+            <a:ext cx="8689622" cy="3028521"/>
           </a:xfrm>
         </p:spPr>
         <p:txBody>
@@ -7714,16 +9712,43 @@
             </a:pPr>
             <a:r>
               <a:rPr lang="en-US" altLang="zh-TW" sz="2400" dirty="0" smtClean="0"/>
-              <a:t>Yellow </a:t>
+              <a:t>Pros</a:t>
             </a:r>
+          </a:p>
+          <a:p>
+            <a:pPr marL="1028700" lvl="2" indent="-342900">
+              <a:buClr>
+                <a:schemeClr val="accent1"/>
+              </a:buClr>
+              <a:buFont typeface="Wingdings" panose="05000000000000000000" pitchFamily="2" charset="2"/>
+              <a:buChar char="l"/>
+            </a:pPr>
             <a:r>
-              <a:rPr lang="en-US" altLang="zh-TW" sz="2400" dirty="0" smtClean="0"/>
-              <a:t>fruit </a:t>
+              <a:rPr lang="en-US" altLang="zh-TW" sz="2000" dirty="0" smtClean="0"/>
+              <a:t>Simple</a:t>
             </a:r>
+          </a:p>
+          <a:p>
+            <a:pPr marL="1028700" lvl="2" indent="-342900">
+              <a:buClr>
+                <a:schemeClr val="accent1"/>
+              </a:buClr>
+              <a:buFont typeface="Wingdings" panose="05000000000000000000" pitchFamily="2" charset="2"/>
+              <a:buChar char="l"/>
+            </a:pPr>
             <a:r>
-              <a:rPr lang="en-US" altLang="zh-TW" sz="2400" dirty="0" smtClean="0"/>
-              <a:t>are banana</a:t>
+              <a:rPr lang="en-US" altLang="zh-TW" sz="2000" dirty="0" smtClean="0"/>
+              <a:t>Fast</a:t>
             </a:r>
+          </a:p>
+          <a:p>
+            <a:pPr marL="685800" lvl="2" indent="0">
+              <a:buClr>
+                <a:schemeClr val="accent1"/>
+              </a:buClr>
+              <a:buNone/>
+            </a:pPr>
+            <a:endParaRPr lang="en-US" altLang="zh-TW" sz="2000" dirty="0" smtClean="0"/>
           </a:p>
           <a:p>
             <a:pPr lvl="1" indent="-457200">
@@ -7732,19 +9757,40 @@
             </a:pPr>
             <a:r>
               <a:rPr lang="en-US" altLang="zh-TW" sz="2400" dirty="0" smtClean="0"/>
-              <a:t>Simple</a:t>
+              <a:t>Cons</a:t>
             </a:r>
           </a:p>
           <a:p>
-            <a:pPr lvl="1" indent="-457200">
+            <a:pPr marL="1028700" lvl="2" indent="-342900">
+              <a:buClr>
+                <a:schemeClr val="accent1"/>
+              </a:buClr>
+              <a:buFont typeface="Wingdings" panose="05000000000000000000" pitchFamily="2" charset="2"/>
+              <a:buChar char="l"/>
+            </a:pPr>
+            <a:r>
+              <a:rPr lang="en-US" altLang="zh-TW" sz="2000" dirty="0"/>
+              <a:t>Not </a:t>
+            </a:r>
+            <a:r>
+              <a:rPr lang="en-US" altLang="zh-TW" sz="2000" dirty="0" smtClean="0"/>
+              <a:t>accuracy ( slight better than 50% )</a:t>
+            </a:r>
+            <a:endParaRPr lang="en-US" altLang="zh-TW" sz="2000" dirty="0"/>
+          </a:p>
+          <a:p>
+            <a:pPr lvl="2" indent="-457200">
               <a:buFont typeface="Wingdings" pitchFamily="2" charset="2"/>
               <a:buChar char="l"/>
             </a:pPr>
-            <a:r>
-              <a:rPr lang="en-US" altLang="zh-TW" sz="2400" dirty="0" smtClean="0"/>
-              <a:t>Better than 50%</a:t>
-            </a:r>
-            <a:endParaRPr lang="en-US" altLang="zh-TW" sz="2400" dirty="0" smtClean="0"/>
+            <a:endParaRPr lang="en-US" altLang="zh-TW" sz="2000" dirty="0"/>
+          </a:p>
+          <a:p>
+            <a:pPr lvl="2" indent="-457200">
+              <a:buFont typeface="Wingdings" pitchFamily="2" charset="2"/>
+              <a:buChar char="l"/>
+            </a:pPr>
+            <a:endParaRPr lang="en-US" altLang="zh-TW" sz="2000" dirty="0" smtClean="0"/>
           </a:p>
         </p:txBody>
       </p:sp>
@@ -7795,7 +9841,7 @@
         </p:nvCxnSpPr>
         <p:spPr>
           <a:xfrm>
-            <a:off x="2336248" y="3994720"/>
+            <a:off x="2134227" y="4802789"/>
             <a:ext cx="5892800" cy="0"/>
           </a:xfrm>
           <a:prstGeom prst="line">
@@ -7827,7 +9873,7 @@
         </p:nvCxnSpPr>
         <p:spPr>
           <a:xfrm flipV="1">
-            <a:off x="2327866" y="3765240"/>
+            <a:off x="2125845" y="4573309"/>
             <a:ext cx="0" cy="512671"/>
           </a:xfrm>
           <a:prstGeom prst="line">
@@ -7859,7 +9905,7 @@
         </p:nvCxnSpPr>
         <p:spPr>
           <a:xfrm flipV="1">
-            <a:off x="8254449" y="3723781"/>
+            <a:off x="8052428" y="4531850"/>
             <a:ext cx="0" cy="490114"/>
           </a:xfrm>
           <a:prstGeom prst="line">
@@ -7891,7 +9937,7 @@
         </p:nvCxnSpPr>
         <p:spPr>
           <a:xfrm flipH="1" flipV="1">
-            <a:off x="5223381" y="3715314"/>
+            <a:off x="5021360" y="4523383"/>
             <a:ext cx="11510" cy="498581"/>
           </a:xfrm>
           <a:prstGeom prst="line">
@@ -7923,7 +9969,7 @@
         </p:nvSpPr>
         <p:spPr>
           <a:xfrm>
-            <a:off x="2154157" y="4534390"/>
+            <a:off x="1952136" y="5342459"/>
             <a:ext cx="312906" cy="369332"/>
           </a:xfrm>
           <a:prstGeom prst="rect">
@@ -7953,7 +9999,7 @@
         </p:nvSpPr>
         <p:spPr>
           <a:xfrm>
-            <a:off x="7867163" y="4534390"/>
+            <a:off x="7665142" y="5342459"/>
             <a:ext cx="774571" cy="369332"/>
           </a:xfrm>
           <a:prstGeom prst="rect">
@@ -7983,7 +10029,7 @@
         </p:nvSpPr>
         <p:spPr>
           <a:xfrm>
-            <a:off x="4982258" y="4534362"/>
+            <a:off x="4780237" y="5342431"/>
             <a:ext cx="646331" cy="369332"/>
           </a:xfrm>
           <a:prstGeom prst="rect">
@@ -8013,7 +10059,7 @@
         </p:nvSpPr>
         <p:spPr>
           <a:xfrm>
-            <a:off x="705414" y="3715313"/>
+            <a:off x="503393" y="4523382"/>
             <a:ext cx="1265090" cy="400110"/>
           </a:xfrm>
           <a:prstGeom prst="rect">
@@ -8043,7 +10089,7 @@
         </p:nvSpPr>
         <p:spPr>
           <a:xfrm rot="5400000">
-            <a:off x="4527588" y="2952898"/>
+            <a:off x="4325567" y="3760967"/>
             <a:ext cx="466737" cy="924847"/>
           </a:xfrm>
           <a:prstGeom prst="leftBrace">
@@ -8087,7 +10133,7 @@
         </p:nvSpPr>
         <p:spPr>
           <a:xfrm>
-            <a:off x="4112661" y="2821042"/>
+            <a:off x="3910640" y="3629111"/>
             <a:ext cx="1720215" cy="307777"/>
           </a:xfrm>
           <a:prstGeom prst="rect">
@@ -8159,7 +10205,7 @@
         </p:nvSpPr>
         <p:spPr>
           <a:xfrm rot="5400000">
-            <a:off x="2499644" y="3052281"/>
+            <a:off x="2297623" y="3860350"/>
             <a:ext cx="435023" cy="728133"/>
           </a:xfrm>
           <a:prstGeom prst="leftBrace">
@@ -8203,7 +10249,7 @@
         </p:nvSpPr>
         <p:spPr>
           <a:xfrm>
-            <a:off x="1970504" y="2829503"/>
+            <a:off x="1768483" y="3637572"/>
             <a:ext cx="1824217" cy="307777"/>
           </a:xfrm>
           <a:prstGeom prst="rect">
@@ -8270,959 +10316,7 @@
     </p:spTree>
     <p:extLst>
       <p:ext uri="{BB962C8B-B14F-4D97-AF65-F5344CB8AC3E}">
-        <p14:creationId xmlns:p14="http://schemas.microsoft.com/office/powerpoint/2010/main" xmlns="" val="3040030372"/>
-      </p:ext>
-    </p:extLst>
-  </p:cSld>
-  <p:clrMapOvr>
-    <a:masterClrMapping/>
-  </p:clrMapOvr>
-  <p:timing>
-    <p:tnLst>
-      <p:par>
-        <p:cTn id="1" dur="indefinite" restart="never" nodeType="tmRoot"/>
-      </p:par>
-    </p:tnLst>
-  </p:timing>
-</p:sld>
-</file>
-
-<file path=ppt/slides/slide13.xml><?xml version="1.0" encoding="utf-8"?>
-<p:sld xmlns:a="http://schemas.openxmlformats.org/drawingml/2006/main" xmlns:r="http://schemas.openxmlformats.org/officeDocument/2006/relationships" xmlns:p="http://schemas.openxmlformats.org/presentationml/2006/main">
-  <p:cSld>
-    <p:spTree>
-      <p:nvGrpSpPr>
-        <p:cNvPr id="1" name=""/>
-        <p:cNvGrpSpPr/>
-        <p:nvPr/>
-      </p:nvGrpSpPr>
-      <p:grpSpPr>
-        <a:xfrm>
-          <a:off x="0" y="0"/>
-          <a:ext cx="0" cy="0"/>
-          <a:chOff x="0" y="0"/>
-          <a:chExt cx="0" cy="0"/>
-        </a:xfrm>
-      </p:grpSpPr>
-      <p:sp>
-        <p:nvSpPr>
-          <p:cNvPr id="4" name="Title 3"/>
-          <p:cNvSpPr>
-            <a:spLocks noGrp="1"/>
-          </p:cNvSpPr>
-          <p:nvPr>
-            <p:ph type="title"/>
-          </p:nvPr>
-        </p:nvSpPr>
-        <p:spPr>
-          <a:xfrm>
-            <a:off x="228600" y="228600"/>
-            <a:ext cx="4137928" cy="492443"/>
-          </a:xfrm>
-        </p:spPr>
-        <p:txBody>
-          <a:bodyPr/>
-          <a:lstStyle/>
-          <a:p>
-            <a:pPr marL="342900" lvl="1" indent="-342900" algn="l" defTabSz="457200" rtl="0">
-              <a:spcBef>
-                <a:spcPct val="0"/>
-              </a:spcBef>
-              <a:defRPr/>
-            </a:pPr>
-            <a:r>
-              <a:rPr lang="en-US" altLang="zh-TW" sz="3200" kern="1200" dirty="0">
-                <a:solidFill>
-                  <a:schemeClr val="tx1"/>
-                </a:solidFill>
-                <a:latin typeface="+mj-lt"/>
-                <a:ea typeface="+mj-ea"/>
-                <a:cs typeface="+mj-cs"/>
-              </a:rPr>
-              <a:t>Weak classifier learner</a:t>
-            </a:r>
-          </a:p>
-        </p:txBody>
-      </p:sp>
-    </p:spTree>
-    <p:extLst>
-      <p:ext uri="{BB962C8B-B14F-4D97-AF65-F5344CB8AC3E}">
-        <p14:creationId xmlns:p14="http://schemas.microsoft.com/office/powerpoint/2010/main" xmlns="" val="3040030372"/>
-      </p:ext>
-    </p:extLst>
-  </p:cSld>
-  <p:clrMapOvr>
-    <a:masterClrMapping/>
-  </p:clrMapOvr>
-  <p:timing>
-    <p:tnLst>
-      <p:par>
-        <p:cTn id="1" dur="indefinite" restart="never" nodeType="tmRoot"/>
-      </p:par>
-    </p:tnLst>
-  </p:timing>
-</p:sld>
-</file>
-
-<file path=ppt/slides/slide14.xml><?xml version="1.0" encoding="utf-8"?>
-<p:sld xmlns:a="http://schemas.openxmlformats.org/drawingml/2006/main" xmlns:r="http://schemas.openxmlformats.org/officeDocument/2006/relationships" xmlns:p="http://schemas.openxmlformats.org/presentationml/2006/main">
-  <p:cSld>
-    <p:spTree>
-      <p:nvGrpSpPr>
-        <p:cNvPr id="1" name=""/>
-        <p:cNvGrpSpPr/>
-        <p:nvPr/>
-      </p:nvGrpSpPr>
-      <p:grpSpPr>
-        <a:xfrm>
-          <a:off x="0" y="0"/>
-          <a:ext cx="0" cy="0"/>
-          <a:chOff x="0" y="0"/>
-          <a:chExt cx="0" cy="0"/>
-        </a:xfrm>
-      </p:grpSpPr>
-      <p:sp>
-        <p:nvSpPr>
-          <p:cNvPr id="3" name="Content Placeholder 2"/>
-          <p:cNvSpPr>
-            <a:spLocks noGrp="1"/>
-          </p:cNvSpPr>
-          <p:nvPr>
-            <p:ph idx="1"/>
-          </p:nvPr>
-        </p:nvSpPr>
-        <p:spPr>
-          <a:xfrm>
-            <a:off x="228600" y="986319"/>
-            <a:ext cx="8689622" cy="812530"/>
-          </a:xfrm>
-        </p:spPr>
-        <p:txBody>
-          <a:bodyPr/>
-          <a:lstStyle/>
-          <a:p>
-            <a:pPr marL="1200150" lvl="1" indent="-457200">
-              <a:buNone/>
-            </a:pPr>
-            <a:endParaRPr lang="en-US" altLang="zh-TW" sz="2400" dirty="0" smtClean="0">
-              <a:latin typeface="Arial"/>
-            </a:endParaRPr>
-          </a:p>
-          <a:p>
-            <a:pPr marL="1200150" lvl="1" indent="-457200">
-              <a:buFont typeface="Wingdings" pitchFamily="2" charset="2"/>
-              <a:buChar char="l"/>
-            </a:pPr>
-            <a:endParaRPr lang="en-US" altLang="zh-TW" sz="2400" dirty="0" smtClean="0">
-              <a:latin typeface="Arial"/>
-            </a:endParaRPr>
-          </a:p>
-        </p:txBody>
-      </p:sp>
-      <p:sp>
-        <p:nvSpPr>
-          <p:cNvPr id="4" name="Title 3"/>
-          <p:cNvSpPr>
-            <a:spLocks noGrp="1"/>
-          </p:cNvSpPr>
-          <p:nvPr>
-            <p:ph type="title"/>
-          </p:nvPr>
-        </p:nvSpPr>
-        <p:spPr>
-          <a:xfrm>
-            <a:off x="228600" y="228600"/>
-            <a:ext cx="2802049" cy="492443"/>
-          </a:xfrm>
-        </p:spPr>
-        <p:txBody>
-          <a:bodyPr/>
-          <a:lstStyle/>
-          <a:p>
-            <a:pPr marL="342900" indent="-342900"/>
-            <a:r>
-              <a:rPr lang="en-US" altLang="zh-TW" sz="3200" dirty="0" smtClean="0">
-                <a:solidFill>
-                  <a:schemeClr val="tx1"/>
-                </a:solidFill>
-                <a:latin typeface="+mj-lt"/>
-              </a:rPr>
-              <a:t>Decision stump</a:t>
-            </a:r>
-            <a:endParaRPr lang="en-US" altLang="zh-TW" sz="3200" dirty="0">
-              <a:solidFill>
-                <a:schemeClr val="tx1"/>
-              </a:solidFill>
-              <a:latin typeface="+mj-lt"/>
-            </a:endParaRPr>
-          </a:p>
-        </p:txBody>
-      </p:sp>
-      <p:sp>
-        <p:nvSpPr>
-          <p:cNvPr id="10" name="Content Placeholder 2"/>
-          <p:cNvSpPr txBox="1">
-            <a:spLocks/>
-          </p:cNvSpPr>
-          <p:nvPr/>
-        </p:nvSpPr>
-        <p:spPr>
-          <a:xfrm>
-            <a:off x="228600" y="986320"/>
-            <a:ext cx="8689622" cy="5687711"/>
-          </a:xfrm>
-          <a:prstGeom prst="rect">
-            <a:avLst/>
-          </a:prstGeom>
-        </p:spPr>
-        <p:txBody>
-          <a:bodyPr vert="horz" wrap="square" lIns="0" tIns="0" rIns="0" bIns="0" rtlCol="0">
-            <a:spAutoFit/>
-          </a:bodyPr>
-          <a:lstStyle/>
-          <a:p>
-            <a:pPr marL="1200150" marR="0" lvl="1" indent="-457200" algn="l" defTabSz="457200" rtl="0" eaLnBrk="1" fontAlgn="auto" latinLnBrk="0" hangingPunct="1">
-              <a:lnSpc>
-                <a:spcPct val="100000"/>
-              </a:lnSpc>
-              <a:spcBef>
-                <a:spcPct val="20000"/>
-              </a:spcBef>
-              <a:spcAft>
-                <a:spcPts val="0"/>
-              </a:spcAft>
-              <a:buClrTx/>
-              <a:buSzTx/>
-              <a:buFont typeface="Wingdings" pitchFamily="2" charset="2"/>
-              <a:buChar char="l"/>
-              <a:tabLst/>
-              <a:defRPr/>
-            </a:pPr>
-            <a:r>
-              <a:rPr lang="en-US" altLang="zh-TW" sz="2400" dirty="0" smtClean="0">
-                <a:latin typeface="Arial"/>
-              </a:rPr>
-              <a:t>Classify by one attribute of data</a:t>
-            </a:r>
-          </a:p>
-          <a:p>
-            <a:pPr marL="1200150" marR="0" lvl="1" indent="-457200" algn="l" defTabSz="457200" rtl="0" eaLnBrk="1" fontAlgn="auto" latinLnBrk="0" hangingPunct="1">
-              <a:lnSpc>
-                <a:spcPct val="100000"/>
-              </a:lnSpc>
-              <a:spcBef>
-                <a:spcPct val="20000"/>
-              </a:spcBef>
-              <a:spcAft>
-                <a:spcPts val="0"/>
-              </a:spcAft>
-              <a:buClrTx/>
-              <a:buSzTx/>
-              <a:buFont typeface="Wingdings" pitchFamily="2" charset="2"/>
-              <a:buChar char="l"/>
-              <a:tabLst/>
-              <a:defRPr/>
-            </a:pPr>
-            <a:endParaRPr kumimoji="0" lang="en-US" altLang="zh-TW" sz="2400" b="0" i="0" u="none" strike="noStrike" kern="1200" cap="none" spc="0" normalizeH="0" baseline="0" noProof="0" dirty="0" smtClean="0">
-              <a:ln>
-                <a:noFill/>
-              </a:ln>
-              <a:solidFill>
-                <a:schemeClr val="tx1"/>
-              </a:solidFill>
-              <a:effectLst/>
-              <a:uLnTx/>
-              <a:uFillTx/>
-              <a:latin typeface="Arial"/>
-              <a:ea typeface="+mn-ea"/>
-              <a:cs typeface="+mn-cs"/>
-            </a:endParaRPr>
-          </a:p>
-          <a:p>
-            <a:pPr marL="1200150" marR="0" lvl="1" indent="-457200" algn="l" defTabSz="457200" rtl="0" eaLnBrk="1" fontAlgn="auto" latinLnBrk="0" hangingPunct="1">
-              <a:lnSpc>
-                <a:spcPct val="100000"/>
-              </a:lnSpc>
-              <a:spcBef>
-                <a:spcPct val="20000"/>
-              </a:spcBef>
-              <a:spcAft>
-                <a:spcPts val="0"/>
-              </a:spcAft>
-              <a:buClrTx/>
-              <a:buSzTx/>
-              <a:tabLst/>
-              <a:defRPr/>
-            </a:pPr>
-            <a:endParaRPr kumimoji="0" lang="en-US" altLang="zh-TW" sz="2400" b="0" i="0" u="none" strike="noStrike" kern="1200" cap="none" spc="0" normalizeH="0" baseline="0" noProof="0" dirty="0" smtClean="0">
-              <a:ln>
-                <a:noFill/>
-              </a:ln>
-              <a:solidFill>
-                <a:schemeClr val="tx1"/>
-              </a:solidFill>
-              <a:effectLst/>
-              <a:uLnTx/>
-              <a:uFillTx/>
-              <a:latin typeface="Arial"/>
-              <a:ea typeface="+mn-ea"/>
-              <a:cs typeface="+mn-cs"/>
-            </a:endParaRPr>
-          </a:p>
-          <a:p>
-            <a:pPr marL="1200150" marR="0" lvl="1" indent="-457200" algn="l" defTabSz="457200" rtl="0" eaLnBrk="1" fontAlgn="auto" latinLnBrk="0" hangingPunct="1">
-              <a:lnSpc>
-                <a:spcPct val="100000"/>
-              </a:lnSpc>
-              <a:spcBef>
-                <a:spcPct val="20000"/>
-              </a:spcBef>
-              <a:spcAft>
-                <a:spcPts val="0"/>
-              </a:spcAft>
-              <a:buClrTx/>
-              <a:buSzTx/>
-              <a:buFont typeface="Wingdings" pitchFamily="2" charset="2"/>
-              <a:buChar char="l"/>
-              <a:tabLst/>
-              <a:defRPr/>
-            </a:pPr>
-            <a:endParaRPr kumimoji="0" lang="en-US" altLang="zh-TW" sz="2400" b="0" i="0" u="none" strike="noStrike" kern="1200" cap="none" spc="0" normalizeH="0" baseline="0" noProof="0" dirty="0" smtClean="0">
-              <a:ln>
-                <a:noFill/>
-              </a:ln>
-              <a:solidFill>
-                <a:schemeClr val="tx1"/>
-              </a:solidFill>
-              <a:effectLst/>
-              <a:uLnTx/>
-              <a:uFillTx/>
-              <a:latin typeface="Arial"/>
-              <a:ea typeface="+mn-ea"/>
-              <a:cs typeface="+mn-cs"/>
-            </a:endParaRPr>
-          </a:p>
-          <a:p>
-            <a:pPr marL="1200150" marR="0" lvl="1" indent="-457200" algn="l" defTabSz="457200" rtl="0" eaLnBrk="1" fontAlgn="auto" latinLnBrk="0" hangingPunct="1">
-              <a:lnSpc>
-                <a:spcPct val="100000"/>
-              </a:lnSpc>
-              <a:spcBef>
-                <a:spcPct val="20000"/>
-              </a:spcBef>
-              <a:spcAft>
-                <a:spcPts val="0"/>
-              </a:spcAft>
-              <a:buClrTx/>
-              <a:buSzTx/>
-              <a:buFont typeface="Wingdings" pitchFamily="2" charset="2"/>
-              <a:buChar char="l"/>
-              <a:tabLst/>
-              <a:defRPr/>
-            </a:pPr>
-            <a:r>
-              <a:rPr lang="en-US" altLang="zh-TW" sz="2400" dirty="0" smtClean="0">
-                <a:latin typeface="Arial"/>
-              </a:rPr>
-              <a:t>If  sleep hours &gt;= 7 hours </a:t>
-            </a:r>
-            <a:r>
-              <a:rPr lang="en-US" altLang="zh-TW" sz="2400" dirty="0" smtClean="0">
-                <a:latin typeface="Arial"/>
-                <a:sym typeface="Wingdings" pitchFamily="2" charset="2"/>
-              </a:rPr>
-              <a:t></a:t>
-            </a:r>
-            <a:r>
-              <a:rPr lang="en-US" altLang="zh-TW" sz="2400" dirty="0" smtClean="0">
-                <a:latin typeface="Arial"/>
-              </a:rPr>
-              <a:t> +1 else -1</a:t>
-            </a:r>
-          </a:p>
-          <a:p>
-            <a:pPr marL="1200150" marR="0" lvl="1" indent="-457200" algn="l" defTabSz="457200" rtl="0" eaLnBrk="1" fontAlgn="auto" latinLnBrk="0" hangingPunct="1">
-              <a:lnSpc>
-                <a:spcPct val="100000"/>
-              </a:lnSpc>
-              <a:spcBef>
-                <a:spcPct val="20000"/>
-              </a:spcBef>
-              <a:spcAft>
-                <a:spcPts val="0"/>
-              </a:spcAft>
-              <a:buClrTx/>
-              <a:buSzTx/>
-              <a:buFont typeface="Wingdings" pitchFamily="2" charset="2"/>
-              <a:buChar char="l"/>
-              <a:tabLst/>
-              <a:defRPr/>
-            </a:pPr>
-            <a:r>
-              <a:rPr lang="en-US" altLang="zh-TW" sz="2400" dirty="0" smtClean="0">
-                <a:latin typeface="Arial"/>
-              </a:rPr>
-              <a:t>If exercise time &gt;= 1 hour </a:t>
-            </a:r>
-            <a:r>
-              <a:rPr lang="en-US" altLang="zh-TW" sz="2400" dirty="0" smtClean="0">
-                <a:latin typeface="Arial"/>
-                <a:sym typeface="Wingdings" pitchFamily="2" charset="2"/>
-              </a:rPr>
-              <a:t> +1 else -1</a:t>
-            </a:r>
-            <a:endParaRPr lang="en-US" altLang="zh-TW" sz="2400" dirty="0" smtClean="0">
-              <a:latin typeface="Arial"/>
-            </a:endParaRPr>
-          </a:p>
-          <a:p>
-            <a:pPr marL="1200150" marR="0" lvl="1" indent="-457200" algn="l" defTabSz="457200" rtl="0" eaLnBrk="1" fontAlgn="auto" latinLnBrk="0" hangingPunct="1">
-              <a:lnSpc>
-                <a:spcPct val="100000"/>
-              </a:lnSpc>
-              <a:spcBef>
-                <a:spcPct val="20000"/>
-              </a:spcBef>
-              <a:spcAft>
-                <a:spcPts val="0"/>
-              </a:spcAft>
-              <a:buClrTx/>
-              <a:buSzTx/>
-              <a:buFont typeface="Wingdings" pitchFamily="2" charset="2"/>
-              <a:buChar char="l"/>
-              <a:tabLst/>
-              <a:defRPr/>
-            </a:pPr>
-            <a:r>
-              <a:rPr kumimoji="0" lang="en-US" altLang="zh-TW" sz="2400" b="0" i="0" u="none" strike="noStrike" kern="1200" cap="none" spc="0" normalizeH="0" baseline="0" noProof="0" dirty="0" smtClean="0">
-                <a:ln>
-                  <a:noFill/>
-                </a:ln>
-                <a:solidFill>
-                  <a:schemeClr val="tx1"/>
-                </a:solidFill>
-                <a:effectLst/>
-                <a:uLnTx/>
-                <a:uFillTx/>
-                <a:latin typeface="Arial"/>
-                <a:ea typeface="+mn-ea"/>
-                <a:cs typeface="+mn-cs"/>
-              </a:rPr>
-              <a:t>Often a weak</a:t>
-            </a:r>
-            <a:r>
-              <a:rPr kumimoji="0" lang="en-US" altLang="zh-TW" sz="2400" b="0" i="0" u="none" strike="noStrike" kern="1200" cap="none" spc="0" normalizeH="0" noProof="0" dirty="0" smtClean="0">
-                <a:ln>
-                  <a:noFill/>
-                </a:ln>
-                <a:solidFill>
-                  <a:schemeClr val="tx1"/>
-                </a:solidFill>
-                <a:effectLst/>
-                <a:uLnTx/>
-                <a:uFillTx/>
-                <a:latin typeface="Arial"/>
-                <a:ea typeface="+mn-ea"/>
-                <a:cs typeface="+mn-cs"/>
-              </a:rPr>
-              <a:t> classifier</a:t>
-            </a:r>
-            <a:endParaRPr kumimoji="0" lang="en-US" altLang="zh-TW" sz="2400" b="0" i="0" u="none" strike="noStrike" kern="1200" cap="none" spc="0" normalizeH="0" baseline="0" noProof="0" dirty="0" smtClean="0">
-              <a:ln>
-                <a:noFill/>
-              </a:ln>
-              <a:solidFill>
-                <a:schemeClr val="tx1"/>
-              </a:solidFill>
-              <a:effectLst/>
-              <a:uLnTx/>
-              <a:uFillTx/>
-              <a:latin typeface="Arial"/>
-              <a:ea typeface="+mn-ea"/>
-              <a:cs typeface="+mn-cs"/>
-            </a:endParaRPr>
-          </a:p>
-          <a:p>
-            <a:pPr marL="1200150" marR="0" lvl="1" indent="-457200" algn="l" defTabSz="457200" rtl="0" eaLnBrk="1" fontAlgn="auto" latinLnBrk="0" hangingPunct="1">
-              <a:lnSpc>
-                <a:spcPct val="100000"/>
-              </a:lnSpc>
-              <a:spcBef>
-                <a:spcPct val="20000"/>
-              </a:spcBef>
-              <a:spcAft>
-                <a:spcPts val="0"/>
-              </a:spcAft>
-              <a:buClrTx/>
-              <a:buSzTx/>
-              <a:buFont typeface="Wingdings" pitchFamily="2" charset="2"/>
-              <a:buChar char="l"/>
-              <a:tabLst/>
-              <a:defRPr/>
-            </a:pPr>
-            <a:endParaRPr kumimoji="0" lang="en-US" altLang="zh-TW" sz="2400" b="0" i="0" u="none" strike="noStrike" kern="1200" cap="none" spc="0" normalizeH="0" baseline="0" noProof="0" dirty="0" smtClean="0">
-              <a:ln>
-                <a:noFill/>
-              </a:ln>
-              <a:solidFill>
-                <a:schemeClr val="tx1"/>
-              </a:solidFill>
-              <a:effectLst/>
-              <a:uLnTx/>
-              <a:uFillTx/>
-              <a:latin typeface="Arial"/>
-              <a:ea typeface="+mn-ea"/>
-              <a:cs typeface="+mn-cs"/>
-            </a:endParaRPr>
-          </a:p>
-          <a:p>
-            <a:pPr marL="1200150" marR="0" lvl="1" indent="-457200" algn="l" defTabSz="457200" rtl="0" eaLnBrk="1" fontAlgn="auto" latinLnBrk="0" hangingPunct="1">
-              <a:lnSpc>
-                <a:spcPct val="100000"/>
-              </a:lnSpc>
-              <a:spcBef>
-                <a:spcPct val="20000"/>
-              </a:spcBef>
-              <a:spcAft>
-                <a:spcPts val="0"/>
-              </a:spcAft>
-              <a:buClrTx/>
-              <a:buSzTx/>
-              <a:buFont typeface="Wingdings" pitchFamily="2" charset="2"/>
-              <a:buChar char="l"/>
-              <a:tabLst/>
-              <a:defRPr/>
-            </a:pPr>
-            <a:endParaRPr kumimoji="0" lang="en-US" altLang="zh-TW" sz="2400" b="0" i="0" u="none" strike="noStrike" kern="1200" cap="none" spc="0" normalizeH="0" baseline="0" noProof="0" dirty="0" smtClean="0">
-              <a:ln>
-                <a:noFill/>
-              </a:ln>
-              <a:solidFill>
-                <a:schemeClr val="tx1"/>
-              </a:solidFill>
-              <a:effectLst/>
-              <a:uLnTx/>
-              <a:uFillTx/>
-              <a:latin typeface="Arial"/>
-              <a:ea typeface="+mn-ea"/>
-              <a:cs typeface="+mn-cs"/>
-            </a:endParaRPr>
-          </a:p>
-          <a:p>
-            <a:pPr marL="1200150" marR="0" lvl="1" indent="-457200" algn="l" defTabSz="457200" rtl="0" eaLnBrk="1" fontAlgn="auto" latinLnBrk="0" hangingPunct="1">
-              <a:lnSpc>
-                <a:spcPct val="100000"/>
-              </a:lnSpc>
-              <a:spcBef>
-                <a:spcPct val="20000"/>
-              </a:spcBef>
-              <a:spcAft>
-                <a:spcPts val="0"/>
-              </a:spcAft>
-              <a:buClrTx/>
-              <a:buSzTx/>
-              <a:buFont typeface="Wingdings" pitchFamily="2" charset="2"/>
-              <a:buChar char="l"/>
-              <a:tabLst/>
-              <a:defRPr/>
-            </a:pPr>
-            <a:endParaRPr kumimoji="0" lang="en-US" altLang="zh-TW" sz="2400" b="0" i="0" u="none" strike="noStrike" kern="1200" cap="none" spc="0" normalizeH="0" baseline="0" noProof="0" dirty="0" smtClean="0">
-              <a:ln>
-                <a:noFill/>
-              </a:ln>
-              <a:solidFill>
-                <a:schemeClr val="tx1"/>
-              </a:solidFill>
-              <a:effectLst/>
-              <a:uLnTx/>
-              <a:uFillTx/>
-              <a:latin typeface="Arial"/>
-              <a:ea typeface="+mn-ea"/>
-              <a:cs typeface="+mn-cs"/>
-            </a:endParaRPr>
-          </a:p>
-          <a:p>
-            <a:pPr marL="1200150" marR="0" lvl="1" indent="-457200" algn="l" defTabSz="457200" rtl="0" eaLnBrk="1" fontAlgn="auto" latinLnBrk="0" hangingPunct="1">
-              <a:lnSpc>
-                <a:spcPct val="100000"/>
-              </a:lnSpc>
-              <a:spcBef>
-                <a:spcPct val="20000"/>
-              </a:spcBef>
-              <a:spcAft>
-                <a:spcPts val="0"/>
-              </a:spcAft>
-              <a:buClrTx/>
-              <a:buSzTx/>
-              <a:buFont typeface="Wingdings" pitchFamily="2" charset="2"/>
-              <a:buChar char="l"/>
-              <a:tabLst/>
-              <a:defRPr/>
-            </a:pPr>
-            <a:endParaRPr kumimoji="0" lang="en-US" altLang="zh-TW" sz="2400" b="0" i="0" u="none" strike="noStrike" kern="1200" cap="none" spc="0" normalizeH="0" baseline="0" noProof="0" dirty="0" smtClean="0">
-              <a:ln>
-                <a:noFill/>
-              </a:ln>
-              <a:solidFill>
-                <a:schemeClr val="tx1"/>
-              </a:solidFill>
-              <a:effectLst/>
-              <a:uLnTx/>
-              <a:uFillTx/>
-              <a:latin typeface="Arial"/>
-              <a:ea typeface="+mn-ea"/>
-              <a:cs typeface="+mn-cs"/>
-            </a:endParaRPr>
-          </a:p>
-          <a:p>
-            <a:pPr marL="1200150" marR="0" lvl="1" indent="-457200" algn="l" defTabSz="457200" rtl="0" eaLnBrk="1" fontAlgn="auto" latinLnBrk="0" hangingPunct="1">
-              <a:lnSpc>
-                <a:spcPct val="100000"/>
-              </a:lnSpc>
-              <a:spcBef>
-                <a:spcPct val="20000"/>
-              </a:spcBef>
-              <a:spcAft>
-                <a:spcPts val="0"/>
-              </a:spcAft>
-              <a:buClrTx/>
-              <a:buSzTx/>
-              <a:buFont typeface="Arial"/>
-              <a:buNone/>
-              <a:tabLst/>
-              <a:defRPr/>
-            </a:pPr>
-            <a:endParaRPr kumimoji="0" lang="en-US" altLang="zh-TW" sz="2400" b="0" i="0" u="none" strike="noStrike" kern="1200" cap="none" spc="0" normalizeH="0" baseline="0" noProof="0" dirty="0" smtClean="0">
-              <a:ln>
-                <a:noFill/>
-              </a:ln>
-              <a:solidFill>
-                <a:schemeClr val="tx1"/>
-              </a:solidFill>
-              <a:effectLst/>
-              <a:uLnTx/>
-              <a:uFillTx/>
-              <a:latin typeface="Arial"/>
-              <a:ea typeface="+mn-ea"/>
-              <a:cs typeface="+mn-cs"/>
-            </a:endParaRPr>
-          </a:p>
-          <a:p>
-            <a:pPr marL="1200150" marR="0" lvl="1" indent="-457200" algn="l" defTabSz="457200" rtl="0" eaLnBrk="1" fontAlgn="auto" latinLnBrk="0" hangingPunct="1">
-              <a:lnSpc>
-                <a:spcPct val="100000"/>
-              </a:lnSpc>
-              <a:spcBef>
-                <a:spcPct val="20000"/>
-              </a:spcBef>
-              <a:spcAft>
-                <a:spcPts val="0"/>
-              </a:spcAft>
-              <a:buClrTx/>
-              <a:buSzTx/>
-              <a:buFont typeface="Arial"/>
-              <a:buNone/>
-              <a:tabLst/>
-              <a:defRPr/>
-            </a:pPr>
-            <a:endParaRPr kumimoji="0" lang="en-US" altLang="zh-TW" sz="2400" b="0" i="0" u="none" strike="noStrike" kern="1200" cap="none" spc="0" normalizeH="0" baseline="0" noProof="0" dirty="0" smtClean="0">
-              <a:ln>
-                <a:noFill/>
-              </a:ln>
-              <a:solidFill>
-                <a:schemeClr val="tx1"/>
-              </a:solidFill>
-              <a:effectLst/>
-              <a:uLnTx/>
-              <a:uFillTx/>
-              <a:latin typeface="Arial"/>
-              <a:ea typeface="+mn-ea"/>
-              <a:cs typeface="+mn-cs"/>
-            </a:endParaRPr>
-          </a:p>
-        </p:txBody>
-      </p:sp>
-      <p:graphicFrame>
-        <p:nvGraphicFramePr>
-          <p:cNvPr id="11" name="表格 10"/>
-          <p:cNvGraphicFramePr/>
-          <p:nvPr>
-            <p:extLst>
-              <p:ext uri="{D42A27DB-BD31-4B8C-83A1-F6EECF244321}">
-                <p14:modId xmlns:p14="http://schemas.microsoft.com/office/powerpoint/2010/main" xmlns="" val="699112820"/>
-              </p:ext>
-            </p:extLst>
-          </p:nvPr>
-        </p:nvGraphicFramePr>
-        <p:xfrm>
-          <a:off x="1531218" y="1659467"/>
-          <a:ext cx="3971336" cy="741680"/>
-        </p:xfrm>
-        <a:graphic>
-          <a:graphicData uri="http://schemas.openxmlformats.org/drawingml/2006/table">
-            <a:tbl>
-              <a:tblPr>
-                <a:tableStyleId>{5C22544A-7EE6-4342-B048-85BDC9FD1C3A}</a:tableStyleId>
-              </a:tblPr>
-              <a:tblGrid>
-                <a:gridCol w="2188155">
-                  <a:extLst>
-                    <a:ext uri="{9D8B030D-6E8A-4147-A177-3AD203B41FA5}">
-                      <a16:colId xmlns:a16="http://schemas.microsoft.com/office/drawing/2014/main" xmlns="" val="3452721396"/>
-                    </a:ext>
-                  </a:extLst>
-                </a:gridCol>
-                <a:gridCol w="1783181">
-                  <a:extLst>
-                    <a:ext uri="{9D8B030D-6E8A-4147-A177-3AD203B41FA5}">
-                      <a16:colId xmlns:a16="http://schemas.microsoft.com/office/drawing/2014/main" xmlns="" val="3776235587"/>
-                    </a:ext>
-                  </a:extLst>
-                </a:gridCol>
-              </a:tblGrid>
-              <a:tr h="370840">
-                <a:tc>
-                  <a:txBody>
-                    <a:bodyPr/>
-                    <a:lstStyle/>
-                    <a:p>
-                      <a:r>
-                        <a:rPr lang="en-US" altLang="zh-TW" dirty="0" smtClean="0">
-                          <a:latin typeface="Arial" charset="0"/>
-                          <a:cs typeface="Arial" charset="0"/>
-                        </a:rPr>
-                        <a:t>Sleep hours</a:t>
-                      </a:r>
-                      <a:endParaRPr lang="zh-TW" altLang="en-US" dirty="0">
-                        <a:latin typeface="Arial" charset="0"/>
-                        <a:cs typeface="Arial" charset="0"/>
-                      </a:endParaRPr>
-                    </a:p>
-                  </a:txBody>
-                  <a:tcPr>
-                    <a:lnL w="12700" cap="flat" cmpd="sng" algn="ctr">
-                      <a:solidFill>
-                        <a:schemeClr val="tx1"/>
-                      </a:solidFill>
-                      <a:prstDash val="solid"/>
-                      <a:round/>
-                      <a:headEnd type="none" w="med" len="med"/>
-                      <a:tailEnd type="none" w="med" len="med"/>
-                    </a:lnL>
-                    <a:lnR w="12700" cap="flat" cmpd="sng" algn="ctr">
-                      <a:solidFill>
-                        <a:schemeClr val="tx1"/>
-                      </a:solidFill>
-                      <a:prstDash val="solid"/>
-                      <a:round/>
-                      <a:headEnd type="none" w="med" len="med"/>
-                      <a:tailEnd type="none" w="med" len="med"/>
-                    </a:lnR>
-                    <a:lnT w="12700" cap="flat" cmpd="sng" algn="ctr">
-                      <a:solidFill>
-                        <a:schemeClr val="tx1"/>
-                      </a:solidFill>
-                      <a:prstDash val="solid"/>
-                      <a:round/>
-                      <a:headEnd type="none" w="med" len="med"/>
-                      <a:tailEnd type="none" w="med" len="med"/>
-                    </a:lnT>
-                    <a:lnB w="12700" cap="flat" cmpd="sng" algn="ctr">
-                      <a:solidFill>
-                        <a:schemeClr val="tx1"/>
-                      </a:solidFill>
-                      <a:prstDash val="solid"/>
-                      <a:round/>
-                      <a:headEnd type="none" w="med" len="med"/>
-                      <a:tailEnd type="none" w="med" len="med"/>
-                    </a:lnB>
-                  </a:tcPr>
-                </a:tc>
-                <a:tc>
-                  <a:txBody>
-                    <a:bodyPr/>
-                    <a:lstStyle/>
-                    <a:p>
-                      <a:r>
-                        <a:rPr lang="zh-TW" altLang="en-US" dirty="0" smtClean="0"/>
-                        <a:t>7 </a:t>
-                      </a:r>
-                      <a:r>
-                        <a:rPr lang="en-US" altLang="zh-TW" dirty="0" smtClean="0"/>
-                        <a:t>hours</a:t>
-                      </a:r>
-                      <a:endParaRPr lang="zh-TW" altLang="en-US" dirty="0"/>
-                    </a:p>
-                  </a:txBody>
-                  <a:tcPr>
-                    <a:lnL w="12700" cap="flat" cmpd="sng" algn="ctr">
-                      <a:solidFill>
-                        <a:schemeClr val="tx1"/>
-                      </a:solidFill>
-                      <a:prstDash val="solid"/>
-                      <a:round/>
-                      <a:headEnd type="none" w="med" len="med"/>
-                      <a:tailEnd type="none" w="med" len="med"/>
-                    </a:lnL>
-                    <a:lnR w="12700" cap="flat" cmpd="sng" algn="ctr">
-                      <a:solidFill>
-                        <a:schemeClr val="tx1"/>
-                      </a:solidFill>
-                      <a:prstDash val="solid"/>
-                      <a:round/>
-                      <a:headEnd type="none" w="med" len="med"/>
-                      <a:tailEnd type="none" w="med" len="med"/>
-                    </a:lnR>
-                    <a:lnT w="12700" cap="flat" cmpd="sng" algn="ctr">
-                      <a:solidFill>
-                        <a:schemeClr val="tx1"/>
-                      </a:solidFill>
-                      <a:prstDash val="solid"/>
-                      <a:round/>
-                      <a:headEnd type="none" w="med" len="med"/>
-                      <a:tailEnd type="none" w="med" len="med"/>
-                    </a:lnT>
-                    <a:lnB w="12700" cap="flat" cmpd="sng" algn="ctr">
-                      <a:solidFill>
-                        <a:schemeClr val="tx1"/>
-                      </a:solidFill>
-                      <a:prstDash val="solid"/>
-                      <a:round/>
-                      <a:headEnd type="none" w="med" len="med"/>
-                      <a:tailEnd type="none" w="med" len="med"/>
-                    </a:lnB>
-                  </a:tcPr>
-                </a:tc>
-                <a:extLst>
-                  <a:ext uri="{0D108BD9-81ED-4DB2-BD59-A6C34878D82A}">
-                    <a16:rowId xmlns:a16="http://schemas.microsoft.com/office/drawing/2014/main" xmlns="" val="2399558479"/>
-                  </a:ext>
-                </a:extLst>
-              </a:tr>
-              <a:tr h="370840">
-                <a:tc>
-                  <a:txBody>
-                    <a:bodyPr/>
-                    <a:lstStyle/>
-                    <a:p>
-                      <a:r>
-                        <a:rPr lang="en-US" altLang="zh-TW" dirty="0" smtClean="0"/>
-                        <a:t>E</a:t>
-                      </a:r>
-                      <a:r>
-                        <a:rPr lang="zh-TW" altLang="en-US" dirty="0" smtClean="0"/>
-                        <a:t>xercise </a:t>
-                      </a:r>
-                      <a:r>
-                        <a:rPr lang="en-US" altLang="zh-TW" dirty="0" smtClean="0"/>
-                        <a:t>time</a:t>
-                      </a:r>
-                      <a:endParaRPr lang="zh-TW" altLang="en-US" dirty="0"/>
-                    </a:p>
-                  </a:txBody>
-                  <a:tcPr>
-                    <a:lnL w="12700" cap="flat" cmpd="sng" algn="ctr">
-                      <a:solidFill>
-                        <a:schemeClr val="tx1"/>
-                      </a:solidFill>
-                      <a:prstDash val="solid"/>
-                      <a:round/>
-                      <a:headEnd type="none" w="med" len="med"/>
-                      <a:tailEnd type="none" w="med" len="med"/>
-                    </a:lnL>
-                    <a:lnR w="12700" cap="flat" cmpd="sng" algn="ctr">
-                      <a:solidFill>
-                        <a:schemeClr val="tx1"/>
-                      </a:solidFill>
-                      <a:prstDash val="solid"/>
-                      <a:round/>
-                      <a:headEnd type="none" w="med" len="med"/>
-                      <a:tailEnd type="none" w="med" len="med"/>
-                    </a:lnR>
-                    <a:lnT w="12700" cap="flat" cmpd="sng" algn="ctr">
-                      <a:solidFill>
-                        <a:schemeClr val="tx1"/>
-                      </a:solidFill>
-                      <a:prstDash val="solid"/>
-                      <a:round/>
-                      <a:headEnd type="none" w="med" len="med"/>
-                      <a:tailEnd type="none" w="med" len="med"/>
-                    </a:lnT>
-                    <a:lnB w="12700" cap="flat" cmpd="sng" algn="ctr">
-                      <a:solidFill>
-                        <a:schemeClr val="tx1"/>
-                      </a:solidFill>
-                      <a:prstDash val="solid"/>
-                      <a:round/>
-                      <a:headEnd type="none" w="med" len="med"/>
-                      <a:tailEnd type="none" w="med" len="med"/>
-                    </a:lnB>
-                  </a:tcPr>
-                </a:tc>
-                <a:tc>
-                  <a:txBody>
-                    <a:bodyPr/>
-                    <a:lstStyle/>
-                    <a:p>
-                      <a:r>
-                        <a:rPr lang="zh-TW" altLang="en-US" dirty="0"/>
-                        <a:t>30 minutes</a:t>
-                      </a:r>
-                    </a:p>
-                  </a:txBody>
-                  <a:tcPr>
-                    <a:lnL w="12700" cap="flat" cmpd="sng" algn="ctr">
-                      <a:solidFill>
-                        <a:schemeClr val="tx1"/>
-                      </a:solidFill>
-                      <a:prstDash val="solid"/>
-                      <a:round/>
-                      <a:headEnd type="none" w="med" len="med"/>
-                      <a:tailEnd type="none" w="med" len="med"/>
-                    </a:lnL>
-                    <a:lnR w="12700" cap="flat" cmpd="sng" algn="ctr">
-                      <a:solidFill>
-                        <a:schemeClr val="tx1"/>
-                      </a:solidFill>
-                      <a:prstDash val="solid"/>
-                      <a:round/>
-                      <a:headEnd type="none" w="med" len="med"/>
-                      <a:tailEnd type="none" w="med" len="med"/>
-                    </a:lnR>
-                    <a:lnT w="12700" cap="flat" cmpd="sng" algn="ctr">
-                      <a:solidFill>
-                        <a:schemeClr val="tx1"/>
-                      </a:solidFill>
-                      <a:prstDash val="solid"/>
-                      <a:round/>
-                      <a:headEnd type="none" w="med" len="med"/>
-                      <a:tailEnd type="none" w="med" len="med"/>
-                    </a:lnT>
-                    <a:lnB w="12700" cap="flat" cmpd="sng" algn="ctr">
-                      <a:solidFill>
-                        <a:schemeClr val="tx1"/>
-                      </a:solidFill>
-                      <a:prstDash val="solid"/>
-                      <a:round/>
-                      <a:headEnd type="none" w="med" len="med"/>
-                      <a:tailEnd type="none" w="med" len="med"/>
-                    </a:lnB>
-                  </a:tcPr>
-                </a:tc>
-                <a:extLst>
-                  <a:ext uri="{0D108BD9-81ED-4DB2-BD59-A6C34878D82A}">
-                    <a16:rowId xmlns:a16="http://schemas.microsoft.com/office/drawing/2014/main" xmlns="" val="592403228"/>
-                  </a:ext>
-                </a:extLst>
-              </a:tr>
-            </a:tbl>
-          </a:graphicData>
-        </a:graphic>
-      </p:graphicFrame>
-    </p:spTree>
-    <p:extLst>
-      <p:ext uri="{BB962C8B-B14F-4D97-AF65-F5344CB8AC3E}">
-        <p14:creationId xmlns:p14="http://schemas.microsoft.com/office/powerpoint/2010/main" xmlns="" val="3040030372"/>
+        <p14:creationId xmlns:p14="http://schemas.microsoft.com/office/powerpoint/2010/main" val="3040030372"/>
       </p:ext>
     </p:extLst>
   </p:cSld>
@@ -9258,964 +10352,13 @@
       </p:grpSpPr>
       <p:sp>
         <p:nvSpPr>
-          <p:cNvPr id="4" name="Title 3"/>
-          <p:cNvSpPr>
-            <a:spLocks noGrp="1"/>
-          </p:cNvSpPr>
-          <p:nvPr>
-            <p:ph type="title"/>
-          </p:nvPr>
-        </p:nvSpPr>
-        <p:spPr>
-          <a:xfrm>
-            <a:off x="228600" y="228600"/>
-            <a:ext cx="7766550" cy="492443"/>
-          </a:xfrm>
-        </p:spPr>
-        <p:txBody>
-          <a:bodyPr/>
-          <a:lstStyle/>
-          <a:p>
-            <a:pPr marL="342900" indent="-342900"/>
-            <a:r>
-              <a:rPr lang="en-US" altLang="zh-TW" sz="3200" dirty="0" smtClean="0">
-                <a:solidFill>
-                  <a:schemeClr val="tx1"/>
-                </a:solidFill>
-                <a:latin typeface="+mj-lt"/>
-              </a:rPr>
-              <a:t>Decision stump are vertical/horizontal lines</a:t>
-            </a:r>
-            <a:endParaRPr lang="en-US" altLang="zh-TW" sz="3200" dirty="0">
-              <a:solidFill>
-                <a:schemeClr val="tx1"/>
-              </a:solidFill>
-              <a:latin typeface="+mj-lt"/>
-            </a:endParaRPr>
-          </a:p>
-        </p:txBody>
-      </p:sp>
-      <p:pic>
-        <p:nvPicPr>
-          <p:cNvPr id="2" name="圖片 1"/>
-          <p:cNvPicPr>
-            <a:picLocks noChangeAspect="1"/>
-          </p:cNvPicPr>
-          <p:nvPr/>
-        </p:nvPicPr>
-        <p:blipFill>
-          <a:blip r:embed="rId3">
-            <a:extLst>
-              <a:ext uri="{28A0092B-C50C-407E-A947-70E740481C1C}">
-                <a14:useLocalDpi xmlns:a14="http://schemas.microsoft.com/office/drawing/2010/main" xmlns="" val="0"/>
-              </a:ext>
-            </a:extLst>
-          </a:blip>
-          <a:stretch>
-            <a:fillRect/>
-          </a:stretch>
-        </p:blipFill>
-        <p:spPr>
-          <a:xfrm>
-            <a:off x="640938" y="894490"/>
-            <a:ext cx="7496549" cy="5600314"/>
-          </a:xfrm>
-          <a:prstGeom prst="rect">
-            <a:avLst/>
-          </a:prstGeom>
-        </p:spPr>
-      </p:pic>
-      <p:cxnSp>
-        <p:nvCxnSpPr>
-          <p:cNvPr id="5" name="直線接點 4"/>
-          <p:cNvCxnSpPr/>
-          <p:nvPr/>
-        </p:nvCxnSpPr>
-        <p:spPr>
-          <a:xfrm>
-            <a:off x="4803608" y="957129"/>
-            <a:ext cx="42728" cy="5359004"/>
-          </a:xfrm>
-          <a:prstGeom prst="line">
-            <a:avLst/>
-          </a:prstGeom>
-          <a:effectLst/>
-        </p:spPr>
-        <p:style>
-          <a:lnRef idx="3">
-            <a:schemeClr val="dk1"/>
-          </a:lnRef>
-          <a:fillRef idx="0">
-            <a:schemeClr val="dk1"/>
-          </a:fillRef>
-          <a:effectRef idx="2">
-            <a:schemeClr val="dk1"/>
-          </a:effectRef>
-          <a:fontRef idx="minor">
-            <a:schemeClr val="tx1"/>
-          </a:fontRef>
-        </p:style>
-      </p:cxnSp>
-      <p:sp>
-        <p:nvSpPr>
-          <p:cNvPr id="7" name="矩形 6"/>
-          <p:cNvSpPr/>
-          <p:nvPr/>
-        </p:nvSpPr>
-        <p:spPr>
-          <a:xfrm>
-            <a:off x="6239848" y="1692304"/>
-            <a:ext cx="410198" cy="410198"/>
-          </a:xfrm>
-          <a:prstGeom prst="rect">
-            <a:avLst/>
-          </a:prstGeom>
-          <a:noFill/>
-          <a:ln w="31750">
-            <a:solidFill>
-              <a:schemeClr val="tx1"/>
-            </a:solidFill>
-          </a:ln>
-          <a:effectLst/>
-        </p:spPr>
-        <p:style>
-          <a:lnRef idx="1">
-            <a:schemeClr val="accent1"/>
-          </a:lnRef>
-          <a:fillRef idx="3">
-            <a:schemeClr val="accent1"/>
-          </a:fillRef>
-          <a:effectRef idx="2">
-            <a:schemeClr val="accent1"/>
-          </a:effectRef>
-          <a:fontRef idx="minor">
-            <a:schemeClr val="lt1"/>
-          </a:fontRef>
-        </p:style>
-        <p:txBody>
-          <a:bodyPr rtlCol="0" anchor="ctr"/>
-          <a:lstStyle/>
-          <a:p>
-            <a:pPr algn="ctr"/>
-            <a:endParaRPr lang="zh-TW" altLang="en-US"/>
-          </a:p>
-        </p:txBody>
-      </p:sp>
-      <p:cxnSp>
-        <p:nvCxnSpPr>
-          <p:cNvPr id="11" name="直線單箭頭接點 10"/>
-          <p:cNvCxnSpPr/>
-          <p:nvPr/>
-        </p:nvCxnSpPr>
-        <p:spPr>
-          <a:xfrm>
-            <a:off x="5093795" y="3922643"/>
-            <a:ext cx="805716" cy="0"/>
-          </a:xfrm>
-          <a:prstGeom prst="straightConnector1">
-            <a:avLst/>
-          </a:prstGeom>
-          <a:ln w="38100">
-            <a:solidFill>
-              <a:schemeClr val="tx1"/>
-            </a:solidFill>
-            <a:tailEnd type="arrow"/>
-          </a:ln>
-          <a:effectLst/>
-        </p:spPr>
-        <p:style>
-          <a:lnRef idx="2">
-            <a:schemeClr val="accent1"/>
-          </a:lnRef>
-          <a:fillRef idx="0">
-            <a:schemeClr val="accent1"/>
-          </a:fillRef>
-          <a:effectRef idx="1">
-            <a:schemeClr val="accent1"/>
-          </a:effectRef>
-          <a:fontRef idx="minor">
-            <a:schemeClr val="tx1"/>
-          </a:fontRef>
-        </p:style>
-      </p:cxnSp>
-      <p:sp>
-        <p:nvSpPr>
-          <p:cNvPr id="14" name="文字方塊 13"/>
-          <p:cNvSpPr txBox="1"/>
-          <p:nvPr/>
-        </p:nvSpPr>
-        <p:spPr>
-          <a:xfrm>
-            <a:off x="5864457" y="3574599"/>
-            <a:ext cx="769763" cy="707886"/>
-          </a:xfrm>
-          <a:prstGeom prst="rect">
-            <a:avLst/>
-          </a:prstGeom>
-          <a:noFill/>
-        </p:spPr>
-        <p:txBody>
-          <a:bodyPr wrap="none" rtlCol="0">
-            <a:spAutoFit/>
-          </a:bodyPr>
-          <a:lstStyle/>
-          <a:p>
-            <a:r>
-              <a:rPr lang="en-US" altLang="zh-TW" sz="4000" dirty="0" smtClean="0"/>
-              <a:t>+1</a:t>
-            </a:r>
-            <a:endParaRPr lang="zh-TW" altLang="en-US" sz="4000" dirty="0"/>
-          </a:p>
-        </p:txBody>
-      </p:sp>
-      <p:cxnSp>
-        <p:nvCxnSpPr>
-          <p:cNvPr id="15" name="直線單箭頭接點 14"/>
-          <p:cNvCxnSpPr/>
-          <p:nvPr/>
-        </p:nvCxnSpPr>
-        <p:spPr>
-          <a:xfrm flipH="1">
-            <a:off x="3882886" y="3922643"/>
-            <a:ext cx="842938" cy="0"/>
-          </a:xfrm>
-          <a:prstGeom prst="straightConnector1">
-            <a:avLst/>
-          </a:prstGeom>
-          <a:ln w="38100">
-            <a:solidFill>
-              <a:schemeClr val="tx1"/>
-            </a:solidFill>
-            <a:tailEnd type="arrow"/>
-          </a:ln>
-          <a:effectLst/>
-        </p:spPr>
-        <p:style>
-          <a:lnRef idx="2">
-            <a:schemeClr val="accent1"/>
-          </a:lnRef>
-          <a:fillRef idx="0">
-            <a:schemeClr val="accent1"/>
-          </a:fillRef>
-          <a:effectRef idx="1">
-            <a:schemeClr val="accent1"/>
-          </a:effectRef>
-          <a:fontRef idx="minor">
-            <a:schemeClr val="tx1"/>
-          </a:fontRef>
-        </p:style>
-      </p:cxnSp>
-      <p:sp>
-        <p:nvSpPr>
-          <p:cNvPr id="16" name="文字方塊 15"/>
-          <p:cNvSpPr txBox="1"/>
-          <p:nvPr/>
-        </p:nvSpPr>
-        <p:spPr>
-          <a:xfrm>
-            <a:off x="2987248" y="3540731"/>
-            <a:ext cx="641522" cy="707886"/>
-          </a:xfrm>
-          <a:prstGeom prst="rect">
-            <a:avLst/>
-          </a:prstGeom>
-          <a:noFill/>
-        </p:spPr>
-        <p:txBody>
-          <a:bodyPr wrap="none" rtlCol="0">
-            <a:spAutoFit/>
-          </a:bodyPr>
-          <a:lstStyle/>
-          <a:p>
-            <a:r>
-              <a:rPr lang="en-US" altLang="zh-TW" sz="4000" dirty="0"/>
-              <a:t>-</a:t>
-            </a:r>
-            <a:r>
-              <a:rPr lang="en-US" altLang="zh-TW" sz="4000" dirty="0" smtClean="0"/>
-              <a:t>1</a:t>
-            </a:r>
-            <a:endParaRPr lang="zh-TW" altLang="en-US" sz="4000" dirty="0"/>
-          </a:p>
-        </p:txBody>
-      </p:sp>
-    </p:spTree>
-    <p:extLst>
-      <p:ext uri="{BB962C8B-B14F-4D97-AF65-F5344CB8AC3E}">
-        <p14:creationId xmlns:p14="http://schemas.microsoft.com/office/powerpoint/2010/main" xmlns="" val="3040030372"/>
-      </p:ext>
-    </p:extLst>
-  </p:cSld>
-  <p:clrMapOvr>
-    <a:masterClrMapping/>
-  </p:clrMapOvr>
-  <p:timing>
-    <p:tnLst>
-      <p:par>
-        <p:cTn id="1" dur="indefinite" restart="never" nodeType="tmRoot">
-          <p:childTnLst>
-            <p:seq concurrent="1" nextAc="seek">
-              <p:cTn id="2" dur="indefinite" nodeType="mainSeq">
-                <p:childTnLst>
-                  <p:par>
-                    <p:cTn id="3" fill="hold">
-                      <p:stCondLst>
-                        <p:cond delay="indefinite"/>
-                      </p:stCondLst>
-                      <p:childTnLst>
-                        <p:par>
-                          <p:cTn id="4" fill="hold">
-                            <p:stCondLst>
-                              <p:cond delay="0"/>
-                            </p:stCondLst>
-                            <p:childTnLst>
-                              <p:par>
-                                <p:cTn id="5" presetID="1" presetClass="entr" presetSubtype="0" fill="hold" nodeType="clickEffect">
-                                  <p:stCondLst>
-                                    <p:cond delay="0"/>
-                                  </p:stCondLst>
-                                  <p:childTnLst>
-                                    <p:set>
-                                      <p:cBhvr>
-                                        <p:cTn id="6" dur="1" fill="hold">
-                                          <p:stCondLst>
-                                            <p:cond delay="0"/>
-                                          </p:stCondLst>
-                                        </p:cTn>
-                                        <p:tgtEl>
-                                          <p:spTgt spid="5"/>
-                                        </p:tgtEl>
-                                        <p:attrNameLst>
-                                          <p:attrName>style.visibility</p:attrName>
-                                        </p:attrNameLst>
-                                      </p:cBhvr>
-                                      <p:to>
-                                        <p:strVal val="visible"/>
-                                      </p:to>
-                                    </p:set>
-                                  </p:childTnLst>
-                                </p:cTn>
-                              </p:par>
-                            </p:childTnLst>
-                          </p:cTn>
-                        </p:par>
-                      </p:childTnLst>
-                    </p:cTn>
-                  </p:par>
-                  <p:par>
-                    <p:cTn id="7" fill="hold">
-                      <p:stCondLst>
-                        <p:cond delay="indefinite"/>
-                      </p:stCondLst>
-                      <p:childTnLst>
-                        <p:par>
-                          <p:cTn id="8" fill="hold">
-                            <p:stCondLst>
-                              <p:cond delay="0"/>
-                            </p:stCondLst>
-                            <p:childTnLst>
-                              <p:par>
-                                <p:cTn id="9" presetID="1" presetClass="entr" presetSubtype="0" fill="hold" nodeType="clickEffect">
-                                  <p:stCondLst>
-                                    <p:cond delay="0"/>
-                                  </p:stCondLst>
-                                  <p:childTnLst>
-                                    <p:set>
-                                      <p:cBhvr>
-                                        <p:cTn id="10" dur="1" fill="hold">
-                                          <p:stCondLst>
-                                            <p:cond delay="0"/>
-                                          </p:stCondLst>
-                                        </p:cTn>
-                                        <p:tgtEl>
-                                          <p:spTgt spid="11"/>
-                                        </p:tgtEl>
-                                        <p:attrNameLst>
-                                          <p:attrName>style.visibility</p:attrName>
-                                        </p:attrNameLst>
-                                      </p:cBhvr>
-                                      <p:to>
-                                        <p:strVal val="visible"/>
-                                      </p:to>
-                                    </p:set>
-                                  </p:childTnLst>
-                                </p:cTn>
-                              </p:par>
-                              <p:par>
-                                <p:cTn id="11" presetID="1" presetClass="entr" presetSubtype="0" fill="hold" grpId="0" nodeType="withEffect">
-                                  <p:stCondLst>
-                                    <p:cond delay="0"/>
-                                  </p:stCondLst>
-                                  <p:childTnLst>
-                                    <p:set>
-                                      <p:cBhvr>
-                                        <p:cTn id="12" dur="1" fill="hold">
-                                          <p:stCondLst>
-                                            <p:cond delay="0"/>
-                                          </p:stCondLst>
-                                        </p:cTn>
-                                        <p:tgtEl>
-                                          <p:spTgt spid="14"/>
-                                        </p:tgtEl>
-                                        <p:attrNameLst>
-                                          <p:attrName>style.visibility</p:attrName>
-                                        </p:attrNameLst>
-                                      </p:cBhvr>
-                                      <p:to>
-                                        <p:strVal val="visible"/>
-                                      </p:to>
-                                    </p:set>
-                                  </p:childTnLst>
-                                </p:cTn>
-                              </p:par>
-                              <p:par>
-                                <p:cTn id="13" presetID="1" presetClass="entr" presetSubtype="0" fill="hold" nodeType="withEffect">
-                                  <p:stCondLst>
-                                    <p:cond delay="0"/>
-                                  </p:stCondLst>
-                                  <p:childTnLst>
-                                    <p:set>
-                                      <p:cBhvr>
-                                        <p:cTn id="14" dur="1" fill="hold">
-                                          <p:stCondLst>
-                                            <p:cond delay="0"/>
-                                          </p:stCondLst>
-                                        </p:cTn>
-                                        <p:tgtEl>
-                                          <p:spTgt spid="15"/>
-                                        </p:tgtEl>
-                                        <p:attrNameLst>
-                                          <p:attrName>style.visibility</p:attrName>
-                                        </p:attrNameLst>
-                                      </p:cBhvr>
-                                      <p:to>
-                                        <p:strVal val="visible"/>
-                                      </p:to>
-                                    </p:set>
-                                  </p:childTnLst>
-                                </p:cTn>
-                              </p:par>
-                              <p:par>
-                                <p:cTn id="15" presetID="1" presetClass="entr" presetSubtype="0" fill="hold" grpId="0" nodeType="withEffect">
-                                  <p:stCondLst>
-                                    <p:cond delay="0"/>
-                                  </p:stCondLst>
-                                  <p:childTnLst>
-                                    <p:set>
-                                      <p:cBhvr>
-                                        <p:cTn id="16" dur="1" fill="hold">
-                                          <p:stCondLst>
-                                            <p:cond delay="0"/>
-                                          </p:stCondLst>
-                                        </p:cTn>
-                                        <p:tgtEl>
-                                          <p:spTgt spid="16"/>
-                                        </p:tgtEl>
-                                        <p:attrNameLst>
-                                          <p:attrName>style.visibility</p:attrName>
-                                        </p:attrNameLst>
-                                      </p:cBhvr>
-                                      <p:to>
-                                        <p:strVal val="visible"/>
-                                      </p:to>
-                                    </p:set>
-                                  </p:childTnLst>
-                                </p:cTn>
-                              </p:par>
-                            </p:childTnLst>
-                          </p:cTn>
-                        </p:par>
-                      </p:childTnLst>
-                    </p:cTn>
-                  </p:par>
-                  <p:par>
-                    <p:cTn id="17" fill="hold">
-                      <p:stCondLst>
-                        <p:cond delay="indefinite"/>
-                      </p:stCondLst>
-                      <p:childTnLst>
-                        <p:par>
-                          <p:cTn id="18" fill="hold">
-                            <p:stCondLst>
-                              <p:cond delay="0"/>
-                            </p:stCondLst>
-                            <p:childTnLst>
-                              <p:par>
-                                <p:cTn id="19" presetID="1" presetClass="entr" presetSubtype="0" fill="hold" grpId="0" nodeType="clickEffect">
-                                  <p:stCondLst>
-                                    <p:cond delay="0"/>
-                                  </p:stCondLst>
-                                  <p:childTnLst>
-                                    <p:set>
-                                      <p:cBhvr>
-                                        <p:cTn id="20" dur="1" fill="hold">
-                                          <p:stCondLst>
-                                            <p:cond delay="0"/>
-                                          </p:stCondLst>
-                                        </p:cTn>
-                                        <p:tgtEl>
-                                          <p:spTgt spid="7"/>
-                                        </p:tgtEl>
-                                        <p:attrNameLst>
-                                          <p:attrName>style.visibility</p:attrName>
-                                        </p:attrNameLst>
-                                      </p:cBhvr>
-                                      <p:to>
-                                        <p:strVal val="visible"/>
-                                      </p:to>
-                                    </p:set>
-                                  </p:childTnLst>
-                                </p:cTn>
-                              </p:par>
-                              <p:par>
-                                <p:cTn id="21" presetID="1" presetClass="exit" presetSubtype="0" fill="hold" nodeType="withEffect">
-                                  <p:stCondLst>
-                                    <p:cond delay="0"/>
-                                  </p:stCondLst>
-                                  <p:childTnLst>
-                                    <p:set>
-                                      <p:cBhvr>
-                                        <p:cTn id="22" dur="1" fill="hold">
-                                          <p:stCondLst>
-                                            <p:cond delay="0"/>
-                                          </p:stCondLst>
-                                        </p:cTn>
-                                        <p:tgtEl>
-                                          <p:spTgt spid="11"/>
-                                        </p:tgtEl>
-                                        <p:attrNameLst>
-                                          <p:attrName>style.visibility</p:attrName>
-                                        </p:attrNameLst>
-                                      </p:cBhvr>
-                                      <p:to>
-                                        <p:strVal val="hidden"/>
-                                      </p:to>
-                                    </p:set>
-                                  </p:childTnLst>
-                                </p:cTn>
-                              </p:par>
-                              <p:par>
-                                <p:cTn id="23" presetID="1" presetClass="exit" presetSubtype="0" fill="hold" grpId="1" nodeType="withEffect">
-                                  <p:stCondLst>
-                                    <p:cond delay="0"/>
-                                  </p:stCondLst>
-                                  <p:childTnLst>
-                                    <p:set>
-                                      <p:cBhvr>
-                                        <p:cTn id="24" dur="1" fill="hold">
-                                          <p:stCondLst>
-                                            <p:cond delay="0"/>
-                                          </p:stCondLst>
-                                        </p:cTn>
-                                        <p:tgtEl>
-                                          <p:spTgt spid="14"/>
-                                        </p:tgtEl>
-                                        <p:attrNameLst>
-                                          <p:attrName>style.visibility</p:attrName>
-                                        </p:attrNameLst>
-                                      </p:cBhvr>
-                                      <p:to>
-                                        <p:strVal val="hidden"/>
-                                      </p:to>
-                                    </p:set>
-                                  </p:childTnLst>
-                                </p:cTn>
-                              </p:par>
-                              <p:par>
-                                <p:cTn id="25" presetID="1" presetClass="exit" presetSubtype="0" fill="hold" nodeType="withEffect">
-                                  <p:stCondLst>
-                                    <p:cond delay="0"/>
-                                  </p:stCondLst>
-                                  <p:childTnLst>
-                                    <p:set>
-                                      <p:cBhvr>
-                                        <p:cTn id="26" dur="1" fill="hold">
-                                          <p:stCondLst>
-                                            <p:cond delay="0"/>
-                                          </p:stCondLst>
-                                        </p:cTn>
-                                        <p:tgtEl>
-                                          <p:spTgt spid="15"/>
-                                        </p:tgtEl>
-                                        <p:attrNameLst>
-                                          <p:attrName>style.visibility</p:attrName>
-                                        </p:attrNameLst>
-                                      </p:cBhvr>
-                                      <p:to>
-                                        <p:strVal val="hidden"/>
-                                      </p:to>
-                                    </p:set>
-                                  </p:childTnLst>
-                                </p:cTn>
-                              </p:par>
-                              <p:par>
-                                <p:cTn id="27" presetID="1" presetClass="exit" presetSubtype="0" fill="hold" grpId="1" nodeType="withEffect">
-                                  <p:stCondLst>
-                                    <p:cond delay="0"/>
-                                  </p:stCondLst>
-                                  <p:childTnLst>
-                                    <p:set>
-                                      <p:cBhvr>
-                                        <p:cTn id="28" dur="1" fill="hold">
-                                          <p:stCondLst>
-                                            <p:cond delay="0"/>
-                                          </p:stCondLst>
-                                        </p:cTn>
-                                        <p:tgtEl>
-                                          <p:spTgt spid="16"/>
-                                        </p:tgtEl>
-                                        <p:attrNameLst>
-                                          <p:attrName>style.visibility</p:attrName>
-                                        </p:attrNameLst>
-                                      </p:cBhvr>
-                                      <p:to>
-                                        <p:strVal val="hidden"/>
-                                      </p:to>
-                                    </p:set>
-                                  </p:childTnLst>
-                                </p:cTn>
-                              </p:par>
-                            </p:childTnLst>
-                          </p:cTn>
-                        </p:par>
-                      </p:childTnLst>
-                    </p:cTn>
-                  </p:par>
-                </p:childTnLst>
-              </p:cTn>
-              <p:prevCondLst>
-                <p:cond evt="onPrev" delay="0">
-                  <p:tgtEl>
-                    <p:sldTgt/>
-                  </p:tgtEl>
-                </p:cond>
-              </p:prevCondLst>
-              <p:nextCondLst>
-                <p:cond evt="onNext" delay="0">
-                  <p:tgtEl>
-                    <p:sldTgt/>
-                  </p:tgtEl>
-                </p:cond>
-              </p:nextCondLst>
-            </p:seq>
-          </p:childTnLst>
-        </p:cTn>
-      </p:par>
-    </p:tnLst>
-    <p:bldLst>
-      <p:bldP spid="7" grpId="0" animBg="1"/>
-      <p:bldP spid="14" grpId="0"/>
-      <p:bldP spid="14" grpId="1"/>
-      <p:bldP spid="16" grpId="0"/>
-      <p:bldP spid="16" grpId="1"/>
-    </p:bldLst>
-  </p:timing>
-</p:sld>
-</file>
-
-<file path=ppt/slides/slide16.xml><?xml version="1.0" encoding="utf-8"?>
-<p:sld xmlns:a="http://schemas.openxmlformats.org/drawingml/2006/main" xmlns:r="http://schemas.openxmlformats.org/officeDocument/2006/relationships" xmlns:p="http://schemas.openxmlformats.org/presentationml/2006/main">
-  <p:cSld>
-    <p:spTree>
-      <p:nvGrpSpPr>
-        <p:cNvPr id="1" name=""/>
-        <p:cNvGrpSpPr/>
-        <p:nvPr/>
-      </p:nvGrpSpPr>
-      <p:grpSpPr>
-        <a:xfrm>
-          <a:off x="0" y="0"/>
-          <a:ext cx="0" cy="0"/>
-          <a:chOff x="0" y="0"/>
-          <a:chExt cx="0" cy="0"/>
-        </a:xfrm>
-      </p:grpSpPr>
-      <p:sp>
-        <p:nvSpPr>
-          <p:cNvPr id="4" name="Title 3"/>
-          <p:cNvSpPr>
-            <a:spLocks noGrp="1"/>
-          </p:cNvSpPr>
-          <p:nvPr>
-            <p:ph type="title"/>
-          </p:nvPr>
-        </p:nvSpPr>
-        <p:spPr>
-          <a:xfrm>
-            <a:off x="228600" y="228600"/>
-            <a:ext cx="3347070" cy="492443"/>
-          </a:xfrm>
-        </p:spPr>
-        <p:txBody>
-          <a:bodyPr/>
-          <a:lstStyle/>
-          <a:p>
-            <a:pPr marL="342900" indent="-342900"/>
-            <a:r>
-              <a:rPr lang="en-US" altLang="zh-TW" sz="3200" dirty="0">
-                <a:solidFill>
-                  <a:schemeClr val="tx1"/>
-                </a:solidFill>
-                <a:latin typeface="+mj-lt"/>
-              </a:rPr>
-              <a:t>Can we do better?</a:t>
-            </a:r>
-          </a:p>
-        </p:txBody>
-      </p:sp>
-      <p:cxnSp>
-        <p:nvCxnSpPr>
-          <p:cNvPr id="5" name="直線接點 4"/>
-          <p:cNvCxnSpPr/>
-          <p:nvPr/>
-        </p:nvCxnSpPr>
-        <p:spPr>
-          <a:xfrm>
-            <a:off x="5033473" y="2837204"/>
-            <a:ext cx="2247544" cy="0"/>
-          </a:xfrm>
-          <a:prstGeom prst="line">
-            <a:avLst/>
-          </a:prstGeom>
-          <a:ln w="38100">
-            <a:solidFill>
-              <a:schemeClr val="tx1"/>
-            </a:solidFill>
-          </a:ln>
-        </p:spPr>
-        <p:style>
-          <a:lnRef idx="2">
-            <a:schemeClr val="accent1"/>
-          </a:lnRef>
-          <a:fillRef idx="0">
-            <a:schemeClr val="accent1"/>
-          </a:fillRef>
-          <a:effectRef idx="1">
-            <a:schemeClr val="accent1"/>
-          </a:effectRef>
-          <a:fontRef idx="minor">
-            <a:schemeClr val="tx1"/>
-          </a:fontRef>
-        </p:style>
-      </p:cxnSp>
-      <p:cxnSp>
-        <p:nvCxnSpPr>
-          <p:cNvPr id="6" name="直線接點 5"/>
-          <p:cNvCxnSpPr/>
-          <p:nvPr/>
-        </p:nvCxnSpPr>
-        <p:spPr>
-          <a:xfrm>
-            <a:off x="5042019" y="2828658"/>
-            <a:ext cx="0" cy="3683237"/>
-          </a:xfrm>
-          <a:prstGeom prst="line">
-            <a:avLst/>
-          </a:prstGeom>
-          <a:ln w="38100">
-            <a:solidFill>
-              <a:schemeClr val="tx1"/>
-            </a:solidFill>
-          </a:ln>
-        </p:spPr>
-        <p:style>
-          <a:lnRef idx="2">
-            <a:schemeClr val="accent1"/>
-          </a:lnRef>
-          <a:fillRef idx="0">
-            <a:schemeClr val="accent1"/>
-          </a:fillRef>
-          <a:effectRef idx="1">
-            <a:schemeClr val="accent1"/>
-          </a:effectRef>
-          <a:fontRef idx="minor">
-            <a:schemeClr val="tx1"/>
-          </a:fontRef>
-        </p:style>
-      </p:cxnSp>
-      <p:pic>
-        <p:nvPicPr>
-          <p:cNvPr id="7" name="圖片 6"/>
-          <p:cNvPicPr>
-            <a:picLocks noChangeAspect="1"/>
-          </p:cNvPicPr>
-          <p:nvPr/>
-        </p:nvPicPr>
-        <p:blipFill>
-          <a:blip r:embed="rId3">
-            <a:extLst>
-              <a:ext uri="{28A0092B-C50C-407E-A947-70E740481C1C}">
-                <a14:useLocalDpi xmlns:a14="http://schemas.microsoft.com/office/drawing/2010/main" xmlns="" val="0"/>
-              </a:ext>
-            </a:extLst>
-          </a:blip>
-          <a:stretch>
-            <a:fillRect/>
-          </a:stretch>
-        </p:blipFill>
-        <p:spPr>
-          <a:xfrm>
-            <a:off x="813577" y="946800"/>
-            <a:ext cx="7710302" cy="5760000"/>
-          </a:xfrm>
-          <a:prstGeom prst="rect">
-            <a:avLst/>
-          </a:prstGeom>
-        </p:spPr>
-      </p:pic>
-      <p:cxnSp>
-        <p:nvCxnSpPr>
-          <p:cNvPr id="8" name="直線接點 7"/>
-          <p:cNvCxnSpPr/>
-          <p:nvPr/>
-        </p:nvCxnSpPr>
-        <p:spPr>
-          <a:xfrm>
-            <a:off x="7255616" y="2811566"/>
-            <a:ext cx="17092" cy="3751604"/>
-          </a:xfrm>
-          <a:prstGeom prst="line">
-            <a:avLst/>
-          </a:prstGeom>
-          <a:ln w="38100">
-            <a:solidFill>
-              <a:schemeClr val="bg1">
-                <a:lumMod val="65000"/>
-              </a:schemeClr>
-            </a:solidFill>
-          </a:ln>
-        </p:spPr>
-        <p:style>
-          <a:lnRef idx="2">
-            <a:schemeClr val="accent1"/>
-          </a:lnRef>
-          <a:fillRef idx="0">
-            <a:schemeClr val="accent1"/>
-          </a:fillRef>
-          <a:effectRef idx="1">
-            <a:schemeClr val="accent1"/>
-          </a:effectRef>
-          <a:fontRef idx="minor">
-            <a:schemeClr val="tx1"/>
-          </a:fontRef>
-        </p:style>
-      </p:cxnSp>
-      <p:cxnSp>
-        <p:nvCxnSpPr>
-          <p:cNvPr id="9" name="直線接點 8"/>
-          <p:cNvCxnSpPr/>
-          <p:nvPr/>
-        </p:nvCxnSpPr>
-        <p:spPr>
-          <a:xfrm>
-            <a:off x="5025164" y="2837125"/>
-            <a:ext cx="2247544" cy="0"/>
-          </a:xfrm>
-          <a:prstGeom prst="line">
-            <a:avLst/>
-          </a:prstGeom>
-          <a:ln w="38100">
-            <a:solidFill>
-              <a:schemeClr val="tx1"/>
-            </a:solidFill>
-          </a:ln>
-        </p:spPr>
-        <p:style>
-          <a:lnRef idx="2">
-            <a:schemeClr val="accent1"/>
-          </a:lnRef>
-          <a:fillRef idx="0">
-            <a:schemeClr val="accent1"/>
-          </a:fillRef>
-          <a:effectRef idx="1">
-            <a:schemeClr val="accent1"/>
-          </a:effectRef>
-          <a:fontRef idx="minor">
-            <a:schemeClr val="tx1"/>
-          </a:fontRef>
-        </p:style>
-      </p:cxnSp>
-      <p:cxnSp>
-        <p:nvCxnSpPr>
-          <p:cNvPr id="10" name="直線接點 9"/>
-          <p:cNvCxnSpPr/>
-          <p:nvPr/>
-        </p:nvCxnSpPr>
-        <p:spPr>
-          <a:xfrm>
-            <a:off x="5033710" y="2820112"/>
-            <a:ext cx="0" cy="3683237"/>
-          </a:xfrm>
-          <a:prstGeom prst="line">
-            <a:avLst/>
-          </a:prstGeom>
-          <a:ln w="38100">
-            <a:solidFill>
-              <a:schemeClr val="tx1"/>
-            </a:solidFill>
-          </a:ln>
-        </p:spPr>
-        <p:style>
-          <a:lnRef idx="2">
-            <a:schemeClr val="accent1"/>
-          </a:lnRef>
-          <a:fillRef idx="0">
-            <a:schemeClr val="accent1"/>
-          </a:fillRef>
-          <a:effectRef idx="1">
-            <a:schemeClr val="accent1"/>
-          </a:effectRef>
-          <a:fontRef idx="minor">
-            <a:schemeClr val="tx1"/>
-          </a:fontRef>
-        </p:style>
-      </p:cxnSp>
-    </p:spTree>
-    <p:extLst>
-      <p:ext uri="{BB962C8B-B14F-4D97-AF65-F5344CB8AC3E}">
-        <p14:creationId xmlns:p14="http://schemas.microsoft.com/office/powerpoint/2010/main" xmlns="" val="3040030372"/>
-      </p:ext>
-    </p:extLst>
-  </p:cSld>
-  <p:clrMapOvr>
-    <a:masterClrMapping/>
-  </p:clrMapOvr>
-  <p:timing>
-    <p:tnLst>
-      <p:par>
-        <p:cTn id="1" dur="indefinite" restart="never" nodeType="tmRoot"/>
-      </p:par>
-    </p:tnLst>
-  </p:timing>
-</p:sld>
-</file>
-
-<file path=ppt/slides/slide17.xml><?xml version="1.0" encoding="utf-8"?>
-<p:sld xmlns:a="http://schemas.openxmlformats.org/drawingml/2006/main" xmlns:r="http://schemas.openxmlformats.org/officeDocument/2006/relationships" xmlns:p="http://schemas.openxmlformats.org/presentationml/2006/main">
-  <p:cSld>
-    <p:spTree>
-      <p:nvGrpSpPr>
-        <p:cNvPr id="1" name=""/>
-        <p:cNvGrpSpPr/>
-        <p:nvPr/>
-      </p:nvGrpSpPr>
-      <p:grpSpPr>
-        <a:xfrm>
-          <a:off x="0" y="0"/>
-          <a:ext cx="0" cy="0"/>
-          <a:chOff x="0" y="0"/>
-          <a:chExt cx="0" cy="0"/>
-        </a:xfrm>
-      </p:grpSpPr>
-      <p:sp>
-        <p:nvSpPr>
           <p:cNvPr id="32" name="文字方塊 31"/>
           <p:cNvSpPr txBox="1"/>
           <p:nvPr/>
         </p:nvSpPr>
         <p:spPr>
           <a:xfrm>
-            <a:off x="1168399" y="2853266"/>
+            <a:off x="1040808" y="2499323"/>
             <a:ext cx="7179733" cy="707886"/>
           </a:xfrm>
           <a:prstGeom prst="rect">
@@ -10244,7 +10387,7 @@
     </p:spTree>
     <p:extLst>
       <p:ext uri="{BB962C8B-B14F-4D97-AF65-F5344CB8AC3E}">
-        <p14:creationId xmlns:p14="http://schemas.microsoft.com/office/powerpoint/2010/main" xmlns="" val="3792208418"/>
+        <p14:creationId xmlns:p14="http://schemas.microsoft.com/office/powerpoint/2010/main" val="3792208418"/>
       </p:ext>
     </p:extLst>
   </p:cSld>
@@ -10261,7 +10404,7 @@
 </p:sld>
 </file>
 
-<file path=ppt/slides/slide18.xml><?xml version="1.0" encoding="utf-8"?>
+<file path=ppt/slides/slide16.xml><?xml version="1.0" encoding="utf-8"?>
 <p:sld xmlns:a="http://schemas.openxmlformats.org/drawingml/2006/main" xmlns:r="http://schemas.openxmlformats.org/officeDocument/2006/relationships" xmlns:p="http://schemas.openxmlformats.org/presentationml/2006/main">
   <p:cSld>
     <p:spTree>
@@ -10298,7 +10441,7 @@
                 <a:latin typeface="+mj-lt"/>
               </a:rPr>
               <a:pPr/>
-              <a:t>18</a:t>
+              <a:t>16</a:t>
             </a:fld>
             <a:endParaRPr lang="en-US" dirty="0">
               <a:latin typeface="+mj-lt"/>
@@ -10614,9 +10757,59 @@
         </p:xfrm>
         <a:graphic>
           <a:graphicData uri="http://schemas.openxmlformats.org/presentationml/2006/ole">
-            <p:oleObj spid="_x0000_s2355" name="方程式" r:id="rId4" imgW="342751" imgH="203112" progId="Equation.3">
-              <p:embed/>
-            </p:oleObj>
+            <mc:AlternateContent xmlns:mc="http://schemas.openxmlformats.org/markup-compatibility/2006">
+              <mc:Choice xmlns:v="urn:schemas-microsoft-com:vml" Requires="v">
+                <p:oleObj spid="_x0000_s2412" name="方程式" r:id="rId4" imgW="342751" imgH="203112" progId="Equation.3">
+                  <p:embed/>
+                </p:oleObj>
+              </mc:Choice>
+              <mc:Fallback>
+                <p:oleObj name="方程式" r:id="rId4" imgW="342751" imgH="203112" progId="Equation.3">
+                  <p:embed/>
+                  <p:pic>
+                    <p:nvPicPr>
+                      <p:cNvPr id="0" name="Picture 307"/>
+                      <p:cNvPicPr>
+                        <a:picLocks noChangeAspect="1" noChangeArrowheads="1"/>
+                      </p:cNvPicPr>
+                      <p:nvPr/>
+                    </p:nvPicPr>
+                    <p:blipFill>
+                      <a:blip r:embed="rId5">
+                        <a:extLst>
+                          <a:ext uri="{28A0092B-C50C-407E-A947-70E740481C1C}">
+                            <a14:useLocalDpi xmlns:a14="http://schemas.microsoft.com/office/drawing/2010/main" val="0"/>
+                          </a:ext>
+                        </a:extLst>
+                      </a:blip>
+                      <a:srcRect/>
+                      <a:stretch>
+                        <a:fillRect/>
+                      </a:stretch>
+                    </p:blipFill>
+                    <p:spPr bwMode="auto">
+                      <a:xfrm>
+                        <a:off x="1657343" y="3826873"/>
+                        <a:ext cx="814388" cy="482600"/>
+                      </a:xfrm>
+                      <a:prstGeom prst="rect">
+                        <a:avLst/>
+                      </a:prstGeom>
+                      <a:noFill/>
+                      <a:extLst>
+                        <a:ext uri="{909E8E84-426E-40DD-AFC4-6F175D3DCCD1}">
+                          <a14:hiddenFill xmlns:a14="http://schemas.microsoft.com/office/drawing/2010/main">
+                            <a:solidFill>
+                              <a:srgbClr val="FFFFFF"/>
+                            </a:solidFill>
+                          </a14:hiddenFill>
+                        </a:ext>
+                      </a:extLst>
+                    </p:spPr>
+                  </p:pic>
+                </p:oleObj>
+              </mc:Fallback>
+            </mc:AlternateContent>
           </a:graphicData>
         </a:graphic>
       </p:graphicFrame>
@@ -10629,7 +10822,7 @@
           <p:nvPr>
             <p:extLst>
               <p:ext uri="{D42A27DB-BD31-4B8C-83A1-F6EECF244321}">
-                <p14:modId xmlns:p14="http://schemas.microsoft.com/office/powerpoint/2010/main" xmlns="" val="3135229844"/>
+                <p14:modId xmlns:p14="http://schemas.microsoft.com/office/powerpoint/2010/main" val="3135229844"/>
               </p:ext>
             </p:extLst>
           </p:nvPr>
@@ -10640,9 +10833,59 @@
         </p:xfrm>
         <a:graphic>
           <a:graphicData uri="http://schemas.openxmlformats.org/presentationml/2006/ole">
-            <p:oleObj spid="_x0000_s2356" name="方程式" r:id="rId5" imgW="1803400" imgH="228600" progId="Equation.3">
-              <p:embed/>
-            </p:oleObj>
+            <mc:AlternateContent xmlns:mc="http://schemas.openxmlformats.org/markup-compatibility/2006">
+              <mc:Choice xmlns:v="urn:schemas-microsoft-com:vml" Requires="v">
+                <p:oleObj spid="_x0000_s2413" name="方程式" r:id="rId6" imgW="1803400" imgH="228600" progId="Equation.3">
+                  <p:embed/>
+                </p:oleObj>
+              </mc:Choice>
+              <mc:Fallback>
+                <p:oleObj name="方程式" r:id="rId6" imgW="1803400" imgH="228600" progId="Equation.3">
+                  <p:embed/>
+                  <p:pic>
+                    <p:nvPicPr>
+                      <p:cNvPr id="0" name="Picture 308"/>
+                      <p:cNvPicPr>
+                        <a:picLocks noChangeAspect="1" noChangeArrowheads="1"/>
+                      </p:cNvPicPr>
+                      <p:nvPr/>
+                    </p:nvPicPr>
+                    <p:blipFill>
+                      <a:blip r:embed="rId7">
+                        <a:extLst>
+                          <a:ext uri="{28A0092B-C50C-407E-A947-70E740481C1C}">
+                            <a14:useLocalDpi xmlns:a14="http://schemas.microsoft.com/office/drawing/2010/main" val="0"/>
+                          </a:ext>
+                        </a:extLst>
+                      </a:blip>
+                      <a:srcRect/>
+                      <a:stretch>
+                        <a:fillRect/>
+                      </a:stretch>
+                    </p:blipFill>
+                    <p:spPr bwMode="auto">
+                      <a:xfrm>
+                        <a:off x="5227108" y="3770678"/>
+                        <a:ext cx="3600450" cy="584200"/>
+                      </a:xfrm>
+                      <a:prstGeom prst="rect">
+                        <a:avLst/>
+                      </a:prstGeom>
+                      <a:noFill/>
+                      <a:extLst>
+                        <a:ext uri="{909E8E84-426E-40DD-AFC4-6F175D3DCCD1}">
+                          <a14:hiddenFill xmlns:a14="http://schemas.microsoft.com/office/drawing/2010/main">
+                            <a:solidFill>
+                              <a:srgbClr val="FFFFFF"/>
+                            </a:solidFill>
+                          </a14:hiddenFill>
+                        </a:ext>
+                      </a:extLst>
+                    </p:spPr>
+                  </p:pic>
+                </p:oleObj>
+              </mc:Fallback>
+            </mc:AlternateContent>
           </a:graphicData>
         </a:graphic>
       </p:graphicFrame>
@@ -10660,9 +10903,59 @@
         </p:xfrm>
         <a:graphic>
           <a:graphicData uri="http://schemas.openxmlformats.org/presentationml/2006/ole">
-            <p:oleObj spid="_x0000_s2357" name="方程式" r:id="rId6" imgW="126725" imgH="126725" progId="Equation.3">
-              <p:embed/>
-            </p:oleObj>
+            <mc:AlternateContent xmlns:mc="http://schemas.openxmlformats.org/markup-compatibility/2006">
+              <mc:Choice xmlns:v="urn:schemas-microsoft-com:vml" Requires="v">
+                <p:oleObj spid="_x0000_s2414" name="方程式" r:id="rId8" imgW="126725" imgH="126725" progId="Equation.3">
+                  <p:embed/>
+                </p:oleObj>
+              </mc:Choice>
+              <mc:Fallback>
+                <p:oleObj name="方程式" r:id="rId8" imgW="126725" imgH="126725" progId="Equation.3">
+                  <p:embed/>
+                  <p:pic>
+                    <p:nvPicPr>
+                      <p:cNvPr id="0" name="Picture 309"/>
+                      <p:cNvPicPr>
+                        <a:picLocks noChangeAspect="1" noChangeArrowheads="1"/>
+                      </p:cNvPicPr>
+                      <p:nvPr/>
+                    </p:nvPicPr>
+                    <p:blipFill>
+                      <a:blip r:embed="rId9">
+                        <a:extLst>
+                          <a:ext uri="{28A0092B-C50C-407E-A947-70E740481C1C}">
+                            <a14:useLocalDpi xmlns:a14="http://schemas.microsoft.com/office/drawing/2010/main" val="0"/>
+                          </a:ext>
+                        </a:extLst>
+                      </a:blip>
+                      <a:srcRect/>
+                      <a:stretch>
+                        <a:fillRect/>
+                      </a:stretch>
+                    </p:blipFill>
+                    <p:spPr bwMode="auto">
+                      <a:xfrm>
+                        <a:off x="3896897" y="3606860"/>
+                        <a:ext cx="1032291" cy="787340"/>
+                      </a:xfrm>
+                      <a:prstGeom prst="rect">
+                        <a:avLst/>
+                      </a:prstGeom>
+                      <a:noFill/>
+                      <a:extLst>
+                        <a:ext uri="{909E8E84-426E-40DD-AFC4-6F175D3DCCD1}">
+                          <a14:hiddenFill xmlns:a14="http://schemas.microsoft.com/office/drawing/2010/main">
+                            <a:solidFill>
+                              <a:srgbClr val="FFFFFF"/>
+                            </a:solidFill>
+                          </a14:hiddenFill>
+                        </a:ext>
+                      </a:extLst>
+                    </p:spPr>
+                  </p:pic>
+                </p:oleObj>
+              </mc:Fallback>
+            </mc:AlternateContent>
           </a:graphicData>
         </a:graphic>
       </p:graphicFrame>
@@ -10984,7 +11277,7 @@
     </p:spTree>
     <p:extLst>
       <p:ext uri="{BB962C8B-B14F-4D97-AF65-F5344CB8AC3E}">
-        <p14:creationId xmlns:p14="http://schemas.microsoft.com/office/powerpoint/2010/main" xmlns="" val="3427152478"/>
+        <p14:creationId xmlns:p14="http://schemas.microsoft.com/office/powerpoint/2010/main" val="3427152478"/>
       </p:ext>
     </p:extLst>
   </p:cSld>
@@ -11575,7 +11868,7 @@
 </p:sld>
 </file>
 
-<file path=ppt/slides/slide19.xml><?xml version="1.0" encoding="utf-8"?>
+<file path=ppt/slides/slide17.xml><?xml version="1.0" encoding="utf-8"?>
 <p:sld xmlns:a="http://schemas.openxmlformats.org/drawingml/2006/main" xmlns:r="http://schemas.openxmlformats.org/officeDocument/2006/relationships" xmlns:p="http://schemas.openxmlformats.org/presentationml/2006/main">
   <p:cSld>
     <p:spTree>
@@ -11612,7 +11905,7 @@
                 <a:latin typeface="+mj-lt"/>
               </a:rPr>
               <a:pPr/>
-              <a:t>19</a:t>
+              <a:t>17</a:t>
             </a:fld>
             <a:endParaRPr lang="en-US" dirty="0">
               <a:latin typeface="+mj-lt"/>
@@ -11634,9 +11927,59 @@
         </p:xfrm>
         <a:graphic>
           <a:graphicData uri="http://schemas.openxmlformats.org/presentationml/2006/ole">
-            <p:oleObj spid="_x0000_s3339" name="方程式" r:id="rId4" imgW="342751" imgH="203112" progId="Equation.3">
-              <p:embed/>
-            </p:oleObj>
+            <mc:AlternateContent xmlns:mc="http://schemas.openxmlformats.org/markup-compatibility/2006">
+              <mc:Choice xmlns:v="urn:schemas-microsoft-com:vml" Requires="v">
+                <p:oleObj spid="_x0000_s3396" name="方程式" r:id="rId4" imgW="342751" imgH="203112" progId="Equation.3">
+                  <p:embed/>
+                </p:oleObj>
+              </mc:Choice>
+              <mc:Fallback>
+                <p:oleObj name="方程式" r:id="rId4" imgW="342751" imgH="203112" progId="Equation.3">
+                  <p:embed/>
+                  <p:pic>
+                    <p:nvPicPr>
+                      <p:cNvPr id="0" name="Picture 267"/>
+                      <p:cNvPicPr>
+                        <a:picLocks noChangeAspect="1" noChangeArrowheads="1"/>
+                      </p:cNvPicPr>
+                      <p:nvPr/>
+                    </p:nvPicPr>
+                    <p:blipFill>
+                      <a:blip r:embed="rId5">
+                        <a:extLst>
+                          <a:ext uri="{28A0092B-C50C-407E-A947-70E740481C1C}">
+                            <a14:useLocalDpi xmlns:a14="http://schemas.microsoft.com/office/drawing/2010/main" val="0"/>
+                          </a:ext>
+                        </a:extLst>
+                      </a:blip>
+                      <a:srcRect/>
+                      <a:stretch>
+                        <a:fillRect/>
+                      </a:stretch>
+                    </p:blipFill>
+                    <p:spPr bwMode="auto">
+                      <a:xfrm>
+                        <a:off x="1677860" y="3230032"/>
+                        <a:ext cx="814388" cy="482600"/>
+                      </a:xfrm>
+                      <a:prstGeom prst="rect">
+                        <a:avLst/>
+                      </a:prstGeom>
+                      <a:noFill/>
+                      <a:extLst>
+                        <a:ext uri="{909E8E84-426E-40DD-AFC4-6F175D3DCCD1}">
+                          <a14:hiddenFill xmlns:a14="http://schemas.microsoft.com/office/drawing/2010/main">
+                            <a:solidFill>
+                              <a:srgbClr val="FFFFFF"/>
+                            </a:solidFill>
+                          </a14:hiddenFill>
+                        </a:ext>
+                      </a:extLst>
+                    </p:spPr>
+                  </p:pic>
+                </p:oleObj>
+              </mc:Fallback>
+            </mc:AlternateContent>
           </a:graphicData>
         </a:graphic>
       </p:graphicFrame>
@@ -11654,9 +11997,59 @@
         </p:xfrm>
         <a:graphic>
           <a:graphicData uri="http://schemas.openxmlformats.org/presentationml/2006/ole">
-            <p:oleObj spid="_x0000_s3340" name="方程式" r:id="rId5" imgW="126725" imgH="126725" progId="Equation.3">
-              <p:embed/>
-            </p:oleObj>
+            <mc:AlternateContent xmlns:mc="http://schemas.openxmlformats.org/markup-compatibility/2006">
+              <mc:Choice xmlns:v="urn:schemas-microsoft-com:vml" Requires="v">
+                <p:oleObj spid="_x0000_s3397" name="方程式" r:id="rId6" imgW="126725" imgH="126725" progId="Equation.3">
+                  <p:embed/>
+                </p:oleObj>
+              </mc:Choice>
+              <mc:Fallback>
+                <p:oleObj name="方程式" r:id="rId6" imgW="126725" imgH="126725" progId="Equation.3">
+                  <p:embed/>
+                  <p:pic>
+                    <p:nvPicPr>
+                      <p:cNvPr id="0" name="Picture 268"/>
+                      <p:cNvPicPr>
+                        <a:picLocks noChangeAspect="1" noChangeArrowheads="1"/>
+                      </p:cNvPicPr>
+                      <p:nvPr/>
+                    </p:nvPicPr>
+                    <p:blipFill>
+                      <a:blip r:embed="rId7">
+                        <a:extLst>
+                          <a:ext uri="{28A0092B-C50C-407E-A947-70E740481C1C}">
+                            <a14:useLocalDpi xmlns:a14="http://schemas.microsoft.com/office/drawing/2010/main" val="0"/>
+                          </a:ext>
+                        </a:extLst>
+                      </a:blip>
+                      <a:srcRect/>
+                      <a:stretch>
+                        <a:fillRect/>
+                      </a:stretch>
+                    </p:blipFill>
+                    <p:spPr bwMode="auto">
+                      <a:xfrm>
+                        <a:off x="3910013" y="3039529"/>
+                        <a:ext cx="1019175" cy="776287"/>
+                      </a:xfrm>
+                      <a:prstGeom prst="rect">
+                        <a:avLst/>
+                      </a:prstGeom>
+                      <a:noFill/>
+                      <a:extLst>
+                        <a:ext uri="{909E8E84-426E-40DD-AFC4-6F175D3DCCD1}">
+                          <a14:hiddenFill xmlns:a14="http://schemas.microsoft.com/office/drawing/2010/main">
+                            <a:solidFill>
+                              <a:srgbClr val="FFFFFF"/>
+                            </a:solidFill>
+                          </a14:hiddenFill>
+                        </a:ext>
+                      </a:extLst>
+                    </p:spPr>
+                  </p:pic>
+                </p:oleObj>
+              </mc:Fallback>
+            </mc:AlternateContent>
           </a:graphicData>
         </a:graphic>
       </p:graphicFrame>
@@ -11847,7 +12240,7 @@
           <p:nvPr/>
         </p:nvPicPr>
         <p:blipFill>
-          <a:blip r:embed="rId6"/>
+          <a:blip r:embed="rId8"/>
           <a:srcRect/>
           <a:stretch>
             <a:fillRect/>
@@ -11884,16 +12277,66 @@
         </p:xfrm>
         <a:graphic>
           <a:graphicData uri="http://schemas.openxmlformats.org/presentationml/2006/ole">
-            <p:oleObj spid="_x0000_s3341" name="方程式" r:id="rId7" imgW="1803400" imgH="228600" progId="Equation.3">
-              <p:embed/>
-            </p:oleObj>
+            <mc:AlternateContent xmlns:mc="http://schemas.openxmlformats.org/markup-compatibility/2006">
+              <mc:Choice xmlns:v="urn:schemas-microsoft-com:vml" Requires="v">
+                <p:oleObj spid="_x0000_s3398" name="方程式" r:id="rId9" imgW="1803400" imgH="228600" progId="Equation.3">
+                  <p:embed/>
+                </p:oleObj>
+              </mc:Choice>
+              <mc:Fallback>
+                <p:oleObj name="方程式" r:id="rId9" imgW="1803400" imgH="228600" progId="Equation.3">
+                  <p:embed/>
+                  <p:pic>
+                    <p:nvPicPr>
+                      <p:cNvPr id="0" name="Picture 269"/>
+                      <p:cNvPicPr>
+                        <a:picLocks noChangeAspect="1" noChangeArrowheads="1"/>
+                      </p:cNvPicPr>
+                      <p:nvPr/>
+                    </p:nvPicPr>
+                    <p:blipFill>
+                      <a:blip r:embed="rId10">
+                        <a:extLst>
+                          <a:ext uri="{28A0092B-C50C-407E-A947-70E740481C1C}">
+                            <a14:useLocalDpi xmlns:a14="http://schemas.microsoft.com/office/drawing/2010/main" val="0"/>
+                          </a:ext>
+                        </a:extLst>
+                      </a:blip>
+                      <a:srcRect/>
+                      <a:stretch>
+                        <a:fillRect/>
+                      </a:stretch>
+                    </p:blipFill>
+                    <p:spPr bwMode="auto">
+                      <a:xfrm>
+                        <a:off x="5112835" y="3196166"/>
+                        <a:ext cx="3692525" cy="533400"/>
+                      </a:xfrm>
+                      <a:prstGeom prst="rect">
+                        <a:avLst/>
+                      </a:prstGeom>
+                      <a:noFill/>
+                      <a:extLst>
+                        <a:ext uri="{909E8E84-426E-40DD-AFC4-6F175D3DCCD1}">
+                          <a14:hiddenFill xmlns:a14="http://schemas.microsoft.com/office/drawing/2010/main">
+                            <a:solidFill>
+                              <a:srgbClr val="FFFFFF"/>
+                            </a:solidFill>
+                          </a14:hiddenFill>
+                        </a:ext>
+                      </a:extLst>
+                    </p:spPr>
+                  </p:pic>
+                </p:oleObj>
+              </mc:Fallback>
+            </mc:AlternateContent>
           </a:graphicData>
         </a:graphic>
       </p:graphicFrame>
     </p:spTree>
     <p:extLst>
       <p:ext uri="{BB962C8B-B14F-4D97-AF65-F5344CB8AC3E}">
-        <p14:creationId xmlns:p14="http://schemas.microsoft.com/office/powerpoint/2010/main" xmlns="" val="3427152478"/>
+        <p14:creationId xmlns:p14="http://schemas.microsoft.com/office/powerpoint/2010/main" val="3427152478"/>
       </p:ext>
     </p:extLst>
   </p:cSld>
@@ -12026,307 +12469,7 @@
 </p:sld>
 </file>
 
-<file path=ppt/slides/slide2.xml><?xml version="1.0" encoding="utf-8"?>
-<p:sld xmlns:a="http://schemas.openxmlformats.org/drawingml/2006/main" xmlns:r="http://schemas.openxmlformats.org/officeDocument/2006/relationships" xmlns:p="http://schemas.openxmlformats.org/presentationml/2006/main">
-  <p:cSld>
-    <p:spTree>
-      <p:nvGrpSpPr>
-        <p:cNvPr id="1" name=""/>
-        <p:cNvGrpSpPr/>
-        <p:nvPr/>
-      </p:nvGrpSpPr>
-      <p:grpSpPr>
-        <a:xfrm>
-          <a:off x="0" y="0"/>
-          <a:ext cx="0" cy="0"/>
-          <a:chOff x="0" y="0"/>
-          <a:chExt cx="0" cy="0"/>
-        </a:xfrm>
-      </p:grpSpPr>
-      <p:sp>
-        <p:nvSpPr>
-          <p:cNvPr id="24" name="Title 3"/>
-          <p:cNvSpPr>
-            <a:spLocks noGrp="1"/>
-          </p:cNvSpPr>
-          <p:nvPr>
-            <p:ph type="title"/>
-          </p:nvPr>
-        </p:nvSpPr>
-        <p:spPr>
-          <a:xfrm>
-            <a:off x="228600" y="228600"/>
-            <a:ext cx="1412246" cy="492443"/>
-          </a:xfrm>
-        </p:spPr>
-        <p:txBody>
-          <a:bodyPr/>
-          <a:lstStyle/>
-          <a:p>
-            <a:pPr marL="342900" indent="-342900"/>
-            <a:r>
-              <a:rPr lang="en-US" altLang="zh-TW" sz="3200" dirty="0" smtClean="0">
-                <a:solidFill>
-                  <a:schemeClr val="tx1"/>
-                </a:solidFill>
-                <a:latin typeface="+mj-lt"/>
-              </a:rPr>
-              <a:t>Agenda</a:t>
-            </a:r>
-            <a:endParaRPr lang="en-US" altLang="zh-TW" sz="3200" dirty="0">
-              <a:solidFill>
-                <a:schemeClr val="tx1"/>
-              </a:solidFill>
-              <a:latin typeface="+mj-lt"/>
-            </a:endParaRPr>
-          </a:p>
-        </p:txBody>
-      </p:sp>
-      <p:sp>
-        <p:nvSpPr>
-          <p:cNvPr id="27" name="Content Placeholder 2"/>
-          <p:cNvSpPr txBox="1">
-            <a:spLocks/>
-          </p:cNvSpPr>
-          <p:nvPr/>
-        </p:nvSpPr>
-        <p:spPr>
-          <a:xfrm>
-            <a:off x="228600" y="986319"/>
-            <a:ext cx="8689622" cy="3914918"/>
-          </a:xfrm>
-          <a:prstGeom prst="rect">
-            <a:avLst/>
-          </a:prstGeom>
-        </p:spPr>
-        <p:txBody>
-          <a:bodyPr vert="horz" wrap="square" lIns="0" tIns="0" rIns="0" bIns="0" rtlCol="0">
-            <a:spAutoFit/>
-          </a:bodyPr>
-          <a:lstStyle/>
-          <a:p>
-            <a:pPr marL="742950" indent="-457200">
-              <a:spcBef>
-                <a:spcPct val="20000"/>
-              </a:spcBef>
-              <a:buFont typeface="+mj-lt"/>
-              <a:buAutoNum type="arabicPeriod"/>
-              <a:defRPr/>
-            </a:pPr>
-            <a:r>
-              <a:rPr lang="en-US" altLang="zh-TW" sz="2400" dirty="0" smtClean="0"/>
-              <a:t>A toy example</a:t>
-            </a:r>
-          </a:p>
-          <a:p>
-            <a:pPr marL="742950" indent="-457200">
-              <a:spcBef>
-                <a:spcPct val="20000"/>
-              </a:spcBef>
-              <a:buFont typeface="+mj-lt"/>
-              <a:buAutoNum type="arabicPeriod"/>
-              <a:defRPr/>
-            </a:pPr>
-            <a:endParaRPr lang="en-US" altLang="zh-TW" sz="2400" dirty="0" smtClean="0"/>
-          </a:p>
-          <a:p>
-            <a:pPr marL="742950" indent="-457200">
-              <a:spcBef>
-                <a:spcPct val="20000"/>
-              </a:spcBef>
-              <a:buFont typeface="+mj-lt"/>
-              <a:buAutoNum type="arabicPeriod"/>
-              <a:defRPr/>
-            </a:pPr>
-            <a:r>
-              <a:rPr lang="en-US" altLang="zh-TW" sz="2400" dirty="0" err="1" smtClean="0">
-                <a:solidFill>
-                  <a:schemeClr val="bg1">
-                    <a:lumMod val="75000"/>
-                  </a:schemeClr>
-                </a:solidFill>
-              </a:rPr>
-              <a:t>Adaboost</a:t>
-            </a:r>
-            <a:r>
-              <a:rPr lang="en-US" altLang="zh-TW" sz="2400" dirty="0" smtClean="0">
-                <a:solidFill>
-                  <a:schemeClr val="bg1">
-                    <a:lumMod val="75000"/>
-                  </a:schemeClr>
-                </a:solidFill>
-              </a:rPr>
-              <a:t> </a:t>
-            </a:r>
-          </a:p>
-          <a:p>
-            <a:pPr marL="742950" indent="-457200">
-              <a:spcBef>
-                <a:spcPct val="20000"/>
-              </a:spcBef>
-              <a:buFont typeface="+mj-lt"/>
-              <a:buAutoNum type="arabicPeriod"/>
-              <a:defRPr/>
-            </a:pPr>
-            <a:endParaRPr lang="en-US" altLang="zh-TW" sz="2400" dirty="0" smtClean="0">
-              <a:solidFill>
-                <a:schemeClr val="bg1">
-                  <a:lumMod val="75000"/>
-                </a:schemeClr>
-              </a:solidFill>
-            </a:endParaRPr>
-          </a:p>
-          <a:p>
-            <a:pPr marL="742950" indent="-457200">
-              <a:spcBef>
-                <a:spcPct val="20000"/>
-              </a:spcBef>
-              <a:buFont typeface="+mj-lt"/>
-              <a:buAutoNum type="arabicPeriod"/>
-              <a:defRPr/>
-            </a:pPr>
-            <a:r>
-              <a:rPr lang="en-US" altLang="zh-TW" sz="2400" dirty="0" smtClean="0">
-                <a:solidFill>
-                  <a:schemeClr val="bg1">
-                    <a:lumMod val="75000"/>
-                  </a:schemeClr>
-                </a:solidFill>
-              </a:rPr>
-              <a:t>Vehicle detection</a:t>
-            </a:r>
-          </a:p>
-          <a:p>
-            <a:pPr marL="1200150" lvl="1" indent="-457200">
-              <a:spcBef>
-                <a:spcPct val="20000"/>
-              </a:spcBef>
-              <a:buFont typeface="Wingdings" pitchFamily="2" charset="2"/>
-              <a:buChar char="l"/>
-              <a:defRPr/>
-            </a:pPr>
-            <a:endParaRPr kumimoji="0" lang="en-US" altLang="zh-TW" sz="2400" b="0" i="0" u="none" strike="noStrike" kern="1200" cap="none" spc="0" normalizeH="0" baseline="0" noProof="0" dirty="0" smtClean="0">
-              <a:ln>
-                <a:noFill/>
-              </a:ln>
-              <a:solidFill>
-                <a:schemeClr val="tx1"/>
-              </a:solidFill>
-              <a:effectLst/>
-              <a:uLnTx/>
-              <a:uFillTx/>
-              <a:latin typeface="+mn-lt"/>
-              <a:ea typeface="+mn-ea"/>
-              <a:cs typeface="+mn-cs"/>
-            </a:endParaRPr>
-          </a:p>
-          <a:p>
-            <a:pPr marL="742950" marR="0" lvl="1" algn="l" defTabSz="457200" rtl="0" eaLnBrk="1" fontAlgn="auto" latinLnBrk="0" hangingPunct="1">
-              <a:lnSpc>
-                <a:spcPct val="100000"/>
-              </a:lnSpc>
-              <a:spcBef>
-                <a:spcPct val="20000"/>
-              </a:spcBef>
-              <a:spcAft>
-                <a:spcPts val="0"/>
-              </a:spcAft>
-              <a:buClrTx/>
-              <a:buSzTx/>
-              <a:tabLst/>
-              <a:defRPr/>
-            </a:pPr>
-            <a:endParaRPr lang="en-US" altLang="zh-TW" sz="2400" dirty="0" smtClean="0"/>
-          </a:p>
-          <a:p>
-            <a:pPr marL="1200150" marR="0" lvl="1" indent="-457200" algn="l" defTabSz="457200" rtl="0" eaLnBrk="1" fontAlgn="auto" latinLnBrk="0" hangingPunct="1">
-              <a:lnSpc>
-                <a:spcPct val="100000"/>
-              </a:lnSpc>
-              <a:spcBef>
-                <a:spcPct val="20000"/>
-              </a:spcBef>
-              <a:spcAft>
-                <a:spcPts val="0"/>
-              </a:spcAft>
-              <a:buClrTx/>
-              <a:buSzTx/>
-              <a:buFont typeface="Wingdings" pitchFamily="2" charset="2"/>
-              <a:buChar char="l"/>
-              <a:tabLst/>
-              <a:defRPr/>
-            </a:pPr>
-            <a:endParaRPr kumimoji="0" lang="en-US" altLang="zh-TW" sz="2400" b="0" i="0" u="none" strike="noStrike" kern="1200" cap="none" spc="0" normalizeH="0" baseline="0" noProof="0" dirty="0" smtClean="0">
-              <a:ln>
-                <a:noFill/>
-              </a:ln>
-              <a:solidFill>
-                <a:schemeClr val="tx1"/>
-              </a:solidFill>
-              <a:effectLst/>
-              <a:uLnTx/>
-              <a:uFillTx/>
-              <a:latin typeface="+mn-lt"/>
-              <a:ea typeface="+mn-ea"/>
-              <a:cs typeface="+mn-cs"/>
-            </a:endParaRPr>
-          </a:p>
-          <a:p>
-            <a:pPr marL="1200150" marR="0" lvl="1" indent="-457200" algn="l" defTabSz="457200" rtl="0" eaLnBrk="1" fontAlgn="auto" latinLnBrk="0" hangingPunct="1">
-              <a:lnSpc>
-                <a:spcPct val="100000"/>
-              </a:lnSpc>
-              <a:spcBef>
-                <a:spcPct val="20000"/>
-              </a:spcBef>
-              <a:spcAft>
-                <a:spcPts val="0"/>
-              </a:spcAft>
-              <a:buClrTx/>
-              <a:buSzTx/>
-              <a:buFont typeface="Wingdings" pitchFamily="2" charset="2"/>
-              <a:buChar char="l"/>
-              <a:tabLst/>
-              <a:defRPr/>
-            </a:pPr>
-            <a:endParaRPr kumimoji="0" lang="en-US" altLang="zh-TW" sz="2400" b="0" i="0" u="none" strike="noStrike" kern="1200" cap="none" spc="0" normalizeH="0" baseline="0" noProof="0" dirty="0" smtClean="0">
-              <a:ln>
-                <a:noFill/>
-              </a:ln>
-              <a:solidFill>
-                <a:schemeClr val="tx1"/>
-              </a:solidFill>
-              <a:effectLst/>
-              <a:uLnTx/>
-              <a:uFillTx/>
-              <a:latin typeface="Arial"/>
-              <a:ea typeface="+mn-ea"/>
-              <a:cs typeface="+mn-cs"/>
-            </a:endParaRPr>
-          </a:p>
-        </p:txBody>
-      </p:sp>
-    </p:spTree>
-    <p:extLst>
-      <p:ext uri="{BB962C8B-B14F-4D97-AF65-F5344CB8AC3E}">
-        <p14:creationId xmlns:p14="http://schemas.microsoft.com/office/powerpoint/2010/main" xmlns="" val="3040030372"/>
-      </p:ext>
-    </p:extLst>
-  </p:cSld>
-  <p:clrMapOvr>
-    <a:masterClrMapping/>
-  </p:clrMapOvr>
-  <p:timing>
-    <p:tnLst>
-      <p:par>
-        <p:cTn id="1" dur="indefinite" restart="never" nodeType="tmRoot"/>
-      </p:par>
-    </p:tnLst>
-  </p:timing>
-</p:sld>
-</file>
-
-<file path=ppt/slides/slide20.xml><?xml version="1.0" encoding="utf-8"?>
+<file path=ppt/slides/slide18.xml><?xml version="1.0" encoding="utf-8"?>
 <p:sld xmlns:a="http://schemas.openxmlformats.org/drawingml/2006/main" xmlns:r="http://schemas.openxmlformats.org/officeDocument/2006/relationships" xmlns:p="http://schemas.openxmlformats.org/presentationml/2006/main">
   <p:cSld>
     <p:spTree>
@@ -12592,9 +12735,59 @@
         </p:xfrm>
         <a:graphic>
           <a:graphicData uri="http://schemas.openxmlformats.org/presentationml/2006/ole">
-            <p:oleObj spid="_x0000_s25790" name="方程式" r:id="rId4" imgW="368140" imgH="215806" progId="Equation.3">
-              <p:embed/>
-            </p:oleObj>
+            <mc:AlternateContent xmlns:mc="http://schemas.openxmlformats.org/markup-compatibility/2006">
+              <mc:Choice xmlns:v="urn:schemas-microsoft-com:vml" Requires="v">
+                <p:oleObj spid="_x0000_s25866" name="方程式" r:id="rId4" imgW="368140" imgH="215806" progId="Equation.3">
+                  <p:embed/>
+                </p:oleObj>
+              </mc:Choice>
+              <mc:Fallback>
+                <p:oleObj name="方程式" r:id="rId4" imgW="368140" imgH="215806" progId="Equation.3">
+                  <p:embed/>
+                  <p:pic>
+                    <p:nvPicPr>
+                      <p:cNvPr id="0" name="Picture 190"/>
+                      <p:cNvPicPr>
+                        <a:picLocks noChangeAspect="1" noChangeArrowheads="1"/>
+                      </p:cNvPicPr>
+                      <p:nvPr/>
+                    </p:nvPicPr>
+                    <p:blipFill>
+                      <a:blip r:embed="rId5">
+                        <a:extLst>
+                          <a:ext uri="{28A0092B-C50C-407E-A947-70E740481C1C}">
+                            <a14:useLocalDpi xmlns:a14="http://schemas.microsoft.com/office/drawing/2010/main" val="0"/>
+                          </a:ext>
+                        </a:extLst>
+                      </a:blip>
+                      <a:srcRect/>
+                      <a:stretch>
+                        <a:fillRect/>
+                      </a:stretch>
+                    </p:blipFill>
+                    <p:spPr bwMode="auto">
+                      <a:xfrm>
+                        <a:off x="7269736" y="1128715"/>
+                        <a:ext cx="873125" cy="512762"/>
+                      </a:xfrm>
+                      <a:prstGeom prst="rect">
+                        <a:avLst/>
+                      </a:prstGeom>
+                      <a:noFill/>
+                      <a:extLst>
+                        <a:ext uri="{909E8E84-426E-40DD-AFC4-6F175D3DCCD1}">
+                          <a14:hiddenFill xmlns:a14="http://schemas.microsoft.com/office/drawing/2010/main">
+                            <a:solidFill>
+                              <a:srgbClr val="FFFFFF"/>
+                            </a:solidFill>
+                          </a14:hiddenFill>
+                        </a:ext>
+                      </a:extLst>
+                    </p:spPr>
+                  </p:pic>
+                </p:oleObj>
+              </mc:Fallback>
+            </mc:AlternateContent>
           </a:graphicData>
         </a:graphic>
       </p:graphicFrame>
@@ -12971,9 +13164,59 @@
         </p:xfrm>
         <a:graphic>
           <a:graphicData uri="http://schemas.openxmlformats.org/presentationml/2006/ole">
-            <p:oleObj spid="_x0000_s25791" name="方程式" r:id="rId5" imgW="380835" imgH="215806" progId="Equation.3">
-              <p:embed/>
-            </p:oleObj>
+            <mc:AlternateContent xmlns:mc="http://schemas.openxmlformats.org/markup-compatibility/2006">
+              <mc:Choice xmlns:v="urn:schemas-microsoft-com:vml" Requires="v">
+                <p:oleObj spid="_x0000_s25867" name="方程式" r:id="rId6" imgW="380835" imgH="215806" progId="Equation.3">
+                  <p:embed/>
+                </p:oleObj>
+              </mc:Choice>
+              <mc:Fallback>
+                <p:oleObj name="方程式" r:id="rId6" imgW="380835" imgH="215806" progId="Equation.3">
+                  <p:embed/>
+                  <p:pic>
+                    <p:nvPicPr>
+                      <p:cNvPr id="0" name="Picture 191"/>
+                      <p:cNvPicPr>
+                        <a:picLocks noChangeAspect="1" noChangeArrowheads="1"/>
+                      </p:cNvPicPr>
+                      <p:nvPr/>
+                    </p:nvPicPr>
+                    <p:blipFill>
+                      <a:blip r:embed="rId7">
+                        <a:extLst>
+                          <a:ext uri="{28A0092B-C50C-407E-A947-70E740481C1C}">
+                            <a14:useLocalDpi xmlns:a14="http://schemas.microsoft.com/office/drawing/2010/main" val="0"/>
+                          </a:ext>
+                        </a:extLst>
+                      </a:blip>
+                      <a:srcRect/>
+                      <a:stretch>
+                        <a:fillRect/>
+                      </a:stretch>
+                    </p:blipFill>
+                    <p:spPr bwMode="auto">
+                      <a:xfrm>
+                        <a:off x="7263903" y="2898777"/>
+                        <a:ext cx="903287" cy="512763"/>
+                      </a:xfrm>
+                      <a:prstGeom prst="rect">
+                        <a:avLst/>
+                      </a:prstGeom>
+                      <a:noFill/>
+                      <a:extLst>
+                        <a:ext uri="{909E8E84-426E-40DD-AFC4-6F175D3DCCD1}">
+                          <a14:hiddenFill xmlns:a14="http://schemas.microsoft.com/office/drawing/2010/main">
+                            <a:solidFill>
+                              <a:srgbClr val="FFFFFF"/>
+                            </a:solidFill>
+                          </a14:hiddenFill>
+                        </a:ext>
+                      </a:extLst>
+                    </p:spPr>
+                  </p:pic>
+                </p:oleObj>
+              </mc:Fallback>
+            </mc:AlternateContent>
           </a:graphicData>
         </a:graphic>
       </p:graphicFrame>
@@ -13350,9 +13593,59 @@
         </p:xfrm>
         <a:graphic>
           <a:graphicData uri="http://schemas.openxmlformats.org/presentationml/2006/ole">
-            <p:oleObj spid="_x0000_s25792" name="方程式" r:id="rId6" imgW="381000" imgH="228600" progId="Equation.3">
-              <p:embed/>
-            </p:oleObj>
+            <mc:AlternateContent xmlns:mc="http://schemas.openxmlformats.org/markup-compatibility/2006">
+              <mc:Choice xmlns:v="urn:schemas-microsoft-com:vml" Requires="v">
+                <p:oleObj spid="_x0000_s25868" name="方程式" r:id="rId8" imgW="381000" imgH="228600" progId="Equation.3">
+                  <p:embed/>
+                </p:oleObj>
+              </mc:Choice>
+              <mc:Fallback>
+                <p:oleObj name="方程式" r:id="rId8" imgW="381000" imgH="228600" progId="Equation.3">
+                  <p:embed/>
+                  <p:pic>
+                    <p:nvPicPr>
+                      <p:cNvPr id="0" name="Picture 192"/>
+                      <p:cNvPicPr>
+                        <a:picLocks noChangeAspect="1" noChangeArrowheads="1"/>
+                      </p:cNvPicPr>
+                      <p:nvPr/>
+                    </p:nvPicPr>
+                    <p:blipFill>
+                      <a:blip r:embed="rId9">
+                        <a:extLst>
+                          <a:ext uri="{28A0092B-C50C-407E-A947-70E740481C1C}">
+                            <a14:useLocalDpi xmlns:a14="http://schemas.microsoft.com/office/drawing/2010/main" val="0"/>
+                          </a:ext>
+                        </a:extLst>
+                      </a:blip>
+                      <a:srcRect/>
+                      <a:stretch>
+                        <a:fillRect/>
+                      </a:stretch>
+                    </p:blipFill>
+                    <p:spPr bwMode="auto">
+                      <a:xfrm>
+                        <a:off x="7240090" y="4621215"/>
+                        <a:ext cx="903288" cy="542925"/>
+                      </a:xfrm>
+                      <a:prstGeom prst="rect">
+                        <a:avLst/>
+                      </a:prstGeom>
+                      <a:noFill/>
+                      <a:extLst>
+                        <a:ext uri="{909E8E84-426E-40DD-AFC4-6F175D3DCCD1}">
+                          <a14:hiddenFill xmlns:a14="http://schemas.microsoft.com/office/drawing/2010/main">
+                            <a:solidFill>
+                              <a:srgbClr val="FFFFFF"/>
+                            </a:solidFill>
+                          </a14:hiddenFill>
+                        </a:ext>
+                      </a:extLst>
+                    </p:spPr>
+                  </p:pic>
+                </p:oleObj>
+              </mc:Fallback>
+            </mc:AlternateContent>
           </a:graphicData>
         </a:graphic>
       </p:graphicFrame>
@@ -13868,16 +14161,66 @@
         </p:xfrm>
         <a:graphic>
           <a:graphicData uri="http://schemas.openxmlformats.org/presentationml/2006/ole">
-            <p:oleObj spid="_x0000_s25793" name="方程式" r:id="rId7" imgW="419100" imgH="228600" progId="Equation.3">
-              <p:embed/>
-            </p:oleObj>
+            <mc:AlternateContent xmlns:mc="http://schemas.openxmlformats.org/markup-compatibility/2006">
+              <mc:Choice xmlns:v="urn:schemas-microsoft-com:vml" Requires="v">
+                <p:oleObj spid="_x0000_s25869" name="方程式" r:id="rId10" imgW="419100" imgH="228600" progId="Equation.3">
+                  <p:embed/>
+                </p:oleObj>
+              </mc:Choice>
+              <mc:Fallback>
+                <p:oleObj name="方程式" r:id="rId10" imgW="419100" imgH="228600" progId="Equation.3">
+                  <p:embed/>
+                  <p:pic>
+                    <p:nvPicPr>
+                      <p:cNvPr id="0" name="Picture 193"/>
+                      <p:cNvPicPr>
+                        <a:picLocks noChangeAspect="1" noChangeArrowheads="1"/>
+                      </p:cNvPicPr>
+                      <p:nvPr/>
+                    </p:nvPicPr>
+                    <p:blipFill>
+                      <a:blip r:embed="rId11">
+                        <a:extLst>
+                          <a:ext uri="{28A0092B-C50C-407E-A947-70E740481C1C}">
+                            <a14:useLocalDpi xmlns:a14="http://schemas.microsoft.com/office/drawing/2010/main" val="0"/>
+                          </a:ext>
+                        </a:extLst>
+                      </a:blip>
+                      <a:srcRect/>
+                      <a:stretch>
+                        <a:fillRect/>
+                      </a:stretch>
+                    </p:blipFill>
+                    <p:spPr bwMode="auto">
+                      <a:xfrm>
+                        <a:off x="7192963" y="5778500"/>
+                        <a:ext cx="993775" cy="542925"/>
+                      </a:xfrm>
+                      <a:prstGeom prst="rect">
+                        <a:avLst/>
+                      </a:prstGeom>
+                      <a:noFill/>
+                      <a:extLst>
+                        <a:ext uri="{909E8E84-426E-40DD-AFC4-6F175D3DCCD1}">
+                          <a14:hiddenFill xmlns:a14="http://schemas.microsoft.com/office/drawing/2010/main">
+                            <a:solidFill>
+                              <a:srgbClr val="FFFFFF"/>
+                            </a:solidFill>
+                          </a14:hiddenFill>
+                        </a:ext>
+                      </a:extLst>
+                    </p:spPr>
+                  </p:pic>
+                </p:oleObj>
+              </mc:Fallback>
+            </mc:AlternateContent>
           </a:graphicData>
         </a:graphic>
       </p:graphicFrame>
     </p:spTree>
     <p:extLst>
       <p:ext uri="{BB962C8B-B14F-4D97-AF65-F5344CB8AC3E}">
-        <p14:creationId xmlns:p14="http://schemas.microsoft.com/office/powerpoint/2010/main" xmlns="" val="2123413861"/>
+        <p14:creationId xmlns:p14="http://schemas.microsoft.com/office/powerpoint/2010/main" val="2123413861"/>
       </p:ext>
     </p:extLst>
   </p:cSld>
@@ -14818,7 +15161,7 @@
 </p:sld>
 </file>
 
-<file path=ppt/slides/slide21.xml><?xml version="1.0" encoding="utf-8"?>
+<file path=ppt/slides/slide19.xml><?xml version="1.0" encoding="utf-8"?>
 <p:sld xmlns:a="http://schemas.openxmlformats.org/drawingml/2006/main" xmlns:r="http://schemas.openxmlformats.org/officeDocument/2006/relationships" xmlns:p="http://schemas.openxmlformats.org/presentationml/2006/main">
   <p:cSld>
     <p:spTree>
@@ -14886,7 +15229,7 @@
           <a:blip r:embed="rId3">
             <a:extLst>
               <a:ext uri="{28A0092B-C50C-407E-A947-70E740481C1C}">
-                <a14:useLocalDpi xmlns:a14="http://schemas.microsoft.com/office/drawing/2010/main" xmlns="" val="0"/>
+                <a14:useLocalDpi xmlns:a14="http://schemas.microsoft.com/office/drawing/2010/main" val="0"/>
               </a:ext>
             </a:extLst>
           </a:blip>
@@ -14916,7 +15259,7 @@
           <a:blip r:embed="rId4">
             <a:extLst>
               <a:ext uri="{28A0092B-C50C-407E-A947-70E740481C1C}">
-                <a14:useLocalDpi xmlns:a14="http://schemas.microsoft.com/office/drawing/2010/main" xmlns="" val="0"/>
+                <a14:useLocalDpi xmlns:a14="http://schemas.microsoft.com/office/drawing/2010/main" val="0"/>
               </a:ext>
             </a:extLst>
           </a:blip>
@@ -14937,7 +15280,7 @@
     </p:spTree>
     <p:extLst>
       <p:ext uri="{BB962C8B-B14F-4D97-AF65-F5344CB8AC3E}">
-        <p14:creationId xmlns:p14="http://schemas.microsoft.com/office/powerpoint/2010/main" xmlns="" val="2123413861"/>
+        <p14:creationId xmlns:p14="http://schemas.microsoft.com/office/powerpoint/2010/main" val="2123413861"/>
       </p:ext>
     </p:extLst>
   </p:cSld>
@@ -15022,7 +15365,307 @@
 </p:sld>
 </file>
 
-<file path=ppt/slides/slide22.xml><?xml version="1.0" encoding="utf-8"?>
+<file path=ppt/slides/slide2.xml><?xml version="1.0" encoding="utf-8"?>
+<p:sld xmlns:a="http://schemas.openxmlformats.org/drawingml/2006/main" xmlns:r="http://schemas.openxmlformats.org/officeDocument/2006/relationships" xmlns:p="http://schemas.openxmlformats.org/presentationml/2006/main">
+  <p:cSld>
+    <p:spTree>
+      <p:nvGrpSpPr>
+        <p:cNvPr id="1" name=""/>
+        <p:cNvGrpSpPr/>
+        <p:nvPr/>
+      </p:nvGrpSpPr>
+      <p:grpSpPr>
+        <a:xfrm>
+          <a:off x="0" y="0"/>
+          <a:ext cx="0" cy="0"/>
+          <a:chOff x="0" y="0"/>
+          <a:chExt cx="0" cy="0"/>
+        </a:xfrm>
+      </p:grpSpPr>
+      <p:sp>
+        <p:nvSpPr>
+          <p:cNvPr id="24" name="Title 3"/>
+          <p:cNvSpPr>
+            <a:spLocks noGrp="1"/>
+          </p:cNvSpPr>
+          <p:nvPr>
+            <p:ph type="title"/>
+          </p:nvPr>
+        </p:nvSpPr>
+        <p:spPr>
+          <a:xfrm>
+            <a:off x="228600" y="228600"/>
+            <a:ext cx="1412246" cy="492443"/>
+          </a:xfrm>
+        </p:spPr>
+        <p:txBody>
+          <a:bodyPr/>
+          <a:lstStyle/>
+          <a:p>
+            <a:pPr marL="342900" indent="-342900"/>
+            <a:r>
+              <a:rPr lang="en-US" altLang="zh-TW" sz="3200" dirty="0" smtClean="0">
+                <a:solidFill>
+                  <a:schemeClr val="tx1"/>
+                </a:solidFill>
+                <a:latin typeface="+mj-lt"/>
+              </a:rPr>
+              <a:t>Agenda</a:t>
+            </a:r>
+            <a:endParaRPr lang="en-US" altLang="zh-TW" sz="3200" dirty="0">
+              <a:solidFill>
+                <a:schemeClr val="tx1"/>
+              </a:solidFill>
+              <a:latin typeface="+mj-lt"/>
+            </a:endParaRPr>
+          </a:p>
+        </p:txBody>
+      </p:sp>
+      <p:sp>
+        <p:nvSpPr>
+          <p:cNvPr id="27" name="Content Placeholder 2"/>
+          <p:cNvSpPr txBox="1">
+            <a:spLocks/>
+          </p:cNvSpPr>
+          <p:nvPr/>
+        </p:nvSpPr>
+        <p:spPr>
+          <a:xfrm>
+            <a:off x="228600" y="986319"/>
+            <a:ext cx="8689622" cy="3914918"/>
+          </a:xfrm>
+          <a:prstGeom prst="rect">
+            <a:avLst/>
+          </a:prstGeom>
+        </p:spPr>
+        <p:txBody>
+          <a:bodyPr vert="horz" wrap="square" lIns="0" tIns="0" rIns="0" bIns="0" rtlCol="0">
+            <a:spAutoFit/>
+          </a:bodyPr>
+          <a:lstStyle/>
+          <a:p>
+            <a:pPr marL="742950" indent="-457200">
+              <a:spcBef>
+                <a:spcPct val="20000"/>
+              </a:spcBef>
+              <a:buFont typeface="+mj-lt"/>
+              <a:buAutoNum type="arabicPeriod"/>
+              <a:defRPr/>
+            </a:pPr>
+            <a:r>
+              <a:rPr lang="en-US" altLang="zh-TW" sz="2400" dirty="0" smtClean="0"/>
+              <a:t>A toy example</a:t>
+            </a:r>
+          </a:p>
+          <a:p>
+            <a:pPr marL="742950" indent="-457200">
+              <a:spcBef>
+                <a:spcPct val="20000"/>
+              </a:spcBef>
+              <a:buFont typeface="+mj-lt"/>
+              <a:buAutoNum type="arabicPeriod"/>
+              <a:defRPr/>
+            </a:pPr>
+            <a:endParaRPr lang="en-US" altLang="zh-TW" sz="2400" dirty="0" smtClean="0"/>
+          </a:p>
+          <a:p>
+            <a:pPr marL="742950" indent="-457200">
+              <a:spcBef>
+                <a:spcPct val="20000"/>
+              </a:spcBef>
+              <a:buFont typeface="+mj-lt"/>
+              <a:buAutoNum type="arabicPeriod"/>
+              <a:defRPr/>
+            </a:pPr>
+            <a:r>
+              <a:rPr lang="en-US" altLang="zh-TW" sz="2400" dirty="0" err="1" smtClean="0">
+                <a:solidFill>
+                  <a:schemeClr val="bg1">
+                    <a:lumMod val="75000"/>
+                  </a:schemeClr>
+                </a:solidFill>
+              </a:rPr>
+              <a:t>Adaboost</a:t>
+            </a:r>
+            <a:r>
+              <a:rPr lang="en-US" altLang="zh-TW" sz="2400" dirty="0" smtClean="0">
+                <a:solidFill>
+                  <a:schemeClr val="bg1">
+                    <a:lumMod val="75000"/>
+                  </a:schemeClr>
+                </a:solidFill>
+              </a:rPr>
+              <a:t> </a:t>
+            </a:r>
+          </a:p>
+          <a:p>
+            <a:pPr marL="742950" indent="-457200">
+              <a:spcBef>
+                <a:spcPct val="20000"/>
+              </a:spcBef>
+              <a:buFont typeface="+mj-lt"/>
+              <a:buAutoNum type="arabicPeriod"/>
+              <a:defRPr/>
+            </a:pPr>
+            <a:endParaRPr lang="en-US" altLang="zh-TW" sz="2400" dirty="0" smtClean="0">
+              <a:solidFill>
+                <a:schemeClr val="bg1">
+                  <a:lumMod val="75000"/>
+                </a:schemeClr>
+              </a:solidFill>
+            </a:endParaRPr>
+          </a:p>
+          <a:p>
+            <a:pPr marL="742950" indent="-457200">
+              <a:spcBef>
+                <a:spcPct val="20000"/>
+              </a:spcBef>
+              <a:buFont typeface="+mj-lt"/>
+              <a:buAutoNum type="arabicPeriod"/>
+              <a:defRPr/>
+            </a:pPr>
+            <a:r>
+              <a:rPr lang="en-US" altLang="zh-TW" sz="2400" dirty="0" smtClean="0">
+                <a:solidFill>
+                  <a:schemeClr val="bg1">
+                    <a:lumMod val="75000"/>
+                  </a:schemeClr>
+                </a:solidFill>
+              </a:rPr>
+              <a:t>Vehicle detection</a:t>
+            </a:r>
+          </a:p>
+          <a:p>
+            <a:pPr marL="1200150" lvl="1" indent="-457200">
+              <a:spcBef>
+                <a:spcPct val="20000"/>
+              </a:spcBef>
+              <a:buFont typeface="Wingdings" pitchFamily="2" charset="2"/>
+              <a:buChar char="l"/>
+              <a:defRPr/>
+            </a:pPr>
+            <a:endParaRPr kumimoji="0" lang="en-US" altLang="zh-TW" sz="2400" b="0" i="0" u="none" strike="noStrike" kern="1200" cap="none" spc="0" normalizeH="0" baseline="0" noProof="0" dirty="0" smtClean="0">
+              <a:ln>
+                <a:noFill/>
+              </a:ln>
+              <a:solidFill>
+                <a:schemeClr val="tx1"/>
+              </a:solidFill>
+              <a:effectLst/>
+              <a:uLnTx/>
+              <a:uFillTx/>
+              <a:latin typeface="+mn-lt"/>
+              <a:ea typeface="+mn-ea"/>
+              <a:cs typeface="+mn-cs"/>
+            </a:endParaRPr>
+          </a:p>
+          <a:p>
+            <a:pPr marL="742950" marR="0" lvl="1" algn="l" defTabSz="457200" rtl="0" eaLnBrk="1" fontAlgn="auto" latinLnBrk="0" hangingPunct="1">
+              <a:lnSpc>
+                <a:spcPct val="100000"/>
+              </a:lnSpc>
+              <a:spcBef>
+                <a:spcPct val="20000"/>
+              </a:spcBef>
+              <a:spcAft>
+                <a:spcPts val="0"/>
+              </a:spcAft>
+              <a:buClrTx/>
+              <a:buSzTx/>
+              <a:tabLst/>
+              <a:defRPr/>
+            </a:pPr>
+            <a:endParaRPr lang="en-US" altLang="zh-TW" sz="2400" dirty="0" smtClean="0"/>
+          </a:p>
+          <a:p>
+            <a:pPr marL="1200150" marR="0" lvl="1" indent="-457200" algn="l" defTabSz="457200" rtl="0" eaLnBrk="1" fontAlgn="auto" latinLnBrk="0" hangingPunct="1">
+              <a:lnSpc>
+                <a:spcPct val="100000"/>
+              </a:lnSpc>
+              <a:spcBef>
+                <a:spcPct val="20000"/>
+              </a:spcBef>
+              <a:spcAft>
+                <a:spcPts val="0"/>
+              </a:spcAft>
+              <a:buClrTx/>
+              <a:buSzTx/>
+              <a:buFont typeface="Wingdings" pitchFamily="2" charset="2"/>
+              <a:buChar char="l"/>
+              <a:tabLst/>
+              <a:defRPr/>
+            </a:pPr>
+            <a:endParaRPr kumimoji="0" lang="en-US" altLang="zh-TW" sz="2400" b="0" i="0" u="none" strike="noStrike" kern="1200" cap="none" spc="0" normalizeH="0" baseline="0" noProof="0" dirty="0" smtClean="0">
+              <a:ln>
+                <a:noFill/>
+              </a:ln>
+              <a:solidFill>
+                <a:schemeClr val="tx1"/>
+              </a:solidFill>
+              <a:effectLst/>
+              <a:uLnTx/>
+              <a:uFillTx/>
+              <a:latin typeface="+mn-lt"/>
+              <a:ea typeface="+mn-ea"/>
+              <a:cs typeface="+mn-cs"/>
+            </a:endParaRPr>
+          </a:p>
+          <a:p>
+            <a:pPr marL="1200150" marR="0" lvl="1" indent="-457200" algn="l" defTabSz="457200" rtl="0" eaLnBrk="1" fontAlgn="auto" latinLnBrk="0" hangingPunct="1">
+              <a:lnSpc>
+                <a:spcPct val="100000"/>
+              </a:lnSpc>
+              <a:spcBef>
+                <a:spcPct val="20000"/>
+              </a:spcBef>
+              <a:spcAft>
+                <a:spcPts val="0"/>
+              </a:spcAft>
+              <a:buClrTx/>
+              <a:buSzTx/>
+              <a:buFont typeface="Wingdings" pitchFamily="2" charset="2"/>
+              <a:buChar char="l"/>
+              <a:tabLst/>
+              <a:defRPr/>
+            </a:pPr>
+            <a:endParaRPr kumimoji="0" lang="en-US" altLang="zh-TW" sz="2400" b="0" i="0" u="none" strike="noStrike" kern="1200" cap="none" spc="0" normalizeH="0" baseline="0" noProof="0" dirty="0" smtClean="0">
+              <a:ln>
+                <a:noFill/>
+              </a:ln>
+              <a:solidFill>
+                <a:schemeClr val="tx1"/>
+              </a:solidFill>
+              <a:effectLst/>
+              <a:uLnTx/>
+              <a:uFillTx/>
+              <a:latin typeface="Arial"/>
+              <a:ea typeface="+mn-ea"/>
+              <a:cs typeface="+mn-cs"/>
+            </a:endParaRPr>
+          </a:p>
+        </p:txBody>
+      </p:sp>
+    </p:spTree>
+    <p:extLst>
+      <p:ext uri="{BB962C8B-B14F-4D97-AF65-F5344CB8AC3E}">
+        <p14:creationId xmlns:p14="http://schemas.microsoft.com/office/powerpoint/2010/main" val="3040030372"/>
+      </p:ext>
+    </p:extLst>
+  </p:cSld>
+  <p:clrMapOvr>
+    <a:masterClrMapping/>
+  </p:clrMapOvr>
+  <p:timing>
+    <p:tnLst>
+      <p:par>
+        <p:cTn id="1" dur="indefinite" restart="never" nodeType="tmRoot"/>
+      </p:par>
+    </p:tnLst>
+  </p:timing>
+</p:sld>
+</file>
+
+<file path=ppt/slides/slide20.xml><?xml version="1.0" encoding="utf-8"?>
 <p:sld xmlns:a="http://schemas.openxmlformats.org/drawingml/2006/main" xmlns:r="http://schemas.openxmlformats.org/officeDocument/2006/relationships" xmlns:p="http://schemas.openxmlformats.org/presentationml/2006/main">
   <p:cSld>
     <p:spTree>
@@ -15090,7 +15733,7 @@
           <a:blip r:embed="rId3">
             <a:extLst>
               <a:ext uri="{28A0092B-C50C-407E-A947-70E740481C1C}">
-                <a14:useLocalDpi xmlns:a14="http://schemas.microsoft.com/office/drawing/2010/main" xmlns="" val="0"/>
+                <a14:useLocalDpi xmlns:a14="http://schemas.microsoft.com/office/drawing/2010/main" val="0"/>
               </a:ext>
             </a:extLst>
           </a:blip>
@@ -15120,7 +15763,7 @@
           <a:blip r:embed="rId4">
             <a:extLst>
               <a:ext uri="{28A0092B-C50C-407E-A947-70E740481C1C}">
-                <a14:useLocalDpi xmlns:a14="http://schemas.microsoft.com/office/drawing/2010/main" xmlns="" val="0"/>
+                <a14:useLocalDpi xmlns:a14="http://schemas.microsoft.com/office/drawing/2010/main" val="0"/>
               </a:ext>
             </a:extLst>
           </a:blip>
@@ -15150,7 +15793,7 @@
           <a:blip r:embed="rId5">
             <a:extLst>
               <a:ext uri="{28A0092B-C50C-407E-A947-70E740481C1C}">
-                <a14:useLocalDpi xmlns:a14="http://schemas.microsoft.com/office/drawing/2010/main" xmlns="" val="0"/>
+                <a14:useLocalDpi xmlns:a14="http://schemas.microsoft.com/office/drawing/2010/main" val="0"/>
               </a:ext>
             </a:extLst>
           </a:blip>
@@ -15180,7 +15823,7 @@
           <a:blip r:embed="rId6">
             <a:extLst>
               <a:ext uri="{28A0092B-C50C-407E-A947-70E740481C1C}">
-                <a14:useLocalDpi xmlns:a14="http://schemas.microsoft.com/office/drawing/2010/main" xmlns="" val="0"/>
+                <a14:useLocalDpi xmlns:a14="http://schemas.microsoft.com/office/drawing/2010/main" val="0"/>
               </a:ext>
             </a:extLst>
           </a:blip>
@@ -15210,7 +15853,7 @@
           <a:blip r:embed="rId7">
             <a:extLst>
               <a:ext uri="{28A0092B-C50C-407E-A947-70E740481C1C}">
-                <a14:useLocalDpi xmlns:a14="http://schemas.microsoft.com/office/drawing/2010/main" xmlns="" val="0"/>
+                <a14:useLocalDpi xmlns:a14="http://schemas.microsoft.com/office/drawing/2010/main" val="0"/>
               </a:ext>
             </a:extLst>
           </a:blip>
@@ -15231,18 +15874,18 @@
     </p:spTree>
     <p:extLst>
       <p:ext uri="{BB962C8B-B14F-4D97-AF65-F5344CB8AC3E}">
-        <p14:creationId xmlns:p14="http://schemas.microsoft.com/office/powerpoint/2010/main" xmlns="" val="496767900"/>
+        <p14:creationId xmlns:p14="http://schemas.microsoft.com/office/powerpoint/2010/main" val="496767900"/>
       </p:ext>
     </p:extLst>
   </p:cSld>
   <p:clrMapOvr>
     <a:masterClrMapping/>
   </p:clrMapOvr>
-  <mc:AlternateContent xmlns:mc="http://schemas.openxmlformats.org/markup-compatibility/2006">
-    <mc:Choice xmlns:p14="http://schemas.microsoft.com/office/powerpoint/2010/main" xmlns="" Requires="p14">
+  <mc:AlternateContent xmlns:mc="http://schemas.openxmlformats.org/markup-compatibility/2006" xmlns:p14="http://schemas.microsoft.com/office/powerpoint/2010/main">
+    <mc:Choice Requires="p14">
       <p:transition spd="slow" p14:dur="2000"/>
     </mc:Choice>
-    <mc:Fallback>
+    <mc:Fallback xmlns="">
       <p:transition spd="slow"/>
     </mc:Fallback>
   </mc:AlternateContent>
@@ -15459,7 +16102,7 @@
 </p:sld>
 </file>
 
-<file path=ppt/slides/slide23.xml><?xml version="1.0" encoding="utf-8"?>
+<file path=ppt/slides/slide21.xml><?xml version="1.0" encoding="utf-8"?>
 <p:sld xmlns:a="http://schemas.openxmlformats.org/drawingml/2006/main" xmlns:r="http://schemas.openxmlformats.org/officeDocument/2006/relationships" xmlns:p="http://schemas.openxmlformats.org/presentationml/2006/main">
   <p:cSld>
     <p:spTree>
@@ -15529,9 +16172,59 @@
         </p:xfrm>
         <a:graphic>
           <a:graphicData uri="http://schemas.openxmlformats.org/presentationml/2006/ole">
-            <p:oleObj spid="_x0000_s26908" name="方程式" r:id="rId3" imgW="3644900" imgH="228600" progId="Equation.3">
-              <p:embed/>
-            </p:oleObj>
+            <mc:AlternateContent xmlns:mc="http://schemas.openxmlformats.org/markup-compatibility/2006">
+              <mc:Choice xmlns:v="urn:schemas-microsoft-com:vml" Requires="v">
+                <p:oleObj spid="_x0000_s27022" name="方程式" r:id="rId3" imgW="3644900" imgH="228600" progId="Equation.3">
+                  <p:embed/>
+                </p:oleObj>
+              </mc:Choice>
+              <mc:Fallback>
+                <p:oleObj name="方程式" r:id="rId3" imgW="3644900" imgH="228600" progId="Equation.3">
+                  <p:embed/>
+                  <p:pic>
+                    <p:nvPicPr>
+                      <p:cNvPr id="0" name="Picture 284"/>
+                      <p:cNvPicPr>
+                        <a:picLocks noChangeAspect="1" noChangeArrowheads="1"/>
+                      </p:cNvPicPr>
+                      <p:nvPr/>
+                    </p:nvPicPr>
+                    <p:blipFill>
+                      <a:blip r:embed="rId4">
+                        <a:extLst>
+                          <a:ext uri="{28A0092B-C50C-407E-A947-70E740481C1C}">
+                            <a14:useLocalDpi xmlns:a14="http://schemas.microsoft.com/office/drawing/2010/main" val="0"/>
+                          </a:ext>
+                        </a:extLst>
+                      </a:blip>
+                      <a:srcRect/>
+                      <a:stretch>
+                        <a:fillRect/>
+                      </a:stretch>
+                    </p:blipFill>
+                    <p:spPr bwMode="auto">
+                      <a:xfrm>
+                        <a:off x="442883" y="1485900"/>
+                        <a:ext cx="8322205" cy="546100"/>
+                      </a:xfrm>
+                      <a:prstGeom prst="rect">
+                        <a:avLst/>
+                      </a:prstGeom>
+                      <a:noFill/>
+                      <a:extLst>
+                        <a:ext uri="{909E8E84-426E-40DD-AFC4-6F175D3DCCD1}">
+                          <a14:hiddenFill xmlns:a14="http://schemas.microsoft.com/office/drawing/2010/main">
+                            <a:solidFill>
+                              <a:srgbClr val="FFFFFF"/>
+                            </a:solidFill>
+                          </a14:hiddenFill>
+                        </a:ext>
+                      </a:extLst>
+                    </p:spPr>
+                  </p:pic>
+                </p:oleObj>
+              </mc:Fallback>
+            </mc:AlternateContent>
           </a:graphicData>
         </a:graphic>
       </p:graphicFrame>
@@ -15587,9 +16280,59 @@
         </p:xfrm>
         <a:graphic>
           <a:graphicData uri="http://schemas.openxmlformats.org/presentationml/2006/ole">
-            <p:oleObj spid="_x0000_s26909" name="方程式" r:id="rId4" imgW="1282700" imgH="431800" progId="Equation.3">
-              <p:embed/>
-            </p:oleObj>
+            <mc:AlternateContent xmlns:mc="http://schemas.openxmlformats.org/markup-compatibility/2006">
+              <mc:Choice xmlns:v="urn:schemas-microsoft-com:vml" Requires="v">
+                <p:oleObj spid="_x0000_s27023" name="方程式" r:id="rId5" imgW="1282700" imgH="431800" progId="Equation.3">
+                  <p:embed/>
+                </p:oleObj>
+              </mc:Choice>
+              <mc:Fallback>
+                <p:oleObj name="方程式" r:id="rId5" imgW="1282700" imgH="431800" progId="Equation.3">
+                  <p:embed/>
+                  <p:pic>
+                    <p:nvPicPr>
+                      <p:cNvPr id="0" name="Picture 285"/>
+                      <p:cNvPicPr>
+                        <a:picLocks noChangeAspect="1" noChangeArrowheads="1"/>
+                      </p:cNvPicPr>
+                      <p:nvPr/>
+                    </p:nvPicPr>
+                    <p:blipFill>
+                      <a:blip r:embed="rId6">
+                        <a:extLst>
+                          <a:ext uri="{28A0092B-C50C-407E-A947-70E740481C1C}">
+                            <a14:useLocalDpi xmlns:a14="http://schemas.microsoft.com/office/drawing/2010/main" val="0"/>
+                          </a:ext>
+                        </a:extLst>
+                      </a:blip>
+                      <a:srcRect/>
+                      <a:stretch>
+                        <a:fillRect/>
+                      </a:stretch>
+                    </p:blipFill>
+                    <p:spPr bwMode="auto">
+                      <a:xfrm>
+                        <a:off x="552979" y="2893116"/>
+                        <a:ext cx="2860137" cy="984613"/>
+                      </a:xfrm>
+                      <a:prstGeom prst="rect">
+                        <a:avLst/>
+                      </a:prstGeom>
+                      <a:noFill/>
+                      <a:extLst>
+                        <a:ext uri="{909E8E84-426E-40DD-AFC4-6F175D3DCCD1}">
+                          <a14:hiddenFill xmlns:a14="http://schemas.microsoft.com/office/drawing/2010/main">
+                            <a:solidFill>
+                              <a:srgbClr val="FFFFFF"/>
+                            </a:solidFill>
+                          </a14:hiddenFill>
+                        </a:ext>
+                      </a:extLst>
+                    </p:spPr>
+                  </p:pic>
+                </p:oleObj>
+              </mc:Fallback>
+            </mc:AlternateContent>
           </a:graphicData>
         </a:graphic>
       </p:graphicFrame>
@@ -15607,9 +16350,82 @@
         </p:xfrm>
         <a:graphic>
           <a:graphicData uri="http://schemas.openxmlformats.org/presentationml/2006/ole">
-            <p:oleObj spid="_x0000_s26910" name="方程式" r:id="rId5" imgW="406224" imgH="228501" progId="Equation.3">
-              <p:embed/>
-            </p:oleObj>
+            <mc:AlternateContent xmlns:mc="http://schemas.openxmlformats.org/markup-compatibility/2006">
+              <mc:Choice xmlns:v="urn:schemas-microsoft-com:vml" Requires="v">
+                <p:oleObj spid="_x0000_s27024" name="方程式" r:id="rId7" imgW="406224" imgH="228501" progId="Equation.3">
+                  <p:embed/>
+                </p:oleObj>
+              </mc:Choice>
+              <mc:Fallback>
+                <p:oleObj name="方程式" r:id="rId7" imgW="406224" imgH="228501" progId="Equation.3">
+                  <p:embed/>
+                  <p:pic>
+                    <p:nvPicPr>
+                      <p:cNvPr id="0" name="Picture 286"/>
+                      <p:cNvPicPr>
+                        <a:picLocks noChangeAspect="1" noChangeArrowheads="1"/>
+                      </p:cNvPicPr>
+                      <p:nvPr/>
+                    </p:nvPicPr>
+                    <p:blipFill>
+                      <a:blip r:embed="rId8">
+                        <a:extLst>
+                          <a:ext uri="{28A0092B-C50C-407E-A947-70E740481C1C}">
+                            <a14:useLocalDpi xmlns:a14="http://schemas.microsoft.com/office/drawing/2010/main" val="0"/>
+                          </a:ext>
+                        </a:extLst>
+                      </a:blip>
+                      <a:srcRect/>
+                      <a:stretch>
+                        <a:fillRect/>
+                      </a:stretch>
+                    </p:blipFill>
+                    <p:spPr bwMode="auto">
+                      <a:xfrm>
+                        <a:off x="3708400" y="3238496"/>
+                        <a:ext cx="895586" cy="503767"/>
+                      </a:xfrm>
+                      <a:prstGeom prst="rect">
+                        <a:avLst/>
+                      </a:prstGeom>
+                      <a:noFill/>
+                      <a:ln>
+                        <a:noFill/>
+                      </a:ln>
+                      <a:effectLst/>
+                      <a:extLst>
+                        <a:ext uri="{909E8E84-426E-40DD-AFC4-6F175D3DCCD1}">
+                          <a14:hiddenFill xmlns:a14="http://schemas.microsoft.com/office/drawing/2010/main">
+                            <a:solidFill>
+                              <a:schemeClr val="accent1"/>
+                            </a:solidFill>
+                          </a14:hiddenFill>
+                        </a:ext>
+                        <a:ext uri="{91240B29-F687-4F45-9708-019B960494DF}">
+                          <a14:hiddenLine xmlns:a14="http://schemas.microsoft.com/office/drawing/2010/main" w="9525">
+                            <a:solidFill>
+                              <a:schemeClr val="tx1"/>
+                            </a:solidFill>
+                            <a:miter lim="800000"/>
+                            <a:headEnd/>
+                            <a:tailEnd/>
+                          </a14:hiddenLine>
+                        </a:ext>
+                        <a:ext uri="{AF507438-7753-43E0-B8FC-AC1667EBCBE1}">
+                          <a14:hiddenEffects xmlns:a14="http://schemas.microsoft.com/office/drawing/2010/main">
+                            <a:effectLst>
+                              <a:outerShdw dist="35921" dir="2700000" algn="ctr" rotWithShape="0">
+                                <a:schemeClr val="bg2"/>
+                              </a:outerShdw>
+                            </a:effectLst>
+                          </a14:hiddenEffects>
+                        </a:ext>
+                      </a:extLst>
+                    </p:spPr>
+                  </p:pic>
+                </p:oleObj>
+              </mc:Fallback>
+            </mc:AlternateContent>
           </a:graphicData>
         </a:graphic>
       </p:graphicFrame>
@@ -15627,9 +16443,82 @@
         </p:xfrm>
         <a:graphic>
           <a:graphicData uri="http://schemas.openxmlformats.org/presentationml/2006/ole">
-            <p:oleObj spid="_x0000_s26911" name="方程式" r:id="rId6" imgW="190500" imgH="228600" progId="Equation.3">
-              <p:embed/>
-            </p:oleObj>
+            <mc:AlternateContent xmlns:mc="http://schemas.openxmlformats.org/markup-compatibility/2006">
+              <mc:Choice xmlns:v="urn:schemas-microsoft-com:vml" Requires="v">
+                <p:oleObj spid="_x0000_s27025" name="方程式" r:id="rId9" imgW="190500" imgH="228600" progId="Equation.3">
+                  <p:embed/>
+                </p:oleObj>
+              </mc:Choice>
+              <mc:Fallback>
+                <p:oleObj name="方程式" r:id="rId9" imgW="190500" imgH="228600" progId="Equation.3">
+                  <p:embed/>
+                  <p:pic>
+                    <p:nvPicPr>
+                      <p:cNvPr id="0" name="Picture 287"/>
+                      <p:cNvPicPr>
+                        <a:picLocks noChangeAspect="1" noChangeArrowheads="1"/>
+                      </p:cNvPicPr>
+                      <p:nvPr/>
+                    </p:nvPicPr>
+                    <p:blipFill>
+                      <a:blip r:embed="rId10">
+                        <a:extLst>
+                          <a:ext uri="{28A0092B-C50C-407E-A947-70E740481C1C}">
+                            <a14:useLocalDpi xmlns:a14="http://schemas.microsoft.com/office/drawing/2010/main" val="0"/>
+                          </a:ext>
+                        </a:extLst>
+                      </a:blip>
+                      <a:srcRect/>
+                      <a:stretch>
+                        <a:fillRect/>
+                      </a:stretch>
+                    </p:blipFill>
+                    <p:spPr bwMode="auto">
+                      <a:xfrm>
+                        <a:off x="6536251" y="3238496"/>
+                        <a:ext cx="419805" cy="503766"/>
+                      </a:xfrm>
+                      <a:prstGeom prst="rect">
+                        <a:avLst/>
+                      </a:prstGeom>
+                      <a:noFill/>
+                      <a:ln>
+                        <a:noFill/>
+                      </a:ln>
+                      <a:effectLst/>
+                      <a:extLst>
+                        <a:ext uri="{909E8E84-426E-40DD-AFC4-6F175D3DCCD1}">
+                          <a14:hiddenFill xmlns:a14="http://schemas.microsoft.com/office/drawing/2010/main">
+                            <a:solidFill>
+                              <a:schemeClr val="accent1"/>
+                            </a:solidFill>
+                          </a14:hiddenFill>
+                        </a:ext>
+                        <a:ext uri="{91240B29-F687-4F45-9708-019B960494DF}">
+                          <a14:hiddenLine xmlns:a14="http://schemas.microsoft.com/office/drawing/2010/main" w="9525">
+                            <a:solidFill>
+                              <a:schemeClr val="tx1"/>
+                            </a:solidFill>
+                            <a:miter lim="800000"/>
+                            <a:headEnd/>
+                            <a:tailEnd/>
+                          </a14:hiddenLine>
+                        </a:ext>
+                        <a:ext uri="{AF507438-7753-43E0-B8FC-AC1667EBCBE1}">
+                          <a14:hiddenEffects xmlns:a14="http://schemas.microsoft.com/office/drawing/2010/main">
+                            <a:effectLst>
+                              <a:outerShdw dist="35921" dir="2700000" algn="ctr" rotWithShape="0">
+                                <a:schemeClr val="bg2"/>
+                              </a:outerShdw>
+                            </a:effectLst>
+                          </a14:hiddenEffects>
+                        </a:ext>
+                      </a:extLst>
+                    </p:spPr>
+                  </p:pic>
+                </p:oleObj>
+              </mc:Fallback>
+            </mc:AlternateContent>
           </a:graphicData>
         </a:graphic>
       </p:graphicFrame>
@@ -15745,9 +16634,82 @@
         </p:xfrm>
         <a:graphic>
           <a:graphicData uri="http://schemas.openxmlformats.org/presentationml/2006/ole">
-            <p:oleObj spid="_x0000_s26912" name="方程式" r:id="rId7" imgW="672808" imgH="393529" progId="Equation.3">
-              <p:embed/>
-            </p:oleObj>
+            <mc:AlternateContent xmlns:mc="http://schemas.openxmlformats.org/markup-compatibility/2006">
+              <mc:Choice xmlns:v="urn:schemas-microsoft-com:vml" Requires="v">
+                <p:oleObj spid="_x0000_s27026" name="方程式" r:id="rId11" imgW="672808" imgH="393529" progId="Equation.3">
+                  <p:embed/>
+                </p:oleObj>
+              </mc:Choice>
+              <mc:Fallback>
+                <p:oleObj name="方程式" r:id="rId11" imgW="672808" imgH="393529" progId="Equation.3">
+                  <p:embed/>
+                  <p:pic>
+                    <p:nvPicPr>
+                      <p:cNvPr id="0" name="Picture 288"/>
+                      <p:cNvPicPr>
+                        <a:picLocks noChangeAspect="1" noChangeArrowheads="1"/>
+                      </p:cNvPicPr>
+                      <p:nvPr/>
+                    </p:nvPicPr>
+                    <p:blipFill>
+                      <a:blip r:embed="rId12">
+                        <a:extLst>
+                          <a:ext uri="{28A0092B-C50C-407E-A947-70E740481C1C}">
+                            <a14:useLocalDpi xmlns:a14="http://schemas.microsoft.com/office/drawing/2010/main" val="0"/>
+                          </a:ext>
+                        </a:extLst>
+                      </a:blip>
+                      <a:srcRect/>
+                      <a:stretch>
+                        <a:fillRect/>
+                      </a:stretch>
+                    </p:blipFill>
+                    <p:spPr bwMode="auto">
+                      <a:xfrm>
+                        <a:off x="3711586" y="4100507"/>
+                        <a:ext cx="1482725" cy="866775"/>
+                      </a:xfrm>
+                      <a:prstGeom prst="rect">
+                        <a:avLst/>
+                      </a:prstGeom>
+                      <a:noFill/>
+                      <a:ln>
+                        <a:noFill/>
+                      </a:ln>
+                      <a:effectLst/>
+                      <a:extLst>
+                        <a:ext uri="{909E8E84-426E-40DD-AFC4-6F175D3DCCD1}">
+                          <a14:hiddenFill xmlns:a14="http://schemas.microsoft.com/office/drawing/2010/main">
+                            <a:solidFill>
+                              <a:schemeClr val="accent1"/>
+                            </a:solidFill>
+                          </a14:hiddenFill>
+                        </a:ext>
+                        <a:ext uri="{91240B29-F687-4F45-9708-019B960494DF}">
+                          <a14:hiddenLine xmlns:a14="http://schemas.microsoft.com/office/drawing/2010/main" w="9525">
+                            <a:solidFill>
+                              <a:schemeClr val="tx1"/>
+                            </a:solidFill>
+                            <a:miter lim="800000"/>
+                            <a:headEnd/>
+                            <a:tailEnd/>
+                          </a14:hiddenLine>
+                        </a:ext>
+                        <a:ext uri="{AF507438-7753-43E0-B8FC-AC1667EBCBE1}">
+                          <a14:hiddenEffects xmlns:a14="http://schemas.microsoft.com/office/drawing/2010/main">
+                            <a:effectLst>
+                              <a:outerShdw dist="35921" dir="2700000" algn="ctr" rotWithShape="0">
+                                <a:schemeClr val="bg2"/>
+                              </a:outerShdw>
+                            </a:effectLst>
+                          </a14:hiddenEffects>
+                        </a:ext>
+                      </a:extLst>
+                    </p:spPr>
+                  </p:pic>
+                </p:oleObj>
+              </mc:Fallback>
+            </mc:AlternateContent>
           </a:graphicData>
         </a:graphic>
       </p:graphicFrame>
@@ -15765,9 +16727,82 @@
         </p:xfrm>
         <a:graphic>
           <a:graphicData uri="http://schemas.openxmlformats.org/presentationml/2006/ole">
-            <p:oleObj spid="_x0000_s26913" name="方程式" r:id="rId8" imgW="431613" imgH="228501" progId="Equation.3">
-              <p:embed/>
-            </p:oleObj>
+            <mc:AlternateContent xmlns:mc="http://schemas.openxmlformats.org/markup-compatibility/2006">
+              <mc:Choice xmlns:v="urn:schemas-microsoft-com:vml" Requires="v">
+                <p:oleObj spid="_x0000_s27027" name="方程式" r:id="rId13" imgW="431613" imgH="228501" progId="Equation.3">
+                  <p:embed/>
+                </p:oleObj>
+              </mc:Choice>
+              <mc:Fallback>
+                <p:oleObj name="方程式" r:id="rId13" imgW="431613" imgH="228501" progId="Equation.3">
+                  <p:embed/>
+                  <p:pic>
+                    <p:nvPicPr>
+                      <p:cNvPr id="0" name="Picture 289"/>
+                      <p:cNvPicPr>
+                        <a:picLocks noChangeAspect="1" noChangeArrowheads="1"/>
+                      </p:cNvPicPr>
+                      <p:nvPr/>
+                    </p:nvPicPr>
+                    <p:blipFill>
+                      <a:blip r:embed="rId14">
+                        <a:extLst>
+                          <a:ext uri="{28A0092B-C50C-407E-A947-70E740481C1C}">
+                            <a14:useLocalDpi xmlns:a14="http://schemas.microsoft.com/office/drawing/2010/main" val="0"/>
+                          </a:ext>
+                        </a:extLst>
+                      </a:blip>
+                      <a:srcRect/>
+                      <a:stretch>
+                        <a:fillRect/>
+                      </a:stretch>
+                    </p:blipFill>
+                    <p:spPr bwMode="auto">
+                      <a:xfrm>
+                        <a:off x="6536251" y="4373560"/>
+                        <a:ext cx="949325" cy="503237"/>
+                      </a:xfrm>
+                      <a:prstGeom prst="rect">
+                        <a:avLst/>
+                      </a:prstGeom>
+                      <a:noFill/>
+                      <a:ln>
+                        <a:noFill/>
+                      </a:ln>
+                      <a:effectLst/>
+                      <a:extLst>
+                        <a:ext uri="{909E8E84-426E-40DD-AFC4-6F175D3DCCD1}">
+                          <a14:hiddenFill xmlns:a14="http://schemas.microsoft.com/office/drawing/2010/main">
+                            <a:solidFill>
+                              <a:schemeClr val="accent1"/>
+                            </a:solidFill>
+                          </a14:hiddenFill>
+                        </a:ext>
+                        <a:ext uri="{91240B29-F687-4F45-9708-019B960494DF}">
+                          <a14:hiddenLine xmlns:a14="http://schemas.microsoft.com/office/drawing/2010/main" w="9525">
+                            <a:solidFill>
+                              <a:schemeClr val="tx1"/>
+                            </a:solidFill>
+                            <a:miter lim="800000"/>
+                            <a:headEnd/>
+                            <a:tailEnd/>
+                          </a14:hiddenLine>
+                        </a:ext>
+                        <a:ext uri="{AF507438-7753-43E0-B8FC-AC1667EBCBE1}">
+                          <a14:hiddenEffects xmlns:a14="http://schemas.microsoft.com/office/drawing/2010/main">
+                            <a:effectLst>
+                              <a:outerShdw dist="35921" dir="2700000" algn="ctr" rotWithShape="0">
+                                <a:schemeClr val="bg2"/>
+                              </a:outerShdw>
+                            </a:effectLst>
+                          </a14:hiddenEffects>
+                        </a:ext>
+                      </a:extLst>
+                    </p:spPr>
+                  </p:pic>
+                </p:oleObj>
+              </mc:Fallback>
+            </mc:AlternateContent>
           </a:graphicData>
         </a:graphic>
       </p:graphicFrame>
@@ -15810,7 +16845,7 @@
     </p:spTree>
     <p:extLst>
       <p:ext uri="{BB962C8B-B14F-4D97-AF65-F5344CB8AC3E}">
-        <p14:creationId xmlns:p14="http://schemas.microsoft.com/office/powerpoint/2010/main" xmlns="" val="3040030372"/>
+        <p14:creationId xmlns:p14="http://schemas.microsoft.com/office/powerpoint/2010/main" val="3040030372"/>
       </p:ext>
     </p:extLst>
   </p:cSld>
@@ -16143,7 +17178,7 @@
 </p:sld>
 </file>
 
-<file path=ppt/slides/slide24.xml><?xml version="1.0" encoding="utf-8"?>
+<file path=ppt/slides/slide22.xml><?xml version="1.0" encoding="utf-8"?>
 <p:sld xmlns:a="http://schemas.openxmlformats.org/drawingml/2006/main" xmlns:r="http://schemas.openxmlformats.org/officeDocument/2006/relationships" xmlns:p="http://schemas.openxmlformats.org/presentationml/2006/main">
   <p:cSld>
     <p:spTree>
@@ -16211,7 +17246,7 @@
           <a:blip r:embed="rId2">
             <a:extLst>
               <a:ext uri="{28A0092B-C50C-407E-A947-70E740481C1C}">
-                <a14:useLocalDpi xmlns:a14="http://schemas.microsoft.com/office/drawing/2010/main" xmlns="" val="0"/>
+                <a14:useLocalDpi xmlns:a14="http://schemas.microsoft.com/office/drawing/2010/main" val="0"/>
               </a:ext>
             </a:extLst>
           </a:blip>
@@ -16241,7 +17276,7 @@
           <a:blip r:embed="rId3">
             <a:extLst>
               <a:ext uri="{28A0092B-C50C-407E-A947-70E740481C1C}">
-                <a14:useLocalDpi xmlns:a14="http://schemas.microsoft.com/office/drawing/2010/main" xmlns="" val="0"/>
+                <a14:useLocalDpi xmlns:a14="http://schemas.microsoft.com/office/drawing/2010/main" val="0"/>
               </a:ext>
             </a:extLst>
           </a:blip>
@@ -16271,7 +17306,7 @@
           <a:blip r:embed="rId4">
             <a:extLst>
               <a:ext uri="{28A0092B-C50C-407E-A947-70E740481C1C}">
-                <a14:useLocalDpi xmlns:a14="http://schemas.microsoft.com/office/drawing/2010/main" xmlns="" val="0"/>
+                <a14:useLocalDpi xmlns:a14="http://schemas.microsoft.com/office/drawing/2010/main" val="0"/>
               </a:ext>
             </a:extLst>
           </a:blip>
@@ -16301,7 +17336,7 @@
           <a:blip r:embed="rId5">
             <a:extLst>
               <a:ext uri="{28A0092B-C50C-407E-A947-70E740481C1C}">
-                <a14:useLocalDpi xmlns:a14="http://schemas.microsoft.com/office/drawing/2010/main" xmlns="" val="0"/>
+                <a14:useLocalDpi xmlns:a14="http://schemas.microsoft.com/office/drawing/2010/main" val="0"/>
               </a:ext>
             </a:extLst>
           </a:blip>
@@ -16331,7 +17366,7 @@
           <a:blip r:embed="rId6">
             <a:extLst>
               <a:ext uri="{28A0092B-C50C-407E-A947-70E740481C1C}">
-                <a14:useLocalDpi xmlns:a14="http://schemas.microsoft.com/office/drawing/2010/main" xmlns="" val="0"/>
+                <a14:useLocalDpi xmlns:a14="http://schemas.microsoft.com/office/drawing/2010/main" val="0"/>
               </a:ext>
             </a:extLst>
           </a:blip>
@@ -16459,7 +17494,7 @@
     </p:spTree>
     <p:extLst>
       <p:ext uri="{BB962C8B-B14F-4D97-AF65-F5344CB8AC3E}">
-        <p14:creationId xmlns:p14="http://schemas.microsoft.com/office/powerpoint/2010/main" xmlns="" val="2631485282"/>
+        <p14:creationId xmlns:p14="http://schemas.microsoft.com/office/powerpoint/2010/main" val="2631485282"/>
       </p:ext>
     </p:extLst>
   </p:cSld>
@@ -16778,7 +17813,7 @@
 </p:sld>
 </file>
 
-<file path=ppt/slides/slide25.xml><?xml version="1.0" encoding="utf-8"?>
+<file path=ppt/slides/slide23.xml><?xml version="1.0" encoding="utf-8"?>
 <p:sld xmlns:a="http://schemas.openxmlformats.org/drawingml/2006/main" xmlns:r="http://schemas.openxmlformats.org/officeDocument/2006/relationships" xmlns:p="http://schemas.openxmlformats.org/presentationml/2006/main">
   <p:cSld>
     <p:spTree>
@@ -16954,7 +17989,7 @@
     </p:spTree>
     <p:extLst>
       <p:ext uri="{BB962C8B-B14F-4D97-AF65-F5344CB8AC3E}">
-        <p14:creationId xmlns:p14="http://schemas.microsoft.com/office/powerpoint/2010/main" xmlns="" val="2631485282"/>
+        <p14:creationId xmlns:p14="http://schemas.microsoft.com/office/powerpoint/2010/main" val="2631485282"/>
       </p:ext>
     </p:extLst>
   </p:cSld>
@@ -17114,7 +18149,7 @@
 </p:sld>
 </file>
 
-<file path=ppt/slides/slide26.xml><?xml version="1.0" encoding="utf-8"?>
+<file path=ppt/slides/slide24.xml><?xml version="1.0" encoding="utf-8"?>
 <p:sld xmlns:a="http://schemas.openxmlformats.org/drawingml/2006/main" xmlns:r="http://schemas.openxmlformats.org/officeDocument/2006/relationships" xmlns:p="http://schemas.openxmlformats.org/presentationml/2006/main">
   <p:cSld>
     <p:spTree>
@@ -17391,7 +18426,7 @@
     </p:spTree>
     <p:extLst>
       <p:ext uri="{BB962C8B-B14F-4D97-AF65-F5344CB8AC3E}">
-        <p14:creationId xmlns:p14="http://schemas.microsoft.com/office/powerpoint/2010/main" xmlns="" val="3072399582"/>
+        <p14:creationId xmlns:p14="http://schemas.microsoft.com/office/powerpoint/2010/main" val="3072399582"/>
       </p:ext>
     </p:extLst>
   </p:cSld>
@@ -17408,7 +18443,7 @@
 </p:sld>
 </file>
 
-<file path=ppt/slides/slide27.xml><?xml version="1.0" encoding="utf-8"?>
+<file path=ppt/slides/slide25.xml><?xml version="1.0" encoding="utf-8"?>
 <p:sld xmlns:a="http://schemas.openxmlformats.org/drawingml/2006/main" xmlns:r="http://schemas.openxmlformats.org/officeDocument/2006/relationships" xmlns:p="http://schemas.openxmlformats.org/presentationml/2006/main">
   <p:cSld>
     <p:spTree>
@@ -18912,7 +19947,7 @@
     </p:spTree>
     <p:extLst>
       <p:ext uri="{BB962C8B-B14F-4D97-AF65-F5344CB8AC3E}">
-        <p14:creationId xmlns:p14="http://schemas.microsoft.com/office/powerpoint/2010/main" xmlns="" val="2631485282"/>
+        <p14:creationId xmlns:p14="http://schemas.microsoft.com/office/powerpoint/2010/main" val="2631485282"/>
       </p:ext>
     </p:extLst>
   </p:cSld>
@@ -19474,7 +20509,7 @@
 </p:sld>
 </file>
 
-<file path=ppt/slides/slide28.xml><?xml version="1.0" encoding="utf-8"?>
+<file path=ppt/slides/slide26.xml><?xml version="1.0" encoding="utf-8"?>
 <p:sld xmlns:a="http://schemas.openxmlformats.org/drawingml/2006/main" xmlns:r="http://schemas.openxmlformats.org/officeDocument/2006/relationships" xmlns:p="http://schemas.openxmlformats.org/presentationml/2006/main">
   <p:cSld>
     <p:spTree>
@@ -19859,7 +20894,7 @@
     </p:spTree>
     <p:extLst>
       <p:ext uri="{BB962C8B-B14F-4D97-AF65-F5344CB8AC3E}">
-        <p14:creationId xmlns:p14="http://schemas.microsoft.com/office/powerpoint/2010/main" xmlns="" val="2631485282"/>
+        <p14:creationId xmlns:p14="http://schemas.microsoft.com/office/powerpoint/2010/main" val="2631485282"/>
       </p:ext>
     </p:extLst>
   </p:cSld>
@@ -19876,7 +20911,7 @@
 </p:sld>
 </file>
 
-<file path=ppt/slides/slide29.xml><?xml version="1.0" encoding="utf-8"?>
+<file path=ppt/slides/slide27.xml><?xml version="1.0" encoding="utf-8"?>
 <p:sld xmlns:a="http://schemas.openxmlformats.org/drawingml/2006/main" xmlns:r="http://schemas.openxmlformats.org/officeDocument/2006/relationships" xmlns:p="http://schemas.openxmlformats.org/presentationml/2006/main">
   <p:cSld>
     <p:spTree>
@@ -21217,7 +22252,7 @@
     </p:spTree>
     <p:extLst>
       <p:ext uri="{BB962C8B-B14F-4D97-AF65-F5344CB8AC3E}">
-        <p14:creationId xmlns:p14="http://schemas.microsoft.com/office/powerpoint/2010/main" xmlns="" val="2631485282"/>
+        <p14:creationId xmlns:p14="http://schemas.microsoft.com/office/powerpoint/2010/main" val="2631485282"/>
       </p:ext>
     </p:extLst>
   </p:cSld>
@@ -21234,749 +22269,7 @@
 </p:sld>
 </file>
 
-<file path=ppt/slides/slide3.xml><?xml version="1.0" encoding="utf-8"?>
-<p:sld xmlns:a="http://schemas.openxmlformats.org/drawingml/2006/main" xmlns:r="http://schemas.openxmlformats.org/officeDocument/2006/relationships" xmlns:p="http://schemas.openxmlformats.org/presentationml/2006/main">
-  <p:cSld>
-    <p:spTree>
-      <p:nvGrpSpPr>
-        <p:cNvPr id="1" name=""/>
-        <p:cNvGrpSpPr/>
-        <p:nvPr/>
-      </p:nvGrpSpPr>
-      <p:grpSpPr>
-        <a:xfrm>
-          <a:off x="0" y="0"/>
-          <a:ext cx="0" cy="0"/>
-          <a:chOff x="0" y="0"/>
-          <a:chExt cx="0" cy="0"/>
-        </a:xfrm>
-      </p:grpSpPr>
-      <p:pic>
-        <p:nvPicPr>
-          <p:cNvPr id="12" name="圖片 11"/>
-          <p:cNvPicPr>
-            <a:picLocks noChangeAspect="1"/>
-          </p:cNvPicPr>
-          <p:nvPr/>
-        </p:nvPicPr>
-        <p:blipFill>
-          <a:blip r:embed="rId3">
-            <a:extLst>
-              <a:ext uri="{28A0092B-C50C-407E-A947-70E740481C1C}">
-                <a14:useLocalDpi xmlns:a14="http://schemas.microsoft.com/office/drawing/2010/main" xmlns="" val="0"/>
-              </a:ext>
-            </a:extLst>
-          </a:blip>
-          <a:stretch>
-            <a:fillRect/>
-          </a:stretch>
-        </p:blipFill>
-        <p:spPr>
-          <a:xfrm>
-            <a:off x="462749" y="2826335"/>
-            <a:ext cx="975360" cy="476306"/>
-          </a:xfrm>
-          <a:prstGeom prst="rect">
-            <a:avLst/>
-          </a:prstGeom>
-        </p:spPr>
-      </p:pic>
-      <p:pic>
-        <p:nvPicPr>
-          <p:cNvPr id="13" name="圖片 12"/>
-          <p:cNvPicPr>
-            <a:picLocks noChangeAspect="1"/>
-          </p:cNvPicPr>
-          <p:nvPr/>
-        </p:nvPicPr>
-        <p:blipFill>
-          <a:blip r:embed="rId4">
-            <a:extLst>
-              <a:ext uri="{28A0092B-C50C-407E-A947-70E740481C1C}">
-                <a14:useLocalDpi xmlns:a14="http://schemas.microsoft.com/office/drawing/2010/main" xmlns="" val="0"/>
-              </a:ext>
-            </a:extLst>
-          </a:blip>
-          <a:stretch>
-            <a:fillRect/>
-          </a:stretch>
-        </p:blipFill>
-        <p:spPr>
-          <a:xfrm>
-            <a:off x="2272587" y="2824275"/>
-            <a:ext cx="1112713" cy="455339"/>
-          </a:xfrm>
-          <a:prstGeom prst="rect">
-            <a:avLst/>
-          </a:prstGeom>
-        </p:spPr>
-      </p:pic>
-      <p:pic>
-        <p:nvPicPr>
-          <p:cNvPr id="14" name="圖片 13"/>
-          <p:cNvPicPr>
-            <a:picLocks noChangeAspect="1"/>
-          </p:cNvPicPr>
-          <p:nvPr/>
-        </p:nvPicPr>
-        <p:blipFill>
-          <a:blip r:embed="rId5">
-            <a:extLst>
-              <a:ext uri="{28A0092B-C50C-407E-A947-70E740481C1C}">
-                <a14:useLocalDpi xmlns:a14="http://schemas.microsoft.com/office/drawing/2010/main" xmlns="" val="0"/>
-              </a:ext>
-            </a:extLst>
-          </a:blip>
-          <a:stretch>
-            <a:fillRect/>
-          </a:stretch>
-        </p:blipFill>
-        <p:spPr>
-          <a:xfrm>
-            <a:off x="4091679" y="2749747"/>
-            <a:ext cx="1134020" cy="604396"/>
-          </a:xfrm>
-          <a:prstGeom prst="rect">
-            <a:avLst/>
-          </a:prstGeom>
-        </p:spPr>
-      </p:pic>
-      <p:pic>
-        <p:nvPicPr>
-          <p:cNvPr id="15" name="圖片 14"/>
-          <p:cNvPicPr>
-            <a:picLocks noChangeAspect="1"/>
-          </p:cNvPicPr>
-          <p:nvPr/>
-        </p:nvPicPr>
-        <p:blipFill>
-          <a:blip r:embed="rId6">
-            <a:extLst>
-              <a:ext uri="{28A0092B-C50C-407E-A947-70E740481C1C}">
-                <a14:useLocalDpi xmlns:a14="http://schemas.microsoft.com/office/drawing/2010/main" xmlns="" val="0"/>
-              </a:ext>
-            </a:extLst>
-          </a:blip>
-          <a:stretch>
-            <a:fillRect/>
-          </a:stretch>
-        </p:blipFill>
-        <p:spPr>
-          <a:xfrm>
-            <a:off x="5896445" y="2749747"/>
-            <a:ext cx="1074882" cy="552894"/>
-          </a:xfrm>
-          <a:prstGeom prst="rect">
-            <a:avLst/>
-          </a:prstGeom>
-        </p:spPr>
-      </p:pic>
-      <p:pic>
-        <p:nvPicPr>
-          <p:cNvPr id="18" name="圖片 17"/>
-          <p:cNvPicPr>
-            <a:picLocks noChangeAspect="1"/>
-          </p:cNvPicPr>
-          <p:nvPr/>
-        </p:nvPicPr>
-        <p:blipFill>
-          <a:blip r:embed="rId7">
-            <a:extLst>
-              <a:ext uri="{28A0092B-C50C-407E-A947-70E740481C1C}">
-                <a14:useLocalDpi xmlns:a14="http://schemas.microsoft.com/office/drawing/2010/main" xmlns="" val="0"/>
-              </a:ext>
-            </a:extLst>
-          </a:blip>
-          <a:stretch>
-            <a:fillRect/>
-          </a:stretch>
-        </p:blipFill>
-        <p:spPr>
-          <a:xfrm>
-            <a:off x="2084564" y="4637338"/>
-            <a:ext cx="1254721" cy="941041"/>
-          </a:xfrm>
-          <a:prstGeom prst="rect">
-            <a:avLst/>
-          </a:prstGeom>
-        </p:spPr>
-      </p:pic>
-      <p:pic>
-        <p:nvPicPr>
-          <p:cNvPr id="21" name="圖片 20"/>
-          <p:cNvPicPr>
-            <a:picLocks noChangeAspect="1"/>
-          </p:cNvPicPr>
-          <p:nvPr/>
-        </p:nvPicPr>
-        <p:blipFill>
-          <a:blip r:embed="rId8">
-            <a:extLst>
-              <a:ext uri="{28A0092B-C50C-407E-A947-70E740481C1C}">
-                <a14:useLocalDpi xmlns:a14="http://schemas.microsoft.com/office/drawing/2010/main" xmlns="" val="0"/>
-              </a:ext>
-            </a:extLst>
-          </a:blip>
-          <a:stretch>
-            <a:fillRect/>
-          </a:stretch>
-        </p:blipFill>
-        <p:spPr>
-          <a:xfrm>
-            <a:off x="7656534" y="4687693"/>
-            <a:ext cx="995956" cy="822570"/>
-          </a:xfrm>
-          <a:prstGeom prst="rect">
-            <a:avLst/>
-          </a:prstGeom>
-        </p:spPr>
-      </p:pic>
-      <p:pic>
-        <p:nvPicPr>
-          <p:cNvPr id="22" name="圖片 21"/>
-          <p:cNvPicPr>
-            <a:picLocks noChangeAspect="1"/>
-          </p:cNvPicPr>
-          <p:nvPr/>
-        </p:nvPicPr>
-        <p:blipFill>
-          <a:blip r:embed="rId9">
-            <a:extLst>
-              <a:ext uri="{28A0092B-C50C-407E-A947-70E740481C1C}">
-                <a14:useLocalDpi xmlns:a14="http://schemas.microsoft.com/office/drawing/2010/main" xmlns="" val="0"/>
-              </a:ext>
-            </a:extLst>
-          </a:blip>
-          <a:stretch>
-            <a:fillRect/>
-          </a:stretch>
-        </p:blipFill>
-        <p:spPr>
-          <a:xfrm>
-            <a:off x="6124773" y="4451820"/>
-            <a:ext cx="749503" cy="1126559"/>
-          </a:xfrm>
-          <a:prstGeom prst="rect">
-            <a:avLst/>
-          </a:prstGeom>
-        </p:spPr>
-      </p:pic>
-      <p:pic>
-        <p:nvPicPr>
-          <p:cNvPr id="25" name="圖片 24"/>
-          <p:cNvPicPr>
-            <a:picLocks noChangeAspect="1"/>
-          </p:cNvPicPr>
-          <p:nvPr/>
-        </p:nvPicPr>
-        <p:blipFill>
-          <a:blip r:embed="rId10">
-            <a:extLst>
-              <a:ext uri="{28A0092B-C50C-407E-A947-70E740481C1C}">
-                <a14:useLocalDpi xmlns:a14="http://schemas.microsoft.com/office/drawing/2010/main" xmlns="" val="0"/>
-              </a:ext>
-            </a:extLst>
-          </a:blip>
-          <a:stretch>
-            <a:fillRect/>
-          </a:stretch>
-        </p:blipFill>
-        <p:spPr>
-          <a:xfrm>
-            <a:off x="4231876" y="4752633"/>
-            <a:ext cx="889694" cy="757630"/>
-          </a:xfrm>
-          <a:prstGeom prst="rect">
-            <a:avLst/>
-          </a:prstGeom>
-        </p:spPr>
-      </p:pic>
-      <p:pic>
-        <p:nvPicPr>
-          <p:cNvPr id="2" name="圖片 1"/>
-          <p:cNvPicPr>
-            <a:picLocks noChangeAspect="1"/>
-          </p:cNvPicPr>
-          <p:nvPr/>
-        </p:nvPicPr>
-        <p:blipFill>
-          <a:blip r:embed="rId11">
-            <a:extLst>
-              <a:ext uri="{28A0092B-C50C-407E-A947-70E740481C1C}">
-                <a14:useLocalDpi xmlns:a14="http://schemas.microsoft.com/office/drawing/2010/main" xmlns="" val="0"/>
-              </a:ext>
-            </a:extLst>
-          </a:blip>
-          <a:stretch>
-            <a:fillRect/>
-          </a:stretch>
-        </p:blipFill>
-        <p:spPr>
-          <a:xfrm rot="19697885">
-            <a:off x="7851600" y="2701916"/>
-            <a:ext cx="803216" cy="579987"/>
-          </a:xfrm>
-          <a:prstGeom prst="rect">
-            <a:avLst/>
-          </a:prstGeom>
-        </p:spPr>
-      </p:pic>
-      <p:pic>
-        <p:nvPicPr>
-          <p:cNvPr id="4" name="圖片 3"/>
-          <p:cNvPicPr>
-            <a:picLocks noChangeAspect="1"/>
-          </p:cNvPicPr>
-          <p:nvPr/>
-        </p:nvPicPr>
-        <p:blipFill>
-          <a:blip r:embed="rId12">
-            <a:extLst>
-              <a:ext uri="{28A0092B-C50C-407E-A947-70E740481C1C}">
-                <a14:useLocalDpi xmlns:a14="http://schemas.microsoft.com/office/drawing/2010/main" xmlns="" val="0"/>
-              </a:ext>
-            </a:extLst>
-          </a:blip>
-          <a:stretch>
-            <a:fillRect/>
-          </a:stretch>
-        </p:blipFill>
-        <p:spPr>
-          <a:xfrm>
-            <a:off x="820025" y="4698631"/>
-            <a:ext cx="757630" cy="757630"/>
-          </a:xfrm>
-          <a:prstGeom prst="rect">
-            <a:avLst/>
-          </a:prstGeom>
-        </p:spPr>
-      </p:pic>
-      <p:sp>
-        <p:nvSpPr>
-          <p:cNvPr id="5" name="圓角矩形 4"/>
-          <p:cNvSpPr/>
-          <p:nvPr/>
-        </p:nvSpPr>
-        <p:spPr>
-          <a:xfrm>
-            <a:off x="120580" y="2329517"/>
-            <a:ext cx="8932118" cy="1396721"/>
-          </a:xfrm>
-          <a:prstGeom prst="roundRect">
-            <a:avLst/>
-          </a:prstGeom>
-          <a:noFill/>
-          <a:ln w="25400">
-            <a:solidFill>
-              <a:srgbClr val="FFFF00"/>
-            </a:solidFill>
-          </a:ln>
-          <a:effectLst/>
-        </p:spPr>
-        <p:style>
-          <a:lnRef idx="1">
-            <a:schemeClr val="accent1"/>
-          </a:lnRef>
-          <a:fillRef idx="3">
-            <a:schemeClr val="accent1"/>
-          </a:fillRef>
-          <a:effectRef idx="2">
-            <a:schemeClr val="accent1"/>
-          </a:effectRef>
-          <a:fontRef idx="minor">
-            <a:schemeClr val="lt1"/>
-          </a:fontRef>
-        </p:style>
-        <p:txBody>
-          <a:bodyPr rtlCol="0" anchor="ctr"/>
-          <a:lstStyle/>
-          <a:p>
-            <a:pPr algn="ctr"/>
-            <a:endParaRPr lang="zh-TW" altLang="en-US"/>
-          </a:p>
-        </p:txBody>
-      </p:sp>
-      <p:sp>
-        <p:nvSpPr>
-          <p:cNvPr id="19" name="圓角矩形 18"/>
-          <p:cNvSpPr/>
-          <p:nvPr/>
-        </p:nvSpPr>
-        <p:spPr>
-          <a:xfrm>
-            <a:off x="120580" y="4377260"/>
-            <a:ext cx="8932118" cy="1396721"/>
-          </a:xfrm>
-          <a:prstGeom prst="roundRect">
-            <a:avLst/>
-          </a:prstGeom>
-          <a:noFill/>
-          <a:ln w="25400">
-            <a:solidFill>
-              <a:srgbClr val="7030A0"/>
-            </a:solidFill>
-          </a:ln>
-          <a:effectLst/>
-        </p:spPr>
-        <p:style>
-          <a:lnRef idx="1">
-            <a:schemeClr val="accent1"/>
-          </a:lnRef>
-          <a:fillRef idx="3">
-            <a:schemeClr val="accent1"/>
-          </a:fillRef>
-          <a:effectRef idx="2">
-            <a:schemeClr val="accent1"/>
-          </a:effectRef>
-          <a:fontRef idx="minor">
-            <a:schemeClr val="lt1"/>
-          </a:fontRef>
-        </p:style>
-        <p:txBody>
-          <a:bodyPr rtlCol="0" anchor="ctr"/>
-          <a:lstStyle/>
-          <a:p>
-            <a:pPr algn="ctr"/>
-            <a:endParaRPr lang="zh-TW" altLang="en-US"/>
-          </a:p>
-        </p:txBody>
-      </p:sp>
-      <p:sp>
-        <p:nvSpPr>
-          <p:cNvPr id="24" name="Title 3"/>
-          <p:cNvSpPr>
-            <a:spLocks noGrp="1"/>
-          </p:cNvSpPr>
-          <p:nvPr>
-            <p:ph type="title"/>
-          </p:nvPr>
-        </p:nvSpPr>
-        <p:spPr>
-          <a:xfrm>
-            <a:off x="228600" y="228600"/>
-            <a:ext cx="3577711" cy="492443"/>
-          </a:xfrm>
-        </p:spPr>
-        <p:txBody>
-          <a:bodyPr/>
-          <a:lstStyle/>
-          <a:p>
-            <a:pPr marL="342900" indent="-342900"/>
-            <a:r>
-              <a:rPr lang="en-US" altLang="zh-TW" sz="3200" dirty="0" smtClean="0">
-                <a:solidFill>
-                  <a:schemeClr val="tx1"/>
-                </a:solidFill>
-                <a:latin typeface="+mj-lt"/>
-              </a:rPr>
-              <a:t>A Banana Classifier</a:t>
-            </a:r>
-            <a:endParaRPr lang="en-US" altLang="zh-TW" sz="3200" dirty="0">
-              <a:solidFill>
-                <a:schemeClr val="tx1"/>
-              </a:solidFill>
-              <a:latin typeface="+mj-lt"/>
-            </a:endParaRPr>
-          </a:p>
-        </p:txBody>
-      </p:sp>
-      <p:sp>
-        <p:nvSpPr>
-          <p:cNvPr id="27" name="Content Placeholder 2"/>
-          <p:cNvSpPr txBox="1">
-            <a:spLocks/>
-          </p:cNvSpPr>
-          <p:nvPr/>
-        </p:nvSpPr>
-        <p:spPr>
-          <a:xfrm>
-            <a:off x="228600" y="986319"/>
-            <a:ext cx="8689622" cy="2585323"/>
-          </a:xfrm>
-          <a:prstGeom prst="rect">
-            <a:avLst/>
-          </a:prstGeom>
-        </p:spPr>
-        <p:txBody>
-          <a:bodyPr vert="horz" wrap="square" lIns="0" tIns="0" rIns="0" bIns="0" rtlCol="0">
-            <a:spAutoFit/>
-          </a:bodyPr>
-          <a:lstStyle/>
-          <a:p>
-            <a:pPr marL="742950" indent="-457200">
-              <a:spcBef>
-                <a:spcPct val="20000"/>
-              </a:spcBef>
-              <a:buFont typeface="Wingdings" pitchFamily="2" charset="2"/>
-              <a:buChar char="l"/>
-              <a:defRPr/>
-            </a:pPr>
-            <a:r>
-              <a:rPr lang="en-US" altLang="zh-TW" sz="2400" dirty="0"/>
-              <a:t>Is </a:t>
-            </a:r>
-            <a:r>
-              <a:rPr lang="en-US" altLang="zh-TW" sz="2400" dirty="0" smtClean="0"/>
-              <a:t>this a picture of a banana?</a:t>
-            </a:r>
-          </a:p>
-          <a:p>
-            <a:pPr marL="742950" indent="-457200">
-              <a:spcBef>
-                <a:spcPct val="20000"/>
-              </a:spcBef>
-              <a:buFont typeface="Wingdings" pitchFamily="2" charset="2"/>
-              <a:buChar char="l"/>
-              <a:defRPr/>
-            </a:pPr>
-            <a:r>
-              <a:rPr lang="en-US" altLang="zh-TW" sz="2400" dirty="0" smtClean="0"/>
-              <a:t>Want to find some rules to describe a banana</a:t>
-            </a:r>
-          </a:p>
-          <a:p>
-            <a:pPr marL="1200150" lvl="1" indent="-457200">
-              <a:spcBef>
-                <a:spcPct val="20000"/>
-              </a:spcBef>
-              <a:buFont typeface="Wingdings" pitchFamily="2" charset="2"/>
-              <a:buChar char="l"/>
-              <a:defRPr/>
-            </a:pPr>
-            <a:endParaRPr kumimoji="0" lang="en-US" altLang="zh-TW" sz="2400" b="0" i="0" u="none" strike="noStrike" kern="1200" cap="none" spc="0" normalizeH="0" baseline="0" noProof="0" dirty="0" smtClean="0">
-              <a:ln>
-                <a:noFill/>
-              </a:ln>
-              <a:solidFill>
-                <a:schemeClr val="tx1"/>
-              </a:solidFill>
-              <a:effectLst/>
-              <a:uLnTx/>
-              <a:uFillTx/>
-              <a:latin typeface="+mn-lt"/>
-              <a:ea typeface="+mn-ea"/>
-              <a:cs typeface="+mn-cs"/>
-            </a:endParaRPr>
-          </a:p>
-          <a:p>
-            <a:pPr marL="742950" marR="0" lvl="1" algn="l" defTabSz="457200" rtl="0" eaLnBrk="1" fontAlgn="auto" latinLnBrk="0" hangingPunct="1">
-              <a:lnSpc>
-                <a:spcPct val="100000"/>
-              </a:lnSpc>
-              <a:spcBef>
-                <a:spcPct val="20000"/>
-              </a:spcBef>
-              <a:spcAft>
-                <a:spcPts val="0"/>
-              </a:spcAft>
-              <a:buClrTx/>
-              <a:buSzTx/>
-              <a:tabLst/>
-              <a:defRPr/>
-            </a:pPr>
-            <a:endParaRPr lang="en-US" altLang="zh-TW" sz="2400" dirty="0" smtClean="0"/>
-          </a:p>
-          <a:p>
-            <a:pPr marL="1200150" marR="0" lvl="1" indent="-457200" algn="l" defTabSz="457200" rtl="0" eaLnBrk="1" fontAlgn="auto" latinLnBrk="0" hangingPunct="1">
-              <a:lnSpc>
-                <a:spcPct val="100000"/>
-              </a:lnSpc>
-              <a:spcBef>
-                <a:spcPct val="20000"/>
-              </a:spcBef>
-              <a:spcAft>
-                <a:spcPts val="0"/>
-              </a:spcAft>
-              <a:buClrTx/>
-              <a:buSzTx/>
-              <a:buFont typeface="Wingdings" pitchFamily="2" charset="2"/>
-              <a:buChar char="l"/>
-              <a:tabLst/>
-              <a:defRPr/>
-            </a:pPr>
-            <a:endParaRPr kumimoji="0" lang="en-US" altLang="zh-TW" sz="2400" b="0" i="0" u="none" strike="noStrike" kern="1200" cap="none" spc="0" normalizeH="0" baseline="0" noProof="0" dirty="0" smtClean="0">
-              <a:ln>
-                <a:noFill/>
-              </a:ln>
-              <a:solidFill>
-                <a:schemeClr val="tx1"/>
-              </a:solidFill>
-              <a:effectLst/>
-              <a:uLnTx/>
-              <a:uFillTx/>
-              <a:latin typeface="+mn-lt"/>
-              <a:ea typeface="+mn-ea"/>
-              <a:cs typeface="+mn-cs"/>
-            </a:endParaRPr>
-          </a:p>
-          <a:p>
-            <a:pPr marL="1200150" marR="0" lvl="1" indent="-457200" algn="l" defTabSz="457200" rtl="0" eaLnBrk="1" fontAlgn="auto" latinLnBrk="0" hangingPunct="1">
-              <a:lnSpc>
-                <a:spcPct val="100000"/>
-              </a:lnSpc>
-              <a:spcBef>
-                <a:spcPct val="20000"/>
-              </a:spcBef>
-              <a:spcAft>
-                <a:spcPts val="0"/>
-              </a:spcAft>
-              <a:buClrTx/>
-              <a:buSzTx/>
-              <a:buFont typeface="Wingdings" pitchFamily="2" charset="2"/>
-              <a:buChar char="l"/>
-              <a:tabLst/>
-              <a:defRPr/>
-            </a:pPr>
-            <a:endParaRPr kumimoji="0" lang="en-US" altLang="zh-TW" sz="2400" b="0" i="0" u="none" strike="noStrike" kern="1200" cap="none" spc="0" normalizeH="0" baseline="0" noProof="0" dirty="0" smtClean="0">
-              <a:ln>
-                <a:noFill/>
-              </a:ln>
-              <a:solidFill>
-                <a:schemeClr val="tx1"/>
-              </a:solidFill>
-              <a:effectLst/>
-              <a:uLnTx/>
-              <a:uFillTx/>
-              <a:latin typeface="Arial"/>
-              <a:ea typeface="+mn-ea"/>
-              <a:cs typeface="+mn-cs"/>
-            </a:endParaRPr>
-          </a:p>
-        </p:txBody>
-      </p:sp>
-      <p:sp>
-        <p:nvSpPr>
-          <p:cNvPr id="23" name="圓角矩形 22"/>
-          <p:cNvSpPr/>
-          <p:nvPr/>
-        </p:nvSpPr>
-        <p:spPr>
-          <a:xfrm>
-            <a:off x="228599" y="2145890"/>
-            <a:ext cx="1755058" cy="183627"/>
-          </a:xfrm>
-          <a:prstGeom prst="roundRect">
-            <a:avLst/>
-          </a:prstGeom>
-          <a:solidFill>
-            <a:srgbClr val="FFFF00"/>
-          </a:solidFill>
-          <a:effectLst/>
-        </p:spPr>
-        <p:style>
-          <a:lnRef idx="1">
-            <a:schemeClr val="accent6"/>
-          </a:lnRef>
-          <a:fillRef idx="3">
-            <a:schemeClr val="accent6"/>
-          </a:fillRef>
-          <a:effectRef idx="2">
-            <a:schemeClr val="accent6"/>
-          </a:effectRef>
-          <a:fontRef idx="minor">
-            <a:schemeClr val="lt1"/>
-          </a:fontRef>
-        </p:style>
-        <p:txBody>
-          <a:bodyPr rtlCol="0" anchor="ctr"/>
-          <a:lstStyle/>
-          <a:p>
-            <a:pPr algn="ctr"/>
-            <a:r>
-              <a:rPr lang="en-US" altLang="zh-TW" dirty="0" smtClean="0">
-                <a:solidFill>
-                  <a:schemeClr val="tx1"/>
-                </a:solidFill>
-              </a:rPr>
-              <a:t>Bananas</a:t>
-            </a:r>
-            <a:endParaRPr lang="zh-TW" altLang="en-US" dirty="0">
-              <a:solidFill>
-                <a:schemeClr val="tx1"/>
-              </a:solidFill>
-            </a:endParaRPr>
-          </a:p>
-        </p:txBody>
-      </p:sp>
-      <p:sp>
-        <p:nvSpPr>
-          <p:cNvPr id="28" name="圓角矩形 27"/>
-          <p:cNvSpPr/>
-          <p:nvPr/>
-        </p:nvSpPr>
-        <p:spPr>
-          <a:xfrm>
-            <a:off x="228598" y="4184395"/>
-            <a:ext cx="1755059" cy="183627"/>
-          </a:xfrm>
-          <a:prstGeom prst="roundRect">
-            <a:avLst/>
-          </a:prstGeom>
-          <a:solidFill>
-            <a:srgbClr val="FF66FF"/>
-          </a:solidFill>
-          <a:ln>
-            <a:solidFill>
-              <a:srgbClr val="FF66FF"/>
-            </a:solidFill>
-          </a:ln>
-        </p:spPr>
-        <p:style>
-          <a:lnRef idx="1">
-            <a:schemeClr val="accent6"/>
-          </a:lnRef>
-          <a:fillRef idx="3">
-            <a:schemeClr val="accent6"/>
-          </a:fillRef>
-          <a:effectRef idx="2">
-            <a:schemeClr val="accent6"/>
-          </a:effectRef>
-          <a:fontRef idx="minor">
-            <a:schemeClr val="lt1"/>
-          </a:fontRef>
-        </p:style>
-        <p:txBody>
-          <a:bodyPr rtlCol="0" anchor="ctr"/>
-          <a:lstStyle/>
-          <a:p>
-            <a:pPr algn="ctr"/>
-            <a:r>
-              <a:rPr lang="en-US" altLang="zh-TW" dirty="0">
-                <a:solidFill>
-                  <a:schemeClr val="tx1"/>
-                </a:solidFill>
-              </a:rPr>
-              <a:t>Non-bananas</a:t>
-            </a:r>
-            <a:endParaRPr lang="zh-TW" altLang="en-US" dirty="0">
-              <a:solidFill>
-                <a:schemeClr val="tx1"/>
-              </a:solidFill>
-            </a:endParaRPr>
-          </a:p>
-        </p:txBody>
-      </p:sp>
-    </p:spTree>
-    <p:extLst>
-      <p:ext uri="{BB962C8B-B14F-4D97-AF65-F5344CB8AC3E}">
-        <p14:creationId xmlns:p14="http://schemas.microsoft.com/office/powerpoint/2010/main" xmlns="" val="331047021"/>
-      </p:ext>
-    </p:extLst>
-  </p:cSld>
-  <p:clrMapOvr>
-    <a:masterClrMapping/>
-  </p:clrMapOvr>
-  <p:timing>
-    <p:tnLst>
-      <p:par>
-        <p:cTn id="1" dur="indefinite" restart="never" nodeType="tmRoot"/>
-      </p:par>
-    </p:tnLst>
-  </p:timing>
-</p:sld>
-</file>
-
-<file path=ppt/slides/slide30.xml><?xml version="1.0" encoding="utf-8"?>
+<file path=ppt/slides/slide28.xml><?xml version="1.0" encoding="utf-8"?>
 <p:sld xmlns:a="http://schemas.openxmlformats.org/drawingml/2006/main" xmlns:r="http://schemas.openxmlformats.org/officeDocument/2006/relationships" xmlns:p="http://schemas.openxmlformats.org/presentationml/2006/main">
   <p:cSld>
     <p:spTree>
@@ -22335,7 +22628,7 @@
     </p:spTree>
     <p:extLst>
       <p:ext uri="{BB962C8B-B14F-4D97-AF65-F5344CB8AC3E}">
-        <p14:creationId xmlns:p14="http://schemas.microsoft.com/office/powerpoint/2010/main" xmlns="" val="2631485282"/>
+        <p14:creationId xmlns:p14="http://schemas.microsoft.com/office/powerpoint/2010/main" val="2631485282"/>
       </p:ext>
     </p:extLst>
   </p:cSld>
@@ -22352,7 +22645,7 @@
 </p:sld>
 </file>
 
-<file path=ppt/slides/slide31.xml><?xml version="1.0" encoding="utf-8"?>
+<file path=ppt/slides/slide29.xml><?xml version="1.0" encoding="utf-8"?>
 <p:sld xmlns:a="http://schemas.openxmlformats.org/drawingml/2006/main" xmlns:r="http://schemas.openxmlformats.org/officeDocument/2006/relationships" xmlns:p="http://schemas.openxmlformats.org/presentationml/2006/main">
   <p:cSld>
     <p:spTree>
@@ -22389,7 +22682,7 @@
                 <a:latin typeface="+mj-lt"/>
               </a:rPr>
               <a:pPr/>
-              <a:t>31</a:t>
+              <a:t>29</a:t>
             </a:fld>
             <a:endParaRPr lang="en-US" dirty="0">
               <a:latin typeface="+mj-lt"/>
@@ -22454,7 +22747,7 @@
     </p:spTree>
     <p:extLst>
       <p:ext uri="{BB962C8B-B14F-4D97-AF65-F5344CB8AC3E}">
-        <p14:creationId xmlns:p14="http://schemas.microsoft.com/office/powerpoint/2010/main" xmlns="" val="3598067464"/>
+        <p14:creationId xmlns:p14="http://schemas.microsoft.com/office/powerpoint/2010/main" val="3598067464"/>
       </p:ext>
     </p:extLst>
   </p:cSld>
@@ -22471,7 +22764,749 @@
 </p:sld>
 </file>
 
-<file path=ppt/slides/slide32.xml><?xml version="1.0" encoding="utf-8"?>
+<file path=ppt/slides/slide3.xml><?xml version="1.0" encoding="utf-8"?>
+<p:sld xmlns:a="http://schemas.openxmlformats.org/drawingml/2006/main" xmlns:r="http://schemas.openxmlformats.org/officeDocument/2006/relationships" xmlns:p="http://schemas.openxmlformats.org/presentationml/2006/main">
+  <p:cSld>
+    <p:spTree>
+      <p:nvGrpSpPr>
+        <p:cNvPr id="1" name=""/>
+        <p:cNvGrpSpPr/>
+        <p:nvPr/>
+      </p:nvGrpSpPr>
+      <p:grpSpPr>
+        <a:xfrm>
+          <a:off x="0" y="0"/>
+          <a:ext cx="0" cy="0"/>
+          <a:chOff x="0" y="0"/>
+          <a:chExt cx="0" cy="0"/>
+        </a:xfrm>
+      </p:grpSpPr>
+      <p:pic>
+        <p:nvPicPr>
+          <p:cNvPr id="12" name="圖片 11"/>
+          <p:cNvPicPr>
+            <a:picLocks noChangeAspect="1"/>
+          </p:cNvPicPr>
+          <p:nvPr/>
+        </p:nvPicPr>
+        <p:blipFill>
+          <a:blip r:embed="rId3">
+            <a:extLst>
+              <a:ext uri="{28A0092B-C50C-407E-A947-70E740481C1C}">
+                <a14:useLocalDpi xmlns:a14="http://schemas.microsoft.com/office/drawing/2010/main" val="0"/>
+              </a:ext>
+            </a:extLst>
+          </a:blip>
+          <a:stretch>
+            <a:fillRect/>
+          </a:stretch>
+        </p:blipFill>
+        <p:spPr>
+          <a:xfrm>
+            <a:off x="462749" y="2826335"/>
+            <a:ext cx="975360" cy="476306"/>
+          </a:xfrm>
+          <a:prstGeom prst="rect">
+            <a:avLst/>
+          </a:prstGeom>
+        </p:spPr>
+      </p:pic>
+      <p:pic>
+        <p:nvPicPr>
+          <p:cNvPr id="13" name="圖片 12"/>
+          <p:cNvPicPr>
+            <a:picLocks noChangeAspect="1"/>
+          </p:cNvPicPr>
+          <p:nvPr/>
+        </p:nvPicPr>
+        <p:blipFill>
+          <a:blip r:embed="rId4">
+            <a:extLst>
+              <a:ext uri="{28A0092B-C50C-407E-A947-70E740481C1C}">
+                <a14:useLocalDpi xmlns:a14="http://schemas.microsoft.com/office/drawing/2010/main" val="0"/>
+              </a:ext>
+            </a:extLst>
+          </a:blip>
+          <a:stretch>
+            <a:fillRect/>
+          </a:stretch>
+        </p:blipFill>
+        <p:spPr>
+          <a:xfrm>
+            <a:off x="2272587" y="2824275"/>
+            <a:ext cx="1112713" cy="455339"/>
+          </a:xfrm>
+          <a:prstGeom prst="rect">
+            <a:avLst/>
+          </a:prstGeom>
+        </p:spPr>
+      </p:pic>
+      <p:pic>
+        <p:nvPicPr>
+          <p:cNvPr id="14" name="圖片 13"/>
+          <p:cNvPicPr>
+            <a:picLocks noChangeAspect="1"/>
+          </p:cNvPicPr>
+          <p:nvPr/>
+        </p:nvPicPr>
+        <p:blipFill>
+          <a:blip r:embed="rId5">
+            <a:extLst>
+              <a:ext uri="{28A0092B-C50C-407E-A947-70E740481C1C}">
+                <a14:useLocalDpi xmlns:a14="http://schemas.microsoft.com/office/drawing/2010/main" val="0"/>
+              </a:ext>
+            </a:extLst>
+          </a:blip>
+          <a:stretch>
+            <a:fillRect/>
+          </a:stretch>
+        </p:blipFill>
+        <p:spPr>
+          <a:xfrm>
+            <a:off x="4091679" y="2749747"/>
+            <a:ext cx="1134020" cy="604396"/>
+          </a:xfrm>
+          <a:prstGeom prst="rect">
+            <a:avLst/>
+          </a:prstGeom>
+        </p:spPr>
+      </p:pic>
+      <p:pic>
+        <p:nvPicPr>
+          <p:cNvPr id="15" name="圖片 14"/>
+          <p:cNvPicPr>
+            <a:picLocks noChangeAspect="1"/>
+          </p:cNvPicPr>
+          <p:nvPr/>
+        </p:nvPicPr>
+        <p:blipFill>
+          <a:blip r:embed="rId6">
+            <a:extLst>
+              <a:ext uri="{28A0092B-C50C-407E-A947-70E740481C1C}">
+                <a14:useLocalDpi xmlns:a14="http://schemas.microsoft.com/office/drawing/2010/main" val="0"/>
+              </a:ext>
+            </a:extLst>
+          </a:blip>
+          <a:stretch>
+            <a:fillRect/>
+          </a:stretch>
+        </p:blipFill>
+        <p:spPr>
+          <a:xfrm>
+            <a:off x="5896445" y="2749747"/>
+            <a:ext cx="1074882" cy="552894"/>
+          </a:xfrm>
+          <a:prstGeom prst="rect">
+            <a:avLst/>
+          </a:prstGeom>
+        </p:spPr>
+      </p:pic>
+      <p:pic>
+        <p:nvPicPr>
+          <p:cNvPr id="18" name="圖片 17"/>
+          <p:cNvPicPr>
+            <a:picLocks noChangeAspect="1"/>
+          </p:cNvPicPr>
+          <p:nvPr/>
+        </p:nvPicPr>
+        <p:blipFill>
+          <a:blip r:embed="rId7">
+            <a:extLst>
+              <a:ext uri="{28A0092B-C50C-407E-A947-70E740481C1C}">
+                <a14:useLocalDpi xmlns:a14="http://schemas.microsoft.com/office/drawing/2010/main" val="0"/>
+              </a:ext>
+            </a:extLst>
+          </a:blip>
+          <a:stretch>
+            <a:fillRect/>
+          </a:stretch>
+        </p:blipFill>
+        <p:spPr>
+          <a:xfrm>
+            <a:off x="2084564" y="4637338"/>
+            <a:ext cx="1254721" cy="941041"/>
+          </a:xfrm>
+          <a:prstGeom prst="rect">
+            <a:avLst/>
+          </a:prstGeom>
+        </p:spPr>
+      </p:pic>
+      <p:pic>
+        <p:nvPicPr>
+          <p:cNvPr id="21" name="圖片 20"/>
+          <p:cNvPicPr>
+            <a:picLocks noChangeAspect="1"/>
+          </p:cNvPicPr>
+          <p:nvPr/>
+        </p:nvPicPr>
+        <p:blipFill>
+          <a:blip r:embed="rId8">
+            <a:extLst>
+              <a:ext uri="{28A0092B-C50C-407E-A947-70E740481C1C}">
+                <a14:useLocalDpi xmlns:a14="http://schemas.microsoft.com/office/drawing/2010/main" val="0"/>
+              </a:ext>
+            </a:extLst>
+          </a:blip>
+          <a:stretch>
+            <a:fillRect/>
+          </a:stretch>
+        </p:blipFill>
+        <p:spPr>
+          <a:xfrm>
+            <a:off x="7656534" y="4687693"/>
+            <a:ext cx="995956" cy="822570"/>
+          </a:xfrm>
+          <a:prstGeom prst="rect">
+            <a:avLst/>
+          </a:prstGeom>
+        </p:spPr>
+      </p:pic>
+      <p:pic>
+        <p:nvPicPr>
+          <p:cNvPr id="22" name="圖片 21"/>
+          <p:cNvPicPr>
+            <a:picLocks noChangeAspect="1"/>
+          </p:cNvPicPr>
+          <p:nvPr/>
+        </p:nvPicPr>
+        <p:blipFill>
+          <a:blip r:embed="rId9">
+            <a:extLst>
+              <a:ext uri="{28A0092B-C50C-407E-A947-70E740481C1C}">
+                <a14:useLocalDpi xmlns:a14="http://schemas.microsoft.com/office/drawing/2010/main" val="0"/>
+              </a:ext>
+            </a:extLst>
+          </a:blip>
+          <a:stretch>
+            <a:fillRect/>
+          </a:stretch>
+        </p:blipFill>
+        <p:spPr>
+          <a:xfrm>
+            <a:off x="6124773" y="4451820"/>
+            <a:ext cx="749503" cy="1126559"/>
+          </a:xfrm>
+          <a:prstGeom prst="rect">
+            <a:avLst/>
+          </a:prstGeom>
+        </p:spPr>
+      </p:pic>
+      <p:pic>
+        <p:nvPicPr>
+          <p:cNvPr id="25" name="圖片 24"/>
+          <p:cNvPicPr>
+            <a:picLocks noChangeAspect="1"/>
+          </p:cNvPicPr>
+          <p:nvPr/>
+        </p:nvPicPr>
+        <p:blipFill>
+          <a:blip r:embed="rId10">
+            <a:extLst>
+              <a:ext uri="{28A0092B-C50C-407E-A947-70E740481C1C}">
+                <a14:useLocalDpi xmlns:a14="http://schemas.microsoft.com/office/drawing/2010/main" val="0"/>
+              </a:ext>
+            </a:extLst>
+          </a:blip>
+          <a:stretch>
+            <a:fillRect/>
+          </a:stretch>
+        </p:blipFill>
+        <p:spPr>
+          <a:xfrm>
+            <a:off x="4231876" y="4752633"/>
+            <a:ext cx="889694" cy="757630"/>
+          </a:xfrm>
+          <a:prstGeom prst="rect">
+            <a:avLst/>
+          </a:prstGeom>
+        </p:spPr>
+      </p:pic>
+      <p:pic>
+        <p:nvPicPr>
+          <p:cNvPr id="2" name="圖片 1"/>
+          <p:cNvPicPr>
+            <a:picLocks noChangeAspect="1"/>
+          </p:cNvPicPr>
+          <p:nvPr/>
+        </p:nvPicPr>
+        <p:blipFill>
+          <a:blip r:embed="rId11">
+            <a:extLst>
+              <a:ext uri="{28A0092B-C50C-407E-A947-70E740481C1C}">
+                <a14:useLocalDpi xmlns:a14="http://schemas.microsoft.com/office/drawing/2010/main" val="0"/>
+              </a:ext>
+            </a:extLst>
+          </a:blip>
+          <a:stretch>
+            <a:fillRect/>
+          </a:stretch>
+        </p:blipFill>
+        <p:spPr>
+          <a:xfrm rot="19697885">
+            <a:off x="7851600" y="2701916"/>
+            <a:ext cx="803216" cy="579987"/>
+          </a:xfrm>
+          <a:prstGeom prst="rect">
+            <a:avLst/>
+          </a:prstGeom>
+        </p:spPr>
+      </p:pic>
+      <p:pic>
+        <p:nvPicPr>
+          <p:cNvPr id="4" name="圖片 3"/>
+          <p:cNvPicPr>
+            <a:picLocks noChangeAspect="1"/>
+          </p:cNvPicPr>
+          <p:nvPr/>
+        </p:nvPicPr>
+        <p:blipFill>
+          <a:blip r:embed="rId12">
+            <a:extLst>
+              <a:ext uri="{28A0092B-C50C-407E-A947-70E740481C1C}">
+                <a14:useLocalDpi xmlns:a14="http://schemas.microsoft.com/office/drawing/2010/main" val="0"/>
+              </a:ext>
+            </a:extLst>
+          </a:blip>
+          <a:stretch>
+            <a:fillRect/>
+          </a:stretch>
+        </p:blipFill>
+        <p:spPr>
+          <a:xfrm>
+            <a:off x="820025" y="4698631"/>
+            <a:ext cx="757630" cy="757630"/>
+          </a:xfrm>
+          <a:prstGeom prst="rect">
+            <a:avLst/>
+          </a:prstGeom>
+        </p:spPr>
+      </p:pic>
+      <p:sp>
+        <p:nvSpPr>
+          <p:cNvPr id="5" name="圓角矩形 4"/>
+          <p:cNvSpPr/>
+          <p:nvPr/>
+        </p:nvSpPr>
+        <p:spPr>
+          <a:xfrm>
+            <a:off x="120580" y="2329517"/>
+            <a:ext cx="8932118" cy="1396721"/>
+          </a:xfrm>
+          <a:prstGeom prst="roundRect">
+            <a:avLst/>
+          </a:prstGeom>
+          <a:noFill/>
+          <a:ln w="25400">
+            <a:solidFill>
+              <a:srgbClr val="FFFF00"/>
+            </a:solidFill>
+          </a:ln>
+          <a:effectLst/>
+        </p:spPr>
+        <p:style>
+          <a:lnRef idx="1">
+            <a:schemeClr val="accent1"/>
+          </a:lnRef>
+          <a:fillRef idx="3">
+            <a:schemeClr val="accent1"/>
+          </a:fillRef>
+          <a:effectRef idx="2">
+            <a:schemeClr val="accent1"/>
+          </a:effectRef>
+          <a:fontRef idx="minor">
+            <a:schemeClr val="lt1"/>
+          </a:fontRef>
+        </p:style>
+        <p:txBody>
+          <a:bodyPr rtlCol="0" anchor="ctr"/>
+          <a:lstStyle/>
+          <a:p>
+            <a:pPr algn="ctr"/>
+            <a:endParaRPr lang="zh-TW" altLang="en-US"/>
+          </a:p>
+        </p:txBody>
+      </p:sp>
+      <p:sp>
+        <p:nvSpPr>
+          <p:cNvPr id="19" name="圓角矩形 18"/>
+          <p:cNvSpPr/>
+          <p:nvPr/>
+        </p:nvSpPr>
+        <p:spPr>
+          <a:xfrm>
+            <a:off x="120580" y="4377260"/>
+            <a:ext cx="8932118" cy="1396721"/>
+          </a:xfrm>
+          <a:prstGeom prst="roundRect">
+            <a:avLst/>
+          </a:prstGeom>
+          <a:noFill/>
+          <a:ln w="25400">
+            <a:solidFill>
+              <a:srgbClr val="7030A0"/>
+            </a:solidFill>
+          </a:ln>
+          <a:effectLst/>
+        </p:spPr>
+        <p:style>
+          <a:lnRef idx="1">
+            <a:schemeClr val="accent1"/>
+          </a:lnRef>
+          <a:fillRef idx="3">
+            <a:schemeClr val="accent1"/>
+          </a:fillRef>
+          <a:effectRef idx="2">
+            <a:schemeClr val="accent1"/>
+          </a:effectRef>
+          <a:fontRef idx="minor">
+            <a:schemeClr val="lt1"/>
+          </a:fontRef>
+        </p:style>
+        <p:txBody>
+          <a:bodyPr rtlCol="0" anchor="ctr"/>
+          <a:lstStyle/>
+          <a:p>
+            <a:pPr algn="ctr"/>
+            <a:endParaRPr lang="zh-TW" altLang="en-US"/>
+          </a:p>
+        </p:txBody>
+      </p:sp>
+      <p:sp>
+        <p:nvSpPr>
+          <p:cNvPr id="24" name="Title 3"/>
+          <p:cNvSpPr>
+            <a:spLocks noGrp="1"/>
+          </p:cNvSpPr>
+          <p:nvPr>
+            <p:ph type="title"/>
+          </p:nvPr>
+        </p:nvSpPr>
+        <p:spPr>
+          <a:xfrm>
+            <a:off x="228600" y="228600"/>
+            <a:ext cx="3577711" cy="492443"/>
+          </a:xfrm>
+        </p:spPr>
+        <p:txBody>
+          <a:bodyPr/>
+          <a:lstStyle/>
+          <a:p>
+            <a:pPr marL="342900" indent="-342900"/>
+            <a:r>
+              <a:rPr lang="en-US" altLang="zh-TW" sz="3200" dirty="0" smtClean="0">
+                <a:solidFill>
+                  <a:schemeClr val="tx1"/>
+                </a:solidFill>
+                <a:latin typeface="+mj-lt"/>
+              </a:rPr>
+              <a:t>A Banana Classifier</a:t>
+            </a:r>
+            <a:endParaRPr lang="en-US" altLang="zh-TW" sz="3200" dirty="0">
+              <a:solidFill>
+                <a:schemeClr val="tx1"/>
+              </a:solidFill>
+              <a:latin typeface="+mj-lt"/>
+            </a:endParaRPr>
+          </a:p>
+        </p:txBody>
+      </p:sp>
+      <p:sp>
+        <p:nvSpPr>
+          <p:cNvPr id="27" name="Content Placeholder 2"/>
+          <p:cNvSpPr txBox="1">
+            <a:spLocks/>
+          </p:cNvSpPr>
+          <p:nvPr/>
+        </p:nvSpPr>
+        <p:spPr>
+          <a:xfrm>
+            <a:off x="228600" y="986319"/>
+            <a:ext cx="8689622" cy="2585323"/>
+          </a:xfrm>
+          <a:prstGeom prst="rect">
+            <a:avLst/>
+          </a:prstGeom>
+        </p:spPr>
+        <p:txBody>
+          <a:bodyPr vert="horz" wrap="square" lIns="0" tIns="0" rIns="0" bIns="0" rtlCol="0">
+            <a:spAutoFit/>
+          </a:bodyPr>
+          <a:lstStyle/>
+          <a:p>
+            <a:pPr marL="742950" indent="-457200">
+              <a:spcBef>
+                <a:spcPct val="20000"/>
+              </a:spcBef>
+              <a:buFont typeface="Wingdings" pitchFamily="2" charset="2"/>
+              <a:buChar char="l"/>
+              <a:defRPr/>
+            </a:pPr>
+            <a:r>
+              <a:rPr lang="en-US" altLang="zh-TW" sz="2400" dirty="0"/>
+              <a:t>Is </a:t>
+            </a:r>
+            <a:r>
+              <a:rPr lang="en-US" altLang="zh-TW" sz="2400" dirty="0" smtClean="0"/>
+              <a:t>this a picture of a banana?</a:t>
+            </a:r>
+          </a:p>
+          <a:p>
+            <a:pPr marL="742950" indent="-457200">
+              <a:spcBef>
+                <a:spcPct val="20000"/>
+              </a:spcBef>
+              <a:buFont typeface="Wingdings" pitchFamily="2" charset="2"/>
+              <a:buChar char="l"/>
+              <a:defRPr/>
+            </a:pPr>
+            <a:r>
+              <a:rPr lang="en-US" altLang="zh-TW" sz="2400" dirty="0" smtClean="0"/>
+              <a:t>Want to find some rules to describe a banana</a:t>
+            </a:r>
+          </a:p>
+          <a:p>
+            <a:pPr marL="1200150" lvl="1" indent="-457200">
+              <a:spcBef>
+                <a:spcPct val="20000"/>
+              </a:spcBef>
+              <a:buFont typeface="Wingdings" pitchFamily="2" charset="2"/>
+              <a:buChar char="l"/>
+              <a:defRPr/>
+            </a:pPr>
+            <a:endParaRPr kumimoji="0" lang="en-US" altLang="zh-TW" sz="2400" b="0" i="0" u="none" strike="noStrike" kern="1200" cap="none" spc="0" normalizeH="0" baseline="0" noProof="0" dirty="0" smtClean="0">
+              <a:ln>
+                <a:noFill/>
+              </a:ln>
+              <a:solidFill>
+                <a:schemeClr val="tx1"/>
+              </a:solidFill>
+              <a:effectLst/>
+              <a:uLnTx/>
+              <a:uFillTx/>
+              <a:latin typeface="+mn-lt"/>
+              <a:ea typeface="+mn-ea"/>
+              <a:cs typeface="+mn-cs"/>
+            </a:endParaRPr>
+          </a:p>
+          <a:p>
+            <a:pPr marL="742950" marR="0" lvl="1" algn="l" defTabSz="457200" rtl="0" eaLnBrk="1" fontAlgn="auto" latinLnBrk="0" hangingPunct="1">
+              <a:lnSpc>
+                <a:spcPct val="100000"/>
+              </a:lnSpc>
+              <a:spcBef>
+                <a:spcPct val="20000"/>
+              </a:spcBef>
+              <a:spcAft>
+                <a:spcPts val="0"/>
+              </a:spcAft>
+              <a:buClrTx/>
+              <a:buSzTx/>
+              <a:tabLst/>
+              <a:defRPr/>
+            </a:pPr>
+            <a:endParaRPr lang="en-US" altLang="zh-TW" sz="2400" dirty="0" smtClean="0"/>
+          </a:p>
+          <a:p>
+            <a:pPr marL="1200150" marR="0" lvl="1" indent="-457200" algn="l" defTabSz="457200" rtl="0" eaLnBrk="1" fontAlgn="auto" latinLnBrk="0" hangingPunct="1">
+              <a:lnSpc>
+                <a:spcPct val="100000"/>
+              </a:lnSpc>
+              <a:spcBef>
+                <a:spcPct val="20000"/>
+              </a:spcBef>
+              <a:spcAft>
+                <a:spcPts val="0"/>
+              </a:spcAft>
+              <a:buClrTx/>
+              <a:buSzTx/>
+              <a:buFont typeface="Wingdings" pitchFamily="2" charset="2"/>
+              <a:buChar char="l"/>
+              <a:tabLst/>
+              <a:defRPr/>
+            </a:pPr>
+            <a:endParaRPr kumimoji="0" lang="en-US" altLang="zh-TW" sz="2400" b="0" i="0" u="none" strike="noStrike" kern="1200" cap="none" spc="0" normalizeH="0" baseline="0" noProof="0" dirty="0" smtClean="0">
+              <a:ln>
+                <a:noFill/>
+              </a:ln>
+              <a:solidFill>
+                <a:schemeClr val="tx1"/>
+              </a:solidFill>
+              <a:effectLst/>
+              <a:uLnTx/>
+              <a:uFillTx/>
+              <a:latin typeface="+mn-lt"/>
+              <a:ea typeface="+mn-ea"/>
+              <a:cs typeface="+mn-cs"/>
+            </a:endParaRPr>
+          </a:p>
+          <a:p>
+            <a:pPr marL="1200150" marR="0" lvl="1" indent="-457200" algn="l" defTabSz="457200" rtl="0" eaLnBrk="1" fontAlgn="auto" latinLnBrk="0" hangingPunct="1">
+              <a:lnSpc>
+                <a:spcPct val="100000"/>
+              </a:lnSpc>
+              <a:spcBef>
+                <a:spcPct val="20000"/>
+              </a:spcBef>
+              <a:spcAft>
+                <a:spcPts val="0"/>
+              </a:spcAft>
+              <a:buClrTx/>
+              <a:buSzTx/>
+              <a:buFont typeface="Wingdings" pitchFamily="2" charset="2"/>
+              <a:buChar char="l"/>
+              <a:tabLst/>
+              <a:defRPr/>
+            </a:pPr>
+            <a:endParaRPr kumimoji="0" lang="en-US" altLang="zh-TW" sz="2400" b="0" i="0" u="none" strike="noStrike" kern="1200" cap="none" spc="0" normalizeH="0" baseline="0" noProof="0" dirty="0" smtClean="0">
+              <a:ln>
+                <a:noFill/>
+              </a:ln>
+              <a:solidFill>
+                <a:schemeClr val="tx1"/>
+              </a:solidFill>
+              <a:effectLst/>
+              <a:uLnTx/>
+              <a:uFillTx/>
+              <a:latin typeface="Arial"/>
+              <a:ea typeface="+mn-ea"/>
+              <a:cs typeface="+mn-cs"/>
+            </a:endParaRPr>
+          </a:p>
+        </p:txBody>
+      </p:sp>
+      <p:sp>
+        <p:nvSpPr>
+          <p:cNvPr id="23" name="圓角矩形 22"/>
+          <p:cNvSpPr/>
+          <p:nvPr/>
+        </p:nvSpPr>
+        <p:spPr>
+          <a:xfrm>
+            <a:off x="228599" y="2145890"/>
+            <a:ext cx="1755058" cy="183627"/>
+          </a:xfrm>
+          <a:prstGeom prst="roundRect">
+            <a:avLst/>
+          </a:prstGeom>
+          <a:solidFill>
+            <a:srgbClr val="FFFF00"/>
+          </a:solidFill>
+          <a:effectLst/>
+        </p:spPr>
+        <p:style>
+          <a:lnRef idx="1">
+            <a:schemeClr val="accent6"/>
+          </a:lnRef>
+          <a:fillRef idx="3">
+            <a:schemeClr val="accent6"/>
+          </a:fillRef>
+          <a:effectRef idx="2">
+            <a:schemeClr val="accent6"/>
+          </a:effectRef>
+          <a:fontRef idx="minor">
+            <a:schemeClr val="lt1"/>
+          </a:fontRef>
+        </p:style>
+        <p:txBody>
+          <a:bodyPr rtlCol="0" anchor="ctr"/>
+          <a:lstStyle/>
+          <a:p>
+            <a:pPr algn="ctr"/>
+            <a:r>
+              <a:rPr lang="en-US" altLang="zh-TW" dirty="0" smtClean="0">
+                <a:solidFill>
+                  <a:schemeClr val="tx1"/>
+                </a:solidFill>
+              </a:rPr>
+              <a:t>Bananas</a:t>
+            </a:r>
+            <a:endParaRPr lang="zh-TW" altLang="en-US" dirty="0">
+              <a:solidFill>
+                <a:schemeClr val="tx1"/>
+              </a:solidFill>
+            </a:endParaRPr>
+          </a:p>
+        </p:txBody>
+      </p:sp>
+      <p:sp>
+        <p:nvSpPr>
+          <p:cNvPr id="28" name="圓角矩形 27"/>
+          <p:cNvSpPr/>
+          <p:nvPr/>
+        </p:nvSpPr>
+        <p:spPr>
+          <a:xfrm>
+            <a:off x="228598" y="4184395"/>
+            <a:ext cx="1755059" cy="183627"/>
+          </a:xfrm>
+          <a:prstGeom prst="roundRect">
+            <a:avLst/>
+          </a:prstGeom>
+          <a:solidFill>
+            <a:srgbClr val="FF66FF"/>
+          </a:solidFill>
+          <a:ln>
+            <a:solidFill>
+              <a:srgbClr val="FF66FF"/>
+            </a:solidFill>
+          </a:ln>
+        </p:spPr>
+        <p:style>
+          <a:lnRef idx="1">
+            <a:schemeClr val="accent6"/>
+          </a:lnRef>
+          <a:fillRef idx="3">
+            <a:schemeClr val="accent6"/>
+          </a:fillRef>
+          <a:effectRef idx="2">
+            <a:schemeClr val="accent6"/>
+          </a:effectRef>
+          <a:fontRef idx="minor">
+            <a:schemeClr val="lt1"/>
+          </a:fontRef>
+        </p:style>
+        <p:txBody>
+          <a:bodyPr rtlCol="0" anchor="ctr"/>
+          <a:lstStyle/>
+          <a:p>
+            <a:pPr algn="ctr"/>
+            <a:r>
+              <a:rPr lang="en-US" altLang="zh-TW" dirty="0">
+                <a:solidFill>
+                  <a:schemeClr val="tx1"/>
+                </a:solidFill>
+              </a:rPr>
+              <a:t>Non-bananas</a:t>
+            </a:r>
+            <a:endParaRPr lang="zh-TW" altLang="en-US" dirty="0">
+              <a:solidFill>
+                <a:schemeClr val="tx1"/>
+              </a:solidFill>
+            </a:endParaRPr>
+          </a:p>
+        </p:txBody>
+      </p:sp>
+    </p:spTree>
+    <p:extLst>
+      <p:ext uri="{BB962C8B-B14F-4D97-AF65-F5344CB8AC3E}">
+        <p14:creationId xmlns:p14="http://schemas.microsoft.com/office/powerpoint/2010/main" val="331047021"/>
+      </p:ext>
+    </p:extLst>
+  </p:cSld>
+  <p:clrMapOvr>
+    <a:masterClrMapping/>
+  </p:clrMapOvr>
+  <p:timing>
+    <p:tnLst>
+      <p:par>
+        <p:cTn id="1" dur="indefinite" restart="never" nodeType="tmRoot"/>
+      </p:par>
+    </p:tnLst>
+  </p:timing>
+</p:sld>
+</file>
+
+<file path=ppt/slides/slide30.xml><?xml version="1.0" encoding="utf-8"?>
 <p:sld xmlns:a="http://schemas.openxmlformats.org/drawingml/2006/main" xmlns:r="http://schemas.openxmlformats.org/officeDocument/2006/relationships" xmlns:p="http://schemas.openxmlformats.org/presentationml/2006/main">
   <p:cSld>
     <p:spTree>
@@ -22704,7 +23739,7 @@
     </p:spTree>
     <p:extLst>
       <p:ext uri="{BB962C8B-B14F-4D97-AF65-F5344CB8AC3E}">
-        <p14:creationId xmlns:p14="http://schemas.microsoft.com/office/powerpoint/2010/main" xmlns="" val="2084848250"/>
+        <p14:creationId xmlns:p14="http://schemas.microsoft.com/office/powerpoint/2010/main" val="2084848250"/>
       </p:ext>
     </p:extLst>
   </p:cSld>
@@ -22877,7 +23912,7 @@
 </p:sld>
 </file>
 
-<file path=ppt/slides/slide33.xml><?xml version="1.0" encoding="utf-8"?>
+<file path=ppt/slides/slide31.xml><?xml version="1.0" encoding="utf-8"?>
 <p:sld xmlns:a="http://schemas.openxmlformats.org/drawingml/2006/main" xmlns:r="http://schemas.openxmlformats.org/officeDocument/2006/relationships" xmlns:p="http://schemas.openxmlformats.org/presentationml/2006/main">
   <p:cSld>
     <p:spTree>
@@ -23162,7 +24197,7 @@
     </p:spTree>
     <p:extLst>
       <p:ext uri="{BB962C8B-B14F-4D97-AF65-F5344CB8AC3E}">
-        <p14:creationId xmlns:p14="http://schemas.microsoft.com/office/powerpoint/2010/main" xmlns="" val="245424832"/>
+        <p14:creationId xmlns:p14="http://schemas.microsoft.com/office/powerpoint/2010/main" val="245424832"/>
       </p:ext>
     </p:extLst>
   </p:cSld>
@@ -23179,7 +24214,7 @@
 </p:sld>
 </file>
 
-<file path=ppt/slides/slide34.xml><?xml version="1.0" encoding="utf-8"?>
+<file path=ppt/slides/slide32.xml><?xml version="1.0" encoding="utf-8"?>
 <p:sld xmlns:a="http://schemas.openxmlformats.org/drawingml/2006/main" xmlns:r="http://schemas.openxmlformats.org/officeDocument/2006/relationships" xmlns:p="http://schemas.openxmlformats.org/presentationml/2006/main">
   <p:cSld>
     <p:spTree>
@@ -23609,7 +24644,7 @@
     </p:spTree>
     <p:extLst>
       <p:ext uri="{BB962C8B-B14F-4D97-AF65-F5344CB8AC3E}">
-        <p14:creationId xmlns:p14="http://schemas.microsoft.com/office/powerpoint/2010/main" xmlns="" val="1692470345"/>
+        <p14:creationId xmlns:p14="http://schemas.microsoft.com/office/powerpoint/2010/main" val="1692470345"/>
       </p:ext>
     </p:extLst>
   </p:cSld>
@@ -24496,7 +25531,7 @@
 </p:sld>
 </file>
 
-<file path=ppt/slides/slide35.xml><?xml version="1.0" encoding="utf-8"?>
+<file path=ppt/slides/slide33.xml><?xml version="1.0" encoding="utf-8"?>
 <p:sld xmlns:a="http://schemas.openxmlformats.org/drawingml/2006/main" xmlns:r="http://schemas.openxmlformats.org/officeDocument/2006/relationships" xmlns:p="http://schemas.openxmlformats.org/presentationml/2006/main">
   <p:cSld>
     <p:spTree>
@@ -37871,7 +38906,7 @@
     </p:spTree>
     <p:extLst>
       <p:ext uri="{BB962C8B-B14F-4D97-AF65-F5344CB8AC3E}">
-        <p14:creationId xmlns:p14="http://schemas.microsoft.com/office/powerpoint/2010/main" xmlns="" val="1404139195"/>
+        <p14:creationId xmlns:p14="http://schemas.microsoft.com/office/powerpoint/2010/main" val="1404139195"/>
       </p:ext>
     </p:extLst>
   </p:cSld>
@@ -38097,7 +39132,7 @@
           <a:blip r:embed="rId3">
             <a:extLst>
               <a:ext uri="{28A0092B-C50C-407E-A947-70E740481C1C}">
-                <a14:useLocalDpi xmlns:a14="http://schemas.microsoft.com/office/drawing/2010/main" xmlns="" val="0"/>
+                <a14:useLocalDpi xmlns:a14="http://schemas.microsoft.com/office/drawing/2010/main" val="0"/>
               </a:ext>
             </a:extLst>
           </a:blip>
@@ -38127,7 +39162,7 @@
           <a:blip r:embed="rId4">
             <a:extLst>
               <a:ext uri="{28A0092B-C50C-407E-A947-70E740481C1C}">
-                <a14:useLocalDpi xmlns:a14="http://schemas.microsoft.com/office/drawing/2010/main" xmlns="" val="0"/>
+                <a14:useLocalDpi xmlns:a14="http://schemas.microsoft.com/office/drawing/2010/main" val="0"/>
               </a:ext>
             </a:extLst>
           </a:blip>
@@ -38157,7 +39192,7 @@
           <a:blip r:embed="rId5">
             <a:extLst>
               <a:ext uri="{28A0092B-C50C-407E-A947-70E740481C1C}">
-                <a14:useLocalDpi xmlns:a14="http://schemas.microsoft.com/office/drawing/2010/main" xmlns="" val="0"/>
+                <a14:useLocalDpi xmlns:a14="http://schemas.microsoft.com/office/drawing/2010/main" val="0"/>
               </a:ext>
             </a:extLst>
           </a:blip>
@@ -38187,7 +39222,7 @@
           <a:blip r:embed="rId6">
             <a:extLst>
               <a:ext uri="{28A0092B-C50C-407E-A947-70E740481C1C}">
-                <a14:useLocalDpi xmlns:a14="http://schemas.microsoft.com/office/drawing/2010/main" xmlns="" val="0"/>
+                <a14:useLocalDpi xmlns:a14="http://schemas.microsoft.com/office/drawing/2010/main" val="0"/>
               </a:ext>
             </a:extLst>
           </a:blip>
@@ -38217,7 +39252,7 @@
           <a:blip r:embed="rId7">
             <a:extLst>
               <a:ext uri="{28A0092B-C50C-407E-A947-70E740481C1C}">
-                <a14:useLocalDpi xmlns:a14="http://schemas.microsoft.com/office/drawing/2010/main" xmlns="" val="0"/>
+                <a14:useLocalDpi xmlns:a14="http://schemas.microsoft.com/office/drawing/2010/main" val="0"/>
               </a:ext>
             </a:extLst>
           </a:blip>
@@ -38247,7 +39282,7 @@
           <a:blip r:embed="rId8">
             <a:extLst>
               <a:ext uri="{28A0092B-C50C-407E-A947-70E740481C1C}">
-                <a14:useLocalDpi xmlns:a14="http://schemas.microsoft.com/office/drawing/2010/main" xmlns="" val="0"/>
+                <a14:useLocalDpi xmlns:a14="http://schemas.microsoft.com/office/drawing/2010/main" val="0"/>
               </a:ext>
             </a:extLst>
           </a:blip>
@@ -38277,7 +39312,7 @@
           <a:blip r:embed="rId9">
             <a:extLst>
               <a:ext uri="{28A0092B-C50C-407E-A947-70E740481C1C}">
-                <a14:useLocalDpi xmlns:a14="http://schemas.microsoft.com/office/drawing/2010/main" xmlns="" val="0"/>
+                <a14:useLocalDpi xmlns:a14="http://schemas.microsoft.com/office/drawing/2010/main" val="0"/>
               </a:ext>
             </a:extLst>
           </a:blip>
@@ -38307,7 +39342,7 @@
           <a:blip r:embed="rId10">
             <a:extLst>
               <a:ext uri="{28A0092B-C50C-407E-A947-70E740481C1C}">
-                <a14:useLocalDpi xmlns:a14="http://schemas.microsoft.com/office/drawing/2010/main" xmlns="" val="0"/>
+                <a14:useLocalDpi xmlns:a14="http://schemas.microsoft.com/office/drawing/2010/main" val="0"/>
               </a:ext>
             </a:extLst>
           </a:blip>
@@ -38337,7 +39372,7 @@
           <a:blip r:embed="rId11">
             <a:extLst>
               <a:ext uri="{28A0092B-C50C-407E-A947-70E740481C1C}">
-                <a14:useLocalDpi xmlns:a14="http://schemas.microsoft.com/office/drawing/2010/main" xmlns="" val="0"/>
+                <a14:useLocalDpi xmlns:a14="http://schemas.microsoft.com/office/drawing/2010/main" val="0"/>
               </a:ext>
             </a:extLst>
           </a:blip>
@@ -38828,7 +39863,7 @@
           <a:blip r:embed="rId12">
             <a:extLst>
               <a:ext uri="{28A0092B-C50C-407E-A947-70E740481C1C}">
-                <a14:useLocalDpi xmlns:a14="http://schemas.microsoft.com/office/drawing/2010/main" xmlns="" val="0"/>
+                <a14:useLocalDpi xmlns:a14="http://schemas.microsoft.com/office/drawing/2010/main" val="0"/>
               </a:ext>
             </a:extLst>
           </a:blip>
@@ -38849,7 +39884,7 @@
     </p:spTree>
     <p:extLst>
       <p:ext uri="{BB962C8B-B14F-4D97-AF65-F5344CB8AC3E}">
-        <p14:creationId xmlns:p14="http://schemas.microsoft.com/office/powerpoint/2010/main" xmlns="" val="4197745775"/>
+        <p14:creationId xmlns:p14="http://schemas.microsoft.com/office/powerpoint/2010/main" val="4197745775"/>
       </p:ext>
     </p:extLst>
   </p:cSld>
@@ -39068,7 +40103,7 @@
           <a:blip r:embed="rId3">
             <a:extLst>
               <a:ext uri="{28A0092B-C50C-407E-A947-70E740481C1C}">
-                <a14:useLocalDpi xmlns:a14="http://schemas.microsoft.com/office/drawing/2010/main" xmlns="" val="0"/>
+                <a14:useLocalDpi xmlns:a14="http://schemas.microsoft.com/office/drawing/2010/main" val="0"/>
               </a:ext>
             </a:extLst>
           </a:blip>
@@ -39098,7 +40133,7 @@
           <a:blip r:embed="rId4">
             <a:extLst>
               <a:ext uri="{28A0092B-C50C-407E-A947-70E740481C1C}">
-                <a14:useLocalDpi xmlns:a14="http://schemas.microsoft.com/office/drawing/2010/main" xmlns="" val="0"/>
+                <a14:useLocalDpi xmlns:a14="http://schemas.microsoft.com/office/drawing/2010/main" val="0"/>
               </a:ext>
             </a:extLst>
           </a:blip>
@@ -39128,7 +40163,7 @@
           <a:blip r:embed="rId5">
             <a:extLst>
               <a:ext uri="{28A0092B-C50C-407E-A947-70E740481C1C}">
-                <a14:useLocalDpi xmlns:a14="http://schemas.microsoft.com/office/drawing/2010/main" xmlns="" val="0"/>
+                <a14:useLocalDpi xmlns:a14="http://schemas.microsoft.com/office/drawing/2010/main" val="0"/>
               </a:ext>
             </a:extLst>
           </a:blip>
@@ -39158,7 +40193,7 @@
           <a:blip r:embed="rId6">
             <a:extLst>
               <a:ext uri="{28A0092B-C50C-407E-A947-70E740481C1C}">
-                <a14:useLocalDpi xmlns:a14="http://schemas.microsoft.com/office/drawing/2010/main" xmlns="" val="0"/>
+                <a14:useLocalDpi xmlns:a14="http://schemas.microsoft.com/office/drawing/2010/main" val="0"/>
               </a:ext>
             </a:extLst>
           </a:blip>
@@ -39188,7 +40223,7 @@
           <a:blip r:embed="rId7">
             <a:extLst>
               <a:ext uri="{28A0092B-C50C-407E-A947-70E740481C1C}">
-                <a14:useLocalDpi xmlns:a14="http://schemas.microsoft.com/office/drawing/2010/main" xmlns="" val="0"/>
+                <a14:useLocalDpi xmlns:a14="http://schemas.microsoft.com/office/drawing/2010/main" val="0"/>
               </a:ext>
             </a:extLst>
           </a:blip>
@@ -39218,7 +40253,7 @@
           <a:blip r:embed="rId8">
             <a:extLst>
               <a:ext uri="{28A0092B-C50C-407E-A947-70E740481C1C}">
-                <a14:useLocalDpi xmlns:a14="http://schemas.microsoft.com/office/drawing/2010/main" xmlns="" val="0"/>
+                <a14:useLocalDpi xmlns:a14="http://schemas.microsoft.com/office/drawing/2010/main" val="0"/>
               </a:ext>
             </a:extLst>
           </a:blip>
@@ -39248,7 +40283,7 @@
           <a:blip r:embed="rId9">
             <a:extLst>
               <a:ext uri="{28A0092B-C50C-407E-A947-70E740481C1C}">
-                <a14:useLocalDpi xmlns:a14="http://schemas.microsoft.com/office/drawing/2010/main" xmlns="" val="0"/>
+                <a14:useLocalDpi xmlns:a14="http://schemas.microsoft.com/office/drawing/2010/main" val="0"/>
               </a:ext>
             </a:extLst>
           </a:blip>
@@ -39278,7 +40313,7 @@
           <a:blip r:embed="rId10">
             <a:extLst>
               <a:ext uri="{28A0092B-C50C-407E-A947-70E740481C1C}">
-                <a14:useLocalDpi xmlns:a14="http://schemas.microsoft.com/office/drawing/2010/main" xmlns="" val="0"/>
+                <a14:useLocalDpi xmlns:a14="http://schemas.microsoft.com/office/drawing/2010/main" val="0"/>
               </a:ext>
             </a:extLst>
           </a:blip>
@@ -39308,7 +40343,7 @@
           <a:blip r:embed="rId11">
             <a:extLst>
               <a:ext uri="{28A0092B-C50C-407E-A947-70E740481C1C}">
-                <a14:useLocalDpi xmlns:a14="http://schemas.microsoft.com/office/drawing/2010/main" xmlns="" val="0"/>
+                <a14:useLocalDpi xmlns:a14="http://schemas.microsoft.com/office/drawing/2010/main" val="0"/>
               </a:ext>
             </a:extLst>
           </a:blip>
@@ -39338,7 +40373,7 @@
           <a:blip r:embed="rId12">
             <a:extLst>
               <a:ext uri="{28A0092B-C50C-407E-A947-70E740481C1C}">
-                <a14:useLocalDpi xmlns:a14="http://schemas.microsoft.com/office/drawing/2010/main" xmlns="" val="0"/>
+                <a14:useLocalDpi xmlns:a14="http://schemas.microsoft.com/office/drawing/2010/main" val="0"/>
               </a:ext>
             </a:extLst>
           </a:blip>
@@ -39877,7 +40912,7 @@
     </p:spTree>
     <p:extLst>
       <p:ext uri="{BB962C8B-B14F-4D97-AF65-F5344CB8AC3E}">
-        <p14:creationId xmlns:p14="http://schemas.microsoft.com/office/powerpoint/2010/main" xmlns="" val="2177871844"/>
+        <p14:creationId xmlns:p14="http://schemas.microsoft.com/office/powerpoint/2010/main" val="2177871844"/>
       </p:ext>
     </p:extLst>
   </p:cSld>
@@ -40155,7 +41190,7 @@
           <a:blip r:embed="rId3">
             <a:extLst>
               <a:ext uri="{28A0092B-C50C-407E-A947-70E740481C1C}">
-                <a14:useLocalDpi xmlns:a14="http://schemas.microsoft.com/office/drawing/2010/main" xmlns="" val="0"/>
+                <a14:useLocalDpi xmlns:a14="http://schemas.microsoft.com/office/drawing/2010/main" val="0"/>
               </a:ext>
             </a:extLst>
           </a:blip>
@@ -40185,7 +41220,7 @@
           <a:blip r:embed="rId4">
             <a:extLst>
               <a:ext uri="{28A0092B-C50C-407E-A947-70E740481C1C}">
-                <a14:useLocalDpi xmlns:a14="http://schemas.microsoft.com/office/drawing/2010/main" xmlns="" val="0"/>
+                <a14:useLocalDpi xmlns:a14="http://schemas.microsoft.com/office/drawing/2010/main" val="0"/>
               </a:ext>
             </a:extLst>
           </a:blip>
@@ -40215,7 +41250,7 @@
           <a:blip r:embed="rId5">
             <a:extLst>
               <a:ext uri="{28A0092B-C50C-407E-A947-70E740481C1C}">
-                <a14:useLocalDpi xmlns:a14="http://schemas.microsoft.com/office/drawing/2010/main" xmlns="" val="0"/>
+                <a14:useLocalDpi xmlns:a14="http://schemas.microsoft.com/office/drawing/2010/main" val="0"/>
               </a:ext>
             </a:extLst>
           </a:blip>
@@ -40245,7 +41280,7 @@
           <a:blip r:embed="rId6">
             <a:extLst>
               <a:ext uri="{28A0092B-C50C-407E-A947-70E740481C1C}">
-                <a14:useLocalDpi xmlns:a14="http://schemas.microsoft.com/office/drawing/2010/main" xmlns="" val="0"/>
+                <a14:useLocalDpi xmlns:a14="http://schemas.microsoft.com/office/drawing/2010/main" val="0"/>
               </a:ext>
             </a:extLst>
           </a:blip>
@@ -40275,7 +41310,7 @@
           <a:blip r:embed="rId7">
             <a:extLst>
               <a:ext uri="{28A0092B-C50C-407E-A947-70E740481C1C}">
-                <a14:useLocalDpi xmlns:a14="http://schemas.microsoft.com/office/drawing/2010/main" xmlns="" val="0"/>
+                <a14:useLocalDpi xmlns:a14="http://schemas.microsoft.com/office/drawing/2010/main" val="0"/>
               </a:ext>
             </a:extLst>
           </a:blip>
@@ -40305,7 +41340,7 @@
           <a:blip r:embed="rId8">
             <a:extLst>
               <a:ext uri="{28A0092B-C50C-407E-A947-70E740481C1C}">
-                <a14:useLocalDpi xmlns:a14="http://schemas.microsoft.com/office/drawing/2010/main" xmlns="" val="0"/>
+                <a14:useLocalDpi xmlns:a14="http://schemas.microsoft.com/office/drawing/2010/main" val="0"/>
               </a:ext>
             </a:extLst>
           </a:blip>
@@ -40335,7 +41370,7 @@
           <a:blip r:embed="rId9">
             <a:extLst>
               <a:ext uri="{28A0092B-C50C-407E-A947-70E740481C1C}">
-                <a14:useLocalDpi xmlns:a14="http://schemas.microsoft.com/office/drawing/2010/main" xmlns="" val="0"/>
+                <a14:useLocalDpi xmlns:a14="http://schemas.microsoft.com/office/drawing/2010/main" val="0"/>
               </a:ext>
             </a:extLst>
           </a:blip>
@@ -40365,7 +41400,7 @@
           <a:blip r:embed="rId10">
             <a:extLst>
               <a:ext uri="{28A0092B-C50C-407E-A947-70E740481C1C}">
-                <a14:useLocalDpi xmlns:a14="http://schemas.microsoft.com/office/drawing/2010/main" xmlns="" val="0"/>
+                <a14:useLocalDpi xmlns:a14="http://schemas.microsoft.com/office/drawing/2010/main" val="0"/>
               </a:ext>
             </a:extLst>
           </a:blip>
@@ -40395,7 +41430,7 @@
           <a:blip r:embed="rId11">
             <a:extLst>
               <a:ext uri="{28A0092B-C50C-407E-A947-70E740481C1C}">
-                <a14:useLocalDpi xmlns:a14="http://schemas.microsoft.com/office/drawing/2010/main" xmlns="" val="0"/>
+                <a14:useLocalDpi xmlns:a14="http://schemas.microsoft.com/office/drawing/2010/main" val="0"/>
               </a:ext>
             </a:extLst>
           </a:blip>
@@ -40425,7 +41460,7 @@
           <a:blip r:embed="rId12">
             <a:extLst>
               <a:ext uri="{28A0092B-C50C-407E-A947-70E740481C1C}">
-                <a14:useLocalDpi xmlns:a14="http://schemas.microsoft.com/office/drawing/2010/main" xmlns="" val="0"/>
+                <a14:useLocalDpi xmlns:a14="http://schemas.microsoft.com/office/drawing/2010/main" val="0"/>
               </a:ext>
             </a:extLst>
           </a:blip>
@@ -40829,7 +41864,7 @@
     </p:spTree>
     <p:extLst>
       <p:ext uri="{BB962C8B-B14F-4D97-AF65-F5344CB8AC3E}">
-        <p14:creationId xmlns:p14="http://schemas.microsoft.com/office/powerpoint/2010/main" xmlns="" val="3530788607"/>
+        <p14:creationId xmlns:p14="http://schemas.microsoft.com/office/powerpoint/2010/main" val="3530788607"/>
       </p:ext>
     </p:extLst>
   </p:cSld>
@@ -41020,7 +42055,7 @@
           <a:blip r:embed="rId3">
             <a:extLst>
               <a:ext uri="{28A0092B-C50C-407E-A947-70E740481C1C}">
-                <a14:useLocalDpi xmlns:a14="http://schemas.microsoft.com/office/drawing/2010/main" xmlns="" val="0"/>
+                <a14:useLocalDpi xmlns:a14="http://schemas.microsoft.com/office/drawing/2010/main" val="0"/>
               </a:ext>
             </a:extLst>
           </a:blip>
@@ -41050,7 +42085,7 @@
           <a:blip r:embed="rId4">
             <a:extLst>
               <a:ext uri="{28A0092B-C50C-407E-A947-70E740481C1C}">
-                <a14:useLocalDpi xmlns:a14="http://schemas.microsoft.com/office/drawing/2010/main" xmlns="" val="0"/>
+                <a14:useLocalDpi xmlns:a14="http://schemas.microsoft.com/office/drawing/2010/main" val="0"/>
               </a:ext>
             </a:extLst>
           </a:blip>
@@ -41080,7 +42115,7 @@
           <a:blip r:embed="rId5">
             <a:extLst>
               <a:ext uri="{28A0092B-C50C-407E-A947-70E740481C1C}">
-                <a14:useLocalDpi xmlns:a14="http://schemas.microsoft.com/office/drawing/2010/main" xmlns="" val="0"/>
+                <a14:useLocalDpi xmlns:a14="http://schemas.microsoft.com/office/drawing/2010/main" val="0"/>
               </a:ext>
             </a:extLst>
           </a:blip>
@@ -41110,7 +42145,7 @@
           <a:blip r:embed="rId6">
             <a:extLst>
               <a:ext uri="{28A0092B-C50C-407E-A947-70E740481C1C}">
-                <a14:useLocalDpi xmlns:a14="http://schemas.microsoft.com/office/drawing/2010/main" xmlns="" val="0"/>
+                <a14:useLocalDpi xmlns:a14="http://schemas.microsoft.com/office/drawing/2010/main" val="0"/>
               </a:ext>
             </a:extLst>
           </a:blip>
@@ -41140,7 +42175,7 @@
           <a:blip r:embed="rId7">
             <a:extLst>
               <a:ext uri="{28A0092B-C50C-407E-A947-70E740481C1C}">
-                <a14:useLocalDpi xmlns:a14="http://schemas.microsoft.com/office/drawing/2010/main" xmlns="" val="0"/>
+                <a14:useLocalDpi xmlns:a14="http://schemas.microsoft.com/office/drawing/2010/main" val="0"/>
               </a:ext>
             </a:extLst>
           </a:blip>
@@ -41170,7 +42205,7 @@
           <a:blip r:embed="rId8">
             <a:extLst>
               <a:ext uri="{28A0092B-C50C-407E-A947-70E740481C1C}">
-                <a14:useLocalDpi xmlns:a14="http://schemas.microsoft.com/office/drawing/2010/main" xmlns="" val="0"/>
+                <a14:useLocalDpi xmlns:a14="http://schemas.microsoft.com/office/drawing/2010/main" val="0"/>
               </a:ext>
             </a:extLst>
           </a:blip>
@@ -41200,7 +42235,7 @@
           <a:blip r:embed="rId9">
             <a:extLst>
               <a:ext uri="{28A0092B-C50C-407E-A947-70E740481C1C}">
-                <a14:useLocalDpi xmlns:a14="http://schemas.microsoft.com/office/drawing/2010/main" xmlns="" val="0"/>
+                <a14:useLocalDpi xmlns:a14="http://schemas.microsoft.com/office/drawing/2010/main" val="0"/>
               </a:ext>
             </a:extLst>
           </a:blip>
@@ -41230,7 +42265,7 @@
           <a:blip r:embed="rId10">
             <a:extLst>
               <a:ext uri="{28A0092B-C50C-407E-A947-70E740481C1C}">
-                <a14:useLocalDpi xmlns:a14="http://schemas.microsoft.com/office/drawing/2010/main" xmlns="" val="0"/>
+                <a14:useLocalDpi xmlns:a14="http://schemas.microsoft.com/office/drawing/2010/main" val="0"/>
               </a:ext>
             </a:extLst>
           </a:blip>
@@ -41260,7 +42295,7 @@
           <a:blip r:embed="rId11">
             <a:extLst>
               <a:ext uri="{28A0092B-C50C-407E-A947-70E740481C1C}">
-                <a14:useLocalDpi xmlns:a14="http://schemas.microsoft.com/office/drawing/2010/main" xmlns="" val="0"/>
+                <a14:useLocalDpi xmlns:a14="http://schemas.microsoft.com/office/drawing/2010/main" val="0"/>
               </a:ext>
             </a:extLst>
           </a:blip>
@@ -41290,7 +42325,7 @@
           <a:blip r:embed="rId12">
             <a:extLst>
               <a:ext uri="{28A0092B-C50C-407E-A947-70E740481C1C}">
-                <a14:useLocalDpi xmlns:a14="http://schemas.microsoft.com/office/drawing/2010/main" xmlns="" val="0"/>
+                <a14:useLocalDpi xmlns:a14="http://schemas.microsoft.com/office/drawing/2010/main" val="0"/>
               </a:ext>
             </a:extLst>
           </a:blip>
@@ -41604,7 +42639,7 @@
     </p:spTree>
     <p:extLst>
       <p:ext uri="{BB962C8B-B14F-4D97-AF65-F5344CB8AC3E}">
-        <p14:creationId xmlns:p14="http://schemas.microsoft.com/office/powerpoint/2010/main" xmlns="" val="4185847747"/>
+        <p14:creationId xmlns:p14="http://schemas.microsoft.com/office/powerpoint/2010/main" val="4185847747"/>
       </p:ext>
     </p:extLst>
   </p:cSld>
@@ -42349,7 +43384,7 @@
     </p:spTree>
     <p:extLst>
       <p:ext uri="{BB962C8B-B14F-4D97-AF65-F5344CB8AC3E}">
-        <p14:creationId xmlns:p14="http://schemas.microsoft.com/office/powerpoint/2010/main" xmlns="" val="3474538235"/>
+        <p14:creationId xmlns:p14="http://schemas.microsoft.com/office/powerpoint/2010/main" val="3474538235"/>
       </p:ext>
     </p:extLst>
   </p:cSld>
@@ -42955,7 +43990,7 @@
     </p:spTree>
     <p:extLst>
       <p:ext uri="{BB962C8B-B14F-4D97-AF65-F5344CB8AC3E}">
-        <p14:creationId xmlns:p14="http://schemas.microsoft.com/office/powerpoint/2010/main" xmlns="" val="2269060780"/>
+        <p14:creationId xmlns:p14="http://schemas.microsoft.com/office/powerpoint/2010/main" val="2269060780"/>
       </p:ext>
     </p:extLst>
   </p:cSld>
@@ -44252,6 +45287,15 @@
 </file>
 
 <file path=customXml/item1.xml><?xml version="1.0" encoding="utf-8"?>
+<?mso-contentType ?>
+<FormTemplates xmlns="http://schemas.microsoft.com/sharepoint/v3/contenttype/forms">
+  <Display>DocumentLibraryForm</Display>
+  <Edit>DocumentLibraryForm</Edit>
+  <New>DocumentLibraryForm</New>
+</FormTemplates>
+</file>
+
+<file path=customXml/item2.xml><?xml version="1.0" encoding="utf-8"?>
 <ct:contentTypeSchema xmlns:ct="http://schemas.microsoft.com/office/2006/metadata/contentType" xmlns:ma="http://schemas.microsoft.com/office/2006/metadata/properties/metaAttributes" ct:_="" ma:_="" ma:contentTypeName="文件" ma:contentTypeID="0x0101000CB458D5399432479E0BB962A3AC807C" ma:contentTypeVersion="1" ma:contentTypeDescription="建立新的文件。" ma:contentTypeScope="" ma:versionID="2090fcdc2e9aae8469eabc8d31b189fb">
   <xsd:schema xmlns:xsd="http://www.w3.org/2001/XMLSchema" xmlns:xs="http://www.w3.org/2001/XMLSchema" xmlns:p="http://schemas.microsoft.com/office/2006/metadata/properties" xmlns:ns2="24ac9ee2-1f69-49ec-81c1-d01c86227436" targetNamespace="http://schemas.microsoft.com/office/2006/metadata/properties" ma:root="true" ma:fieldsID="3ada4ee18b918396c161ab8726fa03da" ns2:_="">
     <xsd:import namespace="24ac9ee2-1f69-49ec-81c1-d01c86227436"/>
@@ -44382,15 +45426,6 @@
 </ct:contentTypeSchema>
 </file>
 
-<file path=customXml/item2.xml><?xml version="1.0" encoding="utf-8"?>
-<?mso-contentType ?>
-<FormTemplates xmlns="http://schemas.microsoft.com/sharepoint/v3/contenttype/forms">
-  <Display>DocumentLibraryForm</Display>
-  <Edit>DocumentLibraryForm</Edit>
-  <New>DocumentLibraryForm</New>
-</FormTemplates>
-</file>
-
 <file path=customXml/item3.xml><?xml version="1.0" encoding="utf-8"?>
 <p:properties xmlns:p="http://schemas.microsoft.com/office/2006/metadata/properties" xmlns:xsi="http://www.w3.org/2001/XMLSchema-instance" xmlns:pc="http://schemas.microsoft.com/office/infopath/2007/PartnerControls">
   <documentManagement>
@@ -44400,6 +45435,14 @@
 </file>
 
 <file path=customXml/itemProps1.xml><?xml version="1.0" encoding="utf-8"?>
+<ds:datastoreItem xmlns:ds="http://schemas.openxmlformats.org/officeDocument/2006/customXml" ds:itemID="{75703042-9C6F-440D-9A8D-0836740E8EC4}">
+  <ds:schemaRefs>
+    <ds:schemaRef ds:uri="http://schemas.microsoft.com/sharepoint/v3/contenttype/forms"/>
+  </ds:schemaRefs>
+</ds:datastoreItem>
+</file>
+
+<file path=customXml/itemProps2.xml><?xml version="1.0" encoding="utf-8"?>
 <ds:datastoreItem xmlns:ds="http://schemas.openxmlformats.org/officeDocument/2006/customXml" ds:itemID="{4C9F39EC-CE5D-4921-B7BB-5650597DBD03}">
   <ds:schemaRefs>
     <ds:schemaRef ds:uri="http://schemas.microsoft.com/office/2006/metadata/contentType"/>
@@ -44413,14 +45456,6 @@
     <ds:schemaRef ds:uri="http://purl.org/dc/elements/1.1/"/>
     <ds:schemaRef ds:uri="http://purl.org/dc/terms/"/>
     <ds:schemaRef ds:uri="http://schemas.microsoft.com/internal/obd"/>
-  </ds:schemaRefs>
-</ds:datastoreItem>
-</file>
-
-<file path=customXml/itemProps2.xml><?xml version="1.0" encoding="utf-8"?>
-<ds:datastoreItem xmlns:ds="http://schemas.openxmlformats.org/officeDocument/2006/customXml" ds:itemID="{75703042-9C6F-440D-9A8D-0836740E8EC4}">
-  <ds:schemaRefs>
-    <ds:schemaRef ds:uri="http://schemas.microsoft.com/sharepoint/v3/contenttype/forms"/>
   </ds:schemaRefs>
 </ds:datastoreItem>
 </file>

--- a/Presentation/Boosting.pptx
+++ b/Presentation/Boosting.pptx
@@ -289,7 +289,7 @@
             <a:fld id="{F8252C7F-5FEC-2E4D-80AA-BF666F276660}" type="datetime1">
               <a:rPr lang="en-US" smtClean="0"/>
               <a:pPr/>
-              <a:t>7/10/2015</a:t>
+              <a:t>7/12/2015</a:t>
             </a:fld>
             <a:endParaRPr lang="en-US"/>
           </a:p>
@@ -457,7 +457,7 @@
             <a:fld id="{1939DE02-E791-1340-B4FF-3939EE33ADCD}" type="datetime1">
               <a:rPr lang="en-US" smtClean="0"/>
               <a:pPr/>
-              <a:t>7/10/2015</a:t>
+              <a:t>7/12/2015</a:t>
             </a:fld>
             <a:endParaRPr lang="en-US"/>
           </a:p>
@@ -5239,7 +5239,6 @@
               <a:rPr lang="en-US" altLang="zh-TW" sz="2400" dirty="0" smtClean="0"/>
               <a:t>learner</a:t>
             </a:r>
-            <a:endParaRPr lang="en-US" altLang="zh-TW" sz="2400" dirty="0" smtClean="0"/>
           </a:p>
           <a:p>
             <a:pPr marL="1200150" lvl="1" indent="-457200">
@@ -5319,17 +5318,7 @@
                   </a:schemeClr>
                 </a:solidFill>
               </a:rPr>
-              <a:t>Vehicle </a:t>
-            </a:r>
-            <a:r>
-              <a:rPr lang="en-US" altLang="zh-TW" sz="2400" dirty="0" smtClean="0">
-                <a:solidFill>
-                  <a:schemeClr val="bg1">
-                    <a:lumMod val="75000"/>
-                  </a:schemeClr>
-                </a:solidFill>
-              </a:rPr>
-              <a:t>detection</a:t>
+              <a:t>Vehicle detection</a:t>
             </a:r>
             <a:endParaRPr kumimoji="0" lang="en-US" altLang="zh-TW" sz="2400" b="0" i="0" u="none" strike="noStrike" kern="1200" cap="none" spc="0" normalizeH="0" baseline="0" noProof="0" dirty="0" smtClean="0">
               <a:ln>
@@ -5535,13 +5524,18 @@
               <a:spcBef>
                 <a:spcPct val="20000"/>
               </a:spcBef>
+              <a:buSzPct val="70000"/>
               <a:buFont typeface="Wingdings" pitchFamily="2" charset="2"/>
               <a:buChar char="l"/>
               <a:defRPr/>
             </a:pPr>
             <a:r>
+              <a:rPr lang="en-US" altLang="zh-TW" sz="2400" dirty="0"/>
+              <a:t>A banana?        </a:t>
+            </a:r>
+            <a:r>
               <a:rPr lang="en-US" altLang="zh-TW" sz="2400" dirty="0" smtClean="0"/>
-              <a:t>A banana?        {</a:t>
+              <a:t>{</a:t>
             </a:r>
             <a:r>
               <a:rPr lang="zh-TW" altLang="en-US" sz="2400" dirty="0" smtClean="0"/>
@@ -5550,7 +5544,7 @@
             <a:r>
               <a:rPr lang="en-US" altLang="zh-TW" sz="2400" dirty="0" smtClean="0">
                 <a:solidFill>
-                  <a:srgbClr val="2705F5"/>
+                  <a:srgbClr val="3F48CC"/>
                 </a:solidFill>
               </a:rPr>
               <a:t>yes</a:t>
@@ -5566,13 +5560,17 @@
             <a:r>
               <a:rPr lang="en-US" altLang="zh-TW" sz="2400" dirty="0" smtClean="0">
                 <a:solidFill>
-                  <a:srgbClr val="FF0000"/>
+                  <a:srgbClr val="F37278"/>
                 </a:solidFill>
               </a:rPr>
               <a:t>no</a:t>
             </a:r>
             <a:r>
-              <a:rPr lang="zh-TW" altLang="en-US" sz="2400" dirty="0" smtClean="0"/>
+              <a:rPr lang="zh-TW" altLang="en-US" sz="2400" dirty="0" smtClean="0">
+                <a:solidFill>
+                  <a:srgbClr val="F37278"/>
+                </a:solidFill>
+              </a:rPr>
               <a:t> </a:t>
             </a:r>
             <a:r>
@@ -5599,6 +5597,7 @@
               <a:spcBef>
                 <a:spcPct val="20000"/>
               </a:spcBef>
+              <a:buSzPct val="70000"/>
               <a:buFont typeface="Wingdings" pitchFamily="2" charset="2"/>
               <a:buChar char="l"/>
               <a:defRPr/>
@@ -5647,7 +5646,7 @@
                   <a:noFill/>
                 </a:ln>
                 <a:solidFill>
-                  <a:srgbClr val="2705F5"/>
+                  <a:srgbClr val="3F48CC"/>
                 </a:solidFill>
                 <a:effectLst/>
                 <a:uLnTx/>
@@ -5698,7 +5697,7 @@
                   <a:noFill/>
                 </a:ln>
                 <a:solidFill>
-                  <a:srgbClr val="FF0000"/>
+                  <a:srgbClr val="F37278"/>
                 </a:solidFill>
                 <a:effectLst/>
                 <a:uLnTx/>
@@ -5732,6 +5731,7 @@
               <a:spcBef>
                 <a:spcPct val="20000"/>
               </a:spcBef>
+              <a:buSzPct val="70000"/>
               <a:buFont typeface="Wingdings" pitchFamily="2" charset="2"/>
               <a:buChar char="l"/>
             </a:pPr>
@@ -5742,7 +5742,7 @@
             <a:r>
               <a:rPr lang="en-US" altLang="zh-TW" sz="2400" dirty="0" smtClean="0">
                 <a:solidFill>
-                  <a:srgbClr val="2705F5"/>
+                  <a:srgbClr val="3F48CC"/>
                 </a:solidFill>
               </a:rPr>
               <a:t>spam</a:t>
@@ -5754,7 +5754,7 @@
             <a:r>
               <a:rPr lang="en-US" altLang="zh-TW" sz="2400" dirty="0" smtClean="0">
                 <a:solidFill>
-                  <a:srgbClr val="FF0000"/>
+                  <a:srgbClr val="F37278"/>
                 </a:solidFill>
               </a:rPr>
               <a:t>non-spam</a:t>
@@ -5769,6 +5769,7 @@
               <a:spcBef>
                 <a:spcPct val="20000"/>
               </a:spcBef>
+              <a:buSzPct val="70000"/>
               <a:buFont typeface="Wingdings" pitchFamily="2" charset="2"/>
               <a:buChar char="l"/>
             </a:pPr>
@@ -5779,7 +5780,7 @@
             <a:r>
               <a:rPr lang="en-US" altLang="zh-TW" sz="2400" dirty="0" smtClean="0">
                 <a:solidFill>
-                  <a:srgbClr val="2705F5"/>
+                  <a:srgbClr val="3F48CC"/>
                 </a:solidFill>
               </a:rPr>
               <a:t>good</a:t>
@@ -5791,18 +5792,14 @@
             <a:r>
               <a:rPr lang="en-US" altLang="zh-TW" sz="2400" dirty="0" smtClean="0">
                 <a:solidFill>
-                  <a:srgbClr val="FF0000"/>
+                  <a:srgbClr val="F37278"/>
                 </a:solidFill>
               </a:rPr>
               <a:t>bad</a:t>
             </a:r>
             <a:r>
               <a:rPr lang="en-US" altLang="zh-TW" sz="2400" dirty="0" smtClean="0"/>
-              <a:t> </a:t>
-            </a:r>
-            <a:r>
-              <a:rPr lang="en-US" altLang="zh-TW" sz="2400" dirty="0" smtClean="0"/>
-              <a:t>}</a:t>
+              <a:t> }</a:t>
             </a:r>
             <a:endParaRPr kumimoji="0" lang="en-US" altLang="zh-TW" sz="2400" b="0" i="0" u="none" strike="noStrike" kern="1200" cap="none" spc="0" normalizeH="0" baseline="0" noProof="0" dirty="0" smtClean="0">
               <a:ln>
@@ -5838,7 +5835,7 @@
         </p:blipFill>
         <p:spPr bwMode="auto">
           <a:xfrm>
-            <a:off x="228925" y="3514092"/>
+            <a:off x="228925" y="3503462"/>
             <a:ext cx="2770639" cy="2532895"/>
           </a:xfrm>
           <a:prstGeom prst="rect">
@@ -5855,7 +5852,7 @@
         </p:nvCxnSpPr>
         <p:spPr>
           <a:xfrm flipH="1">
-            <a:off x="1246207" y="3690253"/>
+            <a:off x="1246207" y="3679623"/>
             <a:ext cx="828000" cy="2232000"/>
           </a:xfrm>
           <a:prstGeom prst="line">
@@ -5890,7 +5887,7 @@
         </p:nvSpPr>
         <p:spPr>
           <a:xfrm>
-            <a:off x="1484717" y="5526880"/>
+            <a:off x="1484717" y="5516250"/>
             <a:ext cx="205200" cy="204652"/>
           </a:xfrm>
           <a:prstGeom prst="ellipse">
@@ -5935,7 +5932,7 @@
         </p:nvSpPr>
         <p:spPr>
           <a:xfrm>
-            <a:off x="2296299" y="5390353"/>
+            <a:off x="2296299" y="5379723"/>
             <a:ext cx="205200" cy="204652"/>
           </a:xfrm>
           <a:prstGeom prst="ellipse">
@@ -5980,7 +5977,7 @@
         </p:nvSpPr>
         <p:spPr>
           <a:xfrm>
-            <a:off x="2204581" y="4136559"/>
+            <a:off x="2204581" y="4125929"/>
             <a:ext cx="205200" cy="204652"/>
           </a:xfrm>
           <a:prstGeom prst="ellipse">
@@ -6025,7 +6022,7 @@
         </p:nvSpPr>
         <p:spPr>
           <a:xfrm>
-            <a:off x="2433195" y="4667787"/>
+            <a:off x="2433195" y="4657157"/>
             <a:ext cx="205200" cy="204652"/>
           </a:xfrm>
           <a:prstGeom prst="ellipse">
@@ -6070,7 +6067,7 @@
         </p:nvSpPr>
         <p:spPr>
           <a:xfrm rot="2514475">
-            <a:off x="767161" y="4046559"/>
+            <a:off x="767161" y="4035929"/>
             <a:ext cx="180000" cy="180000"/>
           </a:xfrm>
           <a:prstGeom prst="plus">
@@ -6117,7 +6114,7 @@
         </p:nvSpPr>
         <p:spPr>
           <a:xfrm rot="2514475">
-            <a:off x="1477073" y="4281018"/>
+            <a:off x="1477073" y="4270388"/>
             <a:ext cx="180000" cy="180000"/>
           </a:xfrm>
           <a:prstGeom prst="plus">
@@ -6164,7 +6161,7 @@
         </p:nvSpPr>
         <p:spPr>
           <a:xfrm rot="2514475">
-            <a:off x="894256" y="5122897"/>
+            <a:off x="894256" y="5112267"/>
             <a:ext cx="180000" cy="180000"/>
           </a:xfrm>
           <a:prstGeom prst="plus">
@@ -6220,7 +6217,7 @@
         </p:blipFill>
         <p:spPr bwMode="auto">
           <a:xfrm>
-            <a:off x="3279911" y="3703285"/>
+            <a:off x="3279911" y="3692655"/>
             <a:ext cx="2686050" cy="2371725"/>
           </a:xfrm>
           <a:prstGeom prst="rect">
@@ -6237,7 +6234,7 @@
         </p:nvSpPr>
         <p:spPr>
           <a:xfrm>
-            <a:off x="4089007" y="3931907"/>
+            <a:off x="4089007" y="3921277"/>
             <a:ext cx="205200" cy="204652"/>
           </a:xfrm>
           <a:prstGeom prst="ellipse">
@@ -6282,7 +6279,7 @@
         </p:nvSpPr>
         <p:spPr>
           <a:xfrm>
-            <a:off x="5106646" y="4383457"/>
+            <a:off x="5106646" y="4372827"/>
             <a:ext cx="205200" cy="204652"/>
           </a:xfrm>
           <a:prstGeom prst="ellipse">
@@ -6327,7 +6324,7 @@
         </p:nvSpPr>
         <p:spPr>
           <a:xfrm>
-            <a:off x="5342614" y="5006081"/>
+            <a:off x="5342614" y="4995451"/>
             <a:ext cx="205200" cy="204652"/>
           </a:xfrm>
           <a:prstGeom prst="ellipse">
@@ -6372,7 +6369,7 @@
         </p:nvSpPr>
         <p:spPr>
           <a:xfrm rot="2514475">
-            <a:off x="4627719" y="4315495"/>
+            <a:off x="4627719" y="4304865"/>
             <a:ext cx="180000" cy="180000"/>
           </a:xfrm>
           <a:prstGeom prst="plus">
@@ -6419,7 +6416,7 @@
         </p:nvSpPr>
         <p:spPr>
           <a:xfrm>
-            <a:off x="5547814" y="3804813"/>
+            <a:off x="5547814" y="3794183"/>
             <a:ext cx="205200" cy="204652"/>
           </a:xfrm>
           <a:prstGeom prst="ellipse">
@@ -6464,7 +6461,7 @@
         </p:nvSpPr>
         <p:spPr>
           <a:xfrm rot="2514475">
-            <a:off x="3595332" y="4655345"/>
+            <a:off x="3595332" y="4644715"/>
             <a:ext cx="180000" cy="180000"/>
           </a:xfrm>
           <a:prstGeom prst="plus">
@@ -6511,7 +6508,7 @@
         </p:nvSpPr>
         <p:spPr>
           <a:xfrm rot="2514475">
-            <a:off x="3595332" y="5416813"/>
+            <a:off x="3595332" y="5406183"/>
             <a:ext cx="180000" cy="180000"/>
           </a:xfrm>
           <a:prstGeom prst="plus">
@@ -6558,7 +6555,7 @@
         </p:nvSpPr>
         <p:spPr>
           <a:xfrm rot="2514475">
-            <a:off x="4485876" y="5569213"/>
+            <a:off x="4485876" y="5558583"/>
             <a:ext cx="180000" cy="180000"/>
           </a:xfrm>
           <a:prstGeom prst="plus">
@@ -6605,7 +6602,7 @@
         </p:nvSpPr>
         <p:spPr>
           <a:xfrm>
-            <a:off x="5214802" y="5512433"/>
+            <a:off x="5214802" y="5501803"/>
             <a:ext cx="205200" cy="204652"/>
           </a:xfrm>
           <a:prstGeom prst="ellipse">
@@ -6650,7 +6647,7 @@
         </p:nvCxnSpPr>
         <p:spPr>
           <a:xfrm>
-            <a:off x="3291164" y="3705001"/>
+            <a:off x="3291164" y="3694371"/>
             <a:ext cx="2592000" cy="2268000"/>
           </a:xfrm>
           <a:prstGeom prst="line">
@@ -6694,7 +6691,7 @@
         </p:blipFill>
         <p:spPr bwMode="auto">
           <a:xfrm>
-            <a:off x="6248756" y="3713918"/>
+            <a:off x="6248756" y="3703288"/>
             <a:ext cx="2647950" cy="2295525"/>
           </a:xfrm>
           <a:prstGeom prst="rect">
@@ -6711,7 +6708,7 @@
         </p:nvSpPr>
         <p:spPr>
           <a:xfrm>
-            <a:off x="6927115" y="4456881"/>
+            <a:off x="6927115" y="4446251"/>
             <a:ext cx="205200" cy="204652"/>
           </a:xfrm>
           <a:prstGeom prst="ellipse">
@@ -6756,7 +6753,7 @@
         </p:nvSpPr>
         <p:spPr>
           <a:xfrm>
-            <a:off x="7380154" y="4330453"/>
+            <a:off x="7380154" y="4319823"/>
             <a:ext cx="205200" cy="204652"/>
           </a:xfrm>
           <a:prstGeom prst="ellipse">
@@ -6801,7 +6798,7 @@
         </p:nvSpPr>
         <p:spPr>
           <a:xfrm>
-            <a:off x="7482754" y="5124581"/>
+            <a:off x="7482754" y="5113951"/>
             <a:ext cx="205200" cy="204652"/>
           </a:xfrm>
           <a:prstGeom prst="ellipse">
@@ -6846,7 +6843,7 @@
         </p:nvSpPr>
         <p:spPr>
           <a:xfrm>
-            <a:off x="7698712" y="4709819"/>
+            <a:off x="7698712" y="4699189"/>
             <a:ext cx="205200" cy="204652"/>
           </a:xfrm>
           <a:prstGeom prst="ellipse">
@@ -6891,7 +6888,7 @@
         </p:nvSpPr>
         <p:spPr>
           <a:xfrm>
-            <a:off x="7277554" y="4759355"/>
+            <a:off x="7277554" y="4748725"/>
             <a:ext cx="205200" cy="204652"/>
           </a:xfrm>
           <a:prstGeom prst="ellipse">
@@ -6936,7 +6933,7 @@
         </p:nvSpPr>
         <p:spPr>
           <a:xfrm rot="2514475">
-            <a:off x="6456770" y="5304267"/>
+            <a:off x="6456770" y="5293637"/>
             <a:ext cx="180000" cy="180000"/>
           </a:xfrm>
           <a:prstGeom prst="plus">
@@ -6983,7 +6980,7 @@
         </p:nvSpPr>
         <p:spPr>
           <a:xfrm rot="2514475">
-            <a:off x="6456771" y="4050548"/>
+            <a:off x="6456771" y="4039918"/>
             <a:ext cx="180000" cy="180000"/>
           </a:xfrm>
           <a:prstGeom prst="plus">
@@ -7030,7 +7027,7 @@
         </p:nvSpPr>
         <p:spPr>
           <a:xfrm rot="2514475">
-            <a:off x="7265660" y="3796359"/>
+            <a:off x="7265660" y="3785729"/>
             <a:ext cx="180000" cy="180000"/>
           </a:xfrm>
           <a:prstGeom prst="plus">
@@ -7077,7 +7074,7 @@
         </p:nvSpPr>
         <p:spPr>
           <a:xfrm rot="2514475">
-            <a:off x="6828359" y="5533148"/>
+            <a:off x="6828359" y="5522518"/>
             <a:ext cx="180000" cy="180000"/>
           </a:xfrm>
           <a:prstGeom prst="plus">
@@ -7124,7 +7121,7 @@
         </p:nvSpPr>
         <p:spPr>
           <a:xfrm rot="2514475">
-            <a:off x="7470860" y="5558455"/>
+            <a:off x="7470860" y="5547825"/>
             <a:ext cx="180000" cy="180000"/>
           </a:xfrm>
           <a:prstGeom prst="plus">
@@ -7171,7 +7168,7 @@
         </p:nvSpPr>
         <p:spPr>
           <a:xfrm rot="2514475">
-            <a:off x="8326270" y="5239233"/>
+            <a:off x="8326270" y="5228603"/>
             <a:ext cx="180000" cy="180000"/>
           </a:xfrm>
           <a:prstGeom prst="plus">
@@ -7218,7 +7215,7 @@
         </p:nvSpPr>
         <p:spPr>
           <a:xfrm rot="2514475">
-            <a:off x="8580458" y="4409793"/>
+            <a:off x="8580458" y="4399163"/>
             <a:ext cx="180000" cy="180000"/>
           </a:xfrm>
           <a:prstGeom prst="plus">
@@ -7265,7 +7262,7 @@
         </p:nvSpPr>
         <p:spPr>
           <a:xfrm rot="2514475">
-            <a:off x="8199177" y="4035800"/>
+            <a:off x="8199177" y="4025170"/>
             <a:ext cx="180000" cy="180000"/>
           </a:xfrm>
           <a:prstGeom prst="plus">
@@ -7312,7 +7309,7 @@
         </p:nvSpPr>
         <p:spPr>
           <a:xfrm rot="2514475">
-            <a:off x="8453365" y="5660242"/>
+            <a:off x="8453365" y="5649612"/>
             <a:ext cx="180000" cy="180000"/>
           </a:xfrm>
           <a:prstGeom prst="plus">
@@ -7359,7 +7356,7 @@
         </p:nvSpPr>
         <p:spPr>
           <a:xfrm>
-            <a:off x="6811778" y="4159464"/>
+            <a:off x="6811778" y="4148834"/>
             <a:ext cx="1388877" cy="1362022"/>
           </a:xfrm>
           <a:prstGeom prst="ellipse">
@@ -7393,6 +7390,36 @@
           <a:p>
             <a:pPr algn="ctr"/>
             <a:endParaRPr lang="zh-TW" altLang="en-US"/>
+          </a:p>
+        </p:txBody>
+      </p:sp>
+      <p:sp>
+        <p:nvSpPr>
+          <p:cNvPr id="2" name="文字方塊 1"/>
+          <p:cNvSpPr txBox="1"/>
+          <p:nvPr/>
+        </p:nvSpPr>
+        <p:spPr>
+          <a:xfrm>
+            <a:off x="3017117" y="3063586"/>
+            <a:ext cx="3147015" cy="461665"/>
+          </a:xfrm>
+          <a:prstGeom prst="rect">
+            <a:avLst/>
+          </a:prstGeom>
+          <a:noFill/>
+        </p:spPr>
+        <p:txBody>
+          <a:bodyPr wrap="none" rtlCol="0">
+            <a:spAutoFit/>
+          </a:bodyPr>
+          <a:lstStyle/>
+          <a:p>
+            <a:r>
+              <a:rPr lang="en-US" altLang="zh-TW" sz="2400" dirty="0" smtClean="0"/>
+              <a:t>Binary classifier in 2D</a:t>
+            </a:r>
+            <a:endParaRPr lang="zh-TW" altLang="en-US" sz="2400" dirty="0"/>
           </a:p>
         </p:txBody>
       </p:sp>
@@ -7433,6 +7460,44 @@
           <a:chExt cx="0" cy="0"/>
         </a:xfrm>
       </p:grpSpPr>
+      <p:cxnSp>
+        <p:nvCxnSpPr>
+          <p:cNvPr id="10" name="直線接點 9"/>
+          <p:cNvCxnSpPr/>
+          <p:nvPr/>
+        </p:nvCxnSpPr>
+        <p:spPr>
+          <a:xfrm>
+            <a:off x="2710248" y="5164104"/>
+            <a:ext cx="2880000" cy="0"/>
+          </a:xfrm>
+          <a:prstGeom prst="line">
+            <a:avLst/>
+          </a:prstGeom>
+          <a:ln w="31750">
+            <a:solidFill>
+              <a:schemeClr val="bg1">
+                <a:lumMod val="75000"/>
+              </a:schemeClr>
+            </a:solidFill>
+          </a:ln>
+          <a:effectLst/>
+        </p:spPr>
+        <p:style>
+          <a:lnRef idx="2">
+            <a:schemeClr val="accent1"/>
+          </a:lnRef>
+          <a:fillRef idx="0">
+            <a:schemeClr val="accent1"/>
+          </a:fillRef>
+          <a:effectRef idx="1">
+            <a:schemeClr val="accent1"/>
+          </a:effectRef>
+          <a:fontRef idx="minor">
+            <a:schemeClr val="tx1"/>
+          </a:fontRef>
+        </p:style>
+      </p:cxnSp>
       <p:sp>
         <p:nvSpPr>
           <p:cNvPr id="4" name="Title 3"/>
@@ -7488,7 +7553,7 @@
             <p:spPr>
               <a:xfrm>
                 <a:off x="228600" y="986319"/>
-                <a:ext cx="8689622" cy="4377609"/>
+                <a:ext cx="8689622" cy="3458088"/>
               </a:xfrm>
             </p:spPr>
             <p:txBody>
@@ -7586,7 +7651,7 @@
                 <a:pPr lvl="1">
                   <a:defRPr/>
                 </a:pPr>
-                <a:endParaRPr lang="en-US" altLang="zh-TW" sz="2400" dirty="0"/>
+                <a:endParaRPr lang="en-US" altLang="zh-TW" sz="2400" dirty="0" smtClean="0"/>
               </a:p>
               <a:p>
                 <a:pPr marL="457200" lvl="1" indent="0">
@@ -7602,7 +7667,7 @@
                       <m:sSub>
                         <m:sSubPr>
                           <m:ctrlPr>
-                            <a:rPr lang="en-US" altLang="zh-TW" sz="2400" i="1">
+                            <a:rPr lang="en-US" altLang="zh-TW" sz="2400" i="1" smtClean="0">
                               <a:latin typeface="Cambria Math" panose="02040503050406030204" pitchFamily="18" charset="0"/>
                             </a:rPr>
                           </m:ctrlPr>
@@ -7780,95 +7845,6 @@
                 <a:endParaRPr lang="en-US" altLang="zh-TW" sz="2400" dirty="0"/>
               </a:p>
               <a:p>
-                <a:pPr marL="457200" lvl="1" indent="0">
-                  <a:buNone/>
-                  <a:defRPr/>
-                </a:pPr>
-                <a:r>
-                  <a:rPr lang="en-US" altLang="zh-TW" sz="2400" dirty="0"/>
-                  <a:t>( feature </a:t>
-                </a:r>
-                <a14:m>
-                  <m:oMath xmlns:m="http://schemas.openxmlformats.org/officeDocument/2006/math">
-                    <m:r>
-                      <a:rPr lang="en-US" altLang="zh-TW" sz="2400" i="1">
-                        <a:solidFill>
-                          <a:srgbClr val="00B050"/>
-                        </a:solidFill>
-                        <a:latin typeface="Cambria Math" panose="02040503050406030204" pitchFamily="18" charset="0"/>
-                      </a:rPr>
-                      <m:t>𝑖</m:t>
-                    </m:r>
-                  </m:oMath>
-                </a14:m>
-                <a:r>
-                  <a:rPr lang="en-US" altLang="zh-TW" sz="2400" dirty="0"/>
-                  <a:t>, </a:t>
-                </a:r>
-                <a:r>
-                  <a:rPr lang="en-US" altLang="zh-TW" sz="2400" dirty="0"/>
-                  <a:t>t</a:t>
-                </a:r>
-                <a:r>
-                  <a:rPr lang="en-US" altLang="zh-TW" sz="2400" dirty="0"/>
-                  <a:t>hreshold</a:t>
-                </a:r>
-                <a14:m>
-                  <m:oMath xmlns:m="http://schemas.openxmlformats.org/officeDocument/2006/math">
-                    <m:r>
-                      <a:rPr lang="en-US" altLang="zh-TW" sz="2400">
-                        <a:solidFill>
-                          <a:srgbClr val="7030A0"/>
-                        </a:solidFill>
-                        <a:latin typeface="Cambria Math" panose="02040503050406030204" pitchFamily="18" charset="0"/>
-                        <a:ea typeface="Cambria Math" panose="02040503050406030204" pitchFamily="18" charset="0"/>
-                      </a:rPr>
-                      <m:t> </m:t>
-                    </m:r>
-                    <m:r>
-                      <a:rPr lang="zh-TW" altLang="en-US" sz="2400" i="1">
-                        <a:solidFill>
-                          <a:srgbClr val="7030A0"/>
-                        </a:solidFill>
-                        <a:latin typeface="Cambria Math" panose="02040503050406030204" pitchFamily="18" charset="0"/>
-                        <a:ea typeface="Cambria Math" panose="02040503050406030204" pitchFamily="18" charset="0"/>
-                      </a:rPr>
-                      <m:t>𝜃</m:t>
-                    </m:r>
-                  </m:oMath>
-                </a14:m>
-                <a:r>
-                  <a:rPr lang="en-US" altLang="zh-TW" sz="2400" dirty="0"/>
-                  <a:t>, direction </a:t>
-                </a:r>
-                <a14:m>
-                  <m:oMath xmlns:m="http://schemas.openxmlformats.org/officeDocument/2006/math">
-                    <m:r>
-                      <m:rPr>
-                        <m:sty m:val="p"/>
-                      </m:rPr>
-                      <a:rPr lang="en-US" altLang="zh-TW" sz="2400">
-                        <a:solidFill>
-                          <a:srgbClr val="FF0000"/>
-                        </a:solidFill>
-                        <a:latin typeface="Cambria Math" panose="02040503050406030204" pitchFamily="18" charset="0"/>
-                      </a:rPr>
-                      <m:t>s</m:t>
-                    </m:r>
-                    <m:r>
-                      <a:rPr lang="en-US" altLang="zh-TW" sz="2400">
-                        <a:solidFill>
-                          <a:srgbClr val="FF0000"/>
-                        </a:solidFill>
-                        <a:latin typeface="Cambria Math" panose="02040503050406030204" pitchFamily="18" charset="0"/>
-                      </a:rPr>
-                      <m:t>)</m:t>
-                    </m:r>
-                  </m:oMath>
-                </a14:m>
-                <a:endParaRPr lang="en-US" altLang="zh-TW" sz="2400" dirty="0"/>
-              </a:p>
-              <a:p>
                 <a:pPr lvl="1" indent="-457200">
                   <a:buFont typeface="Wingdings" pitchFamily="2" charset="2"/>
                   <a:buChar char="l"/>
@@ -7899,12 +7875,12 @@
             <p:spPr>
               <a:xfrm>
                 <a:off x="228600" y="986319"/>
-                <a:ext cx="8689622" cy="4377609"/>
+                <a:ext cx="8689622" cy="3458088"/>
               </a:xfrm>
               <a:blipFill rotWithShape="0">
                 <a:blip r:embed="rId3"/>
                 <a:stretch>
-                  <a:fillRect t="-2089"/>
+                  <a:fillRect t="-2646"/>
                 </a:stretch>
               </a:blipFill>
             </p:spPr>
@@ -7923,6 +7899,661 @@
           </p:sp>
         </mc:Fallback>
       </mc:AlternateContent>
+      <p:cxnSp>
+        <p:nvCxnSpPr>
+          <p:cNvPr id="5" name="直線接點 4"/>
+          <p:cNvCxnSpPr/>
+          <p:nvPr/>
+        </p:nvCxnSpPr>
+        <p:spPr>
+          <a:xfrm>
+            <a:off x="2923949" y="4508205"/>
+            <a:ext cx="0" cy="1860699"/>
+          </a:xfrm>
+          <a:prstGeom prst="line">
+            <a:avLst/>
+          </a:prstGeom>
+          <a:ln w="31750">
+            <a:solidFill>
+              <a:schemeClr val="tx1"/>
+            </a:solidFill>
+          </a:ln>
+          <a:effectLst/>
+        </p:spPr>
+        <p:style>
+          <a:lnRef idx="2">
+            <a:schemeClr val="accent1"/>
+          </a:lnRef>
+          <a:fillRef idx="0">
+            <a:schemeClr val="accent1"/>
+          </a:fillRef>
+          <a:effectRef idx="1">
+            <a:schemeClr val="accent1"/>
+          </a:effectRef>
+          <a:fontRef idx="minor">
+            <a:schemeClr val="tx1"/>
+          </a:fontRef>
+        </p:style>
+      </p:cxnSp>
+      <p:cxnSp>
+        <p:nvCxnSpPr>
+          <p:cNvPr id="6" name="直線接點 5"/>
+          <p:cNvCxnSpPr/>
+          <p:nvPr/>
+        </p:nvCxnSpPr>
+        <p:spPr>
+          <a:xfrm>
+            <a:off x="2913315" y="6347638"/>
+            <a:ext cx="2509284" cy="0"/>
+          </a:xfrm>
+          <a:prstGeom prst="line">
+            <a:avLst/>
+          </a:prstGeom>
+          <a:ln w="31750">
+            <a:solidFill>
+              <a:schemeClr val="tx1"/>
+            </a:solidFill>
+          </a:ln>
+          <a:effectLst/>
+        </p:spPr>
+        <p:style>
+          <a:lnRef idx="2">
+            <a:schemeClr val="accent1"/>
+          </a:lnRef>
+          <a:fillRef idx="0">
+            <a:schemeClr val="accent1"/>
+          </a:fillRef>
+          <a:effectRef idx="1">
+            <a:schemeClr val="accent1"/>
+          </a:effectRef>
+          <a:fontRef idx="minor">
+            <a:schemeClr val="tx1"/>
+          </a:fontRef>
+        </p:style>
+      </p:cxnSp>
+      <p:cxnSp>
+        <p:nvCxnSpPr>
+          <p:cNvPr id="8" name="直線接點 7"/>
+          <p:cNvCxnSpPr/>
+          <p:nvPr/>
+        </p:nvCxnSpPr>
+        <p:spPr>
+          <a:xfrm>
+            <a:off x="4150248" y="4444407"/>
+            <a:ext cx="0" cy="2088000"/>
+          </a:xfrm>
+          <a:prstGeom prst="line">
+            <a:avLst/>
+          </a:prstGeom>
+          <a:ln w="31750">
+            <a:solidFill>
+              <a:schemeClr val="tx1"/>
+            </a:solidFill>
+          </a:ln>
+          <a:effectLst/>
+        </p:spPr>
+        <p:style>
+          <a:lnRef idx="2">
+            <a:schemeClr val="accent1"/>
+          </a:lnRef>
+          <a:fillRef idx="0">
+            <a:schemeClr val="accent1"/>
+          </a:fillRef>
+          <a:effectRef idx="1">
+            <a:schemeClr val="accent1"/>
+          </a:effectRef>
+          <a:fontRef idx="minor">
+            <a:schemeClr val="tx1"/>
+          </a:fontRef>
+        </p:style>
+      </p:cxnSp>
+      <mc:AlternateContent xmlns:mc="http://schemas.openxmlformats.org/markup-compatibility/2006">
+        <mc:Choice xmlns:a14="http://schemas.microsoft.com/office/drawing/2010/main" Requires="a14">
+          <p:sp>
+            <p:nvSpPr>
+              <p:cNvPr id="9" name="矩形 8"/>
+              <p:cNvSpPr/>
+              <p:nvPr/>
+            </p:nvSpPr>
+            <p:spPr>
+              <a:xfrm>
+                <a:off x="4136140" y="6305209"/>
+                <a:ext cx="385362" cy="369332"/>
+              </a:xfrm>
+              <a:prstGeom prst="rect">
+                <a:avLst/>
+              </a:prstGeom>
+            </p:spPr>
+            <p:txBody>
+              <a:bodyPr wrap="none">
+                <a:spAutoFit/>
+              </a:bodyPr>
+              <a:lstStyle/>
+              <a:p>
+                <a:pPr>
+                  <a:defRPr/>
+                </a:pPr>
+                <a14:m>
+                  <m:oMathPara xmlns:m="http://schemas.openxmlformats.org/officeDocument/2006/math">
+                    <m:oMathParaPr>
+                      <m:jc m:val="centerGroup"/>
+                    </m:oMathParaPr>
+                    <m:oMath xmlns:m="http://schemas.openxmlformats.org/officeDocument/2006/math">
+                      <m:r>
+                        <a:rPr lang="zh-TW" altLang="en-US" i="1">
+                          <a:solidFill>
+                            <a:srgbClr val="7030A0"/>
+                          </a:solidFill>
+                          <a:latin typeface="Cambria Math" panose="02040503050406030204" pitchFamily="18" charset="0"/>
+                          <a:ea typeface="Cambria Math" panose="02040503050406030204" pitchFamily="18" charset="0"/>
+                        </a:rPr>
+                        <m:t>𝜃</m:t>
+                      </m:r>
+                    </m:oMath>
+                  </m:oMathPara>
+                </a14:m>
+                <a:endParaRPr lang="en-US" altLang="zh-TW" dirty="0"/>
+              </a:p>
+            </p:txBody>
+          </p:sp>
+        </mc:Choice>
+        <mc:Fallback>
+          <p:sp>
+            <p:nvSpPr>
+              <p:cNvPr id="9" name="矩形 8"/>
+              <p:cNvSpPr>
+                <a:spLocks noRot="1" noChangeAspect="1" noMove="1" noResize="1" noEditPoints="1" noAdjustHandles="1" noChangeArrowheads="1" noChangeShapeType="1" noTextEdit="1"/>
+              </p:cNvSpPr>
+              <p:nvPr/>
+            </p:nvSpPr>
+            <p:spPr>
+              <a:xfrm>
+                <a:off x="4136140" y="6305209"/>
+                <a:ext cx="385362" cy="369332"/>
+              </a:xfrm>
+              <a:prstGeom prst="rect">
+                <a:avLst/>
+              </a:prstGeom>
+              <a:blipFill rotWithShape="0">
+                <a:blip r:embed="rId4"/>
+                <a:stretch>
+                  <a:fillRect/>
+                </a:stretch>
+              </a:blipFill>
+            </p:spPr>
+            <p:txBody>
+              <a:bodyPr/>
+              <a:lstStyle/>
+              <a:p>
+                <a:r>
+                  <a:rPr lang="zh-TW" altLang="en-US">
+                    <a:noFill/>
+                  </a:rPr>
+                  <a:t> </a:t>
+                </a:r>
+              </a:p>
+            </p:txBody>
+          </p:sp>
+        </mc:Fallback>
+      </mc:AlternateContent>
+      <mc:AlternateContent xmlns:mc="http://schemas.openxmlformats.org/markup-compatibility/2006">
+        <mc:Choice xmlns:a14="http://schemas.microsoft.com/office/drawing/2010/main" Requires="a14">
+          <p:sp>
+            <p:nvSpPr>
+              <p:cNvPr id="11" name="矩形 10"/>
+              <p:cNvSpPr/>
+              <p:nvPr/>
+            </p:nvSpPr>
+            <p:spPr>
+              <a:xfrm>
+                <a:off x="4746086" y="5709033"/>
+                <a:ext cx="453235" cy="400110"/>
+              </a:xfrm>
+              <a:prstGeom prst="rect">
+                <a:avLst/>
+              </a:prstGeom>
+            </p:spPr>
+            <p:txBody>
+              <a:bodyPr wrap="square">
+                <a:spAutoFit/>
+              </a:bodyPr>
+              <a:lstStyle/>
+              <a:p>
+                <a14:m>
+                  <m:oMathPara xmlns:m="http://schemas.openxmlformats.org/officeDocument/2006/math">
+                    <m:oMathParaPr>
+                      <m:jc m:val="centerGroup"/>
+                    </m:oMathParaPr>
+                    <m:oMath xmlns:m="http://schemas.openxmlformats.org/officeDocument/2006/math">
+                      <m:r>
+                        <m:rPr>
+                          <m:sty m:val="p"/>
+                        </m:rPr>
+                        <a:rPr lang="en-US" altLang="zh-TW" sz="2000">
+                          <a:solidFill>
+                            <a:srgbClr val="FF0000"/>
+                          </a:solidFill>
+                          <a:latin typeface="Cambria Math" panose="02040503050406030204" pitchFamily="18" charset="0"/>
+                        </a:rPr>
+                        <m:t>s</m:t>
+                      </m:r>
+                    </m:oMath>
+                  </m:oMathPara>
+                </a14:m>
+                <a:endParaRPr lang="zh-TW" altLang="en-US" sz="2000" dirty="0"/>
+              </a:p>
+            </p:txBody>
+          </p:sp>
+        </mc:Choice>
+        <mc:Fallback>
+          <p:sp>
+            <p:nvSpPr>
+              <p:cNvPr id="11" name="矩形 10"/>
+              <p:cNvSpPr>
+                <a:spLocks noRot="1" noChangeAspect="1" noMove="1" noResize="1" noEditPoints="1" noAdjustHandles="1" noChangeArrowheads="1" noChangeShapeType="1" noTextEdit="1"/>
+              </p:cNvSpPr>
+              <p:nvPr/>
+            </p:nvSpPr>
+            <p:spPr>
+              <a:xfrm>
+                <a:off x="4746086" y="5709033"/>
+                <a:ext cx="453235" cy="400110"/>
+              </a:xfrm>
+              <a:prstGeom prst="rect">
+                <a:avLst/>
+              </a:prstGeom>
+              <a:blipFill rotWithShape="0">
+                <a:blip r:embed="rId5"/>
+                <a:stretch>
+                  <a:fillRect/>
+                </a:stretch>
+              </a:blipFill>
+            </p:spPr>
+            <p:txBody>
+              <a:bodyPr/>
+              <a:lstStyle/>
+              <a:p>
+                <a:r>
+                  <a:rPr lang="zh-TW" altLang="en-US">
+                    <a:noFill/>
+                  </a:rPr>
+                  <a:t> </a:t>
+                </a:r>
+              </a:p>
+            </p:txBody>
+          </p:sp>
+        </mc:Fallback>
+      </mc:AlternateContent>
+      <p:cxnSp>
+        <p:nvCxnSpPr>
+          <p:cNvPr id="13" name="直線單箭頭接點 12"/>
+          <p:cNvCxnSpPr>
+            <a:endCxn id="11" idx="1"/>
+          </p:cNvCxnSpPr>
+          <p:nvPr/>
+        </p:nvCxnSpPr>
+        <p:spPr>
+          <a:xfrm>
+            <a:off x="4401062" y="5909088"/>
+            <a:ext cx="345024" cy="0"/>
+          </a:xfrm>
+          <a:prstGeom prst="straightConnector1">
+            <a:avLst/>
+          </a:prstGeom>
+          <a:ln>
+            <a:solidFill>
+              <a:srgbClr val="FF0000"/>
+            </a:solidFill>
+            <a:tailEnd type="triangle"/>
+          </a:ln>
+          <a:effectLst/>
+        </p:spPr>
+        <p:style>
+          <a:lnRef idx="2">
+            <a:schemeClr val="accent1"/>
+          </a:lnRef>
+          <a:fillRef idx="0">
+            <a:schemeClr val="accent1"/>
+          </a:fillRef>
+          <a:effectRef idx="1">
+            <a:schemeClr val="accent1"/>
+          </a:effectRef>
+          <a:fontRef idx="minor">
+            <a:schemeClr val="tx1"/>
+          </a:fontRef>
+        </p:style>
+      </p:cxnSp>
+      <mc:AlternateContent xmlns:mc="http://schemas.openxmlformats.org/markup-compatibility/2006">
+        <mc:Choice xmlns:a14="http://schemas.microsoft.com/office/drawing/2010/main" Requires="a14">
+          <p:sp>
+            <p:nvSpPr>
+              <p:cNvPr id="22" name="矩形 21"/>
+              <p:cNvSpPr/>
+              <p:nvPr/>
+            </p:nvSpPr>
+            <p:spPr>
+              <a:xfrm>
+                <a:off x="6208186" y="4605627"/>
+                <a:ext cx="1047979" cy="369332"/>
+              </a:xfrm>
+              <a:prstGeom prst="rect">
+                <a:avLst/>
+              </a:prstGeom>
+            </p:spPr>
+            <p:txBody>
+              <a:bodyPr wrap="none">
+                <a:spAutoFit/>
+              </a:bodyPr>
+              <a:lstStyle/>
+              <a:p>
+                <a:pPr>
+                  <a:defRPr/>
+                </a:pPr>
+                <a:r>
+                  <a:rPr lang="en-US" altLang="zh-TW" dirty="0"/>
+                  <a:t>feature </a:t>
+                </a:r>
+                <a14:m>
+                  <m:oMath xmlns:m="http://schemas.openxmlformats.org/officeDocument/2006/math">
+                    <m:r>
+                      <a:rPr lang="en-US" altLang="zh-TW" i="1">
+                        <a:solidFill>
+                          <a:srgbClr val="00B050"/>
+                        </a:solidFill>
+                        <a:latin typeface="Cambria Math" panose="02040503050406030204" pitchFamily="18" charset="0"/>
+                      </a:rPr>
+                      <m:t>𝑖</m:t>
+                    </m:r>
+                  </m:oMath>
+                </a14:m>
+                <a:endParaRPr lang="en-US" altLang="zh-TW" dirty="0"/>
+              </a:p>
+            </p:txBody>
+          </p:sp>
+        </mc:Choice>
+        <mc:Fallback>
+          <p:sp>
+            <p:nvSpPr>
+              <p:cNvPr id="22" name="矩形 21"/>
+              <p:cNvSpPr>
+                <a:spLocks noRot="1" noChangeAspect="1" noMove="1" noResize="1" noEditPoints="1" noAdjustHandles="1" noChangeArrowheads="1" noChangeShapeType="1" noTextEdit="1"/>
+              </p:cNvSpPr>
+              <p:nvPr/>
+            </p:nvSpPr>
+            <p:spPr>
+              <a:xfrm>
+                <a:off x="6208186" y="4605627"/>
+                <a:ext cx="1047979" cy="369332"/>
+              </a:xfrm>
+              <a:prstGeom prst="rect">
+                <a:avLst/>
+              </a:prstGeom>
+              <a:blipFill rotWithShape="0">
+                <a:blip r:embed="rId6"/>
+                <a:stretch>
+                  <a:fillRect l="-4651" t="-10000" b="-26667"/>
+                </a:stretch>
+              </a:blipFill>
+            </p:spPr>
+            <p:txBody>
+              <a:bodyPr/>
+              <a:lstStyle/>
+              <a:p>
+                <a:r>
+                  <a:rPr lang="zh-TW" altLang="en-US">
+                    <a:noFill/>
+                  </a:rPr>
+                  <a:t> </a:t>
+                </a:r>
+              </a:p>
+            </p:txBody>
+          </p:sp>
+        </mc:Fallback>
+      </mc:AlternateContent>
+      <mc:AlternateContent xmlns:mc="http://schemas.openxmlformats.org/markup-compatibility/2006">
+        <mc:Choice xmlns:a14="http://schemas.microsoft.com/office/drawing/2010/main" Requires="a14">
+          <p:sp>
+            <p:nvSpPr>
+              <p:cNvPr id="23" name="矩形 22"/>
+              <p:cNvSpPr/>
+              <p:nvPr/>
+            </p:nvSpPr>
+            <p:spPr>
+              <a:xfrm>
+                <a:off x="6208186" y="5078776"/>
+                <a:ext cx="1270220" cy="369332"/>
+              </a:xfrm>
+              <a:prstGeom prst="rect">
+                <a:avLst/>
+              </a:prstGeom>
+            </p:spPr>
+            <p:txBody>
+              <a:bodyPr wrap="none">
+                <a:spAutoFit/>
+              </a:bodyPr>
+              <a:lstStyle/>
+              <a:p>
+                <a:pPr>
+                  <a:defRPr/>
+                </a:pPr>
+                <a:r>
+                  <a:rPr lang="en-US" altLang="zh-TW" dirty="0"/>
+                  <a:t>threshold</a:t>
+                </a:r>
+                <a14:m>
+                  <m:oMath xmlns:m="http://schemas.openxmlformats.org/officeDocument/2006/math">
+                    <m:r>
+                      <a:rPr lang="zh-TW" altLang="en-US" i="1">
+                        <a:solidFill>
+                          <a:srgbClr val="7030A0"/>
+                        </a:solidFill>
+                        <a:latin typeface="Cambria Math" panose="02040503050406030204" pitchFamily="18" charset="0"/>
+                        <a:ea typeface="Cambria Math" panose="02040503050406030204" pitchFamily="18" charset="0"/>
+                      </a:rPr>
+                      <m:t>𝜃</m:t>
+                    </m:r>
+                  </m:oMath>
+                </a14:m>
+                <a:endParaRPr lang="en-US" altLang="zh-TW" dirty="0"/>
+              </a:p>
+            </p:txBody>
+          </p:sp>
+        </mc:Choice>
+        <mc:Fallback>
+          <p:sp>
+            <p:nvSpPr>
+              <p:cNvPr id="23" name="矩形 22"/>
+              <p:cNvSpPr>
+                <a:spLocks noRot="1" noChangeAspect="1" noMove="1" noResize="1" noEditPoints="1" noAdjustHandles="1" noChangeArrowheads="1" noChangeShapeType="1" noTextEdit="1"/>
+              </p:cNvSpPr>
+              <p:nvPr/>
+            </p:nvSpPr>
+            <p:spPr>
+              <a:xfrm>
+                <a:off x="6208186" y="5078776"/>
+                <a:ext cx="1270220" cy="369332"/>
+              </a:xfrm>
+              <a:prstGeom prst="rect">
+                <a:avLst/>
+              </a:prstGeom>
+              <a:blipFill rotWithShape="0">
+                <a:blip r:embed="rId7"/>
+                <a:stretch>
+                  <a:fillRect l="-3828" t="-8197" b="-24590"/>
+                </a:stretch>
+              </a:blipFill>
+            </p:spPr>
+            <p:txBody>
+              <a:bodyPr/>
+              <a:lstStyle/>
+              <a:p>
+                <a:r>
+                  <a:rPr lang="zh-TW" altLang="en-US">
+                    <a:noFill/>
+                  </a:rPr>
+                  <a:t> </a:t>
+                </a:r>
+              </a:p>
+            </p:txBody>
+          </p:sp>
+        </mc:Fallback>
+      </mc:AlternateContent>
+      <mc:AlternateContent xmlns:mc="http://schemas.openxmlformats.org/markup-compatibility/2006">
+        <mc:Choice xmlns:a14="http://schemas.microsoft.com/office/drawing/2010/main" Requires="a14">
+          <p:sp>
+            <p:nvSpPr>
+              <p:cNvPr id="24" name="矩形 23"/>
+              <p:cNvSpPr/>
+              <p:nvPr/>
+            </p:nvSpPr>
+            <p:spPr>
+              <a:xfrm>
+                <a:off x="6208186" y="5547067"/>
+                <a:ext cx="1220206" cy="369332"/>
+              </a:xfrm>
+              <a:prstGeom prst="rect">
+                <a:avLst/>
+              </a:prstGeom>
+            </p:spPr>
+            <p:txBody>
+              <a:bodyPr wrap="none">
+                <a:spAutoFit/>
+              </a:bodyPr>
+              <a:lstStyle/>
+              <a:p>
+                <a:pPr>
+                  <a:defRPr/>
+                </a:pPr>
+                <a:r>
+                  <a:rPr lang="en-US" altLang="zh-TW" dirty="0"/>
+                  <a:t>direction </a:t>
+                </a:r>
+                <a14:m>
+                  <m:oMath xmlns:m="http://schemas.openxmlformats.org/officeDocument/2006/math">
+                    <m:r>
+                      <m:rPr>
+                        <m:sty m:val="p"/>
+                      </m:rPr>
+                      <a:rPr lang="en-US" altLang="zh-TW">
+                        <a:solidFill>
+                          <a:srgbClr val="FF0000"/>
+                        </a:solidFill>
+                        <a:latin typeface="Cambria Math" panose="02040503050406030204" pitchFamily="18" charset="0"/>
+                      </a:rPr>
+                      <m:t>s</m:t>
+                    </m:r>
+                  </m:oMath>
+                </a14:m>
+                <a:endParaRPr lang="en-US" altLang="zh-TW" dirty="0"/>
+              </a:p>
+            </p:txBody>
+          </p:sp>
+        </mc:Choice>
+        <mc:Fallback>
+          <p:sp>
+            <p:nvSpPr>
+              <p:cNvPr id="24" name="矩形 23"/>
+              <p:cNvSpPr>
+                <a:spLocks noRot="1" noChangeAspect="1" noMove="1" noResize="1" noEditPoints="1" noAdjustHandles="1" noChangeArrowheads="1" noChangeShapeType="1" noTextEdit="1"/>
+              </p:cNvSpPr>
+              <p:nvPr/>
+            </p:nvSpPr>
+            <p:spPr>
+              <a:xfrm>
+                <a:off x="6208186" y="5547067"/>
+                <a:ext cx="1220206" cy="369332"/>
+              </a:xfrm>
+              <a:prstGeom prst="rect">
+                <a:avLst/>
+              </a:prstGeom>
+              <a:blipFill rotWithShape="0">
+                <a:blip r:embed="rId8"/>
+                <a:stretch>
+                  <a:fillRect l="-3980" t="-9836" b="-24590"/>
+                </a:stretch>
+              </a:blipFill>
+            </p:spPr>
+            <p:txBody>
+              <a:bodyPr/>
+              <a:lstStyle/>
+              <a:p>
+                <a:r>
+                  <a:rPr lang="zh-TW" altLang="en-US">
+                    <a:noFill/>
+                  </a:rPr>
+                  <a:t> </a:t>
+                </a:r>
+              </a:p>
+            </p:txBody>
+          </p:sp>
+        </mc:Fallback>
+      </mc:AlternateContent>
+      <p:sp>
+        <p:nvSpPr>
+          <p:cNvPr id="27" name="矩形 26"/>
+          <p:cNvSpPr/>
+          <p:nvPr/>
+        </p:nvSpPr>
+        <p:spPr>
+          <a:xfrm>
+            <a:off x="5415705" y="6163075"/>
+            <a:ext cx="385042" cy="369332"/>
+          </a:xfrm>
+          <a:prstGeom prst="rect">
+            <a:avLst/>
+          </a:prstGeom>
+        </p:spPr>
+        <p:txBody>
+          <a:bodyPr wrap="none">
+            <a:spAutoFit/>
+          </a:bodyPr>
+          <a:lstStyle/>
+          <a:p>
+            <a:r>
+              <a:rPr lang="en-US" altLang="zh-TW" dirty="0"/>
+              <a:t>x</a:t>
+            </a:r>
+            <a:r>
+              <a:rPr lang="en-US" altLang="zh-TW" sz="1200" dirty="0"/>
+              <a:t>1</a:t>
+            </a:r>
+            <a:endParaRPr lang="zh-TW" altLang="en-US" dirty="0"/>
+          </a:p>
+        </p:txBody>
+      </p:sp>
+      <p:sp>
+        <p:nvSpPr>
+          <p:cNvPr id="28" name="矩形 27"/>
+          <p:cNvSpPr/>
+          <p:nvPr/>
+        </p:nvSpPr>
+        <p:spPr>
+          <a:xfrm>
+            <a:off x="2538907" y="4161542"/>
+            <a:ext cx="385042" cy="369332"/>
+          </a:xfrm>
+          <a:prstGeom prst="rect">
+            <a:avLst/>
+          </a:prstGeom>
+        </p:spPr>
+        <p:txBody>
+          <a:bodyPr wrap="none">
+            <a:spAutoFit/>
+          </a:bodyPr>
+          <a:lstStyle/>
+          <a:p>
+            <a:r>
+              <a:rPr lang="en-US" altLang="zh-TW" dirty="0"/>
+              <a:t>x</a:t>
+            </a:r>
+            <a:r>
+              <a:rPr lang="en-US" altLang="zh-TW" sz="1200" dirty="0"/>
+              <a:t>2</a:t>
+            </a:r>
+            <a:endParaRPr lang="zh-TW" altLang="en-US" dirty="0"/>
+          </a:p>
+        </p:txBody>
+      </p:sp>
     </p:spTree>
     <p:extLst>
       <p:ext uri="{BB962C8B-B14F-4D97-AF65-F5344CB8AC3E}">
@@ -7936,9 +8567,437 @@
   <p:timing>
     <p:tnLst>
       <p:par>
-        <p:cTn id="1" dur="indefinite" restart="never" nodeType="tmRoot"/>
+        <p:cTn id="1" dur="indefinite" restart="never" nodeType="tmRoot">
+          <p:childTnLst>
+            <p:seq concurrent="1" nextAc="seek">
+              <p:cTn id="2" dur="indefinite" nodeType="mainSeq">
+                <p:childTnLst>
+                  <p:par>
+                    <p:cTn id="3" fill="hold">
+                      <p:stCondLst>
+                        <p:cond delay="indefinite"/>
+                      </p:stCondLst>
+                      <p:childTnLst>
+                        <p:par>
+                          <p:cTn id="4" fill="hold">
+                            <p:stCondLst>
+                              <p:cond delay="0"/>
+                            </p:stCondLst>
+                            <p:childTnLst>
+                              <p:par>
+                                <p:cTn id="5" presetID="1" presetClass="entr" presetSubtype="0" fill="hold" nodeType="clickEffect">
+                                  <p:stCondLst>
+                                    <p:cond delay="0"/>
+                                  </p:stCondLst>
+                                  <p:childTnLst>
+                                    <p:set>
+                                      <p:cBhvr>
+                                        <p:cTn id="6" dur="1" fill="hold">
+                                          <p:stCondLst>
+                                            <p:cond delay="0"/>
+                                          </p:stCondLst>
+                                        </p:cTn>
+                                        <p:tgtEl>
+                                          <p:spTgt spid="5"/>
+                                        </p:tgtEl>
+                                        <p:attrNameLst>
+                                          <p:attrName>style.visibility</p:attrName>
+                                        </p:attrNameLst>
+                                      </p:cBhvr>
+                                      <p:to>
+                                        <p:strVal val="visible"/>
+                                      </p:to>
+                                    </p:set>
+                                  </p:childTnLst>
+                                </p:cTn>
+                              </p:par>
+                              <p:par>
+                                <p:cTn id="7" presetID="1" presetClass="entr" presetSubtype="0" fill="hold" nodeType="withEffect">
+                                  <p:stCondLst>
+                                    <p:cond delay="0"/>
+                                  </p:stCondLst>
+                                  <p:childTnLst>
+                                    <p:set>
+                                      <p:cBhvr>
+                                        <p:cTn id="8" dur="1" fill="hold">
+                                          <p:stCondLst>
+                                            <p:cond delay="0"/>
+                                          </p:stCondLst>
+                                        </p:cTn>
+                                        <p:tgtEl>
+                                          <p:spTgt spid="6"/>
+                                        </p:tgtEl>
+                                        <p:attrNameLst>
+                                          <p:attrName>style.visibility</p:attrName>
+                                        </p:attrNameLst>
+                                      </p:cBhvr>
+                                      <p:to>
+                                        <p:strVal val="visible"/>
+                                      </p:to>
+                                    </p:set>
+                                  </p:childTnLst>
+                                </p:cTn>
+                              </p:par>
+                              <p:par>
+                                <p:cTn id="9" presetID="1" presetClass="entr" presetSubtype="0" fill="hold" grpId="0" nodeType="withEffect">
+                                  <p:stCondLst>
+                                    <p:cond delay="0"/>
+                                  </p:stCondLst>
+                                  <p:childTnLst>
+                                    <p:set>
+                                      <p:cBhvr>
+                                        <p:cTn id="10" dur="1" fill="hold">
+                                          <p:stCondLst>
+                                            <p:cond delay="0"/>
+                                          </p:stCondLst>
+                                        </p:cTn>
+                                        <p:tgtEl>
+                                          <p:spTgt spid="28"/>
+                                        </p:tgtEl>
+                                        <p:attrNameLst>
+                                          <p:attrName>style.visibility</p:attrName>
+                                        </p:attrNameLst>
+                                      </p:cBhvr>
+                                      <p:to>
+                                        <p:strVal val="visible"/>
+                                      </p:to>
+                                    </p:set>
+                                  </p:childTnLst>
+                                </p:cTn>
+                              </p:par>
+                              <p:par>
+                                <p:cTn id="11" presetID="1" presetClass="entr" presetSubtype="0" fill="hold" grpId="0" nodeType="withEffect">
+                                  <p:stCondLst>
+                                    <p:cond delay="0"/>
+                                  </p:stCondLst>
+                                  <p:childTnLst>
+                                    <p:set>
+                                      <p:cBhvr>
+                                        <p:cTn id="12" dur="1" fill="hold">
+                                          <p:stCondLst>
+                                            <p:cond delay="0"/>
+                                          </p:stCondLst>
+                                        </p:cTn>
+                                        <p:tgtEl>
+                                          <p:spTgt spid="27"/>
+                                        </p:tgtEl>
+                                        <p:attrNameLst>
+                                          <p:attrName>style.visibility</p:attrName>
+                                        </p:attrNameLst>
+                                      </p:cBhvr>
+                                      <p:to>
+                                        <p:strVal val="visible"/>
+                                      </p:to>
+                                    </p:set>
+                                  </p:childTnLst>
+                                </p:cTn>
+                              </p:par>
+                            </p:childTnLst>
+                          </p:cTn>
+                        </p:par>
+                      </p:childTnLst>
+                    </p:cTn>
+                  </p:par>
+                  <p:par>
+                    <p:cTn id="13" fill="hold">
+                      <p:stCondLst>
+                        <p:cond delay="indefinite"/>
+                      </p:stCondLst>
+                      <p:childTnLst>
+                        <p:par>
+                          <p:cTn id="14" fill="hold">
+                            <p:stCondLst>
+                              <p:cond delay="0"/>
+                            </p:stCondLst>
+                            <p:childTnLst>
+                              <p:par>
+                                <p:cTn id="15" presetID="1" presetClass="entr" presetSubtype="0" fill="hold" nodeType="clickEffect">
+                                  <p:stCondLst>
+                                    <p:cond delay="0"/>
+                                  </p:stCondLst>
+                                  <p:childTnLst>
+                                    <p:set>
+                                      <p:cBhvr>
+                                        <p:cTn id="16" dur="1" fill="hold">
+                                          <p:stCondLst>
+                                            <p:cond delay="0"/>
+                                          </p:stCondLst>
+                                        </p:cTn>
+                                        <p:tgtEl>
+                                          <p:spTgt spid="10"/>
+                                        </p:tgtEl>
+                                        <p:attrNameLst>
+                                          <p:attrName>style.visibility</p:attrName>
+                                        </p:attrNameLst>
+                                      </p:cBhvr>
+                                      <p:to>
+                                        <p:strVal val="visible"/>
+                                      </p:to>
+                                    </p:set>
+                                  </p:childTnLst>
+                                </p:cTn>
+                              </p:par>
+                              <p:par>
+                                <p:cTn id="17" presetID="1" presetClass="entr" presetSubtype="0" fill="hold" nodeType="withEffect">
+                                  <p:stCondLst>
+                                    <p:cond delay="0"/>
+                                  </p:stCondLst>
+                                  <p:childTnLst>
+                                    <p:set>
+                                      <p:cBhvr>
+                                        <p:cTn id="18" dur="1" fill="hold">
+                                          <p:stCondLst>
+                                            <p:cond delay="0"/>
+                                          </p:stCondLst>
+                                        </p:cTn>
+                                        <p:tgtEl>
+                                          <p:spTgt spid="8"/>
+                                        </p:tgtEl>
+                                        <p:attrNameLst>
+                                          <p:attrName>style.visibility</p:attrName>
+                                        </p:attrNameLst>
+                                      </p:cBhvr>
+                                      <p:to>
+                                        <p:strVal val="visible"/>
+                                      </p:to>
+                                    </p:set>
+                                  </p:childTnLst>
+                                </p:cTn>
+                              </p:par>
+                              <p:par>
+                                <p:cTn id="19" presetID="1" presetClass="entr" presetSubtype="0" fill="hold" grpId="0" nodeType="withEffect">
+                                  <p:stCondLst>
+                                    <p:cond delay="0"/>
+                                  </p:stCondLst>
+                                  <p:childTnLst>
+                                    <p:set>
+                                      <p:cBhvr>
+                                        <p:cTn id="20" dur="1" fill="hold">
+                                          <p:stCondLst>
+                                            <p:cond delay="0"/>
+                                          </p:stCondLst>
+                                        </p:cTn>
+                                        <p:tgtEl>
+                                          <p:spTgt spid="22"/>
+                                        </p:tgtEl>
+                                        <p:attrNameLst>
+                                          <p:attrName>style.visibility</p:attrName>
+                                        </p:attrNameLst>
+                                      </p:cBhvr>
+                                      <p:to>
+                                        <p:strVal val="visible"/>
+                                      </p:to>
+                                    </p:set>
+                                  </p:childTnLst>
+                                </p:cTn>
+                              </p:par>
+                            </p:childTnLst>
+                          </p:cTn>
+                        </p:par>
+                      </p:childTnLst>
+                    </p:cTn>
+                  </p:par>
+                  <p:par>
+                    <p:cTn id="21" fill="hold">
+                      <p:stCondLst>
+                        <p:cond delay="indefinite"/>
+                      </p:stCondLst>
+                      <p:childTnLst>
+                        <p:par>
+                          <p:cTn id="22" fill="hold">
+                            <p:stCondLst>
+                              <p:cond delay="0"/>
+                            </p:stCondLst>
+                            <p:childTnLst>
+                              <p:par>
+                                <p:cTn id="23" presetID="1" presetClass="entr" presetSubtype="0" fill="hold" grpId="0" nodeType="clickEffect">
+                                  <p:stCondLst>
+                                    <p:cond delay="0"/>
+                                  </p:stCondLst>
+                                  <p:childTnLst>
+                                    <p:set>
+                                      <p:cBhvr>
+                                        <p:cTn id="24" dur="1" fill="hold">
+                                          <p:stCondLst>
+                                            <p:cond delay="0"/>
+                                          </p:stCondLst>
+                                        </p:cTn>
+                                        <p:tgtEl>
+                                          <p:spTgt spid="9"/>
+                                        </p:tgtEl>
+                                        <p:attrNameLst>
+                                          <p:attrName>style.visibility</p:attrName>
+                                        </p:attrNameLst>
+                                      </p:cBhvr>
+                                      <p:to>
+                                        <p:strVal val="visible"/>
+                                      </p:to>
+                                    </p:set>
+                                  </p:childTnLst>
+                                </p:cTn>
+                              </p:par>
+                              <p:par>
+                                <p:cTn id="25" presetID="1" presetClass="entr" presetSubtype="0" fill="hold" grpId="0" nodeType="withEffect">
+                                  <p:stCondLst>
+                                    <p:cond delay="0"/>
+                                  </p:stCondLst>
+                                  <p:childTnLst>
+                                    <p:set>
+                                      <p:cBhvr>
+                                        <p:cTn id="26" dur="1" fill="hold">
+                                          <p:stCondLst>
+                                            <p:cond delay="0"/>
+                                          </p:stCondLst>
+                                        </p:cTn>
+                                        <p:tgtEl>
+                                          <p:spTgt spid="23"/>
+                                        </p:tgtEl>
+                                        <p:attrNameLst>
+                                          <p:attrName>style.visibility</p:attrName>
+                                        </p:attrNameLst>
+                                      </p:cBhvr>
+                                      <p:to>
+                                        <p:strVal val="visible"/>
+                                      </p:to>
+                                    </p:set>
+                                  </p:childTnLst>
+                                </p:cTn>
+                              </p:par>
+                            </p:childTnLst>
+                          </p:cTn>
+                        </p:par>
+                      </p:childTnLst>
+                    </p:cTn>
+                  </p:par>
+                  <p:par>
+                    <p:cTn id="27" fill="hold">
+                      <p:stCondLst>
+                        <p:cond delay="indefinite"/>
+                      </p:stCondLst>
+                      <p:childTnLst>
+                        <p:par>
+                          <p:cTn id="28" fill="hold">
+                            <p:stCondLst>
+                              <p:cond delay="0"/>
+                            </p:stCondLst>
+                            <p:childTnLst>
+                              <p:par>
+                                <p:cTn id="29" presetID="1" presetClass="entr" presetSubtype="0" fill="hold" nodeType="clickEffect">
+                                  <p:stCondLst>
+                                    <p:cond delay="0"/>
+                                  </p:stCondLst>
+                                  <p:childTnLst>
+                                    <p:set>
+                                      <p:cBhvr>
+                                        <p:cTn id="30" dur="1" fill="hold">
+                                          <p:stCondLst>
+                                            <p:cond delay="0"/>
+                                          </p:stCondLst>
+                                        </p:cTn>
+                                        <p:tgtEl>
+                                          <p:spTgt spid="13"/>
+                                        </p:tgtEl>
+                                        <p:attrNameLst>
+                                          <p:attrName>style.visibility</p:attrName>
+                                        </p:attrNameLst>
+                                      </p:cBhvr>
+                                      <p:to>
+                                        <p:strVal val="visible"/>
+                                      </p:to>
+                                    </p:set>
+                                  </p:childTnLst>
+                                </p:cTn>
+                              </p:par>
+                              <p:par>
+                                <p:cTn id="31" presetID="1" presetClass="entr" presetSubtype="0" fill="hold" grpId="0" nodeType="withEffect">
+                                  <p:stCondLst>
+                                    <p:cond delay="0"/>
+                                  </p:stCondLst>
+                                  <p:childTnLst>
+                                    <p:set>
+                                      <p:cBhvr>
+                                        <p:cTn id="32" dur="1" fill="hold">
+                                          <p:stCondLst>
+                                            <p:cond delay="0"/>
+                                          </p:stCondLst>
+                                        </p:cTn>
+                                        <p:tgtEl>
+                                          <p:spTgt spid="11"/>
+                                        </p:tgtEl>
+                                        <p:attrNameLst>
+                                          <p:attrName>style.visibility</p:attrName>
+                                        </p:attrNameLst>
+                                      </p:cBhvr>
+                                      <p:to>
+                                        <p:strVal val="visible"/>
+                                      </p:to>
+                                    </p:set>
+                                  </p:childTnLst>
+                                </p:cTn>
+                              </p:par>
+                              <p:par>
+                                <p:cTn id="33" presetID="1" presetClass="entr" presetSubtype="0" fill="hold" grpId="0" nodeType="withEffect">
+                                  <p:stCondLst>
+                                    <p:cond delay="0"/>
+                                  </p:stCondLst>
+                                  <p:childTnLst>
+                                    <p:set>
+                                      <p:cBhvr>
+                                        <p:cTn id="34" dur="1" fill="hold">
+                                          <p:stCondLst>
+                                            <p:cond delay="0"/>
+                                          </p:stCondLst>
+                                        </p:cTn>
+                                        <p:tgtEl>
+                                          <p:spTgt spid="24"/>
+                                        </p:tgtEl>
+                                        <p:attrNameLst>
+                                          <p:attrName>style.visibility</p:attrName>
+                                        </p:attrNameLst>
+                                      </p:cBhvr>
+                                      <p:to>
+                                        <p:strVal val="visible"/>
+                                      </p:to>
+                                    </p:set>
+                                  </p:childTnLst>
+                                </p:cTn>
+                              </p:par>
+                            </p:childTnLst>
+                          </p:cTn>
+                        </p:par>
+                      </p:childTnLst>
+                    </p:cTn>
+                  </p:par>
+                </p:childTnLst>
+              </p:cTn>
+              <p:prevCondLst>
+                <p:cond evt="onPrev" delay="0">
+                  <p:tgtEl>
+                    <p:sldTgt/>
+                  </p:tgtEl>
+                </p:cond>
+              </p:prevCondLst>
+              <p:nextCondLst>
+                <p:cond evt="onNext" delay="0">
+                  <p:tgtEl>
+                    <p:sldTgt/>
+                  </p:tgtEl>
+                </p:cond>
+              </p:nextCondLst>
+            </p:seq>
+          </p:childTnLst>
+        </p:cTn>
       </p:par>
     </p:tnLst>
+    <p:bldLst>
+      <p:bldP spid="9" grpId="0"/>
+      <p:bldP spid="11" grpId="0"/>
+      <p:bldP spid="22" grpId="0"/>
+      <p:bldP spid="23" grpId="0"/>
+      <p:bldP spid="24" grpId="0"/>
+      <p:bldP spid="27" grpId="0"/>
+      <p:bldP spid="28" grpId="0"/>
+    </p:bldLst>
   </p:timing>
 </p:sld>
 </file>
@@ -8078,16 +9137,7 @@
                 </a:solidFill>
                 <a:latin typeface="+mj-lt"/>
               </a:rPr>
-              <a:t>Decision </a:t>
-            </a:r>
-            <a:r>
-              <a:rPr lang="en-US" altLang="zh-TW" sz="3200" dirty="0" smtClean="0">
-                <a:solidFill>
-                  <a:schemeClr val="tx1"/>
-                </a:solidFill>
-                <a:latin typeface="+mj-lt"/>
-              </a:rPr>
-              <a:t>stump example</a:t>
+              <a:t>Decision stump example</a:t>
             </a:r>
             <a:endParaRPr lang="en-US" altLang="zh-TW" sz="3200" dirty="0">
               <a:solidFill>
@@ -10759,7 +11809,7 @@
           <a:graphicData uri="http://schemas.openxmlformats.org/presentationml/2006/ole">
             <mc:AlternateContent xmlns:mc="http://schemas.openxmlformats.org/markup-compatibility/2006">
               <mc:Choice xmlns:v="urn:schemas-microsoft-com:vml" Requires="v">
-                <p:oleObj spid="_x0000_s2412" name="方程式" r:id="rId4" imgW="342751" imgH="203112" progId="Equation.3">
+                <p:oleObj spid="_x0000_s2436" name="方程式" r:id="rId4" imgW="342751" imgH="203112" progId="Equation.3">
                   <p:embed/>
                 </p:oleObj>
               </mc:Choice>
@@ -10835,7 +11885,7 @@
           <a:graphicData uri="http://schemas.openxmlformats.org/presentationml/2006/ole">
             <mc:AlternateContent xmlns:mc="http://schemas.openxmlformats.org/markup-compatibility/2006">
               <mc:Choice xmlns:v="urn:schemas-microsoft-com:vml" Requires="v">
-                <p:oleObj spid="_x0000_s2413" name="方程式" r:id="rId6" imgW="1803400" imgH="228600" progId="Equation.3">
+                <p:oleObj spid="_x0000_s2437" name="方程式" r:id="rId6" imgW="1803400" imgH="228600" progId="Equation.3">
                   <p:embed/>
                 </p:oleObj>
               </mc:Choice>
@@ -10905,7 +11955,7 @@
           <a:graphicData uri="http://schemas.openxmlformats.org/presentationml/2006/ole">
             <mc:AlternateContent xmlns:mc="http://schemas.openxmlformats.org/markup-compatibility/2006">
               <mc:Choice xmlns:v="urn:schemas-microsoft-com:vml" Requires="v">
-                <p:oleObj spid="_x0000_s2414" name="方程式" r:id="rId8" imgW="126725" imgH="126725" progId="Equation.3">
+                <p:oleObj spid="_x0000_s2438" name="方程式" r:id="rId8" imgW="126725" imgH="126725" progId="Equation.3">
                   <p:embed/>
                 </p:oleObj>
               </mc:Choice>
@@ -11929,7 +12979,7 @@
           <a:graphicData uri="http://schemas.openxmlformats.org/presentationml/2006/ole">
             <mc:AlternateContent xmlns:mc="http://schemas.openxmlformats.org/markup-compatibility/2006">
               <mc:Choice xmlns:v="urn:schemas-microsoft-com:vml" Requires="v">
-                <p:oleObj spid="_x0000_s3396" name="方程式" r:id="rId4" imgW="342751" imgH="203112" progId="Equation.3">
+                <p:oleObj spid="_x0000_s3420" name="方程式" r:id="rId4" imgW="342751" imgH="203112" progId="Equation.3">
                   <p:embed/>
                 </p:oleObj>
               </mc:Choice>
@@ -11999,7 +13049,7 @@
           <a:graphicData uri="http://schemas.openxmlformats.org/presentationml/2006/ole">
             <mc:AlternateContent xmlns:mc="http://schemas.openxmlformats.org/markup-compatibility/2006">
               <mc:Choice xmlns:v="urn:schemas-microsoft-com:vml" Requires="v">
-                <p:oleObj spid="_x0000_s3397" name="方程式" r:id="rId6" imgW="126725" imgH="126725" progId="Equation.3">
+                <p:oleObj spid="_x0000_s3421" name="方程式" r:id="rId6" imgW="126725" imgH="126725" progId="Equation.3">
                   <p:embed/>
                 </p:oleObj>
               </mc:Choice>
@@ -12279,7 +13329,7 @@
           <a:graphicData uri="http://schemas.openxmlformats.org/presentationml/2006/ole">
             <mc:AlternateContent xmlns:mc="http://schemas.openxmlformats.org/markup-compatibility/2006">
               <mc:Choice xmlns:v="urn:schemas-microsoft-com:vml" Requires="v">
-                <p:oleObj spid="_x0000_s3398" name="方程式" r:id="rId9" imgW="1803400" imgH="228600" progId="Equation.3">
+                <p:oleObj spid="_x0000_s3422" name="方程式" r:id="rId9" imgW="1803400" imgH="228600" progId="Equation.3">
                   <p:embed/>
                 </p:oleObj>
               </mc:Choice>
@@ -12737,7 +13787,7 @@
           <a:graphicData uri="http://schemas.openxmlformats.org/presentationml/2006/ole">
             <mc:AlternateContent xmlns:mc="http://schemas.openxmlformats.org/markup-compatibility/2006">
               <mc:Choice xmlns:v="urn:schemas-microsoft-com:vml" Requires="v">
-                <p:oleObj spid="_x0000_s25866" name="方程式" r:id="rId4" imgW="368140" imgH="215806" progId="Equation.3">
+                <p:oleObj spid="_x0000_s25898" name="方程式" r:id="rId4" imgW="368140" imgH="215806" progId="Equation.3">
                   <p:embed/>
                 </p:oleObj>
               </mc:Choice>
@@ -13166,7 +14216,7 @@
           <a:graphicData uri="http://schemas.openxmlformats.org/presentationml/2006/ole">
             <mc:AlternateContent xmlns:mc="http://schemas.openxmlformats.org/markup-compatibility/2006">
               <mc:Choice xmlns:v="urn:schemas-microsoft-com:vml" Requires="v">
-                <p:oleObj spid="_x0000_s25867" name="方程式" r:id="rId6" imgW="380835" imgH="215806" progId="Equation.3">
+                <p:oleObj spid="_x0000_s25899" name="方程式" r:id="rId6" imgW="380835" imgH="215806" progId="Equation.3">
                   <p:embed/>
                 </p:oleObj>
               </mc:Choice>
@@ -13595,7 +14645,7 @@
           <a:graphicData uri="http://schemas.openxmlformats.org/presentationml/2006/ole">
             <mc:AlternateContent xmlns:mc="http://schemas.openxmlformats.org/markup-compatibility/2006">
               <mc:Choice xmlns:v="urn:schemas-microsoft-com:vml" Requires="v">
-                <p:oleObj spid="_x0000_s25868" name="方程式" r:id="rId8" imgW="381000" imgH="228600" progId="Equation.3">
+                <p:oleObj spid="_x0000_s25900" name="方程式" r:id="rId8" imgW="381000" imgH="228600" progId="Equation.3">
                   <p:embed/>
                 </p:oleObj>
               </mc:Choice>
@@ -14163,7 +15213,7 @@
           <a:graphicData uri="http://schemas.openxmlformats.org/presentationml/2006/ole">
             <mc:AlternateContent xmlns:mc="http://schemas.openxmlformats.org/markup-compatibility/2006">
               <mc:Choice xmlns:v="urn:schemas-microsoft-com:vml" Requires="v">
-                <p:oleObj spid="_x0000_s25869" name="方程式" r:id="rId10" imgW="419100" imgH="228600" progId="Equation.3">
+                <p:oleObj spid="_x0000_s25901" name="方程式" r:id="rId10" imgW="419100" imgH="228600" progId="Equation.3">
                   <p:embed/>
                 </p:oleObj>
               </mc:Choice>
@@ -16174,7 +17224,7 @@
           <a:graphicData uri="http://schemas.openxmlformats.org/presentationml/2006/ole">
             <mc:AlternateContent xmlns:mc="http://schemas.openxmlformats.org/markup-compatibility/2006">
               <mc:Choice xmlns:v="urn:schemas-microsoft-com:vml" Requires="v">
-                <p:oleObj spid="_x0000_s27022" name="方程式" r:id="rId3" imgW="3644900" imgH="228600" progId="Equation.3">
+                <p:oleObj spid="_x0000_s27070" name="方程式" r:id="rId3" imgW="3644900" imgH="228600" progId="Equation.3">
                   <p:embed/>
                 </p:oleObj>
               </mc:Choice>
@@ -16282,7 +17332,7 @@
           <a:graphicData uri="http://schemas.openxmlformats.org/presentationml/2006/ole">
             <mc:AlternateContent xmlns:mc="http://schemas.openxmlformats.org/markup-compatibility/2006">
               <mc:Choice xmlns:v="urn:schemas-microsoft-com:vml" Requires="v">
-                <p:oleObj spid="_x0000_s27023" name="方程式" r:id="rId5" imgW="1282700" imgH="431800" progId="Equation.3">
+                <p:oleObj spid="_x0000_s27071" name="方程式" r:id="rId5" imgW="1282700" imgH="431800" progId="Equation.3">
                   <p:embed/>
                 </p:oleObj>
               </mc:Choice>
@@ -16352,7 +17402,7 @@
           <a:graphicData uri="http://schemas.openxmlformats.org/presentationml/2006/ole">
             <mc:AlternateContent xmlns:mc="http://schemas.openxmlformats.org/markup-compatibility/2006">
               <mc:Choice xmlns:v="urn:schemas-microsoft-com:vml" Requires="v">
-                <p:oleObj spid="_x0000_s27024" name="方程式" r:id="rId7" imgW="406224" imgH="228501" progId="Equation.3">
+                <p:oleObj spid="_x0000_s27072" name="方程式" r:id="rId7" imgW="406224" imgH="228501" progId="Equation.3">
                   <p:embed/>
                 </p:oleObj>
               </mc:Choice>
@@ -16445,7 +17495,7 @@
           <a:graphicData uri="http://schemas.openxmlformats.org/presentationml/2006/ole">
             <mc:AlternateContent xmlns:mc="http://schemas.openxmlformats.org/markup-compatibility/2006">
               <mc:Choice xmlns:v="urn:schemas-microsoft-com:vml" Requires="v">
-                <p:oleObj spid="_x0000_s27025" name="方程式" r:id="rId9" imgW="190500" imgH="228600" progId="Equation.3">
+                <p:oleObj spid="_x0000_s27073" name="方程式" r:id="rId9" imgW="190500" imgH="228600" progId="Equation.3">
                   <p:embed/>
                 </p:oleObj>
               </mc:Choice>
@@ -16636,7 +17686,7 @@
           <a:graphicData uri="http://schemas.openxmlformats.org/presentationml/2006/ole">
             <mc:AlternateContent xmlns:mc="http://schemas.openxmlformats.org/markup-compatibility/2006">
               <mc:Choice xmlns:v="urn:schemas-microsoft-com:vml" Requires="v">
-                <p:oleObj spid="_x0000_s27026" name="方程式" r:id="rId11" imgW="672808" imgH="393529" progId="Equation.3">
+                <p:oleObj spid="_x0000_s27074" name="方程式" r:id="rId11" imgW="672808" imgH="393529" progId="Equation.3">
                   <p:embed/>
                 </p:oleObj>
               </mc:Choice>
@@ -16729,7 +17779,7 @@
           <a:graphicData uri="http://schemas.openxmlformats.org/presentationml/2006/ole">
             <mc:AlternateContent xmlns:mc="http://schemas.openxmlformats.org/markup-compatibility/2006">
               <mc:Choice xmlns:v="urn:schemas-microsoft-com:vml" Requires="v">
-                <p:oleObj spid="_x0000_s27027" name="方程式" r:id="rId13" imgW="431613" imgH="228501" progId="Equation.3">
+                <p:oleObj spid="_x0000_s27075" name="方程式" r:id="rId13" imgW="431613" imgH="228501" progId="Equation.3">
                   <p:embed/>
                 </p:oleObj>
               </mc:Choice>
@@ -23237,6 +24287,7 @@
               <a:spcBef>
                 <a:spcPct val="20000"/>
               </a:spcBef>
+              <a:buSzPct val="70000"/>
               <a:buFont typeface="Wingdings" pitchFamily="2" charset="2"/>
               <a:buChar char="l"/>
               <a:defRPr/>
@@ -23255,6 +24306,7 @@
               <a:spcBef>
                 <a:spcPct val="20000"/>
               </a:spcBef>
+              <a:buSzPct val="70000"/>
               <a:buFont typeface="Wingdings" pitchFamily="2" charset="2"/>
               <a:buChar char="l"/>
               <a:defRPr/>
@@ -39530,7 +40582,7 @@
         <p:spPr>
           <a:xfrm>
             <a:off x="228600" y="986319"/>
-            <a:ext cx="8689622" cy="812530"/>
+            <a:ext cx="8689622" cy="369332"/>
           </a:xfrm>
           <a:prstGeom prst="rect">
             <a:avLst/>
@@ -39546,61 +40598,20 @@
               <a:spcBef>
                 <a:spcPct val="20000"/>
               </a:spcBef>
+              <a:buSzPct val="70000"/>
               <a:buFont typeface="Wingdings" pitchFamily="2" charset="2"/>
               <a:buChar char="l"/>
               <a:defRPr/>
             </a:pPr>
             <a:r>
+              <a:rPr lang="en-US" altLang="zh-TW" sz="2400" dirty="0"/>
+              <a:t>Rule 1: Bananas are </a:t>
+            </a:r>
+            <a:r>
               <a:rPr lang="en-US" altLang="zh-TW" sz="2400" dirty="0" smtClean="0"/>
-              <a:t>Rule 1: Bananas are yellow</a:t>
+              <a:t>yellow</a:t>
             </a:r>
-            <a:endParaRPr kumimoji="0" lang="en-US" altLang="zh-TW" sz="2400" b="0" i="0" u="none" strike="noStrike" kern="1200" cap="none" spc="0" normalizeH="0" baseline="0" noProof="0" dirty="0" smtClean="0">
-              <a:ln>
-                <a:noFill/>
-              </a:ln>
-              <a:solidFill>
-                <a:schemeClr val="tx1"/>
-              </a:solidFill>
-              <a:effectLst/>
-              <a:uLnTx/>
-              <a:uFillTx/>
-              <a:latin typeface="+mn-lt"/>
-              <a:ea typeface="+mn-ea"/>
-              <a:cs typeface="+mn-cs"/>
-            </a:endParaRPr>
-          </a:p>
-          <a:p>
-            <a:pPr marL="1200150" marR="0" lvl="1" indent="-457200" algn="l" defTabSz="457200" rtl="0" eaLnBrk="1" fontAlgn="auto" latinLnBrk="0" hangingPunct="1">
-              <a:lnSpc>
-                <a:spcPct val="100000"/>
-              </a:lnSpc>
-              <a:spcBef>
-                <a:spcPct val="20000"/>
-              </a:spcBef>
-              <a:spcAft>
-                <a:spcPts val="0"/>
-              </a:spcAft>
-              <a:buClrTx/>
-              <a:buSzTx/>
-              <a:buFont typeface="Wingdings" pitchFamily="2" charset="2"/>
-              <a:buChar char="l"/>
-              <a:tabLst/>
-              <a:defRPr/>
-            </a:pPr>
-            <a:endParaRPr kumimoji="0" lang="en-US" altLang="zh-TW" sz="2400" b="0" i="0" u="none" strike="noStrike" kern="1200" cap="none" spc="0" normalizeH="0" baseline="0" noProof="0" dirty="0" smtClean="0">
-              <a:ln>
-                <a:noFill/>
-              </a:ln>
-              <a:solidFill>
-                <a:schemeClr val="tx1"/>
-              </a:solidFill>
-              <a:effectLst/>
-              <a:uLnTx/>
-              <a:uFillTx/>
-              <a:latin typeface="Arial"/>
-              <a:ea typeface="+mn-ea"/>
-              <a:cs typeface="+mn-cs"/>
-            </a:endParaRPr>
+            <a:endParaRPr lang="en-US" altLang="zh-TW" sz="2400" dirty="0"/>
           </a:p>
         </p:txBody>
       </p:sp>
@@ -40547,28 +41558,15 @@
               <a:spcBef>
                 <a:spcPct val="20000"/>
               </a:spcBef>
+              <a:buSzPct val="70000"/>
               <a:buFont typeface="Wingdings" pitchFamily="2" charset="2"/>
               <a:buChar char="l"/>
               <a:defRPr/>
             </a:pPr>
             <a:r>
-              <a:rPr lang="en-US" altLang="zh-TW" sz="2400" dirty="0" smtClean="0"/>
+              <a:rPr lang="en-US" altLang="zh-TW" sz="2400" dirty="0"/>
               <a:t>Rule 2: Bananas can be green</a:t>
             </a:r>
-            <a:endParaRPr kumimoji="0" lang="en-US" altLang="zh-TW" sz="2400" b="0" i="0" u="none" strike="noStrike" kern="1200" cap="none" spc="0" normalizeH="0" baseline="0" noProof="0" dirty="0" smtClean="0">
-              <a:ln>
-                <a:noFill/>
-              </a:ln>
-              <a:solidFill>
-                <a:schemeClr val="tx1"/>
-              </a:solidFill>
-              <a:effectLst/>
-              <a:uLnTx/>
-              <a:uFillTx/>
-              <a:latin typeface="+mn-lt"/>
-              <a:ea typeface="+mn-ea"/>
-              <a:cs typeface="+mn-cs"/>
-            </a:endParaRPr>
           </a:p>
         </p:txBody>
       </p:sp>
@@ -41634,6 +42632,7 @@
               <a:spcBef>
                 <a:spcPct val="20000"/>
               </a:spcBef>
+              <a:buSzPct val="70000"/>
               <a:buFont typeface="Wingdings" pitchFamily="2" charset="2"/>
               <a:buChar char="l"/>
               <a:defRPr/>
@@ -42499,6 +43498,7 @@
               <a:spcBef>
                 <a:spcPct val="20000"/>
               </a:spcBef>
+              <a:buSzPct val="70000"/>
               <a:buFont typeface="Wingdings" pitchFamily="2" charset="2"/>
               <a:buChar char="l"/>
               <a:defRPr/>
@@ -42779,118 +43779,6 @@
                 <a:schemeClr val="tx1"/>
               </a:solidFill>
               <a:latin typeface="+mj-lt"/>
-            </a:endParaRPr>
-          </a:p>
-        </p:txBody>
-      </p:sp>
-      <p:sp>
-        <p:nvSpPr>
-          <p:cNvPr id="23" name="圓角矩形 22"/>
-          <p:cNvSpPr/>
-          <p:nvPr/>
-        </p:nvSpPr>
-        <p:spPr>
-          <a:xfrm>
-            <a:off x="6956925" y="2947810"/>
-            <a:ext cx="1755058" cy="183627"/>
-          </a:xfrm>
-          <a:prstGeom prst="roundRect">
-            <a:avLst/>
-          </a:prstGeom>
-          <a:solidFill>
-            <a:srgbClr val="FFFF00"/>
-          </a:solidFill>
-          <a:effectLst/>
-        </p:spPr>
-        <p:style>
-          <a:lnRef idx="1">
-            <a:schemeClr val="accent6"/>
-          </a:lnRef>
-          <a:fillRef idx="3">
-            <a:schemeClr val="accent6"/>
-          </a:fillRef>
-          <a:effectRef idx="2">
-            <a:schemeClr val="accent6"/>
-          </a:effectRef>
-          <a:fontRef idx="minor">
-            <a:schemeClr val="lt1"/>
-          </a:fontRef>
-        </p:style>
-        <p:txBody>
-          <a:bodyPr rtlCol="0" anchor="ctr"/>
-          <a:lstStyle/>
-          <a:p>
-            <a:pPr algn="ctr"/>
-            <a:r>
-              <a:rPr lang="en-US" altLang="zh-TW" dirty="0" smtClean="0">
-                <a:solidFill>
-                  <a:schemeClr val="tx1"/>
-                </a:solidFill>
-              </a:rPr>
-              <a:t>Bananas</a:t>
-            </a:r>
-            <a:endParaRPr lang="zh-TW" altLang="en-US" dirty="0">
-              <a:solidFill>
-                <a:schemeClr val="tx1"/>
-              </a:solidFill>
-            </a:endParaRPr>
-          </a:p>
-        </p:txBody>
-      </p:sp>
-      <p:sp>
-        <p:nvSpPr>
-          <p:cNvPr id="28" name="圓角矩形 27"/>
-          <p:cNvSpPr/>
-          <p:nvPr/>
-        </p:nvSpPr>
-        <p:spPr>
-          <a:xfrm>
-            <a:off x="6956924" y="3977388"/>
-            <a:ext cx="1755059" cy="183627"/>
-          </a:xfrm>
-          <a:prstGeom prst="roundRect">
-            <a:avLst/>
-          </a:prstGeom>
-          <a:solidFill>
-            <a:srgbClr val="FF66FF"/>
-          </a:solidFill>
-          <a:ln>
-            <a:solidFill>
-              <a:srgbClr val="FF66FF"/>
-            </a:solidFill>
-          </a:ln>
-        </p:spPr>
-        <p:style>
-          <a:lnRef idx="1">
-            <a:schemeClr val="accent6"/>
-          </a:lnRef>
-          <a:fillRef idx="3">
-            <a:schemeClr val="accent6"/>
-          </a:fillRef>
-          <a:effectRef idx="2">
-            <a:schemeClr val="accent6"/>
-          </a:effectRef>
-          <a:fontRef idx="minor">
-            <a:schemeClr val="lt1"/>
-          </a:fontRef>
-        </p:style>
-        <p:txBody>
-          <a:bodyPr rtlCol="0" anchor="ctr"/>
-          <a:lstStyle/>
-          <a:p>
-            <a:pPr algn="ctr"/>
-            <a:r>
-              <a:rPr lang="en-US" altLang="zh-TW" dirty="0">
-                <a:solidFill>
-                  <a:schemeClr val="tx1"/>
-                </a:solidFill>
-              </a:rPr>
-              <a:t>Non-bananas</a:t>
-            </a:r>
-            <a:endParaRPr lang="zh-TW" altLang="en-US" dirty="0">
-              <a:solidFill>
-                <a:schemeClr val="tx1"/>
-              </a:solidFill>
             </a:endParaRPr>
           </a:p>
         </p:txBody>
@@ -43251,14 +44139,6 @@
           <a:lstStyle/>
           <a:p>
             <a:pPr algn="ctr"/>
-            <a:r>
-              <a:rPr lang="en-US" altLang="zh-TW" dirty="0" smtClean="0">
-                <a:solidFill>
-                  <a:schemeClr val="tx1"/>
-                </a:solidFill>
-              </a:rPr>
-              <a:t>Picture</a:t>
-            </a:r>
             <a:endParaRPr lang="zh-TW" altLang="en-US" dirty="0">
               <a:solidFill>
                 <a:schemeClr val="tx1"/>
@@ -43317,7 +44197,7 @@
         </p:nvSpPr>
         <p:spPr>
           <a:xfrm>
-            <a:off x="7628307" y="3306648"/>
+            <a:off x="872804" y="3330217"/>
             <a:ext cx="412292" cy="584775"/>
           </a:xfrm>
           <a:prstGeom prst="rect">
@@ -43381,6 +44261,115 @@
           </a:p>
         </p:txBody>
       </p:sp>
+      <p:pic>
+        <p:nvPicPr>
+          <p:cNvPr id="15" name="圖片 14"/>
+          <p:cNvPicPr>
+            <a:picLocks noChangeAspect="1"/>
+          </p:cNvPicPr>
+          <p:nvPr/>
+        </p:nvPicPr>
+        <p:blipFill>
+          <a:blip r:embed="rId3">
+            <a:extLst>
+              <a:ext uri="{28A0092B-C50C-407E-A947-70E740481C1C}">
+                <a14:useLocalDpi xmlns:a14="http://schemas.microsoft.com/office/drawing/2010/main" val="0"/>
+              </a:ext>
+            </a:extLst>
+          </a:blip>
+          <a:stretch>
+            <a:fillRect/>
+          </a:stretch>
+        </p:blipFill>
+        <p:spPr>
+          <a:xfrm>
+            <a:off x="7238852" y="3337516"/>
+            <a:ext cx="920387" cy="434694"/>
+          </a:xfrm>
+          <a:prstGeom prst="rect">
+            <a:avLst/>
+          </a:prstGeom>
+        </p:spPr>
+      </p:pic>
+      <p:sp>
+        <p:nvSpPr>
+          <p:cNvPr id="17" name="矩形 16"/>
+          <p:cNvSpPr/>
+          <p:nvPr/>
+        </p:nvSpPr>
+        <p:spPr>
+          <a:xfrm>
+            <a:off x="7049564" y="2949057"/>
+            <a:ext cx="1298961" cy="1237650"/>
+          </a:xfrm>
+          <a:prstGeom prst="rect">
+            <a:avLst/>
+          </a:prstGeom>
+          <a:noFill/>
+          <a:ln w="34925">
+            <a:solidFill>
+              <a:srgbClr val="FFC000"/>
+            </a:solidFill>
+          </a:ln>
+          <a:effectLst/>
+        </p:spPr>
+        <p:style>
+          <a:lnRef idx="1">
+            <a:schemeClr val="accent1"/>
+          </a:lnRef>
+          <a:fillRef idx="3">
+            <a:schemeClr val="accent1"/>
+          </a:fillRef>
+          <a:effectRef idx="2">
+            <a:schemeClr val="accent1"/>
+          </a:effectRef>
+          <a:fontRef idx="minor">
+            <a:schemeClr val="lt1"/>
+          </a:fontRef>
+        </p:style>
+        <p:txBody>
+          <a:bodyPr rtlCol="0" anchor="ctr"/>
+          <a:lstStyle/>
+          <a:p>
+            <a:pPr algn="ctr"/>
+            <a:endParaRPr lang="zh-TW" altLang="en-US" dirty="0">
+              <a:solidFill>
+                <a:schemeClr val="tx1"/>
+              </a:solidFill>
+            </a:endParaRPr>
+          </a:p>
+        </p:txBody>
+      </p:sp>
+      <p:pic>
+        <p:nvPicPr>
+          <p:cNvPr id="2" name="圖片 1"/>
+          <p:cNvPicPr>
+            <a:picLocks noChangeAspect="1"/>
+          </p:cNvPicPr>
+          <p:nvPr/>
+        </p:nvPicPr>
+        <p:blipFill>
+          <a:blip r:embed="rId4">
+            <a:extLst>
+              <a:ext uri="{28A0092B-C50C-407E-A947-70E740481C1C}">
+                <a14:useLocalDpi xmlns:a14="http://schemas.microsoft.com/office/drawing/2010/main" val="0"/>
+              </a:ext>
+            </a:extLst>
+          </a:blip>
+          <a:stretch>
+            <a:fillRect/>
+          </a:stretch>
+        </p:blipFill>
+        <p:spPr>
+          <a:xfrm>
+            <a:off x="7394244" y="4111524"/>
+            <a:ext cx="609600" cy="609600"/>
+          </a:xfrm>
+          <a:prstGeom prst="rect">
+            <a:avLst/>
+          </a:prstGeom>
+        </p:spPr>
+      </p:pic>
     </p:spTree>
     <p:extLst>
       <p:ext uri="{BB962C8B-B14F-4D97-AF65-F5344CB8AC3E}">
@@ -45287,15 +46276,6 @@
 </file>
 
 <file path=customXml/item1.xml><?xml version="1.0" encoding="utf-8"?>
-<?mso-contentType ?>
-<FormTemplates xmlns="http://schemas.microsoft.com/sharepoint/v3/contenttype/forms">
-  <Display>DocumentLibraryForm</Display>
-  <Edit>DocumentLibraryForm</Edit>
-  <New>DocumentLibraryForm</New>
-</FormTemplates>
-</file>
-
-<file path=customXml/item2.xml><?xml version="1.0" encoding="utf-8"?>
 <ct:contentTypeSchema xmlns:ct="http://schemas.microsoft.com/office/2006/metadata/contentType" xmlns:ma="http://schemas.microsoft.com/office/2006/metadata/properties/metaAttributes" ct:_="" ma:_="" ma:contentTypeName="文件" ma:contentTypeID="0x0101000CB458D5399432479E0BB962A3AC807C" ma:contentTypeVersion="1" ma:contentTypeDescription="建立新的文件。" ma:contentTypeScope="" ma:versionID="2090fcdc2e9aae8469eabc8d31b189fb">
   <xsd:schema xmlns:xsd="http://www.w3.org/2001/XMLSchema" xmlns:xs="http://www.w3.org/2001/XMLSchema" xmlns:p="http://schemas.microsoft.com/office/2006/metadata/properties" xmlns:ns2="24ac9ee2-1f69-49ec-81c1-d01c86227436" targetNamespace="http://schemas.microsoft.com/office/2006/metadata/properties" ma:root="true" ma:fieldsID="3ada4ee18b918396c161ab8726fa03da" ns2:_="">
     <xsd:import namespace="24ac9ee2-1f69-49ec-81c1-d01c86227436"/>
@@ -45426,6 +46406,15 @@
 </ct:contentTypeSchema>
 </file>
 
+<file path=customXml/item2.xml><?xml version="1.0" encoding="utf-8"?>
+<?mso-contentType ?>
+<FormTemplates xmlns="http://schemas.microsoft.com/sharepoint/v3/contenttype/forms">
+  <Display>DocumentLibraryForm</Display>
+  <Edit>DocumentLibraryForm</Edit>
+  <New>DocumentLibraryForm</New>
+</FormTemplates>
+</file>
+
 <file path=customXml/item3.xml><?xml version="1.0" encoding="utf-8"?>
 <p:properties xmlns:p="http://schemas.microsoft.com/office/2006/metadata/properties" xmlns:xsi="http://www.w3.org/2001/XMLSchema-instance" xmlns:pc="http://schemas.microsoft.com/office/infopath/2007/PartnerControls">
   <documentManagement>
@@ -45435,14 +46424,6 @@
 </file>
 
 <file path=customXml/itemProps1.xml><?xml version="1.0" encoding="utf-8"?>
-<ds:datastoreItem xmlns:ds="http://schemas.openxmlformats.org/officeDocument/2006/customXml" ds:itemID="{75703042-9C6F-440D-9A8D-0836740E8EC4}">
-  <ds:schemaRefs>
-    <ds:sche